--- a/LectureSlides/10b_ModelsFor OutliersAndOverdispersion.pptx
+++ b/LectureSlides/10b_ModelsFor OutliersAndOverdispersion.pptx
@@ -5,28 +5,29 @@
     <p:sldMasterId id="2147483648" r:id="rId1"/>
   </p:sldMasterIdLst>
   <p:notesMasterIdLst>
-    <p:notesMasterId r:id="rId21"/>
+    <p:notesMasterId r:id="rId22"/>
   </p:notesMasterIdLst>
   <p:sldIdLst>
     <p:sldId id="337" r:id="rId2"/>
     <p:sldId id="319" r:id="rId3"/>
-    <p:sldId id="320" r:id="rId4"/>
-    <p:sldId id="321" r:id="rId5"/>
-    <p:sldId id="322" r:id="rId6"/>
-    <p:sldId id="323" r:id="rId7"/>
-    <p:sldId id="324" r:id="rId8"/>
-    <p:sldId id="325" r:id="rId9"/>
-    <p:sldId id="326" r:id="rId10"/>
-    <p:sldId id="327" r:id="rId11"/>
-    <p:sldId id="328" r:id="rId12"/>
-    <p:sldId id="329" r:id="rId13"/>
-    <p:sldId id="330" r:id="rId14"/>
-    <p:sldId id="331" r:id="rId15"/>
-    <p:sldId id="332" r:id="rId16"/>
-    <p:sldId id="333" r:id="rId17"/>
-    <p:sldId id="334" r:id="rId18"/>
-    <p:sldId id="335" r:id="rId19"/>
-    <p:sldId id="336" r:id="rId20"/>
+    <p:sldId id="338" r:id="rId4"/>
+    <p:sldId id="320" r:id="rId5"/>
+    <p:sldId id="321" r:id="rId6"/>
+    <p:sldId id="322" r:id="rId7"/>
+    <p:sldId id="323" r:id="rId8"/>
+    <p:sldId id="324" r:id="rId9"/>
+    <p:sldId id="325" r:id="rId10"/>
+    <p:sldId id="326" r:id="rId11"/>
+    <p:sldId id="327" r:id="rId12"/>
+    <p:sldId id="328" r:id="rId13"/>
+    <p:sldId id="329" r:id="rId14"/>
+    <p:sldId id="330" r:id="rId15"/>
+    <p:sldId id="331" r:id="rId16"/>
+    <p:sldId id="332" r:id="rId17"/>
+    <p:sldId id="333" r:id="rId18"/>
+    <p:sldId id="334" r:id="rId19"/>
+    <p:sldId id="335" r:id="rId20"/>
+    <p:sldId id="336" r:id="rId21"/>
   </p:sldIdLst>
   <p:sldSz cx="9144000" cy="5143500" type="screen16x9"/>
   <p:notesSz cx="6858000" cy="9144000"/>
@@ -226,7 +227,7 @@
           <a:p>
             <a:fld id="{B45A0028-71D2-4800-AD8E-38BD1BCDF688}" type="datetimeFigureOut">
               <a:rPr lang="en-US" smtClean="0"/>
-              <a:t>9/22/2024</a:t>
+              <a:t>10/11/2024</a:t>
             </a:fld>
             <a:endParaRPr lang="en-US"/>
           </a:p>
@@ -672,7 +673,7 @@
           <a:p>
             <a:fld id="{241EB5C9-1307-BA42-ABA2-0BC069CD8E7F}" type="datetimeFigureOut">
               <a:rPr lang="en-US" smtClean="0"/>
-              <a:t>9/22/2024</a:t>
+              <a:t>10/11/2024</a:t>
             </a:fld>
             <a:endParaRPr lang="en-US"/>
           </a:p>
@@ -840,7 +841,7 @@
           <a:p>
             <a:fld id="{241EB5C9-1307-BA42-ABA2-0BC069CD8E7F}" type="datetimeFigureOut">
               <a:rPr lang="en-US" smtClean="0"/>
-              <a:t>9/22/2024</a:t>
+              <a:t>10/11/2024</a:t>
             </a:fld>
             <a:endParaRPr lang="en-US"/>
           </a:p>
@@ -1018,7 +1019,7 @@
           <a:p>
             <a:fld id="{241EB5C9-1307-BA42-ABA2-0BC069CD8E7F}" type="datetimeFigureOut">
               <a:rPr lang="en-US" smtClean="0"/>
-              <a:t>9/22/2024</a:t>
+              <a:t>10/11/2024</a:t>
             </a:fld>
             <a:endParaRPr lang="en-US"/>
           </a:p>
@@ -1186,7 +1187,7 @@
           <a:p>
             <a:fld id="{241EB5C9-1307-BA42-ABA2-0BC069CD8E7F}" type="datetimeFigureOut">
               <a:rPr lang="en-US" smtClean="0"/>
-              <a:t>9/22/2024</a:t>
+              <a:t>10/11/2024</a:t>
             </a:fld>
             <a:endParaRPr lang="en-US"/>
           </a:p>
@@ -1431,7 +1432,7 @@
           <a:p>
             <a:fld id="{241EB5C9-1307-BA42-ABA2-0BC069CD8E7F}" type="datetimeFigureOut">
               <a:rPr lang="en-US" smtClean="0"/>
-              <a:t>9/22/2024</a:t>
+              <a:t>10/11/2024</a:t>
             </a:fld>
             <a:endParaRPr lang="en-US"/>
           </a:p>
@@ -1716,7 +1717,7 @@
           <a:p>
             <a:fld id="{241EB5C9-1307-BA42-ABA2-0BC069CD8E7F}" type="datetimeFigureOut">
               <a:rPr lang="en-US" smtClean="0"/>
-              <a:t>9/22/2024</a:t>
+              <a:t>10/11/2024</a:t>
             </a:fld>
             <a:endParaRPr lang="en-US"/>
           </a:p>
@@ -2135,7 +2136,7 @@
           <a:p>
             <a:fld id="{241EB5C9-1307-BA42-ABA2-0BC069CD8E7F}" type="datetimeFigureOut">
               <a:rPr lang="en-US" smtClean="0"/>
-              <a:t>9/22/2024</a:t>
+              <a:t>10/11/2024</a:t>
             </a:fld>
             <a:endParaRPr lang="en-US"/>
           </a:p>
@@ -2252,7 +2253,7 @@
           <a:p>
             <a:fld id="{241EB5C9-1307-BA42-ABA2-0BC069CD8E7F}" type="datetimeFigureOut">
               <a:rPr lang="en-US" smtClean="0"/>
-              <a:t>9/22/2024</a:t>
+              <a:t>10/11/2024</a:t>
             </a:fld>
             <a:endParaRPr lang="en-US"/>
           </a:p>
@@ -2347,7 +2348,7 @@
           <a:p>
             <a:fld id="{241EB5C9-1307-BA42-ABA2-0BC069CD8E7F}" type="datetimeFigureOut">
               <a:rPr lang="en-US" smtClean="0"/>
-              <a:t>9/22/2024</a:t>
+              <a:t>10/11/2024</a:t>
             </a:fld>
             <a:endParaRPr lang="en-US"/>
           </a:p>
@@ -2622,7 +2623,7 @@
           <a:p>
             <a:fld id="{241EB5C9-1307-BA42-ABA2-0BC069CD8E7F}" type="datetimeFigureOut">
               <a:rPr lang="en-US" smtClean="0"/>
-              <a:t>9/22/2024</a:t>
+              <a:t>10/11/2024</a:t>
             </a:fld>
             <a:endParaRPr lang="en-US"/>
           </a:p>
@@ -2874,7 +2875,7 @@
           <a:p>
             <a:fld id="{241EB5C9-1307-BA42-ABA2-0BC069CD8E7F}" type="datetimeFigureOut">
               <a:rPr lang="en-US" smtClean="0"/>
-              <a:t>9/22/2024</a:t>
+              <a:t>10/11/2024</a:t>
             </a:fld>
             <a:endParaRPr lang="en-US"/>
           </a:p>
@@ -3085,7 +3086,7 @@
           <a:p>
             <a:fld id="{241EB5C9-1307-BA42-ABA2-0BC069CD8E7F}" type="datetimeFigureOut">
               <a:rPr lang="en-US" smtClean="0"/>
-              <a:t>9/22/2024</a:t>
+              <a:t>10/11/2024</a:t>
             </a:fld>
             <a:endParaRPr lang="en-US"/>
           </a:p>
@@ -3485,11 +3486,7 @@
             </a:pPr>
             <a:r>
               <a:rPr lang="en-US" dirty="0"/>
-              <a:t>Dealing with Outliers and </a:t>
-            </a:r>
-            <a:r>
-              <a:rPr lang="en-US"/>
-              <a:t>Over Dispersion</a:t>
+              <a:t>Dealing with Messy Data</a:t>
             </a:r>
             <a:endParaRPr b="1" dirty="0"/>
           </a:p>
@@ -3706,6 +3703,150 @@
         <p:spPr/>
         <p:txBody>
           <a:bodyPr>
+            <a:normAutofit fontScale="77500" lnSpcReduction="20000"/>
+          </a:bodyPr>
+          <a:lstStyle/>
+          <a:p>
+            <a:pPr marL="0" lvl="0" indent="0">
+              <a:buNone/>
+            </a:pPr>
+            <a:r>
+              <a:t>Why are linear models sensitive to outliers</a:t>
+            </a:r>
+          </a:p>
+          <a:p>
+            <a:pPr lvl="0"/>
+            <a:r>
+              <a:t>Ordinary linear regression uses </a:t>
+            </a:r>
+            <a:r>
+              <a:rPr b="1"/>
+              <a:t>squared error loss</a:t>
+            </a:r>
+            <a:r>
+              <a:t> function</a:t>
+            </a:r>
+          </a:p>
+          <a:p>
+            <a:pPr lvl="1"/>
+            <a:r>
+              <a:t>Optimal if the errors are iid Normal</a:t>
+            </a:r>
+            <a:br/>
+            <a:endParaRPr/>
+          </a:p>
+          <a:p>
+            <a:pPr lvl="1"/>
+            <a:r>
+              <a:t>Is an </a:t>
+            </a:r>
+            <a:r>
+              <a:rPr b="1"/>
+              <a:t>unbiased estimator</a:t>
+            </a:r>
+          </a:p>
+          <a:p>
+            <a:pPr lvl="0"/>
+            <a:r>
+              <a:t>In 1-dimension median is robust to outliers</a:t>
+            </a:r>
+          </a:p>
+          <a:p>
+            <a:pPr lvl="1"/>
+            <a:r>
+              <a:t>But far from an optimal estimator</a:t>
+            </a:r>
+            <a:br/>
+            <a:endParaRPr/>
+          </a:p>
+          <a:p>
+            <a:pPr lvl="1"/>
+            <a:r>
+              <a:t>High bias</a:t>
+            </a:r>
+            <a:br/>
+            <a:endParaRPr/>
+          </a:p>
+          <a:p>
+            <a:pPr lvl="1"/>
+            <a:r>
+              <a:t>Hard to implement beyond 1-dimension</a:t>
+            </a:r>
+          </a:p>
+          <a:p>
+            <a:pPr lvl="0"/>
+            <a:r>
+              <a:t>We can study the response of estimators to outliers using an </a:t>
+            </a:r>
+            <a:r>
+              <a:rPr b="1"/>
+              <a:t>influence function</a:t>
+            </a:r>
+          </a:p>
+        </p:txBody>
+      </p:sp>
+    </p:spTree>
+  </p:cSld>
+  <p:clrMapOvr>
+    <a:masterClrMapping/>
+  </p:clrMapOvr>
+</p:sld>
+</file>
+
+<file path=ppt/slides/slide11.xml><?xml version="1.0" encoding="utf-8"?>
+<p:sld xmlns:a="http://schemas.openxmlformats.org/drawingml/2006/main" xmlns:r="http://schemas.openxmlformats.org/officeDocument/2006/relationships" xmlns:p="http://schemas.openxmlformats.org/presentationml/2006/main">
+  <p:cSld>
+    <p:spTree>
+      <p:nvGrpSpPr>
+        <p:cNvPr id="1" name=""/>
+        <p:cNvGrpSpPr/>
+        <p:nvPr/>
+      </p:nvGrpSpPr>
+      <p:grpSpPr>
+        <a:xfrm>
+          <a:off x="0" y="0"/>
+          <a:ext cx="0" cy="0"/>
+          <a:chOff x="0" y="0"/>
+          <a:chExt cx="0" cy="0"/>
+        </a:xfrm>
+      </p:grpSpPr>
+      <p:sp>
+        <p:nvSpPr>
+          <p:cNvPr id="2" name="Title 1"/>
+          <p:cNvSpPr>
+            <a:spLocks noGrp="1"/>
+          </p:cNvSpPr>
+          <p:nvPr>
+            <p:ph type="title"/>
+          </p:nvPr>
+        </p:nvSpPr>
+        <p:spPr/>
+        <p:txBody>
+          <a:bodyPr/>
+          <a:lstStyle/>
+          <a:p>
+            <a:pPr marL="0" lvl="0" indent="0">
+              <a:buNone/>
+            </a:pPr>
+            <a:r>
+              <a:t>Dealing With Outliers</a:t>
+            </a:r>
+          </a:p>
+        </p:txBody>
+      </p:sp>
+      <p:sp>
+        <p:nvSpPr>
+          <p:cNvPr id="3" name="Content Placeholder 2"/>
+          <p:cNvSpPr>
+            <a:spLocks noGrp="1"/>
+          </p:cNvSpPr>
+          <p:nvPr>
+            <p:ph idx="1"/>
+          </p:nvPr>
+        </p:nvSpPr>
+        <p:spPr/>
+        <p:txBody>
+          <a:bodyPr>
             <a:normAutofit fontScale="92500"/>
           </a:bodyPr>
           <a:lstStyle/>
@@ -3855,7 +3996,7 @@
 </p:sld>
 </file>
 
-<file path=ppt/slides/slide11.xml><?xml version="1.0" encoding="utf-8"?>
+<file path=ppt/slides/slide12.xml><?xml version="1.0" encoding="utf-8"?>
 <p:sld xmlns:a="http://schemas.openxmlformats.org/drawingml/2006/main" xmlns:r="http://schemas.openxmlformats.org/officeDocument/2006/relationships" xmlns:p="http://schemas.openxmlformats.org/presentationml/2006/main">
   <p:cSld>
     <p:spTree>
@@ -4151,7 +4292,7 @@
 </p:sld>
 </file>
 
-<file path=ppt/slides/slide12.xml><?xml version="1.0" encoding="utf-8"?>
+<file path=ppt/slides/slide13.xml><?xml version="1.0" encoding="utf-8"?>
 <p:sld xmlns:a="http://schemas.openxmlformats.org/drawingml/2006/main" xmlns:r="http://schemas.openxmlformats.org/officeDocument/2006/relationships" xmlns:p="http://schemas.openxmlformats.org/presentationml/2006/main">
   <p:cSld>
     <p:spTree>
@@ -4277,7 +4418,7 @@
 </p:sld>
 </file>
 
-<file path=ppt/slides/slide13.xml><?xml version="1.0" encoding="utf-8"?>
+<file path=ppt/slides/slide14.xml><?xml version="1.0" encoding="utf-8"?>
 <p:sld xmlns:a="http://schemas.openxmlformats.org/drawingml/2006/main" xmlns:r="http://schemas.openxmlformats.org/officeDocument/2006/relationships" xmlns:p="http://schemas.openxmlformats.org/presentationml/2006/main">
   <p:cSld>
     <p:spTree>
@@ -4584,7 +4725,7 @@
 </p:sld>
 </file>
 
-<file path=ppt/slides/slide14.xml><?xml version="1.0" encoding="utf-8"?>
+<file path=ppt/slides/slide15.xml><?xml version="1.0" encoding="utf-8"?>
 <p:sld xmlns:a="http://schemas.openxmlformats.org/drawingml/2006/main" xmlns:r="http://schemas.openxmlformats.org/officeDocument/2006/relationships" xmlns:p="http://schemas.openxmlformats.org/presentationml/2006/main">
   <p:cSld>
     <p:spTree>
@@ -4625,8 +4766,8 @@
           </a:p>
         </p:txBody>
       </p:sp>
-      <mc:AlternateContent xmlns:mc="http://schemas.openxmlformats.org/markup-compatibility/2006">
-        <mc:Choice xmlns:a14="http://schemas.microsoft.com/office/drawing/2010/main" Requires="a14">
+      <mc:AlternateContent xmlns:mc="http://schemas.openxmlformats.org/markup-compatibility/2006" xmlns:a14="http://schemas.microsoft.com/office/drawing/2010/main">
+        <mc:Choice Requires="a14">
           <p:sp>
             <p:nvSpPr>
               <p:cNvPr id="3" name="Content Placeholder 2"/>
@@ -4719,7 +4860,7 @@
             </p:txBody>
           </p:sp>
         </mc:Choice>
-        <mc:Fallback>
+        <mc:Fallback xmlns="">
           <p:sp>
             <p:nvSpPr>
               <p:cNvPr id="3" name="Content Placeholder 2"/>
@@ -4845,7 +4986,7 @@
 </p:sld>
 </file>
 
-<file path=ppt/slides/slide15.xml><?xml version="1.0" encoding="utf-8"?>
+<file path=ppt/slides/slide16.xml><?xml version="1.0" encoding="utf-8"?>
 <p:sld xmlns:a="http://schemas.openxmlformats.org/drawingml/2006/main" xmlns:r="http://schemas.openxmlformats.org/officeDocument/2006/relationships" xmlns:p="http://schemas.openxmlformats.org/presentationml/2006/main">
   <p:cSld>
     <p:spTree>
@@ -5092,7 +5233,7 @@
 </p:sld>
 </file>
 
-<file path=ppt/slides/slide16.xml><?xml version="1.0" encoding="utf-8"?>
+<file path=ppt/slides/slide17.xml><?xml version="1.0" encoding="utf-8"?>
 <p:sld xmlns:a="http://schemas.openxmlformats.org/drawingml/2006/main" xmlns:r="http://schemas.openxmlformats.org/officeDocument/2006/relationships" xmlns:p="http://schemas.openxmlformats.org/presentationml/2006/main">
   <p:cSld>
     <p:spTree>
@@ -5200,61 +5341,6 @@
 </p:sld>
 </file>
 
-<file path=ppt/slides/slide17.xml><?xml version="1.0" encoding="utf-8"?>
-<p:sld xmlns:a="http://schemas.openxmlformats.org/drawingml/2006/main" xmlns:r="http://schemas.openxmlformats.org/officeDocument/2006/relationships" xmlns:p="http://schemas.openxmlformats.org/presentationml/2006/main">
-  <p:cSld>
-    <p:spTree>
-      <p:nvGrpSpPr>
-        <p:cNvPr id="1" name=""/>
-        <p:cNvGrpSpPr/>
-        <p:nvPr/>
-      </p:nvGrpSpPr>
-      <p:grpSpPr>
-        <a:xfrm>
-          <a:off x="0" y="0"/>
-          <a:ext cx="0" cy="0"/>
-          <a:chOff x="0" y="0"/>
-          <a:chExt cx="0" cy="0"/>
-        </a:xfrm>
-      </p:grpSpPr>
-      <p:sp>
-        <p:nvSpPr>
-          <p:cNvPr id="3" name="Content Placeholder 2"/>
-          <p:cNvSpPr>
-            <a:spLocks noGrp="1"/>
-          </p:cNvSpPr>
-          <p:nvPr>
-            <p:ph idx="1"/>
-          </p:nvPr>
-        </p:nvSpPr>
-        <p:spPr/>
-        <p:txBody>
-          <a:bodyPr/>
-          <a:lstStyle/>
-          <a:p>
-            <a:pPr marL="0" lvl="0" indent="0">
-              <a:buNone/>
-            </a:pPr>
-            <a:endParaRPr/>
-          </a:p>
-          <a:p>
-            <a:pPr marL="0" lvl="0" indent="0">
-              <a:buNone/>
-            </a:pPr>
-            <a:r>
-              <a:t>Notice the different slope for the regression with Huber loss</a:t>
-            </a:r>
-          </a:p>
-        </p:txBody>
-      </p:sp>
-    </p:spTree>
-  </p:cSld>
-  <p:clrMapOvr>
-    <a:masterClrMapping/>
-  </p:clrMapOvr>
-</p:sld>
-</file>
-
 <file path=ppt/slides/slide18.xml><?xml version="1.0" encoding="utf-8"?>
 <p:sld xmlns:a="http://schemas.openxmlformats.org/drawingml/2006/main" xmlns:r="http://schemas.openxmlformats.org/officeDocument/2006/relationships" xmlns:p="http://schemas.openxmlformats.org/presentationml/2006/main">
   <p:cSld>
@@ -5274,12 +5360,12 @@
       </p:grpSpPr>
       <p:sp>
         <p:nvSpPr>
-          <p:cNvPr id="2" name="Title 1"/>
-          <p:cNvSpPr>
-            <a:spLocks noGrp="1"/>
-          </p:cNvSpPr>
-          <p:nvPr>
-            <p:ph type="title"/>
+          <p:cNvPr id="3" name="Content Placeholder 2"/>
+          <p:cNvSpPr>
+            <a:spLocks noGrp="1"/>
+          </p:cNvSpPr>
+          <p:nvPr>
+            <p:ph idx="1"/>
           </p:nvPr>
         </p:nvSpPr>
         <p:spPr/>
@@ -5290,91 +5376,14 @@
             <a:pPr marL="0" lvl="0" indent="0">
               <a:buNone/>
             </a:pPr>
-            <a:r>
-              <a:t>Summary</a:t>
-            </a:r>
-          </a:p>
-        </p:txBody>
-      </p:sp>
-      <p:sp>
-        <p:nvSpPr>
-          <p:cNvPr id="3" name="Content Placeholder 2"/>
-          <p:cNvSpPr>
-            <a:spLocks noGrp="1"/>
-          </p:cNvSpPr>
-          <p:nvPr>
-            <p:ph idx="1"/>
-          </p:nvPr>
-        </p:nvSpPr>
-        <p:spPr/>
-        <p:txBody>
-          <a:bodyPr>
-            <a:normAutofit fontScale="92500"/>
-          </a:bodyPr>
-          <a:lstStyle/>
+            <a:endParaRPr/>
+          </a:p>
           <a:p>
             <a:pPr marL="0" lvl="0" indent="0">
               <a:buNone/>
             </a:pPr>
             <a:r>
-              <a:t>Linear models are a flexible and widely used class of models</a:t>
-            </a:r>
-          </a:p>
-          <a:p>
-            <a:pPr lvl="0"/>
-            <a:r>
-              <a:t>Fit model coefficients by </a:t>
-            </a:r>
-            <a:r>
-              <a:rPr b="1"/>
-              <a:t>least squares</a:t>
-            </a:r>
-            <a:r>
-              <a:t> estimation</a:t>
-            </a:r>
-          </a:p>
-          <a:p>
-            <a:pPr lvl="0"/>
-            <a:r>
-              <a:t>Can use many types of predictor variables</a:t>
-            </a:r>
-          </a:p>
-          <a:p>
-            <a:pPr lvl="0"/>
-            <a:r>
-              <a:t>SGD and L-FBGS algorithms allow massive scaling of linear models</a:t>
-            </a:r>
-          </a:p>
-          <a:p>
-            <a:pPr lvl="0"/>
-            <a:r>
-              <a:t>We prefer the simplest model that does a reasonable job</a:t>
-            </a:r>
-          </a:p>
-          <a:p>
-            <a:pPr lvl="1"/>
-            <a:r>
-              <a:t>The principle of </a:t>
-            </a:r>
-            <a:r>
-              <a:rPr b="1"/>
-              <a:t>Occam’s razor</a:t>
-            </a:r>
-          </a:p>
-          <a:p>
-            <a:pPr lvl="0"/>
-            <a:r>
-              <a:t>Must consider the </a:t>
-            </a:r>
-            <a:r>
-              <a:rPr b="1"/>
-              <a:t>bias-variance trade-off</a:t>
-            </a:r>
-          </a:p>
-          <a:p>
-            <a:pPr lvl="0"/>
-            <a:r>
-              <a:t>Use robust methods if outliers are present</a:t>
+              <a:t>Notice the different slope for the regression with Huber loss</a:t>
             </a:r>
           </a:p>
         </p:txBody>
@@ -5388,6 +5397,333 @@
 </file>
 
 <file path=ppt/slides/slide19.xml><?xml version="1.0" encoding="utf-8"?>
+<p:sld xmlns:a="http://schemas.openxmlformats.org/drawingml/2006/main" xmlns:r="http://schemas.openxmlformats.org/officeDocument/2006/relationships" xmlns:p="http://schemas.openxmlformats.org/presentationml/2006/main">
+  <p:cSld>
+    <p:spTree>
+      <p:nvGrpSpPr>
+        <p:cNvPr id="1" name=""/>
+        <p:cNvGrpSpPr/>
+        <p:nvPr/>
+      </p:nvGrpSpPr>
+      <p:grpSpPr>
+        <a:xfrm>
+          <a:off x="0" y="0"/>
+          <a:ext cx="0" cy="0"/>
+          <a:chOff x="0" y="0"/>
+          <a:chExt cx="0" cy="0"/>
+        </a:xfrm>
+      </p:grpSpPr>
+      <p:sp>
+        <p:nvSpPr>
+          <p:cNvPr id="2" name="Title 1"/>
+          <p:cNvSpPr>
+            <a:spLocks noGrp="1"/>
+          </p:cNvSpPr>
+          <p:nvPr>
+            <p:ph type="title"/>
+          </p:nvPr>
+        </p:nvSpPr>
+        <p:spPr/>
+        <p:txBody>
+          <a:bodyPr/>
+          <a:lstStyle/>
+          <a:p>
+            <a:pPr marL="0" lvl="0" indent="0">
+              <a:buNone/>
+            </a:pPr>
+            <a:r>
+              <a:t>Summary</a:t>
+            </a:r>
+          </a:p>
+        </p:txBody>
+      </p:sp>
+      <p:sp>
+        <p:nvSpPr>
+          <p:cNvPr id="3" name="Content Placeholder 2"/>
+          <p:cNvSpPr>
+            <a:spLocks noGrp="1"/>
+          </p:cNvSpPr>
+          <p:nvPr>
+            <p:ph idx="1"/>
+          </p:nvPr>
+        </p:nvSpPr>
+        <p:spPr/>
+        <p:txBody>
+          <a:bodyPr>
+            <a:normAutofit fontScale="92500"/>
+          </a:bodyPr>
+          <a:lstStyle/>
+          <a:p>
+            <a:pPr marL="0" lvl="0" indent="0">
+              <a:buNone/>
+            </a:pPr>
+            <a:r>
+              <a:t>Linear models are a flexible and widely used class of models</a:t>
+            </a:r>
+          </a:p>
+          <a:p>
+            <a:pPr lvl="0"/>
+            <a:r>
+              <a:t>Fit model coefficients by </a:t>
+            </a:r>
+            <a:r>
+              <a:rPr b="1"/>
+              <a:t>least squares</a:t>
+            </a:r>
+            <a:r>
+              <a:t> estimation</a:t>
+            </a:r>
+          </a:p>
+          <a:p>
+            <a:pPr lvl="0"/>
+            <a:r>
+              <a:t>Can use many types of predictor variables</a:t>
+            </a:r>
+          </a:p>
+          <a:p>
+            <a:pPr lvl="0"/>
+            <a:r>
+              <a:t>SGD and L-FBGS algorithms allow massive scaling of linear models</a:t>
+            </a:r>
+          </a:p>
+          <a:p>
+            <a:pPr lvl="0"/>
+            <a:r>
+              <a:t>We prefer the simplest model that does a reasonable job</a:t>
+            </a:r>
+          </a:p>
+          <a:p>
+            <a:pPr lvl="1"/>
+            <a:r>
+              <a:t>The principle of </a:t>
+            </a:r>
+            <a:r>
+              <a:rPr b="1"/>
+              <a:t>Occam’s razor</a:t>
+            </a:r>
+          </a:p>
+          <a:p>
+            <a:pPr lvl="0"/>
+            <a:r>
+              <a:t>Must consider the </a:t>
+            </a:r>
+            <a:r>
+              <a:rPr b="1"/>
+              <a:t>bias-variance trade-off</a:t>
+            </a:r>
+          </a:p>
+          <a:p>
+            <a:pPr lvl="0"/>
+            <a:r>
+              <a:t>Use robust methods if outliers are present</a:t>
+            </a:r>
+          </a:p>
+        </p:txBody>
+      </p:sp>
+    </p:spTree>
+  </p:cSld>
+  <p:clrMapOvr>
+    <a:masterClrMapping/>
+  </p:clrMapOvr>
+</p:sld>
+</file>
+
+<file path=ppt/slides/slide2.xml><?xml version="1.0" encoding="utf-8"?>
+<p:sld xmlns:a="http://schemas.openxmlformats.org/drawingml/2006/main" xmlns:r="http://schemas.openxmlformats.org/officeDocument/2006/relationships" xmlns:p="http://schemas.openxmlformats.org/presentationml/2006/main">
+  <p:cSld>
+    <p:spTree>
+      <p:nvGrpSpPr>
+        <p:cNvPr id="1" name=""/>
+        <p:cNvGrpSpPr/>
+        <p:nvPr/>
+      </p:nvGrpSpPr>
+      <p:grpSpPr>
+        <a:xfrm>
+          <a:off x="0" y="0"/>
+          <a:ext cx="0" cy="0"/>
+          <a:chOff x="0" y="0"/>
+          <a:chExt cx="0" cy="0"/>
+        </a:xfrm>
+      </p:grpSpPr>
+      <p:sp>
+        <p:nvSpPr>
+          <p:cNvPr id="2" name="Title 1"/>
+          <p:cNvSpPr>
+            <a:spLocks noGrp="1"/>
+          </p:cNvSpPr>
+          <p:nvPr>
+            <p:ph type="title"/>
+          </p:nvPr>
+        </p:nvSpPr>
+        <p:spPr/>
+        <p:txBody>
+          <a:bodyPr/>
+          <a:lstStyle/>
+          <a:p>
+            <a:pPr marL="0" lvl="0" indent="0">
+              <a:buNone/>
+            </a:pPr>
+            <a:r>
+              <a:t>Linear Model Assumptions</a:t>
+            </a:r>
+          </a:p>
+        </p:txBody>
+      </p:sp>
+      <p:sp>
+        <p:nvSpPr>
+          <p:cNvPr id="3" name="Content Placeholder 2"/>
+          <p:cNvSpPr>
+            <a:spLocks noGrp="1"/>
+          </p:cNvSpPr>
+          <p:nvPr>
+            <p:ph idx="1"/>
+          </p:nvPr>
+        </p:nvSpPr>
+        <p:spPr/>
+        <p:txBody>
+          <a:bodyPr>
+            <a:normAutofit fontScale="62500" lnSpcReduction="20000"/>
+          </a:bodyPr>
+          <a:lstStyle/>
+          <a:p>
+            <a:pPr marL="0" lvl="0" indent="0">
+              <a:buNone/>
+            </a:pPr>
+            <a:r>
+              <a:rPr dirty="0"/>
+              <a:t>There are a number of assumptions in linear models that you overlook at your peril!</a:t>
+            </a:r>
+          </a:p>
+          <a:p>
+            <a:pPr lvl="0"/>
+            <a:r>
+              <a:rPr dirty="0"/>
+              <a:t>The feature or predictor variables should be </a:t>
+            </a:r>
+            <a:r>
+              <a:rPr b="1" dirty="0"/>
+              <a:t>independent</a:t>
+            </a:r>
+            <a:r>
+              <a:rPr dirty="0"/>
+              <a:t> of one another</a:t>
+            </a:r>
+          </a:p>
+          <a:p>
+            <a:pPr lvl="1"/>
+            <a:r>
+              <a:rPr dirty="0"/>
+              <a:t>This is rarely true in practice</a:t>
+            </a:r>
+          </a:p>
+          <a:p>
+            <a:pPr lvl="1"/>
+            <a:r>
+              <a:rPr b="1" dirty="0"/>
+              <a:t>Multi-</a:t>
+            </a:r>
+            <a:r>
+              <a:rPr b="1" dirty="0" err="1"/>
+              <a:t>colinearity</a:t>
+            </a:r>
+            <a:r>
+              <a:rPr dirty="0"/>
+              <a:t> between features makes the model </a:t>
+            </a:r>
+            <a:r>
+              <a:rPr b="1" dirty="0"/>
+              <a:t>under-determined</a:t>
+            </a:r>
+          </a:p>
+          <a:p>
+            <a:pPr lvl="0"/>
+            <a:r>
+              <a:rPr dirty="0"/>
+              <a:t>We assume that numeric features or predictors have zero mean and about the same scale</a:t>
+            </a:r>
+          </a:p>
+          <a:p>
+            <a:pPr lvl="1"/>
+            <a:r>
+              <a:rPr dirty="0"/>
+              <a:t>We do not want to bias the estimation of regression coefficients with predictors that do not have a 0 mean</a:t>
+            </a:r>
+          </a:p>
+          <a:p>
+            <a:pPr lvl="1"/>
+            <a:r>
+              <a:rPr dirty="0"/>
+              <a:t>We do not want to have predictors with a large numeric range dominate training</a:t>
+            </a:r>
+          </a:p>
+          <a:p>
+            <a:pPr lvl="1"/>
+            <a:r>
+              <a:rPr dirty="0"/>
+              <a:t>Example: income is in the range of 10s or 100s of thousands and age is in the range of 10s, but </a:t>
+            </a:r>
+            <a:r>
+              <a:rPr dirty="0" err="1"/>
+              <a:t>apriori</a:t>
+            </a:r>
+            <a:r>
+              <a:rPr dirty="0"/>
+              <a:t> income is no more important than age as a predictor</a:t>
+            </a:r>
+          </a:p>
+          <a:p>
+            <a:pPr lvl="0"/>
+            <a:r>
+              <a:rPr dirty="0"/>
+              <a:t>Values of each predictor or feature should be </a:t>
+            </a:r>
+            <a:r>
+              <a:rPr dirty="0" err="1"/>
+              <a:t>iid</a:t>
+            </a:r>
+            <a:endParaRPr dirty="0"/>
+          </a:p>
+          <a:p>
+            <a:pPr lvl="1"/>
+            <a:r>
+              <a:rPr dirty="0"/>
+              <a:t>If variance changes with sample, the optimal value of the coefficient could not be constant</a:t>
+            </a:r>
+          </a:p>
+          <a:p>
+            <a:pPr lvl="1"/>
+            <a:r>
+              <a:rPr dirty="0"/>
+              <a:t>If there </a:t>
+            </a:r>
+            <a:r>
+              <a:rPr b="1" dirty="0"/>
+              <a:t>serial correlation</a:t>
+            </a:r>
+            <a:r>
+              <a:rPr dirty="0"/>
+              <a:t> in the predictor values, the </a:t>
+            </a:r>
+            <a:r>
+              <a:rPr dirty="0" err="1"/>
+              <a:t>iid</a:t>
+            </a:r>
+            <a:r>
+              <a:rPr dirty="0"/>
+              <a:t> assumption is violated - but can account for this such as in time series models</a:t>
+            </a:r>
+          </a:p>
+        </p:txBody>
+      </p:sp>
+    </p:spTree>
+  </p:cSld>
+  <p:clrMapOvr>
+    <a:masterClrMapping/>
+  </p:clrMapOvr>
+</p:sld>
+</file>
+
+<file path=ppt/slides/slide20.xml><?xml version="1.0" encoding="utf-8"?>
 <p:sld xmlns:a="http://schemas.openxmlformats.org/drawingml/2006/main" xmlns:r="http://schemas.openxmlformats.org/officeDocument/2006/relationships" xmlns:p="http://schemas.openxmlformats.org/presentationml/2006/main">
   <p:cSld>
     <p:spTree>
@@ -5584,7 +5920,187 @@
 </p:sld>
 </file>
 
-<file path=ppt/slides/slide2.xml><?xml version="1.0" encoding="utf-8"?>
+<file path=ppt/slides/slide3.xml><?xml version="1.0" encoding="utf-8"?>
+<p:sld xmlns:a="http://schemas.openxmlformats.org/drawingml/2006/main" xmlns:r="http://schemas.openxmlformats.org/officeDocument/2006/relationships" xmlns:p="http://schemas.openxmlformats.org/presentationml/2006/main">
+  <p:cSld>
+    <p:spTree>
+      <p:nvGrpSpPr>
+        <p:cNvPr id="1" name="">
+          <a:extLst>
+            <a:ext uri="{FF2B5EF4-FFF2-40B4-BE49-F238E27FC236}">
+              <a16:creationId xmlns:a16="http://schemas.microsoft.com/office/drawing/2014/main" id="{217CC54D-A93E-7DF0-F2EC-6036421943BA}"/>
+            </a:ext>
+          </a:extLst>
+        </p:cNvPr>
+        <p:cNvGrpSpPr/>
+        <p:nvPr/>
+      </p:nvGrpSpPr>
+      <p:grpSpPr>
+        <a:xfrm>
+          <a:off x="0" y="0"/>
+          <a:ext cx="0" cy="0"/>
+          <a:chOff x="0" y="0"/>
+          <a:chExt cx="0" cy="0"/>
+        </a:xfrm>
+      </p:grpSpPr>
+      <p:sp>
+        <p:nvSpPr>
+          <p:cNvPr id="2" name="Title 1">
+            <a:extLst>
+              <a:ext uri="{FF2B5EF4-FFF2-40B4-BE49-F238E27FC236}">
+                <a16:creationId xmlns:a16="http://schemas.microsoft.com/office/drawing/2014/main" id="{3B05EEC6-D606-BDA0-212E-8D3ADDACF228}"/>
+              </a:ext>
+            </a:extLst>
+          </p:cNvPr>
+          <p:cNvSpPr>
+            <a:spLocks noGrp="1"/>
+          </p:cNvSpPr>
+          <p:nvPr>
+            <p:ph type="title"/>
+          </p:nvPr>
+        </p:nvSpPr>
+        <p:spPr/>
+        <p:txBody>
+          <a:bodyPr/>
+          <a:lstStyle/>
+          <a:p>
+            <a:pPr marL="0" lvl="0" indent="0">
+              <a:buNone/>
+            </a:pPr>
+            <a:r>
+              <a:rPr lang="en-US" dirty="0"/>
+              <a:t>Introduction</a:t>
+            </a:r>
+            <a:endParaRPr dirty="0"/>
+          </a:p>
+        </p:txBody>
+      </p:sp>
+      <p:sp>
+        <p:nvSpPr>
+          <p:cNvPr id="3" name="Content Placeholder 2">
+            <a:extLst>
+              <a:ext uri="{FF2B5EF4-FFF2-40B4-BE49-F238E27FC236}">
+                <a16:creationId xmlns:a16="http://schemas.microsoft.com/office/drawing/2014/main" id="{07854A8C-8365-5A51-A4BD-48F8386E8528}"/>
+              </a:ext>
+            </a:extLst>
+          </p:cNvPr>
+          <p:cNvSpPr>
+            <a:spLocks noGrp="1"/>
+          </p:cNvSpPr>
+          <p:nvPr>
+            <p:ph idx="1"/>
+          </p:nvPr>
+        </p:nvSpPr>
+        <p:spPr/>
+        <p:txBody>
+          <a:bodyPr>
+            <a:normAutofit fontScale="85000" lnSpcReduction="20000"/>
+          </a:bodyPr>
+          <a:lstStyle/>
+          <a:p>
+            <a:pPr marL="0" lvl="0" indent="0">
+              <a:buNone/>
+            </a:pPr>
+            <a:r>
+              <a:rPr lang="en-US" dirty="0"/>
+              <a:t>Several commonly encountered data problems create problems for OLS and GLM models</a:t>
+            </a:r>
+            <a:endParaRPr dirty="0"/>
+          </a:p>
+          <a:p>
+            <a:pPr lvl="0"/>
+            <a:r>
+              <a:rPr lang="en-US" b="1" dirty="0"/>
+              <a:t>Zero inflated response variables </a:t>
+            </a:r>
+            <a:r>
+              <a:rPr lang="en-US" dirty="0"/>
+              <a:t>have an unusual number of zero values   </a:t>
+            </a:r>
+          </a:p>
+          <a:p>
+            <a:pPr lvl="1"/>
+            <a:r>
+              <a:rPr lang="en-US" dirty="0"/>
+              <a:t>Use a </a:t>
+            </a:r>
+            <a:r>
+              <a:rPr lang="en-US" b="1" dirty="0"/>
+              <a:t>mixture model </a:t>
+            </a:r>
+            <a:r>
+              <a:rPr lang="en-US" dirty="0"/>
+              <a:t>to switch between a binomial and another distribution</a:t>
+            </a:r>
+          </a:p>
+          <a:p>
+            <a:pPr lvl="0"/>
+            <a:r>
+              <a:rPr lang="en-US" b="1" dirty="0"/>
+              <a:t>Over-dispersed response variables </a:t>
+            </a:r>
+            <a:r>
+              <a:rPr lang="en-US" dirty="0"/>
+              <a:t>have a long (typically right) tail </a:t>
+            </a:r>
+          </a:p>
+          <a:p>
+            <a:pPr lvl="1"/>
+            <a:r>
+              <a:rPr lang="en-US" dirty="0"/>
+              <a:t>Apply models with distributions and mixtures that account for large low probability responses </a:t>
+            </a:r>
+          </a:p>
+          <a:p>
+            <a:pPr lvl="0"/>
+            <a:r>
+              <a:rPr lang="en-US" b="1" dirty="0"/>
+              <a:t>Outliers in independent variables </a:t>
+            </a:r>
+            <a:r>
+              <a:rPr lang="en-US" dirty="0"/>
+              <a:t>have an undue influence on OLS and GLM models </a:t>
+            </a:r>
+          </a:p>
+          <a:p>
+            <a:pPr lvl="1"/>
+            <a:r>
+              <a:rPr lang="en-US" dirty="0"/>
+              <a:t>Robust regression models </a:t>
+            </a:r>
+            <a:r>
+              <a:rPr lang="en-US" b="1" dirty="0"/>
+              <a:t>limit the influence of outliers </a:t>
+            </a:r>
+            <a:r>
+              <a:rPr lang="en-US" dirty="0"/>
+              <a:t>on the response </a:t>
+            </a:r>
+          </a:p>
+          <a:p>
+            <a:pPr lvl="0"/>
+            <a:r>
+              <a:rPr lang="en-US" dirty="0"/>
+              <a:t>We can extend the OLS and GLM frameworks to deal with these situations  </a:t>
+            </a:r>
+            <a:endParaRPr dirty="0"/>
+          </a:p>
+        </p:txBody>
+      </p:sp>
+    </p:spTree>
+    <p:extLst>
+      <p:ext uri="{BB962C8B-B14F-4D97-AF65-F5344CB8AC3E}">
+        <p14:creationId xmlns:p14="http://schemas.microsoft.com/office/powerpoint/2010/main" val="487459844"/>
+      </p:ext>
+    </p:extLst>
+  </p:cSld>
+  <p:clrMapOvr>
+    <a:masterClrMapping/>
+  </p:clrMapOvr>
+</p:sld>
+</file>
+
+<file path=ppt/slides/slide4.xml><?xml version="1.0" encoding="utf-8"?>
 <p:sld xmlns:a="http://schemas.openxmlformats.org/drawingml/2006/main" xmlns:r="http://schemas.openxmlformats.org/officeDocument/2006/relationships" xmlns:p="http://schemas.openxmlformats.org/presentationml/2006/main">
   <p:cSld>
     <p:spTree>
@@ -5620,7 +6136,7 @@
               <a:buNone/>
             </a:pPr>
             <a:r>
-              <a:t>Linear Model Assumptions</a:t>
+              <a:t>Dealing With Outliers</a:t>
             </a:r>
           </a:p>
         </p:txBody>
@@ -5646,26 +6162,19 @@
               <a:buNone/>
             </a:pPr>
             <a:r>
-              <a:t>There are a number of assumptions in linear models that you overlook at your peril!</a:t>
+              <a:t>Outliers are a persistent problem with statistical and machine learning models</a:t>
             </a:r>
           </a:p>
           <a:p>
             <a:pPr lvl="0"/>
             <a:r>
-              <a:t>The feature or predictor variables should be </a:t>
-            </a:r>
-            <a:r>
-              <a:rPr b="1"/>
-              <a:t>independent</a:t>
-            </a:r>
-            <a:r>
-              <a:t> of one another</a:t>
+              <a:t>What are outliers?</a:t>
             </a:r>
           </a:p>
           <a:p>
             <a:pPr lvl="1"/>
             <a:r>
-              <a:t>This is rarely true in practice</a:t>
+              <a:t>Errors or noisy measurements</a:t>
             </a:r>
             <a:br/>
             <a:endParaRPr/>
@@ -5673,27 +6182,26 @@
           <a:p>
             <a:pPr lvl="1"/>
             <a:r>
+              <a:t>Result of improper stratification</a:t>
+            </a:r>
+          </a:p>
+          <a:p>
+            <a:pPr lvl="0"/>
+            <a:r>
+              <a:t>But, may be of interest</a:t>
+            </a:r>
+          </a:p>
+          <a:p>
+            <a:pPr lvl="1"/>
+            <a:r>
+              <a:t>Depending on the application, outliers can be the </a:t>
+            </a:r>
+            <a:r>
               <a:rPr b="1"/>
-              <a:t>Multi-colinearity</a:t>
-            </a:r>
-            <a:r>
-              <a:t> between features makes the model </a:t>
-            </a:r>
-            <a:r>
-              <a:rPr b="1"/>
-              <a:t>under-determined</a:t>
-            </a:r>
-          </a:p>
-          <a:p>
-            <a:pPr lvl="0"/>
-            <a:r>
-              <a:t>We assume that numeric features or predictors have zero mean and about the same scale</a:t>
-            </a:r>
-          </a:p>
-          <a:p>
-            <a:pPr lvl="1"/>
-            <a:r>
-              <a:t>We do not want to bias the estimation of regression coefficients with predictors that do not have a 0 mean</a:t>
+              <a:t>most interesting values</a:t>
+            </a:r>
+            <a:r>
+              <a:t>!!</a:t>
             </a:r>
             <a:br/>
             <a:endParaRPr/>
@@ -5701,7 +6209,13 @@
           <a:p>
             <a:pPr lvl="1"/>
             <a:r>
-              <a:t>We do not want to have predictors with a large numeric range dominate training</a:t>
+              <a:t>May need to explicitly model</a:t>
+            </a:r>
+          </a:p>
+          <a:p>
+            <a:pPr lvl="1"/>
+            <a:r>
+              <a:t>Example: Fraud detection</a:t>
             </a:r>
             <a:br/>
             <a:endParaRPr/>
@@ -5709,19 +6223,19 @@
           <a:p>
             <a:pPr lvl="1"/>
             <a:r>
-              <a:t>Example: income is in the range of 10s or 100s of thousands and age is in the range of 10s, but apriori income is no more important than age as a predictor</a:t>
+              <a:t>Example: Scientific discovery</a:t>
             </a:r>
           </a:p>
           <a:p>
             <a:pPr lvl="0"/>
             <a:r>
-              <a:t>Values of each predictor or feature should be iid</a:t>
+              <a:t>Outliers can be hard to detect</a:t>
             </a:r>
           </a:p>
           <a:p>
             <a:pPr lvl="1"/>
             <a:r>
-              <a:t>If variance changes with sample, the optimal value of the coefficient could not be constant</a:t>
+              <a:t>Difficult in high-dimensions</a:t>
             </a:r>
             <a:br/>
             <a:endParaRPr/>
@@ -5729,14 +6243,7 @@
           <a:p>
             <a:pPr lvl="1"/>
             <a:r>
-              <a:t>If there </a:t>
-            </a:r>
-            <a:r>
-              <a:rPr b="1"/>
-              <a:t>serial correlation</a:t>
-            </a:r>
-            <a:r>
-              <a:t> in the predictor values, the iid assumption is violated - but can account for this such as in time series models</a:t>
+              <a:t>Often find by influence on model</a:t>
             </a:r>
           </a:p>
         </p:txBody>
@@ -5749,163 +6256,7 @@
 </p:sld>
 </file>
 
-<file path=ppt/slides/slide3.xml><?xml version="1.0" encoding="utf-8"?>
-<p:sld xmlns:a="http://schemas.openxmlformats.org/drawingml/2006/main" xmlns:r="http://schemas.openxmlformats.org/officeDocument/2006/relationships" xmlns:p="http://schemas.openxmlformats.org/presentationml/2006/main">
-  <p:cSld>
-    <p:spTree>
-      <p:nvGrpSpPr>
-        <p:cNvPr id="1" name=""/>
-        <p:cNvGrpSpPr/>
-        <p:nvPr/>
-      </p:nvGrpSpPr>
-      <p:grpSpPr>
-        <a:xfrm>
-          <a:off x="0" y="0"/>
-          <a:ext cx="0" cy="0"/>
-          <a:chOff x="0" y="0"/>
-          <a:chExt cx="0" cy="0"/>
-        </a:xfrm>
-      </p:grpSpPr>
-      <p:sp>
-        <p:nvSpPr>
-          <p:cNvPr id="2" name="Title 1"/>
-          <p:cNvSpPr>
-            <a:spLocks noGrp="1"/>
-          </p:cNvSpPr>
-          <p:nvPr>
-            <p:ph type="title"/>
-          </p:nvPr>
-        </p:nvSpPr>
-        <p:spPr/>
-        <p:txBody>
-          <a:bodyPr/>
-          <a:lstStyle/>
-          <a:p>
-            <a:pPr marL="0" lvl="0" indent="0">
-              <a:buNone/>
-            </a:pPr>
-            <a:r>
-              <a:t>Dealing With Outliers</a:t>
-            </a:r>
-          </a:p>
-        </p:txBody>
-      </p:sp>
-      <p:sp>
-        <p:nvSpPr>
-          <p:cNvPr id="3" name="Content Placeholder 2"/>
-          <p:cNvSpPr>
-            <a:spLocks noGrp="1"/>
-          </p:cNvSpPr>
-          <p:nvPr>
-            <p:ph idx="1"/>
-          </p:nvPr>
-        </p:nvSpPr>
-        <p:spPr/>
-        <p:txBody>
-          <a:bodyPr>
-            <a:normAutofit fontScale="62500" lnSpcReduction="20000"/>
-          </a:bodyPr>
-          <a:lstStyle/>
-          <a:p>
-            <a:pPr marL="0" lvl="0" indent="0">
-              <a:buNone/>
-            </a:pPr>
-            <a:r>
-              <a:t>Outliers are a persistent problem with statistical and machine learning models</a:t>
-            </a:r>
-          </a:p>
-          <a:p>
-            <a:pPr lvl="0"/>
-            <a:r>
-              <a:t>What are outliers?</a:t>
-            </a:r>
-          </a:p>
-          <a:p>
-            <a:pPr lvl="1"/>
-            <a:r>
-              <a:t>Errors or noisy measurements</a:t>
-            </a:r>
-            <a:br/>
-            <a:endParaRPr/>
-          </a:p>
-          <a:p>
-            <a:pPr lvl="1"/>
-            <a:r>
-              <a:t>Result of improper stratification</a:t>
-            </a:r>
-          </a:p>
-          <a:p>
-            <a:pPr lvl="0"/>
-            <a:r>
-              <a:t>But, may be of interest</a:t>
-            </a:r>
-          </a:p>
-          <a:p>
-            <a:pPr lvl="1"/>
-            <a:r>
-              <a:t>Depending on the application, outliers can be the </a:t>
-            </a:r>
-            <a:r>
-              <a:rPr b="1"/>
-              <a:t>most interesting values</a:t>
-            </a:r>
-            <a:r>
-              <a:t>!!</a:t>
-            </a:r>
-            <a:br/>
-            <a:endParaRPr/>
-          </a:p>
-          <a:p>
-            <a:pPr lvl="1"/>
-            <a:r>
-              <a:t>May need to explicitly model</a:t>
-            </a:r>
-          </a:p>
-          <a:p>
-            <a:pPr lvl="1"/>
-            <a:r>
-              <a:t>Example: Fraud detection</a:t>
-            </a:r>
-            <a:br/>
-            <a:endParaRPr/>
-          </a:p>
-          <a:p>
-            <a:pPr lvl="1"/>
-            <a:r>
-              <a:t>Example: Scientific discovery</a:t>
-            </a:r>
-          </a:p>
-          <a:p>
-            <a:pPr lvl="0"/>
-            <a:r>
-              <a:t>Outliers can be hard to detect</a:t>
-            </a:r>
-          </a:p>
-          <a:p>
-            <a:pPr lvl="1"/>
-            <a:r>
-              <a:t>Difficult in high-dimensions</a:t>
-            </a:r>
-            <a:br/>
-            <a:endParaRPr/>
-          </a:p>
-          <a:p>
-            <a:pPr lvl="1"/>
-            <a:r>
-              <a:t>Often find by influence on model</a:t>
-            </a:r>
-          </a:p>
-        </p:txBody>
-      </p:sp>
-    </p:spTree>
-  </p:cSld>
-  <p:clrMapOvr>
-    <a:masterClrMapping/>
-  </p:clrMapOvr>
-</p:sld>
-</file>
-
-<file path=ppt/slides/slide4.xml><?xml version="1.0" encoding="utf-8"?>
+<file path=ppt/slides/slide5.xml><?xml version="1.0" encoding="utf-8"?>
 <p:sld xmlns:a="http://schemas.openxmlformats.org/drawingml/2006/main" xmlns:r="http://schemas.openxmlformats.org/officeDocument/2006/relationships" xmlns:p="http://schemas.openxmlformats.org/presentationml/2006/main">
   <p:cSld>
     <p:spTree>
@@ -6024,7 +6375,7 @@
 </p:sld>
 </file>
 
-<file path=ppt/slides/slide5.xml><?xml version="1.0" encoding="utf-8"?>
+<file path=ppt/slides/slide6.xml><?xml version="1.0" encoding="utf-8"?>
 <p:sld xmlns:a="http://schemas.openxmlformats.org/drawingml/2006/main" xmlns:r="http://schemas.openxmlformats.org/officeDocument/2006/relationships" xmlns:p="http://schemas.openxmlformats.org/presentationml/2006/main">
   <p:cSld>
     <p:spTree>
@@ -6086,7 +6437,7 @@
 </p:sld>
 </file>
 
-<file path=ppt/slides/slide6.xml><?xml version="1.0" encoding="utf-8"?>
+<file path=ppt/slides/slide7.xml><?xml version="1.0" encoding="utf-8"?>
 <p:sld xmlns:a="http://schemas.openxmlformats.org/drawingml/2006/main" xmlns:r="http://schemas.openxmlformats.org/officeDocument/2006/relationships" xmlns:p="http://schemas.openxmlformats.org/presentationml/2006/main">
   <p:cSld>
     <p:spTree>
@@ -6708,7 +7059,7 @@
 </p:sld>
 </file>
 
-<file path=ppt/slides/slide7.xml><?xml version="1.0" encoding="utf-8"?>
+<file path=ppt/slides/slide8.xml><?xml version="1.0" encoding="utf-8"?>
 <p:sld xmlns:a="http://schemas.openxmlformats.org/drawingml/2006/main" xmlns:r="http://schemas.openxmlformats.org/officeDocument/2006/relationships" xmlns:p="http://schemas.openxmlformats.org/presentationml/2006/main">
   <p:cSld>
     <p:spTree>
@@ -6849,73 +7200,6 @@
 </p:sld>
 </file>
 
-<file path=ppt/slides/slide8.xml><?xml version="1.0" encoding="utf-8"?>
-<p:sld xmlns:a="http://schemas.openxmlformats.org/drawingml/2006/main" xmlns:r="http://schemas.openxmlformats.org/officeDocument/2006/relationships" xmlns:p="http://schemas.openxmlformats.org/presentationml/2006/main">
-  <p:cSld>
-    <p:spTree>
-      <p:nvGrpSpPr>
-        <p:cNvPr id="1" name=""/>
-        <p:cNvGrpSpPr/>
-        <p:nvPr/>
-      </p:nvGrpSpPr>
-      <p:grpSpPr>
-        <a:xfrm>
-          <a:off x="0" y="0"/>
-          <a:ext cx="0" cy="0"/>
-          <a:chOff x="0" y="0"/>
-          <a:chExt cx="0" cy="0"/>
-        </a:xfrm>
-      </p:grpSpPr>
-      <p:sp>
-        <p:nvSpPr>
-          <p:cNvPr id="3" name="Content Placeholder 2"/>
-          <p:cNvSpPr>
-            <a:spLocks noGrp="1"/>
-          </p:cNvSpPr>
-          <p:nvPr>
-            <p:ph idx="1"/>
-          </p:nvPr>
-        </p:nvSpPr>
-        <p:spPr/>
-        <p:txBody>
-          <a:bodyPr/>
-          <a:lstStyle/>
-          <a:p>
-            <a:pPr marL="0" lvl="0" indent="0">
-              <a:buNone/>
-            </a:pPr>
-            <a:endParaRPr/>
-          </a:p>
-          <a:p>
-            <a:pPr lvl="0"/>
-            <a:r>
-              <a:t>Outlying points shown at edges of plot</a:t>
-            </a:r>
-          </a:p>
-          <a:p>
-            <a:pPr lvl="1"/>
-            <a:r>
-              <a:t>Not all outliers have high leverage</a:t>
-            </a:r>
-            <a:br/>
-            <a:endParaRPr/>
-          </a:p>
-          <a:p>
-            <a:pPr lvl="1"/>
-            <a:r>
-              <a:t>Can detect outliers in moderate dimensions</a:t>
-            </a:r>
-          </a:p>
-        </p:txBody>
-      </p:sp>
-    </p:spTree>
-  </p:cSld>
-  <p:clrMapOvr>
-    <a:masterClrMapping/>
-  </p:clrMapOvr>
-</p:sld>
-</file>
-
 <file path=ppt/slides/slide9.xml><?xml version="1.0" encoding="utf-8"?>
 <p:sld xmlns:a="http://schemas.openxmlformats.org/drawingml/2006/main" xmlns:r="http://schemas.openxmlformats.org/officeDocument/2006/relationships" xmlns:p="http://schemas.openxmlformats.org/presentationml/2006/main">
   <p:cSld>
@@ -6935,12 +7219,12 @@
       </p:grpSpPr>
       <p:sp>
         <p:nvSpPr>
-          <p:cNvPr id="2" name="Title 1"/>
-          <p:cNvSpPr>
-            <a:spLocks noGrp="1"/>
-          </p:cNvSpPr>
-          <p:nvPr>
-            <p:ph type="title"/>
+          <p:cNvPr id="3" name="Content Placeholder 2"/>
+          <p:cNvSpPr>
+            <a:spLocks noGrp="1"/>
+          </p:cNvSpPr>
+          <p:nvPr>
+            <p:ph idx="1"/>
           </p:nvPr>
         </p:nvSpPr>
         <p:spPr/>
@@ -6951,53 +7235,18 @@
             <a:pPr marL="0" lvl="0" indent="0">
               <a:buNone/>
             </a:pPr>
-            <a:r>
-              <a:t>Dealing With Outliers</a:t>
-            </a:r>
-          </a:p>
-        </p:txBody>
-      </p:sp>
-      <p:sp>
-        <p:nvSpPr>
-          <p:cNvPr id="3" name="Content Placeholder 2"/>
-          <p:cNvSpPr>
-            <a:spLocks noGrp="1"/>
-          </p:cNvSpPr>
-          <p:nvPr>
-            <p:ph idx="1"/>
-          </p:nvPr>
-        </p:nvSpPr>
-        <p:spPr/>
-        <p:txBody>
-          <a:bodyPr>
-            <a:normAutofit fontScale="77500" lnSpcReduction="20000"/>
-          </a:bodyPr>
-          <a:lstStyle/>
-          <a:p>
-            <a:pPr marL="0" lvl="0" indent="0">
-              <a:buNone/>
-            </a:pPr>
-            <a:r>
-              <a:t>Why are linear models sensitive to outliers</a:t>
-            </a:r>
+            <a:endParaRPr/>
           </a:p>
           <a:p>
             <a:pPr lvl="0"/>
             <a:r>
-              <a:t>Ordinary linear regression uses </a:t>
-            </a:r>
-            <a:r>
-              <a:rPr b="1"/>
-              <a:t>squared error loss</a:t>
-            </a:r>
-            <a:r>
-              <a:t> function</a:t>
+              <a:t>Outlying points shown at edges of plot</a:t>
             </a:r>
           </a:p>
           <a:p>
             <a:pPr lvl="1"/>
             <a:r>
-              <a:t>Optimal if the errors are iid Normal</a:t>
+              <a:t>Not all outliers have high leverage</a:t>
             </a:r>
             <a:br/>
             <a:endParaRPr/>
@@ -7005,49 +7254,7 @@
           <a:p>
             <a:pPr lvl="1"/>
             <a:r>
-              <a:t>Is an </a:t>
-            </a:r>
-            <a:r>
-              <a:rPr b="1"/>
-              <a:t>unbiased estimator</a:t>
-            </a:r>
-          </a:p>
-          <a:p>
-            <a:pPr lvl="0"/>
-            <a:r>
-              <a:t>In 1-dimension median is robust to outliers</a:t>
-            </a:r>
-          </a:p>
-          <a:p>
-            <a:pPr lvl="1"/>
-            <a:r>
-              <a:t>But far from an optimal estimator</a:t>
-            </a:r>
-            <a:br/>
-            <a:endParaRPr/>
-          </a:p>
-          <a:p>
-            <a:pPr lvl="1"/>
-            <a:r>
-              <a:t>High bias</a:t>
-            </a:r>
-            <a:br/>
-            <a:endParaRPr/>
-          </a:p>
-          <a:p>
-            <a:pPr lvl="1"/>
-            <a:r>
-              <a:t>Hard to implement beyond 1-dimension</a:t>
-            </a:r>
-          </a:p>
-          <a:p>
-            <a:pPr lvl="0"/>
-            <a:r>
-              <a:t>We can study the response of estimators to outliers using an </a:t>
-            </a:r>
-            <a:r>
-              <a:rPr b="1"/>
-              <a:t>influence function</a:t>
+              <a:t>Can detect outliers in moderate dimensions</a:t>
             </a:r>
           </a:p>
         </p:txBody>

--- a/LectureSlides/10b_ModelsFor OutliersAndOverdispersion.pptx
+++ b/LectureSlides/10b_ModelsFor OutliersAndOverdispersion.pptx
@@ -5,29 +5,42 @@
     <p:sldMasterId id="2147483648" r:id="rId1"/>
   </p:sldMasterIdLst>
   <p:notesMasterIdLst>
-    <p:notesMasterId r:id="rId22"/>
+    <p:notesMasterId r:id="rId35"/>
   </p:notesMasterIdLst>
   <p:sldIdLst>
     <p:sldId id="337" r:id="rId2"/>
     <p:sldId id="319" r:id="rId3"/>
     <p:sldId id="338" r:id="rId4"/>
-    <p:sldId id="320" r:id="rId5"/>
-    <p:sldId id="321" r:id="rId6"/>
-    <p:sldId id="322" r:id="rId7"/>
-    <p:sldId id="323" r:id="rId8"/>
-    <p:sldId id="324" r:id="rId9"/>
-    <p:sldId id="325" r:id="rId10"/>
-    <p:sldId id="326" r:id="rId11"/>
-    <p:sldId id="327" r:id="rId12"/>
-    <p:sldId id="328" r:id="rId13"/>
-    <p:sldId id="329" r:id="rId14"/>
-    <p:sldId id="330" r:id="rId15"/>
-    <p:sldId id="331" r:id="rId16"/>
-    <p:sldId id="332" r:id="rId17"/>
-    <p:sldId id="333" r:id="rId18"/>
-    <p:sldId id="334" r:id="rId19"/>
-    <p:sldId id="335" r:id="rId20"/>
-    <p:sldId id="336" r:id="rId21"/>
+    <p:sldId id="340" r:id="rId5"/>
+    <p:sldId id="344" r:id="rId6"/>
+    <p:sldId id="345" r:id="rId7"/>
+    <p:sldId id="346" r:id="rId8"/>
+    <p:sldId id="347" r:id="rId9"/>
+    <p:sldId id="348" r:id="rId10"/>
+    <p:sldId id="350" r:id="rId11"/>
+    <p:sldId id="341" r:id="rId12"/>
+    <p:sldId id="353" r:id="rId13"/>
+    <p:sldId id="352" r:id="rId14"/>
+    <p:sldId id="349" r:id="rId15"/>
+    <p:sldId id="351" r:id="rId16"/>
+    <p:sldId id="342" r:id="rId17"/>
+    <p:sldId id="320" r:id="rId18"/>
+    <p:sldId id="321" r:id="rId19"/>
+    <p:sldId id="322" r:id="rId20"/>
+    <p:sldId id="323" r:id="rId21"/>
+    <p:sldId id="324" r:id="rId22"/>
+    <p:sldId id="325" r:id="rId23"/>
+    <p:sldId id="326" r:id="rId24"/>
+    <p:sldId id="327" r:id="rId25"/>
+    <p:sldId id="328" r:id="rId26"/>
+    <p:sldId id="329" r:id="rId27"/>
+    <p:sldId id="330" r:id="rId28"/>
+    <p:sldId id="331" r:id="rId29"/>
+    <p:sldId id="332" r:id="rId30"/>
+    <p:sldId id="333" r:id="rId31"/>
+    <p:sldId id="334" r:id="rId32"/>
+    <p:sldId id="335" r:id="rId33"/>
+    <p:sldId id="336" r:id="rId34"/>
   </p:sldIdLst>
   <p:sldSz cx="9144000" cy="5143500" type="screen16x9"/>
   <p:notesSz cx="6858000" cy="9144000"/>
@@ -3654,7 +3667,13 @@
   <p:cSld>
     <p:spTree>
       <p:nvGrpSpPr>
-        <p:cNvPr id="1" name=""/>
+        <p:cNvPr id="1" name="">
+          <a:extLst>
+            <a:ext uri="{FF2B5EF4-FFF2-40B4-BE49-F238E27FC236}">
+              <a16:creationId xmlns:a16="http://schemas.microsoft.com/office/drawing/2014/main" id="{53C8B609-0209-30CC-95E8-278C2AE03F12}"/>
+            </a:ext>
+          </a:extLst>
+        </p:cNvPr>
         <p:cNvGrpSpPr/>
         <p:nvPr/>
       </p:nvGrpSpPr>
@@ -3668,7 +3687,13 @@
       </p:grpSpPr>
       <p:sp>
         <p:nvSpPr>
-          <p:cNvPr id="2" name="Title 1"/>
+          <p:cNvPr id="2" name="Title 1">
+            <a:extLst>
+              <a:ext uri="{FF2B5EF4-FFF2-40B4-BE49-F238E27FC236}">
+                <a16:creationId xmlns:a16="http://schemas.microsoft.com/office/drawing/2014/main" id="{822DAA27-D2A3-2195-57D9-6998CD5662D1}"/>
+              </a:ext>
+            </a:extLst>
+          </p:cNvPr>
           <p:cNvSpPr>
             <a:spLocks noGrp="1"/>
           </p:cNvSpPr>
@@ -3676,7 +3701,12 @@
             <p:ph type="title"/>
           </p:nvPr>
         </p:nvSpPr>
-        <p:spPr/>
+        <p:spPr>
+          <a:xfrm>
+            <a:off x="457200" y="205979"/>
+            <a:ext cx="8229600" cy="655115"/>
+          </a:xfrm>
+        </p:spPr>
         <p:txBody>
           <a:bodyPr/>
           <a:lstStyle/>
@@ -3685,363 +3715,24 @@
               <a:buNone/>
             </a:pPr>
             <a:r>
-              <a:t>Dealing With Outliers</a:t>
-            </a:r>
-          </a:p>
-        </p:txBody>
-      </p:sp>
-      <p:sp>
-        <p:nvSpPr>
-          <p:cNvPr id="3" name="Content Placeholder 2"/>
-          <p:cNvSpPr>
-            <a:spLocks noGrp="1"/>
-          </p:cNvSpPr>
-          <p:nvPr>
-            <p:ph idx="1"/>
-          </p:nvPr>
-        </p:nvSpPr>
-        <p:spPr/>
-        <p:txBody>
-          <a:bodyPr>
-            <a:normAutofit fontScale="77500" lnSpcReduction="20000"/>
-          </a:bodyPr>
-          <a:lstStyle/>
-          <a:p>
-            <a:pPr marL="0" lvl="0" indent="0">
-              <a:buNone/>
-            </a:pPr>
-            <a:r>
-              <a:t>Why are linear models sensitive to outliers</a:t>
-            </a:r>
-          </a:p>
-          <a:p>
-            <a:pPr lvl="0"/>
-            <a:r>
-              <a:t>Ordinary linear regression uses </a:t>
-            </a:r>
-            <a:r>
-              <a:rPr b="1"/>
-              <a:t>squared error loss</a:t>
-            </a:r>
-            <a:r>
-              <a:t> function</a:t>
-            </a:r>
-          </a:p>
-          <a:p>
-            <a:pPr lvl="1"/>
-            <a:r>
-              <a:t>Optimal if the errors are iid Normal</a:t>
-            </a:r>
-            <a:br/>
-            <a:endParaRPr/>
-          </a:p>
-          <a:p>
-            <a:pPr lvl="1"/>
-            <a:r>
-              <a:t>Is an </a:t>
-            </a:r>
-            <a:r>
-              <a:rPr b="1"/>
-              <a:t>unbiased estimator</a:t>
-            </a:r>
-          </a:p>
-          <a:p>
-            <a:pPr lvl="0"/>
-            <a:r>
-              <a:t>In 1-dimension median is robust to outliers</a:t>
-            </a:r>
-          </a:p>
-          <a:p>
-            <a:pPr lvl="1"/>
-            <a:r>
-              <a:t>But far from an optimal estimator</a:t>
-            </a:r>
-            <a:br/>
-            <a:endParaRPr/>
-          </a:p>
-          <a:p>
-            <a:pPr lvl="1"/>
-            <a:r>
-              <a:t>High bias</a:t>
-            </a:r>
-            <a:br/>
-            <a:endParaRPr/>
-          </a:p>
-          <a:p>
-            <a:pPr lvl="1"/>
-            <a:r>
-              <a:t>Hard to implement beyond 1-dimension</a:t>
-            </a:r>
-          </a:p>
-          <a:p>
-            <a:pPr lvl="0"/>
-            <a:r>
-              <a:t>We can study the response of estimators to outliers using an </a:t>
-            </a:r>
-            <a:r>
-              <a:rPr b="1"/>
-              <a:t>influence function</a:t>
-            </a:r>
-          </a:p>
-        </p:txBody>
-      </p:sp>
-    </p:spTree>
-  </p:cSld>
-  <p:clrMapOvr>
-    <a:masterClrMapping/>
-  </p:clrMapOvr>
-</p:sld>
-</file>
-
-<file path=ppt/slides/slide11.xml><?xml version="1.0" encoding="utf-8"?>
-<p:sld xmlns:a="http://schemas.openxmlformats.org/drawingml/2006/main" xmlns:r="http://schemas.openxmlformats.org/officeDocument/2006/relationships" xmlns:p="http://schemas.openxmlformats.org/presentationml/2006/main">
-  <p:cSld>
-    <p:spTree>
-      <p:nvGrpSpPr>
-        <p:cNvPr id="1" name=""/>
-        <p:cNvGrpSpPr/>
-        <p:nvPr/>
-      </p:nvGrpSpPr>
-      <p:grpSpPr>
-        <a:xfrm>
-          <a:off x="0" y="0"/>
-          <a:ext cx="0" cy="0"/>
-          <a:chOff x="0" y="0"/>
-          <a:chExt cx="0" cy="0"/>
-        </a:xfrm>
-      </p:grpSpPr>
-      <p:sp>
-        <p:nvSpPr>
-          <p:cNvPr id="2" name="Title 1"/>
-          <p:cNvSpPr>
-            <a:spLocks noGrp="1"/>
-          </p:cNvSpPr>
-          <p:nvPr>
-            <p:ph type="title"/>
-          </p:nvPr>
-        </p:nvSpPr>
-        <p:spPr/>
-        <p:txBody>
-          <a:bodyPr/>
-          <a:lstStyle/>
-          <a:p>
-            <a:pPr marL="0" lvl="0" indent="0">
-              <a:buNone/>
-            </a:pPr>
-            <a:r>
-              <a:t>Dealing With Outliers</a:t>
-            </a:r>
-          </a:p>
-        </p:txBody>
-      </p:sp>
-      <p:sp>
-        <p:nvSpPr>
-          <p:cNvPr id="3" name="Content Placeholder 2"/>
-          <p:cNvSpPr>
-            <a:spLocks noGrp="1"/>
-          </p:cNvSpPr>
-          <p:nvPr>
-            <p:ph idx="1"/>
-          </p:nvPr>
-        </p:nvSpPr>
-        <p:spPr/>
-        <p:txBody>
-          <a:bodyPr>
-            <a:normAutofit fontScale="92500"/>
-          </a:bodyPr>
-          <a:lstStyle/>
-          <a:p>
-            <a:pPr marL="0" lvl="0" indent="0">
-              <a:buNone/>
-            </a:pPr>
-            <a:r>
-              <a:t>Compare the influence functions of the mean and median estimators</a:t>
-            </a:r>
-          </a:p>
-          <a:p>
-            <a:pPr lvl="0"/>
-            <a:r>
-              <a:t>Mean estimator has linear influence function</a:t>
-            </a:r>
-          </a:p>
-          <a:p>
-            <a:pPr lvl="1"/>
-            <a:r>
-              <a:t>Influence of outliers is </a:t>
-            </a:r>
-            <a:r>
-              <a:rPr b="1"/>
-              <a:t>unbounded</a:t>
-            </a:r>
-            <a:br/>
-            <a:endParaRPr/>
-          </a:p>
-          <a:p>
-            <a:pPr lvl="1"/>
-            <a:r>
-              <a:t>Derivative of the influence function is constant</a:t>
-            </a:r>
-          </a:p>
-          <a:p>
-            <a:pPr lvl="0"/>
-            <a:r>
-              <a:t>Influence function of median estimator is discontinuous</a:t>
-            </a:r>
-          </a:p>
-          <a:p>
-            <a:pPr lvl="1"/>
-            <a:r>
-              <a:t>Influence of any observation is constant</a:t>
-            </a:r>
-            <a:br/>
-            <a:endParaRPr/>
-          </a:p>
-          <a:p>
-            <a:pPr lvl="1"/>
-            <a:r>
-              <a:t>Derivative of influence function is not defined</a:t>
-            </a:r>
-          </a:p>
-        </p:txBody>
-      </p:sp>
-      <p:pic>
-        <p:nvPicPr>
-          <p:cNvPr id="4" name="Picture 1" descr="../images/MeanMedianInfluence.png"/>
-          <p:cNvPicPr>
-            <a:picLocks noGrp="1" noChangeAspect="1"/>
-          </p:cNvPicPr>
-          <p:nvPr/>
-        </p:nvPicPr>
-        <p:blipFill>
-          <a:blip r:embed="rId2"/>
-          <a:stretch>
-            <a:fillRect/>
-          </a:stretch>
-        </p:blipFill>
-        <p:spPr bwMode="auto">
-          <a:xfrm>
-            <a:off x="2692400" y="1193800"/>
-            <a:ext cx="3771900" cy="2882900"/>
-          </a:xfrm>
-          <a:prstGeom prst="rect">
-            <a:avLst/>
-          </a:prstGeom>
-          <a:noFill/>
-          <a:ln w="9525">
-            <a:noFill/>
-            <a:headEnd/>
-            <a:tailEnd/>
-          </a:ln>
-        </p:spPr>
-      </p:pic>
-      <p:sp>
-        <p:nvSpPr>
-          <p:cNvPr id="5" name="TextBox 3"/>
-          <p:cNvSpPr txBox="1"/>
-          <p:nvPr/>
-        </p:nvSpPr>
-        <p:spPr>
-          <a:xfrm>
-            <a:off x="457200" y="4076700"/>
-            <a:ext cx="8229600" cy="508000"/>
-          </a:xfrm>
-          <a:prstGeom prst="rect">
-            <a:avLst/>
-          </a:prstGeom>
-          <a:noFill/>
-        </p:spPr>
-        <p:txBody>
-          <a:bodyPr/>
-          <a:lstStyle/>
-          <a:p>
-            <a:pPr marL="0" lvl="0" indent="0" algn="ctr">
-              <a:buNone/>
-            </a:pPr>
-            <a:r>
-              <a:t>Influence functions for mean and median</a:t>
-            </a:r>
-          </a:p>
-        </p:txBody>
-      </p:sp>
-      <p:sp>
-        <p:nvSpPr>
-          <p:cNvPr id="6" name="Content Placeholder 2"/>
-          <p:cNvSpPr>
-            <a:spLocks noGrp="1"/>
-          </p:cNvSpPr>
-          <p:nvPr>
-            <p:ph idx="1"/>
-          </p:nvPr>
-        </p:nvSpPr>
-        <p:spPr/>
-        <p:txBody>
-          <a:bodyPr/>
-          <a:lstStyle/>
-          <a:p>
-            <a:pPr marL="0" lvl="0" indent="0">
-              <a:buNone/>
-            </a:pPr>
-            <a:r>
-              <a:rPr i="1"/>
-              <a:t>Figure from Hampel, el.al., Robust Statistics, 1986</a:t>
-            </a:r>
-          </a:p>
-        </p:txBody>
-      </p:sp>
-    </p:spTree>
-  </p:cSld>
-  <p:clrMapOvr>
-    <a:masterClrMapping/>
-  </p:clrMapOvr>
-</p:sld>
-</file>
-
-<file path=ppt/slides/slide12.xml><?xml version="1.0" encoding="utf-8"?>
-<p:sld xmlns:a="http://schemas.openxmlformats.org/drawingml/2006/main" xmlns:r="http://schemas.openxmlformats.org/officeDocument/2006/relationships" xmlns:p="http://schemas.openxmlformats.org/presentationml/2006/main">
-  <p:cSld>
-    <p:spTree>
-      <p:nvGrpSpPr>
-        <p:cNvPr id="1" name=""/>
-        <p:cNvGrpSpPr/>
-        <p:nvPr/>
-      </p:nvGrpSpPr>
-      <p:grpSpPr>
-        <a:xfrm>
-          <a:off x="0" y="0"/>
-          <a:ext cx="0" cy="0"/>
-          <a:chOff x="0" y="0"/>
-          <a:chExt cx="0" cy="0"/>
-        </a:xfrm>
-      </p:grpSpPr>
-      <p:sp>
-        <p:nvSpPr>
-          <p:cNvPr id="2" name="Title 1"/>
-          <p:cNvSpPr>
-            <a:spLocks noGrp="1"/>
-          </p:cNvSpPr>
-          <p:nvPr>
-            <p:ph type="title"/>
-          </p:nvPr>
-        </p:nvSpPr>
-        <p:spPr/>
-        <p:txBody>
-          <a:bodyPr/>
-          <a:lstStyle/>
-          <a:p>
-            <a:pPr marL="0" lvl="0" indent="0">
-              <a:buNone/>
-            </a:pPr>
-            <a:r>
-              <a:t>Dealing With Outliers</a:t>
-            </a:r>
-          </a:p>
-        </p:txBody>
-      </p:sp>
-      <mc:AlternateContent xmlns:mc="http://schemas.openxmlformats.org/markup-compatibility/2006" xmlns:a14="http://schemas.microsoft.com/office/drawing/2010/main">
-        <mc:Choice Requires="a14">
+              <a:rPr lang="en-US" dirty="0"/>
+              <a:t>Zero-Inflated Poisson Distribution</a:t>
+            </a:r>
+            <a:endParaRPr dirty="0"/>
+          </a:p>
+        </p:txBody>
+      </p:sp>
+      <mc:AlternateContent xmlns:mc="http://schemas.openxmlformats.org/markup-compatibility/2006">
+        <mc:Choice xmlns:a14="http://schemas.microsoft.com/office/drawing/2010/main" Requires="a14">
           <p:sp>
             <p:nvSpPr>
-              <p:cNvPr id="3" name="Content Placeholder 2"/>
+              <p:cNvPr id="3" name="Content Placeholder 2">
+                <a:extLst>
+                  <a:ext uri="{FF2B5EF4-FFF2-40B4-BE49-F238E27FC236}">
+                    <a16:creationId xmlns:a16="http://schemas.microsoft.com/office/drawing/2014/main" id="{146AEE55-B0CC-A536-1D87-C17E87E07501}"/>
+                  </a:ext>
+                </a:extLst>
+              </p:cNvPr>
               <p:cNvSpPr>
                 <a:spLocks noGrp="1"/>
               </p:cNvSpPr>
@@ -4049,10 +3740,15 @@
                 <p:ph idx="1"/>
               </p:nvPr>
             </p:nvSpPr>
-            <p:spPr/>
+            <p:spPr>
+              <a:xfrm>
+                <a:off x="428497" y="1098920"/>
+                <a:ext cx="4434635" cy="3879023"/>
+              </a:xfrm>
+            </p:spPr>
             <p:txBody>
               <a:bodyPr>
-                <a:normAutofit fontScale="92500" lnSpcReduction="20000"/>
+                <a:normAutofit/>
               </a:bodyPr>
               <a:lstStyle/>
               <a:p>
@@ -4060,116 +3756,161 @@
                   <a:buNone/>
                 </a:pPr>
                 <a:r>
-                  <a:t>Could we simply edit out the outliers?</a:t>
+                  <a:rPr lang="en-US" dirty="0"/>
+                  <a:t>Example</a:t>
+                </a:r>
+                <a:r>
+                  <a:rPr lang="en-US" b="1" dirty="0"/>
+                  <a:t>, zero-inflated Poisson distribution </a:t>
                 </a:r>
               </a:p>
               <a:p>
-                <a:pPr lvl="0"/>
                 <a:r>
-                  <a:t>But what fraction of the data are outliers?</a:t>
-                </a:r>
-              </a:p>
-              <a:p>
-                <a:pPr lvl="0"/>
-                <a:r>
-                  <a:t>Know as the </a:t>
-                </a:r>
-                <a:r>
-                  <a:rPr b="1"/>
-                  <a:t>alpha trimmed mean</a:t>
-                </a:r>
-                <a:r>
-                  <a:t> algorithm</a:t>
-                </a:r>
-              </a:p>
-              <a:p>
-                <a:pPr lvl="1"/>
-                <a:r>
-                  <a:t>Order the values and remove </a:t>
+                  <a:rPr lang="en-US" dirty="0"/>
+                  <a:t>Standard Poisson distributions with </a:t>
                 </a:r>
                 <a14:m>
                   <m:oMath xmlns:m="http://schemas.openxmlformats.org/officeDocument/2006/math">
                     <m:r>
-                      <a:rPr>
+                      <a:rPr lang="en-US" b="0" i="1" smtClean="0">
                         <a:latin typeface="Cambria Math" panose="02040503050406030204" pitchFamily="18" charset="0"/>
                       </a:rPr>
-                      <m:t>𝛼</m:t>
+                      <m:t>𝑢</m:t>
                     </m:r>
                     <m:r>
-                      <a:rPr>
+                      <a:rPr lang="en-US" b="0" i="1" smtClean="0">
                         <a:latin typeface="Cambria Math" panose="02040503050406030204" pitchFamily="18" charset="0"/>
                       </a:rPr>
-                      <m:t>/2</m:t>
+                      <m:t>=</m:t>
+                    </m:r>
+                    <m:r>
+                      <a:rPr lang="en-US" b="0" i="1" smtClean="0">
+                        <a:latin typeface="Cambria Math" panose="02040503050406030204" pitchFamily="18" charset="0"/>
+                      </a:rPr>
+                      <m:t>2</m:t>
+                    </m:r>
+                    <m:r>
+                      <a:rPr lang="en-US" b="0" i="1" smtClean="0">
+                        <a:latin typeface="Cambria Math" panose="02040503050406030204" pitchFamily="18" charset="0"/>
+                      </a:rPr>
+                      <m:t>.</m:t>
+                    </m:r>
+                    <m:r>
+                      <a:rPr lang="en-US" b="0" i="1" smtClean="0">
+                        <a:latin typeface="Cambria Math" panose="02040503050406030204" pitchFamily="18" charset="0"/>
+                      </a:rPr>
+                      <m:t>0</m:t>
                     </m:r>
                   </m:oMath>
                 </a14:m>
                 <a:r>
-                  <a:t> highest and lowest</a:t>
-                </a:r>
-                <a:br/>
-                <a:endParaRPr/>
-              </a:p>
-              <a:p>
-                <a:pPr lvl="1"/>
-                <a:r>
-                  <a:t>But, alpha trimming is a bit arbitrary</a:t>
-                </a:r>
-                <a:br/>
-                <a:endParaRPr/>
-              </a:p>
-              <a:p>
-                <a:pPr lvl="1"/>
-                <a:r>
-                  <a:t>Is a biased estimator, with bias increasing with </a:t>
+                  <a:rPr lang="en-US" dirty="0"/>
+                  <a:t> and </a:t>
                 </a:r>
                 <a14:m>
                   <m:oMath xmlns:m="http://schemas.openxmlformats.org/officeDocument/2006/math">
                     <m:r>
-                      <a:rPr>
+                      <a:rPr lang="en-US" i="1">
                         <a:latin typeface="Cambria Math" panose="02040503050406030204" pitchFamily="18" charset="0"/>
                       </a:rPr>
-                      <m:t>𝛼</m:t>
+                      <m:t>𝑢</m:t>
                     </m:r>
-                  </m:oMath>
-                </a14:m>
-                <a:br/>
-                <a:endParaRPr/>
-              </a:p>
-              <a:p>
-                <a:pPr lvl="1"/>
-                <a14:m>
-                  <m:oMath xmlns:m="http://schemas.openxmlformats.org/officeDocument/2006/math">
                     <m:r>
-                      <a:rPr>
+                      <a:rPr lang="en-US" i="1">
                         <a:latin typeface="Cambria Math" panose="02040503050406030204" pitchFamily="18" charset="0"/>
                       </a:rPr>
-                      <m:t>𝛼</m:t>
+                      <m:t>=</m:t>
                     </m:r>
                     <m:r>
-                      <a:rPr>
+                      <a:rPr lang="en-US" b="0" i="1" smtClean="0">
                         <a:latin typeface="Cambria Math" panose="02040503050406030204" pitchFamily="18" charset="0"/>
                       </a:rPr>
-                      <m:t>=0.5</m:t>
+                      <m:t>5</m:t>
+                    </m:r>
+                    <m:r>
+                      <a:rPr lang="en-US" i="1">
+                        <a:latin typeface="Cambria Math" panose="02040503050406030204" pitchFamily="18" charset="0"/>
+                      </a:rPr>
+                      <m:t>.</m:t>
+                    </m:r>
+                    <m:r>
+                      <a:rPr lang="en-US" i="1">
+                        <a:latin typeface="Cambria Math" panose="02040503050406030204" pitchFamily="18" charset="0"/>
+                      </a:rPr>
+                      <m:t>0</m:t>
                     </m:r>
                   </m:oMath>
                 </a14:m>
                 <a:r>
-                  <a:t> is the median</a:t>
+                  <a:rPr lang="en-US" dirty="0"/>
+                  <a:t> </a:t>
                 </a:r>
               </a:p>
               <a:p>
+                <a:r>
+                  <a:rPr lang="en-US" dirty="0"/>
+                  <a:t>Zero inflated Poisson with </a:t>
+                </a:r>
+                <a14:m>
+                  <m:oMath xmlns:m="http://schemas.openxmlformats.org/officeDocument/2006/math">
+                    <m:r>
+                      <a:rPr lang="en-US" b="0" i="1" smtClean="0">
+                        <a:latin typeface="Cambria Math" panose="02040503050406030204" pitchFamily="18" charset="0"/>
+                        <a:ea typeface="Cambria Math" panose="02040503050406030204" pitchFamily="18" charset="0"/>
+                      </a:rPr>
+                      <m:t>𝜋</m:t>
+                    </m:r>
+                  </m:oMath>
+                </a14:m>
+                <a:r>
+                  <a:rPr lang="en-US" dirty="0"/>
+                  <a:t>=0.2 </a:t>
+                </a:r>
+              </a:p>
+              <a:p>
+                <a:r>
+                  <a:rPr lang="en-US" dirty="0"/>
+                  <a:t>Zero inflated Poisson with </a:t>
+                </a:r>
+                <a14:m>
+                  <m:oMath xmlns:m="http://schemas.openxmlformats.org/officeDocument/2006/math">
+                    <m:r>
+                      <a:rPr lang="en-US" b="0" i="1" smtClean="0">
+                        <a:latin typeface="Cambria Math" panose="02040503050406030204" pitchFamily="18" charset="0"/>
+                        <a:ea typeface="Cambria Math" panose="02040503050406030204" pitchFamily="18" charset="0"/>
+                      </a:rPr>
+                      <m:t>𝜋</m:t>
+                    </m:r>
+                  </m:oMath>
+                </a14:m>
+                <a:r>
+                  <a:rPr lang="en-US" dirty="0"/>
+                  <a:t>=0.5 </a:t>
+                </a:r>
+              </a:p>
+              <a:p>
+                <a:endParaRPr lang="en-US" dirty="0"/>
+              </a:p>
+              <a:p>
+                <a:endParaRPr lang="en-US" dirty="0"/>
+              </a:p>
+              <a:p>
                 <a:pPr lvl="0"/>
-                <a:r>
-                  <a:t>Alpha trimming hard to implement in higher dimensions</a:t>
-                </a:r>
+                <a:endParaRPr dirty="0"/>
               </a:p>
             </p:txBody>
           </p:sp>
         </mc:Choice>
-        <mc:Fallback xmlns="">
+        <mc:Fallback>
           <p:sp>
             <p:nvSpPr>
-              <p:cNvPr id="3" name="Content Placeholder 2"/>
+              <p:cNvPr id="3" name="Content Placeholder 2">
+                <a:extLst>
+                  <a:ext uri="{FF2B5EF4-FFF2-40B4-BE49-F238E27FC236}">
+                    <a16:creationId xmlns:a16="http://schemas.microsoft.com/office/drawing/2014/main" id="{146AEE55-B0CC-A536-1D87-C17E87E07501}"/>
+                  </a:ext>
+                </a:extLst>
+              </p:cNvPr>
               <p:cNvSpPr>
                 <a:spLocks noGrp="1" noRot="1" noChangeAspect="1" noMove="1" noResize="1" noEditPoints="1" noAdjustHandles="1" noChangeArrowheads="1" noChangeShapeType="1" noTextEdit="1"/>
               </p:cNvSpPr>
@@ -4178,10 +3919,14 @@
               </p:nvPr>
             </p:nvSpPr>
             <p:spPr>
+              <a:xfrm>
+                <a:off x="428497" y="1098920"/>
+                <a:ext cx="4434635" cy="3879023"/>
+              </a:xfrm>
               <a:blipFill>
                 <a:blip r:embed="rId2"/>
                 <a:stretch>
-                  <a:fillRect l="-963" t="-3052"/>
+                  <a:fillRect l="-2060" t="-1256"/>
                 </a:stretch>
               </a:blipFill>
             </p:spPr>
@@ -4202,9 +3947,15 @@
       </mc:AlternateContent>
       <p:pic>
         <p:nvPicPr>
-          <p:cNvPr id="4" name="Picture 1" descr="../images/AlphaTrimming.png"/>
+          <p:cNvPr id="7" name="Picture 6">
+            <a:extLst>
+              <a:ext uri="{FF2B5EF4-FFF2-40B4-BE49-F238E27FC236}">
+                <a16:creationId xmlns:a16="http://schemas.microsoft.com/office/drawing/2014/main" id="{7510F70D-36A7-155F-2485-5367BDFEC2A7}"/>
+              </a:ext>
+            </a:extLst>
+          </p:cNvPr>
           <p:cNvPicPr>
-            <a:picLocks noGrp="1" noChangeAspect="1"/>
+            <a:picLocks noChangeAspect="1"/>
           </p:cNvPicPr>
           <p:nvPr/>
         </p:nvPicPr>
@@ -4214,59 +3965,268 @@
             <a:fillRect/>
           </a:stretch>
         </p:blipFill>
-        <p:spPr bwMode="auto">
+        <p:spPr>
           <a:xfrm>
-            <a:off x="3213100" y="1193800"/>
-            <a:ext cx="2717800" cy="2882900"/>
+            <a:off x="4994698" y="973343"/>
+            <a:ext cx="4028802" cy="4104550"/>
           </a:xfrm>
           <a:prstGeom prst="rect">
             <a:avLst/>
           </a:prstGeom>
-          <a:noFill/>
-          <a:ln w="9525">
-            <a:noFill/>
-            <a:headEnd/>
-            <a:tailEnd/>
+        </p:spPr>
+      </p:pic>
+      <p:cxnSp>
+        <p:nvCxnSpPr>
+          <p:cNvPr id="8" name="Straight Arrow Connector 7">
+            <a:extLst>
+              <a:ext uri="{FF2B5EF4-FFF2-40B4-BE49-F238E27FC236}">
+                <a16:creationId xmlns:a16="http://schemas.microsoft.com/office/drawing/2014/main" id="{349D24AF-BB61-12F9-B828-4888004FDC0A}"/>
+              </a:ext>
+            </a:extLst>
+          </p:cNvPr>
+          <p:cNvCxnSpPr>
+            <a:cxnSpLocks/>
+          </p:cNvCxnSpPr>
+          <p:nvPr/>
+        </p:nvCxnSpPr>
+        <p:spPr>
+          <a:xfrm flipV="1">
+            <a:off x="4736018" y="1853403"/>
+            <a:ext cx="385442" cy="270629"/>
+          </a:xfrm>
+          <a:prstGeom prst="straightConnector1">
+            <a:avLst/>
+          </a:prstGeom>
+          <a:ln w="38100">
+            <a:solidFill>
+              <a:srgbClr val="C00000"/>
+            </a:solidFill>
+            <a:tailEnd type="triangle"/>
           </a:ln>
         </p:spPr>
-      </p:pic>
-      <p:sp>
-        <p:nvSpPr>
-          <p:cNvPr id="5" name="TextBox 3"/>
-          <p:cNvSpPr txBox="1"/>
+        <p:style>
+          <a:lnRef idx="2">
+            <a:schemeClr val="accent1"/>
+          </a:lnRef>
+          <a:fillRef idx="0">
+            <a:schemeClr val="accent1"/>
+          </a:fillRef>
+          <a:effectRef idx="1">
+            <a:schemeClr val="accent1"/>
+          </a:effectRef>
+          <a:fontRef idx="minor">
+            <a:schemeClr val="tx1"/>
+          </a:fontRef>
+        </p:style>
+      </p:cxnSp>
+      <p:cxnSp>
+        <p:nvCxnSpPr>
+          <p:cNvPr id="11" name="Straight Arrow Connector 10">
+            <a:extLst>
+              <a:ext uri="{FF2B5EF4-FFF2-40B4-BE49-F238E27FC236}">
+                <a16:creationId xmlns:a16="http://schemas.microsoft.com/office/drawing/2014/main" id="{F1EE4919-AC92-DFD5-ABB9-999E7D3BC294}"/>
+              </a:ext>
+            </a:extLst>
+          </p:cNvPr>
+          <p:cNvCxnSpPr>
+            <a:cxnSpLocks/>
+          </p:cNvCxnSpPr>
           <p:nvPr/>
-        </p:nvSpPr>
+        </p:nvCxnSpPr>
         <p:spPr>
           <a:xfrm>
-            <a:off x="457200" y="4076700"/>
-            <a:ext cx="8229600" cy="508000"/>
+            <a:off x="4108649" y="3004092"/>
+            <a:ext cx="943103" cy="186057"/>
           </a:xfrm>
-          <a:prstGeom prst="rect">
+          <a:prstGeom prst="straightConnector1">
             <a:avLst/>
           </a:prstGeom>
-          <a:noFill/>
+          <a:ln w="38100">
+            <a:solidFill>
+              <a:srgbClr val="C00000"/>
+            </a:solidFill>
+            <a:tailEnd type="triangle"/>
+          </a:ln>
+        </p:spPr>
+        <p:style>
+          <a:lnRef idx="2">
+            <a:schemeClr val="accent1"/>
+          </a:lnRef>
+          <a:fillRef idx="0">
+            <a:schemeClr val="accent1"/>
+          </a:fillRef>
+          <a:effectRef idx="1">
+            <a:schemeClr val="accent1"/>
+          </a:effectRef>
+          <a:fontRef idx="minor">
+            <a:schemeClr val="tx1"/>
+          </a:fontRef>
+        </p:style>
+      </p:cxnSp>
+      <p:cxnSp>
+        <p:nvCxnSpPr>
+          <p:cNvPr id="14" name="Straight Arrow Connector 13">
+            <a:extLst>
+              <a:ext uri="{FF2B5EF4-FFF2-40B4-BE49-F238E27FC236}">
+                <a16:creationId xmlns:a16="http://schemas.microsoft.com/office/drawing/2014/main" id="{C29E9038-E8A3-1C1E-5E16-7AFDFF3C889D}"/>
+              </a:ext>
+            </a:extLst>
+          </p:cNvPr>
+          <p:cNvCxnSpPr>
+            <a:cxnSpLocks/>
+          </p:cNvCxnSpPr>
+          <p:nvPr/>
+        </p:nvCxnSpPr>
+        <p:spPr>
+          <a:xfrm>
+            <a:off x="4108649" y="3797015"/>
+            <a:ext cx="824190" cy="537159"/>
+          </a:xfrm>
+          <a:prstGeom prst="straightConnector1">
+            <a:avLst/>
+          </a:prstGeom>
+          <a:ln w="38100">
+            <a:solidFill>
+              <a:srgbClr val="C00000"/>
+            </a:solidFill>
+            <a:tailEnd type="triangle"/>
+          </a:ln>
+        </p:spPr>
+        <p:style>
+          <a:lnRef idx="2">
+            <a:schemeClr val="accent1"/>
+          </a:lnRef>
+          <a:fillRef idx="0">
+            <a:schemeClr val="accent1"/>
+          </a:fillRef>
+          <a:effectRef idx="1">
+            <a:schemeClr val="accent1"/>
+          </a:effectRef>
+          <a:fontRef idx="minor">
+            <a:schemeClr val="tx1"/>
+          </a:fontRef>
+        </p:style>
+      </p:cxnSp>
+    </p:spTree>
+    <p:extLst>
+      <p:ext uri="{BB962C8B-B14F-4D97-AF65-F5344CB8AC3E}">
+        <p14:creationId xmlns:p14="http://schemas.microsoft.com/office/powerpoint/2010/main" val="3466963118"/>
+      </p:ext>
+    </p:extLst>
+  </p:cSld>
+  <p:clrMapOvr>
+    <a:masterClrMapping/>
+  </p:clrMapOvr>
+</p:sld>
+</file>
+
+<file path=ppt/slides/slide11.xml><?xml version="1.0" encoding="utf-8"?>
+<p:sld xmlns:a="http://schemas.openxmlformats.org/drawingml/2006/main" xmlns:r="http://schemas.openxmlformats.org/officeDocument/2006/relationships" xmlns:p="http://schemas.openxmlformats.org/presentationml/2006/main">
+  <p:cSld>
+    <p:spTree>
+      <p:nvGrpSpPr>
+        <p:cNvPr id="1" name="">
+          <a:extLst>
+            <a:ext uri="{FF2B5EF4-FFF2-40B4-BE49-F238E27FC236}">
+              <a16:creationId xmlns:a16="http://schemas.microsoft.com/office/drawing/2014/main" id="{BCD5C1C8-BE41-6056-2236-1780797FA60D}"/>
+            </a:ext>
+          </a:extLst>
+        </p:cNvPr>
+        <p:cNvGrpSpPr/>
+        <p:nvPr/>
+      </p:nvGrpSpPr>
+      <p:grpSpPr>
+        <a:xfrm>
+          <a:off x="0" y="0"/>
+          <a:ext cx="0" cy="0"/>
+          <a:chOff x="0" y="0"/>
+          <a:chExt cx="0" cy="0"/>
+        </a:xfrm>
+      </p:grpSpPr>
+      <p:sp>
+        <p:nvSpPr>
+          <p:cNvPr id="2" name="Title 1">
+            <a:extLst>
+              <a:ext uri="{FF2B5EF4-FFF2-40B4-BE49-F238E27FC236}">
+                <a16:creationId xmlns:a16="http://schemas.microsoft.com/office/drawing/2014/main" id="{36D07884-1785-002A-C91F-EB861AA82D6C}"/>
+              </a:ext>
+            </a:extLst>
+          </p:cNvPr>
+          <p:cNvSpPr>
+            <a:spLocks noGrp="1"/>
+          </p:cNvSpPr>
+          <p:nvPr>
+            <p:ph type="title"/>
+          </p:nvPr>
+        </p:nvSpPr>
+        <p:spPr>
+          <a:xfrm>
+            <a:off x="771081" y="1850264"/>
+            <a:ext cx="7772400" cy="1021556"/>
+          </a:xfrm>
         </p:spPr>
         <p:txBody>
           <a:bodyPr/>
           <a:lstStyle/>
           <a:p>
-            <a:pPr marL="0" lvl="0" indent="0" algn="ctr">
-              <a:buNone/>
-            </a:pPr>
-            <a:r>
-              <a:t>Influence functions for alpha trimmed mean</a:t>
-            </a:r>
-          </a:p>
-        </p:txBody>
-      </p:sp>
-      <p:sp>
-        <p:nvSpPr>
-          <p:cNvPr id="6" name="Content Placeholder 2"/>
+            <a:pPr algn="ctr"/>
+            <a:r>
+              <a:rPr lang="en-US" b="0" cap="none" dirty="0"/>
+              <a:t>Models for Over-Dispersed Response</a:t>
+            </a:r>
+          </a:p>
+        </p:txBody>
+      </p:sp>
+    </p:spTree>
+    <p:extLst>
+      <p:ext uri="{BB962C8B-B14F-4D97-AF65-F5344CB8AC3E}">
+        <p14:creationId xmlns:p14="http://schemas.microsoft.com/office/powerpoint/2010/main" val="1540297963"/>
+      </p:ext>
+    </p:extLst>
+  </p:cSld>
+  <p:clrMapOvr>
+    <a:masterClrMapping/>
+  </p:clrMapOvr>
+</p:sld>
+</file>
+
+<file path=ppt/slides/slide12.xml><?xml version="1.0" encoding="utf-8"?>
+<p:sld xmlns:a="http://schemas.openxmlformats.org/drawingml/2006/main" xmlns:r="http://schemas.openxmlformats.org/officeDocument/2006/relationships" xmlns:p="http://schemas.openxmlformats.org/presentationml/2006/main">
+  <p:cSld>
+    <p:spTree>
+      <p:nvGrpSpPr>
+        <p:cNvPr id="1" name="">
+          <a:extLst>
+            <a:ext uri="{FF2B5EF4-FFF2-40B4-BE49-F238E27FC236}">
+              <a16:creationId xmlns:a16="http://schemas.microsoft.com/office/drawing/2014/main" id="{982D7613-D14E-EC43-A019-B4A9F531D8A4}"/>
+            </a:ext>
+          </a:extLst>
+        </p:cNvPr>
+        <p:cNvGrpSpPr/>
+        <p:nvPr/>
+      </p:nvGrpSpPr>
+      <p:grpSpPr>
+        <a:xfrm>
+          <a:off x="0" y="0"/>
+          <a:ext cx="0" cy="0"/>
+          <a:chOff x="0" y="0"/>
+          <a:chExt cx="0" cy="0"/>
+        </a:xfrm>
+      </p:grpSpPr>
+      <p:sp>
+        <p:nvSpPr>
+          <p:cNvPr id="2" name="Title 1">
+            <a:extLst>
+              <a:ext uri="{FF2B5EF4-FFF2-40B4-BE49-F238E27FC236}">
+                <a16:creationId xmlns:a16="http://schemas.microsoft.com/office/drawing/2014/main" id="{9F21483E-65DC-99C1-549C-85BA0EF48898}"/>
+              </a:ext>
+            </a:extLst>
+          </p:cNvPr>
           <p:cNvSpPr>
             <a:spLocks noGrp="1"/>
           </p:cNvSpPr>
           <p:nvPr>
-            <p:ph idx="1"/>
+            <p:ph type="title"/>
           </p:nvPr>
         </p:nvSpPr>
         <p:spPr/>
@@ -4278,13 +4238,101 @@
               <a:buNone/>
             </a:pPr>
             <a:r>
-              <a:rPr i="1"/>
-              <a:t>Figure from Hampel, el.al., Robust Statistics, 1986</a:t>
-            </a:r>
+              <a:rPr lang="en-US" dirty="0"/>
+              <a:t>Over-Dispersed </a:t>
+            </a:r>
+            <a:r>
+              <a:rPr lang="en-US"/>
+              <a:t>Response Distributions</a:t>
+            </a:r>
+            <a:endParaRPr dirty="0"/>
+          </a:p>
+        </p:txBody>
+      </p:sp>
+      <p:sp>
+        <p:nvSpPr>
+          <p:cNvPr id="3" name="Content Placeholder 2">
+            <a:extLst>
+              <a:ext uri="{FF2B5EF4-FFF2-40B4-BE49-F238E27FC236}">
+                <a16:creationId xmlns:a16="http://schemas.microsoft.com/office/drawing/2014/main" id="{00D17C2F-7BD8-0D47-C916-F716C0846022}"/>
+              </a:ext>
+            </a:extLst>
+          </p:cNvPr>
+          <p:cNvSpPr>
+            <a:spLocks noGrp="1"/>
+          </p:cNvSpPr>
+          <p:nvPr>
+            <p:ph idx="1"/>
+          </p:nvPr>
+        </p:nvSpPr>
+        <p:spPr/>
+        <p:txBody>
+          <a:bodyPr>
+            <a:normAutofit fontScale="92500" lnSpcReduction="20000"/>
+          </a:bodyPr>
+          <a:lstStyle/>
+          <a:p>
+            <a:pPr marL="0" lvl="0" indent="0">
+              <a:buNone/>
+            </a:pPr>
+            <a:r>
+              <a:rPr lang="en-US" dirty="0"/>
+              <a:t>Man </a:t>
+            </a:r>
+            <a:endParaRPr dirty="0"/>
+          </a:p>
+          <a:p>
+            <a:pPr lvl="0"/>
+            <a:r>
+              <a:rPr lang="en-US" dirty="0"/>
+              <a:t>Most people who view an ecommerce site buy 0 products</a:t>
+            </a:r>
+          </a:p>
+          <a:p>
+            <a:pPr lvl="0"/>
+            <a:r>
+              <a:rPr lang="en-US" dirty="0"/>
+              <a:t>Most auto drivers have no crashes per year </a:t>
+            </a:r>
+          </a:p>
+          <a:p>
+            <a:pPr lvl="0"/>
+            <a:r>
+              <a:rPr lang="en-US" dirty="0"/>
+              <a:t>In much of the world the average rainfall amount on a specific day is 0 </a:t>
+            </a:r>
+          </a:p>
+          <a:p>
+            <a:pPr lvl="0"/>
+            <a:r>
+              <a:rPr lang="en-US" dirty="0"/>
+              <a:t>The number of sever weather events in a specific area per month is often 0  </a:t>
+            </a:r>
+          </a:p>
+          <a:p>
+            <a:r>
+              <a:rPr lang="en-US" dirty="0"/>
+              <a:t>In epidemiology the probability distribution of the number of people contracting a disease in per day has many zeros</a:t>
+            </a:r>
+          </a:p>
+          <a:p>
+            <a:r>
+              <a:rPr lang="en-US" dirty="0"/>
+              <a:t>Etc.</a:t>
+            </a:r>
+          </a:p>
+          <a:p>
+            <a:pPr lvl="0"/>
+            <a:endParaRPr dirty="0"/>
           </a:p>
         </p:txBody>
       </p:sp>
     </p:spTree>
+    <p:extLst>
+      <p:ext uri="{BB962C8B-B14F-4D97-AF65-F5344CB8AC3E}">
+        <p14:creationId xmlns:p14="http://schemas.microsoft.com/office/powerpoint/2010/main" val="540420717"/>
+      </p:ext>
+    </p:extLst>
   </p:cSld>
   <p:clrMapOvr>
     <a:masterClrMapping/>
@@ -4297,7 +4345,13 @@
   <p:cSld>
     <p:spTree>
       <p:nvGrpSpPr>
-        <p:cNvPr id="1" name=""/>
+        <p:cNvPr id="1" name="">
+          <a:extLst>
+            <a:ext uri="{FF2B5EF4-FFF2-40B4-BE49-F238E27FC236}">
+              <a16:creationId xmlns:a16="http://schemas.microsoft.com/office/drawing/2014/main" id="{BD13FC11-9C3C-118F-79AB-D990D84D8B39}"/>
+            </a:ext>
+          </a:extLst>
+        </p:cNvPr>
         <p:cNvGrpSpPr/>
         <p:nvPr/>
       </p:nvGrpSpPr>
@@ -4311,7 +4365,13 @@
       </p:grpSpPr>
       <p:sp>
         <p:nvSpPr>
-          <p:cNvPr id="2" name="Title 1"/>
+          <p:cNvPr id="2" name="Title 1">
+            <a:extLst>
+              <a:ext uri="{FF2B5EF4-FFF2-40B4-BE49-F238E27FC236}">
+                <a16:creationId xmlns:a16="http://schemas.microsoft.com/office/drawing/2014/main" id="{2863682E-2FF7-FAAB-55B1-B9E5F9544F15}"/>
+              </a:ext>
+            </a:extLst>
+          </p:cNvPr>
           <p:cNvSpPr>
             <a:spLocks noGrp="1"/>
           </p:cNvSpPr>
@@ -4328,14 +4388,22 @@
               <a:buNone/>
             </a:pPr>
             <a:r>
-              <a:t>Dealing With Outliers</a:t>
-            </a:r>
-          </a:p>
-        </p:txBody>
-      </p:sp>
-      <p:sp>
-        <p:nvSpPr>
-          <p:cNvPr id="3" name="Content Placeholder 2"/>
+              <a:rPr lang="en-US" dirty="0"/>
+              <a:t>Modeling Over-Dispersed Distributions</a:t>
+            </a:r>
+            <a:endParaRPr dirty="0"/>
+          </a:p>
+        </p:txBody>
+      </p:sp>
+      <p:sp>
+        <p:nvSpPr>
+          <p:cNvPr id="3" name="Content Placeholder 2">
+            <a:extLst>
+              <a:ext uri="{FF2B5EF4-FFF2-40B4-BE49-F238E27FC236}">
+                <a16:creationId xmlns:a16="http://schemas.microsoft.com/office/drawing/2014/main" id="{12270A91-AE2B-4B56-0879-723A7F8B04DD}"/>
+              </a:ext>
+            </a:extLst>
+          </p:cNvPr>
           <p:cNvSpPr>
             <a:spLocks noGrp="1"/>
           </p:cNvSpPr>
@@ -4346,7 +4414,7 @@
         <p:spPr/>
         <p:txBody>
           <a:bodyPr>
-            <a:normAutofit fontScale="92500" lnSpcReduction="20000"/>
+            <a:normAutofit/>
           </a:bodyPr>
           <a:lstStyle/>
           <a:p>
@@ -4354,63 +4422,41 @@
               <a:buNone/>
             </a:pPr>
             <a:r>
-              <a:t>Are there better estimators when outliers are present</a:t>
-            </a:r>
+              <a:rPr lang="en-US" dirty="0"/>
+              <a:t>How can we model over-dispersed distributions?  </a:t>
+            </a:r>
+            <a:endParaRPr dirty="0"/>
           </a:p>
           <a:p>
             <a:pPr lvl="0"/>
             <a:r>
-              <a:t>Yes, but must accept some bias</a:t>
+              <a:rPr lang="en-US" dirty="0"/>
+              <a:t>Two widely used options  </a:t>
             </a:r>
           </a:p>
           <a:p>
             <a:pPr lvl="0"/>
             <a:r>
-              <a:t>Idea; estimator can be unbiased near the expected value, but limit influence of outliers</a:t>
-            </a:r>
-          </a:p>
-          <a:p>
-            <a:pPr lvl="1"/>
-            <a:r>
-              <a:t>Trade-off between high robustness and low bias</a:t>
+              <a:rPr lang="en-US" dirty="0"/>
+              <a:t>Inherently heavy tailed distributions   </a:t>
             </a:r>
           </a:p>
           <a:p>
             <a:pPr lvl="0"/>
             <a:r>
-              <a:t>Many ideas have been tried</a:t>
-            </a:r>
-          </a:p>
-          <a:p>
-            <a:pPr lvl="1"/>
-            <a:r>
-              <a:t>A major research focus in the 1970s and 1980s</a:t>
-            </a:r>
-            <a:br/>
-            <a:endParaRPr/>
-          </a:p>
-          <a:p>
-            <a:pPr lvl="1"/>
-            <a:r>
-              <a:rPr b="1"/>
-              <a:t>Huber estimator</a:t>
-            </a:r>
-            <a:br/>
-            <a:endParaRPr/>
-          </a:p>
-          <a:p>
-            <a:pPr lvl="1"/>
-            <a:r>
-              <a:t>Family of </a:t>
-            </a:r>
-            <a:r>
-              <a:rPr b="1"/>
-              <a:t>M-estimators</a:t>
-            </a:r>
+              <a:rPr lang="en-US" dirty="0"/>
+              <a:t>Mixtures of distributions   </a:t>
+            </a:r>
+            <a:endParaRPr dirty="0"/>
           </a:p>
         </p:txBody>
       </p:sp>
     </p:spTree>
+    <p:extLst>
+      <p:ext uri="{BB962C8B-B14F-4D97-AF65-F5344CB8AC3E}">
+        <p14:creationId xmlns:p14="http://schemas.microsoft.com/office/powerpoint/2010/main" val="2015356526"/>
+      </p:ext>
+    </p:extLst>
   </p:cSld>
   <p:clrMapOvr>
     <a:masterClrMapping/>
@@ -4423,7 +4469,13 @@
   <p:cSld>
     <p:spTree>
       <p:nvGrpSpPr>
-        <p:cNvPr id="1" name=""/>
+        <p:cNvPr id="1" name="">
+          <a:extLst>
+            <a:ext uri="{FF2B5EF4-FFF2-40B4-BE49-F238E27FC236}">
+              <a16:creationId xmlns:a16="http://schemas.microsoft.com/office/drawing/2014/main" id="{6C7A82E9-2C31-4130-2849-5001590572B3}"/>
+            </a:ext>
+          </a:extLst>
+        </p:cNvPr>
         <p:cNvGrpSpPr/>
         <p:nvPr/>
       </p:nvGrpSpPr>
@@ -4437,7 +4489,13 @@
       </p:grpSpPr>
       <p:sp>
         <p:nvSpPr>
-          <p:cNvPr id="2" name="Title 1"/>
+          <p:cNvPr id="2" name="Title 1">
+            <a:extLst>
+              <a:ext uri="{FF2B5EF4-FFF2-40B4-BE49-F238E27FC236}">
+                <a16:creationId xmlns:a16="http://schemas.microsoft.com/office/drawing/2014/main" id="{62EB3605-78EF-6927-618F-A0DDE1DD32C7}"/>
+              </a:ext>
+            </a:extLst>
+          </p:cNvPr>
           <p:cNvSpPr>
             <a:spLocks noGrp="1"/>
           </p:cNvSpPr>
@@ -4454,16 +4512,24 @@
               <a:buNone/>
             </a:pPr>
             <a:r>
-              <a:t>Dealing With Outliers</a:t>
-            </a:r>
-          </a:p>
-        </p:txBody>
-      </p:sp>
-      <mc:AlternateContent xmlns:mc="http://schemas.openxmlformats.org/markup-compatibility/2006" xmlns:a14="http://schemas.microsoft.com/office/drawing/2010/main">
-        <mc:Choice Requires="a14">
+              <a:rPr lang="en-US" dirty="0"/>
+              <a:t>Modeling Over-Dispersed Distributions</a:t>
+            </a:r>
+            <a:endParaRPr dirty="0"/>
+          </a:p>
+        </p:txBody>
+      </p:sp>
+      <mc:AlternateContent xmlns:mc="http://schemas.openxmlformats.org/markup-compatibility/2006">
+        <mc:Choice xmlns:a14="http://schemas.microsoft.com/office/drawing/2010/main" Requires="a14">
           <p:sp>
             <p:nvSpPr>
-              <p:cNvPr id="3" name="Content Placeholder 2"/>
+              <p:cNvPr id="3" name="Content Placeholder 2">
+                <a:extLst>
+                  <a:ext uri="{FF2B5EF4-FFF2-40B4-BE49-F238E27FC236}">
+                    <a16:creationId xmlns:a16="http://schemas.microsoft.com/office/drawing/2014/main" id="{B714F5DE-1921-738D-F785-5363AED3B45F}"/>
+                  </a:ext>
+                </a:extLst>
+              </p:cNvPr>
               <p:cNvSpPr>
                 <a:spLocks noGrp="1"/>
               </p:cNvSpPr>
@@ -4482,127 +4548,528 @@
                   <a:buNone/>
                 </a:pPr>
                 <a:r>
-                  <a:t>What are the properties of the Huber estimator?</a:t>
+                  <a:rPr lang="en-US" dirty="0"/>
+                  <a:t>Mixtures of distributions</a:t>
                 </a:r>
               </a:p>
               <a:p>
                 <a:pPr lvl="0"/>
                 <a:r>
-                  <a:t>Influence function is linear near the mean but constant away from the mean</a:t>
+                  <a:rPr lang="en-US" dirty="0"/>
+                  <a:t>Two components   </a:t>
                 </a:r>
               </a:p>
               <a:p>
                 <a:pPr lvl="1"/>
                 <a:r>
-                  <a:rPr b="1"/>
-                  <a:t>hinge point</a:t>
+                  <a:rPr lang="en-US" dirty="0"/>
+                  <a:t>A switching distribution, e.g. binomial or categorical   </a:t>
                 </a:r>
-                <a:r>
-                  <a:t> is at </a:t>
-                </a:r>
-                <a14:m>
-                  <m:oMath xmlns:m="http://schemas.openxmlformats.org/officeDocument/2006/math">
-                    <m:r>
-                      <a:rPr>
-                        <a:latin typeface="Cambria Math" panose="02040503050406030204" pitchFamily="18" charset="0"/>
-                      </a:rPr>
-                      <m:t>±</m:t>
-                    </m:r>
-                    <m:r>
-                      <a:rPr>
-                        <a:latin typeface="Cambria Math" panose="02040503050406030204" pitchFamily="18" charset="0"/>
-                      </a:rPr>
-                      <m:t>𝑡</m:t>
-                    </m:r>
-                    <m:r>
-                      <a:rPr>
-                        <a:latin typeface="Cambria Math" panose="02040503050406030204" pitchFamily="18" charset="0"/>
-                      </a:rPr>
-                      <m:t>∗</m:t>
-                    </m:r>
-                    <m:r>
-                      <a:rPr>
-                        <a:latin typeface="Cambria Math" panose="02040503050406030204" pitchFamily="18" charset="0"/>
-                      </a:rPr>
-                      <m:t>𝑀𝐴𝐷</m:t>
-                    </m:r>
-                  </m:oMath>
-                </a14:m>
-                <a:r>
-                  <a:t>, where </a:t>
-                </a:r>
-                <a14:m>
-                  <m:oMath xmlns:m="http://schemas.openxmlformats.org/officeDocument/2006/math">
-                    <m:r>
-                      <a:rPr>
-                        <a:latin typeface="Cambria Math" panose="02040503050406030204" pitchFamily="18" charset="0"/>
-                      </a:rPr>
-                      <m:t>𝑀𝐴𝐷</m:t>
-                    </m:r>
-                    <m:r>
-                      <a:rPr>
-                        <a:latin typeface="Cambria Math" panose="02040503050406030204" pitchFamily="18" charset="0"/>
-                      </a:rPr>
-                      <m:t>=</m:t>
-                    </m:r>
-                  </m:oMath>
-                </a14:m>
-                <a:r>
-                  <a:t> </a:t>
-                </a:r>
-                <a:r>
-                  <a:rPr b="1"/>
-                  <a:t>median absolute deviation</a:t>
-                </a:r>
-                <a:br/>
-                <a:endParaRPr/>
               </a:p>
               <a:p>
                 <a:pPr lvl="1"/>
                 <a:r>
-                  <a:t>Robustness and bias increases as </a:t>
-                </a:r>
-                <a14:m>
-                  <m:oMath xmlns:m="http://schemas.openxmlformats.org/officeDocument/2006/math">
-                    <m:r>
-                      <a:rPr>
-                        <a:latin typeface="Cambria Math" panose="02040503050406030204" pitchFamily="18" charset="0"/>
-                      </a:rPr>
-                      <m:t>𝑡</m:t>
-                    </m:r>
-                  </m:oMath>
-                </a14:m>
-                <a:r>
-                  <a:t> decreases</a:t>
+                  <a:rPr lang="en-US" dirty="0"/>
+                  <a:t>Two or more other distributions</a:t>
                 </a:r>
               </a:p>
               <a:p>
                 <a:pPr lvl="0"/>
                 <a:r>
-                  <a:t>Huber estimator is low bias</a:t>
+                  <a:rPr lang="en-US" dirty="0"/>
+                  <a:t>Example, mixture of three Normal distributions creates distribution with high dispersion   </a:t>
                 </a:r>
               </a:p>
               <a:p>
                 <a:pPr lvl="1"/>
                 <a:r>
-                  <a:t>Unbiased for samples near the point estimate</a:t>
+                  <a:rPr lang="en-US" dirty="0"/>
+                  <a:t>Probabilities of categorical distribution, </a:t>
                 </a:r>
-                <a:br/>
-                <a:endParaRPr/>
+                <a14:m>
+                  <m:oMath xmlns:m="http://schemas.openxmlformats.org/officeDocument/2006/math">
+                    <m:d>
+                      <m:dPr>
+                        <m:begChr m:val="["/>
+                        <m:endChr m:val="]"/>
+                        <m:ctrlPr>
+                          <a:rPr lang="ar-AE" i="1" smtClean="0">
+                            <a:latin typeface="Cambria Math" panose="02040503050406030204" pitchFamily="18" charset="0"/>
+                          </a:rPr>
+                        </m:ctrlPr>
+                      </m:dPr>
+                      <m:e>
+                        <m:sSub>
+                          <m:sSubPr>
+                            <m:ctrlPr>
+                              <a:rPr lang="ar-AE" i="1" smtClean="0">
+                                <a:latin typeface="Cambria Math" panose="02040503050406030204" pitchFamily="18" charset="0"/>
+                              </a:rPr>
+                            </m:ctrlPr>
+                          </m:sSubPr>
+                          <m:e>
+                            <m:r>
+                              <a:rPr lang="ar-AE" i="1" smtClean="0">
+                                <a:latin typeface="Cambria Math" panose="02040503050406030204" pitchFamily="18" charset="0"/>
+                                <a:ea typeface="Cambria Math" panose="02040503050406030204" pitchFamily="18" charset="0"/>
+                              </a:rPr>
+                              <m:t>𝜋</m:t>
+                            </m:r>
+                          </m:e>
+                          <m:sub>
+                            <m:r>
+                              <a:rPr lang="ar-AE" b="0" i="1" smtClean="0">
+                                <a:latin typeface="Cambria Math" panose="02040503050406030204" pitchFamily="18" charset="0"/>
+                              </a:rPr>
+                              <m:t>1</m:t>
+                            </m:r>
+                          </m:sub>
+                        </m:sSub>
+                        <m:r>
+                          <a:rPr lang="en-US" b="0" i="1" smtClean="0">
+                            <a:latin typeface="Cambria Math" panose="02040503050406030204" pitchFamily="18" charset="0"/>
+                          </a:rPr>
+                          <m:t>,</m:t>
+                        </m:r>
+                        <m:sSub>
+                          <m:sSubPr>
+                            <m:ctrlPr>
+                              <a:rPr lang="ar-AE" i="1">
+                                <a:latin typeface="Cambria Math" panose="02040503050406030204" pitchFamily="18" charset="0"/>
+                              </a:rPr>
+                            </m:ctrlPr>
+                          </m:sSubPr>
+                          <m:e>
+                            <m:r>
+                              <a:rPr lang="ar-AE" i="1">
+                                <a:latin typeface="Cambria Math" panose="02040503050406030204" pitchFamily="18" charset="0"/>
+                                <a:ea typeface="Cambria Math" panose="02040503050406030204" pitchFamily="18" charset="0"/>
+                              </a:rPr>
+                              <m:t>𝜋</m:t>
+                            </m:r>
+                          </m:e>
+                          <m:sub>
+                            <m:r>
+                              <a:rPr lang="en-US" b="0" i="1" smtClean="0">
+                                <a:latin typeface="Cambria Math" panose="02040503050406030204" pitchFamily="18" charset="0"/>
+                                <a:ea typeface="Cambria Math" panose="02040503050406030204" pitchFamily="18" charset="0"/>
+                              </a:rPr>
+                              <m:t>2</m:t>
+                            </m:r>
+                          </m:sub>
+                        </m:sSub>
+                        <m:r>
+                          <a:rPr lang="en-US" b="0" i="1" smtClean="0">
+                            <a:latin typeface="Cambria Math" panose="02040503050406030204" pitchFamily="18" charset="0"/>
+                          </a:rPr>
+                          <m:t>,</m:t>
+                        </m:r>
+                        <m:sSub>
+                          <m:sSubPr>
+                            <m:ctrlPr>
+                              <a:rPr lang="ar-AE" i="1">
+                                <a:latin typeface="Cambria Math" panose="02040503050406030204" pitchFamily="18" charset="0"/>
+                              </a:rPr>
+                            </m:ctrlPr>
+                          </m:sSubPr>
+                          <m:e>
+                            <m:r>
+                              <a:rPr lang="ar-AE" i="1">
+                                <a:latin typeface="Cambria Math" panose="02040503050406030204" pitchFamily="18" charset="0"/>
+                                <a:ea typeface="Cambria Math" panose="02040503050406030204" pitchFamily="18" charset="0"/>
+                              </a:rPr>
+                              <m:t>𝜋</m:t>
+                            </m:r>
+                          </m:e>
+                          <m:sub>
+                            <m:r>
+                              <a:rPr lang="en-US" b="0" i="1" smtClean="0">
+                                <a:latin typeface="Cambria Math" panose="02040503050406030204" pitchFamily="18" charset="0"/>
+                              </a:rPr>
+                              <m:t>3</m:t>
+                            </m:r>
+                          </m:sub>
+                        </m:sSub>
+                      </m:e>
+                    </m:d>
+                  </m:oMath>
+                </a14:m>
+                <a:r>
+                  <a:rPr lang="ar-AE" dirty="0"/>
+                  <a:t> </a:t>
+                </a:r>
+                <a:r>
+                  <a:rPr lang="en-US" dirty="0"/>
+                  <a:t>, for switching </a:t>
+                </a:r>
               </a:p>
               <a:p>
                 <a:pPr lvl="1"/>
                 <a:r>
-                  <a:t>Constant influence away from the point estimate</a:t>
+                  <a:rPr lang="en-US" dirty="0"/>
+                  <a:t>Three Normal distributions with </a:t>
                 </a:r>
+                <a14:m>
+                  <m:oMath xmlns:m="http://schemas.openxmlformats.org/officeDocument/2006/math">
+                    <m:d>
+                      <m:dPr>
+                        <m:begChr m:val="["/>
+                        <m:endChr m:val="]"/>
+                        <m:ctrlPr>
+                          <a:rPr lang="ar-AE" i="1" smtClean="0">
+                            <a:latin typeface="Cambria Math" panose="02040503050406030204" pitchFamily="18" charset="0"/>
+                          </a:rPr>
+                        </m:ctrlPr>
+                      </m:dPr>
+                      <m:e>
+                        <m:sSub>
+                          <m:sSubPr>
+                            <m:ctrlPr>
+                              <a:rPr lang="ar-AE" i="1" smtClean="0">
+                                <a:latin typeface="Cambria Math" panose="02040503050406030204" pitchFamily="18" charset="0"/>
+                              </a:rPr>
+                            </m:ctrlPr>
+                          </m:sSubPr>
+                          <m:e>
+                            <m:r>
+                              <a:rPr lang="ar-AE" i="1" smtClean="0">
+                                <a:latin typeface="Cambria Math" panose="02040503050406030204" pitchFamily="18" charset="0"/>
+                                <a:ea typeface="Cambria Math" panose="02040503050406030204" pitchFamily="18" charset="0"/>
+                              </a:rPr>
+                              <m:t>𝜇</m:t>
+                            </m:r>
+                          </m:e>
+                          <m:sub>
+                            <m:r>
+                              <a:rPr lang="ar-AE" b="0" i="1" smtClean="0">
+                                <a:latin typeface="Cambria Math" panose="02040503050406030204" pitchFamily="18" charset="0"/>
+                              </a:rPr>
+                              <m:t>1</m:t>
+                            </m:r>
+                          </m:sub>
+                        </m:sSub>
+                        <m:r>
+                          <a:rPr lang="en-US" b="0" i="1" smtClean="0">
+                            <a:latin typeface="Cambria Math" panose="02040503050406030204" pitchFamily="18" charset="0"/>
+                          </a:rPr>
+                          <m:t>,</m:t>
+                        </m:r>
+                        <m:sSub>
+                          <m:sSubPr>
+                            <m:ctrlPr>
+                              <a:rPr lang="ar-AE" i="1">
+                                <a:latin typeface="Cambria Math" panose="02040503050406030204" pitchFamily="18" charset="0"/>
+                              </a:rPr>
+                            </m:ctrlPr>
+                          </m:sSubPr>
+                          <m:e>
+                            <m:r>
+                              <a:rPr lang="ar-AE" i="1" smtClean="0">
+                                <a:latin typeface="Cambria Math" panose="02040503050406030204" pitchFamily="18" charset="0"/>
+                                <a:ea typeface="Cambria Math" panose="02040503050406030204" pitchFamily="18" charset="0"/>
+                              </a:rPr>
+                              <m:t>𝜎</m:t>
+                            </m:r>
+                          </m:e>
+                          <m:sub>
+                            <m:r>
+                              <a:rPr lang="en-US" b="0" i="1" smtClean="0">
+                                <a:latin typeface="Cambria Math" panose="02040503050406030204" pitchFamily="18" charset="0"/>
+                                <a:ea typeface="Cambria Math" panose="02040503050406030204" pitchFamily="18" charset="0"/>
+                              </a:rPr>
+                              <m:t>1</m:t>
+                            </m:r>
+                          </m:sub>
+                        </m:sSub>
+                      </m:e>
+                    </m:d>
+                  </m:oMath>
+                </a14:m>
+                <a:r>
+                  <a:rPr lang="en-US" dirty="0"/>
+                  <a:t>, </a:t>
+                </a:r>
+                <a14:m>
+                  <m:oMath xmlns:m="http://schemas.openxmlformats.org/officeDocument/2006/math">
+                    <m:d>
+                      <m:dPr>
+                        <m:begChr m:val="["/>
+                        <m:endChr m:val="]"/>
+                        <m:ctrlPr>
+                          <a:rPr lang="ar-AE" i="1">
+                            <a:latin typeface="Cambria Math" panose="02040503050406030204" pitchFamily="18" charset="0"/>
+                          </a:rPr>
+                        </m:ctrlPr>
+                      </m:dPr>
+                      <m:e>
+                        <m:sSub>
+                          <m:sSubPr>
+                            <m:ctrlPr>
+                              <a:rPr lang="ar-AE" i="1">
+                                <a:latin typeface="Cambria Math" panose="02040503050406030204" pitchFamily="18" charset="0"/>
+                              </a:rPr>
+                            </m:ctrlPr>
+                          </m:sSubPr>
+                          <m:e>
+                            <m:r>
+                              <a:rPr lang="ar-AE" i="1">
+                                <a:latin typeface="Cambria Math" panose="02040503050406030204" pitchFamily="18" charset="0"/>
+                                <a:ea typeface="Cambria Math" panose="02040503050406030204" pitchFamily="18" charset="0"/>
+                              </a:rPr>
+                              <m:t>𝜇</m:t>
+                            </m:r>
+                          </m:e>
+                          <m:sub>
+                            <m:r>
+                              <a:rPr lang="en-US" b="0" i="1" smtClean="0">
+                                <a:latin typeface="Cambria Math" panose="02040503050406030204" pitchFamily="18" charset="0"/>
+                                <a:ea typeface="Cambria Math" panose="02040503050406030204" pitchFamily="18" charset="0"/>
+                              </a:rPr>
+                              <m:t>2</m:t>
+                            </m:r>
+                          </m:sub>
+                        </m:sSub>
+                        <m:r>
+                          <a:rPr lang="en-US" i="1">
+                            <a:latin typeface="Cambria Math" panose="02040503050406030204" pitchFamily="18" charset="0"/>
+                          </a:rPr>
+                          <m:t>,</m:t>
+                        </m:r>
+                        <m:sSub>
+                          <m:sSubPr>
+                            <m:ctrlPr>
+                              <a:rPr lang="ar-AE" i="1">
+                                <a:latin typeface="Cambria Math" panose="02040503050406030204" pitchFamily="18" charset="0"/>
+                              </a:rPr>
+                            </m:ctrlPr>
+                          </m:sSubPr>
+                          <m:e>
+                            <m:r>
+                              <a:rPr lang="ar-AE" i="1">
+                                <a:latin typeface="Cambria Math" panose="02040503050406030204" pitchFamily="18" charset="0"/>
+                                <a:ea typeface="Cambria Math" panose="02040503050406030204" pitchFamily="18" charset="0"/>
+                              </a:rPr>
+                              <m:t>𝜎</m:t>
+                            </m:r>
+                          </m:e>
+                          <m:sub>
+                            <m:r>
+                              <a:rPr lang="en-US" b="0" i="1" smtClean="0">
+                                <a:latin typeface="Cambria Math" panose="02040503050406030204" pitchFamily="18" charset="0"/>
+                                <a:ea typeface="Cambria Math" panose="02040503050406030204" pitchFamily="18" charset="0"/>
+                              </a:rPr>
+                              <m:t>2</m:t>
+                            </m:r>
+                          </m:sub>
+                        </m:sSub>
+                      </m:e>
+                    </m:d>
+                  </m:oMath>
+                </a14:m>
+                <a:r>
+                  <a:rPr lang="en-US" dirty="0"/>
+                  <a:t> and </a:t>
+                </a:r>
+                <a14:m>
+                  <m:oMath xmlns:m="http://schemas.openxmlformats.org/officeDocument/2006/math">
+                    <m:d>
+                      <m:dPr>
+                        <m:begChr m:val="["/>
+                        <m:endChr m:val="]"/>
+                        <m:ctrlPr>
+                          <a:rPr lang="ar-AE" i="1">
+                            <a:latin typeface="Cambria Math" panose="02040503050406030204" pitchFamily="18" charset="0"/>
+                          </a:rPr>
+                        </m:ctrlPr>
+                      </m:dPr>
+                      <m:e>
+                        <m:sSub>
+                          <m:sSubPr>
+                            <m:ctrlPr>
+                              <a:rPr lang="ar-AE" i="1">
+                                <a:latin typeface="Cambria Math" panose="02040503050406030204" pitchFamily="18" charset="0"/>
+                              </a:rPr>
+                            </m:ctrlPr>
+                          </m:sSubPr>
+                          <m:e>
+                            <m:r>
+                              <a:rPr lang="ar-AE" i="1">
+                                <a:latin typeface="Cambria Math" panose="02040503050406030204" pitchFamily="18" charset="0"/>
+                                <a:ea typeface="Cambria Math" panose="02040503050406030204" pitchFamily="18" charset="0"/>
+                              </a:rPr>
+                              <m:t>𝜇</m:t>
+                            </m:r>
+                          </m:e>
+                          <m:sub>
+                            <m:r>
+                              <a:rPr lang="en-US" b="0" i="1" smtClean="0">
+                                <a:latin typeface="Cambria Math" panose="02040503050406030204" pitchFamily="18" charset="0"/>
+                                <a:ea typeface="Cambria Math" panose="02040503050406030204" pitchFamily="18" charset="0"/>
+                              </a:rPr>
+                              <m:t>3</m:t>
+                            </m:r>
+                          </m:sub>
+                        </m:sSub>
+                        <m:r>
+                          <a:rPr lang="en-US" i="1">
+                            <a:latin typeface="Cambria Math" panose="02040503050406030204" pitchFamily="18" charset="0"/>
+                          </a:rPr>
+                          <m:t>,</m:t>
+                        </m:r>
+                        <m:sSub>
+                          <m:sSubPr>
+                            <m:ctrlPr>
+                              <a:rPr lang="ar-AE" i="1">
+                                <a:latin typeface="Cambria Math" panose="02040503050406030204" pitchFamily="18" charset="0"/>
+                              </a:rPr>
+                            </m:ctrlPr>
+                          </m:sSubPr>
+                          <m:e>
+                            <m:r>
+                              <a:rPr lang="ar-AE" i="1">
+                                <a:latin typeface="Cambria Math" panose="02040503050406030204" pitchFamily="18" charset="0"/>
+                                <a:ea typeface="Cambria Math" panose="02040503050406030204" pitchFamily="18" charset="0"/>
+                              </a:rPr>
+                              <m:t>𝜎</m:t>
+                            </m:r>
+                          </m:e>
+                          <m:sub>
+                            <m:r>
+                              <a:rPr lang="en-US" b="0" i="1" smtClean="0">
+                                <a:latin typeface="Cambria Math" panose="02040503050406030204" pitchFamily="18" charset="0"/>
+                                <a:ea typeface="Cambria Math" panose="02040503050406030204" pitchFamily="18" charset="0"/>
+                              </a:rPr>
+                              <m:t>3</m:t>
+                            </m:r>
+                          </m:sub>
+                        </m:sSub>
+                      </m:e>
+                    </m:d>
+                  </m:oMath>
+                </a14:m>
+                <a:r>
+                  <a:rPr lang="en-US" dirty="0"/>
+                  <a:t> respectively, and </a:t>
+                </a:r>
+                <a14:m>
+                  <m:oMath xmlns:m="http://schemas.openxmlformats.org/officeDocument/2006/math">
+                    <m:sSub>
+                      <m:sSubPr>
+                        <m:ctrlPr>
+                          <a:rPr lang="ar-AE" i="1">
+                            <a:latin typeface="Cambria Math" panose="02040503050406030204" pitchFamily="18" charset="0"/>
+                          </a:rPr>
+                        </m:ctrlPr>
+                      </m:sSubPr>
+                      <m:e>
+                        <m:r>
+                          <a:rPr lang="ar-AE" i="1">
+                            <a:latin typeface="Cambria Math" panose="02040503050406030204" pitchFamily="18" charset="0"/>
+                            <a:ea typeface="Cambria Math" panose="02040503050406030204" pitchFamily="18" charset="0"/>
+                          </a:rPr>
+                          <m:t>𝜇</m:t>
+                        </m:r>
+                      </m:e>
+                      <m:sub>
+                        <m:r>
+                          <a:rPr lang="ar-AE" i="1">
+                            <a:latin typeface="Cambria Math" panose="02040503050406030204" pitchFamily="18" charset="0"/>
+                          </a:rPr>
+                          <m:t>1</m:t>
+                        </m:r>
+                      </m:sub>
+                    </m:sSub>
+                    <m:r>
+                      <a:rPr lang="en-US" b="0" i="1" smtClean="0">
+                        <a:latin typeface="Cambria Math" panose="02040503050406030204" pitchFamily="18" charset="0"/>
+                      </a:rPr>
+                      <m:t>&lt;</m:t>
+                    </m:r>
+                    <m:sSub>
+                      <m:sSubPr>
+                        <m:ctrlPr>
+                          <a:rPr lang="ar-AE" i="1">
+                            <a:latin typeface="Cambria Math" panose="02040503050406030204" pitchFamily="18" charset="0"/>
+                          </a:rPr>
+                        </m:ctrlPr>
+                      </m:sSubPr>
+                      <m:e>
+                        <m:r>
+                          <a:rPr lang="ar-AE" i="1">
+                            <a:latin typeface="Cambria Math" panose="02040503050406030204" pitchFamily="18" charset="0"/>
+                            <a:ea typeface="Cambria Math" panose="02040503050406030204" pitchFamily="18" charset="0"/>
+                          </a:rPr>
+                          <m:t>𝜇</m:t>
+                        </m:r>
+                      </m:e>
+                      <m:sub>
+                        <m:r>
+                          <a:rPr lang="en-US" b="0" i="1" smtClean="0">
+                            <a:latin typeface="Cambria Math" panose="02040503050406030204" pitchFamily="18" charset="0"/>
+                            <a:ea typeface="Cambria Math" panose="02040503050406030204" pitchFamily="18" charset="0"/>
+                          </a:rPr>
+                          <m:t>2</m:t>
+                        </m:r>
+                      </m:sub>
+                    </m:sSub>
+                    <m:r>
+                      <a:rPr lang="en-US" b="0" i="1" smtClean="0">
+                        <a:latin typeface="Cambria Math" panose="02040503050406030204" pitchFamily="18" charset="0"/>
+                      </a:rPr>
+                      <m:t>&lt;</m:t>
+                    </m:r>
+                    <m:sSub>
+                      <m:sSubPr>
+                        <m:ctrlPr>
+                          <a:rPr lang="ar-AE" i="1">
+                            <a:latin typeface="Cambria Math" panose="02040503050406030204" pitchFamily="18" charset="0"/>
+                          </a:rPr>
+                        </m:ctrlPr>
+                      </m:sSubPr>
+                      <m:e>
+                        <m:r>
+                          <a:rPr lang="ar-AE" i="1">
+                            <a:latin typeface="Cambria Math" panose="02040503050406030204" pitchFamily="18" charset="0"/>
+                            <a:ea typeface="Cambria Math" panose="02040503050406030204" pitchFamily="18" charset="0"/>
+                          </a:rPr>
+                          <m:t>𝜇</m:t>
+                        </m:r>
+                      </m:e>
+                      <m:sub>
+                        <m:r>
+                          <a:rPr lang="en-US" b="0" i="1" smtClean="0">
+                            <a:latin typeface="Cambria Math" panose="02040503050406030204" pitchFamily="18" charset="0"/>
+                            <a:ea typeface="Cambria Math" panose="02040503050406030204" pitchFamily="18" charset="0"/>
+                          </a:rPr>
+                          <m:t>3</m:t>
+                        </m:r>
+                      </m:sub>
+                    </m:sSub>
+                  </m:oMath>
+                </a14:m>
+                <a:endParaRPr lang="en-US" dirty="0"/>
+              </a:p>
+              <a:p>
+                <a:pPr lvl="1"/>
+                <a:r>
+                  <a:rPr lang="en-US" dirty="0"/>
+                  <a:t>First and third distributions give weight on left and right tails </a:t>
+                </a:r>
+                <a:endParaRPr dirty="0"/>
               </a:p>
             </p:txBody>
           </p:sp>
         </mc:Choice>
-        <mc:Fallback xmlns="">
+        <mc:Fallback>
           <p:sp>
             <p:nvSpPr>
-              <p:cNvPr id="3" name="Content Placeholder 2"/>
+              <p:cNvPr id="3" name="Content Placeholder 2">
+                <a:extLst>
+                  <a:ext uri="{FF2B5EF4-FFF2-40B4-BE49-F238E27FC236}">
+                    <a16:creationId xmlns:a16="http://schemas.microsoft.com/office/drawing/2014/main" id="{B714F5DE-1921-738D-F785-5363AED3B45F}"/>
+                  </a:ext>
+                </a:extLst>
+              </p:cNvPr>
               <p:cNvSpPr>
                 <a:spLocks noGrp="1" noRot="1" noChangeAspect="1" noMove="1" noResize="1" noEditPoints="1" noAdjustHandles="1" noChangeArrowheads="1" noChangeShapeType="1" noTextEdit="1"/>
               </p:cNvSpPr>
@@ -4614,7 +5081,320 @@
               <a:blipFill>
                 <a:blip r:embed="rId2"/>
                 <a:stretch>
-                  <a:fillRect l="-963" t="-2334"/>
+                  <a:fillRect l="-963" t="-2334" r="-519"/>
+                </a:stretch>
+              </a:blipFill>
+            </p:spPr>
+            <p:txBody>
+              <a:bodyPr/>
+              <a:lstStyle/>
+              <a:p>
+                <a:r>
+                  <a:rPr lang="en-US">
+                    <a:noFill/>
+                  </a:rPr>
+                  <a:t> </a:t>
+                </a:r>
+              </a:p>
+            </p:txBody>
+          </p:sp>
+        </mc:Fallback>
+      </mc:AlternateContent>
+    </p:spTree>
+    <p:extLst>
+      <p:ext uri="{BB962C8B-B14F-4D97-AF65-F5344CB8AC3E}">
+        <p14:creationId xmlns:p14="http://schemas.microsoft.com/office/powerpoint/2010/main" val="1238802853"/>
+      </p:ext>
+    </p:extLst>
+  </p:cSld>
+  <p:clrMapOvr>
+    <a:masterClrMapping/>
+  </p:clrMapOvr>
+</p:sld>
+</file>
+
+<file path=ppt/slides/slide15.xml><?xml version="1.0" encoding="utf-8"?>
+<p:sld xmlns:a="http://schemas.openxmlformats.org/drawingml/2006/main" xmlns:r="http://schemas.openxmlformats.org/officeDocument/2006/relationships" xmlns:p="http://schemas.openxmlformats.org/presentationml/2006/main">
+  <p:cSld>
+    <p:spTree>
+      <p:nvGrpSpPr>
+        <p:cNvPr id="1" name="">
+          <a:extLst>
+            <a:ext uri="{FF2B5EF4-FFF2-40B4-BE49-F238E27FC236}">
+              <a16:creationId xmlns:a16="http://schemas.microsoft.com/office/drawing/2014/main" id="{5EC731EE-7D67-38D5-F926-AC676739BE47}"/>
+            </a:ext>
+          </a:extLst>
+        </p:cNvPr>
+        <p:cNvGrpSpPr/>
+        <p:nvPr/>
+      </p:nvGrpSpPr>
+      <p:grpSpPr>
+        <a:xfrm>
+          <a:off x="0" y="0"/>
+          <a:ext cx="0" cy="0"/>
+          <a:chOff x="0" y="0"/>
+          <a:chExt cx="0" cy="0"/>
+        </a:xfrm>
+      </p:grpSpPr>
+      <p:sp>
+        <p:nvSpPr>
+          <p:cNvPr id="2" name="Title 1">
+            <a:extLst>
+              <a:ext uri="{FF2B5EF4-FFF2-40B4-BE49-F238E27FC236}">
+                <a16:creationId xmlns:a16="http://schemas.microsoft.com/office/drawing/2014/main" id="{B7E80B6A-949A-70C5-ADEE-1B777AA37E03}"/>
+              </a:ext>
+            </a:extLst>
+          </p:cNvPr>
+          <p:cNvSpPr>
+            <a:spLocks noGrp="1"/>
+          </p:cNvSpPr>
+          <p:nvPr>
+            <p:ph type="title"/>
+          </p:nvPr>
+        </p:nvSpPr>
+        <p:spPr>
+          <a:xfrm>
+            <a:off x="457200" y="205979"/>
+            <a:ext cx="8229600" cy="655115"/>
+          </a:xfrm>
+        </p:spPr>
+        <p:txBody>
+          <a:bodyPr/>
+          <a:lstStyle/>
+          <a:p>
+            <a:pPr marL="0" lvl="0" indent="0">
+              <a:buNone/>
+            </a:pPr>
+            <a:r>
+              <a:rPr lang="en-US" dirty="0"/>
+              <a:t>Zero-Inflated Negative Binomial Distribution</a:t>
+            </a:r>
+            <a:endParaRPr dirty="0"/>
+          </a:p>
+        </p:txBody>
+      </p:sp>
+      <mc:AlternateContent xmlns:mc="http://schemas.openxmlformats.org/markup-compatibility/2006">
+        <mc:Choice xmlns:a14="http://schemas.microsoft.com/office/drawing/2010/main" Requires="a14">
+          <p:sp>
+            <p:nvSpPr>
+              <p:cNvPr id="3" name="Content Placeholder 2">
+                <a:extLst>
+                  <a:ext uri="{FF2B5EF4-FFF2-40B4-BE49-F238E27FC236}">
+                    <a16:creationId xmlns:a16="http://schemas.microsoft.com/office/drawing/2014/main" id="{DEAD4097-0951-82F3-F594-38F57DC99DE3}"/>
+                  </a:ext>
+                </a:extLst>
+              </p:cNvPr>
+              <p:cNvSpPr>
+                <a:spLocks noGrp="1"/>
+              </p:cNvSpPr>
+              <p:nvPr>
+                <p:ph idx="1"/>
+              </p:nvPr>
+            </p:nvSpPr>
+            <p:spPr>
+              <a:xfrm>
+                <a:off x="457199" y="951304"/>
+                <a:ext cx="3651449" cy="4026639"/>
+              </a:xfrm>
+            </p:spPr>
+            <p:txBody>
+              <a:bodyPr>
+                <a:normAutofit fontScale="92500"/>
+              </a:bodyPr>
+              <a:lstStyle/>
+              <a:p>
+                <a:pPr marL="0" lvl="0" indent="0">
+                  <a:buNone/>
+                </a:pPr>
+                <a:r>
+                  <a:rPr lang="en-US" dirty="0"/>
+                  <a:t>Example</a:t>
+                </a:r>
+                <a:r>
+                  <a:rPr lang="en-US" b="1" dirty="0"/>
+                  <a:t>, zero-inflated negative binomial distribution </a:t>
+                </a:r>
+              </a:p>
+              <a:p>
+                <a:r>
+                  <a:rPr lang="en-US" dirty="0"/>
+                  <a:t>Standard negative binomial distribution with </a:t>
+                </a:r>
+                <a14:m>
+                  <m:oMath xmlns:m="http://schemas.openxmlformats.org/officeDocument/2006/math">
+                    <m:r>
+                      <a:rPr lang="en-US" b="0" i="1" smtClean="0">
+                        <a:latin typeface="Cambria Math" panose="02040503050406030204" pitchFamily="18" charset="0"/>
+                      </a:rPr>
+                      <m:t>𝑢</m:t>
+                    </m:r>
+                    <m:r>
+                      <a:rPr lang="en-US" b="0" i="1" smtClean="0">
+                        <a:latin typeface="Cambria Math" panose="02040503050406030204" pitchFamily="18" charset="0"/>
+                      </a:rPr>
+                      <m:t>=2.0, </m:t>
+                    </m:r>
+                    <m:r>
+                      <a:rPr lang="en-US" b="0" i="1" smtClean="0">
+                        <a:latin typeface="Cambria Math" panose="02040503050406030204" pitchFamily="18" charset="0"/>
+                        <a:ea typeface="Cambria Math" panose="02040503050406030204" pitchFamily="18" charset="0"/>
+                      </a:rPr>
+                      <m:t>𝛼</m:t>
+                    </m:r>
+                    <m:r>
+                      <a:rPr lang="en-US" b="0" i="1" smtClean="0">
+                        <a:latin typeface="Cambria Math" panose="02040503050406030204" pitchFamily="18" charset="0"/>
+                        <a:ea typeface="Cambria Math" panose="02040503050406030204" pitchFamily="18" charset="0"/>
+                      </a:rPr>
+                      <m:t>=1.0</m:t>
+                    </m:r>
+                  </m:oMath>
+                </a14:m>
+                <a:r>
+                  <a:rPr lang="en-US" dirty="0"/>
+                  <a:t>, </a:t>
+                </a:r>
+                <a14:m>
+                  <m:oMath xmlns:m="http://schemas.openxmlformats.org/officeDocument/2006/math">
+                    <m:r>
+                      <a:rPr lang="en-US" i="1">
+                        <a:latin typeface="Cambria Math" panose="02040503050406030204" pitchFamily="18" charset="0"/>
+                      </a:rPr>
+                      <m:t>𝑢</m:t>
+                    </m:r>
+                    <m:r>
+                      <a:rPr lang="en-US" i="1">
+                        <a:latin typeface="Cambria Math" panose="02040503050406030204" pitchFamily="18" charset="0"/>
+                      </a:rPr>
+                      <m:t>=2.0, </m:t>
+                    </m:r>
+                    <m:r>
+                      <a:rPr lang="en-US" i="1">
+                        <a:latin typeface="Cambria Math" panose="02040503050406030204" pitchFamily="18" charset="0"/>
+                        <a:ea typeface="Cambria Math" panose="02040503050406030204" pitchFamily="18" charset="0"/>
+                      </a:rPr>
+                      <m:t>𝛼</m:t>
+                    </m:r>
+                    <m:r>
+                      <a:rPr lang="en-US" i="1">
+                        <a:latin typeface="Cambria Math" panose="02040503050406030204" pitchFamily="18" charset="0"/>
+                        <a:ea typeface="Cambria Math" panose="02040503050406030204" pitchFamily="18" charset="0"/>
+                      </a:rPr>
+                      <m:t>=4.0</m:t>
+                    </m:r>
+                  </m:oMath>
+                </a14:m>
+                <a:r>
+                  <a:rPr lang="en-US" dirty="0"/>
+                  <a:t> and </a:t>
+                </a:r>
+                <a14:m>
+                  <m:oMath xmlns:m="http://schemas.openxmlformats.org/officeDocument/2006/math">
+                    <m:r>
+                      <a:rPr lang="en-US" i="1">
+                        <a:latin typeface="Cambria Math" panose="02040503050406030204" pitchFamily="18" charset="0"/>
+                      </a:rPr>
+                      <m:t>𝑢</m:t>
+                    </m:r>
+                    <m:r>
+                      <a:rPr lang="en-US" i="1">
+                        <a:latin typeface="Cambria Math" panose="02040503050406030204" pitchFamily="18" charset="0"/>
+                      </a:rPr>
+                      <m:t>=5.0,</m:t>
+                    </m:r>
+                    <m:r>
+                      <a:rPr lang="en-US" i="1">
+                        <a:latin typeface="Cambria Math" panose="02040503050406030204" pitchFamily="18" charset="0"/>
+                        <a:ea typeface="Cambria Math" panose="02040503050406030204" pitchFamily="18" charset="0"/>
+                      </a:rPr>
+                      <m:t>𝛼</m:t>
+                    </m:r>
+                    <m:r>
+                      <a:rPr lang="en-US" i="1">
+                        <a:latin typeface="Cambria Math" panose="02040503050406030204" pitchFamily="18" charset="0"/>
+                        <a:ea typeface="Cambria Math" panose="02040503050406030204" pitchFamily="18" charset="0"/>
+                      </a:rPr>
+                      <m:t>=2.0</m:t>
+                    </m:r>
+                  </m:oMath>
+                </a14:m>
+                <a:endParaRPr lang="en-US" dirty="0"/>
+              </a:p>
+              <a:p>
+                <a:r>
+                  <a:rPr lang="en-US" dirty="0"/>
+                  <a:t>Zero inflated negative binomial with </a:t>
+                </a:r>
+                <a14:m>
+                  <m:oMath xmlns:m="http://schemas.openxmlformats.org/officeDocument/2006/math">
+                    <m:r>
+                      <a:rPr lang="en-US" b="0" i="1" smtClean="0">
+                        <a:latin typeface="Cambria Math" panose="02040503050406030204" pitchFamily="18" charset="0"/>
+                        <a:ea typeface="Cambria Math" panose="02040503050406030204" pitchFamily="18" charset="0"/>
+                      </a:rPr>
+                      <m:t>𝜋</m:t>
+                    </m:r>
+                  </m:oMath>
+                </a14:m>
+                <a:r>
+                  <a:rPr lang="en-US" dirty="0"/>
+                  <a:t>=0.2 </a:t>
+                </a:r>
+              </a:p>
+              <a:p>
+                <a:r>
+                  <a:rPr lang="en-US" dirty="0"/>
+                  <a:t>Zero inflated negative binomial with </a:t>
+                </a:r>
+                <a14:m>
+                  <m:oMath xmlns:m="http://schemas.openxmlformats.org/officeDocument/2006/math">
+                    <m:r>
+                      <a:rPr lang="en-US" b="0" i="1" smtClean="0">
+                        <a:latin typeface="Cambria Math" panose="02040503050406030204" pitchFamily="18" charset="0"/>
+                        <a:ea typeface="Cambria Math" panose="02040503050406030204" pitchFamily="18" charset="0"/>
+                      </a:rPr>
+                      <m:t>𝜋</m:t>
+                    </m:r>
+                  </m:oMath>
+                </a14:m>
+                <a:r>
+                  <a:rPr lang="en-US" dirty="0"/>
+                  <a:t>=0.5 </a:t>
+                </a:r>
+              </a:p>
+              <a:p>
+                <a:pPr lvl="0"/>
+                <a:endParaRPr dirty="0"/>
+              </a:p>
+            </p:txBody>
+          </p:sp>
+        </mc:Choice>
+        <mc:Fallback>
+          <p:sp>
+            <p:nvSpPr>
+              <p:cNvPr id="3" name="Content Placeholder 2">
+                <a:extLst>
+                  <a:ext uri="{FF2B5EF4-FFF2-40B4-BE49-F238E27FC236}">
+                    <a16:creationId xmlns:a16="http://schemas.microsoft.com/office/drawing/2014/main" id="{DEAD4097-0951-82F3-F594-38F57DC99DE3}"/>
+                  </a:ext>
+                </a:extLst>
+              </p:cNvPr>
+              <p:cNvSpPr>
+                <a:spLocks noGrp="1" noRot="1" noChangeAspect="1" noMove="1" noResize="1" noEditPoints="1" noAdjustHandles="1" noChangeArrowheads="1" noChangeShapeType="1" noTextEdit="1"/>
+              </p:cNvSpPr>
+              <p:nvPr>
+                <p:ph idx="1"/>
+              </p:nvPr>
+            </p:nvSpPr>
+            <p:spPr>
+              <a:xfrm>
+                <a:off x="457199" y="951304"/>
+                <a:ext cx="3651449" cy="4026639"/>
+              </a:xfrm>
+              <a:blipFill>
+                <a:blip r:embed="rId2"/>
+                <a:stretch>
+                  <a:fillRect l="-2170" t="-1059" r="-3005" b="-1967"/>
                 </a:stretch>
               </a:blipFill>
             </p:spPr>
@@ -4635,9 +5415,15 @@
       </mc:AlternateContent>
       <p:pic>
         <p:nvPicPr>
-          <p:cNvPr id="4" name="Picture 1" descr="../images/Huber.png"/>
+          <p:cNvPr id="5" name="Picture 4">
+            <a:extLst>
+              <a:ext uri="{FF2B5EF4-FFF2-40B4-BE49-F238E27FC236}">
+                <a16:creationId xmlns:a16="http://schemas.microsoft.com/office/drawing/2014/main" id="{CB39DC39-B936-ABB8-14A5-08C488C282F3}"/>
+              </a:ext>
+            </a:extLst>
+          </p:cNvPr>
           <p:cNvPicPr>
-            <a:picLocks noGrp="1" noChangeAspect="1"/>
+            <a:picLocks noChangeAspect="1"/>
           </p:cNvPicPr>
           <p:nvPr/>
         </p:nvPicPr>
@@ -4647,338 +5433,154 @@
             <a:fillRect/>
           </a:stretch>
         </p:blipFill>
-        <p:spPr bwMode="auto">
+        <p:spPr>
           <a:xfrm>
-            <a:off x="1930400" y="1193800"/>
-            <a:ext cx="5270500" cy="2882900"/>
+            <a:off x="4137352" y="1332025"/>
+            <a:ext cx="4973802" cy="3458471"/>
           </a:xfrm>
           <a:prstGeom prst="rect">
             <a:avLst/>
           </a:prstGeom>
-          <a:noFill/>
-          <a:ln w="9525">
-            <a:noFill/>
-            <a:headEnd/>
-            <a:tailEnd/>
+        </p:spPr>
+      </p:pic>
+      <p:cxnSp>
+        <p:nvCxnSpPr>
+          <p:cNvPr id="4" name="Straight Arrow Connector 3">
+            <a:extLst>
+              <a:ext uri="{FF2B5EF4-FFF2-40B4-BE49-F238E27FC236}">
+                <a16:creationId xmlns:a16="http://schemas.microsoft.com/office/drawing/2014/main" id="{39F19F43-F7EE-BF41-AF5E-4CCC505D1543}"/>
+              </a:ext>
+            </a:extLst>
+          </p:cNvPr>
+          <p:cNvCxnSpPr>
+            <a:cxnSpLocks/>
+          </p:cNvCxnSpPr>
+          <p:nvPr/>
+        </p:nvCxnSpPr>
+        <p:spPr>
+          <a:xfrm flipV="1">
+            <a:off x="3977435" y="2189639"/>
+            <a:ext cx="270630" cy="114813"/>
+          </a:xfrm>
+          <a:prstGeom prst="straightConnector1">
+            <a:avLst/>
+          </a:prstGeom>
+          <a:ln w="38100">
+            <a:solidFill>
+              <a:srgbClr val="C00000"/>
+            </a:solidFill>
+            <a:tailEnd type="triangle"/>
           </a:ln>
         </p:spPr>
-      </p:pic>
-      <p:sp>
-        <p:nvSpPr>
-          <p:cNvPr id="5" name="TextBox 3"/>
-          <p:cNvSpPr txBox="1"/>
+        <p:style>
+          <a:lnRef idx="2">
+            <a:schemeClr val="accent1"/>
+          </a:lnRef>
+          <a:fillRef idx="0">
+            <a:schemeClr val="accent1"/>
+          </a:fillRef>
+          <a:effectRef idx="1">
+            <a:schemeClr val="accent1"/>
+          </a:effectRef>
+          <a:fontRef idx="minor">
+            <a:schemeClr val="tx1"/>
+          </a:fontRef>
+        </p:style>
+      </p:cxnSp>
+      <p:cxnSp>
+        <p:nvCxnSpPr>
+          <p:cNvPr id="6" name="Straight Arrow Connector 5">
+            <a:extLst>
+              <a:ext uri="{FF2B5EF4-FFF2-40B4-BE49-F238E27FC236}">
+                <a16:creationId xmlns:a16="http://schemas.microsoft.com/office/drawing/2014/main" id="{9EF5ECBC-6B77-9FE1-CA50-680606ED289E}"/>
+              </a:ext>
+            </a:extLst>
+          </p:cNvPr>
+          <p:cNvCxnSpPr>
+            <a:cxnSpLocks/>
+          </p:cNvCxnSpPr>
           <p:nvPr/>
-        </p:nvSpPr>
+        </p:nvCxnSpPr>
         <p:spPr>
           <a:xfrm>
-            <a:off x="457200" y="4076700"/>
-            <a:ext cx="8229600" cy="508000"/>
+            <a:off x="3821618" y="3140943"/>
+            <a:ext cx="377241" cy="49206"/>
           </a:xfrm>
-          <a:prstGeom prst="rect">
+          <a:prstGeom prst="straightConnector1">
             <a:avLst/>
           </a:prstGeom>
-          <a:noFill/>
+          <a:ln w="38100">
+            <a:solidFill>
+              <a:srgbClr val="C00000"/>
+            </a:solidFill>
+            <a:tailEnd type="triangle"/>
+          </a:ln>
         </p:spPr>
-        <p:txBody>
-          <a:bodyPr/>
-          <a:lstStyle/>
-          <a:p>
-            <a:pPr marL="0" lvl="0" indent="0" algn="ctr">
-              <a:buNone/>
-            </a:pPr>
-            <a:r>
-              <a:t>Influence function of the Huber estimator</a:t>
-            </a:r>
-          </a:p>
-        </p:txBody>
-      </p:sp>
-      <p:sp>
-        <p:nvSpPr>
-          <p:cNvPr id="6" name="Content Placeholder 2"/>
-          <p:cNvSpPr>
-            <a:spLocks noGrp="1"/>
-          </p:cNvSpPr>
-          <p:nvPr>
-            <p:ph idx="1"/>
-          </p:nvPr>
-        </p:nvSpPr>
-        <p:spPr/>
-        <p:txBody>
-          <a:bodyPr/>
-          <a:lstStyle/>
-          <a:p>
-            <a:pPr marL="0" lvl="0" indent="0">
-              <a:buNone/>
-            </a:pPr>
-            <a:r>
-              <a:rPr i="1"/>
-              <a:t>Figure from Hampel, el.al., Robust Statistics, 1986</a:t>
-            </a:r>
-          </a:p>
-        </p:txBody>
-      </p:sp>
-    </p:spTree>
-  </p:cSld>
-  <p:clrMapOvr>
-    <a:masterClrMapping/>
-  </p:clrMapOvr>
-</p:sld>
-</file>
-
-<file path=ppt/slides/slide15.xml><?xml version="1.0" encoding="utf-8"?>
-<p:sld xmlns:a="http://schemas.openxmlformats.org/drawingml/2006/main" xmlns:r="http://schemas.openxmlformats.org/officeDocument/2006/relationships" xmlns:p="http://schemas.openxmlformats.org/presentationml/2006/main">
-  <p:cSld>
-    <p:spTree>
-      <p:nvGrpSpPr>
-        <p:cNvPr id="1" name=""/>
-        <p:cNvGrpSpPr/>
-        <p:nvPr/>
-      </p:nvGrpSpPr>
-      <p:grpSpPr>
-        <a:xfrm>
-          <a:off x="0" y="0"/>
-          <a:ext cx="0" cy="0"/>
-          <a:chOff x="0" y="0"/>
-          <a:chExt cx="0" cy="0"/>
-        </a:xfrm>
-      </p:grpSpPr>
-      <p:sp>
-        <p:nvSpPr>
-          <p:cNvPr id="2" name="Title 1"/>
-          <p:cNvSpPr>
-            <a:spLocks noGrp="1"/>
-          </p:cNvSpPr>
-          <p:nvPr>
-            <p:ph type="title"/>
-          </p:nvPr>
-        </p:nvSpPr>
-        <p:spPr/>
-        <p:txBody>
-          <a:bodyPr/>
-          <a:lstStyle/>
-          <a:p>
-            <a:pPr marL="0" lvl="0" indent="0">
-              <a:buNone/>
-            </a:pPr>
-            <a:r>
-              <a:t>Dealing With Outliers</a:t>
-            </a:r>
-          </a:p>
-        </p:txBody>
-      </p:sp>
-      <mc:AlternateContent xmlns:mc="http://schemas.openxmlformats.org/markup-compatibility/2006" xmlns:a14="http://schemas.microsoft.com/office/drawing/2010/main">
-        <mc:Choice Requires="a14">
-          <p:sp>
-            <p:nvSpPr>
-              <p:cNvPr id="3" name="Content Placeholder 2"/>
-              <p:cNvSpPr>
-                <a:spLocks noGrp="1"/>
-              </p:cNvSpPr>
-              <p:nvPr>
-                <p:ph idx="1"/>
-              </p:nvPr>
-            </p:nvSpPr>
-            <p:spPr/>
-            <p:txBody>
-              <a:bodyPr/>
-              <a:lstStyle/>
-              <a:p>
-                <a:pPr marL="0" lvl="0" indent="0">
-                  <a:buNone/>
-                </a:pPr>
-                <a:r>
-                  <a:rPr b="1"/>
-                  <a:t>M-estimators</a:t>
-                </a:r>
-                <a:r>
-                  <a:t> tapper influence to zero</a:t>
-                </a:r>
-              </a:p>
-              <a:p>
-                <a:pPr lvl="0"/>
-                <a:r>
-                  <a:t>Approximately linear influence near point estimate</a:t>
-                </a:r>
-              </a:p>
-              <a:p>
-                <a:pPr lvl="1"/>
-                <a:r>
-                  <a:t>So nearly unbiased near the point estimate</a:t>
-                </a:r>
-              </a:p>
-              <a:p>
-                <a:pPr lvl="0"/>
-                <a:r>
-                  <a:t>Influence tappers to 0 for extreme outliers</a:t>
-                </a:r>
-              </a:p>
-              <a:p>
-                <a:pPr lvl="0"/>
-                <a:r>
-                  <a:t>An example is </a:t>
-                </a:r>
-                <a:r>
-                  <a:rPr b="1"/>
-                  <a:t>Tukey’s biweight</a:t>
-                </a:r>
-              </a:p>
-              <a:p>
-                <a:pPr lvl="1"/>
-                <a:r>
-                  <a:t>Only a single parameter for biweight function, </a:t>
-                </a:r>
-                <a14:m>
-                  <m:oMath xmlns:m="http://schemas.openxmlformats.org/officeDocument/2006/math">
-                    <m:r>
-                      <a:rPr>
-                        <a:latin typeface="Cambria Math" panose="02040503050406030204" pitchFamily="18" charset="0"/>
-                      </a:rPr>
-                      <m:t>𝑟</m:t>
-                    </m:r>
-                  </m:oMath>
-                </a14:m>
-                <a:br/>
-                <a:endParaRPr/>
-              </a:p>
-              <a:p>
-                <a:pPr lvl="1"/>
-                <a:r>
-                  <a:t>Robustness and bias increase with decreasing </a:t>
-                </a:r>
-                <a14:m>
-                  <m:oMath xmlns:m="http://schemas.openxmlformats.org/officeDocument/2006/math">
-                    <m:r>
-                      <a:rPr>
-                        <a:latin typeface="Cambria Math" panose="02040503050406030204" pitchFamily="18" charset="0"/>
-                      </a:rPr>
-                      <m:t>𝑟</m:t>
-                    </m:r>
-                  </m:oMath>
-                </a14:m>
-                <a:endParaRPr/>
-              </a:p>
-            </p:txBody>
-          </p:sp>
-        </mc:Choice>
-        <mc:Fallback xmlns="">
-          <p:sp>
-            <p:nvSpPr>
-              <p:cNvPr id="3" name="Content Placeholder 2"/>
-              <p:cNvSpPr>
-                <a:spLocks noGrp="1" noRot="1" noChangeAspect="1" noMove="1" noResize="1" noEditPoints="1" noAdjustHandles="1" noChangeArrowheads="1" noChangeShapeType="1" noTextEdit="1"/>
-              </p:cNvSpPr>
-              <p:nvPr>
-                <p:ph idx="1"/>
-              </p:nvPr>
-            </p:nvSpPr>
-            <p:spPr>
-              <a:blipFill>
-                <a:blip r:embed="rId2"/>
-                <a:stretch>
-                  <a:fillRect l="-1111" t="-1436"/>
-                </a:stretch>
-              </a:blipFill>
-            </p:spPr>
-            <p:txBody>
-              <a:bodyPr/>
-              <a:lstStyle/>
-              <a:p>
-                <a:r>
-                  <a:rPr lang="en-US">
-                    <a:noFill/>
-                  </a:rPr>
-                  <a:t> </a:t>
-                </a:r>
-              </a:p>
-            </p:txBody>
-          </p:sp>
-        </mc:Fallback>
-      </mc:AlternateContent>
-      <p:pic>
-        <p:nvPicPr>
-          <p:cNvPr id="4" name="Picture 1" descr="../images/TukeysBiweight.png"/>
-          <p:cNvPicPr>
-            <a:picLocks noGrp="1" noChangeAspect="1"/>
-          </p:cNvPicPr>
+        <p:style>
+          <a:lnRef idx="2">
+            <a:schemeClr val="accent1"/>
+          </a:lnRef>
+          <a:fillRef idx="0">
+            <a:schemeClr val="accent1"/>
+          </a:fillRef>
+          <a:effectRef idx="1">
+            <a:schemeClr val="accent1"/>
+          </a:effectRef>
+          <a:fontRef idx="minor">
+            <a:schemeClr val="tx1"/>
+          </a:fontRef>
+        </p:style>
+      </p:cxnSp>
+      <p:cxnSp>
+        <p:nvCxnSpPr>
+          <p:cNvPr id="7" name="Straight Arrow Connector 6">
+            <a:extLst>
+              <a:ext uri="{FF2B5EF4-FFF2-40B4-BE49-F238E27FC236}">
+                <a16:creationId xmlns:a16="http://schemas.microsoft.com/office/drawing/2014/main" id="{7BFFF6A4-71EC-AE04-2191-240F91A54AC0}"/>
+              </a:ext>
+            </a:extLst>
+          </p:cNvPr>
+          <p:cNvCxnSpPr>
+            <a:cxnSpLocks/>
+          </p:cNvCxnSpPr>
           <p:nvPr/>
-        </p:nvPicPr>
-        <p:blipFill>
-          <a:blip r:embed="rId3"/>
-          <a:stretch>
-            <a:fillRect/>
-          </a:stretch>
-        </p:blipFill>
-        <p:spPr bwMode="auto">
-          <a:xfrm>
-            <a:off x="1485900" y="1193800"/>
-            <a:ext cx="6172200" cy="2882900"/>
+        </p:nvCxnSpPr>
+        <p:spPr>
+          <a:xfrm flipV="1">
+            <a:off x="3378770" y="4334174"/>
+            <a:ext cx="791386" cy="127114"/>
           </a:xfrm>
-          <a:prstGeom prst="rect">
+          <a:prstGeom prst="straightConnector1">
             <a:avLst/>
           </a:prstGeom>
-          <a:noFill/>
-          <a:ln w="9525">
-            <a:noFill/>
-            <a:headEnd/>
-            <a:tailEnd/>
+          <a:ln w="38100">
+            <a:solidFill>
+              <a:srgbClr val="C00000"/>
+            </a:solidFill>
+            <a:tailEnd type="triangle"/>
           </a:ln>
         </p:spPr>
-      </p:pic>
-      <p:sp>
-        <p:nvSpPr>
-          <p:cNvPr id="5" name="TextBox 3"/>
-          <p:cNvSpPr txBox="1"/>
-          <p:nvPr/>
-        </p:nvSpPr>
-        <p:spPr>
-          <a:xfrm>
-            <a:off x="457200" y="4076700"/>
-            <a:ext cx="8229600" cy="508000"/>
-          </a:xfrm>
-          <a:prstGeom prst="rect">
-            <a:avLst/>
-          </a:prstGeom>
-          <a:noFill/>
-        </p:spPr>
-        <p:txBody>
-          <a:bodyPr/>
-          <a:lstStyle/>
-          <a:p>
-            <a:pPr marL="0" lvl="0" indent="0" algn="ctr">
-              <a:buNone/>
-            </a:pPr>
-            <a:r>
-              <a:t>Influence function of the Tukey’s Biweight M-estimator</a:t>
-            </a:r>
-          </a:p>
-        </p:txBody>
-      </p:sp>
-      <p:sp>
-        <p:nvSpPr>
-          <p:cNvPr id="6" name="Content Placeholder 2"/>
-          <p:cNvSpPr>
-            <a:spLocks noGrp="1"/>
-          </p:cNvSpPr>
-          <p:nvPr>
-            <p:ph idx="1"/>
-          </p:nvPr>
-        </p:nvSpPr>
-        <p:spPr/>
-        <p:txBody>
-          <a:bodyPr/>
-          <a:lstStyle/>
-          <a:p>
-            <a:pPr marL="0" lvl="0" indent="0">
-              <a:buNone/>
-            </a:pPr>
-            <a:r>
-              <a:rPr i="1"/>
-              <a:t>Figure from Hampel, el.al., Robust Statistics, 1986</a:t>
-            </a:r>
-          </a:p>
-        </p:txBody>
-      </p:sp>
+        <p:style>
+          <a:lnRef idx="2">
+            <a:schemeClr val="accent1"/>
+          </a:lnRef>
+          <a:fillRef idx="0">
+            <a:schemeClr val="accent1"/>
+          </a:fillRef>
+          <a:effectRef idx="1">
+            <a:schemeClr val="accent1"/>
+          </a:effectRef>
+          <a:fontRef idx="minor">
+            <a:schemeClr val="tx1"/>
+          </a:fontRef>
+        </p:style>
+      </p:cxnSp>
     </p:spTree>
+    <p:extLst>
+      <p:ext uri="{BB962C8B-B14F-4D97-AF65-F5344CB8AC3E}">
+        <p14:creationId xmlns:p14="http://schemas.microsoft.com/office/powerpoint/2010/main" val="50036966"/>
+      </p:ext>
+    </p:extLst>
   </p:cSld>
   <p:clrMapOvr>
     <a:masterClrMapping/>
@@ -4991,7 +5593,13 @@
   <p:cSld>
     <p:spTree>
       <p:nvGrpSpPr>
-        <p:cNvPr id="1" name=""/>
+        <p:cNvPr id="1" name="">
+          <a:extLst>
+            <a:ext uri="{FF2B5EF4-FFF2-40B4-BE49-F238E27FC236}">
+              <a16:creationId xmlns:a16="http://schemas.microsoft.com/office/drawing/2014/main" id="{AB72AF7B-10EE-C933-3A37-F2675AD682F7}"/>
+            </a:ext>
+          </a:extLst>
+        </p:cNvPr>
         <p:cNvGrpSpPr/>
         <p:nvPr/>
       </p:nvGrpSpPr>
@@ -5005,7 +5613,13 @@
       </p:grpSpPr>
       <p:sp>
         <p:nvSpPr>
-          <p:cNvPr id="2" name="Title 1"/>
+          <p:cNvPr id="2" name="Title 1">
+            <a:extLst>
+              <a:ext uri="{FF2B5EF4-FFF2-40B4-BE49-F238E27FC236}">
+                <a16:creationId xmlns:a16="http://schemas.microsoft.com/office/drawing/2014/main" id="{9D1C8E3F-5816-F983-935A-C7486919DF83}"/>
+              </a:ext>
+            </a:extLst>
+          </p:cNvPr>
           <p:cNvSpPr>
             <a:spLocks noGrp="1"/>
           </p:cNvSpPr>
@@ -5015,217 +5629,28 @@
         </p:nvSpPr>
         <p:spPr>
           <a:xfrm>
-            <a:off x="457201" y="204787"/>
-            <a:ext cx="3008313" cy="871538"/>
+            <a:off x="771081" y="1850264"/>
+            <a:ext cx="7772400" cy="1021556"/>
           </a:xfrm>
         </p:spPr>
         <p:txBody>
           <a:bodyPr/>
           <a:lstStyle/>
           <a:p>
-            <a:pPr marL="0" lvl="0" indent="0">
-              <a:buNone/>
-            </a:pPr>
-            <a:r>
-              <a:t>Dealing With Outliers</a:t>
-            </a:r>
-          </a:p>
-        </p:txBody>
-      </p:sp>
-      <p:sp>
-        <p:nvSpPr>
-          <p:cNvPr id="4" name="Text Placeholder 3"/>
-          <p:cNvSpPr>
-            <a:spLocks noGrp="1"/>
-          </p:cNvSpPr>
-          <p:nvPr>
-            <p:ph type="body" sz="half" idx="2"/>
-          </p:nvPr>
-        </p:nvSpPr>
-        <p:spPr/>
-        <p:txBody>
-          <a:bodyPr/>
-          <a:lstStyle/>
-          <a:p>
-            <a:pPr marL="0" lvl="0" indent="0">
-              <a:buNone/>
-            </a:pPr>
-            <a:r>
-              <a:t>Example: regression with Huber loss function</a:t>
-            </a:r>
-          </a:p>
-          <a:p>
-            <a:pPr lvl="0" indent="0">
-              <a:buNone/>
-            </a:pPr>
-            <a:r>
-              <a:rPr i="1">
-                <a:solidFill>
-                  <a:srgbClr val="60A0B0"/>
-                </a:solidFill>
-                <a:latin typeface="Courier"/>
-              </a:rPr>
-              <a:t>## Define the robust regression model and fit it to the data</a:t>
-            </a:r>
-            <a:br/>
-            <a:r>
-              <a:rPr>
-                <a:latin typeface="Courier"/>
-              </a:rPr>
-              <a:t>ols_model_huber </a:t>
-            </a:r>
-            <a:r>
-              <a:rPr>
-                <a:solidFill>
-                  <a:srgbClr val="666666"/>
-                </a:solidFill>
-                <a:latin typeface="Courier"/>
-              </a:rPr>
-              <a:t>=</a:t>
-            </a:r>
-            <a:r>
-              <a:rPr>
-                <a:latin typeface="Courier"/>
-              </a:rPr>
-              <a:t> smf.rlm(formula </a:t>
-            </a:r>
-            <a:r>
-              <a:rPr>
-                <a:solidFill>
-                  <a:srgbClr val="666666"/>
-                </a:solidFill>
-                <a:latin typeface="Courier"/>
-              </a:rPr>
-              <a:t>=</a:t>
-            </a:r>
-            <a:r>
-              <a:rPr>
-                <a:solidFill>
-                  <a:srgbClr val="4070A0"/>
-                </a:solidFill>
-                <a:latin typeface="Courier"/>
-              </a:rPr>
-              <a:t>'y~x'</a:t>
-            </a:r>
-            <a:r>
-              <a:rPr>
-                <a:latin typeface="Courier"/>
-              </a:rPr>
-              <a:t>, data </a:t>
-            </a:r>
-            <a:r>
-              <a:rPr>
-                <a:solidFill>
-                  <a:srgbClr val="666666"/>
-                </a:solidFill>
-                <a:latin typeface="Courier"/>
-              </a:rPr>
-              <a:t>=</a:t>
-            </a:r>
-            <a:r>
-              <a:rPr>
-                <a:latin typeface="Courier"/>
-              </a:rPr>
-              <a:t> sim_data_ol).fit()</a:t>
-            </a:r>
-            <a:br/>
-            <a:r>
-              <a:rPr i="1">
-                <a:solidFill>
-                  <a:srgbClr val="60A0B0"/>
-                </a:solidFill>
-                <a:latin typeface="Courier"/>
-              </a:rPr>
-              <a:t># Add predicted to pandas data frame</a:t>
-            </a:r>
-            <a:br/>
-            <a:r>
-              <a:rPr>
-                <a:latin typeface="Courier"/>
-              </a:rPr>
-              <a:t>sim_data_ol[</a:t>
-            </a:r>
-            <a:r>
-              <a:rPr>
-                <a:solidFill>
-                  <a:srgbClr val="4070A0"/>
-                </a:solidFill>
-                <a:latin typeface="Courier"/>
-              </a:rPr>
-              <a:t>'predicted_huber'</a:t>
-            </a:r>
-            <a:r>
-              <a:rPr>
-                <a:latin typeface="Courier"/>
-              </a:rPr>
-              <a:t>] </a:t>
-            </a:r>
-            <a:r>
-              <a:rPr>
-                <a:solidFill>
-                  <a:srgbClr val="666666"/>
-                </a:solidFill>
-                <a:latin typeface="Courier"/>
-              </a:rPr>
-              <a:t>=</a:t>
-            </a:r>
-            <a:r>
-              <a:rPr>
-                <a:latin typeface="Courier"/>
-              </a:rPr>
-              <a:t> ols_model_huber.predict(sim_data_ol.x)</a:t>
-            </a:r>
-            <a:br/>
-            <a:r>
-              <a:rPr i="1">
-                <a:solidFill>
-                  <a:srgbClr val="60A0B0"/>
-                </a:solidFill>
-                <a:latin typeface="Courier"/>
-              </a:rPr>
-              <a:t>## Display sumamry</a:t>
-            </a:r>
-            <a:br/>
-            <a:r>
-              <a:rPr>
-                <a:latin typeface="Courier"/>
-              </a:rPr>
-              <a:t>ols_model_huber.summary()</a:t>
-            </a:r>
-          </a:p>
-        </p:txBody>
-      </p:sp>
-      <p:pic>
-        <p:nvPicPr>
-          <p:cNvPr id="3" name="Picture 1" descr="08_IntroductionToLinearModels_files/figure-pptx/unnamed-chunk-25-1.png"/>
-          <p:cNvPicPr>
-            <a:picLocks noGrp="1" noChangeAspect="1"/>
-          </p:cNvPicPr>
-          <p:nvPr/>
-        </p:nvPicPr>
-        <p:blipFill>
-          <a:blip r:embed="rId2"/>
-          <a:stretch>
-            <a:fillRect/>
-          </a:stretch>
-        </p:blipFill>
-        <p:spPr bwMode="auto">
-          <a:xfrm>
-            <a:off x="3568700" y="355600"/>
-            <a:ext cx="5105400" cy="4089400"/>
-          </a:xfrm>
-          <a:prstGeom prst="rect">
-            <a:avLst/>
-          </a:prstGeom>
-          <a:noFill/>
-          <a:ln w="9525">
-            <a:noFill/>
-            <a:headEnd/>
-            <a:tailEnd/>
-          </a:ln>
-        </p:spPr>
-      </p:pic>
+            <a:pPr algn="ctr"/>
+            <a:r>
+              <a:rPr lang="en-US" b="0" cap="none" dirty="0"/>
+              <a:t>Dealing with Outliers</a:t>
+            </a:r>
+          </a:p>
+        </p:txBody>
+      </p:sp>
     </p:spTree>
+    <p:extLst>
+      <p:ext uri="{BB962C8B-B14F-4D97-AF65-F5344CB8AC3E}">
+        <p14:creationId xmlns:p14="http://schemas.microsoft.com/office/powerpoint/2010/main" val="3173599209"/>
+      </p:ext>
+    </p:extLst>
   </p:cSld>
   <p:clrMapOvr>
     <a:masterClrMapping/>
@@ -5260,12 +5685,7 @@
             <p:ph type="title"/>
           </p:nvPr>
         </p:nvSpPr>
-        <p:spPr>
-          <a:xfrm>
-            <a:off x="457201" y="204787"/>
-            <a:ext cx="3008313" cy="871538"/>
-          </a:xfrm>
-        </p:spPr>
+        <p:spPr/>
         <p:txBody>
           <a:bodyPr/>
           <a:lstStyle/>
@@ -5281,58 +5701,111 @@
       </p:sp>
       <p:sp>
         <p:nvSpPr>
-          <p:cNvPr id="4" name="Text Placeholder 3"/>
+          <p:cNvPr id="3" name="Content Placeholder 2"/>
           <p:cNvSpPr>
             <a:spLocks noGrp="1"/>
           </p:cNvSpPr>
           <p:nvPr>
-            <p:ph type="body" sz="half" idx="2"/>
+            <p:ph idx="1"/>
           </p:nvPr>
         </p:nvSpPr>
         <p:spPr/>
         <p:txBody>
-          <a:bodyPr/>
+          <a:bodyPr>
+            <a:normAutofit fontScale="62500" lnSpcReduction="20000"/>
+          </a:bodyPr>
           <a:lstStyle/>
           <a:p>
             <a:pPr marL="0" lvl="0" indent="0">
               <a:buNone/>
             </a:pPr>
             <a:r>
-              <a:t>Example: regression with Huber loss function</a:t>
-            </a:r>
-          </a:p>
-        </p:txBody>
-      </p:sp>
-      <p:pic>
-        <p:nvPicPr>
-          <p:cNvPr id="3" name="Picture 1" descr="08_IntroductionToLinearModels_files/figure-pptx/unnamed-chunk-26-3.png"/>
-          <p:cNvPicPr>
-            <a:picLocks noGrp="1" noChangeAspect="1"/>
-          </p:cNvPicPr>
-          <p:nvPr/>
-        </p:nvPicPr>
-        <p:blipFill>
-          <a:blip r:embed="rId2"/>
-          <a:stretch>
-            <a:fillRect/>
-          </a:stretch>
-        </p:blipFill>
-        <p:spPr bwMode="auto">
-          <a:xfrm>
-            <a:off x="3568700" y="266700"/>
-            <a:ext cx="5105400" cy="4254500"/>
-          </a:xfrm>
-          <a:prstGeom prst="rect">
-            <a:avLst/>
-          </a:prstGeom>
-          <a:noFill/>
-          <a:ln w="9525">
-            <a:noFill/>
-            <a:headEnd/>
-            <a:tailEnd/>
-          </a:ln>
-        </p:spPr>
-      </p:pic>
+              <a:t>Outliers are a persistent problem with statistical and machine learning models</a:t>
+            </a:r>
+          </a:p>
+          <a:p>
+            <a:pPr lvl="0"/>
+            <a:r>
+              <a:t>What are outliers?</a:t>
+            </a:r>
+          </a:p>
+          <a:p>
+            <a:pPr lvl="1"/>
+            <a:r>
+              <a:t>Errors or noisy measurements</a:t>
+            </a:r>
+            <a:br/>
+            <a:endParaRPr/>
+          </a:p>
+          <a:p>
+            <a:pPr lvl="1"/>
+            <a:r>
+              <a:t>Result of improper stratification</a:t>
+            </a:r>
+          </a:p>
+          <a:p>
+            <a:pPr lvl="0"/>
+            <a:r>
+              <a:t>But, may be of interest</a:t>
+            </a:r>
+          </a:p>
+          <a:p>
+            <a:pPr lvl="1"/>
+            <a:r>
+              <a:t>Depending on the application, outliers can be the </a:t>
+            </a:r>
+            <a:r>
+              <a:rPr b="1"/>
+              <a:t>most interesting values</a:t>
+            </a:r>
+            <a:r>
+              <a:t>!!</a:t>
+            </a:r>
+            <a:br/>
+            <a:endParaRPr/>
+          </a:p>
+          <a:p>
+            <a:pPr lvl="1"/>
+            <a:r>
+              <a:t>May need to explicitly model</a:t>
+            </a:r>
+          </a:p>
+          <a:p>
+            <a:pPr lvl="1"/>
+            <a:r>
+              <a:t>Example: Fraud detection</a:t>
+            </a:r>
+            <a:br/>
+            <a:endParaRPr/>
+          </a:p>
+          <a:p>
+            <a:pPr lvl="1"/>
+            <a:r>
+              <a:t>Example: Scientific discovery</a:t>
+            </a:r>
+          </a:p>
+          <a:p>
+            <a:pPr lvl="0"/>
+            <a:r>
+              <a:t>Outliers can be hard to detect</a:t>
+            </a:r>
+          </a:p>
+          <a:p>
+            <a:pPr lvl="1"/>
+            <a:r>
+              <a:t>Difficult in high-dimensions</a:t>
+            </a:r>
+            <a:br/>
+            <a:endParaRPr/>
+          </a:p>
+          <a:p>
+            <a:pPr lvl="1"/>
+            <a:r>
+              <a:t>Often find by influence on model</a:t>
+            </a:r>
+          </a:p>
+        </p:txBody>
+      </p:sp>
     </p:spTree>
   </p:cSld>
   <p:clrMapOvr>
@@ -5342,921 +5815,6 @@
 </file>
 
 <file path=ppt/slides/slide18.xml><?xml version="1.0" encoding="utf-8"?>
-<p:sld xmlns:a="http://schemas.openxmlformats.org/drawingml/2006/main" xmlns:r="http://schemas.openxmlformats.org/officeDocument/2006/relationships" xmlns:p="http://schemas.openxmlformats.org/presentationml/2006/main">
-  <p:cSld>
-    <p:spTree>
-      <p:nvGrpSpPr>
-        <p:cNvPr id="1" name=""/>
-        <p:cNvGrpSpPr/>
-        <p:nvPr/>
-      </p:nvGrpSpPr>
-      <p:grpSpPr>
-        <a:xfrm>
-          <a:off x="0" y="0"/>
-          <a:ext cx="0" cy="0"/>
-          <a:chOff x="0" y="0"/>
-          <a:chExt cx="0" cy="0"/>
-        </a:xfrm>
-      </p:grpSpPr>
-      <p:sp>
-        <p:nvSpPr>
-          <p:cNvPr id="3" name="Content Placeholder 2"/>
-          <p:cNvSpPr>
-            <a:spLocks noGrp="1"/>
-          </p:cNvSpPr>
-          <p:nvPr>
-            <p:ph idx="1"/>
-          </p:nvPr>
-        </p:nvSpPr>
-        <p:spPr/>
-        <p:txBody>
-          <a:bodyPr/>
-          <a:lstStyle/>
-          <a:p>
-            <a:pPr marL="0" lvl="0" indent="0">
-              <a:buNone/>
-            </a:pPr>
-            <a:endParaRPr/>
-          </a:p>
-          <a:p>
-            <a:pPr marL="0" lvl="0" indent="0">
-              <a:buNone/>
-            </a:pPr>
-            <a:r>
-              <a:t>Notice the different slope for the regression with Huber loss</a:t>
-            </a:r>
-          </a:p>
-        </p:txBody>
-      </p:sp>
-    </p:spTree>
-  </p:cSld>
-  <p:clrMapOvr>
-    <a:masterClrMapping/>
-  </p:clrMapOvr>
-</p:sld>
-</file>
-
-<file path=ppt/slides/slide19.xml><?xml version="1.0" encoding="utf-8"?>
-<p:sld xmlns:a="http://schemas.openxmlformats.org/drawingml/2006/main" xmlns:r="http://schemas.openxmlformats.org/officeDocument/2006/relationships" xmlns:p="http://schemas.openxmlformats.org/presentationml/2006/main">
-  <p:cSld>
-    <p:spTree>
-      <p:nvGrpSpPr>
-        <p:cNvPr id="1" name=""/>
-        <p:cNvGrpSpPr/>
-        <p:nvPr/>
-      </p:nvGrpSpPr>
-      <p:grpSpPr>
-        <a:xfrm>
-          <a:off x="0" y="0"/>
-          <a:ext cx="0" cy="0"/>
-          <a:chOff x="0" y="0"/>
-          <a:chExt cx="0" cy="0"/>
-        </a:xfrm>
-      </p:grpSpPr>
-      <p:sp>
-        <p:nvSpPr>
-          <p:cNvPr id="2" name="Title 1"/>
-          <p:cNvSpPr>
-            <a:spLocks noGrp="1"/>
-          </p:cNvSpPr>
-          <p:nvPr>
-            <p:ph type="title"/>
-          </p:nvPr>
-        </p:nvSpPr>
-        <p:spPr/>
-        <p:txBody>
-          <a:bodyPr/>
-          <a:lstStyle/>
-          <a:p>
-            <a:pPr marL="0" lvl="0" indent="0">
-              <a:buNone/>
-            </a:pPr>
-            <a:r>
-              <a:t>Summary</a:t>
-            </a:r>
-          </a:p>
-        </p:txBody>
-      </p:sp>
-      <p:sp>
-        <p:nvSpPr>
-          <p:cNvPr id="3" name="Content Placeholder 2"/>
-          <p:cNvSpPr>
-            <a:spLocks noGrp="1"/>
-          </p:cNvSpPr>
-          <p:nvPr>
-            <p:ph idx="1"/>
-          </p:nvPr>
-        </p:nvSpPr>
-        <p:spPr/>
-        <p:txBody>
-          <a:bodyPr>
-            <a:normAutofit fontScale="92500"/>
-          </a:bodyPr>
-          <a:lstStyle/>
-          <a:p>
-            <a:pPr marL="0" lvl="0" indent="0">
-              <a:buNone/>
-            </a:pPr>
-            <a:r>
-              <a:t>Linear models are a flexible and widely used class of models</a:t>
-            </a:r>
-          </a:p>
-          <a:p>
-            <a:pPr lvl="0"/>
-            <a:r>
-              <a:t>Fit model coefficients by </a:t>
-            </a:r>
-            <a:r>
-              <a:rPr b="1"/>
-              <a:t>least squares</a:t>
-            </a:r>
-            <a:r>
-              <a:t> estimation</a:t>
-            </a:r>
-          </a:p>
-          <a:p>
-            <a:pPr lvl="0"/>
-            <a:r>
-              <a:t>Can use many types of predictor variables</a:t>
-            </a:r>
-          </a:p>
-          <a:p>
-            <a:pPr lvl="0"/>
-            <a:r>
-              <a:t>SGD and L-FBGS algorithms allow massive scaling of linear models</a:t>
-            </a:r>
-          </a:p>
-          <a:p>
-            <a:pPr lvl="0"/>
-            <a:r>
-              <a:t>We prefer the simplest model that does a reasonable job</a:t>
-            </a:r>
-          </a:p>
-          <a:p>
-            <a:pPr lvl="1"/>
-            <a:r>
-              <a:t>The principle of </a:t>
-            </a:r>
-            <a:r>
-              <a:rPr b="1"/>
-              <a:t>Occam’s razor</a:t>
-            </a:r>
-          </a:p>
-          <a:p>
-            <a:pPr lvl="0"/>
-            <a:r>
-              <a:t>Must consider the </a:t>
-            </a:r>
-            <a:r>
-              <a:rPr b="1"/>
-              <a:t>bias-variance trade-off</a:t>
-            </a:r>
-          </a:p>
-          <a:p>
-            <a:pPr lvl="0"/>
-            <a:r>
-              <a:t>Use robust methods if outliers are present</a:t>
-            </a:r>
-          </a:p>
-        </p:txBody>
-      </p:sp>
-    </p:spTree>
-  </p:cSld>
-  <p:clrMapOvr>
-    <a:masterClrMapping/>
-  </p:clrMapOvr>
-</p:sld>
-</file>
-
-<file path=ppt/slides/slide2.xml><?xml version="1.0" encoding="utf-8"?>
-<p:sld xmlns:a="http://schemas.openxmlformats.org/drawingml/2006/main" xmlns:r="http://schemas.openxmlformats.org/officeDocument/2006/relationships" xmlns:p="http://schemas.openxmlformats.org/presentationml/2006/main">
-  <p:cSld>
-    <p:spTree>
-      <p:nvGrpSpPr>
-        <p:cNvPr id="1" name=""/>
-        <p:cNvGrpSpPr/>
-        <p:nvPr/>
-      </p:nvGrpSpPr>
-      <p:grpSpPr>
-        <a:xfrm>
-          <a:off x="0" y="0"/>
-          <a:ext cx="0" cy="0"/>
-          <a:chOff x="0" y="0"/>
-          <a:chExt cx="0" cy="0"/>
-        </a:xfrm>
-      </p:grpSpPr>
-      <p:sp>
-        <p:nvSpPr>
-          <p:cNvPr id="2" name="Title 1"/>
-          <p:cNvSpPr>
-            <a:spLocks noGrp="1"/>
-          </p:cNvSpPr>
-          <p:nvPr>
-            <p:ph type="title"/>
-          </p:nvPr>
-        </p:nvSpPr>
-        <p:spPr/>
-        <p:txBody>
-          <a:bodyPr/>
-          <a:lstStyle/>
-          <a:p>
-            <a:pPr marL="0" lvl="0" indent="0">
-              <a:buNone/>
-            </a:pPr>
-            <a:r>
-              <a:t>Linear Model Assumptions</a:t>
-            </a:r>
-          </a:p>
-        </p:txBody>
-      </p:sp>
-      <p:sp>
-        <p:nvSpPr>
-          <p:cNvPr id="3" name="Content Placeholder 2"/>
-          <p:cNvSpPr>
-            <a:spLocks noGrp="1"/>
-          </p:cNvSpPr>
-          <p:nvPr>
-            <p:ph idx="1"/>
-          </p:nvPr>
-        </p:nvSpPr>
-        <p:spPr/>
-        <p:txBody>
-          <a:bodyPr>
-            <a:normAutofit fontScale="62500" lnSpcReduction="20000"/>
-          </a:bodyPr>
-          <a:lstStyle/>
-          <a:p>
-            <a:pPr marL="0" lvl="0" indent="0">
-              <a:buNone/>
-            </a:pPr>
-            <a:r>
-              <a:rPr dirty="0"/>
-              <a:t>There are a number of assumptions in linear models that you overlook at your peril!</a:t>
-            </a:r>
-          </a:p>
-          <a:p>
-            <a:pPr lvl="0"/>
-            <a:r>
-              <a:rPr dirty="0"/>
-              <a:t>The feature or predictor variables should be </a:t>
-            </a:r>
-            <a:r>
-              <a:rPr b="1" dirty="0"/>
-              <a:t>independent</a:t>
-            </a:r>
-            <a:r>
-              <a:rPr dirty="0"/>
-              <a:t> of one another</a:t>
-            </a:r>
-          </a:p>
-          <a:p>
-            <a:pPr lvl="1"/>
-            <a:r>
-              <a:rPr dirty="0"/>
-              <a:t>This is rarely true in practice</a:t>
-            </a:r>
-          </a:p>
-          <a:p>
-            <a:pPr lvl="1"/>
-            <a:r>
-              <a:rPr b="1" dirty="0"/>
-              <a:t>Multi-</a:t>
-            </a:r>
-            <a:r>
-              <a:rPr b="1" dirty="0" err="1"/>
-              <a:t>colinearity</a:t>
-            </a:r>
-            <a:r>
-              <a:rPr dirty="0"/>
-              <a:t> between features makes the model </a:t>
-            </a:r>
-            <a:r>
-              <a:rPr b="1" dirty="0"/>
-              <a:t>under-determined</a:t>
-            </a:r>
-          </a:p>
-          <a:p>
-            <a:pPr lvl="0"/>
-            <a:r>
-              <a:rPr dirty="0"/>
-              <a:t>We assume that numeric features or predictors have zero mean and about the same scale</a:t>
-            </a:r>
-          </a:p>
-          <a:p>
-            <a:pPr lvl="1"/>
-            <a:r>
-              <a:rPr dirty="0"/>
-              <a:t>We do not want to bias the estimation of regression coefficients with predictors that do not have a 0 mean</a:t>
-            </a:r>
-          </a:p>
-          <a:p>
-            <a:pPr lvl="1"/>
-            <a:r>
-              <a:rPr dirty="0"/>
-              <a:t>We do not want to have predictors with a large numeric range dominate training</a:t>
-            </a:r>
-          </a:p>
-          <a:p>
-            <a:pPr lvl="1"/>
-            <a:r>
-              <a:rPr dirty="0"/>
-              <a:t>Example: income is in the range of 10s or 100s of thousands and age is in the range of 10s, but </a:t>
-            </a:r>
-            <a:r>
-              <a:rPr dirty="0" err="1"/>
-              <a:t>apriori</a:t>
-            </a:r>
-            <a:r>
-              <a:rPr dirty="0"/>
-              <a:t> income is no more important than age as a predictor</a:t>
-            </a:r>
-          </a:p>
-          <a:p>
-            <a:pPr lvl="0"/>
-            <a:r>
-              <a:rPr dirty="0"/>
-              <a:t>Values of each predictor or feature should be </a:t>
-            </a:r>
-            <a:r>
-              <a:rPr dirty="0" err="1"/>
-              <a:t>iid</a:t>
-            </a:r>
-            <a:endParaRPr dirty="0"/>
-          </a:p>
-          <a:p>
-            <a:pPr lvl="1"/>
-            <a:r>
-              <a:rPr dirty="0"/>
-              <a:t>If variance changes with sample, the optimal value of the coefficient could not be constant</a:t>
-            </a:r>
-          </a:p>
-          <a:p>
-            <a:pPr lvl="1"/>
-            <a:r>
-              <a:rPr dirty="0"/>
-              <a:t>If there </a:t>
-            </a:r>
-            <a:r>
-              <a:rPr b="1" dirty="0"/>
-              <a:t>serial correlation</a:t>
-            </a:r>
-            <a:r>
-              <a:rPr dirty="0"/>
-              <a:t> in the predictor values, the </a:t>
-            </a:r>
-            <a:r>
-              <a:rPr dirty="0" err="1"/>
-              <a:t>iid</a:t>
-            </a:r>
-            <a:r>
-              <a:rPr dirty="0"/>
-              <a:t> assumption is violated - but can account for this such as in time series models</a:t>
-            </a:r>
-          </a:p>
-        </p:txBody>
-      </p:sp>
-    </p:spTree>
-  </p:cSld>
-  <p:clrMapOvr>
-    <a:masterClrMapping/>
-  </p:clrMapOvr>
-</p:sld>
-</file>
-
-<file path=ppt/slides/slide20.xml><?xml version="1.0" encoding="utf-8"?>
-<p:sld xmlns:a="http://schemas.openxmlformats.org/drawingml/2006/main" xmlns:r="http://schemas.openxmlformats.org/officeDocument/2006/relationships" xmlns:p="http://schemas.openxmlformats.org/presentationml/2006/main">
-  <p:cSld>
-    <p:spTree>
-      <p:nvGrpSpPr>
-        <p:cNvPr id="1" name=""/>
-        <p:cNvGrpSpPr/>
-        <p:nvPr/>
-      </p:nvGrpSpPr>
-      <p:grpSpPr>
-        <a:xfrm>
-          <a:off x="0" y="0"/>
-          <a:ext cx="0" cy="0"/>
-          <a:chOff x="0" y="0"/>
-          <a:chExt cx="0" cy="0"/>
-        </a:xfrm>
-      </p:grpSpPr>
-      <p:sp>
-        <p:nvSpPr>
-          <p:cNvPr id="2" name="Title 1"/>
-          <p:cNvSpPr>
-            <a:spLocks noGrp="1"/>
-          </p:cNvSpPr>
-          <p:nvPr>
-            <p:ph type="title"/>
-          </p:nvPr>
-        </p:nvSpPr>
-        <p:spPr/>
-        <p:txBody>
-          <a:bodyPr/>
-          <a:lstStyle/>
-          <a:p>
-            <a:pPr marL="0" lvl="0" indent="0">
-              <a:buNone/>
-            </a:pPr>
-            <a:r>
-              <a:t>Summary</a:t>
-            </a:r>
-          </a:p>
-        </p:txBody>
-      </p:sp>
-      <mc:AlternateContent xmlns:mc="http://schemas.openxmlformats.org/markup-compatibility/2006" xmlns:a14="http://schemas.microsoft.com/office/drawing/2010/main">
-        <mc:Choice Requires="a14">
-          <p:sp>
-            <p:nvSpPr>
-              <p:cNvPr id="3" name="Content Placeholder 2"/>
-              <p:cNvSpPr>
-                <a:spLocks noGrp="1"/>
-              </p:cNvSpPr>
-              <p:nvPr>
-                <p:ph idx="1"/>
-              </p:nvPr>
-            </p:nvSpPr>
-            <p:spPr/>
-            <p:txBody>
-              <a:bodyPr>
-                <a:normAutofit fontScale="92500" lnSpcReduction="10000"/>
-              </a:bodyPr>
-              <a:lstStyle/>
-              <a:p>
-                <a:pPr marL="0" lvl="0" indent="0">
-                  <a:buNone/>
-                </a:pPr>
-                <a:r>
-                  <a:t>When evaluating any machine learning model consider </a:t>
-                </a:r>
-                <a:r>
-                  <a:rPr b="1"/>
-                  <a:t>all evaluation methods available</a:t>
-                </a:r>
-              </a:p>
-              <a:p>
-                <a:pPr lvl="0"/>
-                <a:r>
-                  <a:t>No one method best all of the time</a:t>
-                </a:r>
-              </a:p>
-              <a:p>
-                <a:pPr lvl="1"/>
-                <a:r>
-                  <a:t>Homoskedastic Normally distributed residuals</a:t>
-                </a:r>
-                <a:br/>
-                <a:endParaRPr/>
-              </a:p>
-              <a:p>
-                <a:pPr lvl="1"/>
-                <a:r>
-                  <a:t>Reasonable values </a:t>
-                </a:r>
-                <a14:m>
-                  <m:oMath xmlns:m="http://schemas.openxmlformats.org/officeDocument/2006/math">
-                    <m:sSup>
-                      <m:sSupPr>
-                        <m:ctrlPr>
-                          <a:rPr i="1">
-                            <a:latin typeface="Cambria Math" panose="02040503050406030204" pitchFamily="18" charset="0"/>
-                          </a:rPr>
-                        </m:ctrlPr>
-                      </m:sSupPr>
-                      <m:e>
-                        <m:r>
-                          <a:rPr>
-                            <a:latin typeface="Cambria Math" panose="02040503050406030204" pitchFamily="18" charset="0"/>
-                          </a:rPr>
-                          <m:t>𝑅</m:t>
-                        </m:r>
-                      </m:e>
-                      <m:sup>
-                        <m:r>
-                          <a:rPr>
-                            <a:latin typeface="Cambria Math" panose="02040503050406030204" pitchFamily="18" charset="0"/>
-                          </a:rPr>
-                          <m:t>2</m:t>
-                        </m:r>
-                      </m:sup>
-                    </m:sSup>
-                  </m:oMath>
-                </a14:m>
-                <a:r>
-                  <a:t>, RMSE, etc</a:t>
-                </a:r>
-              </a:p>
-              <a:p>
-                <a:pPr lvl="1"/>
-                <a:r>
-                  <a:t>Are the model coefficients all significant?</a:t>
-                </a:r>
-              </a:p>
-              <a:p>
-                <a:pPr lvl="0"/>
-                <a:r>
-                  <a:rPr b="1"/>
-                  <a:t>Different methods highlight different problems</a:t>
-                </a:r>
-                <a:r>
-                  <a:t> with your model</a:t>
-                </a:r>
-              </a:p>
-              <a:p>
-                <a:pPr lvl="0"/>
-                <a:r>
-                  <a:t>Don’t forget to check that the </a:t>
-                </a:r>
-                <a:r>
-                  <a:rPr b="1"/>
-                  <a:t>model must make sense</a:t>
-                </a:r>
-                <a:r>
-                  <a:t> for your application!</a:t>
-                </a:r>
-              </a:p>
-            </p:txBody>
-          </p:sp>
-        </mc:Choice>
-        <mc:Fallback xmlns="">
-          <p:sp>
-            <p:nvSpPr>
-              <p:cNvPr id="3" name="Content Placeholder 2"/>
-              <p:cNvSpPr>
-                <a:spLocks noGrp="1" noRot="1" noChangeAspect="1" noMove="1" noResize="1" noEditPoints="1" noAdjustHandles="1" noChangeArrowheads="1" noChangeShapeType="1" noTextEdit="1"/>
-              </p:cNvSpPr>
-              <p:nvPr>
-                <p:ph idx="1"/>
-              </p:nvPr>
-            </p:nvSpPr>
-            <p:spPr>
-              <a:blipFill>
-                <a:blip r:embed="rId2"/>
-                <a:stretch>
-                  <a:fillRect l="-963" t="-2334" b="-1257"/>
-                </a:stretch>
-              </a:blipFill>
-            </p:spPr>
-            <p:txBody>
-              <a:bodyPr/>
-              <a:lstStyle/>
-              <a:p>
-                <a:r>
-                  <a:rPr lang="en-US">
-                    <a:noFill/>
-                  </a:rPr>
-                  <a:t> </a:t>
-                </a:r>
-              </a:p>
-            </p:txBody>
-          </p:sp>
-        </mc:Fallback>
-      </mc:AlternateContent>
-    </p:spTree>
-  </p:cSld>
-  <p:clrMapOvr>
-    <a:masterClrMapping/>
-  </p:clrMapOvr>
-</p:sld>
-</file>
-
-<file path=ppt/slides/slide3.xml><?xml version="1.0" encoding="utf-8"?>
-<p:sld xmlns:a="http://schemas.openxmlformats.org/drawingml/2006/main" xmlns:r="http://schemas.openxmlformats.org/officeDocument/2006/relationships" xmlns:p="http://schemas.openxmlformats.org/presentationml/2006/main">
-  <p:cSld>
-    <p:spTree>
-      <p:nvGrpSpPr>
-        <p:cNvPr id="1" name="">
-          <a:extLst>
-            <a:ext uri="{FF2B5EF4-FFF2-40B4-BE49-F238E27FC236}">
-              <a16:creationId xmlns:a16="http://schemas.microsoft.com/office/drawing/2014/main" id="{217CC54D-A93E-7DF0-F2EC-6036421943BA}"/>
-            </a:ext>
-          </a:extLst>
-        </p:cNvPr>
-        <p:cNvGrpSpPr/>
-        <p:nvPr/>
-      </p:nvGrpSpPr>
-      <p:grpSpPr>
-        <a:xfrm>
-          <a:off x="0" y="0"/>
-          <a:ext cx="0" cy="0"/>
-          <a:chOff x="0" y="0"/>
-          <a:chExt cx="0" cy="0"/>
-        </a:xfrm>
-      </p:grpSpPr>
-      <p:sp>
-        <p:nvSpPr>
-          <p:cNvPr id="2" name="Title 1">
-            <a:extLst>
-              <a:ext uri="{FF2B5EF4-FFF2-40B4-BE49-F238E27FC236}">
-                <a16:creationId xmlns:a16="http://schemas.microsoft.com/office/drawing/2014/main" id="{3B05EEC6-D606-BDA0-212E-8D3ADDACF228}"/>
-              </a:ext>
-            </a:extLst>
-          </p:cNvPr>
-          <p:cNvSpPr>
-            <a:spLocks noGrp="1"/>
-          </p:cNvSpPr>
-          <p:nvPr>
-            <p:ph type="title"/>
-          </p:nvPr>
-        </p:nvSpPr>
-        <p:spPr/>
-        <p:txBody>
-          <a:bodyPr/>
-          <a:lstStyle/>
-          <a:p>
-            <a:pPr marL="0" lvl="0" indent="0">
-              <a:buNone/>
-            </a:pPr>
-            <a:r>
-              <a:rPr lang="en-US" dirty="0"/>
-              <a:t>Introduction</a:t>
-            </a:r>
-            <a:endParaRPr dirty="0"/>
-          </a:p>
-        </p:txBody>
-      </p:sp>
-      <p:sp>
-        <p:nvSpPr>
-          <p:cNvPr id="3" name="Content Placeholder 2">
-            <a:extLst>
-              <a:ext uri="{FF2B5EF4-FFF2-40B4-BE49-F238E27FC236}">
-                <a16:creationId xmlns:a16="http://schemas.microsoft.com/office/drawing/2014/main" id="{07854A8C-8365-5A51-A4BD-48F8386E8528}"/>
-              </a:ext>
-            </a:extLst>
-          </p:cNvPr>
-          <p:cNvSpPr>
-            <a:spLocks noGrp="1"/>
-          </p:cNvSpPr>
-          <p:nvPr>
-            <p:ph idx="1"/>
-          </p:nvPr>
-        </p:nvSpPr>
-        <p:spPr/>
-        <p:txBody>
-          <a:bodyPr>
-            <a:normAutofit fontScale="85000" lnSpcReduction="20000"/>
-          </a:bodyPr>
-          <a:lstStyle/>
-          <a:p>
-            <a:pPr marL="0" lvl="0" indent="0">
-              <a:buNone/>
-            </a:pPr>
-            <a:r>
-              <a:rPr lang="en-US" dirty="0"/>
-              <a:t>Several commonly encountered data problems create problems for OLS and GLM models</a:t>
-            </a:r>
-            <a:endParaRPr dirty="0"/>
-          </a:p>
-          <a:p>
-            <a:pPr lvl="0"/>
-            <a:r>
-              <a:rPr lang="en-US" b="1" dirty="0"/>
-              <a:t>Zero inflated response variables </a:t>
-            </a:r>
-            <a:r>
-              <a:rPr lang="en-US" dirty="0"/>
-              <a:t>have an unusual number of zero values   </a:t>
-            </a:r>
-          </a:p>
-          <a:p>
-            <a:pPr lvl="1"/>
-            <a:r>
-              <a:rPr lang="en-US" dirty="0"/>
-              <a:t>Use a </a:t>
-            </a:r>
-            <a:r>
-              <a:rPr lang="en-US" b="1" dirty="0"/>
-              <a:t>mixture model </a:t>
-            </a:r>
-            <a:r>
-              <a:rPr lang="en-US" dirty="0"/>
-              <a:t>to switch between a binomial and another distribution</a:t>
-            </a:r>
-          </a:p>
-          <a:p>
-            <a:pPr lvl="0"/>
-            <a:r>
-              <a:rPr lang="en-US" b="1" dirty="0"/>
-              <a:t>Over-dispersed response variables </a:t>
-            </a:r>
-            <a:r>
-              <a:rPr lang="en-US" dirty="0"/>
-              <a:t>have a long (typically right) tail </a:t>
-            </a:r>
-          </a:p>
-          <a:p>
-            <a:pPr lvl="1"/>
-            <a:r>
-              <a:rPr lang="en-US" dirty="0"/>
-              <a:t>Apply models with distributions and mixtures that account for large low probability responses </a:t>
-            </a:r>
-          </a:p>
-          <a:p>
-            <a:pPr lvl="0"/>
-            <a:r>
-              <a:rPr lang="en-US" b="1" dirty="0"/>
-              <a:t>Outliers in independent variables </a:t>
-            </a:r>
-            <a:r>
-              <a:rPr lang="en-US" dirty="0"/>
-              <a:t>have an undue influence on OLS and GLM models </a:t>
-            </a:r>
-          </a:p>
-          <a:p>
-            <a:pPr lvl="1"/>
-            <a:r>
-              <a:rPr lang="en-US" dirty="0"/>
-              <a:t>Robust regression models </a:t>
-            </a:r>
-            <a:r>
-              <a:rPr lang="en-US" b="1" dirty="0"/>
-              <a:t>limit the influence of outliers </a:t>
-            </a:r>
-            <a:r>
-              <a:rPr lang="en-US" dirty="0"/>
-              <a:t>on the response </a:t>
-            </a:r>
-          </a:p>
-          <a:p>
-            <a:pPr lvl="0"/>
-            <a:r>
-              <a:rPr lang="en-US" dirty="0"/>
-              <a:t>We can extend the OLS and GLM frameworks to deal with these situations  </a:t>
-            </a:r>
-            <a:endParaRPr dirty="0"/>
-          </a:p>
-        </p:txBody>
-      </p:sp>
-    </p:spTree>
-    <p:extLst>
-      <p:ext uri="{BB962C8B-B14F-4D97-AF65-F5344CB8AC3E}">
-        <p14:creationId xmlns:p14="http://schemas.microsoft.com/office/powerpoint/2010/main" val="487459844"/>
-      </p:ext>
-    </p:extLst>
-  </p:cSld>
-  <p:clrMapOvr>
-    <a:masterClrMapping/>
-  </p:clrMapOvr>
-</p:sld>
-</file>
-
-<file path=ppt/slides/slide4.xml><?xml version="1.0" encoding="utf-8"?>
-<p:sld xmlns:a="http://schemas.openxmlformats.org/drawingml/2006/main" xmlns:r="http://schemas.openxmlformats.org/officeDocument/2006/relationships" xmlns:p="http://schemas.openxmlformats.org/presentationml/2006/main">
-  <p:cSld>
-    <p:spTree>
-      <p:nvGrpSpPr>
-        <p:cNvPr id="1" name=""/>
-        <p:cNvGrpSpPr/>
-        <p:nvPr/>
-      </p:nvGrpSpPr>
-      <p:grpSpPr>
-        <a:xfrm>
-          <a:off x="0" y="0"/>
-          <a:ext cx="0" cy="0"/>
-          <a:chOff x="0" y="0"/>
-          <a:chExt cx="0" cy="0"/>
-        </a:xfrm>
-      </p:grpSpPr>
-      <p:sp>
-        <p:nvSpPr>
-          <p:cNvPr id="2" name="Title 1"/>
-          <p:cNvSpPr>
-            <a:spLocks noGrp="1"/>
-          </p:cNvSpPr>
-          <p:nvPr>
-            <p:ph type="title"/>
-          </p:nvPr>
-        </p:nvSpPr>
-        <p:spPr/>
-        <p:txBody>
-          <a:bodyPr/>
-          <a:lstStyle/>
-          <a:p>
-            <a:pPr marL="0" lvl="0" indent="0">
-              <a:buNone/>
-            </a:pPr>
-            <a:r>
-              <a:t>Dealing With Outliers</a:t>
-            </a:r>
-          </a:p>
-        </p:txBody>
-      </p:sp>
-      <p:sp>
-        <p:nvSpPr>
-          <p:cNvPr id="3" name="Content Placeholder 2"/>
-          <p:cNvSpPr>
-            <a:spLocks noGrp="1"/>
-          </p:cNvSpPr>
-          <p:nvPr>
-            <p:ph idx="1"/>
-          </p:nvPr>
-        </p:nvSpPr>
-        <p:spPr/>
-        <p:txBody>
-          <a:bodyPr>
-            <a:normAutofit fontScale="62500" lnSpcReduction="20000"/>
-          </a:bodyPr>
-          <a:lstStyle/>
-          <a:p>
-            <a:pPr marL="0" lvl="0" indent="0">
-              <a:buNone/>
-            </a:pPr>
-            <a:r>
-              <a:t>Outliers are a persistent problem with statistical and machine learning models</a:t>
-            </a:r>
-          </a:p>
-          <a:p>
-            <a:pPr lvl="0"/>
-            <a:r>
-              <a:t>What are outliers?</a:t>
-            </a:r>
-          </a:p>
-          <a:p>
-            <a:pPr lvl="1"/>
-            <a:r>
-              <a:t>Errors or noisy measurements</a:t>
-            </a:r>
-            <a:br/>
-            <a:endParaRPr/>
-          </a:p>
-          <a:p>
-            <a:pPr lvl="1"/>
-            <a:r>
-              <a:t>Result of improper stratification</a:t>
-            </a:r>
-          </a:p>
-          <a:p>
-            <a:pPr lvl="0"/>
-            <a:r>
-              <a:t>But, may be of interest</a:t>
-            </a:r>
-          </a:p>
-          <a:p>
-            <a:pPr lvl="1"/>
-            <a:r>
-              <a:t>Depending on the application, outliers can be the </a:t>
-            </a:r>
-            <a:r>
-              <a:rPr b="1"/>
-              <a:t>most interesting values</a:t>
-            </a:r>
-            <a:r>
-              <a:t>!!</a:t>
-            </a:r>
-            <a:br/>
-            <a:endParaRPr/>
-          </a:p>
-          <a:p>
-            <a:pPr lvl="1"/>
-            <a:r>
-              <a:t>May need to explicitly model</a:t>
-            </a:r>
-          </a:p>
-          <a:p>
-            <a:pPr lvl="1"/>
-            <a:r>
-              <a:t>Example: Fraud detection</a:t>
-            </a:r>
-            <a:br/>
-            <a:endParaRPr/>
-          </a:p>
-          <a:p>
-            <a:pPr lvl="1"/>
-            <a:r>
-              <a:t>Example: Scientific discovery</a:t>
-            </a:r>
-          </a:p>
-          <a:p>
-            <a:pPr lvl="0"/>
-            <a:r>
-              <a:t>Outliers can be hard to detect</a:t>
-            </a:r>
-          </a:p>
-          <a:p>
-            <a:pPr lvl="1"/>
-            <a:r>
-              <a:t>Difficult in high-dimensions</a:t>
-            </a:r>
-            <a:br/>
-            <a:endParaRPr/>
-          </a:p>
-          <a:p>
-            <a:pPr lvl="1"/>
-            <a:r>
-              <a:t>Often find by influence on model</a:t>
-            </a:r>
-          </a:p>
-        </p:txBody>
-      </p:sp>
-    </p:spTree>
-  </p:cSld>
-  <p:clrMapOvr>
-    <a:masterClrMapping/>
-  </p:clrMapOvr>
-</p:sld>
-</file>
-
-<file path=ppt/slides/slide5.xml><?xml version="1.0" encoding="utf-8"?>
 <p:sld xmlns:a="http://schemas.openxmlformats.org/drawingml/2006/main" xmlns:r="http://schemas.openxmlformats.org/officeDocument/2006/relationships" xmlns:p="http://schemas.openxmlformats.org/presentationml/2006/main">
   <p:cSld>
     <p:spTree>
@@ -6375,7 +5933,7 @@
 </p:sld>
 </file>
 
-<file path=ppt/slides/slide6.xml><?xml version="1.0" encoding="utf-8"?>
+<file path=ppt/slides/slide19.xml><?xml version="1.0" encoding="utf-8"?>
 <p:sld xmlns:a="http://schemas.openxmlformats.org/drawingml/2006/main" xmlns:r="http://schemas.openxmlformats.org/officeDocument/2006/relationships" xmlns:p="http://schemas.openxmlformats.org/presentationml/2006/main">
   <p:cSld>
     <p:spTree>
@@ -6437,7 +5995,202 @@
 </p:sld>
 </file>
 
-<file path=ppt/slides/slide7.xml><?xml version="1.0" encoding="utf-8"?>
+<file path=ppt/slides/slide2.xml><?xml version="1.0" encoding="utf-8"?>
+<p:sld xmlns:a="http://schemas.openxmlformats.org/drawingml/2006/main" xmlns:r="http://schemas.openxmlformats.org/officeDocument/2006/relationships" xmlns:p="http://schemas.openxmlformats.org/presentationml/2006/main">
+  <p:cSld>
+    <p:spTree>
+      <p:nvGrpSpPr>
+        <p:cNvPr id="1" name=""/>
+        <p:cNvGrpSpPr/>
+        <p:nvPr/>
+      </p:nvGrpSpPr>
+      <p:grpSpPr>
+        <a:xfrm>
+          <a:off x="0" y="0"/>
+          <a:ext cx="0" cy="0"/>
+          <a:chOff x="0" y="0"/>
+          <a:chExt cx="0" cy="0"/>
+        </a:xfrm>
+      </p:grpSpPr>
+      <p:sp>
+        <p:nvSpPr>
+          <p:cNvPr id="2" name="Title 1"/>
+          <p:cNvSpPr>
+            <a:spLocks noGrp="1"/>
+          </p:cNvSpPr>
+          <p:nvPr>
+            <p:ph type="title"/>
+          </p:nvPr>
+        </p:nvSpPr>
+        <p:spPr/>
+        <p:txBody>
+          <a:bodyPr/>
+          <a:lstStyle/>
+          <a:p>
+            <a:pPr marL="0" lvl="0" indent="0">
+              <a:buNone/>
+            </a:pPr>
+            <a:r>
+              <a:t>Linear Model Assumptions</a:t>
+            </a:r>
+          </a:p>
+        </p:txBody>
+      </p:sp>
+      <p:sp>
+        <p:nvSpPr>
+          <p:cNvPr id="3" name="Content Placeholder 2"/>
+          <p:cNvSpPr>
+            <a:spLocks noGrp="1"/>
+          </p:cNvSpPr>
+          <p:nvPr>
+            <p:ph idx="1"/>
+          </p:nvPr>
+        </p:nvSpPr>
+        <p:spPr/>
+        <p:txBody>
+          <a:bodyPr>
+            <a:normAutofit fontScale="62500" lnSpcReduction="20000"/>
+          </a:bodyPr>
+          <a:lstStyle/>
+          <a:p>
+            <a:pPr marL="0" lvl="0" indent="0">
+              <a:buNone/>
+            </a:pPr>
+            <a:r>
+              <a:rPr dirty="0"/>
+              <a:t>There are a number of assumptions in linear models that you overlook at your peril!</a:t>
+            </a:r>
+          </a:p>
+          <a:p>
+            <a:pPr lvl="0"/>
+            <a:r>
+              <a:rPr dirty="0"/>
+              <a:t>The feature or predictor variables should be </a:t>
+            </a:r>
+            <a:r>
+              <a:rPr b="1" dirty="0"/>
+              <a:t>independent</a:t>
+            </a:r>
+            <a:r>
+              <a:rPr dirty="0"/>
+              <a:t> of one another</a:t>
+            </a:r>
+          </a:p>
+          <a:p>
+            <a:pPr lvl="1"/>
+            <a:r>
+              <a:rPr dirty="0"/>
+              <a:t>This is rarely true in practice</a:t>
+            </a:r>
+          </a:p>
+          <a:p>
+            <a:pPr lvl="1"/>
+            <a:r>
+              <a:rPr b="1" dirty="0"/>
+              <a:t>Multi-</a:t>
+            </a:r>
+            <a:r>
+              <a:rPr b="1" dirty="0" err="1"/>
+              <a:t>colinearity</a:t>
+            </a:r>
+            <a:r>
+              <a:rPr dirty="0"/>
+              <a:t> between features makes the model </a:t>
+            </a:r>
+            <a:r>
+              <a:rPr b="1" dirty="0"/>
+              <a:t>under-determined</a:t>
+            </a:r>
+          </a:p>
+          <a:p>
+            <a:pPr lvl="0"/>
+            <a:r>
+              <a:rPr dirty="0"/>
+              <a:t>We assume that numeric features or predictors have zero mean and about the same scale</a:t>
+            </a:r>
+          </a:p>
+          <a:p>
+            <a:pPr lvl="1"/>
+            <a:r>
+              <a:rPr dirty="0"/>
+              <a:t>We do not want to bias the estimation of regression coefficients with predictors that do not have a 0 mean</a:t>
+            </a:r>
+          </a:p>
+          <a:p>
+            <a:pPr lvl="1"/>
+            <a:r>
+              <a:rPr dirty="0"/>
+              <a:t>We do not want to have predictors with a large numeric range dominate training</a:t>
+            </a:r>
+          </a:p>
+          <a:p>
+            <a:pPr lvl="1"/>
+            <a:r>
+              <a:rPr dirty="0"/>
+              <a:t>Example: income is in the range of 10s or 100s of thousands and age is in the range of 10s, but </a:t>
+            </a:r>
+            <a:r>
+              <a:rPr dirty="0" err="1"/>
+              <a:t>apriori</a:t>
+            </a:r>
+            <a:r>
+              <a:rPr dirty="0"/>
+              <a:t> income is no more important than age as a predictor</a:t>
+            </a:r>
+          </a:p>
+          <a:p>
+            <a:pPr lvl="0"/>
+            <a:r>
+              <a:rPr dirty="0"/>
+              <a:t>Values of each predictor or feature should be </a:t>
+            </a:r>
+            <a:r>
+              <a:rPr dirty="0" err="1"/>
+              <a:t>iid</a:t>
+            </a:r>
+            <a:endParaRPr dirty="0"/>
+          </a:p>
+          <a:p>
+            <a:pPr lvl="1"/>
+            <a:r>
+              <a:rPr dirty="0"/>
+              <a:t>If variance changes with sample, the optimal value of the coefficient could not be constant</a:t>
+            </a:r>
+          </a:p>
+          <a:p>
+            <a:pPr lvl="1"/>
+            <a:r>
+              <a:rPr dirty="0"/>
+              <a:t>If there </a:t>
+            </a:r>
+            <a:r>
+              <a:rPr b="1" dirty="0"/>
+              <a:t>serial correlation</a:t>
+            </a:r>
+            <a:r>
+              <a:rPr dirty="0"/>
+              <a:t> in the predictor values, the </a:t>
+            </a:r>
+            <a:r>
+              <a:rPr dirty="0" err="1"/>
+              <a:t>iid</a:t>
+            </a:r>
+            <a:r>
+              <a:rPr dirty="0"/>
+              <a:t> assumption is violated - but can account for this such as in time series models</a:t>
+            </a:r>
+          </a:p>
+        </p:txBody>
+      </p:sp>
+    </p:spTree>
+  </p:cSld>
+  <p:clrMapOvr>
+    <a:masterClrMapping/>
+  </p:clrMapOvr>
+</p:sld>
+</file>
+
+<file path=ppt/slides/slide20.xml><?xml version="1.0" encoding="utf-8"?>
 <p:sld xmlns:a="http://schemas.openxmlformats.org/drawingml/2006/main" xmlns:r="http://schemas.openxmlformats.org/officeDocument/2006/relationships" xmlns:p="http://schemas.openxmlformats.org/presentationml/2006/main">
   <p:cSld>
     <p:spTree>
@@ -6623,7 +6376,13 @@
                                 <a:rPr>
                                   <a:latin typeface="Cambria Math" panose="02040503050406030204" pitchFamily="18" charset="0"/>
                                 </a:rPr>
-                                <m:t>=1</m:t>
+                                <m:t>=</m:t>
+                              </m:r>
+                              <m:r>
+                                <a:rPr>
+                                  <a:latin typeface="Cambria Math" panose="02040503050406030204" pitchFamily="18" charset="0"/>
+                                </a:rPr>
+                                <m:t>1</m:t>
                               </m:r>
                             </m:sub>
                             <m:sup>
@@ -6789,7 +6548,13 @@
                                 <a:rPr>
                                   <a:latin typeface="Cambria Math" panose="02040503050406030204" pitchFamily="18" charset="0"/>
                                 </a:rPr>
-                                <m:t>+1</m:t>
+                                <m:t>+</m:t>
+                              </m:r>
+                              <m:r>
+                                <a:rPr>
+                                  <a:latin typeface="Cambria Math" panose="02040503050406030204" pitchFamily="18" charset="0"/>
+                                </a:rPr>
+                                <m:t>1</m:t>
                               </m:r>
                             </m:e>
                           </m:d>
@@ -7059,7 +6824,7 @@
 </p:sld>
 </file>
 
-<file path=ppt/slides/slide8.xml><?xml version="1.0" encoding="utf-8"?>
+<file path=ppt/slides/slide21.xml><?xml version="1.0" encoding="utf-8"?>
 <p:sld xmlns:a="http://schemas.openxmlformats.org/drawingml/2006/main" xmlns:r="http://schemas.openxmlformats.org/officeDocument/2006/relationships" xmlns:p="http://schemas.openxmlformats.org/presentationml/2006/main">
   <p:cSld>
     <p:spTree>
@@ -7200,7 +6965,7 @@
 </p:sld>
 </file>
 
-<file path=ppt/slides/slide9.xml><?xml version="1.0" encoding="utf-8"?>
+<file path=ppt/slides/slide22.xml><?xml version="1.0" encoding="utf-8"?>
 <p:sld xmlns:a="http://schemas.openxmlformats.org/drawingml/2006/main" xmlns:r="http://schemas.openxmlformats.org/officeDocument/2006/relationships" xmlns:p="http://schemas.openxmlformats.org/presentationml/2006/main">
   <p:cSld>
     <p:spTree>
@@ -7260,6 +7025,4518 @@
         </p:txBody>
       </p:sp>
     </p:spTree>
+  </p:cSld>
+  <p:clrMapOvr>
+    <a:masterClrMapping/>
+  </p:clrMapOvr>
+</p:sld>
+</file>
+
+<file path=ppt/slides/slide23.xml><?xml version="1.0" encoding="utf-8"?>
+<p:sld xmlns:a="http://schemas.openxmlformats.org/drawingml/2006/main" xmlns:r="http://schemas.openxmlformats.org/officeDocument/2006/relationships" xmlns:p="http://schemas.openxmlformats.org/presentationml/2006/main">
+  <p:cSld>
+    <p:spTree>
+      <p:nvGrpSpPr>
+        <p:cNvPr id="1" name=""/>
+        <p:cNvGrpSpPr/>
+        <p:nvPr/>
+      </p:nvGrpSpPr>
+      <p:grpSpPr>
+        <a:xfrm>
+          <a:off x="0" y="0"/>
+          <a:ext cx="0" cy="0"/>
+          <a:chOff x="0" y="0"/>
+          <a:chExt cx="0" cy="0"/>
+        </a:xfrm>
+      </p:grpSpPr>
+      <p:sp>
+        <p:nvSpPr>
+          <p:cNvPr id="2" name="Title 1"/>
+          <p:cNvSpPr>
+            <a:spLocks noGrp="1"/>
+          </p:cNvSpPr>
+          <p:nvPr>
+            <p:ph type="title"/>
+          </p:nvPr>
+        </p:nvSpPr>
+        <p:spPr/>
+        <p:txBody>
+          <a:bodyPr/>
+          <a:lstStyle/>
+          <a:p>
+            <a:pPr marL="0" lvl="0" indent="0">
+              <a:buNone/>
+            </a:pPr>
+            <a:r>
+              <a:t>Dealing With Outliers</a:t>
+            </a:r>
+          </a:p>
+        </p:txBody>
+      </p:sp>
+      <p:sp>
+        <p:nvSpPr>
+          <p:cNvPr id="3" name="Content Placeholder 2"/>
+          <p:cNvSpPr>
+            <a:spLocks noGrp="1"/>
+          </p:cNvSpPr>
+          <p:nvPr>
+            <p:ph idx="1"/>
+          </p:nvPr>
+        </p:nvSpPr>
+        <p:spPr/>
+        <p:txBody>
+          <a:bodyPr>
+            <a:normAutofit fontScale="77500" lnSpcReduction="20000"/>
+          </a:bodyPr>
+          <a:lstStyle/>
+          <a:p>
+            <a:pPr marL="0" lvl="0" indent="0">
+              <a:buNone/>
+            </a:pPr>
+            <a:r>
+              <a:t>Why are linear models sensitive to outliers</a:t>
+            </a:r>
+          </a:p>
+          <a:p>
+            <a:pPr lvl="0"/>
+            <a:r>
+              <a:t>Ordinary linear regression uses </a:t>
+            </a:r>
+            <a:r>
+              <a:rPr b="1"/>
+              <a:t>squared error loss</a:t>
+            </a:r>
+            <a:r>
+              <a:t> function</a:t>
+            </a:r>
+          </a:p>
+          <a:p>
+            <a:pPr lvl="1"/>
+            <a:r>
+              <a:t>Optimal if the errors are iid Normal</a:t>
+            </a:r>
+            <a:br/>
+            <a:endParaRPr/>
+          </a:p>
+          <a:p>
+            <a:pPr lvl="1"/>
+            <a:r>
+              <a:t>Is an </a:t>
+            </a:r>
+            <a:r>
+              <a:rPr b="1"/>
+              <a:t>unbiased estimator</a:t>
+            </a:r>
+          </a:p>
+          <a:p>
+            <a:pPr lvl="0"/>
+            <a:r>
+              <a:t>In 1-dimension median is robust to outliers</a:t>
+            </a:r>
+          </a:p>
+          <a:p>
+            <a:pPr lvl="1"/>
+            <a:r>
+              <a:t>But far from an optimal estimator</a:t>
+            </a:r>
+            <a:br/>
+            <a:endParaRPr/>
+          </a:p>
+          <a:p>
+            <a:pPr lvl="1"/>
+            <a:r>
+              <a:t>High bias</a:t>
+            </a:r>
+            <a:br/>
+            <a:endParaRPr/>
+          </a:p>
+          <a:p>
+            <a:pPr lvl="1"/>
+            <a:r>
+              <a:t>Hard to implement beyond 1-dimension</a:t>
+            </a:r>
+          </a:p>
+          <a:p>
+            <a:pPr lvl="0"/>
+            <a:r>
+              <a:t>We can study the response of estimators to outliers using an </a:t>
+            </a:r>
+            <a:r>
+              <a:rPr b="1"/>
+              <a:t>influence function</a:t>
+            </a:r>
+          </a:p>
+        </p:txBody>
+      </p:sp>
+    </p:spTree>
+  </p:cSld>
+  <p:clrMapOvr>
+    <a:masterClrMapping/>
+  </p:clrMapOvr>
+</p:sld>
+</file>
+
+<file path=ppt/slides/slide24.xml><?xml version="1.0" encoding="utf-8"?>
+<p:sld xmlns:a="http://schemas.openxmlformats.org/drawingml/2006/main" xmlns:r="http://schemas.openxmlformats.org/officeDocument/2006/relationships" xmlns:p="http://schemas.openxmlformats.org/presentationml/2006/main">
+  <p:cSld>
+    <p:spTree>
+      <p:nvGrpSpPr>
+        <p:cNvPr id="1" name=""/>
+        <p:cNvGrpSpPr/>
+        <p:nvPr/>
+      </p:nvGrpSpPr>
+      <p:grpSpPr>
+        <a:xfrm>
+          <a:off x="0" y="0"/>
+          <a:ext cx="0" cy="0"/>
+          <a:chOff x="0" y="0"/>
+          <a:chExt cx="0" cy="0"/>
+        </a:xfrm>
+      </p:grpSpPr>
+      <p:sp>
+        <p:nvSpPr>
+          <p:cNvPr id="2" name="Title 1"/>
+          <p:cNvSpPr>
+            <a:spLocks noGrp="1"/>
+          </p:cNvSpPr>
+          <p:nvPr>
+            <p:ph type="title"/>
+          </p:nvPr>
+        </p:nvSpPr>
+        <p:spPr/>
+        <p:txBody>
+          <a:bodyPr/>
+          <a:lstStyle/>
+          <a:p>
+            <a:pPr marL="0" lvl="0" indent="0">
+              <a:buNone/>
+            </a:pPr>
+            <a:r>
+              <a:t>Dealing With Outliers</a:t>
+            </a:r>
+          </a:p>
+        </p:txBody>
+      </p:sp>
+      <p:sp>
+        <p:nvSpPr>
+          <p:cNvPr id="3" name="Content Placeholder 2"/>
+          <p:cNvSpPr>
+            <a:spLocks noGrp="1"/>
+          </p:cNvSpPr>
+          <p:nvPr>
+            <p:ph idx="1"/>
+          </p:nvPr>
+        </p:nvSpPr>
+        <p:spPr/>
+        <p:txBody>
+          <a:bodyPr>
+            <a:normAutofit fontScale="92500"/>
+          </a:bodyPr>
+          <a:lstStyle/>
+          <a:p>
+            <a:pPr marL="0" lvl="0" indent="0">
+              <a:buNone/>
+            </a:pPr>
+            <a:r>
+              <a:t>Compare the influence functions of the mean and median estimators</a:t>
+            </a:r>
+          </a:p>
+          <a:p>
+            <a:pPr lvl="0"/>
+            <a:r>
+              <a:t>Mean estimator has linear influence function</a:t>
+            </a:r>
+          </a:p>
+          <a:p>
+            <a:pPr lvl="1"/>
+            <a:r>
+              <a:t>Influence of outliers is </a:t>
+            </a:r>
+            <a:r>
+              <a:rPr b="1"/>
+              <a:t>unbounded</a:t>
+            </a:r>
+            <a:br/>
+            <a:endParaRPr/>
+          </a:p>
+          <a:p>
+            <a:pPr lvl="1"/>
+            <a:r>
+              <a:t>Derivative of the influence function is constant</a:t>
+            </a:r>
+          </a:p>
+          <a:p>
+            <a:pPr lvl="0"/>
+            <a:r>
+              <a:t>Influence function of median estimator is discontinuous</a:t>
+            </a:r>
+          </a:p>
+          <a:p>
+            <a:pPr lvl="1"/>
+            <a:r>
+              <a:t>Influence of any observation is constant</a:t>
+            </a:r>
+            <a:br/>
+            <a:endParaRPr/>
+          </a:p>
+          <a:p>
+            <a:pPr lvl="1"/>
+            <a:r>
+              <a:t>Derivative of influence function is not defined</a:t>
+            </a:r>
+          </a:p>
+        </p:txBody>
+      </p:sp>
+      <p:pic>
+        <p:nvPicPr>
+          <p:cNvPr id="4" name="Picture 1" descr="../images/MeanMedianInfluence.png"/>
+          <p:cNvPicPr>
+            <a:picLocks noGrp="1" noChangeAspect="1"/>
+          </p:cNvPicPr>
+          <p:nvPr/>
+        </p:nvPicPr>
+        <p:blipFill>
+          <a:blip r:embed="rId2"/>
+          <a:stretch>
+            <a:fillRect/>
+          </a:stretch>
+        </p:blipFill>
+        <p:spPr bwMode="auto">
+          <a:xfrm>
+            <a:off x="2692400" y="1193800"/>
+            <a:ext cx="3771900" cy="2882900"/>
+          </a:xfrm>
+          <a:prstGeom prst="rect">
+            <a:avLst/>
+          </a:prstGeom>
+          <a:noFill/>
+          <a:ln w="9525">
+            <a:noFill/>
+            <a:headEnd/>
+            <a:tailEnd/>
+          </a:ln>
+        </p:spPr>
+      </p:pic>
+      <p:sp>
+        <p:nvSpPr>
+          <p:cNvPr id="5" name="TextBox 3"/>
+          <p:cNvSpPr txBox="1"/>
+          <p:nvPr/>
+        </p:nvSpPr>
+        <p:spPr>
+          <a:xfrm>
+            <a:off x="457200" y="4076700"/>
+            <a:ext cx="8229600" cy="508000"/>
+          </a:xfrm>
+          <a:prstGeom prst="rect">
+            <a:avLst/>
+          </a:prstGeom>
+          <a:noFill/>
+        </p:spPr>
+        <p:txBody>
+          <a:bodyPr/>
+          <a:lstStyle/>
+          <a:p>
+            <a:pPr marL="0" lvl="0" indent="0" algn="ctr">
+              <a:buNone/>
+            </a:pPr>
+            <a:r>
+              <a:t>Influence functions for mean and median</a:t>
+            </a:r>
+          </a:p>
+        </p:txBody>
+      </p:sp>
+      <p:sp>
+        <p:nvSpPr>
+          <p:cNvPr id="6" name="Content Placeholder 2"/>
+          <p:cNvSpPr>
+            <a:spLocks noGrp="1"/>
+          </p:cNvSpPr>
+          <p:nvPr>
+            <p:ph idx="1"/>
+          </p:nvPr>
+        </p:nvSpPr>
+        <p:spPr/>
+        <p:txBody>
+          <a:bodyPr/>
+          <a:lstStyle/>
+          <a:p>
+            <a:pPr marL="0" lvl="0" indent="0">
+              <a:buNone/>
+            </a:pPr>
+            <a:r>
+              <a:rPr i="1"/>
+              <a:t>Figure from Hampel, el.al., Robust Statistics, 1986</a:t>
+            </a:r>
+          </a:p>
+        </p:txBody>
+      </p:sp>
+    </p:spTree>
+  </p:cSld>
+  <p:clrMapOvr>
+    <a:masterClrMapping/>
+  </p:clrMapOvr>
+</p:sld>
+</file>
+
+<file path=ppt/slides/slide25.xml><?xml version="1.0" encoding="utf-8"?>
+<p:sld xmlns:a="http://schemas.openxmlformats.org/drawingml/2006/main" xmlns:r="http://schemas.openxmlformats.org/officeDocument/2006/relationships" xmlns:p="http://schemas.openxmlformats.org/presentationml/2006/main">
+  <p:cSld>
+    <p:spTree>
+      <p:nvGrpSpPr>
+        <p:cNvPr id="1" name=""/>
+        <p:cNvGrpSpPr/>
+        <p:nvPr/>
+      </p:nvGrpSpPr>
+      <p:grpSpPr>
+        <a:xfrm>
+          <a:off x="0" y="0"/>
+          <a:ext cx="0" cy="0"/>
+          <a:chOff x="0" y="0"/>
+          <a:chExt cx="0" cy="0"/>
+        </a:xfrm>
+      </p:grpSpPr>
+      <p:sp>
+        <p:nvSpPr>
+          <p:cNvPr id="2" name="Title 1"/>
+          <p:cNvSpPr>
+            <a:spLocks noGrp="1"/>
+          </p:cNvSpPr>
+          <p:nvPr>
+            <p:ph type="title"/>
+          </p:nvPr>
+        </p:nvSpPr>
+        <p:spPr/>
+        <p:txBody>
+          <a:bodyPr/>
+          <a:lstStyle/>
+          <a:p>
+            <a:pPr marL="0" lvl="0" indent="0">
+              <a:buNone/>
+            </a:pPr>
+            <a:r>
+              <a:t>Dealing With Outliers</a:t>
+            </a:r>
+          </a:p>
+        </p:txBody>
+      </p:sp>
+      <mc:AlternateContent xmlns:mc="http://schemas.openxmlformats.org/markup-compatibility/2006" xmlns:a14="http://schemas.microsoft.com/office/drawing/2010/main">
+        <mc:Choice Requires="a14">
+          <p:sp>
+            <p:nvSpPr>
+              <p:cNvPr id="3" name="Content Placeholder 2"/>
+              <p:cNvSpPr>
+                <a:spLocks noGrp="1"/>
+              </p:cNvSpPr>
+              <p:nvPr>
+                <p:ph idx="1"/>
+              </p:nvPr>
+            </p:nvSpPr>
+            <p:spPr/>
+            <p:txBody>
+              <a:bodyPr>
+                <a:normAutofit fontScale="92500" lnSpcReduction="20000"/>
+              </a:bodyPr>
+              <a:lstStyle/>
+              <a:p>
+                <a:pPr marL="0" lvl="0" indent="0">
+                  <a:buNone/>
+                </a:pPr>
+                <a:r>
+                  <a:t>Could we simply edit out the outliers?</a:t>
+                </a:r>
+              </a:p>
+              <a:p>
+                <a:pPr lvl="0"/>
+                <a:r>
+                  <a:t>But what fraction of the data are outliers?</a:t>
+                </a:r>
+              </a:p>
+              <a:p>
+                <a:pPr lvl="0"/>
+                <a:r>
+                  <a:t>Know as the </a:t>
+                </a:r>
+                <a:r>
+                  <a:rPr b="1"/>
+                  <a:t>alpha trimmed mean</a:t>
+                </a:r>
+                <a:r>
+                  <a:t> algorithm</a:t>
+                </a:r>
+              </a:p>
+              <a:p>
+                <a:pPr lvl="1"/>
+                <a:r>
+                  <a:t>Order the values and remove </a:t>
+                </a:r>
+                <a14:m>
+                  <m:oMath xmlns:m="http://schemas.openxmlformats.org/officeDocument/2006/math">
+                    <m:r>
+                      <a:rPr>
+                        <a:latin typeface="Cambria Math" panose="02040503050406030204" pitchFamily="18" charset="0"/>
+                      </a:rPr>
+                      <m:t>𝛼</m:t>
+                    </m:r>
+                    <m:r>
+                      <a:rPr>
+                        <a:latin typeface="Cambria Math" panose="02040503050406030204" pitchFamily="18" charset="0"/>
+                      </a:rPr>
+                      <m:t>/2</m:t>
+                    </m:r>
+                  </m:oMath>
+                </a14:m>
+                <a:r>
+                  <a:t> highest and lowest</a:t>
+                </a:r>
+                <a:br/>
+                <a:endParaRPr/>
+              </a:p>
+              <a:p>
+                <a:pPr lvl="1"/>
+                <a:r>
+                  <a:t>But, alpha trimming is a bit arbitrary</a:t>
+                </a:r>
+                <a:br/>
+                <a:endParaRPr/>
+              </a:p>
+              <a:p>
+                <a:pPr lvl="1"/>
+                <a:r>
+                  <a:t>Is a biased estimator, with bias increasing with </a:t>
+                </a:r>
+                <a14:m>
+                  <m:oMath xmlns:m="http://schemas.openxmlformats.org/officeDocument/2006/math">
+                    <m:r>
+                      <a:rPr>
+                        <a:latin typeface="Cambria Math" panose="02040503050406030204" pitchFamily="18" charset="0"/>
+                      </a:rPr>
+                      <m:t>𝛼</m:t>
+                    </m:r>
+                  </m:oMath>
+                </a14:m>
+                <a:br/>
+                <a:endParaRPr/>
+              </a:p>
+              <a:p>
+                <a:pPr lvl="1"/>
+                <a14:m>
+                  <m:oMath xmlns:m="http://schemas.openxmlformats.org/officeDocument/2006/math">
+                    <m:r>
+                      <a:rPr>
+                        <a:latin typeface="Cambria Math" panose="02040503050406030204" pitchFamily="18" charset="0"/>
+                      </a:rPr>
+                      <m:t>𝛼</m:t>
+                    </m:r>
+                    <m:r>
+                      <a:rPr>
+                        <a:latin typeface="Cambria Math" panose="02040503050406030204" pitchFamily="18" charset="0"/>
+                      </a:rPr>
+                      <m:t>=0.5</m:t>
+                    </m:r>
+                  </m:oMath>
+                </a14:m>
+                <a:r>
+                  <a:t> is the median</a:t>
+                </a:r>
+              </a:p>
+              <a:p>
+                <a:pPr lvl="0"/>
+                <a:r>
+                  <a:t>Alpha trimming hard to implement in higher dimensions</a:t>
+                </a:r>
+              </a:p>
+            </p:txBody>
+          </p:sp>
+        </mc:Choice>
+        <mc:Fallback xmlns="">
+          <p:sp>
+            <p:nvSpPr>
+              <p:cNvPr id="3" name="Content Placeholder 2"/>
+              <p:cNvSpPr>
+                <a:spLocks noGrp="1" noRot="1" noChangeAspect="1" noMove="1" noResize="1" noEditPoints="1" noAdjustHandles="1" noChangeArrowheads="1" noChangeShapeType="1" noTextEdit="1"/>
+              </p:cNvSpPr>
+              <p:nvPr>
+                <p:ph idx="1"/>
+              </p:nvPr>
+            </p:nvSpPr>
+            <p:spPr>
+              <a:blipFill>
+                <a:blip r:embed="rId2"/>
+                <a:stretch>
+                  <a:fillRect l="-963" t="-3052"/>
+                </a:stretch>
+              </a:blipFill>
+            </p:spPr>
+            <p:txBody>
+              <a:bodyPr/>
+              <a:lstStyle/>
+              <a:p>
+                <a:r>
+                  <a:rPr lang="en-US">
+                    <a:noFill/>
+                  </a:rPr>
+                  <a:t> </a:t>
+                </a:r>
+              </a:p>
+            </p:txBody>
+          </p:sp>
+        </mc:Fallback>
+      </mc:AlternateContent>
+      <p:pic>
+        <p:nvPicPr>
+          <p:cNvPr id="4" name="Picture 1" descr="../images/AlphaTrimming.png"/>
+          <p:cNvPicPr>
+            <a:picLocks noGrp="1" noChangeAspect="1"/>
+          </p:cNvPicPr>
+          <p:nvPr/>
+        </p:nvPicPr>
+        <p:blipFill>
+          <a:blip r:embed="rId3"/>
+          <a:stretch>
+            <a:fillRect/>
+          </a:stretch>
+        </p:blipFill>
+        <p:spPr bwMode="auto">
+          <a:xfrm>
+            <a:off x="3213100" y="1193800"/>
+            <a:ext cx="2717800" cy="2882900"/>
+          </a:xfrm>
+          <a:prstGeom prst="rect">
+            <a:avLst/>
+          </a:prstGeom>
+          <a:noFill/>
+          <a:ln w="9525">
+            <a:noFill/>
+            <a:headEnd/>
+            <a:tailEnd/>
+          </a:ln>
+        </p:spPr>
+      </p:pic>
+      <p:sp>
+        <p:nvSpPr>
+          <p:cNvPr id="5" name="TextBox 3"/>
+          <p:cNvSpPr txBox="1"/>
+          <p:nvPr/>
+        </p:nvSpPr>
+        <p:spPr>
+          <a:xfrm>
+            <a:off x="457200" y="4076700"/>
+            <a:ext cx="8229600" cy="508000"/>
+          </a:xfrm>
+          <a:prstGeom prst="rect">
+            <a:avLst/>
+          </a:prstGeom>
+          <a:noFill/>
+        </p:spPr>
+        <p:txBody>
+          <a:bodyPr/>
+          <a:lstStyle/>
+          <a:p>
+            <a:pPr marL="0" lvl="0" indent="0" algn="ctr">
+              <a:buNone/>
+            </a:pPr>
+            <a:r>
+              <a:t>Influence functions for alpha trimmed mean</a:t>
+            </a:r>
+          </a:p>
+        </p:txBody>
+      </p:sp>
+      <p:sp>
+        <p:nvSpPr>
+          <p:cNvPr id="6" name="Content Placeholder 2"/>
+          <p:cNvSpPr>
+            <a:spLocks noGrp="1"/>
+          </p:cNvSpPr>
+          <p:nvPr>
+            <p:ph idx="1"/>
+          </p:nvPr>
+        </p:nvSpPr>
+        <p:spPr/>
+        <p:txBody>
+          <a:bodyPr/>
+          <a:lstStyle/>
+          <a:p>
+            <a:pPr marL="0" lvl="0" indent="0">
+              <a:buNone/>
+            </a:pPr>
+            <a:r>
+              <a:rPr i="1"/>
+              <a:t>Figure from Hampel, el.al., Robust Statistics, 1986</a:t>
+            </a:r>
+          </a:p>
+        </p:txBody>
+      </p:sp>
+    </p:spTree>
+  </p:cSld>
+  <p:clrMapOvr>
+    <a:masterClrMapping/>
+  </p:clrMapOvr>
+</p:sld>
+</file>
+
+<file path=ppt/slides/slide26.xml><?xml version="1.0" encoding="utf-8"?>
+<p:sld xmlns:a="http://schemas.openxmlformats.org/drawingml/2006/main" xmlns:r="http://schemas.openxmlformats.org/officeDocument/2006/relationships" xmlns:p="http://schemas.openxmlformats.org/presentationml/2006/main">
+  <p:cSld>
+    <p:spTree>
+      <p:nvGrpSpPr>
+        <p:cNvPr id="1" name=""/>
+        <p:cNvGrpSpPr/>
+        <p:nvPr/>
+      </p:nvGrpSpPr>
+      <p:grpSpPr>
+        <a:xfrm>
+          <a:off x="0" y="0"/>
+          <a:ext cx="0" cy="0"/>
+          <a:chOff x="0" y="0"/>
+          <a:chExt cx="0" cy="0"/>
+        </a:xfrm>
+      </p:grpSpPr>
+      <p:sp>
+        <p:nvSpPr>
+          <p:cNvPr id="2" name="Title 1"/>
+          <p:cNvSpPr>
+            <a:spLocks noGrp="1"/>
+          </p:cNvSpPr>
+          <p:nvPr>
+            <p:ph type="title"/>
+          </p:nvPr>
+        </p:nvSpPr>
+        <p:spPr/>
+        <p:txBody>
+          <a:bodyPr/>
+          <a:lstStyle/>
+          <a:p>
+            <a:pPr marL="0" lvl="0" indent="0">
+              <a:buNone/>
+            </a:pPr>
+            <a:r>
+              <a:t>Dealing With Outliers</a:t>
+            </a:r>
+          </a:p>
+        </p:txBody>
+      </p:sp>
+      <p:sp>
+        <p:nvSpPr>
+          <p:cNvPr id="3" name="Content Placeholder 2"/>
+          <p:cNvSpPr>
+            <a:spLocks noGrp="1"/>
+          </p:cNvSpPr>
+          <p:nvPr>
+            <p:ph idx="1"/>
+          </p:nvPr>
+        </p:nvSpPr>
+        <p:spPr/>
+        <p:txBody>
+          <a:bodyPr>
+            <a:normAutofit fontScale="92500" lnSpcReduction="20000"/>
+          </a:bodyPr>
+          <a:lstStyle/>
+          <a:p>
+            <a:pPr marL="0" lvl="0" indent="0">
+              <a:buNone/>
+            </a:pPr>
+            <a:r>
+              <a:t>Are there better estimators when outliers are present</a:t>
+            </a:r>
+          </a:p>
+          <a:p>
+            <a:pPr lvl="0"/>
+            <a:r>
+              <a:t>Yes, but must accept some bias</a:t>
+            </a:r>
+          </a:p>
+          <a:p>
+            <a:pPr lvl="0"/>
+            <a:r>
+              <a:t>Idea; estimator can be unbiased near the expected value, but limit influence of outliers</a:t>
+            </a:r>
+          </a:p>
+          <a:p>
+            <a:pPr lvl="1"/>
+            <a:r>
+              <a:t>Trade-off between high robustness and low bias</a:t>
+            </a:r>
+          </a:p>
+          <a:p>
+            <a:pPr lvl="0"/>
+            <a:r>
+              <a:t>Many ideas have been tried</a:t>
+            </a:r>
+          </a:p>
+          <a:p>
+            <a:pPr lvl="1"/>
+            <a:r>
+              <a:t>A major research focus in the 1970s and 1980s</a:t>
+            </a:r>
+            <a:br/>
+            <a:endParaRPr/>
+          </a:p>
+          <a:p>
+            <a:pPr lvl="1"/>
+            <a:r>
+              <a:rPr b="1"/>
+              <a:t>Huber estimator</a:t>
+            </a:r>
+            <a:br/>
+            <a:endParaRPr/>
+          </a:p>
+          <a:p>
+            <a:pPr lvl="1"/>
+            <a:r>
+              <a:t>Family of </a:t>
+            </a:r>
+            <a:r>
+              <a:rPr b="1"/>
+              <a:t>M-estimators</a:t>
+            </a:r>
+          </a:p>
+        </p:txBody>
+      </p:sp>
+    </p:spTree>
+  </p:cSld>
+  <p:clrMapOvr>
+    <a:masterClrMapping/>
+  </p:clrMapOvr>
+</p:sld>
+</file>
+
+<file path=ppt/slides/slide27.xml><?xml version="1.0" encoding="utf-8"?>
+<p:sld xmlns:a="http://schemas.openxmlformats.org/drawingml/2006/main" xmlns:r="http://schemas.openxmlformats.org/officeDocument/2006/relationships" xmlns:p="http://schemas.openxmlformats.org/presentationml/2006/main">
+  <p:cSld>
+    <p:spTree>
+      <p:nvGrpSpPr>
+        <p:cNvPr id="1" name=""/>
+        <p:cNvGrpSpPr/>
+        <p:nvPr/>
+      </p:nvGrpSpPr>
+      <p:grpSpPr>
+        <a:xfrm>
+          <a:off x="0" y="0"/>
+          <a:ext cx="0" cy="0"/>
+          <a:chOff x="0" y="0"/>
+          <a:chExt cx="0" cy="0"/>
+        </a:xfrm>
+      </p:grpSpPr>
+      <p:sp>
+        <p:nvSpPr>
+          <p:cNvPr id="2" name="Title 1"/>
+          <p:cNvSpPr>
+            <a:spLocks noGrp="1"/>
+          </p:cNvSpPr>
+          <p:nvPr>
+            <p:ph type="title"/>
+          </p:nvPr>
+        </p:nvSpPr>
+        <p:spPr/>
+        <p:txBody>
+          <a:bodyPr/>
+          <a:lstStyle/>
+          <a:p>
+            <a:pPr marL="0" lvl="0" indent="0">
+              <a:buNone/>
+            </a:pPr>
+            <a:r>
+              <a:t>Dealing With Outliers</a:t>
+            </a:r>
+          </a:p>
+        </p:txBody>
+      </p:sp>
+      <mc:AlternateContent xmlns:mc="http://schemas.openxmlformats.org/markup-compatibility/2006" xmlns:a14="http://schemas.microsoft.com/office/drawing/2010/main">
+        <mc:Choice Requires="a14">
+          <p:sp>
+            <p:nvSpPr>
+              <p:cNvPr id="3" name="Content Placeholder 2"/>
+              <p:cNvSpPr>
+                <a:spLocks noGrp="1"/>
+              </p:cNvSpPr>
+              <p:nvPr>
+                <p:ph idx="1"/>
+              </p:nvPr>
+            </p:nvSpPr>
+            <p:spPr/>
+            <p:txBody>
+              <a:bodyPr>
+                <a:normAutofit fontScale="92500" lnSpcReduction="10000"/>
+              </a:bodyPr>
+              <a:lstStyle/>
+              <a:p>
+                <a:pPr marL="0" lvl="0" indent="0">
+                  <a:buNone/>
+                </a:pPr>
+                <a:r>
+                  <a:t>What are the properties of the Huber estimator?</a:t>
+                </a:r>
+              </a:p>
+              <a:p>
+                <a:pPr lvl="0"/>
+                <a:r>
+                  <a:t>Influence function is linear near the mean but constant away from the mean</a:t>
+                </a:r>
+              </a:p>
+              <a:p>
+                <a:pPr lvl="1"/>
+                <a:r>
+                  <a:rPr b="1"/>
+                  <a:t>hinge point</a:t>
+                </a:r>
+                <a:r>
+                  <a:t> is at </a:t>
+                </a:r>
+                <a14:m>
+                  <m:oMath xmlns:m="http://schemas.openxmlformats.org/officeDocument/2006/math">
+                    <m:r>
+                      <a:rPr>
+                        <a:latin typeface="Cambria Math" panose="02040503050406030204" pitchFamily="18" charset="0"/>
+                      </a:rPr>
+                      <m:t>±</m:t>
+                    </m:r>
+                    <m:r>
+                      <a:rPr>
+                        <a:latin typeface="Cambria Math" panose="02040503050406030204" pitchFamily="18" charset="0"/>
+                      </a:rPr>
+                      <m:t>𝑡</m:t>
+                    </m:r>
+                    <m:r>
+                      <a:rPr>
+                        <a:latin typeface="Cambria Math" panose="02040503050406030204" pitchFamily="18" charset="0"/>
+                      </a:rPr>
+                      <m:t>∗</m:t>
+                    </m:r>
+                    <m:r>
+                      <a:rPr>
+                        <a:latin typeface="Cambria Math" panose="02040503050406030204" pitchFamily="18" charset="0"/>
+                      </a:rPr>
+                      <m:t>𝑀𝐴𝐷</m:t>
+                    </m:r>
+                  </m:oMath>
+                </a14:m>
+                <a:r>
+                  <a:t>, where </a:t>
+                </a:r>
+                <a14:m>
+                  <m:oMath xmlns:m="http://schemas.openxmlformats.org/officeDocument/2006/math">
+                    <m:r>
+                      <a:rPr>
+                        <a:latin typeface="Cambria Math" panose="02040503050406030204" pitchFamily="18" charset="0"/>
+                      </a:rPr>
+                      <m:t>𝑀𝐴𝐷</m:t>
+                    </m:r>
+                    <m:r>
+                      <a:rPr>
+                        <a:latin typeface="Cambria Math" panose="02040503050406030204" pitchFamily="18" charset="0"/>
+                      </a:rPr>
+                      <m:t>=</m:t>
+                    </m:r>
+                  </m:oMath>
+                </a14:m>
+                <a:r>
+                  <a:t> </a:t>
+                </a:r>
+                <a:r>
+                  <a:rPr b="1"/>
+                  <a:t>median absolute deviation</a:t>
+                </a:r>
+                <a:br/>
+                <a:endParaRPr/>
+              </a:p>
+              <a:p>
+                <a:pPr lvl="1"/>
+                <a:r>
+                  <a:t>Robustness and bias increases as </a:t>
+                </a:r>
+                <a14:m>
+                  <m:oMath xmlns:m="http://schemas.openxmlformats.org/officeDocument/2006/math">
+                    <m:r>
+                      <a:rPr>
+                        <a:latin typeface="Cambria Math" panose="02040503050406030204" pitchFamily="18" charset="0"/>
+                      </a:rPr>
+                      <m:t>𝑡</m:t>
+                    </m:r>
+                  </m:oMath>
+                </a14:m>
+                <a:r>
+                  <a:t> decreases</a:t>
+                </a:r>
+              </a:p>
+              <a:p>
+                <a:pPr lvl="0"/>
+                <a:r>
+                  <a:t>Huber estimator is low bias</a:t>
+                </a:r>
+              </a:p>
+              <a:p>
+                <a:pPr lvl="1"/>
+                <a:r>
+                  <a:t>Unbiased for samples near the point estimate</a:t>
+                </a:r>
+                <a:br/>
+                <a:endParaRPr/>
+              </a:p>
+              <a:p>
+                <a:pPr lvl="1"/>
+                <a:r>
+                  <a:t>Constant influence away from the point estimate</a:t>
+                </a:r>
+              </a:p>
+            </p:txBody>
+          </p:sp>
+        </mc:Choice>
+        <mc:Fallback xmlns="">
+          <p:sp>
+            <p:nvSpPr>
+              <p:cNvPr id="3" name="Content Placeholder 2"/>
+              <p:cNvSpPr>
+                <a:spLocks noGrp="1" noRot="1" noChangeAspect="1" noMove="1" noResize="1" noEditPoints="1" noAdjustHandles="1" noChangeArrowheads="1" noChangeShapeType="1" noTextEdit="1"/>
+              </p:cNvSpPr>
+              <p:nvPr>
+                <p:ph idx="1"/>
+              </p:nvPr>
+            </p:nvSpPr>
+            <p:spPr>
+              <a:blipFill>
+                <a:blip r:embed="rId2"/>
+                <a:stretch>
+                  <a:fillRect l="-963" t="-2334"/>
+                </a:stretch>
+              </a:blipFill>
+            </p:spPr>
+            <p:txBody>
+              <a:bodyPr/>
+              <a:lstStyle/>
+              <a:p>
+                <a:r>
+                  <a:rPr lang="en-US">
+                    <a:noFill/>
+                  </a:rPr>
+                  <a:t> </a:t>
+                </a:r>
+              </a:p>
+            </p:txBody>
+          </p:sp>
+        </mc:Fallback>
+      </mc:AlternateContent>
+      <p:pic>
+        <p:nvPicPr>
+          <p:cNvPr id="4" name="Picture 1" descr="../images/Huber.png"/>
+          <p:cNvPicPr>
+            <a:picLocks noGrp="1" noChangeAspect="1"/>
+          </p:cNvPicPr>
+          <p:nvPr/>
+        </p:nvPicPr>
+        <p:blipFill>
+          <a:blip r:embed="rId3"/>
+          <a:stretch>
+            <a:fillRect/>
+          </a:stretch>
+        </p:blipFill>
+        <p:spPr bwMode="auto">
+          <a:xfrm>
+            <a:off x="1930400" y="1193800"/>
+            <a:ext cx="5270500" cy="2882900"/>
+          </a:xfrm>
+          <a:prstGeom prst="rect">
+            <a:avLst/>
+          </a:prstGeom>
+          <a:noFill/>
+          <a:ln w="9525">
+            <a:noFill/>
+            <a:headEnd/>
+            <a:tailEnd/>
+          </a:ln>
+        </p:spPr>
+      </p:pic>
+      <p:sp>
+        <p:nvSpPr>
+          <p:cNvPr id="5" name="TextBox 3"/>
+          <p:cNvSpPr txBox="1"/>
+          <p:nvPr/>
+        </p:nvSpPr>
+        <p:spPr>
+          <a:xfrm>
+            <a:off x="457200" y="4076700"/>
+            <a:ext cx="8229600" cy="508000"/>
+          </a:xfrm>
+          <a:prstGeom prst="rect">
+            <a:avLst/>
+          </a:prstGeom>
+          <a:noFill/>
+        </p:spPr>
+        <p:txBody>
+          <a:bodyPr/>
+          <a:lstStyle/>
+          <a:p>
+            <a:pPr marL="0" lvl="0" indent="0" algn="ctr">
+              <a:buNone/>
+            </a:pPr>
+            <a:r>
+              <a:t>Influence function of the Huber estimator</a:t>
+            </a:r>
+          </a:p>
+        </p:txBody>
+      </p:sp>
+      <p:sp>
+        <p:nvSpPr>
+          <p:cNvPr id="6" name="Content Placeholder 2"/>
+          <p:cNvSpPr>
+            <a:spLocks noGrp="1"/>
+          </p:cNvSpPr>
+          <p:nvPr>
+            <p:ph idx="1"/>
+          </p:nvPr>
+        </p:nvSpPr>
+        <p:spPr/>
+        <p:txBody>
+          <a:bodyPr/>
+          <a:lstStyle/>
+          <a:p>
+            <a:pPr marL="0" lvl="0" indent="0">
+              <a:buNone/>
+            </a:pPr>
+            <a:r>
+              <a:rPr i="1"/>
+              <a:t>Figure from Hampel, el.al., Robust Statistics, 1986</a:t>
+            </a:r>
+          </a:p>
+        </p:txBody>
+      </p:sp>
+    </p:spTree>
+  </p:cSld>
+  <p:clrMapOvr>
+    <a:masterClrMapping/>
+  </p:clrMapOvr>
+</p:sld>
+</file>
+
+<file path=ppt/slides/slide28.xml><?xml version="1.0" encoding="utf-8"?>
+<p:sld xmlns:a="http://schemas.openxmlformats.org/drawingml/2006/main" xmlns:r="http://schemas.openxmlformats.org/officeDocument/2006/relationships" xmlns:p="http://schemas.openxmlformats.org/presentationml/2006/main">
+  <p:cSld>
+    <p:spTree>
+      <p:nvGrpSpPr>
+        <p:cNvPr id="1" name=""/>
+        <p:cNvGrpSpPr/>
+        <p:nvPr/>
+      </p:nvGrpSpPr>
+      <p:grpSpPr>
+        <a:xfrm>
+          <a:off x="0" y="0"/>
+          <a:ext cx="0" cy="0"/>
+          <a:chOff x="0" y="0"/>
+          <a:chExt cx="0" cy="0"/>
+        </a:xfrm>
+      </p:grpSpPr>
+      <p:sp>
+        <p:nvSpPr>
+          <p:cNvPr id="2" name="Title 1"/>
+          <p:cNvSpPr>
+            <a:spLocks noGrp="1"/>
+          </p:cNvSpPr>
+          <p:nvPr>
+            <p:ph type="title"/>
+          </p:nvPr>
+        </p:nvSpPr>
+        <p:spPr/>
+        <p:txBody>
+          <a:bodyPr/>
+          <a:lstStyle/>
+          <a:p>
+            <a:pPr marL="0" lvl="0" indent="0">
+              <a:buNone/>
+            </a:pPr>
+            <a:r>
+              <a:t>Dealing With Outliers</a:t>
+            </a:r>
+          </a:p>
+        </p:txBody>
+      </p:sp>
+      <mc:AlternateContent xmlns:mc="http://schemas.openxmlformats.org/markup-compatibility/2006" xmlns:a14="http://schemas.microsoft.com/office/drawing/2010/main">
+        <mc:Choice Requires="a14">
+          <p:sp>
+            <p:nvSpPr>
+              <p:cNvPr id="3" name="Content Placeholder 2"/>
+              <p:cNvSpPr>
+                <a:spLocks noGrp="1"/>
+              </p:cNvSpPr>
+              <p:nvPr>
+                <p:ph idx="1"/>
+              </p:nvPr>
+            </p:nvSpPr>
+            <p:spPr/>
+            <p:txBody>
+              <a:bodyPr/>
+              <a:lstStyle/>
+              <a:p>
+                <a:pPr marL="0" lvl="0" indent="0">
+                  <a:buNone/>
+                </a:pPr>
+                <a:r>
+                  <a:rPr b="1"/>
+                  <a:t>M-estimators</a:t>
+                </a:r>
+                <a:r>
+                  <a:t> tapper influence to zero</a:t>
+                </a:r>
+              </a:p>
+              <a:p>
+                <a:pPr lvl="0"/>
+                <a:r>
+                  <a:t>Approximately linear influence near point estimate</a:t>
+                </a:r>
+              </a:p>
+              <a:p>
+                <a:pPr lvl="1"/>
+                <a:r>
+                  <a:t>So nearly unbiased near the point estimate</a:t>
+                </a:r>
+              </a:p>
+              <a:p>
+                <a:pPr lvl="0"/>
+                <a:r>
+                  <a:t>Influence tappers to 0 for extreme outliers</a:t>
+                </a:r>
+              </a:p>
+              <a:p>
+                <a:pPr lvl="0"/>
+                <a:r>
+                  <a:t>An example is </a:t>
+                </a:r>
+                <a:r>
+                  <a:rPr b="1"/>
+                  <a:t>Tukey’s biweight</a:t>
+                </a:r>
+              </a:p>
+              <a:p>
+                <a:pPr lvl="1"/>
+                <a:r>
+                  <a:t>Only a single parameter for biweight function, </a:t>
+                </a:r>
+                <a14:m>
+                  <m:oMath xmlns:m="http://schemas.openxmlformats.org/officeDocument/2006/math">
+                    <m:r>
+                      <a:rPr>
+                        <a:latin typeface="Cambria Math" panose="02040503050406030204" pitchFamily="18" charset="0"/>
+                      </a:rPr>
+                      <m:t>𝑟</m:t>
+                    </m:r>
+                  </m:oMath>
+                </a14:m>
+                <a:br/>
+                <a:endParaRPr/>
+              </a:p>
+              <a:p>
+                <a:pPr lvl="1"/>
+                <a:r>
+                  <a:t>Robustness and bias increase with decreasing </a:t>
+                </a:r>
+                <a14:m>
+                  <m:oMath xmlns:m="http://schemas.openxmlformats.org/officeDocument/2006/math">
+                    <m:r>
+                      <a:rPr>
+                        <a:latin typeface="Cambria Math" panose="02040503050406030204" pitchFamily="18" charset="0"/>
+                      </a:rPr>
+                      <m:t>𝑟</m:t>
+                    </m:r>
+                  </m:oMath>
+                </a14:m>
+                <a:endParaRPr/>
+              </a:p>
+            </p:txBody>
+          </p:sp>
+        </mc:Choice>
+        <mc:Fallback xmlns="">
+          <p:sp>
+            <p:nvSpPr>
+              <p:cNvPr id="3" name="Content Placeholder 2"/>
+              <p:cNvSpPr>
+                <a:spLocks noGrp="1" noRot="1" noChangeAspect="1" noMove="1" noResize="1" noEditPoints="1" noAdjustHandles="1" noChangeArrowheads="1" noChangeShapeType="1" noTextEdit="1"/>
+              </p:cNvSpPr>
+              <p:nvPr>
+                <p:ph idx="1"/>
+              </p:nvPr>
+            </p:nvSpPr>
+            <p:spPr>
+              <a:blipFill>
+                <a:blip r:embed="rId2"/>
+                <a:stretch>
+                  <a:fillRect l="-1111" t="-1436"/>
+                </a:stretch>
+              </a:blipFill>
+            </p:spPr>
+            <p:txBody>
+              <a:bodyPr/>
+              <a:lstStyle/>
+              <a:p>
+                <a:r>
+                  <a:rPr lang="en-US">
+                    <a:noFill/>
+                  </a:rPr>
+                  <a:t> </a:t>
+                </a:r>
+              </a:p>
+            </p:txBody>
+          </p:sp>
+        </mc:Fallback>
+      </mc:AlternateContent>
+      <p:pic>
+        <p:nvPicPr>
+          <p:cNvPr id="4" name="Picture 1" descr="../images/TukeysBiweight.png"/>
+          <p:cNvPicPr>
+            <a:picLocks noGrp="1" noChangeAspect="1"/>
+          </p:cNvPicPr>
+          <p:nvPr/>
+        </p:nvPicPr>
+        <p:blipFill>
+          <a:blip r:embed="rId3"/>
+          <a:stretch>
+            <a:fillRect/>
+          </a:stretch>
+        </p:blipFill>
+        <p:spPr bwMode="auto">
+          <a:xfrm>
+            <a:off x="1485900" y="1193800"/>
+            <a:ext cx="6172200" cy="2882900"/>
+          </a:xfrm>
+          <a:prstGeom prst="rect">
+            <a:avLst/>
+          </a:prstGeom>
+          <a:noFill/>
+          <a:ln w="9525">
+            <a:noFill/>
+            <a:headEnd/>
+            <a:tailEnd/>
+          </a:ln>
+        </p:spPr>
+      </p:pic>
+      <p:sp>
+        <p:nvSpPr>
+          <p:cNvPr id="5" name="TextBox 3"/>
+          <p:cNvSpPr txBox="1"/>
+          <p:nvPr/>
+        </p:nvSpPr>
+        <p:spPr>
+          <a:xfrm>
+            <a:off x="457200" y="4076700"/>
+            <a:ext cx="8229600" cy="508000"/>
+          </a:xfrm>
+          <a:prstGeom prst="rect">
+            <a:avLst/>
+          </a:prstGeom>
+          <a:noFill/>
+        </p:spPr>
+        <p:txBody>
+          <a:bodyPr/>
+          <a:lstStyle/>
+          <a:p>
+            <a:pPr marL="0" lvl="0" indent="0" algn="ctr">
+              <a:buNone/>
+            </a:pPr>
+            <a:r>
+              <a:t>Influence function of the Tukey’s Biweight M-estimator</a:t>
+            </a:r>
+          </a:p>
+        </p:txBody>
+      </p:sp>
+      <p:sp>
+        <p:nvSpPr>
+          <p:cNvPr id="6" name="Content Placeholder 2"/>
+          <p:cNvSpPr>
+            <a:spLocks noGrp="1"/>
+          </p:cNvSpPr>
+          <p:nvPr>
+            <p:ph idx="1"/>
+          </p:nvPr>
+        </p:nvSpPr>
+        <p:spPr/>
+        <p:txBody>
+          <a:bodyPr/>
+          <a:lstStyle/>
+          <a:p>
+            <a:pPr marL="0" lvl="0" indent="0">
+              <a:buNone/>
+            </a:pPr>
+            <a:r>
+              <a:rPr i="1"/>
+              <a:t>Figure from Hampel, el.al., Robust Statistics, 1986</a:t>
+            </a:r>
+          </a:p>
+        </p:txBody>
+      </p:sp>
+    </p:spTree>
+  </p:cSld>
+  <p:clrMapOvr>
+    <a:masterClrMapping/>
+  </p:clrMapOvr>
+</p:sld>
+</file>
+
+<file path=ppt/slides/slide29.xml><?xml version="1.0" encoding="utf-8"?>
+<p:sld xmlns:a="http://schemas.openxmlformats.org/drawingml/2006/main" xmlns:r="http://schemas.openxmlformats.org/officeDocument/2006/relationships" xmlns:p="http://schemas.openxmlformats.org/presentationml/2006/main">
+  <p:cSld>
+    <p:spTree>
+      <p:nvGrpSpPr>
+        <p:cNvPr id="1" name=""/>
+        <p:cNvGrpSpPr/>
+        <p:nvPr/>
+      </p:nvGrpSpPr>
+      <p:grpSpPr>
+        <a:xfrm>
+          <a:off x="0" y="0"/>
+          <a:ext cx="0" cy="0"/>
+          <a:chOff x="0" y="0"/>
+          <a:chExt cx="0" cy="0"/>
+        </a:xfrm>
+      </p:grpSpPr>
+      <p:sp>
+        <p:nvSpPr>
+          <p:cNvPr id="2" name="Title 1"/>
+          <p:cNvSpPr>
+            <a:spLocks noGrp="1"/>
+          </p:cNvSpPr>
+          <p:nvPr>
+            <p:ph type="title"/>
+          </p:nvPr>
+        </p:nvSpPr>
+        <p:spPr>
+          <a:xfrm>
+            <a:off x="457201" y="204787"/>
+            <a:ext cx="3008313" cy="871538"/>
+          </a:xfrm>
+        </p:spPr>
+        <p:txBody>
+          <a:bodyPr/>
+          <a:lstStyle/>
+          <a:p>
+            <a:pPr marL="0" lvl="0" indent="0">
+              <a:buNone/>
+            </a:pPr>
+            <a:r>
+              <a:t>Dealing With Outliers</a:t>
+            </a:r>
+          </a:p>
+        </p:txBody>
+      </p:sp>
+      <p:sp>
+        <p:nvSpPr>
+          <p:cNvPr id="4" name="Text Placeholder 3"/>
+          <p:cNvSpPr>
+            <a:spLocks noGrp="1"/>
+          </p:cNvSpPr>
+          <p:nvPr>
+            <p:ph type="body" sz="half" idx="2"/>
+          </p:nvPr>
+        </p:nvSpPr>
+        <p:spPr/>
+        <p:txBody>
+          <a:bodyPr/>
+          <a:lstStyle/>
+          <a:p>
+            <a:pPr marL="0" lvl="0" indent="0">
+              <a:buNone/>
+            </a:pPr>
+            <a:r>
+              <a:t>Example: regression with Huber loss function</a:t>
+            </a:r>
+          </a:p>
+          <a:p>
+            <a:pPr lvl="0" indent="0">
+              <a:buNone/>
+            </a:pPr>
+            <a:r>
+              <a:rPr i="1">
+                <a:solidFill>
+                  <a:srgbClr val="60A0B0"/>
+                </a:solidFill>
+                <a:latin typeface="Courier"/>
+              </a:rPr>
+              <a:t>## Define the robust regression model and fit it to the data</a:t>
+            </a:r>
+            <a:br/>
+            <a:r>
+              <a:rPr>
+                <a:latin typeface="Courier"/>
+              </a:rPr>
+              <a:t>ols_model_huber </a:t>
+            </a:r>
+            <a:r>
+              <a:rPr>
+                <a:solidFill>
+                  <a:srgbClr val="666666"/>
+                </a:solidFill>
+                <a:latin typeface="Courier"/>
+              </a:rPr>
+              <a:t>=</a:t>
+            </a:r>
+            <a:r>
+              <a:rPr>
+                <a:latin typeface="Courier"/>
+              </a:rPr>
+              <a:t> smf.rlm(formula </a:t>
+            </a:r>
+            <a:r>
+              <a:rPr>
+                <a:solidFill>
+                  <a:srgbClr val="666666"/>
+                </a:solidFill>
+                <a:latin typeface="Courier"/>
+              </a:rPr>
+              <a:t>=</a:t>
+            </a:r>
+            <a:r>
+              <a:rPr>
+                <a:solidFill>
+                  <a:srgbClr val="4070A0"/>
+                </a:solidFill>
+                <a:latin typeface="Courier"/>
+              </a:rPr>
+              <a:t>'y~x'</a:t>
+            </a:r>
+            <a:r>
+              <a:rPr>
+                <a:latin typeface="Courier"/>
+              </a:rPr>
+              <a:t>, data </a:t>
+            </a:r>
+            <a:r>
+              <a:rPr>
+                <a:solidFill>
+                  <a:srgbClr val="666666"/>
+                </a:solidFill>
+                <a:latin typeface="Courier"/>
+              </a:rPr>
+              <a:t>=</a:t>
+            </a:r>
+            <a:r>
+              <a:rPr>
+                <a:latin typeface="Courier"/>
+              </a:rPr>
+              <a:t> sim_data_ol).fit()</a:t>
+            </a:r>
+            <a:br/>
+            <a:r>
+              <a:rPr i="1">
+                <a:solidFill>
+                  <a:srgbClr val="60A0B0"/>
+                </a:solidFill>
+                <a:latin typeface="Courier"/>
+              </a:rPr>
+              <a:t># Add predicted to pandas data frame</a:t>
+            </a:r>
+            <a:br/>
+            <a:r>
+              <a:rPr>
+                <a:latin typeface="Courier"/>
+              </a:rPr>
+              <a:t>sim_data_ol[</a:t>
+            </a:r>
+            <a:r>
+              <a:rPr>
+                <a:solidFill>
+                  <a:srgbClr val="4070A0"/>
+                </a:solidFill>
+                <a:latin typeface="Courier"/>
+              </a:rPr>
+              <a:t>'predicted_huber'</a:t>
+            </a:r>
+            <a:r>
+              <a:rPr>
+                <a:latin typeface="Courier"/>
+              </a:rPr>
+              <a:t>] </a:t>
+            </a:r>
+            <a:r>
+              <a:rPr>
+                <a:solidFill>
+                  <a:srgbClr val="666666"/>
+                </a:solidFill>
+                <a:latin typeface="Courier"/>
+              </a:rPr>
+              <a:t>=</a:t>
+            </a:r>
+            <a:r>
+              <a:rPr>
+                <a:latin typeface="Courier"/>
+              </a:rPr>
+              <a:t> ols_model_huber.predict(sim_data_ol.x)</a:t>
+            </a:r>
+            <a:br/>
+            <a:r>
+              <a:rPr i="1">
+                <a:solidFill>
+                  <a:srgbClr val="60A0B0"/>
+                </a:solidFill>
+                <a:latin typeface="Courier"/>
+              </a:rPr>
+              <a:t>## Display sumamry</a:t>
+            </a:r>
+            <a:br/>
+            <a:r>
+              <a:rPr>
+                <a:latin typeface="Courier"/>
+              </a:rPr>
+              <a:t>ols_model_huber.summary()</a:t>
+            </a:r>
+          </a:p>
+        </p:txBody>
+      </p:sp>
+      <p:pic>
+        <p:nvPicPr>
+          <p:cNvPr id="3" name="Picture 1" descr="08_IntroductionToLinearModels_files/figure-pptx/unnamed-chunk-25-1.png"/>
+          <p:cNvPicPr>
+            <a:picLocks noGrp="1" noChangeAspect="1"/>
+          </p:cNvPicPr>
+          <p:nvPr/>
+        </p:nvPicPr>
+        <p:blipFill>
+          <a:blip r:embed="rId2"/>
+          <a:stretch>
+            <a:fillRect/>
+          </a:stretch>
+        </p:blipFill>
+        <p:spPr bwMode="auto">
+          <a:xfrm>
+            <a:off x="3568700" y="355600"/>
+            <a:ext cx="5105400" cy="4089400"/>
+          </a:xfrm>
+          <a:prstGeom prst="rect">
+            <a:avLst/>
+          </a:prstGeom>
+          <a:noFill/>
+          <a:ln w="9525">
+            <a:noFill/>
+            <a:headEnd/>
+            <a:tailEnd/>
+          </a:ln>
+        </p:spPr>
+      </p:pic>
+    </p:spTree>
+  </p:cSld>
+  <p:clrMapOvr>
+    <a:masterClrMapping/>
+  </p:clrMapOvr>
+</p:sld>
+</file>
+
+<file path=ppt/slides/slide3.xml><?xml version="1.0" encoding="utf-8"?>
+<p:sld xmlns:a="http://schemas.openxmlformats.org/drawingml/2006/main" xmlns:r="http://schemas.openxmlformats.org/officeDocument/2006/relationships" xmlns:p="http://schemas.openxmlformats.org/presentationml/2006/main">
+  <p:cSld>
+    <p:spTree>
+      <p:nvGrpSpPr>
+        <p:cNvPr id="1" name="">
+          <a:extLst>
+            <a:ext uri="{FF2B5EF4-FFF2-40B4-BE49-F238E27FC236}">
+              <a16:creationId xmlns:a16="http://schemas.microsoft.com/office/drawing/2014/main" id="{217CC54D-A93E-7DF0-F2EC-6036421943BA}"/>
+            </a:ext>
+          </a:extLst>
+        </p:cNvPr>
+        <p:cNvGrpSpPr/>
+        <p:nvPr/>
+      </p:nvGrpSpPr>
+      <p:grpSpPr>
+        <a:xfrm>
+          <a:off x="0" y="0"/>
+          <a:ext cx="0" cy="0"/>
+          <a:chOff x="0" y="0"/>
+          <a:chExt cx="0" cy="0"/>
+        </a:xfrm>
+      </p:grpSpPr>
+      <p:sp>
+        <p:nvSpPr>
+          <p:cNvPr id="2" name="Title 1">
+            <a:extLst>
+              <a:ext uri="{FF2B5EF4-FFF2-40B4-BE49-F238E27FC236}">
+                <a16:creationId xmlns:a16="http://schemas.microsoft.com/office/drawing/2014/main" id="{3B05EEC6-D606-BDA0-212E-8D3ADDACF228}"/>
+              </a:ext>
+            </a:extLst>
+          </p:cNvPr>
+          <p:cNvSpPr>
+            <a:spLocks noGrp="1"/>
+          </p:cNvSpPr>
+          <p:nvPr>
+            <p:ph type="title"/>
+          </p:nvPr>
+        </p:nvSpPr>
+        <p:spPr/>
+        <p:txBody>
+          <a:bodyPr/>
+          <a:lstStyle/>
+          <a:p>
+            <a:pPr marL="0" lvl="0" indent="0">
+              <a:buNone/>
+            </a:pPr>
+            <a:r>
+              <a:rPr lang="en-US" dirty="0"/>
+              <a:t>Introduction</a:t>
+            </a:r>
+            <a:endParaRPr dirty="0"/>
+          </a:p>
+        </p:txBody>
+      </p:sp>
+      <p:sp>
+        <p:nvSpPr>
+          <p:cNvPr id="3" name="Content Placeholder 2">
+            <a:extLst>
+              <a:ext uri="{FF2B5EF4-FFF2-40B4-BE49-F238E27FC236}">
+                <a16:creationId xmlns:a16="http://schemas.microsoft.com/office/drawing/2014/main" id="{07854A8C-8365-5A51-A4BD-48F8386E8528}"/>
+              </a:ext>
+            </a:extLst>
+          </p:cNvPr>
+          <p:cNvSpPr>
+            <a:spLocks noGrp="1"/>
+          </p:cNvSpPr>
+          <p:nvPr>
+            <p:ph idx="1"/>
+          </p:nvPr>
+        </p:nvSpPr>
+        <p:spPr/>
+        <p:txBody>
+          <a:bodyPr>
+            <a:normAutofit fontScale="85000" lnSpcReduction="20000"/>
+          </a:bodyPr>
+          <a:lstStyle/>
+          <a:p>
+            <a:pPr marL="0" lvl="0" indent="0">
+              <a:buNone/>
+            </a:pPr>
+            <a:r>
+              <a:rPr lang="en-US" dirty="0"/>
+              <a:t>Several commonly encountered data problems create problems for OLS and GLM models</a:t>
+            </a:r>
+            <a:endParaRPr dirty="0"/>
+          </a:p>
+          <a:p>
+            <a:pPr lvl="0"/>
+            <a:r>
+              <a:rPr lang="en-US" b="1" dirty="0"/>
+              <a:t>Zero inflated response variables </a:t>
+            </a:r>
+            <a:r>
+              <a:rPr lang="en-US" dirty="0"/>
+              <a:t>have an unusual number of zero values   </a:t>
+            </a:r>
+          </a:p>
+          <a:p>
+            <a:pPr lvl="1"/>
+            <a:r>
+              <a:rPr lang="en-US" dirty="0"/>
+              <a:t>Use a </a:t>
+            </a:r>
+            <a:r>
+              <a:rPr lang="en-US" b="1" dirty="0"/>
+              <a:t>mixture model </a:t>
+            </a:r>
+            <a:r>
+              <a:rPr lang="en-US" dirty="0"/>
+              <a:t>to switch between a binomial and another distribution</a:t>
+            </a:r>
+          </a:p>
+          <a:p>
+            <a:pPr lvl="0"/>
+            <a:r>
+              <a:rPr lang="en-US" b="1" dirty="0"/>
+              <a:t>Over-dispersed response variables </a:t>
+            </a:r>
+            <a:r>
+              <a:rPr lang="en-US" dirty="0"/>
+              <a:t>have a long (typically right) tail </a:t>
+            </a:r>
+          </a:p>
+          <a:p>
+            <a:pPr lvl="1"/>
+            <a:r>
+              <a:rPr lang="en-US" dirty="0"/>
+              <a:t>Apply models with distributions and mixtures that account for large low probability responses </a:t>
+            </a:r>
+          </a:p>
+          <a:p>
+            <a:pPr lvl="0"/>
+            <a:r>
+              <a:rPr lang="en-US" b="1" dirty="0"/>
+              <a:t>Outliers in independent variables </a:t>
+            </a:r>
+            <a:r>
+              <a:rPr lang="en-US" dirty="0"/>
+              <a:t>have an undue influence on OLS and GLM models </a:t>
+            </a:r>
+          </a:p>
+          <a:p>
+            <a:pPr lvl="1"/>
+            <a:r>
+              <a:rPr lang="en-US" dirty="0"/>
+              <a:t>Robust regression models </a:t>
+            </a:r>
+            <a:r>
+              <a:rPr lang="en-US" b="1" dirty="0"/>
+              <a:t>limit the influence of outliers </a:t>
+            </a:r>
+            <a:r>
+              <a:rPr lang="en-US" dirty="0"/>
+              <a:t>on the response </a:t>
+            </a:r>
+          </a:p>
+          <a:p>
+            <a:pPr lvl="0"/>
+            <a:r>
+              <a:rPr lang="en-US" dirty="0"/>
+              <a:t>We can extend the OLS and GLM frameworks to deal with these situations  </a:t>
+            </a:r>
+            <a:endParaRPr dirty="0"/>
+          </a:p>
+        </p:txBody>
+      </p:sp>
+    </p:spTree>
+    <p:extLst>
+      <p:ext uri="{BB962C8B-B14F-4D97-AF65-F5344CB8AC3E}">
+        <p14:creationId xmlns:p14="http://schemas.microsoft.com/office/powerpoint/2010/main" val="487459844"/>
+      </p:ext>
+    </p:extLst>
+  </p:cSld>
+  <p:clrMapOvr>
+    <a:masterClrMapping/>
+  </p:clrMapOvr>
+</p:sld>
+</file>
+
+<file path=ppt/slides/slide30.xml><?xml version="1.0" encoding="utf-8"?>
+<p:sld xmlns:a="http://schemas.openxmlformats.org/drawingml/2006/main" xmlns:r="http://schemas.openxmlformats.org/officeDocument/2006/relationships" xmlns:p="http://schemas.openxmlformats.org/presentationml/2006/main">
+  <p:cSld>
+    <p:spTree>
+      <p:nvGrpSpPr>
+        <p:cNvPr id="1" name=""/>
+        <p:cNvGrpSpPr/>
+        <p:nvPr/>
+      </p:nvGrpSpPr>
+      <p:grpSpPr>
+        <a:xfrm>
+          <a:off x="0" y="0"/>
+          <a:ext cx="0" cy="0"/>
+          <a:chOff x="0" y="0"/>
+          <a:chExt cx="0" cy="0"/>
+        </a:xfrm>
+      </p:grpSpPr>
+      <p:sp>
+        <p:nvSpPr>
+          <p:cNvPr id="2" name="Title 1"/>
+          <p:cNvSpPr>
+            <a:spLocks noGrp="1"/>
+          </p:cNvSpPr>
+          <p:nvPr>
+            <p:ph type="title"/>
+          </p:nvPr>
+        </p:nvSpPr>
+        <p:spPr>
+          <a:xfrm>
+            <a:off x="457201" y="204787"/>
+            <a:ext cx="3008313" cy="871538"/>
+          </a:xfrm>
+        </p:spPr>
+        <p:txBody>
+          <a:bodyPr/>
+          <a:lstStyle/>
+          <a:p>
+            <a:pPr marL="0" lvl="0" indent="0">
+              <a:buNone/>
+            </a:pPr>
+            <a:r>
+              <a:t>Dealing With Outliers</a:t>
+            </a:r>
+          </a:p>
+        </p:txBody>
+      </p:sp>
+      <p:sp>
+        <p:nvSpPr>
+          <p:cNvPr id="4" name="Text Placeholder 3"/>
+          <p:cNvSpPr>
+            <a:spLocks noGrp="1"/>
+          </p:cNvSpPr>
+          <p:nvPr>
+            <p:ph type="body" sz="half" idx="2"/>
+          </p:nvPr>
+        </p:nvSpPr>
+        <p:spPr/>
+        <p:txBody>
+          <a:bodyPr/>
+          <a:lstStyle/>
+          <a:p>
+            <a:pPr marL="0" lvl="0" indent="0">
+              <a:buNone/>
+            </a:pPr>
+            <a:r>
+              <a:t>Example: regression with Huber loss function</a:t>
+            </a:r>
+          </a:p>
+        </p:txBody>
+      </p:sp>
+      <p:pic>
+        <p:nvPicPr>
+          <p:cNvPr id="3" name="Picture 1" descr="08_IntroductionToLinearModels_files/figure-pptx/unnamed-chunk-26-3.png"/>
+          <p:cNvPicPr>
+            <a:picLocks noGrp="1" noChangeAspect="1"/>
+          </p:cNvPicPr>
+          <p:nvPr/>
+        </p:nvPicPr>
+        <p:blipFill>
+          <a:blip r:embed="rId2"/>
+          <a:stretch>
+            <a:fillRect/>
+          </a:stretch>
+        </p:blipFill>
+        <p:spPr bwMode="auto">
+          <a:xfrm>
+            <a:off x="3568700" y="266700"/>
+            <a:ext cx="5105400" cy="4254500"/>
+          </a:xfrm>
+          <a:prstGeom prst="rect">
+            <a:avLst/>
+          </a:prstGeom>
+          <a:noFill/>
+          <a:ln w="9525">
+            <a:noFill/>
+            <a:headEnd/>
+            <a:tailEnd/>
+          </a:ln>
+        </p:spPr>
+      </p:pic>
+    </p:spTree>
+  </p:cSld>
+  <p:clrMapOvr>
+    <a:masterClrMapping/>
+  </p:clrMapOvr>
+</p:sld>
+</file>
+
+<file path=ppt/slides/slide31.xml><?xml version="1.0" encoding="utf-8"?>
+<p:sld xmlns:a="http://schemas.openxmlformats.org/drawingml/2006/main" xmlns:r="http://schemas.openxmlformats.org/officeDocument/2006/relationships" xmlns:p="http://schemas.openxmlformats.org/presentationml/2006/main">
+  <p:cSld>
+    <p:spTree>
+      <p:nvGrpSpPr>
+        <p:cNvPr id="1" name=""/>
+        <p:cNvGrpSpPr/>
+        <p:nvPr/>
+      </p:nvGrpSpPr>
+      <p:grpSpPr>
+        <a:xfrm>
+          <a:off x="0" y="0"/>
+          <a:ext cx="0" cy="0"/>
+          <a:chOff x="0" y="0"/>
+          <a:chExt cx="0" cy="0"/>
+        </a:xfrm>
+      </p:grpSpPr>
+      <p:sp>
+        <p:nvSpPr>
+          <p:cNvPr id="3" name="Content Placeholder 2"/>
+          <p:cNvSpPr>
+            <a:spLocks noGrp="1"/>
+          </p:cNvSpPr>
+          <p:nvPr>
+            <p:ph idx="1"/>
+          </p:nvPr>
+        </p:nvSpPr>
+        <p:spPr/>
+        <p:txBody>
+          <a:bodyPr/>
+          <a:lstStyle/>
+          <a:p>
+            <a:pPr marL="0" lvl="0" indent="0">
+              <a:buNone/>
+            </a:pPr>
+            <a:endParaRPr/>
+          </a:p>
+          <a:p>
+            <a:pPr marL="0" lvl="0" indent="0">
+              <a:buNone/>
+            </a:pPr>
+            <a:r>
+              <a:t>Notice the different slope for the regression with Huber loss</a:t>
+            </a:r>
+          </a:p>
+        </p:txBody>
+      </p:sp>
+    </p:spTree>
+  </p:cSld>
+  <p:clrMapOvr>
+    <a:masterClrMapping/>
+  </p:clrMapOvr>
+</p:sld>
+</file>
+
+<file path=ppt/slides/slide32.xml><?xml version="1.0" encoding="utf-8"?>
+<p:sld xmlns:a="http://schemas.openxmlformats.org/drawingml/2006/main" xmlns:r="http://schemas.openxmlformats.org/officeDocument/2006/relationships" xmlns:p="http://schemas.openxmlformats.org/presentationml/2006/main">
+  <p:cSld>
+    <p:spTree>
+      <p:nvGrpSpPr>
+        <p:cNvPr id="1" name=""/>
+        <p:cNvGrpSpPr/>
+        <p:nvPr/>
+      </p:nvGrpSpPr>
+      <p:grpSpPr>
+        <a:xfrm>
+          <a:off x="0" y="0"/>
+          <a:ext cx="0" cy="0"/>
+          <a:chOff x="0" y="0"/>
+          <a:chExt cx="0" cy="0"/>
+        </a:xfrm>
+      </p:grpSpPr>
+      <p:sp>
+        <p:nvSpPr>
+          <p:cNvPr id="2" name="Title 1"/>
+          <p:cNvSpPr>
+            <a:spLocks noGrp="1"/>
+          </p:cNvSpPr>
+          <p:nvPr>
+            <p:ph type="title"/>
+          </p:nvPr>
+        </p:nvSpPr>
+        <p:spPr/>
+        <p:txBody>
+          <a:bodyPr/>
+          <a:lstStyle/>
+          <a:p>
+            <a:pPr marL="0" lvl="0" indent="0">
+              <a:buNone/>
+            </a:pPr>
+            <a:r>
+              <a:t>Summary</a:t>
+            </a:r>
+          </a:p>
+        </p:txBody>
+      </p:sp>
+      <p:sp>
+        <p:nvSpPr>
+          <p:cNvPr id="3" name="Content Placeholder 2"/>
+          <p:cNvSpPr>
+            <a:spLocks noGrp="1"/>
+          </p:cNvSpPr>
+          <p:nvPr>
+            <p:ph idx="1"/>
+          </p:nvPr>
+        </p:nvSpPr>
+        <p:spPr/>
+        <p:txBody>
+          <a:bodyPr>
+            <a:normAutofit fontScale="92500"/>
+          </a:bodyPr>
+          <a:lstStyle/>
+          <a:p>
+            <a:pPr marL="0" lvl="0" indent="0">
+              <a:buNone/>
+            </a:pPr>
+            <a:r>
+              <a:t>Linear models are a flexible and widely used class of models</a:t>
+            </a:r>
+          </a:p>
+          <a:p>
+            <a:pPr lvl="0"/>
+            <a:r>
+              <a:t>Fit model coefficients by </a:t>
+            </a:r>
+            <a:r>
+              <a:rPr b="1"/>
+              <a:t>least squares</a:t>
+            </a:r>
+            <a:r>
+              <a:t> estimation</a:t>
+            </a:r>
+          </a:p>
+          <a:p>
+            <a:pPr lvl="0"/>
+            <a:r>
+              <a:t>Can use many types of predictor variables</a:t>
+            </a:r>
+          </a:p>
+          <a:p>
+            <a:pPr lvl="0"/>
+            <a:r>
+              <a:t>SGD and L-FBGS algorithms allow massive scaling of linear models</a:t>
+            </a:r>
+          </a:p>
+          <a:p>
+            <a:pPr lvl="0"/>
+            <a:r>
+              <a:t>We prefer the simplest model that does a reasonable job</a:t>
+            </a:r>
+          </a:p>
+          <a:p>
+            <a:pPr lvl="1"/>
+            <a:r>
+              <a:t>The principle of </a:t>
+            </a:r>
+            <a:r>
+              <a:rPr b="1"/>
+              <a:t>Occam’s razor</a:t>
+            </a:r>
+          </a:p>
+          <a:p>
+            <a:pPr lvl="0"/>
+            <a:r>
+              <a:t>Must consider the </a:t>
+            </a:r>
+            <a:r>
+              <a:rPr b="1"/>
+              <a:t>bias-variance trade-off</a:t>
+            </a:r>
+          </a:p>
+          <a:p>
+            <a:pPr lvl="0"/>
+            <a:r>
+              <a:t>Use robust methods if outliers are present</a:t>
+            </a:r>
+          </a:p>
+        </p:txBody>
+      </p:sp>
+    </p:spTree>
+  </p:cSld>
+  <p:clrMapOvr>
+    <a:masterClrMapping/>
+  </p:clrMapOvr>
+</p:sld>
+</file>
+
+<file path=ppt/slides/slide33.xml><?xml version="1.0" encoding="utf-8"?>
+<p:sld xmlns:a="http://schemas.openxmlformats.org/drawingml/2006/main" xmlns:r="http://schemas.openxmlformats.org/officeDocument/2006/relationships" xmlns:p="http://schemas.openxmlformats.org/presentationml/2006/main">
+  <p:cSld>
+    <p:spTree>
+      <p:nvGrpSpPr>
+        <p:cNvPr id="1" name=""/>
+        <p:cNvGrpSpPr/>
+        <p:nvPr/>
+      </p:nvGrpSpPr>
+      <p:grpSpPr>
+        <a:xfrm>
+          <a:off x="0" y="0"/>
+          <a:ext cx="0" cy="0"/>
+          <a:chOff x="0" y="0"/>
+          <a:chExt cx="0" cy="0"/>
+        </a:xfrm>
+      </p:grpSpPr>
+      <p:sp>
+        <p:nvSpPr>
+          <p:cNvPr id="2" name="Title 1"/>
+          <p:cNvSpPr>
+            <a:spLocks noGrp="1"/>
+          </p:cNvSpPr>
+          <p:nvPr>
+            <p:ph type="title"/>
+          </p:nvPr>
+        </p:nvSpPr>
+        <p:spPr/>
+        <p:txBody>
+          <a:bodyPr/>
+          <a:lstStyle/>
+          <a:p>
+            <a:pPr marL="0" lvl="0" indent="0">
+              <a:buNone/>
+            </a:pPr>
+            <a:r>
+              <a:t>Summary</a:t>
+            </a:r>
+          </a:p>
+        </p:txBody>
+      </p:sp>
+      <mc:AlternateContent xmlns:mc="http://schemas.openxmlformats.org/markup-compatibility/2006" xmlns:a14="http://schemas.microsoft.com/office/drawing/2010/main">
+        <mc:Choice Requires="a14">
+          <p:sp>
+            <p:nvSpPr>
+              <p:cNvPr id="3" name="Content Placeholder 2"/>
+              <p:cNvSpPr>
+                <a:spLocks noGrp="1"/>
+              </p:cNvSpPr>
+              <p:nvPr>
+                <p:ph idx="1"/>
+              </p:nvPr>
+            </p:nvSpPr>
+            <p:spPr/>
+            <p:txBody>
+              <a:bodyPr>
+                <a:normAutofit fontScale="92500" lnSpcReduction="10000"/>
+              </a:bodyPr>
+              <a:lstStyle/>
+              <a:p>
+                <a:pPr marL="0" lvl="0" indent="0">
+                  <a:buNone/>
+                </a:pPr>
+                <a:r>
+                  <a:t>When evaluating any machine learning model consider </a:t>
+                </a:r>
+                <a:r>
+                  <a:rPr b="1"/>
+                  <a:t>all evaluation methods available</a:t>
+                </a:r>
+              </a:p>
+              <a:p>
+                <a:pPr lvl="0"/>
+                <a:r>
+                  <a:t>No one method best all of the time</a:t>
+                </a:r>
+              </a:p>
+              <a:p>
+                <a:pPr lvl="1"/>
+                <a:r>
+                  <a:t>Homoskedastic Normally distributed residuals</a:t>
+                </a:r>
+                <a:br/>
+                <a:endParaRPr/>
+              </a:p>
+              <a:p>
+                <a:pPr lvl="1"/>
+                <a:r>
+                  <a:t>Reasonable values </a:t>
+                </a:r>
+                <a14:m>
+                  <m:oMath xmlns:m="http://schemas.openxmlformats.org/officeDocument/2006/math">
+                    <m:sSup>
+                      <m:sSupPr>
+                        <m:ctrlPr>
+                          <a:rPr i="1">
+                            <a:latin typeface="Cambria Math" panose="02040503050406030204" pitchFamily="18" charset="0"/>
+                          </a:rPr>
+                        </m:ctrlPr>
+                      </m:sSupPr>
+                      <m:e>
+                        <m:r>
+                          <a:rPr>
+                            <a:latin typeface="Cambria Math" panose="02040503050406030204" pitchFamily="18" charset="0"/>
+                          </a:rPr>
+                          <m:t>𝑅</m:t>
+                        </m:r>
+                      </m:e>
+                      <m:sup>
+                        <m:r>
+                          <a:rPr>
+                            <a:latin typeface="Cambria Math" panose="02040503050406030204" pitchFamily="18" charset="0"/>
+                          </a:rPr>
+                          <m:t>2</m:t>
+                        </m:r>
+                      </m:sup>
+                    </m:sSup>
+                  </m:oMath>
+                </a14:m>
+                <a:r>
+                  <a:t>, RMSE, etc</a:t>
+                </a:r>
+              </a:p>
+              <a:p>
+                <a:pPr lvl="1"/>
+                <a:r>
+                  <a:t>Are the model coefficients all significant?</a:t>
+                </a:r>
+              </a:p>
+              <a:p>
+                <a:pPr lvl="0"/>
+                <a:r>
+                  <a:rPr b="1"/>
+                  <a:t>Different methods highlight different problems</a:t>
+                </a:r>
+                <a:r>
+                  <a:t> with your model</a:t>
+                </a:r>
+              </a:p>
+              <a:p>
+                <a:pPr lvl="0"/>
+                <a:r>
+                  <a:t>Don’t forget to check that the </a:t>
+                </a:r>
+                <a:r>
+                  <a:rPr b="1"/>
+                  <a:t>model must make sense</a:t>
+                </a:r>
+                <a:r>
+                  <a:t> for your application!</a:t>
+                </a:r>
+              </a:p>
+            </p:txBody>
+          </p:sp>
+        </mc:Choice>
+        <mc:Fallback xmlns="">
+          <p:sp>
+            <p:nvSpPr>
+              <p:cNvPr id="3" name="Content Placeholder 2"/>
+              <p:cNvSpPr>
+                <a:spLocks noGrp="1" noRot="1" noChangeAspect="1" noMove="1" noResize="1" noEditPoints="1" noAdjustHandles="1" noChangeArrowheads="1" noChangeShapeType="1" noTextEdit="1"/>
+              </p:cNvSpPr>
+              <p:nvPr>
+                <p:ph idx="1"/>
+              </p:nvPr>
+            </p:nvSpPr>
+            <p:spPr>
+              <a:blipFill>
+                <a:blip r:embed="rId2"/>
+                <a:stretch>
+                  <a:fillRect l="-963" t="-2334" b="-1257"/>
+                </a:stretch>
+              </a:blipFill>
+            </p:spPr>
+            <p:txBody>
+              <a:bodyPr/>
+              <a:lstStyle/>
+              <a:p>
+                <a:r>
+                  <a:rPr lang="en-US">
+                    <a:noFill/>
+                  </a:rPr>
+                  <a:t> </a:t>
+                </a:r>
+              </a:p>
+            </p:txBody>
+          </p:sp>
+        </mc:Fallback>
+      </mc:AlternateContent>
+    </p:spTree>
+  </p:cSld>
+  <p:clrMapOvr>
+    <a:masterClrMapping/>
+  </p:clrMapOvr>
+</p:sld>
+</file>
+
+<file path=ppt/slides/slide4.xml><?xml version="1.0" encoding="utf-8"?>
+<p:sld xmlns:a="http://schemas.openxmlformats.org/drawingml/2006/main" xmlns:r="http://schemas.openxmlformats.org/officeDocument/2006/relationships" xmlns:p="http://schemas.openxmlformats.org/presentationml/2006/main">
+  <p:cSld>
+    <p:spTree>
+      <p:nvGrpSpPr>
+        <p:cNvPr id="1" name=""/>
+        <p:cNvGrpSpPr/>
+        <p:nvPr/>
+      </p:nvGrpSpPr>
+      <p:grpSpPr>
+        <a:xfrm>
+          <a:off x="0" y="0"/>
+          <a:ext cx="0" cy="0"/>
+          <a:chOff x="0" y="0"/>
+          <a:chExt cx="0" cy="0"/>
+        </a:xfrm>
+      </p:grpSpPr>
+      <p:sp>
+        <p:nvSpPr>
+          <p:cNvPr id="2" name="Title 1">
+            <a:extLst>
+              <a:ext uri="{FF2B5EF4-FFF2-40B4-BE49-F238E27FC236}">
+                <a16:creationId xmlns:a16="http://schemas.microsoft.com/office/drawing/2014/main" id="{5498C255-8488-A6BF-D8CF-6C0F8BDB00EA}"/>
+              </a:ext>
+            </a:extLst>
+          </p:cNvPr>
+          <p:cNvSpPr>
+            <a:spLocks noGrp="1"/>
+          </p:cNvSpPr>
+          <p:nvPr>
+            <p:ph type="title"/>
+          </p:nvPr>
+        </p:nvSpPr>
+        <p:spPr>
+          <a:xfrm>
+            <a:off x="771081" y="1850264"/>
+            <a:ext cx="7772400" cy="1021556"/>
+          </a:xfrm>
+        </p:spPr>
+        <p:txBody>
+          <a:bodyPr/>
+          <a:lstStyle/>
+          <a:p>
+            <a:pPr algn="ctr"/>
+            <a:r>
+              <a:rPr lang="en-US" b="0" cap="none" dirty="0"/>
+              <a:t>Models for Zero-Inflated Response</a:t>
+            </a:r>
+          </a:p>
+        </p:txBody>
+      </p:sp>
+    </p:spTree>
+    <p:extLst>
+      <p:ext uri="{BB962C8B-B14F-4D97-AF65-F5344CB8AC3E}">
+        <p14:creationId xmlns:p14="http://schemas.microsoft.com/office/powerpoint/2010/main" val="3761794938"/>
+      </p:ext>
+    </p:extLst>
+  </p:cSld>
+  <p:clrMapOvr>
+    <a:masterClrMapping/>
+  </p:clrMapOvr>
+</p:sld>
+</file>
+
+<file path=ppt/slides/slide5.xml><?xml version="1.0" encoding="utf-8"?>
+<p:sld xmlns:a="http://schemas.openxmlformats.org/drawingml/2006/main" xmlns:r="http://schemas.openxmlformats.org/officeDocument/2006/relationships" xmlns:p="http://schemas.openxmlformats.org/presentationml/2006/main">
+  <p:cSld>
+    <p:spTree>
+      <p:nvGrpSpPr>
+        <p:cNvPr id="1" name="">
+          <a:extLst>
+            <a:ext uri="{FF2B5EF4-FFF2-40B4-BE49-F238E27FC236}">
+              <a16:creationId xmlns:a16="http://schemas.microsoft.com/office/drawing/2014/main" id="{9AC68F5F-5608-0C70-F2DD-623A1DC2FC79}"/>
+            </a:ext>
+          </a:extLst>
+        </p:cNvPr>
+        <p:cNvGrpSpPr/>
+        <p:nvPr/>
+      </p:nvGrpSpPr>
+      <p:grpSpPr>
+        <a:xfrm>
+          <a:off x="0" y="0"/>
+          <a:ext cx="0" cy="0"/>
+          <a:chOff x="0" y="0"/>
+          <a:chExt cx="0" cy="0"/>
+        </a:xfrm>
+      </p:grpSpPr>
+      <p:sp>
+        <p:nvSpPr>
+          <p:cNvPr id="2" name="Title 1">
+            <a:extLst>
+              <a:ext uri="{FF2B5EF4-FFF2-40B4-BE49-F238E27FC236}">
+                <a16:creationId xmlns:a16="http://schemas.microsoft.com/office/drawing/2014/main" id="{68CF49BB-AD56-E7CF-4823-D942D28B5EBD}"/>
+              </a:ext>
+            </a:extLst>
+          </p:cNvPr>
+          <p:cNvSpPr>
+            <a:spLocks noGrp="1"/>
+          </p:cNvSpPr>
+          <p:nvPr>
+            <p:ph type="title"/>
+          </p:nvPr>
+        </p:nvSpPr>
+        <p:spPr/>
+        <p:txBody>
+          <a:bodyPr/>
+          <a:lstStyle/>
+          <a:p>
+            <a:pPr marL="0" lvl="0" indent="0">
+              <a:buNone/>
+            </a:pPr>
+            <a:r>
+              <a:rPr lang="en-US" dirty="0"/>
+              <a:t>Zero-Inflated Responses</a:t>
+            </a:r>
+            <a:endParaRPr dirty="0"/>
+          </a:p>
+        </p:txBody>
+      </p:sp>
+      <p:sp>
+        <p:nvSpPr>
+          <p:cNvPr id="3" name="Content Placeholder 2">
+            <a:extLst>
+              <a:ext uri="{FF2B5EF4-FFF2-40B4-BE49-F238E27FC236}">
+                <a16:creationId xmlns:a16="http://schemas.microsoft.com/office/drawing/2014/main" id="{A2E97D54-EC36-0EE6-7D66-58D0B07E5E81}"/>
+              </a:ext>
+            </a:extLst>
+          </p:cNvPr>
+          <p:cNvSpPr>
+            <a:spLocks noGrp="1"/>
+          </p:cNvSpPr>
+          <p:nvPr>
+            <p:ph idx="1"/>
+          </p:nvPr>
+        </p:nvSpPr>
+        <p:spPr/>
+        <p:txBody>
+          <a:bodyPr>
+            <a:normAutofit fontScale="92500" lnSpcReduction="20000"/>
+          </a:bodyPr>
+          <a:lstStyle/>
+          <a:p>
+            <a:pPr marL="0" lvl="0" indent="0">
+              <a:buNone/>
+            </a:pPr>
+            <a:r>
+              <a:rPr lang="en-US" dirty="0"/>
+              <a:t>Zero-inflated response variables arise in many situations </a:t>
+            </a:r>
+            <a:endParaRPr dirty="0"/>
+          </a:p>
+          <a:p>
+            <a:pPr lvl="0"/>
+            <a:r>
+              <a:rPr lang="en-US" dirty="0"/>
+              <a:t>Most people who view an ecommerce site buy 0 products</a:t>
+            </a:r>
+          </a:p>
+          <a:p>
+            <a:pPr lvl="0"/>
+            <a:r>
+              <a:rPr lang="en-US" dirty="0"/>
+              <a:t>Most auto drivers have no crashes per year </a:t>
+            </a:r>
+          </a:p>
+          <a:p>
+            <a:pPr lvl="0"/>
+            <a:r>
+              <a:rPr lang="en-US" dirty="0"/>
+              <a:t>In much of the world the average rainfall amount on a specific day is 0 </a:t>
+            </a:r>
+          </a:p>
+          <a:p>
+            <a:pPr lvl="0"/>
+            <a:r>
+              <a:rPr lang="en-US" dirty="0"/>
+              <a:t>The number of sever weather events in a specific area per month is often 0  </a:t>
+            </a:r>
+          </a:p>
+          <a:p>
+            <a:r>
+              <a:rPr lang="en-US" dirty="0"/>
+              <a:t>In epidemiology the probability distribution of the number of people contracting a disease in per day has many zeros</a:t>
+            </a:r>
+          </a:p>
+          <a:p>
+            <a:r>
+              <a:rPr lang="en-US" dirty="0"/>
+              <a:t>Etc.</a:t>
+            </a:r>
+          </a:p>
+          <a:p>
+            <a:pPr lvl="0"/>
+            <a:endParaRPr dirty="0"/>
+          </a:p>
+        </p:txBody>
+      </p:sp>
+    </p:spTree>
+    <p:extLst>
+      <p:ext uri="{BB962C8B-B14F-4D97-AF65-F5344CB8AC3E}">
+        <p14:creationId xmlns:p14="http://schemas.microsoft.com/office/powerpoint/2010/main" val="1417896931"/>
+      </p:ext>
+    </p:extLst>
+  </p:cSld>
+  <p:clrMapOvr>
+    <a:masterClrMapping/>
+  </p:clrMapOvr>
+</p:sld>
+</file>
+
+<file path=ppt/slides/slide6.xml><?xml version="1.0" encoding="utf-8"?>
+<p:sld xmlns:a="http://schemas.openxmlformats.org/drawingml/2006/main" xmlns:r="http://schemas.openxmlformats.org/officeDocument/2006/relationships" xmlns:p="http://schemas.openxmlformats.org/presentationml/2006/main">
+  <p:cSld>
+    <p:spTree>
+      <p:nvGrpSpPr>
+        <p:cNvPr id="1" name="">
+          <a:extLst>
+            <a:ext uri="{FF2B5EF4-FFF2-40B4-BE49-F238E27FC236}">
+              <a16:creationId xmlns:a16="http://schemas.microsoft.com/office/drawing/2014/main" id="{5B04D2F8-E9B0-B458-3221-728A7417F9C1}"/>
+            </a:ext>
+          </a:extLst>
+        </p:cNvPr>
+        <p:cNvGrpSpPr/>
+        <p:nvPr/>
+      </p:nvGrpSpPr>
+      <p:grpSpPr>
+        <a:xfrm>
+          <a:off x="0" y="0"/>
+          <a:ext cx="0" cy="0"/>
+          <a:chOff x="0" y="0"/>
+          <a:chExt cx="0" cy="0"/>
+        </a:xfrm>
+      </p:grpSpPr>
+      <p:pic>
+        <p:nvPicPr>
+          <p:cNvPr id="15" name="Picture 14">
+            <a:extLst>
+              <a:ext uri="{FF2B5EF4-FFF2-40B4-BE49-F238E27FC236}">
+                <a16:creationId xmlns:a16="http://schemas.microsoft.com/office/drawing/2014/main" id="{B26928FC-ABFC-E215-267D-029ABCD9E34F}"/>
+              </a:ext>
+            </a:extLst>
+          </p:cNvPr>
+          <p:cNvPicPr>
+            <a:picLocks noChangeAspect="1"/>
+          </p:cNvPicPr>
+          <p:nvPr/>
+        </p:nvPicPr>
+        <p:blipFill>
+          <a:blip r:embed="rId2"/>
+          <a:stretch>
+            <a:fillRect/>
+          </a:stretch>
+        </p:blipFill>
+        <p:spPr>
+          <a:xfrm>
+            <a:off x="5039246" y="1861604"/>
+            <a:ext cx="4116664" cy="2865664"/>
+          </a:xfrm>
+          <a:prstGeom prst="rect">
+            <a:avLst/>
+          </a:prstGeom>
+        </p:spPr>
+      </p:pic>
+      <p:sp>
+        <p:nvSpPr>
+          <p:cNvPr id="2" name="Title 1">
+            <a:extLst>
+              <a:ext uri="{FF2B5EF4-FFF2-40B4-BE49-F238E27FC236}">
+                <a16:creationId xmlns:a16="http://schemas.microsoft.com/office/drawing/2014/main" id="{A4C43B79-51BC-5AB4-B7E8-AEF722E34F55}"/>
+              </a:ext>
+            </a:extLst>
+          </p:cNvPr>
+          <p:cNvSpPr>
+            <a:spLocks noGrp="1"/>
+          </p:cNvSpPr>
+          <p:nvPr>
+            <p:ph type="title"/>
+          </p:nvPr>
+        </p:nvSpPr>
+        <p:spPr/>
+        <p:txBody>
+          <a:bodyPr/>
+          <a:lstStyle/>
+          <a:p>
+            <a:pPr marL="0" lvl="0" indent="0">
+              <a:buNone/>
+            </a:pPr>
+            <a:r>
+              <a:rPr lang="en-US" dirty="0"/>
+              <a:t>Zero-Inflated Responses</a:t>
+            </a:r>
+            <a:endParaRPr dirty="0"/>
+          </a:p>
+        </p:txBody>
+      </p:sp>
+      <mc:AlternateContent xmlns:mc="http://schemas.openxmlformats.org/markup-compatibility/2006">
+        <mc:Choice xmlns:a14="http://schemas.microsoft.com/office/drawing/2010/main" Requires="a14">
+          <p:sp>
+            <p:nvSpPr>
+              <p:cNvPr id="3" name="Content Placeholder 2">
+                <a:extLst>
+                  <a:ext uri="{FF2B5EF4-FFF2-40B4-BE49-F238E27FC236}">
+                    <a16:creationId xmlns:a16="http://schemas.microsoft.com/office/drawing/2014/main" id="{8311C61B-337B-8E4D-BA08-45ECEB736EA0}"/>
+                  </a:ext>
+                </a:extLst>
+              </p:cNvPr>
+              <p:cNvSpPr>
+                <a:spLocks noGrp="1"/>
+              </p:cNvSpPr>
+              <p:nvPr>
+                <p:ph idx="1"/>
+              </p:nvPr>
+            </p:nvSpPr>
+            <p:spPr>
+              <a:xfrm>
+                <a:off x="457200" y="1200151"/>
+                <a:ext cx="4484624" cy="3394472"/>
+              </a:xfrm>
+            </p:spPr>
+            <p:txBody>
+              <a:bodyPr>
+                <a:normAutofit/>
+              </a:bodyPr>
+              <a:lstStyle/>
+              <a:p>
+                <a:pPr marL="0" lvl="0" indent="0">
+                  <a:buNone/>
+                </a:pPr>
+                <a:r>
+                  <a:rPr lang="en-US" dirty="0"/>
+                  <a:t>Example of a </a:t>
+                </a:r>
+                <a:r>
+                  <a:rPr lang="en-US" b="1" dirty="0"/>
+                  <a:t>zero-inflated Poisson distribution  </a:t>
+                </a:r>
+              </a:p>
+              <a:p>
+                <a:pPr lvl="0"/>
+                <a:r>
+                  <a:rPr lang="en-US" dirty="0"/>
+                  <a:t>The number of zero values is inflated compared to a standard Poisson distribution   </a:t>
+                </a:r>
+              </a:p>
+              <a:p>
+                <a:pPr lvl="0"/>
+                <a:r>
+                  <a:rPr lang="en-US" dirty="0"/>
+                  <a:t>The rest of the distribution is standard Poisson with parameter </a:t>
+                </a:r>
+                <a14:m>
+                  <m:oMath xmlns:m="http://schemas.openxmlformats.org/officeDocument/2006/math">
+                    <m:r>
+                      <a:rPr lang="en-US" b="0" i="1" smtClean="0">
+                        <a:latin typeface="Cambria Math" panose="02040503050406030204" pitchFamily="18" charset="0"/>
+                      </a:rPr>
+                      <m:t>𝑢</m:t>
+                    </m:r>
+                    <m:r>
+                      <a:rPr lang="en-US" b="0" i="1" smtClean="0">
+                        <a:latin typeface="Cambria Math" panose="02040503050406030204" pitchFamily="18" charset="0"/>
+                      </a:rPr>
+                      <m:t>=</m:t>
+                    </m:r>
+                    <m:r>
+                      <a:rPr lang="en-US" b="0" i="1" smtClean="0">
+                        <a:latin typeface="Cambria Math" panose="02040503050406030204" pitchFamily="18" charset="0"/>
+                      </a:rPr>
+                      <m:t>2</m:t>
+                    </m:r>
+                    <m:r>
+                      <a:rPr lang="en-US" b="0" i="1" smtClean="0">
+                        <a:latin typeface="Cambria Math" panose="02040503050406030204" pitchFamily="18" charset="0"/>
+                      </a:rPr>
+                      <m:t>.</m:t>
+                    </m:r>
+                    <m:r>
+                      <a:rPr lang="en-US" b="0" i="1" smtClean="0">
+                        <a:latin typeface="Cambria Math" panose="02040503050406030204" pitchFamily="18" charset="0"/>
+                      </a:rPr>
+                      <m:t>0</m:t>
+                    </m:r>
+                  </m:oMath>
+                </a14:m>
+                <a:endParaRPr lang="en-US" dirty="0"/>
+              </a:p>
+              <a:p>
+                <a:pPr lvl="0"/>
+                <a:endParaRPr dirty="0"/>
+              </a:p>
+            </p:txBody>
+          </p:sp>
+        </mc:Choice>
+        <mc:Fallback>
+          <p:sp>
+            <p:nvSpPr>
+              <p:cNvPr id="3" name="Content Placeholder 2">
+                <a:extLst>
+                  <a:ext uri="{FF2B5EF4-FFF2-40B4-BE49-F238E27FC236}">
+                    <a16:creationId xmlns:a16="http://schemas.microsoft.com/office/drawing/2014/main" id="{8311C61B-337B-8E4D-BA08-45ECEB736EA0}"/>
+                  </a:ext>
+                </a:extLst>
+              </p:cNvPr>
+              <p:cNvSpPr>
+                <a:spLocks noGrp="1" noRot="1" noChangeAspect="1" noMove="1" noResize="1" noEditPoints="1" noAdjustHandles="1" noChangeArrowheads="1" noChangeShapeType="1" noTextEdit="1"/>
+              </p:cNvSpPr>
+              <p:nvPr>
+                <p:ph idx="1"/>
+              </p:nvPr>
+            </p:nvSpPr>
+            <p:spPr>
+              <a:xfrm>
+                <a:off x="457200" y="1200151"/>
+                <a:ext cx="4484624" cy="3394472"/>
+              </a:xfrm>
+              <a:blipFill>
+                <a:blip r:embed="rId3"/>
+                <a:stretch>
+                  <a:fillRect l="-2038" t="-1436" r="-3261"/>
+                </a:stretch>
+              </a:blipFill>
+            </p:spPr>
+            <p:txBody>
+              <a:bodyPr/>
+              <a:lstStyle/>
+              <a:p>
+                <a:r>
+                  <a:rPr lang="en-US">
+                    <a:noFill/>
+                  </a:rPr>
+                  <a:t> </a:t>
+                </a:r>
+              </a:p>
+            </p:txBody>
+          </p:sp>
+        </mc:Fallback>
+      </mc:AlternateContent>
+      <p:cxnSp>
+        <p:nvCxnSpPr>
+          <p:cNvPr id="7" name="Straight Arrow Connector 6">
+            <a:extLst>
+              <a:ext uri="{FF2B5EF4-FFF2-40B4-BE49-F238E27FC236}">
+                <a16:creationId xmlns:a16="http://schemas.microsoft.com/office/drawing/2014/main" id="{80F7A29A-7157-D61A-8920-AF8969DB3B73}"/>
+              </a:ext>
+            </a:extLst>
+          </p:cNvPr>
+          <p:cNvCxnSpPr>
+            <a:cxnSpLocks/>
+          </p:cNvCxnSpPr>
+          <p:nvPr/>
+        </p:nvCxnSpPr>
+        <p:spPr>
+          <a:xfrm>
+            <a:off x="4498192" y="2271648"/>
+            <a:ext cx="1215792" cy="361824"/>
+          </a:xfrm>
+          <a:prstGeom prst="straightConnector1">
+            <a:avLst/>
+          </a:prstGeom>
+          <a:ln w="38100">
+            <a:solidFill>
+              <a:srgbClr val="C00000"/>
+            </a:solidFill>
+            <a:tailEnd type="triangle"/>
+          </a:ln>
+        </p:spPr>
+        <p:style>
+          <a:lnRef idx="2">
+            <a:schemeClr val="accent1"/>
+          </a:lnRef>
+          <a:fillRef idx="0">
+            <a:schemeClr val="accent1"/>
+          </a:fillRef>
+          <a:effectRef idx="1">
+            <a:schemeClr val="accent1"/>
+          </a:effectRef>
+          <a:fontRef idx="minor">
+            <a:schemeClr val="tx1"/>
+          </a:fontRef>
+        </p:style>
+      </p:cxnSp>
+      <p:cxnSp>
+        <p:nvCxnSpPr>
+          <p:cNvPr id="8" name="Straight Arrow Connector 7">
+            <a:extLst>
+              <a:ext uri="{FF2B5EF4-FFF2-40B4-BE49-F238E27FC236}">
+                <a16:creationId xmlns:a16="http://schemas.microsoft.com/office/drawing/2014/main" id="{5E363DF7-0DA2-26E6-3AEA-FF10AC23BE52}"/>
+              </a:ext>
+            </a:extLst>
+          </p:cNvPr>
+          <p:cNvCxnSpPr>
+            <a:cxnSpLocks/>
+          </p:cNvCxnSpPr>
+          <p:nvPr/>
+        </p:nvCxnSpPr>
+        <p:spPr>
+          <a:xfrm>
+            <a:off x="4498192" y="3432075"/>
+            <a:ext cx="2050224" cy="361824"/>
+          </a:xfrm>
+          <a:prstGeom prst="straightConnector1">
+            <a:avLst/>
+          </a:prstGeom>
+          <a:ln w="38100">
+            <a:solidFill>
+              <a:srgbClr val="C00000"/>
+            </a:solidFill>
+            <a:tailEnd type="triangle"/>
+          </a:ln>
+        </p:spPr>
+        <p:style>
+          <a:lnRef idx="2">
+            <a:schemeClr val="accent1"/>
+          </a:lnRef>
+          <a:fillRef idx="0">
+            <a:schemeClr val="accent1"/>
+          </a:fillRef>
+          <a:effectRef idx="1">
+            <a:schemeClr val="accent1"/>
+          </a:effectRef>
+          <a:fontRef idx="minor">
+            <a:schemeClr val="tx1"/>
+          </a:fontRef>
+        </p:style>
+      </p:cxnSp>
+    </p:spTree>
+    <p:extLst>
+      <p:ext uri="{BB962C8B-B14F-4D97-AF65-F5344CB8AC3E}">
+        <p14:creationId xmlns:p14="http://schemas.microsoft.com/office/powerpoint/2010/main" val="1184968721"/>
+      </p:ext>
+    </p:extLst>
+  </p:cSld>
+  <p:clrMapOvr>
+    <a:masterClrMapping/>
+  </p:clrMapOvr>
+</p:sld>
+</file>
+
+<file path=ppt/slides/slide7.xml><?xml version="1.0" encoding="utf-8"?>
+<p:sld xmlns:a="http://schemas.openxmlformats.org/drawingml/2006/main" xmlns:r="http://schemas.openxmlformats.org/officeDocument/2006/relationships" xmlns:p="http://schemas.openxmlformats.org/presentationml/2006/main">
+  <p:cSld>
+    <p:spTree>
+      <p:nvGrpSpPr>
+        <p:cNvPr id="1" name="">
+          <a:extLst>
+            <a:ext uri="{FF2B5EF4-FFF2-40B4-BE49-F238E27FC236}">
+              <a16:creationId xmlns:a16="http://schemas.microsoft.com/office/drawing/2014/main" id="{B3993F59-9009-4191-4BD0-62EAFBE3087E}"/>
+            </a:ext>
+          </a:extLst>
+        </p:cNvPr>
+        <p:cNvGrpSpPr/>
+        <p:nvPr/>
+      </p:nvGrpSpPr>
+      <p:grpSpPr>
+        <a:xfrm>
+          <a:off x="0" y="0"/>
+          <a:ext cx="0" cy="0"/>
+          <a:chOff x="0" y="0"/>
+          <a:chExt cx="0" cy="0"/>
+        </a:xfrm>
+      </p:grpSpPr>
+      <p:sp>
+        <p:nvSpPr>
+          <p:cNvPr id="2" name="Title 1">
+            <a:extLst>
+              <a:ext uri="{FF2B5EF4-FFF2-40B4-BE49-F238E27FC236}">
+                <a16:creationId xmlns:a16="http://schemas.microsoft.com/office/drawing/2014/main" id="{5A5D5B7B-EC31-F645-671E-3F2116407953}"/>
+              </a:ext>
+            </a:extLst>
+          </p:cNvPr>
+          <p:cNvSpPr>
+            <a:spLocks noGrp="1"/>
+          </p:cNvSpPr>
+          <p:nvPr>
+            <p:ph type="title"/>
+          </p:nvPr>
+        </p:nvSpPr>
+        <p:spPr/>
+        <p:txBody>
+          <a:bodyPr/>
+          <a:lstStyle/>
+          <a:p>
+            <a:pPr marL="0" lvl="0" indent="0">
+              <a:buNone/>
+            </a:pPr>
+            <a:r>
+              <a:rPr lang="en-US" dirty="0"/>
+              <a:t>Modeling Zero-Inflated Distributions</a:t>
+            </a:r>
+            <a:endParaRPr dirty="0"/>
+          </a:p>
+        </p:txBody>
+      </p:sp>
+      <p:sp>
+        <p:nvSpPr>
+          <p:cNvPr id="3" name="Content Placeholder 2">
+            <a:extLst>
+              <a:ext uri="{FF2B5EF4-FFF2-40B4-BE49-F238E27FC236}">
+                <a16:creationId xmlns:a16="http://schemas.microsoft.com/office/drawing/2014/main" id="{4C4AB32E-A8D9-3191-4BF8-4C76B8CCB7FC}"/>
+              </a:ext>
+            </a:extLst>
+          </p:cNvPr>
+          <p:cNvSpPr>
+            <a:spLocks noGrp="1"/>
+          </p:cNvSpPr>
+          <p:nvPr>
+            <p:ph idx="1"/>
+          </p:nvPr>
+        </p:nvSpPr>
+        <p:spPr/>
+        <p:txBody>
+          <a:bodyPr>
+            <a:normAutofit/>
+          </a:bodyPr>
+          <a:lstStyle/>
+          <a:p>
+            <a:pPr marL="0" lvl="0" indent="0">
+              <a:buNone/>
+            </a:pPr>
+            <a:r>
+              <a:rPr lang="en-US" dirty="0"/>
+              <a:t>How can we model zero inflated distributions?  </a:t>
+            </a:r>
+            <a:endParaRPr dirty="0"/>
+          </a:p>
+          <a:p>
+            <a:pPr lvl="0"/>
+            <a:r>
+              <a:rPr lang="en-US" dirty="0"/>
+              <a:t>Standard ‘named’ distributions do not account for zero-inflation  </a:t>
+            </a:r>
+          </a:p>
+          <a:p>
+            <a:pPr lvl="0"/>
+            <a:r>
+              <a:rPr lang="en-US" dirty="0"/>
+              <a:t>Can use a mixture of two distributions  </a:t>
+            </a:r>
+          </a:p>
+          <a:p>
+            <a:pPr lvl="1"/>
+            <a:r>
+              <a:rPr lang="en-US" dirty="0"/>
+              <a:t>A binomial distribution </a:t>
+            </a:r>
+          </a:p>
+          <a:p>
+            <a:pPr lvl="1"/>
+            <a:r>
+              <a:rPr lang="en-US" dirty="0"/>
+              <a:t>One or more standard distributions </a:t>
+            </a:r>
+          </a:p>
+          <a:p>
+            <a:r>
+              <a:rPr lang="en-US" dirty="0"/>
+              <a:t>The binomial distribution serves as a ‘switch’ between 0 response and the other distribution   </a:t>
+            </a:r>
+          </a:p>
+          <a:p>
+            <a:pPr lvl="0"/>
+            <a:endParaRPr dirty="0"/>
+          </a:p>
+        </p:txBody>
+      </p:sp>
+    </p:spTree>
+    <p:extLst>
+      <p:ext uri="{BB962C8B-B14F-4D97-AF65-F5344CB8AC3E}">
+        <p14:creationId xmlns:p14="http://schemas.microsoft.com/office/powerpoint/2010/main" val="4064511800"/>
+      </p:ext>
+    </p:extLst>
+  </p:cSld>
+  <p:clrMapOvr>
+    <a:masterClrMapping/>
+  </p:clrMapOvr>
+</p:sld>
+</file>
+
+<file path=ppt/slides/slide8.xml><?xml version="1.0" encoding="utf-8"?>
+<p:sld xmlns:a="http://schemas.openxmlformats.org/drawingml/2006/main" xmlns:r="http://schemas.openxmlformats.org/officeDocument/2006/relationships" xmlns:p="http://schemas.openxmlformats.org/presentationml/2006/main">
+  <p:cSld>
+    <p:spTree>
+      <p:nvGrpSpPr>
+        <p:cNvPr id="1" name="">
+          <a:extLst>
+            <a:ext uri="{FF2B5EF4-FFF2-40B4-BE49-F238E27FC236}">
+              <a16:creationId xmlns:a16="http://schemas.microsoft.com/office/drawing/2014/main" id="{4ACB693C-681F-BD19-D494-D40455944BFF}"/>
+            </a:ext>
+          </a:extLst>
+        </p:cNvPr>
+        <p:cNvGrpSpPr/>
+        <p:nvPr/>
+      </p:nvGrpSpPr>
+      <p:grpSpPr>
+        <a:xfrm>
+          <a:off x="0" y="0"/>
+          <a:ext cx="0" cy="0"/>
+          <a:chOff x="0" y="0"/>
+          <a:chExt cx="0" cy="0"/>
+        </a:xfrm>
+      </p:grpSpPr>
+      <p:sp>
+        <p:nvSpPr>
+          <p:cNvPr id="2" name="Title 1">
+            <a:extLst>
+              <a:ext uri="{FF2B5EF4-FFF2-40B4-BE49-F238E27FC236}">
+                <a16:creationId xmlns:a16="http://schemas.microsoft.com/office/drawing/2014/main" id="{C698A9A6-0BBC-2038-40FF-92376FBF12F0}"/>
+              </a:ext>
+            </a:extLst>
+          </p:cNvPr>
+          <p:cNvSpPr>
+            <a:spLocks noGrp="1"/>
+          </p:cNvSpPr>
+          <p:nvPr>
+            <p:ph type="title"/>
+          </p:nvPr>
+        </p:nvSpPr>
+        <p:spPr/>
+        <p:txBody>
+          <a:bodyPr/>
+          <a:lstStyle/>
+          <a:p>
+            <a:pPr marL="0" lvl="0" indent="0">
+              <a:buNone/>
+            </a:pPr>
+            <a:r>
+              <a:rPr lang="en-US" dirty="0"/>
+              <a:t>Modeling Zero-Inflated Distributions</a:t>
+            </a:r>
+            <a:endParaRPr dirty="0"/>
+          </a:p>
+        </p:txBody>
+      </p:sp>
+      <mc:AlternateContent xmlns:mc="http://schemas.openxmlformats.org/markup-compatibility/2006">
+        <mc:Choice xmlns:a14="http://schemas.microsoft.com/office/drawing/2010/main" Requires="a14">
+          <p:sp>
+            <p:nvSpPr>
+              <p:cNvPr id="3" name="Content Placeholder 2">
+                <a:extLst>
+                  <a:ext uri="{FF2B5EF4-FFF2-40B4-BE49-F238E27FC236}">
+                    <a16:creationId xmlns:a16="http://schemas.microsoft.com/office/drawing/2014/main" id="{1CB4BBAF-F98F-3F4D-1C51-EE48865A9F21}"/>
+                  </a:ext>
+                </a:extLst>
+              </p:cNvPr>
+              <p:cNvSpPr>
+                <a:spLocks noGrp="1"/>
+              </p:cNvSpPr>
+              <p:nvPr>
+                <p:ph idx="1"/>
+              </p:nvPr>
+            </p:nvSpPr>
+            <p:spPr>
+              <a:xfrm>
+                <a:off x="457200" y="1200151"/>
+                <a:ext cx="8229600" cy="3621976"/>
+              </a:xfrm>
+            </p:spPr>
+            <p:txBody>
+              <a:bodyPr>
+                <a:normAutofit fontScale="92500" lnSpcReduction="20000"/>
+              </a:bodyPr>
+              <a:lstStyle/>
+              <a:p>
+                <a:pPr marL="0" lvl="0" indent="0">
+                  <a:buNone/>
+                </a:pPr>
+                <a:r>
+                  <a:rPr lang="en-US" dirty="0"/>
+                  <a:t>How can we model zero inflated distributions?  </a:t>
+                </a:r>
+              </a:p>
+              <a:p>
+                <a:r>
+                  <a:rPr lang="en-US" dirty="0"/>
+                  <a:t>The binomial distribution serves as a ‘switch’ between 0 response and the other distribution    </a:t>
+                </a:r>
+              </a:p>
+              <a:p>
+                <a:r>
+                  <a:rPr lang="en-US" dirty="0"/>
+                  <a:t>Let </a:t>
+                </a:r>
+                <a14:m>
+                  <m:oMath xmlns:m="http://schemas.openxmlformats.org/officeDocument/2006/math">
+                    <m:sSub>
+                      <m:sSubPr>
+                        <m:ctrlPr>
+                          <a:rPr lang="en-US" b="0" i="1" smtClean="0">
+                            <a:latin typeface="Cambria Math" panose="02040503050406030204" pitchFamily="18" charset="0"/>
+                          </a:rPr>
+                        </m:ctrlPr>
+                      </m:sSubPr>
+                      <m:e>
+                        <m:r>
+                          <a:rPr lang="en-US" b="0" i="1" smtClean="0">
+                            <a:latin typeface="Cambria Math" panose="02040503050406030204" pitchFamily="18" charset="0"/>
+                          </a:rPr>
+                          <m:t>𝑃</m:t>
+                        </m:r>
+                      </m:e>
+                      <m:sub>
+                        <m:r>
+                          <a:rPr lang="en-US" b="0" i="1" smtClean="0">
+                            <a:latin typeface="Cambria Math" panose="02040503050406030204" pitchFamily="18" charset="0"/>
+                          </a:rPr>
+                          <m:t>0</m:t>
+                        </m:r>
+                      </m:sub>
+                    </m:sSub>
+                    <m:d>
+                      <m:dPr>
+                        <m:ctrlPr>
+                          <a:rPr lang="en-US" b="0" i="1" smtClean="0">
+                            <a:latin typeface="Cambria Math" panose="02040503050406030204" pitchFamily="18" charset="0"/>
+                          </a:rPr>
+                        </m:ctrlPr>
+                      </m:dPr>
+                      <m:e>
+                        <m:r>
+                          <a:rPr lang="en-US" b="0" i="1" smtClean="0">
+                            <a:latin typeface="Cambria Math" panose="02040503050406030204" pitchFamily="18" charset="0"/>
+                            <a:ea typeface="Cambria Math" panose="02040503050406030204" pitchFamily="18" charset="0"/>
+                          </a:rPr>
+                          <m:t>𝜃</m:t>
+                        </m:r>
+                      </m:e>
+                    </m:d>
+                  </m:oMath>
+                </a14:m>
+                <a:r>
+                  <a:rPr lang="en-US" dirty="0"/>
+                  <a:t> be the probability density of the other distribution</a:t>
+                </a:r>
+              </a:p>
+              <a:p>
+                <a:pPr lvl="1"/>
+                <a14:m>
+                  <m:oMath xmlns:m="http://schemas.openxmlformats.org/officeDocument/2006/math">
+                    <m:sSub>
+                      <m:sSubPr>
+                        <m:ctrlPr>
+                          <a:rPr lang="en-US" b="0" i="1" smtClean="0">
+                            <a:latin typeface="Cambria Math" panose="02040503050406030204" pitchFamily="18" charset="0"/>
+                          </a:rPr>
+                        </m:ctrlPr>
+                      </m:sSubPr>
+                      <m:e>
+                        <m:r>
+                          <a:rPr lang="en-US" b="0" i="1" smtClean="0">
+                            <a:latin typeface="Cambria Math" panose="02040503050406030204" pitchFamily="18" charset="0"/>
+                          </a:rPr>
+                          <m:t>𝑃</m:t>
+                        </m:r>
+                      </m:e>
+                      <m:sub>
+                        <m:r>
+                          <a:rPr lang="en-US" b="0" i="1" smtClean="0">
+                            <a:latin typeface="Cambria Math" panose="02040503050406030204" pitchFamily="18" charset="0"/>
+                          </a:rPr>
+                          <m:t>0</m:t>
+                        </m:r>
+                      </m:sub>
+                    </m:sSub>
+                    <m:d>
+                      <m:dPr>
+                        <m:ctrlPr>
+                          <a:rPr lang="en-US" b="0" i="1" smtClean="0">
+                            <a:latin typeface="Cambria Math" panose="02040503050406030204" pitchFamily="18" charset="0"/>
+                          </a:rPr>
+                        </m:ctrlPr>
+                      </m:dPr>
+                      <m:e>
+                        <m:r>
+                          <a:rPr lang="en-US" b="0" i="1" smtClean="0">
+                            <a:latin typeface="Cambria Math" panose="02040503050406030204" pitchFamily="18" charset="0"/>
+                            <a:ea typeface="Cambria Math" panose="02040503050406030204" pitchFamily="18" charset="0"/>
+                          </a:rPr>
+                          <m:t>𝜃</m:t>
+                        </m:r>
+                      </m:e>
+                    </m:d>
+                  </m:oMath>
+                </a14:m>
+                <a:r>
+                  <a:rPr lang="en-US" dirty="0"/>
+                  <a:t> may include 0 responses   </a:t>
+                </a:r>
+              </a:p>
+              <a:p>
+                <a:r>
+                  <a:rPr lang="en-US" dirty="0"/>
+                  <a:t>Use a binomial distribution switches between 0 response and </a:t>
+                </a:r>
+                <a14:m>
+                  <m:oMath xmlns:m="http://schemas.openxmlformats.org/officeDocument/2006/math">
+                    <m:sSub>
+                      <m:sSubPr>
+                        <m:ctrlPr>
+                          <a:rPr lang="en-US" b="0" i="1" smtClean="0">
+                            <a:latin typeface="Cambria Math" panose="02040503050406030204" pitchFamily="18" charset="0"/>
+                          </a:rPr>
+                        </m:ctrlPr>
+                      </m:sSubPr>
+                      <m:e>
+                        <m:r>
+                          <a:rPr lang="en-US" b="0" i="1" smtClean="0">
+                            <a:latin typeface="Cambria Math" panose="02040503050406030204" pitchFamily="18" charset="0"/>
+                          </a:rPr>
+                          <m:t>𝑃</m:t>
+                        </m:r>
+                      </m:e>
+                      <m:sub>
+                        <m:r>
+                          <a:rPr lang="en-US" b="0" i="1" smtClean="0">
+                            <a:latin typeface="Cambria Math" panose="02040503050406030204" pitchFamily="18" charset="0"/>
+                          </a:rPr>
+                          <m:t>0</m:t>
+                        </m:r>
+                      </m:sub>
+                    </m:sSub>
+                    <m:d>
+                      <m:dPr>
+                        <m:ctrlPr>
+                          <a:rPr lang="en-US" b="0" i="1" smtClean="0">
+                            <a:latin typeface="Cambria Math" panose="02040503050406030204" pitchFamily="18" charset="0"/>
+                          </a:rPr>
+                        </m:ctrlPr>
+                      </m:dPr>
+                      <m:e>
+                        <m:r>
+                          <a:rPr lang="en-US" b="0" i="1" smtClean="0">
+                            <a:latin typeface="Cambria Math" panose="02040503050406030204" pitchFamily="18" charset="0"/>
+                            <a:ea typeface="Cambria Math" panose="02040503050406030204" pitchFamily="18" charset="0"/>
+                          </a:rPr>
+                          <m:t>𝜃</m:t>
+                        </m:r>
+                      </m:e>
+                    </m:d>
+                  </m:oMath>
+                </a14:m>
+                <a:r>
+                  <a:rPr lang="en-US" dirty="0"/>
+                  <a:t> with probability </a:t>
+                </a:r>
+                <a14:m>
+                  <m:oMath xmlns:m="http://schemas.openxmlformats.org/officeDocument/2006/math">
+                    <m:r>
+                      <a:rPr lang="en-US" i="1" smtClean="0">
+                        <a:latin typeface="Cambria Math" panose="02040503050406030204" pitchFamily="18" charset="0"/>
+                        <a:ea typeface="Cambria Math" panose="02040503050406030204" pitchFamily="18" charset="0"/>
+                      </a:rPr>
+                      <m:t>𝜋</m:t>
+                    </m:r>
+                  </m:oMath>
+                </a14:m>
+                <a:endParaRPr lang="en-US" dirty="0"/>
+              </a:p>
+              <a:p>
+                <a:pPr lvl="1"/>
+                <a:r>
+                  <a:rPr lang="en-US" dirty="0"/>
+                  <a:t>Adds an addition degree of freedom </a:t>
+                </a:r>
+              </a:p>
+              <a:p>
+                <a:r>
+                  <a:rPr lang="en-US" dirty="0"/>
+                  <a:t>The zero-inflated density, </a:t>
+                </a:r>
+                <a14:m>
+                  <m:oMath xmlns:m="http://schemas.openxmlformats.org/officeDocument/2006/math">
+                    <m:r>
+                      <a:rPr lang="en-US" b="0" i="1" smtClean="0">
+                        <a:latin typeface="Cambria Math" panose="02040503050406030204" pitchFamily="18" charset="0"/>
+                      </a:rPr>
+                      <m:t>𝑃</m:t>
+                    </m:r>
+                    <m:d>
+                      <m:dPr>
+                        <m:ctrlPr>
+                          <a:rPr lang="en-US" b="0" i="1" smtClean="0">
+                            <a:latin typeface="Cambria Math" panose="02040503050406030204" pitchFamily="18" charset="0"/>
+                          </a:rPr>
+                        </m:ctrlPr>
+                      </m:dPr>
+                      <m:e>
+                        <m:r>
+                          <a:rPr lang="en-US" b="0" i="1" smtClean="0">
+                            <a:latin typeface="Cambria Math" panose="02040503050406030204" pitchFamily="18" charset="0"/>
+                          </a:rPr>
+                          <m:t>𝑌</m:t>
+                        </m:r>
+                      </m:e>
+                    </m:d>
+                  </m:oMath>
+                </a14:m>
+                <a:r>
+                  <a:rPr lang="en-US" dirty="0"/>
+                  <a:t>, can then be written:</a:t>
+                </a:r>
+              </a:p>
+              <a:p>
+                <a:pPr marL="0" indent="0">
+                  <a:buNone/>
+                </a:pPr>
+                <a14:m>
+                  <m:oMathPara xmlns:m="http://schemas.openxmlformats.org/officeDocument/2006/math">
+                    <m:oMathParaPr>
+                      <m:jc m:val="centerGroup"/>
+                    </m:oMathParaPr>
+                    <m:oMath xmlns:m="http://schemas.openxmlformats.org/officeDocument/2006/math">
+                      <m:m>
+                        <m:mPr>
+                          <m:mcs>
+                            <m:mc>
+                              <m:mcPr>
+                                <m:count m:val="1"/>
+                                <m:mcJc m:val="center"/>
+                              </m:mcPr>
+                            </m:mc>
+                          </m:mcs>
+                          <m:ctrlPr>
+                            <a:rPr lang="en-US" i="1" smtClean="0">
+                              <a:latin typeface="Cambria Math" panose="02040503050406030204" pitchFamily="18" charset="0"/>
+                            </a:rPr>
+                          </m:ctrlPr>
+                        </m:mPr>
+                        <m:mr>
+                          <m:e>
+                            <m:r>
+                              <m:rPr>
+                                <m:brk m:alnAt="7"/>
+                              </m:rPr>
+                              <a:rPr lang="en-US" b="0" i="1" smtClean="0">
+                                <a:latin typeface="Cambria Math" panose="02040503050406030204" pitchFamily="18" charset="0"/>
+                              </a:rPr>
+                              <m:t>𝑃</m:t>
+                            </m:r>
+                            <m:d>
+                              <m:dPr>
+                                <m:ctrlPr>
+                                  <a:rPr lang="en-US" b="0" i="1" smtClean="0">
+                                    <a:latin typeface="Cambria Math" panose="02040503050406030204" pitchFamily="18" charset="0"/>
+                                  </a:rPr>
+                                </m:ctrlPr>
+                              </m:dPr>
+                              <m:e>
+                                <m:r>
+                                  <a:rPr lang="en-US" b="0" i="1" smtClean="0">
+                                    <a:latin typeface="Cambria Math" panose="02040503050406030204" pitchFamily="18" charset="0"/>
+                                  </a:rPr>
+                                  <m:t>𝑌</m:t>
+                                </m:r>
+                                <m:r>
+                                  <a:rPr lang="en-US" b="0" i="1" smtClean="0">
+                                    <a:latin typeface="Cambria Math" panose="02040503050406030204" pitchFamily="18" charset="0"/>
+                                  </a:rPr>
+                                  <m:t>=0</m:t>
+                                </m:r>
+                              </m:e>
+                            </m:d>
+                            <m:r>
+                              <m:rPr>
+                                <m:brk m:alnAt="7"/>
+                              </m:rPr>
+                              <a:rPr lang="en-US" b="0" i="1" smtClean="0">
+                                <a:latin typeface="Cambria Math" panose="02040503050406030204" pitchFamily="18" charset="0"/>
+                              </a:rPr>
+                              <m:t>=</m:t>
+                            </m:r>
+                            <m:r>
+                              <a:rPr lang="en-US" b="0" i="1" smtClean="0">
+                                <a:latin typeface="Cambria Math" panose="02040503050406030204" pitchFamily="18" charset="0"/>
+                                <a:ea typeface="Cambria Math" panose="02040503050406030204" pitchFamily="18" charset="0"/>
+                              </a:rPr>
+                              <m:t>𝜋</m:t>
+                            </m:r>
+                            <m:r>
+                              <a:rPr lang="en-US" b="0" i="1" smtClean="0">
+                                <a:latin typeface="Cambria Math" panose="02040503050406030204" pitchFamily="18" charset="0"/>
+                                <a:ea typeface="Cambria Math" panose="02040503050406030204" pitchFamily="18" charset="0"/>
+                              </a:rPr>
+                              <m:t>+</m:t>
+                            </m:r>
+                            <m:d>
+                              <m:dPr>
+                                <m:ctrlPr>
+                                  <a:rPr lang="en-US" b="0" i="1" smtClean="0">
+                                    <a:latin typeface="Cambria Math" panose="02040503050406030204" pitchFamily="18" charset="0"/>
+                                    <a:ea typeface="Cambria Math" panose="02040503050406030204" pitchFamily="18" charset="0"/>
+                                  </a:rPr>
+                                </m:ctrlPr>
+                              </m:dPr>
+                              <m:e>
+                                <m:r>
+                                  <a:rPr lang="en-US" b="0" i="1" smtClean="0">
+                                    <a:latin typeface="Cambria Math" panose="02040503050406030204" pitchFamily="18" charset="0"/>
+                                    <a:ea typeface="Cambria Math" panose="02040503050406030204" pitchFamily="18" charset="0"/>
+                                  </a:rPr>
+                                  <m:t>1−</m:t>
+                                </m:r>
+                                <m:r>
+                                  <a:rPr lang="en-US" b="0" i="1" smtClean="0">
+                                    <a:latin typeface="Cambria Math" panose="02040503050406030204" pitchFamily="18" charset="0"/>
+                                    <a:ea typeface="Cambria Math" panose="02040503050406030204" pitchFamily="18" charset="0"/>
+                                  </a:rPr>
+                                  <m:t>𝜋</m:t>
+                                </m:r>
+                              </m:e>
+                            </m:d>
+                            <m:sSub>
+                              <m:sSubPr>
+                                <m:ctrlPr>
+                                  <a:rPr lang="en-US" i="1">
+                                    <a:latin typeface="Cambria Math" panose="02040503050406030204" pitchFamily="18" charset="0"/>
+                                  </a:rPr>
+                                </m:ctrlPr>
+                              </m:sSubPr>
+                              <m:e>
+                                <m:r>
+                                  <a:rPr lang="en-US" b="0" i="1" smtClean="0">
+                                    <a:latin typeface="Cambria Math" panose="02040503050406030204" pitchFamily="18" charset="0"/>
+                                  </a:rPr>
+                                  <m:t> </m:t>
+                                </m:r>
+                                <m:r>
+                                  <a:rPr lang="en-US" i="1">
+                                    <a:latin typeface="Cambria Math" panose="02040503050406030204" pitchFamily="18" charset="0"/>
+                                  </a:rPr>
+                                  <m:t>𝑃</m:t>
+                                </m:r>
+                              </m:e>
+                              <m:sub>
+                                <m:r>
+                                  <a:rPr lang="en-US" i="1">
+                                    <a:latin typeface="Cambria Math" panose="02040503050406030204" pitchFamily="18" charset="0"/>
+                                  </a:rPr>
+                                  <m:t>0</m:t>
+                                </m:r>
+                              </m:sub>
+                            </m:sSub>
+                            <m:d>
+                              <m:dPr>
+                                <m:ctrlPr>
+                                  <a:rPr lang="en-US" i="1">
+                                    <a:latin typeface="Cambria Math" panose="02040503050406030204" pitchFamily="18" charset="0"/>
+                                  </a:rPr>
+                                </m:ctrlPr>
+                              </m:dPr>
+                              <m:e>
+                                <m:r>
+                                  <a:rPr lang="en-US" b="0" i="1" smtClean="0">
+                                    <a:latin typeface="Cambria Math" panose="02040503050406030204" pitchFamily="18" charset="0"/>
+                                  </a:rPr>
+                                  <m:t>0 | </m:t>
+                                </m:r>
+                                <m:r>
+                                  <a:rPr lang="en-US" i="1">
+                                    <a:latin typeface="Cambria Math" panose="02040503050406030204" pitchFamily="18" charset="0"/>
+                                    <a:ea typeface="Cambria Math" panose="02040503050406030204" pitchFamily="18" charset="0"/>
+                                  </a:rPr>
+                                  <m:t>𝜃</m:t>
+                                </m:r>
+                              </m:e>
+                            </m:d>
+                          </m:e>
+                        </m:mr>
+                        <m:mr>
+                          <m:e>
+                            <m:r>
+                              <m:rPr>
+                                <m:brk m:alnAt="7"/>
+                              </m:rPr>
+                              <a:rPr lang="en-US" i="1">
+                                <a:latin typeface="Cambria Math" panose="02040503050406030204" pitchFamily="18" charset="0"/>
+                              </a:rPr>
+                              <m:t>𝑃</m:t>
+                            </m:r>
+                            <m:d>
+                              <m:dPr>
+                                <m:ctrlPr>
+                                  <a:rPr lang="en-US" i="1">
+                                    <a:latin typeface="Cambria Math" panose="02040503050406030204" pitchFamily="18" charset="0"/>
+                                  </a:rPr>
+                                </m:ctrlPr>
+                              </m:dPr>
+                              <m:e>
+                                <m:r>
+                                  <a:rPr lang="en-US" i="1">
+                                    <a:latin typeface="Cambria Math" panose="02040503050406030204" pitchFamily="18" charset="0"/>
+                                  </a:rPr>
+                                  <m:t>𝑌</m:t>
+                                </m:r>
+                                <m:r>
+                                  <a:rPr lang="en-US" i="1">
+                                    <a:latin typeface="Cambria Math" panose="02040503050406030204" pitchFamily="18" charset="0"/>
+                                  </a:rPr>
+                                  <m:t>=</m:t>
+                                </m:r>
+                                <m:sSub>
+                                  <m:sSubPr>
+                                    <m:ctrlPr>
+                                      <a:rPr lang="en-US" i="1" smtClean="0">
+                                        <a:latin typeface="Cambria Math" panose="02040503050406030204" pitchFamily="18" charset="0"/>
+                                      </a:rPr>
+                                    </m:ctrlPr>
+                                  </m:sSubPr>
+                                  <m:e>
+                                    <m:r>
+                                      <a:rPr lang="en-US" b="0" i="1" smtClean="0">
+                                        <a:latin typeface="Cambria Math" panose="02040503050406030204" pitchFamily="18" charset="0"/>
+                                      </a:rPr>
+                                      <m:t>𝑦</m:t>
+                                    </m:r>
+                                  </m:e>
+                                  <m:sub>
+                                    <m:r>
+                                      <a:rPr lang="en-US" b="0" i="1" smtClean="0">
+                                        <a:latin typeface="Cambria Math" panose="02040503050406030204" pitchFamily="18" charset="0"/>
+                                      </a:rPr>
+                                      <m:t>𝑖</m:t>
+                                    </m:r>
+                                  </m:sub>
+                                </m:sSub>
+                              </m:e>
+                            </m:d>
+                            <m:r>
+                              <m:rPr>
+                                <m:brk m:alnAt="7"/>
+                              </m:rPr>
+                              <a:rPr lang="en-US" i="1">
+                                <a:latin typeface="Cambria Math" panose="02040503050406030204" pitchFamily="18" charset="0"/>
+                              </a:rPr>
+                              <m:t>=</m:t>
+                            </m:r>
+                            <m:d>
+                              <m:dPr>
+                                <m:ctrlPr>
+                                  <a:rPr lang="en-US" i="1">
+                                    <a:latin typeface="Cambria Math" panose="02040503050406030204" pitchFamily="18" charset="0"/>
+                                    <a:ea typeface="Cambria Math" panose="02040503050406030204" pitchFamily="18" charset="0"/>
+                                  </a:rPr>
+                                </m:ctrlPr>
+                              </m:dPr>
+                              <m:e>
+                                <m:r>
+                                  <a:rPr lang="en-US" i="1">
+                                    <a:latin typeface="Cambria Math" panose="02040503050406030204" pitchFamily="18" charset="0"/>
+                                    <a:ea typeface="Cambria Math" panose="02040503050406030204" pitchFamily="18" charset="0"/>
+                                  </a:rPr>
+                                  <m:t>1−</m:t>
+                                </m:r>
+                                <m:r>
+                                  <a:rPr lang="en-US" i="1">
+                                    <a:latin typeface="Cambria Math" panose="02040503050406030204" pitchFamily="18" charset="0"/>
+                                    <a:ea typeface="Cambria Math" panose="02040503050406030204" pitchFamily="18" charset="0"/>
+                                  </a:rPr>
+                                  <m:t>𝜋</m:t>
+                                </m:r>
+                              </m:e>
+                            </m:d>
+                            <m:sSub>
+                              <m:sSubPr>
+                                <m:ctrlPr>
+                                  <a:rPr lang="en-US" i="1">
+                                    <a:latin typeface="Cambria Math" panose="02040503050406030204" pitchFamily="18" charset="0"/>
+                                  </a:rPr>
+                                </m:ctrlPr>
+                              </m:sSubPr>
+                              <m:e>
+                                <m:r>
+                                  <a:rPr lang="en-US" b="0" i="1" smtClean="0">
+                                    <a:latin typeface="Cambria Math" panose="02040503050406030204" pitchFamily="18" charset="0"/>
+                                  </a:rPr>
+                                  <m:t> </m:t>
+                                </m:r>
+                                <m:r>
+                                  <a:rPr lang="en-US" i="1">
+                                    <a:latin typeface="Cambria Math" panose="02040503050406030204" pitchFamily="18" charset="0"/>
+                                  </a:rPr>
+                                  <m:t>𝑃</m:t>
+                                </m:r>
+                              </m:e>
+                              <m:sub>
+                                <m:r>
+                                  <a:rPr lang="en-US" i="1">
+                                    <a:latin typeface="Cambria Math" panose="02040503050406030204" pitchFamily="18" charset="0"/>
+                                  </a:rPr>
+                                  <m:t>0</m:t>
+                                </m:r>
+                              </m:sub>
+                            </m:sSub>
+                            <m:d>
+                              <m:dPr>
+                                <m:ctrlPr>
+                                  <a:rPr lang="en-US" i="1">
+                                    <a:latin typeface="Cambria Math" panose="02040503050406030204" pitchFamily="18" charset="0"/>
+                                  </a:rPr>
+                                </m:ctrlPr>
+                              </m:dPr>
+                              <m:e>
+                                <m:sSub>
+                                  <m:sSubPr>
+                                    <m:ctrlPr>
+                                      <a:rPr lang="en-US" i="1">
+                                        <a:latin typeface="Cambria Math" panose="02040503050406030204" pitchFamily="18" charset="0"/>
+                                      </a:rPr>
+                                    </m:ctrlPr>
+                                  </m:sSubPr>
+                                  <m:e>
+                                    <m:r>
+                                      <a:rPr lang="en-US" i="1">
+                                        <a:latin typeface="Cambria Math" panose="02040503050406030204" pitchFamily="18" charset="0"/>
+                                      </a:rPr>
+                                      <m:t>𝑦</m:t>
+                                    </m:r>
+                                  </m:e>
+                                  <m:sub>
+                                    <m:r>
+                                      <a:rPr lang="en-US" i="1">
+                                        <a:latin typeface="Cambria Math" panose="02040503050406030204" pitchFamily="18" charset="0"/>
+                                      </a:rPr>
+                                      <m:t>𝑖</m:t>
+                                    </m:r>
+                                  </m:sub>
+                                </m:sSub>
+                                <m:r>
+                                  <a:rPr lang="en-US" b="0" i="1" smtClean="0">
+                                    <a:latin typeface="Cambria Math" panose="02040503050406030204" pitchFamily="18" charset="0"/>
+                                  </a:rPr>
+                                  <m:t> | </m:t>
+                                </m:r>
+                                <m:r>
+                                  <a:rPr lang="en-US" i="1">
+                                    <a:latin typeface="Cambria Math" panose="02040503050406030204" pitchFamily="18" charset="0"/>
+                                    <a:ea typeface="Cambria Math" panose="02040503050406030204" pitchFamily="18" charset="0"/>
+                                  </a:rPr>
+                                  <m:t>𝜃</m:t>
+                                </m:r>
+                              </m:e>
+                            </m:d>
+                          </m:e>
+                        </m:mr>
+                      </m:m>
+                    </m:oMath>
+                  </m:oMathPara>
+                </a14:m>
+                <a:endParaRPr lang="en-US" dirty="0"/>
+              </a:p>
+              <a:p>
+                <a:pPr lvl="0"/>
+                <a:endParaRPr dirty="0"/>
+              </a:p>
+            </p:txBody>
+          </p:sp>
+        </mc:Choice>
+        <mc:Fallback>
+          <p:sp>
+            <p:nvSpPr>
+              <p:cNvPr id="3" name="Content Placeholder 2">
+                <a:extLst>
+                  <a:ext uri="{FF2B5EF4-FFF2-40B4-BE49-F238E27FC236}">
+                    <a16:creationId xmlns:a16="http://schemas.microsoft.com/office/drawing/2014/main" id="{1CB4BBAF-F98F-3F4D-1C51-EE48865A9F21}"/>
+                  </a:ext>
+                </a:extLst>
+              </p:cNvPr>
+              <p:cNvSpPr>
+                <a:spLocks noGrp="1" noRot="1" noChangeAspect="1" noMove="1" noResize="1" noEditPoints="1" noAdjustHandles="1" noChangeArrowheads="1" noChangeShapeType="1" noTextEdit="1"/>
+              </p:cNvSpPr>
+              <p:nvPr>
+                <p:ph idx="1"/>
+              </p:nvPr>
+            </p:nvSpPr>
+            <p:spPr>
+              <a:xfrm>
+                <a:off x="457200" y="1200151"/>
+                <a:ext cx="8229600" cy="3621976"/>
+              </a:xfrm>
+              <a:blipFill>
+                <a:blip r:embed="rId2"/>
+                <a:stretch>
+                  <a:fillRect l="-963" t="-2862"/>
+                </a:stretch>
+              </a:blipFill>
+            </p:spPr>
+            <p:txBody>
+              <a:bodyPr/>
+              <a:lstStyle/>
+              <a:p>
+                <a:r>
+                  <a:rPr lang="en-US">
+                    <a:noFill/>
+                  </a:rPr>
+                  <a:t> </a:t>
+                </a:r>
+              </a:p>
+            </p:txBody>
+          </p:sp>
+        </mc:Fallback>
+      </mc:AlternateContent>
+    </p:spTree>
+    <p:extLst>
+      <p:ext uri="{BB962C8B-B14F-4D97-AF65-F5344CB8AC3E}">
+        <p14:creationId xmlns:p14="http://schemas.microsoft.com/office/powerpoint/2010/main" val="941765040"/>
+      </p:ext>
+    </p:extLst>
+  </p:cSld>
+  <p:clrMapOvr>
+    <a:masterClrMapping/>
+  </p:clrMapOvr>
+</p:sld>
+</file>
+
+<file path=ppt/slides/slide9.xml><?xml version="1.0" encoding="utf-8"?>
+<p:sld xmlns:a="http://schemas.openxmlformats.org/drawingml/2006/main" xmlns:r="http://schemas.openxmlformats.org/officeDocument/2006/relationships" xmlns:p="http://schemas.openxmlformats.org/presentationml/2006/main">
+  <p:cSld>
+    <p:spTree>
+      <p:nvGrpSpPr>
+        <p:cNvPr id="1" name="">
+          <a:extLst>
+            <a:ext uri="{FF2B5EF4-FFF2-40B4-BE49-F238E27FC236}">
+              <a16:creationId xmlns:a16="http://schemas.microsoft.com/office/drawing/2014/main" id="{3BDC65D1-0629-048B-E925-6A17F56DA08C}"/>
+            </a:ext>
+          </a:extLst>
+        </p:cNvPr>
+        <p:cNvGrpSpPr/>
+        <p:nvPr/>
+      </p:nvGrpSpPr>
+      <p:grpSpPr>
+        <a:xfrm>
+          <a:off x="0" y="0"/>
+          <a:ext cx="0" cy="0"/>
+          <a:chOff x="0" y="0"/>
+          <a:chExt cx="0" cy="0"/>
+        </a:xfrm>
+      </p:grpSpPr>
+      <p:sp>
+        <p:nvSpPr>
+          <p:cNvPr id="2" name="Title 1">
+            <a:extLst>
+              <a:ext uri="{FF2B5EF4-FFF2-40B4-BE49-F238E27FC236}">
+                <a16:creationId xmlns:a16="http://schemas.microsoft.com/office/drawing/2014/main" id="{296AF045-2CA5-7833-C0AC-1E68DA4D7B15}"/>
+              </a:ext>
+            </a:extLst>
+          </p:cNvPr>
+          <p:cNvSpPr>
+            <a:spLocks noGrp="1"/>
+          </p:cNvSpPr>
+          <p:nvPr>
+            <p:ph type="title"/>
+          </p:nvPr>
+        </p:nvSpPr>
+        <p:spPr/>
+        <p:txBody>
+          <a:bodyPr/>
+          <a:lstStyle/>
+          <a:p>
+            <a:pPr marL="0" lvl="0" indent="0">
+              <a:buNone/>
+            </a:pPr>
+            <a:r>
+              <a:rPr lang="en-US" dirty="0"/>
+              <a:t>Zero-Inflated Poisson Distribution</a:t>
+            </a:r>
+            <a:endParaRPr dirty="0"/>
+          </a:p>
+        </p:txBody>
+      </p:sp>
+      <mc:AlternateContent xmlns:mc="http://schemas.openxmlformats.org/markup-compatibility/2006">
+        <mc:Choice xmlns:a14="http://schemas.microsoft.com/office/drawing/2010/main" Requires="a14">
+          <p:sp>
+            <p:nvSpPr>
+              <p:cNvPr id="3" name="Content Placeholder 2">
+                <a:extLst>
+                  <a:ext uri="{FF2B5EF4-FFF2-40B4-BE49-F238E27FC236}">
+                    <a16:creationId xmlns:a16="http://schemas.microsoft.com/office/drawing/2014/main" id="{DFDF26E4-3371-064A-6570-B618A7306061}"/>
+                  </a:ext>
+                </a:extLst>
+              </p:cNvPr>
+              <p:cNvSpPr>
+                <a:spLocks noGrp="1"/>
+              </p:cNvSpPr>
+              <p:nvPr>
+                <p:ph idx="1"/>
+              </p:nvPr>
+            </p:nvSpPr>
+            <p:spPr>
+              <a:xfrm>
+                <a:off x="457200" y="1200151"/>
+                <a:ext cx="8229600" cy="3621976"/>
+              </a:xfrm>
+            </p:spPr>
+            <p:txBody>
+              <a:bodyPr>
+                <a:normAutofit fontScale="92500" lnSpcReduction="10000"/>
+              </a:bodyPr>
+              <a:lstStyle/>
+              <a:p>
+                <a:pPr marL="0" lvl="0" indent="0">
+                  <a:buNone/>
+                </a:pPr>
+                <a:r>
+                  <a:rPr lang="en-US" dirty="0"/>
+                  <a:t>Example</a:t>
+                </a:r>
+                <a:r>
+                  <a:rPr lang="en-US" b="1" dirty="0"/>
+                  <a:t>, zero-inflated Poisson distribution </a:t>
+                </a:r>
+              </a:p>
+              <a:p>
+                <a:r>
+                  <a:rPr lang="en-US" dirty="0"/>
+                  <a:t>Recall the PMF of the Poisson distribution </a:t>
+                </a:r>
+              </a:p>
+              <a:p>
+                <a:pPr marL="0" indent="0">
+                  <a:buNone/>
+                </a:pPr>
+                <a14:m>
+                  <m:oMathPara xmlns:m="http://schemas.openxmlformats.org/officeDocument/2006/math">
+                    <m:oMathParaPr>
+                      <m:jc m:val="centerGroup"/>
+                    </m:oMathParaPr>
+                    <m:oMath xmlns:m="http://schemas.openxmlformats.org/officeDocument/2006/math">
+                      <m:r>
+                        <a:rPr lang="en-US" b="0" i="1" smtClean="0">
+                          <a:latin typeface="Cambria Math" panose="02040503050406030204" pitchFamily="18" charset="0"/>
+                        </a:rPr>
+                        <m:t>𝑃</m:t>
+                      </m:r>
+                      <m:d>
+                        <m:dPr>
+                          <m:ctrlPr>
+                            <a:rPr lang="en-US" b="0" i="1" smtClean="0">
+                              <a:latin typeface="Cambria Math" panose="02040503050406030204" pitchFamily="18" charset="0"/>
+                            </a:rPr>
+                          </m:ctrlPr>
+                        </m:dPr>
+                        <m:e>
+                          <m:r>
+                            <a:rPr lang="en-US" b="0" i="1" smtClean="0">
+                              <a:latin typeface="Cambria Math" panose="02040503050406030204" pitchFamily="18" charset="0"/>
+                            </a:rPr>
+                            <m:t>𝑌</m:t>
+                          </m:r>
+                          <m:r>
+                            <a:rPr lang="en-US" b="0" i="1" smtClean="0">
+                              <a:latin typeface="Cambria Math" panose="02040503050406030204" pitchFamily="18" charset="0"/>
+                            </a:rPr>
+                            <m:t>=</m:t>
+                          </m:r>
+                          <m:sSub>
+                            <m:sSubPr>
+                              <m:ctrlPr>
+                                <a:rPr lang="en-US" b="0" i="1" smtClean="0">
+                                  <a:latin typeface="Cambria Math" panose="02040503050406030204" pitchFamily="18" charset="0"/>
+                                </a:rPr>
+                              </m:ctrlPr>
+                            </m:sSubPr>
+                            <m:e>
+                              <m:r>
+                                <a:rPr lang="en-US" b="0" i="1" smtClean="0">
+                                  <a:latin typeface="Cambria Math" panose="02040503050406030204" pitchFamily="18" charset="0"/>
+                                </a:rPr>
+                                <m:t>𝑦</m:t>
+                              </m:r>
+                            </m:e>
+                            <m:sub>
+                              <m:r>
+                                <a:rPr lang="en-US" b="0" i="1" smtClean="0">
+                                  <a:latin typeface="Cambria Math" panose="02040503050406030204" pitchFamily="18" charset="0"/>
+                                </a:rPr>
+                                <m:t>𝑖</m:t>
+                              </m:r>
+                            </m:sub>
+                          </m:sSub>
+                        </m:e>
+                      </m:d>
+                      <m:r>
+                        <a:rPr lang="en-US" b="0" i="1" smtClean="0">
+                          <a:latin typeface="Cambria Math" panose="02040503050406030204" pitchFamily="18" charset="0"/>
+                        </a:rPr>
+                        <m:t>=</m:t>
+                      </m:r>
+                      <m:f>
+                        <m:fPr>
+                          <m:ctrlPr>
+                            <a:rPr lang="en-US" b="0" i="1" smtClean="0">
+                              <a:latin typeface="Cambria Math" panose="02040503050406030204" pitchFamily="18" charset="0"/>
+                            </a:rPr>
+                          </m:ctrlPr>
+                        </m:fPr>
+                        <m:num>
+                          <m:sSup>
+                            <m:sSupPr>
+                              <m:ctrlPr>
+                                <a:rPr lang="en-US" b="0" i="1" smtClean="0">
+                                  <a:latin typeface="Cambria Math" panose="02040503050406030204" pitchFamily="18" charset="0"/>
+                                </a:rPr>
+                              </m:ctrlPr>
+                            </m:sSupPr>
+                            <m:e>
+                              <m:r>
+                                <a:rPr lang="en-US" b="0" i="1" smtClean="0">
+                                  <a:latin typeface="Cambria Math" panose="02040503050406030204" pitchFamily="18" charset="0"/>
+                                  <a:ea typeface="Cambria Math" panose="02040503050406030204" pitchFamily="18" charset="0"/>
+                                </a:rPr>
+                                <m:t>𝜇</m:t>
+                              </m:r>
+                            </m:e>
+                            <m:sup>
+                              <m:sSub>
+                                <m:sSubPr>
+                                  <m:ctrlPr>
+                                    <a:rPr lang="en-US" i="1">
+                                      <a:latin typeface="Cambria Math" panose="02040503050406030204" pitchFamily="18" charset="0"/>
+                                    </a:rPr>
+                                  </m:ctrlPr>
+                                </m:sSubPr>
+                                <m:e>
+                                  <m:r>
+                                    <a:rPr lang="en-US" i="1">
+                                      <a:latin typeface="Cambria Math" panose="02040503050406030204" pitchFamily="18" charset="0"/>
+                                    </a:rPr>
+                                    <m:t>𝑦</m:t>
+                                  </m:r>
+                                </m:e>
+                                <m:sub>
+                                  <m:r>
+                                    <a:rPr lang="en-US" i="1">
+                                      <a:latin typeface="Cambria Math" panose="02040503050406030204" pitchFamily="18" charset="0"/>
+                                    </a:rPr>
+                                    <m:t>𝑖</m:t>
+                                  </m:r>
+                                </m:sub>
+                              </m:sSub>
+                            </m:sup>
+                          </m:sSup>
+                          <m:sSup>
+                            <m:sSupPr>
+                              <m:ctrlPr>
+                                <a:rPr lang="en-US" b="0" i="1" smtClean="0">
+                                  <a:latin typeface="Cambria Math" panose="02040503050406030204" pitchFamily="18" charset="0"/>
+                                </a:rPr>
+                              </m:ctrlPr>
+                            </m:sSupPr>
+                            <m:e>
+                              <m:r>
+                                <a:rPr lang="en-US" b="0" i="1" smtClean="0">
+                                  <a:latin typeface="Cambria Math" panose="02040503050406030204" pitchFamily="18" charset="0"/>
+                                </a:rPr>
+                                <m:t>𝑒</m:t>
+                              </m:r>
+                            </m:e>
+                            <m:sup>
+                              <m:r>
+                                <a:rPr lang="en-US" b="0" i="1" smtClean="0">
+                                  <a:latin typeface="Cambria Math" panose="02040503050406030204" pitchFamily="18" charset="0"/>
+                                </a:rPr>
+                                <m:t>−</m:t>
+                              </m:r>
+                              <m:r>
+                                <a:rPr lang="en-US" b="0" i="1" smtClean="0">
+                                  <a:latin typeface="Cambria Math" panose="02040503050406030204" pitchFamily="18" charset="0"/>
+                                  <a:ea typeface="Cambria Math" panose="02040503050406030204" pitchFamily="18" charset="0"/>
+                                </a:rPr>
+                                <m:t>𝜇</m:t>
+                              </m:r>
+                            </m:sup>
+                          </m:sSup>
+                        </m:num>
+                        <m:den>
+                          <m:sSub>
+                            <m:sSubPr>
+                              <m:ctrlPr>
+                                <a:rPr lang="en-US" i="1">
+                                  <a:latin typeface="Cambria Math" panose="02040503050406030204" pitchFamily="18" charset="0"/>
+                                </a:rPr>
+                              </m:ctrlPr>
+                            </m:sSubPr>
+                            <m:e>
+                              <m:r>
+                                <a:rPr lang="en-US" i="1">
+                                  <a:latin typeface="Cambria Math" panose="02040503050406030204" pitchFamily="18" charset="0"/>
+                                </a:rPr>
+                                <m:t>𝑦</m:t>
+                              </m:r>
+                            </m:e>
+                            <m:sub>
+                              <m:r>
+                                <a:rPr lang="en-US" i="1">
+                                  <a:latin typeface="Cambria Math" panose="02040503050406030204" pitchFamily="18" charset="0"/>
+                                </a:rPr>
+                                <m:t>𝑖</m:t>
+                              </m:r>
+                            </m:sub>
+                          </m:sSub>
+                          <m:r>
+                            <a:rPr lang="en-US" b="0" i="1" smtClean="0">
+                              <a:latin typeface="Cambria Math" panose="02040503050406030204" pitchFamily="18" charset="0"/>
+                            </a:rPr>
+                            <m:t>!</m:t>
+                          </m:r>
+                        </m:den>
+                      </m:f>
+                    </m:oMath>
+                  </m:oMathPara>
+                </a14:m>
+                <a:endParaRPr lang="en-US" b="0" i="1" dirty="0">
+                  <a:latin typeface="Cambria Math" panose="02040503050406030204" pitchFamily="18" charset="0"/>
+                </a:endParaRPr>
+              </a:p>
+              <a:p>
+                <a:pPr marL="342900" lvl="1" indent="0">
+                  <a:buNone/>
+                </a:pPr>
+                <a14:m>
+                  <m:oMath xmlns:m="http://schemas.openxmlformats.org/officeDocument/2006/math">
+                    <m:sSub>
+                      <m:sSubPr>
+                        <m:ctrlPr>
+                          <a:rPr lang="en-US" b="0" i="1" smtClean="0">
+                            <a:latin typeface="Cambria Math" panose="02040503050406030204" pitchFamily="18" charset="0"/>
+                          </a:rPr>
+                        </m:ctrlPr>
+                      </m:sSubPr>
+                      <m:e>
+                        <m:r>
+                          <a:rPr lang="en-US" b="0" i="1" smtClean="0">
+                            <a:latin typeface="Cambria Math" panose="02040503050406030204" pitchFamily="18" charset="0"/>
+                          </a:rPr>
+                          <m:t>𝑦</m:t>
+                        </m:r>
+                      </m:e>
+                      <m:sub>
+                        <m:r>
+                          <a:rPr lang="en-US" b="0" i="1" smtClean="0">
+                            <a:latin typeface="Cambria Math" panose="02040503050406030204" pitchFamily="18" charset="0"/>
+                          </a:rPr>
+                          <m:t>𝑖</m:t>
+                        </m:r>
+                      </m:sub>
+                    </m:sSub>
+                  </m:oMath>
+                </a14:m>
+                <a:r>
+                  <a:rPr lang="en-US" dirty="0"/>
+                  <a:t>= count of events</a:t>
+                </a:r>
+              </a:p>
+              <a:p>
+                <a:pPr marL="342900" lvl="1" indent="0">
+                  <a:buNone/>
+                </a:pPr>
+                <a14:m>
+                  <m:oMath xmlns:m="http://schemas.openxmlformats.org/officeDocument/2006/math">
+                    <m:r>
+                      <a:rPr lang="en-US" b="0" i="1" smtClean="0">
+                        <a:latin typeface="Cambria Math" panose="02040503050406030204" pitchFamily="18" charset="0"/>
+                        <a:ea typeface="Cambria Math" panose="02040503050406030204" pitchFamily="18" charset="0"/>
+                      </a:rPr>
+                      <m:t>𝜇</m:t>
+                    </m:r>
+                  </m:oMath>
+                </a14:m>
+                <a:r>
+                  <a:rPr lang="en-US" dirty="0"/>
+                  <a:t>= mean count</a:t>
+                </a:r>
+              </a:p>
+              <a:p>
+                <a:r>
+                  <a:rPr lang="en-US" dirty="0"/>
+                  <a:t>Mixing with a binomial distribution with probability parameter, </a:t>
+                </a:r>
+                <a14:m>
+                  <m:oMath xmlns:m="http://schemas.openxmlformats.org/officeDocument/2006/math">
+                    <m:r>
+                      <a:rPr lang="en-US" i="1" smtClean="0">
+                        <a:latin typeface="Cambria Math" panose="02040503050406030204" pitchFamily="18" charset="0"/>
+                        <a:ea typeface="Cambria Math" panose="02040503050406030204" pitchFamily="18" charset="0"/>
+                      </a:rPr>
+                      <m:t>𝜋</m:t>
+                    </m:r>
+                  </m:oMath>
+                </a14:m>
+                <a:r>
+                  <a:rPr lang="en-US" dirty="0"/>
+                  <a:t> </a:t>
+                </a:r>
+              </a:p>
+              <a:p>
+                <a:pPr marL="0" indent="0">
+                  <a:buNone/>
+                </a:pPr>
+                <a14:m>
+                  <m:oMathPara xmlns:m="http://schemas.openxmlformats.org/officeDocument/2006/math">
+                    <m:oMathParaPr>
+                      <m:jc m:val="centerGroup"/>
+                    </m:oMathParaPr>
+                    <m:oMath xmlns:m="http://schemas.openxmlformats.org/officeDocument/2006/math">
+                      <m:m>
+                        <m:mPr>
+                          <m:mcs>
+                            <m:mc>
+                              <m:mcPr>
+                                <m:count m:val="1"/>
+                                <m:mcJc m:val="center"/>
+                              </m:mcPr>
+                            </m:mc>
+                          </m:mcs>
+                          <m:ctrlPr>
+                            <a:rPr lang="en-US" i="1" smtClean="0">
+                              <a:latin typeface="Cambria Math" panose="02040503050406030204" pitchFamily="18" charset="0"/>
+                            </a:rPr>
+                          </m:ctrlPr>
+                        </m:mPr>
+                        <m:mr>
+                          <m:e>
+                            <m:r>
+                              <m:rPr>
+                                <m:brk m:alnAt="7"/>
+                              </m:rPr>
+                              <a:rPr lang="en-US" b="0" i="1" smtClean="0">
+                                <a:latin typeface="Cambria Math" panose="02040503050406030204" pitchFamily="18" charset="0"/>
+                              </a:rPr>
+                              <m:t>𝑃</m:t>
+                            </m:r>
+                            <m:d>
+                              <m:dPr>
+                                <m:ctrlPr>
+                                  <a:rPr lang="en-US" b="0" i="1" smtClean="0">
+                                    <a:latin typeface="Cambria Math" panose="02040503050406030204" pitchFamily="18" charset="0"/>
+                                  </a:rPr>
+                                </m:ctrlPr>
+                              </m:dPr>
+                              <m:e>
+                                <m:r>
+                                  <a:rPr lang="en-US" b="0" i="1" smtClean="0">
+                                    <a:latin typeface="Cambria Math" panose="02040503050406030204" pitchFamily="18" charset="0"/>
+                                  </a:rPr>
+                                  <m:t>𝑌</m:t>
+                                </m:r>
+                                <m:r>
+                                  <a:rPr lang="en-US" b="0" i="1" smtClean="0">
+                                    <a:latin typeface="Cambria Math" panose="02040503050406030204" pitchFamily="18" charset="0"/>
+                                  </a:rPr>
+                                  <m:t>=</m:t>
+                                </m:r>
+                                <m:r>
+                                  <a:rPr lang="en-US" b="0" i="1" smtClean="0">
+                                    <a:latin typeface="Cambria Math" panose="02040503050406030204" pitchFamily="18" charset="0"/>
+                                  </a:rPr>
+                                  <m:t>0</m:t>
+                                </m:r>
+                              </m:e>
+                            </m:d>
+                            <m:r>
+                              <m:rPr>
+                                <m:brk m:alnAt="7"/>
+                              </m:rPr>
+                              <a:rPr lang="en-US" b="0" i="1" smtClean="0">
+                                <a:latin typeface="Cambria Math" panose="02040503050406030204" pitchFamily="18" charset="0"/>
+                              </a:rPr>
+                              <m:t>=</m:t>
+                            </m:r>
+                            <m:r>
+                              <a:rPr lang="en-US" b="0" i="1" smtClean="0">
+                                <a:latin typeface="Cambria Math" panose="02040503050406030204" pitchFamily="18" charset="0"/>
+                                <a:ea typeface="Cambria Math" panose="02040503050406030204" pitchFamily="18" charset="0"/>
+                              </a:rPr>
+                              <m:t>𝜋</m:t>
+                            </m:r>
+                            <m:r>
+                              <a:rPr lang="en-US" b="0" i="1" smtClean="0">
+                                <a:latin typeface="Cambria Math" panose="02040503050406030204" pitchFamily="18" charset="0"/>
+                                <a:ea typeface="Cambria Math" panose="02040503050406030204" pitchFamily="18" charset="0"/>
+                              </a:rPr>
+                              <m:t>+</m:t>
+                            </m:r>
+                            <m:d>
+                              <m:dPr>
+                                <m:ctrlPr>
+                                  <a:rPr lang="en-US" b="0" i="1" smtClean="0">
+                                    <a:latin typeface="Cambria Math" panose="02040503050406030204" pitchFamily="18" charset="0"/>
+                                    <a:ea typeface="Cambria Math" panose="02040503050406030204" pitchFamily="18" charset="0"/>
+                                  </a:rPr>
+                                </m:ctrlPr>
+                              </m:dPr>
+                              <m:e>
+                                <m:r>
+                                  <a:rPr lang="en-US" b="0" i="1" smtClean="0">
+                                    <a:latin typeface="Cambria Math" panose="02040503050406030204" pitchFamily="18" charset="0"/>
+                                    <a:ea typeface="Cambria Math" panose="02040503050406030204" pitchFamily="18" charset="0"/>
+                                  </a:rPr>
+                                  <m:t>1</m:t>
+                                </m:r>
+                                <m:r>
+                                  <a:rPr lang="en-US" b="0" i="1" smtClean="0">
+                                    <a:latin typeface="Cambria Math" panose="02040503050406030204" pitchFamily="18" charset="0"/>
+                                    <a:ea typeface="Cambria Math" panose="02040503050406030204" pitchFamily="18" charset="0"/>
+                                  </a:rPr>
+                                  <m:t>−</m:t>
+                                </m:r>
+                                <m:r>
+                                  <a:rPr lang="en-US" b="0" i="1" smtClean="0">
+                                    <a:latin typeface="Cambria Math" panose="02040503050406030204" pitchFamily="18" charset="0"/>
+                                    <a:ea typeface="Cambria Math" panose="02040503050406030204" pitchFamily="18" charset="0"/>
+                                  </a:rPr>
+                                  <m:t>𝜋</m:t>
+                                </m:r>
+                              </m:e>
+                            </m:d>
+                            <m:sSup>
+                              <m:sSupPr>
+                                <m:ctrlPr>
+                                  <a:rPr lang="en-US" i="1">
+                                    <a:latin typeface="Cambria Math" panose="02040503050406030204" pitchFamily="18" charset="0"/>
+                                  </a:rPr>
+                                </m:ctrlPr>
+                              </m:sSupPr>
+                              <m:e>
+                                <m:r>
+                                  <a:rPr lang="en-US" b="0" i="1" smtClean="0">
+                                    <a:latin typeface="Cambria Math" panose="02040503050406030204" pitchFamily="18" charset="0"/>
+                                  </a:rPr>
+                                  <m:t> </m:t>
+                                </m:r>
+                                <m:r>
+                                  <a:rPr lang="en-US" i="1">
+                                    <a:latin typeface="Cambria Math" panose="02040503050406030204" pitchFamily="18" charset="0"/>
+                                  </a:rPr>
+                                  <m:t>𝑒</m:t>
+                                </m:r>
+                              </m:e>
+                              <m:sup>
+                                <m:r>
+                                  <a:rPr lang="en-US" i="1">
+                                    <a:latin typeface="Cambria Math" panose="02040503050406030204" pitchFamily="18" charset="0"/>
+                                  </a:rPr>
+                                  <m:t>−</m:t>
+                                </m:r>
+                                <m:r>
+                                  <a:rPr lang="en-US" i="1">
+                                    <a:latin typeface="Cambria Math" panose="02040503050406030204" pitchFamily="18" charset="0"/>
+                                    <a:ea typeface="Cambria Math" panose="02040503050406030204" pitchFamily="18" charset="0"/>
+                                  </a:rPr>
+                                  <m:t>𝜇</m:t>
+                                </m:r>
+                              </m:sup>
+                            </m:sSup>
+                          </m:e>
+                        </m:mr>
+                        <m:mr>
+                          <m:e>
+                            <m:r>
+                              <m:rPr>
+                                <m:brk m:alnAt="7"/>
+                              </m:rPr>
+                              <a:rPr lang="en-US" i="1">
+                                <a:latin typeface="Cambria Math" panose="02040503050406030204" pitchFamily="18" charset="0"/>
+                              </a:rPr>
+                              <m:t>𝑃</m:t>
+                            </m:r>
+                            <m:d>
+                              <m:dPr>
+                                <m:ctrlPr>
+                                  <a:rPr lang="en-US" i="1">
+                                    <a:latin typeface="Cambria Math" panose="02040503050406030204" pitchFamily="18" charset="0"/>
+                                  </a:rPr>
+                                </m:ctrlPr>
+                              </m:dPr>
+                              <m:e>
+                                <m:r>
+                                  <a:rPr lang="en-US" i="1">
+                                    <a:latin typeface="Cambria Math" panose="02040503050406030204" pitchFamily="18" charset="0"/>
+                                  </a:rPr>
+                                  <m:t>𝑌</m:t>
+                                </m:r>
+                                <m:r>
+                                  <a:rPr lang="en-US" i="1">
+                                    <a:latin typeface="Cambria Math" panose="02040503050406030204" pitchFamily="18" charset="0"/>
+                                  </a:rPr>
+                                  <m:t>=</m:t>
+                                </m:r>
+                                <m:sSub>
+                                  <m:sSubPr>
+                                    <m:ctrlPr>
+                                      <a:rPr lang="en-US" i="1" smtClean="0">
+                                        <a:latin typeface="Cambria Math" panose="02040503050406030204" pitchFamily="18" charset="0"/>
+                                      </a:rPr>
+                                    </m:ctrlPr>
+                                  </m:sSubPr>
+                                  <m:e>
+                                    <m:r>
+                                      <a:rPr lang="en-US" b="0" i="1" smtClean="0">
+                                        <a:latin typeface="Cambria Math" panose="02040503050406030204" pitchFamily="18" charset="0"/>
+                                      </a:rPr>
+                                      <m:t>𝑦</m:t>
+                                    </m:r>
+                                  </m:e>
+                                  <m:sub>
+                                    <m:r>
+                                      <a:rPr lang="en-US" b="0" i="1" smtClean="0">
+                                        <a:latin typeface="Cambria Math" panose="02040503050406030204" pitchFamily="18" charset="0"/>
+                                      </a:rPr>
+                                      <m:t>𝑖</m:t>
+                                    </m:r>
+                                  </m:sub>
+                                </m:sSub>
+                              </m:e>
+                            </m:d>
+                            <m:r>
+                              <m:rPr>
+                                <m:brk m:alnAt="7"/>
+                              </m:rPr>
+                              <a:rPr lang="en-US" i="1">
+                                <a:latin typeface="Cambria Math" panose="02040503050406030204" pitchFamily="18" charset="0"/>
+                              </a:rPr>
+                              <m:t>=</m:t>
+                            </m:r>
+                            <m:d>
+                              <m:dPr>
+                                <m:ctrlPr>
+                                  <a:rPr lang="en-US" i="1">
+                                    <a:latin typeface="Cambria Math" panose="02040503050406030204" pitchFamily="18" charset="0"/>
+                                    <a:ea typeface="Cambria Math" panose="02040503050406030204" pitchFamily="18" charset="0"/>
+                                  </a:rPr>
+                                </m:ctrlPr>
+                              </m:dPr>
+                              <m:e>
+                                <m:r>
+                                  <a:rPr lang="en-US" i="1">
+                                    <a:latin typeface="Cambria Math" panose="02040503050406030204" pitchFamily="18" charset="0"/>
+                                    <a:ea typeface="Cambria Math" panose="02040503050406030204" pitchFamily="18" charset="0"/>
+                                  </a:rPr>
+                                  <m:t>1</m:t>
+                                </m:r>
+                                <m:r>
+                                  <a:rPr lang="en-US" i="1">
+                                    <a:latin typeface="Cambria Math" panose="02040503050406030204" pitchFamily="18" charset="0"/>
+                                    <a:ea typeface="Cambria Math" panose="02040503050406030204" pitchFamily="18" charset="0"/>
+                                  </a:rPr>
+                                  <m:t>−</m:t>
+                                </m:r>
+                                <m:r>
+                                  <a:rPr lang="en-US" i="1">
+                                    <a:latin typeface="Cambria Math" panose="02040503050406030204" pitchFamily="18" charset="0"/>
+                                    <a:ea typeface="Cambria Math" panose="02040503050406030204" pitchFamily="18" charset="0"/>
+                                  </a:rPr>
+                                  <m:t>𝜋</m:t>
+                                </m:r>
+                              </m:e>
+                            </m:d>
+                            <m:r>
+                              <a:rPr lang="en-US" b="0" i="1" smtClean="0">
+                                <a:latin typeface="Cambria Math" panose="02040503050406030204" pitchFamily="18" charset="0"/>
+                                <a:ea typeface="Cambria Math" panose="02040503050406030204" pitchFamily="18" charset="0"/>
+                              </a:rPr>
+                              <m:t> </m:t>
+                            </m:r>
+                            <m:f>
+                              <m:fPr>
+                                <m:ctrlPr>
+                                  <a:rPr lang="en-US" i="1">
+                                    <a:latin typeface="Cambria Math" panose="02040503050406030204" pitchFamily="18" charset="0"/>
+                                  </a:rPr>
+                                </m:ctrlPr>
+                              </m:fPr>
+                              <m:num>
+                                <m:sSup>
+                                  <m:sSupPr>
+                                    <m:ctrlPr>
+                                      <a:rPr lang="en-US" i="1">
+                                        <a:latin typeface="Cambria Math" panose="02040503050406030204" pitchFamily="18" charset="0"/>
+                                      </a:rPr>
+                                    </m:ctrlPr>
+                                  </m:sSupPr>
+                                  <m:e>
+                                    <m:r>
+                                      <a:rPr lang="en-US" i="1">
+                                        <a:latin typeface="Cambria Math" panose="02040503050406030204" pitchFamily="18" charset="0"/>
+                                        <a:ea typeface="Cambria Math" panose="02040503050406030204" pitchFamily="18" charset="0"/>
+                                      </a:rPr>
+                                      <m:t>𝜇</m:t>
+                                    </m:r>
+                                  </m:e>
+                                  <m:sup>
+                                    <m:sSub>
+                                      <m:sSubPr>
+                                        <m:ctrlPr>
+                                          <a:rPr lang="en-US" i="1">
+                                            <a:latin typeface="Cambria Math" panose="02040503050406030204" pitchFamily="18" charset="0"/>
+                                          </a:rPr>
+                                        </m:ctrlPr>
+                                      </m:sSubPr>
+                                      <m:e>
+                                        <m:r>
+                                          <a:rPr lang="en-US" i="1">
+                                            <a:latin typeface="Cambria Math" panose="02040503050406030204" pitchFamily="18" charset="0"/>
+                                          </a:rPr>
+                                          <m:t>𝑦</m:t>
+                                        </m:r>
+                                      </m:e>
+                                      <m:sub>
+                                        <m:r>
+                                          <a:rPr lang="en-US" i="1">
+                                            <a:latin typeface="Cambria Math" panose="02040503050406030204" pitchFamily="18" charset="0"/>
+                                          </a:rPr>
+                                          <m:t>𝑖</m:t>
+                                        </m:r>
+                                      </m:sub>
+                                    </m:sSub>
+                                  </m:sup>
+                                </m:sSup>
+                                <m:sSup>
+                                  <m:sSupPr>
+                                    <m:ctrlPr>
+                                      <a:rPr lang="en-US" i="1">
+                                        <a:latin typeface="Cambria Math" panose="02040503050406030204" pitchFamily="18" charset="0"/>
+                                      </a:rPr>
+                                    </m:ctrlPr>
+                                  </m:sSupPr>
+                                  <m:e>
+                                    <m:r>
+                                      <a:rPr lang="en-US" i="1">
+                                        <a:latin typeface="Cambria Math" panose="02040503050406030204" pitchFamily="18" charset="0"/>
+                                      </a:rPr>
+                                      <m:t>𝑒</m:t>
+                                    </m:r>
+                                  </m:e>
+                                  <m:sup>
+                                    <m:r>
+                                      <a:rPr lang="en-US" i="1">
+                                        <a:latin typeface="Cambria Math" panose="02040503050406030204" pitchFamily="18" charset="0"/>
+                                      </a:rPr>
+                                      <m:t>−</m:t>
+                                    </m:r>
+                                    <m:r>
+                                      <a:rPr lang="en-US" i="1">
+                                        <a:latin typeface="Cambria Math" panose="02040503050406030204" pitchFamily="18" charset="0"/>
+                                        <a:ea typeface="Cambria Math" panose="02040503050406030204" pitchFamily="18" charset="0"/>
+                                      </a:rPr>
+                                      <m:t>𝜇</m:t>
+                                    </m:r>
+                                  </m:sup>
+                                </m:sSup>
+                              </m:num>
+                              <m:den>
+                                <m:sSub>
+                                  <m:sSubPr>
+                                    <m:ctrlPr>
+                                      <a:rPr lang="en-US" i="1">
+                                        <a:latin typeface="Cambria Math" panose="02040503050406030204" pitchFamily="18" charset="0"/>
+                                      </a:rPr>
+                                    </m:ctrlPr>
+                                  </m:sSubPr>
+                                  <m:e>
+                                    <m:r>
+                                      <a:rPr lang="en-US" i="1">
+                                        <a:latin typeface="Cambria Math" panose="02040503050406030204" pitchFamily="18" charset="0"/>
+                                      </a:rPr>
+                                      <m:t>𝑦</m:t>
+                                    </m:r>
+                                  </m:e>
+                                  <m:sub>
+                                    <m:r>
+                                      <a:rPr lang="en-US" i="1">
+                                        <a:latin typeface="Cambria Math" panose="02040503050406030204" pitchFamily="18" charset="0"/>
+                                      </a:rPr>
+                                      <m:t>𝑖</m:t>
+                                    </m:r>
+                                  </m:sub>
+                                </m:sSub>
+                                <m:r>
+                                  <a:rPr lang="en-US" i="1">
+                                    <a:latin typeface="Cambria Math" panose="02040503050406030204" pitchFamily="18" charset="0"/>
+                                  </a:rPr>
+                                  <m:t>!</m:t>
+                                </m:r>
+                              </m:den>
+                            </m:f>
+                          </m:e>
+                        </m:mr>
+                      </m:m>
+                    </m:oMath>
+                  </m:oMathPara>
+                </a14:m>
+                <a:endParaRPr lang="en-US" dirty="0"/>
+              </a:p>
+              <a:p>
+                <a:pPr lvl="0"/>
+                <a:endParaRPr dirty="0"/>
+              </a:p>
+            </p:txBody>
+          </p:sp>
+        </mc:Choice>
+        <mc:Fallback>
+          <p:sp>
+            <p:nvSpPr>
+              <p:cNvPr id="3" name="Content Placeholder 2">
+                <a:extLst>
+                  <a:ext uri="{FF2B5EF4-FFF2-40B4-BE49-F238E27FC236}">
+                    <a16:creationId xmlns:a16="http://schemas.microsoft.com/office/drawing/2014/main" id="{DFDF26E4-3371-064A-6570-B618A7306061}"/>
+                  </a:ext>
+                </a:extLst>
+              </p:cNvPr>
+              <p:cNvSpPr>
+                <a:spLocks noGrp="1" noRot="1" noChangeAspect="1" noMove="1" noResize="1" noEditPoints="1" noAdjustHandles="1" noChangeArrowheads="1" noChangeShapeType="1" noTextEdit="1"/>
+              </p:cNvSpPr>
+              <p:nvPr>
+                <p:ph idx="1"/>
+              </p:nvPr>
+            </p:nvSpPr>
+            <p:spPr>
+              <a:xfrm>
+                <a:off x="457200" y="1200151"/>
+                <a:ext cx="8229600" cy="3621976"/>
+              </a:xfrm>
+              <a:blipFill>
+                <a:blip r:embed="rId2"/>
+                <a:stretch>
+                  <a:fillRect l="-963" t="-2189"/>
+                </a:stretch>
+              </a:blipFill>
+            </p:spPr>
+            <p:txBody>
+              <a:bodyPr/>
+              <a:lstStyle/>
+              <a:p>
+                <a:r>
+                  <a:rPr lang="en-US">
+                    <a:noFill/>
+                  </a:rPr>
+                  <a:t> </a:t>
+                </a:r>
+              </a:p>
+            </p:txBody>
+          </p:sp>
+        </mc:Fallback>
+      </mc:AlternateContent>
+    </p:spTree>
+    <p:extLst>
+      <p:ext uri="{BB962C8B-B14F-4D97-AF65-F5344CB8AC3E}">
+        <p14:creationId xmlns:p14="http://schemas.microsoft.com/office/powerpoint/2010/main" val="1873658907"/>
+      </p:ext>
+    </p:extLst>
   </p:cSld>
   <p:clrMapOvr>
     <a:masterClrMapping/>

--- a/LectureSlides/10b_ModelsFor OutliersAndOverdispersion.pptx
+++ b/LectureSlides/10b_ModelsFor OutliersAndOverdispersion.pptx
@@ -5,7 +5,7 @@
     <p:sldMasterId id="2147483648" r:id="rId1"/>
   </p:sldMasterIdLst>
   <p:notesMasterIdLst>
-    <p:notesMasterId r:id="rId35"/>
+    <p:notesMasterId r:id="rId44"/>
   </p:notesMasterIdLst>
   <p:sldIdLst>
     <p:sldId id="337" r:id="rId2"/>
@@ -18,29 +18,38 @@
     <p:sldId id="347" r:id="rId9"/>
     <p:sldId id="348" r:id="rId10"/>
     <p:sldId id="350" r:id="rId11"/>
-    <p:sldId id="341" r:id="rId12"/>
-    <p:sldId id="353" r:id="rId13"/>
-    <p:sldId id="352" r:id="rId14"/>
-    <p:sldId id="349" r:id="rId15"/>
-    <p:sldId id="351" r:id="rId16"/>
-    <p:sldId id="342" r:id="rId17"/>
-    <p:sldId id="320" r:id="rId18"/>
-    <p:sldId id="321" r:id="rId19"/>
-    <p:sldId id="322" r:id="rId20"/>
-    <p:sldId id="323" r:id="rId21"/>
-    <p:sldId id="324" r:id="rId22"/>
-    <p:sldId id="325" r:id="rId23"/>
-    <p:sldId id="326" r:id="rId24"/>
-    <p:sldId id="327" r:id="rId25"/>
-    <p:sldId id="328" r:id="rId26"/>
-    <p:sldId id="329" r:id="rId27"/>
-    <p:sldId id="330" r:id="rId28"/>
-    <p:sldId id="331" r:id="rId29"/>
-    <p:sldId id="332" r:id="rId30"/>
-    <p:sldId id="333" r:id="rId31"/>
-    <p:sldId id="334" r:id="rId32"/>
-    <p:sldId id="335" r:id="rId33"/>
-    <p:sldId id="336" r:id="rId34"/>
+    <p:sldId id="355" r:id="rId12"/>
+    <p:sldId id="356" r:id="rId13"/>
+    <p:sldId id="341" r:id="rId14"/>
+    <p:sldId id="353" r:id="rId15"/>
+    <p:sldId id="352" r:id="rId16"/>
+    <p:sldId id="349" r:id="rId17"/>
+    <p:sldId id="354" r:id="rId18"/>
+    <p:sldId id="358" r:id="rId19"/>
+    <p:sldId id="359" r:id="rId20"/>
+    <p:sldId id="360" r:id="rId21"/>
+    <p:sldId id="361" r:id="rId22"/>
+    <p:sldId id="362" r:id="rId23"/>
+    <p:sldId id="351" r:id="rId24"/>
+    <p:sldId id="342" r:id="rId25"/>
+    <p:sldId id="320" r:id="rId26"/>
+    <p:sldId id="321" r:id="rId27"/>
+    <p:sldId id="364" r:id="rId28"/>
+    <p:sldId id="365" r:id="rId29"/>
+    <p:sldId id="363" r:id="rId30"/>
+    <p:sldId id="323" r:id="rId31"/>
+    <p:sldId id="324" r:id="rId32"/>
+    <p:sldId id="326" r:id="rId33"/>
+    <p:sldId id="327" r:id="rId34"/>
+    <p:sldId id="328" r:id="rId35"/>
+    <p:sldId id="329" r:id="rId36"/>
+    <p:sldId id="330" r:id="rId37"/>
+    <p:sldId id="331" r:id="rId38"/>
+    <p:sldId id="332" r:id="rId39"/>
+    <p:sldId id="333" r:id="rId40"/>
+    <p:sldId id="334" r:id="rId41"/>
+    <p:sldId id="335" r:id="rId42"/>
+    <p:sldId id="336" r:id="rId43"/>
   </p:sldIdLst>
   <p:sldSz cx="9144000" cy="5143500" type="screen16x9"/>
   <p:notesSz cx="6858000" cy="9144000"/>
@@ -240,7 +249,7 @@
           <a:p>
             <a:fld id="{B45A0028-71D2-4800-AD8E-38BD1BCDF688}" type="datetimeFigureOut">
               <a:rPr lang="en-US" smtClean="0"/>
-              <a:t>10/11/2024</a:t>
+              <a:t>10/12/2024</a:t>
             </a:fld>
             <a:endParaRPr lang="en-US"/>
           </a:p>
@@ -686,7 +695,7 @@
           <a:p>
             <a:fld id="{241EB5C9-1307-BA42-ABA2-0BC069CD8E7F}" type="datetimeFigureOut">
               <a:rPr lang="en-US" smtClean="0"/>
-              <a:t>10/11/2024</a:t>
+              <a:t>10/12/2024</a:t>
             </a:fld>
             <a:endParaRPr lang="en-US"/>
           </a:p>
@@ -854,7 +863,7 @@
           <a:p>
             <a:fld id="{241EB5C9-1307-BA42-ABA2-0BC069CD8E7F}" type="datetimeFigureOut">
               <a:rPr lang="en-US" smtClean="0"/>
-              <a:t>10/11/2024</a:t>
+              <a:t>10/12/2024</a:t>
             </a:fld>
             <a:endParaRPr lang="en-US"/>
           </a:p>
@@ -1032,7 +1041,7 @@
           <a:p>
             <a:fld id="{241EB5C9-1307-BA42-ABA2-0BC069CD8E7F}" type="datetimeFigureOut">
               <a:rPr lang="en-US" smtClean="0"/>
-              <a:t>10/11/2024</a:t>
+              <a:t>10/12/2024</a:t>
             </a:fld>
             <a:endParaRPr lang="en-US"/>
           </a:p>
@@ -1200,7 +1209,7 @@
           <a:p>
             <a:fld id="{241EB5C9-1307-BA42-ABA2-0BC069CD8E7F}" type="datetimeFigureOut">
               <a:rPr lang="en-US" smtClean="0"/>
-              <a:t>10/11/2024</a:t>
+              <a:t>10/12/2024</a:t>
             </a:fld>
             <a:endParaRPr lang="en-US"/>
           </a:p>
@@ -1445,7 +1454,7 @@
           <a:p>
             <a:fld id="{241EB5C9-1307-BA42-ABA2-0BC069CD8E7F}" type="datetimeFigureOut">
               <a:rPr lang="en-US" smtClean="0"/>
-              <a:t>10/11/2024</a:t>
+              <a:t>10/12/2024</a:t>
             </a:fld>
             <a:endParaRPr lang="en-US"/>
           </a:p>
@@ -1730,7 +1739,7 @@
           <a:p>
             <a:fld id="{241EB5C9-1307-BA42-ABA2-0BC069CD8E7F}" type="datetimeFigureOut">
               <a:rPr lang="en-US" smtClean="0"/>
-              <a:t>10/11/2024</a:t>
+              <a:t>10/12/2024</a:t>
             </a:fld>
             <a:endParaRPr lang="en-US"/>
           </a:p>
@@ -2149,7 +2158,7 @@
           <a:p>
             <a:fld id="{241EB5C9-1307-BA42-ABA2-0BC069CD8E7F}" type="datetimeFigureOut">
               <a:rPr lang="en-US" smtClean="0"/>
-              <a:t>10/11/2024</a:t>
+              <a:t>10/12/2024</a:t>
             </a:fld>
             <a:endParaRPr lang="en-US"/>
           </a:p>
@@ -2266,7 +2275,7 @@
           <a:p>
             <a:fld id="{241EB5C9-1307-BA42-ABA2-0BC069CD8E7F}" type="datetimeFigureOut">
               <a:rPr lang="en-US" smtClean="0"/>
-              <a:t>10/11/2024</a:t>
+              <a:t>10/12/2024</a:t>
             </a:fld>
             <a:endParaRPr lang="en-US"/>
           </a:p>
@@ -2361,7 +2370,7 @@
           <a:p>
             <a:fld id="{241EB5C9-1307-BA42-ABA2-0BC069CD8E7F}" type="datetimeFigureOut">
               <a:rPr lang="en-US" smtClean="0"/>
-              <a:t>10/11/2024</a:t>
+              <a:t>10/12/2024</a:t>
             </a:fld>
             <a:endParaRPr lang="en-US"/>
           </a:p>
@@ -2636,7 +2645,7 @@
           <a:p>
             <a:fld id="{241EB5C9-1307-BA42-ABA2-0BC069CD8E7F}" type="datetimeFigureOut">
               <a:rPr lang="en-US" smtClean="0"/>
-              <a:t>10/11/2024</a:t>
+              <a:t>10/12/2024</a:t>
             </a:fld>
             <a:endParaRPr lang="en-US"/>
           </a:p>
@@ -2888,7 +2897,7 @@
           <a:p>
             <a:fld id="{241EB5C9-1307-BA42-ABA2-0BC069CD8E7F}" type="datetimeFigureOut">
               <a:rPr lang="en-US" smtClean="0"/>
-              <a:t>10/11/2024</a:t>
+              <a:t>10/12/2024</a:t>
             </a:fld>
             <a:endParaRPr lang="en-US"/>
           </a:p>
@@ -3099,7 +3108,7 @@
           <a:p>
             <a:fld id="{241EB5C9-1307-BA42-ABA2-0BC069CD8E7F}" type="datetimeFigureOut">
               <a:rPr lang="en-US" smtClean="0"/>
-              <a:t>10/11/2024</a:t>
+              <a:t>10/12/2024</a:t>
             </a:fld>
             <a:endParaRPr lang="en-US"/>
           </a:p>
@@ -3722,8 +3731,8 @@
           </a:p>
         </p:txBody>
       </p:sp>
-      <mc:AlternateContent xmlns:mc="http://schemas.openxmlformats.org/markup-compatibility/2006">
-        <mc:Choice xmlns:a14="http://schemas.microsoft.com/office/drawing/2010/main" Requires="a14">
+      <mc:AlternateContent xmlns:mc="http://schemas.openxmlformats.org/markup-compatibility/2006" xmlns:a14="http://schemas.microsoft.com/office/drawing/2010/main">
+        <mc:Choice Requires="a14">
           <p:sp>
             <p:nvSpPr>
               <p:cNvPr id="3" name="Content Placeholder 2">
@@ -3901,7 +3910,7 @@
             </p:txBody>
           </p:sp>
         </mc:Choice>
-        <mc:Fallback>
+        <mc:Fallback xmlns="">
           <p:sp>
             <p:nvSpPr>
               <p:cNvPr id="3" name="Content Placeholder 2">
@@ -4128,6 +4137,451 @@
         <p:cNvPr id="1" name="">
           <a:extLst>
             <a:ext uri="{FF2B5EF4-FFF2-40B4-BE49-F238E27FC236}">
+              <a16:creationId xmlns:a16="http://schemas.microsoft.com/office/drawing/2014/main" id="{742BC6A4-857B-DC6B-9336-D253B4B3D2F5}"/>
+            </a:ext>
+          </a:extLst>
+        </p:cNvPr>
+        <p:cNvGrpSpPr/>
+        <p:nvPr/>
+      </p:nvGrpSpPr>
+      <p:grpSpPr>
+        <a:xfrm>
+          <a:off x="0" y="0"/>
+          <a:ext cx="0" cy="0"/>
+          <a:chOff x="0" y="0"/>
+          <a:chExt cx="0" cy="0"/>
+        </a:xfrm>
+      </p:grpSpPr>
+      <p:sp>
+        <p:nvSpPr>
+          <p:cNvPr id="2" name="Title 1">
+            <a:extLst>
+              <a:ext uri="{FF2B5EF4-FFF2-40B4-BE49-F238E27FC236}">
+                <a16:creationId xmlns:a16="http://schemas.microsoft.com/office/drawing/2014/main" id="{70D648C5-DECC-C14B-D6E1-6ADC55A2F89A}"/>
+              </a:ext>
+            </a:extLst>
+          </p:cNvPr>
+          <p:cNvSpPr>
+            <a:spLocks noGrp="1"/>
+          </p:cNvSpPr>
+          <p:nvPr>
+            <p:ph type="title"/>
+          </p:nvPr>
+        </p:nvSpPr>
+        <p:spPr/>
+        <p:txBody>
+          <a:bodyPr/>
+          <a:lstStyle/>
+          <a:p>
+            <a:pPr marL="0" lvl="0" indent="0">
+              <a:buNone/>
+            </a:pPr>
+            <a:r>
+              <a:rPr lang="en-US" dirty="0"/>
+              <a:t>Zero-Inflated Response Regression</a:t>
+            </a:r>
+            <a:endParaRPr dirty="0"/>
+          </a:p>
+        </p:txBody>
+      </p:sp>
+      <p:sp>
+        <p:nvSpPr>
+          <p:cNvPr id="3" name="Content Placeholder 2">
+            <a:extLst>
+              <a:ext uri="{FF2B5EF4-FFF2-40B4-BE49-F238E27FC236}">
+                <a16:creationId xmlns:a16="http://schemas.microsoft.com/office/drawing/2014/main" id="{15BB3C24-B2A6-ABAB-74A0-C12FD142248C}"/>
+              </a:ext>
+            </a:extLst>
+          </p:cNvPr>
+          <p:cNvSpPr>
+            <a:spLocks noGrp="1"/>
+          </p:cNvSpPr>
+          <p:nvPr>
+            <p:ph idx="1"/>
+          </p:nvPr>
+        </p:nvSpPr>
+        <p:spPr>
+          <a:xfrm>
+            <a:off x="457200" y="1200151"/>
+            <a:ext cx="8229600" cy="3621976"/>
+          </a:xfrm>
+        </p:spPr>
+        <p:txBody>
+          <a:bodyPr>
+            <a:normAutofit lnSpcReduction="10000"/>
+          </a:bodyPr>
+          <a:lstStyle/>
+          <a:p>
+            <a:pPr marL="0" lvl="0" indent="0">
+              <a:buNone/>
+            </a:pPr>
+            <a:r>
+              <a:rPr lang="en-US" dirty="0"/>
+              <a:t>How can we fit a model with zero inflated distributions?  </a:t>
+            </a:r>
+          </a:p>
+          <a:p>
+            <a:r>
+              <a:rPr lang="en-US" dirty="0"/>
+              <a:t>In some cases, a nearly analytic solution is possible    </a:t>
+            </a:r>
+          </a:p>
+          <a:p>
+            <a:r>
+              <a:rPr lang="en-US" dirty="0"/>
+              <a:t>How can we find a numerical solution? </a:t>
+            </a:r>
+          </a:p>
+          <a:p>
+            <a:pPr lvl="1"/>
+            <a:r>
+              <a:rPr lang="en-US" dirty="0"/>
+              <a:t>Fit parameters of the switching distribution </a:t>
+            </a:r>
+          </a:p>
+          <a:p>
+            <a:pPr lvl="1"/>
+            <a:r>
+              <a:rPr lang="en-US" dirty="0"/>
+              <a:t>Fit parameters of the other distribution </a:t>
+            </a:r>
+          </a:p>
+          <a:p>
+            <a:r>
+              <a:rPr lang="en-US" dirty="0"/>
+              <a:t>Use an iterative solution</a:t>
+            </a:r>
+          </a:p>
+          <a:p>
+            <a:pPr marL="800100" lvl="1" indent="-457200">
+              <a:buFont typeface="+mj-lt"/>
+              <a:buAutoNum type="arabicPeriod"/>
+            </a:pPr>
+            <a:r>
+              <a:rPr lang="en-US" dirty="0"/>
+              <a:t>Estimate parameter(s) of switching distribution  </a:t>
+            </a:r>
+          </a:p>
+          <a:p>
+            <a:pPr marL="800100" lvl="1" indent="-457200">
+              <a:buFont typeface="+mj-lt"/>
+              <a:buAutoNum type="arabicPeriod"/>
+            </a:pPr>
+            <a:r>
+              <a:rPr lang="en-US" dirty="0"/>
+              <a:t>Estimate parameter(s) of other distribution </a:t>
+            </a:r>
+          </a:p>
+          <a:p>
+            <a:pPr marL="800100" lvl="1" indent="-457200">
+              <a:buFont typeface="+mj-lt"/>
+              <a:buAutoNum type="arabicPeriod"/>
+            </a:pPr>
+            <a:r>
+              <a:rPr lang="en-US" dirty="0"/>
+              <a:t>Repeat steps 1 and 2 until convergence  </a:t>
+            </a:r>
+          </a:p>
+          <a:p>
+            <a:endParaRPr lang="en-US" dirty="0"/>
+          </a:p>
+          <a:p>
+            <a:pPr lvl="0"/>
+            <a:endParaRPr dirty="0"/>
+          </a:p>
+        </p:txBody>
+      </p:sp>
+    </p:spTree>
+    <p:extLst>
+      <p:ext uri="{BB962C8B-B14F-4D97-AF65-F5344CB8AC3E}">
+        <p14:creationId xmlns:p14="http://schemas.microsoft.com/office/powerpoint/2010/main" val="3934639154"/>
+      </p:ext>
+    </p:extLst>
+  </p:cSld>
+  <p:clrMapOvr>
+    <a:masterClrMapping/>
+  </p:clrMapOvr>
+</p:sld>
+</file>
+
+<file path=ppt/slides/slide12.xml><?xml version="1.0" encoding="utf-8"?>
+<p:sld xmlns:a="http://schemas.openxmlformats.org/drawingml/2006/main" xmlns:r="http://schemas.openxmlformats.org/officeDocument/2006/relationships" xmlns:p="http://schemas.openxmlformats.org/presentationml/2006/main">
+  <p:cSld>
+    <p:spTree>
+      <p:nvGrpSpPr>
+        <p:cNvPr id="1" name="">
+          <a:extLst>
+            <a:ext uri="{FF2B5EF4-FFF2-40B4-BE49-F238E27FC236}">
+              <a16:creationId xmlns:a16="http://schemas.microsoft.com/office/drawing/2014/main" id="{874FCDCC-A891-FAD2-7E8E-28DACE3CB6CC}"/>
+            </a:ext>
+          </a:extLst>
+        </p:cNvPr>
+        <p:cNvGrpSpPr/>
+        <p:nvPr/>
+      </p:nvGrpSpPr>
+      <p:grpSpPr>
+        <a:xfrm>
+          <a:off x="0" y="0"/>
+          <a:ext cx="0" cy="0"/>
+          <a:chOff x="0" y="0"/>
+          <a:chExt cx="0" cy="0"/>
+        </a:xfrm>
+      </p:grpSpPr>
+      <p:sp>
+        <p:nvSpPr>
+          <p:cNvPr id="2" name="Title 1">
+            <a:extLst>
+              <a:ext uri="{FF2B5EF4-FFF2-40B4-BE49-F238E27FC236}">
+                <a16:creationId xmlns:a16="http://schemas.microsoft.com/office/drawing/2014/main" id="{B88F9469-8BB5-D00E-F486-A613048D3379}"/>
+              </a:ext>
+            </a:extLst>
+          </p:cNvPr>
+          <p:cNvSpPr>
+            <a:spLocks noGrp="1"/>
+          </p:cNvSpPr>
+          <p:nvPr>
+            <p:ph type="title"/>
+          </p:nvPr>
+        </p:nvSpPr>
+        <p:spPr/>
+        <p:txBody>
+          <a:bodyPr/>
+          <a:lstStyle/>
+          <a:p>
+            <a:pPr marL="0" lvl="0" indent="0">
+              <a:buNone/>
+            </a:pPr>
+            <a:r>
+              <a:rPr lang="en-US" dirty="0"/>
+              <a:t>Zero-Inflated Response Regression</a:t>
+            </a:r>
+            <a:endParaRPr dirty="0"/>
+          </a:p>
+        </p:txBody>
+      </p:sp>
+      <mc:AlternateContent xmlns:mc="http://schemas.openxmlformats.org/markup-compatibility/2006">
+        <mc:Choice xmlns:a14="http://schemas.microsoft.com/office/drawing/2010/main" Requires="a14">
+          <p:sp>
+            <p:nvSpPr>
+              <p:cNvPr id="3" name="Content Placeholder 2">
+                <a:extLst>
+                  <a:ext uri="{FF2B5EF4-FFF2-40B4-BE49-F238E27FC236}">
+                    <a16:creationId xmlns:a16="http://schemas.microsoft.com/office/drawing/2014/main" id="{25B482F6-6F05-517A-F3BD-DC90A1974F63}"/>
+                  </a:ext>
+                </a:extLst>
+              </p:cNvPr>
+              <p:cNvSpPr>
+                <a:spLocks noGrp="1"/>
+              </p:cNvSpPr>
+              <p:nvPr>
+                <p:ph idx="1"/>
+              </p:nvPr>
+            </p:nvSpPr>
+            <p:spPr>
+              <a:xfrm>
+                <a:off x="457200" y="1200151"/>
+                <a:ext cx="8229600" cy="3621976"/>
+              </a:xfrm>
+            </p:spPr>
+            <p:txBody>
+              <a:bodyPr>
+                <a:normAutofit lnSpcReduction="10000"/>
+              </a:bodyPr>
+              <a:lstStyle/>
+              <a:p>
+                <a:pPr marL="0" lvl="0" indent="0">
+                  <a:buNone/>
+                </a:pPr>
+                <a:r>
+                  <a:rPr lang="en-US" dirty="0"/>
+                  <a:t>How can we fit a model with zero inflated distributions?  </a:t>
+                </a:r>
+              </a:p>
+              <a:p>
+                <a:r>
+                  <a:rPr lang="en-US" dirty="0"/>
+                  <a:t>Use an iterative solution</a:t>
+                </a:r>
+              </a:p>
+              <a:p>
+                <a:pPr marL="800100" lvl="1" indent="-457200">
+                  <a:buFont typeface="+mj-lt"/>
+                  <a:buAutoNum type="arabicPeriod"/>
+                </a:pPr>
+                <a:r>
+                  <a:rPr lang="en-US" dirty="0"/>
+                  <a:t>Estimate parameter(s) of switching distribution  </a:t>
+                </a:r>
+              </a:p>
+              <a:p>
+                <a:pPr marL="800100" lvl="1" indent="-457200">
+                  <a:buFont typeface="+mj-lt"/>
+                  <a:buAutoNum type="arabicPeriod"/>
+                </a:pPr>
+                <a:r>
+                  <a:rPr lang="en-US" dirty="0"/>
+                  <a:t>Estimate parameter(s) of other distribution </a:t>
+                </a:r>
+              </a:p>
+              <a:p>
+                <a:pPr marL="800100" lvl="1" indent="-457200">
+                  <a:buFont typeface="+mj-lt"/>
+                  <a:buAutoNum type="arabicPeriod"/>
+                </a:pPr>
+                <a:r>
+                  <a:rPr lang="en-US" dirty="0"/>
+                  <a:t>Repeat steps 1 and 2 until convergence  </a:t>
+                </a:r>
+              </a:p>
+              <a:p>
+                <a:r>
+                  <a:rPr lang="en-US" dirty="0"/>
+                  <a:t>Example, zero-inflated Poisson distribution  </a:t>
+                </a:r>
+              </a:p>
+              <a:p>
+                <a:pPr marL="800100" lvl="1" indent="-457200">
+                  <a:buFont typeface="+mj-lt"/>
+                  <a:buAutoNum type="arabicPeriod"/>
+                </a:pPr>
+                <a:r>
+                  <a:rPr lang="en-US" dirty="0"/>
+                  <a:t>Estimate parameter, </a:t>
+                </a:r>
+                <a14:m>
+                  <m:oMath xmlns:m="http://schemas.openxmlformats.org/officeDocument/2006/math">
+                    <m:r>
+                      <a:rPr lang="en-US" b="0" i="1" smtClean="0">
+                        <a:latin typeface="Cambria Math" panose="02040503050406030204" pitchFamily="18" charset="0"/>
+                        <a:ea typeface="Cambria Math" panose="02040503050406030204" pitchFamily="18" charset="0"/>
+                      </a:rPr>
+                      <m:t>𝜋</m:t>
+                    </m:r>
+                  </m:oMath>
+                </a14:m>
+                <a:r>
+                  <a:rPr lang="en-US" dirty="0"/>
+                  <a:t>, of binomial distribution as GLM</a:t>
+                </a:r>
+              </a:p>
+              <a:p>
+                <a:pPr marL="800100" lvl="1" indent="-457200">
+                  <a:buFont typeface="+mj-lt"/>
+                  <a:buAutoNum type="arabicPeriod"/>
+                </a:pPr>
+                <a:r>
+                  <a:rPr lang="en-US" dirty="0"/>
+                  <a:t>Estimate parameter, </a:t>
+                </a:r>
+                <a14:m>
+                  <m:oMath xmlns:m="http://schemas.openxmlformats.org/officeDocument/2006/math">
+                    <m:r>
+                      <a:rPr lang="en-US" b="0" i="1" smtClean="0">
+                        <a:latin typeface="Cambria Math" panose="02040503050406030204" pitchFamily="18" charset="0"/>
+                      </a:rPr>
+                      <m:t>𝑢</m:t>
+                    </m:r>
+                  </m:oMath>
+                </a14:m>
+                <a:r>
+                  <a:rPr lang="en-US" dirty="0"/>
+                  <a:t>, of Poisson distribution as GLM</a:t>
+                </a:r>
+              </a:p>
+              <a:p>
+                <a:pPr marL="800100" lvl="1" indent="-457200">
+                  <a:buFont typeface="+mj-lt"/>
+                  <a:buAutoNum type="arabicPeriod"/>
+                </a:pPr>
+                <a:r>
+                  <a:rPr lang="en-US" dirty="0"/>
+                  <a:t>Repeat steps 1 and 2 until convergence  </a:t>
+                </a:r>
+              </a:p>
+              <a:p>
+                <a:pPr marL="0" indent="0">
+                  <a:buNone/>
+                </a:pPr>
+                <a:endParaRPr lang="en-US" dirty="0"/>
+              </a:p>
+              <a:p>
+                <a:endParaRPr lang="en-US" dirty="0"/>
+              </a:p>
+              <a:p>
+                <a:endParaRPr lang="en-US" dirty="0"/>
+              </a:p>
+              <a:p>
+                <a:pPr lvl="0"/>
+                <a:endParaRPr dirty="0"/>
+              </a:p>
+            </p:txBody>
+          </p:sp>
+        </mc:Choice>
+        <mc:Fallback>
+          <p:sp>
+            <p:nvSpPr>
+              <p:cNvPr id="3" name="Content Placeholder 2">
+                <a:extLst>
+                  <a:ext uri="{FF2B5EF4-FFF2-40B4-BE49-F238E27FC236}">
+                    <a16:creationId xmlns:a16="http://schemas.microsoft.com/office/drawing/2014/main" id="{25B482F6-6F05-517A-F3BD-DC90A1974F63}"/>
+                  </a:ext>
+                </a:extLst>
+              </p:cNvPr>
+              <p:cNvSpPr>
+                <a:spLocks noGrp="1" noRot="1" noChangeAspect="1" noMove="1" noResize="1" noEditPoints="1" noAdjustHandles="1" noChangeArrowheads="1" noChangeShapeType="1" noTextEdit="1"/>
+              </p:cNvSpPr>
+              <p:nvPr>
+                <p:ph idx="1"/>
+              </p:nvPr>
+            </p:nvSpPr>
+            <p:spPr>
+              <a:xfrm>
+                <a:off x="457200" y="1200151"/>
+                <a:ext cx="8229600" cy="3621976"/>
+              </a:xfrm>
+              <a:blipFill>
+                <a:blip r:embed="rId2"/>
+                <a:stretch>
+                  <a:fillRect l="-1111" t="-2357"/>
+                </a:stretch>
+              </a:blipFill>
+            </p:spPr>
+            <p:txBody>
+              <a:bodyPr/>
+              <a:lstStyle/>
+              <a:p>
+                <a:r>
+                  <a:rPr lang="en-US">
+                    <a:noFill/>
+                  </a:rPr>
+                  <a:t> </a:t>
+                </a:r>
+              </a:p>
+            </p:txBody>
+          </p:sp>
+        </mc:Fallback>
+      </mc:AlternateContent>
+    </p:spTree>
+    <p:extLst>
+      <p:ext uri="{BB962C8B-B14F-4D97-AF65-F5344CB8AC3E}">
+        <p14:creationId xmlns:p14="http://schemas.microsoft.com/office/powerpoint/2010/main" val="3804392496"/>
+      </p:ext>
+    </p:extLst>
+  </p:cSld>
+  <p:clrMapOvr>
+    <a:masterClrMapping/>
+  </p:clrMapOvr>
+</p:sld>
+</file>
+
+<file path=ppt/slides/slide13.xml><?xml version="1.0" encoding="utf-8"?>
+<p:sld xmlns:a="http://schemas.openxmlformats.org/drawingml/2006/main" xmlns:r="http://schemas.openxmlformats.org/officeDocument/2006/relationships" xmlns:p="http://schemas.openxmlformats.org/presentationml/2006/main">
+  <p:cSld>
+    <p:spTree>
+      <p:nvGrpSpPr>
+        <p:cNvPr id="1" name="">
+          <a:extLst>
+            <a:ext uri="{FF2B5EF4-FFF2-40B4-BE49-F238E27FC236}">
               <a16:creationId xmlns:a16="http://schemas.microsoft.com/office/drawing/2014/main" id="{BCD5C1C8-BE41-6056-2236-1780797FA60D}"/>
             </a:ext>
           </a:extLst>
@@ -4190,7 +4644,7 @@
 </p:sld>
 </file>
 
-<file path=ppt/slides/slide12.xml><?xml version="1.0" encoding="utf-8"?>
+<file path=ppt/slides/slide14.xml><?xml version="1.0" encoding="utf-8"?>
 <p:sld xmlns:a="http://schemas.openxmlformats.org/drawingml/2006/main" xmlns:r="http://schemas.openxmlformats.org/officeDocument/2006/relationships" xmlns:p="http://schemas.openxmlformats.org/presentationml/2006/main">
   <p:cSld>
     <p:spTree>
@@ -4268,7 +4722,7 @@
         <p:spPr/>
         <p:txBody>
           <a:bodyPr>
-            <a:normAutofit fontScale="92500" lnSpcReduction="20000"/>
+            <a:normAutofit fontScale="77500" lnSpcReduction="20000"/>
           </a:bodyPr>
           <a:lstStyle/>
           <a:p>
@@ -4277,7 +4731,7 @@
             </a:pPr>
             <a:r>
               <a:rPr lang="en-US" dirty="0"/>
-              <a:t>Man </a:t>
+              <a:t>Over-dispersed response variables are commonly encountered     </a:t>
             </a:r>
             <a:endParaRPr dirty="0"/>
           </a:p>
@@ -4285,34 +4739,48 @@
             <a:pPr lvl="0"/>
             <a:r>
               <a:rPr lang="en-US" dirty="0"/>
-              <a:t>Most people who view an ecommerce site buy 0 products</a:t>
+              <a:t>Sales volume of a product can show have sudden surges</a:t>
             </a:r>
           </a:p>
           <a:p>
             <a:pPr lvl="0"/>
             <a:r>
               <a:rPr lang="en-US" dirty="0"/>
-              <a:t>Most auto drivers have no crashes per year </a:t>
+              <a:t>Demand on an electric grid can have extreme spikes beyond the mean load</a:t>
             </a:r>
           </a:p>
           <a:p>
             <a:pPr lvl="0"/>
             <a:r>
               <a:rPr lang="en-US" dirty="0"/>
-              <a:t>In much of the world the average rainfall amount on a specific day is 0 </a:t>
+              <a:t>Number of emergency patients seen at a hospital can surge well beyond the norm</a:t>
             </a:r>
           </a:p>
           <a:p>
             <a:pPr lvl="0"/>
             <a:r>
               <a:rPr lang="en-US" dirty="0"/>
-              <a:t>The number of sever weather events in a specific area per month is often 0  </a:t>
-            </a:r>
-          </a:p>
-          <a:p>
+              <a:t>Frequency of tornados is subject to outbreaks</a:t>
+            </a:r>
+          </a:p>
+          <a:p>
+            <a:pPr lvl="0"/>
             <a:r>
               <a:rPr lang="en-US" dirty="0"/>
-              <a:t>In epidemiology the probability distribution of the number of people contracting a disease in per day has many zeros</a:t>
+              <a:t>Number of publications by academic researchers where a few people have very high numbers</a:t>
+            </a:r>
+          </a:p>
+          <a:p>
+            <a:pPr lvl="0"/>
+            <a:r>
+              <a:rPr lang="en-US" dirty="0"/>
+              <a:t>The daily trading volume of a stock  can have spike on a few days</a:t>
+            </a:r>
+          </a:p>
+          <a:p>
+            <a:r>
+              <a:rPr lang="en-US" dirty="0"/>
+              <a:t>In epidemiology, the number of people contracting a disease is generally low, but can spike to large numbers</a:t>
             </a:r>
           </a:p>
           <a:p>
@@ -4340,7 +4808,7 @@
 </p:sld>
 </file>
 
-<file path=ppt/slides/slide13.xml><?xml version="1.0" encoding="utf-8"?>
+<file path=ppt/slides/slide15.xml><?xml version="1.0" encoding="utf-8"?>
 <p:sld xmlns:a="http://schemas.openxmlformats.org/drawingml/2006/main" xmlns:r="http://schemas.openxmlformats.org/officeDocument/2006/relationships" xmlns:p="http://schemas.openxmlformats.org/presentationml/2006/main">
   <p:cSld>
     <p:spTree>
@@ -4464,7 +4932,7 @@
 </p:sld>
 </file>
 
-<file path=ppt/slides/slide14.xml><?xml version="1.0" encoding="utf-8"?>
+<file path=ppt/slides/slide16.xml><?xml version="1.0" encoding="utf-8"?>
 <p:sld xmlns:a="http://schemas.openxmlformats.org/drawingml/2006/main" xmlns:r="http://schemas.openxmlformats.org/officeDocument/2006/relationships" xmlns:p="http://schemas.openxmlformats.org/presentationml/2006/main">
   <p:cSld>
     <p:spTree>
@@ -4549,14 +5017,21 @@
                 </a:pPr>
                 <a:r>
                   <a:rPr lang="en-US" dirty="0"/>
-                  <a:t>Mixtures of distributions</a:t>
-                </a:r>
+                  <a:t>How do we construct finite </a:t>
+                </a:r>
+                <a:r>
+                  <a:rPr lang="en-US" b="1" dirty="0">
+                    <a:hlinkClick r:id="rId2"/>
+                  </a:rPr>
+                  <a:t>mixtures of distributions</a:t>
+                </a:r>
+                <a:endParaRPr lang="en-US" b="1" dirty="0"/>
               </a:p>
               <a:p>
                 <a:pPr lvl="0"/>
                 <a:r>
                   <a:rPr lang="en-US" dirty="0"/>
-                  <a:t>Two components   </a:t>
+                  <a:t>Model has two components   </a:t>
                 </a:r>
               </a:p>
               <a:p>
@@ -4577,7 +5052,15 @@
                 <a:pPr lvl="0"/>
                 <a:r>
                   <a:rPr lang="en-US" dirty="0"/>
-                  <a:t>Example, mixture of three Normal distributions creates distribution with high dispersion   </a:t>
+                  <a:t>Example, </a:t>
+                </a:r>
+                <a:r>
+                  <a:rPr lang="en-US" b="1" dirty="0"/>
+                  <a:t>mixture of three Normal distributions </a:t>
+                </a:r>
+                <a:r>
+                  <a:rPr lang="en-US" dirty="0"/>
+                  <a:t>creates distribution with high dispersion   </a:t>
                 </a:r>
               </a:p>
               <a:p>
@@ -4949,7 +5432,7 @@
                 </a14:m>
                 <a:r>
                   <a:rPr lang="en-US" dirty="0"/>
-                  <a:t> respectively, and </a:t>
+                  <a:t> and </a:t>
                 </a:r>
                 <a14:m>
                   <m:oMath xmlns:m="http://schemas.openxmlformats.org/officeDocument/2006/math">
@@ -5047,7 +5530,10 @@
                     </m:sSub>
                   </m:oMath>
                 </a14:m>
-                <a:endParaRPr lang="en-US" dirty="0"/>
+                <a:r>
+                  <a:rPr lang="en-US" dirty="0"/>
+                  <a:t>  </a:t>
+                </a:r>
               </a:p>
               <a:p>
                 <a:pPr lvl="1"/>
@@ -5079,9 +5565,9 @@
             </p:nvSpPr>
             <p:spPr>
               <a:blipFill>
-                <a:blip r:embed="rId2"/>
+                <a:blip r:embed="rId3"/>
                 <a:stretch>
-                  <a:fillRect l="-963" t="-2334" r="-519"/>
+                  <a:fillRect l="-963" t="-2334"/>
                 </a:stretch>
               </a:blipFill>
             </p:spPr>
@@ -5113,7 +5599,3327 @@
 </p:sld>
 </file>
 
-<file path=ppt/slides/slide15.xml><?xml version="1.0" encoding="utf-8"?>
+<file path=ppt/slides/slide17.xml><?xml version="1.0" encoding="utf-8"?>
+<p:sld xmlns:a="http://schemas.openxmlformats.org/drawingml/2006/main" xmlns:r="http://schemas.openxmlformats.org/officeDocument/2006/relationships" xmlns:p="http://schemas.openxmlformats.org/presentationml/2006/main">
+  <p:cSld>
+    <p:spTree>
+      <p:nvGrpSpPr>
+        <p:cNvPr id="1" name="">
+          <a:extLst>
+            <a:ext uri="{FF2B5EF4-FFF2-40B4-BE49-F238E27FC236}">
+              <a16:creationId xmlns:a16="http://schemas.microsoft.com/office/drawing/2014/main" id="{04DB9F2A-0799-0329-3BFF-4F3FD9AC6D44}"/>
+            </a:ext>
+          </a:extLst>
+        </p:cNvPr>
+        <p:cNvGrpSpPr/>
+        <p:nvPr/>
+      </p:nvGrpSpPr>
+      <p:grpSpPr>
+        <a:xfrm>
+          <a:off x="0" y="0"/>
+          <a:ext cx="0" cy="0"/>
+          <a:chOff x="0" y="0"/>
+          <a:chExt cx="0" cy="0"/>
+        </a:xfrm>
+      </p:grpSpPr>
+      <p:sp>
+        <p:nvSpPr>
+          <p:cNvPr id="2" name="Title 1">
+            <a:extLst>
+              <a:ext uri="{FF2B5EF4-FFF2-40B4-BE49-F238E27FC236}">
+                <a16:creationId xmlns:a16="http://schemas.microsoft.com/office/drawing/2014/main" id="{7F7F8645-A612-547B-BE69-1774C4B4FB28}"/>
+              </a:ext>
+            </a:extLst>
+          </p:cNvPr>
+          <p:cNvSpPr>
+            <a:spLocks noGrp="1"/>
+          </p:cNvSpPr>
+          <p:nvPr>
+            <p:ph type="title"/>
+          </p:nvPr>
+        </p:nvSpPr>
+        <p:spPr/>
+        <p:txBody>
+          <a:bodyPr/>
+          <a:lstStyle/>
+          <a:p>
+            <a:pPr marL="0" lvl="0" indent="0">
+              <a:buNone/>
+            </a:pPr>
+            <a:r>
+              <a:rPr lang="en-US" dirty="0"/>
+              <a:t>Modeling Over-Dispersed Distributions</a:t>
+            </a:r>
+            <a:endParaRPr dirty="0"/>
+          </a:p>
+        </p:txBody>
+      </p:sp>
+      <p:sp>
+        <p:nvSpPr>
+          <p:cNvPr id="3" name="Content Placeholder 2">
+            <a:extLst>
+              <a:ext uri="{FF2B5EF4-FFF2-40B4-BE49-F238E27FC236}">
+                <a16:creationId xmlns:a16="http://schemas.microsoft.com/office/drawing/2014/main" id="{751178F1-CBE5-7762-35DD-4AB3F3A43C27}"/>
+              </a:ext>
+            </a:extLst>
+          </p:cNvPr>
+          <p:cNvSpPr>
+            <a:spLocks noGrp="1"/>
+          </p:cNvSpPr>
+          <p:nvPr>
+            <p:ph idx="1"/>
+          </p:nvPr>
+        </p:nvSpPr>
+        <p:spPr/>
+        <p:txBody>
+          <a:bodyPr>
+            <a:normAutofit fontScale="92500" lnSpcReduction="10000"/>
+          </a:bodyPr>
+          <a:lstStyle/>
+          <a:p>
+            <a:pPr marL="0" lvl="0" indent="0">
+              <a:buNone/>
+            </a:pPr>
+            <a:r>
+              <a:rPr lang="en-US" dirty="0"/>
+              <a:t>Many choices of </a:t>
+            </a:r>
+            <a:r>
+              <a:rPr lang="en-US" dirty="0">
+                <a:hlinkClick r:id="rId2"/>
+              </a:rPr>
+              <a:t>heavy tailed distributions </a:t>
+            </a:r>
+            <a:r>
+              <a:rPr lang="en-US" dirty="0"/>
+              <a:t>to model over-dispersed variables </a:t>
+            </a:r>
+            <a:endParaRPr dirty="0"/>
+          </a:p>
+          <a:p>
+            <a:pPr lvl="0"/>
+            <a:r>
+              <a:rPr lang="en-US" dirty="0"/>
+              <a:t>Student-t with low degrees of freedom</a:t>
+            </a:r>
+          </a:p>
+          <a:p>
+            <a:pPr lvl="0"/>
+            <a:r>
+              <a:rPr lang="en-US" dirty="0"/>
+              <a:t>Negative binomial</a:t>
+            </a:r>
+          </a:p>
+          <a:p>
+            <a:pPr lvl="0"/>
+            <a:r>
+              <a:rPr lang="en-US" dirty="0"/>
+              <a:t>Log-gamma</a:t>
+            </a:r>
+          </a:p>
+          <a:p>
+            <a:pPr lvl="0"/>
+            <a:r>
+              <a:rPr lang="en-US" dirty="0"/>
+              <a:t>Pareto</a:t>
+            </a:r>
+          </a:p>
+          <a:p>
+            <a:pPr lvl="0"/>
+            <a:r>
+              <a:rPr lang="en-US" dirty="0"/>
+              <a:t>Log-logistic</a:t>
+            </a:r>
+          </a:p>
+          <a:p>
+            <a:pPr lvl="0"/>
+            <a:r>
+              <a:rPr lang="en-US" dirty="0"/>
+              <a:t>Log-normal </a:t>
+            </a:r>
+          </a:p>
+          <a:p>
+            <a:pPr lvl="0"/>
+            <a:r>
+              <a:rPr lang="en-US" dirty="0"/>
+              <a:t>Etc.</a:t>
+            </a:r>
+            <a:endParaRPr dirty="0"/>
+          </a:p>
+        </p:txBody>
+      </p:sp>
+    </p:spTree>
+    <p:extLst>
+      <p:ext uri="{BB962C8B-B14F-4D97-AF65-F5344CB8AC3E}">
+        <p14:creationId xmlns:p14="http://schemas.microsoft.com/office/powerpoint/2010/main" val="647734766"/>
+      </p:ext>
+    </p:extLst>
+  </p:cSld>
+  <p:clrMapOvr>
+    <a:masterClrMapping/>
+  </p:clrMapOvr>
+</p:sld>
+</file>
+
+<file path=ppt/slides/slide18.xml><?xml version="1.0" encoding="utf-8"?>
+<p:sld xmlns:a="http://schemas.openxmlformats.org/drawingml/2006/main" xmlns:r="http://schemas.openxmlformats.org/officeDocument/2006/relationships" xmlns:p="http://schemas.openxmlformats.org/presentationml/2006/main">
+  <p:cSld>
+    <p:spTree>
+      <p:nvGrpSpPr>
+        <p:cNvPr id="1" name="">
+          <a:extLst>
+            <a:ext uri="{FF2B5EF4-FFF2-40B4-BE49-F238E27FC236}">
+              <a16:creationId xmlns:a16="http://schemas.microsoft.com/office/drawing/2014/main" id="{405B436B-EC23-FEE9-FC8D-FF8C5CEDB699}"/>
+            </a:ext>
+          </a:extLst>
+        </p:cNvPr>
+        <p:cNvGrpSpPr/>
+        <p:nvPr/>
+      </p:nvGrpSpPr>
+      <p:grpSpPr>
+        <a:xfrm>
+          <a:off x="0" y="0"/>
+          <a:ext cx="0" cy="0"/>
+          <a:chOff x="0" y="0"/>
+          <a:chExt cx="0" cy="0"/>
+        </a:xfrm>
+      </p:grpSpPr>
+      <p:sp>
+        <p:nvSpPr>
+          <p:cNvPr id="2" name="Title 1">
+            <a:extLst>
+              <a:ext uri="{FF2B5EF4-FFF2-40B4-BE49-F238E27FC236}">
+                <a16:creationId xmlns:a16="http://schemas.microsoft.com/office/drawing/2014/main" id="{00191029-867C-D91C-69AA-494FD00088A5}"/>
+              </a:ext>
+            </a:extLst>
+          </p:cNvPr>
+          <p:cNvSpPr>
+            <a:spLocks noGrp="1"/>
+          </p:cNvSpPr>
+          <p:nvPr>
+            <p:ph type="title"/>
+          </p:nvPr>
+        </p:nvSpPr>
+        <p:spPr/>
+        <p:txBody>
+          <a:bodyPr/>
+          <a:lstStyle/>
+          <a:p>
+            <a:pPr marL="0" lvl="0" indent="0">
+              <a:buNone/>
+            </a:pPr>
+            <a:r>
+              <a:rPr lang="en-US" dirty="0"/>
+              <a:t>Negative Binomial Distribution</a:t>
+            </a:r>
+            <a:endParaRPr dirty="0"/>
+          </a:p>
+        </p:txBody>
+      </p:sp>
+      <mc:AlternateContent xmlns:mc="http://schemas.openxmlformats.org/markup-compatibility/2006">
+        <mc:Choice xmlns:a14="http://schemas.microsoft.com/office/drawing/2010/main" Requires="a14">
+          <p:sp>
+            <p:nvSpPr>
+              <p:cNvPr id="3" name="Content Placeholder 2">
+                <a:extLst>
+                  <a:ext uri="{FF2B5EF4-FFF2-40B4-BE49-F238E27FC236}">
+                    <a16:creationId xmlns:a16="http://schemas.microsoft.com/office/drawing/2014/main" id="{83D034CF-91F6-FE3D-104F-E5818A54504D}"/>
+                  </a:ext>
+                </a:extLst>
+              </p:cNvPr>
+              <p:cNvSpPr>
+                <a:spLocks noGrp="1"/>
+              </p:cNvSpPr>
+              <p:nvPr>
+                <p:ph idx="1"/>
+              </p:nvPr>
+            </p:nvSpPr>
+            <p:spPr>
+              <a:xfrm>
+                <a:off x="0" y="1137920"/>
+                <a:ext cx="8229600" cy="3616959"/>
+              </a:xfrm>
+            </p:spPr>
+            <p:txBody>
+              <a:bodyPr>
+                <a:normAutofit fontScale="92500" lnSpcReduction="20000"/>
+              </a:bodyPr>
+              <a:lstStyle/>
+              <a:p>
+                <a:pPr marL="0" lvl="0" indent="0">
+                  <a:buNone/>
+                </a:pPr>
+                <a:r>
+                  <a:rPr lang="en-US" dirty="0"/>
+                  <a:t>The </a:t>
+                </a:r>
+                <a14:m>
+                  <m:oMath xmlns:m="http://schemas.openxmlformats.org/officeDocument/2006/math">
+                    <m:r>
+                      <a:rPr lang="en-US" b="1" i="0" dirty="0" smtClean="0">
+                        <a:latin typeface="Cambria Math" panose="02040503050406030204" pitchFamily="18" charset="0"/>
+                        <a:hlinkClick r:id="rId2"/>
+                      </a:rPr>
+                      <m:t>𝐧𝐞𝐠𝐚𝐭𝐢𝐯𝐞</m:t>
+                    </m:r>
+                    <m:r>
+                      <a:rPr lang="en-US" b="1" i="0" dirty="0" smtClean="0">
+                        <a:latin typeface="Cambria Math" panose="02040503050406030204" pitchFamily="18" charset="0"/>
+                        <a:hlinkClick r:id="rId2"/>
+                      </a:rPr>
+                      <m:t> </m:t>
+                    </m:r>
+                    <m:r>
+                      <a:rPr lang="en-US" b="1" i="0" dirty="0" smtClean="0">
+                        <a:latin typeface="Cambria Math" panose="02040503050406030204" pitchFamily="18" charset="0"/>
+                        <a:hlinkClick r:id="rId2"/>
+                      </a:rPr>
+                      <m:t>𝐛𝐢𝐧𝐨𝐦𝐢𝐚𝐥</m:t>
+                    </m:r>
+                    <m:r>
+                      <a:rPr lang="en-US" b="1" i="0" dirty="0" smtClean="0">
+                        <a:latin typeface="Cambria Math" panose="02040503050406030204" pitchFamily="18" charset="0"/>
+                        <a:hlinkClick r:id="rId2"/>
+                      </a:rPr>
+                      <m:t> </m:t>
+                    </m:r>
+                    <m:r>
+                      <a:rPr lang="en-US" b="1" i="0" dirty="0" smtClean="0">
+                        <a:latin typeface="Cambria Math" panose="02040503050406030204" pitchFamily="18" charset="0"/>
+                        <a:hlinkClick r:id="rId2"/>
+                      </a:rPr>
+                      <m:t>𝐝𝐢𝐬𝐭𝐫𝐢𝐛𝐮𝐭𝐢𝐨𝐧</m:t>
+                    </m:r>
+                    <m:r>
+                      <a:rPr lang="en-US" b="1" i="0" dirty="0" smtClean="0">
+                        <a:latin typeface="Cambria Math" panose="02040503050406030204" pitchFamily="18" charset="0"/>
+                        <a:hlinkClick r:id="rId2"/>
+                      </a:rPr>
+                      <m:t> </m:t>
+                    </m:r>
+                  </m:oMath>
+                </a14:m>
+                <a:r>
+                  <a:rPr lang="en-US" dirty="0"/>
+                  <a:t>is a generalization of the Poisson distribution </a:t>
+                </a:r>
+              </a:p>
+              <a:p>
+                <a:r>
+                  <a:rPr lang="en-US" dirty="0"/>
+                  <a:t>The general form of the negative binomial distribution   </a:t>
+                </a:r>
+              </a:p>
+              <a:p>
+                <a:pPr marL="0" indent="0">
+                  <a:buNone/>
+                </a:pPr>
+                <a14:m>
+                  <m:oMathPara xmlns:m="http://schemas.openxmlformats.org/officeDocument/2006/math">
+                    <m:oMathParaPr>
+                      <m:jc m:val="centerGroup"/>
+                    </m:oMathParaPr>
+                    <m:oMath xmlns:m="http://schemas.openxmlformats.org/officeDocument/2006/math">
+                      <m:r>
+                        <a:rPr lang="en-US" b="0" i="1" smtClean="0">
+                          <a:latin typeface="Cambria Math" panose="02040503050406030204" pitchFamily="18" charset="0"/>
+                        </a:rPr>
+                        <m:t>𝑓</m:t>
+                      </m:r>
+                      <m:d>
+                        <m:dPr>
+                          <m:ctrlPr>
+                            <a:rPr lang="en-US" b="0" i="1" smtClean="0">
+                              <a:latin typeface="Cambria Math" panose="02040503050406030204" pitchFamily="18" charset="0"/>
+                            </a:rPr>
+                          </m:ctrlPr>
+                        </m:dPr>
+                        <m:e>
+                          <m:r>
+                            <a:rPr lang="en-US" b="0" i="1" smtClean="0">
+                              <a:latin typeface="Cambria Math" panose="02040503050406030204" pitchFamily="18" charset="0"/>
+                            </a:rPr>
+                            <m:t>𝑘</m:t>
+                          </m:r>
+                          <m:r>
+                            <a:rPr lang="en-US" b="0" i="1" smtClean="0">
+                              <a:latin typeface="Cambria Math" panose="02040503050406030204" pitchFamily="18" charset="0"/>
+                            </a:rPr>
+                            <m:t> | </m:t>
+                          </m:r>
+                          <m:r>
+                            <a:rPr lang="en-US" b="0" i="1" smtClean="0">
+                              <a:latin typeface="Cambria Math" panose="02040503050406030204" pitchFamily="18" charset="0"/>
+                            </a:rPr>
+                            <m:t>𝑛</m:t>
+                          </m:r>
+                          <m:r>
+                            <a:rPr lang="en-US" b="0" i="1" smtClean="0">
+                              <a:latin typeface="Cambria Math" panose="02040503050406030204" pitchFamily="18" charset="0"/>
+                            </a:rPr>
+                            <m:t>, </m:t>
+                          </m:r>
+                          <m:r>
+                            <a:rPr lang="en-US" b="0" i="1" smtClean="0">
+                              <a:latin typeface="Cambria Math" panose="02040503050406030204" pitchFamily="18" charset="0"/>
+                            </a:rPr>
+                            <m:t>𝑝</m:t>
+                          </m:r>
+                        </m:e>
+                      </m:d>
+                      <m:r>
+                        <a:rPr lang="en-US" b="0" i="1" smtClean="0">
+                          <a:latin typeface="Cambria Math" panose="02040503050406030204" pitchFamily="18" charset="0"/>
+                        </a:rPr>
+                        <m:t>=</m:t>
+                      </m:r>
+                      <m:d>
+                        <m:dPr>
+                          <m:ctrlPr>
+                            <a:rPr lang="en-US" b="0" i="1" smtClean="0">
+                              <a:latin typeface="Cambria Math" panose="02040503050406030204" pitchFamily="18" charset="0"/>
+                            </a:rPr>
+                          </m:ctrlPr>
+                        </m:dPr>
+                        <m:e>
+                          <m:m>
+                            <m:mPr>
+                              <m:mcs>
+                                <m:mc>
+                                  <m:mcPr>
+                                    <m:count m:val="1"/>
+                                    <m:mcJc m:val="center"/>
+                                  </m:mcPr>
+                                </m:mc>
+                              </m:mcs>
+                              <m:ctrlPr>
+                                <a:rPr lang="en-US" b="0" i="1" smtClean="0">
+                                  <a:latin typeface="Cambria Math" panose="02040503050406030204" pitchFamily="18" charset="0"/>
+                                </a:rPr>
+                              </m:ctrlPr>
+                            </m:mPr>
+                            <m:mr>
+                              <m:e>
+                                <m:r>
+                                  <m:rPr>
+                                    <m:brk m:alnAt="7"/>
+                                  </m:rPr>
+                                  <a:rPr lang="en-US" b="0" i="1" smtClean="0">
+                                    <a:latin typeface="Cambria Math" panose="02040503050406030204" pitchFamily="18" charset="0"/>
+                                  </a:rPr>
+                                  <m:t>𝑘</m:t>
+                                </m:r>
+                                <m:r>
+                                  <a:rPr lang="en-US" b="0" i="1" smtClean="0">
+                                    <a:latin typeface="Cambria Math" panose="02040503050406030204" pitchFamily="18" charset="0"/>
+                                  </a:rPr>
+                                  <m:t>+</m:t>
+                                </m:r>
+                                <m:r>
+                                  <a:rPr lang="en-US" b="0" i="1" smtClean="0">
+                                    <a:latin typeface="Cambria Math" panose="02040503050406030204" pitchFamily="18" charset="0"/>
+                                  </a:rPr>
+                                  <m:t>𝑛</m:t>
+                                </m:r>
+                                <m:r>
+                                  <a:rPr lang="en-US" b="0" i="1" smtClean="0">
+                                    <a:latin typeface="Cambria Math" panose="02040503050406030204" pitchFamily="18" charset="0"/>
+                                  </a:rPr>
+                                  <m:t>−1</m:t>
+                                </m:r>
+                              </m:e>
+                            </m:mr>
+                            <m:mr>
+                              <m:e>
+                                <m:r>
+                                  <a:rPr lang="en-US" b="0" i="1" smtClean="0">
+                                    <a:latin typeface="Cambria Math" panose="02040503050406030204" pitchFamily="18" charset="0"/>
+                                  </a:rPr>
+                                  <m:t>𝑛</m:t>
+                                </m:r>
+                                <m:r>
+                                  <a:rPr lang="en-US" b="0" i="1" smtClean="0">
+                                    <a:latin typeface="Cambria Math" panose="02040503050406030204" pitchFamily="18" charset="0"/>
+                                  </a:rPr>
+                                  <m:t>−1</m:t>
+                                </m:r>
+                              </m:e>
+                            </m:mr>
+                          </m:m>
+                        </m:e>
+                      </m:d>
+                      <m:sSup>
+                        <m:sSupPr>
+                          <m:ctrlPr>
+                            <a:rPr lang="en-US" b="0" i="1" smtClean="0">
+                              <a:latin typeface="Cambria Math" panose="02040503050406030204" pitchFamily="18" charset="0"/>
+                            </a:rPr>
+                          </m:ctrlPr>
+                        </m:sSupPr>
+                        <m:e>
+                          <m:r>
+                            <a:rPr lang="en-US" b="0" i="1" smtClean="0">
+                              <a:latin typeface="Cambria Math" panose="02040503050406030204" pitchFamily="18" charset="0"/>
+                            </a:rPr>
+                            <m:t>𝑝</m:t>
+                          </m:r>
+                        </m:e>
+                        <m:sup>
+                          <m:r>
+                            <a:rPr lang="en-US" b="0" i="1" smtClean="0">
+                              <a:latin typeface="Cambria Math" panose="02040503050406030204" pitchFamily="18" charset="0"/>
+                            </a:rPr>
+                            <m:t>𝑛</m:t>
+                          </m:r>
+                        </m:sup>
+                      </m:sSup>
+                      <m:sSup>
+                        <m:sSupPr>
+                          <m:ctrlPr>
+                            <a:rPr lang="en-US" b="0" i="1" smtClean="0">
+                              <a:latin typeface="Cambria Math" panose="02040503050406030204" pitchFamily="18" charset="0"/>
+                            </a:rPr>
+                          </m:ctrlPr>
+                        </m:sSupPr>
+                        <m:e>
+                          <m:d>
+                            <m:dPr>
+                              <m:ctrlPr>
+                                <a:rPr lang="en-US" b="0" i="1" smtClean="0">
+                                  <a:latin typeface="Cambria Math" panose="02040503050406030204" pitchFamily="18" charset="0"/>
+                                </a:rPr>
+                              </m:ctrlPr>
+                            </m:dPr>
+                            <m:e>
+                              <m:r>
+                                <a:rPr lang="en-US" b="0" i="1" smtClean="0">
+                                  <a:latin typeface="Cambria Math" panose="02040503050406030204" pitchFamily="18" charset="0"/>
+                                </a:rPr>
+                                <m:t>1−</m:t>
+                              </m:r>
+                              <m:r>
+                                <a:rPr lang="en-US" b="0" i="1" smtClean="0">
+                                  <a:latin typeface="Cambria Math" panose="02040503050406030204" pitchFamily="18" charset="0"/>
+                                </a:rPr>
+                                <m:t>𝑝</m:t>
+                              </m:r>
+                            </m:e>
+                          </m:d>
+                        </m:e>
+                        <m:sup>
+                          <m:r>
+                            <a:rPr lang="en-US" b="0" i="1" smtClean="0">
+                              <a:latin typeface="Cambria Math" panose="02040503050406030204" pitchFamily="18" charset="0"/>
+                            </a:rPr>
+                            <m:t>𝑘</m:t>
+                          </m:r>
+                        </m:sup>
+                      </m:sSup>
+                    </m:oMath>
+                  </m:oMathPara>
+                </a14:m>
+                <a:endParaRPr lang="en-US" dirty="0"/>
+              </a:p>
+              <a:p>
+                <a:pPr marL="342900" lvl="1" indent="0">
+                  <a:buNone/>
+                </a:pPr>
+                <a:r>
+                  <a:rPr lang="en-US" dirty="0"/>
+                  <a:t>Where </a:t>
+                </a:r>
+              </a:p>
+              <a:p>
+                <a:pPr marL="342900" lvl="1" indent="0">
+                  <a:buNone/>
+                </a:pPr>
+                <a14:m>
+                  <m:oMath xmlns:m="http://schemas.openxmlformats.org/officeDocument/2006/math">
+                    <m:r>
+                      <a:rPr lang="en-US" b="0" i="1" smtClean="0">
+                        <a:latin typeface="Cambria Math" panose="02040503050406030204" pitchFamily="18" charset="0"/>
+                      </a:rPr>
+                      <m:t>𝑛</m:t>
+                    </m:r>
+                    <m:r>
+                      <a:rPr lang="en-US" b="0" i="1" smtClean="0">
+                        <a:latin typeface="Cambria Math" panose="02040503050406030204" pitchFamily="18" charset="0"/>
+                      </a:rPr>
+                      <m:t>=</m:t>
+                    </m:r>
+                  </m:oMath>
+                </a14:m>
+                <a:r>
+                  <a:rPr lang="en-US" dirty="0"/>
+                  <a:t> number of trials</a:t>
+                </a:r>
+              </a:p>
+              <a:p>
+                <a:pPr marL="342900" lvl="1" indent="0">
+                  <a:buNone/>
+                </a:pPr>
+                <a14:m>
+                  <m:oMath xmlns:m="http://schemas.openxmlformats.org/officeDocument/2006/math">
+                    <m:r>
+                      <a:rPr lang="en-US" b="0" i="1" smtClean="0">
+                        <a:latin typeface="Cambria Math" panose="02040503050406030204" pitchFamily="18" charset="0"/>
+                      </a:rPr>
+                      <m:t>𝑘</m:t>
+                    </m:r>
+                    <m:r>
+                      <a:rPr lang="en-US" b="0" i="1" smtClean="0">
+                        <a:latin typeface="Cambria Math" panose="02040503050406030204" pitchFamily="18" charset="0"/>
+                      </a:rPr>
+                      <m:t>=</m:t>
+                    </m:r>
+                  </m:oMath>
+                </a14:m>
+                <a:r>
+                  <a:rPr lang="en-US" dirty="0"/>
+                  <a:t> number of successes</a:t>
+                </a:r>
+              </a:p>
+              <a:p>
+                <a:pPr marL="342900" lvl="1" indent="0">
+                  <a:buNone/>
+                </a:pPr>
+                <a14:m>
+                  <m:oMath xmlns:m="http://schemas.openxmlformats.org/officeDocument/2006/math">
+                    <m:r>
+                      <a:rPr lang="en-US" b="0" i="1" smtClean="0">
+                        <a:latin typeface="Cambria Math" panose="02040503050406030204" pitchFamily="18" charset="0"/>
+                      </a:rPr>
+                      <m:t>𝑝</m:t>
+                    </m:r>
+                    <m:r>
+                      <a:rPr lang="en-US" b="0" i="1" smtClean="0">
+                        <a:latin typeface="Cambria Math" panose="02040503050406030204" pitchFamily="18" charset="0"/>
+                      </a:rPr>
+                      <m:t>=</m:t>
+                    </m:r>
+                  </m:oMath>
+                </a14:m>
+                <a:r>
+                  <a:rPr lang="en-US" dirty="0"/>
+                  <a:t> probability of success</a:t>
+                </a:r>
+              </a:p>
+              <a:p>
+                <a:pPr marL="342900" lvl="1" indent="0">
+                  <a:buNone/>
+                </a:pPr>
+                <a14:m>
+                  <m:oMath xmlns:m="http://schemas.openxmlformats.org/officeDocument/2006/math">
+                    <m:d>
+                      <m:dPr>
+                        <m:ctrlPr>
+                          <a:rPr lang="en-US" i="1" smtClean="0">
+                            <a:latin typeface="Cambria Math" panose="02040503050406030204" pitchFamily="18" charset="0"/>
+                          </a:rPr>
+                        </m:ctrlPr>
+                      </m:dPr>
+                      <m:e>
+                        <m:m>
+                          <m:mPr>
+                            <m:mcs>
+                              <m:mc>
+                                <m:mcPr>
+                                  <m:count m:val="1"/>
+                                  <m:mcJc m:val="center"/>
+                                </m:mcPr>
+                              </m:mc>
+                            </m:mcs>
+                            <m:ctrlPr>
+                              <a:rPr lang="en-US" i="1" smtClean="0">
+                                <a:latin typeface="Cambria Math" panose="02040503050406030204" pitchFamily="18" charset="0"/>
+                              </a:rPr>
+                            </m:ctrlPr>
+                          </m:mPr>
+                          <m:mr>
+                            <m:e>
+                              <m:r>
+                                <m:rPr>
+                                  <m:brk m:alnAt="7"/>
+                                </m:rPr>
+                                <a:rPr lang="en-US" b="0" i="1" smtClean="0">
+                                  <a:latin typeface="Cambria Math" panose="02040503050406030204" pitchFamily="18" charset="0"/>
+                                </a:rPr>
+                                <m:t>𝑛</m:t>
+                              </m:r>
+                            </m:e>
+                          </m:mr>
+                          <m:mr>
+                            <m:e>
+                              <m:r>
+                                <a:rPr lang="en-US" b="0" i="1" smtClean="0">
+                                  <a:latin typeface="Cambria Math" panose="02040503050406030204" pitchFamily="18" charset="0"/>
+                                </a:rPr>
+                                <m:t>𝑘</m:t>
+                              </m:r>
+                            </m:e>
+                          </m:mr>
+                        </m:m>
+                      </m:e>
+                    </m:d>
+                    <m:r>
+                      <a:rPr lang="en-US" b="0" i="1" smtClean="0">
+                        <a:latin typeface="Cambria Math" panose="02040503050406030204" pitchFamily="18" charset="0"/>
+                      </a:rPr>
+                      <m:t>=</m:t>
+                    </m:r>
+                  </m:oMath>
+                </a14:m>
+                <a:r>
+                  <a:rPr lang="en-US" dirty="0"/>
+                  <a:t> </a:t>
+                </a:r>
+                <a14:m>
+                  <m:oMath xmlns:m="http://schemas.openxmlformats.org/officeDocument/2006/math">
+                    <m:r>
+                      <a:rPr lang="en-US" b="1" i="0" dirty="0" smtClean="0">
+                        <a:latin typeface="Cambria Math" panose="02040503050406030204" pitchFamily="18" charset="0"/>
+                      </a:rPr>
+                      <m:t>𝐛𝐢𝐧𝐨𝐦𝐢𝐚𝐥</m:t>
+                    </m:r>
+                    <m:r>
+                      <a:rPr lang="en-US" b="1" i="0" dirty="0" smtClean="0">
+                        <a:latin typeface="Cambria Math" panose="02040503050406030204" pitchFamily="18" charset="0"/>
+                      </a:rPr>
+                      <m:t> </m:t>
+                    </m:r>
+                    <m:r>
+                      <a:rPr lang="en-US" b="1" i="0" dirty="0" smtClean="0">
+                        <a:latin typeface="Cambria Math" panose="02040503050406030204" pitchFamily="18" charset="0"/>
+                      </a:rPr>
+                      <m:t>𝐜𝐨𝐞𝐟𝐟𝐢𝐜𝐢𝐞𝐧𝐭</m:t>
+                    </m:r>
+                  </m:oMath>
+                </a14:m>
+                <a:r>
+                  <a:rPr lang="en-US" dirty="0"/>
+                  <a:t>, pronounced </a:t>
+                </a:r>
+                <a14:m>
+                  <m:oMath xmlns:m="http://schemas.openxmlformats.org/officeDocument/2006/math">
+                    <m:r>
+                      <a:rPr lang="en-US" i="1">
+                        <a:latin typeface="Cambria Math" panose="02040503050406030204" pitchFamily="18" charset="0"/>
+                      </a:rPr>
+                      <m:t>𝑛</m:t>
+                    </m:r>
+                  </m:oMath>
+                </a14:m>
+                <a:r>
+                  <a:rPr lang="en-US" dirty="0"/>
+                  <a:t> choose </a:t>
+                </a:r>
+                <a14:m>
+                  <m:oMath xmlns:m="http://schemas.openxmlformats.org/officeDocument/2006/math">
+                    <m:r>
+                      <a:rPr lang="en-US" i="1">
+                        <a:latin typeface="Cambria Math" panose="02040503050406030204" pitchFamily="18" charset="0"/>
+                      </a:rPr>
+                      <m:t>𝑘</m:t>
+                    </m:r>
+                  </m:oMath>
+                </a14:m>
+                <a:r>
+                  <a:rPr lang="en-US" dirty="0"/>
+                  <a:t>, is the number of combinations of size </a:t>
+                </a:r>
+                <a14:m>
+                  <m:oMath xmlns:m="http://schemas.openxmlformats.org/officeDocument/2006/math">
+                    <m:r>
+                      <a:rPr lang="en-US" i="1">
+                        <a:latin typeface="Cambria Math" panose="02040503050406030204" pitchFamily="18" charset="0"/>
+                      </a:rPr>
+                      <m:t>𝑘</m:t>
+                    </m:r>
+                  </m:oMath>
+                </a14:m>
+                <a:r>
+                  <a:rPr lang="en-US" dirty="0"/>
+                  <a:t> from </a:t>
+                </a:r>
+                <a14:m>
+                  <m:oMath xmlns:m="http://schemas.openxmlformats.org/officeDocument/2006/math">
+                    <m:r>
+                      <a:rPr lang="en-US" i="1">
+                        <a:latin typeface="Cambria Math" panose="02040503050406030204" pitchFamily="18" charset="0"/>
+                      </a:rPr>
+                      <m:t>𝑛</m:t>
+                    </m:r>
+                  </m:oMath>
+                </a14:m>
+                <a:r>
+                  <a:rPr lang="en-US" dirty="0"/>
+                  <a:t> items</a:t>
+                </a:r>
+              </a:p>
+            </p:txBody>
+          </p:sp>
+        </mc:Choice>
+        <mc:Fallback>
+          <p:sp>
+            <p:nvSpPr>
+              <p:cNvPr id="3" name="Content Placeholder 2">
+                <a:extLst>
+                  <a:ext uri="{FF2B5EF4-FFF2-40B4-BE49-F238E27FC236}">
+                    <a16:creationId xmlns:a16="http://schemas.microsoft.com/office/drawing/2014/main" id="{83D034CF-91F6-FE3D-104F-E5818A54504D}"/>
+                  </a:ext>
+                </a:extLst>
+              </p:cNvPr>
+              <p:cNvSpPr>
+                <a:spLocks noGrp="1" noRot="1" noChangeAspect="1" noMove="1" noResize="1" noEditPoints="1" noAdjustHandles="1" noChangeArrowheads="1" noChangeShapeType="1" noTextEdit="1"/>
+              </p:cNvSpPr>
+              <p:nvPr>
+                <p:ph idx="1"/>
+              </p:nvPr>
+            </p:nvSpPr>
+            <p:spPr>
+              <a:xfrm>
+                <a:off x="0" y="1137920"/>
+                <a:ext cx="8229600" cy="3616959"/>
+              </a:xfrm>
+              <a:blipFill>
+                <a:blip r:embed="rId3"/>
+                <a:stretch>
+                  <a:fillRect l="-963" t="-2867"/>
+                </a:stretch>
+              </a:blipFill>
+            </p:spPr>
+            <p:txBody>
+              <a:bodyPr/>
+              <a:lstStyle/>
+              <a:p>
+                <a:r>
+                  <a:rPr lang="en-US">
+                    <a:noFill/>
+                  </a:rPr>
+                  <a:t> </a:t>
+                </a:r>
+              </a:p>
+            </p:txBody>
+          </p:sp>
+        </mc:Fallback>
+      </mc:AlternateContent>
+    </p:spTree>
+    <p:extLst>
+      <p:ext uri="{BB962C8B-B14F-4D97-AF65-F5344CB8AC3E}">
+        <p14:creationId xmlns:p14="http://schemas.microsoft.com/office/powerpoint/2010/main" val="2992124848"/>
+      </p:ext>
+    </p:extLst>
+  </p:cSld>
+  <p:clrMapOvr>
+    <a:masterClrMapping/>
+  </p:clrMapOvr>
+</p:sld>
+</file>
+
+<file path=ppt/slides/slide19.xml><?xml version="1.0" encoding="utf-8"?>
+<p:sld xmlns:a="http://schemas.openxmlformats.org/drawingml/2006/main" xmlns:r="http://schemas.openxmlformats.org/officeDocument/2006/relationships" xmlns:p="http://schemas.openxmlformats.org/presentationml/2006/main">
+  <p:cSld>
+    <p:spTree>
+      <p:nvGrpSpPr>
+        <p:cNvPr id="1" name="">
+          <a:extLst>
+            <a:ext uri="{FF2B5EF4-FFF2-40B4-BE49-F238E27FC236}">
+              <a16:creationId xmlns:a16="http://schemas.microsoft.com/office/drawing/2014/main" id="{57826A59-C31D-CA4F-22DC-CE0BC44AC61D}"/>
+            </a:ext>
+          </a:extLst>
+        </p:cNvPr>
+        <p:cNvGrpSpPr/>
+        <p:nvPr/>
+      </p:nvGrpSpPr>
+      <p:grpSpPr>
+        <a:xfrm>
+          <a:off x="0" y="0"/>
+          <a:ext cx="0" cy="0"/>
+          <a:chOff x="0" y="0"/>
+          <a:chExt cx="0" cy="0"/>
+        </a:xfrm>
+      </p:grpSpPr>
+      <p:sp>
+        <p:nvSpPr>
+          <p:cNvPr id="2" name="Title 1">
+            <a:extLst>
+              <a:ext uri="{FF2B5EF4-FFF2-40B4-BE49-F238E27FC236}">
+                <a16:creationId xmlns:a16="http://schemas.microsoft.com/office/drawing/2014/main" id="{35083BF8-D3F1-8411-50B3-B0EACB4B9A13}"/>
+              </a:ext>
+            </a:extLst>
+          </p:cNvPr>
+          <p:cNvSpPr>
+            <a:spLocks noGrp="1"/>
+          </p:cNvSpPr>
+          <p:nvPr>
+            <p:ph type="title"/>
+          </p:nvPr>
+        </p:nvSpPr>
+        <p:spPr/>
+        <p:txBody>
+          <a:bodyPr/>
+          <a:lstStyle/>
+          <a:p>
+            <a:pPr marL="0" lvl="0" indent="0">
+              <a:buNone/>
+            </a:pPr>
+            <a:r>
+              <a:rPr lang="en-US" dirty="0"/>
+              <a:t>Negative Binomial Distribution</a:t>
+            </a:r>
+            <a:endParaRPr dirty="0"/>
+          </a:p>
+        </p:txBody>
+      </p:sp>
+      <mc:AlternateContent xmlns:mc="http://schemas.openxmlformats.org/markup-compatibility/2006">
+        <mc:Choice xmlns:a14="http://schemas.microsoft.com/office/drawing/2010/main" Requires="a14">
+          <p:sp>
+            <p:nvSpPr>
+              <p:cNvPr id="3" name="Content Placeholder 2">
+                <a:extLst>
+                  <a:ext uri="{FF2B5EF4-FFF2-40B4-BE49-F238E27FC236}">
+                    <a16:creationId xmlns:a16="http://schemas.microsoft.com/office/drawing/2014/main" id="{B27160E7-1674-F41A-2EC9-D8EC46BD8088}"/>
+                  </a:ext>
+                </a:extLst>
+              </p:cNvPr>
+              <p:cNvSpPr>
+                <a:spLocks noGrp="1"/>
+              </p:cNvSpPr>
+              <p:nvPr>
+                <p:ph idx="1"/>
+              </p:nvPr>
+            </p:nvSpPr>
+            <p:spPr>
+              <a:xfrm>
+                <a:off x="457200" y="1105408"/>
+                <a:ext cx="8229600" cy="3616959"/>
+              </a:xfrm>
+            </p:spPr>
+            <p:txBody>
+              <a:bodyPr>
+                <a:normAutofit fontScale="92500" lnSpcReduction="10000"/>
+              </a:bodyPr>
+              <a:lstStyle/>
+              <a:p>
+                <a:pPr marL="0" lvl="0" indent="0">
+                  <a:buNone/>
+                </a:pPr>
+                <a:r>
+                  <a:rPr lang="en-US" dirty="0"/>
+                  <a:t>The </a:t>
+                </a:r>
+                <a14:m>
+                  <m:oMath xmlns:m="http://schemas.openxmlformats.org/officeDocument/2006/math">
+                    <m:r>
+                      <a:rPr lang="en-US" b="1" i="0" dirty="0" smtClean="0">
+                        <a:latin typeface="Cambria Math" panose="02040503050406030204" pitchFamily="18" charset="0"/>
+                        <a:hlinkClick r:id="rId2"/>
+                      </a:rPr>
+                      <m:t>𝐧𝐞𝐠𝐚𝐭𝐢𝐯𝐞</m:t>
+                    </m:r>
+                    <m:r>
+                      <a:rPr lang="en-US" b="1" i="0" dirty="0" smtClean="0">
+                        <a:latin typeface="Cambria Math" panose="02040503050406030204" pitchFamily="18" charset="0"/>
+                        <a:hlinkClick r:id="rId2"/>
+                      </a:rPr>
+                      <m:t> </m:t>
+                    </m:r>
+                    <m:r>
+                      <a:rPr lang="en-US" b="1" i="0" dirty="0" smtClean="0">
+                        <a:latin typeface="Cambria Math" panose="02040503050406030204" pitchFamily="18" charset="0"/>
+                        <a:hlinkClick r:id="rId2"/>
+                      </a:rPr>
+                      <m:t>𝐛𝐢𝐧𝐨𝐦𝐢𝐚𝐥</m:t>
+                    </m:r>
+                    <m:r>
+                      <a:rPr lang="en-US" b="1" i="0" dirty="0" smtClean="0">
+                        <a:latin typeface="Cambria Math" panose="02040503050406030204" pitchFamily="18" charset="0"/>
+                        <a:hlinkClick r:id="rId2"/>
+                      </a:rPr>
+                      <m:t> </m:t>
+                    </m:r>
+                    <m:r>
+                      <a:rPr lang="en-US" b="1" i="0" dirty="0" smtClean="0">
+                        <a:latin typeface="Cambria Math" panose="02040503050406030204" pitchFamily="18" charset="0"/>
+                        <a:hlinkClick r:id="rId2"/>
+                      </a:rPr>
+                      <m:t>𝐝𝐢𝐬𝐭𝐫𝐢𝐛𝐮𝐭𝐢𝐨𝐧</m:t>
+                    </m:r>
+                    <m:r>
+                      <a:rPr lang="en-US" b="1" i="0" dirty="0" smtClean="0">
+                        <a:latin typeface="Cambria Math" panose="02040503050406030204" pitchFamily="18" charset="0"/>
+                        <a:hlinkClick r:id="rId2"/>
+                      </a:rPr>
+                      <m:t> </m:t>
+                    </m:r>
+                  </m:oMath>
+                </a14:m>
+                <a:r>
+                  <a:rPr lang="en-US" dirty="0"/>
+                  <a:t>is a generalization of the Poisson distribution </a:t>
+                </a:r>
+              </a:p>
+              <a:p>
+                <a:r>
+                  <a:rPr lang="en-US" dirty="0"/>
+                  <a:t>The general form of the negative binomial distribution   </a:t>
+                </a:r>
+              </a:p>
+              <a:p>
+                <a:pPr marL="0" indent="0">
+                  <a:buNone/>
+                </a:pPr>
+                <a14:m>
+                  <m:oMathPara xmlns:m="http://schemas.openxmlformats.org/officeDocument/2006/math">
+                    <m:oMathParaPr>
+                      <m:jc m:val="centerGroup"/>
+                    </m:oMathParaPr>
+                    <m:oMath xmlns:m="http://schemas.openxmlformats.org/officeDocument/2006/math">
+                      <m:r>
+                        <a:rPr lang="en-US" b="0" i="1" smtClean="0">
+                          <a:latin typeface="Cambria Math" panose="02040503050406030204" pitchFamily="18" charset="0"/>
+                        </a:rPr>
+                        <m:t>𝑓</m:t>
+                      </m:r>
+                      <m:d>
+                        <m:dPr>
+                          <m:ctrlPr>
+                            <a:rPr lang="en-US" b="0" i="1" smtClean="0">
+                              <a:latin typeface="Cambria Math" panose="02040503050406030204" pitchFamily="18" charset="0"/>
+                            </a:rPr>
+                          </m:ctrlPr>
+                        </m:dPr>
+                        <m:e>
+                          <m:r>
+                            <a:rPr lang="en-US" b="0" i="1" smtClean="0">
+                              <a:latin typeface="Cambria Math" panose="02040503050406030204" pitchFamily="18" charset="0"/>
+                            </a:rPr>
+                            <m:t>𝑘</m:t>
+                          </m:r>
+                          <m:r>
+                            <a:rPr lang="en-US" b="0" i="1" smtClean="0">
+                              <a:latin typeface="Cambria Math" panose="02040503050406030204" pitchFamily="18" charset="0"/>
+                            </a:rPr>
+                            <m:t> | </m:t>
+                          </m:r>
+                          <m:r>
+                            <a:rPr lang="en-US" b="0" i="1" smtClean="0">
+                              <a:latin typeface="Cambria Math" panose="02040503050406030204" pitchFamily="18" charset="0"/>
+                            </a:rPr>
+                            <m:t>𝑛</m:t>
+                          </m:r>
+                          <m:r>
+                            <a:rPr lang="en-US" b="0" i="1" smtClean="0">
+                              <a:latin typeface="Cambria Math" panose="02040503050406030204" pitchFamily="18" charset="0"/>
+                            </a:rPr>
+                            <m:t>,</m:t>
+                          </m:r>
+                          <m:r>
+                            <a:rPr lang="en-US" b="0" i="1" smtClean="0">
+                              <a:latin typeface="Cambria Math" panose="02040503050406030204" pitchFamily="18" charset="0"/>
+                            </a:rPr>
+                            <m:t>𝑝</m:t>
+                          </m:r>
+                        </m:e>
+                      </m:d>
+                      <m:r>
+                        <a:rPr lang="en-US" b="0" i="1" smtClean="0">
+                          <a:latin typeface="Cambria Math" panose="02040503050406030204" pitchFamily="18" charset="0"/>
+                        </a:rPr>
+                        <m:t>=</m:t>
+                      </m:r>
+                      <m:d>
+                        <m:dPr>
+                          <m:ctrlPr>
+                            <a:rPr lang="en-US" b="0" i="1" smtClean="0">
+                              <a:latin typeface="Cambria Math" panose="02040503050406030204" pitchFamily="18" charset="0"/>
+                            </a:rPr>
+                          </m:ctrlPr>
+                        </m:dPr>
+                        <m:e>
+                          <m:m>
+                            <m:mPr>
+                              <m:mcs>
+                                <m:mc>
+                                  <m:mcPr>
+                                    <m:count m:val="1"/>
+                                    <m:mcJc m:val="center"/>
+                                  </m:mcPr>
+                                </m:mc>
+                              </m:mcs>
+                              <m:ctrlPr>
+                                <a:rPr lang="en-US" b="0" i="1" smtClean="0">
+                                  <a:latin typeface="Cambria Math" panose="02040503050406030204" pitchFamily="18" charset="0"/>
+                                </a:rPr>
+                              </m:ctrlPr>
+                            </m:mPr>
+                            <m:mr>
+                              <m:e>
+                                <m:r>
+                                  <m:rPr>
+                                    <m:brk m:alnAt="7"/>
+                                  </m:rPr>
+                                  <a:rPr lang="en-US" b="0" i="1" smtClean="0">
+                                    <a:latin typeface="Cambria Math" panose="02040503050406030204" pitchFamily="18" charset="0"/>
+                                  </a:rPr>
+                                  <m:t>𝑘</m:t>
+                                </m:r>
+                                <m:r>
+                                  <a:rPr lang="en-US" b="0" i="1" smtClean="0">
+                                    <a:latin typeface="Cambria Math" panose="02040503050406030204" pitchFamily="18" charset="0"/>
+                                  </a:rPr>
+                                  <m:t>+</m:t>
+                                </m:r>
+                                <m:r>
+                                  <a:rPr lang="en-US" b="0" i="1" smtClean="0">
+                                    <a:latin typeface="Cambria Math" panose="02040503050406030204" pitchFamily="18" charset="0"/>
+                                  </a:rPr>
+                                  <m:t>𝑛</m:t>
+                                </m:r>
+                                <m:r>
+                                  <a:rPr lang="en-US" b="0" i="1" smtClean="0">
+                                    <a:latin typeface="Cambria Math" panose="02040503050406030204" pitchFamily="18" charset="0"/>
+                                  </a:rPr>
+                                  <m:t>−</m:t>
+                                </m:r>
+                                <m:r>
+                                  <a:rPr lang="en-US" b="0" i="1" smtClean="0">
+                                    <a:latin typeface="Cambria Math" panose="02040503050406030204" pitchFamily="18" charset="0"/>
+                                  </a:rPr>
+                                  <m:t>1</m:t>
+                                </m:r>
+                              </m:e>
+                            </m:mr>
+                            <m:mr>
+                              <m:e>
+                                <m:r>
+                                  <a:rPr lang="en-US" b="0" i="1" smtClean="0">
+                                    <a:latin typeface="Cambria Math" panose="02040503050406030204" pitchFamily="18" charset="0"/>
+                                  </a:rPr>
+                                  <m:t>𝑛</m:t>
+                                </m:r>
+                                <m:r>
+                                  <a:rPr lang="en-US" b="0" i="1" smtClean="0">
+                                    <a:latin typeface="Cambria Math" panose="02040503050406030204" pitchFamily="18" charset="0"/>
+                                  </a:rPr>
+                                  <m:t>−</m:t>
+                                </m:r>
+                                <m:r>
+                                  <a:rPr lang="en-US" b="0" i="1" smtClean="0">
+                                    <a:latin typeface="Cambria Math" panose="02040503050406030204" pitchFamily="18" charset="0"/>
+                                  </a:rPr>
+                                  <m:t>1</m:t>
+                                </m:r>
+                              </m:e>
+                            </m:mr>
+                          </m:m>
+                        </m:e>
+                      </m:d>
+                      <m:sSup>
+                        <m:sSupPr>
+                          <m:ctrlPr>
+                            <a:rPr lang="en-US" b="0" i="1" smtClean="0">
+                              <a:latin typeface="Cambria Math" panose="02040503050406030204" pitchFamily="18" charset="0"/>
+                            </a:rPr>
+                          </m:ctrlPr>
+                        </m:sSupPr>
+                        <m:e>
+                          <m:r>
+                            <a:rPr lang="en-US" b="0" i="1" smtClean="0">
+                              <a:latin typeface="Cambria Math" panose="02040503050406030204" pitchFamily="18" charset="0"/>
+                            </a:rPr>
+                            <m:t>𝑝</m:t>
+                          </m:r>
+                        </m:e>
+                        <m:sup>
+                          <m:r>
+                            <a:rPr lang="en-US" b="0" i="1" smtClean="0">
+                              <a:latin typeface="Cambria Math" panose="02040503050406030204" pitchFamily="18" charset="0"/>
+                            </a:rPr>
+                            <m:t>𝑛</m:t>
+                          </m:r>
+                        </m:sup>
+                      </m:sSup>
+                      <m:sSup>
+                        <m:sSupPr>
+                          <m:ctrlPr>
+                            <a:rPr lang="en-US" b="0" i="1" smtClean="0">
+                              <a:latin typeface="Cambria Math" panose="02040503050406030204" pitchFamily="18" charset="0"/>
+                            </a:rPr>
+                          </m:ctrlPr>
+                        </m:sSupPr>
+                        <m:e>
+                          <m:d>
+                            <m:dPr>
+                              <m:ctrlPr>
+                                <a:rPr lang="en-US" b="0" i="1" smtClean="0">
+                                  <a:latin typeface="Cambria Math" panose="02040503050406030204" pitchFamily="18" charset="0"/>
+                                </a:rPr>
+                              </m:ctrlPr>
+                            </m:dPr>
+                            <m:e>
+                              <m:r>
+                                <a:rPr lang="en-US" b="0" i="1" smtClean="0">
+                                  <a:latin typeface="Cambria Math" panose="02040503050406030204" pitchFamily="18" charset="0"/>
+                                </a:rPr>
+                                <m:t>1</m:t>
+                              </m:r>
+                              <m:r>
+                                <a:rPr lang="en-US" b="0" i="1" smtClean="0">
+                                  <a:latin typeface="Cambria Math" panose="02040503050406030204" pitchFamily="18" charset="0"/>
+                                </a:rPr>
+                                <m:t>−</m:t>
+                              </m:r>
+                              <m:r>
+                                <a:rPr lang="en-US" b="0" i="1" smtClean="0">
+                                  <a:latin typeface="Cambria Math" panose="02040503050406030204" pitchFamily="18" charset="0"/>
+                                </a:rPr>
+                                <m:t>𝑝</m:t>
+                              </m:r>
+                            </m:e>
+                          </m:d>
+                        </m:e>
+                        <m:sup>
+                          <m:r>
+                            <a:rPr lang="en-US" b="0" i="1" smtClean="0">
+                              <a:latin typeface="Cambria Math" panose="02040503050406030204" pitchFamily="18" charset="0"/>
+                            </a:rPr>
+                            <m:t>𝑘</m:t>
+                          </m:r>
+                        </m:sup>
+                      </m:sSup>
+                    </m:oMath>
+                  </m:oMathPara>
+                </a14:m>
+                <a:endParaRPr lang="en-US" dirty="0"/>
+              </a:p>
+              <a:p>
+                <a:r>
+                  <a:rPr lang="en-US" dirty="0"/>
+                  <a:t>We can reparametrize to get a form suitable for analysis in terms of the average arrival rate, </a:t>
+                </a:r>
+                <a14:m>
+                  <m:oMath xmlns:m="http://schemas.openxmlformats.org/officeDocument/2006/math">
+                    <m:r>
+                      <a:rPr lang="en-US" i="1">
+                        <a:latin typeface="Cambria Math" panose="02040503050406030204" pitchFamily="18" charset="0"/>
+                        <a:ea typeface="Cambria Math" panose="02040503050406030204" pitchFamily="18" charset="0"/>
+                      </a:rPr>
+                      <m:t>𝜇</m:t>
+                    </m:r>
+                  </m:oMath>
+                </a14:m>
+                <a:r>
+                  <a:rPr lang="en-US" dirty="0"/>
+                  <a:t>, and the variance, </a:t>
+                </a:r>
+                <a14:m>
+                  <m:oMath xmlns:m="http://schemas.openxmlformats.org/officeDocument/2006/math">
+                    <m:sSup>
+                      <m:sSupPr>
+                        <m:ctrlPr>
+                          <a:rPr lang="en-US" i="1" smtClean="0">
+                            <a:latin typeface="Cambria Math" panose="02040503050406030204" pitchFamily="18" charset="0"/>
+                          </a:rPr>
+                        </m:ctrlPr>
+                      </m:sSupPr>
+                      <m:e>
+                        <m:r>
+                          <a:rPr lang="en-US" i="1">
+                            <a:latin typeface="Cambria Math" panose="02040503050406030204" pitchFamily="18" charset="0"/>
+                            <a:ea typeface="Cambria Math" panose="02040503050406030204" pitchFamily="18" charset="0"/>
+                          </a:rPr>
+                          <m:t>𝜎</m:t>
+                        </m:r>
+                      </m:e>
+                      <m:sup>
+                        <m:r>
+                          <a:rPr lang="en-US" i="1">
+                            <a:latin typeface="Cambria Math" panose="02040503050406030204" pitchFamily="18" charset="0"/>
+                          </a:rPr>
+                          <m:t>2</m:t>
+                        </m:r>
+                      </m:sup>
+                    </m:sSup>
+                  </m:oMath>
+                </a14:m>
+                <a:endParaRPr lang="en-US" dirty="0"/>
+              </a:p>
+              <a:p>
+                <a:pPr marL="342900" lvl="1" indent="0">
+                  <a:buNone/>
+                </a:pPr>
+                <a14:m>
+                  <m:oMathPara xmlns:m="http://schemas.openxmlformats.org/officeDocument/2006/math">
+                    <m:oMathParaPr>
+                      <m:jc m:val="centerGroup"/>
+                    </m:oMathParaPr>
+                    <m:oMath xmlns:m="http://schemas.openxmlformats.org/officeDocument/2006/math">
+                      <m:r>
+                        <a:rPr lang="en-US" b="0" i="1" smtClean="0">
+                          <a:latin typeface="Cambria Math" panose="02040503050406030204" pitchFamily="18" charset="0"/>
+                        </a:rPr>
+                        <m:t>𝑝</m:t>
+                      </m:r>
+                      <m:r>
+                        <a:rPr lang="en-US" b="0" i="1" smtClean="0">
+                          <a:latin typeface="Cambria Math" panose="02040503050406030204" pitchFamily="18" charset="0"/>
+                        </a:rPr>
+                        <m:t>=</m:t>
+                      </m:r>
+                      <m:f>
+                        <m:fPr>
+                          <m:ctrlPr>
+                            <a:rPr lang="en-US" b="0" i="1" smtClean="0">
+                              <a:latin typeface="Cambria Math" panose="02040503050406030204" pitchFamily="18" charset="0"/>
+                            </a:rPr>
+                          </m:ctrlPr>
+                        </m:fPr>
+                        <m:num>
+                          <m:r>
+                            <a:rPr lang="en-US" b="0" i="1" smtClean="0">
+                              <a:latin typeface="Cambria Math" panose="02040503050406030204" pitchFamily="18" charset="0"/>
+                              <a:ea typeface="Cambria Math" panose="02040503050406030204" pitchFamily="18" charset="0"/>
+                            </a:rPr>
+                            <m:t>𝜇</m:t>
+                          </m:r>
+                        </m:num>
+                        <m:den>
+                          <m:sSup>
+                            <m:sSupPr>
+                              <m:ctrlPr>
+                                <a:rPr lang="en-US" b="0" i="1" smtClean="0">
+                                  <a:latin typeface="Cambria Math" panose="02040503050406030204" pitchFamily="18" charset="0"/>
+                                </a:rPr>
+                              </m:ctrlPr>
+                            </m:sSupPr>
+                            <m:e>
+                              <m:r>
+                                <a:rPr lang="en-US" b="0" i="1" smtClean="0">
+                                  <a:latin typeface="Cambria Math" panose="02040503050406030204" pitchFamily="18" charset="0"/>
+                                  <a:ea typeface="Cambria Math" panose="02040503050406030204" pitchFamily="18" charset="0"/>
+                                </a:rPr>
+                                <m:t>𝜎</m:t>
+                              </m:r>
+                            </m:e>
+                            <m:sup>
+                              <m:r>
+                                <a:rPr lang="en-US" b="0" i="1" smtClean="0">
+                                  <a:latin typeface="Cambria Math" panose="02040503050406030204" pitchFamily="18" charset="0"/>
+                                </a:rPr>
+                                <m:t>2</m:t>
+                              </m:r>
+                            </m:sup>
+                          </m:sSup>
+                        </m:den>
+                      </m:f>
+                      <m:r>
+                        <a:rPr lang="en-US" b="0" i="1" smtClean="0">
+                          <a:latin typeface="Cambria Math" panose="02040503050406030204" pitchFamily="18" charset="0"/>
+                        </a:rPr>
+                        <m:t>,    </m:t>
+                      </m:r>
+                      <m:r>
+                        <a:rPr lang="en-US" b="0" i="1" smtClean="0">
+                          <a:latin typeface="Cambria Math" panose="02040503050406030204" pitchFamily="18" charset="0"/>
+                        </a:rPr>
+                        <m:t>𝑛</m:t>
+                      </m:r>
+                      <m:r>
+                        <a:rPr lang="en-US" b="0" i="1" smtClean="0">
+                          <a:latin typeface="Cambria Math" panose="02040503050406030204" pitchFamily="18" charset="0"/>
+                        </a:rPr>
+                        <m:t>=</m:t>
+                      </m:r>
+                      <m:f>
+                        <m:fPr>
+                          <m:ctrlPr>
+                            <a:rPr lang="en-US" b="0" i="1" smtClean="0">
+                              <a:latin typeface="Cambria Math" panose="02040503050406030204" pitchFamily="18" charset="0"/>
+                            </a:rPr>
+                          </m:ctrlPr>
+                        </m:fPr>
+                        <m:num>
+                          <m:sSup>
+                            <m:sSupPr>
+                              <m:ctrlPr>
+                                <a:rPr lang="en-US" b="0" i="1" smtClean="0">
+                                  <a:latin typeface="Cambria Math" panose="02040503050406030204" pitchFamily="18" charset="0"/>
+                                </a:rPr>
+                              </m:ctrlPr>
+                            </m:sSupPr>
+                            <m:e>
+                              <m:r>
+                                <a:rPr lang="en-US" b="0" i="1" smtClean="0">
+                                  <a:latin typeface="Cambria Math" panose="02040503050406030204" pitchFamily="18" charset="0"/>
+                                  <a:ea typeface="Cambria Math" panose="02040503050406030204" pitchFamily="18" charset="0"/>
+                                </a:rPr>
+                                <m:t>𝜇</m:t>
+                              </m:r>
+                            </m:e>
+                            <m:sup>
+                              <m:r>
+                                <a:rPr lang="en-US" b="0" i="1" smtClean="0">
+                                  <a:latin typeface="Cambria Math" panose="02040503050406030204" pitchFamily="18" charset="0"/>
+                                </a:rPr>
+                                <m:t>2</m:t>
+                              </m:r>
+                            </m:sup>
+                          </m:sSup>
+                        </m:num>
+                        <m:den>
+                          <m:sSup>
+                            <m:sSupPr>
+                              <m:ctrlPr>
+                                <a:rPr lang="en-US" i="1">
+                                  <a:latin typeface="Cambria Math" panose="02040503050406030204" pitchFamily="18" charset="0"/>
+                                </a:rPr>
+                              </m:ctrlPr>
+                            </m:sSupPr>
+                            <m:e>
+                              <m:r>
+                                <a:rPr lang="en-US" i="1">
+                                  <a:latin typeface="Cambria Math" panose="02040503050406030204" pitchFamily="18" charset="0"/>
+                                  <a:ea typeface="Cambria Math" panose="02040503050406030204" pitchFamily="18" charset="0"/>
+                                </a:rPr>
+                                <m:t>𝜎</m:t>
+                              </m:r>
+                            </m:e>
+                            <m:sup>
+                              <m:r>
+                                <a:rPr lang="en-US" i="1">
+                                  <a:latin typeface="Cambria Math" panose="02040503050406030204" pitchFamily="18" charset="0"/>
+                                </a:rPr>
+                                <m:t>2</m:t>
+                              </m:r>
+                            </m:sup>
+                          </m:sSup>
+                          <m:r>
+                            <a:rPr lang="en-US" b="0" i="1" smtClean="0">
+                              <a:latin typeface="Cambria Math" panose="02040503050406030204" pitchFamily="18" charset="0"/>
+                            </a:rPr>
+                            <m:t>−</m:t>
+                          </m:r>
+                          <m:r>
+                            <a:rPr lang="en-US" i="1">
+                              <a:latin typeface="Cambria Math" panose="02040503050406030204" pitchFamily="18" charset="0"/>
+                              <a:ea typeface="Cambria Math" panose="02040503050406030204" pitchFamily="18" charset="0"/>
+                            </a:rPr>
+                            <m:t>𝜇</m:t>
+                          </m:r>
+                        </m:den>
+                      </m:f>
+                    </m:oMath>
+                  </m:oMathPara>
+                </a14:m>
+                <a:endParaRPr lang="en-US" dirty="0"/>
+              </a:p>
+              <a:p>
+                <a:pPr marL="342900" lvl="1" indent="0">
+                  <a:buNone/>
+                </a:pPr>
+                <a:r>
+                  <a:rPr lang="en-US" dirty="0"/>
+                  <a:t>And for over-dispersion parameter, </a:t>
+                </a:r>
+                <a14:m>
+                  <m:oMath xmlns:m="http://schemas.openxmlformats.org/officeDocument/2006/math">
+                    <m:r>
+                      <a:rPr lang="en-US" i="1" smtClean="0">
+                        <a:latin typeface="Cambria Math" panose="02040503050406030204" pitchFamily="18" charset="0"/>
+                        <a:ea typeface="Cambria Math" panose="02040503050406030204" pitchFamily="18" charset="0"/>
+                      </a:rPr>
+                      <m:t>𝛼</m:t>
+                    </m:r>
+                  </m:oMath>
+                </a14:m>
+                <a:endParaRPr lang="en-US" dirty="0"/>
+              </a:p>
+              <a:p>
+                <a:pPr marL="0" indent="0">
+                  <a:buNone/>
+                </a:pPr>
+                <a14:m>
+                  <m:oMathPara xmlns:m="http://schemas.openxmlformats.org/officeDocument/2006/math">
+                    <m:oMathParaPr>
+                      <m:jc m:val="centerGroup"/>
+                    </m:oMathParaPr>
+                    <m:oMath xmlns:m="http://schemas.openxmlformats.org/officeDocument/2006/math">
+                      <m:sSup>
+                        <m:sSupPr>
+                          <m:ctrlPr>
+                            <a:rPr lang="en-US" i="1">
+                              <a:latin typeface="Cambria Math" panose="02040503050406030204" pitchFamily="18" charset="0"/>
+                            </a:rPr>
+                          </m:ctrlPr>
+                        </m:sSupPr>
+                        <m:e>
+                          <m:r>
+                            <a:rPr lang="en-US" i="1">
+                              <a:latin typeface="Cambria Math" panose="02040503050406030204" pitchFamily="18" charset="0"/>
+                              <a:ea typeface="Cambria Math" panose="02040503050406030204" pitchFamily="18" charset="0"/>
+                            </a:rPr>
+                            <m:t>𝜎</m:t>
+                          </m:r>
+                        </m:e>
+                        <m:sup>
+                          <m:r>
+                            <a:rPr lang="en-US" i="1">
+                              <a:latin typeface="Cambria Math" panose="02040503050406030204" pitchFamily="18" charset="0"/>
+                            </a:rPr>
+                            <m:t>2</m:t>
+                          </m:r>
+                        </m:sup>
+                      </m:sSup>
+                      <m:r>
+                        <a:rPr lang="en-US" i="1">
+                          <a:latin typeface="Cambria Math" panose="02040503050406030204" pitchFamily="18" charset="0"/>
+                        </a:rPr>
+                        <m:t>=</m:t>
+                      </m:r>
+                      <m:r>
+                        <a:rPr lang="en-US" i="1">
+                          <a:latin typeface="Cambria Math" panose="02040503050406030204" pitchFamily="18" charset="0"/>
+                          <a:ea typeface="Cambria Math" panose="02040503050406030204" pitchFamily="18" charset="0"/>
+                        </a:rPr>
+                        <m:t>𝜇</m:t>
+                      </m:r>
+                      <m:r>
+                        <a:rPr lang="en-US" i="1">
+                          <a:latin typeface="Cambria Math" panose="02040503050406030204" pitchFamily="18" charset="0"/>
+                          <a:ea typeface="Cambria Math" panose="02040503050406030204" pitchFamily="18" charset="0"/>
+                        </a:rPr>
+                        <m:t>+</m:t>
+                      </m:r>
+                      <m:r>
+                        <a:rPr lang="en-US" i="1">
+                          <a:latin typeface="Cambria Math" panose="02040503050406030204" pitchFamily="18" charset="0"/>
+                          <a:ea typeface="Cambria Math" panose="02040503050406030204" pitchFamily="18" charset="0"/>
+                        </a:rPr>
+                        <m:t>𝛼</m:t>
+                      </m:r>
+                      <m:sSup>
+                        <m:sSupPr>
+                          <m:ctrlPr>
+                            <a:rPr lang="en-US" i="1">
+                              <a:latin typeface="Cambria Math" panose="02040503050406030204" pitchFamily="18" charset="0"/>
+                            </a:rPr>
+                          </m:ctrlPr>
+                        </m:sSupPr>
+                        <m:e>
+                          <m:r>
+                            <a:rPr lang="en-US" i="1">
+                              <a:latin typeface="Cambria Math" panose="02040503050406030204" pitchFamily="18" charset="0"/>
+                              <a:ea typeface="Cambria Math" panose="02040503050406030204" pitchFamily="18" charset="0"/>
+                            </a:rPr>
+                            <m:t>𝜇</m:t>
+                          </m:r>
+                        </m:e>
+                        <m:sup>
+                          <m:r>
+                            <a:rPr lang="en-US" i="1">
+                              <a:latin typeface="Cambria Math" panose="02040503050406030204" pitchFamily="18" charset="0"/>
+                            </a:rPr>
+                            <m:t>2</m:t>
+                          </m:r>
+                        </m:sup>
+                      </m:sSup>
+                    </m:oMath>
+                  </m:oMathPara>
+                </a14:m>
+                <a:endParaRPr lang="en-US" dirty="0"/>
+              </a:p>
+              <a:p>
+                <a:pPr marL="0" indent="0">
+                  <a:buNone/>
+                </a:pPr>
+                <a:endParaRPr lang="en-US" dirty="0"/>
+              </a:p>
+              <a:p>
+                <a:pPr lvl="1"/>
+                <a:endParaRPr dirty="0"/>
+              </a:p>
+            </p:txBody>
+          </p:sp>
+        </mc:Choice>
+        <mc:Fallback>
+          <p:sp>
+            <p:nvSpPr>
+              <p:cNvPr id="3" name="Content Placeholder 2">
+                <a:extLst>
+                  <a:ext uri="{FF2B5EF4-FFF2-40B4-BE49-F238E27FC236}">
+                    <a16:creationId xmlns:a16="http://schemas.microsoft.com/office/drawing/2014/main" id="{B27160E7-1674-F41A-2EC9-D8EC46BD8088}"/>
+                  </a:ext>
+                </a:extLst>
+              </p:cNvPr>
+              <p:cNvSpPr>
+                <a:spLocks noGrp="1" noRot="1" noChangeAspect="1" noMove="1" noResize="1" noEditPoints="1" noAdjustHandles="1" noChangeArrowheads="1" noChangeShapeType="1" noTextEdit="1"/>
+              </p:cNvSpPr>
+              <p:nvPr>
+                <p:ph idx="1"/>
+              </p:nvPr>
+            </p:nvSpPr>
+            <p:spPr>
+              <a:xfrm>
+                <a:off x="457200" y="1105408"/>
+                <a:ext cx="8229600" cy="3616959"/>
+              </a:xfrm>
+              <a:blipFill>
+                <a:blip r:embed="rId3"/>
+                <a:stretch>
+                  <a:fillRect l="-963" t="-1852" r="-667" b="-673"/>
+                </a:stretch>
+              </a:blipFill>
+            </p:spPr>
+            <p:txBody>
+              <a:bodyPr/>
+              <a:lstStyle/>
+              <a:p>
+                <a:r>
+                  <a:rPr lang="en-US">
+                    <a:noFill/>
+                  </a:rPr>
+                  <a:t> </a:t>
+                </a:r>
+              </a:p>
+            </p:txBody>
+          </p:sp>
+        </mc:Fallback>
+      </mc:AlternateContent>
+    </p:spTree>
+    <p:extLst>
+      <p:ext uri="{BB962C8B-B14F-4D97-AF65-F5344CB8AC3E}">
+        <p14:creationId xmlns:p14="http://schemas.microsoft.com/office/powerpoint/2010/main" val="988074430"/>
+      </p:ext>
+    </p:extLst>
+  </p:cSld>
+  <p:clrMapOvr>
+    <a:masterClrMapping/>
+  </p:clrMapOvr>
+</p:sld>
+</file>
+
+<file path=ppt/slides/slide2.xml><?xml version="1.0" encoding="utf-8"?>
+<p:sld xmlns:a="http://schemas.openxmlformats.org/drawingml/2006/main" xmlns:r="http://schemas.openxmlformats.org/officeDocument/2006/relationships" xmlns:p="http://schemas.openxmlformats.org/presentationml/2006/main">
+  <p:cSld>
+    <p:spTree>
+      <p:nvGrpSpPr>
+        <p:cNvPr id="1" name=""/>
+        <p:cNvGrpSpPr/>
+        <p:nvPr/>
+      </p:nvGrpSpPr>
+      <p:grpSpPr>
+        <a:xfrm>
+          <a:off x="0" y="0"/>
+          <a:ext cx="0" cy="0"/>
+          <a:chOff x="0" y="0"/>
+          <a:chExt cx="0" cy="0"/>
+        </a:xfrm>
+      </p:grpSpPr>
+      <p:sp>
+        <p:nvSpPr>
+          <p:cNvPr id="2" name="Title 1"/>
+          <p:cNvSpPr>
+            <a:spLocks noGrp="1"/>
+          </p:cNvSpPr>
+          <p:nvPr>
+            <p:ph type="title"/>
+          </p:nvPr>
+        </p:nvSpPr>
+        <p:spPr/>
+        <p:txBody>
+          <a:bodyPr/>
+          <a:lstStyle/>
+          <a:p>
+            <a:pPr marL="0" lvl="0" indent="0">
+              <a:buNone/>
+            </a:pPr>
+            <a:r>
+              <a:t>Linear Model Assumptions</a:t>
+            </a:r>
+          </a:p>
+        </p:txBody>
+      </p:sp>
+      <p:sp>
+        <p:nvSpPr>
+          <p:cNvPr id="3" name="Content Placeholder 2"/>
+          <p:cNvSpPr>
+            <a:spLocks noGrp="1"/>
+          </p:cNvSpPr>
+          <p:nvPr>
+            <p:ph idx="1"/>
+          </p:nvPr>
+        </p:nvSpPr>
+        <p:spPr/>
+        <p:txBody>
+          <a:bodyPr>
+            <a:normAutofit fontScale="62500" lnSpcReduction="20000"/>
+          </a:bodyPr>
+          <a:lstStyle/>
+          <a:p>
+            <a:pPr marL="0" lvl="0" indent="0">
+              <a:buNone/>
+            </a:pPr>
+            <a:r>
+              <a:rPr dirty="0"/>
+              <a:t>There are a number of assumptions in linear models that you overlook at your peril!</a:t>
+            </a:r>
+          </a:p>
+          <a:p>
+            <a:pPr lvl="0"/>
+            <a:r>
+              <a:rPr dirty="0"/>
+              <a:t>The feature or predictor variables should be </a:t>
+            </a:r>
+            <a:r>
+              <a:rPr b="1" dirty="0"/>
+              <a:t>independent</a:t>
+            </a:r>
+            <a:r>
+              <a:rPr dirty="0"/>
+              <a:t> of one another</a:t>
+            </a:r>
+          </a:p>
+          <a:p>
+            <a:pPr lvl="1"/>
+            <a:r>
+              <a:rPr dirty="0"/>
+              <a:t>This is rarely true in practice</a:t>
+            </a:r>
+          </a:p>
+          <a:p>
+            <a:pPr lvl="1"/>
+            <a:r>
+              <a:rPr b="1" dirty="0"/>
+              <a:t>Multi-</a:t>
+            </a:r>
+            <a:r>
+              <a:rPr b="1" dirty="0" err="1"/>
+              <a:t>colinearity</a:t>
+            </a:r>
+            <a:r>
+              <a:rPr dirty="0"/>
+              <a:t> between features makes the model </a:t>
+            </a:r>
+            <a:r>
+              <a:rPr b="1" dirty="0"/>
+              <a:t>under-determined</a:t>
+            </a:r>
+          </a:p>
+          <a:p>
+            <a:pPr lvl="0"/>
+            <a:r>
+              <a:rPr dirty="0"/>
+              <a:t>We assume that numeric features or predictors have zero mean and about the same scale</a:t>
+            </a:r>
+          </a:p>
+          <a:p>
+            <a:pPr lvl="1"/>
+            <a:r>
+              <a:rPr dirty="0"/>
+              <a:t>We do not want to bias the estimation of regression coefficients with predictors that do not have a 0 mean</a:t>
+            </a:r>
+          </a:p>
+          <a:p>
+            <a:pPr lvl="1"/>
+            <a:r>
+              <a:rPr dirty="0"/>
+              <a:t>We do not want to have predictors with a large numeric range dominate training</a:t>
+            </a:r>
+          </a:p>
+          <a:p>
+            <a:pPr lvl="1"/>
+            <a:r>
+              <a:rPr dirty="0"/>
+              <a:t>Example: income is in the range of 10s or 100s of thousands and age is in the range of 10s, but </a:t>
+            </a:r>
+            <a:r>
+              <a:rPr dirty="0" err="1"/>
+              <a:t>apriori</a:t>
+            </a:r>
+            <a:r>
+              <a:rPr dirty="0"/>
+              <a:t> income is no more important than age as a predictor</a:t>
+            </a:r>
+          </a:p>
+          <a:p>
+            <a:pPr lvl="0"/>
+            <a:r>
+              <a:rPr dirty="0"/>
+              <a:t>Values of each predictor or feature should be </a:t>
+            </a:r>
+            <a:r>
+              <a:rPr dirty="0" err="1"/>
+              <a:t>iid</a:t>
+            </a:r>
+            <a:endParaRPr dirty="0"/>
+          </a:p>
+          <a:p>
+            <a:pPr lvl="1"/>
+            <a:r>
+              <a:rPr dirty="0"/>
+              <a:t>If variance changes with sample, the optimal value of the coefficient could not be constant</a:t>
+            </a:r>
+          </a:p>
+          <a:p>
+            <a:pPr lvl="1"/>
+            <a:r>
+              <a:rPr dirty="0"/>
+              <a:t>If there </a:t>
+            </a:r>
+            <a:r>
+              <a:rPr b="1" dirty="0"/>
+              <a:t>serial correlation</a:t>
+            </a:r>
+            <a:r>
+              <a:rPr dirty="0"/>
+              <a:t> in the predictor values, the </a:t>
+            </a:r>
+            <a:r>
+              <a:rPr dirty="0" err="1"/>
+              <a:t>iid</a:t>
+            </a:r>
+            <a:r>
+              <a:rPr dirty="0"/>
+              <a:t> assumption is violated - but can account for this such as in time series models</a:t>
+            </a:r>
+          </a:p>
+        </p:txBody>
+      </p:sp>
+    </p:spTree>
+  </p:cSld>
+  <p:clrMapOvr>
+    <a:masterClrMapping/>
+  </p:clrMapOvr>
+</p:sld>
+</file>
+
+<file path=ppt/slides/slide20.xml><?xml version="1.0" encoding="utf-8"?>
+<p:sld xmlns:a="http://schemas.openxmlformats.org/drawingml/2006/main" xmlns:r="http://schemas.openxmlformats.org/officeDocument/2006/relationships" xmlns:p="http://schemas.openxmlformats.org/presentationml/2006/main">
+  <p:cSld>
+    <p:spTree>
+      <p:nvGrpSpPr>
+        <p:cNvPr id="1" name="">
+          <a:extLst>
+            <a:ext uri="{FF2B5EF4-FFF2-40B4-BE49-F238E27FC236}">
+              <a16:creationId xmlns:a16="http://schemas.microsoft.com/office/drawing/2014/main" id="{03313279-F436-FB2E-C060-C62748F0921A}"/>
+            </a:ext>
+          </a:extLst>
+        </p:cNvPr>
+        <p:cNvGrpSpPr/>
+        <p:nvPr/>
+      </p:nvGrpSpPr>
+      <p:grpSpPr>
+        <a:xfrm>
+          <a:off x="0" y="0"/>
+          <a:ext cx="0" cy="0"/>
+          <a:chOff x="0" y="0"/>
+          <a:chExt cx="0" cy="0"/>
+        </a:xfrm>
+      </p:grpSpPr>
+      <p:sp>
+        <p:nvSpPr>
+          <p:cNvPr id="2" name="Title 1">
+            <a:extLst>
+              <a:ext uri="{FF2B5EF4-FFF2-40B4-BE49-F238E27FC236}">
+                <a16:creationId xmlns:a16="http://schemas.microsoft.com/office/drawing/2014/main" id="{64DD94E5-8555-ECFC-E468-D9EEF5587214}"/>
+              </a:ext>
+            </a:extLst>
+          </p:cNvPr>
+          <p:cNvSpPr>
+            <a:spLocks noGrp="1"/>
+          </p:cNvSpPr>
+          <p:nvPr>
+            <p:ph type="title"/>
+          </p:nvPr>
+        </p:nvSpPr>
+        <p:spPr/>
+        <p:txBody>
+          <a:bodyPr/>
+          <a:lstStyle/>
+          <a:p>
+            <a:pPr marL="0" lvl="0" indent="0">
+              <a:buNone/>
+            </a:pPr>
+            <a:r>
+              <a:rPr lang="en-US" dirty="0"/>
+              <a:t>Negative Binomial Distribution</a:t>
+            </a:r>
+            <a:endParaRPr dirty="0"/>
+          </a:p>
+        </p:txBody>
+      </p:sp>
+      <mc:AlternateContent xmlns:mc="http://schemas.openxmlformats.org/markup-compatibility/2006">
+        <mc:Choice xmlns:a14="http://schemas.microsoft.com/office/drawing/2010/main" Requires="a14">
+          <p:sp>
+            <p:nvSpPr>
+              <p:cNvPr id="3" name="Content Placeholder 2">
+                <a:extLst>
+                  <a:ext uri="{FF2B5EF4-FFF2-40B4-BE49-F238E27FC236}">
+                    <a16:creationId xmlns:a16="http://schemas.microsoft.com/office/drawing/2014/main" id="{364107CC-0B7A-2331-4339-E9C4D766CB50}"/>
+                  </a:ext>
+                </a:extLst>
+              </p:cNvPr>
+              <p:cNvSpPr>
+                <a:spLocks noGrp="1"/>
+              </p:cNvSpPr>
+              <p:nvPr>
+                <p:ph idx="1"/>
+              </p:nvPr>
+            </p:nvSpPr>
+            <p:spPr>
+              <a:xfrm>
+                <a:off x="457200" y="1105408"/>
+                <a:ext cx="8229600" cy="3616959"/>
+              </a:xfrm>
+            </p:spPr>
+            <p:txBody>
+              <a:bodyPr>
+                <a:normAutofit fontScale="77500" lnSpcReduction="20000"/>
+              </a:bodyPr>
+              <a:lstStyle/>
+              <a:p>
+                <a:pPr marL="0" lvl="0" indent="0">
+                  <a:buNone/>
+                </a:pPr>
+                <a:r>
+                  <a:rPr lang="en-US" dirty="0"/>
+                  <a:t>The </a:t>
+                </a:r>
+                <a14:m>
+                  <m:oMath xmlns:m="http://schemas.openxmlformats.org/officeDocument/2006/math">
+                    <m:r>
+                      <a:rPr lang="en-US" b="1" i="0" dirty="0" smtClean="0">
+                        <a:latin typeface="Cambria Math" panose="02040503050406030204" pitchFamily="18" charset="0"/>
+                        <a:hlinkClick r:id="rId2"/>
+                      </a:rPr>
+                      <m:t>𝐧𝐞𝐠𝐚𝐭𝐢𝐯𝐞</m:t>
+                    </m:r>
+                    <m:r>
+                      <a:rPr lang="en-US" b="1" i="0" dirty="0" smtClean="0">
+                        <a:latin typeface="Cambria Math" panose="02040503050406030204" pitchFamily="18" charset="0"/>
+                        <a:hlinkClick r:id="rId2"/>
+                      </a:rPr>
+                      <m:t> </m:t>
+                    </m:r>
+                    <m:r>
+                      <a:rPr lang="en-US" b="1" i="0" dirty="0" smtClean="0">
+                        <a:latin typeface="Cambria Math" panose="02040503050406030204" pitchFamily="18" charset="0"/>
+                        <a:hlinkClick r:id="rId2"/>
+                      </a:rPr>
+                      <m:t>𝐛𝐢𝐧𝐨𝐦𝐢𝐚𝐥</m:t>
+                    </m:r>
+                    <m:r>
+                      <a:rPr lang="en-US" b="1" i="0" dirty="0" smtClean="0">
+                        <a:latin typeface="Cambria Math" panose="02040503050406030204" pitchFamily="18" charset="0"/>
+                        <a:hlinkClick r:id="rId2"/>
+                      </a:rPr>
+                      <m:t> </m:t>
+                    </m:r>
+                    <m:r>
+                      <a:rPr lang="en-US" b="1" i="0" dirty="0" smtClean="0">
+                        <a:latin typeface="Cambria Math" panose="02040503050406030204" pitchFamily="18" charset="0"/>
+                        <a:hlinkClick r:id="rId2"/>
+                      </a:rPr>
+                      <m:t>𝐝𝐢𝐬𝐭𝐫𝐢𝐛𝐮𝐭𝐢𝐨𝐧</m:t>
+                    </m:r>
+                    <m:r>
+                      <a:rPr lang="en-US" b="1" i="0" dirty="0" smtClean="0">
+                        <a:latin typeface="Cambria Math" panose="02040503050406030204" pitchFamily="18" charset="0"/>
+                        <a:hlinkClick r:id="rId2"/>
+                      </a:rPr>
+                      <m:t> </m:t>
+                    </m:r>
+                  </m:oMath>
+                </a14:m>
+                <a:r>
+                  <a:rPr lang="en-US" dirty="0"/>
+                  <a:t>is a generalization of the Poisson distribution </a:t>
+                </a:r>
+              </a:p>
+              <a:p>
+                <a:r>
+                  <a:rPr lang="en-US" dirty="0"/>
+                  <a:t>We can reparametrize to get a form suitable for analysis in terms of the average arrival rate, </a:t>
+                </a:r>
+                <a14:m>
+                  <m:oMath xmlns:m="http://schemas.openxmlformats.org/officeDocument/2006/math">
+                    <m:r>
+                      <a:rPr lang="en-US" i="1">
+                        <a:latin typeface="Cambria Math" panose="02040503050406030204" pitchFamily="18" charset="0"/>
+                        <a:ea typeface="Cambria Math" panose="02040503050406030204" pitchFamily="18" charset="0"/>
+                      </a:rPr>
+                      <m:t>𝜇</m:t>
+                    </m:r>
+                  </m:oMath>
+                </a14:m>
+                <a:r>
+                  <a:rPr lang="en-US" dirty="0"/>
+                  <a:t>, and the variance, </a:t>
+                </a:r>
+                <a14:m>
+                  <m:oMath xmlns:m="http://schemas.openxmlformats.org/officeDocument/2006/math">
+                    <m:sSup>
+                      <m:sSupPr>
+                        <m:ctrlPr>
+                          <a:rPr lang="en-US" i="1" smtClean="0">
+                            <a:latin typeface="Cambria Math" panose="02040503050406030204" pitchFamily="18" charset="0"/>
+                          </a:rPr>
+                        </m:ctrlPr>
+                      </m:sSupPr>
+                      <m:e>
+                        <m:r>
+                          <a:rPr lang="en-US" i="1">
+                            <a:latin typeface="Cambria Math" panose="02040503050406030204" pitchFamily="18" charset="0"/>
+                            <a:ea typeface="Cambria Math" panose="02040503050406030204" pitchFamily="18" charset="0"/>
+                          </a:rPr>
+                          <m:t>𝜎</m:t>
+                        </m:r>
+                      </m:e>
+                      <m:sup>
+                        <m:r>
+                          <a:rPr lang="en-US" i="1">
+                            <a:latin typeface="Cambria Math" panose="02040503050406030204" pitchFamily="18" charset="0"/>
+                          </a:rPr>
+                          <m:t>2</m:t>
+                        </m:r>
+                      </m:sup>
+                    </m:sSup>
+                  </m:oMath>
+                </a14:m>
+                <a:endParaRPr lang="en-US" dirty="0"/>
+              </a:p>
+              <a:p>
+                <a:pPr marL="0" indent="0">
+                  <a:buNone/>
+                </a:pPr>
+                <a14:m>
+                  <m:oMathPara xmlns:m="http://schemas.openxmlformats.org/officeDocument/2006/math">
+                    <m:oMathParaPr>
+                      <m:jc m:val="centerGroup"/>
+                    </m:oMathParaPr>
+                    <m:oMath xmlns:m="http://schemas.openxmlformats.org/officeDocument/2006/math">
+                      <m:r>
+                        <a:rPr lang="en-US" b="0" i="1" smtClean="0">
+                          <a:latin typeface="Cambria Math" panose="02040503050406030204" pitchFamily="18" charset="0"/>
+                        </a:rPr>
+                        <m:t>𝑝</m:t>
+                      </m:r>
+                      <m:r>
+                        <a:rPr lang="en-US" b="0" i="1" smtClean="0">
+                          <a:latin typeface="Cambria Math" panose="02040503050406030204" pitchFamily="18" charset="0"/>
+                        </a:rPr>
+                        <m:t>=</m:t>
+                      </m:r>
+                      <m:f>
+                        <m:fPr>
+                          <m:ctrlPr>
+                            <a:rPr lang="en-US" b="0" i="1" smtClean="0">
+                              <a:latin typeface="Cambria Math" panose="02040503050406030204" pitchFamily="18" charset="0"/>
+                            </a:rPr>
+                          </m:ctrlPr>
+                        </m:fPr>
+                        <m:num>
+                          <m:r>
+                            <a:rPr lang="en-US" b="0" i="1" smtClean="0">
+                              <a:latin typeface="Cambria Math" panose="02040503050406030204" pitchFamily="18" charset="0"/>
+                              <a:ea typeface="Cambria Math" panose="02040503050406030204" pitchFamily="18" charset="0"/>
+                            </a:rPr>
+                            <m:t>𝜇</m:t>
+                          </m:r>
+                        </m:num>
+                        <m:den>
+                          <m:sSup>
+                            <m:sSupPr>
+                              <m:ctrlPr>
+                                <a:rPr lang="en-US" b="0" i="1" smtClean="0">
+                                  <a:latin typeface="Cambria Math" panose="02040503050406030204" pitchFamily="18" charset="0"/>
+                                </a:rPr>
+                              </m:ctrlPr>
+                            </m:sSupPr>
+                            <m:e>
+                              <m:r>
+                                <a:rPr lang="en-US" b="0" i="1" smtClean="0">
+                                  <a:latin typeface="Cambria Math" panose="02040503050406030204" pitchFamily="18" charset="0"/>
+                                  <a:ea typeface="Cambria Math" panose="02040503050406030204" pitchFamily="18" charset="0"/>
+                                </a:rPr>
+                                <m:t>𝜎</m:t>
+                              </m:r>
+                            </m:e>
+                            <m:sup>
+                              <m:r>
+                                <a:rPr lang="en-US" b="0" i="1" smtClean="0">
+                                  <a:latin typeface="Cambria Math" panose="02040503050406030204" pitchFamily="18" charset="0"/>
+                                </a:rPr>
+                                <m:t>2</m:t>
+                              </m:r>
+                            </m:sup>
+                          </m:sSup>
+                        </m:den>
+                      </m:f>
+                      <m:r>
+                        <a:rPr lang="en-US" b="0" i="1" smtClean="0">
+                          <a:latin typeface="Cambria Math" panose="02040503050406030204" pitchFamily="18" charset="0"/>
+                        </a:rPr>
+                        <m:t>,    </m:t>
+                      </m:r>
+                      <m:r>
+                        <a:rPr lang="en-US" b="0" i="1" smtClean="0">
+                          <a:latin typeface="Cambria Math" panose="02040503050406030204" pitchFamily="18" charset="0"/>
+                        </a:rPr>
+                        <m:t>𝑛</m:t>
+                      </m:r>
+                      <m:r>
+                        <a:rPr lang="en-US" b="0" i="1" smtClean="0">
+                          <a:latin typeface="Cambria Math" panose="02040503050406030204" pitchFamily="18" charset="0"/>
+                        </a:rPr>
+                        <m:t>=</m:t>
+                      </m:r>
+                      <m:f>
+                        <m:fPr>
+                          <m:ctrlPr>
+                            <a:rPr lang="en-US" b="0" i="1" smtClean="0">
+                              <a:latin typeface="Cambria Math" panose="02040503050406030204" pitchFamily="18" charset="0"/>
+                            </a:rPr>
+                          </m:ctrlPr>
+                        </m:fPr>
+                        <m:num>
+                          <m:sSup>
+                            <m:sSupPr>
+                              <m:ctrlPr>
+                                <a:rPr lang="en-US" b="0" i="1" smtClean="0">
+                                  <a:latin typeface="Cambria Math" panose="02040503050406030204" pitchFamily="18" charset="0"/>
+                                </a:rPr>
+                              </m:ctrlPr>
+                            </m:sSupPr>
+                            <m:e>
+                              <m:r>
+                                <a:rPr lang="en-US" b="0" i="1" smtClean="0">
+                                  <a:latin typeface="Cambria Math" panose="02040503050406030204" pitchFamily="18" charset="0"/>
+                                  <a:ea typeface="Cambria Math" panose="02040503050406030204" pitchFamily="18" charset="0"/>
+                                </a:rPr>
+                                <m:t>𝜇</m:t>
+                              </m:r>
+                            </m:e>
+                            <m:sup>
+                              <m:r>
+                                <a:rPr lang="en-US" b="0" i="1" smtClean="0">
+                                  <a:latin typeface="Cambria Math" panose="02040503050406030204" pitchFamily="18" charset="0"/>
+                                </a:rPr>
+                                <m:t>2</m:t>
+                              </m:r>
+                            </m:sup>
+                          </m:sSup>
+                        </m:num>
+                        <m:den>
+                          <m:sSup>
+                            <m:sSupPr>
+                              <m:ctrlPr>
+                                <a:rPr lang="en-US" i="1">
+                                  <a:latin typeface="Cambria Math" panose="02040503050406030204" pitchFamily="18" charset="0"/>
+                                </a:rPr>
+                              </m:ctrlPr>
+                            </m:sSupPr>
+                            <m:e>
+                              <m:r>
+                                <a:rPr lang="en-US" i="1">
+                                  <a:latin typeface="Cambria Math" panose="02040503050406030204" pitchFamily="18" charset="0"/>
+                                  <a:ea typeface="Cambria Math" panose="02040503050406030204" pitchFamily="18" charset="0"/>
+                                </a:rPr>
+                                <m:t>𝜎</m:t>
+                              </m:r>
+                            </m:e>
+                            <m:sup>
+                              <m:r>
+                                <a:rPr lang="en-US" i="1">
+                                  <a:latin typeface="Cambria Math" panose="02040503050406030204" pitchFamily="18" charset="0"/>
+                                </a:rPr>
+                                <m:t>2</m:t>
+                              </m:r>
+                            </m:sup>
+                          </m:sSup>
+                          <m:r>
+                            <a:rPr lang="en-US" b="0" i="1" smtClean="0">
+                              <a:latin typeface="Cambria Math" panose="02040503050406030204" pitchFamily="18" charset="0"/>
+                            </a:rPr>
+                            <m:t>−</m:t>
+                          </m:r>
+                          <m:r>
+                            <a:rPr lang="en-US" i="1">
+                              <a:latin typeface="Cambria Math" panose="02040503050406030204" pitchFamily="18" charset="0"/>
+                              <a:ea typeface="Cambria Math" panose="02040503050406030204" pitchFamily="18" charset="0"/>
+                            </a:rPr>
+                            <m:t>𝜇</m:t>
+                          </m:r>
+                        </m:den>
+                      </m:f>
+                    </m:oMath>
+                  </m:oMathPara>
+                </a14:m>
+                <a:endParaRPr lang="en-US" dirty="0"/>
+              </a:p>
+              <a:p>
+                <a:pPr marL="342900" lvl="1" indent="0">
+                  <a:buNone/>
+                </a:pPr>
+                <a:r>
+                  <a:rPr lang="en-US" dirty="0"/>
+                  <a:t>Where,</a:t>
+                </a:r>
+              </a:p>
+              <a:p>
+                <a:pPr marL="0" indent="0">
+                  <a:buNone/>
+                </a:pPr>
+                <a14:m>
+                  <m:oMathPara xmlns:m="http://schemas.openxmlformats.org/officeDocument/2006/math">
+                    <m:oMathParaPr>
+                      <m:jc m:val="centerGroup"/>
+                    </m:oMathParaPr>
+                    <m:oMath xmlns:m="http://schemas.openxmlformats.org/officeDocument/2006/math">
+                      <m:sSup>
+                        <m:sSupPr>
+                          <m:ctrlPr>
+                            <a:rPr lang="en-US" i="1" smtClean="0">
+                              <a:latin typeface="Cambria Math" panose="02040503050406030204" pitchFamily="18" charset="0"/>
+                            </a:rPr>
+                          </m:ctrlPr>
+                        </m:sSupPr>
+                        <m:e>
+                          <m:r>
+                            <a:rPr lang="en-US" i="1" smtClean="0">
+                              <a:latin typeface="Cambria Math" panose="02040503050406030204" pitchFamily="18" charset="0"/>
+                              <a:ea typeface="Cambria Math" panose="02040503050406030204" pitchFamily="18" charset="0"/>
+                            </a:rPr>
+                            <m:t>𝜎</m:t>
+                          </m:r>
+                        </m:e>
+                        <m:sup>
+                          <m:r>
+                            <a:rPr lang="en-US" b="0" i="1" smtClean="0">
+                              <a:latin typeface="Cambria Math" panose="02040503050406030204" pitchFamily="18" charset="0"/>
+                            </a:rPr>
+                            <m:t>2</m:t>
+                          </m:r>
+                        </m:sup>
+                      </m:sSup>
+                      <m:r>
+                        <a:rPr lang="en-US" b="0" i="1" smtClean="0">
+                          <a:latin typeface="Cambria Math" panose="02040503050406030204" pitchFamily="18" charset="0"/>
+                        </a:rPr>
+                        <m:t>=</m:t>
+                      </m:r>
+                      <m:r>
+                        <a:rPr lang="en-US" b="0" i="1" smtClean="0">
+                          <a:latin typeface="Cambria Math" panose="02040503050406030204" pitchFamily="18" charset="0"/>
+                          <a:ea typeface="Cambria Math" panose="02040503050406030204" pitchFamily="18" charset="0"/>
+                        </a:rPr>
+                        <m:t>𝜇</m:t>
+                      </m:r>
+                      <m:r>
+                        <a:rPr lang="en-US" b="0" i="1" smtClean="0">
+                          <a:latin typeface="Cambria Math" panose="02040503050406030204" pitchFamily="18" charset="0"/>
+                          <a:ea typeface="Cambria Math" panose="02040503050406030204" pitchFamily="18" charset="0"/>
+                        </a:rPr>
+                        <m:t>+</m:t>
+                      </m:r>
+                      <m:r>
+                        <a:rPr lang="en-US" b="0" i="1" smtClean="0">
+                          <a:latin typeface="Cambria Math" panose="02040503050406030204" pitchFamily="18" charset="0"/>
+                          <a:ea typeface="Cambria Math" panose="02040503050406030204" pitchFamily="18" charset="0"/>
+                        </a:rPr>
+                        <m:t>𝛼</m:t>
+                      </m:r>
+                      <m:sSup>
+                        <m:sSupPr>
+                          <m:ctrlPr>
+                            <a:rPr lang="en-US" i="1">
+                              <a:latin typeface="Cambria Math" panose="02040503050406030204" pitchFamily="18" charset="0"/>
+                            </a:rPr>
+                          </m:ctrlPr>
+                        </m:sSupPr>
+                        <m:e>
+                          <m:r>
+                            <a:rPr lang="en-US" i="1">
+                              <a:latin typeface="Cambria Math" panose="02040503050406030204" pitchFamily="18" charset="0"/>
+                              <a:ea typeface="Cambria Math" panose="02040503050406030204" pitchFamily="18" charset="0"/>
+                            </a:rPr>
+                            <m:t>𝜇</m:t>
+                          </m:r>
+                        </m:e>
+                        <m:sup>
+                          <m:r>
+                            <a:rPr lang="en-US" i="1">
+                              <a:latin typeface="Cambria Math" panose="02040503050406030204" pitchFamily="18" charset="0"/>
+                            </a:rPr>
+                            <m:t>2</m:t>
+                          </m:r>
+                        </m:sup>
+                      </m:sSup>
+                    </m:oMath>
+                  </m:oMathPara>
+                </a14:m>
+                <a:endParaRPr lang="en-US" dirty="0"/>
+              </a:p>
+              <a:p>
+                <a:r>
+                  <a:rPr lang="en-US" dirty="0"/>
+                  <a:t>Compare this parameterization to the Poisson distribution  </a:t>
+                </a:r>
+              </a:p>
+              <a:p>
+                <a:pPr lvl="1"/>
+                <a:r>
+                  <a:rPr lang="en-US" dirty="0"/>
+                  <a:t>For the Poisson distribution, the variance equals the mean, </a:t>
+                </a:r>
+                <a14:m>
+                  <m:oMath xmlns:m="http://schemas.openxmlformats.org/officeDocument/2006/math">
+                    <m:sSup>
+                      <m:sSupPr>
+                        <m:ctrlPr>
+                          <a:rPr lang="en-US" i="1" smtClean="0">
+                            <a:latin typeface="Cambria Math" panose="02040503050406030204" pitchFamily="18" charset="0"/>
+                          </a:rPr>
+                        </m:ctrlPr>
+                      </m:sSupPr>
+                      <m:e>
+                        <m:r>
+                          <a:rPr lang="en-US" i="1" smtClean="0">
+                            <a:latin typeface="Cambria Math" panose="02040503050406030204" pitchFamily="18" charset="0"/>
+                            <a:ea typeface="Cambria Math" panose="02040503050406030204" pitchFamily="18" charset="0"/>
+                          </a:rPr>
+                          <m:t>𝜎</m:t>
+                        </m:r>
+                      </m:e>
+                      <m:sup>
+                        <m:r>
+                          <a:rPr lang="en-US" b="0" i="1" smtClean="0">
+                            <a:latin typeface="Cambria Math" panose="02040503050406030204" pitchFamily="18" charset="0"/>
+                          </a:rPr>
+                          <m:t>2</m:t>
+                        </m:r>
+                      </m:sup>
+                    </m:sSup>
+                    <m:r>
+                      <a:rPr lang="en-US" b="0" i="1" smtClean="0">
+                        <a:latin typeface="Cambria Math" panose="02040503050406030204" pitchFamily="18" charset="0"/>
+                      </a:rPr>
+                      <m:t>=</m:t>
+                    </m:r>
+                    <m:r>
+                      <a:rPr lang="en-US" b="0" i="1" smtClean="0">
+                        <a:latin typeface="Cambria Math" panose="02040503050406030204" pitchFamily="18" charset="0"/>
+                        <a:ea typeface="Cambria Math" panose="02040503050406030204" pitchFamily="18" charset="0"/>
+                      </a:rPr>
+                      <m:t>𝜇</m:t>
+                    </m:r>
+                  </m:oMath>
+                </a14:m>
+                <a:endParaRPr lang="en-US" dirty="0"/>
+              </a:p>
+              <a:p>
+                <a:pPr lvl="1"/>
+                <a:r>
+                  <a:rPr lang="en-US" dirty="0"/>
+                  <a:t>The parameter </a:t>
+                </a:r>
+                <a14:m>
+                  <m:oMath xmlns:m="http://schemas.openxmlformats.org/officeDocument/2006/math">
+                    <m:r>
+                      <a:rPr lang="en-US" b="0" i="1" smtClean="0">
+                        <a:latin typeface="Cambria Math" panose="02040503050406030204" pitchFamily="18" charset="0"/>
+                        <a:ea typeface="Cambria Math" panose="02040503050406030204" pitchFamily="18" charset="0"/>
+                      </a:rPr>
+                      <m:t>𝛼</m:t>
+                    </m:r>
+                  </m:oMath>
+                </a14:m>
+                <a:r>
+                  <a:rPr lang="en-US" dirty="0"/>
+                  <a:t> adds </a:t>
+                </a:r>
+                <a:r>
+                  <a:rPr lang="en-US" b="1" dirty="0"/>
+                  <a:t>excess dispersion </a:t>
+                </a:r>
+                <a:r>
+                  <a:rPr lang="en-US" dirty="0"/>
+                  <a:t>as a function of </a:t>
+                </a:r>
+                <a14:m>
+                  <m:oMath xmlns:m="http://schemas.openxmlformats.org/officeDocument/2006/math">
+                    <m:sSup>
+                      <m:sSupPr>
+                        <m:ctrlPr>
+                          <a:rPr lang="en-US" i="1">
+                            <a:latin typeface="Cambria Math" panose="02040503050406030204" pitchFamily="18" charset="0"/>
+                          </a:rPr>
+                        </m:ctrlPr>
+                      </m:sSupPr>
+                      <m:e>
+                        <m:r>
+                          <a:rPr lang="en-US" i="1">
+                            <a:latin typeface="Cambria Math" panose="02040503050406030204" pitchFamily="18" charset="0"/>
+                            <a:ea typeface="Cambria Math" panose="02040503050406030204" pitchFamily="18" charset="0"/>
+                          </a:rPr>
+                          <m:t>𝜇</m:t>
+                        </m:r>
+                      </m:e>
+                      <m:sup>
+                        <m:r>
+                          <a:rPr lang="en-US" i="1">
+                            <a:latin typeface="Cambria Math" panose="02040503050406030204" pitchFamily="18" charset="0"/>
+                          </a:rPr>
+                          <m:t>2</m:t>
+                        </m:r>
+                      </m:sup>
+                    </m:sSup>
+                  </m:oMath>
+                </a14:m>
+                <a:endParaRPr lang="en-US" dirty="0"/>
+              </a:p>
+              <a:p>
+                <a:pPr lvl="1"/>
+                <a:r>
+                  <a:rPr lang="en-US" dirty="0"/>
+                  <a:t>Increasing </a:t>
+                </a:r>
+                <a14:m>
+                  <m:oMath xmlns:m="http://schemas.openxmlformats.org/officeDocument/2006/math">
+                    <m:r>
+                      <a:rPr lang="en-US" b="0" i="1" smtClean="0">
+                        <a:latin typeface="Cambria Math" panose="02040503050406030204" pitchFamily="18" charset="0"/>
+                        <a:ea typeface="Cambria Math" panose="02040503050406030204" pitchFamily="18" charset="0"/>
+                      </a:rPr>
+                      <m:t>𝛼</m:t>
+                    </m:r>
+                  </m:oMath>
+                </a14:m>
+                <a:r>
+                  <a:rPr lang="en-US" dirty="0"/>
+                  <a:t> increases the dispersion of the negative binomial distribution </a:t>
+                </a:r>
+              </a:p>
+              <a:p>
+                <a:pPr lvl="1"/>
+                <a:r>
+                  <a:rPr lang="en-US" dirty="0"/>
+                  <a:t>At </a:t>
+                </a:r>
+                <a14:m>
+                  <m:oMath xmlns:m="http://schemas.openxmlformats.org/officeDocument/2006/math">
+                    <m:r>
+                      <a:rPr lang="en-US" b="0" i="1" smtClean="0">
+                        <a:latin typeface="Cambria Math" panose="02040503050406030204" pitchFamily="18" charset="0"/>
+                        <a:ea typeface="Cambria Math" panose="02040503050406030204" pitchFamily="18" charset="0"/>
+                      </a:rPr>
+                      <m:t>𝛼</m:t>
+                    </m:r>
+                    <m:r>
+                      <a:rPr lang="en-US" b="0" i="0" smtClean="0">
+                        <a:latin typeface="Cambria Math" panose="02040503050406030204" pitchFamily="18" charset="0"/>
+                        <a:ea typeface="Cambria Math" panose="02040503050406030204" pitchFamily="18" charset="0"/>
+                      </a:rPr>
+                      <m:t>=</m:t>
+                    </m:r>
+                    <m:r>
+                      <a:rPr lang="en-US" b="0" i="0" smtClean="0">
+                        <a:latin typeface="Cambria Math" panose="02040503050406030204" pitchFamily="18" charset="0"/>
+                        <a:ea typeface="Cambria Math" panose="02040503050406030204" pitchFamily="18" charset="0"/>
+                      </a:rPr>
+                      <m:t>0</m:t>
+                    </m:r>
+                  </m:oMath>
+                </a14:m>
+                <a:r>
+                  <a:rPr lang="en-US" dirty="0"/>
+                  <a:t> the negative binomial distribution identical to the Poisson distribution </a:t>
+                </a:r>
+              </a:p>
+              <a:p>
+                <a:endParaRPr lang="en-US" dirty="0"/>
+              </a:p>
+              <a:p>
+                <a:pPr lvl="1"/>
+                <a:endParaRPr dirty="0"/>
+              </a:p>
+            </p:txBody>
+          </p:sp>
+        </mc:Choice>
+        <mc:Fallback>
+          <p:sp>
+            <p:nvSpPr>
+              <p:cNvPr id="3" name="Content Placeholder 2">
+                <a:extLst>
+                  <a:ext uri="{FF2B5EF4-FFF2-40B4-BE49-F238E27FC236}">
+                    <a16:creationId xmlns:a16="http://schemas.microsoft.com/office/drawing/2014/main" id="{364107CC-0B7A-2331-4339-E9C4D766CB50}"/>
+                  </a:ext>
+                </a:extLst>
+              </p:cNvPr>
+              <p:cNvSpPr>
+                <a:spLocks noGrp="1" noRot="1" noChangeAspect="1" noMove="1" noResize="1" noEditPoints="1" noAdjustHandles="1" noChangeArrowheads="1" noChangeShapeType="1" noTextEdit="1"/>
+              </p:cNvSpPr>
+              <p:nvPr>
+                <p:ph idx="1"/>
+              </p:nvPr>
+            </p:nvSpPr>
+            <p:spPr>
+              <a:xfrm>
+                <a:off x="457200" y="1105408"/>
+                <a:ext cx="8229600" cy="3616959"/>
+              </a:xfrm>
+              <a:blipFill>
+                <a:blip r:embed="rId3"/>
+                <a:stretch>
+                  <a:fillRect l="-667" t="-2189"/>
+                </a:stretch>
+              </a:blipFill>
+            </p:spPr>
+            <p:txBody>
+              <a:bodyPr/>
+              <a:lstStyle/>
+              <a:p>
+                <a:r>
+                  <a:rPr lang="en-US">
+                    <a:noFill/>
+                  </a:rPr>
+                  <a:t> </a:t>
+                </a:r>
+              </a:p>
+            </p:txBody>
+          </p:sp>
+        </mc:Fallback>
+      </mc:AlternateContent>
+    </p:spTree>
+    <p:extLst>
+      <p:ext uri="{BB962C8B-B14F-4D97-AF65-F5344CB8AC3E}">
+        <p14:creationId xmlns:p14="http://schemas.microsoft.com/office/powerpoint/2010/main" val="562998681"/>
+      </p:ext>
+    </p:extLst>
+  </p:cSld>
+  <p:clrMapOvr>
+    <a:masterClrMapping/>
+  </p:clrMapOvr>
+</p:sld>
+</file>
+
+<file path=ppt/slides/slide21.xml><?xml version="1.0" encoding="utf-8"?>
+<p:sld xmlns:a="http://schemas.openxmlformats.org/drawingml/2006/main" xmlns:r="http://schemas.openxmlformats.org/officeDocument/2006/relationships" xmlns:p="http://schemas.openxmlformats.org/presentationml/2006/main">
+  <p:cSld>
+    <p:spTree>
+      <p:nvGrpSpPr>
+        <p:cNvPr id="1" name="">
+          <a:extLst>
+            <a:ext uri="{FF2B5EF4-FFF2-40B4-BE49-F238E27FC236}">
+              <a16:creationId xmlns:a16="http://schemas.microsoft.com/office/drawing/2014/main" id="{DD9BF2F3-8894-1B9E-15CE-B3FC1B795329}"/>
+            </a:ext>
+          </a:extLst>
+        </p:cNvPr>
+        <p:cNvGrpSpPr/>
+        <p:nvPr/>
+      </p:nvGrpSpPr>
+      <p:grpSpPr>
+        <a:xfrm>
+          <a:off x="0" y="0"/>
+          <a:ext cx="0" cy="0"/>
+          <a:chOff x="0" y="0"/>
+          <a:chExt cx="0" cy="0"/>
+        </a:xfrm>
+      </p:grpSpPr>
+      <p:sp>
+        <p:nvSpPr>
+          <p:cNvPr id="2" name="Title 1">
+            <a:extLst>
+              <a:ext uri="{FF2B5EF4-FFF2-40B4-BE49-F238E27FC236}">
+                <a16:creationId xmlns:a16="http://schemas.microsoft.com/office/drawing/2014/main" id="{B211F966-FC29-1E41-EEEA-01BA21E096EE}"/>
+              </a:ext>
+            </a:extLst>
+          </p:cNvPr>
+          <p:cNvSpPr>
+            <a:spLocks noGrp="1"/>
+          </p:cNvSpPr>
+          <p:nvPr>
+            <p:ph type="title"/>
+          </p:nvPr>
+        </p:nvSpPr>
+        <p:spPr/>
+        <p:txBody>
+          <a:bodyPr/>
+          <a:lstStyle/>
+          <a:p>
+            <a:pPr marL="0" lvl="0" indent="0">
+              <a:buNone/>
+            </a:pPr>
+            <a:r>
+              <a:rPr lang="en-US" dirty="0"/>
+              <a:t>Zero-Inflated Over-Dispersed Distributions</a:t>
+            </a:r>
+            <a:endParaRPr dirty="0"/>
+          </a:p>
+        </p:txBody>
+      </p:sp>
+      <p:sp>
+        <p:nvSpPr>
+          <p:cNvPr id="3" name="Content Placeholder 2">
+            <a:extLst>
+              <a:ext uri="{FF2B5EF4-FFF2-40B4-BE49-F238E27FC236}">
+                <a16:creationId xmlns:a16="http://schemas.microsoft.com/office/drawing/2014/main" id="{647D4FEF-C2B0-84F8-8459-C7B206F8FBAC}"/>
+              </a:ext>
+            </a:extLst>
+          </p:cNvPr>
+          <p:cNvSpPr>
+            <a:spLocks noGrp="1"/>
+          </p:cNvSpPr>
+          <p:nvPr>
+            <p:ph idx="1"/>
+          </p:nvPr>
+        </p:nvSpPr>
+        <p:spPr>
+          <a:xfrm>
+            <a:off x="457200" y="1105408"/>
+            <a:ext cx="8229600" cy="3832113"/>
+          </a:xfrm>
+        </p:spPr>
+        <p:txBody>
+          <a:bodyPr>
+            <a:normAutofit fontScale="85000" lnSpcReduction="20000"/>
+          </a:bodyPr>
+          <a:lstStyle/>
+          <a:p>
+            <a:pPr marL="0" lvl="0" indent="0">
+              <a:buNone/>
+            </a:pPr>
+            <a:r>
+              <a:rPr lang="en-US" dirty="0"/>
+              <a:t>How can we work with distributions that exhibit both zero-inflation and over-dispersion? </a:t>
+            </a:r>
+          </a:p>
+          <a:p>
+            <a:r>
+              <a:rPr lang="en-US" dirty="0"/>
+              <a:t>Yes, we can combine these two properties   </a:t>
+            </a:r>
+          </a:p>
+          <a:p>
+            <a:pPr lvl="1"/>
+            <a:r>
+              <a:rPr lang="en-US" dirty="0"/>
+              <a:t>A switching distribution for the zero-inflation</a:t>
+            </a:r>
+          </a:p>
+          <a:p>
+            <a:pPr lvl="1"/>
+            <a:r>
+              <a:rPr lang="en-US" dirty="0"/>
+              <a:t>An over-dispersed distribution </a:t>
+            </a:r>
+          </a:p>
+          <a:p>
+            <a:r>
+              <a:rPr lang="en-US" dirty="0"/>
+              <a:t>Examples:</a:t>
+            </a:r>
+          </a:p>
+          <a:p>
+            <a:pPr lvl="1"/>
+            <a:r>
+              <a:rPr lang="en-US" dirty="0"/>
+              <a:t>There are zero tornados on most days in some area, but can have large outbreaks with low probability</a:t>
+            </a:r>
+          </a:p>
+          <a:p>
+            <a:pPr lvl="1"/>
+            <a:r>
+              <a:rPr lang="en-US" dirty="0"/>
+              <a:t>A wildlife biologist may spot none of a specific species on a given day, but could encounter large numbers occasionally   </a:t>
+            </a:r>
+          </a:p>
+          <a:p>
+            <a:pPr lvl="1"/>
+            <a:r>
+              <a:rPr lang="en-US" dirty="0"/>
+              <a:t>Most days there are no auto accidents on a segment of road most days, but there are a few days with a high number of accidents   </a:t>
+            </a:r>
+          </a:p>
+          <a:p>
+            <a:pPr lvl="1"/>
+            <a:r>
+              <a:rPr lang="en-US" dirty="0"/>
+              <a:t>Demand for a rarely purchased product is zero on most days, but can have spikes in demand</a:t>
+            </a:r>
+          </a:p>
+        </p:txBody>
+      </p:sp>
+    </p:spTree>
+    <p:extLst>
+      <p:ext uri="{BB962C8B-B14F-4D97-AF65-F5344CB8AC3E}">
+        <p14:creationId xmlns:p14="http://schemas.microsoft.com/office/powerpoint/2010/main" val="3153064074"/>
+      </p:ext>
+    </p:extLst>
+  </p:cSld>
+  <p:clrMapOvr>
+    <a:masterClrMapping/>
+  </p:clrMapOvr>
+</p:sld>
+</file>
+
+<file path=ppt/slides/slide22.xml><?xml version="1.0" encoding="utf-8"?>
+<p:sld xmlns:a="http://schemas.openxmlformats.org/drawingml/2006/main" xmlns:r="http://schemas.openxmlformats.org/officeDocument/2006/relationships" xmlns:p="http://schemas.openxmlformats.org/presentationml/2006/main">
+  <p:cSld>
+    <p:spTree>
+      <p:nvGrpSpPr>
+        <p:cNvPr id="1" name="">
+          <a:extLst>
+            <a:ext uri="{FF2B5EF4-FFF2-40B4-BE49-F238E27FC236}">
+              <a16:creationId xmlns:a16="http://schemas.microsoft.com/office/drawing/2014/main" id="{4AAED322-EC72-9B4B-B7DF-34CE131EAC49}"/>
+            </a:ext>
+          </a:extLst>
+        </p:cNvPr>
+        <p:cNvGrpSpPr/>
+        <p:nvPr/>
+      </p:nvGrpSpPr>
+      <p:grpSpPr>
+        <a:xfrm>
+          <a:off x="0" y="0"/>
+          <a:ext cx="0" cy="0"/>
+          <a:chOff x="0" y="0"/>
+          <a:chExt cx="0" cy="0"/>
+        </a:xfrm>
+      </p:grpSpPr>
+      <p:sp>
+        <p:nvSpPr>
+          <p:cNvPr id="2" name="Title 1">
+            <a:extLst>
+              <a:ext uri="{FF2B5EF4-FFF2-40B4-BE49-F238E27FC236}">
+                <a16:creationId xmlns:a16="http://schemas.microsoft.com/office/drawing/2014/main" id="{45D588C3-4F96-E656-796F-780A92B395E2}"/>
+              </a:ext>
+            </a:extLst>
+          </p:cNvPr>
+          <p:cNvSpPr>
+            <a:spLocks noGrp="1"/>
+          </p:cNvSpPr>
+          <p:nvPr>
+            <p:ph type="title"/>
+          </p:nvPr>
+        </p:nvSpPr>
+        <p:spPr/>
+        <p:txBody>
+          <a:bodyPr/>
+          <a:lstStyle/>
+          <a:p>
+            <a:pPr marL="0" lvl="0" indent="0">
+              <a:buNone/>
+            </a:pPr>
+            <a:r>
+              <a:rPr lang="en-US" dirty="0"/>
+              <a:t>Zero-Inflated Negative Binomial Distribution</a:t>
+            </a:r>
+            <a:endParaRPr dirty="0"/>
+          </a:p>
+        </p:txBody>
+      </p:sp>
+      <mc:AlternateContent xmlns:mc="http://schemas.openxmlformats.org/markup-compatibility/2006">
+        <mc:Choice xmlns:a14="http://schemas.microsoft.com/office/drawing/2010/main" Requires="a14">
+          <p:sp>
+            <p:nvSpPr>
+              <p:cNvPr id="3" name="Content Placeholder 2">
+                <a:extLst>
+                  <a:ext uri="{FF2B5EF4-FFF2-40B4-BE49-F238E27FC236}">
+                    <a16:creationId xmlns:a16="http://schemas.microsoft.com/office/drawing/2014/main" id="{1B402454-ACF7-9F01-68E1-AAF1064ECD2A}"/>
+                  </a:ext>
+                </a:extLst>
+              </p:cNvPr>
+              <p:cNvSpPr>
+                <a:spLocks noGrp="1"/>
+              </p:cNvSpPr>
+              <p:nvPr>
+                <p:ph idx="1"/>
+              </p:nvPr>
+            </p:nvSpPr>
+            <p:spPr>
+              <a:xfrm>
+                <a:off x="457200" y="1105408"/>
+                <a:ext cx="8229600" cy="3616959"/>
+              </a:xfrm>
+            </p:spPr>
+            <p:txBody>
+              <a:bodyPr>
+                <a:normAutofit/>
+              </a:bodyPr>
+              <a:lstStyle/>
+              <a:p>
+                <a:pPr marL="0" lvl="0" indent="0">
+                  <a:buNone/>
+                </a:pPr>
+                <a:r>
+                  <a:rPr lang="en-US" dirty="0"/>
+                  <a:t>The </a:t>
+                </a:r>
+                <a:r>
+                  <a:rPr lang="en-US" b="1" dirty="0">
+                    <a:hlinkClick r:id="rId2"/>
+                  </a:rPr>
+                  <a:t>zero-inflated n</a:t>
+                </a:r>
+                <a14:m>
+                  <m:oMath xmlns:m="http://schemas.openxmlformats.org/officeDocument/2006/math">
+                    <m:r>
+                      <a:rPr lang="en-US" b="1" i="0" dirty="0" smtClean="0">
+                        <a:latin typeface="Cambria Math" panose="02040503050406030204" pitchFamily="18" charset="0"/>
+                        <a:hlinkClick r:id="rId2"/>
+                      </a:rPr>
+                      <m:t>𝐞𝐠𝐚𝐭𝐢𝐯𝐞</m:t>
+                    </m:r>
+                    <m:r>
+                      <a:rPr lang="en-US" b="1" i="0" dirty="0" smtClean="0">
+                        <a:latin typeface="Cambria Math" panose="02040503050406030204" pitchFamily="18" charset="0"/>
+                        <a:hlinkClick r:id="rId2"/>
+                      </a:rPr>
+                      <m:t> </m:t>
+                    </m:r>
+                    <m:r>
+                      <a:rPr lang="en-US" b="1" i="0" dirty="0" smtClean="0">
+                        <a:latin typeface="Cambria Math" panose="02040503050406030204" pitchFamily="18" charset="0"/>
+                        <a:hlinkClick r:id="rId2"/>
+                      </a:rPr>
+                      <m:t>𝐛𝐢𝐧𝐨𝐦𝐢𝐚𝐥</m:t>
+                    </m:r>
+                    <m:r>
+                      <a:rPr lang="en-US" b="1" i="0" dirty="0" smtClean="0">
+                        <a:latin typeface="Cambria Math" panose="02040503050406030204" pitchFamily="18" charset="0"/>
+                        <a:hlinkClick r:id="rId2"/>
+                      </a:rPr>
+                      <m:t> </m:t>
+                    </m:r>
+                    <m:r>
+                      <a:rPr lang="en-US" b="1" i="0" dirty="0" smtClean="0">
+                        <a:latin typeface="Cambria Math" panose="02040503050406030204" pitchFamily="18" charset="0"/>
+                        <a:hlinkClick r:id="rId2"/>
+                      </a:rPr>
+                      <m:t>𝐝𝐢𝐬𝐭𝐫𝐢𝐛𝐮𝐭𝐢𝐨𝐧</m:t>
+                    </m:r>
+                    <m:r>
+                      <a:rPr lang="en-US" b="1" i="0" dirty="0" smtClean="0">
+                        <a:latin typeface="Cambria Math" panose="02040503050406030204" pitchFamily="18" charset="0"/>
+                        <a:hlinkClick r:id="rId2"/>
+                      </a:rPr>
+                      <m:t> </m:t>
+                    </m:r>
+                  </m:oMath>
+                </a14:m>
+                <a:r>
+                  <a:rPr lang="en-US" dirty="0"/>
+                  <a:t>is a generalization of the zero-inflated Poisson distribution </a:t>
+                </a:r>
+              </a:p>
+              <a:p>
+                <a:r>
+                  <a:rPr lang="en-US" dirty="0"/>
+                  <a:t>We can create a mixture distribution with binomial switching probability     </a:t>
+                </a:r>
+              </a:p>
+              <a:p>
+                <a:pPr marL="0" indent="0">
+                  <a:buNone/>
+                </a:pPr>
+                <a14:m>
+                  <m:oMathPara xmlns:m="http://schemas.openxmlformats.org/officeDocument/2006/math">
+                    <m:oMathParaPr>
+                      <m:jc m:val="centerGroup"/>
+                    </m:oMathParaPr>
+                    <m:oMath xmlns:m="http://schemas.openxmlformats.org/officeDocument/2006/math">
+                      <m:r>
+                        <a:rPr lang="en-US" b="0" i="1" smtClean="0">
+                          <a:latin typeface="Cambria Math" panose="02040503050406030204" pitchFamily="18" charset="0"/>
+                        </a:rPr>
+                        <m:t>𝑓</m:t>
+                      </m:r>
+                      <m:d>
+                        <m:dPr>
+                          <m:ctrlPr>
+                            <a:rPr lang="en-US" b="0" i="1" smtClean="0">
+                              <a:latin typeface="Cambria Math" panose="02040503050406030204" pitchFamily="18" charset="0"/>
+                            </a:rPr>
+                          </m:ctrlPr>
+                        </m:dPr>
+                        <m:e>
+                          <m:r>
+                            <a:rPr lang="en-US" b="0" i="1" smtClean="0">
+                              <a:latin typeface="Cambria Math" panose="02040503050406030204" pitchFamily="18" charset="0"/>
+                            </a:rPr>
+                            <m:t>𝐾</m:t>
+                          </m:r>
+                          <m:r>
+                            <a:rPr lang="en-US" b="0" i="1" smtClean="0">
+                              <a:latin typeface="Cambria Math" panose="02040503050406030204" pitchFamily="18" charset="0"/>
+                            </a:rPr>
+                            <m:t>=</m:t>
+                          </m:r>
+                          <m:r>
+                            <a:rPr lang="en-US" b="0" i="1" smtClean="0">
+                              <a:latin typeface="Cambria Math" panose="02040503050406030204" pitchFamily="18" charset="0"/>
+                            </a:rPr>
+                            <m:t>0</m:t>
+                          </m:r>
+                          <m:r>
+                            <a:rPr lang="en-US" b="0" i="1" smtClean="0">
+                              <a:latin typeface="Cambria Math" panose="02040503050406030204" pitchFamily="18" charset="0"/>
+                            </a:rPr>
+                            <m:t> | </m:t>
+                          </m:r>
+                          <m:r>
+                            <a:rPr lang="en-US" b="0" i="1" smtClean="0">
+                              <a:latin typeface="Cambria Math" panose="02040503050406030204" pitchFamily="18" charset="0"/>
+                            </a:rPr>
+                            <m:t>𝑝</m:t>
+                          </m:r>
+                          <m:r>
+                            <a:rPr lang="en-US" b="0" i="1" smtClean="0">
+                              <a:latin typeface="Cambria Math" panose="02040503050406030204" pitchFamily="18" charset="0"/>
+                            </a:rPr>
+                            <m:t>,</m:t>
+                          </m:r>
+                          <m:r>
+                            <a:rPr lang="en-US" b="0" i="1" smtClean="0">
+                              <a:latin typeface="Cambria Math" panose="02040503050406030204" pitchFamily="18" charset="0"/>
+                            </a:rPr>
+                            <m:t>𝑛</m:t>
+                          </m:r>
+                        </m:e>
+                      </m:d>
+                      <m:r>
+                        <a:rPr lang="en-US" b="0" i="1" smtClean="0">
+                          <a:latin typeface="Cambria Math" panose="02040503050406030204" pitchFamily="18" charset="0"/>
+                        </a:rPr>
+                        <m:t>=</m:t>
+                      </m:r>
+                      <m:r>
+                        <a:rPr lang="en-US" b="0" i="1" smtClean="0">
+                          <a:latin typeface="Cambria Math" panose="02040503050406030204" pitchFamily="18" charset="0"/>
+                          <a:ea typeface="Cambria Math" panose="02040503050406030204" pitchFamily="18" charset="0"/>
+                        </a:rPr>
+                        <m:t>𝜋</m:t>
+                      </m:r>
+                      <m:r>
+                        <a:rPr lang="en-US" b="0" i="1" smtClean="0">
+                          <a:latin typeface="Cambria Math" panose="02040503050406030204" pitchFamily="18" charset="0"/>
+                          <a:ea typeface="Cambria Math" panose="02040503050406030204" pitchFamily="18" charset="0"/>
+                        </a:rPr>
+                        <m:t>+</m:t>
+                      </m:r>
+                      <m:d>
+                        <m:dPr>
+                          <m:ctrlPr>
+                            <a:rPr lang="en-US" b="0" i="1" smtClean="0">
+                              <a:latin typeface="Cambria Math" panose="02040503050406030204" pitchFamily="18" charset="0"/>
+                              <a:ea typeface="Cambria Math" panose="02040503050406030204" pitchFamily="18" charset="0"/>
+                            </a:rPr>
+                          </m:ctrlPr>
+                        </m:dPr>
+                        <m:e>
+                          <m:r>
+                            <a:rPr lang="en-US" b="0" i="1" smtClean="0">
+                              <a:latin typeface="Cambria Math" panose="02040503050406030204" pitchFamily="18" charset="0"/>
+                              <a:ea typeface="Cambria Math" panose="02040503050406030204" pitchFamily="18" charset="0"/>
+                            </a:rPr>
+                            <m:t>1</m:t>
+                          </m:r>
+                          <m:r>
+                            <a:rPr lang="en-US" b="0" i="1" smtClean="0">
+                              <a:latin typeface="Cambria Math" panose="02040503050406030204" pitchFamily="18" charset="0"/>
+                              <a:ea typeface="Cambria Math" panose="02040503050406030204" pitchFamily="18" charset="0"/>
+                            </a:rPr>
+                            <m:t>−</m:t>
+                          </m:r>
+                          <m:r>
+                            <a:rPr lang="en-US" b="0" i="1" smtClean="0">
+                              <a:latin typeface="Cambria Math" panose="02040503050406030204" pitchFamily="18" charset="0"/>
+                              <a:ea typeface="Cambria Math" panose="02040503050406030204" pitchFamily="18" charset="0"/>
+                            </a:rPr>
+                            <m:t>𝜋</m:t>
+                          </m:r>
+                        </m:e>
+                      </m:d>
+                      <m:sSup>
+                        <m:sSupPr>
+                          <m:ctrlPr>
+                            <a:rPr lang="en-US" b="0" i="1" smtClean="0">
+                              <a:latin typeface="Cambria Math" panose="02040503050406030204" pitchFamily="18" charset="0"/>
+                              <a:ea typeface="Cambria Math" panose="02040503050406030204" pitchFamily="18" charset="0"/>
+                            </a:rPr>
+                          </m:ctrlPr>
+                        </m:sSupPr>
+                        <m:e>
+                          <m:r>
+                            <a:rPr lang="en-US" b="0" i="1" smtClean="0">
+                              <a:latin typeface="Cambria Math" panose="02040503050406030204" pitchFamily="18" charset="0"/>
+                              <a:ea typeface="Cambria Math" panose="02040503050406030204" pitchFamily="18" charset="0"/>
+                            </a:rPr>
+                            <m:t>𝑝</m:t>
+                          </m:r>
+                        </m:e>
+                        <m:sup>
+                          <m:r>
+                            <a:rPr lang="en-US" b="0" i="1" smtClean="0">
+                              <a:latin typeface="Cambria Math" panose="02040503050406030204" pitchFamily="18" charset="0"/>
+                              <a:ea typeface="Cambria Math" panose="02040503050406030204" pitchFamily="18" charset="0"/>
+                            </a:rPr>
+                            <m:t>𝑛</m:t>
+                          </m:r>
+                        </m:sup>
+                      </m:sSup>
+                    </m:oMath>
+                  </m:oMathPara>
+                </a14:m>
+                <a:endParaRPr lang="en-US" b="0" dirty="0">
+                  <a:ea typeface="Cambria Math" panose="02040503050406030204" pitchFamily="18" charset="0"/>
+                </a:endParaRPr>
+              </a:p>
+              <a:p>
+                <a:pPr marL="0" indent="0">
+                  <a:buNone/>
+                </a:pPr>
+                <a14:m>
+                  <m:oMathPara xmlns:m="http://schemas.openxmlformats.org/officeDocument/2006/math">
+                    <m:oMathParaPr>
+                      <m:jc m:val="centerGroup"/>
+                    </m:oMathParaPr>
+                    <m:oMath xmlns:m="http://schemas.openxmlformats.org/officeDocument/2006/math">
+                      <m:r>
+                        <a:rPr lang="en-US" b="0" i="1" smtClean="0">
+                          <a:latin typeface="Cambria Math" panose="02040503050406030204" pitchFamily="18" charset="0"/>
+                        </a:rPr>
+                        <m:t>𝑓</m:t>
+                      </m:r>
+                      <m:d>
+                        <m:dPr>
+                          <m:ctrlPr>
+                            <a:rPr lang="en-US" b="0" i="1" smtClean="0">
+                              <a:latin typeface="Cambria Math" panose="02040503050406030204" pitchFamily="18" charset="0"/>
+                            </a:rPr>
+                          </m:ctrlPr>
+                        </m:dPr>
+                        <m:e>
+                          <m:r>
+                            <a:rPr lang="en-US" b="0" i="1" smtClean="0">
+                              <a:latin typeface="Cambria Math" panose="02040503050406030204" pitchFamily="18" charset="0"/>
+                            </a:rPr>
+                            <m:t>𝐾</m:t>
+                          </m:r>
+                          <m:r>
+                            <a:rPr lang="en-US" b="0" i="1" smtClean="0">
+                              <a:latin typeface="Cambria Math" panose="02040503050406030204" pitchFamily="18" charset="0"/>
+                            </a:rPr>
+                            <m:t>=</m:t>
+                          </m:r>
+                          <m:r>
+                            <a:rPr lang="en-US" b="0" i="1" smtClean="0">
+                              <a:latin typeface="Cambria Math" panose="02040503050406030204" pitchFamily="18" charset="0"/>
+                            </a:rPr>
+                            <m:t>𝑘</m:t>
+                          </m:r>
+                          <m:r>
+                            <a:rPr lang="en-US" b="0" i="1" smtClean="0">
+                              <a:latin typeface="Cambria Math" panose="02040503050406030204" pitchFamily="18" charset="0"/>
+                            </a:rPr>
+                            <m:t> | </m:t>
+                          </m:r>
+                          <m:r>
+                            <a:rPr lang="en-US" b="0" i="1" smtClean="0">
+                              <a:latin typeface="Cambria Math" panose="02040503050406030204" pitchFamily="18" charset="0"/>
+                            </a:rPr>
+                            <m:t>𝑝</m:t>
+                          </m:r>
+                          <m:r>
+                            <a:rPr lang="en-US" b="0" i="1" smtClean="0">
+                              <a:latin typeface="Cambria Math" panose="02040503050406030204" pitchFamily="18" charset="0"/>
+                            </a:rPr>
+                            <m:t>,</m:t>
+                          </m:r>
+                          <m:r>
+                            <a:rPr lang="en-US" b="0" i="1" smtClean="0">
+                              <a:latin typeface="Cambria Math" panose="02040503050406030204" pitchFamily="18" charset="0"/>
+                            </a:rPr>
+                            <m:t>𝑛</m:t>
+                          </m:r>
+                        </m:e>
+                      </m:d>
+                      <m:r>
+                        <a:rPr lang="en-US" b="0" i="1" smtClean="0">
+                          <a:latin typeface="Cambria Math" panose="02040503050406030204" pitchFamily="18" charset="0"/>
+                        </a:rPr>
+                        <m:t>=</m:t>
+                      </m:r>
+                      <m:d>
+                        <m:dPr>
+                          <m:ctrlPr>
+                            <a:rPr lang="en-US" i="1">
+                              <a:latin typeface="Cambria Math" panose="02040503050406030204" pitchFamily="18" charset="0"/>
+                              <a:ea typeface="Cambria Math" panose="02040503050406030204" pitchFamily="18" charset="0"/>
+                            </a:rPr>
+                          </m:ctrlPr>
+                        </m:dPr>
+                        <m:e>
+                          <m:r>
+                            <a:rPr lang="en-US" i="1">
+                              <a:latin typeface="Cambria Math" panose="02040503050406030204" pitchFamily="18" charset="0"/>
+                              <a:ea typeface="Cambria Math" panose="02040503050406030204" pitchFamily="18" charset="0"/>
+                            </a:rPr>
+                            <m:t>1</m:t>
+                          </m:r>
+                          <m:r>
+                            <a:rPr lang="en-US" i="1">
+                              <a:latin typeface="Cambria Math" panose="02040503050406030204" pitchFamily="18" charset="0"/>
+                              <a:ea typeface="Cambria Math" panose="02040503050406030204" pitchFamily="18" charset="0"/>
+                            </a:rPr>
+                            <m:t>−</m:t>
+                          </m:r>
+                          <m:r>
+                            <a:rPr lang="en-US" i="1">
+                              <a:latin typeface="Cambria Math" panose="02040503050406030204" pitchFamily="18" charset="0"/>
+                              <a:ea typeface="Cambria Math" panose="02040503050406030204" pitchFamily="18" charset="0"/>
+                            </a:rPr>
+                            <m:t>𝜋</m:t>
+                          </m:r>
+                        </m:e>
+                      </m:d>
+                      <m:d>
+                        <m:dPr>
+                          <m:ctrlPr>
+                            <a:rPr lang="en-US" i="1">
+                              <a:latin typeface="Cambria Math" panose="02040503050406030204" pitchFamily="18" charset="0"/>
+                            </a:rPr>
+                          </m:ctrlPr>
+                        </m:dPr>
+                        <m:e>
+                          <m:m>
+                            <m:mPr>
+                              <m:mcs>
+                                <m:mc>
+                                  <m:mcPr>
+                                    <m:count m:val="1"/>
+                                    <m:mcJc m:val="center"/>
+                                  </m:mcPr>
+                                </m:mc>
+                              </m:mcs>
+                              <m:ctrlPr>
+                                <a:rPr lang="en-US" i="1">
+                                  <a:latin typeface="Cambria Math" panose="02040503050406030204" pitchFamily="18" charset="0"/>
+                                </a:rPr>
+                              </m:ctrlPr>
+                            </m:mPr>
+                            <m:mr>
+                              <m:e>
+                                <m:r>
+                                  <m:rPr>
+                                    <m:brk m:alnAt="7"/>
+                                  </m:rPr>
+                                  <a:rPr lang="en-US" i="1">
+                                    <a:latin typeface="Cambria Math" panose="02040503050406030204" pitchFamily="18" charset="0"/>
+                                  </a:rPr>
+                                  <m:t>𝑘</m:t>
+                                </m:r>
+                                <m:r>
+                                  <a:rPr lang="en-US" i="1">
+                                    <a:latin typeface="Cambria Math" panose="02040503050406030204" pitchFamily="18" charset="0"/>
+                                  </a:rPr>
+                                  <m:t>+</m:t>
+                                </m:r>
+                                <m:r>
+                                  <a:rPr lang="en-US" i="1">
+                                    <a:latin typeface="Cambria Math" panose="02040503050406030204" pitchFamily="18" charset="0"/>
+                                  </a:rPr>
+                                  <m:t>𝑛</m:t>
+                                </m:r>
+                                <m:r>
+                                  <a:rPr lang="en-US" i="1">
+                                    <a:latin typeface="Cambria Math" panose="02040503050406030204" pitchFamily="18" charset="0"/>
+                                  </a:rPr>
+                                  <m:t>−</m:t>
+                                </m:r>
+                                <m:r>
+                                  <a:rPr lang="en-US" i="1">
+                                    <a:latin typeface="Cambria Math" panose="02040503050406030204" pitchFamily="18" charset="0"/>
+                                  </a:rPr>
+                                  <m:t>1</m:t>
+                                </m:r>
+                              </m:e>
+                            </m:mr>
+                            <m:mr>
+                              <m:e>
+                                <m:r>
+                                  <a:rPr lang="en-US" i="1">
+                                    <a:latin typeface="Cambria Math" panose="02040503050406030204" pitchFamily="18" charset="0"/>
+                                  </a:rPr>
+                                  <m:t>𝑛</m:t>
+                                </m:r>
+                                <m:r>
+                                  <a:rPr lang="en-US" i="1">
+                                    <a:latin typeface="Cambria Math" panose="02040503050406030204" pitchFamily="18" charset="0"/>
+                                  </a:rPr>
+                                  <m:t>−</m:t>
+                                </m:r>
+                                <m:r>
+                                  <a:rPr lang="en-US" i="1">
+                                    <a:latin typeface="Cambria Math" panose="02040503050406030204" pitchFamily="18" charset="0"/>
+                                  </a:rPr>
+                                  <m:t>1</m:t>
+                                </m:r>
+                              </m:e>
+                            </m:mr>
+                          </m:m>
+                        </m:e>
+                      </m:d>
+                      <m:sSup>
+                        <m:sSupPr>
+                          <m:ctrlPr>
+                            <a:rPr lang="en-US" i="1">
+                              <a:latin typeface="Cambria Math" panose="02040503050406030204" pitchFamily="18" charset="0"/>
+                            </a:rPr>
+                          </m:ctrlPr>
+                        </m:sSupPr>
+                        <m:e>
+                          <m:r>
+                            <a:rPr lang="en-US" i="1">
+                              <a:latin typeface="Cambria Math" panose="02040503050406030204" pitchFamily="18" charset="0"/>
+                            </a:rPr>
+                            <m:t>𝑝</m:t>
+                          </m:r>
+                        </m:e>
+                        <m:sup>
+                          <m:r>
+                            <a:rPr lang="en-US" i="1">
+                              <a:latin typeface="Cambria Math" panose="02040503050406030204" pitchFamily="18" charset="0"/>
+                            </a:rPr>
+                            <m:t>𝑛</m:t>
+                          </m:r>
+                        </m:sup>
+                      </m:sSup>
+                      <m:sSup>
+                        <m:sSupPr>
+                          <m:ctrlPr>
+                            <a:rPr lang="en-US" i="1">
+                              <a:latin typeface="Cambria Math" panose="02040503050406030204" pitchFamily="18" charset="0"/>
+                            </a:rPr>
+                          </m:ctrlPr>
+                        </m:sSupPr>
+                        <m:e>
+                          <m:d>
+                            <m:dPr>
+                              <m:ctrlPr>
+                                <a:rPr lang="en-US" i="1">
+                                  <a:latin typeface="Cambria Math" panose="02040503050406030204" pitchFamily="18" charset="0"/>
+                                </a:rPr>
+                              </m:ctrlPr>
+                            </m:dPr>
+                            <m:e>
+                              <m:r>
+                                <a:rPr lang="en-US" i="1">
+                                  <a:latin typeface="Cambria Math" panose="02040503050406030204" pitchFamily="18" charset="0"/>
+                                </a:rPr>
+                                <m:t>1</m:t>
+                              </m:r>
+                              <m:r>
+                                <a:rPr lang="en-US" i="1">
+                                  <a:latin typeface="Cambria Math" panose="02040503050406030204" pitchFamily="18" charset="0"/>
+                                </a:rPr>
+                                <m:t>−</m:t>
+                              </m:r>
+                              <m:r>
+                                <a:rPr lang="en-US" i="1">
+                                  <a:latin typeface="Cambria Math" panose="02040503050406030204" pitchFamily="18" charset="0"/>
+                                </a:rPr>
+                                <m:t>𝑝</m:t>
+                              </m:r>
+                            </m:e>
+                          </m:d>
+                        </m:e>
+                        <m:sup>
+                          <m:r>
+                            <a:rPr lang="en-US" i="1">
+                              <a:latin typeface="Cambria Math" panose="02040503050406030204" pitchFamily="18" charset="0"/>
+                            </a:rPr>
+                            <m:t>𝑘</m:t>
+                          </m:r>
+                        </m:sup>
+                      </m:sSup>
+                    </m:oMath>
+                  </m:oMathPara>
+                </a14:m>
+                <a:endParaRPr lang="en-US" dirty="0"/>
+              </a:p>
+              <a:p>
+                <a:r>
+                  <a:rPr lang="en-US" dirty="0"/>
+                  <a:t>This distribution is both zero-inflated and over-dispersed</a:t>
+                </a:r>
+              </a:p>
+              <a:p>
+                <a:pPr lvl="1"/>
+                <a:endParaRPr dirty="0"/>
+              </a:p>
+            </p:txBody>
+          </p:sp>
+        </mc:Choice>
+        <mc:Fallback>
+          <p:sp>
+            <p:nvSpPr>
+              <p:cNvPr id="3" name="Content Placeholder 2">
+                <a:extLst>
+                  <a:ext uri="{FF2B5EF4-FFF2-40B4-BE49-F238E27FC236}">
+                    <a16:creationId xmlns:a16="http://schemas.microsoft.com/office/drawing/2014/main" id="{1B402454-ACF7-9F01-68E1-AAF1064ECD2A}"/>
+                  </a:ext>
+                </a:extLst>
+              </p:cNvPr>
+              <p:cNvSpPr>
+                <a:spLocks noGrp="1" noRot="1" noChangeAspect="1" noMove="1" noResize="1" noEditPoints="1" noAdjustHandles="1" noChangeArrowheads="1" noChangeShapeType="1" noTextEdit="1"/>
+              </p:cNvSpPr>
+              <p:nvPr>
+                <p:ph idx="1"/>
+              </p:nvPr>
+            </p:nvSpPr>
+            <p:spPr>
+              <a:xfrm>
+                <a:off x="457200" y="1105408"/>
+                <a:ext cx="8229600" cy="3616959"/>
+              </a:xfrm>
+              <a:blipFill>
+                <a:blip r:embed="rId3"/>
+                <a:stretch>
+                  <a:fillRect l="-1111" t="-1347"/>
+                </a:stretch>
+              </a:blipFill>
+            </p:spPr>
+            <p:txBody>
+              <a:bodyPr/>
+              <a:lstStyle/>
+              <a:p>
+                <a:r>
+                  <a:rPr lang="en-US">
+                    <a:noFill/>
+                  </a:rPr>
+                  <a:t> </a:t>
+                </a:r>
+              </a:p>
+            </p:txBody>
+          </p:sp>
+        </mc:Fallback>
+      </mc:AlternateContent>
+    </p:spTree>
+    <p:extLst>
+      <p:ext uri="{BB962C8B-B14F-4D97-AF65-F5344CB8AC3E}">
+        <p14:creationId xmlns:p14="http://schemas.microsoft.com/office/powerpoint/2010/main" val="1474411680"/>
+      </p:ext>
+    </p:extLst>
+  </p:cSld>
+  <p:clrMapOvr>
+    <a:masterClrMapping/>
+  </p:clrMapOvr>
+</p:sld>
+</file>
+
+<file path=ppt/slides/slide23.xml><?xml version="1.0" encoding="utf-8"?>
 <p:sld xmlns:a="http://schemas.openxmlformats.org/drawingml/2006/main" xmlns:r="http://schemas.openxmlformats.org/officeDocument/2006/relationships" xmlns:p="http://schemas.openxmlformats.org/presentationml/2006/main">
   <p:cSld>
     <p:spTree>
@@ -5173,8 +8979,8 @@
           </a:p>
         </p:txBody>
       </p:sp>
-      <mc:AlternateContent xmlns:mc="http://schemas.openxmlformats.org/markup-compatibility/2006">
-        <mc:Choice xmlns:a14="http://schemas.microsoft.com/office/drawing/2010/main" Requires="a14">
+      <mc:AlternateContent xmlns:mc="http://schemas.openxmlformats.org/markup-compatibility/2006" xmlns:a14="http://schemas.microsoft.com/office/drawing/2010/main">
+        <mc:Choice Requires="a14">
           <p:sp>
             <p:nvSpPr>
               <p:cNvPr id="3" name="Content Placeholder 2">
@@ -5232,7 +9038,31 @@
                       <a:rPr lang="en-US" b="0" i="1" smtClean="0">
                         <a:latin typeface="Cambria Math" panose="02040503050406030204" pitchFamily="18" charset="0"/>
                       </a:rPr>
-                      <m:t>=2.0, </m:t>
+                      <m:t>=</m:t>
+                    </m:r>
+                    <m:r>
+                      <a:rPr lang="en-US" b="0" i="1" smtClean="0">
+                        <a:latin typeface="Cambria Math" panose="02040503050406030204" pitchFamily="18" charset="0"/>
+                      </a:rPr>
+                      <m:t>2</m:t>
+                    </m:r>
+                    <m:r>
+                      <a:rPr lang="en-US" b="0" i="1" smtClean="0">
+                        <a:latin typeface="Cambria Math" panose="02040503050406030204" pitchFamily="18" charset="0"/>
+                      </a:rPr>
+                      <m:t>.</m:t>
+                    </m:r>
+                    <m:r>
+                      <a:rPr lang="en-US" b="0" i="1" smtClean="0">
+                        <a:latin typeface="Cambria Math" panose="02040503050406030204" pitchFamily="18" charset="0"/>
+                      </a:rPr>
+                      <m:t>0</m:t>
+                    </m:r>
+                    <m:r>
+                      <a:rPr lang="en-US" b="0" i="1" smtClean="0">
+                        <a:latin typeface="Cambria Math" panose="02040503050406030204" pitchFamily="18" charset="0"/>
+                      </a:rPr>
+                      <m:t>, </m:t>
                     </m:r>
                     <m:r>
                       <a:rPr lang="en-US" b="0" i="1" smtClean="0">
@@ -5246,7 +9076,28 @@
                         <a:latin typeface="Cambria Math" panose="02040503050406030204" pitchFamily="18" charset="0"/>
                         <a:ea typeface="Cambria Math" panose="02040503050406030204" pitchFamily="18" charset="0"/>
                       </a:rPr>
-                      <m:t>=1.0</m:t>
+                      <m:t>=</m:t>
+                    </m:r>
+                    <m:r>
+                      <a:rPr lang="en-US" b="0" i="1" smtClean="0">
+                        <a:latin typeface="Cambria Math" panose="02040503050406030204" pitchFamily="18" charset="0"/>
+                        <a:ea typeface="Cambria Math" panose="02040503050406030204" pitchFamily="18" charset="0"/>
+                      </a:rPr>
+                      <m:t>1</m:t>
+                    </m:r>
+                    <m:r>
+                      <a:rPr lang="en-US" b="0" i="1" smtClean="0">
+                        <a:latin typeface="Cambria Math" panose="02040503050406030204" pitchFamily="18" charset="0"/>
+                        <a:ea typeface="Cambria Math" panose="02040503050406030204" pitchFamily="18" charset="0"/>
+                      </a:rPr>
+                      <m:t>.</m:t>
+                    </m:r>
+                    <m:r>
+                      <a:rPr lang="en-US" b="0" i="1" smtClean="0">
+                        <a:latin typeface="Cambria Math" panose="02040503050406030204" pitchFamily="18" charset="0"/>
+                        <a:ea typeface="Cambria Math" panose="02040503050406030204" pitchFamily="18" charset="0"/>
+                      </a:rPr>
+                      <m:t>0</m:t>
                     </m:r>
                   </m:oMath>
                 </a14:m>
@@ -5266,7 +9117,31 @@
                       <a:rPr lang="en-US" i="1">
                         <a:latin typeface="Cambria Math" panose="02040503050406030204" pitchFamily="18" charset="0"/>
                       </a:rPr>
-                      <m:t>=2.0, </m:t>
+                      <m:t>=</m:t>
+                    </m:r>
+                    <m:r>
+                      <a:rPr lang="en-US" i="1">
+                        <a:latin typeface="Cambria Math" panose="02040503050406030204" pitchFamily="18" charset="0"/>
+                      </a:rPr>
+                      <m:t>2</m:t>
+                    </m:r>
+                    <m:r>
+                      <a:rPr lang="en-US" i="1">
+                        <a:latin typeface="Cambria Math" panose="02040503050406030204" pitchFamily="18" charset="0"/>
+                      </a:rPr>
+                      <m:t>.</m:t>
+                    </m:r>
+                    <m:r>
+                      <a:rPr lang="en-US" i="1">
+                        <a:latin typeface="Cambria Math" panose="02040503050406030204" pitchFamily="18" charset="0"/>
+                      </a:rPr>
+                      <m:t>0</m:t>
+                    </m:r>
+                    <m:r>
+                      <a:rPr lang="en-US" i="1">
+                        <a:latin typeface="Cambria Math" panose="02040503050406030204" pitchFamily="18" charset="0"/>
+                      </a:rPr>
+                      <m:t>, </m:t>
                     </m:r>
                     <m:r>
                       <a:rPr lang="en-US" i="1">
@@ -5280,7 +9155,28 @@
                         <a:latin typeface="Cambria Math" panose="02040503050406030204" pitchFamily="18" charset="0"/>
                         <a:ea typeface="Cambria Math" panose="02040503050406030204" pitchFamily="18" charset="0"/>
                       </a:rPr>
-                      <m:t>=4.0</m:t>
+                      <m:t>=</m:t>
+                    </m:r>
+                    <m:r>
+                      <a:rPr lang="en-US" i="1">
+                        <a:latin typeface="Cambria Math" panose="02040503050406030204" pitchFamily="18" charset="0"/>
+                        <a:ea typeface="Cambria Math" panose="02040503050406030204" pitchFamily="18" charset="0"/>
+                      </a:rPr>
+                      <m:t>4</m:t>
+                    </m:r>
+                    <m:r>
+                      <a:rPr lang="en-US" i="1">
+                        <a:latin typeface="Cambria Math" panose="02040503050406030204" pitchFamily="18" charset="0"/>
+                        <a:ea typeface="Cambria Math" panose="02040503050406030204" pitchFamily="18" charset="0"/>
+                      </a:rPr>
+                      <m:t>.</m:t>
+                    </m:r>
+                    <m:r>
+                      <a:rPr lang="en-US" i="1">
+                        <a:latin typeface="Cambria Math" panose="02040503050406030204" pitchFamily="18" charset="0"/>
+                        <a:ea typeface="Cambria Math" panose="02040503050406030204" pitchFamily="18" charset="0"/>
+                      </a:rPr>
+                      <m:t>0</m:t>
                     </m:r>
                   </m:oMath>
                 </a14:m>
@@ -5300,7 +9196,31 @@
                       <a:rPr lang="en-US" i="1">
                         <a:latin typeface="Cambria Math" panose="02040503050406030204" pitchFamily="18" charset="0"/>
                       </a:rPr>
-                      <m:t>=5.0,</m:t>
+                      <m:t>=</m:t>
+                    </m:r>
+                    <m:r>
+                      <a:rPr lang="en-US" i="1">
+                        <a:latin typeface="Cambria Math" panose="02040503050406030204" pitchFamily="18" charset="0"/>
+                      </a:rPr>
+                      <m:t>5</m:t>
+                    </m:r>
+                    <m:r>
+                      <a:rPr lang="en-US" i="1">
+                        <a:latin typeface="Cambria Math" panose="02040503050406030204" pitchFamily="18" charset="0"/>
+                      </a:rPr>
+                      <m:t>.</m:t>
+                    </m:r>
+                    <m:r>
+                      <a:rPr lang="en-US" i="1">
+                        <a:latin typeface="Cambria Math" panose="02040503050406030204" pitchFamily="18" charset="0"/>
+                      </a:rPr>
+                      <m:t>0</m:t>
+                    </m:r>
+                    <m:r>
+                      <a:rPr lang="en-US" i="1">
+                        <a:latin typeface="Cambria Math" panose="02040503050406030204" pitchFamily="18" charset="0"/>
+                      </a:rPr>
+                      <m:t>,</m:t>
                     </m:r>
                     <m:r>
                       <a:rPr lang="en-US" i="1">
@@ -5314,7 +9234,28 @@
                         <a:latin typeface="Cambria Math" panose="02040503050406030204" pitchFamily="18" charset="0"/>
                         <a:ea typeface="Cambria Math" panose="02040503050406030204" pitchFamily="18" charset="0"/>
                       </a:rPr>
-                      <m:t>=2.0</m:t>
+                      <m:t>=</m:t>
+                    </m:r>
+                    <m:r>
+                      <a:rPr lang="en-US" i="1">
+                        <a:latin typeface="Cambria Math" panose="02040503050406030204" pitchFamily="18" charset="0"/>
+                        <a:ea typeface="Cambria Math" panose="02040503050406030204" pitchFamily="18" charset="0"/>
+                      </a:rPr>
+                      <m:t>2</m:t>
+                    </m:r>
+                    <m:r>
+                      <a:rPr lang="en-US" i="1">
+                        <a:latin typeface="Cambria Math" panose="02040503050406030204" pitchFamily="18" charset="0"/>
+                        <a:ea typeface="Cambria Math" panose="02040503050406030204" pitchFamily="18" charset="0"/>
+                      </a:rPr>
+                      <m:t>.</m:t>
+                    </m:r>
+                    <m:r>
+                      <a:rPr lang="en-US" i="1">
+                        <a:latin typeface="Cambria Math" panose="02040503050406030204" pitchFamily="18" charset="0"/>
+                        <a:ea typeface="Cambria Math" panose="02040503050406030204" pitchFamily="18" charset="0"/>
+                      </a:rPr>
+                      <m:t>0</m:t>
                     </m:r>
                   </m:oMath>
                 </a14:m>
@@ -5369,7 +9310,7 @@
             </p:txBody>
           </p:sp>
         </mc:Choice>
-        <mc:Fallback>
+        <mc:Fallback xmlns="">
           <p:sp>
             <p:nvSpPr>
               <p:cNvPr id="3" name="Content Placeholder 2">
@@ -5588,7 +9529,7 @@
 </p:sld>
 </file>
 
-<file path=ppt/slides/slide16.xml><?xml version="1.0" encoding="utf-8"?>
+<file path=ppt/slides/slide24.xml><?xml version="1.0" encoding="utf-8"?>
 <p:sld xmlns:a="http://schemas.openxmlformats.org/drawingml/2006/main" xmlns:r="http://schemas.openxmlformats.org/officeDocument/2006/relationships" xmlns:p="http://schemas.openxmlformats.org/presentationml/2006/main">
   <p:cSld>
     <p:spTree>
@@ -5658,7 +9599,7 @@
 </p:sld>
 </file>
 
-<file path=ppt/slides/slide17.xml><?xml version="1.0" encoding="utf-8"?>
+<file path=ppt/slides/slide25.xml><?xml version="1.0" encoding="utf-8"?>
 <p:sld xmlns:a="http://schemas.openxmlformats.org/drawingml/2006/main" xmlns:r="http://schemas.openxmlformats.org/officeDocument/2006/relationships" xmlns:p="http://schemas.openxmlformats.org/presentationml/2006/main">
   <p:cSld>
     <p:spTree>
@@ -5712,7 +9653,7 @@
         <p:spPr/>
         <p:txBody>
           <a:bodyPr>
-            <a:normAutofit fontScale="62500" lnSpcReduction="20000"/>
+            <a:normAutofit fontScale="77500" lnSpcReduction="20000"/>
           </a:bodyPr>
           <a:lstStyle/>
           <a:p>
@@ -5720,87 +9661,92 @@
               <a:buNone/>
             </a:pPr>
             <a:r>
+              <a:rPr dirty="0"/>
               <a:t>Outliers are a persistent problem with statistical and machine learning models</a:t>
             </a:r>
           </a:p>
           <a:p>
             <a:pPr lvl="0"/>
             <a:r>
+              <a:rPr dirty="0"/>
               <a:t>What are outliers?</a:t>
             </a:r>
           </a:p>
           <a:p>
             <a:pPr lvl="1"/>
             <a:r>
+              <a:rPr dirty="0"/>
               <a:t>Errors or noisy measurements</a:t>
             </a:r>
-            <a:br/>
-            <a:endParaRPr/>
           </a:p>
           <a:p>
             <a:pPr lvl="1"/>
             <a:r>
+              <a:rPr dirty="0"/>
               <a:t>Result of improper stratification</a:t>
             </a:r>
           </a:p>
           <a:p>
             <a:pPr lvl="0"/>
             <a:r>
+              <a:rPr dirty="0"/>
               <a:t>But, may be of interest</a:t>
             </a:r>
           </a:p>
           <a:p>
             <a:pPr lvl="1"/>
             <a:r>
+              <a:rPr dirty="0"/>
               <a:t>Depending on the application, outliers can be the </a:t>
             </a:r>
             <a:r>
-              <a:rPr b="1"/>
+              <a:rPr b="1" dirty="0"/>
               <a:t>most interesting values</a:t>
             </a:r>
             <a:r>
+              <a:rPr dirty="0"/>
               <a:t>!!</a:t>
             </a:r>
-            <a:br/>
-            <a:endParaRPr/>
           </a:p>
           <a:p>
             <a:pPr lvl="1"/>
             <a:r>
+              <a:rPr dirty="0"/>
               <a:t>May need to explicitly model</a:t>
             </a:r>
           </a:p>
           <a:p>
             <a:pPr lvl="1"/>
             <a:r>
+              <a:rPr dirty="0"/>
               <a:t>Example: Fraud detection</a:t>
             </a:r>
-            <a:br/>
-            <a:endParaRPr/>
           </a:p>
           <a:p>
             <a:pPr lvl="1"/>
             <a:r>
+              <a:rPr dirty="0"/>
               <a:t>Example: Scientific discovery</a:t>
             </a:r>
           </a:p>
           <a:p>
             <a:pPr lvl="0"/>
             <a:r>
+              <a:rPr dirty="0"/>
               <a:t>Outliers can be hard to detect</a:t>
             </a:r>
           </a:p>
           <a:p>
             <a:pPr lvl="1"/>
             <a:r>
+              <a:rPr dirty="0"/>
               <a:t>Difficult in high-dimensions</a:t>
             </a:r>
-            <a:br/>
-            <a:endParaRPr/>
           </a:p>
           <a:p>
             <a:pPr lvl="1"/>
             <a:r>
+              <a:rPr dirty="0"/>
               <a:t>Often find by influence on model</a:t>
             </a:r>
           </a:p>
@@ -5814,7 +9760,7 @@
 </p:sld>
 </file>
 
-<file path=ppt/slides/slide18.xml><?xml version="1.0" encoding="utf-8"?>
+<file path=ppt/slides/slide26.xml><?xml version="1.0" encoding="utf-8"?>
 <p:sld xmlns:a="http://schemas.openxmlformats.org/drawingml/2006/main" xmlns:r="http://schemas.openxmlformats.org/officeDocument/2006/relationships" xmlns:p="http://schemas.openxmlformats.org/presentationml/2006/main">
   <p:cSld>
     <p:spTree>
@@ -5844,18 +9790,25 @@
         <p:spPr>
           <a:xfrm>
             <a:off x="457201" y="204787"/>
-            <a:ext cx="3008313" cy="871538"/>
+            <a:ext cx="8195055" cy="660845"/>
           </a:xfrm>
         </p:spPr>
         <p:txBody>
-          <a:bodyPr/>
+          <a:bodyPr>
+            <a:normAutofit/>
+          </a:bodyPr>
           <a:lstStyle/>
           <a:p>
-            <a:pPr marL="0" lvl="0" indent="0">
+            <a:pPr marL="0" lvl="0" indent="0" algn="ctr">
               <a:buNone/>
             </a:pPr>
             <a:r>
-              <a:t>Dealing With Outliers</a:t>
+              <a:rPr lang="en-US" sz="3200" dirty="0"/>
+              <a:t>Effects of </a:t>
+            </a:r>
+            <a:r>
+              <a:rPr sz="3200" dirty="0"/>
+              <a:t>Outliers</a:t>
             </a:r>
           </a:p>
         </p:txBody>
@@ -5870,36 +9823,105 @@
             <p:ph type="body" sz="half" idx="2"/>
           </p:nvPr>
         </p:nvSpPr>
-        <p:spPr/>
+        <p:spPr>
+          <a:xfrm>
+            <a:off x="457201" y="1076326"/>
+            <a:ext cx="4561839" cy="3518297"/>
+          </a:xfrm>
+        </p:spPr>
         <p:txBody>
-          <a:bodyPr/>
+          <a:bodyPr>
+            <a:normAutofit/>
+          </a:bodyPr>
           <a:lstStyle/>
           <a:p>
             <a:pPr marL="0" lvl="0" indent="0">
               <a:buNone/>
             </a:pPr>
             <a:r>
-              <a:t>Example: Add a single outlier regression data set</a:t>
-            </a:r>
-          </a:p>
-          <a:p>
-            <a:pPr lvl="0" indent="0">
-              <a:buNone/>
+              <a:rPr sz="1800" dirty="0"/>
+              <a:t>Example: </a:t>
+            </a:r>
+            <a:r>
+              <a:rPr lang="en-US" sz="1800" dirty="0"/>
+              <a:t>OLS regression with and without a single outlier</a:t>
+            </a:r>
+          </a:p>
+          <a:p>
+            <a:pPr marL="285750" lvl="0" indent="-285750">
+              <a:buFont typeface="Arial" panose="020B0604020202020204" pitchFamily="34" charset="0"/>
+              <a:buChar char="•"/>
             </a:pPr>
             <a:r>
-              <a:rPr>
-                <a:latin typeface="Courier"/>
-              </a:rPr>
-              <a:t>## Intercept = 5.098  Partial Slope = 0.365</a:t>
-            </a:r>
+              <a:rPr lang="en-US" sz="1800" dirty="0"/>
+              <a:t>Regression without the outlier </a:t>
+            </a:r>
+          </a:p>
+          <a:p>
+            <a:pPr marL="628650" lvl="1" indent="-285750">
+              <a:buFont typeface="Arial" panose="020B0604020202020204" pitchFamily="34" charset="0"/>
+              <a:buChar char="•"/>
+            </a:pPr>
+            <a:r>
+              <a:rPr lang="en-US" sz="1650" dirty="0"/>
+              <a:t>Regression line represents the bulk of the data well</a:t>
+            </a:r>
+          </a:p>
+          <a:p>
+            <a:pPr marL="285750" lvl="0" indent="-285750">
+              <a:buFont typeface="Arial" panose="020B0604020202020204" pitchFamily="34" charset="0"/>
+              <a:buChar char="•"/>
+            </a:pPr>
+            <a:r>
+              <a:rPr sz="1800" dirty="0"/>
+              <a:t>Add a single </a:t>
+            </a:r>
+            <a:r>
+              <a:rPr sz="1800" b="1" dirty="0"/>
+              <a:t>outlier</a:t>
+            </a:r>
+            <a:r>
+              <a:rPr lang="en-US" sz="1800" b="1" dirty="0"/>
+              <a:t> with high leverage</a:t>
+            </a:r>
+            <a:r>
+              <a:rPr sz="1800" b="1" dirty="0"/>
+              <a:t> </a:t>
+            </a:r>
+            <a:r>
+              <a:rPr lang="en-US" sz="1800" dirty="0"/>
+              <a:t>to the </a:t>
+            </a:r>
+            <a:r>
+              <a:rPr sz="1800" dirty="0"/>
+              <a:t>regression data set</a:t>
+            </a:r>
+            <a:endParaRPr lang="en-US" sz="1800" dirty="0"/>
+          </a:p>
+          <a:p>
+            <a:pPr marL="628650" lvl="1" indent="-285750">
+              <a:buFont typeface="Arial" panose="020B0604020202020204" pitchFamily="34" charset="0"/>
+              <a:buChar char="•"/>
+            </a:pPr>
+            <a:r>
+              <a:rPr lang="en-US" sz="1650" dirty="0"/>
+              <a:t>The regression line is now skewed with respect to the bulk of the data </a:t>
+            </a:r>
+            <a:endParaRPr sz="1650" dirty="0"/>
           </a:p>
         </p:txBody>
       </p:sp>
       <p:pic>
         <p:nvPicPr>
-          <p:cNvPr id="3" name="Picture 1" descr="08_IntroductionToLinearModels_files/figure-pptx/unnamed-chunk-23-25.png"/>
+          <p:cNvPr id="6" name="Picture 5">
+            <a:extLst>
+              <a:ext uri="{FF2B5EF4-FFF2-40B4-BE49-F238E27FC236}">
+                <a16:creationId xmlns:a16="http://schemas.microsoft.com/office/drawing/2014/main" id="{23DA428D-7340-9746-59F2-EA53D56D4539}"/>
+              </a:ext>
+            </a:extLst>
+          </p:cNvPr>
           <p:cNvPicPr>
-            <a:picLocks noGrp="1" noChangeAspect="1"/>
+            <a:picLocks noChangeAspect="1"/>
           </p:cNvPicPr>
           <p:nvPr/>
         </p:nvPicPr>
@@ -5909,22 +9931,148 @@
             <a:fillRect/>
           </a:stretch>
         </p:blipFill>
-        <p:spPr bwMode="auto">
+        <p:spPr>
           <a:xfrm>
-            <a:off x="3568700" y="266700"/>
-            <a:ext cx="5105400" cy="4254500"/>
+            <a:off x="5019040" y="843534"/>
+            <a:ext cx="4124960" cy="4153662"/>
           </a:xfrm>
           <a:prstGeom prst="rect">
             <a:avLst/>
           </a:prstGeom>
-          <a:noFill/>
-          <a:ln w="9525">
-            <a:noFill/>
-            <a:headEnd/>
-            <a:tailEnd/>
+        </p:spPr>
+      </p:pic>
+      <p:cxnSp>
+        <p:nvCxnSpPr>
+          <p:cNvPr id="7" name="Straight Arrow Connector 6">
+            <a:extLst>
+              <a:ext uri="{FF2B5EF4-FFF2-40B4-BE49-F238E27FC236}">
+                <a16:creationId xmlns:a16="http://schemas.microsoft.com/office/drawing/2014/main" id="{07963543-D811-2E02-1545-5EBE2C6C8E4B}"/>
+              </a:ext>
+            </a:extLst>
+          </p:cNvPr>
+          <p:cNvCxnSpPr>
+            <a:cxnSpLocks/>
+          </p:cNvCxnSpPr>
+          <p:nvPr/>
+        </p:nvCxnSpPr>
+        <p:spPr>
+          <a:xfrm>
+            <a:off x="4767072" y="2178304"/>
+            <a:ext cx="3604768" cy="300736"/>
+          </a:xfrm>
+          <a:prstGeom prst="straightConnector1">
+            <a:avLst/>
+          </a:prstGeom>
+          <a:ln w="38100">
+            <a:solidFill>
+              <a:srgbClr val="C00000"/>
+            </a:solidFill>
+            <a:tailEnd type="triangle"/>
           </a:ln>
         </p:spPr>
-      </p:pic>
+        <p:style>
+          <a:lnRef idx="2">
+            <a:schemeClr val="accent1"/>
+          </a:lnRef>
+          <a:fillRef idx="0">
+            <a:schemeClr val="accent1"/>
+          </a:fillRef>
+          <a:effectRef idx="1">
+            <a:schemeClr val="accent1"/>
+          </a:effectRef>
+          <a:fontRef idx="minor">
+            <a:schemeClr val="tx1"/>
+          </a:fontRef>
+        </p:style>
+      </p:cxnSp>
+      <p:cxnSp>
+        <p:nvCxnSpPr>
+          <p:cNvPr id="11" name="Straight Arrow Connector 10">
+            <a:extLst>
+              <a:ext uri="{FF2B5EF4-FFF2-40B4-BE49-F238E27FC236}">
+                <a16:creationId xmlns:a16="http://schemas.microsoft.com/office/drawing/2014/main" id="{26CCB139-2282-EE51-34F1-E6F9421077A3}"/>
+              </a:ext>
+            </a:extLst>
+          </p:cNvPr>
+          <p:cNvCxnSpPr>
+            <a:cxnSpLocks/>
+          </p:cNvCxnSpPr>
+          <p:nvPr/>
+        </p:nvCxnSpPr>
+        <p:spPr>
+          <a:xfrm flipV="1">
+            <a:off x="4767072" y="1247648"/>
+            <a:ext cx="764032" cy="1540256"/>
+          </a:xfrm>
+          <a:prstGeom prst="straightConnector1">
+            <a:avLst/>
+          </a:prstGeom>
+          <a:ln w="38100">
+            <a:solidFill>
+              <a:srgbClr val="C00000"/>
+            </a:solidFill>
+            <a:tailEnd type="triangle"/>
+          </a:ln>
+        </p:spPr>
+        <p:style>
+          <a:lnRef idx="2">
+            <a:schemeClr val="accent1"/>
+          </a:lnRef>
+          <a:fillRef idx="0">
+            <a:schemeClr val="accent1"/>
+          </a:fillRef>
+          <a:effectRef idx="1">
+            <a:schemeClr val="accent1"/>
+          </a:effectRef>
+          <a:fontRef idx="minor">
+            <a:schemeClr val="tx1"/>
+          </a:fontRef>
+        </p:style>
+      </p:cxnSp>
+      <p:cxnSp>
+        <p:nvCxnSpPr>
+          <p:cNvPr id="15" name="Straight Arrow Connector 14">
+            <a:extLst>
+              <a:ext uri="{FF2B5EF4-FFF2-40B4-BE49-F238E27FC236}">
+                <a16:creationId xmlns:a16="http://schemas.microsoft.com/office/drawing/2014/main" id="{2FE733AF-BE74-2BC0-E1E9-778B8B9572B4}"/>
+              </a:ext>
+            </a:extLst>
+          </p:cNvPr>
+          <p:cNvCxnSpPr>
+            <a:cxnSpLocks/>
+          </p:cNvCxnSpPr>
+          <p:nvPr/>
+        </p:nvCxnSpPr>
+        <p:spPr>
+          <a:xfrm>
+            <a:off x="4531360" y="3364992"/>
+            <a:ext cx="1641856" cy="451104"/>
+          </a:xfrm>
+          <a:prstGeom prst="straightConnector1">
+            <a:avLst/>
+          </a:prstGeom>
+          <a:ln w="38100">
+            <a:solidFill>
+              <a:srgbClr val="C00000"/>
+            </a:solidFill>
+            <a:tailEnd type="triangle"/>
+          </a:ln>
+        </p:spPr>
+        <p:style>
+          <a:lnRef idx="2">
+            <a:schemeClr val="accent1"/>
+          </a:lnRef>
+          <a:fillRef idx="0">
+            <a:schemeClr val="accent1"/>
+          </a:fillRef>
+          <a:effectRef idx="1">
+            <a:schemeClr val="accent1"/>
+          </a:effectRef>
+          <a:fontRef idx="minor">
+            <a:schemeClr val="tx1"/>
+          </a:fontRef>
+        </p:style>
+      </p:cxnSp>
     </p:spTree>
   </p:cSld>
   <p:clrMapOvr>
@@ -5933,12 +10081,18 @@
 </p:sld>
 </file>
 
-<file path=ppt/slides/slide19.xml><?xml version="1.0" encoding="utf-8"?>
+<file path=ppt/slides/slide27.xml><?xml version="1.0" encoding="utf-8"?>
 <p:sld xmlns:a="http://schemas.openxmlformats.org/drawingml/2006/main" xmlns:r="http://schemas.openxmlformats.org/officeDocument/2006/relationships" xmlns:p="http://schemas.openxmlformats.org/presentationml/2006/main">
   <p:cSld>
     <p:spTree>
       <p:nvGrpSpPr>
-        <p:cNvPr id="1" name=""/>
+        <p:cNvPr id="1" name="">
+          <a:extLst>
+            <a:ext uri="{FF2B5EF4-FFF2-40B4-BE49-F238E27FC236}">
+              <a16:creationId xmlns:a16="http://schemas.microsoft.com/office/drawing/2014/main" id="{05724EA5-5EBE-F6BF-BE4D-E2A13308A7C8}"/>
+            </a:ext>
+          </a:extLst>
+        </p:cNvPr>
         <p:cNvGrpSpPr/>
         <p:nvPr/>
       </p:nvGrpSpPr>
@@ -5952,7 +10106,1025 @@
       </p:grpSpPr>
       <p:sp>
         <p:nvSpPr>
-          <p:cNvPr id="3" name="Content Placeholder 2"/>
+          <p:cNvPr id="2" name="Title 1">
+            <a:extLst>
+              <a:ext uri="{FF2B5EF4-FFF2-40B4-BE49-F238E27FC236}">
+                <a16:creationId xmlns:a16="http://schemas.microsoft.com/office/drawing/2014/main" id="{1ACC0F9D-2FF1-3271-A206-A8D5B37B4747}"/>
+              </a:ext>
+            </a:extLst>
+          </p:cNvPr>
+          <p:cNvSpPr>
+            <a:spLocks noGrp="1"/>
+          </p:cNvSpPr>
+          <p:nvPr>
+            <p:ph type="title"/>
+          </p:nvPr>
+        </p:nvSpPr>
+        <p:spPr>
+          <a:xfrm>
+            <a:off x="457201" y="204787"/>
+            <a:ext cx="8195055" cy="660845"/>
+          </a:xfrm>
+        </p:spPr>
+        <p:txBody>
+          <a:bodyPr>
+            <a:normAutofit/>
+          </a:bodyPr>
+          <a:lstStyle/>
+          <a:p>
+            <a:pPr marL="0" lvl="0" indent="0" algn="ctr">
+              <a:buNone/>
+            </a:pPr>
+            <a:r>
+              <a:rPr lang="en-US" sz="3200" dirty="0"/>
+              <a:t>Effect of </a:t>
+            </a:r>
+            <a:r>
+              <a:rPr sz="3200" dirty="0"/>
+              <a:t>Outliers</a:t>
+            </a:r>
+          </a:p>
+        </p:txBody>
+      </p:sp>
+      <p:sp>
+        <p:nvSpPr>
+          <p:cNvPr id="4" name="Text Placeholder 3">
+            <a:extLst>
+              <a:ext uri="{FF2B5EF4-FFF2-40B4-BE49-F238E27FC236}">
+                <a16:creationId xmlns:a16="http://schemas.microsoft.com/office/drawing/2014/main" id="{B6D0803E-680F-65EF-66FF-55AA4DB7E70A}"/>
+              </a:ext>
+            </a:extLst>
+          </p:cNvPr>
+          <p:cNvSpPr>
+            <a:spLocks noGrp="1"/>
+          </p:cNvSpPr>
+          <p:nvPr>
+            <p:ph type="body" sz="half" idx="2"/>
+          </p:nvPr>
+        </p:nvSpPr>
+        <p:spPr>
+          <a:xfrm>
+            <a:off x="457201" y="991617"/>
+            <a:ext cx="8507983" cy="1243583"/>
+          </a:xfrm>
+        </p:spPr>
+        <p:txBody>
+          <a:bodyPr>
+            <a:normAutofit fontScale="92500" lnSpcReduction="10000"/>
+          </a:bodyPr>
+          <a:lstStyle/>
+          <a:p>
+            <a:pPr marL="0" lvl="0" indent="0">
+              <a:buNone/>
+            </a:pPr>
+            <a:r>
+              <a:rPr sz="1800" dirty="0"/>
+              <a:t>Example: </a:t>
+            </a:r>
+            <a:r>
+              <a:rPr lang="en-US" sz="1800" dirty="0"/>
+              <a:t>OLS regression with and without a single outlier</a:t>
+            </a:r>
+          </a:p>
+          <a:p>
+            <a:pPr marL="285750" lvl="0" indent="-285750">
+              <a:buFont typeface="Arial" panose="020B0604020202020204" pitchFamily="34" charset="0"/>
+              <a:buChar char="•"/>
+            </a:pPr>
+            <a:r>
+              <a:rPr lang="en-US" sz="1800" dirty="0"/>
+              <a:t>Intercept is essentially the same </a:t>
+            </a:r>
+          </a:p>
+          <a:p>
+            <a:pPr marL="285750" lvl="0" indent="-285750">
+              <a:buFont typeface="Arial" panose="020B0604020202020204" pitchFamily="34" charset="0"/>
+              <a:buChar char="•"/>
+            </a:pPr>
+            <a:r>
+              <a:rPr lang="en-US" sz="1800" dirty="0"/>
+              <a:t>Slope is changed   </a:t>
+            </a:r>
+          </a:p>
+          <a:p>
+            <a:pPr marL="285750" lvl="0" indent="-285750">
+              <a:buFont typeface="Arial" panose="020B0604020202020204" pitchFamily="34" charset="0"/>
+              <a:buChar char="•"/>
+            </a:pPr>
+            <a:r>
+              <a:rPr lang="en-US" sz="1800" dirty="0"/>
+              <a:t>Changes are not statistically significant  </a:t>
+            </a:r>
+          </a:p>
+        </p:txBody>
+      </p:sp>
+      <p:pic>
+        <p:nvPicPr>
+          <p:cNvPr id="5" name="Picture 4">
+            <a:extLst>
+              <a:ext uri="{FF2B5EF4-FFF2-40B4-BE49-F238E27FC236}">
+                <a16:creationId xmlns:a16="http://schemas.microsoft.com/office/drawing/2014/main" id="{3230F359-DBBE-5A94-C2DA-2A27AD7C9DDB}"/>
+              </a:ext>
+            </a:extLst>
+          </p:cNvPr>
+          <p:cNvPicPr>
+            <a:picLocks noChangeAspect="1"/>
+          </p:cNvPicPr>
+          <p:nvPr/>
+        </p:nvPicPr>
+        <p:blipFill>
+          <a:blip r:embed="rId2"/>
+          <a:stretch>
+            <a:fillRect/>
+          </a:stretch>
+        </p:blipFill>
+        <p:spPr>
+          <a:xfrm>
+            <a:off x="272684" y="2286633"/>
+            <a:ext cx="4043284" cy="2772294"/>
+          </a:xfrm>
+          <a:prstGeom prst="rect">
+            <a:avLst/>
+          </a:prstGeom>
+        </p:spPr>
+      </p:pic>
+      <p:pic>
+        <p:nvPicPr>
+          <p:cNvPr id="9" name="Picture 8">
+            <a:extLst>
+              <a:ext uri="{FF2B5EF4-FFF2-40B4-BE49-F238E27FC236}">
+                <a16:creationId xmlns:a16="http://schemas.microsoft.com/office/drawing/2014/main" id="{FA2A5C75-CF83-CCBD-D70C-A343C9226228}"/>
+              </a:ext>
+            </a:extLst>
+          </p:cNvPr>
+          <p:cNvPicPr>
+            <a:picLocks noChangeAspect="1"/>
+          </p:cNvPicPr>
+          <p:nvPr/>
+        </p:nvPicPr>
+        <p:blipFill>
+          <a:blip r:embed="rId3"/>
+          <a:stretch>
+            <a:fillRect/>
+          </a:stretch>
+        </p:blipFill>
+        <p:spPr>
+          <a:xfrm>
+            <a:off x="5031231" y="2273309"/>
+            <a:ext cx="4075887" cy="2785617"/>
+          </a:xfrm>
+          <a:prstGeom prst="rect">
+            <a:avLst/>
+          </a:prstGeom>
+        </p:spPr>
+      </p:pic>
+      <p:cxnSp>
+        <p:nvCxnSpPr>
+          <p:cNvPr id="12" name="Straight Arrow Connector 11">
+            <a:extLst>
+              <a:ext uri="{FF2B5EF4-FFF2-40B4-BE49-F238E27FC236}">
+                <a16:creationId xmlns:a16="http://schemas.microsoft.com/office/drawing/2014/main" id="{2A73013D-05BF-DCDA-9AF5-35184CE9CA9D}"/>
+              </a:ext>
+            </a:extLst>
+          </p:cNvPr>
+          <p:cNvCxnSpPr>
+            <a:cxnSpLocks/>
+          </p:cNvCxnSpPr>
+          <p:nvPr/>
+        </p:nvCxnSpPr>
+        <p:spPr>
+          <a:xfrm>
+            <a:off x="4360672" y="4145280"/>
+            <a:ext cx="735584" cy="0"/>
+          </a:xfrm>
+          <a:prstGeom prst="straightConnector1">
+            <a:avLst/>
+          </a:prstGeom>
+          <a:ln>
+            <a:solidFill>
+              <a:schemeClr val="tx1"/>
+            </a:solidFill>
+            <a:headEnd type="triangle"/>
+            <a:tailEnd type="triangle"/>
+          </a:ln>
+        </p:spPr>
+        <p:style>
+          <a:lnRef idx="2">
+            <a:schemeClr val="accent1"/>
+          </a:lnRef>
+          <a:fillRef idx="0">
+            <a:schemeClr val="accent1"/>
+          </a:fillRef>
+          <a:effectRef idx="1">
+            <a:schemeClr val="accent1"/>
+          </a:effectRef>
+          <a:fontRef idx="minor">
+            <a:schemeClr val="tx1"/>
+          </a:fontRef>
+        </p:style>
+      </p:cxnSp>
+      <p:cxnSp>
+        <p:nvCxnSpPr>
+          <p:cNvPr id="16" name="Straight Arrow Connector 15">
+            <a:extLst>
+              <a:ext uri="{FF2B5EF4-FFF2-40B4-BE49-F238E27FC236}">
+                <a16:creationId xmlns:a16="http://schemas.microsoft.com/office/drawing/2014/main" id="{EC0FCB32-FBF1-37D6-22F1-0AE50AF36297}"/>
+              </a:ext>
+            </a:extLst>
+          </p:cNvPr>
+          <p:cNvCxnSpPr>
+            <a:cxnSpLocks/>
+          </p:cNvCxnSpPr>
+          <p:nvPr/>
+        </p:nvCxnSpPr>
+        <p:spPr>
+          <a:xfrm>
+            <a:off x="4360672" y="4256675"/>
+            <a:ext cx="735584" cy="0"/>
+          </a:xfrm>
+          <a:prstGeom prst="straightConnector1">
+            <a:avLst/>
+          </a:prstGeom>
+          <a:ln>
+            <a:solidFill>
+              <a:schemeClr val="tx1"/>
+            </a:solidFill>
+            <a:headEnd type="triangle"/>
+            <a:tailEnd type="triangle"/>
+          </a:ln>
+        </p:spPr>
+        <p:style>
+          <a:lnRef idx="2">
+            <a:schemeClr val="accent1"/>
+          </a:lnRef>
+          <a:fillRef idx="0">
+            <a:schemeClr val="accent1"/>
+          </a:fillRef>
+          <a:effectRef idx="1">
+            <a:schemeClr val="accent1"/>
+          </a:effectRef>
+          <a:fontRef idx="minor">
+            <a:schemeClr val="tx1"/>
+          </a:fontRef>
+        </p:style>
+      </p:cxnSp>
+    </p:spTree>
+    <p:extLst>
+      <p:ext uri="{BB962C8B-B14F-4D97-AF65-F5344CB8AC3E}">
+        <p14:creationId xmlns:p14="http://schemas.microsoft.com/office/powerpoint/2010/main" val="3610355867"/>
+      </p:ext>
+    </p:extLst>
+  </p:cSld>
+  <p:clrMapOvr>
+    <a:masterClrMapping/>
+  </p:clrMapOvr>
+</p:sld>
+</file>
+
+<file path=ppt/slides/slide28.xml><?xml version="1.0" encoding="utf-8"?>
+<p:sld xmlns:a="http://schemas.openxmlformats.org/drawingml/2006/main" xmlns:r="http://schemas.openxmlformats.org/officeDocument/2006/relationships" xmlns:p="http://schemas.openxmlformats.org/presentationml/2006/main">
+  <p:cSld>
+    <p:spTree>
+      <p:nvGrpSpPr>
+        <p:cNvPr id="1" name="">
+          <a:extLst>
+            <a:ext uri="{FF2B5EF4-FFF2-40B4-BE49-F238E27FC236}">
+              <a16:creationId xmlns:a16="http://schemas.microsoft.com/office/drawing/2014/main" id="{F700E964-EB53-35F3-BFC3-FBEEBE8C6B31}"/>
+            </a:ext>
+          </a:extLst>
+        </p:cNvPr>
+        <p:cNvGrpSpPr/>
+        <p:nvPr/>
+      </p:nvGrpSpPr>
+      <p:grpSpPr>
+        <a:xfrm>
+          <a:off x="0" y="0"/>
+          <a:ext cx="0" cy="0"/>
+          <a:chOff x="0" y="0"/>
+          <a:chExt cx="0" cy="0"/>
+        </a:xfrm>
+      </p:grpSpPr>
+      <p:sp>
+        <p:nvSpPr>
+          <p:cNvPr id="2" name="Title 1">
+            <a:extLst>
+              <a:ext uri="{FF2B5EF4-FFF2-40B4-BE49-F238E27FC236}">
+                <a16:creationId xmlns:a16="http://schemas.microsoft.com/office/drawing/2014/main" id="{83E98C7F-847F-2A06-3230-699147C01443}"/>
+              </a:ext>
+            </a:extLst>
+          </p:cNvPr>
+          <p:cNvSpPr>
+            <a:spLocks noGrp="1"/>
+          </p:cNvSpPr>
+          <p:nvPr>
+            <p:ph type="title"/>
+          </p:nvPr>
+        </p:nvSpPr>
+        <p:spPr>
+          <a:xfrm>
+            <a:off x="457201" y="204787"/>
+            <a:ext cx="8195055" cy="660845"/>
+          </a:xfrm>
+        </p:spPr>
+        <p:txBody>
+          <a:bodyPr>
+            <a:normAutofit/>
+          </a:bodyPr>
+          <a:lstStyle/>
+          <a:p>
+            <a:pPr marL="0" lvl="0" indent="0" algn="ctr">
+              <a:buNone/>
+            </a:pPr>
+            <a:r>
+              <a:rPr lang="en-US" sz="3200" dirty="0"/>
+              <a:t>Effect of </a:t>
+            </a:r>
+            <a:r>
+              <a:rPr sz="3200" dirty="0"/>
+              <a:t>Outliers</a:t>
+            </a:r>
+          </a:p>
+        </p:txBody>
+      </p:sp>
+      <mc:AlternateContent xmlns:mc="http://schemas.openxmlformats.org/markup-compatibility/2006">
+        <mc:Choice xmlns:a14="http://schemas.microsoft.com/office/drawing/2010/main" Requires="a14">
+          <p:sp>
+            <p:nvSpPr>
+              <p:cNvPr id="4" name="Text Placeholder 3">
+                <a:extLst>
+                  <a:ext uri="{FF2B5EF4-FFF2-40B4-BE49-F238E27FC236}">
+                    <a16:creationId xmlns:a16="http://schemas.microsoft.com/office/drawing/2014/main" id="{FFE6BF0F-C66E-8BAB-F761-0FE7A73EC4E3}"/>
+                  </a:ext>
+                </a:extLst>
+              </p:cNvPr>
+              <p:cNvSpPr>
+                <a:spLocks noGrp="1"/>
+              </p:cNvSpPr>
+              <p:nvPr>
+                <p:ph type="body" sz="half" idx="2"/>
+              </p:nvPr>
+            </p:nvSpPr>
+            <p:spPr>
+              <a:xfrm>
+                <a:off x="457201" y="991617"/>
+                <a:ext cx="8507983" cy="1243583"/>
+              </a:xfrm>
+            </p:spPr>
+            <p:txBody>
+              <a:bodyPr>
+                <a:normAutofit fontScale="92500" lnSpcReduction="10000"/>
+              </a:bodyPr>
+              <a:lstStyle/>
+              <a:p>
+                <a:pPr marL="0" lvl="0" indent="0">
+                  <a:buNone/>
+                </a:pPr>
+                <a:r>
+                  <a:rPr lang="en-US" sz="1800" dirty="0"/>
+                  <a:t>Example: Effects of outlier</a:t>
+                </a:r>
+              </a:p>
+              <a:p>
+                <a:pPr marL="285750" lvl="0" indent="-285750">
+                  <a:buFont typeface="Arial" panose="020B0604020202020204" pitchFamily="34" charset="0"/>
+                  <a:buChar char="•"/>
+                </a:pPr>
+                <a14:m>
+                  <m:oMath xmlns:m="http://schemas.openxmlformats.org/officeDocument/2006/math">
+                    <m:sSup>
+                      <m:sSupPr>
+                        <m:ctrlPr>
+                          <a:rPr lang="ar-AE" sz="1800" i="1" smtClean="0">
+                            <a:latin typeface="Cambria Math" panose="02040503050406030204" pitchFamily="18" charset="0"/>
+                          </a:rPr>
+                        </m:ctrlPr>
+                      </m:sSupPr>
+                      <m:e>
+                        <m:r>
+                          <a:rPr lang="ar-AE" sz="1800" b="0" i="1" smtClean="0">
+                            <a:latin typeface="Cambria Math" panose="02040503050406030204" pitchFamily="18" charset="0"/>
+                          </a:rPr>
+                          <m:t>𝑅</m:t>
+                        </m:r>
+                      </m:e>
+                      <m:sup>
+                        <m:r>
+                          <a:rPr lang="en-US" sz="1800" b="0" i="1" smtClean="0">
+                            <a:latin typeface="Cambria Math" panose="02040503050406030204" pitchFamily="18" charset="0"/>
+                          </a:rPr>
+                          <m:t>2</m:t>
+                        </m:r>
+                      </m:sup>
+                    </m:sSup>
+                  </m:oMath>
+                </a14:m>
+                <a:r>
+                  <a:rPr lang="en-US" sz="1800" dirty="0"/>
+                  <a:t> and </a:t>
+                </a:r>
+                <a14:m>
+                  <m:oMath xmlns:m="http://schemas.openxmlformats.org/officeDocument/2006/math">
+                    <m:sSubSup>
+                      <m:sSubSupPr>
+                        <m:ctrlPr>
+                          <a:rPr lang="en-US" sz="1800" i="1" smtClean="0">
+                            <a:latin typeface="Cambria Math" panose="02040503050406030204" pitchFamily="18" charset="0"/>
+                          </a:rPr>
+                        </m:ctrlPr>
+                      </m:sSubSupPr>
+                      <m:e>
+                        <m:r>
+                          <a:rPr lang="en-US" sz="1800" b="0" i="1" smtClean="0">
+                            <a:latin typeface="Cambria Math" panose="02040503050406030204" pitchFamily="18" charset="0"/>
+                          </a:rPr>
+                          <m:t>𝑅</m:t>
+                        </m:r>
+                      </m:e>
+                      <m:sub>
+                        <m:r>
+                          <a:rPr lang="en-US" sz="1800" b="0" i="1" smtClean="0">
+                            <a:latin typeface="Cambria Math" panose="02040503050406030204" pitchFamily="18" charset="0"/>
+                          </a:rPr>
+                          <m:t>𝑎𝑑𝑗</m:t>
+                        </m:r>
+                      </m:sub>
+                      <m:sup>
+                        <m:r>
+                          <a:rPr lang="en-US" sz="1800" b="0" i="1" smtClean="0">
+                            <a:latin typeface="Cambria Math" panose="02040503050406030204" pitchFamily="18" charset="0"/>
+                          </a:rPr>
+                          <m:t>2</m:t>
+                        </m:r>
+                      </m:sup>
+                    </m:sSubSup>
+                  </m:oMath>
+                </a14:m>
+                <a:r>
+                  <a:rPr lang="en-US" sz="1800" dirty="0"/>
+                  <a:t> reduced</a:t>
+                </a:r>
+                <a:endParaRPr lang="ar-AE" sz="1800" dirty="0"/>
+              </a:p>
+              <a:p>
+                <a:pPr marL="285750" lvl="0" indent="-285750">
+                  <a:buFont typeface="Arial" panose="020B0604020202020204" pitchFamily="34" charset="0"/>
+                  <a:buChar char="•"/>
+                </a:pPr>
+                <a:r>
+                  <a:rPr lang="en-US" sz="1800" dirty="0"/>
+                  <a:t>F statistics reduced</a:t>
+                </a:r>
+              </a:p>
+              <a:p>
+                <a:pPr marL="285750" lvl="0" indent="-285750">
+                  <a:buFont typeface="Arial" panose="020B0604020202020204" pitchFamily="34" charset="0"/>
+                  <a:buChar char="•"/>
+                </a:pPr>
+                <a:r>
+                  <a:rPr lang="en-US" sz="1800" dirty="0"/>
+                  <a:t>Log-likelihood reduced</a:t>
+                </a:r>
+              </a:p>
+            </p:txBody>
+          </p:sp>
+        </mc:Choice>
+        <mc:Fallback>
+          <p:sp>
+            <p:nvSpPr>
+              <p:cNvPr id="4" name="Text Placeholder 3">
+                <a:extLst>
+                  <a:ext uri="{FF2B5EF4-FFF2-40B4-BE49-F238E27FC236}">
+                    <a16:creationId xmlns:a16="http://schemas.microsoft.com/office/drawing/2014/main" id="{FFE6BF0F-C66E-8BAB-F761-0FE7A73EC4E3}"/>
+                  </a:ext>
+                </a:extLst>
+              </p:cNvPr>
+              <p:cNvSpPr>
+                <a:spLocks noGrp="1" noRot="1" noChangeAspect="1" noMove="1" noResize="1" noEditPoints="1" noAdjustHandles="1" noChangeArrowheads="1" noChangeShapeType="1" noTextEdit="1"/>
+              </p:cNvSpPr>
+              <p:nvPr>
+                <p:ph type="body" sz="half" idx="2"/>
+              </p:nvPr>
+            </p:nvSpPr>
+            <p:spPr>
+              <a:xfrm>
+                <a:off x="457201" y="991617"/>
+                <a:ext cx="8507983" cy="1243583"/>
+              </a:xfrm>
+              <a:blipFill>
+                <a:blip r:embed="rId2"/>
+                <a:stretch>
+                  <a:fillRect l="-430" t="-3922" b="-5392"/>
+                </a:stretch>
+              </a:blipFill>
+            </p:spPr>
+            <p:txBody>
+              <a:bodyPr/>
+              <a:lstStyle/>
+              <a:p>
+                <a:r>
+                  <a:rPr lang="en-US">
+                    <a:noFill/>
+                  </a:rPr>
+                  <a:t> </a:t>
+                </a:r>
+              </a:p>
+            </p:txBody>
+          </p:sp>
+        </mc:Fallback>
+      </mc:AlternateContent>
+      <p:pic>
+        <p:nvPicPr>
+          <p:cNvPr id="5" name="Picture 4">
+            <a:extLst>
+              <a:ext uri="{FF2B5EF4-FFF2-40B4-BE49-F238E27FC236}">
+                <a16:creationId xmlns:a16="http://schemas.microsoft.com/office/drawing/2014/main" id="{938C90D1-72D4-A04D-2E34-4BBBD23A4755}"/>
+              </a:ext>
+            </a:extLst>
+          </p:cNvPr>
+          <p:cNvPicPr>
+            <a:picLocks noChangeAspect="1"/>
+          </p:cNvPicPr>
+          <p:nvPr/>
+        </p:nvPicPr>
+        <p:blipFill>
+          <a:blip r:embed="rId3"/>
+          <a:stretch>
+            <a:fillRect/>
+          </a:stretch>
+        </p:blipFill>
+        <p:spPr>
+          <a:xfrm>
+            <a:off x="272684" y="2286633"/>
+            <a:ext cx="4043284" cy="2772294"/>
+          </a:xfrm>
+          <a:prstGeom prst="rect">
+            <a:avLst/>
+          </a:prstGeom>
+        </p:spPr>
+      </p:pic>
+      <p:pic>
+        <p:nvPicPr>
+          <p:cNvPr id="9" name="Picture 8">
+            <a:extLst>
+              <a:ext uri="{FF2B5EF4-FFF2-40B4-BE49-F238E27FC236}">
+                <a16:creationId xmlns:a16="http://schemas.microsoft.com/office/drawing/2014/main" id="{2FFD8E4D-A3FF-8FBE-589F-C98A9521906D}"/>
+              </a:ext>
+            </a:extLst>
+          </p:cNvPr>
+          <p:cNvPicPr>
+            <a:picLocks noChangeAspect="1"/>
+          </p:cNvPicPr>
+          <p:nvPr/>
+        </p:nvPicPr>
+        <p:blipFill>
+          <a:blip r:embed="rId4"/>
+          <a:stretch>
+            <a:fillRect/>
+          </a:stretch>
+        </p:blipFill>
+        <p:spPr>
+          <a:xfrm>
+            <a:off x="5031231" y="2273309"/>
+            <a:ext cx="4075887" cy="2785617"/>
+          </a:xfrm>
+          <a:prstGeom prst="rect">
+            <a:avLst/>
+          </a:prstGeom>
+        </p:spPr>
+      </p:pic>
+      <p:cxnSp>
+        <p:nvCxnSpPr>
+          <p:cNvPr id="12" name="Straight Arrow Connector 11">
+            <a:extLst>
+              <a:ext uri="{FF2B5EF4-FFF2-40B4-BE49-F238E27FC236}">
+                <a16:creationId xmlns:a16="http://schemas.microsoft.com/office/drawing/2014/main" id="{9A92AF7F-1C09-E57A-F59C-47C182B894DD}"/>
+              </a:ext>
+            </a:extLst>
+          </p:cNvPr>
+          <p:cNvCxnSpPr>
+            <a:cxnSpLocks/>
+          </p:cNvCxnSpPr>
+          <p:nvPr/>
+        </p:nvCxnSpPr>
+        <p:spPr>
+          <a:xfrm>
+            <a:off x="4360672" y="2759328"/>
+            <a:ext cx="4332279" cy="0"/>
+          </a:xfrm>
+          <a:prstGeom prst="straightConnector1">
+            <a:avLst/>
+          </a:prstGeom>
+          <a:ln>
+            <a:solidFill>
+              <a:schemeClr val="tx1"/>
+            </a:solidFill>
+            <a:headEnd type="triangle"/>
+            <a:tailEnd type="triangle"/>
+          </a:ln>
+        </p:spPr>
+        <p:style>
+          <a:lnRef idx="2">
+            <a:schemeClr val="accent1"/>
+          </a:lnRef>
+          <a:fillRef idx="0">
+            <a:schemeClr val="accent1"/>
+          </a:fillRef>
+          <a:effectRef idx="1">
+            <a:schemeClr val="accent1"/>
+          </a:effectRef>
+          <a:fontRef idx="minor">
+            <a:schemeClr val="tx1"/>
+          </a:fontRef>
+        </p:style>
+      </p:cxnSp>
+      <p:cxnSp>
+        <p:nvCxnSpPr>
+          <p:cNvPr id="16" name="Straight Arrow Connector 15">
+            <a:extLst>
+              <a:ext uri="{FF2B5EF4-FFF2-40B4-BE49-F238E27FC236}">
+                <a16:creationId xmlns:a16="http://schemas.microsoft.com/office/drawing/2014/main" id="{D2731CF4-28B3-C670-60EE-40E6D3E12B8E}"/>
+              </a:ext>
+            </a:extLst>
+          </p:cNvPr>
+          <p:cNvCxnSpPr>
+            <a:cxnSpLocks/>
+          </p:cNvCxnSpPr>
+          <p:nvPr/>
+        </p:nvCxnSpPr>
+        <p:spPr>
+          <a:xfrm>
+            <a:off x="4360672" y="2928130"/>
+            <a:ext cx="4332279" cy="0"/>
+          </a:xfrm>
+          <a:prstGeom prst="straightConnector1">
+            <a:avLst/>
+          </a:prstGeom>
+          <a:ln>
+            <a:solidFill>
+              <a:schemeClr val="tx1"/>
+            </a:solidFill>
+            <a:headEnd type="triangle"/>
+            <a:tailEnd type="triangle"/>
+          </a:ln>
+        </p:spPr>
+        <p:style>
+          <a:lnRef idx="2">
+            <a:schemeClr val="accent1"/>
+          </a:lnRef>
+          <a:fillRef idx="0">
+            <a:schemeClr val="accent1"/>
+          </a:fillRef>
+          <a:effectRef idx="1">
+            <a:schemeClr val="accent1"/>
+          </a:effectRef>
+          <a:fontRef idx="minor">
+            <a:schemeClr val="tx1"/>
+          </a:fontRef>
+        </p:style>
+      </p:cxnSp>
+      <p:cxnSp>
+        <p:nvCxnSpPr>
+          <p:cNvPr id="7" name="Straight Arrow Connector 6">
+            <a:extLst>
+              <a:ext uri="{FF2B5EF4-FFF2-40B4-BE49-F238E27FC236}">
+                <a16:creationId xmlns:a16="http://schemas.microsoft.com/office/drawing/2014/main" id="{6831D4E0-EA82-C62D-6FFB-2CA6292217CE}"/>
+              </a:ext>
+            </a:extLst>
+          </p:cNvPr>
+          <p:cNvCxnSpPr>
+            <a:cxnSpLocks/>
+          </p:cNvCxnSpPr>
+          <p:nvPr/>
+        </p:nvCxnSpPr>
+        <p:spPr>
+          <a:xfrm>
+            <a:off x="4389685" y="3167734"/>
+            <a:ext cx="4262571" cy="0"/>
+          </a:xfrm>
+          <a:prstGeom prst="straightConnector1">
+            <a:avLst/>
+          </a:prstGeom>
+          <a:ln>
+            <a:solidFill>
+              <a:schemeClr val="tx1"/>
+            </a:solidFill>
+            <a:headEnd type="triangle"/>
+            <a:tailEnd type="triangle"/>
+          </a:ln>
+        </p:spPr>
+        <p:style>
+          <a:lnRef idx="2">
+            <a:schemeClr val="accent1"/>
+          </a:lnRef>
+          <a:fillRef idx="0">
+            <a:schemeClr val="accent1"/>
+          </a:fillRef>
+          <a:effectRef idx="1">
+            <a:schemeClr val="accent1"/>
+          </a:effectRef>
+          <a:fontRef idx="minor">
+            <a:schemeClr val="tx1"/>
+          </a:fontRef>
+        </p:style>
+      </p:cxnSp>
+    </p:spTree>
+    <p:extLst>
+      <p:ext uri="{BB962C8B-B14F-4D97-AF65-F5344CB8AC3E}">
+        <p14:creationId xmlns:p14="http://schemas.microsoft.com/office/powerpoint/2010/main" val="1717324627"/>
+      </p:ext>
+    </p:extLst>
+  </p:cSld>
+  <p:clrMapOvr>
+    <a:masterClrMapping/>
+  </p:clrMapOvr>
+</p:sld>
+</file>
+
+<file path=ppt/slides/slide29.xml><?xml version="1.0" encoding="utf-8"?>
+<p:sld xmlns:a="http://schemas.openxmlformats.org/drawingml/2006/main" xmlns:r="http://schemas.openxmlformats.org/officeDocument/2006/relationships" xmlns:p="http://schemas.openxmlformats.org/presentationml/2006/main">
+  <p:cSld>
+    <p:spTree>
+      <p:nvGrpSpPr>
+        <p:cNvPr id="1" name="">
+          <a:extLst>
+            <a:ext uri="{FF2B5EF4-FFF2-40B4-BE49-F238E27FC236}">
+              <a16:creationId xmlns:a16="http://schemas.microsoft.com/office/drawing/2014/main" id="{C7BA57E5-E9F7-8861-8A2A-655AFF5AC2A0}"/>
+            </a:ext>
+          </a:extLst>
+        </p:cNvPr>
+        <p:cNvGrpSpPr/>
+        <p:nvPr/>
+      </p:nvGrpSpPr>
+      <p:grpSpPr>
+        <a:xfrm>
+          <a:off x="0" y="0"/>
+          <a:ext cx="0" cy="0"/>
+          <a:chOff x="0" y="0"/>
+          <a:chExt cx="0" cy="0"/>
+        </a:xfrm>
+      </p:grpSpPr>
+      <p:sp>
+        <p:nvSpPr>
+          <p:cNvPr id="2" name="Title 1">
+            <a:extLst>
+              <a:ext uri="{FF2B5EF4-FFF2-40B4-BE49-F238E27FC236}">
+                <a16:creationId xmlns:a16="http://schemas.microsoft.com/office/drawing/2014/main" id="{CCFFFC98-40C8-5C89-16B2-244DB4617AAA}"/>
+              </a:ext>
+            </a:extLst>
+          </p:cNvPr>
+          <p:cNvSpPr>
+            <a:spLocks noGrp="1"/>
+          </p:cNvSpPr>
+          <p:nvPr>
+            <p:ph type="title"/>
+          </p:nvPr>
+        </p:nvSpPr>
+        <p:spPr>
+          <a:xfrm>
+            <a:off x="457201" y="204787"/>
+            <a:ext cx="8195055" cy="660845"/>
+          </a:xfrm>
+        </p:spPr>
+        <p:txBody>
+          <a:bodyPr>
+            <a:normAutofit/>
+          </a:bodyPr>
+          <a:lstStyle/>
+          <a:p>
+            <a:pPr marL="0" lvl="0" indent="0" algn="ctr">
+              <a:buNone/>
+            </a:pPr>
+            <a:r>
+              <a:rPr sz="3200" dirty="0"/>
+              <a:t>Dealing With Outliers</a:t>
+            </a:r>
+          </a:p>
+        </p:txBody>
+      </p:sp>
+      <p:sp>
+        <p:nvSpPr>
+          <p:cNvPr id="4" name="Text Placeholder 3">
+            <a:extLst>
+              <a:ext uri="{FF2B5EF4-FFF2-40B4-BE49-F238E27FC236}">
+                <a16:creationId xmlns:a16="http://schemas.microsoft.com/office/drawing/2014/main" id="{4B5E7846-251A-C63B-C80E-875E12536120}"/>
+              </a:ext>
+            </a:extLst>
+          </p:cNvPr>
+          <p:cNvSpPr>
+            <a:spLocks noGrp="1"/>
+          </p:cNvSpPr>
+          <p:nvPr>
+            <p:ph type="body" sz="half" idx="2"/>
+          </p:nvPr>
+        </p:nvSpPr>
+        <p:spPr>
+          <a:xfrm>
+            <a:off x="457201" y="1076326"/>
+            <a:ext cx="4561839" cy="3518297"/>
+          </a:xfrm>
+        </p:spPr>
+        <p:txBody>
+          <a:bodyPr>
+            <a:normAutofit/>
+          </a:bodyPr>
+          <a:lstStyle/>
+          <a:p>
+            <a:pPr marL="0" lvl="0" indent="0">
+              <a:buNone/>
+            </a:pPr>
+            <a:r>
+              <a:rPr sz="1800" dirty="0"/>
+              <a:t>Example: </a:t>
+            </a:r>
+            <a:r>
+              <a:rPr lang="en-US" sz="1800" dirty="0"/>
+              <a:t>OLS regression with and without a single outlier</a:t>
+            </a:r>
+          </a:p>
+          <a:p>
+            <a:pPr marL="285750" lvl="0" indent="-285750">
+              <a:buFont typeface="Arial" panose="020B0604020202020204" pitchFamily="34" charset="0"/>
+              <a:buChar char="•"/>
+            </a:pPr>
+            <a:r>
+              <a:rPr lang="en-US" sz="1800" dirty="0"/>
+              <a:t>Regression without the outlier represents the </a:t>
+            </a:r>
+          </a:p>
+          <a:p>
+            <a:pPr marL="285750" lvl="0" indent="-285750">
+              <a:buFont typeface="Arial" panose="020B0604020202020204" pitchFamily="34" charset="0"/>
+              <a:buChar char="•"/>
+            </a:pPr>
+            <a:r>
+              <a:rPr sz="1800" dirty="0"/>
+              <a:t>Add a single outlier regression data set</a:t>
+            </a:r>
+          </a:p>
+          <a:p>
+            <a:pPr lvl="0" indent="0">
+              <a:buNone/>
+            </a:pPr>
+            <a:r>
+              <a:rPr sz="1800" dirty="0">
+                <a:latin typeface="Courier"/>
+              </a:rPr>
+              <a:t>## Intercept = 5.098  Partial Slope = 0.365</a:t>
+            </a:r>
+          </a:p>
+        </p:txBody>
+      </p:sp>
+      <p:pic>
+        <p:nvPicPr>
+          <p:cNvPr id="6" name="Picture 5">
+            <a:extLst>
+              <a:ext uri="{FF2B5EF4-FFF2-40B4-BE49-F238E27FC236}">
+                <a16:creationId xmlns:a16="http://schemas.microsoft.com/office/drawing/2014/main" id="{3AB32C25-C62E-685D-FB94-241AF195279E}"/>
+              </a:ext>
+            </a:extLst>
+          </p:cNvPr>
+          <p:cNvPicPr>
+            <a:picLocks noChangeAspect="1"/>
+          </p:cNvPicPr>
+          <p:nvPr/>
+        </p:nvPicPr>
+        <p:blipFill>
+          <a:blip r:embed="rId2"/>
+          <a:stretch>
+            <a:fillRect/>
+          </a:stretch>
+        </p:blipFill>
+        <p:spPr>
+          <a:xfrm>
+            <a:off x="5019040" y="843534"/>
+            <a:ext cx="4124960" cy="4153662"/>
+          </a:xfrm>
+          <a:prstGeom prst="rect">
+            <a:avLst/>
+          </a:prstGeom>
+        </p:spPr>
+      </p:pic>
+      <p:cxnSp>
+        <p:nvCxnSpPr>
+          <p:cNvPr id="3" name="Straight Arrow Connector 2">
+            <a:extLst>
+              <a:ext uri="{FF2B5EF4-FFF2-40B4-BE49-F238E27FC236}">
+                <a16:creationId xmlns:a16="http://schemas.microsoft.com/office/drawing/2014/main" id="{3846F4AD-68B3-A3D9-23D3-F83EA904BD0C}"/>
+              </a:ext>
+            </a:extLst>
+          </p:cNvPr>
+          <p:cNvCxnSpPr>
+            <a:cxnSpLocks/>
+          </p:cNvCxnSpPr>
+          <p:nvPr/>
+        </p:nvCxnSpPr>
+        <p:spPr>
+          <a:xfrm flipH="1">
+            <a:off x="4170156" y="2048256"/>
+            <a:ext cx="629428" cy="2285918"/>
+          </a:xfrm>
+          <a:prstGeom prst="straightConnector1">
+            <a:avLst/>
+          </a:prstGeom>
+          <a:ln w="38100">
+            <a:solidFill>
+              <a:srgbClr val="C00000"/>
+            </a:solidFill>
+            <a:tailEnd type="triangle"/>
+          </a:ln>
+        </p:spPr>
+        <p:style>
+          <a:lnRef idx="2">
+            <a:schemeClr val="accent1"/>
+          </a:lnRef>
+          <a:fillRef idx="0">
+            <a:schemeClr val="accent1"/>
+          </a:fillRef>
+          <a:effectRef idx="1">
+            <a:schemeClr val="accent1"/>
+          </a:effectRef>
+          <a:fontRef idx="minor">
+            <a:schemeClr val="tx1"/>
+          </a:fontRef>
+        </p:style>
+      </p:cxnSp>
+    </p:spTree>
+    <p:extLst>
+      <p:ext uri="{BB962C8B-B14F-4D97-AF65-F5344CB8AC3E}">
+        <p14:creationId xmlns:p14="http://schemas.microsoft.com/office/powerpoint/2010/main" val="1335314117"/>
+      </p:ext>
+    </p:extLst>
+  </p:cSld>
+  <p:clrMapOvr>
+    <a:masterClrMapping/>
+  </p:clrMapOvr>
+</p:sld>
+</file>
+
+<file path=ppt/slides/slide3.xml><?xml version="1.0" encoding="utf-8"?>
+<p:sld xmlns:a="http://schemas.openxmlformats.org/drawingml/2006/main" xmlns:r="http://schemas.openxmlformats.org/officeDocument/2006/relationships" xmlns:p="http://schemas.openxmlformats.org/presentationml/2006/main">
+  <p:cSld>
+    <p:spTree>
+      <p:nvGrpSpPr>
+        <p:cNvPr id="1" name="">
+          <a:extLst>
+            <a:ext uri="{FF2B5EF4-FFF2-40B4-BE49-F238E27FC236}">
+              <a16:creationId xmlns:a16="http://schemas.microsoft.com/office/drawing/2014/main" id="{217CC54D-A93E-7DF0-F2EC-6036421943BA}"/>
+            </a:ext>
+          </a:extLst>
+        </p:cNvPr>
+        <p:cNvGrpSpPr/>
+        <p:nvPr/>
+      </p:nvGrpSpPr>
+      <p:grpSpPr>
+        <a:xfrm>
+          <a:off x="0" y="0"/>
+          <a:ext cx="0" cy="0"/>
+          <a:chOff x="0" y="0"/>
+          <a:chExt cx="0" cy="0"/>
+        </a:xfrm>
+      </p:grpSpPr>
+      <p:sp>
+        <p:nvSpPr>
+          <p:cNvPr id="2" name="Title 1">
+            <a:extLst>
+              <a:ext uri="{FF2B5EF4-FFF2-40B4-BE49-F238E27FC236}">
+                <a16:creationId xmlns:a16="http://schemas.microsoft.com/office/drawing/2014/main" id="{3B05EEC6-D606-BDA0-212E-8D3ADDACF228}"/>
+              </a:ext>
+            </a:extLst>
+          </p:cNvPr>
+          <p:cNvSpPr>
+            <a:spLocks noGrp="1"/>
+          </p:cNvSpPr>
+          <p:nvPr>
+            <p:ph type="title"/>
+          </p:nvPr>
+        </p:nvSpPr>
+        <p:spPr/>
+        <p:txBody>
+          <a:bodyPr/>
+          <a:lstStyle/>
+          <a:p>
+            <a:pPr marL="0" lvl="0" indent="0">
+              <a:buNone/>
+            </a:pPr>
+            <a:r>
+              <a:rPr lang="en-US" dirty="0"/>
+              <a:t>Introduction</a:t>
+            </a:r>
+            <a:endParaRPr dirty="0"/>
+          </a:p>
+        </p:txBody>
+      </p:sp>
+      <p:sp>
+        <p:nvSpPr>
+          <p:cNvPr id="3" name="Content Placeholder 2">
+            <a:extLst>
+              <a:ext uri="{FF2B5EF4-FFF2-40B4-BE49-F238E27FC236}">
+                <a16:creationId xmlns:a16="http://schemas.microsoft.com/office/drawing/2014/main" id="{07854A8C-8365-5A51-A4BD-48F8386E8528}"/>
+              </a:ext>
+            </a:extLst>
+          </p:cNvPr>
           <p:cNvSpPr>
             <a:spLocks noGrp="1"/>
           </p:cNvSpPr>
@@ -5962,32 +11134,106 @@
         </p:nvSpPr>
         <p:spPr/>
         <p:txBody>
-          <a:bodyPr/>
+          <a:bodyPr>
+            <a:normAutofit fontScale="85000" lnSpcReduction="20000"/>
+          </a:bodyPr>
           <a:lstStyle/>
           <a:p>
             <a:pPr marL="0" lvl="0" indent="0">
               <a:buNone/>
             </a:pPr>
-            <a:endParaRPr/>
-          </a:p>
-          <a:p>
-            <a:pPr marL="0" lvl="0" indent="0">
-              <a:buNone/>
-            </a:pPr>
-            <a:r>
-              <a:t>This outlier has </a:t>
-            </a:r>
-            <a:r>
-              <a:rPr b="1"/>
-              <a:t>high leverage</a:t>
-            </a:r>
-            <a:r>
-              <a:t> and changes the slope significantly</a:t>
-            </a:r>
+            <a:r>
+              <a:rPr lang="en-US" dirty="0"/>
+              <a:t>Several commonly encountered data problems create problems for OLS and GLM models</a:t>
+            </a:r>
+            <a:endParaRPr dirty="0"/>
+          </a:p>
+          <a:p>
+            <a:pPr lvl="0"/>
+            <a:r>
+              <a:rPr lang="en-US" b="1" dirty="0"/>
+              <a:t>Zero inflated response variables </a:t>
+            </a:r>
+            <a:r>
+              <a:rPr lang="en-US" dirty="0"/>
+              <a:t>have an unusual number of zero values   </a:t>
+            </a:r>
+          </a:p>
+          <a:p>
+            <a:pPr lvl="1"/>
+            <a:r>
+              <a:rPr lang="en-US" dirty="0"/>
+              <a:t>Use a </a:t>
+            </a:r>
+            <a:r>
+              <a:rPr lang="en-US" b="1" dirty="0"/>
+              <a:t>mixture model </a:t>
+            </a:r>
+            <a:r>
+              <a:rPr lang="en-US" dirty="0"/>
+              <a:t>to switch between a binomial and another distribution</a:t>
+            </a:r>
+          </a:p>
+          <a:p>
+            <a:pPr lvl="0"/>
+            <a:r>
+              <a:rPr lang="en-US" b="1" dirty="0"/>
+              <a:t>Over-dispersed response variables </a:t>
+            </a:r>
+            <a:r>
+              <a:rPr lang="en-US" dirty="0"/>
+              <a:t>have a long (typically right) tail </a:t>
+            </a:r>
+          </a:p>
+          <a:p>
+            <a:pPr lvl="1"/>
+            <a:r>
+              <a:rPr lang="en-US" dirty="0"/>
+              <a:t>Apply models with distributions and mixtures that account for large low probability responses </a:t>
+            </a:r>
+          </a:p>
+          <a:p>
+            <a:pPr lvl="0"/>
+            <a:r>
+              <a:rPr lang="en-US" b="1" dirty="0"/>
+              <a:t>Outliers in independent variables </a:t>
+            </a:r>
+            <a:r>
+              <a:rPr lang="en-US" dirty="0"/>
+              <a:t>have an undue influence on OLS and GLM models </a:t>
+            </a:r>
+          </a:p>
+          <a:p>
+            <a:pPr lvl="1"/>
+            <a:r>
+              <a:rPr lang="en-US" dirty="0"/>
+              <a:t>Robust regression models </a:t>
+            </a:r>
+            <a:r>
+              <a:rPr lang="en-US" b="1" dirty="0"/>
+              <a:t>limit the influence of outliers </a:t>
+            </a:r>
+            <a:r>
+              <a:rPr lang="en-US" dirty="0"/>
+              <a:t>on the response </a:t>
+            </a:r>
+          </a:p>
+          <a:p>
+            <a:pPr lvl="0"/>
+            <a:r>
+              <a:rPr lang="en-US" dirty="0"/>
+              <a:t>We can extend the OLS and GLM frameworks to deal with these situations  </a:t>
+            </a:r>
+            <a:endParaRPr dirty="0"/>
           </a:p>
         </p:txBody>
       </p:sp>
     </p:spTree>
+    <p:extLst>
+      <p:ext uri="{BB962C8B-B14F-4D97-AF65-F5344CB8AC3E}">
+        <p14:creationId xmlns:p14="http://schemas.microsoft.com/office/powerpoint/2010/main" val="487459844"/>
+      </p:ext>
+    </p:extLst>
   </p:cSld>
   <p:clrMapOvr>
     <a:masterClrMapping/>
@@ -5995,7 +11241,7 @@
 </p:sld>
 </file>
 
-<file path=ppt/slides/slide2.xml><?xml version="1.0" encoding="utf-8"?>
+<file path=ppt/slides/slide30.xml><?xml version="1.0" encoding="utf-8"?>
 <p:sld xmlns:a="http://schemas.openxmlformats.org/drawingml/2006/main" xmlns:r="http://schemas.openxmlformats.org/officeDocument/2006/relationships" xmlns:p="http://schemas.openxmlformats.org/presentationml/2006/main">
   <p:cSld>
     <p:spTree>
@@ -6031,208 +11277,22 @@
               <a:buNone/>
             </a:pPr>
             <a:r>
-              <a:t>Linear Model Assumptions</a:t>
+              <a:rPr lang="en-US" dirty="0">
+                <a:latin typeface="+mn-lt"/>
+              </a:rPr>
+              <a:t>Measuring Influence of </a:t>
+            </a:r>
+            <a:r>
+              <a:rPr dirty="0">
+                <a:latin typeface="+mn-lt"/>
+              </a:rPr>
+              <a:t>Outliers</a:t>
             </a:r>
           </a:p>
         </p:txBody>
       </p:sp>
-      <p:sp>
-        <p:nvSpPr>
-          <p:cNvPr id="3" name="Content Placeholder 2"/>
-          <p:cNvSpPr>
-            <a:spLocks noGrp="1"/>
-          </p:cNvSpPr>
-          <p:nvPr>
-            <p:ph idx="1"/>
-          </p:nvPr>
-        </p:nvSpPr>
-        <p:spPr/>
-        <p:txBody>
-          <a:bodyPr>
-            <a:normAutofit fontScale="62500" lnSpcReduction="20000"/>
-          </a:bodyPr>
-          <a:lstStyle/>
-          <a:p>
-            <a:pPr marL="0" lvl="0" indent="0">
-              <a:buNone/>
-            </a:pPr>
-            <a:r>
-              <a:rPr dirty="0"/>
-              <a:t>There are a number of assumptions in linear models that you overlook at your peril!</a:t>
-            </a:r>
-          </a:p>
-          <a:p>
-            <a:pPr lvl="0"/>
-            <a:r>
-              <a:rPr dirty="0"/>
-              <a:t>The feature or predictor variables should be </a:t>
-            </a:r>
-            <a:r>
-              <a:rPr b="1" dirty="0"/>
-              <a:t>independent</a:t>
-            </a:r>
-            <a:r>
-              <a:rPr dirty="0"/>
-              <a:t> of one another</a:t>
-            </a:r>
-          </a:p>
-          <a:p>
-            <a:pPr lvl="1"/>
-            <a:r>
-              <a:rPr dirty="0"/>
-              <a:t>This is rarely true in practice</a:t>
-            </a:r>
-          </a:p>
-          <a:p>
-            <a:pPr lvl="1"/>
-            <a:r>
-              <a:rPr b="1" dirty="0"/>
-              <a:t>Multi-</a:t>
-            </a:r>
-            <a:r>
-              <a:rPr b="1" dirty="0" err="1"/>
-              <a:t>colinearity</a:t>
-            </a:r>
-            <a:r>
-              <a:rPr dirty="0"/>
-              <a:t> between features makes the model </a:t>
-            </a:r>
-            <a:r>
-              <a:rPr b="1" dirty="0"/>
-              <a:t>under-determined</a:t>
-            </a:r>
-          </a:p>
-          <a:p>
-            <a:pPr lvl="0"/>
-            <a:r>
-              <a:rPr dirty="0"/>
-              <a:t>We assume that numeric features or predictors have zero mean and about the same scale</a:t>
-            </a:r>
-          </a:p>
-          <a:p>
-            <a:pPr lvl="1"/>
-            <a:r>
-              <a:rPr dirty="0"/>
-              <a:t>We do not want to bias the estimation of regression coefficients with predictors that do not have a 0 mean</a:t>
-            </a:r>
-          </a:p>
-          <a:p>
-            <a:pPr lvl="1"/>
-            <a:r>
-              <a:rPr dirty="0"/>
-              <a:t>We do not want to have predictors with a large numeric range dominate training</a:t>
-            </a:r>
-          </a:p>
-          <a:p>
-            <a:pPr lvl="1"/>
-            <a:r>
-              <a:rPr dirty="0"/>
-              <a:t>Example: income is in the range of 10s or 100s of thousands and age is in the range of 10s, but </a:t>
-            </a:r>
-            <a:r>
-              <a:rPr dirty="0" err="1"/>
-              <a:t>apriori</a:t>
-            </a:r>
-            <a:r>
-              <a:rPr dirty="0"/>
-              <a:t> income is no more important than age as a predictor</a:t>
-            </a:r>
-          </a:p>
-          <a:p>
-            <a:pPr lvl="0"/>
-            <a:r>
-              <a:rPr dirty="0"/>
-              <a:t>Values of each predictor or feature should be </a:t>
-            </a:r>
-            <a:r>
-              <a:rPr dirty="0" err="1"/>
-              <a:t>iid</a:t>
-            </a:r>
-            <a:endParaRPr dirty="0"/>
-          </a:p>
-          <a:p>
-            <a:pPr lvl="1"/>
-            <a:r>
-              <a:rPr dirty="0"/>
-              <a:t>If variance changes with sample, the optimal value of the coefficient could not be constant</a:t>
-            </a:r>
-          </a:p>
-          <a:p>
-            <a:pPr lvl="1"/>
-            <a:r>
-              <a:rPr dirty="0"/>
-              <a:t>If there </a:t>
-            </a:r>
-            <a:r>
-              <a:rPr b="1" dirty="0"/>
-              <a:t>serial correlation</a:t>
-            </a:r>
-            <a:r>
-              <a:rPr dirty="0"/>
-              <a:t> in the predictor values, the </a:t>
-            </a:r>
-            <a:r>
-              <a:rPr dirty="0" err="1"/>
-              <a:t>iid</a:t>
-            </a:r>
-            <a:r>
-              <a:rPr dirty="0"/>
-              <a:t> assumption is violated - but can account for this such as in time series models</a:t>
-            </a:r>
-          </a:p>
-        </p:txBody>
-      </p:sp>
-    </p:spTree>
-  </p:cSld>
-  <p:clrMapOvr>
-    <a:masterClrMapping/>
-  </p:clrMapOvr>
-</p:sld>
-</file>
-
-<file path=ppt/slides/slide20.xml><?xml version="1.0" encoding="utf-8"?>
-<p:sld xmlns:a="http://schemas.openxmlformats.org/drawingml/2006/main" xmlns:r="http://schemas.openxmlformats.org/officeDocument/2006/relationships" xmlns:p="http://schemas.openxmlformats.org/presentationml/2006/main">
-  <p:cSld>
-    <p:spTree>
-      <p:nvGrpSpPr>
-        <p:cNvPr id="1" name=""/>
-        <p:cNvGrpSpPr/>
-        <p:nvPr/>
-      </p:nvGrpSpPr>
-      <p:grpSpPr>
-        <a:xfrm>
-          <a:off x="0" y="0"/>
-          <a:ext cx="0" cy="0"/>
-          <a:chOff x="0" y="0"/>
-          <a:chExt cx="0" cy="0"/>
-        </a:xfrm>
-      </p:grpSpPr>
-      <p:sp>
-        <p:nvSpPr>
-          <p:cNvPr id="2" name="Title 1"/>
-          <p:cNvSpPr>
-            <a:spLocks noGrp="1"/>
-          </p:cNvSpPr>
-          <p:nvPr>
-            <p:ph type="title"/>
-          </p:nvPr>
-        </p:nvSpPr>
-        <p:spPr/>
-        <p:txBody>
-          <a:bodyPr/>
-          <a:lstStyle/>
-          <a:p>
-            <a:pPr marL="0" lvl="0" indent="0">
-              <a:buNone/>
-            </a:pPr>
-            <a:r>
-              <a:t>Dealing With Outliers</a:t>
-            </a:r>
-          </a:p>
-        </p:txBody>
-      </p:sp>
-      <mc:AlternateContent xmlns:mc="http://schemas.openxmlformats.org/markup-compatibility/2006" xmlns:a14="http://schemas.microsoft.com/office/drawing/2010/main">
-        <mc:Choice Requires="a14">
+      <mc:AlternateContent xmlns:mc="http://schemas.openxmlformats.org/markup-compatibility/2006">
+        <mc:Choice xmlns:a14="http://schemas.microsoft.com/office/drawing/2010/main" Requires="a14">
           <p:sp>
             <p:nvSpPr>
               <p:cNvPr id="3" name="Content Placeholder 2"/>
@@ -6243,10 +11303,15 @@
                 <p:ph idx="1"/>
               </p:nvPr>
             </p:nvSpPr>
-            <p:spPr/>
+            <p:spPr>
+              <a:xfrm>
+                <a:off x="457200" y="1200150"/>
+                <a:ext cx="8229600" cy="3609675"/>
+              </a:xfrm>
+            </p:spPr>
             <p:txBody>
               <a:bodyPr>
-                <a:normAutofit fontScale="85000" lnSpcReduction="20000"/>
+                <a:normAutofit fontScale="92500" lnSpcReduction="20000"/>
               </a:bodyPr>
               <a:lstStyle/>
               <a:p>
@@ -6254,10 +11319,11 @@
                   <a:buNone/>
                 </a:pPr>
                 <a:r>
-                  <a:rPr b="1"/>
+                  <a:rPr b="1" dirty="0"/>
                   <a:t>Cook’s distance</a:t>
                 </a:r>
                 <a:r>
+                  <a:rPr dirty="0"/>
                   <a:t>, </a:t>
                 </a:r>
                 <a14:m>
@@ -6290,13 +11356,31 @@
                   </m:oMath>
                 </a14:m>
                 <a:r>
-                  <a:t>, measures the influence of an outlier on a model</a:t>
+                  <a:rPr dirty="0"/>
+                  <a:t>, measures the </a:t>
+                </a:r>
+                <a:r>
+                  <a:rPr b="1" dirty="0"/>
+                  <a:t>influence of an outlier </a:t>
+                </a:r>
+                <a:r>
+                  <a:rPr dirty="0"/>
+                  <a:t>on a model</a:t>
                 </a:r>
               </a:p>
               <a:p>
                 <a:pPr lvl="0"/>
                 <a:r>
-                  <a:t>Cook’s distance for the ith data point is the degree of freedom adjusted average squared error against a model without this value</a:t>
+                  <a:rPr dirty="0"/>
+                  <a:t>Cook’s distance for the </a:t>
+                </a:r>
+                <a:r>
+                  <a:rPr dirty="0" err="1"/>
+                  <a:t>ith</a:t>
+                </a:r>
+                <a:r>
+                  <a:rPr dirty="0"/>
+                  <a:t> data point is the degree of freedom adjusted average squared error against a model without this value</a:t>
                 </a:r>
               </a:p>
               <a:p>
@@ -6600,16 +11684,19 @@
                     </m:oMath>
                   </m:oMathPara>
                 </a14:m>
-                <a:endParaRPr/>
+                <a:endParaRPr dirty="0"/>
               </a:p>
               <a:p>
-                <a:pPr marL="0" lvl="0" indent="0">
+                <a:pPr marL="685800" lvl="2" indent="0">
                   <a:buNone/>
                 </a:pPr>
                 <a:r>
+                  <a:rPr dirty="0"/>
                   <a:t>where,</a:t>
                 </a:r>
-                <a:br/>
+                <a:br>
+                  <a:rPr dirty="0"/>
+                </a:br>
                 <a14:m>
                   <m:oMath xmlns:m="http://schemas.openxmlformats.org/officeDocument/2006/math">
                     <m:sSub>
@@ -6658,9 +11745,20 @@
                   </m:oMath>
                 </a14:m>
                 <a:r>
-                  <a:t> the jth prediction computed with all observations</a:t>
-                </a:r>
-                <a:br/>
+                  <a:rPr dirty="0"/>
+                  <a:t> the </a:t>
+                </a:r>
+                <a:r>
+                  <a:rPr dirty="0" err="1"/>
+                  <a:t>jth</a:t>
+                </a:r>
+                <a:r>
+                  <a:rPr dirty="0"/>
+                  <a:t> prediction computed with all observations</a:t>
+                </a:r>
+                <a:br>
+                  <a:rPr dirty="0"/>
+                </a:br>
                 <a14:m>
                   <m:oMath xmlns:m="http://schemas.openxmlformats.org/officeDocument/2006/math">
                     <m:sSub>
@@ -6726,9 +11824,28 @@
                   </m:oMath>
                 </a14:m>
                 <a:r>
-                  <a:t> the jth prediction computed without the ith observation</a:t>
-                </a:r>
-                <a:br/>
+                  <a:rPr dirty="0"/>
+                  <a:t> the </a:t>
+                </a:r>
+                <a:r>
+                  <a:rPr dirty="0" err="1"/>
+                  <a:t>jth</a:t>
+                </a:r>
+                <a:r>
+                  <a:rPr dirty="0"/>
+                  <a:t> prediction computed without the </a:t>
+                </a:r>
+                <a:r>
+                  <a:rPr dirty="0" err="1"/>
+                  <a:t>ith</a:t>
+                </a:r>
+                <a:r>
+                  <a:rPr dirty="0"/>
+                  <a:t> observation</a:t>
+                </a:r>
+                <a:br>
+                  <a:rPr dirty="0"/>
+                </a:br>
                 <a14:m>
                   <m:oMath xmlns:m="http://schemas.openxmlformats.org/officeDocument/2006/math">
                     <m:r>
@@ -6746,9 +11863,12 @@
                   </m:oMath>
                 </a14:m>
                 <a:r>
+                  <a:rPr dirty="0"/>
                   <a:t> number of parameters</a:t>
                 </a:r>
-                <a:br/>
+                <a:br>
+                  <a:rPr dirty="0"/>
+                </a:br>
                 <a14:m>
                   <m:oMath xmlns:m="http://schemas.openxmlformats.org/officeDocument/2006/math">
                     <m:r>
@@ -6766,23 +11886,25 @@
                   </m:oMath>
                 </a14:m>
                 <a:r>
+                  <a:rPr dirty="0"/>
                   <a:t> number of data points</a:t>
                 </a:r>
               </a:p>
               <a:p>
                 <a:pPr lvl="0"/>
                 <a:r>
+                  <a:rPr dirty="0"/>
                   <a:t>Cook’s distance is computed using a </a:t>
                 </a:r>
                 <a:r>
-                  <a:rPr b="1"/>
+                  <a:rPr b="1" dirty="0"/>
                   <a:t>leave-one-out resampling algorithm!</a:t>
                 </a:r>
               </a:p>
             </p:txBody>
           </p:sp>
         </mc:Choice>
-        <mc:Fallback xmlns="">
+        <mc:Fallback>
           <p:sp>
             <p:nvSpPr>
               <p:cNvPr id="3" name="Content Placeholder 2"/>
@@ -6794,10 +11916,14 @@
               </p:nvPr>
             </p:nvSpPr>
             <p:spPr>
+              <a:xfrm>
+                <a:off x="457200" y="1200150"/>
+                <a:ext cx="8229600" cy="3609675"/>
+              </a:xfrm>
               <a:blipFill>
                 <a:blip r:embed="rId2"/>
                 <a:stretch>
-                  <a:fillRect l="-741" t="-2693" b="-1616"/>
+                  <a:fillRect l="-963" t="-2872" b="-3041"/>
                 </a:stretch>
               </a:blipFill>
             </p:spPr>
@@ -6824,7 +11950,7 @@
 </p:sld>
 </file>
 
-<file path=ppt/slides/slide21.xml><?xml version="1.0" encoding="utf-8"?>
+<file path=ppt/slides/slide31.xml><?xml version="1.0" encoding="utf-8"?>
 <p:sld xmlns:a="http://schemas.openxmlformats.org/drawingml/2006/main" xmlns:r="http://schemas.openxmlformats.org/officeDocument/2006/relationships" xmlns:p="http://schemas.openxmlformats.org/presentationml/2006/main">
   <p:cSld>
     <p:spTree>
@@ -6854,19 +11980,27 @@
         <p:spPr>
           <a:xfrm>
             <a:off x="457201" y="204787"/>
-            <a:ext cx="3008313" cy="871538"/>
+            <a:ext cx="8420270" cy="664508"/>
           </a:xfrm>
         </p:spPr>
         <p:txBody>
-          <a:bodyPr/>
+          <a:bodyPr>
+            <a:normAutofit/>
+          </a:bodyPr>
           <a:lstStyle/>
           <a:p>
-            <a:pPr marL="0" lvl="0" indent="0">
+            <a:pPr marL="0" lvl="0" indent="0" algn="ctr">
               <a:buNone/>
             </a:pPr>
             <a:r>
-              <a:t>Dealing With Outliers</a:t>
-            </a:r>
+              <a:rPr lang="en-US" sz="3200" b="0" dirty="0">
+                <a:latin typeface="+mn-lt"/>
+              </a:rPr>
+              <a:t>Measuring Influence of Outliers</a:t>
+            </a:r>
+            <a:endParaRPr sz="3200" b="0" dirty="0">
+              <a:latin typeface="+mn-lt"/>
+            </a:endParaRPr>
           </a:p>
         </p:txBody>
       </p:sp>
@@ -6880,58 +12014,80 @@
             <p:ph type="body" sz="half" idx="2"/>
           </p:nvPr>
         </p:nvSpPr>
-        <p:spPr/>
+        <p:spPr>
+          <a:xfrm>
+            <a:off x="457201" y="1076326"/>
+            <a:ext cx="4311621" cy="3717098"/>
+          </a:xfrm>
+        </p:spPr>
         <p:txBody>
-          <a:bodyPr/>
+          <a:bodyPr>
+            <a:normAutofit/>
+          </a:bodyPr>
           <a:lstStyle/>
           <a:p>
             <a:pPr marL="0" lvl="0" indent="0">
               <a:buNone/>
             </a:pPr>
             <a:r>
+              <a:rPr sz="1800" dirty="0"/>
               <a:t>Plot Cook’s distance as </a:t>
             </a:r>
             <a:r>
-              <a:rPr b="1"/>
+              <a:rPr sz="1800" b="1" dirty="0"/>
               <a:t>leverage</a:t>
             </a:r>
             <a:r>
-              <a:t> vs. the residual size</a:t>
-            </a:r>
-          </a:p>
-          <a:p>
-            <a:pPr lvl="0" indent="0">
-              <a:buNone/>
+              <a:rPr sz="1800" dirty="0"/>
+              <a:t> vs. the </a:t>
+            </a:r>
+            <a:r>
+              <a:rPr lang="en-US" sz="1800" dirty="0"/>
+              <a:t>standardized </a:t>
+            </a:r>
+            <a:r>
+              <a:rPr sz="1800" dirty="0"/>
+              <a:t>residual</a:t>
+            </a:r>
+            <a:r>
+              <a:rPr lang="en-US" sz="1800" dirty="0"/>
+              <a:t>s</a:t>
+            </a:r>
+          </a:p>
+          <a:p>
+            <a:pPr marL="285750" lvl="0" indent="-285750">
+              <a:buFont typeface="Arial" panose="020B0604020202020204" pitchFamily="34" charset="0"/>
+              <a:buChar char="•"/>
             </a:pPr>
             <a:r>
-              <a:rPr>
-                <a:latin typeface="Courier"/>
-              </a:rPr>
-              <a:t>_</a:t>
-            </a:r>
-            <a:r>
-              <a:rPr>
-                <a:solidFill>
-                  <a:srgbClr val="666666"/>
-                </a:solidFill>
-                <a:latin typeface="Courier"/>
-              </a:rPr>
-              <a:t>=</a:t>
-            </a:r>
-            <a:r>
-              <a:rPr>
-                <a:latin typeface="Courier"/>
-              </a:rPr>
-              <a:t>influence_plot(ols_model_ol)</a:t>
-            </a:r>
+              <a:rPr lang="en-US" sz="1800" dirty="0"/>
+              <a:t>Standardized residuals on the vertical axis</a:t>
+            </a:r>
+          </a:p>
+          <a:p>
+            <a:pPr marL="285750" lvl="0" indent="-285750">
+              <a:buFont typeface="Arial" panose="020B0604020202020204" pitchFamily="34" charset="0"/>
+              <a:buChar char="•"/>
+            </a:pPr>
+            <a:r>
+              <a:rPr lang="en-US" sz="1800" dirty="0"/>
+              <a:t>Leverage </a:t>
+            </a:r>
+            <a:endParaRPr sz="1800" dirty="0"/>
           </a:p>
         </p:txBody>
       </p:sp>
       <p:pic>
         <p:nvPicPr>
-          <p:cNvPr id="3" name="Picture 1" descr="08_IntroductionToLinearModels_files/figure-pptx/unnamed-chunk-24-27.png"/>
+          <p:cNvPr id="6" name="Picture 5">
+            <a:extLst>
+              <a:ext uri="{FF2B5EF4-FFF2-40B4-BE49-F238E27FC236}">
+                <a16:creationId xmlns:a16="http://schemas.microsoft.com/office/drawing/2014/main" id="{5F94D8A0-8036-B7DB-DB79-38B98A049DC0}"/>
+              </a:ext>
+            </a:extLst>
+          </p:cNvPr>
           <p:cNvPicPr>
-            <a:picLocks noGrp="1" noChangeAspect="1"/>
+            <a:picLocks noChangeAspect="1"/>
           </p:cNvPicPr>
           <p:nvPr/>
         </p:nvPicPr>
@@ -6941,20 +12097,14 @@
             <a:fillRect/>
           </a:stretch>
         </p:blipFill>
-        <p:spPr bwMode="auto">
+        <p:spPr>
           <a:xfrm>
-            <a:off x="3568700" y="355600"/>
-            <a:ext cx="5105400" cy="4089400"/>
+            <a:off x="4871333" y="810469"/>
+            <a:ext cx="4235763" cy="4275860"/>
           </a:xfrm>
           <a:prstGeom prst="rect">
             <a:avLst/>
           </a:prstGeom>
-          <a:noFill/>
-          <a:ln w="9525">
-            <a:noFill/>
-            <a:headEnd/>
-            <a:tailEnd/>
-          </a:ln>
         </p:spPr>
       </p:pic>
     </p:spTree>
@@ -6965,74 +12115,7 @@
 </p:sld>
 </file>
 
-<file path=ppt/slides/slide22.xml><?xml version="1.0" encoding="utf-8"?>
-<p:sld xmlns:a="http://schemas.openxmlformats.org/drawingml/2006/main" xmlns:r="http://schemas.openxmlformats.org/officeDocument/2006/relationships" xmlns:p="http://schemas.openxmlformats.org/presentationml/2006/main">
-  <p:cSld>
-    <p:spTree>
-      <p:nvGrpSpPr>
-        <p:cNvPr id="1" name=""/>
-        <p:cNvGrpSpPr/>
-        <p:nvPr/>
-      </p:nvGrpSpPr>
-      <p:grpSpPr>
-        <a:xfrm>
-          <a:off x="0" y="0"/>
-          <a:ext cx="0" cy="0"/>
-          <a:chOff x="0" y="0"/>
-          <a:chExt cx="0" cy="0"/>
-        </a:xfrm>
-      </p:grpSpPr>
-      <p:sp>
-        <p:nvSpPr>
-          <p:cNvPr id="3" name="Content Placeholder 2"/>
-          <p:cNvSpPr>
-            <a:spLocks noGrp="1"/>
-          </p:cNvSpPr>
-          <p:nvPr>
-            <p:ph idx="1"/>
-          </p:nvPr>
-        </p:nvSpPr>
-        <p:spPr/>
-        <p:txBody>
-          <a:bodyPr/>
-          <a:lstStyle/>
-          <a:p>
-            <a:pPr marL="0" lvl="0" indent="0">
-              <a:buNone/>
-            </a:pPr>
-            <a:endParaRPr/>
-          </a:p>
-          <a:p>
-            <a:pPr lvl="0"/>
-            <a:r>
-              <a:t>Outlying points shown at edges of plot</a:t>
-            </a:r>
-          </a:p>
-          <a:p>
-            <a:pPr lvl="1"/>
-            <a:r>
-              <a:t>Not all outliers have high leverage</a:t>
-            </a:r>
-            <a:br/>
-            <a:endParaRPr/>
-          </a:p>
-          <a:p>
-            <a:pPr lvl="1"/>
-            <a:r>
-              <a:t>Can detect outliers in moderate dimensions</a:t>
-            </a:r>
-          </a:p>
-        </p:txBody>
-      </p:sp>
-    </p:spTree>
-  </p:cSld>
-  <p:clrMapOvr>
-    <a:masterClrMapping/>
-  </p:clrMapOvr>
-</p:sld>
-</file>
-
-<file path=ppt/slides/slide23.xml><?xml version="1.0" encoding="utf-8"?>
+<file path=ppt/slides/slide32.xml><?xml version="1.0" encoding="utf-8"?>
 <p:sld xmlns:a="http://schemas.openxmlformats.org/drawingml/2006/main" xmlns:r="http://schemas.openxmlformats.org/officeDocument/2006/relationships" xmlns:p="http://schemas.openxmlformats.org/presentationml/2006/main">
   <p:cSld>
     <p:spTree>
@@ -7086,7 +12169,7 @@
         <p:spPr/>
         <p:txBody>
           <a:bodyPr>
-            <a:normAutofit fontScale="77500" lnSpcReduction="20000"/>
+            <a:normAutofit fontScale="92500" lnSpcReduction="10000"/>
           </a:bodyPr>
           <a:lstStyle/>
           <a:p>
@@ -7094,75 +12177,87 @@
               <a:buNone/>
             </a:pPr>
             <a:r>
+              <a:rPr dirty="0"/>
               <a:t>Why are linear models sensitive to outliers</a:t>
             </a:r>
           </a:p>
           <a:p>
             <a:pPr lvl="0"/>
             <a:r>
+              <a:rPr dirty="0"/>
               <a:t>Ordinary linear regression uses </a:t>
             </a:r>
             <a:r>
-              <a:rPr b="1"/>
+              <a:rPr b="1" dirty="0"/>
               <a:t>squared error loss</a:t>
             </a:r>
             <a:r>
+              <a:rPr dirty="0"/>
               <a:t> function</a:t>
             </a:r>
           </a:p>
           <a:p>
             <a:pPr lvl="1"/>
             <a:r>
-              <a:t>Optimal if the errors are iid Normal</a:t>
-            </a:r>
-            <a:br/>
-            <a:endParaRPr/>
+              <a:rPr dirty="0"/>
+              <a:t>Optimal if the errors are </a:t>
+            </a:r>
+            <a:r>
+              <a:rPr dirty="0" err="1"/>
+              <a:t>iid</a:t>
+            </a:r>
+            <a:r>
+              <a:rPr dirty="0"/>
+              <a:t> Normal</a:t>
+            </a:r>
           </a:p>
           <a:p>
             <a:pPr lvl="1"/>
             <a:r>
+              <a:rPr dirty="0"/>
               <a:t>Is an </a:t>
             </a:r>
             <a:r>
-              <a:rPr b="1"/>
+              <a:rPr b="1" dirty="0"/>
               <a:t>unbiased estimator</a:t>
             </a:r>
           </a:p>
           <a:p>
             <a:pPr lvl="0"/>
             <a:r>
+              <a:rPr dirty="0"/>
               <a:t>In 1-dimension median is robust to outliers</a:t>
             </a:r>
           </a:p>
           <a:p>
             <a:pPr lvl="1"/>
             <a:r>
+              <a:rPr dirty="0"/>
               <a:t>But far from an optimal estimator</a:t>
             </a:r>
-            <a:br/>
-            <a:endParaRPr/>
           </a:p>
           <a:p>
             <a:pPr lvl="1"/>
             <a:r>
+              <a:rPr dirty="0"/>
               <a:t>High bias</a:t>
             </a:r>
-            <a:br/>
-            <a:endParaRPr/>
           </a:p>
           <a:p>
             <a:pPr lvl="1"/>
             <a:r>
+              <a:rPr dirty="0"/>
               <a:t>Hard to implement beyond 1-dimension</a:t>
             </a:r>
           </a:p>
           <a:p>
             <a:pPr lvl="0"/>
             <a:r>
+              <a:rPr dirty="0"/>
               <a:t>We can study the response of estimators to outliers using an </a:t>
             </a:r>
             <a:r>
-              <a:rPr b="1"/>
+              <a:rPr b="1" dirty="0"/>
               <a:t>influence function</a:t>
             </a:r>
           </a:p>
@@ -7176,7 +12271,7 @@
 </p:sld>
 </file>
 
-<file path=ppt/slides/slide24.xml><?xml version="1.0" encoding="utf-8"?>
+<file path=ppt/slides/slide33.xml><?xml version="1.0" encoding="utf-8"?>
 <p:sld xmlns:a="http://schemas.openxmlformats.org/drawingml/2006/main" xmlns:r="http://schemas.openxmlformats.org/officeDocument/2006/relationships" xmlns:p="http://schemas.openxmlformats.org/presentationml/2006/main">
   <p:cSld>
     <p:spTree>
@@ -7379,7 +12474,7 @@
 </p:sld>
 </file>
 
-<file path=ppt/slides/slide25.xml><?xml version="1.0" encoding="utf-8"?>
+<file path=ppt/slides/slide34.xml><?xml version="1.0" encoding="utf-8"?>
 <p:sld xmlns:a="http://schemas.openxmlformats.org/drawingml/2006/main" xmlns:r="http://schemas.openxmlformats.org/officeDocument/2006/relationships" xmlns:p="http://schemas.openxmlformats.org/presentationml/2006/main">
   <p:cSld>
     <p:spTree>
@@ -7482,7 +12577,13 @@
                       <a:rPr>
                         <a:latin typeface="Cambria Math" panose="02040503050406030204" pitchFamily="18" charset="0"/>
                       </a:rPr>
-                      <m:t>/2</m:t>
+                      <m:t>/</m:t>
+                    </m:r>
+                    <m:r>
+                      <a:rPr>
+                        <a:latin typeface="Cambria Math" panose="02040503050406030204" pitchFamily="18" charset="0"/>
+                      </a:rPr>
+                      <m:t>2</m:t>
                     </m:r>
                   </m:oMath>
                 </a14:m>
@@ -7532,7 +12633,25 @@
                       <a:rPr>
                         <a:latin typeface="Cambria Math" panose="02040503050406030204" pitchFamily="18" charset="0"/>
                       </a:rPr>
-                      <m:t>=0.5</m:t>
+                      <m:t>=</m:t>
+                    </m:r>
+                    <m:r>
+                      <a:rPr>
+                        <a:latin typeface="Cambria Math" panose="02040503050406030204" pitchFamily="18" charset="0"/>
+                      </a:rPr>
+                      <m:t>0</m:t>
+                    </m:r>
+                    <m:r>
+                      <a:rPr>
+                        <a:latin typeface="Cambria Math" panose="02040503050406030204" pitchFamily="18" charset="0"/>
+                      </a:rPr>
+                      <m:t>.</m:t>
+                    </m:r>
+                    <m:r>
+                      <a:rPr>
+                        <a:latin typeface="Cambria Math" panose="02040503050406030204" pitchFamily="18" charset="0"/>
+                      </a:rPr>
+                      <m:t>5</m:t>
                     </m:r>
                   </m:oMath>
                 </a14:m>
@@ -7675,7 +12794,7 @@
 </p:sld>
 </file>
 
-<file path=ppt/slides/slide26.xml><?xml version="1.0" encoding="utf-8"?>
+<file path=ppt/slides/slide35.xml><?xml version="1.0" encoding="utf-8"?>
 <p:sld xmlns:a="http://schemas.openxmlformats.org/drawingml/2006/main" xmlns:r="http://schemas.openxmlformats.org/officeDocument/2006/relationships" xmlns:p="http://schemas.openxmlformats.org/presentationml/2006/main">
   <p:cSld>
     <p:spTree>
@@ -7801,7 +12920,7 @@
 </p:sld>
 </file>
 
-<file path=ppt/slides/slide27.xml><?xml version="1.0" encoding="utf-8"?>
+<file path=ppt/slides/slide36.xml><?xml version="1.0" encoding="utf-8"?>
 <p:sld xmlns:a="http://schemas.openxmlformats.org/drawingml/2006/main" xmlns:r="http://schemas.openxmlformats.org/officeDocument/2006/relationships" xmlns:p="http://schemas.openxmlformats.org/presentationml/2006/main">
   <p:cSld>
     <p:spTree>
@@ -8108,7 +13227,7 @@
 </p:sld>
 </file>
 
-<file path=ppt/slides/slide28.xml><?xml version="1.0" encoding="utf-8"?>
+<file path=ppt/slides/slide37.xml><?xml version="1.0" encoding="utf-8"?>
 <p:sld xmlns:a="http://schemas.openxmlformats.org/drawingml/2006/main" xmlns:r="http://schemas.openxmlformats.org/officeDocument/2006/relationships" xmlns:p="http://schemas.openxmlformats.org/presentationml/2006/main">
   <p:cSld>
     <p:spTree>
@@ -8369,7 +13488,7 @@
 </p:sld>
 </file>
 
-<file path=ppt/slides/slide29.xml><?xml version="1.0" encoding="utf-8"?>
+<file path=ppt/slides/slide38.xml><?xml version="1.0" encoding="utf-8"?>
 <p:sld xmlns:a="http://schemas.openxmlformats.org/drawingml/2006/main" xmlns:r="http://schemas.openxmlformats.org/officeDocument/2006/relationships" xmlns:p="http://schemas.openxmlformats.org/presentationml/2006/main">
   <p:cSld>
     <p:spTree>
@@ -8616,187 +13735,7 @@
 </p:sld>
 </file>
 
-<file path=ppt/slides/slide3.xml><?xml version="1.0" encoding="utf-8"?>
-<p:sld xmlns:a="http://schemas.openxmlformats.org/drawingml/2006/main" xmlns:r="http://schemas.openxmlformats.org/officeDocument/2006/relationships" xmlns:p="http://schemas.openxmlformats.org/presentationml/2006/main">
-  <p:cSld>
-    <p:spTree>
-      <p:nvGrpSpPr>
-        <p:cNvPr id="1" name="">
-          <a:extLst>
-            <a:ext uri="{FF2B5EF4-FFF2-40B4-BE49-F238E27FC236}">
-              <a16:creationId xmlns:a16="http://schemas.microsoft.com/office/drawing/2014/main" id="{217CC54D-A93E-7DF0-F2EC-6036421943BA}"/>
-            </a:ext>
-          </a:extLst>
-        </p:cNvPr>
-        <p:cNvGrpSpPr/>
-        <p:nvPr/>
-      </p:nvGrpSpPr>
-      <p:grpSpPr>
-        <a:xfrm>
-          <a:off x="0" y="0"/>
-          <a:ext cx="0" cy="0"/>
-          <a:chOff x="0" y="0"/>
-          <a:chExt cx="0" cy="0"/>
-        </a:xfrm>
-      </p:grpSpPr>
-      <p:sp>
-        <p:nvSpPr>
-          <p:cNvPr id="2" name="Title 1">
-            <a:extLst>
-              <a:ext uri="{FF2B5EF4-FFF2-40B4-BE49-F238E27FC236}">
-                <a16:creationId xmlns:a16="http://schemas.microsoft.com/office/drawing/2014/main" id="{3B05EEC6-D606-BDA0-212E-8D3ADDACF228}"/>
-              </a:ext>
-            </a:extLst>
-          </p:cNvPr>
-          <p:cNvSpPr>
-            <a:spLocks noGrp="1"/>
-          </p:cNvSpPr>
-          <p:nvPr>
-            <p:ph type="title"/>
-          </p:nvPr>
-        </p:nvSpPr>
-        <p:spPr/>
-        <p:txBody>
-          <a:bodyPr/>
-          <a:lstStyle/>
-          <a:p>
-            <a:pPr marL="0" lvl="0" indent="0">
-              <a:buNone/>
-            </a:pPr>
-            <a:r>
-              <a:rPr lang="en-US" dirty="0"/>
-              <a:t>Introduction</a:t>
-            </a:r>
-            <a:endParaRPr dirty="0"/>
-          </a:p>
-        </p:txBody>
-      </p:sp>
-      <p:sp>
-        <p:nvSpPr>
-          <p:cNvPr id="3" name="Content Placeholder 2">
-            <a:extLst>
-              <a:ext uri="{FF2B5EF4-FFF2-40B4-BE49-F238E27FC236}">
-                <a16:creationId xmlns:a16="http://schemas.microsoft.com/office/drawing/2014/main" id="{07854A8C-8365-5A51-A4BD-48F8386E8528}"/>
-              </a:ext>
-            </a:extLst>
-          </p:cNvPr>
-          <p:cNvSpPr>
-            <a:spLocks noGrp="1"/>
-          </p:cNvSpPr>
-          <p:nvPr>
-            <p:ph idx="1"/>
-          </p:nvPr>
-        </p:nvSpPr>
-        <p:spPr/>
-        <p:txBody>
-          <a:bodyPr>
-            <a:normAutofit fontScale="85000" lnSpcReduction="20000"/>
-          </a:bodyPr>
-          <a:lstStyle/>
-          <a:p>
-            <a:pPr marL="0" lvl="0" indent="0">
-              <a:buNone/>
-            </a:pPr>
-            <a:r>
-              <a:rPr lang="en-US" dirty="0"/>
-              <a:t>Several commonly encountered data problems create problems for OLS and GLM models</a:t>
-            </a:r>
-            <a:endParaRPr dirty="0"/>
-          </a:p>
-          <a:p>
-            <a:pPr lvl="0"/>
-            <a:r>
-              <a:rPr lang="en-US" b="1" dirty="0"/>
-              <a:t>Zero inflated response variables </a:t>
-            </a:r>
-            <a:r>
-              <a:rPr lang="en-US" dirty="0"/>
-              <a:t>have an unusual number of zero values   </a:t>
-            </a:r>
-          </a:p>
-          <a:p>
-            <a:pPr lvl="1"/>
-            <a:r>
-              <a:rPr lang="en-US" dirty="0"/>
-              <a:t>Use a </a:t>
-            </a:r>
-            <a:r>
-              <a:rPr lang="en-US" b="1" dirty="0"/>
-              <a:t>mixture model </a:t>
-            </a:r>
-            <a:r>
-              <a:rPr lang="en-US" dirty="0"/>
-              <a:t>to switch between a binomial and another distribution</a:t>
-            </a:r>
-          </a:p>
-          <a:p>
-            <a:pPr lvl="0"/>
-            <a:r>
-              <a:rPr lang="en-US" b="1" dirty="0"/>
-              <a:t>Over-dispersed response variables </a:t>
-            </a:r>
-            <a:r>
-              <a:rPr lang="en-US" dirty="0"/>
-              <a:t>have a long (typically right) tail </a:t>
-            </a:r>
-          </a:p>
-          <a:p>
-            <a:pPr lvl="1"/>
-            <a:r>
-              <a:rPr lang="en-US" dirty="0"/>
-              <a:t>Apply models with distributions and mixtures that account for large low probability responses </a:t>
-            </a:r>
-          </a:p>
-          <a:p>
-            <a:pPr lvl="0"/>
-            <a:r>
-              <a:rPr lang="en-US" b="1" dirty="0"/>
-              <a:t>Outliers in independent variables </a:t>
-            </a:r>
-            <a:r>
-              <a:rPr lang="en-US" dirty="0"/>
-              <a:t>have an undue influence on OLS and GLM models </a:t>
-            </a:r>
-          </a:p>
-          <a:p>
-            <a:pPr lvl="1"/>
-            <a:r>
-              <a:rPr lang="en-US" dirty="0"/>
-              <a:t>Robust regression models </a:t>
-            </a:r>
-            <a:r>
-              <a:rPr lang="en-US" b="1" dirty="0"/>
-              <a:t>limit the influence of outliers </a:t>
-            </a:r>
-            <a:r>
-              <a:rPr lang="en-US" dirty="0"/>
-              <a:t>on the response </a:t>
-            </a:r>
-          </a:p>
-          <a:p>
-            <a:pPr lvl="0"/>
-            <a:r>
-              <a:rPr lang="en-US" dirty="0"/>
-              <a:t>We can extend the OLS and GLM frameworks to deal with these situations  </a:t>
-            </a:r>
-            <a:endParaRPr dirty="0"/>
-          </a:p>
-        </p:txBody>
-      </p:sp>
-    </p:spTree>
-    <p:extLst>
-      <p:ext uri="{BB962C8B-B14F-4D97-AF65-F5344CB8AC3E}">
-        <p14:creationId xmlns:p14="http://schemas.microsoft.com/office/powerpoint/2010/main" val="487459844"/>
-      </p:ext>
-    </p:extLst>
-  </p:cSld>
-  <p:clrMapOvr>
-    <a:masterClrMapping/>
-  </p:clrMapOvr>
-</p:sld>
-</file>
-
-<file path=ppt/slides/slide30.xml><?xml version="1.0" encoding="utf-8"?>
+<file path=ppt/slides/slide39.xml><?xml version="1.0" encoding="utf-8"?>
 <p:sld xmlns:a="http://schemas.openxmlformats.org/drawingml/2006/main" xmlns:r="http://schemas.openxmlformats.org/officeDocument/2006/relationships" xmlns:p="http://schemas.openxmlformats.org/presentationml/2006/main">
   <p:cSld>
     <p:spTree>
@@ -8896,390 +13835,6 @@
           </a:ln>
         </p:spPr>
       </p:pic>
-    </p:spTree>
-  </p:cSld>
-  <p:clrMapOvr>
-    <a:masterClrMapping/>
-  </p:clrMapOvr>
-</p:sld>
-</file>
-
-<file path=ppt/slides/slide31.xml><?xml version="1.0" encoding="utf-8"?>
-<p:sld xmlns:a="http://schemas.openxmlformats.org/drawingml/2006/main" xmlns:r="http://schemas.openxmlformats.org/officeDocument/2006/relationships" xmlns:p="http://schemas.openxmlformats.org/presentationml/2006/main">
-  <p:cSld>
-    <p:spTree>
-      <p:nvGrpSpPr>
-        <p:cNvPr id="1" name=""/>
-        <p:cNvGrpSpPr/>
-        <p:nvPr/>
-      </p:nvGrpSpPr>
-      <p:grpSpPr>
-        <a:xfrm>
-          <a:off x="0" y="0"/>
-          <a:ext cx="0" cy="0"/>
-          <a:chOff x="0" y="0"/>
-          <a:chExt cx="0" cy="0"/>
-        </a:xfrm>
-      </p:grpSpPr>
-      <p:sp>
-        <p:nvSpPr>
-          <p:cNvPr id="3" name="Content Placeholder 2"/>
-          <p:cNvSpPr>
-            <a:spLocks noGrp="1"/>
-          </p:cNvSpPr>
-          <p:nvPr>
-            <p:ph idx="1"/>
-          </p:nvPr>
-        </p:nvSpPr>
-        <p:spPr/>
-        <p:txBody>
-          <a:bodyPr/>
-          <a:lstStyle/>
-          <a:p>
-            <a:pPr marL="0" lvl="0" indent="0">
-              <a:buNone/>
-            </a:pPr>
-            <a:endParaRPr/>
-          </a:p>
-          <a:p>
-            <a:pPr marL="0" lvl="0" indent="0">
-              <a:buNone/>
-            </a:pPr>
-            <a:r>
-              <a:t>Notice the different slope for the regression with Huber loss</a:t>
-            </a:r>
-          </a:p>
-        </p:txBody>
-      </p:sp>
-    </p:spTree>
-  </p:cSld>
-  <p:clrMapOvr>
-    <a:masterClrMapping/>
-  </p:clrMapOvr>
-</p:sld>
-</file>
-
-<file path=ppt/slides/slide32.xml><?xml version="1.0" encoding="utf-8"?>
-<p:sld xmlns:a="http://schemas.openxmlformats.org/drawingml/2006/main" xmlns:r="http://schemas.openxmlformats.org/officeDocument/2006/relationships" xmlns:p="http://schemas.openxmlformats.org/presentationml/2006/main">
-  <p:cSld>
-    <p:spTree>
-      <p:nvGrpSpPr>
-        <p:cNvPr id="1" name=""/>
-        <p:cNvGrpSpPr/>
-        <p:nvPr/>
-      </p:nvGrpSpPr>
-      <p:grpSpPr>
-        <a:xfrm>
-          <a:off x="0" y="0"/>
-          <a:ext cx="0" cy="0"/>
-          <a:chOff x="0" y="0"/>
-          <a:chExt cx="0" cy="0"/>
-        </a:xfrm>
-      </p:grpSpPr>
-      <p:sp>
-        <p:nvSpPr>
-          <p:cNvPr id="2" name="Title 1"/>
-          <p:cNvSpPr>
-            <a:spLocks noGrp="1"/>
-          </p:cNvSpPr>
-          <p:nvPr>
-            <p:ph type="title"/>
-          </p:nvPr>
-        </p:nvSpPr>
-        <p:spPr/>
-        <p:txBody>
-          <a:bodyPr/>
-          <a:lstStyle/>
-          <a:p>
-            <a:pPr marL="0" lvl="0" indent="0">
-              <a:buNone/>
-            </a:pPr>
-            <a:r>
-              <a:t>Summary</a:t>
-            </a:r>
-          </a:p>
-        </p:txBody>
-      </p:sp>
-      <p:sp>
-        <p:nvSpPr>
-          <p:cNvPr id="3" name="Content Placeholder 2"/>
-          <p:cNvSpPr>
-            <a:spLocks noGrp="1"/>
-          </p:cNvSpPr>
-          <p:nvPr>
-            <p:ph idx="1"/>
-          </p:nvPr>
-        </p:nvSpPr>
-        <p:spPr/>
-        <p:txBody>
-          <a:bodyPr>
-            <a:normAutofit fontScale="92500"/>
-          </a:bodyPr>
-          <a:lstStyle/>
-          <a:p>
-            <a:pPr marL="0" lvl="0" indent="0">
-              <a:buNone/>
-            </a:pPr>
-            <a:r>
-              <a:t>Linear models are a flexible and widely used class of models</a:t>
-            </a:r>
-          </a:p>
-          <a:p>
-            <a:pPr lvl="0"/>
-            <a:r>
-              <a:t>Fit model coefficients by </a:t>
-            </a:r>
-            <a:r>
-              <a:rPr b="1"/>
-              <a:t>least squares</a:t>
-            </a:r>
-            <a:r>
-              <a:t> estimation</a:t>
-            </a:r>
-          </a:p>
-          <a:p>
-            <a:pPr lvl="0"/>
-            <a:r>
-              <a:t>Can use many types of predictor variables</a:t>
-            </a:r>
-          </a:p>
-          <a:p>
-            <a:pPr lvl="0"/>
-            <a:r>
-              <a:t>SGD and L-FBGS algorithms allow massive scaling of linear models</a:t>
-            </a:r>
-          </a:p>
-          <a:p>
-            <a:pPr lvl="0"/>
-            <a:r>
-              <a:t>We prefer the simplest model that does a reasonable job</a:t>
-            </a:r>
-          </a:p>
-          <a:p>
-            <a:pPr lvl="1"/>
-            <a:r>
-              <a:t>The principle of </a:t>
-            </a:r>
-            <a:r>
-              <a:rPr b="1"/>
-              <a:t>Occam’s razor</a:t>
-            </a:r>
-          </a:p>
-          <a:p>
-            <a:pPr lvl="0"/>
-            <a:r>
-              <a:t>Must consider the </a:t>
-            </a:r>
-            <a:r>
-              <a:rPr b="1"/>
-              <a:t>bias-variance trade-off</a:t>
-            </a:r>
-          </a:p>
-          <a:p>
-            <a:pPr lvl="0"/>
-            <a:r>
-              <a:t>Use robust methods if outliers are present</a:t>
-            </a:r>
-          </a:p>
-        </p:txBody>
-      </p:sp>
-    </p:spTree>
-  </p:cSld>
-  <p:clrMapOvr>
-    <a:masterClrMapping/>
-  </p:clrMapOvr>
-</p:sld>
-</file>
-
-<file path=ppt/slides/slide33.xml><?xml version="1.0" encoding="utf-8"?>
-<p:sld xmlns:a="http://schemas.openxmlformats.org/drawingml/2006/main" xmlns:r="http://schemas.openxmlformats.org/officeDocument/2006/relationships" xmlns:p="http://schemas.openxmlformats.org/presentationml/2006/main">
-  <p:cSld>
-    <p:spTree>
-      <p:nvGrpSpPr>
-        <p:cNvPr id="1" name=""/>
-        <p:cNvGrpSpPr/>
-        <p:nvPr/>
-      </p:nvGrpSpPr>
-      <p:grpSpPr>
-        <a:xfrm>
-          <a:off x="0" y="0"/>
-          <a:ext cx="0" cy="0"/>
-          <a:chOff x="0" y="0"/>
-          <a:chExt cx="0" cy="0"/>
-        </a:xfrm>
-      </p:grpSpPr>
-      <p:sp>
-        <p:nvSpPr>
-          <p:cNvPr id="2" name="Title 1"/>
-          <p:cNvSpPr>
-            <a:spLocks noGrp="1"/>
-          </p:cNvSpPr>
-          <p:nvPr>
-            <p:ph type="title"/>
-          </p:nvPr>
-        </p:nvSpPr>
-        <p:spPr/>
-        <p:txBody>
-          <a:bodyPr/>
-          <a:lstStyle/>
-          <a:p>
-            <a:pPr marL="0" lvl="0" indent="0">
-              <a:buNone/>
-            </a:pPr>
-            <a:r>
-              <a:t>Summary</a:t>
-            </a:r>
-          </a:p>
-        </p:txBody>
-      </p:sp>
-      <mc:AlternateContent xmlns:mc="http://schemas.openxmlformats.org/markup-compatibility/2006" xmlns:a14="http://schemas.microsoft.com/office/drawing/2010/main">
-        <mc:Choice Requires="a14">
-          <p:sp>
-            <p:nvSpPr>
-              <p:cNvPr id="3" name="Content Placeholder 2"/>
-              <p:cNvSpPr>
-                <a:spLocks noGrp="1"/>
-              </p:cNvSpPr>
-              <p:nvPr>
-                <p:ph idx="1"/>
-              </p:nvPr>
-            </p:nvSpPr>
-            <p:spPr/>
-            <p:txBody>
-              <a:bodyPr>
-                <a:normAutofit fontScale="92500" lnSpcReduction="10000"/>
-              </a:bodyPr>
-              <a:lstStyle/>
-              <a:p>
-                <a:pPr marL="0" lvl="0" indent="0">
-                  <a:buNone/>
-                </a:pPr>
-                <a:r>
-                  <a:t>When evaluating any machine learning model consider </a:t>
-                </a:r>
-                <a:r>
-                  <a:rPr b="1"/>
-                  <a:t>all evaluation methods available</a:t>
-                </a:r>
-              </a:p>
-              <a:p>
-                <a:pPr lvl="0"/>
-                <a:r>
-                  <a:t>No one method best all of the time</a:t>
-                </a:r>
-              </a:p>
-              <a:p>
-                <a:pPr lvl="1"/>
-                <a:r>
-                  <a:t>Homoskedastic Normally distributed residuals</a:t>
-                </a:r>
-                <a:br/>
-                <a:endParaRPr/>
-              </a:p>
-              <a:p>
-                <a:pPr lvl="1"/>
-                <a:r>
-                  <a:t>Reasonable values </a:t>
-                </a:r>
-                <a14:m>
-                  <m:oMath xmlns:m="http://schemas.openxmlformats.org/officeDocument/2006/math">
-                    <m:sSup>
-                      <m:sSupPr>
-                        <m:ctrlPr>
-                          <a:rPr i="1">
-                            <a:latin typeface="Cambria Math" panose="02040503050406030204" pitchFamily="18" charset="0"/>
-                          </a:rPr>
-                        </m:ctrlPr>
-                      </m:sSupPr>
-                      <m:e>
-                        <m:r>
-                          <a:rPr>
-                            <a:latin typeface="Cambria Math" panose="02040503050406030204" pitchFamily="18" charset="0"/>
-                          </a:rPr>
-                          <m:t>𝑅</m:t>
-                        </m:r>
-                      </m:e>
-                      <m:sup>
-                        <m:r>
-                          <a:rPr>
-                            <a:latin typeface="Cambria Math" panose="02040503050406030204" pitchFamily="18" charset="0"/>
-                          </a:rPr>
-                          <m:t>2</m:t>
-                        </m:r>
-                      </m:sup>
-                    </m:sSup>
-                  </m:oMath>
-                </a14:m>
-                <a:r>
-                  <a:t>, RMSE, etc</a:t>
-                </a:r>
-              </a:p>
-              <a:p>
-                <a:pPr lvl="1"/>
-                <a:r>
-                  <a:t>Are the model coefficients all significant?</a:t>
-                </a:r>
-              </a:p>
-              <a:p>
-                <a:pPr lvl="0"/>
-                <a:r>
-                  <a:rPr b="1"/>
-                  <a:t>Different methods highlight different problems</a:t>
-                </a:r>
-                <a:r>
-                  <a:t> with your model</a:t>
-                </a:r>
-              </a:p>
-              <a:p>
-                <a:pPr lvl="0"/>
-                <a:r>
-                  <a:t>Don’t forget to check that the </a:t>
-                </a:r>
-                <a:r>
-                  <a:rPr b="1"/>
-                  <a:t>model must make sense</a:t>
-                </a:r>
-                <a:r>
-                  <a:t> for your application!</a:t>
-                </a:r>
-              </a:p>
-            </p:txBody>
-          </p:sp>
-        </mc:Choice>
-        <mc:Fallback xmlns="">
-          <p:sp>
-            <p:nvSpPr>
-              <p:cNvPr id="3" name="Content Placeholder 2"/>
-              <p:cNvSpPr>
-                <a:spLocks noGrp="1" noRot="1" noChangeAspect="1" noMove="1" noResize="1" noEditPoints="1" noAdjustHandles="1" noChangeArrowheads="1" noChangeShapeType="1" noTextEdit="1"/>
-              </p:cNvSpPr>
-              <p:nvPr>
-                <p:ph idx="1"/>
-              </p:nvPr>
-            </p:nvSpPr>
-            <p:spPr>
-              <a:blipFill>
-                <a:blip r:embed="rId2"/>
-                <a:stretch>
-                  <a:fillRect l="-963" t="-2334" b="-1257"/>
-                </a:stretch>
-              </a:blipFill>
-            </p:spPr>
-            <p:txBody>
-              <a:bodyPr/>
-              <a:lstStyle/>
-              <a:p>
-                <a:r>
-                  <a:rPr lang="en-US">
-                    <a:noFill/>
-                  </a:rPr>
-                  <a:t> </a:t>
-                </a:r>
-              </a:p>
-            </p:txBody>
-          </p:sp>
-        </mc:Fallback>
-      </mc:AlternateContent>
     </p:spTree>
   </p:cSld>
   <p:clrMapOvr>
@@ -9345,6 +13900,390 @@
         <p14:creationId xmlns:p14="http://schemas.microsoft.com/office/powerpoint/2010/main" val="3761794938"/>
       </p:ext>
     </p:extLst>
+  </p:cSld>
+  <p:clrMapOvr>
+    <a:masterClrMapping/>
+  </p:clrMapOvr>
+</p:sld>
+</file>
+
+<file path=ppt/slides/slide40.xml><?xml version="1.0" encoding="utf-8"?>
+<p:sld xmlns:a="http://schemas.openxmlformats.org/drawingml/2006/main" xmlns:r="http://schemas.openxmlformats.org/officeDocument/2006/relationships" xmlns:p="http://schemas.openxmlformats.org/presentationml/2006/main">
+  <p:cSld>
+    <p:spTree>
+      <p:nvGrpSpPr>
+        <p:cNvPr id="1" name=""/>
+        <p:cNvGrpSpPr/>
+        <p:nvPr/>
+      </p:nvGrpSpPr>
+      <p:grpSpPr>
+        <a:xfrm>
+          <a:off x="0" y="0"/>
+          <a:ext cx="0" cy="0"/>
+          <a:chOff x="0" y="0"/>
+          <a:chExt cx="0" cy="0"/>
+        </a:xfrm>
+      </p:grpSpPr>
+      <p:sp>
+        <p:nvSpPr>
+          <p:cNvPr id="3" name="Content Placeholder 2"/>
+          <p:cNvSpPr>
+            <a:spLocks noGrp="1"/>
+          </p:cNvSpPr>
+          <p:nvPr>
+            <p:ph idx="1"/>
+          </p:nvPr>
+        </p:nvSpPr>
+        <p:spPr/>
+        <p:txBody>
+          <a:bodyPr/>
+          <a:lstStyle/>
+          <a:p>
+            <a:pPr marL="0" lvl="0" indent="0">
+              <a:buNone/>
+            </a:pPr>
+            <a:endParaRPr/>
+          </a:p>
+          <a:p>
+            <a:pPr marL="0" lvl="0" indent="0">
+              <a:buNone/>
+            </a:pPr>
+            <a:r>
+              <a:t>Notice the different slope for the regression with Huber loss</a:t>
+            </a:r>
+          </a:p>
+        </p:txBody>
+      </p:sp>
+    </p:spTree>
+  </p:cSld>
+  <p:clrMapOvr>
+    <a:masterClrMapping/>
+  </p:clrMapOvr>
+</p:sld>
+</file>
+
+<file path=ppt/slides/slide41.xml><?xml version="1.0" encoding="utf-8"?>
+<p:sld xmlns:a="http://schemas.openxmlformats.org/drawingml/2006/main" xmlns:r="http://schemas.openxmlformats.org/officeDocument/2006/relationships" xmlns:p="http://schemas.openxmlformats.org/presentationml/2006/main">
+  <p:cSld>
+    <p:spTree>
+      <p:nvGrpSpPr>
+        <p:cNvPr id="1" name=""/>
+        <p:cNvGrpSpPr/>
+        <p:nvPr/>
+      </p:nvGrpSpPr>
+      <p:grpSpPr>
+        <a:xfrm>
+          <a:off x="0" y="0"/>
+          <a:ext cx="0" cy="0"/>
+          <a:chOff x="0" y="0"/>
+          <a:chExt cx="0" cy="0"/>
+        </a:xfrm>
+      </p:grpSpPr>
+      <p:sp>
+        <p:nvSpPr>
+          <p:cNvPr id="2" name="Title 1"/>
+          <p:cNvSpPr>
+            <a:spLocks noGrp="1"/>
+          </p:cNvSpPr>
+          <p:nvPr>
+            <p:ph type="title"/>
+          </p:nvPr>
+        </p:nvSpPr>
+        <p:spPr/>
+        <p:txBody>
+          <a:bodyPr/>
+          <a:lstStyle/>
+          <a:p>
+            <a:pPr marL="0" lvl="0" indent="0">
+              <a:buNone/>
+            </a:pPr>
+            <a:r>
+              <a:t>Summary</a:t>
+            </a:r>
+          </a:p>
+        </p:txBody>
+      </p:sp>
+      <p:sp>
+        <p:nvSpPr>
+          <p:cNvPr id="3" name="Content Placeholder 2"/>
+          <p:cNvSpPr>
+            <a:spLocks noGrp="1"/>
+          </p:cNvSpPr>
+          <p:nvPr>
+            <p:ph idx="1"/>
+          </p:nvPr>
+        </p:nvSpPr>
+        <p:spPr/>
+        <p:txBody>
+          <a:bodyPr>
+            <a:normAutofit fontScale="92500"/>
+          </a:bodyPr>
+          <a:lstStyle/>
+          <a:p>
+            <a:pPr marL="0" lvl="0" indent="0">
+              <a:buNone/>
+            </a:pPr>
+            <a:r>
+              <a:t>Linear models are a flexible and widely used class of models</a:t>
+            </a:r>
+          </a:p>
+          <a:p>
+            <a:pPr lvl="0"/>
+            <a:r>
+              <a:t>Fit model coefficients by </a:t>
+            </a:r>
+            <a:r>
+              <a:rPr b="1"/>
+              <a:t>least squares</a:t>
+            </a:r>
+            <a:r>
+              <a:t> estimation</a:t>
+            </a:r>
+          </a:p>
+          <a:p>
+            <a:pPr lvl="0"/>
+            <a:r>
+              <a:t>Can use many types of predictor variables</a:t>
+            </a:r>
+          </a:p>
+          <a:p>
+            <a:pPr lvl="0"/>
+            <a:r>
+              <a:t>SGD and L-FBGS algorithms allow massive scaling of linear models</a:t>
+            </a:r>
+          </a:p>
+          <a:p>
+            <a:pPr lvl="0"/>
+            <a:r>
+              <a:t>We prefer the simplest model that does a reasonable job</a:t>
+            </a:r>
+          </a:p>
+          <a:p>
+            <a:pPr lvl="1"/>
+            <a:r>
+              <a:t>The principle of </a:t>
+            </a:r>
+            <a:r>
+              <a:rPr b="1"/>
+              <a:t>Occam’s razor</a:t>
+            </a:r>
+          </a:p>
+          <a:p>
+            <a:pPr lvl="0"/>
+            <a:r>
+              <a:t>Must consider the </a:t>
+            </a:r>
+            <a:r>
+              <a:rPr b="1"/>
+              <a:t>bias-variance trade-off</a:t>
+            </a:r>
+          </a:p>
+          <a:p>
+            <a:pPr lvl="0"/>
+            <a:r>
+              <a:t>Use robust methods if outliers are present</a:t>
+            </a:r>
+          </a:p>
+        </p:txBody>
+      </p:sp>
+    </p:spTree>
+  </p:cSld>
+  <p:clrMapOvr>
+    <a:masterClrMapping/>
+  </p:clrMapOvr>
+</p:sld>
+</file>
+
+<file path=ppt/slides/slide42.xml><?xml version="1.0" encoding="utf-8"?>
+<p:sld xmlns:a="http://schemas.openxmlformats.org/drawingml/2006/main" xmlns:r="http://schemas.openxmlformats.org/officeDocument/2006/relationships" xmlns:p="http://schemas.openxmlformats.org/presentationml/2006/main">
+  <p:cSld>
+    <p:spTree>
+      <p:nvGrpSpPr>
+        <p:cNvPr id="1" name=""/>
+        <p:cNvGrpSpPr/>
+        <p:nvPr/>
+      </p:nvGrpSpPr>
+      <p:grpSpPr>
+        <a:xfrm>
+          <a:off x="0" y="0"/>
+          <a:ext cx="0" cy="0"/>
+          <a:chOff x="0" y="0"/>
+          <a:chExt cx="0" cy="0"/>
+        </a:xfrm>
+      </p:grpSpPr>
+      <p:sp>
+        <p:nvSpPr>
+          <p:cNvPr id="2" name="Title 1"/>
+          <p:cNvSpPr>
+            <a:spLocks noGrp="1"/>
+          </p:cNvSpPr>
+          <p:nvPr>
+            <p:ph type="title"/>
+          </p:nvPr>
+        </p:nvSpPr>
+        <p:spPr/>
+        <p:txBody>
+          <a:bodyPr/>
+          <a:lstStyle/>
+          <a:p>
+            <a:pPr marL="0" lvl="0" indent="0">
+              <a:buNone/>
+            </a:pPr>
+            <a:r>
+              <a:t>Summary</a:t>
+            </a:r>
+          </a:p>
+        </p:txBody>
+      </p:sp>
+      <mc:AlternateContent xmlns:mc="http://schemas.openxmlformats.org/markup-compatibility/2006" xmlns:a14="http://schemas.microsoft.com/office/drawing/2010/main">
+        <mc:Choice Requires="a14">
+          <p:sp>
+            <p:nvSpPr>
+              <p:cNvPr id="3" name="Content Placeholder 2"/>
+              <p:cNvSpPr>
+                <a:spLocks noGrp="1"/>
+              </p:cNvSpPr>
+              <p:nvPr>
+                <p:ph idx="1"/>
+              </p:nvPr>
+            </p:nvSpPr>
+            <p:spPr/>
+            <p:txBody>
+              <a:bodyPr>
+                <a:normAutofit fontScale="92500" lnSpcReduction="10000"/>
+              </a:bodyPr>
+              <a:lstStyle/>
+              <a:p>
+                <a:pPr marL="0" lvl="0" indent="0">
+                  <a:buNone/>
+                </a:pPr>
+                <a:r>
+                  <a:t>When evaluating any machine learning model consider </a:t>
+                </a:r>
+                <a:r>
+                  <a:rPr b="1"/>
+                  <a:t>all evaluation methods available</a:t>
+                </a:r>
+              </a:p>
+              <a:p>
+                <a:pPr lvl="0"/>
+                <a:r>
+                  <a:t>No one method best all of the time</a:t>
+                </a:r>
+              </a:p>
+              <a:p>
+                <a:pPr lvl="1"/>
+                <a:r>
+                  <a:t>Homoskedastic Normally distributed residuals</a:t>
+                </a:r>
+                <a:br/>
+                <a:endParaRPr/>
+              </a:p>
+              <a:p>
+                <a:pPr lvl="1"/>
+                <a:r>
+                  <a:t>Reasonable values </a:t>
+                </a:r>
+                <a14:m>
+                  <m:oMath xmlns:m="http://schemas.openxmlformats.org/officeDocument/2006/math">
+                    <m:sSup>
+                      <m:sSupPr>
+                        <m:ctrlPr>
+                          <a:rPr i="1">
+                            <a:latin typeface="Cambria Math" panose="02040503050406030204" pitchFamily="18" charset="0"/>
+                          </a:rPr>
+                        </m:ctrlPr>
+                      </m:sSupPr>
+                      <m:e>
+                        <m:r>
+                          <a:rPr>
+                            <a:latin typeface="Cambria Math" panose="02040503050406030204" pitchFamily="18" charset="0"/>
+                          </a:rPr>
+                          <m:t>𝑅</m:t>
+                        </m:r>
+                      </m:e>
+                      <m:sup>
+                        <m:r>
+                          <a:rPr>
+                            <a:latin typeface="Cambria Math" panose="02040503050406030204" pitchFamily="18" charset="0"/>
+                          </a:rPr>
+                          <m:t>2</m:t>
+                        </m:r>
+                      </m:sup>
+                    </m:sSup>
+                  </m:oMath>
+                </a14:m>
+                <a:r>
+                  <a:t>, RMSE, etc</a:t>
+                </a:r>
+              </a:p>
+              <a:p>
+                <a:pPr lvl="1"/>
+                <a:r>
+                  <a:t>Are the model coefficients all significant?</a:t>
+                </a:r>
+              </a:p>
+              <a:p>
+                <a:pPr lvl="0"/>
+                <a:r>
+                  <a:rPr b="1"/>
+                  <a:t>Different methods highlight different problems</a:t>
+                </a:r>
+                <a:r>
+                  <a:t> with your model</a:t>
+                </a:r>
+              </a:p>
+              <a:p>
+                <a:pPr lvl="0"/>
+                <a:r>
+                  <a:t>Don’t forget to check that the </a:t>
+                </a:r>
+                <a:r>
+                  <a:rPr b="1"/>
+                  <a:t>model must make sense</a:t>
+                </a:r>
+                <a:r>
+                  <a:t> for your application!</a:t>
+                </a:r>
+              </a:p>
+            </p:txBody>
+          </p:sp>
+        </mc:Choice>
+        <mc:Fallback xmlns="">
+          <p:sp>
+            <p:nvSpPr>
+              <p:cNvPr id="3" name="Content Placeholder 2"/>
+              <p:cNvSpPr>
+                <a:spLocks noGrp="1" noRot="1" noChangeAspect="1" noMove="1" noResize="1" noEditPoints="1" noAdjustHandles="1" noChangeArrowheads="1" noChangeShapeType="1" noTextEdit="1"/>
+              </p:cNvSpPr>
+              <p:nvPr>
+                <p:ph idx="1"/>
+              </p:nvPr>
+            </p:nvSpPr>
+            <p:spPr>
+              <a:blipFill>
+                <a:blip r:embed="rId2"/>
+                <a:stretch>
+                  <a:fillRect l="-963" t="-2334" b="-1257"/>
+                </a:stretch>
+              </a:blipFill>
+            </p:spPr>
+            <p:txBody>
+              <a:bodyPr/>
+              <a:lstStyle/>
+              <a:p>
+                <a:r>
+                  <a:rPr lang="en-US">
+                    <a:noFill/>
+                  </a:rPr>
+                  <a:t> </a:t>
+                </a:r>
+              </a:p>
+            </p:txBody>
+          </p:sp>
+        </mc:Fallback>
+      </mc:AlternateContent>
+    </p:spTree>
   </p:cSld>
   <p:clrMapOvr>
     <a:masterClrMapping/>
@@ -9583,8 +14522,8 @@
           </a:p>
         </p:txBody>
       </p:sp>
-      <mc:AlternateContent xmlns:mc="http://schemas.openxmlformats.org/markup-compatibility/2006">
-        <mc:Choice xmlns:a14="http://schemas.microsoft.com/office/drawing/2010/main" Requires="a14">
+      <mc:AlternateContent xmlns:mc="http://schemas.openxmlformats.org/markup-compatibility/2006" xmlns:a14="http://schemas.microsoft.com/office/drawing/2010/main">
+        <mc:Choice Requires="a14">
           <p:sp>
             <p:nvSpPr>
               <p:cNvPr id="3" name="Content Placeholder 2">
@@ -9681,7 +14620,7 @@
             </p:txBody>
           </p:sp>
         </mc:Choice>
-        <mc:Fallback>
+        <mc:Fallback xmlns="">
           <p:sp>
             <p:nvSpPr>
               <p:cNvPr id="3" name="Content Placeholder 2">
@@ -10021,8 +14960,8 @@
           </a:p>
         </p:txBody>
       </p:sp>
-      <mc:AlternateContent xmlns:mc="http://schemas.openxmlformats.org/markup-compatibility/2006">
-        <mc:Choice xmlns:a14="http://schemas.microsoft.com/office/drawing/2010/main" Requires="a14">
+      <mc:AlternateContent xmlns:mc="http://schemas.openxmlformats.org/markup-compatibility/2006" xmlns:a14="http://schemas.microsoft.com/office/drawing/2010/main">
+        <mc:Choice Requires="a14">
           <p:sp>
             <p:nvSpPr>
               <p:cNvPr id="3" name="Content Placeholder 2">
@@ -10345,7 +15284,13 @@
                                   <a:rPr lang="en-US" b="0" i="1" smtClean="0">
                                     <a:latin typeface="Cambria Math" panose="02040503050406030204" pitchFamily="18" charset="0"/>
                                   </a:rPr>
-                                  <m:t>=0</m:t>
+                                  <m:t>=</m:t>
+                                </m:r>
+                                <m:r>
+                                  <a:rPr lang="en-US" b="0" i="1" smtClean="0">
+                                    <a:latin typeface="Cambria Math" panose="02040503050406030204" pitchFamily="18" charset="0"/>
+                                  </a:rPr>
+                                  <m:t>0</m:t>
                                 </m:r>
                               </m:e>
                             </m:d>
@@ -10387,7 +15332,14 @@
                                     <a:latin typeface="Cambria Math" panose="02040503050406030204" pitchFamily="18" charset="0"/>
                                     <a:ea typeface="Cambria Math" panose="02040503050406030204" pitchFamily="18" charset="0"/>
                                   </a:rPr>
-                                  <m:t>1−</m:t>
+                                  <m:t>1</m:t>
+                                </m:r>
+                                <m:r>
+                                  <a:rPr lang="en-US" b="0" i="1" smtClean="0">
+                                    <a:latin typeface="Cambria Math" panose="02040503050406030204" pitchFamily="18" charset="0"/>
+                                    <a:ea typeface="Cambria Math" panose="02040503050406030204" pitchFamily="18" charset="0"/>
+                                  </a:rPr>
+                                  <m:t>−</m:t>
                                 </m:r>
                                 <m:r>
                                   <a:rPr lang="en-US" b="0" i="1" smtClean="0">
@@ -10442,7 +15394,13 @@
                                   <a:rPr lang="en-US" b="0" i="1" smtClean="0">
                                     <a:latin typeface="Cambria Math" panose="02040503050406030204" pitchFamily="18" charset="0"/>
                                   </a:rPr>
-                                  <m:t>0 | </m:t>
+                                  <m:t>0</m:t>
+                                </m:r>
+                                <m:r>
+                                  <a:rPr lang="en-US" b="0" i="1" smtClean="0">
+                                    <a:latin typeface="Cambria Math" panose="02040503050406030204" pitchFamily="18" charset="0"/>
+                                  </a:rPr>
+                                  <m:t> | </m:t>
                                 </m:r>
                                 <m:r>
                                   <a:rPr lang="en-US" i="1">
@@ -10538,7 +15496,14 @@
                                     <a:latin typeface="Cambria Math" panose="02040503050406030204" pitchFamily="18" charset="0"/>
                                     <a:ea typeface="Cambria Math" panose="02040503050406030204" pitchFamily="18" charset="0"/>
                                   </a:rPr>
-                                  <m:t>1−</m:t>
+                                  <m:t>1</m:t>
+                                </m:r>
+                                <m:r>
+                                  <a:rPr lang="en-US" i="1">
+                                    <a:latin typeface="Cambria Math" panose="02040503050406030204" pitchFamily="18" charset="0"/>
+                                    <a:ea typeface="Cambria Math" panose="02040503050406030204" pitchFamily="18" charset="0"/>
+                                  </a:rPr>
+                                  <m:t>−</m:t>
                                 </m:r>
                                 <m:r>
                                   <a:rPr lang="en-US" i="1">
@@ -10644,7 +15609,7 @@
             </p:txBody>
           </p:sp>
         </mc:Choice>
-        <mc:Fallback>
+        <mc:Fallback xmlns="">
           <p:sp>
             <p:nvSpPr>
               <p:cNvPr id="3" name="Content Placeholder 2">
@@ -10756,8 +15721,8 @@
           </a:p>
         </p:txBody>
       </p:sp>
-      <mc:AlternateContent xmlns:mc="http://schemas.openxmlformats.org/markup-compatibility/2006">
-        <mc:Choice xmlns:a14="http://schemas.microsoft.com/office/drawing/2010/main" Requires="a14">
+      <mc:AlternateContent xmlns:mc="http://schemas.openxmlformats.org/markup-compatibility/2006" xmlns:a14="http://schemas.microsoft.com/office/drawing/2010/main">
+        <mc:Choice Requires="a14">
           <p:sp>
             <p:nvSpPr>
               <p:cNvPr id="3" name="Content Placeholder 2">
@@ -10795,8 +15760,15 @@
                 </a:r>
                 <a:r>
                   <a:rPr lang="en-US" b="1" dirty="0"/>
-                  <a:t>, zero-inflated Poisson distribution </a:t>
-                </a:r>
+                  <a:t>, </a:t>
+                </a:r>
+                <a:r>
+                  <a:rPr lang="en-US" b="1" dirty="0">
+                    <a:hlinkClick r:id="rId2"/>
+                  </a:rPr>
+                  <a:t>zero-inflated Poisson distribution </a:t>
+                </a:r>
+                <a:endParaRPr lang="en-US" b="1" dirty="0"/>
               </a:p>
               <a:p>
                 <a:r>
@@ -11487,7 +16459,7 @@
             </p:txBody>
           </p:sp>
         </mc:Choice>
-        <mc:Fallback>
+        <mc:Fallback xmlns="">
           <p:sp>
             <p:nvSpPr>
               <p:cNvPr id="3" name="Content Placeholder 2">
@@ -11510,7 +16482,7 @@
                 <a:ext cx="8229600" cy="3621976"/>
               </a:xfrm>
               <a:blipFill>
-                <a:blip r:embed="rId2"/>
+                <a:blip r:embed="rId3"/>
                 <a:stretch>
                   <a:fillRect l="-963" t="-2189"/>
                 </a:stretch>

--- a/LectureSlides/10b_ModelsFor OutliersAndOverdispersion.pptx
+++ b/LectureSlides/10b_ModelsFor OutliersAndOverdispersion.pptx
@@ -5,7 +5,7 @@
     <p:sldMasterId id="2147483648" r:id="rId1"/>
   </p:sldMasterIdLst>
   <p:notesMasterIdLst>
-    <p:notesMasterId r:id="rId44"/>
+    <p:notesMasterId r:id="rId43"/>
   </p:notesMasterIdLst>
   <p:sldIdLst>
     <p:sldId id="337" r:id="rId2"/>
@@ -36,20 +36,19 @@
     <p:sldId id="321" r:id="rId27"/>
     <p:sldId id="364" r:id="rId28"/>
     <p:sldId id="365" r:id="rId29"/>
-    <p:sldId id="363" r:id="rId30"/>
-    <p:sldId id="323" r:id="rId31"/>
-    <p:sldId id="324" r:id="rId32"/>
-    <p:sldId id="326" r:id="rId33"/>
-    <p:sldId id="327" r:id="rId34"/>
-    <p:sldId id="328" r:id="rId35"/>
-    <p:sldId id="329" r:id="rId36"/>
-    <p:sldId id="330" r:id="rId37"/>
-    <p:sldId id="331" r:id="rId38"/>
-    <p:sldId id="332" r:id="rId39"/>
-    <p:sldId id="333" r:id="rId40"/>
-    <p:sldId id="334" r:id="rId41"/>
-    <p:sldId id="335" r:id="rId42"/>
-    <p:sldId id="336" r:id="rId43"/>
+    <p:sldId id="323" r:id="rId30"/>
+    <p:sldId id="324" r:id="rId31"/>
+    <p:sldId id="326" r:id="rId32"/>
+    <p:sldId id="327" r:id="rId33"/>
+    <p:sldId id="328" r:id="rId34"/>
+    <p:sldId id="329" r:id="rId35"/>
+    <p:sldId id="330" r:id="rId36"/>
+    <p:sldId id="331" r:id="rId37"/>
+    <p:sldId id="332" r:id="rId38"/>
+    <p:sldId id="333" r:id="rId39"/>
+    <p:sldId id="334" r:id="rId40"/>
+    <p:sldId id="335" r:id="rId41"/>
+    <p:sldId id="336" r:id="rId42"/>
   </p:sldIdLst>
   <p:sldSz cx="9144000" cy="5143500" type="screen16x9"/>
   <p:notesSz cx="6858000" cy="9144000"/>
@@ -249,7 +248,7 @@
           <a:p>
             <a:fld id="{B45A0028-71D2-4800-AD8E-38BD1BCDF688}" type="datetimeFigureOut">
               <a:rPr lang="en-US" smtClean="0"/>
-              <a:t>10/12/2024</a:t>
+              <a:t>10/19/2024</a:t>
             </a:fld>
             <a:endParaRPr lang="en-US"/>
           </a:p>
@@ -695,7 +694,7 @@
           <a:p>
             <a:fld id="{241EB5C9-1307-BA42-ABA2-0BC069CD8E7F}" type="datetimeFigureOut">
               <a:rPr lang="en-US" smtClean="0"/>
-              <a:t>10/12/2024</a:t>
+              <a:t>10/19/2024</a:t>
             </a:fld>
             <a:endParaRPr lang="en-US"/>
           </a:p>
@@ -863,7 +862,7 @@
           <a:p>
             <a:fld id="{241EB5C9-1307-BA42-ABA2-0BC069CD8E7F}" type="datetimeFigureOut">
               <a:rPr lang="en-US" smtClean="0"/>
-              <a:t>10/12/2024</a:t>
+              <a:t>10/19/2024</a:t>
             </a:fld>
             <a:endParaRPr lang="en-US"/>
           </a:p>
@@ -1041,7 +1040,7 @@
           <a:p>
             <a:fld id="{241EB5C9-1307-BA42-ABA2-0BC069CD8E7F}" type="datetimeFigureOut">
               <a:rPr lang="en-US" smtClean="0"/>
-              <a:t>10/12/2024</a:t>
+              <a:t>10/19/2024</a:t>
             </a:fld>
             <a:endParaRPr lang="en-US"/>
           </a:p>
@@ -1209,7 +1208,7 @@
           <a:p>
             <a:fld id="{241EB5C9-1307-BA42-ABA2-0BC069CD8E7F}" type="datetimeFigureOut">
               <a:rPr lang="en-US" smtClean="0"/>
-              <a:t>10/12/2024</a:t>
+              <a:t>10/19/2024</a:t>
             </a:fld>
             <a:endParaRPr lang="en-US"/>
           </a:p>
@@ -1454,7 +1453,7 @@
           <a:p>
             <a:fld id="{241EB5C9-1307-BA42-ABA2-0BC069CD8E7F}" type="datetimeFigureOut">
               <a:rPr lang="en-US" smtClean="0"/>
-              <a:t>10/12/2024</a:t>
+              <a:t>10/19/2024</a:t>
             </a:fld>
             <a:endParaRPr lang="en-US"/>
           </a:p>
@@ -1739,7 +1738,7 @@
           <a:p>
             <a:fld id="{241EB5C9-1307-BA42-ABA2-0BC069CD8E7F}" type="datetimeFigureOut">
               <a:rPr lang="en-US" smtClean="0"/>
-              <a:t>10/12/2024</a:t>
+              <a:t>10/19/2024</a:t>
             </a:fld>
             <a:endParaRPr lang="en-US"/>
           </a:p>
@@ -2158,7 +2157,7 @@
           <a:p>
             <a:fld id="{241EB5C9-1307-BA42-ABA2-0BC069CD8E7F}" type="datetimeFigureOut">
               <a:rPr lang="en-US" smtClean="0"/>
-              <a:t>10/12/2024</a:t>
+              <a:t>10/19/2024</a:t>
             </a:fld>
             <a:endParaRPr lang="en-US"/>
           </a:p>
@@ -2275,7 +2274,7 @@
           <a:p>
             <a:fld id="{241EB5C9-1307-BA42-ABA2-0BC069CD8E7F}" type="datetimeFigureOut">
               <a:rPr lang="en-US" smtClean="0"/>
-              <a:t>10/12/2024</a:t>
+              <a:t>10/19/2024</a:t>
             </a:fld>
             <a:endParaRPr lang="en-US"/>
           </a:p>
@@ -2370,7 +2369,7 @@
           <a:p>
             <a:fld id="{241EB5C9-1307-BA42-ABA2-0BC069CD8E7F}" type="datetimeFigureOut">
               <a:rPr lang="en-US" smtClean="0"/>
-              <a:t>10/12/2024</a:t>
+              <a:t>10/19/2024</a:t>
             </a:fld>
             <a:endParaRPr lang="en-US"/>
           </a:p>
@@ -2645,7 +2644,7 @@
           <a:p>
             <a:fld id="{241EB5C9-1307-BA42-ABA2-0BC069CD8E7F}" type="datetimeFigureOut">
               <a:rPr lang="en-US" smtClean="0"/>
-              <a:t>10/12/2024</a:t>
+              <a:t>10/19/2024</a:t>
             </a:fld>
             <a:endParaRPr lang="en-US"/>
           </a:p>
@@ -2897,7 +2896,7 @@
           <a:p>
             <a:fld id="{241EB5C9-1307-BA42-ABA2-0BC069CD8E7F}" type="datetimeFigureOut">
               <a:rPr lang="en-US" smtClean="0"/>
-              <a:t>10/12/2024</a:t>
+              <a:t>10/19/2024</a:t>
             </a:fld>
             <a:endParaRPr lang="en-US"/>
           </a:p>
@@ -3108,7 +3107,7 @@
           <a:p>
             <a:fld id="{241EB5C9-1307-BA42-ABA2-0BC069CD8E7F}" type="datetimeFigureOut">
               <a:rPr lang="en-US" smtClean="0"/>
-              <a:t>10/12/2024</a:t>
+              <a:t>10/19/2024</a:t>
             </a:fld>
             <a:endParaRPr lang="en-US"/>
           </a:p>
@@ -4359,8 +4358,8 @@
           </a:p>
         </p:txBody>
       </p:sp>
-      <mc:AlternateContent xmlns:mc="http://schemas.openxmlformats.org/markup-compatibility/2006">
-        <mc:Choice xmlns:a14="http://schemas.microsoft.com/office/drawing/2010/main" Requires="a14">
+      <mc:AlternateContent xmlns:mc="http://schemas.openxmlformats.org/markup-compatibility/2006" xmlns:a14="http://schemas.microsoft.com/office/drawing/2010/main">
+        <mc:Choice Requires="a14">
           <p:sp>
             <p:nvSpPr>
               <p:cNvPr id="3" name="Content Placeholder 2">
@@ -4517,7 +4516,7 @@
             </p:txBody>
           </p:sp>
         </mc:Choice>
-        <mc:Fallback>
+        <mc:Fallback xmlns="">
           <p:sp>
             <p:nvSpPr>
               <p:cNvPr id="3" name="Content Placeholder 2">
@@ -4987,8 +4986,8 @@
           </a:p>
         </p:txBody>
       </p:sp>
-      <mc:AlternateContent xmlns:mc="http://schemas.openxmlformats.org/markup-compatibility/2006">
-        <mc:Choice xmlns:a14="http://schemas.microsoft.com/office/drawing/2010/main" Requires="a14">
+      <mc:AlternateContent xmlns:mc="http://schemas.openxmlformats.org/markup-compatibility/2006" xmlns:a14="http://schemas.microsoft.com/office/drawing/2010/main">
+        <mc:Choice Requires="a14">
           <p:sp>
             <p:nvSpPr>
               <p:cNvPr id="3" name="Content Placeholder 2">
@@ -5546,7 +5545,7 @@
             </p:txBody>
           </p:sp>
         </mc:Choice>
-        <mc:Fallback>
+        <mc:Fallback xmlns="">
           <p:sp>
             <p:nvSpPr>
               <p:cNvPr id="3" name="Content Placeholder 2">
@@ -5816,8 +5815,8 @@
           </a:p>
         </p:txBody>
       </p:sp>
-      <mc:AlternateContent xmlns:mc="http://schemas.openxmlformats.org/markup-compatibility/2006">
-        <mc:Choice xmlns:a14="http://schemas.microsoft.com/office/drawing/2010/main" Requires="a14">
+      <mc:AlternateContent xmlns:mc="http://schemas.openxmlformats.org/markup-compatibility/2006" xmlns:a14="http://schemas.microsoft.com/office/drawing/2010/main">
+        <mc:Choice Requires="a14">
           <p:sp>
             <p:nvSpPr>
               <p:cNvPr id="3" name="Content Placeholder 2">
@@ -6025,7 +6024,13 @@
                                   <a:rPr lang="en-US" b="0" i="1" smtClean="0">
                                     <a:latin typeface="Cambria Math" panose="02040503050406030204" pitchFamily="18" charset="0"/>
                                   </a:rPr>
-                                  <m:t>−1</m:t>
+                                  <m:t>−</m:t>
+                                </m:r>
+                                <m:r>
+                                  <a:rPr lang="en-US" b="0" i="1" smtClean="0">
+                                    <a:latin typeface="Cambria Math" panose="02040503050406030204" pitchFamily="18" charset="0"/>
+                                  </a:rPr>
+                                  <m:t>1</m:t>
                                 </m:r>
                               </m:e>
                             </m:mr>
@@ -6041,7 +6046,13 @@
                                   <a:rPr lang="en-US" b="0" i="1" smtClean="0">
                                     <a:latin typeface="Cambria Math" panose="02040503050406030204" pitchFamily="18" charset="0"/>
                                   </a:rPr>
-                                  <m:t>−1</m:t>
+                                  <m:t>−</m:t>
+                                </m:r>
+                                <m:r>
+                                  <a:rPr lang="en-US" b="0" i="1" smtClean="0">
+                                    <a:latin typeface="Cambria Math" panose="02040503050406030204" pitchFamily="18" charset="0"/>
+                                  </a:rPr>
+                                  <m:t>1</m:t>
                                 </m:r>
                               </m:e>
                             </m:mr>
@@ -6095,7 +6106,13 @@
                                 <a:rPr lang="en-US" b="0" i="1" smtClean="0">
                                   <a:latin typeface="Cambria Math" panose="02040503050406030204" pitchFamily="18" charset="0"/>
                                 </a:rPr>
-                                <m:t>1−</m:t>
+                                <m:t>1</m:t>
+                              </m:r>
+                              <m:r>
+                                <a:rPr lang="en-US" b="0" i="1" smtClean="0">
+                                  <a:latin typeface="Cambria Math" panose="02040503050406030204" pitchFamily="18" charset="0"/>
+                                </a:rPr>
+                                <m:t>−</m:t>
                               </m:r>
                               <m:r>
                                 <a:rPr lang="en-US" b="0" i="1" smtClean="0">
@@ -6359,7 +6376,7 @@
             </p:txBody>
           </p:sp>
         </mc:Choice>
-        <mc:Fallback>
+        <mc:Fallback xmlns="">
           <p:sp>
             <p:nvSpPr>
               <p:cNvPr id="3" name="Content Placeholder 2">
@@ -6471,8 +6488,8 @@
           </a:p>
         </p:txBody>
       </p:sp>
-      <mc:AlternateContent xmlns:mc="http://schemas.openxmlformats.org/markup-compatibility/2006">
-        <mc:Choice xmlns:a14="http://schemas.microsoft.com/office/drawing/2010/main" Requires="a14">
+      <mc:AlternateContent xmlns:mc="http://schemas.openxmlformats.org/markup-compatibility/2006" xmlns:a14="http://schemas.microsoft.com/office/drawing/2010/main">
+        <mc:Choice Requires="a14">
           <p:sp>
             <p:nvSpPr>
               <p:cNvPr id="3" name="Content Placeholder 2">
@@ -7142,7 +7159,7 @@
             </p:txBody>
           </p:sp>
         </mc:Choice>
-        <mc:Fallback>
+        <mc:Fallback xmlns="">
           <p:sp>
             <p:nvSpPr>
               <p:cNvPr id="3" name="Content Placeholder 2">
@@ -7449,8 +7466,8 @@
           </a:p>
         </p:txBody>
       </p:sp>
-      <mc:AlternateContent xmlns:mc="http://schemas.openxmlformats.org/markup-compatibility/2006">
-        <mc:Choice xmlns:a14="http://schemas.microsoft.com/office/drawing/2010/main" Requires="a14">
+      <mc:AlternateContent xmlns:mc="http://schemas.openxmlformats.org/markup-compatibility/2006" xmlns:a14="http://schemas.microsoft.com/office/drawing/2010/main">
+        <mc:Choice Requires="a14">
           <p:sp>
             <p:nvSpPr>
               <p:cNvPr id="3" name="Content Placeholder 2">
@@ -8021,14 +8038,7 @@
                         <a:latin typeface="Cambria Math" panose="02040503050406030204" pitchFamily="18" charset="0"/>
                         <a:ea typeface="Cambria Math" panose="02040503050406030204" pitchFamily="18" charset="0"/>
                       </a:rPr>
-                      <m:t>=</m:t>
-                    </m:r>
-                    <m:r>
-                      <a:rPr lang="en-US" b="0" i="0" smtClean="0">
-                        <a:latin typeface="Cambria Math" panose="02040503050406030204" pitchFamily="18" charset="0"/>
-                        <a:ea typeface="Cambria Math" panose="02040503050406030204" pitchFamily="18" charset="0"/>
-                      </a:rPr>
-                      <m:t>0</m:t>
+                      <m:t>=0</m:t>
                     </m:r>
                   </m:oMath>
                 </a14:m>
@@ -8047,7 +8057,7 @@
             </p:txBody>
           </p:sp>
         </mc:Choice>
-        <mc:Fallback>
+        <mc:Fallback xmlns="">
           <p:sp>
             <p:nvSpPr>
               <p:cNvPr id="3" name="Content Placeholder 2">
@@ -8319,8 +8329,8 @@
           </a:p>
         </p:txBody>
       </p:sp>
-      <mc:AlternateContent xmlns:mc="http://schemas.openxmlformats.org/markup-compatibility/2006">
-        <mc:Choice xmlns:a14="http://schemas.microsoft.com/office/drawing/2010/main" Requires="a14">
+      <mc:AlternateContent xmlns:mc="http://schemas.openxmlformats.org/markup-compatibility/2006" xmlns:a14="http://schemas.microsoft.com/office/drawing/2010/main">
+        <mc:Choice Requires="a14">
           <p:sp>
             <p:nvSpPr>
               <p:cNvPr id="3" name="Content Placeholder 2">
@@ -8862,7 +8872,7 @@
             </p:txBody>
           </p:sp>
         </mc:Choice>
-        <mc:Fallback>
+        <mc:Fallback xmlns="">
           <p:sp>
             <p:nvSpPr>
               <p:cNvPr id="3" name="Content Placeholder 2">
@@ -10446,8 +10456,8 @@
           </a:p>
         </p:txBody>
       </p:sp>
-      <mc:AlternateContent xmlns:mc="http://schemas.openxmlformats.org/markup-compatibility/2006">
-        <mc:Choice xmlns:a14="http://schemas.microsoft.com/office/drawing/2010/main" Requires="a14">
+      <mc:AlternateContent xmlns:mc="http://schemas.openxmlformats.org/markup-compatibility/2006" xmlns:a14="http://schemas.microsoft.com/office/drawing/2010/main">
+        <mc:Choice Requires="a14">
           <p:sp>
             <p:nvSpPr>
               <p:cNvPr id="4" name="Text Placeholder 3">
@@ -10588,7 +10598,7 @@
             </p:txBody>
           </p:sp>
         </mc:Choice>
-        <mc:Fallback>
+        <mc:Fallback xmlns="">
           <p:sp>
             <p:nvSpPr>
               <p:cNvPr id="4" name="Text Placeholder 3">
@@ -10845,407 +10855,6 @@
   <p:cSld>
     <p:spTree>
       <p:nvGrpSpPr>
-        <p:cNvPr id="1" name="">
-          <a:extLst>
-            <a:ext uri="{FF2B5EF4-FFF2-40B4-BE49-F238E27FC236}">
-              <a16:creationId xmlns:a16="http://schemas.microsoft.com/office/drawing/2014/main" id="{C7BA57E5-E9F7-8861-8A2A-655AFF5AC2A0}"/>
-            </a:ext>
-          </a:extLst>
-        </p:cNvPr>
-        <p:cNvGrpSpPr/>
-        <p:nvPr/>
-      </p:nvGrpSpPr>
-      <p:grpSpPr>
-        <a:xfrm>
-          <a:off x="0" y="0"/>
-          <a:ext cx="0" cy="0"/>
-          <a:chOff x="0" y="0"/>
-          <a:chExt cx="0" cy="0"/>
-        </a:xfrm>
-      </p:grpSpPr>
-      <p:sp>
-        <p:nvSpPr>
-          <p:cNvPr id="2" name="Title 1">
-            <a:extLst>
-              <a:ext uri="{FF2B5EF4-FFF2-40B4-BE49-F238E27FC236}">
-                <a16:creationId xmlns:a16="http://schemas.microsoft.com/office/drawing/2014/main" id="{CCFFFC98-40C8-5C89-16B2-244DB4617AAA}"/>
-              </a:ext>
-            </a:extLst>
-          </p:cNvPr>
-          <p:cNvSpPr>
-            <a:spLocks noGrp="1"/>
-          </p:cNvSpPr>
-          <p:nvPr>
-            <p:ph type="title"/>
-          </p:nvPr>
-        </p:nvSpPr>
-        <p:spPr>
-          <a:xfrm>
-            <a:off x="457201" y="204787"/>
-            <a:ext cx="8195055" cy="660845"/>
-          </a:xfrm>
-        </p:spPr>
-        <p:txBody>
-          <a:bodyPr>
-            <a:normAutofit/>
-          </a:bodyPr>
-          <a:lstStyle/>
-          <a:p>
-            <a:pPr marL="0" lvl="0" indent="0" algn="ctr">
-              <a:buNone/>
-            </a:pPr>
-            <a:r>
-              <a:rPr sz="3200" dirty="0"/>
-              <a:t>Dealing With Outliers</a:t>
-            </a:r>
-          </a:p>
-        </p:txBody>
-      </p:sp>
-      <p:sp>
-        <p:nvSpPr>
-          <p:cNvPr id="4" name="Text Placeholder 3">
-            <a:extLst>
-              <a:ext uri="{FF2B5EF4-FFF2-40B4-BE49-F238E27FC236}">
-                <a16:creationId xmlns:a16="http://schemas.microsoft.com/office/drawing/2014/main" id="{4B5E7846-251A-C63B-C80E-875E12536120}"/>
-              </a:ext>
-            </a:extLst>
-          </p:cNvPr>
-          <p:cNvSpPr>
-            <a:spLocks noGrp="1"/>
-          </p:cNvSpPr>
-          <p:nvPr>
-            <p:ph type="body" sz="half" idx="2"/>
-          </p:nvPr>
-        </p:nvSpPr>
-        <p:spPr>
-          <a:xfrm>
-            <a:off x="457201" y="1076326"/>
-            <a:ext cx="4561839" cy="3518297"/>
-          </a:xfrm>
-        </p:spPr>
-        <p:txBody>
-          <a:bodyPr>
-            <a:normAutofit/>
-          </a:bodyPr>
-          <a:lstStyle/>
-          <a:p>
-            <a:pPr marL="0" lvl="0" indent="0">
-              <a:buNone/>
-            </a:pPr>
-            <a:r>
-              <a:rPr sz="1800" dirty="0"/>
-              <a:t>Example: </a:t>
-            </a:r>
-            <a:r>
-              <a:rPr lang="en-US" sz="1800" dirty="0"/>
-              <a:t>OLS regression with and without a single outlier</a:t>
-            </a:r>
-          </a:p>
-          <a:p>
-            <a:pPr marL="285750" lvl="0" indent="-285750">
-              <a:buFont typeface="Arial" panose="020B0604020202020204" pitchFamily="34" charset="0"/>
-              <a:buChar char="•"/>
-            </a:pPr>
-            <a:r>
-              <a:rPr lang="en-US" sz="1800" dirty="0"/>
-              <a:t>Regression without the outlier represents the </a:t>
-            </a:r>
-          </a:p>
-          <a:p>
-            <a:pPr marL="285750" lvl="0" indent="-285750">
-              <a:buFont typeface="Arial" panose="020B0604020202020204" pitchFamily="34" charset="0"/>
-              <a:buChar char="•"/>
-            </a:pPr>
-            <a:r>
-              <a:rPr sz="1800" dirty="0"/>
-              <a:t>Add a single outlier regression data set</a:t>
-            </a:r>
-          </a:p>
-          <a:p>
-            <a:pPr lvl="0" indent="0">
-              <a:buNone/>
-            </a:pPr>
-            <a:r>
-              <a:rPr sz="1800" dirty="0">
-                <a:latin typeface="Courier"/>
-              </a:rPr>
-              <a:t>## Intercept = 5.098  Partial Slope = 0.365</a:t>
-            </a:r>
-          </a:p>
-        </p:txBody>
-      </p:sp>
-      <p:pic>
-        <p:nvPicPr>
-          <p:cNvPr id="6" name="Picture 5">
-            <a:extLst>
-              <a:ext uri="{FF2B5EF4-FFF2-40B4-BE49-F238E27FC236}">
-                <a16:creationId xmlns:a16="http://schemas.microsoft.com/office/drawing/2014/main" id="{3AB32C25-C62E-685D-FB94-241AF195279E}"/>
-              </a:ext>
-            </a:extLst>
-          </p:cNvPr>
-          <p:cNvPicPr>
-            <a:picLocks noChangeAspect="1"/>
-          </p:cNvPicPr>
-          <p:nvPr/>
-        </p:nvPicPr>
-        <p:blipFill>
-          <a:blip r:embed="rId2"/>
-          <a:stretch>
-            <a:fillRect/>
-          </a:stretch>
-        </p:blipFill>
-        <p:spPr>
-          <a:xfrm>
-            <a:off x="5019040" y="843534"/>
-            <a:ext cx="4124960" cy="4153662"/>
-          </a:xfrm>
-          <a:prstGeom prst="rect">
-            <a:avLst/>
-          </a:prstGeom>
-        </p:spPr>
-      </p:pic>
-      <p:cxnSp>
-        <p:nvCxnSpPr>
-          <p:cNvPr id="3" name="Straight Arrow Connector 2">
-            <a:extLst>
-              <a:ext uri="{FF2B5EF4-FFF2-40B4-BE49-F238E27FC236}">
-                <a16:creationId xmlns:a16="http://schemas.microsoft.com/office/drawing/2014/main" id="{3846F4AD-68B3-A3D9-23D3-F83EA904BD0C}"/>
-              </a:ext>
-            </a:extLst>
-          </p:cNvPr>
-          <p:cNvCxnSpPr>
-            <a:cxnSpLocks/>
-          </p:cNvCxnSpPr>
-          <p:nvPr/>
-        </p:nvCxnSpPr>
-        <p:spPr>
-          <a:xfrm flipH="1">
-            <a:off x="4170156" y="2048256"/>
-            <a:ext cx="629428" cy="2285918"/>
-          </a:xfrm>
-          <a:prstGeom prst="straightConnector1">
-            <a:avLst/>
-          </a:prstGeom>
-          <a:ln w="38100">
-            <a:solidFill>
-              <a:srgbClr val="C00000"/>
-            </a:solidFill>
-            <a:tailEnd type="triangle"/>
-          </a:ln>
-        </p:spPr>
-        <p:style>
-          <a:lnRef idx="2">
-            <a:schemeClr val="accent1"/>
-          </a:lnRef>
-          <a:fillRef idx="0">
-            <a:schemeClr val="accent1"/>
-          </a:fillRef>
-          <a:effectRef idx="1">
-            <a:schemeClr val="accent1"/>
-          </a:effectRef>
-          <a:fontRef idx="minor">
-            <a:schemeClr val="tx1"/>
-          </a:fontRef>
-        </p:style>
-      </p:cxnSp>
-    </p:spTree>
-    <p:extLst>
-      <p:ext uri="{BB962C8B-B14F-4D97-AF65-F5344CB8AC3E}">
-        <p14:creationId xmlns:p14="http://schemas.microsoft.com/office/powerpoint/2010/main" val="1335314117"/>
-      </p:ext>
-    </p:extLst>
-  </p:cSld>
-  <p:clrMapOvr>
-    <a:masterClrMapping/>
-  </p:clrMapOvr>
-</p:sld>
-</file>
-
-<file path=ppt/slides/slide3.xml><?xml version="1.0" encoding="utf-8"?>
-<p:sld xmlns:a="http://schemas.openxmlformats.org/drawingml/2006/main" xmlns:r="http://schemas.openxmlformats.org/officeDocument/2006/relationships" xmlns:p="http://schemas.openxmlformats.org/presentationml/2006/main">
-  <p:cSld>
-    <p:spTree>
-      <p:nvGrpSpPr>
-        <p:cNvPr id="1" name="">
-          <a:extLst>
-            <a:ext uri="{FF2B5EF4-FFF2-40B4-BE49-F238E27FC236}">
-              <a16:creationId xmlns:a16="http://schemas.microsoft.com/office/drawing/2014/main" id="{217CC54D-A93E-7DF0-F2EC-6036421943BA}"/>
-            </a:ext>
-          </a:extLst>
-        </p:cNvPr>
-        <p:cNvGrpSpPr/>
-        <p:nvPr/>
-      </p:nvGrpSpPr>
-      <p:grpSpPr>
-        <a:xfrm>
-          <a:off x="0" y="0"/>
-          <a:ext cx="0" cy="0"/>
-          <a:chOff x="0" y="0"/>
-          <a:chExt cx="0" cy="0"/>
-        </a:xfrm>
-      </p:grpSpPr>
-      <p:sp>
-        <p:nvSpPr>
-          <p:cNvPr id="2" name="Title 1">
-            <a:extLst>
-              <a:ext uri="{FF2B5EF4-FFF2-40B4-BE49-F238E27FC236}">
-                <a16:creationId xmlns:a16="http://schemas.microsoft.com/office/drawing/2014/main" id="{3B05EEC6-D606-BDA0-212E-8D3ADDACF228}"/>
-              </a:ext>
-            </a:extLst>
-          </p:cNvPr>
-          <p:cNvSpPr>
-            <a:spLocks noGrp="1"/>
-          </p:cNvSpPr>
-          <p:nvPr>
-            <p:ph type="title"/>
-          </p:nvPr>
-        </p:nvSpPr>
-        <p:spPr/>
-        <p:txBody>
-          <a:bodyPr/>
-          <a:lstStyle/>
-          <a:p>
-            <a:pPr marL="0" lvl="0" indent="0">
-              <a:buNone/>
-            </a:pPr>
-            <a:r>
-              <a:rPr lang="en-US" dirty="0"/>
-              <a:t>Introduction</a:t>
-            </a:r>
-            <a:endParaRPr dirty="0"/>
-          </a:p>
-        </p:txBody>
-      </p:sp>
-      <p:sp>
-        <p:nvSpPr>
-          <p:cNvPr id="3" name="Content Placeholder 2">
-            <a:extLst>
-              <a:ext uri="{FF2B5EF4-FFF2-40B4-BE49-F238E27FC236}">
-                <a16:creationId xmlns:a16="http://schemas.microsoft.com/office/drawing/2014/main" id="{07854A8C-8365-5A51-A4BD-48F8386E8528}"/>
-              </a:ext>
-            </a:extLst>
-          </p:cNvPr>
-          <p:cNvSpPr>
-            <a:spLocks noGrp="1"/>
-          </p:cNvSpPr>
-          <p:nvPr>
-            <p:ph idx="1"/>
-          </p:nvPr>
-        </p:nvSpPr>
-        <p:spPr/>
-        <p:txBody>
-          <a:bodyPr>
-            <a:normAutofit fontScale="85000" lnSpcReduction="20000"/>
-          </a:bodyPr>
-          <a:lstStyle/>
-          <a:p>
-            <a:pPr marL="0" lvl="0" indent="0">
-              <a:buNone/>
-            </a:pPr>
-            <a:r>
-              <a:rPr lang="en-US" dirty="0"/>
-              <a:t>Several commonly encountered data problems create problems for OLS and GLM models</a:t>
-            </a:r>
-            <a:endParaRPr dirty="0"/>
-          </a:p>
-          <a:p>
-            <a:pPr lvl="0"/>
-            <a:r>
-              <a:rPr lang="en-US" b="1" dirty="0"/>
-              <a:t>Zero inflated response variables </a:t>
-            </a:r>
-            <a:r>
-              <a:rPr lang="en-US" dirty="0"/>
-              <a:t>have an unusual number of zero values   </a:t>
-            </a:r>
-          </a:p>
-          <a:p>
-            <a:pPr lvl="1"/>
-            <a:r>
-              <a:rPr lang="en-US" dirty="0"/>
-              <a:t>Use a </a:t>
-            </a:r>
-            <a:r>
-              <a:rPr lang="en-US" b="1" dirty="0"/>
-              <a:t>mixture model </a:t>
-            </a:r>
-            <a:r>
-              <a:rPr lang="en-US" dirty="0"/>
-              <a:t>to switch between a binomial and another distribution</a:t>
-            </a:r>
-          </a:p>
-          <a:p>
-            <a:pPr lvl="0"/>
-            <a:r>
-              <a:rPr lang="en-US" b="1" dirty="0"/>
-              <a:t>Over-dispersed response variables </a:t>
-            </a:r>
-            <a:r>
-              <a:rPr lang="en-US" dirty="0"/>
-              <a:t>have a long (typically right) tail </a:t>
-            </a:r>
-          </a:p>
-          <a:p>
-            <a:pPr lvl="1"/>
-            <a:r>
-              <a:rPr lang="en-US" dirty="0"/>
-              <a:t>Apply models with distributions and mixtures that account for large low probability responses </a:t>
-            </a:r>
-          </a:p>
-          <a:p>
-            <a:pPr lvl="0"/>
-            <a:r>
-              <a:rPr lang="en-US" b="1" dirty="0"/>
-              <a:t>Outliers in independent variables </a:t>
-            </a:r>
-            <a:r>
-              <a:rPr lang="en-US" dirty="0"/>
-              <a:t>have an undue influence on OLS and GLM models </a:t>
-            </a:r>
-          </a:p>
-          <a:p>
-            <a:pPr lvl="1"/>
-            <a:r>
-              <a:rPr lang="en-US" dirty="0"/>
-              <a:t>Robust regression models </a:t>
-            </a:r>
-            <a:r>
-              <a:rPr lang="en-US" b="1" dirty="0"/>
-              <a:t>limit the influence of outliers </a:t>
-            </a:r>
-            <a:r>
-              <a:rPr lang="en-US" dirty="0"/>
-              <a:t>on the response </a:t>
-            </a:r>
-          </a:p>
-          <a:p>
-            <a:pPr lvl="0"/>
-            <a:r>
-              <a:rPr lang="en-US" dirty="0"/>
-              <a:t>We can extend the OLS and GLM frameworks to deal with these situations  </a:t>
-            </a:r>
-            <a:endParaRPr dirty="0"/>
-          </a:p>
-        </p:txBody>
-      </p:sp>
-    </p:spTree>
-    <p:extLst>
-      <p:ext uri="{BB962C8B-B14F-4D97-AF65-F5344CB8AC3E}">
-        <p14:creationId xmlns:p14="http://schemas.microsoft.com/office/powerpoint/2010/main" val="487459844"/>
-      </p:ext>
-    </p:extLst>
-  </p:cSld>
-  <p:clrMapOvr>
-    <a:masterClrMapping/>
-  </p:clrMapOvr>
-</p:sld>
-</file>
-
-<file path=ppt/slides/slide30.xml><?xml version="1.0" encoding="utf-8"?>
-<p:sld xmlns:a="http://schemas.openxmlformats.org/drawingml/2006/main" xmlns:r="http://schemas.openxmlformats.org/officeDocument/2006/relationships" xmlns:p="http://schemas.openxmlformats.org/presentationml/2006/main">
-  <p:cSld>
-    <p:spTree>
-      <p:nvGrpSpPr>
         <p:cNvPr id="1" name=""/>
         <p:cNvGrpSpPr/>
         <p:nvPr/>
@@ -11291,8 +10900,8 @@
           </a:p>
         </p:txBody>
       </p:sp>
-      <mc:AlternateContent xmlns:mc="http://schemas.openxmlformats.org/markup-compatibility/2006">
-        <mc:Choice xmlns:a14="http://schemas.microsoft.com/office/drawing/2010/main" Requires="a14">
+      <mc:AlternateContent xmlns:mc="http://schemas.openxmlformats.org/markup-compatibility/2006" xmlns:a14="http://schemas.microsoft.com/office/drawing/2010/main">
+        <mc:Choice Requires="a14">
           <p:sp>
             <p:nvSpPr>
               <p:cNvPr id="3" name="Content Placeholder 2"/>
@@ -11904,7 +11513,7 @@
             </p:txBody>
           </p:sp>
         </mc:Choice>
-        <mc:Fallback>
+        <mc:Fallback xmlns="">
           <p:sp>
             <p:nvSpPr>
               <p:cNvPr id="3" name="Content Placeholder 2"/>
@@ -11950,7 +11559,187 @@
 </p:sld>
 </file>
 
-<file path=ppt/slides/slide31.xml><?xml version="1.0" encoding="utf-8"?>
+<file path=ppt/slides/slide3.xml><?xml version="1.0" encoding="utf-8"?>
+<p:sld xmlns:a="http://schemas.openxmlformats.org/drawingml/2006/main" xmlns:r="http://schemas.openxmlformats.org/officeDocument/2006/relationships" xmlns:p="http://schemas.openxmlformats.org/presentationml/2006/main">
+  <p:cSld>
+    <p:spTree>
+      <p:nvGrpSpPr>
+        <p:cNvPr id="1" name="">
+          <a:extLst>
+            <a:ext uri="{FF2B5EF4-FFF2-40B4-BE49-F238E27FC236}">
+              <a16:creationId xmlns:a16="http://schemas.microsoft.com/office/drawing/2014/main" id="{217CC54D-A93E-7DF0-F2EC-6036421943BA}"/>
+            </a:ext>
+          </a:extLst>
+        </p:cNvPr>
+        <p:cNvGrpSpPr/>
+        <p:nvPr/>
+      </p:nvGrpSpPr>
+      <p:grpSpPr>
+        <a:xfrm>
+          <a:off x="0" y="0"/>
+          <a:ext cx="0" cy="0"/>
+          <a:chOff x="0" y="0"/>
+          <a:chExt cx="0" cy="0"/>
+        </a:xfrm>
+      </p:grpSpPr>
+      <p:sp>
+        <p:nvSpPr>
+          <p:cNvPr id="2" name="Title 1">
+            <a:extLst>
+              <a:ext uri="{FF2B5EF4-FFF2-40B4-BE49-F238E27FC236}">
+                <a16:creationId xmlns:a16="http://schemas.microsoft.com/office/drawing/2014/main" id="{3B05EEC6-D606-BDA0-212E-8D3ADDACF228}"/>
+              </a:ext>
+            </a:extLst>
+          </p:cNvPr>
+          <p:cNvSpPr>
+            <a:spLocks noGrp="1"/>
+          </p:cNvSpPr>
+          <p:nvPr>
+            <p:ph type="title"/>
+          </p:nvPr>
+        </p:nvSpPr>
+        <p:spPr/>
+        <p:txBody>
+          <a:bodyPr/>
+          <a:lstStyle/>
+          <a:p>
+            <a:pPr marL="0" lvl="0" indent="0">
+              <a:buNone/>
+            </a:pPr>
+            <a:r>
+              <a:rPr lang="en-US" dirty="0"/>
+              <a:t>Introduction</a:t>
+            </a:r>
+            <a:endParaRPr dirty="0"/>
+          </a:p>
+        </p:txBody>
+      </p:sp>
+      <p:sp>
+        <p:nvSpPr>
+          <p:cNvPr id="3" name="Content Placeholder 2">
+            <a:extLst>
+              <a:ext uri="{FF2B5EF4-FFF2-40B4-BE49-F238E27FC236}">
+                <a16:creationId xmlns:a16="http://schemas.microsoft.com/office/drawing/2014/main" id="{07854A8C-8365-5A51-A4BD-48F8386E8528}"/>
+              </a:ext>
+            </a:extLst>
+          </p:cNvPr>
+          <p:cNvSpPr>
+            <a:spLocks noGrp="1"/>
+          </p:cNvSpPr>
+          <p:nvPr>
+            <p:ph idx="1"/>
+          </p:nvPr>
+        </p:nvSpPr>
+        <p:spPr/>
+        <p:txBody>
+          <a:bodyPr>
+            <a:normAutofit fontScale="85000" lnSpcReduction="20000"/>
+          </a:bodyPr>
+          <a:lstStyle/>
+          <a:p>
+            <a:pPr marL="0" lvl="0" indent="0">
+              <a:buNone/>
+            </a:pPr>
+            <a:r>
+              <a:rPr lang="en-US" dirty="0"/>
+              <a:t>Several commonly encountered data problems create problems for OLS and GLM models</a:t>
+            </a:r>
+            <a:endParaRPr dirty="0"/>
+          </a:p>
+          <a:p>
+            <a:pPr lvl="0"/>
+            <a:r>
+              <a:rPr lang="en-US" b="1" dirty="0"/>
+              <a:t>Zero inflated response variables </a:t>
+            </a:r>
+            <a:r>
+              <a:rPr lang="en-US" dirty="0"/>
+              <a:t>have an unusual number of zero values   </a:t>
+            </a:r>
+          </a:p>
+          <a:p>
+            <a:pPr lvl="1"/>
+            <a:r>
+              <a:rPr lang="en-US" dirty="0"/>
+              <a:t>Use a </a:t>
+            </a:r>
+            <a:r>
+              <a:rPr lang="en-US" b="1" dirty="0"/>
+              <a:t>mixture model </a:t>
+            </a:r>
+            <a:r>
+              <a:rPr lang="en-US" dirty="0"/>
+              <a:t>to switch between a binomial and another distribution</a:t>
+            </a:r>
+          </a:p>
+          <a:p>
+            <a:pPr lvl="0"/>
+            <a:r>
+              <a:rPr lang="en-US" b="1" dirty="0"/>
+              <a:t>Over-dispersed response variables </a:t>
+            </a:r>
+            <a:r>
+              <a:rPr lang="en-US" dirty="0"/>
+              <a:t>have a long (typically right) tail </a:t>
+            </a:r>
+          </a:p>
+          <a:p>
+            <a:pPr lvl="1"/>
+            <a:r>
+              <a:rPr lang="en-US" dirty="0"/>
+              <a:t>Apply models with distributions and mixtures that account for large low probability responses </a:t>
+            </a:r>
+          </a:p>
+          <a:p>
+            <a:pPr lvl="0"/>
+            <a:r>
+              <a:rPr lang="en-US" b="1" dirty="0"/>
+              <a:t>Outliers in independent variables </a:t>
+            </a:r>
+            <a:r>
+              <a:rPr lang="en-US" dirty="0"/>
+              <a:t>have an undue influence on OLS and GLM models </a:t>
+            </a:r>
+          </a:p>
+          <a:p>
+            <a:pPr lvl="1"/>
+            <a:r>
+              <a:rPr lang="en-US" dirty="0"/>
+              <a:t>Robust regression models </a:t>
+            </a:r>
+            <a:r>
+              <a:rPr lang="en-US" b="1" dirty="0"/>
+              <a:t>limit the influence of outliers </a:t>
+            </a:r>
+            <a:r>
+              <a:rPr lang="en-US" dirty="0"/>
+              <a:t>on the response </a:t>
+            </a:r>
+          </a:p>
+          <a:p>
+            <a:pPr lvl="0"/>
+            <a:r>
+              <a:rPr lang="en-US" dirty="0"/>
+              <a:t>We can extend the OLS and GLM frameworks to deal with these situations  </a:t>
+            </a:r>
+            <a:endParaRPr dirty="0"/>
+          </a:p>
+        </p:txBody>
+      </p:sp>
+    </p:spTree>
+    <p:extLst>
+      <p:ext uri="{BB962C8B-B14F-4D97-AF65-F5344CB8AC3E}">
+        <p14:creationId xmlns:p14="http://schemas.microsoft.com/office/powerpoint/2010/main" val="487459844"/>
+      </p:ext>
+    </p:extLst>
+  </p:cSld>
+  <p:clrMapOvr>
+    <a:masterClrMapping/>
+  </p:clrMapOvr>
+</p:sld>
+</file>
+
+<file path=ppt/slides/slide30.xml><?xml version="1.0" encoding="utf-8"?>
 <p:sld xmlns:a="http://schemas.openxmlformats.org/drawingml/2006/main" xmlns:r="http://schemas.openxmlformats.org/officeDocument/2006/relationships" xmlns:p="http://schemas.openxmlformats.org/presentationml/2006/main">
   <p:cSld>
     <p:spTree>
@@ -12031,27 +11820,15 @@
             </a:pPr>
             <a:r>
               <a:rPr sz="1800" dirty="0"/>
-              <a:t>Plot Cook’s distance as </a:t>
-            </a:r>
-            <a:r>
-              <a:rPr sz="1800" b="1" dirty="0"/>
-              <a:t>leverage</a:t>
-            </a:r>
-            <a:r>
-              <a:rPr sz="1800" dirty="0"/>
-              <a:t> vs. the </a:t>
+              <a:t>Cook’s distance </a:t>
             </a:r>
             <a:r>
               <a:rPr lang="en-US" sz="1800" dirty="0"/>
-              <a:t>standardized </a:t>
-            </a:r>
-            <a:r>
-              <a:rPr sz="1800" dirty="0"/>
-              <a:t>residual</a:t>
-            </a:r>
-            <a:r>
-              <a:rPr lang="en-US" sz="1800" dirty="0"/>
-              <a:t>s</a:t>
+              <a:t>plot enables evaluation of </a:t>
+            </a:r>
+            <a:r>
+              <a:rPr lang="en-US" sz="1800" b="1" dirty="0"/>
+              <a:t>outlier influence </a:t>
             </a:r>
           </a:p>
           <a:p>
@@ -12060,8 +11837,12 @@
               <a:buChar char="•"/>
             </a:pPr>
             <a:r>
+              <a:rPr lang="en-US" sz="1800" b="1" dirty="0"/>
+              <a:t>Standardized residuals </a:t>
+            </a:r>
+            <a:r>
               <a:rPr lang="en-US" sz="1800" dirty="0"/>
-              <a:t>Standardized residuals on the vertical axis</a:t>
+              <a:t>on the vertical axis</a:t>
             </a:r>
           </a:p>
           <a:p>
@@ -12070,10 +11851,28 @@
               <a:buChar char="•"/>
             </a:pPr>
             <a:r>
+              <a:rPr lang="en-US" sz="1800" b="1" dirty="0"/>
+              <a:t>Leverage</a:t>
+            </a:r>
+            <a:r>
               <a:rPr lang="en-US" sz="1800" dirty="0"/>
-              <a:t>Leverage </a:t>
-            </a:r>
-            <a:endParaRPr sz="1800" dirty="0"/>
+              <a:t> on the horizontal axis</a:t>
+            </a:r>
+          </a:p>
+          <a:p>
+            <a:pPr marL="285750" lvl="0" indent="-285750">
+              <a:buFont typeface="Arial" panose="020B0604020202020204" pitchFamily="34" charset="0"/>
+              <a:buChar char="•"/>
+            </a:pPr>
+            <a:r>
+              <a:rPr lang="en-US" sz="1800" dirty="0"/>
+              <a:t>Size of the markers indicates overall </a:t>
+            </a:r>
+            <a:r>
+              <a:rPr lang="en-US" sz="1800" b="1" dirty="0"/>
+              <a:t>influence </a:t>
+            </a:r>
+            <a:endParaRPr sz="1800" b="1" dirty="0"/>
           </a:p>
         </p:txBody>
       </p:sp>
@@ -12115,7 +11914,7 @@
 </p:sld>
 </file>
 
-<file path=ppt/slides/slide32.xml><?xml version="1.0" encoding="utf-8"?>
+<file path=ppt/slides/slide31.xml><?xml version="1.0" encoding="utf-8"?>
 <p:sld xmlns:a="http://schemas.openxmlformats.org/drawingml/2006/main" xmlns:r="http://schemas.openxmlformats.org/officeDocument/2006/relationships" xmlns:p="http://schemas.openxmlformats.org/presentationml/2006/main">
   <p:cSld>
     <p:spTree>
@@ -12178,8 +11977,16 @@
             </a:pPr>
             <a:r>
               <a:rPr dirty="0"/>
-              <a:t>Why are linear models sensitive to outliers</a:t>
-            </a:r>
+              <a:t>Why are linear models sensitive </a:t>
+            </a:r>
+            <a:r>
+              <a:t>to outliers</a:t>
+            </a:r>
+            <a:r>
+              <a:rPr lang="en-US"/>
+              <a:t>?</a:t>
+            </a:r>
+            <a:endParaRPr dirty="0"/>
           </a:p>
           <a:p>
             <a:pPr lvl="0"/>
@@ -12271,7 +12078,7 @@
 </p:sld>
 </file>
 
-<file path=ppt/slides/slide33.xml><?xml version="1.0" encoding="utf-8"?>
+<file path=ppt/slides/slide32.xml><?xml version="1.0" encoding="utf-8"?>
 <p:sld xmlns:a="http://schemas.openxmlformats.org/drawingml/2006/main" xmlns:r="http://schemas.openxmlformats.org/officeDocument/2006/relationships" xmlns:p="http://schemas.openxmlformats.org/presentationml/2006/main">
   <p:cSld>
     <p:spTree>
@@ -12474,7 +12281,7 @@
 </p:sld>
 </file>
 
-<file path=ppt/slides/slide34.xml><?xml version="1.0" encoding="utf-8"?>
+<file path=ppt/slides/slide33.xml><?xml version="1.0" encoding="utf-8"?>
 <p:sld xmlns:a="http://schemas.openxmlformats.org/drawingml/2006/main" xmlns:r="http://schemas.openxmlformats.org/officeDocument/2006/relationships" xmlns:p="http://schemas.openxmlformats.org/presentationml/2006/main">
   <p:cSld>
     <p:spTree>
@@ -12794,7 +12601,7 @@
 </p:sld>
 </file>
 
-<file path=ppt/slides/slide35.xml><?xml version="1.0" encoding="utf-8"?>
+<file path=ppt/slides/slide34.xml><?xml version="1.0" encoding="utf-8"?>
 <p:sld xmlns:a="http://schemas.openxmlformats.org/drawingml/2006/main" xmlns:r="http://schemas.openxmlformats.org/officeDocument/2006/relationships" xmlns:p="http://schemas.openxmlformats.org/presentationml/2006/main">
   <p:cSld>
     <p:spTree>
@@ -12920,7 +12727,7 @@
 </p:sld>
 </file>
 
-<file path=ppt/slides/slide36.xml><?xml version="1.0" encoding="utf-8"?>
+<file path=ppt/slides/slide35.xml><?xml version="1.0" encoding="utf-8"?>
 <p:sld xmlns:a="http://schemas.openxmlformats.org/drawingml/2006/main" xmlns:r="http://schemas.openxmlformats.org/officeDocument/2006/relationships" xmlns:p="http://schemas.openxmlformats.org/presentationml/2006/main">
   <p:cSld>
     <p:spTree>
@@ -13227,7 +13034,7 @@
 </p:sld>
 </file>
 
-<file path=ppt/slides/slide37.xml><?xml version="1.0" encoding="utf-8"?>
+<file path=ppt/slides/slide36.xml><?xml version="1.0" encoding="utf-8"?>
 <p:sld xmlns:a="http://schemas.openxmlformats.org/drawingml/2006/main" xmlns:r="http://schemas.openxmlformats.org/officeDocument/2006/relationships" xmlns:p="http://schemas.openxmlformats.org/presentationml/2006/main">
   <p:cSld>
     <p:spTree>
@@ -13488,7 +13295,7 @@
 </p:sld>
 </file>
 
-<file path=ppt/slides/slide38.xml><?xml version="1.0" encoding="utf-8"?>
+<file path=ppt/slides/slide37.xml><?xml version="1.0" encoding="utf-8"?>
 <p:sld xmlns:a="http://schemas.openxmlformats.org/drawingml/2006/main" xmlns:r="http://schemas.openxmlformats.org/officeDocument/2006/relationships" xmlns:p="http://schemas.openxmlformats.org/presentationml/2006/main">
   <p:cSld>
     <p:spTree>
@@ -13735,7 +13542,7 @@
 </p:sld>
 </file>
 
-<file path=ppt/slides/slide39.xml><?xml version="1.0" encoding="utf-8"?>
+<file path=ppt/slides/slide38.xml><?xml version="1.0" encoding="utf-8"?>
 <p:sld xmlns:a="http://schemas.openxmlformats.org/drawingml/2006/main" xmlns:r="http://schemas.openxmlformats.org/officeDocument/2006/relationships" xmlns:p="http://schemas.openxmlformats.org/presentationml/2006/main">
   <p:cSld>
     <p:spTree>
@@ -13835,6 +13642,61 @@
           </a:ln>
         </p:spPr>
       </p:pic>
+    </p:spTree>
+  </p:cSld>
+  <p:clrMapOvr>
+    <a:masterClrMapping/>
+  </p:clrMapOvr>
+</p:sld>
+</file>
+
+<file path=ppt/slides/slide39.xml><?xml version="1.0" encoding="utf-8"?>
+<p:sld xmlns:a="http://schemas.openxmlformats.org/drawingml/2006/main" xmlns:r="http://schemas.openxmlformats.org/officeDocument/2006/relationships" xmlns:p="http://schemas.openxmlformats.org/presentationml/2006/main">
+  <p:cSld>
+    <p:spTree>
+      <p:nvGrpSpPr>
+        <p:cNvPr id="1" name=""/>
+        <p:cNvGrpSpPr/>
+        <p:nvPr/>
+      </p:nvGrpSpPr>
+      <p:grpSpPr>
+        <a:xfrm>
+          <a:off x="0" y="0"/>
+          <a:ext cx="0" cy="0"/>
+          <a:chOff x="0" y="0"/>
+          <a:chExt cx="0" cy="0"/>
+        </a:xfrm>
+      </p:grpSpPr>
+      <p:sp>
+        <p:nvSpPr>
+          <p:cNvPr id="3" name="Content Placeholder 2"/>
+          <p:cNvSpPr>
+            <a:spLocks noGrp="1"/>
+          </p:cNvSpPr>
+          <p:nvPr>
+            <p:ph idx="1"/>
+          </p:nvPr>
+        </p:nvSpPr>
+        <p:spPr/>
+        <p:txBody>
+          <a:bodyPr/>
+          <a:lstStyle/>
+          <a:p>
+            <a:pPr marL="0" lvl="0" indent="0">
+              <a:buNone/>
+            </a:pPr>
+            <a:endParaRPr/>
+          </a:p>
+          <a:p>
+            <a:pPr marL="0" lvl="0" indent="0">
+              <a:buNone/>
+            </a:pPr>
+            <a:r>
+              <a:t>Notice the different slope for the regression with Huber loss</a:t>
+            </a:r>
+          </a:p>
+        </p:txBody>
+      </p:sp>
     </p:spTree>
   </p:cSld>
   <p:clrMapOvr>
@@ -13926,61 +13788,6 @@
       </p:grpSpPr>
       <p:sp>
         <p:nvSpPr>
-          <p:cNvPr id="3" name="Content Placeholder 2"/>
-          <p:cNvSpPr>
-            <a:spLocks noGrp="1"/>
-          </p:cNvSpPr>
-          <p:nvPr>
-            <p:ph idx="1"/>
-          </p:nvPr>
-        </p:nvSpPr>
-        <p:spPr/>
-        <p:txBody>
-          <a:bodyPr/>
-          <a:lstStyle/>
-          <a:p>
-            <a:pPr marL="0" lvl="0" indent="0">
-              <a:buNone/>
-            </a:pPr>
-            <a:endParaRPr/>
-          </a:p>
-          <a:p>
-            <a:pPr marL="0" lvl="0" indent="0">
-              <a:buNone/>
-            </a:pPr>
-            <a:r>
-              <a:t>Notice the different slope for the regression with Huber loss</a:t>
-            </a:r>
-          </a:p>
-        </p:txBody>
-      </p:sp>
-    </p:spTree>
-  </p:cSld>
-  <p:clrMapOvr>
-    <a:masterClrMapping/>
-  </p:clrMapOvr>
-</p:sld>
-</file>
-
-<file path=ppt/slides/slide41.xml><?xml version="1.0" encoding="utf-8"?>
-<p:sld xmlns:a="http://schemas.openxmlformats.org/drawingml/2006/main" xmlns:r="http://schemas.openxmlformats.org/officeDocument/2006/relationships" xmlns:p="http://schemas.openxmlformats.org/presentationml/2006/main">
-  <p:cSld>
-    <p:spTree>
-      <p:nvGrpSpPr>
-        <p:cNvPr id="1" name=""/>
-        <p:cNvGrpSpPr/>
-        <p:nvPr/>
-      </p:nvGrpSpPr>
-      <p:grpSpPr>
-        <a:xfrm>
-          <a:off x="0" y="0"/>
-          <a:ext cx="0" cy="0"/>
-          <a:chOff x="0" y="0"/>
-          <a:chExt cx="0" cy="0"/>
-        </a:xfrm>
-      </p:grpSpPr>
-      <p:sp>
-        <p:nvSpPr>
           <p:cNvPr id="2" name="Title 1"/>
           <p:cNvSpPr>
             <a:spLocks noGrp="1"/>
@@ -14094,7 +13901,7 @@
 </p:sld>
 </file>
 
-<file path=ppt/slides/slide42.xml><?xml version="1.0" encoding="utf-8"?>
+<file path=ppt/slides/slide41.xml><?xml version="1.0" encoding="utf-8"?>
 <p:sld xmlns:a="http://schemas.openxmlformats.org/drawingml/2006/main" xmlns:r="http://schemas.openxmlformats.org/officeDocument/2006/relationships" xmlns:p="http://schemas.openxmlformats.org/presentationml/2006/main">
   <p:cSld>
     <p:spTree>
@@ -14589,25 +14396,7 @@
                       <a:rPr lang="en-US" b="0" i="1" smtClean="0">
                         <a:latin typeface="Cambria Math" panose="02040503050406030204" pitchFamily="18" charset="0"/>
                       </a:rPr>
-                      <m:t>=</m:t>
-                    </m:r>
-                    <m:r>
-                      <a:rPr lang="en-US" b="0" i="1" smtClean="0">
-                        <a:latin typeface="Cambria Math" panose="02040503050406030204" pitchFamily="18" charset="0"/>
-                      </a:rPr>
-                      <m:t>2</m:t>
-                    </m:r>
-                    <m:r>
-                      <a:rPr lang="en-US" b="0" i="1" smtClean="0">
-                        <a:latin typeface="Cambria Math" panose="02040503050406030204" pitchFamily="18" charset="0"/>
-                      </a:rPr>
-                      <m:t>.</m:t>
-                    </m:r>
-                    <m:r>
-                      <a:rPr lang="en-US" b="0" i="1" smtClean="0">
-                        <a:latin typeface="Cambria Math" panose="02040503050406030204" pitchFamily="18" charset="0"/>
-                      </a:rPr>
-                      <m:t>0</m:t>
+                      <m:t>=2.0</m:t>
                     </m:r>
                   </m:oMath>
                 </a14:m>

--- a/LectureSlides/10b_ModelsFor OutliersAndOverdispersion.pptx
+++ b/LectureSlides/10b_ModelsFor OutliersAndOverdispersion.pptx
@@ -5,7 +5,7 @@
     <p:sldMasterId id="2147483648" r:id="rId1"/>
   </p:sldMasterIdLst>
   <p:notesMasterIdLst>
-    <p:notesMasterId r:id="rId43"/>
+    <p:notesMasterId r:id="rId44"/>
   </p:notesMasterIdLst>
   <p:sldIdLst>
     <p:sldId id="337" r:id="rId2"/>
@@ -39,16 +39,17 @@
     <p:sldId id="323" r:id="rId30"/>
     <p:sldId id="324" r:id="rId31"/>
     <p:sldId id="326" r:id="rId32"/>
-    <p:sldId id="327" r:id="rId33"/>
-    <p:sldId id="328" r:id="rId34"/>
-    <p:sldId id="329" r:id="rId35"/>
-    <p:sldId id="330" r:id="rId36"/>
-    <p:sldId id="331" r:id="rId37"/>
-    <p:sldId id="332" r:id="rId38"/>
-    <p:sldId id="333" r:id="rId39"/>
-    <p:sldId id="334" r:id="rId40"/>
-    <p:sldId id="335" r:id="rId41"/>
-    <p:sldId id="336" r:id="rId42"/>
+    <p:sldId id="366" r:id="rId33"/>
+    <p:sldId id="327" r:id="rId34"/>
+    <p:sldId id="328" r:id="rId35"/>
+    <p:sldId id="329" r:id="rId36"/>
+    <p:sldId id="330" r:id="rId37"/>
+    <p:sldId id="331" r:id="rId38"/>
+    <p:sldId id="332" r:id="rId39"/>
+    <p:sldId id="367" r:id="rId40"/>
+    <p:sldId id="333" r:id="rId41"/>
+    <p:sldId id="335" r:id="rId42"/>
+    <p:sldId id="336" r:id="rId43"/>
   </p:sldIdLst>
   <p:sldSz cx="9144000" cy="5143500" type="screen16x9"/>
   <p:notesSz cx="6858000" cy="9144000"/>
@@ -248,7 +249,7 @@
           <a:p>
             <a:fld id="{B45A0028-71D2-4800-AD8E-38BD1BCDF688}" type="datetimeFigureOut">
               <a:rPr lang="en-US" smtClean="0"/>
-              <a:t>10/19/2024</a:t>
+              <a:t>10/20/2024</a:t>
             </a:fld>
             <a:endParaRPr lang="en-US"/>
           </a:p>
@@ -694,7 +695,7 @@
           <a:p>
             <a:fld id="{241EB5C9-1307-BA42-ABA2-0BC069CD8E7F}" type="datetimeFigureOut">
               <a:rPr lang="en-US" smtClean="0"/>
-              <a:t>10/19/2024</a:t>
+              <a:t>10/20/2024</a:t>
             </a:fld>
             <a:endParaRPr lang="en-US"/>
           </a:p>
@@ -862,7 +863,7 @@
           <a:p>
             <a:fld id="{241EB5C9-1307-BA42-ABA2-0BC069CD8E7F}" type="datetimeFigureOut">
               <a:rPr lang="en-US" smtClean="0"/>
-              <a:t>10/19/2024</a:t>
+              <a:t>10/20/2024</a:t>
             </a:fld>
             <a:endParaRPr lang="en-US"/>
           </a:p>
@@ -1040,7 +1041,7 @@
           <a:p>
             <a:fld id="{241EB5C9-1307-BA42-ABA2-0BC069CD8E7F}" type="datetimeFigureOut">
               <a:rPr lang="en-US" smtClean="0"/>
-              <a:t>10/19/2024</a:t>
+              <a:t>10/20/2024</a:t>
             </a:fld>
             <a:endParaRPr lang="en-US"/>
           </a:p>
@@ -1208,7 +1209,7 @@
           <a:p>
             <a:fld id="{241EB5C9-1307-BA42-ABA2-0BC069CD8E7F}" type="datetimeFigureOut">
               <a:rPr lang="en-US" smtClean="0"/>
-              <a:t>10/19/2024</a:t>
+              <a:t>10/20/2024</a:t>
             </a:fld>
             <a:endParaRPr lang="en-US"/>
           </a:p>
@@ -1453,7 +1454,7 @@
           <a:p>
             <a:fld id="{241EB5C9-1307-BA42-ABA2-0BC069CD8E7F}" type="datetimeFigureOut">
               <a:rPr lang="en-US" smtClean="0"/>
-              <a:t>10/19/2024</a:t>
+              <a:t>10/20/2024</a:t>
             </a:fld>
             <a:endParaRPr lang="en-US"/>
           </a:p>
@@ -1738,7 +1739,7 @@
           <a:p>
             <a:fld id="{241EB5C9-1307-BA42-ABA2-0BC069CD8E7F}" type="datetimeFigureOut">
               <a:rPr lang="en-US" smtClean="0"/>
-              <a:t>10/19/2024</a:t>
+              <a:t>10/20/2024</a:t>
             </a:fld>
             <a:endParaRPr lang="en-US"/>
           </a:p>
@@ -2157,7 +2158,7 @@
           <a:p>
             <a:fld id="{241EB5C9-1307-BA42-ABA2-0BC069CD8E7F}" type="datetimeFigureOut">
               <a:rPr lang="en-US" smtClean="0"/>
-              <a:t>10/19/2024</a:t>
+              <a:t>10/20/2024</a:t>
             </a:fld>
             <a:endParaRPr lang="en-US"/>
           </a:p>
@@ -2274,7 +2275,7 @@
           <a:p>
             <a:fld id="{241EB5C9-1307-BA42-ABA2-0BC069CD8E7F}" type="datetimeFigureOut">
               <a:rPr lang="en-US" smtClean="0"/>
-              <a:t>10/19/2024</a:t>
+              <a:t>10/20/2024</a:t>
             </a:fld>
             <a:endParaRPr lang="en-US"/>
           </a:p>
@@ -2369,7 +2370,7 @@
           <a:p>
             <a:fld id="{241EB5C9-1307-BA42-ABA2-0BC069CD8E7F}" type="datetimeFigureOut">
               <a:rPr lang="en-US" smtClean="0"/>
-              <a:t>10/19/2024</a:t>
+              <a:t>10/20/2024</a:t>
             </a:fld>
             <a:endParaRPr lang="en-US"/>
           </a:p>
@@ -2644,7 +2645,7 @@
           <a:p>
             <a:fld id="{241EB5C9-1307-BA42-ABA2-0BC069CD8E7F}" type="datetimeFigureOut">
               <a:rPr lang="en-US" smtClean="0"/>
-              <a:t>10/19/2024</a:t>
+              <a:t>10/20/2024</a:t>
             </a:fld>
             <a:endParaRPr lang="en-US"/>
           </a:p>
@@ -2896,7 +2897,7 @@
           <a:p>
             <a:fld id="{241EB5C9-1307-BA42-ABA2-0BC069CD8E7F}" type="datetimeFigureOut">
               <a:rPr lang="en-US" smtClean="0"/>
-              <a:t>10/19/2024</a:t>
+              <a:t>10/20/2024</a:t>
             </a:fld>
             <a:endParaRPr lang="en-US"/>
           </a:p>
@@ -3107,7 +3108,7 @@
           <a:p>
             <a:fld id="{241EB5C9-1307-BA42-ABA2-0BC069CD8E7F}" type="datetimeFigureOut">
               <a:rPr lang="en-US" smtClean="0"/>
-              <a:t>10/19/2024</a:t>
+              <a:t>10/20/2024</a:t>
             </a:fld>
             <a:endParaRPr lang="en-US"/>
           </a:p>
@@ -3830,7 +3831,7 @@
                       <m:t>=</m:t>
                     </m:r>
                     <m:r>
-                      <a:rPr lang="en-US" b="0" i="1" smtClean="0">
+                      <a:rPr lang="en-US" i="1">
                         <a:latin typeface="Cambria Math" panose="02040503050406030204" pitchFamily="18" charset="0"/>
                       </a:rPr>
                       <m:t>5</m:t>
@@ -11950,8 +11951,10 @@
               <a:buNone/>
             </a:pPr>
             <a:r>
-              <a:t>Dealing With Outliers</a:t>
-            </a:r>
+              <a:rPr lang="en-US" dirty="0"/>
+              <a:t>Robust Models and Influence Function</a:t>
+            </a:r>
+            <a:endParaRPr dirty="0"/>
           </a:p>
         </p:txBody>
       </p:sp>
@@ -11968,7 +11971,7 @@
         <p:spPr/>
         <p:txBody>
           <a:bodyPr>
-            <a:normAutofit fontScale="92500" lnSpcReduction="10000"/>
+            <a:normAutofit/>
           </a:bodyPr>
           <a:lstStyle/>
           <a:p>
@@ -11976,20 +11979,21 @@
               <a:buNone/>
             </a:pPr>
             <a:r>
-              <a:rPr dirty="0"/>
-              <a:t>Why are linear models sensitive </a:t>
-            </a:r>
-            <a:r>
-              <a:t>to outliers</a:t>
-            </a:r>
-            <a:r>
-              <a:rPr lang="en-US"/>
-              <a:t>?</a:t>
-            </a:r>
-            <a:endParaRPr dirty="0"/>
+              <a:rPr lang="en-US" dirty="0"/>
+              <a:t>We can measure the sensitivity of a model by its </a:t>
+            </a:r>
+            <a:r>
+              <a:rPr lang="en-US" b="1" dirty="0"/>
+              <a:t>influence function </a:t>
+            </a:r>
+            <a:endParaRPr lang="en-US" dirty="0"/>
           </a:p>
           <a:p>
             <a:pPr lvl="0"/>
+            <a:r>
+              <a:rPr lang="en-US" dirty="0"/>
+              <a:t>Example: </a:t>
+            </a:r>
             <a:r>
               <a:rPr dirty="0"/>
               <a:t>Ordinary linear regression uses </a:t>
@@ -12028,45 +12032,29 @@
               <a:rPr b="1" dirty="0"/>
               <a:t>unbiased estimator</a:t>
             </a:r>
-          </a:p>
-          <a:p>
-            <a:pPr lvl="0"/>
-            <a:r>
-              <a:rPr dirty="0"/>
-              <a:t>In 1-dimension median is robust to outliers</a:t>
-            </a:r>
+            <a:endParaRPr lang="en-US" b="1" dirty="0"/>
           </a:p>
           <a:p>
             <a:pPr lvl="1"/>
             <a:r>
-              <a:rPr dirty="0"/>
-              <a:t>But far from an optimal estimator</a:t>
-            </a:r>
-          </a:p>
-          <a:p>
-            <a:pPr lvl="1"/>
-            <a:r>
-              <a:rPr dirty="0"/>
-              <a:t>High bias</a:t>
-            </a:r>
-          </a:p>
-          <a:p>
-            <a:pPr lvl="1"/>
-            <a:r>
-              <a:rPr dirty="0"/>
-              <a:t>Hard to implement beyond 1-dimension</a:t>
-            </a:r>
-          </a:p>
-          <a:p>
-            <a:pPr lvl="0"/>
-            <a:r>
-              <a:rPr dirty="0"/>
-              <a:t>We can study the response of estimators to outliers using an </a:t>
-            </a:r>
-            <a:r>
-              <a:rPr b="1" dirty="0"/>
-              <a:t>influence function</a:t>
-            </a:r>
+              <a:rPr lang="en-US" dirty="0"/>
+              <a:t>Influence function is </a:t>
+            </a:r>
+            <a:r>
+              <a:rPr lang="en-US" b="1" dirty="0"/>
+              <a:t>unbounded</a:t>
+            </a:r>
+          </a:p>
+          <a:p>
+            <a:r>
+              <a:rPr lang="en-US" dirty="0"/>
+              <a:t>Robust models have </a:t>
+            </a:r>
+            <a:r>
+              <a:rPr lang="en-US" b="1" dirty="0"/>
+              <a:t>bounded influence function </a:t>
+            </a:r>
+            <a:endParaRPr b="1" dirty="0"/>
           </a:p>
         </p:txBody>
       </p:sp>
@@ -12083,7 +12071,13 @@
   <p:cSld>
     <p:spTree>
       <p:nvGrpSpPr>
-        <p:cNvPr id="1" name=""/>
+        <p:cNvPr id="1" name="">
+          <a:extLst>
+            <a:ext uri="{FF2B5EF4-FFF2-40B4-BE49-F238E27FC236}">
+              <a16:creationId xmlns:a16="http://schemas.microsoft.com/office/drawing/2014/main" id="{982505DB-4EA8-2B7C-5B94-91EF103FDD92}"/>
+            </a:ext>
+          </a:extLst>
+        </p:cNvPr>
         <p:cNvGrpSpPr/>
         <p:nvPr/>
       </p:nvGrpSpPr>
@@ -12097,7 +12091,13 @@
       </p:grpSpPr>
       <p:sp>
         <p:nvSpPr>
-          <p:cNvPr id="2" name="Title 1"/>
+          <p:cNvPr id="2" name="Title 1">
+            <a:extLst>
+              <a:ext uri="{FF2B5EF4-FFF2-40B4-BE49-F238E27FC236}">
+                <a16:creationId xmlns:a16="http://schemas.microsoft.com/office/drawing/2014/main" id="{118C645B-865C-8C36-8DD9-F9B2BE9C62ED}"/>
+              </a:ext>
+            </a:extLst>
+          </p:cNvPr>
           <p:cNvSpPr>
             <a:spLocks noGrp="1"/>
           </p:cNvSpPr>
@@ -12114,14 +12114,22 @@
               <a:buNone/>
             </a:pPr>
             <a:r>
-              <a:t>Dealing With Outliers</a:t>
-            </a:r>
+              <a:rPr lang="en-US" dirty="0"/>
+              <a:t>Robust Models and Influence Function</a:t>
+            </a:r>
+            <a:endParaRPr dirty="0"/>
           </a:p>
         </p:txBody>
       </p:sp>
       <p:sp>
         <p:nvSpPr>
-          <p:cNvPr id="3" name="Content Placeholder 2"/>
+          <p:cNvPr id="3" name="Content Placeholder 2">
+            <a:extLst>
+              <a:ext uri="{FF2B5EF4-FFF2-40B4-BE49-F238E27FC236}">
+                <a16:creationId xmlns:a16="http://schemas.microsoft.com/office/drawing/2014/main" id="{C9534288-B992-2D42-1E65-BECDCA6AEC0C}"/>
+              </a:ext>
+            </a:extLst>
+          </p:cNvPr>
           <p:cNvSpPr>
             <a:spLocks noGrp="1"/>
           </p:cNvSpPr>
@@ -12132,7 +12140,7 @@
         <p:spPr/>
         <p:txBody>
           <a:bodyPr>
-            <a:normAutofit fontScale="92500"/>
+            <a:normAutofit fontScale="92500" lnSpcReduction="10000"/>
           </a:bodyPr>
           <a:lstStyle/>
           <a:p>
@@ -12140,140 +12148,132 @@
               <a:buNone/>
             </a:pPr>
             <a:r>
-              <a:t>Compare the influence functions of the mean and median estimators</a:t>
-            </a:r>
+              <a:rPr lang="en-US" dirty="0"/>
+              <a:t>Example: compare robust and non-robust model</a:t>
+            </a:r>
+            <a:endParaRPr dirty="0"/>
           </a:p>
           <a:p>
             <a:pPr lvl="0"/>
             <a:r>
-              <a:t>Mean estimator has linear influence function</a:t>
+              <a:rPr dirty="0"/>
+              <a:t>Ordinary linear regression uses </a:t>
+            </a:r>
+            <a:r>
+              <a:rPr b="1" dirty="0"/>
+              <a:t>squared error loss</a:t>
+            </a:r>
+            <a:r>
+              <a:rPr dirty="0"/>
+              <a:t> function</a:t>
             </a:r>
           </a:p>
           <a:p>
             <a:pPr lvl="1"/>
             <a:r>
-              <a:t>Influence of outliers is </a:t>
-            </a:r>
-            <a:r>
-              <a:rPr b="1"/>
-              <a:t>unbounded</a:t>
-            </a:r>
-            <a:br/>
-            <a:endParaRPr/>
+              <a:rPr dirty="0"/>
+              <a:t>Optimal if the errors are </a:t>
+            </a:r>
+            <a:r>
+              <a:rPr dirty="0" err="1"/>
+              <a:t>iid</a:t>
+            </a:r>
+            <a:r>
+              <a:rPr dirty="0"/>
+              <a:t> Normal</a:t>
+            </a:r>
           </a:p>
           <a:p>
             <a:pPr lvl="1"/>
             <a:r>
-              <a:t>Derivative of the influence function is constant</a:t>
-            </a:r>
+              <a:rPr lang="en-US" dirty="0"/>
+              <a:t>Has unbounded influence function </a:t>
+            </a:r>
+            <a:endParaRPr b="1" dirty="0"/>
           </a:p>
           <a:p>
             <a:pPr lvl="0"/>
             <a:r>
-              <a:t>Influence function of median estimator is discontinuous</a:t>
+              <a:rPr dirty="0"/>
+              <a:t>In 1-dimension</a:t>
+            </a:r>
+            <a:r>
+              <a:rPr lang="en-US" dirty="0"/>
+              <a:t>,</a:t>
+            </a:r>
+            <a:r>
+              <a:rPr dirty="0"/>
+              <a:t> median is robust to outliers</a:t>
             </a:r>
           </a:p>
           <a:p>
             <a:pPr lvl="1"/>
             <a:r>
-              <a:t>Influence of any observation is constant</a:t>
-            </a:r>
-            <a:br/>
-            <a:endParaRPr/>
+              <a:rPr lang="en-US" dirty="0"/>
+              <a:t>A h</a:t>
+            </a:r>
+            <a:r>
+              <a:rPr dirty="0"/>
+              <a:t>igh bias</a:t>
+            </a:r>
+            <a:r>
+              <a:rPr lang="en-US" dirty="0"/>
+              <a:t> estimator</a:t>
+            </a:r>
+            <a:endParaRPr dirty="0"/>
           </a:p>
           <a:p>
             <a:pPr lvl="1"/>
             <a:r>
-              <a:t>Derivative of influence function is not defined</a:t>
-            </a:r>
-          </a:p>
-        </p:txBody>
-      </p:sp>
-      <p:pic>
-        <p:nvPicPr>
-          <p:cNvPr id="4" name="Picture 1" descr="../images/MeanMedianInfluence.png"/>
-          <p:cNvPicPr>
-            <a:picLocks noGrp="1" noChangeAspect="1"/>
-          </p:cNvPicPr>
-          <p:nvPr/>
-        </p:nvPicPr>
-        <p:blipFill>
-          <a:blip r:embed="rId2"/>
-          <a:stretch>
-            <a:fillRect/>
-          </a:stretch>
-        </p:blipFill>
-        <p:spPr bwMode="auto">
-          <a:xfrm>
-            <a:off x="2692400" y="1193800"/>
-            <a:ext cx="3771900" cy="2882900"/>
-          </a:xfrm>
-          <a:prstGeom prst="rect">
-            <a:avLst/>
-          </a:prstGeom>
-          <a:noFill/>
-          <a:ln w="9525">
-            <a:noFill/>
-            <a:headEnd/>
-            <a:tailEnd/>
-          </a:ln>
-        </p:spPr>
-      </p:pic>
-      <p:sp>
-        <p:nvSpPr>
-          <p:cNvPr id="5" name="TextBox 3"/>
-          <p:cNvSpPr txBox="1"/>
-          <p:nvPr/>
-        </p:nvSpPr>
-        <p:spPr>
-          <a:xfrm>
-            <a:off x="457200" y="4076700"/>
-            <a:ext cx="8229600" cy="508000"/>
-          </a:xfrm>
-          <a:prstGeom prst="rect">
-            <a:avLst/>
-          </a:prstGeom>
-          <a:noFill/>
-        </p:spPr>
-        <p:txBody>
-          <a:bodyPr/>
-          <a:lstStyle/>
-          <a:p>
-            <a:pPr marL="0" lvl="0" indent="0" algn="ctr">
-              <a:buNone/>
-            </a:pPr>
-            <a:r>
-              <a:t>Influence functions for mean and median</a:t>
-            </a:r>
-          </a:p>
-        </p:txBody>
-      </p:sp>
-      <p:sp>
-        <p:nvSpPr>
-          <p:cNvPr id="6" name="Content Placeholder 2"/>
-          <p:cNvSpPr>
-            <a:spLocks noGrp="1"/>
-          </p:cNvSpPr>
-          <p:nvPr>
-            <p:ph idx="1"/>
-          </p:nvPr>
-        </p:nvSpPr>
-        <p:spPr/>
-        <p:txBody>
-          <a:bodyPr/>
-          <a:lstStyle/>
-          <a:p>
-            <a:pPr marL="0" lvl="0" indent="0">
-              <a:buNone/>
-            </a:pPr>
-            <a:r>
-              <a:rPr i="1"/>
-              <a:t>Figure from Hampel, el.al., Robust Statistics, 1986</a:t>
-            </a:r>
+              <a:rPr dirty="0"/>
+              <a:t>Hard to implement beyond 1-dimension</a:t>
+            </a:r>
+            <a:endParaRPr lang="en-US" dirty="0"/>
+          </a:p>
+          <a:p>
+            <a:pPr lvl="1"/>
+            <a:r>
+              <a:rPr lang="en-US" dirty="0"/>
+              <a:t>Bounded influence function </a:t>
+            </a:r>
+            <a:endParaRPr dirty="0"/>
+          </a:p>
+          <a:p>
+            <a:pPr lvl="0"/>
+            <a:r>
+              <a:rPr dirty="0"/>
+              <a:t>We can </a:t>
+            </a:r>
+            <a:r>
+              <a:rPr lang="en-US" dirty="0"/>
+              <a:t>compare</a:t>
+            </a:r>
+            <a:r>
+              <a:rPr dirty="0"/>
+              <a:t> the response of estimators to outliers </a:t>
+            </a:r>
+            <a:r>
+              <a:rPr lang="en-US" dirty="0"/>
+              <a:t>by comparing their </a:t>
+            </a:r>
+            <a:r>
+              <a:rPr b="1" dirty="0"/>
+              <a:t>influence function</a:t>
+            </a:r>
+            <a:r>
+              <a:rPr lang="en-US" b="1" dirty="0"/>
+              <a:t>s</a:t>
+            </a:r>
+            <a:endParaRPr b="1" dirty="0"/>
           </a:p>
         </p:txBody>
       </p:sp>
     </p:spTree>
+    <p:extLst>
+      <p:ext uri="{BB962C8B-B14F-4D97-AF65-F5344CB8AC3E}">
+        <p14:creationId xmlns:p14="http://schemas.microsoft.com/office/powerpoint/2010/main" val="1405216539"/>
+      </p:ext>
+    </p:extLst>
   </p:cSld>
   <p:clrMapOvr>
     <a:masterClrMapping/>
@@ -12317,6 +12317,242 @@
               <a:buNone/>
             </a:pPr>
             <a:r>
+              <a:rPr lang="en-US" dirty="0"/>
+              <a:t>Robust Models and Influence Function</a:t>
+            </a:r>
+            <a:endParaRPr dirty="0"/>
+          </a:p>
+        </p:txBody>
+      </p:sp>
+      <p:sp>
+        <p:nvSpPr>
+          <p:cNvPr id="3" name="Content Placeholder 2"/>
+          <p:cNvSpPr>
+            <a:spLocks noGrp="1"/>
+          </p:cNvSpPr>
+          <p:nvPr>
+            <p:ph idx="1"/>
+          </p:nvPr>
+        </p:nvSpPr>
+        <p:spPr>
+          <a:xfrm>
+            <a:off x="457199" y="1063229"/>
+            <a:ext cx="4738255" cy="3874292"/>
+          </a:xfrm>
+        </p:spPr>
+        <p:txBody>
+          <a:bodyPr>
+            <a:normAutofit fontScale="92500" lnSpcReduction="20000"/>
+          </a:bodyPr>
+          <a:lstStyle/>
+          <a:p>
+            <a:pPr marL="0" lvl="0" indent="0">
+              <a:buNone/>
+            </a:pPr>
+            <a:r>
+              <a:rPr dirty="0"/>
+              <a:t>Compare the influence functions of the mean and median estimators</a:t>
+            </a:r>
+          </a:p>
+          <a:p>
+            <a:pPr lvl="0"/>
+            <a:r>
+              <a:rPr dirty="0"/>
+              <a:t>Mean estimator has linear influence function</a:t>
+            </a:r>
+          </a:p>
+          <a:p>
+            <a:pPr lvl="1"/>
+            <a:r>
+              <a:rPr dirty="0"/>
+              <a:t>Influence of outliers is </a:t>
+            </a:r>
+            <a:r>
+              <a:rPr b="1" dirty="0"/>
+              <a:t>unbounded</a:t>
+            </a:r>
+            <a:endParaRPr dirty="0"/>
+          </a:p>
+          <a:p>
+            <a:pPr lvl="1"/>
+            <a:r>
+              <a:rPr dirty="0"/>
+              <a:t>Derivative of the influence function is constant</a:t>
+            </a:r>
+          </a:p>
+          <a:p>
+            <a:pPr lvl="0"/>
+            <a:r>
+              <a:rPr dirty="0"/>
+              <a:t>Influence function of median estimator is discontinuous</a:t>
+            </a:r>
+          </a:p>
+          <a:p>
+            <a:pPr lvl="1"/>
+            <a:r>
+              <a:rPr dirty="0"/>
+              <a:t>Influence of any observation is </a:t>
+            </a:r>
+            <a:r>
+              <a:rPr lang="en-US" b="1" dirty="0"/>
+              <a:t>bounded and </a:t>
+            </a:r>
+            <a:r>
+              <a:rPr b="1" dirty="0"/>
+              <a:t>constant</a:t>
+            </a:r>
+          </a:p>
+          <a:p>
+            <a:pPr lvl="1"/>
+            <a:r>
+              <a:rPr dirty="0"/>
+              <a:t>Derivative of influence function is not defined</a:t>
+            </a:r>
+          </a:p>
+        </p:txBody>
+      </p:sp>
+      <p:pic>
+        <p:nvPicPr>
+          <p:cNvPr id="4" name="Picture 1" descr="../images/MeanMedianInfluence.png"/>
+          <p:cNvPicPr>
+            <a:picLocks noGrp="1" noChangeAspect="1"/>
+          </p:cNvPicPr>
+          <p:nvPr/>
+        </p:nvPicPr>
+        <p:blipFill>
+          <a:blip r:embed="rId2"/>
+          <a:stretch>
+            <a:fillRect/>
+          </a:stretch>
+        </p:blipFill>
+        <p:spPr bwMode="auto">
+          <a:xfrm>
+            <a:off x="5311831" y="1128514"/>
+            <a:ext cx="3771900" cy="2882900"/>
+          </a:xfrm>
+          <a:prstGeom prst="rect">
+            <a:avLst/>
+          </a:prstGeom>
+          <a:noFill/>
+          <a:ln w="9525">
+            <a:noFill/>
+            <a:headEnd/>
+            <a:tailEnd/>
+          </a:ln>
+        </p:spPr>
+      </p:pic>
+      <p:sp>
+        <p:nvSpPr>
+          <p:cNvPr id="5" name="TextBox 3"/>
+          <p:cNvSpPr txBox="1"/>
+          <p:nvPr/>
+        </p:nvSpPr>
+        <p:spPr>
+          <a:xfrm>
+            <a:off x="5453148" y="4076700"/>
+            <a:ext cx="3630583" cy="508000"/>
+          </a:xfrm>
+          <a:prstGeom prst="rect">
+            <a:avLst/>
+          </a:prstGeom>
+          <a:noFill/>
+        </p:spPr>
+        <p:txBody>
+          <a:bodyPr/>
+          <a:lstStyle/>
+          <a:p>
+            <a:pPr marL="0" lvl="0" indent="0" algn="ctr">
+              <a:buNone/>
+            </a:pPr>
+            <a:r>
+              <a:rPr dirty="0"/>
+              <a:t>Influence functions for mean and median</a:t>
+            </a:r>
+          </a:p>
+        </p:txBody>
+      </p:sp>
+      <p:sp>
+        <p:nvSpPr>
+          <p:cNvPr id="6" name="Content Placeholder 2"/>
+          <p:cNvSpPr>
+            <a:spLocks noGrp="1"/>
+          </p:cNvSpPr>
+          <p:nvPr>
+            <p:ph idx="1"/>
+          </p:nvPr>
+        </p:nvSpPr>
+        <p:spPr>
+          <a:xfrm>
+            <a:off x="5726426" y="4735436"/>
+            <a:ext cx="3357305" cy="272744"/>
+          </a:xfrm>
+        </p:spPr>
+        <p:txBody>
+          <a:bodyPr>
+            <a:normAutofit lnSpcReduction="10000"/>
+          </a:bodyPr>
+          <a:lstStyle/>
+          <a:p>
+            <a:pPr marL="0" lvl="0" indent="0">
+              <a:buNone/>
+            </a:pPr>
+            <a:r>
+              <a:rPr sz="1200" i="1" dirty="0"/>
+              <a:t>Figure from Hampel, el.al., Robust Statistics, 1986</a:t>
+            </a:r>
+          </a:p>
+        </p:txBody>
+      </p:sp>
+    </p:spTree>
+  </p:cSld>
+  <p:clrMapOvr>
+    <a:masterClrMapping/>
+  </p:clrMapOvr>
+</p:sld>
+</file>
+
+<file path=ppt/slides/slide34.xml><?xml version="1.0" encoding="utf-8"?>
+<p:sld xmlns:a="http://schemas.openxmlformats.org/drawingml/2006/main" xmlns:r="http://schemas.openxmlformats.org/officeDocument/2006/relationships" xmlns:p="http://schemas.openxmlformats.org/presentationml/2006/main">
+  <p:cSld>
+    <p:spTree>
+      <p:nvGrpSpPr>
+        <p:cNvPr id="1" name=""/>
+        <p:cNvGrpSpPr/>
+        <p:nvPr/>
+      </p:nvGrpSpPr>
+      <p:grpSpPr>
+        <a:xfrm>
+          <a:off x="0" y="0"/>
+          <a:ext cx="0" cy="0"/>
+          <a:chOff x="0" y="0"/>
+          <a:chExt cx="0" cy="0"/>
+        </a:xfrm>
+      </p:grpSpPr>
+      <p:sp>
+        <p:nvSpPr>
+          <p:cNvPr id="2" name="Title 1"/>
+          <p:cNvSpPr>
+            <a:spLocks noGrp="1"/>
+          </p:cNvSpPr>
+          <p:nvPr>
+            <p:ph type="title"/>
+          </p:nvPr>
+        </p:nvSpPr>
+        <p:spPr>
+          <a:xfrm>
+            <a:off x="457200" y="205979"/>
+            <a:ext cx="8229600" cy="683483"/>
+          </a:xfrm>
+        </p:spPr>
+        <p:txBody>
+          <a:bodyPr/>
+          <a:lstStyle/>
+          <a:p>
+            <a:pPr marL="0" lvl="0" indent="0">
+              <a:buNone/>
+            </a:pPr>
+            <a:r>
+              <a:rPr dirty="0"/>
               <a:t>Dealing With Outliers</a:t>
             </a:r>
           </a:p>
@@ -12334,7 +12570,12 @@
                 <p:ph idx="1"/>
               </p:nvPr>
             </p:nvSpPr>
-            <p:spPr/>
+            <p:spPr>
+              <a:xfrm>
+                <a:off x="457200" y="1063230"/>
+                <a:ext cx="5291051" cy="3916094"/>
+              </a:xfrm>
+            </p:spPr>
             <p:txBody>
               <a:bodyPr>
                 <a:normAutofit fontScale="92500" lnSpcReduction="20000"/>
@@ -12345,31 +12586,64 @@
                   <a:buNone/>
                 </a:pPr>
                 <a:r>
-                  <a:t>Could we simply edit out the outliers?</a:t>
+                  <a:rPr lang="en-US" dirty="0"/>
+                  <a:t>Can we </a:t>
+                </a:r>
+                <a:r>
+                  <a:rPr dirty="0"/>
+                  <a:t>simply edit out the outliers?</a:t>
                 </a:r>
               </a:p>
               <a:p>
                 <a:pPr lvl="0"/>
                 <a:r>
-                  <a:t>But what fraction of the data are outliers?</a:t>
+                  <a:rPr dirty="0"/>
+                  <a:t>B</a:t>
+                </a:r>
+                <a:r>
+                  <a:rPr lang="en-US" dirty="0"/>
+                  <a:t>u</a:t>
+                </a:r>
+                <a:r>
+                  <a:rPr dirty="0"/>
+                  <a:t>t</a:t>
+                </a:r>
+                <a:r>
+                  <a:rPr lang="en-US" dirty="0"/>
+                  <a:t>,</a:t>
+                </a:r>
+                <a:r>
+                  <a:rPr dirty="0"/>
+                  <a:t> what fraction of the data are outliers?</a:t>
                 </a:r>
               </a:p>
               <a:p>
                 <a:pPr lvl="0"/>
                 <a:r>
-                  <a:t>Know as the </a:t>
-                </a:r>
-                <a:r>
-                  <a:rPr b="1"/>
+                  <a:rPr dirty="0"/>
+                  <a:t>Know</a:t>
+                </a:r>
+                <a:r>
+                  <a:rPr lang="en-US" dirty="0"/>
+                  <a:t>n</a:t>
+                </a:r>
+                <a:r>
+                  <a:rPr dirty="0"/>
+                  <a:t> as the </a:t>
+                </a:r>
+                <a:r>
+                  <a:rPr b="1" dirty="0"/>
                   <a:t>alpha trimmed mean</a:t>
                 </a:r>
                 <a:r>
+                  <a:rPr dirty="0"/>
                   <a:t> algorithm</a:t>
                 </a:r>
               </a:p>
               <a:p>
                 <a:pPr lvl="1"/>
                 <a:r>
+                  <a:rPr dirty="0"/>
                   <a:t>Order the values and remove </a:t>
                 </a:r>
                 <a14:m>
@@ -12395,22 +12669,25 @@
                   </m:oMath>
                 </a14:m>
                 <a:r>
-                  <a:t> highest and lowest</a:t>
-                </a:r>
-                <a:br/>
-                <a:endParaRPr/>
+                  <a:rPr lang="en-US" dirty="0"/>
+                  <a:t> of </a:t>
+                </a:r>
+                <a:r>
+                  <a:rPr dirty="0"/>
+                  <a:t>highest and lowest</a:t>
+                </a:r>
               </a:p>
               <a:p>
                 <a:pPr lvl="1"/>
                 <a:r>
+                  <a:rPr dirty="0"/>
                   <a:t>But, alpha trimming is a bit arbitrary</a:t>
                 </a:r>
-                <a:br/>
-                <a:endParaRPr/>
               </a:p>
               <a:p>
                 <a:pPr lvl="1"/>
                 <a:r>
+                  <a:rPr dirty="0"/>
                   <a:t>Is a biased estimator, with bias increasing with </a:t>
                 </a:r>
                 <a14:m>
@@ -12423,8 +12700,7 @@
                     </m:r>
                   </m:oMath>
                 </a14:m>
-                <a:br/>
-                <a:endParaRPr/>
+                <a:endParaRPr dirty="0"/>
               </a:p>
               <a:p>
                 <a:pPr lvl="1"/>
@@ -12463,12 +12739,14 @@
                   </m:oMath>
                 </a14:m>
                 <a:r>
+                  <a:rPr dirty="0"/>
                   <a:t> is the median</a:t>
                 </a:r>
               </a:p>
               <a:p>
                 <a:pPr lvl="0"/>
                 <a:r>
+                  <a:rPr dirty="0"/>
                   <a:t>Alpha trimming hard to implement in higher dimensions</a:t>
                 </a:r>
               </a:p>
@@ -12487,10 +12765,14 @@
               </p:nvPr>
             </p:nvSpPr>
             <p:spPr>
+              <a:xfrm>
+                <a:off x="457200" y="1063230"/>
+                <a:ext cx="5291051" cy="3916094"/>
+              </a:xfrm>
               <a:blipFill>
                 <a:blip r:embed="rId2"/>
                 <a:stretch>
-                  <a:fillRect l="-963" t="-3052"/>
+                  <a:fillRect l="-1498" t="-2488" r="-461" b="-156"/>
                 </a:stretch>
               </a:blipFill>
             </p:spPr>
@@ -12525,8 +12807,8 @@
         </p:blipFill>
         <p:spPr bwMode="auto">
           <a:xfrm>
-            <a:off x="3213100" y="1193800"/>
-            <a:ext cx="2717800" cy="2882900"/>
+            <a:off x="5860473" y="933983"/>
+            <a:ext cx="3087947" cy="3275533"/>
           </a:xfrm>
           <a:prstGeom prst="rect">
             <a:avLst/>
@@ -12547,8 +12829,8 @@
         </p:nvSpPr>
         <p:spPr>
           <a:xfrm>
-            <a:off x="457200" y="4076700"/>
-            <a:ext cx="8229600" cy="508000"/>
+            <a:off x="6105697" y="4209516"/>
+            <a:ext cx="2925849" cy="508000"/>
           </a:xfrm>
           <a:prstGeom prst="rect">
             <a:avLst/>
@@ -12563,6 +12845,7 @@
               <a:buNone/>
             </a:pPr>
             <a:r>
+              <a:rPr dirty="0"/>
               <a:t>Influence functions for alpha trimmed mean</a:t>
             </a:r>
           </a:p>
@@ -12570,151 +12853,352 @@
       </p:sp>
       <p:sp>
         <p:nvSpPr>
-          <p:cNvPr id="6" name="Content Placeholder 2"/>
-          <p:cNvSpPr>
-            <a:spLocks noGrp="1"/>
+          <p:cNvPr id="9" name="Content Placeholder 2">
+            <a:extLst>
+              <a:ext uri="{FF2B5EF4-FFF2-40B4-BE49-F238E27FC236}">
+                <a16:creationId xmlns:a16="http://schemas.microsoft.com/office/drawing/2014/main" id="{C3A6E9E0-6D9D-0857-6834-F72B52D4AE52}"/>
+              </a:ext>
+            </a:extLst>
+          </p:cNvPr>
+          <p:cNvSpPr txBox="1">
+            <a:spLocks/>
           </p:cNvSpPr>
-          <p:nvPr>
-            <p:ph idx="1"/>
-          </p:nvPr>
+          <p:nvPr/>
         </p:nvSpPr>
-        <p:spPr/>
+        <p:spPr>
+          <a:xfrm>
+            <a:off x="5831377" y="4801148"/>
+            <a:ext cx="3312623" cy="272744"/>
+          </a:xfrm>
+          <a:prstGeom prst="rect">
+            <a:avLst/>
+          </a:prstGeom>
+        </p:spPr>
         <p:txBody>
-          <a:bodyPr/>
-          <a:lstStyle/>
-          <a:p>
-            <a:pPr marL="0" lvl="0" indent="0">
+          <a:bodyPr vert="horz" lIns="91440" tIns="45720" rIns="91440" bIns="45720" rtlCol="0">
+            <a:normAutofit lnSpcReduction="10000"/>
+          </a:bodyPr>
+          <a:lstStyle>
+            <a:lvl1pPr marL="342900" indent="-342900" algn="l" defTabSz="342900" rtl="0" eaLnBrk="1" latinLnBrk="0" hangingPunct="1">
+              <a:spcBef>
+                <a:spcPct val="20000"/>
+              </a:spcBef>
+              <a:buFont typeface="Arial"/>
+              <a:buChar char="•"/>
+              <a:defRPr sz="2400" kern="1200">
+                <a:solidFill>
+                  <a:schemeClr val="tx1"/>
+                </a:solidFill>
+                <a:latin typeface="+mn-lt"/>
+                <a:ea typeface="+mn-ea"/>
+                <a:cs typeface="+mn-cs"/>
+              </a:defRPr>
+            </a:lvl1pPr>
+            <a:lvl2pPr marL="685800" indent="-342900" algn="l" defTabSz="342900" rtl="0" eaLnBrk="1" latinLnBrk="0" hangingPunct="1">
+              <a:spcBef>
+                <a:spcPct val="20000"/>
+              </a:spcBef>
+              <a:buFont typeface="Arial"/>
+              <a:buChar char="–"/>
+              <a:defRPr sz="2100" kern="1200">
+                <a:solidFill>
+                  <a:schemeClr val="tx1"/>
+                </a:solidFill>
+                <a:latin typeface="+mn-lt"/>
+                <a:ea typeface="+mn-ea"/>
+                <a:cs typeface="+mn-cs"/>
+              </a:defRPr>
+            </a:lvl2pPr>
+            <a:lvl3pPr marL="1028700" indent="-342900" algn="l" defTabSz="342900" rtl="0" eaLnBrk="1" latinLnBrk="0" hangingPunct="1">
+              <a:spcBef>
+                <a:spcPct val="20000"/>
+              </a:spcBef>
+              <a:buFont typeface="Arial"/>
+              <a:buChar char="•"/>
+              <a:defRPr sz="1800" kern="1200">
+                <a:solidFill>
+                  <a:schemeClr val="tx1"/>
+                </a:solidFill>
+                <a:latin typeface="+mn-lt"/>
+                <a:ea typeface="+mn-ea"/>
+                <a:cs typeface="+mn-cs"/>
+              </a:defRPr>
+            </a:lvl3pPr>
+            <a:lvl4pPr marL="1371600" indent="-342900" algn="l" defTabSz="342900" rtl="0" eaLnBrk="1" latinLnBrk="0" hangingPunct="1">
+              <a:spcBef>
+                <a:spcPct val="20000"/>
+              </a:spcBef>
+              <a:buFont typeface="Arial"/>
+              <a:buChar char="–"/>
+              <a:defRPr sz="1500" kern="1200">
+                <a:solidFill>
+                  <a:schemeClr val="tx1"/>
+                </a:solidFill>
+                <a:latin typeface="+mn-lt"/>
+                <a:ea typeface="+mn-ea"/>
+                <a:cs typeface="+mn-cs"/>
+              </a:defRPr>
+            </a:lvl4pPr>
+            <a:lvl5pPr marL="1714500" indent="-342900" algn="l" defTabSz="342900" rtl="0" eaLnBrk="1" latinLnBrk="0" hangingPunct="1">
+              <a:spcBef>
+                <a:spcPct val="20000"/>
+              </a:spcBef>
+              <a:buFont typeface="Arial"/>
+              <a:buChar char="»"/>
+              <a:defRPr sz="1500" kern="1200">
+                <a:solidFill>
+                  <a:schemeClr val="tx1"/>
+                </a:solidFill>
+                <a:latin typeface="+mn-lt"/>
+                <a:ea typeface="+mn-ea"/>
+                <a:cs typeface="+mn-cs"/>
+              </a:defRPr>
+            </a:lvl5pPr>
+            <a:lvl6pPr marL="2057400" indent="-342900" algn="l" defTabSz="342900" rtl="0" eaLnBrk="1" latinLnBrk="0" hangingPunct="1">
+              <a:spcBef>
+                <a:spcPct val="20000"/>
+              </a:spcBef>
+              <a:buFont typeface="Arial"/>
+              <a:buChar char="•"/>
+              <a:defRPr sz="1500" kern="1200">
+                <a:solidFill>
+                  <a:schemeClr val="tx1"/>
+                </a:solidFill>
+                <a:latin typeface="+mn-lt"/>
+                <a:ea typeface="+mn-ea"/>
+                <a:cs typeface="+mn-cs"/>
+              </a:defRPr>
+            </a:lvl6pPr>
+            <a:lvl7pPr marL="2400300" indent="-342900" algn="l" defTabSz="342900" rtl="0" eaLnBrk="1" latinLnBrk="0" hangingPunct="1">
+              <a:spcBef>
+                <a:spcPct val="20000"/>
+              </a:spcBef>
+              <a:buFont typeface="Arial"/>
+              <a:buChar char="•"/>
+              <a:defRPr sz="1500" kern="1200">
+                <a:solidFill>
+                  <a:schemeClr val="tx1"/>
+                </a:solidFill>
+                <a:latin typeface="+mn-lt"/>
+                <a:ea typeface="+mn-ea"/>
+                <a:cs typeface="+mn-cs"/>
+              </a:defRPr>
+            </a:lvl7pPr>
+            <a:lvl8pPr marL="2743200" indent="-342900" algn="l" defTabSz="342900" rtl="0" eaLnBrk="1" latinLnBrk="0" hangingPunct="1">
+              <a:spcBef>
+                <a:spcPct val="20000"/>
+              </a:spcBef>
+              <a:buFont typeface="Arial"/>
+              <a:buChar char="•"/>
+              <a:defRPr sz="1500" kern="1200">
+                <a:solidFill>
+                  <a:schemeClr val="tx1"/>
+                </a:solidFill>
+                <a:latin typeface="+mn-lt"/>
+                <a:ea typeface="+mn-ea"/>
+                <a:cs typeface="+mn-cs"/>
+              </a:defRPr>
+            </a:lvl8pPr>
+            <a:lvl9pPr marL="3086100" indent="-342900" algn="l" defTabSz="342900" rtl="0" eaLnBrk="1" latinLnBrk="0" hangingPunct="1">
+              <a:spcBef>
+                <a:spcPct val="20000"/>
+              </a:spcBef>
+              <a:buFont typeface="Arial"/>
+              <a:buChar char="•"/>
+              <a:defRPr sz="1500" kern="1200">
+                <a:solidFill>
+                  <a:schemeClr val="tx1"/>
+                </a:solidFill>
+                <a:latin typeface="+mn-lt"/>
+                <a:ea typeface="+mn-ea"/>
+                <a:cs typeface="+mn-cs"/>
+              </a:defRPr>
+            </a:lvl9pPr>
+          </a:lstStyle>
+          <a:p>
+            <a:pPr marL="0" indent="0">
+              <a:buFont typeface="Arial"/>
               <a:buNone/>
             </a:pPr>
             <a:r>
-              <a:rPr i="1"/>
+              <a:rPr lang="en-US" sz="1200" i="1" dirty="0"/>
               <a:t>Figure from Hampel, el.al., Robust Statistics, 1986</a:t>
-            </a:r>
-          </a:p>
-        </p:txBody>
-      </p:sp>
-    </p:spTree>
-  </p:cSld>
-  <p:clrMapOvr>
-    <a:masterClrMapping/>
-  </p:clrMapOvr>
-</p:sld>
-</file>
-
-<file path=ppt/slides/slide34.xml><?xml version="1.0" encoding="utf-8"?>
-<p:sld xmlns:a="http://schemas.openxmlformats.org/drawingml/2006/main" xmlns:r="http://schemas.openxmlformats.org/officeDocument/2006/relationships" xmlns:p="http://schemas.openxmlformats.org/presentationml/2006/main">
-  <p:cSld>
-    <p:spTree>
-      <p:nvGrpSpPr>
-        <p:cNvPr id="1" name=""/>
-        <p:cNvGrpSpPr/>
-        <p:nvPr/>
-      </p:nvGrpSpPr>
-      <p:grpSpPr>
-        <a:xfrm>
-          <a:off x="0" y="0"/>
-          <a:ext cx="0" cy="0"/>
-          <a:chOff x="0" y="0"/>
-          <a:chExt cx="0" cy="0"/>
-        </a:xfrm>
-      </p:grpSpPr>
-      <p:sp>
-        <p:nvSpPr>
-          <p:cNvPr id="2" name="Title 1"/>
-          <p:cNvSpPr>
-            <a:spLocks noGrp="1"/>
-          </p:cNvSpPr>
-          <p:nvPr>
-            <p:ph type="title"/>
-          </p:nvPr>
-        </p:nvSpPr>
-        <p:spPr/>
-        <p:txBody>
-          <a:bodyPr/>
-          <a:lstStyle/>
-          <a:p>
-            <a:pPr marL="0" lvl="0" indent="0">
-              <a:buNone/>
-            </a:pPr>
-            <a:r>
-              <a:t>Dealing With Outliers</a:t>
             </a:r>
           </a:p>
         </p:txBody>
       </p:sp>
       <p:sp>
         <p:nvSpPr>
-          <p:cNvPr id="3" name="Content Placeholder 2"/>
-          <p:cNvSpPr>
-            <a:spLocks noGrp="1"/>
+          <p:cNvPr id="10" name="Content Placeholder 2">
+            <a:extLst>
+              <a:ext uri="{FF2B5EF4-FFF2-40B4-BE49-F238E27FC236}">
+                <a16:creationId xmlns:a16="http://schemas.microsoft.com/office/drawing/2014/main" id="{386ED9C3-06CA-B81F-A0ED-4288104E91FB}"/>
+              </a:ext>
+            </a:extLst>
+          </p:cNvPr>
+          <p:cNvSpPr txBox="1">
+            <a:spLocks/>
           </p:cNvSpPr>
-          <p:nvPr>
-            <p:ph idx="1"/>
-          </p:nvPr>
+          <p:nvPr/>
         </p:nvSpPr>
-        <p:spPr/>
+        <p:spPr>
+          <a:xfrm>
+            <a:off x="4991792" y="4711284"/>
+            <a:ext cx="3312623" cy="272744"/>
+          </a:xfrm>
+          <a:prstGeom prst="rect">
+            <a:avLst/>
+          </a:prstGeom>
+        </p:spPr>
         <p:txBody>
-          <a:bodyPr>
-            <a:normAutofit fontScale="92500" lnSpcReduction="20000"/>
+          <a:bodyPr vert="horz" lIns="91440" tIns="45720" rIns="91440" bIns="45720" rtlCol="0">
+            <a:normAutofit lnSpcReduction="10000"/>
           </a:bodyPr>
-          <a:lstStyle/>
-          <a:p>
-            <a:pPr marL="0" lvl="0" indent="0">
+          <a:lstStyle>
+            <a:lvl1pPr marL="342900" indent="-342900" algn="l" defTabSz="342900" rtl="0" eaLnBrk="1" latinLnBrk="0" hangingPunct="1">
+              <a:spcBef>
+                <a:spcPct val="20000"/>
+              </a:spcBef>
+              <a:buFont typeface="Arial"/>
+              <a:buChar char="•"/>
+              <a:defRPr sz="2400" kern="1200">
+                <a:solidFill>
+                  <a:schemeClr val="tx1"/>
+                </a:solidFill>
+                <a:latin typeface="+mn-lt"/>
+                <a:ea typeface="+mn-ea"/>
+                <a:cs typeface="+mn-cs"/>
+              </a:defRPr>
+            </a:lvl1pPr>
+            <a:lvl2pPr marL="685800" indent="-342900" algn="l" defTabSz="342900" rtl="0" eaLnBrk="1" latinLnBrk="0" hangingPunct="1">
+              <a:spcBef>
+                <a:spcPct val="20000"/>
+              </a:spcBef>
+              <a:buFont typeface="Arial"/>
+              <a:buChar char="–"/>
+              <a:defRPr sz="2100" kern="1200">
+                <a:solidFill>
+                  <a:schemeClr val="tx1"/>
+                </a:solidFill>
+                <a:latin typeface="+mn-lt"/>
+                <a:ea typeface="+mn-ea"/>
+                <a:cs typeface="+mn-cs"/>
+              </a:defRPr>
+            </a:lvl2pPr>
+            <a:lvl3pPr marL="1028700" indent="-342900" algn="l" defTabSz="342900" rtl="0" eaLnBrk="1" latinLnBrk="0" hangingPunct="1">
+              <a:spcBef>
+                <a:spcPct val="20000"/>
+              </a:spcBef>
+              <a:buFont typeface="Arial"/>
+              <a:buChar char="•"/>
+              <a:defRPr sz="1800" kern="1200">
+                <a:solidFill>
+                  <a:schemeClr val="tx1"/>
+                </a:solidFill>
+                <a:latin typeface="+mn-lt"/>
+                <a:ea typeface="+mn-ea"/>
+                <a:cs typeface="+mn-cs"/>
+              </a:defRPr>
+            </a:lvl3pPr>
+            <a:lvl4pPr marL="1371600" indent="-342900" algn="l" defTabSz="342900" rtl="0" eaLnBrk="1" latinLnBrk="0" hangingPunct="1">
+              <a:spcBef>
+                <a:spcPct val="20000"/>
+              </a:spcBef>
+              <a:buFont typeface="Arial"/>
+              <a:buChar char="–"/>
+              <a:defRPr sz="1500" kern="1200">
+                <a:solidFill>
+                  <a:schemeClr val="tx1"/>
+                </a:solidFill>
+                <a:latin typeface="+mn-lt"/>
+                <a:ea typeface="+mn-ea"/>
+                <a:cs typeface="+mn-cs"/>
+              </a:defRPr>
+            </a:lvl4pPr>
+            <a:lvl5pPr marL="1714500" indent="-342900" algn="l" defTabSz="342900" rtl="0" eaLnBrk="1" latinLnBrk="0" hangingPunct="1">
+              <a:spcBef>
+                <a:spcPct val="20000"/>
+              </a:spcBef>
+              <a:buFont typeface="Arial"/>
+              <a:buChar char="»"/>
+              <a:defRPr sz="1500" kern="1200">
+                <a:solidFill>
+                  <a:schemeClr val="tx1"/>
+                </a:solidFill>
+                <a:latin typeface="+mn-lt"/>
+                <a:ea typeface="+mn-ea"/>
+                <a:cs typeface="+mn-cs"/>
+              </a:defRPr>
+            </a:lvl5pPr>
+            <a:lvl6pPr marL="2057400" indent="-342900" algn="l" defTabSz="342900" rtl="0" eaLnBrk="1" latinLnBrk="0" hangingPunct="1">
+              <a:spcBef>
+                <a:spcPct val="20000"/>
+              </a:spcBef>
+              <a:buFont typeface="Arial"/>
+              <a:buChar char="•"/>
+              <a:defRPr sz="1500" kern="1200">
+                <a:solidFill>
+                  <a:schemeClr val="tx1"/>
+                </a:solidFill>
+                <a:latin typeface="+mn-lt"/>
+                <a:ea typeface="+mn-ea"/>
+                <a:cs typeface="+mn-cs"/>
+              </a:defRPr>
+            </a:lvl6pPr>
+            <a:lvl7pPr marL="2400300" indent="-342900" algn="l" defTabSz="342900" rtl="0" eaLnBrk="1" latinLnBrk="0" hangingPunct="1">
+              <a:spcBef>
+                <a:spcPct val="20000"/>
+              </a:spcBef>
+              <a:buFont typeface="Arial"/>
+              <a:buChar char="•"/>
+              <a:defRPr sz="1500" kern="1200">
+                <a:solidFill>
+                  <a:schemeClr val="tx1"/>
+                </a:solidFill>
+                <a:latin typeface="+mn-lt"/>
+                <a:ea typeface="+mn-ea"/>
+                <a:cs typeface="+mn-cs"/>
+              </a:defRPr>
+            </a:lvl7pPr>
+            <a:lvl8pPr marL="2743200" indent="-342900" algn="l" defTabSz="342900" rtl="0" eaLnBrk="1" latinLnBrk="0" hangingPunct="1">
+              <a:spcBef>
+                <a:spcPct val="20000"/>
+              </a:spcBef>
+              <a:buFont typeface="Arial"/>
+              <a:buChar char="•"/>
+              <a:defRPr sz="1500" kern="1200">
+                <a:solidFill>
+                  <a:schemeClr val="tx1"/>
+                </a:solidFill>
+                <a:latin typeface="+mn-lt"/>
+                <a:ea typeface="+mn-ea"/>
+                <a:cs typeface="+mn-cs"/>
+              </a:defRPr>
+            </a:lvl8pPr>
+            <a:lvl9pPr marL="3086100" indent="-342900" algn="l" defTabSz="342900" rtl="0" eaLnBrk="1" latinLnBrk="0" hangingPunct="1">
+              <a:spcBef>
+                <a:spcPct val="20000"/>
+              </a:spcBef>
+              <a:buFont typeface="Arial"/>
+              <a:buChar char="•"/>
+              <a:defRPr sz="1500" kern="1200">
+                <a:solidFill>
+                  <a:schemeClr val="tx1"/>
+                </a:solidFill>
+                <a:latin typeface="+mn-lt"/>
+                <a:ea typeface="+mn-ea"/>
+                <a:cs typeface="+mn-cs"/>
+              </a:defRPr>
+            </a:lvl9pPr>
+          </a:lstStyle>
+          <a:p>
+            <a:pPr marL="0" indent="0">
+              <a:buFont typeface="Arial"/>
               <a:buNone/>
             </a:pPr>
             <a:r>
-              <a:t>Are there better estimators when outliers are present</a:t>
-            </a:r>
-          </a:p>
-          <a:p>
-            <a:pPr lvl="0"/>
-            <a:r>
-              <a:t>Yes, but must accept some bias</a:t>
-            </a:r>
-          </a:p>
-          <a:p>
-            <a:pPr lvl="0"/>
-            <a:r>
-              <a:t>Idea; estimator can be unbiased near the expected value, but limit influence of outliers</a:t>
-            </a:r>
-          </a:p>
-          <a:p>
-            <a:pPr lvl="1"/>
-            <a:r>
-              <a:t>Trade-off between high robustness and low bias</a:t>
-            </a:r>
-          </a:p>
-          <a:p>
-            <a:pPr lvl="0"/>
-            <a:r>
-              <a:t>Many ideas have been tried</a:t>
-            </a:r>
-          </a:p>
-          <a:p>
-            <a:pPr lvl="1"/>
-            <a:r>
-              <a:t>A major research focus in the 1970s and 1980s</a:t>
-            </a:r>
-            <a:br/>
-            <a:endParaRPr/>
-          </a:p>
-          <a:p>
-            <a:pPr lvl="1"/>
-            <a:r>
-              <a:rPr b="1"/>
-              <a:t>Huber estimator</a:t>
-            </a:r>
-            <a:br/>
-            <a:endParaRPr/>
-          </a:p>
-          <a:p>
-            <a:pPr lvl="1"/>
-            <a:r>
-              <a:t>Family of </a:t>
-            </a:r>
-            <a:r>
-              <a:rPr b="1"/>
-              <a:t>M-estimators</a:t>
+              <a:rPr lang="en-US" sz="1200" i="1" dirty="0"/>
+              <a:t>Figure from Hampel, el.al., Robust Statistics, 1986</a:t>
             </a:r>
           </a:p>
         </p:txBody>
@@ -12768,242 +13252,9 @@
           </a:p>
         </p:txBody>
       </p:sp>
-      <mc:AlternateContent xmlns:mc="http://schemas.openxmlformats.org/markup-compatibility/2006" xmlns:a14="http://schemas.microsoft.com/office/drawing/2010/main">
-        <mc:Choice Requires="a14">
-          <p:sp>
-            <p:nvSpPr>
-              <p:cNvPr id="3" name="Content Placeholder 2"/>
-              <p:cNvSpPr>
-                <a:spLocks noGrp="1"/>
-              </p:cNvSpPr>
-              <p:nvPr>
-                <p:ph idx="1"/>
-              </p:nvPr>
-            </p:nvSpPr>
-            <p:spPr/>
-            <p:txBody>
-              <a:bodyPr>
-                <a:normAutofit fontScale="92500" lnSpcReduction="10000"/>
-              </a:bodyPr>
-              <a:lstStyle/>
-              <a:p>
-                <a:pPr marL="0" lvl="0" indent="0">
-                  <a:buNone/>
-                </a:pPr>
-                <a:r>
-                  <a:t>What are the properties of the Huber estimator?</a:t>
-                </a:r>
-              </a:p>
-              <a:p>
-                <a:pPr lvl="0"/>
-                <a:r>
-                  <a:t>Influence function is linear near the mean but constant away from the mean</a:t>
-                </a:r>
-              </a:p>
-              <a:p>
-                <a:pPr lvl="1"/>
-                <a:r>
-                  <a:rPr b="1"/>
-                  <a:t>hinge point</a:t>
-                </a:r>
-                <a:r>
-                  <a:t> is at </a:t>
-                </a:r>
-                <a14:m>
-                  <m:oMath xmlns:m="http://schemas.openxmlformats.org/officeDocument/2006/math">
-                    <m:r>
-                      <a:rPr>
-                        <a:latin typeface="Cambria Math" panose="02040503050406030204" pitchFamily="18" charset="0"/>
-                      </a:rPr>
-                      <m:t>±</m:t>
-                    </m:r>
-                    <m:r>
-                      <a:rPr>
-                        <a:latin typeface="Cambria Math" panose="02040503050406030204" pitchFamily="18" charset="0"/>
-                      </a:rPr>
-                      <m:t>𝑡</m:t>
-                    </m:r>
-                    <m:r>
-                      <a:rPr>
-                        <a:latin typeface="Cambria Math" panose="02040503050406030204" pitchFamily="18" charset="0"/>
-                      </a:rPr>
-                      <m:t>∗</m:t>
-                    </m:r>
-                    <m:r>
-                      <a:rPr>
-                        <a:latin typeface="Cambria Math" panose="02040503050406030204" pitchFamily="18" charset="0"/>
-                      </a:rPr>
-                      <m:t>𝑀𝐴𝐷</m:t>
-                    </m:r>
-                  </m:oMath>
-                </a14:m>
-                <a:r>
-                  <a:t>, where </a:t>
-                </a:r>
-                <a14:m>
-                  <m:oMath xmlns:m="http://schemas.openxmlformats.org/officeDocument/2006/math">
-                    <m:r>
-                      <a:rPr>
-                        <a:latin typeface="Cambria Math" panose="02040503050406030204" pitchFamily="18" charset="0"/>
-                      </a:rPr>
-                      <m:t>𝑀𝐴𝐷</m:t>
-                    </m:r>
-                    <m:r>
-                      <a:rPr>
-                        <a:latin typeface="Cambria Math" panose="02040503050406030204" pitchFamily="18" charset="0"/>
-                      </a:rPr>
-                      <m:t>=</m:t>
-                    </m:r>
-                  </m:oMath>
-                </a14:m>
-                <a:r>
-                  <a:t> </a:t>
-                </a:r>
-                <a:r>
-                  <a:rPr b="1"/>
-                  <a:t>median absolute deviation</a:t>
-                </a:r>
-                <a:br/>
-                <a:endParaRPr/>
-              </a:p>
-              <a:p>
-                <a:pPr lvl="1"/>
-                <a:r>
-                  <a:t>Robustness and bias increases as </a:t>
-                </a:r>
-                <a14:m>
-                  <m:oMath xmlns:m="http://schemas.openxmlformats.org/officeDocument/2006/math">
-                    <m:r>
-                      <a:rPr>
-                        <a:latin typeface="Cambria Math" panose="02040503050406030204" pitchFamily="18" charset="0"/>
-                      </a:rPr>
-                      <m:t>𝑡</m:t>
-                    </m:r>
-                  </m:oMath>
-                </a14:m>
-                <a:r>
-                  <a:t> decreases</a:t>
-                </a:r>
-              </a:p>
-              <a:p>
-                <a:pPr lvl="0"/>
-                <a:r>
-                  <a:t>Huber estimator is low bias</a:t>
-                </a:r>
-              </a:p>
-              <a:p>
-                <a:pPr lvl="1"/>
-                <a:r>
-                  <a:t>Unbiased for samples near the point estimate</a:t>
-                </a:r>
-                <a:br/>
-                <a:endParaRPr/>
-              </a:p>
-              <a:p>
-                <a:pPr lvl="1"/>
-                <a:r>
-                  <a:t>Constant influence away from the point estimate</a:t>
-                </a:r>
-              </a:p>
-            </p:txBody>
-          </p:sp>
-        </mc:Choice>
-        <mc:Fallback xmlns="">
-          <p:sp>
-            <p:nvSpPr>
-              <p:cNvPr id="3" name="Content Placeholder 2"/>
-              <p:cNvSpPr>
-                <a:spLocks noGrp="1" noRot="1" noChangeAspect="1" noMove="1" noResize="1" noEditPoints="1" noAdjustHandles="1" noChangeArrowheads="1" noChangeShapeType="1" noTextEdit="1"/>
-              </p:cNvSpPr>
-              <p:nvPr>
-                <p:ph idx="1"/>
-              </p:nvPr>
-            </p:nvSpPr>
-            <p:spPr>
-              <a:blipFill>
-                <a:blip r:embed="rId2"/>
-                <a:stretch>
-                  <a:fillRect l="-963" t="-2334"/>
-                </a:stretch>
-              </a:blipFill>
-            </p:spPr>
-            <p:txBody>
-              <a:bodyPr/>
-              <a:lstStyle/>
-              <a:p>
-                <a:r>
-                  <a:rPr lang="en-US">
-                    <a:noFill/>
-                  </a:rPr>
-                  <a:t> </a:t>
-                </a:r>
-              </a:p>
-            </p:txBody>
-          </p:sp>
-        </mc:Fallback>
-      </mc:AlternateContent>
-      <p:pic>
-        <p:nvPicPr>
-          <p:cNvPr id="4" name="Picture 1" descr="../images/Huber.png"/>
-          <p:cNvPicPr>
-            <a:picLocks noGrp="1" noChangeAspect="1"/>
-          </p:cNvPicPr>
-          <p:nvPr/>
-        </p:nvPicPr>
-        <p:blipFill>
-          <a:blip r:embed="rId3"/>
-          <a:stretch>
-            <a:fillRect/>
-          </a:stretch>
-        </p:blipFill>
-        <p:spPr bwMode="auto">
-          <a:xfrm>
-            <a:off x="1930400" y="1193800"/>
-            <a:ext cx="5270500" cy="2882900"/>
-          </a:xfrm>
-          <a:prstGeom prst="rect">
-            <a:avLst/>
-          </a:prstGeom>
-          <a:noFill/>
-          <a:ln w="9525">
-            <a:noFill/>
-            <a:headEnd/>
-            <a:tailEnd/>
-          </a:ln>
-        </p:spPr>
-      </p:pic>
       <p:sp>
         <p:nvSpPr>
-          <p:cNvPr id="5" name="TextBox 3"/>
-          <p:cNvSpPr txBox="1"/>
-          <p:nvPr/>
-        </p:nvSpPr>
-        <p:spPr>
-          <a:xfrm>
-            <a:off x="457200" y="4076700"/>
-            <a:ext cx="8229600" cy="508000"/>
-          </a:xfrm>
-          <a:prstGeom prst="rect">
-            <a:avLst/>
-          </a:prstGeom>
-          <a:noFill/>
-        </p:spPr>
-        <p:txBody>
-          <a:bodyPr/>
-          <a:lstStyle/>
-          <a:p>
-            <a:pPr marL="0" lvl="0" indent="0" algn="ctr">
-              <a:buNone/>
-            </a:pPr>
-            <a:r>
-              <a:t>Influence function of the Huber estimator</a:t>
-            </a:r>
-          </a:p>
-        </p:txBody>
-      </p:sp>
-      <p:sp>
-        <p:nvSpPr>
-          <p:cNvPr id="6" name="Content Placeholder 2"/>
+          <p:cNvPr id="3" name="Content Placeholder 2"/>
           <p:cNvSpPr>
             <a:spLocks noGrp="1"/>
           </p:cNvSpPr>
@@ -13013,15 +13264,96 @@
         </p:nvSpPr>
         <p:spPr/>
         <p:txBody>
-          <a:bodyPr/>
+          <a:bodyPr>
+            <a:normAutofit lnSpcReduction="10000"/>
+          </a:bodyPr>
           <a:lstStyle/>
           <a:p>
             <a:pPr marL="0" lvl="0" indent="0">
               <a:buNone/>
             </a:pPr>
             <a:r>
-              <a:rPr i="1"/>
-              <a:t>Figure from Hampel, el.al., Robust Statistics, 1986</a:t>
+              <a:rPr dirty="0"/>
+              <a:t>Are there better </a:t>
+            </a:r>
+            <a:r>
+              <a:rPr lang="en-US" dirty="0"/>
+              <a:t>robust </a:t>
+            </a:r>
+            <a:r>
+              <a:rPr dirty="0"/>
+              <a:t>estimators</a:t>
+            </a:r>
+            <a:r>
+              <a:rPr lang="en-US" dirty="0"/>
+              <a:t>?</a:t>
+            </a:r>
+            <a:endParaRPr dirty="0"/>
+          </a:p>
+          <a:p>
+            <a:pPr lvl="0"/>
+            <a:r>
+              <a:rPr dirty="0"/>
+              <a:t>Yes, but must accept some bias</a:t>
+            </a:r>
+          </a:p>
+          <a:p>
+            <a:pPr lvl="0"/>
+            <a:r>
+              <a:rPr dirty="0"/>
+              <a:t>Idea; estimator can be unbiased near the expected value</a:t>
+            </a:r>
+            <a:endParaRPr lang="en-US" dirty="0"/>
+          </a:p>
+          <a:p>
+            <a:pPr lvl="1"/>
+            <a:r>
+              <a:rPr lang="en-US" dirty="0"/>
+              <a:t>L</a:t>
+            </a:r>
+            <a:r>
+              <a:rPr dirty="0"/>
+              <a:t>imit influence of outliers</a:t>
+            </a:r>
+          </a:p>
+          <a:p>
+            <a:pPr lvl="1"/>
+            <a:r>
+              <a:rPr dirty="0"/>
+              <a:t>Trade-off between high robustness and low bias</a:t>
+            </a:r>
+          </a:p>
+          <a:p>
+            <a:pPr lvl="0"/>
+            <a:r>
+              <a:rPr dirty="0"/>
+              <a:t>Many ideas have been tried</a:t>
+            </a:r>
+          </a:p>
+          <a:p>
+            <a:pPr lvl="1"/>
+            <a:r>
+              <a:rPr dirty="0"/>
+              <a:t>A major research focus in the 1970s and 1980s</a:t>
+            </a:r>
+          </a:p>
+          <a:p>
+            <a:pPr lvl="1"/>
+            <a:r>
+              <a:rPr b="1" dirty="0"/>
+              <a:t>Huber estimator</a:t>
+            </a:r>
+            <a:endParaRPr dirty="0"/>
+          </a:p>
+          <a:p>
+            <a:pPr lvl="1"/>
+            <a:r>
+              <a:rPr dirty="0"/>
+              <a:t>Family of </a:t>
+            </a:r>
+            <a:r>
+              <a:rPr b="1" dirty="0"/>
+              <a:t>M-estimators</a:t>
             </a:r>
           </a:p>
         </p:txBody>
@@ -13087,54 +13419,42 @@
                 <p:ph idx="1"/>
               </p:nvPr>
             </p:nvSpPr>
-            <p:spPr/>
+            <p:spPr>
+              <a:xfrm>
+                <a:off x="457200" y="1200150"/>
+                <a:ext cx="4871258" cy="3737371"/>
+              </a:xfrm>
+            </p:spPr>
             <p:txBody>
-              <a:bodyPr/>
+              <a:bodyPr>
+                <a:normAutofit fontScale="85000" lnSpcReduction="20000"/>
+              </a:bodyPr>
               <a:lstStyle/>
               <a:p>
                 <a:pPr marL="0" lvl="0" indent="0">
                   <a:buNone/>
                 </a:pPr>
                 <a:r>
-                  <a:rPr b="1"/>
-                  <a:t>M-estimators</a:t>
-                </a:r>
-                <a:r>
-                  <a:t> tapper influence to zero</a:t>
+                  <a:rPr dirty="0"/>
+                  <a:t>What are the properties of the Huber estimator?</a:t>
                 </a:r>
               </a:p>
               <a:p>
                 <a:pPr lvl="0"/>
                 <a:r>
-                  <a:t>Approximately linear influence near point estimate</a:t>
+                  <a:rPr dirty="0"/>
+                  <a:t>Influence function is linear near the mean but constant away from the mean</a:t>
                 </a:r>
               </a:p>
               <a:p>
                 <a:pPr lvl="1"/>
                 <a:r>
-                  <a:t>So nearly unbiased near the point estimate</a:t>
-                </a:r>
-              </a:p>
-              <a:p>
-                <a:pPr lvl="0"/>
-                <a:r>
-                  <a:t>Influence tappers to 0 for extreme outliers</a:t>
-                </a:r>
-              </a:p>
-              <a:p>
-                <a:pPr lvl="0"/>
-                <a:r>
-                  <a:t>An example is </a:t>
-                </a:r>
-                <a:r>
-                  <a:rPr b="1"/>
-                  <a:t>Tukey’s biweight</a:t>
-                </a:r>
-              </a:p>
-              <a:p>
-                <a:pPr lvl="1"/>
-                <a:r>
-                  <a:t>Only a single parameter for biweight function, </a:t>
+                  <a:rPr b="1" dirty="0"/>
+                  <a:t>hinge point</a:t>
+                </a:r>
+                <a:r>
+                  <a:rPr dirty="0"/>
+                  <a:t> is at </a:t>
                 </a:r>
                 <a14:m>
                   <m:oMath xmlns:m="http://schemas.openxmlformats.org/officeDocument/2006/math">
@@ -13142,17 +13462,31 @@
                       <a:rPr>
                         <a:latin typeface="Cambria Math" panose="02040503050406030204" pitchFamily="18" charset="0"/>
                       </a:rPr>
-                      <m:t>𝑟</m:t>
+                      <m:t>±</m:t>
+                    </m:r>
+                    <m:r>
+                      <a:rPr>
+                        <a:latin typeface="Cambria Math" panose="02040503050406030204" pitchFamily="18" charset="0"/>
+                      </a:rPr>
+                      <m:t>𝑡</m:t>
+                    </m:r>
+                    <m:r>
+                      <a:rPr>
+                        <a:latin typeface="Cambria Math" panose="02040503050406030204" pitchFamily="18" charset="0"/>
+                      </a:rPr>
+                      <m:t>∗</m:t>
+                    </m:r>
+                    <m:r>
+                      <a:rPr>
+                        <a:latin typeface="Cambria Math" panose="02040503050406030204" pitchFamily="18" charset="0"/>
+                      </a:rPr>
+                      <m:t>𝑀𝐴𝐷</m:t>
                     </m:r>
                   </m:oMath>
                 </a14:m>
-                <a:br/>
-                <a:endParaRPr/>
-              </a:p>
-              <a:p>
-                <a:pPr lvl="1"/>
-                <a:r>
-                  <a:t>Robustness and bias increase with decreasing </a:t>
+                <a:r>
+                  <a:rPr dirty="0"/>
+                  <a:t>, where </a:t>
                 </a:r>
                 <a14:m>
                   <m:oMath xmlns:m="http://schemas.openxmlformats.org/officeDocument/2006/math">
@@ -13160,11 +13494,67 @@
                       <a:rPr>
                         <a:latin typeface="Cambria Math" panose="02040503050406030204" pitchFamily="18" charset="0"/>
                       </a:rPr>
-                      <m:t>𝑟</m:t>
+                      <m:t>𝑀𝐴𝐷</m:t>
+                    </m:r>
+                    <m:r>
+                      <a:rPr>
+                        <a:latin typeface="Cambria Math" panose="02040503050406030204" pitchFamily="18" charset="0"/>
+                      </a:rPr>
+                      <m:t>=</m:t>
                     </m:r>
                   </m:oMath>
                 </a14:m>
-                <a:endParaRPr/>
+                <a:r>
+                  <a:rPr dirty="0"/>
+                  <a:t> </a:t>
+                </a:r>
+                <a:r>
+                  <a:rPr b="1" dirty="0"/>
+                  <a:t>median absolute deviation</a:t>
+                </a:r>
+                <a:endParaRPr dirty="0"/>
+              </a:p>
+              <a:p>
+                <a:pPr lvl="1"/>
+                <a:r>
+                  <a:rPr dirty="0"/>
+                  <a:t>Robustness and bias increases as </a:t>
+                </a:r>
+                <a14:m>
+                  <m:oMath xmlns:m="http://schemas.openxmlformats.org/officeDocument/2006/math">
+                    <m:r>
+                      <a:rPr>
+                        <a:latin typeface="Cambria Math" panose="02040503050406030204" pitchFamily="18" charset="0"/>
+                      </a:rPr>
+                      <m:t>𝑡</m:t>
+                    </m:r>
+                  </m:oMath>
+                </a14:m>
+                <a:r>
+                  <a:rPr dirty="0"/>
+                  <a:t> decreases</a:t>
+                </a:r>
+              </a:p>
+              <a:p>
+                <a:pPr lvl="0"/>
+                <a:r>
+                  <a:rPr dirty="0"/>
+                  <a:t>Huber estimator is low bias</a:t>
+                </a:r>
+              </a:p>
+              <a:p>
+                <a:pPr lvl="1"/>
+                <a:r>
+                  <a:rPr dirty="0"/>
+                  <a:t>Unbiased for samples near the point estimate</a:t>
+                </a:r>
+              </a:p>
+              <a:p>
+                <a:pPr lvl="1"/>
+                <a:r>
+                  <a:rPr dirty="0"/>
+                  <a:t>Constant influence away from the point estimate</a:t>
+                </a:r>
               </a:p>
             </p:txBody>
           </p:sp>
@@ -13181,10 +13571,14 @@
               </p:nvPr>
             </p:nvSpPr>
             <p:spPr>
+              <a:xfrm>
+                <a:off x="457200" y="1200150"/>
+                <a:ext cx="4871258" cy="3737371"/>
+              </a:xfrm>
               <a:blipFill>
                 <a:blip r:embed="rId2"/>
                 <a:stretch>
-                  <a:fillRect l="-1111" t="-1436"/>
+                  <a:fillRect l="-1252" t="-2447" r="-1877"/>
                 </a:stretch>
               </a:blipFill>
             </p:spPr>
@@ -13205,7 +13599,7 @@
       </mc:AlternateContent>
       <p:pic>
         <p:nvPicPr>
-          <p:cNvPr id="4" name="Picture 1" descr="../images/TukeysBiweight.png"/>
+          <p:cNvPr id="4" name="Picture 1" descr="../images/Huber.png"/>
           <p:cNvPicPr>
             <a:picLocks noGrp="1" noChangeAspect="1"/>
           </p:cNvPicPr>
@@ -13219,8 +13613,8 @@
         </p:blipFill>
         <p:spPr bwMode="auto">
           <a:xfrm>
-            <a:off x="1485900" y="1193800"/>
-            <a:ext cx="6172200" cy="2882900"/>
+            <a:off x="5270268" y="1556328"/>
+            <a:ext cx="3812826" cy="2085570"/>
           </a:xfrm>
           <a:prstGeom prst="rect">
             <a:avLst/>
@@ -13241,8 +13635,8 @@
         </p:nvSpPr>
         <p:spPr>
           <a:xfrm>
-            <a:off x="457200" y="4076700"/>
-            <a:ext cx="8229600" cy="508000"/>
+            <a:off x="5586153" y="3699814"/>
+            <a:ext cx="3557847" cy="660536"/>
           </a:xfrm>
           <a:prstGeom prst="rect">
             <a:avLst/>
@@ -13257,31 +13651,183 @@
               <a:buNone/>
             </a:pPr>
             <a:r>
-              <a:t>Influence function of the Tukey’s Biweight M-estimator</a:t>
+              <a:rPr dirty="0"/>
+              <a:t>Influence function of the Huber estimator</a:t>
             </a:r>
           </a:p>
         </p:txBody>
       </p:sp>
       <p:sp>
         <p:nvSpPr>
-          <p:cNvPr id="6" name="Content Placeholder 2"/>
-          <p:cNvSpPr>
-            <a:spLocks noGrp="1"/>
+          <p:cNvPr id="9" name="Content Placeholder 2">
+            <a:extLst>
+              <a:ext uri="{FF2B5EF4-FFF2-40B4-BE49-F238E27FC236}">
+                <a16:creationId xmlns:a16="http://schemas.microsoft.com/office/drawing/2014/main" id="{17DDE02E-B6AA-FD37-F3A4-CEAB38E9CBC0}"/>
+              </a:ext>
+            </a:extLst>
+          </p:cNvPr>
+          <p:cNvSpPr txBox="1">
+            <a:spLocks/>
           </p:cNvSpPr>
-          <p:nvPr>
-            <p:ph idx="1"/>
-          </p:nvPr>
+          <p:nvPr/>
         </p:nvSpPr>
-        <p:spPr/>
+        <p:spPr>
+          <a:xfrm>
+            <a:off x="5792291" y="4458251"/>
+            <a:ext cx="3290803" cy="272744"/>
+          </a:xfrm>
+          <a:prstGeom prst="rect">
+            <a:avLst/>
+          </a:prstGeom>
+        </p:spPr>
         <p:txBody>
-          <a:bodyPr/>
-          <a:lstStyle/>
-          <a:p>
-            <a:pPr marL="0" lvl="0" indent="0">
+          <a:bodyPr vert="horz" lIns="91440" tIns="45720" rIns="91440" bIns="45720" rtlCol="0">
+            <a:normAutofit lnSpcReduction="10000"/>
+          </a:bodyPr>
+          <a:lstStyle>
+            <a:lvl1pPr marL="342900" indent="-342900" algn="l" defTabSz="342900" rtl="0" eaLnBrk="1" latinLnBrk="0" hangingPunct="1">
+              <a:spcBef>
+                <a:spcPct val="20000"/>
+              </a:spcBef>
+              <a:buFont typeface="Arial"/>
+              <a:buChar char="•"/>
+              <a:defRPr sz="2400" kern="1200">
+                <a:solidFill>
+                  <a:schemeClr val="tx1"/>
+                </a:solidFill>
+                <a:latin typeface="+mn-lt"/>
+                <a:ea typeface="+mn-ea"/>
+                <a:cs typeface="+mn-cs"/>
+              </a:defRPr>
+            </a:lvl1pPr>
+            <a:lvl2pPr marL="685800" indent="-342900" algn="l" defTabSz="342900" rtl="0" eaLnBrk="1" latinLnBrk="0" hangingPunct="1">
+              <a:spcBef>
+                <a:spcPct val="20000"/>
+              </a:spcBef>
+              <a:buFont typeface="Arial"/>
+              <a:buChar char="–"/>
+              <a:defRPr sz="2100" kern="1200">
+                <a:solidFill>
+                  <a:schemeClr val="tx1"/>
+                </a:solidFill>
+                <a:latin typeface="+mn-lt"/>
+                <a:ea typeface="+mn-ea"/>
+                <a:cs typeface="+mn-cs"/>
+              </a:defRPr>
+            </a:lvl2pPr>
+            <a:lvl3pPr marL="1028700" indent="-342900" algn="l" defTabSz="342900" rtl="0" eaLnBrk="1" latinLnBrk="0" hangingPunct="1">
+              <a:spcBef>
+                <a:spcPct val="20000"/>
+              </a:spcBef>
+              <a:buFont typeface="Arial"/>
+              <a:buChar char="•"/>
+              <a:defRPr sz="1800" kern="1200">
+                <a:solidFill>
+                  <a:schemeClr val="tx1"/>
+                </a:solidFill>
+                <a:latin typeface="+mn-lt"/>
+                <a:ea typeface="+mn-ea"/>
+                <a:cs typeface="+mn-cs"/>
+              </a:defRPr>
+            </a:lvl3pPr>
+            <a:lvl4pPr marL="1371600" indent="-342900" algn="l" defTabSz="342900" rtl="0" eaLnBrk="1" latinLnBrk="0" hangingPunct="1">
+              <a:spcBef>
+                <a:spcPct val="20000"/>
+              </a:spcBef>
+              <a:buFont typeface="Arial"/>
+              <a:buChar char="–"/>
+              <a:defRPr sz="1500" kern="1200">
+                <a:solidFill>
+                  <a:schemeClr val="tx1"/>
+                </a:solidFill>
+                <a:latin typeface="+mn-lt"/>
+                <a:ea typeface="+mn-ea"/>
+                <a:cs typeface="+mn-cs"/>
+              </a:defRPr>
+            </a:lvl4pPr>
+            <a:lvl5pPr marL="1714500" indent="-342900" algn="l" defTabSz="342900" rtl="0" eaLnBrk="1" latinLnBrk="0" hangingPunct="1">
+              <a:spcBef>
+                <a:spcPct val="20000"/>
+              </a:spcBef>
+              <a:buFont typeface="Arial"/>
+              <a:buChar char="»"/>
+              <a:defRPr sz="1500" kern="1200">
+                <a:solidFill>
+                  <a:schemeClr val="tx1"/>
+                </a:solidFill>
+                <a:latin typeface="+mn-lt"/>
+                <a:ea typeface="+mn-ea"/>
+                <a:cs typeface="+mn-cs"/>
+              </a:defRPr>
+            </a:lvl5pPr>
+            <a:lvl6pPr marL="2057400" indent="-342900" algn="l" defTabSz="342900" rtl="0" eaLnBrk="1" latinLnBrk="0" hangingPunct="1">
+              <a:spcBef>
+                <a:spcPct val="20000"/>
+              </a:spcBef>
+              <a:buFont typeface="Arial"/>
+              <a:buChar char="•"/>
+              <a:defRPr sz="1500" kern="1200">
+                <a:solidFill>
+                  <a:schemeClr val="tx1"/>
+                </a:solidFill>
+                <a:latin typeface="+mn-lt"/>
+                <a:ea typeface="+mn-ea"/>
+                <a:cs typeface="+mn-cs"/>
+              </a:defRPr>
+            </a:lvl6pPr>
+            <a:lvl7pPr marL="2400300" indent="-342900" algn="l" defTabSz="342900" rtl="0" eaLnBrk="1" latinLnBrk="0" hangingPunct="1">
+              <a:spcBef>
+                <a:spcPct val="20000"/>
+              </a:spcBef>
+              <a:buFont typeface="Arial"/>
+              <a:buChar char="•"/>
+              <a:defRPr sz="1500" kern="1200">
+                <a:solidFill>
+                  <a:schemeClr val="tx1"/>
+                </a:solidFill>
+                <a:latin typeface="+mn-lt"/>
+                <a:ea typeface="+mn-ea"/>
+                <a:cs typeface="+mn-cs"/>
+              </a:defRPr>
+            </a:lvl7pPr>
+            <a:lvl8pPr marL="2743200" indent="-342900" algn="l" defTabSz="342900" rtl="0" eaLnBrk="1" latinLnBrk="0" hangingPunct="1">
+              <a:spcBef>
+                <a:spcPct val="20000"/>
+              </a:spcBef>
+              <a:buFont typeface="Arial"/>
+              <a:buChar char="•"/>
+              <a:defRPr sz="1500" kern="1200">
+                <a:solidFill>
+                  <a:schemeClr val="tx1"/>
+                </a:solidFill>
+                <a:latin typeface="+mn-lt"/>
+                <a:ea typeface="+mn-ea"/>
+                <a:cs typeface="+mn-cs"/>
+              </a:defRPr>
+            </a:lvl8pPr>
+            <a:lvl9pPr marL="3086100" indent="-342900" algn="l" defTabSz="342900" rtl="0" eaLnBrk="1" latinLnBrk="0" hangingPunct="1">
+              <a:spcBef>
+                <a:spcPct val="20000"/>
+              </a:spcBef>
+              <a:buFont typeface="Arial"/>
+              <a:buChar char="•"/>
+              <a:defRPr sz="1500" kern="1200">
+                <a:solidFill>
+                  <a:schemeClr val="tx1"/>
+                </a:solidFill>
+                <a:latin typeface="+mn-lt"/>
+                <a:ea typeface="+mn-ea"/>
+                <a:cs typeface="+mn-cs"/>
+              </a:defRPr>
+            </a:lvl9pPr>
+          </a:lstStyle>
+          <a:p>
+            <a:pPr marL="0" indent="0">
+              <a:buFont typeface="Arial"/>
               <a:buNone/>
             </a:pPr>
             <a:r>
-              <a:rPr i="1"/>
+              <a:rPr lang="en-US" sz="1200" i="1" dirty="0"/>
               <a:t>Figure from Hampel, el.al., Robust Statistics, 1986</a:t>
             </a:r>
           </a:p>
@@ -13322,35 +13868,6 @@
             <p:ph type="title"/>
           </p:nvPr>
         </p:nvSpPr>
-        <p:spPr>
-          <a:xfrm>
-            <a:off x="457201" y="204787"/>
-            <a:ext cx="3008313" cy="871538"/>
-          </a:xfrm>
-        </p:spPr>
-        <p:txBody>
-          <a:bodyPr/>
-          <a:lstStyle/>
-          <a:p>
-            <a:pPr marL="0" lvl="0" indent="0">
-              <a:buNone/>
-            </a:pPr>
-            <a:r>
-              <a:t>Dealing With Outliers</a:t>
-            </a:r>
-          </a:p>
-        </p:txBody>
-      </p:sp>
-      <p:sp>
-        <p:nvSpPr>
-          <p:cNvPr id="4" name="Text Placeholder 3"/>
-          <p:cNvSpPr>
-            <a:spLocks noGrp="1"/>
-          </p:cNvSpPr>
-          <p:nvPr>
-            <p:ph type="body" sz="half" idx="2"/>
-          </p:nvPr>
-        </p:nvSpPr>
         <p:spPr/>
         <p:txBody>
           <a:bodyPr/>
@@ -13360,168 +13877,192 @@
               <a:buNone/>
             </a:pPr>
             <a:r>
-              <a:t>Example: regression with Huber loss function</a:t>
-            </a:r>
-          </a:p>
-          <a:p>
-            <a:pPr lvl="0" indent="0">
-              <a:buNone/>
-            </a:pPr>
-            <a:r>
-              <a:rPr i="1">
-                <a:solidFill>
-                  <a:srgbClr val="60A0B0"/>
-                </a:solidFill>
-                <a:latin typeface="Courier"/>
-              </a:rPr>
-              <a:t>## Define the robust regression model and fit it to the data</a:t>
-            </a:r>
-            <a:br/>
-            <a:r>
-              <a:rPr>
-                <a:latin typeface="Courier"/>
-              </a:rPr>
-              <a:t>ols_model_huber </a:t>
-            </a:r>
-            <a:r>
-              <a:rPr>
-                <a:solidFill>
-                  <a:srgbClr val="666666"/>
-                </a:solidFill>
-                <a:latin typeface="Courier"/>
-              </a:rPr>
-              <a:t>=</a:t>
-            </a:r>
-            <a:r>
-              <a:rPr>
-                <a:latin typeface="Courier"/>
-              </a:rPr>
-              <a:t> smf.rlm(formula </a:t>
-            </a:r>
-            <a:r>
-              <a:rPr>
-                <a:solidFill>
-                  <a:srgbClr val="666666"/>
-                </a:solidFill>
-                <a:latin typeface="Courier"/>
-              </a:rPr>
-              <a:t>=</a:t>
-            </a:r>
-            <a:r>
-              <a:rPr>
-                <a:solidFill>
-                  <a:srgbClr val="4070A0"/>
-                </a:solidFill>
-                <a:latin typeface="Courier"/>
-              </a:rPr>
-              <a:t>'y~x'</a:t>
-            </a:r>
-            <a:r>
-              <a:rPr>
-                <a:latin typeface="Courier"/>
-              </a:rPr>
-              <a:t>, data </a:t>
-            </a:r>
-            <a:r>
-              <a:rPr>
-                <a:solidFill>
-                  <a:srgbClr val="666666"/>
-                </a:solidFill>
-                <a:latin typeface="Courier"/>
-              </a:rPr>
-              <a:t>=</a:t>
-            </a:r>
-            <a:r>
-              <a:rPr>
-                <a:latin typeface="Courier"/>
-              </a:rPr>
-              <a:t> sim_data_ol).fit()</a:t>
-            </a:r>
-            <a:br/>
-            <a:r>
-              <a:rPr i="1">
-                <a:solidFill>
-                  <a:srgbClr val="60A0B0"/>
-                </a:solidFill>
-                <a:latin typeface="Courier"/>
-              </a:rPr>
-              <a:t># Add predicted to pandas data frame</a:t>
-            </a:r>
-            <a:br/>
-            <a:r>
-              <a:rPr>
-                <a:latin typeface="Courier"/>
-              </a:rPr>
-              <a:t>sim_data_ol[</a:t>
-            </a:r>
-            <a:r>
-              <a:rPr>
-                <a:solidFill>
-                  <a:srgbClr val="4070A0"/>
-                </a:solidFill>
-                <a:latin typeface="Courier"/>
-              </a:rPr>
-              <a:t>'predicted_huber'</a:t>
-            </a:r>
-            <a:r>
-              <a:rPr>
-                <a:latin typeface="Courier"/>
-              </a:rPr>
-              <a:t>] </a:t>
-            </a:r>
-            <a:r>
-              <a:rPr>
-                <a:solidFill>
-                  <a:srgbClr val="666666"/>
-                </a:solidFill>
-                <a:latin typeface="Courier"/>
-              </a:rPr>
-              <a:t>=</a:t>
-            </a:r>
-            <a:r>
-              <a:rPr>
-                <a:latin typeface="Courier"/>
-              </a:rPr>
-              <a:t> ols_model_huber.predict(sim_data_ol.x)</a:t>
-            </a:r>
-            <a:br/>
-            <a:r>
-              <a:rPr i="1">
-                <a:solidFill>
-                  <a:srgbClr val="60A0B0"/>
-                </a:solidFill>
-                <a:latin typeface="Courier"/>
-              </a:rPr>
-              <a:t>## Display sumamry</a:t>
-            </a:r>
-            <a:br/>
-            <a:r>
-              <a:rPr>
-                <a:latin typeface="Courier"/>
-              </a:rPr>
-              <a:t>ols_model_huber.summary()</a:t>
+              <a:rPr dirty="0"/>
+              <a:t>Dealing With Outliers</a:t>
             </a:r>
           </a:p>
         </p:txBody>
       </p:sp>
+      <mc:AlternateContent xmlns:mc="http://schemas.openxmlformats.org/markup-compatibility/2006">
+        <mc:Choice xmlns:a14="http://schemas.microsoft.com/office/drawing/2010/main" Requires="a14">
+          <p:sp>
+            <p:nvSpPr>
+              <p:cNvPr id="3" name="Content Placeholder 2"/>
+              <p:cNvSpPr>
+                <a:spLocks noGrp="1"/>
+              </p:cNvSpPr>
+              <p:nvPr>
+                <p:ph idx="1"/>
+              </p:nvPr>
+            </p:nvSpPr>
+            <p:spPr>
+              <a:xfrm>
+                <a:off x="457200" y="1200151"/>
+                <a:ext cx="4782272" cy="3394472"/>
+              </a:xfrm>
+            </p:spPr>
+            <p:txBody>
+              <a:bodyPr>
+                <a:normAutofit fontScale="85000" lnSpcReduction="20000"/>
+              </a:bodyPr>
+              <a:lstStyle/>
+              <a:p>
+                <a:pPr marL="0" lvl="0" indent="0">
+                  <a:buNone/>
+                </a:pPr>
+                <a:r>
+                  <a:rPr b="1" dirty="0"/>
+                  <a:t>M-estimators</a:t>
+                </a:r>
+                <a:r>
+                  <a:rPr dirty="0"/>
+                  <a:t> tapper influence to zero</a:t>
+                </a:r>
+              </a:p>
+              <a:p>
+                <a:pPr lvl="0"/>
+                <a:r>
+                  <a:rPr dirty="0"/>
+                  <a:t>Approximately linear influence near point estimate</a:t>
+                </a:r>
+              </a:p>
+              <a:p>
+                <a:pPr lvl="1"/>
+                <a:r>
+                  <a:rPr dirty="0"/>
+                  <a:t>So nearly unbiased near the point estimate</a:t>
+                </a:r>
+              </a:p>
+              <a:p>
+                <a:pPr lvl="0"/>
+                <a:r>
+                  <a:rPr dirty="0"/>
+                  <a:t>Influence tappers to 0 for extreme outliers</a:t>
+                </a:r>
+              </a:p>
+              <a:p>
+                <a:pPr lvl="0"/>
+                <a:r>
+                  <a:rPr dirty="0"/>
+                  <a:t>An example is </a:t>
+                </a:r>
+                <a:r>
+                  <a:rPr b="1" dirty="0"/>
+                  <a:t>Tukey’s </a:t>
+                </a:r>
+                <a:r>
+                  <a:rPr b="1" dirty="0" err="1"/>
+                  <a:t>biweight</a:t>
+                </a:r>
+                <a:endParaRPr b="1" dirty="0"/>
+              </a:p>
+              <a:p>
+                <a:pPr lvl="1"/>
+                <a:r>
+                  <a:rPr dirty="0"/>
+                  <a:t>Only a single parameter for </a:t>
+                </a:r>
+                <a:r>
+                  <a:rPr dirty="0" err="1"/>
+                  <a:t>biweight</a:t>
+                </a:r>
+                <a:r>
+                  <a:rPr dirty="0"/>
+                  <a:t> function, </a:t>
+                </a:r>
+                <a14:m>
+                  <m:oMath xmlns:m="http://schemas.openxmlformats.org/officeDocument/2006/math">
+                    <m:r>
+                      <a:rPr>
+                        <a:latin typeface="Cambria Math" panose="02040503050406030204" pitchFamily="18" charset="0"/>
+                      </a:rPr>
+                      <m:t>𝑟</m:t>
+                    </m:r>
+                  </m:oMath>
+                </a14:m>
+                <a:r>
+                  <a:rPr lang="en-US" dirty="0"/>
+                  <a:t>, the cutoff point</a:t>
+                </a:r>
+                <a:endParaRPr dirty="0"/>
+              </a:p>
+              <a:p>
+                <a:pPr lvl="1"/>
+                <a:r>
+                  <a:rPr dirty="0"/>
+                  <a:t>Robustness and bias increase with decreasing </a:t>
+                </a:r>
+                <a14:m>
+                  <m:oMath xmlns:m="http://schemas.openxmlformats.org/officeDocument/2006/math">
+                    <m:r>
+                      <a:rPr>
+                        <a:latin typeface="Cambria Math" panose="02040503050406030204" pitchFamily="18" charset="0"/>
+                      </a:rPr>
+                      <m:t>𝑟</m:t>
+                    </m:r>
+                  </m:oMath>
+                </a14:m>
+                <a:endParaRPr dirty="0"/>
+              </a:p>
+            </p:txBody>
+          </p:sp>
+        </mc:Choice>
+        <mc:Fallback>
+          <p:sp>
+            <p:nvSpPr>
+              <p:cNvPr id="3" name="Content Placeholder 2"/>
+              <p:cNvSpPr>
+                <a:spLocks noGrp="1" noRot="1" noChangeAspect="1" noMove="1" noResize="1" noEditPoints="1" noAdjustHandles="1" noChangeArrowheads="1" noChangeShapeType="1" noTextEdit="1"/>
+              </p:cNvSpPr>
+              <p:nvPr>
+                <p:ph idx="1"/>
+              </p:nvPr>
+            </p:nvSpPr>
+            <p:spPr>
+              <a:xfrm>
+                <a:off x="457200" y="1200151"/>
+                <a:ext cx="4782272" cy="3394472"/>
+              </a:xfrm>
+              <a:blipFill>
+                <a:blip r:embed="rId2"/>
+                <a:stretch>
+                  <a:fillRect l="-1276" t="-2693"/>
+                </a:stretch>
+              </a:blipFill>
+            </p:spPr>
+            <p:txBody>
+              <a:bodyPr/>
+              <a:lstStyle/>
+              <a:p>
+                <a:r>
+                  <a:rPr lang="en-US">
+                    <a:noFill/>
+                  </a:rPr>
+                  <a:t> </a:t>
+                </a:r>
+              </a:p>
+            </p:txBody>
+          </p:sp>
+        </mc:Fallback>
+      </mc:AlternateContent>
       <p:pic>
         <p:nvPicPr>
-          <p:cNvPr id="3" name="Picture 1" descr="08_IntroductionToLinearModels_files/figure-pptx/unnamed-chunk-25-1.png"/>
+          <p:cNvPr id="4" name="Picture 1" descr="../images/TukeysBiweight.png"/>
           <p:cNvPicPr>
             <a:picLocks noGrp="1" noChangeAspect="1"/>
           </p:cNvPicPr>
           <p:nvPr/>
         </p:nvPicPr>
         <p:blipFill>
-          <a:blip r:embed="rId2"/>
+          <a:blip r:embed="rId3"/>
           <a:stretch>
             <a:fillRect/>
           </a:stretch>
         </p:blipFill>
         <p:spPr bwMode="auto">
           <a:xfrm>
-            <a:off x="3568700" y="355600"/>
-            <a:ext cx="5105400" cy="4089400"/>
+            <a:off x="5185439" y="1200151"/>
+            <a:ext cx="3904528" cy="1823720"/>
           </a:xfrm>
           <a:prstGeom prst="rect">
             <a:avLst/>
@@ -13534,6 +14075,220 @@
           </a:ln>
         </p:spPr>
       </p:pic>
+      <p:sp>
+        <p:nvSpPr>
+          <p:cNvPr id="5" name="TextBox 3"/>
+          <p:cNvSpPr txBox="1"/>
+          <p:nvPr/>
+        </p:nvSpPr>
+        <p:spPr>
+          <a:xfrm>
+            <a:off x="5311832" y="3148091"/>
+            <a:ext cx="3778135" cy="508000"/>
+          </a:xfrm>
+          <a:prstGeom prst="rect">
+            <a:avLst/>
+          </a:prstGeom>
+          <a:noFill/>
+        </p:spPr>
+        <p:txBody>
+          <a:bodyPr/>
+          <a:lstStyle/>
+          <a:p>
+            <a:pPr marL="0" lvl="0" indent="0" algn="ctr">
+              <a:buNone/>
+            </a:pPr>
+            <a:r>
+              <a:rPr dirty="0"/>
+              <a:t>Influence function of the Tukey’s </a:t>
+            </a:r>
+            <a:r>
+              <a:rPr dirty="0" err="1"/>
+              <a:t>Biweight</a:t>
+            </a:r>
+            <a:r>
+              <a:rPr dirty="0"/>
+              <a:t> M-estimator</a:t>
+            </a:r>
+          </a:p>
+        </p:txBody>
+      </p:sp>
+      <p:sp>
+        <p:nvSpPr>
+          <p:cNvPr id="9" name="Content Placeholder 2">
+            <a:extLst>
+              <a:ext uri="{FF2B5EF4-FFF2-40B4-BE49-F238E27FC236}">
+                <a16:creationId xmlns:a16="http://schemas.microsoft.com/office/drawing/2014/main" id="{8460BE0B-C75A-3FA7-3CA7-B0CBBEC6CAFC}"/>
+              </a:ext>
+            </a:extLst>
+          </p:cNvPr>
+          <p:cNvSpPr txBox="1">
+            <a:spLocks/>
+          </p:cNvSpPr>
+          <p:nvPr/>
+        </p:nvSpPr>
+        <p:spPr>
+          <a:xfrm>
+            <a:off x="5792291" y="4458251"/>
+            <a:ext cx="3290803" cy="272744"/>
+          </a:xfrm>
+          <a:prstGeom prst="rect">
+            <a:avLst/>
+          </a:prstGeom>
+        </p:spPr>
+        <p:txBody>
+          <a:bodyPr vert="horz" lIns="91440" tIns="45720" rIns="91440" bIns="45720" rtlCol="0">
+            <a:normAutofit lnSpcReduction="10000"/>
+          </a:bodyPr>
+          <a:lstStyle>
+            <a:lvl1pPr marL="342900" indent="-342900" algn="l" defTabSz="342900" rtl="0" eaLnBrk="1" latinLnBrk="0" hangingPunct="1">
+              <a:spcBef>
+                <a:spcPct val="20000"/>
+              </a:spcBef>
+              <a:buFont typeface="Arial"/>
+              <a:buChar char="•"/>
+              <a:defRPr sz="2400" kern="1200">
+                <a:solidFill>
+                  <a:schemeClr val="tx1"/>
+                </a:solidFill>
+                <a:latin typeface="+mn-lt"/>
+                <a:ea typeface="+mn-ea"/>
+                <a:cs typeface="+mn-cs"/>
+              </a:defRPr>
+            </a:lvl1pPr>
+            <a:lvl2pPr marL="685800" indent="-342900" algn="l" defTabSz="342900" rtl="0" eaLnBrk="1" latinLnBrk="0" hangingPunct="1">
+              <a:spcBef>
+                <a:spcPct val="20000"/>
+              </a:spcBef>
+              <a:buFont typeface="Arial"/>
+              <a:buChar char="–"/>
+              <a:defRPr sz="2100" kern="1200">
+                <a:solidFill>
+                  <a:schemeClr val="tx1"/>
+                </a:solidFill>
+                <a:latin typeface="+mn-lt"/>
+                <a:ea typeface="+mn-ea"/>
+                <a:cs typeface="+mn-cs"/>
+              </a:defRPr>
+            </a:lvl2pPr>
+            <a:lvl3pPr marL="1028700" indent="-342900" algn="l" defTabSz="342900" rtl="0" eaLnBrk="1" latinLnBrk="0" hangingPunct="1">
+              <a:spcBef>
+                <a:spcPct val="20000"/>
+              </a:spcBef>
+              <a:buFont typeface="Arial"/>
+              <a:buChar char="•"/>
+              <a:defRPr sz="1800" kern="1200">
+                <a:solidFill>
+                  <a:schemeClr val="tx1"/>
+                </a:solidFill>
+                <a:latin typeface="+mn-lt"/>
+                <a:ea typeface="+mn-ea"/>
+                <a:cs typeface="+mn-cs"/>
+              </a:defRPr>
+            </a:lvl3pPr>
+            <a:lvl4pPr marL="1371600" indent="-342900" algn="l" defTabSz="342900" rtl="0" eaLnBrk="1" latinLnBrk="0" hangingPunct="1">
+              <a:spcBef>
+                <a:spcPct val="20000"/>
+              </a:spcBef>
+              <a:buFont typeface="Arial"/>
+              <a:buChar char="–"/>
+              <a:defRPr sz="1500" kern="1200">
+                <a:solidFill>
+                  <a:schemeClr val="tx1"/>
+                </a:solidFill>
+                <a:latin typeface="+mn-lt"/>
+                <a:ea typeface="+mn-ea"/>
+                <a:cs typeface="+mn-cs"/>
+              </a:defRPr>
+            </a:lvl4pPr>
+            <a:lvl5pPr marL="1714500" indent="-342900" algn="l" defTabSz="342900" rtl="0" eaLnBrk="1" latinLnBrk="0" hangingPunct="1">
+              <a:spcBef>
+                <a:spcPct val="20000"/>
+              </a:spcBef>
+              <a:buFont typeface="Arial"/>
+              <a:buChar char="»"/>
+              <a:defRPr sz="1500" kern="1200">
+                <a:solidFill>
+                  <a:schemeClr val="tx1"/>
+                </a:solidFill>
+                <a:latin typeface="+mn-lt"/>
+                <a:ea typeface="+mn-ea"/>
+                <a:cs typeface="+mn-cs"/>
+              </a:defRPr>
+            </a:lvl5pPr>
+            <a:lvl6pPr marL="2057400" indent="-342900" algn="l" defTabSz="342900" rtl="0" eaLnBrk="1" latinLnBrk="0" hangingPunct="1">
+              <a:spcBef>
+                <a:spcPct val="20000"/>
+              </a:spcBef>
+              <a:buFont typeface="Arial"/>
+              <a:buChar char="•"/>
+              <a:defRPr sz="1500" kern="1200">
+                <a:solidFill>
+                  <a:schemeClr val="tx1"/>
+                </a:solidFill>
+                <a:latin typeface="+mn-lt"/>
+                <a:ea typeface="+mn-ea"/>
+                <a:cs typeface="+mn-cs"/>
+              </a:defRPr>
+            </a:lvl6pPr>
+            <a:lvl7pPr marL="2400300" indent="-342900" algn="l" defTabSz="342900" rtl="0" eaLnBrk="1" latinLnBrk="0" hangingPunct="1">
+              <a:spcBef>
+                <a:spcPct val="20000"/>
+              </a:spcBef>
+              <a:buFont typeface="Arial"/>
+              <a:buChar char="•"/>
+              <a:defRPr sz="1500" kern="1200">
+                <a:solidFill>
+                  <a:schemeClr val="tx1"/>
+                </a:solidFill>
+                <a:latin typeface="+mn-lt"/>
+                <a:ea typeface="+mn-ea"/>
+                <a:cs typeface="+mn-cs"/>
+              </a:defRPr>
+            </a:lvl7pPr>
+            <a:lvl8pPr marL="2743200" indent="-342900" algn="l" defTabSz="342900" rtl="0" eaLnBrk="1" latinLnBrk="0" hangingPunct="1">
+              <a:spcBef>
+                <a:spcPct val="20000"/>
+              </a:spcBef>
+              <a:buFont typeface="Arial"/>
+              <a:buChar char="•"/>
+              <a:defRPr sz="1500" kern="1200">
+                <a:solidFill>
+                  <a:schemeClr val="tx1"/>
+                </a:solidFill>
+                <a:latin typeface="+mn-lt"/>
+                <a:ea typeface="+mn-ea"/>
+                <a:cs typeface="+mn-cs"/>
+              </a:defRPr>
+            </a:lvl8pPr>
+            <a:lvl9pPr marL="3086100" indent="-342900" algn="l" defTabSz="342900" rtl="0" eaLnBrk="1" latinLnBrk="0" hangingPunct="1">
+              <a:spcBef>
+                <a:spcPct val="20000"/>
+              </a:spcBef>
+              <a:buFont typeface="Arial"/>
+              <a:buChar char="•"/>
+              <a:defRPr sz="1500" kern="1200">
+                <a:solidFill>
+                  <a:schemeClr val="tx1"/>
+                </a:solidFill>
+                <a:latin typeface="+mn-lt"/>
+                <a:ea typeface="+mn-ea"/>
+                <a:cs typeface="+mn-cs"/>
+              </a:defRPr>
+            </a:lvl9pPr>
+          </a:lstStyle>
+          <a:p>
+            <a:pPr marL="0" indent="0">
+              <a:buFont typeface="Arial"/>
+              <a:buNone/>
+            </a:pPr>
+            <a:r>
+              <a:rPr lang="en-US" sz="1200" i="1" dirty="0"/>
+              <a:t>Figure from Hampel, el.al., Robust Statistics, 1986</a:t>
+            </a:r>
+          </a:p>
+        </p:txBody>
+      </p:sp>
     </p:spTree>
   </p:cSld>
   <p:clrMapOvr>
@@ -13572,17 +14327,24 @@
         <p:spPr>
           <a:xfrm>
             <a:off x="457201" y="204787"/>
-            <a:ext cx="3008313" cy="871538"/>
+            <a:ext cx="8329352" cy="564140"/>
           </a:xfrm>
         </p:spPr>
         <p:txBody>
-          <a:bodyPr/>
+          <a:bodyPr>
+            <a:noAutofit/>
+          </a:bodyPr>
           <a:lstStyle/>
           <a:p>
-            <a:pPr marL="0" lvl="0" indent="0">
+            <a:pPr marL="0" lvl="0" indent="0" algn="ctr">
               <a:buNone/>
             </a:pPr>
             <a:r>
+              <a:rPr lang="en-US" sz="3200" b="0" dirty="0"/>
+              <a:t>Example: </a:t>
+            </a:r>
+            <a:r>
+              <a:rPr sz="3200" b="0" dirty="0"/>
               <a:t>Dealing With Outliers</a:t>
             </a:r>
           </a:p>
@@ -13598,50 +14360,288 @@
             <p:ph type="body" sz="half" idx="2"/>
           </p:nvPr>
         </p:nvSpPr>
-        <p:spPr/>
+        <p:spPr>
+          <a:xfrm>
+            <a:off x="457201" y="1076326"/>
+            <a:ext cx="7930341" cy="3518297"/>
+          </a:xfrm>
+        </p:spPr>
         <p:txBody>
-          <a:bodyPr/>
+          <a:bodyPr>
+            <a:normAutofit/>
+          </a:bodyPr>
           <a:lstStyle/>
           <a:p>
             <a:pPr marL="0" lvl="0" indent="0">
               <a:buNone/>
             </a:pPr>
             <a:r>
+              <a:rPr sz="1800" dirty="0"/>
               <a:t>Example: regression with Huber loss function</a:t>
+            </a:r>
+          </a:p>
+          <a:p>
+            <a:pPr lvl="0" indent="0">
+              <a:buNone/>
+            </a:pPr>
+            <a:r>
+              <a:rPr sz="1800" i="1" dirty="0">
+                <a:solidFill>
+                  <a:srgbClr val="60A0B0"/>
+                </a:solidFill>
+                <a:latin typeface="Courier"/>
+              </a:rPr>
+              <a:t>## Define the robust regression model and fit it to the data</a:t>
+            </a:r>
+            <a:br>
+              <a:rPr sz="1800" dirty="0"/>
+            </a:br>
+            <a:r>
+              <a:rPr sz="1800" dirty="0" err="1">
+                <a:latin typeface="Courier"/>
+              </a:rPr>
+              <a:t>ols_model_huber</a:t>
+            </a:r>
+            <a:r>
+              <a:rPr sz="1800" dirty="0">
+                <a:latin typeface="Courier"/>
+              </a:rPr>
+              <a:t> </a:t>
+            </a:r>
+            <a:r>
+              <a:rPr sz="1800" dirty="0">
+                <a:solidFill>
+                  <a:srgbClr val="666666"/>
+                </a:solidFill>
+                <a:latin typeface="Courier"/>
+              </a:rPr>
+              <a:t>=</a:t>
+            </a:r>
+            <a:r>
+              <a:rPr sz="1800" dirty="0">
+                <a:latin typeface="Courier"/>
+              </a:rPr>
+              <a:t> </a:t>
+            </a:r>
+            <a:r>
+              <a:rPr sz="1800" dirty="0" err="1">
+                <a:latin typeface="Courier"/>
+              </a:rPr>
+              <a:t>smf.rlm</a:t>
+            </a:r>
+            <a:r>
+              <a:rPr sz="1800" dirty="0">
+                <a:latin typeface="Courier"/>
+              </a:rPr>
+              <a:t>(formula </a:t>
+            </a:r>
+            <a:r>
+              <a:rPr sz="1800" dirty="0">
+                <a:solidFill>
+                  <a:srgbClr val="666666"/>
+                </a:solidFill>
+                <a:latin typeface="Courier"/>
+              </a:rPr>
+              <a:t>=</a:t>
+            </a:r>
+            <a:r>
+              <a:rPr sz="1800" dirty="0">
+                <a:solidFill>
+                  <a:srgbClr val="4070A0"/>
+                </a:solidFill>
+                <a:latin typeface="Courier"/>
+              </a:rPr>
+              <a:t>'</a:t>
+            </a:r>
+            <a:r>
+              <a:rPr sz="1800" dirty="0" err="1">
+                <a:solidFill>
+                  <a:srgbClr val="4070A0"/>
+                </a:solidFill>
+                <a:latin typeface="Courier"/>
+              </a:rPr>
+              <a:t>y~x</a:t>
+            </a:r>
+            <a:r>
+              <a:rPr sz="1800" dirty="0">
+                <a:solidFill>
+                  <a:srgbClr val="4070A0"/>
+                </a:solidFill>
+                <a:latin typeface="Courier"/>
+              </a:rPr>
+              <a:t>'</a:t>
+            </a:r>
+            <a:r>
+              <a:rPr sz="1800" dirty="0">
+                <a:latin typeface="Courier"/>
+              </a:rPr>
+              <a:t>, data </a:t>
+            </a:r>
+            <a:r>
+              <a:rPr sz="1800" dirty="0">
+                <a:solidFill>
+                  <a:srgbClr val="666666"/>
+                </a:solidFill>
+                <a:latin typeface="Courier"/>
+              </a:rPr>
+              <a:t>=</a:t>
+            </a:r>
+            <a:r>
+              <a:rPr sz="1800" dirty="0">
+                <a:latin typeface="Courier"/>
+              </a:rPr>
+              <a:t> </a:t>
+            </a:r>
+            <a:r>
+              <a:rPr sz="1800" dirty="0" err="1">
+                <a:latin typeface="Courier"/>
+              </a:rPr>
+              <a:t>sim_data_ol</a:t>
+            </a:r>
+            <a:r>
+              <a:rPr sz="1800" dirty="0">
+                <a:latin typeface="Courier"/>
+              </a:rPr>
+              <a:t>).fit()</a:t>
+            </a:r>
+            <a:br>
+              <a:rPr sz="1800" dirty="0"/>
+            </a:br>
+            <a:r>
+              <a:rPr sz="1800" i="1" dirty="0">
+                <a:solidFill>
+                  <a:srgbClr val="60A0B0"/>
+                </a:solidFill>
+                <a:latin typeface="Courier"/>
+              </a:rPr>
+              <a:t># Add predicted to pandas data frame</a:t>
+            </a:r>
+            <a:br>
+              <a:rPr sz="1800" dirty="0"/>
+            </a:br>
+            <a:r>
+              <a:rPr sz="1800" dirty="0" err="1">
+                <a:latin typeface="Courier"/>
+              </a:rPr>
+              <a:t>sim_data_ol</a:t>
+            </a:r>
+            <a:r>
+              <a:rPr sz="1800" dirty="0">
+                <a:latin typeface="Courier"/>
+              </a:rPr>
+              <a:t>[</a:t>
+            </a:r>
+            <a:r>
+              <a:rPr sz="1800" dirty="0">
+                <a:solidFill>
+                  <a:srgbClr val="4070A0"/>
+                </a:solidFill>
+                <a:latin typeface="Courier"/>
+              </a:rPr>
+              <a:t>'</a:t>
+            </a:r>
+            <a:r>
+              <a:rPr sz="1800" dirty="0" err="1">
+                <a:solidFill>
+                  <a:srgbClr val="4070A0"/>
+                </a:solidFill>
+                <a:latin typeface="Courier"/>
+              </a:rPr>
+              <a:t>predicted_huber</a:t>
+            </a:r>
+            <a:r>
+              <a:rPr sz="1800" dirty="0">
+                <a:solidFill>
+                  <a:srgbClr val="4070A0"/>
+                </a:solidFill>
+                <a:latin typeface="Courier"/>
+              </a:rPr>
+              <a:t>'</a:t>
+            </a:r>
+            <a:r>
+              <a:rPr sz="1800" dirty="0">
+                <a:latin typeface="Courier"/>
+              </a:rPr>
+              <a:t>] </a:t>
+            </a:r>
+            <a:r>
+              <a:rPr sz="1800" dirty="0">
+                <a:solidFill>
+                  <a:srgbClr val="666666"/>
+                </a:solidFill>
+                <a:latin typeface="Courier"/>
+              </a:rPr>
+              <a:t>=</a:t>
+            </a:r>
+            <a:r>
+              <a:rPr sz="1800" dirty="0">
+                <a:latin typeface="Courier"/>
+              </a:rPr>
+              <a:t> </a:t>
+            </a:r>
+            <a:r>
+              <a:rPr sz="1800" dirty="0" err="1">
+                <a:latin typeface="Courier"/>
+              </a:rPr>
+              <a:t>ols_model_huber.predict</a:t>
+            </a:r>
+            <a:r>
+              <a:rPr sz="1800" dirty="0">
+                <a:latin typeface="Courier"/>
+              </a:rPr>
+              <a:t>(</a:t>
+            </a:r>
+            <a:r>
+              <a:rPr sz="1800" dirty="0" err="1">
+                <a:latin typeface="Courier"/>
+              </a:rPr>
+              <a:t>sim_data_ol.x</a:t>
+            </a:r>
+            <a:r>
+              <a:rPr sz="1800" dirty="0">
+                <a:latin typeface="Courier"/>
+              </a:rPr>
+              <a:t>)</a:t>
+            </a:r>
+            <a:br>
+              <a:rPr sz="1800" dirty="0"/>
+            </a:br>
+            <a:r>
+              <a:rPr sz="1800" i="1" dirty="0">
+                <a:solidFill>
+                  <a:srgbClr val="60A0B0"/>
+                </a:solidFill>
+                <a:latin typeface="Courier"/>
+              </a:rPr>
+              <a:t>## Display </a:t>
+            </a:r>
+            <a:r>
+              <a:rPr sz="1800" i="1" dirty="0" err="1">
+                <a:solidFill>
+                  <a:srgbClr val="60A0B0"/>
+                </a:solidFill>
+                <a:latin typeface="Courier"/>
+              </a:rPr>
+              <a:t>sumamry</a:t>
+            </a:r>
+            <a:br>
+              <a:rPr sz="1800" dirty="0"/>
+            </a:br>
+            <a:r>
+              <a:rPr sz="1800" dirty="0" err="1">
+                <a:latin typeface="Courier"/>
+              </a:rPr>
+              <a:t>ols_model_huber.summary</a:t>
+            </a:r>
+            <a:r>
+              <a:rPr sz="1800" dirty="0">
+                <a:latin typeface="Courier"/>
+              </a:rPr>
+              <a:t>()</a:t>
             </a:r>
           </a:p>
         </p:txBody>
       </p:sp>
-      <p:pic>
-        <p:nvPicPr>
-          <p:cNvPr id="3" name="Picture 1" descr="08_IntroductionToLinearModels_files/figure-pptx/unnamed-chunk-26-3.png"/>
-          <p:cNvPicPr>
-            <a:picLocks noGrp="1" noChangeAspect="1"/>
-          </p:cNvPicPr>
-          <p:nvPr/>
-        </p:nvPicPr>
-        <p:blipFill>
-          <a:blip r:embed="rId2"/>
-          <a:stretch>
-            <a:fillRect/>
-          </a:stretch>
-        </p:blipFill>
-        <p:spPr bwMode="auto">
-          <a:xfrm>
-            <a:off x="3568700" y="266700"/>
-            <a:ext cx="5105400" cy="4254500"/>
-          </a:xfrm>
-          <a:prstGeom prst="rect">
-            <a:avLst/>
-          </a:prstGeom>
-          <a:noFill/>
-          <a:ln w="9525">
-            <a:noFill/>
-            <a:headEnd/>
-            <a:tailEnd/>
-          </a:ln>
-        </p:spPr>
-      </p:pic>
     </p:spTree>
   </p:cSld>
   <p:clrMapOvr>
@@ -13655,7 +14655,13 @@
   <p:cSld>
     <p:spTree>
       <p:nvGrpSpPr>
-        <p:cNvPr id="1" name=""/>
+        <p:cNvPr id="1" name="">
+          <a:extLst>
+            <a:ext uri="{FF2B5EF4-FFF2-40B4-BE49-F238E27FC236}">
+              <a16:creationId xmlns:a16="http://schemas.microsoft.com/office/drawing/2014/main" id="{FF73BC7C-4132-F9BF-73C9-6FF072E56BA6}"/>
+            </a:ext>
+          </a:extLst>
+        </p:cNvPr>
         <p:cNvGrpSpPr/>
         <p:nvPr/>
       </p:nvGrpSpPr>
@@ -13667,37 +14673,356 @@
           <a:chExt cx="0" cy="0"/>
         </a:xfrm>
       </p:grpSpPr>
+      <p:pic>
+        <p:nvPicPr>
+          <p:cNvPr id="5" name="Picture 4">
+            <a:extLst>
+              <a:ext uri="{FF2B5EF4-FFF2-40B4-BE49-F238E27FC236}">
+                <a16:creationId xmlns:a16="http://schemas.microsoft.com/office/drawing/2014/main" id="{8AB83EA2-65FF-F726-B461-6E6467B2B244}"/>
+              </a:ext>
+            </a:extLst>
+          </p:cNvPr>
+          <p:cNvPicPr>
+            <a:picLocks noChangeAspect="1"/>
+          </p:cNvPicPr>
+          <p:nvPr/>
+        </p:nvPicPr>
+        <p:blipFill>
+          <a:blip r:embed="rId2"/>
+          <a:stretch>
+            <a:fillRect/>
+          </a:stretch>
+        </p:blipFill>
+        <p:spPr>
+          <a:xfrm>
+            <a:off x="130957" y="2766612"/>
+            <a:ext cx="4285178" cy="1989794"/>
+          </a:xfrm>
+          <a:prstGeom prst="rect">
+            <a:avLst/>
+          </a:prstGeom>
+        </p:spPr>
+      </p:pic>
+      <p:pic>
+        <p:nvPicPr>
+          <p:cNvPr id="9" name="Picture 8">
+            <a:extLst>
+              <a:ext uri="{FF2B5EF4-FFF2-40B4-BE49-F238E27FC236}">
+                <a16:creationId xmlns:a16="http://schemas.microsoft.com/office/drawing/2014/main" id="{1E781250-53A7-8806-8270-660E7B9E1DD2}"/>
+              </a:ext>
+            </a:extLst>
+          </p:cNvPr>
+          <p:cNvPicPr>
+            <a:picLocks noChangeAspect="1"/>
+          </p:cNvPicPr>
+          <p:nvPr/>
+        </p:nvPicPr>
+        <p:blipFill>
+          <a:blip r:embed="rId3"/>
+          <a:stretch>
+            <a:fillRect/>
+          </a:stretch>
+        </p:blipFill>
+        <p:spPr>
+          <a:xfrm>
+            <a:off x="4741721" y="2800951"/>
+            <a:ext cx="4343399" cy="1983462"/>
+          </a:xfrm>
+          <a:prstGeom prst="rect">
+            <a:avLst/>
+          </a:prstGeom>
+        </p:spPr>
+      </p:pic>
       <p:sp>
         <p:nvSpPr>
-          <p:cNvPr id="3" name="Content Placeholder 2"/>
+          <p:cNvPr id="2" name="Title 1">
+            <a:extLst>
+              <a:ext uri="{FF2B5EF4-FFF2-40B4-BE49-F238E27FC236}">
+                <a16:creationId xmlns:a16="http://schemas.microsoft.com/office/drawing/2014/main" id="{A1186D12-1D29-E74D-3770-528A7210F246}"/>
+              </a:ext>
+            </a:extLst>
+          </p:cNvPr>
           <p:cNvSpPr>
             <a:spLocks noGrp="1"/>
           </p:cNvSpPr>
           <p:nvPr>
-            <p:ph idx="1"/>
+            <p:ph type="title"/>
           </p:nvPr>
         </p:nvSpPr>
-        <p:spPr/>
+        <p:spPr>
+          <a:xfrm>
+            <a:off x="457201" y="204787"/>
+            <a:ext cx="8441574" cy="451918"/>
+          </a:xfrm>
+        </p:spPr>
+        <p:txBody>
+          <a:bodyPr>
+            <a:noAutofit/>
+          </a:bodyPr>
+          <a:lstStyle/>
+          <a:p>
+            <a:pPr marL="0" lvl="0" indent="0" algn="ctr">
+              <a:buNone/>
+            </a:pPr>
+            <a:r>
+              <a:rPr lang="en-US" sz="3200" b="0" dirty="0"/>
+              <a:t>Example: </a:t>
+            </a:r>
+            <a:r>
+              <a:rPr sz="3200" b="0" dirty="0"/>
+              <a:t>Dealing With Outliers</a:t>
+            </a:r>
+          </a:p>
+        </p:txBody>
+      </p:sp>
+      <p:sp>
+        <p:nvSpPr>
+          <p:cNvPr id="4" name="Text Placeholder 3">
+            <a:extLst>
+              <a:ext uri="{FF2B5EF4-FFF2-40B4-BE49-F238E27FC236}">
+                <a16:creationId xmlns:a16="http://schemas.microsoft.com/office/drawing/2014/main" id="{37BABFE9-928B-07B0-9586-78B6BB6361DC}"/>
+              </a:ext>
+            </a:extLst>
+          </p:cNvPr>
+          <p:cNvSpPr>
+            <a:spLocks noGrp="1"/>
+          </p:cNvSpPr>
+          <p:nvPr>
+            <p:ph type="body" sz="half" idx="2"/>
+          </p:nvPr>
+        </p:nvSpPr>
+        <p:spPr>
+          <a:xfrm>
+            <a:off x="384466" y="812601"/>
+            <a:ext cx="8381305" cy="1700473"/>
+          </a:xfrm>
+        </p:spPr>
+        <p:txBody>
+          <a:bodyPr>
+            <a:normAutofit/>
+          </a:bodyPr>
+          <a:lstStyle/>
+          <a:p>
+            <a:pPr marL="0" lvl="0" indent="0">
+              <a:buNone/>
+            </a:pPr>
+            <a:r>
+              <a:rPr sz="2000" dirty="0"/>
+              <a:t>Example: </a:t>
+            </a:r>
+            <a:r>
+              <a:rPr lang="en-US" sz="2000" dirty="0"/>
+              <a:t>Comparing </a:t>
+            </a:r>
+            <a:r>
+              <a:rPr sz="2000" dirty="0"/>
+              <a:t>regression </a:t>
+            </a:r>
+            <a:r>
+              <a:rPr lang="en-US" sz="2000" dirty="0"/>
+              <a:t>Results</a:t>
+            </a:r>
+          </a:p>
+          <a:p>
+            <a:pPr marL="342900" lvl="0" indent="-342900">
+              <a:buFont typeface="Arial" panose="020B0604020202020204" pitchFamily="34" charset="0"/>
+              <a:buChar char="•"/>
+            </a:pPr>
+            <a:r>
+              <a:rPr lang="en-US" sz="2000" dirty="0"/>
+              <a:t>The residuals are nearly identical for the two models  </a:t>
+            </a:r>
+          </a:p>
+          <a:p>
+            <a:pPr marL="342900" lvl="0" indent="-342900">
+              <a:buFont typeface="Arial" panose="020B0604020202020204" pitchFamily="34" charset="0"/>
+              <a:buChar char="•"/>
+            </a:pPr>
+            <a:r>
+              <a:rPr lang="en-US" sz="2000" dirty="0"/>
+              <a:t>The residuals are near normal except of an obvious outlier   </a:t>
+            </a:r>
+          </a:p>
+          <a:p>
+            <a:pPr marL="685800" lvl="1" indent="-342900">
+              <a:buFont typeface="Arial" panose="020B0604020202020204" pitchFamily="34" charset="0"/>
+              <a:buChar char="•"/>
+            </a:pPr>
+            <a:r>
+              <a:rPr lang="en-US" sz="1850" dirty="0"/>
+              <a:t>Note the near straight line of the quantiles in the Q-Q plots</a:t>
+            </a:r>
+          </a:p>
+        </p:txBody>
+      </p:sp>
+      <p:cxnSp>
+        <p:nvCxnSpPr>
+          <p:cNvPr id="7" name="Straight Arrow Connector 6">
+            <a:extLst>
+              <a:ext uri="{FF2B5EF4-FFF2-40B4-BE49-F238E27FC236}">
+                <a16:creationId xmlns:a16="http://schemas.microsoft.com/office/drawing/2014/main" id="{8A5E4B33-3FD8-D986-AD20-37253E3E95D3}"/>
+              </a:ext>
+            </a:extLst>
+          </p:cNvPr>
+          <p:cNvCxnSpPr>
+            <a:cxnSpLocks/>
+          </p:cNvCxnSpPr>
+          <p:nvPr/>
+        </p:nvCxnSpPr>
+        <p:spPr>
+          <a:xfrm>
+            <a:off x="5498869" y="2256905"/>
+            <a:ext cx="2244436" cy="1034935"/>
+          </a:xfrm>
+          <a:prstGeom prst="straightConnector1">
+            <a:avLst/>
+          </a:prstGeom>
+          <a:ln w="38100">
+            <a:solidFill>
+              <a:srgbClr val="C00000"/>
+            </a:solidFill>
+            <a:tailEnd type="triangle"/>
+          </a:ln>
+        </p:spPr>
+        <p:style>
+          <a:lnRef idx="2">
+            <a:schemeClr val="accent1"/>
+          </a:lnRef>
+          <a:fillRef idx="0">
+            <a:schemeClr val="accent1"/>
+          </a:fillRef>
+          <a:effectRef idx="1">
+            <a:schemeClr val="accent1"/>
+          </a:effectRef>
+          <a:fontRef idx="minor">
+            <a:schemeClr val="tx1"/>
+          </a:fontRef>
+        </p:style>
+      </p:cxnSp>
+      <p:cxnSp>
+        <p:nvCxnSpPr>
+          <p:cNvPr id="10" name="Straight Arrow Connector 9">
+            <a:extLst>
+              <a:ext uri="{FF2B5EF4-FFF2-40B4-BE49-F238E27FC236}">
+                <a16:creationId xmlns:a16="http://schemas.microsoft.com/office/drawing/2014/main" id="{EE546D69-0BFA-B326-23C5-05752DD2FEF7}"/>
+              </a:ext>
+            </a:extLst>
+          </p:cNvPr>
+          <p:cNvCxnSpPr>
+            <a:cxnSpLocks/>
+          </p:cNvCxnSpPr>
+          <p:nvPr/>
+        </p:nvCxnSpPr>
+        <p:spPr>
+          <a:xfrm flipH="1">
+            <a:off x="2975956" y="2256905"/>
+            <a:ext cx="1765765" cy="1068624"/>
+          </a:xfrm>
+          <a:prstGeom prst="straightConnector1">
+            <a:avLst/>
+          </a:prstGeom>
+          <a:ln w="38100">
+            <a:solidFill>
+              <a:srgbClr val="C00000"/>
+            </a:solidFill>
+            <a:tailEnd type="triangle"/>
+          </a:ln>
+        </p:spPr>
+        <p:style>
+          <a:lnRef idx="2">
+            <a:schemeClr val="accent1"/>
+          </a:lnRef>
+          <a:fillRef idx="0">
+            <a:schemeClr val="accent1"/>
+          </a:fillRef>
+          <a:effectRef idx="1">
+            <a:schemeClr val="accent1"/>
+          </a:effectRef>
+          <a:fontRef idx="minor">
+            <a:schemeClr val="tx1"/>
+          </a:fontRef>
+        </p:style>
+      </p:cxnSp>
+      <p:sp>
+        <p:nvSpPr>
+          <p:cNvPr id="11" name="TextBox 3">
+            <a:extLst>
+              <a:ext uri="{FF2B5EF4-FFF2-40B4-BE49-F238E27FC236}">
+                <a16:creationId xmlns:a16="http://schemas.microsoft.com/office/drawing/2014/main" id="{11B523AB-B324-7300-A087-98CC3802CD0D}"/>
+              </a:ext>
+            </a:extLst>
+          </p:cNvPr>
+          <p:cNvSpPr txBox="1"/>
+          <p:nvPr/>
+        </p:nvSpPr>
+        <p:spPr>
+          <a:xfrm>
+            <a:off x="315884" y="4739781"/>
+            <a:ext cx="4039985" cy="339098"/>
+          </a:xfrm>
+          <a:prstGeom prst="rect">
+            <a:avLst/>
+          </a:prstGeom>
+          <a:noFill/>
+        </p:spPr>
         <p:txBody>
           <a:bodyPr/>
           <a:lstStyle/>
           <a:p>
-            <a:pPr marL="0" lvl="0" indent="0">
+            <a:pPr marL="0" lvl="0" indent="0" algn="ctr">
               <a:buNone/>
             </a:pPr>
-            <a:endParaRPr/>
-          </a:p>
-          <a:p>
-            <a:pPr marL="0" lvl="0" indent="0">
+            <a:r>
+              <a:rPr lang="en-US" dirty="0"/>
+              <a:t>Residuals of OLS regression</a:t>
+            </a:r>
+            <a:endParaRPr dirty="0"/>
+          </a:p>
+        </p:txBody>
+      </p:sp>
+      <p:sp>
+        <p:nvSpPr>
+          <p:cNvPr id="12" name="TextBox 3">
+            <a:extLst>
+              <a:ext uri="{FF2B5EF4-FFF2-40B4-BE49-F238E27FC236}">
+                <a16:creationId xmlns:a16="http://schemas.microsoft.com/office/drawing/2014/main" id="{15F8500F-2377-3261-55E2-94C4F1B60EB3}"/>
+              </a:ext>
+            </a:extLst>
+          </p:cNvPr>
+          <p:cNvSpPr txBox="1"/>
+          <p:nvPr/>
+        </p:nvSpPr>
+        <p:spPr>
+          <a:xfrm>
+            <a:off x="4962700" y="4739781"/>
+            <a:ext cx="4039985" cy="339098"/>
+          </a:xfrm>
+          <a:prstGeom prst="rect">
+            <a:avLst/>
+          </a:prstGeom>
+          <a:noFill/>
+        </p:spPr>
+        <p:txBody>
+          <a:bodyPr/>
+          <a:lstStyle/>
+          <a:p>
+            <a:pPr marL="0" lvl="0" indent="0" algn="ctr">
               <a:buNone/>
             </a:pPr>
             <a:r>
-              <a:t>Notice the different slope for the regression with Huber loss</a:t>
-            </a:r>
+              <a:rPr lang="en-US" dirty="0"/>
+              <a:t>Residuals of Huber regression</a:t>
+            </a:r>
+            <a:endParaRPr dirty="0"/>
           </a:p>
         </p:txBody>
       </p:sp>
     </p:spTree>
+    <p:extLst>
+      <p:ext uri="{BB962C8B-B14F-4D97-AF65-F5344CB8AC3E}">
+        <p14:creationId xmlns:p14="http://schemas.microsoft.com/office/powerpoint/2010/main" val="1315233058"/>
+      </p:ext>
+    </p:extLst>
   </p:cSld>
   <p:clrMapOvr>
     <a:masterClrMapping/>
@@ -13796,6 +15121,304 @@
             <p:ph type="title"/>
           </p:nvPr>
         </p:nvSpPr>
+        <p:spPr>
+          <a:xfrm>
+            <a:off x="457201" y="204787"/>
+            <a:ext cx="8441574" cy="451918"/>
+          </a:xfrm>
+        </p:spPr>
+        <p:txBody>
+          <a:bodyPr>
+            <a:noAutofit/>
+          </a:bodyPr>
+          <a:lstStyle/>
+          <a:p>
+            <a:pPr marL="0" lvl="0" indent="0" algn="ctr">
+              <a:buNone/>
+            </a:pPr>
+            <a:r>
+              <a:rPr lang="en-US" sz="3200" b="0" dirty="0"/>
+              <a:t>Example: </a:t>
+            </a:r>
+            <a:r>
+              <a:rPr sz="3200" b="0" dirty="0"/>
+              <a:t>Dealing With Outliers</a:t>
+            </a:r>
+          </a:p>
+        </p:txBody>
+      </p:sp>
+      <p:sp>
+        <p:nvSpPr>
+          <p:cNvPr id="4" name="Text Placeholder 3"/>
+          <p:cNvSpPr>
+            <a:spLocks noGrp="1"/>
+          </p:cNvSpPr>
+          <p:nvPr>
+            <p:ph type="body" sz="half" idx="2"/>
+          </p:nvPr>
+        </p:nvSpPr>
+        <p:spPr>
+          <a:xfrm>
+            <a:off x="457201" y="1076326"/>
+            <a:ext cx="4343399" cy="3518297"/>
+          </a:xfrm>
+        </p:spPr>
+        <p:txBody>
+          <a:bodyPr>
+            <a:normAutofit/>
+          </a:bodyPr>
+          <a:lstStyle/>
+          <a:p>
+            <a:pPr marL="0" lvl="0" indent="0">
+              <a:buNone/>
+            </a:pPr>
+            <a:r>
+              <a:rPr sz="2000" dirty="0"/>
+              <a:t>Example: </a:t>
+            </a:r>
+            <a:r>
+              <a:rPr lang="en-US" sz="2000" dirty="0"/>
+              <a:t>Comparing </a:t>
+            </a:r>
+            <a:r>
+              <a:rPr sz="2000" dirty="0"/>
+              <a:t>regression </a:t>
+            </a:r>
+            <a:r>
+              <a:rPr lang="en-US" sz="2000" dirty="0"/>
+              <a:t>Results</a:t>
+            </a:r>
+          </a:p>
+          <a:p>
+            <a:pPr marL="342900" lvl="0" indent="-342900">
+              <a:buFont typeface="Arial" panose="020B0604020202020204" pitchFamily="34" charset="0"/>
+              <a:buChar char="•"/>
+            </a:pPr>
+            <a:r>
+              <a:rPr lang="en-US" sz="2000" dirty="0"/>
+              <a:t>Regression line with no outlier is benchmark</a:t>
+            </a:r>
+          </a:p>
+          <a:p>
+            <a:pPr marL="342900" lvl="0" indent="-342900">
+              <a:buFont typeface="Arial" panose="020B0604020202020204" pitchFamily="34" charset="0"/>
+              <a:buChar char="•"/>
+            </a:pPr>
+            <a:r>
+              <a:rPr lang="en-US" sz="2000" dirty="0"/>
+              <a:t>OLS fit shows influence of single outlier</a:t>
+            </a:r>
+          </a:p>
+          <a:p>
+            <a:pPr marL="342900" lvl="0" indent="-342900">
+              <a:buFont typeface="Arial" panose="020B0604020202020204" pitchFamily="34" charset="0"/>
+              <a:buChar char="•"/>
+            </a:pPr>
+            <a:r>
+              <a:rPr lang="en-US" sz="2000" dirty="0"/>
+              <a:t>Huber loss regression is nearly the same as OLS with no outlier</a:t>
+            </a:r>
+            <a:endParaRPr sz="2000" dirty="0"/>
+          </a:p>
+        </p:txBody>
+      </p:sp>
+      <p:pic>
+        <p:nvPicPr>
+          <p:cNvPr id="6" name="Picture 5">
+            <a:extLst>
+              <a:ext uri="{FF2B5EF4-FFF2-40B4-BE49-F238E27FC236}">
+                <a16:creationId xmlns:a16="http://schemas.microsoft.com/office/drawing/2014/main" id="{63C11778-6223-EAA5-1D78-7F1CF3D5E440}"/>
+              </a:ext>
+            </a:extLst>
+          </p:cNvPr>
+          <p:cNvPicPr>
+            <a:picLocks noChangeAspect="1"/>
+          </p:cNvPicPr>
+          <p:nvPr/>
+        </p:nvPicPr>
+        <p:blipFill>
+          <a:blip r:embed="rId2"/>
+          <a:stretch>
+            <a:fillRect/>
+          </a:stretch>
+        </p:blipFill>
+        <p:spPr>
+          <a:xfrm>
+            <a:off x="4854633" y="768204"/>
+            <a:ext cx="4190534" cy="4263074"/>
+          </a:xfrm>
+          <a:prstGeom prst="rect">
+            <a:avLst/>
+          </a:prstGeom>
+        </p:spPr>
+      </p:pic>
+      <p:cxnSp>
+        <p:nvCxnSpPr>
+          <p:cNvPr id="7" name="Straight Arrow Connector 6">
+            <a:extLst>
+              <a:ext uri="{FF2B5EF4-FFF2-40B4-BE49-F238E27FC236}">
+                <a16:creationId xmlns:a16="http://schemas.microsoft.com/office/drawing/2014/main" id="{1FCBE661-ADA5-7BCF-91F6-B7AC219F974D}"/>
+              </a:ext>
+            </a:extLst>
+          </p:cNvPr>
+          <p:cNvCxnSpPr>
+            <a:cxnSpLocks/>
+          </p:cNvCxnSpPr>
+          <p:nvPr/>
+        </p:nvCxnSpPr>
+        <p:spPr>
+          <a:xfrm>
+            <a:off x="4289368" y="1691640"/>
+            <a:ext cx="4343399" cy="556953"/>
+          </a:xfrm>
+          <a:prstGeom prst="straightConnector1">
+            <a:avLst/>
+          </a:prstGeom>
+          <a:ln w="38100">
+            <a:solidFill>
+              <a:srgbClr val="C00000"/>
+            </a:solidFill>
+            <a:tailEnd type="triangle"/>
+          </a:ln>
+        </p:spPr>
+        <p:style>
+          <a:lnRef idx="2">
+            <a:schemeClr val="accent1"/>
+          </a:lnRef>
+          <a:fillRef idx="0">
+            <a:schemeClr val="accent1"/>
+          </a:fillRef>
+          <a:effectRef idx="1">
+            <a:schemeClr val="accent1"/>
+          </a:effectRef>
+          <a:fontRef idx="minor">
+            <a:schemeClr val="tx1"/>
+          </a:fontRef>
+        </p:style>
+      </p:cxnSp>
+      <p:cxnSp>
+        <p:nvCxnSpPr>
+          <p:cNvPr id="10" name="Straight Arrow Connector 9">
+            <a:extLst>
+              <a:ext uri="{FF2B5EF4-FFF2-40B4-BE49-F238E27FC236}">
+                <a16:creationId xmlns:a16="http://schemas.microsoft.com/office/drawing/2014/main" id="{CFBC623E-A5CB-9D38-9437-6FFE6B3419D1}"/>
+              </a:ext>
+            </a:extLst>
+          </p:cNvPr>
+          <p:cNvCxnSpPr>
+            <a:cxnSpLocks/>
+          </p:cNvCxnSpPr>
+          <p:nvPr/>
+        </p:nvCxnSpPr>
+        <p:spPr>
+          <a:xfrm>
+            <a:off x="4289368" y="2344189"/>
+            <a:ext cx="2015836" cy="1321724"/>
+          </a:xfrm>
+          <a:prstGeom prst="straightConnector1">
+            <a:avLst/>
+          </a:prstGeom>
+          <a:ln w="38100">
+            <a:solidFill>
+              <a:srgbClr val="C00000"/>
+            </a:solidFill>
+            <a:tailEnd type="triangle"/>
+          </a:ln>
+        </p:spPr>
+        <p:style>
+          <a:lnRef idx="2">
+            <a:schemeClr val="accent1"/>
+          </a:lnRef>
+          <a:fillRef idx="0">
+            <a:schemeClr val="accent1"/>
+          </a:fillRef>
+          <a:effectRef idx="1">
+            <a:schemeClr val="accent1"/>
+          </a:effectRef>
+          <a:fontRef idx="minor">
+            <a:schemeClr val="tx1"/>
+          </a:fontRef>
+        </p:style>
+      </p:cxnSp>
+      <p:cxnSp>
+        <p:nvCxnSpPr>
+          <p:cNvPr id="13" name="Straight Arrow Connector 12">
+            <a:extLst>
+              <a:ext uri="{FF2B5EF4-FFF2-40B4-BE49-F238E27FC236}">
+                <a16:creationId xmlns:a16="http://schemas.microsoft.com/office/drawing/2014/main" id="{8640514E-FD89-A21F-8FA4-2A3870F74C06}"/>
+              </a:ext>
+            </a:extLst>
+          </p:cNvPr>
+          <p:cNvCxnSpPr>
+            <a:cxnSpLocks/>
+          </p:cNvCxnSpPr>
+          <p:nvPr/>
+        </p:nvCxnSpPr>
+        <p:spPr>
+          <a:xfrm>
+            <a:off x="4441768" y="3088178"/>
+            <a:ext cx="1314796" cy="1030778"/>
+          </a:xfrm>
+          <a:prstGeom prst="straightConnector1">
+            <a:avLst/>
+          </a:prstGeom>
+          <a:ln w="38100">
+            <a:solidFill>
+              <a:srgbClr val="C00000"/>
+            </a:solidFill>
+            <a:tailEnd type="triangle"/>
+          </a:ln>
+        </p:spPr>
+        <p:style>
+          <a:lnRef idx="2">
+            <a:schemeClr val="accent1"/>
+          </a:lnRef>
+          <a:fillRef idx="0">
+            <a:schemeClr val="accent1"/>
+          </a:fillRef>
+          <a:effectRef idx="1">
+            <a:schemeClr val="accent1"/>
+          </a:effectRef>
+          <a:fontRef idx="minor">
+            <a:schemeClr val="tx1"/>
+          </a:fontRef>
+        </p:style>
+      </p:cxnSp>
+    </p:spTree>
+  </p:cSld>
+  <p:clrMapOvr>
+    <a:masterClrMapping/>
+  </p:clrMapOvr>
+</p:sld>
+</file>
+
+<file path=ppt/slides/slide41.xml><?xml version="1.0" encoding="utf-8"?>
+<p:sld xmlns:a="http://schemas.openxmlformats.org/drawingml/2006/main" xmlns:r="http://schemas.openxmlformats.org/officeDocument/2006/relationships" xmlns:p="http://schemas.openxmlformats.org/presentationml/2006/main">
+  <p:cSld>
+    <p:spTree>
+      <p:nvGrpSpPr>
+        <p:cNvPr id="1" name=""/>
+        <p:cNvGrpSpPr/>
+        <p:nvPr/>
+      </p:nvGrpSpPr>
+      <p:grpSpPr>
+        <a:xfrm>
+          <a:off x="0" y="0"/>
+          <a:ext cx="0" cy="0"/>
+          <a:chOff x="0" y="0"/>
+          <a:chExt cx="0" cy="0"/>
+        </a:xfrm>
+      </p:grpSpPr>
+      <p:sp>
+        <p:nvSpPr>
+          <p:cNvPr id="2" name="Title 1"/>
+          <p:cNvSpPr>
+            <a:spLocks noGrp="1"/>
+          </p:cNvSpPr>
+          <p:nvPr>
+            <p:ph type="title"/>
+          </p:nvPr>
+        </p:nvSpPr>
         <p:spPr/>
         <p:txBody>
           <a:bodyPr/>
@@ -13901,7 +15524,7 @@
 </p:sld>
 </file>
 
-<file path=ppt/slides/slide41.xml><?xml version="1.0" encoding="utf-8"?>
+<file path=ppt/slides/slide42.xml><?xml version="1.0" encoding="utf-8"?>
 <p:sld xmlns:a="http://schemas.openxmlformats.org/drawingml/2006/main" xmlns:r="http://schemas.openxmlformats.org/officeDocument/2006/relationships" xmlns:p="http://schemas.openxmlformats.org/presentationml/2006/main">
   <p:cSld>
     <p:spTree>

--- a/LectureSlides/10b_ModelsFor OutliersAndOverdispersion.pptx
+++ b/LectureSlides/10b_ModelsFor OutliersAndOverdispersion.pptx
@@ -5,7 +5,7 @@
     <p:sldMasterId id="2147483648" r:id="rId1"/>
   </p:sldMasterIdLst>
   <p:notesMasterIdLst>
-    <p:notesMasterId r:id="rId44"/>
+    <p:notesMasterId r:id="rId54"/>
   </p:notesMasterIdLst>
   <p:sldIdLst>
     <p:sldId id="337" r:id="rId2"/>
@@ -20,36 +20,46 @@
     <p:sldId id="350" r:id="rId11"/>
     <p:sldId id="355" r:id="rId12"/>
     <p:sldId id="356" r:id="rId13"/>
-    <p:sldId id="341" r:id="rId14"/>
-    <p:sldId id="353" r:id="rId15"/>
-    <p:sldId id="352" r:id="rId16"/>
-    <p:sldId id="349" r:id="rId17"/>
-    <p:sldId id="354" r:id="rId18"/>
-    <p:sldId id="358" r:id="rId19"/>
-    <p:sldId id="359" r:id="rId20"/>
-    <p:sldId id="360" r:id="rId21"/>
-    <p:sldId id="361" r:id="rId22"/>
-    <p:sldId id="362" r:id="rId23"/>
-    <p:sldId id="351" r:id="rId24"/>
-    <p:sldId id="342" r:id="rId25"/>
-    <p:sldId id="320" r:id="rId26"/>
-    <p:sldId id="321" r:id="rId27"/>
-    <p:sldId id="364" r:id="rId28"/>
-    <p:sldId id="365" r:id="rId29"/>
-    <p:sldId id="323" r:id="rId30"/>
-    <p:sldId id="324" r:id="rId31"/>
-    <p:sldId id="326" r:id="rId32"/>
-    <p:sldId id="366" r:id="rId33"/>
-    <p:sldId id="327" r:id="rId34"/>
-    <p:sldId id="328" r:id="rId35"/>
-    <p:sldId id="329" r:id="rId36"/>
-    <p:sldId id="330" r:id="rId37"/>
-    <p:sldId id="331" r:id="rId38"/>
-    <p:sldId id="332" r:id="rId39"/>
-    <p:sldId id="367" r:id="rId40"/>
-    <p:sldId id="333" r:id="rId41"/>
-    <p:sldId id="335" r:id="rId42"/>
-    <p:sldId id="336" r:id="rId43"/>
+    <p:sldId id="373" r:id="rId14"/>
+    <p:sldId id="369" r:id="rId15"/>
+    <p:sldId id="372" r:id="rId16"/>
+    <p:sldId id="374" r:id="rId17"/>
+    <p:sldId id="371" r:id="rId18"/>
+    <p:sldId id="341" r:id="rId19"/>
+    <p:sldId id="353" r:id="rId20"/>
+    <p:sldId id="352" r:id="rId21"/>
+    <p:sldId id="349" r:id="rId22"/>
+    <p:sldId id="354" r:id="rId23"/>
+    <p:sldId id="358" r:id="rId24"/>
+    <p:sldId id="359" r:id="rId25"/>
+    <p:sldId id="360" r:id="rId26"/>
+    <p:sldId id="361" r:id="rId27"/>
+    <p:sldId id="362" r:id="rId28"/>
+    <p:sldId id="351" r:id="rId29"/>
+    <p:sldId id="375" r:id="rId30"/>
+    <p:sldId id="376" r:id="rId31"/>
+    <p:sldId id="380" r:id="rId32"/>
+    <p:sldId id="378" r:id="rId33"/>
+    <p:sldId id="379" r:id="rId34"/>
+    <p:sldId id="377" r:id="rId35"/>
+    <p:sldId id="320" r:id="rId36"/>
+    <p:sldId id="321" r:id="rId37"/>
+    <p:sldId id="364" r:id="rId38"/>
+    <p:sldId id="365" r:id="rId39"/>
+    <p:sldId id="323" r:id="rId40"/>
+    <p:sldId id="324" r:id="rId41"/>
+    <p:sldId id="326" r:id="rId42"/>
+    <p:sldId id="366" r:id="rId43"/>
+    <p:sldId id="327" r:id="rId44"/>
+    <p:sldId id="328" r:id="rId45"/>
+    <p:sldId id="329" r:id="rId46"/>
+    <p:sldId id="330" r:id="rId47"/>
+    <p:sldId id="331" r:id="rId48"/>
+    <p:sldId id="332" r:id="rId49"/>
+    <p:sldId id="333" r:id="rId50"/>
+    <p:sldId id="367" r:id="rId51"/>
+    <p:sldId id="368" r:id="rId52"/>
+    <p:sldId id="381" r:id="rId53"/>
   </p:sldIdLst>
   <p:sldSz cx="9144000" cy="5143500" type="screen16x9"/>
   <p:notesSz cx="6858000" cy="9144000"/>
@@ -249,7 +259,7 @@
           <a:p>
             <a:fld id="{B45A0028-71D2-4800-AD8E-38BD1BCDF688}" type="datetimeFigureOut">
               <a:rPr lang="en-US" smtClean="0"/>
-              <a:t>10/20/2024</a:t>
+              <a:t>10/21/2024</a:t>
             </a:fld>
             <a:endParaRPr lang="en-US"/>
           </a:p>
@@ -695,7 +705,7 @@
           <a:p>
             <a:fld id="{241EB5C9-1307-BA42-ABA2-0BC069CD8E7F}" type="datetimeFigureOut">
               <a:rPr lang="en-US" smtClean="0"/>
-              <a:t>10/20/2024</a:t>
+              <a:t>10/21/2024</a:t>
             </a:fld>
             <a:endParaRPr lang="en-US"/>
           </a:p>
@@ -863,7 +873,7 @@
           <a:p>
             <a:fld id="{241EB5C9-1307-BA42-ABA2-0BC069CD8E7F}" type="datetimeFigureOut">
               <a:rPr lang="en-US" smtClean="0"/>
-              <a:t>10/20/2024</a:t>
+              <a:t>10/21/2024</a:t>
             </a:fld>
             <a:endParaRPr lang="en-US"/>
           </a:p>
@@ -1041,7 +1051,7 @@
           <a:p>
             <a:fld id="{241EB5C9-1307-BA42-ABA2-0BC069CD8E7F}" type="datetimeFigureOut">
               <a:rPr lang="en-US" smtClean="0"/>
-              <a:t>10/20/2024</a:t>
+              <a:t>10/21/2024</a:t>
             </a:fld>
             <a:endParaRPr lang="en-US"/>
           </a:p>
@@ -1209,7 +1219,7 @@
           <a:p>
             <a:fld id="{241EB5C9-1307-BA42-ABA2-0BC069CD8E7F}" type="datetimeFigureOut">
               <a:rPr lang="en-US" smtClean="0"/>
-              <a:t>10/20/2024</a:t>
+              <a:t>10/21/2024</a:t>
             </a:fld>
             <a:endParaRPr lang="en-US"/>
           </a:p>
@@ -1454,7 +1464,7 @@
           <a:p>
             <a:fld id="{241EB5C9-1307-BA42-ABA2-0BC069CD8E7F}" type="datetimeFigureOut">
               <a:rPr lang="en-US" smtClean="0"/>
-              <a:t>10/20/2024</a:t>
+              <a:t>10/21/2024</a:t>
             </a:fld>
             <a:endParaRPr lang="en-US"/>
           </a:p>
@@ -1739,7 +1749,7 @@
           <a:p>
             <a:fld id="{241EB5C9-1307-BA42-ABA2-0BC069CD8E7F}" type="datetimeFigureOut">
               <a:rPr lang="en-US" smtClean="0"/>
-              <a:t>10/20/2024</a:t>
+              <a:t>10/21/2024</a:t>
             </a:fld>
             <a:endParaRPr lang="en-US"/>
           </a:p>
@@ -2158,7 +2168,7 @@
           <a:p>
             <a:fld id="{241EB5C9-1307-BA42-ABA2-0BC069CD8E7F}" type="datetimeFigureOut">
               <a:rPr lang="en-US" smtClean="0"/>
-              <a:t>10/20/2024</a:t>
+              <a:t>10/21/2024</a:t>
             </a:fld>
             <a:endParaRPr lang="en-US"/>
           </a:p>
@@ -2275,7 +2285,7 @@
           <a:p>
             <a:fld id="{241EB5C9-1307-BA42-ABA2-0BC069CD8E7F}" type="datetimeFigureOut">
               <a:rPr lang="en-US" smtClean="0"/>
-              <a:t>10/20/2024</a:t>
+              <a:t>10/21/2024</a:t>
             </a:fld>
             <a:endParaRPr lang="en-US"/>
           </a:p>
@@ -2370,7 +2380,7 @@
           <a:p>
             <a:fld id="{241EB5C9-1307-BA42-ABA2-0BC069CD8E7F}" type="datetimeFigureOut">
               <a:rPr lang="en-US" smtClean="0"/>
-              <a:t>10/20/2024</a:t>
+              <a:t>10/21/2024</a:t>
             </a:fld>
             <a:endParaRPr lang="en-US"/>
           </a:p>
@@ -2645,7 +2655,7 @@
           <a:p>
             <a:fld id="{241EB5C9-1307-BA42-ABA2-0BC069CD8E7F}" type="datetimeFigureOut">
               <a:rPr lang="en-US" smtClean="0"/>
-              <a:t>10/20/2024</a:t>
+              <a:t>10/21/2024</a:t>
             </a:fld>
             <a:endParaRPr lang="en-US"/>
           </a:p>
@@ -2897,7 +2907,7 @@
           <a:p>
             <a:fld id="{241EB5C9-1307-BA42-ABA2-0BC069CD8E7F}" type="datetimeFigureOut">
               <a:rPr lang="en-US" smtClean="0"/>
-              <a:t>10/20/2024</a:t>
+              <a:t>10/21/2024</a:t>
             </a:fld>
             <a:endParaRPr lang="en-US"/>
           </a:p>
@@ -3108,7 +3118,7 @@
           <a:p>
             <a:fld id="{241EB5C9-1307-BA42-ABA2-0BC069CD8E7F}" type="datetimeFigureOut">
               <a:rPr lang="en-US" smtClean="0"/>
-              <a:t>10/20/2024</a:t>
+              <a:t>10/21/2024</a:t>
             </a:fld>
             <a:endParaRPr lang="en-US"/>
           </a:p>
@@ -4582,6 +4592,1355 @@
         <p:cNvPr id="1" name="">
           <a:extLst>
             <a:ext uri="{FF2B5EF4-FFF2-40B4-BE49-F238E27FC236}">
+              <a16:creationId xmlns:a16="http://schemas.microsoft.com/office/drawing/2014/main" id="{13A83D6F-D893-DA13-853F-A9881CC56D80}"/>
+            </a:ext>
+          </a:extLst>
+        </p:cNvPr>
+        <p:cNvGrpSpPr/>
+        <p:nvPr/>
+      </p:nvGrpSpPr>
+      <p:grpSpPr>
+        <a:xfrm>
+          <a:off x="0" y="0"/>
+          <a:ext cx="0" cy="0"/>
+          <a:chOff x="0" y="0"/>
+          <a:chExt cx="0" cy="0"/>
+        </a:xfrm>
+      </p:grpSpPr>
+      <p:sp>
+        <p:nvSpPr>
+          <p:cNvPr id="2" name="Title 1">
+            <a:extLst>
+              <a:ext uri="{FF2B5EF4-FFF2-40B4-BE49-F238E27FC236}">
+                <a16:creationId xmlns:a16="http://schemas.microsoft.com/office/drawing/2014/main" id="{FC87A3F3-7181-C173-382B-2D2AA99BCD58}"/>
+              </a:ext>
+            </a:extLst>
+          </p:cNvPr>
+          <p:cNvSpPr>
+            <a:spLocks noGrp="1"/>
+          </p:cNvSpPr>
+          <p:nvPr>
+            <p:ph type="title"/>
+          </p:nvPr>
+        </p:nvSpPr>
+        <p:spPr>
+          <a:xfrm>
+            <a:off x="457201" y="204787"/>
+            <a:ext cx="8441574" cy="451918"/>
+          </a:xfrm>
+        </p:spPr>
+        <p:txBody>
+          <a:bodyPr>
+            <a:noAutofit/>
+          </a:bodyPr>
+          <a:lstStyle/>
+          <a:p>
+            <a:pPr marL="0" lvl="0" indent="0" algn="ctr">
+              <a:buNone/>
+            </a:pPr>
+            <a:r>
+              <a:rPr lang="en-US" sz="3200" b="0" dirty="0"/>
+              <a:t>Example: Zero-Inflated Poisson Regression</a:t>
+            </a:r>
+            <a:endParaRPr sz="3200" b="0" dirty="0"/>
+          </a:p>
+        </p:txBody>
+      </p:sp>
+      <p:sp>
+        <p:nvSpPr>
+          <p:cNvPr id="4" name="Text Placeholder 3">
+            <a:extLst>
+              <a:ext uri="{FF2B5EF4-FFF2-40B4-BE49-F238E27FC236}">
+                <a16:creationId xmlns:a16="http://schemas.microsoft.com/office/drawing/2014/main" id="{865D9DE8-3CA0-350C-E556-EEFC8940464D}"/>
+              </a:ext>
+            </a:extLst>
+          </p:cNvPr>
+          <p:cNvSpPr>
+            <a:spLocks noGrp="1"/>
+          </p:cNvSpPr>
+          <p:nvPr>
+            <p:ph type="body" sz="half" idx="2"/>
+          </p:nvPr>
+        </p:nvSpPr>
+        <p:spPr>
+          <a:xfrm>
+            <a:off x="384466" y="1512916"/>
+            <a:ext cx="3871650" cy="2685011"/>
+          </a:xfrm>
+        </p:spPr>
+        <p:txBody>
+          <a:bodyPr>
+            <a:normAutofit/>
+          </a:bodyPr>
+          <a:lstStyle/>
+          <a:p>
+            <a:pPr marL="0" lvl="0" indent="0">
+              <a:buNone/>
+            </a:pPr>
+            <a:r>
+              <a:rPr sz="2000" dirty="0"/>
+              <a:t>Example: </a:t>
+            </a:r>
+            <a:r>
+              <a:rPr lang="en-US" sz="2000" dirty="0"/>
+              <a:t>model for fish caught by parties visiting a park</a:t>
+            </a:r>
+          </a:p>
+          <a:p>
+            <a:pPr marL="342900" lvl="0" indent="-342900">
+              <a:buFont typeface="Arial" panose="020B0604020202020204" pitchFamily="34" charset="0"/>
+              <a:buChar char="•"/>
+            </a:pPr>
+            <a:r>
+              <a:rPr lang="en-US" sz="2000" dirty="0"/>
+              <a:t>The distribution is zero inflated, many parties do not catch any fish</a:t>
+            </a:r>
+          </a:p>
+          <a:p>
+            <a:pPr marL="342900" lvl="0" indent="-342900">
+              <a:buFont typeface="Arial" panose="020B0604020202020204" pitchFamily="34" charset="0"/>
+              <a:buChar char="•"/>
+            </a:pPr>
+            <a:r>
+              <a:rPr lang="en-US" sz="2000" dirty="0"/>
+              <a:t>There is a strong right skew, some parties catch larger numbers of fish </a:t>
+            </a:r>
+          </a:p>
+        </p:txBody>
+      </p:sp>
+      <p:pic>
+        <p:nvPicPr>
+          <p:cNvPr id="6" name="Picture 5">
+            <a:extLst>
+              <a:ext uri="{FF2B5EF4-FFF2-40B4-BE49-F238E27FC236}">
+                <a16:creationId xmlns:a16="http://schemas.microsoft.com/office/drawing/2014/main" id="{02C0445D-ABCD-B101-00A3-EF9F7082F580}"/>
+              </a:ext>
+            </a:extLst>
+          </p:cNvPr>
+          <p:cNvPicPr>
+            <a:picLocks noChangeAspect="1"/>
+          </p:cNvPicPr>
+          <p:nvPr/>
+        </p:nvPicPr>
+        <p:blipFill>
+          <a:blip r:embed="rId2"/>
+          <a:stretch>
+            <a:fillRect/>
+          </a:stretch>
+        </p:blipFill>
+        <p:spPr>
+          <a:xfrm>
+            <a:off x="4355869" y="1512916"/>
+            <a:ext cx="4729701" cy="3058181"/>
+          </a:xfrm>
+          <a:prstGeom prst="rect">
+            <a:avLst/>
+          </a:prstGeom>
+        </p:spPr>
+      </p:pic>
+    </p:spTree>
+    <p:extLst>
+      <p:ext uri="{BB962C8B-B14F-4D97-AF65-F5344CB8AC3E}">
+        <p14:creationId xmlns:p14="http://schemas.microsoft.com/office/powerpoint/2010/main" val="1248049159"/>
+      </p:ext>
+    </p:extLst>
+  </p:cSld>
+  <p:clrMapOvr>
+    <a:masterClrMapping/>
+  </p:clrMapOvr>
+</p:sld>
+</file>
+
+<file path=ppt/slides/slide14.xml><?xml version="1.0" encoding="utf-8"?>
+<p:sld xmlns:a="http://schemas.openxmlformats.org/drawingml/2006/main" xmlns:r="http://schemas.openxmlformats.org/officeDocument/2006/relationships" xmlns:p="http://schemas.openxmlformats.org/presentationml/2006/main">
+  <p:cSld>
+    <p:spTree>
+      <p:nvGrpSpPr>
+        <p:cNvPr id="1" name="">
+          <a:extLst>
+            <a:ext uri="{FF2B5EF4-FFF2-40B4-BE49-F238E27FC236}">
+              <a16:creationId xmlns:a16="http://schemas.microsoft.com/office/drawing/2014/main" id="{A419EA63-83E3-1C55-7E5E-003914F596F4}"/>
+            </a:ext>
+          </a:extLst>
+        </p:cNvPr>
+        <p:cNvGrpSpPr/>
+        <p:nvPr/>
+      </p:nvGrpSpPr>
+      <p:grpSpPr>
+        <a:xfrm>
+          <a:off x="0" y="0"/>
+          <a:ext cx="0" cy="0"/>
+          <a:chOff x="0" y="0"/>
+          <a:chExt cx="0" cy="0"/>
+        </a:xfrm>
+      </p:grpSpPr>
+      <p:sp>
+        <p:nvSpPr>
+          <p:cNvPr id="2" name="Title 1">
+            <a:extLst>
+              <a:ext uri="{FF2B5EF4-FFF2-40B4-BE49-F238E27FC236}">
+                <a16:creationId xmlns:a16="http://schemas.microsoft.com/office/drawing/2014/main" id="{3FEBB3EF-8AFD-D43E-E1F9-1C70D0D87064}"/>
+              </a:ext>
+            </a:extLst>
+          </p:cNvPr>
+          <p:cNvSpPr>
+            <a:spLocks noGrp="1"/>
+          </p:cNvSpPr>
+          <p:nvPr>
+            <p:ph type="title"/>
+          </p:nvPr>
+        </p:nvSpPr>
+        <p:spPr>
+          <a:xfrm>
+            <a:off x="457201" y="204787"/>
+            <a:ext cx="8441574" cy="451918"/>
+          </a:xfrm>
+        </p:spPr>
+        <p:txBody>
+          <a:bodyPr>
+            <a:noAutofit/>
+          </a:bodyPr>
+          <a:lstStyle/>
+          <a:p>
+            <a:pPr marL="0" lvl="0" indent="0" algn="ctr">
+              <a:buNone/>
+            </a:pPr>
+            <a:r>
+              <a:rPr lang="en-US" sz="3200" b="0" dirty="0"/>
+              <a:t>Example: Zero-Inflated Poisson Regression</a:t>
+            </a:r>
+            <a:endParaRPr sz="3200" b="0" dirty="0"/>
+          </a:p>
+        </p:txBody>
+      </p:sp>
+      <p:sp>
+        <p:nvSpPr>
+          <p:cNvPr id="4" name="Text Placeholder 3">
+            <a:extLst>
+              <a:ext uri="{FF2B5EF4-FFF2-40B4-BE49-F238E27FC236}">
+                <a16:creationId xmlns:a16="http://schemas.microsoft.com/office/drawing/2014/main" id="{15354A87-DA9E-3737-627D-548F0DEF0269}"/>
+              </a:ext>
+            </a:extLst>
+          </p:cNvPr>
+          <p:cNvSpPr>
+            <a:spLocks noGrp="1"/>
+          </p:cNvSpPr>
+          <p:nvPr>
+            <p:ph type="body" sz="half" idx="2"/>
+          </p:nvPr>
+        </p:nvSpPr>
+        <p:spPr>
+          <a:xfrm>
+            <a:off x="384466" y="812601"/>
+            <a:ext cx="8381305" cy="1564839"/>
+          </a:xfrm>
+        </p:spPr>
+        <p:txBody>
+          <a:bodyPr>
+            <a:normAutofit/>
+          </a:bodyPr>
+          <a:lstStyle/>
+          <a:p>
+            <a:pPr marL="0" lvl="0" indent="0">
+              <a:buNone/>
+            </a:pPr>
+            <a:r>
+              <a:rPr sz="2000" dirty="0"/>
+              <a:t>Example: </a:t>
+            </a:r>
+            <a:r>
+              <a:rPr lang="en-US" sz="2000" dirty="0"/>
+              <a:t>model for fish caught by parties visiting a park</a:t>
+            </a:r>
+          </a:p>
+          <a:p>
+            <a:pPr marL="342900" lvl="0" indent="-342900">
+              <a:buFont typeface="Arial" panose="020B0604020202020204" pitchFamily="34" charset="0"/>
+              <a:buChar char="•"/>
+            </a:pPr>
+            <a:r>
+              <a:rPr lang="en-US" sz="2000" dirty="0"/>
+              <a:t>Exogenous variables, persons in party, children in party, did the party camp</a:t>
+            </a:r>
+          </a:p>
+          <a:p>
+            <a:pPr marL="342900" lvl="0" indent="-342900">
+              <a:buFont typeface="Arial" panose="020B0604020202020204" pitchFamily="34" charset="0"/>
+              <a:buChar char="•"/>
+            </a:pPr>
+            <a:r>
+              <a:rPr lang="en-US" sz="2000" dirty="0"/>
+              <a:t>Facet plot of the response variable vs. the exogenous variables  </a:t>
+            </a:r>
+          </a:p>
+        </p:txBody>
+      </p:sp>
+      <p:pic>
+        <p:nvPicPr>
+          <p:cNvPr id="6" name="Picture 5">
+            <a:extLst>
+              <a:ext uri="{FF2B5EF4-FFF2-40B4-BE49-F238E27FC236}">
+                <a16:creationId xmlns:a16="http://schemas.microsoft.com/office/drawing/2014/main" id="{9F26E4EE-106F-5AB2-1AA2-C4E81F014BF8}"/>
+              </a:ext>
+            </a:extLst>
+          </p:cNvPr>
+          <p:cNvPicPr>
+            <a:picLocks noChangeAspect="1"/>
+          </p:cNvPicPr>
+          <p:nvPr/>
+        </p:nvPicPr>
+        <p:blipFill>
+          <a:blip r:embed="rId2"/>
+          <a:stretch>
+            <a:fillRect/>
+          </a:stretch>
+        </p:blipFill>
+        <p:spPr>
+          <a:xfrm>
+            <a:off x="457200" y="2668970"/>
+            <a:ext cx="8244431" cy="2458010"/>
+          </a:xfrm>
+          <a:prstGeom prst="rect">
+            <a:avLst/>
+          </a:prstGeom>
+        </p:spPr>
+      </p:pic>
+    </p:spTree>
+    <p:extLst>
+      <p:ext uri="{BB962C8B-B14F-4D97-AF65-F5344CB8AC3E}">
+        <p14:creationId xmlns:p14="http://schemas.microsoft.com/office/powerpoint/2010/main" val="3136999797"/>
+      </p:ext>
+    </p:extLst>
+  </p:cSld>
+  <p:clrMapOvr>
+    <a:masterClrMapping/>
+  </p:clrMapOvr>
+</p:sld>
+</file>
+
+<file path=ppt/slides/slide15.xml><?xml version="1.0" encoding="utf-8"?>
+<p:sld xmlns:a="http://schemas.openxmlformats.org/drawingml/2006/main" xmlns:r="http://schemas.openxmlformats.org/officeDocument/2006/relationships" xmlns:p="http://schemas.openxmlformats.org/presentationml/2006/main">
+  <p:cSld>
+    <p:spTree>
+      <p:nvGrpSpPr>
+        <p:cNvPr id="1" name="">
+          <a:extLst>
+            <a:ext uri="{FF2B5EF4-FFF2-40B4-BE49-F238E27FC236}">
+              <a16:creationId xmlns:a16="http://schemas.microsoft.com/office/drawing/2014/main" id="{07294746-4749-4FB0-5CB4-48DBD2CA766A}"/>
+            </a:ext>
+          </a:extLst>
+        </p:cNvPr>
+        <p:cNvGrpSpPr/>
+        <p:nvPr/>
+      </p:nvGrpSpPr>
+      <p:grpSpPr>
+        <a:xfrm>
+          <a:off x="0" y="0"/>
+          <a:ext cx="0" cy="0"/>
+          <a:chOff x="0" y="0"/>
+          <a:chExt cx="0" cy="0"/>
+        </a:xfrm>
+      </p:grpSpPr>
+      <p:sp>
+        <p:nvSpPr>
+          <p:cNvPr id="2" name="Title 1">
+            <a:extLst>
+              <a:ext uri="{FF2B5EF4-FFF2-40B4-BE49-F238E27FC236}">
+                <a16:creationId xmlns:a16="http://schemas.microsoft.com/office/drawing/2014/main" id="{32926857-4CA1-DF47-C163-671D55567073}"/>
+              </a:ext>
+            </a:extLst>
+          </p:cNvPr>
+          <p:cNvSpPr>
+            <a:spLocks noGrp="1"/>
+          </p:cNvSpPr>
+          <p:nvPr>
+            <p:ph type="title"/>
+          </p:nvPr>
+        </p:nvSpPr>
+        <p:spPr>
+          <a:xfrm>
+            <a:off x="457201" y="204787"/>
+            <a:ext cx="8441574" cy="451918"/>
+          </a:xfrm>
+        </p:spPr>
+        <p:txBody>
+          <a:bodyPr>
+            <a:noAutofit/>
+          </a:bodyPr>
+          <a:lstStyle/>
+          <a:p>
+            <a:pPr marL="0" lvl="0" indent="0" algn="ctr">
+              <a:buNone/>
+            </a:pPr>
+            <a:r>
+              <a:rPr lang="en-US" sz="3200" b="0" dirty="0"/>
+              <a:t>Example: Zero-Inflated Poisson Regression</a:t>
+            </a:r>
+            <a:endParaRPr sz="3200" b="0" dirty="0"/>
+          </a:p>
+        </p:txBody>
+      </p:sp>
+      <p:sp>
+        <p:nvSpPr>
+          <p:cNvPr id="4" name="Text Placeholder 3">
+            <a:extLst>
+              <a:ext uri="{FF2B5EF4-FFF2-40B4-BE49-F238E27FC236}">
+                <a16:creationId xmlns:a16="http://schemas.microsoft.com/office/drawing/2014/main" id="{AD88B0C5-D708-13A5-020E-78E79C75A188}"/>
+              </a:ext>
+            </a:extLst>
+          </p:cNvPr>
+          <p:cNvSpPr>
+            <a:spLocks noGrp="1"/>
+          </p:cNvSpPr>
+          <p:nvPr>
+            <p:ph type="body" sz="half" idx="2"/>
+          </p:nvPr>
+        </p:nvSpPr>
+        <p:spPr>
+          <a:xfrm>
+            <a:off x="384466" y="1068185"/>
+            <a:ext cx="4653048" cy="3537065"/>
+          </a:xfrm>
+        </p:spPr>
+        <p:txBody>
+          <a:bodyPr>
+            <a:normAutofit/>
+          </a:bodyPr>
+          <a:lstStyle/>
+          <a:p>
+            <a:pPr marL="0" lvl="0" indent="0">
+              <a:buNone/>
+            </a:pPr>
+            <a:r>
+              <a:rPr sz="2000" dirty="0"/>
+              <a:t>Example: </a:t>
+            </a:r>
+            <a:r>
+              <a:rPr lang="en-US" sz="2000" dirty="0"/>
+              <a:t>model for fish caught by parties visiting a park</a:t>
+            </a:r>
+          </a:p>
+          <a:p>
+            <a:pPr marL="342900" lvl="0" indent="-342900">
+              <a:buFont typeface="Arial" panose="020B0604020202020204" pitchFamily="34" charset="0"/>
+              <a:buChar char="•"/>
+            </a:pPr>
+            <a:r>
+              <a:rPr lang="en-US" sz="2000" dirty="0"/>
+              <a:t>Model is significant in explaining the data compared to the null model</a:t>
+            </a:r>
+          </a:p>
+          <a:p>
+            <a:pPr marL="342900" lvl="0" indent="-342900">
+              <a:buFont typeface="Arial" panose="020B0604020202020204" pitchFamily="34" charset="0"/>
+              <a:buChar char="•"/>
+            </a:pPr>
+            <a:r>
+              <a:rPr lang="en-US" sz="2000" dirty="0"/>
+              <a:t>The coefficients are all significant</a:t>
+            </a:r>
+          </a:p>
+          <a:p>
+            <a:pPr marL="685800" lvl="1" indent="-342900">
+              <a:buFont typeface="Arial" panose="020B0604020202020204" pitchFamily="34" charset="0"/>
+              <a:buChar char="•"/>
+            </a:pPr>
+            <a:r>
+              <a:rPr lang="en-US" sz="1800" dirty="0"/>
+              <a:t>Coefficient for switching</a:t>
+            </a:r>
+          </a:p>
+          <a:p>
+            <a:pPr marL="685800" lvl="1" indent="-342900">
+              <a:buFont typeface="Arial" panose="020B0604020202020204" pitchFamily="34" charset="0"/>
+              <a:buChar char="•"/>
+            </a:pPr>
+            <a:r>
+              <a:rPr lang="en-US" sz="1700" dirty="0"/>
+              <a:t>Adding people to party or camping increases expected number of fish caught</a:t>
+            </a:r>
+          </a:p>
+          <a:p>
+            <a:pPr marL="685800" lvl="1" indent="-342900">
+              <a:buFont typeface="Arial" panose="020B0604020202020204" pitchFamily="34" charset="0"/>
+              <a:buChar char="•"/>
+            </a:pPr>
+            <a:r>
+              <a:rPr lang="en-US" sz="1700" dirty="0"/>
+              <a:t>Children in party reduce expected number of fish caught</a:t>
+            </a:r>
+          </a:p>
+        </p:txBody>
+      </p:sp>
+      <p:pic>
+        <p:nvPicPr>
+          <p:cNvPr id="8" name="Picture 7">
+            <a:extLst>
+              <a:ext uri="{FF2B5EF4-FFF2-40B4-BE49-F238E27FC236}">
+                <a16:creationId xmlns:a16="http://schemas.microsoft.com/office/drawing/2014/main" id="{7A3AE126-A2E1-4BB6-62EC-3A9E87603168}"/>
+              </a:ext>
+            </a:extLst>
+          </p:cNvPr>
+          <p:cNvPicPr>
+            <a:picLocks noChangeAspect="1"/>
+          </p:cNvPicPr>
+          <p:nvPr/>
+        </p:nvPicPr>
+        <p:blipFill>
+          <a:blip r:embed="rId2"/>
+          <a:stretch>
+            <a:fillRect/>
+          </a:stretch>
+        </p:blipFill>
+        <p:spPr>
+          <a:xfrm>
+            <a:off x="5346711" y="893616"/>
+            <a:ext cx="3645628" cy="4075315"/>
+          </a:xfrm>
+          <a:prstGeom prst="rect">
+            <a:avLst/>
+          </a:prstGeom>
+        </p:spPr>
+      </p:pic>
+      <p:cxnSp>
+        <p:nvCxnSpPr>
+          <p:cNvPr id="9" name="Straight Arrow Connector 8">
+            <a:extLst>
+              <a:ext uri="{FF2B5EF4-FFF2-40B4-BE49-F238E27FC236}">
+                <a16:creationId xmlns:a16="http://schemas.microsoft.com/office/drawing/2014/main" id="{13AA0651-EF34-BE67-36D9-ED87C3AB1760}"/>
+              </a:ext>
+            </a:extLst>
+          </p:cNvPr>
+          <p:cNvCxnSpPr>
+            <a:cxnSpLocks/>
+          </p:cNvCxnSpPr>
+          <p:nvPr/>
+        </p:nvCxnSpPr>
+        <p:spPr>
+          <a:xfrm>
+            <a:off x="4572000" y="2049087"/>
+            <a:ext cx="3042458" cy="1080655"/>
+          </a:xfrm>
+          <a:prstGeom prst="straightConnector1">
+            <a:avLst/>
+          </a:prstGeom>
+          <a:ln w="38100">
+            <a:solidFill>
+              <a:srgbClr val="C00000"/>
+            </a:solidFill>
+            <a:tailEnd type="triangle"/>
+          </a:ln>
+        </p:spPr>
+        <p:style>
+          <a:lnRef idx="2">
+            <a:schemeClr val="accent1"/>
+          </a:lnRef>
+          <a:fillRef idx="0">
+            <a:schemeClr val="accent1"/>
+          </a:fillRef>
+          <a:effectRef idx="1">
+            <a:schemeClr val="accent1"/>
+          </a:effectRef>
+          <a:fontRef idx="minor">
+            <a:schemeClr val="tx1"/>
+          </a:fontRef>
+        </p:style>
+      </p:cxnSp>
+      <p:cxnSp>
+        <p:nvCxnSpPr>
+          <p:cNvPr id="12" name="Straight Arrow Connector 11">
+            <a:extLst>
+              <a:ext uri="{FF2B5EF4-FFF2-40B4-BE49-F238E27FC236}">
+                <a16:creationId xmlns:a16="http://schemas.microsoft.com/office/drawing/2014/main" id="{E522EFC8-1E22-00B6-1333-C5684091AA57}"/>
+              </a:ext>
+            </a:extLst>
+          </p:cNvPr>
+          <p:cNvCxnSpPr>
+            <a:cxnSpLocks/>
+          </p:cNvCxnSpPr>
+          <p:nvPr/>
+        </p:nvCxnSpPr>
+        <p:spPr>
+          <a:xfrm>
+            <a:off x="3653444" y="2907464"/>
+            <a:ext cx="2283471" cy="1078486"/>
+          </a:xfrm>
+          <a:prstGeom prst="straightConnector1">
+            <a:avLst/>
+          </a:prstGeom>
+          <a:ln w="38100">
+            <a:solidFill>
+              <a:srgbClr val="C00000"/>
+            </a:solidFill>
+            <a:tailEnd type="triangle"/>
+          </a:ln>
+        </p:spPr>
+        <p:style>
+          <a:lnRef idx="2">
+            <a:schemeClr val="accent1"/>
+          </a:lnRef>
+          <a:fillRef idx="0">
+            <a:schemeClr val="accent1"/>
+          </a:fillRef>
+          <a:effectRef idx="1">
+            <a:schemeClr val="accent1"/>
+          </a:effectRef>
+          <a:fontRef idx="minor">
+            <a:schemeClr val="tx1"/>
+          </a:fontRef>
+        </p:style>
+      </p:cxnSp>
+      <p:cxnSp>
+        <p:nvCxnSpPr>
+          <p:cNvPr id="15" name="Straight Arrow Connector 14">
+            <a:extLst>
+              <a:ext uri="{FF2B5EF4-FFF2-40B4-BE49-F238E27FC236}">
+                <a16:creationId xmlns:a16="http://schemas.microsoft.com/office/drawing/2014/main" id="{254A3AF0-A54E-AA24-9428-9795BB249912}"/>
+              </a:ext>
+            </a:extLst>
+          </p:cNvPr>
+          <p:cNvCxnSpPr>
+            <a:cxnSpLocks/>
+          </p:cNvCxnSpPr>
+          <p:nvPr/>
+        </p:nvCxnSpPr>
+        <p:spPr>
+          <a:xfrm>
+            <a:off x="4813071" y="3632660"/>
+            <a:ext cx="814647" cy="706581"/>
+          </a:xfrm>
+          <a:prstGeom prst="straightConnector1">
+            <a:avLst/>
+          </a:prstGeom>
+          <a:ln w="38100">
+            <a:solidFill>
+              <a:srgbClr val="C00000"/>
+            </a:solidFill>
+            <a:tailEnd type="triangle"/>
+          </a:ln>
+        </p:spPr>
+        <p:style>
+          <a:lnRef idx="2">
+            <a:schemeClr val="accent1"/>
+          </a:lnRef>
+          <a:fillRef idx="0">
+            <a:schemeClr val="accent1"/>
+          </a:fillRef>
+          <a:effectRef idx="1">
+            <a:schemeClr val="accent1"/>
+          </a:effectRef>
+          <a:fontRef idx="minor">
+            <a:schemeClr val="tx1"/>
+          </a:fontRef>
+        </p:style>
+      </p:cxnSp>
+      <p:cxnSp>
+        <p:nvCxnSpPr>
+          <p:cNvPr id="18" name="Straight Arrow Connector 17">
+            <a:extLst>
+              <a:ext uri="{FF2B5EF4-FFF2-40B4-BE49-F238E27FC236}">
+                <a16:creationId xmlns:a16="http://schemas.microsoft.com/office/drawing/2014/main" id="{801F32A9-C574-B383-2D30-A94CF83FA8A9}"/>
+              </a:ext>
+            </a:extLst>
+          </p:cNvPr>
+          <p:cNvCxnSpPr>
+            <a:cxnSpLocks/>
+          </p:cNvCxnSpPr>
+          <p:nvPr/>
+        </p:nvCxnSpPr>
+        <p:spPr>
+          <a:xfrm>
+            <a:off x="4842164" y="3973484"/>
+            <a:ext cx="926869" cy="631766"/>
+          </a:xfrm>
+          <a:prstGeom prst="straightConnector1">
+            <a:avLst/>
+          </a:prstGeom>
+          <a:ln w="38100">
+            <a:solidFill>
+              <a:srgbClr val="C00000"/>
+            </a:solidFill>
+            <a:tailEnd type="triangle"/>
+          </a:ln>
+        </p:spPr>
+        <p:style>
+          <a:lnRef idx="2">
+            <a:schemeClr val="accent1"/>
+          </a:lnRef>
+          <a:fillRef idx="0">
+            <a:schemeClr val="accent1"/>
+          </a:fillRef>
+          <a:effectRef idx="1">
+            <a:schemeClr val="accent1"/>
+          </a:effectRef>
+          <a:fontRef idx="minor">
+            <a:schemeClr val="tx1"/>
+          </a:fontRef>
+        </p:style>
+      </p:cxnSp>
+      <p:cxnSp>
+        <p:nvCxnSpPr>
+          <p:cNvPr id="27" name="Straight Arrow Connector 26">
+            <a:extLst>
+              <a:ext uri="{FF2B5EF4-FFF2-40B4-BE49-F238E27FC236}">
+                <a16:creationId xmlns:a16="http://schemas.microsoft.com/office/drawing/2014/main" id="{4CFA3CC1-AFAE-5D22-0215-84C2EABFAABF}"/>
+              </a:ext>
+            </a:extLst>
+          </p:cNvPr>
+          <p:cNvCxnSpPr>
+            <a:cxnSpLocks/>
+          </p:cNvCxnSpPr>
+          <p:nvPr/>
+        </p:nvCxnSpPr>
+        <p:spPr>
+          <a:xfrm>
+            <a:off x="4227022" y="2616432"/>
+            <a:ext cx="3429001" cy="1103170"/>
+          </a:xfrm>
+          <a:prstGeom prst="straightConnector1">
+            <a:avLst/>
+          </a:prstGeom>
+          <a:ln w="38100">
+            <a:solidFill>
+              <a:srgbClr val="C00000"/>
+            </a:solidFill>
+            <a:tailEnd type="triangle"/>
+          </a:ln>
+        </p:spPr>
+        <p:style>
+          <a:lnRef idx="2">
+            <a:schemeClr val="accent1"/>
+          </a:lnRef>
+          <a:fillRef idx="0">
+            <a:schemeClr val="accent1"/>
+          </a:fillRef>
+          <a:effectRef idx="1">
+            <a:schemeClr val="accent1"/>
+          </a:effectRef>
+          <a:fontRef idx="minor">
+            <a:schemeClr val="tx1"/>
+          </a:fontRef>
+        </p:style>
+      </p:cxnSp>
+    </p:spTree>
+    <p:extLst>
+      <p:ext uri="{BB962C8B-B14F-4D97-AF65-F5344CB8AC3E}">
+        <p14:creationId xmlns:p14="http://schemas.microsoft.com/office/powerpoint/2010/main" val="2001670351"/>
+      </p:ext>
+    </p:extLst>
+  </p:cSld>
+  <p:clrMapOvr>
+    <a:masterClrMapping/>
+  </p:clrMapOvr>
+</p:sld>
+</file>
+
+<file path=ppt/slides/slide16.xml><?xml version="1.0" encoding="utf-8"?>
+<p:sld xmlns:a="http://schemas.openxmlformats.org/drawingml/2006/main" xmlns:r="http://schemas.openxmlformats.org/officeDocument/2006/relationships" xmlns:p="http://schemas.openxmlformats.org/presentationml/2006/main">
+  <p:cSld>
+    <p:spTree>
+      <p:nvGrpSpPr>
+        <p:cNvPr id="1" name="">
+          <a:extLst>
+            <a:ext uri="{FF2B5EF4-FFF2-40B4-BE49-F238E27FC236}">
+              <a16:creationId xmlns:a16="http://schemas.microsoft.com/office/drawing/2014/main" id="{56927D63-CE8B-7C84-26AC-FBBCF013A083}"/>
+            </a:ext>
+          </a:extLst>
+        </p:cNvPr>
+        <p:cNvGrpSpPr/>
+        <p:nvPr/>
+      </p:nvGrpSpPr>
+      <p:grpSpPr>
+        <a:xfrm>
+          <a:off x="0" y="0"/>
+          <a:ext cx="0" cy="0"/>
+          <a:chOff x="0" y="0"/>
+          <a:chExt cx="0" cy="0"/>
+        </a:xfrm>
+      </p:grpSpPr>
+      <mc:AlternateContent xmlns:mc="http://schemas.openxmlformats.org/markup-compatibility/2006" xmlns:a14="http://schemas.microsoft.com/office/drawing/2010/main">
+        <mc:Choice Requires="a14">
+          <p:sp>
+            <p:nvSpPr>
+              <p:cNvPr id="3" name="Content Placeholder 2">
+                <a:extLst>
+                  <a:ext uri="{FF2B5EF4-FFF2-40B4-BE49-F238E27FC236}">
+                    <a16:creationId xmlns:a16="http://schemas.microsoft.com/office/drawing/2014/main" id="{9892CBA2-E206-728D-2AA7-52C261CBE16E}"/>
+                  </a:ext>
+                </a:extLst>
+              </p:cNvPr>
+              <p:cNvSpPr>
+                <a:spLocks noGrp="1"/>
+              </p:cNvSpPr>
+              <p:nvPr>
+                <p:ph idx="1"/>
+              </p:nvPr>
+            </p:nvSpPr>
+            <p:spPr>
+              <a:xfrm>
+                <a:off x="457200" y="1051560"/>
+                <a:ext cx="8229600" cy="3770567"/>
+              </a:xfrm>
+            </p:spPr>
+            <p:txBody>
+              <a:bodyPr>
+                <a:normAutofit/>
+              </a:bodyPr>
+              <a:lstStyle/>
+              <a:p>
+                <a:pPr marL="0" lvl="0" indent="0">
+                  <a:buNone/>
+                </a:pPr>
+                <a:r>
+                  <a:rPr lang="en-US" dirty="0"/>
+                  <a:t>Residuals of GLM models are not expected to be Normally distributed  </a:t>
+                </a:r>
+              </a:p>
+              <a:p>
+                <a:r>
+                  <a:rPr lang="en-US" dirty="0"/>
+                  <a:t>Need a transformation of residuals to an easier to understand distribution  </a:t>
+                </a:r>
+              </a:p>
+              <a:p>
+                <a:r>
+                  <a:rPr lang="en-US" dirty="0"/>
+                  <a:t>The </a:t>
+                </a:r>
+                <a:r>
+                  <a:rPr lang="en-US" dirty="0">
+                    <a:hlinkClick r:id="rId2"/>
+                  </a:rPr>
+                  <a:t>Pearson adjustment </a:t>
+                </a:r>
+                <a:r>
+                  <a:rPr lang="en-US" dirty="0"/>
+                  <a:t>transforms the distributions of the residuals to </a:t>
+                </a:r>
+                <a14:m>
+                  <m:oMath xmlns:m="http://schemas.openxmlformats.org/officeDocument/2006/math">
+                    <m:sSup>
+                      <m:sSupPr>
+                        <m:ctrlPr>
+                          <a:rPr lang="en-US" i="1" smtClean="0">
+                            <a:latin typeface="Cambria Math" panose="02040503050406030204" pitchFamily="18" charset="0"/>
+                          </a:rPr>
+                        </m:ctrlPr>
+                      </m:sSupPr>
+                      <m:e>
+                        <m:r>
+                          <a:rPr lang="en-US" i="1" smtClean="0">
+                            <a:latin typeface="Cambria Math" panose="02040503050406030204" pitchFamily="18" charset="0"/>
+                            <a:ea typeface="Cambria Math" panose="02040503050406030204" pitchFamily="18" charset="0"/>
+                          </a:rPr>
+                          <m:t>𝜒</m:t>
+                        </m:r>
+                      </m:e>
+                      <m:sup>
+                        <m:r>
+                          <a:rPr lang="en-US" b="0" i="1" smtClean="0">
+                            <a:latin typeface="Cambria Math" panose="02040503050406030204" pitchFamily="18" charset="0"/>
+                          </a:rPr>
+                          <m:t>2</m:t>
+                        </m:r>
+                      </m:sup>
+                    </m:sSup>
+                  </m:oMath>
+                </a14:m>
+                <a:endParaRPr lang="en-US" dirty="0"/>
+              </a:p>
+              <a:p>
+                <a:pPr marL="0" indent="0">
+                  <a:buNone/>
+                </a:pPr>
+                <a14:m>
+                  <m:oMathPara xmlns:m="http://schemas.openxmlformats.org/officeDocument/2006/math">
+                    <m:oMathParaPr>
+                      <m:jc m:val="centerGroup"/>
+                    </m:oMathParaPr>
+                    <m:oMath xmlns:m="http://schemas.openxmlformats.org/officeDocument/2006/math">
+                      <m:sSub>
+                        <m:sSubPr>
+                          <m:ctrlPr>
+                            <a:rPr lang="en-US" i="1" smtClean="0">
+                              <a:latin typeface="Cambria Math" panose="02040503050406030204" pitchFamily="18" charset="0"/>
+                            </a:rPr>
+                          </m:ctrlPr>
+                        </m:sSubPr>
+                        <m:e>
+                          <m:r>
+                            <a:rPr lang="en-US" i="1" smtClean="0">
+                              <a:latin typeface="Cambria Math" panose="02040503050406030204" pitchFamily="18" charset="0"/>
+                              <a:ea typeface="Cambria Math" panose="02040503050406030204" pitchFamily="18" charset="0"/>
+                            </a:rPr>
+                            <m:t>𝜖</m:t>
+                          </m:r>
+                        </m:e>
+                        <m:sub>
+                          <m:r>
+                            <a:rPr lang="en-US" b="0" i="1" smtClean="0">
+                              <a:latin typeface="Cambria Math" panose="02040503050406030204" pitchFamily="18" charset="0"/>
+                            </a:rPr>
+                            <m:t>𝑖</m:t>
+                          </m:r>
+                        </m:sub>
+                      </m:sSub>
+                      <m:r>
+                        <a:rPr lang="en-US" b="0" i="1" smtClean="0">
+                          <a:latin typeface="Cambria Math" panose="02040503050406030204" pitchFamily="18" charset="0"/>
+                        </a:rPr>
+                        <m:t>=</m:t>
+                      </m:r>
+                      <m:f>
+                        <m:fPr>
+                          <m:ctrlPr>
+                            <a:rPr lang="en-US" b="0" i="1" smtClean="0">
+                              <a:latin typeface="Cambria Math" panose="02040503050406030204" pitchFamily="18" charset="0"/>
+                            </a:rPr>
+                          </m:ctrlPr>
+                        </m:fPr>
+                        <m:num>
+                          <m:sSub>
+                            <m:sSubPr>
+                              <m:ctrlPr>
+                                <a:rPr lang="en-US" b="0" i="1" smtClean="0">
+                                  <a:latin typeface="Cambria Math" panose="02040503050406030204" pitchFamily="18" charset="0"/>
+                                </a:rPr>
+                              </m:ctrlPr>
+                            </m:sSubPr>
+                            <m:e>
+                              <m:r>
+                                <a:rPr lang="en-US" b="0" i="1" smtClean="0">
+                                  <a:latin typeface="Cambria Math" panose="02040503050406030204" pitchFamily="18" charset="0"/>
+                                </a:rPr>
+                                <m:t>𝑦</m:t>
+                              </m:r>
+                            </m:e>
+                            <m:sub>
+                              <m:r>
+                                <a:rPr lang="en-US" b="0" i="1" smtClean="0">
+                                  <a:latin typeface="Cambria Math" panose="02040503050406030204" pitchFamily="18" charset="0"/>
+                                </a:rPr>
+                                <m:t>𝑖</m:t>
+                              </m:r>
+                            </m:sub>
+                          </m:sSub>
+                          <m:r>
+                            <a:rPr lang="en-US" b="0" i="1" smtClean="0">
+                              <a:latin typeface="Cambria Math" panose="02040503050406030204" pitchFamily="18" charset="0"/>
+                            </a:rPr>
+                            <m:t>−</m:t>
+                          </m:r>
+                          <m:sSub>
+                            <m:sSubPr>
+                              <m:ctrlPr>
+                                <a:rPr lang="en-US" b="0" i="1" smtClean="0">
+                                  <a:latin typeface="Cambria Math" panose="02040503050406030204" pitchFamily="18" charset="0"/>
+                                </a:rPr>
+                              </m:ctrlPr>
+                            </m:sSubPr>
+                            <m:e>
+                              <m:acc>
+                                <m:accPr>
+                                  <m:chr m:val="̂"/>
+                                  <m:ctrlPr>
+                                    <a:rPr lang="en-US" b="0" i="1" smtClean="0">
+                                      <a:latin typeface="Cambria Math" panose="02040503050406030204" pitchFamily="18" charset="0"/>
+                                    </a:rPr>
+                                  </m:ctrlPr>
+                                </m:accPr>
+                                <m:e>
+                                  <m:r>
+                                    <a:rPr lang="en-US" b="0" i="1" smtClean="0">
+                                      <a:latin typeface="Cambria Math" panose="02040503050406030204" pitchFamily="18" charset="0"/>
+                                    </a:rPr>
+                                    <m:t>𝑦</m:t>
+                                  </m:r>
+                                </m:e>
+                              </m:acc>
+                            </m:e>
+                            <m:sub>
+                              <m:r>
+                                <a:rPr lang="en-US" b="0" i="1" smtClean="0">
+                                  <a:latin typeface="Cambria Math" panose="02040503050406030204" pitchFamily="18" charset="0"/>
+                                </a:rPr>
+                                <m:t>𝑖</m:t>
+                              </m:r>
+                            </m:sub>
+                          </m:sSub>
+                        </m:num>
+                        <m:den>
+                          <m:rad>
+                            <m:radPr>
+                              <m:degHide m:val="on"/>
+                              <m:ctrlPr>
+                                <a:rPr lang="en-US" b="0" i="1" smtClean="0">
+                                  <a:latin typeface="Cambria Math" panose="02040503050406030204" pitchFamily="18" charset="0"/>
+                                </a:rPr>
+                              </m:ctrlPr>
+                            </m:radPr>
+                            <m:deg/>
+                            <m:e>
+                              <m:sSub>
+                                <m:sSubPr>
+                                  <m:ctrlPr>
+                                    <a:rPr lang="en-US" i="1">
+                                      <a:latin typeface="Cambria Math" panose="02040503050406030204" pitchFamily="18" charset="0"/>
+                                    </a:rPr>
+                                  </m:ctrlPr>
+                                </m:sSubPr>
+                                <m:e>
+                                  <m:acc>
+                                    <m:accPr>
+                                      <m:chr m:val="̂"/>
+                                      <m:ctrlPr>
+                                        <a:rPr lang="en-US" i="1">
+                                          <a:latin typeface="Cambria Math" panose="02040503050406030204" pitchFamily="18" charset="0"/>
+                                        </a:rPr>
+                                      </m:ctrlPr>
+                                    </m:accPr>
+                                    <m:e>
+                                      <m:r>
+                                        <a:rPr lang="en-US" i="1">
+                                          <a:latin typeface="Cambria Math" panose="02040503050406030204" pitchFamily="18" charset="0"/>
+                                        </a:rPr>
+                                        <m:t>𝑦</m:t>
+                                      </m:r>
+                                    </m:e>
+                                  </m:acc>
+                                </m:e>
+                                <m:sub>
+                                  <m:r>
+                                    <a:rPr lang="en-US" i="1">
+                                      <a:latin typeface="Cambria Math" panose="02040503050406030204" pitchFamily="18" charset="0"/>
+                                    </a:rPr>
+                                    <m:t>𝑖</m:t>
+                                  </m:r>
+                                </m:sub>
+                              </m:sSub>
+                            </m:e>
+                          </m:rad>
+                        </m:den>
+                      </m:f>
+                    </m:oMath>
+                  </m:oMathPara>
+                </a14:m>
+                <a:endParaRPr lang="en-US" dirty="0"/>
+              </a:p>
+              <a:p>
+                <a:pPr marL="0" indent="0">
+                  <a:buNone/>
+                </a:pPr>
+                <a:endParaRPr lang="en-US" dirty="0"/>
+              </a:p>
+              <a:p>
+                <a:endParaRPr lang="en-US" dirty="0"/>
+              </a:p>
+              <a:p>
+                <a:endParaRPr lang="en-US" dirty="0"/>
+              </a:p>
+              <a:p>
+                <a:pPr lvl="0"/>
+                <a:endParaRPr dirty="0"/>
+              </a:p>
+            </p:txBody>
+          </p:sp>
+        </mc:Choice>
+        <mc:Fallback xmlns="">
+          <p:sp>
+            <p:nvSpPr>
+              <p:cNvPr id="3" name="Content Placeholder 2">
+                <a:extLst>
+                  <a:ext uri="{FF2B5EF4-FFF2-40B4-BE49-F238E27FC236}">
+                    <a16:creationId xmlns:a16="http://schemas.microsoft.com/office/drawing/2014/main" id="{9892CBA2-E206-728D-2AA7-52C261CBE16E}"/>
+                  </a:ext>
+                </a:extLst>
+              </p:cNvPr>
+              <p:cNvSpPr>
+                <a:spLocks noGrp="1" noRot="1" noChangeAspect="1" noMove="1" noResize="1" noEditPoints="1" noAdjustHandles="1" noChangeArrowheads="1" noChangeShapeType="1" noTextEdit="1"/>
+              </p:cNvSpPr>
+              <p:nvPr>
+                <p:ph idx="1"/>
+              </p:nvPr>
+            </p:nvSpPr>
+            <p:spPr>
+              <a:xfrm>
+                <a:off x="457200" y="1051560"/>
+                <a:ext cx="8229600" cy="3770567"/>
+              </a:xfrm>
+              <a:blipFill>
+                <a:blip r:embed="rId3"/>
+                <a:stretch>
+                  <a:fillRect l="-1111" t="-1294" r="-1333"/>
+                </a:stretch>
+              </a:blipFill>
+            </p:spPr>
+            <p:txBody>
+              <a:bodyPr/>
+              <a:lstStyle/>
+              <a:p>
+                <a:r>
+                  <a:rPr lang="en-US">
+                    <a:noFill/>
+                  </a:rPr>
+                  <a:t> </a:t>
+                </a:r>
+              </a:p>
+            </p:txBody>
+          </p:sp>
+        </mc:Fallback>
+      </mc:AlternateContent>
+      <p:sp>
+        <p:nvSpPr>
+          <p:cNvPr id="6" name="Title 1">
+            <a:extLst>
+              <a:ext uri="{FF2B5EF4-FFF2-40B4-BE49-F238E27FC236}">
+                <a16:creationId xmlns:a16="http://schemas.microsoft.com/office/drawing/2014/main" id="{2DC14BED-D8BA-13A9-A5D6-1D390577535B}"/>
+              </a:ext>
+            </a:extLst>
+          </p:cNvPr>
+          <p:cNvSpPr>
+            <a:spLocks noGrp="1"/>
+          </p:cNvSpPr>
+          <p:nvPr>
+            <p:ph type="title"/>
+          </p:nvPr>
+        </p:nvSpPr>
+        <p:spPr>
+          <a:xfrm>
+            <a:off x="457201" y="204787"/>
+            <a:ext cx="8441574" cy="451918"/>
+          </a:xfrm>
+        </p:spPr>
+        <p:txBody>
+          <a:bodyPr>
+            <a:noAutofit/>
+          </a:bodyPr>
+          <a:lstStyle/>
+          <a:p>
+            <a:pPr marL="0" lvl="0" indent="0" algn="ctr">
+              <a:buNone/>
+            </a:pPr>
+            <a:r>
+              <a:rPr lang="en-US" sz="3200" b="0" dirty="0"/>
+              <a:t>Example: Zero-Inflated Poisson Regression</a:t>
+            </a:r>
+            <a:endParaRPr sz="3200" b="0" dirty="0"/>
+          </a:p>
+        </p:txBody>
+      </p:sp>
+    </p:spTree>
+    <p:extLst>
+      <p:ext uri="{BB962C8B-B14F-4D97-AF65-F5344CB8AC3E}">
+        <p14:creationId xmlns:p14="http://schemas.microsoft.com/office/powerpoint/2010/main" val="4155744241"/>
+      </p:ext>
+    </p:extLst>
+  </p:cSld>
+  <p:clrMapOvr>
+    <a:masterClrMapping/>
+  </p:clrMapOvr>
+</p:sld>
+</file>
+
+<file path=ppt/slides/slide17.xml><?xml version="1.0" encoding="utf-8"?>
+<p:sld xmlns:a="http://schemas.openxmlformats.org/drawingml/2006/main" xmlns:r="http://schemas.openxmlformats.org/officeDocument/2006/relationships" xmlns:p="http://schemas.openxmlformats.org/presentationml/2006/main">
+  <p:cSld>
+    <p:spTree>
+      <p:nvGrpSpPr>
+        <p:cNvPr id="1" name="">
+          <a:extLst>
+            <a:ext uri="{FF2B5EF4-FFF2-40B4-BE49-F238E27FC236}">
+              <a16:creationId xmlns:a16="http://schemas.microsoft.com/office/drawing/2014/main" id="{ADEDE16C-B8BA-7E63-0400-D9D4B825C504}"/>
+            </a:ext>
+          </a:extLst>
+        </p:cNvPr>
+        <p:cNvGrpSpPr/>
+        <p:nvPr/>
+      </p:nvGrpSpPr>
+      <p:grpSpPr>
+        <a:xfrm>
+          <a:off x="0" y="0"/>
+          <a:ext cx="0" cy="0"/>
+          <a:chOff x="0" y="0"/>
+          <a:chExt cx="0" cy="0"/>
+        </a:xfrm>
+      </p:grpSpPr>
+      <p:sp>
+        <p:nvSpPr>
+          <p:cNvPr id="2" name="Title 1">
+            <a:extLst>
+              <a:ext uri="{FF2B5EF4-FFF2-40B4-BE49-F238E27FC236}">
+                <a16:creationId xmlns:a16="http://schemas.microsoft.com/office/drawing/2014/main" id="{D44CF0C0-57E2-E59F-7F90-2C8E61191BEC}"/>
+              </a:ext>
+            </a:extLst>
+          </p:cNvPr>
+          <p:cNvSpPr>
+            <a:spLocks noGrp="1"/>
+          </p:cNvSpPr>
+          <p:nvPr>
+            <p:ph type="title"/>
+          </p:nvPr>
+        </p:nvSpPr>
+        <p:spPr>
+          <a:xfrm>
+            <a:off x="457201" y="204787"/>
+            <a:ext cx="8441574" cy="451918"/>
+          </a:xfrm>
+        </p:spPr>
+        <p:txBody>
+          <a:bodyPr>
+            <a:noAutofit/>
+          </a:bodyPr>
+          <a:lstStyle/>
+          <a:p>
+            <a:pPr marL="0" lvl="0" indent="0" algn="ctr">
+              <a:buNone/>
+            </a:pPr>
+            <a:r>
+              <a:rPr lang="en-US" sz="3200" b="0" dirty="0"/>
+              <a:t>Example: Zero-Inflated Poisson Regression</a:t>
+            </a:r>
+            <a:endParaRPr sz="3200" b="0" dirty="0"/>
+          </a:p>
+        </p:txBody>
+      </p:sp>
+      <p:sp>
+        <p:nvSpPr>
+          <p:cNvPr id="4" name="Text Placeholder 3">
+            <a:extLst>
+              <a:ext uri="{FF2B5EF4-FFF2-40B4-BE49-F238E27FC236}">
+                <a16:creationId xmlns:a16="http://schemas.microsoft.com/office/drawing/2014/main" id="{B00DC013-3F3F-9611-72C4-36CB32D35FD9}"/>
+              </a:ext>
+            </a:extLst>
+          </p:cNvPr>
+          <p:cNvSpPr>
+            <a:spLocks noGrp="1"/>
+          </p:cNvSpPr>
+          <p:nvPr>
+            <p:ph type="body" sz="half" idx="2"/>
+          </p:nvPr>
+        </p:nvSpPr>
+        <p:spPr>
+          <a:xfrm>
+            <a:off x="384466" y="1376794"/>
+            <a:ext cx="4274818" cy="3362499"/>
+          </a:xfrm>
+        </p:spPr>
+        <p:txBody>
+          <a:bodyPr>
+            <a:normAutofit fontScale="92500" lnSpcReduction="20000"/>
+          </a:bodyPr>
+          <a:lstStyle/>
+          <a:p>
+            <a:pPr marL="0" lvl="0" indent="0">
+              <a:buNone/>
+            </a:pPr>
+            <a:r>
+              <a:rPr sz="2000" dirty="0"/>
+              <a:t>Example: </a:t>
+            </a:r>
+            <a:r>
+              <a:rPr lang="en-US" sz="2000" dirty="0"/>
+              <a:t>model for fish caught by parties visiting a park</a:t>
+            </a:r>
+          </a:p>
+          <a:p>
+            <a:pPr marL="342900" lvl="0" indent="-342900">
+              <a:buFont typeface="Arial" panose="020B0604020202020204" pitchFamily="34" charset="0"/>
+              <a:buChar char="•"/>
+            </a:pPr>
+            <a:r>
+              <a:rPr lang="en-US" sz="2000" dirty="0"/>
+              <a:t>Pearson adjusted residuals show some possible heteroscedastic behavior</a:t>
+            </a:r>
+          </a:p>
+          <a:p>
+            <a:pPr marL="685800" lvl="1" indent="-342900">
+              <a:buFont typeface="Arial" panose="020B0604020202020204" pitchFamily="34" charset="0"/>
+              <a:buChar char="•"/>
+            </a:pPr>
+            <a:r>
+              <a:rPr lang="en-US" sz="1850" b="1" dirty="0"/>
+              <a:t>Do not over interpret this plot!</a:t>
+            </a:r>
+          </a:p>
+          <a:p>
+            <a:pPr marL="685800" lvl="1" indent="-342900">
+              <a:buFont typeface="Arial" panose="020B0604020202020204" pitchFamily="34" charset="0"/>
+              <a:buChar char="•"/>
+            </a:pPr>
+            <a:r>
+              <a:rPr lang="en-US" sz="1850" dirty="0"/>
+              <a:t>A sample of only 250 cases is small and there can be </a:t>
+            </a:r>
+            <a:r>
+              <a:rPr lang="en-US" sz="1850" b="1" dirty="0"/>
+              <a:t>considerable variation from sampling alone</a:t>
+            </a:r>
+          </a:p>
+          <a:p>
+            <a:pPr marL="342900" lvl="0" indent="-342900">
+              <a:buFont typeface="Arial" panose="020B0604020202020204" pitchFamily="34" charset="0"/>
+              <a:buChar char="•"/>
+            </a:pPr>
+            <a:r>
+              <a:rPr lang="en-US" sz="2000" dirty="0"/>
+              <a:t>Histogram and Q-Q plot show considerable right skew and larger outliers in the Pearson adjusted residuals </a:t>
+            </a:r>
+          </a:p>
+        </p:txBody>
+      </p:sp>
+      <p:pic>
+        <p:nvPicPr>
+          <p:cNvPr id="5" name="Picture 4">
+            <a:extLst>
+              <a:ext uri="{FF2B5EF4-FFF2-40B4-BE49-F238E27FC236}">
+                <a16:creationId xmlns:a16="http://schemas.microsoft.com/office/drawing/2014/main" id="{42921FE1-0E21-7AB3-9569-8F4385874573}"/>
+              </a:ext>
+            </a:extLst>
+          </p:cNvPr>
+          <p:cNvPicPr>
+            <a:picLocks noChangeAspect="1"/>
+          </p:cNvPicPr>
+          <p:nvPr/>
+        </p:nvPicPr>
+        <p:blipFill>
+          <a:blip r:embed="rId2"/>
+          <a:stretch>
+            <a:fillRect/>
+          </a:stretch>
+        </p:blipFill>
+        <p:spPr>
+          <a:xfrm>
+            <a:off x="4693718" y="1026622"/>
+            <a:ext cx="4450282" cy="4062845"/>
+          </a:xfrm>
+          <a:prstGeom prst="rect">
+            <a:avLst/>
+          </a:prstGeom>
+        </p:spPr>
+      </p:pic>
+    </p:spTree>
+    <p:extLst>
+      <p:ext uri="{BB962C8B-B14F-4D97-AF65-F5344CB8AC3E}">
+        <p14:creationId xmlns:p14="http://schemas.microsoft.com/office/powerpoint/2010/main" val="707219756"/>
+      </p:ext>
+    </p:extLst>
+  </p:cSld>
+  <p:clrMapOvr>
+    <a:masterClrMapping/>
+  </p:clrMapOvr>
+</p:sld>
+</file>
+
+<file path=ppt/slides/slide18.xml><?xml version="1.0" encoding="utf-8"?>
+<p:sld xmlns:a="http://schemas.openxmlformats.org/drawingml/2006/main" xmlns:r="http://schemas.openxmlformats.org/officeDocument/2006/relationships" xmlns:p="http://schemas.openxmlformats.org/presentationml/2006/main">
+  <p:cSld>
+    <p:spTree>
+      <p:nvGrpSpPr>
+        <p:cNvPr id="1" name="">
+          <a:extLst>
+            <a:ext uri="{FF2B5EF4-FFF2-40B4-BE49-F238E27FC236}">
               <a16:creationId xmlns:a16="http://schemas.microsoft.com/office/drawing/2014/main" id="{BCD5C1C8-BE41-6056-2236-1780797FA60D}"/>
             </a:ext>
           </a:extLst>
@@ -4644,7 +6003,7 @@
 </p:sld>
 </file>
 
-<file path=ppt/slides/slide14.xml><?xml version="1.0" encoding="utf-8"?>
+<file path=ppt/slides/slide19.xml><?xml version="1.0" encoding="utf-8"?>
 <p:sld xmlns:a="http://schemas.openxmlformats.org/drawingml/2006/main" xmlns:r="http://schemas.openxmlformats.org/officeDocument/2006/relationships" xmlns:p="http://schemas.openxmlformats.org/presentationml/2006/main">
   <p:cSld>
     <p:spTree>
@@ -4808,7 +6167,207 @@
 </p:sld>
 </file>
 
-<file path=ppt/slides/slide15.xml><?xml version="1.0" encoding="utf-8"?>
+<file path=ppt/slides/slide2.xml><?xml version="1.0" encoding="utf-8"?>
+<p:sld xmlns:a="http://schemas.openxmlformats.org/drawingml/2006/main" xmlns:r="http://schemas.openxmlformats.org/officeDocument/2006/relationships" xmlns:p="http://schemas.openxmlformats.org/presentationml/2006/main">
+  <p:cSld>
+    <p:spTree>
+      <p:nvGrpSpPr>
+        <p:cNvPr id="1" name=""/>
+        <p:cNvGrpSpPr/>
+        <p:nvPr/>
+      </p:nvGrpSpPr>
+      <p:grpSpPr>
+        <a:xfrm>
+          <a:off x="0" y="0"/>
+          <a:ext cx="0" cy="0"/>
+          <a:chOff x="0" y="0"/>
+          <a:chExt cx="0" cy="0"/>
+        </a:xfrm>
+      </p:grpSpPr>
+      <p:sp>
+        <p:nvSpPr>
+          <p:cNvPr id="2" name="Title 1"/>
+          <p:cNvSpPr>
+            <a:spLocks noGrp="1"/>
+          </p:cNvSpPr>
+          <p:nvPr>
+            <p:ph type="title"/>
+          </p:nvPr>
+        </p:nvSpPr>
+        <p:spPr/>
+        <p:txBody>
+          <a:bodyPr/>
+          <a:lstStyle/>
+          <a:p>
+            <a:pPr marL="0" lvl="0" indent="0">
+              <a:buNone/>
+            </a:pPr>
+            <a:r>
+              <a:t>Linear Model Assumptions</a:t>
+            </a:r>
+          </a:p>
+        </p:txBody>
+      </p:sp>
+      <p:sp>
+        <p:nvSpPr>
+          <p:cNvPr id="3" name="Content Placeholder 2"/>
+          <p:cNvSpPr>
+            <a:spLocks noGrp="1"/>
+          </p:cNvSpPr>
+          <p:nvPr>
+            <p:ph idx="1"/>
+          </p:nvPr>
+        </p:nvSpPr>
+        <p:spPr>
+          <a:xfrm>
+            <a:off x="457200" y="1200151"/>
+            <a:ext cx="8229600" cy="3737370"/>
+          </a:xfrm>
+        </p:spPr>
+        <p:txBody>
+          <a:bodyPr>
+            <a:normAutofit fontScale="70000" lnSpcReduction="20000"/>
+          </a:bodyPr>
+          <a:lstStyle/>
+          <a:p>
+            <a:pPr marL="0" lvl="0" indent="0">
+              <a:buNone/>
+            </a:pPr>
+            <a:r>
+              <a:rPr dirty="0"/>
+              <a:t>There are a number of assumptions in linear models that you overlook at your peril!</a:t>
+            </a:r>
+          </a:p>
+          <a:p>
+            <a:pPr lvl="0"/>
+            <a:r>
+              <a:rPr dirty="0"/>
+              <a:t>The feature or predictor variables should be </a:t>
+            </a:r>
+            <a:r>
+              <a:rPr b="1" dirty="0"/>
+              <a:t>independent</a:t>
+            </a:r>
+            <a:r>
+              <a:rPr dirty="0"/>
+              <a:t> of one another</a:t>
+            </a:r>
+          </a:p>
+          <a:p>
+            <a:pPr lvl="1"/>
+            <a:r>
+              <a:rPr dirty="0"/>
+              <a:t>This is rarely true in practice</a:t>
+            </a:r>
+          </a:p>
+          <a:p>
+            <a:pPr lvl="1"/>
+            <a:r>
+              <a:rPr b="1" dirty="0"/>
+              <a:t>Multi-</a:t>
+            </a:r>
+            <a:r>
+              <a:rPr b="1" dirty="0" err="1"/>
+              <a:t>colinearity</a:t>
+            </a:r>
+            <a:r>
+              <a:rPr dirty="0"/>
+              <a:t> between features makes the model </a:t>
+            </a:r>
+            <a:r>
+              <a:rPr b="1" dirty="0"/>
+              <a:t>under-determined</a:t>
+            </a:r>
+          </a:p>
+          <a:p>
+            <a:pPr lvl="0"/>
+            <a:r>
+              <a:rPr dirty="0"/>
+              <a:t>We assume that numeric features or predictors have zero mean and about the same scale</a:t>
+            </a:r>
+          </a:p>
+          <a:p>
+            <a:pPr lvl="1"/>
+            <a:r>
+              <a:rPr dirty="0"/>
+              <a:t>We do not want to bias the estimation of regression coefficients with predictors that do not have a 0 mean</a:t>
+            </a:r>
+          </a:p>
+          <a:p>
+            <a:pPr lvl="1"/>
+            <a:r>
+              <a:rPr dirty="0"/>
+              <a:t>We do not want to have predictors with a large numeric range dominate training</a:t>
+            </a:r>
+          </a:p>
+          <a:p>
+            <a:pPr lvl="1"/>
+            <a:r>
+              <a:rPr dirty="0"/>
+              <a:t>Example: income is in the range of 10s or 100s of thousands and age is in the range of 10s, but </a:t>
+            </a:r>
+            <a:r>
+              <a:rPr dirty="0" err="1"/>
+              <a:t>apriori</a:t>
+            </a:r>
+            <a:r>
+              <a:rPr dirty="0"/>
+              <a:t> income is no more important than age as a predictor</a:t>
+            </a:r>
+          </a:p>
+          <a:p>
+            <a:pPr lvl="0"/>
+            <a:r>
+              <a:rPr dirty="0"/>
+              <a:t>Values of each predictor or feature should be </a:t>
+            </a:r>
+            <a:r>
+              <a:rPr dirty="0" err="1"/>
+              <a:t>iid</a:t>
+            </a:r>
+            <a:endParaRPr dirty="0"/>
+          </a:p>
+          <a:p>
+            <a:pPr lvl="1"/>
+            <a:r>
+              <a:rPr dirty="0"/>
+              <a:t>If variance changes with sample, the optimal value of the coefficient could not be constant</a:t>
+            </a:r>
+          </a:p>
+          <a:p>
+            <a:pPr lvl="1"/>
+            <a:r>
+              <a:rPr dirty="0"/>
+              <a:t>If there </a:t>
+            </a:r>
+            <a:r>
+              <a:rPr b="1" dirty="0"/>
+              <a:t>serial correlation</a:t>
+            </a:r>
+            <a:r>
+              <a:rPr dirty="0"/>
+              <a:t> in the predictor values, the </a:t>
+            </a:r>
+            <a:r>
+              <a:rPr dirty="0" err="1"/>
+              <a:t>iid</a:t>
+            </a:r>
+            <a:r>
+              <a:rPr dirty="0"/>
+              <a:t> assumption is violated - but can account for this such as in time series models</a:t>
+            </a:r>
+          </a:p>
+        </p:txBody>
+      </p:sp>
+    </p:spTree>
+  </p:cSld>
+  <p:clrMapOvr>
+    <a:masterClrMapping/>
+  </p:clrMapOvr>
+</p:sld>
+</file>
+
+<file path=ppt/slides/slide20.xml><?xml version="1.0" encoding="utf-8"?>
 <p:sld xmlns:a="http://schemas.openxmlformats.org/drawingml/2006/main" xmlns:r="http://schemas.openxmlformats.org/officeDocument/2006/relationships" xmlns:p="http://schemas.openxmlformats.org/presentationml/2006/main">
   <p:cSld>
     <p:spTree>
@@ -4932,7 +6491,7 @@
 </p:sld>
 </file>
 
-<file path=ppt/slides/slide16.xml><?xml version="1.0" encoding="utf-8"?>
+<file path=ppt/slides/slide21.xml><?xml version="1.0" encoding="utf-8"?>
 <p:sld xmlns:a="http://schemas.openxmlformats.org/drawingml/2006/main" xmlns:r="http://schemas.openxmlformats.org/officeDocument/2006/relationships" xmlns:p="http://schemas.openxmlformats.org/presentationml/2006/main">
   <p:cSld>
     <p:spTree>
@@ -5599,7 +7158,7 @@
 </p:sld>
 </file>
 
-<file path=ppt/slides/slide17.xml><?xml version="1.0" encoding="utf-8"?>
+<file path=ppt/slides/slide22.xml><?xml version="1.0" encoding="utf-8"?>
 <p:sld xmlns:a="http://schemas.openxmlformats.org/drawingml/2006/main" xmlns:r="http://schemas.openxmlformats.org/officeDocument/2006/relationships" xmlns:p="http://schemas.openxmlformats.org/presentationml/2006/main">
   <p:cSld>
     <p:spTree>
@@ -5761,7 +7320,7 @@
 </p:sld>
 </file>
 
-<file path=ppt/slides/slide18.xml><?xml version="1.0" encoding="utf-8"?>
+<file path=ppt/slides/slide23.xml><?xml version="1.0" encoding="utf-8"?>
 <p:sld xmlns:a="http://schemas.openxmlformats.org/drawingml/2006/main" xmlns:r="http://schemas.openxmlformats.org/officeDocument/2006/relationships" xmlns:p="http://schemas.openxmlformats.org/presentationml/2006/main">
   <p:cSld>
     <p:spTree>
@@ -6434,7 +7993,7 @@
 </p:sld>
 </file>
 
-<file path=ppt/slides/slide19.xml><?xml version="1.0" encoding="utf-8"?>
+<file path=ppt/slides/slide24.xml><?xml version="1.0" encoding="utf-8"?>
 <p:sld xmlns:a="http://schemas.openxmlformats.org/drawingml/2006/main" xmlns:r="http://schemas.openxmlformats.org/officeDocument/2006/relationships" xmlns:p="http://schemas.openxmlformats.org/presentationml/2006/main">
   <p:cSld>
     <p:spTree>
@@ -7217,202 +8776,7 @@
 </p:sld>
 </file>
 
-<file path=ppt/slides/slide2.xml><?xml version="1.0" encoding="utf-8"?>
-<p:sld xmlns:a="http://schemas.openxmlformats.org/drawingml/2006/main" xmlns:r="http://schemas.openxmlformats.org/officeDocument/2006/relationships" xmlns:p="http://schemas.openxmlformats.org/presentationml/2006/main">
-  <p:cSld>
-    <p:spTree>
-      <p:nvGrpSpPr>
-        <p:cNvPr id="1" name=""/>
-        <p:cNvGrpSpPr/>
-        <p:nvPr/>
-      </p:nvGrpSpPr>
-      <p:grpSpPr>
-        <a:xfrm>
-          <a:off x="0" y="0"/>
-          <a:ext cx="0" cy="0"/>
-          <a:chOff x="0" y="0"/>
-          <a:chExt cx="0" cy="0"/>
-        </a:xfrm>
-      </p:grpSpPr>
-      <p:sp>
-        <p:nvSpPr>
-          <p:cNvPr id="2" name="Title 1"/>
-          <p:cNvSpPr>
-            <a:spLocks noGrp="1"/>
-          </p:cNvSpPr>
-          <p:nvPr>
-            <p:ph type="title"/>
-          </p:nvPr>
-        </p:nvSpPr>
-        <p:spPr/>
-        <p:txBody>
-          <a:bodyPr/>
-          <a:lstStyle/>
-          <a:p>
-            <a:pPr marL="0" lvl="0" indent="0">
-              <a:buNone/>
-            </a:pPr>
-            <a:r>
-              <a:t>Linear Model Assumptions</a:t>
-            </a:r>
-          </a:p>
-        </p:txBody>
-      </p:sp>
-      <p:sp>
-        <p:nvSpPr>
-          <p:cNvPr id="3" name="Content Placeholder 2"/>
-          <p:cNvSpPr>
-            <a:spLocks noGrp="1"/>
-          </p:cNvSpPr>
-          <p:nvPr>
-            <p:ph idx="1"/>
-          </p:nvPr>
-        </p:nvSpPr>
-        <p:spPr/>
-        <p:txBody>
-          <a:bodyPr>
-            <a:normAutofit fontScale="62500" lnSpcReduction="20000"/>
-          </a:bodyPr>
-          <a:lstStyle/>
-          <a:p>
-            <a:pPr marL="0" lvl="0" indent="0">
-              <a:buNone/>
-            </a:pPr>
-            <a:r>
-              <a:rPr dirty="0"/>
-              <a:t>There are a number of assumptions in linear models that you overlook at your peril!</a:t>
-            </a:r>
-          </a:p>
-          <a:p>
-            <a:pPr lvl="0"/>
-            <a:r>
-              <a:rPr dirty="0"/>
-              <a:t>The feature or predictor variables should be </a:t>
-            </a:r>
-            <a:r>
-              <a:rPr b="1" dirty="0"/>
-              <a:t>independent</a:t>
-            </a:r>
-            <a:r>
-              <a:rPr dirty="0"/>
-              <a:t> of one another</a:t>
-            </a:r>
-          </a:p>
-          <a:p>
-            <a:pPr lvl="1"/>
-            <a:r>
-              <a:rPr dirty="0"/>
-              <a:t>This is rarely true in practice</a:t>
-            </a:r>
-          </a:p>
-          <a:p>
-            <a:pPr lvl="1"/>
-            <a:r>
-              <a:rPr b="1" dirty="0"/>
-              <a:t>Multi-</a:t>
-            </a:r>
-            <a:r>
-              <a:rPr b="1" dirty="0" err="1"/>
-              <a:t>colinearity</a:t>
-            </a:r>
-            <a:r>
-              <a:rPr dirty="0"/>
-              <a:t> between features makes the model </a:t>
-            </a:r>
-            <a:r>
-              <a:rPr b="1" dirty="0"/>
-              <a:t>under-determined</a:t>
-            </a:r>
-          </a:p>
-          <a:p>
-            <a:pPr lvl="0"/>
-            <a:r>
-              <a:rPr dirty="0"/>
-              <a:t>We assume that numeric features or predictors have zero mean and about the same scale</a:t>
-            </a:r>
-          </a:p>
-          <a:p>
-            <a:pPr lvl="1"/>
-            <a:r>
-              <a:rPr dirty="0"/>
-              <a:t>We do not want to bias the estimation of regression coefficients with predictors that do not have a 0 mean</a:t>
-            </a:r>
-          </a:p>
-          <a:p>
-            <a:pPr lvl="1"/>
-            <a:r>
-              <a:rPr dirty="0"/>
-              <a:t>We do not want to have predictors with a large numeric range dominate training</a:t>
-            </a:r>
-          </a:p>
-          <a:p>
-            <a:pPr lvl="1"/>
-            <a:r>
-              <a:rPr dirty="0"/>
-              <a:t>Example: income is in the range of 10s or 100s of thousands and age is in the range of 10s, but </a:t>
-            </a:r>
-            <a:r>
-              <a:rPr dirty="0" err="1"/>
-              <a:t>apriori</a:t>
-            </a:r>
-            <a:r>
-              <a:rPr dirty="0"/>
-              <a:t> income is no more important than age as a predictor</a:t>
-            </a:r>
-          </a:p>
-          <a:p>
-            <a:pPr lvl="0"/>
-            <a:r>
-              <a:rPr dirty="0"/>
-              <a:t>Values of each predictor or feature should be </a:t>
-            </a:r>
-            <a:r>
-              <a:rPr dirty="0" err="1"/>
-              <a:t>iid</a:t>
-            </a:r>
-            <a:endParaRPr dirty="0"/>
-          </a:p>
-          <a:p>
-            <a:pPr lvl="1"/>
-            <a:r>
-              <a:rPr dirty="0"/>
-              <a:t>If variance changes with sample, the optimal value of the coefficient could not be constant</a:t>
-            </a:r>
-          </a:p>
-          <a:p>
-            <a:pPr lvl="1"/>
-            <a:r>
-              <a:rPr dirty="0"/>
-              <a:t>If there </a:t>
-            </a:r>
-            <a:r>
-              <a:rPr b="1" dirty="0"/>
-              <a:t>serial correlation</a:t>
-            </a:r>
-            <a:r>
-              <a:rPr dirty="0"/>
-              <a:t> in the predictor values, the </a:t>
-            </a:r>
-            <a:r>
-              <a:rPr dirty="0" err="1"/>
-              <a:t>iid</a:t>
-            </a:r>
-            <a:r>
-              <a:rPr dirty="0"/>
-              <a:t> assumption is violated - but can account for this such as in time series models</a:t>
-            </a:r>
-          </a:p>
-        </p:txBody>
-      </p:sp>
-    </p:spTree>
-  </p:cSld>
-  <p:clrMapOvr>
-    <a:masterClrMapping/>
-  </p:clrMapOvr>
-</p:sld>
-</file>
-
-<file path=ppt/slides/slide20.xml><?xml version="1.0" encoding="utf-8"?>
+<file path=ppt/slides/slide25.xml><?xml version="1.0" encoding="utf-8"?>
 <p:sld xmlns:a="http://schemas.openxmlformats.org/drawingml/2006/main" xmlns:r="http://schemas.openxmlformats.org/officeDocument/2006/relationships" xmlns:p="http://schemas.openxmlformats.org/presentationml/2006/main">
   <p:cSld>
     <p:spTree>
@@ -8039,7 +9403,14 @@
                         <a:latin typeface="Cambria Math" panose="02040503050406030204" pitchFamily="18" charset="0"/>
                         <a:ea typeface="Cambria Math" panose="02040503050406030204" pitchFamily="18" charset="0"/>
                       </a:rPr>
-                      <m:t>=0</m:t>
+                      <m:t>=</m:t>
+                    </m:r>
+                    <m:r>
+                      <a:rPr lang="en-US" b="0" i="0" smtClean="0">
+                        <a:latin typeface="Cambria Math" panose="02040503050406030204" pitchFamily="18" charset="0"/>
+                        <a:ea typeface="Cambria Math" panose="02040503050406030204" pitchFamily="18" charset="0"/>
+                      </a:rPr>
+                      <m:t>0</m:t>
                     </m:r>
                   </m:oMath>
                 </a14:m>
@@ -8115,7 +9486,7 @@
 </p:sld>
 </file>
 
-<file path=ppt/slides/slide21.xml><?xml version="1.0" encoding="utf-8"?>
+<file path=ppt/slides/slide26.xml><?xml version="1.0" encoding="utf-8"?>
 <p:sld xmlns:a="http://schemas.openxmlformats.org/drawingml/2006/main" xmlns:r="http://schemas.openxmlformats.org/officeDocument/2006/relationships" xmlns:p="http://schemas.openxmlformats.org/presentationml/2006/main">
   <p:cSld>
     <p:spTree>
@@ -8275,7 +9646,7 @@
 </p:sld>
 </file>
 
-<file path=ppt/slides/slide22.xml><?xml version="1.0" encoding="utf-8"?>
+<file path=ppt/slides/slide27.xml><?xml version="1.0" encoding="utf-8"?>
 <p:sld xmlns:a="http://schemas.openxmlformats.org/drawingml/2006/main" xmlns:r="http://schemas.openxmlformats.org/officeDocument/2006/relationships" xmlns:p="http://schemas.openxmlformats.org/presentationml/2006/main">
   <p:cSld>
     <p:spTree>
@@ -8930,7 +10301,7 @@
 </p:sld>
 </file>
 
-<file path=ppt/slides/slide23.xml><?xml version="1.0" encoding="utf-8"?>
+<file path=ppt/slides/slide28.xml><?xml version="1.0" encoding="utf-8"?>
 <p:sld xmlns:a="http://schemas.openxmlformats.org/drawingml/2006/main" xmlns:r="http://schemas.openxmlformats.org/officeDocument/2006/relationships" xmlns:p="http://schemas.openxmlformats.org/presentationml/2006/main">
   <p:cSld>
     <p:spTree>
@@ -9540,7 +10911,7 @@
 </p:sld>
 </file>
 
-<file path=ppt/slides/slide24.xml><?xml version="1.0" encoding="utf-8"?>
+<file path=ppt/slides/slide29.xml><?xml version="1.0" encoding="utf-8"?>
 <p:sld xmlns:a="http://schemas.openxmlformats.org/drawingml/2006/main" xmlns:r="http://schemas.openxmlformats.org/officeDocument/2006/relationships" xmlns:p="http://schemas.openxmlformats.org/presentationml/2006/main">
   <p:cSld>
     <p:spTree>
@@ -9548,7 +10919,390 @@
         <p:cNvPr id="1" name="">
           <a:extLst>
             <a:ext uri="{FF2B5EF4-FFF2-40B4-BE49-F238E27FC236}">
-              <a16:creationId xmlns:a16="http://schemas.microsoft.com/office/drawing/2014/main" id="{AB72AF7B-10EE-C933-3A37-F2675AD682F7}"/>
+              <a16:creationId xmlns:a16="http://schemas.microsoft.com/office/drawing/2014/main" id="{65708D65-F0CE-46C8-50FA-290102D5DF7C}"/>
+            </a:ext>
+          </a:extLst>
+        </p:cNvPr>
+        <p:cNvGrpSpPr/>
+        <p:nvPr/>
+      </p:nvGrpSpPr>
+      <p:grpSpPr>
+        <a:xfrm>
+          <a:off x="0" y="0"/>
+          <a:ext cx="0" cy="0"/>
+          <a:chOff x="0" y="0"/>
+          <a:chExt cx="0" cy="0"/>
+        </a:xfrm>
+      </p:grpSpPr>
+      <p:pic>
+        <p:nvPicPr>
+          <p:cNvPr id="5" name="Picture 4">
+            <a:extLst>
+              <a:ext uri="{FF2B5EF4-FFF2-40B4-BE49-F238E27FC236}">
+                <a16:creationId xmlns:a16="http://schemas.microsoft.com/office/drawing/2014/main" id="{20835584-6F5A-BF20-32A6-4531D32549F2}"/>
+              </a:ext>
+            </a:extLst>
+          </p:cNvPr>
+          <p:cNvPicPr>
+            <a:picLocks noChangeAspect="1"/>
+          </p:cNvPicPr>
+          <p:nvPr/>
+        </p:nvPicPr>
+        <p:blipFill>
+          <a:blip r:embed="rId2"/>
+          <a:stretch>
+            <a:fillRect/>
+          </a:stretch>
+        </p:blipFill>
+        <p:spPr>
+          <a:xfrm>
+            <a:off x="5037514" y="1020984"/>
+            <a:ext cx="4004425" cy="3415167"/>
+          </a:xfrm>
+          <a:prstGeom prst="rect">
+            <a:avLst/>
+          </a:prstGeom>
+        </p:spPr>
+      </p:pic>
+      <p:sp>
+        <p:nvSpPr>
+          <p:cNvPr id="2" name="Title 1">
+            <a:extLst>
+              <a:ext uri="{FF2B5EF4-FFF2-40B4-BE49-F238E27FC236}">
+                <a16:creationId xmlns:a16="http://schemas.microsoft.com/office/drawing/2014/main" id="{6518FB71-6756-E980-79DD-868281B237D0}"/>
+              </a:ext>
+            </a:extLst>
+          </p:cNvPr>
+          <p:cNvSpPr>
+            <a:spLocks noGrp="1"/>
+          </p:cNvSpPr>
+          <p:nvPr>
+            <p:ph type="title"/>
+          </p:nvPr>
+        </p:nvSpPr>
+        <p:spPr>
+          <a:xfrm>
+            <a:off x="457201" y="204787"/>
+            <a:ext cx="8441574" cy="451918"/>
+          </a:xfrm>
+        </p:spPr>
+        <p:txBody>
+          <a:bodyPr>
+            <a:noAutofit/>
+          </a:bodyPr>
+          <a:lstStyle/>
+          <a:p>
+            <a:pPr marL="0" lvl="0" indent="0" algn="ctr">
+              <a:buNone/>
+            </a:pPr>
+            <a:r>
+              <a:rPr lang="en-US" sz="3200" b="0" dirty="0"/>
+              <a:t>Example: Zero-Inflated NB Distribution Regression</a:t>
+            </a:r>
+            <a:endParaRPr sz="3200" b="0" dirty="0"/>
+          </a:p>
+        </p:txBody>
+      </p:sp>
+      <p:sp>
+        <p:nvSpPr>
+          <p:cNvPr id="4" name="Text Placeholder 3">
+            <a:extLst>
+              <a:ext uri="{FF2B5EF4-FFF2-40B4-BE49-F238E27FC236}">
+                <a16:creationId xmlns:a16="http://schemas.microsoft.com/office/drawing/2014/main" id="{F8E43A19-21FE-4DBB-A146-D3AB3928BA72}"/>
+              </a:ext>
+            </a:extLst>
+          </p:cNvPr>
+          <p:cNvSpPr>
+            <a:spLocks noGrp="1"/>
+          </p:cNvSpPr>
+          <p:nvPr>
+            <p:ph type="body" sz="half" idx="2"/>
+          </p:nvPr>
+        </p:nvSpPr>
+        <p:spPr>
+          <a:xfrm>
+            <a:off x="384466" y="1068185"/>
+            <a:ext cx="4653048" cy="3870528"/>
+          </a:xfrm>
+        </p:spPr>
+        <p:txBody>
+          <a:bodyPr>
+            <a:normAutofit fontScale="92500" lnSpcReduction="10000"/>
+          </a:bodyPr>
+          <a:lstStyle/>
+          <a:p>
+            <a:pPr marL="0" lvl="0" indent="0">
+              <a:buNone/>
+            </a:pPr>
+            <a:r>
+              <a:rPr sz="2000" dirty="0"/>
+              <a:t>Example: </a:t>
+            </a:r>
+            <a:r>
+              <a:rPr lang="en-US" sz="2000" dirty="0"/>
+              <a:t>The zero-inflated Poisson regression model for fish caught showed significant over-dispersion</a:t>
+            </a:r>
+          </a:p>
+          <a:p>
+            <a:pPr marL="342900" lvl="0" indent="-342900">
+              <a:buFont typeface="Arial" panose="020B0604020202020204" pitchFamily="34" charset="0"/>
+              <a:buChar char="•"/>
+            </a:pPr>
+            <a:r>
+              <a:rPr lang="en-US" sz="2000" dirty="0"/>
+              <a:t>Try zero-inflated negative binomial distribution regression  </a:t>
+            </a:r>
+          </a:p>
+          <a:p>
+            <a:pPr marL="342900" lvl="0" indent="-342900">
+              <a:buFont typeface="Arial" panose="020B0604020202020204" pitchFamily="34" charset="0"/>
+              <a:buChar char="•"/>
+            </a:pPr>
+            <a:r>
+              <a:rPr lang="en-US" sz="2000" dirty="0"/>
+              <a:t>Log-likelihood increased from -542 for zero-inflated Poisson regression</a:t>
+            </a:r>
+          </a:p>
+          <a:p>
+            <a:pPr marL="342900" lvl="0" indent="-342900">
+              <a:buFont typeface="Arial" panose="020B0604020202020204" pitchFamily="34" charset="0"/>
+              <a:buChar char="•"/>
+            </a:pPr>
+            <a:r>
+              <a:rPr lang="en-US" sz="2000" dirty="0"/>
+              <a:t>All coefficients are significant </a:t>
+            </a:r>
+          </a:p>
+          <a:p>
+            <a:pPr marL="342900" lvl="0" indent="-342900">
+              <a:buFont typeface="Arial" panose="020B0604020202020204" pitchFamily="34" charset="0"/>
+              <a:buChar char="•"/>
+            </a:pPr>
+            <a:r>
+              <a:rPr lang="en-US" sz="2000" dirty="0"/>
+              <a:t>The inflation coefficient has a large  standard error and CI!</a:t>
+            </a:r>
+          </a:p>
+          <a:p>
+            <a:pPr marL="342900" lvl="0" indent="-342900">
+              <a:buFont typeface="Arial" panose="020B0604020202020204" pitchFamily="34" charset="0"/>
+              <a:buChar char="•"/>
+            </a:pPr>
+            <a:r>
+              <a:rPr lang="en-US" sz="2000" dirty="0"/>
+              <a:t>Significant over-dispersion coefficient</a:t>
+            </a:r>
+          </a:p>
+          <a:p>
+            <a:pPr marL="685800" lvl="1" indent="-342900">
+              <a:buFont typeface="Arial" panose="020B0604020202020204" pitchFamily="34" charset="0"/>
+              <a:buChar char="•"/>
+            </a:pPr>
+            <a:r>
+              <a:rPr lang="en-US" sz="1850" dirty="0"/>
+              <a:t>Adds 1 extra parameter to model compared to zero-inflated Poisson</a:t>
+            </a:r>
+          </a:p>
+        </p:txBody>
+      </p:sp>
+      <p:cxnSp>
+        <p:nvCxnSpPr>
+          <p:cNvPr id="9" name="Straight Arrow Connector 8">
+            <a:extLst>
+              <a:ext uri="{FF2B5EF4-FFF2-40B4-BE49-F238E27FC236}">
+                <a16:creationId xmlns:a16="http://schemas.microsoft.com/office/drawing/2014/main" id="{7529B1D4-FC2D-51F9-8621-C63FA036283B}"/>
+              </a:ext>
+            </a:extLst>
+          </p:cNvPr>
+          <p:cNvCxnSpPr>
+            <a:cxnSpLocks/>
+          </p:cNvCxnSpPr>
+          <p:nvPr/>
+        </p:nvCxnSpPr>
+        <p:spPr>
+          <a:xfrm flipV="1">
+            <a:off x="3757353" y="3063240"/>
+            <a:ext cx="3208712" cy="166255"/>
+          </a:xfrm>
+          <a:prstGeom prst="straightConnector1">
+            <a:avLst/>
+          </a:prstGeom>
+          <a:ln w="38100">
+            <a:solidFill>
+              <a:srgbClr val="C00000"/>
+            </a:solidFill>
+            <a:tailEnd type="triangle"/>
+          </a:ln>
+        </p:spPr>
+        <p:style>
+          <a:lnRef idx="2">
+            <a:schemeClr val="accent1"/>
+          </a:lnRef>
+          <a:fillRef idx="0">
+            <a:schemeClr val="accent1"/>
+          </a:fillRef>
+          <a:effectRef idx="1">
+            <a:schemeClr val="accent1"/>
+          </a:effectRef>
+          <a:fontRef idx="minor">
+            <a:schemeClr val="tx1"/>
+          </a:fontRef>
+        </p:style>
+      </p:cxnSp>
+      <p:cxnSp>
+        <p:nvCxnSpPr>
+          <p:cNvPr id="27" name="Straight Arrow Connector 26">
+            <a:extLst>
+              <a:ext uri="{FF2B5EF4-FFF2-40B4-BE49-F238E27FC236}">
+                <a16:creationId xmlns:a16="http://schemas.microsoft.com/office/drawing/2014/main" id="{D16DB7B1-1D9B-F928-F82B-17A5ADE04979}"/>
+              </a:ext>
+            </a:extLst>
+          </p:cNvPr>
+          <p:cNvCxnSpPr>
+            <a:cxnSpLocks/>
+          </p:cNvCxnSpPr>
+          <p:nvPr/>
+        </p:nvCxnSpPr>
+        <p:spPr>
+          <a:xfrm>
+            <a:off x="4605251" y="4122516"/>
+            <a:ext cx="806334" cy="208415"/>
+          </a:xfrm>
+          <a:prstGeom prst="straightConnector1">
+            <a:avLst/>
+          </a:prstGeom>
+          <a:ln w="38100">
+            <a:solidFill>
+              <a:srgbClr val="C00000"/>
+            </a:solidFill>
+            <a:tailEnd type="triangle"/>
+          </a:ln>
+        </p:spPr>
+        <p:style>
+          <a:lnRef idx="2">
+            <a:schemeClr val="accent1"/>
+          </a:lnRef>
+          <a:fillRef idx="0">
+            <a:schemeClr val="accent1"/>
+          </a:fillRef>
+          <a:effectRef idx="1">
+            <a:schemeClr val="accent1"/>
+          </a:effectRef>
+          <a:fontRef idx="minor">
+            <a:schemeClr val="tx1"/>
+          </a:fontRef>
+        </p:style>
+      </p:cxnSp>
+      <p:cxnSp>
+        <p:nvCxnSpPr>
+          <p:cNvPr id="13" name="Straight Arrow Connector 12">
+            <a:extLst>
+              <a:ext uri="{FF2B5EF4-FFF2-40B4-BE49-F238E27FC236}">
+                <a16:creationId xmlns:a16="http://schemas.microsoft.com/office/drawing/2014/main" id="{C0C5723A-46E6-BCA6-18E3-AE6820E4BA68}"/>
+              </a:ext>
+            </a:extLst>
+          </p:cNvPr>
+          <p:cNvCxnSpPr>
+            <a:cxnSpLocks/>
+          </p:cNvCxnSpPr>
+          <p:nvPr/>
+        </p:nvCxnSpPr>
+        <p:spPr>
+          <a:xfrm flipV="1">
+            <a:off x="4572000" y="2227811"/>
+            <a:ext cx="3046615" cy="436418"/>
+          </a:xfrm>
+          <a:prstGeom prst="straightConnector1">
+            <a:avLst/>
+          </a:prstGeom>
+          <a:ln w="38100">
+            <a:solidFill>
+              <a:srgbClr val="C00000"/>
+            </a:solidFill>
+            <a:tailEnd type="triangle"/>
+          </a:ln>
+        </p:spPr>
+        <p:style>
+          <a:lnRef idx="2">
+            <a:schemeClr val="accent1"/>
+          </a:lnRef>
+          <a:fillRef idx="0">
+            <a:schemeClr val="accent1"/>
+          </a:fillRef>
+          <a:effectRef idx="1">
+            <a:schemeClr val="accent1"/>
+          </a:effectRef>
+          <a:fontRef idx="minor">
+            <a:schemeClr val="tx1"/>
+          </a:fontRef>
+        </p:style>
+      </p:cxnSp>
+      <p:cxnSp>
+        <p:nvCxnSpPr>
+          <p:cNvPr id="23" name="Straight Arrow Connector 22">
+            <a:extLst>
+              <a:ext uri="{FF2B5EF4-FFF2-40B4-BE49-F238E27FC236}">
+                <a16:creationId xmlns:a16="http://schemas.microsoft.com/office/drawing/2014/main" id="{9ACC8F22-5695-5760-E022-0AEDE4D0DCE8}"/>
+              </a:ext>
+            </a:extLst>
+          </p:cNvPr>
+          <p:cNvCxnSpPr>
+            <a:cxnSpLocks/>
+          </p:cNvCxnSpPr>
+          <p:nvPr/>
+        </p:nvCxnSpPr>
+        <p:spPr>
+          <a:xfrm flipV="1">
+            <a:off x="4206240" y="3366655"/>
+            <a:ext cx="906087" cy="232756"/>
+          </a:xfrm>
+          <a:prstGeom prst="straightConnector1">
+            <a:avLst/>
+          </a:prstGeom>
+          <a:ln w="38100">
+            <a:solidFill>
+              <a:srgbClr val="C00000"/>
+            </a:solidFill>
+            <a:tailEnd type="triangle"/>
+          </a:ln>
+        </p:spPr>
+        <p:style>
+          <a:lnRef idx="2">
+            <a:schemeClr val="accent1"/>
+          </a:lnRef>
+          <a:fillRef idx="0">
+            <a:schemeClr val="accent1"/>
+          </a:fillRef>
+          <a:effectRef idx="1">
+            <a:schemeClr val="accent1"/>
+          </a:effectRef>
+          <a:fontRef idx="minor">
+            <a:schemeClr val="tx1"/>
+          </a:fontRef>
+        </p:style>
+      </p:cxnSp>
+    </p:spTree>
+    <p:extLst>
+      <p:ext uri="{BB962C8B-B14F-4D97-AF65-F5344CB8AC3E}">
+        <p14:creationId xmlns:p14="http://schemas.microsoft.com/office/powerpoint/2010/main" val="3924552058"/>
+      </p:ext>
+    </p:extLst>
+  </p:cSld>
+  <p:clrMapOvr>
+    <a:masterClrMapping/>
+  </p:clrMapOvr>
+</p:sld>
+</file>
+
+<file path=ppt/slides/slide3.xml><?xml version="1.0" encoding="utf-8"?>
+<p:sld xmlns:a="http://schemas.openxmlformats.org/drawingml/2006/main" xmlns:r="http://schemas.openxmlformats.org/officeDocument/2006/relationships" xmlns:p="http://schemas.openxmlformats.org/presentationml/2006/main">
+  <p:cSld>
+    <p:spTree>
+      <p:nvGrpSpPr>
+        <p:cNvPr id="1" name="">
+          <a:extLst>
+            <a:ext uri="{FF2B5EF4-FFF2-40B4-BE49-F238E27FC236}">
+              <a16:creationId xmlns:a16="http://schemas.microsoft.com/office/drawing/2014/main" id="{217CC54D-A93E-7DF0-F2EC-6036421943BA}"/>
             </a:ext>
           </a:extLst>
         </p:cNvPr>
@@ -9568,7 +11322,1491 @@
           <p:cNvPr id="2" name="Title 1">
             <a:extLst>
               <a:ext uri="{FF2B5EF4-FFF2-40B4-BE49-F238E27FC236}">
-                <a16:creationId xmlns:a16="http://schemas.microsoft.com/office/drawing/2014/main" id="{9D1C8E3F-5816-F983-935A-C7486919DF83}"/>
+                <a16:creationId xmlns:a16="http://schemas.microsoft.com/office/drawing/2014/main" id="{3B05EEC6-D606-BDA0-212E-8D3ADDACF228}"/>
+              </a:ext>
+            </a:extLst>
+          </p:cNvPr>
+          <p:cNvSpPr>
+            <a:spLocks noGrp="1"/>
+          </p:cNvSpPr>
+          <p:nvPr>
+            <p:ph type="title"/>
+          </p:nvPr>
+        </p:nvSpPr>
+        <p:spPr/>
+        <p:txBody>
+          <a:bodyPr/>
+          <a:lstStyle/>
+          <a:p>
+            <a:pPr marL="0" lvl="0" indent="0">
+              <a:buNone/>
+            </a:pPr>
+            <a:r>
+              <a:rPr lang="en-US" dirty="0"/>
+              <a:t>Introduction</a:t>
+            </a:r>
+            <a:endParaRPr dirty="0"/>
+          </a:p>
+        </p:txBody>
+      </p:sp>
+      <p:sp>
+        <p:nvSpPr>
+          <p:cNvPr id="3" name="Content Placeholder 2">
+            <a:extLst>
+              <a:ext uri="{FF2B5EF4-FFF2-40B4-BE49-F238E27FC236}">
+                <a16:creationId xmlns:a16="http://schemas.microsoft.com/office/drawing/2014/main" id="{07854A8C-8365-5A51-A4BD-48F8386E8528}"/>
+              </a:ext>
+            </a:extLst>
+          </p:cNvPr>
+          <p:cNvSpPr>
+            <a:spLocks noGrp="1"/>
+          </p:cNvSpPr>
+          <p:nvPr>
+            <p:ph idx="1"/>
+          </p:nvPr>
+        </p:nvSpPr>
+        <p:spPr/>
+        <p:txBody>
+          <a:bodyPr>
+            <a:normAutofit fontScale="85000" lnSpcReduction="20000"/>
+          </a:bodyPr>
+          <a:lstStyle/>
+          <a:p>
+            <a:pPr marL="0" lvl="0" indent="0">
+              <a:buNone/>
+            </a:pPr>
+            <a:r>
+              <a:rPr lang="en-US" dirty="0"/>
+              <a:t>Several commonly encountered data problems create problems for OLS and GLM models</a:t>
+            </a:r>
+            <a:endParaRPr dirty="0"/>
+          </a:p>
+          <a:p>
+            <a:pPr lvl="0"/>
+            <a:r>
+              <a:rPr lang="en-US" b="1" dirty="0"/>
+              <a:t>Zero inflated response variables </a:t>
+            </a:r>
+            <a:r>
+              <a:rPr lang="en-US" dirty="0"/>
+              <a:t>have an unusual number of zero values   </a:t>
+            </a:r>
+          </a:p>
+          <a:p>
+            <a:pPr lvl="1"/>
+            <a:r>
+              <a:rPr lang="en-US" dirty="0"/>
+              <a:t>Use a </a:t>
+            </a:r>
+            <a:r>
+              <a:rPr lang="en-US" b="1" dirty="0"/>
+              <a:t>mixture model </a:t>
+            </a:r>
+            <a:r>
+              <a:rPr lang="en-US" dirty="0"/>
+              <a:t>to switch between a binomial and another distribution</a:t>
+            </a:r>
+          </a:p>
+          <a:p>
+            <a:pPr lvl="0"/>
+            <a:r>
+              <a:rPr lang="en-US" b="1" dirty="0"/>
+              <a:t>Over-dispersed response variables </a:t>
+            </a:r>
+            <a:r>
+              <a:rPr lang="en-US" dirty="0"/>
+              <a:t>have a long (typically right) tail </a:t>
+            </a:r>
+          </a:p>
+          <a:p>
+            <a:pPr lvl="1"/>
+            <a:r>
+              <a:rPr lang="en-US" dirty="0"/>
+              <a:t>Apply models with distributions and mixtures that account for large low probability responses </a:t>
+            </a:r>
+          </a:p>
+          <a:p>
+            <a:pPr lvl="0"/>
+            <a:r>
+              <a:rPr lang="en-US" b="1" dirty="0"/>
+              <a:t>Outliers in independent variables </a:t>
+            </a:r>
+            <a:r>
+              <a:rPr lang="en-US" dirty="0"/>
+              <a:t>have an undue influence on OLS and GLM models </a:t>
+            </a:r>
+          </a:p>
+          <a:p>
+            <a:pPr lvl="1"/>
+            <a:r>
+              <a:rPr lang="en-US" dirty="0"/>
+              <a:t>Robust regression models </a:t>
+            </a:r>
+            <a:r>
+              <a:rPr lang="en-US" b="1" dirty="0"/>
+              <a:t>limit the influence of outliers </a:t>
+            </a:r>
+            <a:r>
+              <a:rPr lang="en-US" dirty="0"/>
+              <a:t>on the response </a:t>
+            </a:r>
+          </a:p>
+          <a:p>
+            <a:pPr lvl="0"/>
+            <a:r>
+              <a:rPr lang="en-US" dirty="0"/>
+              <a:t>We can extend the OLS and GLM frameworks to deal with these situations  </a:t>
+            </a:r>
+            <a:endParaRPr dirty="0"/>
+          </a:p>
+        </p:txBody>
+      </p:sp>
+    </p:spTree>
+    <p:extLst>
+      <p:ext uri="{BB962C8B-B14F-4D97-AF65-F5344CB8AC3E}">
+        <p14:creationId xmlns:p14="http://schemas.microsoft.com/office/powerpoint/2010/main" val="487459844"/>
+      </p:ext>
+    </p:extLst>
+  </p:cSld>
+  <p:clrMapOvr>
+    <a:masterClrMapping/>
+  </p:clrMapOvr>
+</p:sld>
+</file>
+
+<file path=ppt/slides/slide30.xml><?xml version="1.0" encoding="utf-8"?>
+<p:sld xmlns:a="http://schemas.openxmlformats.org/drawingml/2006/main" xmlns:r="http://schemas.openxmlformats.org/officeDocument/2006/relationships" xmlns:p="http://schemas.openxmlformats.org/presentationml/2006/main">
+  <p:cSld>
+    <p:spTree>
+      <p:nvGrpSpPr>
+        <p:cNvPr id="1" name="">
+          <a:extLst>
+            <a:ext uri="{FF2B5EF4-FFF2-40B4-BE49-F238E27FC236}">
+              <a16:creationId xmlns:a16="http://schemas.microsoft.com/office/drawing/2014/main" id="{408E0BEB-C4D8-6D31-BDF0-B0D260502BAE}"/>
+            </a:ext>
+          </a:extLst>
+        </p:cNvPr>
+        <p:cNvGrpSpPr/>
+        <p:nvPr/>
+      </p:nvGrpSpPr>
+      <p:grpSpPr>
+        <a:xfrm>
+          <a:off x="0" y="0"/>
+          <a:ext cx="0" cy="0"/>
+          <a:chOff x="0" y="0"/>
+          <a:chExt cx="0" cy="0"/>
+        </a:xfrm>
+      </p:grpSpPr>
+      <p:sp>
+        <p:nvSpPr>
+          <p:cNvPr id="2" name="Title 1">
+            <a:extLst>
+              <a:ext uri="{FF2B5EF4-FFF2-40B4-BE49-F238E27FC236}">
+                <a16:creationId xmlns:a16="http://schemas.microsoft.com/office/drawing/2014/main" id="{96A29765-EFBE-27B5-F1F3-F4CFD020E7F1}"/>
+              </a:ext>
+            </a:extLst>
+          </p:cNvPr>
+          <p:cNvSpPr>
+            <a:spLocks noGrp="1"/>
+          </p:cNvSpPr>
+          <p:nvPr>
+            <p:ph type="title"/>
+          </p:nvPr>
+        </p:nvSpPr>
+        <p:spPr>
+          <a:xfrm>
+            <a:off x="457201" y="204787"/>
+            <a:ext cx="8441574" cy="451918"/>
+          </a:xfrm>
+        </p:spPr>
+        <p:txBody>
+          <a:bodyPr>
+            <a:noAutofit/>
+          </a:bodyPr>
+          <a:lstStyle/>
+          <a:p>
+            <a:pPr marL="0" lvl="0" indent="0" algn="ctr">
+              <a:buNone/>
+            </a:pPr>
+            <a:r>
+              <a:rPr lang="en-US" sz="3200" b="0" dirty="0"/>
+              <a:t>Example: Zero-Inflated NB Distribution Regression</a:t>
+            </a:r>
+            <a:endParaRPr sz="3200" b="0" dirty="0"/>
+          </a:p>
+        </p:txBody>
+      </p:sp>
+      <p:sp>
+        <p:nvSpPr>
+          <p:cNvPr id="4" name="Text Placeholder 3">
+            <a:extLst>
+              <a:ext uri="{FF2B5EF4-FFF2-40B4-BE49-F238E27FC236}">
+                <a16:creationId xmlns:a16="http://schemas.microsoft.com/office/drawing/2014/main" id="{3F84235B-8D87-745E-4745-282CADA350AC}"/>
+              </a:ext>
+            </a:extLst>
+          </p:cNvPr>
+          <p:cNvSpPr>
+            <a:spLocks noGrp="1"/>
+          </p:cNvSpPr>
+          <p:nvPr>
+            <p:ph type="body" sz="half" idx="2"/>
+          </p:nvPr>
+        </p:nvSpPr>
+        <p:spPr>
+          <a:xfrm>
+            <a:off x="368971" y="922713"/>
+            <a:ext cx="8441574" cy="1558636"/>
+          </a:xfrm>
+        </p:spPr>
+        <p:txBody>
+          <a:bodyPr>
+            <a:normAutofit fontScale="92500" lnSpcReduction="20000"/>
+          </a:bodyPr>
+          <a:lstStyle/>
+          <a:p>
+            <a:pPr marL="0" lvl="0" indent="0">
+              <a:buNone/>
+            </a:pPr>
+            <a:r>
+              <a:rPr sz="2000" dirty="0"/>
+              <a:t>Example: </a:t>
+            </a:r>
+            <a:r>
+              <a:rPr lang="en-US" sz="2000" dirty="0"/>
+              <a:t>Compare zero-inflated negative binomial distribution regression to zero-inflated Poisson regression</a:t>
+            </a:r>
+          </a:p>
+          <a:p>
+            <a:pPr marL="342900" lvl="0" indent="-342900">
+              <a:buFont typeface="Arial" panose="020B0604020202020204" pitchFamily="34" charset="0"/>
+              <a:buChar char="•"/>
+            </a:pPr>
+            <a:r>
+              <a:rPr lang="en-US" sz="2000" dirty="0"/>
+              <a:t>The distribution of the over-dispersion coefficient is far from Normal </a:t>
+            </a:r>
+          </a:p>
+          <a:p>
+            <a:pPr marL="342900" lvl="0" indent="-342900">
+              <a:buFont typeface="Arial" panose="020B0604020202020204" pitchFamily="34" charset="0"/>
+              <a:buChar char="•"/>
+            </a:pPr>
+            <a:r>
+              <a:rPr lang="en-US" sz="2000" dirty="0"/>
+              <a:t>Distribution is bimodal with asymmetric CI </a:t>
+            </a:r>
+          </a:p>
+          <a:p>
+            <a:pPr marL="342900" lvl="0" indent="-342900">
+              <a:buFont typeface="Arial" panose="020B0604020202020204" pitchFamily="34" charset="0"/>
+              <a:buChar char="•"/>
+            </a:pPr>
+            <a:r>
+              <a:rPr lang="en-US" sz="2000" dirty="0"/>
+              <a:t>Perhaps a Bayesian model would have been a better choice</a:t>
+            </a:r>
+          </a:p>
+        </p:txBody>
+      </p:sp>
+      <p:pic>
+        <p:nvPicPr>
+          <p:cNvPr id="14" name="Picture 13">
+            <a:extLst>
+              <a:ext uri="{FF2B5EF4-FFF2-40B4-BE49-F238E27FC236}">
+                <a16:creationId xmlns:a16="http://schemas.microsoft.com/office/drawing/2014/main" id="{908BEBC3-B293-3D25-0FC6-29736DFDE972}"/>
+              </a:ext>
+            </a:extLst>
+          </p:cNvPr>
+          <p:cNvPicPr>
+            <a:picLocks noChangeAspect="1"/>
+          </p:cNvPicPr>
+          <p:nvPr/>
+        </p:nvPicPr>
+        <p:blipFill>
+          <a:blip r:embed="rId2"/>
+          <a:stretch>
+            <a:fillRect/>
+          </a:stretch>
+        </p:blipFill>
+        <p:spPr>
+          <a:xfrm>
+            <a:off x="2123902" y="2684653"/>
+            <a:ext cx="5145578" cy="2448859"/>
+          </a:xfrm>
+          <a:prstGeom prst="rect">
+            <a:avLst/>
+          </a:prstGeom>
+        </p:spPr>
+      </p:pic>
+    </p:spTree>
+    <p:extLst>
+      <p:ext uri="{BB962C8B-B14F-4D97-AF65-F5344CB8AC3E}">
+        <p14:creationId xmlns:p14="http://schemas.microsoft.com/office/powerpoint/2010/main" val="3679038029"/>
+      </p:ext>
+    </p:extLst>
+  </p:cSld>
+  <p:clrMapOvr>
+    <a:masterClrMapping/>
+  </p:clrMapOvr>
+</p:sld>
+</file>
+
+<file path=ppt/slides/slide31.xml><?xml version="1.0" encoding="utf-8"?>
+<p:sld xmlns:a="http://schemas.openxmlformats.org/drawingml/2006/main" xmlns:r="http://schemas.openxmlformats.org/officeDocument/2006/relationships" xmlns:p="http://schemas.openxmlformats.org/presentationml/2006/main">
+  <p:cSld>
+    <p:spTree>
+      <p:nvGrpSpPr>
+        <p:cNvPr id="1" name="">
+          <a:extLst>
+            <a:ext uri="{FF2B5EF4-FFF2-40B4-BE49-F238E27FC236}">
+              <a16:creationId xmlns:a16="http://schemas.microsoft.com/office/drawing/2014/main" id="{D2B4012A-BE18-6CD3-D327-452A0A9948C6}"/>
+            </a:ext>
+          </a:extLst>
+        </p:cNvPr>
+        <p:cNvGrpSpPr/>
+        <p:nvPr/>
+      </p:nvGrpSpPr>
+      <p:grpSpPr>
+        <a:xfrm>
+          <a:off x="0" y="0"/>
+          <a:ext cx="0" cy="0"/>
+          <a:chOff x="0" y="0"/>
+          <a:chExt cx="0" cy="0"/>
+        </a:xfrm>
+      </p:grpSpPr>
+      <p:sp>
+        <p:nvSpPr>
+          <p:cNvPr id="2" name="Title 1">
+            <a:extLst>
+              <a:ext uri="{FF2B5EF4-FFF2-40B4-BE49-F238E27FC236}">
+                <a16:creationId xmlns:a16="http://schemas.microsoft.com/office/drawing/2014/main" id="{1563DF84-1411-966E-9D2C-0D43DA3A1C2F}"/>
+              </a:ext>
+            </a:extLst>
+          </p:cNvPr>
+          <p:cNvSpPr>
+            <a:spLocks noGrp="1"/>
+          </p:cNvSpPr>
+          <p:nvPr>
+            <p:ph type="title"/>
+          </p:nvPr>
+        </p:nvSpPr>
+        <p:spPr>
+          <a:xfrm>
+            <a:off x="457201" y="204787"/>
+            <a:ext cx="8441574" cy="451918"/>
+          </a:xfrm>
+        </p:spPr>
+        <p:txBody>
+          <a:bodyPr>
+            <a:noAutofit/>
+          </a:bodyPr>
+          <a:lstStyle/>
+          <a:p>
+            <a:pPr marL="0" lvl="0" indent="0" algn="ctr">
+              <a:buNone/>
+            </a:pPr>
+            <a:r>
+              <a:rPr lang="en-US" sz="3200" b="0" dirty="0"/>
+              <a:t>Example: Zero-Inflated NB Distribution Regression</a:t>
+            </a:r>
+            <a:endParaRPr sz="3200" b="0" dirty="0"/>
+          </a:p>
+        </p:txBody>
+      </p:sp>
+      <p:sp>
+        <p:nvSpPr>
+          <p:cNvPr id="4" name="Text Placeholder 3">
+            <a:extLst>
+              <a:ext uri="{FF2B5EF4-FFF2-40B4-BE49-F238E27FC236}">
+                <a16:creationId xmlns:a16="http://schemas.microsoft.com/office/drawing/2014/main" id="{723BAA0D-11B3-4FE6-8B3F-57C5C55C605B}"/>
+              </a:ext>
+            </a:extLst>
+          </p:cNvPr>
+          <p:cNvSpPr>
+            <a:spLocks noGrp="1"/>
+          </p:cNvSpPr>
+          <p:nvPr>
+            <p:ph type="body" sz="half" idx="2"/>
+          </p:nvPr>
+        </p:nvSpPr>
+        <p:spPr>
+          <a:xfrm>
+            <a:off x="368971" y="922713"/>
+            <a:ext cx="8441574" cy="1558636"/>
+          </a:xfrm>
+        </p:spPr>
+        <p:txBody>
+          <a:bodyPr>
+            <a:normAutofit/>
+          </a:bodyPr>
+          <a:lstStyle/>
+          <a:p>
+            <a:pPr marL="0" lvl="0" indent="0">
+              <a:buNone/>
+            </a:pPr>
+            <a:r>
+              <a:rPr sz="2000" dirty="0"/>
+              <a:t>Example: </a:t>
+            </a:r>
+            <a:r>
+              <a:rPr lang="en-US" sz="2000" dirty="0"/>
+              <a:t>Compare zero-inflated negative binomial distribution regression to zero-inflated Poisson regression</a:t>
+            </a:r>
+          </a:p>
+          <a:p>
+            <a:pPr marL="342900" lvl="0" indent="-342900">
+              <a:buFont typeface="Arial" panose="020B0604020202020204" pitchFamily="34" charset="0"/>
+              <a:buChar char="•"/>
+            </a:pPr>
+            <a:r>
+              <a:rPr lang="en-US" sz="2000" dirty="0"/>
+              <a:t>Residual plots are similar   </a:t>
+            </a:r>
+          </a:p>
+          <a:p>
+            <a:pPr marL="342900" lvl="0" indent="-342900">
+              <a:buFont typeface="Arial" panose="020B0604020202020204" pitchFamily="34" charset="0"/>
+              <a:buChar char="•"/>
+            </a:pPr>
+            <a:r>
+              <a:rPr lang="en-US" sz="2000" dirty="0"/>
+              <a:t>Both models exhibit a bit of heteroskedasticity   </a:t>
+            </a:r>
+          </a:p>
+        </p:txBody>
+      </p:sp>
+      <p:sp>
+        <p:nvSpPr>
+          <p:cNvPr id="3" name="TextBox 3">
+            <a:extLst>
+              <a:ext uri="{FF2B5EF4-FFF2-40B4-BE49-F238E27FC236}">
+                <a16:creationId xmlns:a16="http://schemas.microsoft.com/office/drawing/2014/main" id="{EBF1277F-D87C-5759-C27E-1463704BF9BB}"/>
+              </a:ext>
+            </a:extLst>
+          </p:cNvPr>
+          <p:cNvSpPr txBox="1"/>
+          <p:nvPr/>
+        </p:nvSpPr>
+        <p:spPr>
+          <a:xfrm>
+            <a:off x="315884" y="4739781"/>
+            <a:ext cx="4039985" cy="339098"/>
+          </a:xfrm>
+          <a:prstGeom prst="rect">
+            <a:avLst/>
+          </a:prstGeom>
+          <a:noFill/>
+        </p:spPr>
+        <p:txBody>
+          <a:bodyPr/>
+          <a:lstStyle/>
+          <a:p>
+            <a:pPr marL="0" lvl="0" indent="0" algn="ctr">
+              <a:buNone/>
+            </a:pPr>
+            <a:r>
+              <a:rPr lang="en-US" dirty="0"/>
+              <a:t>Zero-inflated Poisson regression</a:t>
+            </a:r>
+            <a:endParaRPr dirty="0"/>
+          </a:p>
+        </p:txBody>
+      </p:sp>
+      <p:sp>
+        <p:nvSpPr>
+          <p:cNvPr id="6" name="TextBox 3">
+            <a:extLst>
+              <a:ext uri="{FF2B5EF4-FFF2-40B4-BE49-F238E27FC236}">
+                <a16:creationId xmlns:a16="http://schemas.microsoft.com/office/drawing/2014/main" id="{2C16CA9F-3456-8E6B-A082-8DE642E0C06C}"/>
+              </a:ext>
+            </a:extLst>
+          </p:cNvPr>
+          <p:cNvSpPr txBox="1"/>
+          <p:nvPr/>
+        </p:nvSpPr>
+        <p:spPr>
+          <a:xfrm>
+            <a:off x="4953000" y="4727521"/>
+            <a:ext cx="4039985" cy="339098"/>
+          </a:xfrm>
+          <a:prstGeom prst="rect">
+            <a:avLst/>
+          </a:prstGeom>
+          <a:noFill/>
+        </p:spPr>
+        <p:txBody>
+          <a:bodyPr/>
+          <a:lstStyle/>
+          <a:p>
+            <a:pPr marL="0" lvl="0" indent="0" algn="ctr">
+              <a:buNone/>
+            </a:pPr>
+            <a:r>
+              <a:rPr lang="en-US" dirty="0"/>
+              <a:t>Zero-inflated NB distribution regression</a:t>
+            </a:r>
+            <a:endParaRPr dirty="0"/>
+          </a:p>
+        </p:txBody>
+      </p:sp>
+      <p:pic>
+        <p:nvPicPr>
+          <p:cNvPr id="8" name="Picture 7">
+            <a:extLst>
+              <a:ext uri="{FF2B5EF4-FFF2-40B4-BE49-F238E27FC236}">
+                <a16:creationId xmlns:a16="http://schemas.microsoft.com/office/drawing/2014/main" id="{A887EBC9-C685-AB27-4107-65CB41869187}"/>
+              </a:ext>
+            </a:extLst>
+          </p:cNvPr>
+          <p:cNvPicPr>
+            <a:picLocks noChangeAspect="1"/>
+          </p:cNvPicPr>
+          <p:nvPr/>
+        </p:nvPicPr>
+        <p:blipFill>
+          <a:blip r:embed="rId2"/>
+          <a:stretch>
+            <a:fillRect/>
+          </a:stretch>
+        </p:blipFill>
+        <p:spPr>
+          <a:xfrm>
+            <a:off x="4587042" y="2593097"/>
+            <a:ext cx="4523706" cy="2078656"/>
+          </a:xfrm>
+          <a:prstGeom prst="rect">
+            <a:avLst/>
+          </a:prstGeom>
+        </p:spPr>
+      </p:pic>
+      <p:pic>
+        <p:nvPicPr>
+          <p:cNvPr id="11" name="Picture 10">
+            <a:extLst>
+              <a:ext uri="{FF2B5EF4-FFF2-40B4-BE49-F238E27FC236}">
+                <a16:creationId xmlns:a16="http://schemas.microsoft.com/office/drawing/2014/main" id="{F18951EB-1FBA-DF9A-6CFB-9765242F6536}"/>
+              </a:ext>
+            </a:extLst>
+          </p:cNvPr>
+          <p:cNvPicPr>
+            <a:picLocks noChangeAspect="1"/>
+          </p:cNvPicPr>
+          <p:nvPr/>
+        </p:nvPicPr>
+        <p:blipFill>
+          <a:blip r:embed="rId3"/>
+          <a:stretch>
+            <a:fillRect/>
+          </a:stretch>
+        </p:blipFill>
+        <p:spPr>
+          <a:xfrm>
+            <a:off x="0" y="2631985"/>
+            <a:ext cx="4589758" cy="2078655"/>
+          </a:xfrm>
+          <a:prstGeom prst="rect">
+            <a:avLst/>
+          </a:prstGeom>
+        </p:spPr>
+      </p:pic>
+    </p:spTree>
+    <p:extLst>
+      <p:ext uri="{BB962C8B-B14F-4D97-AF65-F5344CB8AC3E}">
+        <p14:creationId xmlns:p14="http://schemas.microsoft.com/office/powerpoint/2010/main" val="4005970322"/>
+      </p:ext>
+    </p:extLst>
+  </p:cSld>
+  <p:clrMapOvr>
+    <a:masterClrMapping/>
+  </p:clrMapOvr>
+</p:sld>
+</file>
+
+<file path=ppt/slides/slide32.xml><?xml version="1.0" encoding="utf-8"?>
+<p:sld xmlns:a="http://schemas.openxmlformats.org/drawingml/2006/main" xmlns:r="http://schemas.openxmlformats.org/officeDocument/2006/relationships" xmlns:p="http://schemas.openxmlformats.org/presentationml/2006/main">
+  <p:cSld>
+    <p:spTree>
+      <p:nvGrpSpPr>
+        <p:cNvPr id="1" name="">
+          <a:extLst>
+            <a:ext uri="{FF2B5EF4-FFF2-40B4-BE49-F238E27FC236}">
+              <a16:creationId xmlns:a16="http://schemas.microsoft.com/office/drawing/2014/main" id="{D4118AA3-4357-A8FE-64EC-611F9FDFE025}"/>
+            </a:ext>
+          </a:extLst>
+        </p:cNvPr>
+        <p:cNvGrpSpPr/>
+        <p:nvPr/>
+      </p:nvGrpSpPr>
+      <p:grpSpPr>
+        <a:xfrm>
+          <a:off x="0" y="0"/>
+          <a:ext cx="0" cy="0"/>
+          <a:chOff x="0" y="0"/>
+          <a:chExt cx="0" cy="0"/>
+        </a:xfrm>
+      </p:grpSpPr>
+      <p:pic>
+        <p:nvPicPr>
+          <p:cNvPr id="10" name="Picture 9">
+            <a:extLst>
+              <a:ext uri="{FF2B5EF4-FFF2-40B4-BE49-F238E27FC236}">
+                <a16:creationId xmlns:a16="http://schemas.microsoft.com/office/drawing/2014/main" id="{E4F5F37A-EC46-0D82-1AB8-8A8023DCC39E}"/>
+              </a:ext>
+            </a:extLst>
+          </p:cNvPr>
+          <p:cNvPicPr>
+            <a:picLocks noChangeAspect="1"/>
+          </p:cNvPicPr>
+          <p:nvPr/>
+        </p:nvPicPr>
+        <p:blipFill>
+          <a:blip r:embed="rId2"/>
+          <a:stretch>
+            <a:fillRect/>
+          </a:stretch>
+        </p:blipFill>
+        <p:spPr>
+          <a:xfrm>
+            <a:off x="62345" y="2710829"/>
+            <a:ext cx="4398778" cy="2016692"/>
+          </a:xfrm>
+          <a:prstGeom prst="rect">
+            <a:avLst/>
+          </a:prstGeom>
+        </p:spPr>
+      </p:pic>
+      <p:pic>
+        <p:nvPicPr>
+          <p:cNvPr id="7" name="Picture 6">
+            <a:extLst>
+              <a:ext uri="{FF2B5EF4-FFF2-40B4-BE49-F238E27FC236}">
+                <a16:creationId xmlns:a16="http://schemas.microsoft.com/office/drawing/2014/main" id="{88038AD3-7E99-0806-76B5-936FA08C10BD}"/>
+              </a:ext>
+            </a:extLst>
+          </p:cNvPr>
+          <p:cNvPicPr>
+            <a:picLocks noChangeAspect="1"/>
+          </p:cNvPicPr>
+          <p:nvPr/>
+        </p:nvPicPr>
+        <p:blipFill>
+          <a:blip r:embed="rId3"/>
+          <a:stretch>
+            <a:fillRect/>
+          </a:stretch>
+        </p:blipFill>
+        <p:spPr>
+          <a:xfrm>
+            <a:off x="4742411" y="2651166"/>
+            <a:ext cx="4401588" cy="2051259"/>
+          </a:xfrm>
+          <a:prstGeom prst="rect">
+            <a:avLst/>
+          </a:prstGeom>
+        </p:spPr>
+      </p:pic>
+      <p:sp>
+        <p:nvSpPr>
+          <p:cNvPr id="2" name="Title 1">
+            <a:extLst>
+              <a:ext uri="{FF2B5EF4-FFF2-40B4-BE49-F238E27FC236}">
+                <a16:creationId xmlns:a16="http://schemas.microsoft.com/office/drawing/2014/main" id="{780366F2-9344-091D-15CF-78FA4867E5A2}"/>
+              </a:ext>
+            </a:extLst>
+          </p:cNvPr>
+          <p:cNvSpPr>
+            <a:spLocks noGrp="1"/>
+          </p:cNvSpPr>
+          <p:nvPr>
+            <p:ph type="title"/>
+          </p:nvPr>
+        </p:nvSpPr>
+        <p:spPr>
+          <a:xfrm>
+            <a:off x="457201" y="204787"/>
+            <a:ext cx="8441574" cy="451918"/>
+          </a:xfrm>
+        </p:spPr>
+        <p:txBody>
+          <a:bodyPr>
+            <a:noAutofit/>
+          </a:bodyPr>
+          <a:lstStyle/>
+          <a:p>
+            <a:pPr marL="0" lvl="0" indent="0" algn="ctr">
+              <a:buNone/>
+            </a:pPr>
+            <a:r>
+              <a:rPr lang="en-US" sz="3200" b="0" dirty="0"/>
+              <a:t>Example: Zero-Inflated NB Distribution Regression</a:t>
+            </a:r>
+            <a:endParaRPr sz="3200" b="0" dirty="0"/>
+          </a:p>
+        </p:txBody>
+      </p:sp>
+      <p:sp>
+        <p:nvSpPr>
+          <p:cNvPr id="4" name="Text Placeholder 3">
+            <a:extLst>
+              <a:ext uri="{FF2B5EF4-FFF2-40B4-BE49-F238E27FC236}">
+                <a16:creationId xmlns:a16="http://schemas.microsoft.com/office/drawing/2014/main" id="{6A1B8E88-BEF2-48A3-EF3C-7FD0C7E82BBD}"/>
+              </a:ext>
+            </a:extLst>
+          </p:cNvPr>
+          <p:cNvSpPr>
+            <a:spLocks noGrp="1"/>
+          </p:cNvSpPr>
+          <p:nvPr>
+            <p:ph type="body" sz="half" idx="2"/>
+          </p:nvPr>
+        </p:nvSpPr>
+        <p:spPr>
+          <a:xfrm>
+            <a:off x="384466" y="768927"/>
+            <a:ext cx="8441574" cy="1723407"/>
+          </a:xfrm>
+        </p:spPr>
+        <p:txBody>
+          <a:bodyPr>
+            <a:normAutofit/>
+          </a:bodyPr>
+          <a:lstStyle/>
+          <a:p>
+            <a:pPr marL="0" lvl="0" indent="0">
+              <a:buNone/>
+            </a:pPr>
+            <a:r>
+              <a:rPr sz="2000" dirty="0"/>
+              <a:t>Example: </a:t>
+            </a:r>
+            <a:r>
+              <a:rPr lang="en-US" sz="2000" dirty="0"/>
+              <a:t>Zero-inflated negative binomial distribution regression for fish caught </a:t>
+            </a:r>
+          </a:p>
+          <a:p>
+            <a:pPr marL="342900" lvl="0" indent="-342900">
+              <a:buFont typeface="Arial" panose="020B0604020202020204" pitchFamily="34" charset="0"/>
+              <a:buChar char="•"/>
+            </a:pPr>
+            <a:r>
+              <a:rPr lang="en-US" sz="2000" dirty="0"/>
+              <a:t> Dispersion of residuals is a slightly less for NB distribution regression</a:t>
+            </a:r>
+          </a:p>
+          <a:p>
+            <a:pPr marL="342900" lvl="0" indent="-342900">
+              <a:buFont typeface="Arial" panose="020B0604020202020204" pitchFamily="34" charset="0"/>
+              <a:buChar char="•"/>
+            </a:pPr>
+            <a:r>
+              <a:rPr lang="en-US" sz="2000" dirty="0"/>
+              <a:t>The distribution of residuals of the NB distribution regression is slightly less as can be see from greater fraction in straight line (e.g. Normal) </a:t>
+            </a:r>
+          </a:p>
+        </p:txBody>
+      </p:sp>
+      <p:cxnSp>
+        <p:nvCxnSpPr>
+          <p:cNvPr id="9" name="Straight Arrow Connector 8">
+            <a:extLst>
+              <a:ext uri="{FF2B5EF4-FFF2-40B4-BE49-F238E27FC236}">
+                <a16:creationId xmlns:a16="http://schemas.microsoft.com/office/drawing/2014/main" id="{8AE03F3E-C55D-59A7-193C-DFBC56B7DFDB}"/>
+              </a:ext>
+            </a:extLst>
+          </p:cNvPr>
+          <p:cNvCxnSpPr>
+            <a:cxnSpLocks/>
+          </p:cNvCxnSpPr>
+          <p:nvPr/>
+        </p:nvCxnSpPr>
+        <p:spPr>
+          <a:xfrm flipH="1">
+            <a:off x="3192087" y="2103120"/>
+            <a:ext cx="1683328" cy="1903615"/>
+          </a:xfrm>
+          <a:prstGeom prst="straightConnector1">
+            <a:avLst/>
+          </a:prstGeom>
+          <a:ln w="38100">
+            <a:solidFill>
+              <a:srgbClr val="C00000"/>
+            </a:solidFill>
+            <a:tailEnd type="triangle"/>
+          </a:ln>
+        </p:spPr>
+        <p:style>
+          <a:lnRef idx="2">
+            <a:schemeClr val="accent1"/>
+          </a:lnRef>
+          <a:fillRef idx="0">
+            <a:schemeClr val="accent1"/>
+          </a:fillRef>
+          <a:effectRef idx="1">
+            <a:schemeClr val="accent1"/>
+          </a:effectRef>
+          <a:fontRef idx="minor">
+            <a:schemeClr val="tx1"/>
+          </a:fontRef>
+        </p:style>
+      </p:cxnSp>
+      <p:sp>
+        <p:nvSpPr>
+          <p:cNvPr id="3" name="TextBox 3">
+            <a:extLst>
+              <a:ext uri="{FF2B5EF4-FFF2-40B4-BE49-F238E27FC236}">
+                <a16:creationId xmlns:a16="http://schemas.microsoft.com/office/drawing/2014/main" id="{C41F93BC-04C6-2D51-60AE-F5C1D585BCA4}"/>
+              </a:ext>
+            </a:extLst>
+          </p:cNvPr>
+          <p:cNvSpPr txBox="1"/>
+          <p:nvPr/>
+        </p:nvSpPr>
+        <p:spPr>
+          <a:xfrm>
+            <a:off x="315884" y="4739781"/>
+            <a:ext cx="4039985" cy="339098"/>
+          </a:xfrm>
+          <a:prstGeom prst="rect">
+            <a:avLst/>
+          </a:prstGeom>
+          <a:noFill/>
+        </p:spPr>
+        <p:txBody>
+          <a:bodyPr/>
+          <a:lstStyle/>
+          <a:p>
+            <a:pPr marL="0" lvl="0" indent="0" algn="ctr">
+              <a:buNone/>
+            </a:pPr>
+            <a:r>
+              <a:rPr lang="en-US" dirty="0"/>
+              <a:t>Zero-inflated Poisson regression</a:t>
+            </a:r>
+            <a:endParaRPr dirty="0"/>
+          </a:p>
+        </p:txBody>
+      </p:sp>
+      <p:sp>
+        <p:nvSpPr>
+          <p:cNvPr id="6" name="TextBox 3">
+            <a:extLst>
+              <a:ext uri="{FF2B5EF4-FFF2-40B4-BE49-F238E27FC236}">
+                <a16:creationId xmlns:a16="http://schemas.microsoft.com/office/drawing/2014/main" id="{5A5FE0CD-F62F-C84A-5F18-FCD2CBD0255C}"/>
+              </a:ext>
+            </a:extLst>
+          </p:cNvPr>
+          <p:cNvSpPr txBox="1"/>
+          <p:nvPr/>
+        </p:nvSpPr>
+        <p:spPr>
+          <a:xfrm>
+            <a:off x="4953000" y="4727521"/>
+            <a:ext cx="4039985" cy="339098"/>
+          </a:xfrm>
+          <a:prstGeom prst="rect">
+            <a:avLst/>
+          </a:prstGeom>
+          <a:noFill/>
+        </p:spPr>
+        <p:txBody>
+          <a:bodyPr/>
+          <a:lstStyle/>
+          <a:p>
+            <a:pPr marL="0" lvl="0" indent="0" algn="ctr">
+              <a:buNone/>
+            </a:pPr>
+            <a:r>
+              <a:rPr lang="en-US" dirty="0"/>
+              <a:t>Zero-inflated NB distribution regression</a:t>
+            </a:r>
+            <a:endParaRPr dirty="0"/>
+          </a:p>
+        </p:txBody>
+      </p:sp>
+      <p:sp>
+        <p:nvSpPr>
+          <p:cNvPr id="11" name="Oval 10">
+            <a:extLst>
+              <a:ext uri="{FF2B5EF4-FFF2-40B4-BE49-F238E27FC236}">
+                <a16:creationId xmlns:a16="http://schemas.microsoft.com/office/drawing/2014/main" id="{29620545-03AE-8CE6-5ED3-AD3E3E3C99AD}"/>
+              </a:ext>
+            </a:extLst>
+          </p:cNvPr>
+          <p:cNvSpPr/>
+          <p:nvPr/>
+        </p:nvSpPr>
+        <p:spPr>
+          <a:xfrm rot="21174054">
+            <a:off x="2796699" y="4024020"/>
+            <a:ext cx="785547" cy="211596"/>
+          </a:xfrm>
+          <a:prstGeom prst="ellipse">
+            <a:avLst/>
+          </a:prstGeom>
+          <a:noFill/>
+          <a:ln>
+            <a:solidFill>
+              <a:srgbClr val="C00000"/>
+            </a:solidFill>
+          </a:ln>
+        </p:spPr>
+        <p:style>
+          <a:lnRef idx="1">
+            <a:schemeClr val="accent1"/>
+          </a:lnRef>
+          <a:fillRef idx="3">
+            <a:schemeClr val="accent1"/>
+          </a:fillRef>
+          <a:effectRef idx="2">
+            <a:schemeClr val="accent1"/>
+          </a:effectRef>
+          <a:fontRef idx="minor">
+            <a:schemeClr val="lt1"/>
+          </a:fontRef>
+        </p:style>
+        <p:txBody>
+          <a:bodyPr rtlCol="0" anchor="ctr"/>
+          <a:lstStyle/>
+          <a:p>
+            <a:pPr algn="ctr"/>
+            <a:endParaRPr lang="en-US"/>
+          </a:p>
+        </p:txBody>
+      </p:sp>
+      <p:sp>
+        <p:nvSpPr>
+          <p:cNvPr id="12" name="Oval 11">
+            <a:extLst>
+              <a:ext uri="{FF2B5EF4-FFF2-40B4-BE49-F238E27FC236}">
+                <a16:creationId xmlns:a16="http://schemas.microsoft.com/office/drawing/2014/main" id="{28C2F465-0F7B-2F4C-2FDD-48CB2362000F}"/>
+              </a:ext>
+            </a:extLst>
+          </p:cNvPr>
+          <p:cNvSpPr/>
+          <p:nvPr/>
+        </p:nvSpPr>
+        <p:spPr>
+          <a:xfrm rot="20679620">
+            <a:off x="7386377" y="4000275"/>
+            <a:ext cx="1021439" cy="224535"/>
+          </a:xfrm>
+          <a:prstGeom prst="ellipse">
+            <a:avLst/>
+          </a:prstGeom>
+          <a:noFill/>
+          <a:ln>
+            <a:solidFill>
+              <a:srgbClr val="C00000"/>
+            </a:solidFill>
+          </a:ln>
+        </p:spPr>
+        <p:style>
+          <a:lnRef idx="1">
+            <a:schemeClr val="accent1"/>
+          </a:lnRef>
+          <a:fillRef idx="3">
+            <a:schemeClr val="accent1"/>
+          </a:fillRef>
+          <a:effectRef idx="2">
+            <a:schemeClr val="accent1"/>
+          </a:effectRef>
+          <a:fontRef idx="minor">
+            <a:schemeClr val="lt1"/>
+          </a:fontRef>
+        </p:style>
+        <p:txBody>
+          <a:bodyPr rtlCol="0" anchor="ctr"/>
+          <a:lstStyle/>
+          <a:p>
+            <a:pPr algn="ctr"/>
+            <a:endParaRPr lang="en-US"/>
+          </a:p>
+        </p:txBody>
+      </p:sp>
+      <p:cxnSp>
+        <p:nvCxnSpPr>
+          <p:cNvPr id="15" name="Straight Arrow Connector 14">
+            <a:extLst>
+              <a:ext uri="{FF2B5EF4-FFF2-40B4-BE49-F238E27FC236}">
+                <a16:creationId xmlns:a16="http://schemas.microsoft.com/office/drawing/2014/main" id="{3744B9AB-16D9-A21A-152E-852507D411C8}"/>
+              </a:ext>
+            </a:extLst>
+          </p:cNvPr>
+          <p:cNvCxnSpPr>
+            <a:cxnSpLocks/>
+          </p:cNvCxnSpPr>
+          <p:nvPr/>
+        </p:nvCxnSpPr>
+        <p:spPr>
+          <a:xfrm>
+            <a:off x="4866078" y="2103120"/>
+            <a:ext cx="2931260" cy="1860909"/>
+          </a:xfrm>
+          <a:prstGeom prst="straightConnector1">
+            <a:avLst/>
+          </a:prstGeom>
+          <a:ln w="38100">
+            <a:solidFill>
+              <a:srgbClr val="C00000"/>
+            </a:solidFill>
+            <a:tailEnd type="triangle"/>
+          </a:ln>
+        </p:spPr>
+        <p:style>
+          <a:lnRef idx="2">
+            <a:schemeClr val="accent1"/>
+          </a:lnRef>
+          <a:fillRef idx="0">
+            <a:schemeClr val="accent1"/>
+          </a:fillRef>
+          <a:effectRef idx="1">
+            <a:schemeClr val="accent1"/>
+          </a:effectRef>
+          <a:fontRef idx="minor">
+            <a:schemeClr val="tx1"/>
+          </a:fontRef>
+        </p:style>
+      </p:cxnSp>
+    </p:spTree>
+    <p:extLst>
+      <p:ext uri="{BB962C8B-B14F-4D97-AF65-F5344CB8AC3E}">
+        <p14:creationId xmlns:p14="http://schemas.microsoft.com/office/powerpoint/2010/main" val="3768851913"/>
+      </p:ext>
+    </p:extLst>
+  </p:cSld>
+  <p:clrMapOvr>
+    <a:masterClrMapping/>
+  </p:clrMapOvr>
+</p:sld>
+</file>
+
+<file path=ppt/slides/slide33.xml><?xml version="1.0" encoding="utf-8"?>
+<p:sld xmlns:a="http://schemas.openxmlformats.org/drawingml/2006/main" xmlns:r="http://schemas.openxmlformats.org/officeDocument/2006/relationships" xmlns:p="http://schemas.openxmlformats.org/presentationml/2006/main">
+  <p:cSld>
+    <p:spTree>
+      <p:nvGrpSpPr>
+        <p:cNvPr id="1" name="">
+          <a:extLst>
+            <a:ext uri="{FF2B5EF4-FFF2-40B4-BE49-F238E27FC236}">
+              <a16:creationId xmlns:a16="http://schemas.microsoft.com/office/drawing/2014/main" id="{2F9704A0-6F31-8C09-159F-C48B746BC61E}"/>
+            </a:ext>
+          </a:extLst>
+        </p:cNvPr>
+        <p:cNvGrpSpPr/>
+        <p:nvPr/>
+      </p:nvGrpSpPr>
+      <p:grpSpPr>
+        <a:xfrm>
+          <a:off x="0" y="0"/>
+          <a:ext cx="0" cy="0"/>
+          <a:chOff x="0" y="0"/>
+          <a:chExt cx="0" cy="0"/>
+        </a:xfrm>
+      </p:grpSpPr>
+      <p:pic>
+        <p:nvPicPr>
+          <p:cNvPr id="8" name="Picture 7">
+            <a:extLst>
+              <a:ext uri="{FF2B5EF4-FFF2-40B4-BE49-F238E27FC236}">
+                <a16:creationId xmlns:a16="http://schemas.microsoft.com/office/drawing/2014/main" id="{DC0EE5BF-8915-786A-C492-08A02FDF95BD}"/>
+              </a:ext>
+            </a:extLst>
+          </p:cNvPr>
+          <p:cNvPicPr>
+            <a:picLocks noChangeAspect="1"/>
+          </p:cNvPicPr>
+          <p:nvPr/>
+        </p:nvPicPr>
+        <p:blipFill>
+          <a:blip r:embed="rId2"/>
+          <a:stretch>
+            <a:fillRect/>
+          </a:stretch>
+        </p:blipFill>
+        <p:spPr>
+          <a:xfrm>
+            <a:off x="552797" y="2644025"/>
+            <a:ext cx="8246536" cy="2294688"/>
+          </a:xfrm>
+          <a:prstGeom prst="rect">
+            <a:avLst/>
+          </a:prstGeom>
+        </p:spPr>
+      </p:pic>
+      <p:sp>
+        <p:nvSpPr>
+          <p:cNvPr id="2" name="Title 1">
+            <a:extLst>
+              <a:ext uri="{FF2B5EF4-FFF2-40B4-BE49-F238E27FC236}">
+                <a16:creationId xmlns:a16="http://schemas.microsoft.com/office/drawing/2014/main" id="{15156F20-4CF8-B601-9597-154D7ECFD78B}"/>
+              </a:ext>
+            </a:extLst>
+          </p:cNvPr>
+          <p:cNvSpPr>
+            <a:spLocks noGrp="1"/>
+          </p:cNvSpPr>
+          <p:nvPr>
+            <p:ph type="title"/>
+          </p:nvPr>
+        </p:nvSpPr>
+        <p:spPr>
+          <a:xfrm>
+            <a:off x="457201" y="204787"/>
+            <a:ext cx="8441574" cy="451918"/>
+          </a:xfrm>
+        </p:spPr>
+        <p:txBody>
+          <a:bodyPr>
+            <a:noAutofit/>
+          </a:bodyPr>
+          <a:lstStyle/>
+          <a:p>
+            <a:pPr marL="0" lvl="0" indent="0" algn="ctr">
+              <a:buNone/>
+            </a:pPr>
+            <a:r>
+              <a:rPr lang="en-US" sz="3200" b="0" dirty="0"/>
+              <a:t>Example: Zero-Inflated NB Distribution Regression</a:t>
+            </a:r>
+            <a:endParaRPr sz="3200" b="0" dirty="0"/>
+          </a:p>
+        </p:txBody>
+      </p:sp>
+      <p:sp>
+        <p:nvSpPr>
+          <p:cNvPr id="4" name="Text Placeholder 3">
+            <a:extLst>
+              <a:ext uri="{FF2B5EF4-FFF2-40B4-BE49-F238E27FC236}">
+                <a16:creationId xmlns:a16="http://schemas.microsoft.com/office/drawing/2014/main" id="{8B7F7524-DBAA-5D7E-2EDB-C436AC6903C0}"/>
+              </a:ext>
+            </a:extLst>
+          </p:cNvPr>
+          <p:cNvSpPr>
+            <a:spLocks noGrp="1"/>
+          </p:cNvSpPr>
+          <p:nvPr>
+            <p:ph type="body" sz="half" idx="2"/>
+          </p:nvPr>
+        </p:nvSpPr>
+        <p:spPr>
+          <a:xfrm>
+            <a:off x="384466" y="768927"/>
+            <a:ext cx="8441574" cy="1723407"/>
+          </a:xfrm>
+        </p:spPr>
+        <p:txBody>
+          <a:bodyPr>
+            <a:normAutofit/>
+          </a:bodyPr>
+          <a:lstStyle/>
+          <a:p>
+            <a:pPr marL="0" lvl="0" indent="0">
+              <a:buNone/>
+            </a:pPr>
+            <a:r>
+              <a:rPr sz="2000" dirty="0"/>
+              <a:t>Example: </a:t>
+            </a:r>
+            <a:r>
+              <a:rPr lang="en-US" sz="2000" dirty="0"/>
+              <a:t>Zero-inflated negative binomial distribution regression for fish caught </a:t>
+            </a:r>
+          </a:p>
+          <a:p>
+            <a:pPr marL="342900" lvl="0" indent="-342900">
+              <a:buFont typeface="Arial" panose="020B0604020202020204" pitchFamily="34" charset="0"/>
+              <a:buChar char="•"/>
+            </a:pPr>
+            <a:r>
+              <a:rPr lang="en-US" sz="2000" dirty="0"/>
+              <a:t>Bootstrap resamples of the NB distribution regression    </a:t>
+            </a:r>
+          </a:p>
+          <a:p>
+            <a:pPr marL="342900" lvl="0" indent="-342900">
+              <a:buFont typeface="Arial" panose="020B0604020202020204" pitchFamily="34" charset="0"/>
+              <a:buChar char="•"/>
+            </a:pPr>
+            <a:r>
+              <a:rPr lang="en-US" sz="2000" dirty="0"/>
+              <a:t>General behavior is reasonable, but wide dispersion of outcomes     </a:t>
+            </a:r>
+          </a:p>
+          <a:p>
+            <a:pPr marL="342900" lvl="0" indent="-342900">
+              <a:buFont typeface="Arial" panose="020B0604020202020204" pitchFamily="34" charset="0"/>
+              <a:buChar char="•"/>
+            </a:pPr>
+            <a:r>
+              <a:rPr lang="en-US" sz="2000" dirty="0"/>
+              <a:t>Notice outliers that affect the model fit</a:t>
+            </a:r>
+          </a:p>
+        </p:txBody>
+      </p:sp>
+      <p:cxnSp>
+        <p:nvCxnSpPr>
+          <p:cNvPr id="9" name="Straight Arrow Connector 8">
+            <a:extLst>
+              <a:ext uri="{FF2B5EF4-FFF2-40B4-BE49-F238E27FC236}">
+                <a16:creationId xmlns:a16="http://schemas.microsoft.com/office/drawing/2014/main" id="{39AA43AE-1662-40E0-C50F-BE558643B7DA}"/>
+              </a:ext>
+            </a:extLst>
+          </p:cNvPr>
+          <p:cNvCxnSpPr>
+            <a:cxnSpLocks/>
+          </p:cNvCxnSpPr>
+          <p:nvPr/>
+        </p:nvCxnSpPr>
+        <p:spPr>
+          <a:xfrm flipH="1">
+            <a:off x="1620982" y="2223655"/>
+            <a:ext cx="640080" cy="1101436"/>
+          </a:xfrm>
+          <a:prstGeom prst="straightConnector1">
+            <a:avLst/>
+          </a:prstGeom>
+          <a:ln w="38100">
+            <a:solidFill>
+              <a:srgbClr val="C00000"/>
+            </a:solidFill>
+            <a:tailEnd type="triangle"/>
+          </a:ln>
+        </p:spPr>
+        <p:style>
+          <a:lnRef idx="2">
+            <a:schemeClr val="accent1"/>
+          </a:lnRef>
+          <a:fillRef idx="0">
+            <a:schemeClr val="accent1"/>
+          </a:fillRef>
+          <a:effectRef idx="1">
+            <a:schemeClr val="accent1"/>
+          </a:effectRef>
+          <a:fontRef idx="minor">
+            <a:schemeClr val="tx1"/>
+          </a:fontRef>
+        </p:style>
+      </p:cxnSp>
+      <p:cxnSp>
+        <p:nvCxnSpPr>
+          <p:cNvPr id="15" name="Straight Arrow Connector 14">
+            <a:extLst>
+              <a:ext uri="{FF2B5EF4-FFF2-40B4-BE49-F238E27FC236}">
+                <a16:creationId xmlns:a16="http://schemas.microsoft.com/office/drawing/2014/main" id="{AA878999-D9D1-0A50-FA1E-1B9841925E2B}"/>
+              </a:ext>
+            </a:extLst>
+          </p:cNvPr>
+          <p:cNvCxnSpPr>
+            <a:cxnSpLocks/>
+          </p:cNvCxnSpPr>
+          <p:nvPr/>
+        </p:nvCxnSpPr>
+        <p:spPr>
+          <a:xfrm flipH="1">
+            <a:off x="1675015" y="2177935"/>
+            <a:ext cx="835429" cy="1786094"/>
+          </a:xfrm>
+          <a:prstGeom prst="straightConnector1">
+            <a:avLst/>
+          </a:prstGeom>
+          <a:ln w="38100">
+            <a:solidFill>
+              <a:srgbClr val="C00000"/>
+            </a:solidFill>
+            <a:tailEnd type="triangle"/>
+          </a:ln>
+        </p:spPr>
+        <p:style>
+          <a:lnRef idx="2">
+            <a:schemeClr val="accent1"/>
+          </a:lnRef>
+          <a:fillRef idx="0">
+            <a:schemeClr val="accent1"/>
+          </a:fillRef>
+          <a:effectRef idx="1">
+            <a:schemeClr val="accent1"/>
+          </a:effectRef>
+          <a:fontRef idx="minor">
+            <a:schemeClr val="tx1"/>
+          </a:fontRef>
+        </p:style>
+      </p:cxnSp>
+      <p:cxnSp>
+        <p:nvCxnSpPr>
+          <p:cNvPr id="19" name="Straight Arrow Connector 18">
+            <a:extLst>
+              <a:ext uri="{FF2B5EF4-FFF2-40B4-BE49-F238E27FC236}">
+                <a16:creationId xmlns:a16="http://schemas.microsoft.com/office/drawing/2014/main" id="{82C15D4C-A135-93CA-0A5B-56274A4458B3}"/>
+              </a:ext>
+            </a:extLst>
+          </p:cNvPr>
+          <p:cNvCxnSpPr>
+            <a:cxnSpLocks/>
+          </p:cNvCxnSpPr>
+          <p:nvPr/>
+        </p:nvCxnSpPr>
+        <p:spPr>
+          <a:xfrm>
+            <a:off x="3038302" y="2177935"/>
+            <a:ext cx="1354974" cy="1371600"/>
+          </a:xfrm>
+          <a:prstGeom prst="straightConnector1">
+            <a:avLst/>
+          </a:prstGeom>
+          <a:ln w="38100">
+            <a:solidFill>
+              <a:srgbClr val="C00000"/>
+            </a:solidFill>
+            <a:tailEnd type="triangle"/>
+          </a:ln>
+        </p:spPr>
+        <p:style>
+          <a:lnRef idx="2">
+            <a:schemeClr val="accent1"/>
+          </a:lnRef>
+          <a:fillRef idx="0">
+            <a:schemeClr val="accent1"/>
+          </a:fillRef>
+          <a:effectRef idx="1">
+            <a:schemeClr val="accent1"/>
+          </a:effectRef>
+          <a:fontRef idx="minor">
+            <a:schemeClr val="tx1"/>
+          </a:fontRef>
+        </p:style>
+      </p:cxnSp>
+      <p:cxnSp>
+        <p:nvCxnSpPr>
+          <p:cNvPr id="22" name="Straight Arrow Connector 21">
+            <a:extLst>
+              <a:ext uri="{FF2B5EF4-FFF2-40B4-BE49-F238E27FC236}">
+                <a16:creationId xmlns:a16="http://schemas.microsoft.com/office/drawing/2014/main" id="{E2D54397-AAA2-5BE1-1069-94C1497AB0B4}"/>
+              </a:ext>
+            </a:extLst>
+          </p:cNvPr>
+          <p:cNvCxnSpPr>
+            <a:cxnSpLocks/>
+          </p:cNvCxnSpPr>
+          <p:nvPr/>
+        </p:nvCxnSpPr>
+        <p:spPr>
+          <a:xfrm flipH="1">
+            <a:off x="2660073" y="2177935"/>
+            <a:ext cx="128847" cy="685800"/>
+          </a:xfrm>
+          <a:prstGeom prst="straightConnector1">
+            <a:avLst/>
+          </a:prstGeom>
+          <a:ln w="38100">
+            <a:solidFill>
+              <a:srgbClr val="C00000"/>
+            </a:solidFill>
+            <a:tailEnd type="triangle"/>
+          </a:ln>
+        </p:spPr>
+        <p:style>
+          <a:lnRef idx="2">
+            <a:schemeClr val="accent1"/>
+          </a:lnRef>
+          <a:fillRef idx="0">
+            <a:schemeClr val="accent1"/>
+          </a:fillRef>
+          <a:effectRef idx="1">
+            <a:schemeClr val="accent1"/>
+          </a:effectRef>
+          <a:fontRef idx="minor">
+            <a:schemeClr val="tx1"/>
+          </a:fontRef>
+        </p:style>
+      </p:cxnSp>
+      <p:cxnSp>
+        <p:nvCxnSpPr>
+          <p:cNvPr id="26" name="Straight Arrow Connector 25">
+            <a:extLst>
+              <a:ext uri="{FF2B5EF4-FFF2-40B4-BE49-F238E27FC236}">
+                <a16:creationId xmlns:a16="http://schemas.microsoft.com/office/drawing/2014/main" id="{CA425464-A4E1-5170-C64F-67841E4B0A51}"/>
+              </a:ext>
+            </a:extLst>
+          </p:cNvPr>
+          <p:cNvCxnSpPr>
+            <a:cxnSpLocks/>
+          </p:cNvCxnSpPr>
+          <p:nvPr/>
+        </p:nvCxnSpPr>
+        <p:spPr>
+          <a:xfrm>
+            <a:off x="4026131" y="2223655"/>
+            <a:ext cx="2100349" cy="1005840"/>
+          </a:xfrm>
+          <a:prstGeom prst="straightConnector1">
+            <a:avLst/>
+          </a:prstGeom>
+          <a:ln w="38100">
+            <a:solidFill>
+              <a:srgbClr val="C00000"/>
+            </a:solidFill>
+            <a:tailEnd type="triangle"/>
+          </a:ln>
+        </p:spPr>
+        <p:style>
+          <a:lnRef idx="2">
+            <a:schemeClr val="accent1"/>
+          </a:lnRef>
+          <a:fillRef idx="0">
+            <a:schemeClr val="accent1"/>
+          </a:fillRef>
+          <a:effectRef idx="1">
+            <a:schemeClr val="accent1"/>
+          </a:effectRef>
+          <a:fontRef idx="minor">
+            <a:schemeClr val="tx1"/>
+          </a:fontRef>
+        </p:style>
+      </p:cxnSp>
+    </p:spTree>
+    <p:extLst>
+      <p:ext uri="{BB962C8B-B14F-4D97-AF65-F5344CB8AC3E}">
+        <p14:creationId xmlns:p14="http://schemas.microsoft.com/office/powerpoint/2010/main" val="3511654272"/>
+      </p:ext>
+    </p:extLst>
+  </p:cSld>
+  <p:clrMapOvr>
+    <a:masterClrMapping/>
+  </p:clrMapOvr>
+</p:sld>
+</file>
+
+<file path=ppt/slides/slide34.xml><?xml version="1.0" encoding="utf-8"?>
+<p:sld xmlns:a="http://schemas.openxmlformats.org/drawingml/2006/main" xmlns:r="http://schemas.openxmlformats.org/officeDocument/2006/relationships" xmlns:p="http://schemas.openxmlformats.org/presentationml/2006/main">
+  <p:cSld>
+    <p:spTree>
+      <p:nvGrpSpPr>
+        <p:cNvPr id="1" name="">
+          <a:extLst>
+            <a:ext uri="{FF2B5EF4-FFF2-40B4-BE49-F238E27FC236}">
+              <a16:creationId xmlns:a16="http://schemas.microsoft.com/office/drawing/2014/main" id="{1C830AAC-22B8-9E0C-D9FD-39181F96F24A}"/>
+            </a:ext>
+          </a:extLst>
+        </p:cNvPr>
+        <p:cNvGrpSpPr/>
+        <p:nvPr/>
+      </p:nvGrpSpPr>
+      <p:grpSpPr>
+        <a:xfrm>
+          <a:off x="0" y="0"/>
+          <a:ext cx="0" cy="0"/>
+          <a:chOff x="0" y="0"/>
+          <a:chExt cx="0" cy="0"/>
+        </a:xfrm>
+      </p:grpSpPr>
+      <p:sp>
+        <p:nvSpPr>
+          <p:cNvPr id="2" name="Title 1">
+            <a:extLst>
+              <a:ext uri="{FF2B5EF4-FFF2-40B4-BE49-F238E27FC236}">
+                <a16:creationId xmlns:a16="http://schemas.microsoft.com/office/drawing/2014/main" id="{F205DB99-90DA-CAA0-594C-BFF050DF37B3}"/>
               </a:ext>
             </a:extLst>
           </p:cNvPr>
@@ -9600,7 +12838,7 @@
     </p:spTree>
     <p:extLst>
       <p:ext uri="{BB962C8B-B14F-4D97-AF65-F5344CB8AC3E}">
-        <p14:creationId xmlns:p14="http://schemas.microsoft.com/office/powerpoint/2010/main" val="3173599209"/>
+        <p14:creationId xmlns:p14="http://schemas.microsoft.com/office/powerpoint/2010/main" val="3169928936"/>
       </p:ext>
     </p:extLst>
   </p:cSld>
@@ -9610,7 +12848,7 @@
 </p:sld>
 </file>
 
-<file path=ppt/slides/slide25.xml><?xml version="1.0" encoding="utf-8"?>
+<file path=ppt/slides/slide35.xml><?xml version="1.0" encoding="utf-8"?>
 <p:sld xmlns:a="http://schemas.openxmlformats.org/drawingml/2006/main" xmlns:r="http://schemas.openxmlformats.org/officeDocument/2006/relationships" xmlns:p="http://schemas.openxmlformats.org/presentationml/2006/main">
   <p:cSld>
     <p:spTree>
@@ -9771,7 +13009,7 @@
 </p:sld>
 </file>
 
-<file path=ppt/slides/slide26.xml><?xml version="1.0" encoding="utf-8"?>
+<file path=ppt/slides/slide36.xml><?xml version="1.0" encoding="utf-8"?>
 <p:sld xmlns:a="http://schemas.openxmlformats.org/drawingml/2006/main" xmlns:r="http://schemas.openxmlformats.org/officeDocument/2006/relationships" xmlns:p="http://schemas.openxmlformats.org/presentationml/2006/main">
   <p:cSld>
     <p:spTree>
@@ -10092,7 +13330,7 @@
 </p:sld>
 </file>
 
-<file path=ppt/slides/slide27.xml><?xml version="1.0" encoding="utf-8"?>
+<file path=ppt/slides/slide37.xml><?xml version="1.0" encoding="utf-8"?>
 <p:sld xmlns:a="http://schemas.openxmlformats.org/drawingml/2006/main" xmlns:r="http://schemas.openxmlformats.org/officeDocument/2006/relationships" xmlns:p="http://schemas.openxmlformats.org/presentationml/2006/main">
   <p:cSld>
     <p:spTree>
@@ -10392,7 +13630,7 @@
 </p:sld>
 </file>
 
-<file path=ppt/slides/slide28.xml><?xml version="1.0" encoding="utf-8"?>
+<file path=ppt/slides/slide38.xml><?xml version="1.0" encoding="utf-8"?>
 <p:sld xmlns:a="http://schemas.openxmlformats.org/drawingml/2006/main" xmlns:r="http://schemas.openxmlformats.org/officeDocument/2006/relationships" xmlns:p="http://schemas.openxmlformats.org/presentationml/2006/main">
   <p:cSld>
     <p:spTree>
@@ -10851,7 +14089,7 @@
 </p:sld>
 </file>
 
-<file path=ppt/slides/slide29.xml><?xml version="1.0" encoding="utf-8"?>
+<file path=ppt/slides/slide39.xml><?xml version="1.0" encoding="utf-8"?>
 <p:sld xmlns:a="http://schemas.openxmlformats.org/drawingml/2006/main" xmlns:r="http://schemas.openxmlformats.org/officeDocument/2006/relationships" xmlns:p="http://schemas.openxmlformats.org/presentationml/2006/main">
   <p:cSld>
     <p:spTree>
@@ -11560,18 +14798,12 @@
 </p:sld>
 </file>
 
-<file path=ppt/slides/slide3.xml><?xml version="1.0" encoding="utf-8"?>
+<file path=ppt/slides/slide4.xml><?xml version="1.0" encoding="utf-8"?>
 <p:sld xmlns:a="http://schemas.openxmlformats.org/drawingml/2006/main" xmlns:r="http://schemas.openxmlformats.org/officeDocument/2006/relationships" xmlns:p="http://schemas.openxmlformats.org/presentationml/2006/main">
   <p:cSld>
     <p:spTree>
       <p:nvGrpSpPr>
-        <p:cNvPr id="1" name="">
-          <a:extLst>
-            <a:ext uri="{FF2B5EF4-FFF2-40B4-BE49-F238E27FC236}">
-              <a16:creationId xmlns:a16="http://schemas.microsoft.com/office/drawing/2014/main" id="{217CC54D-A93E-7DF0-F2EC-6036421943BA}"/>
-            </a:ext>
-          </a:extLst>
-        </p:cNvPr>
+        <p:cNvPr id="1" name=""/>
         <p:cNvGrpSpPr/>
         <p:nvPr/>
       </p:nvGrpSpPr>
@@ -11588,7 +14820,7 @@
           <p:cNvPr id="2" name="Title 1">
             <a:extLst>
               <a:ext uri="{FF2B5EF4-FFF2-40B4-BE49-F238E27FC236}">
-                <a16:creationId xmlns:a16="http://schemas.microsoft.com/office/drawing/2014/main" id="{3B05EEC6-D606-BDA0-212E-8D3ADDACF228}"/>
+                <a16:creationId xmlns:a16="http://schemas.microsoft.com/office/drawing/2014/main" id="{5498C255-8488-A6BF-D8CF-6C0F8BDB00EA}"/>
               </a:ext>
             </a:extLst>
           </p:cNvPr>
@@ -11599,138 +14831,28 @@
             <p:ph type="title"/>
           </p:nvPr>
         </p:nvSpPr>
-        <p:spPr/>
+        <p:spPr>
+          <a:xfrm>
+            <a:off x="771081" y="1850264"/>
+            <a:ext cx="7772400" cy="1021556"/>
+          </a:xfrm>
+        </p:spPr>
         <p:txBody>
           <a:bodyPr/>
           <a:lstStyle/>
           <a:p>
-            <a:pPr marL="0" lvl="0" indent="0">
-              <a:buNone/>
-            </a:pPr>
-            <a:r>
-              <a:rPr lang="en-US" dirty="0"/>
-              <a:t>Introduction</a:t>
-            </a:r>
-            <a:endParaRPr dirty="0"/>
-          </a:p>
-        </p:txBody>
-      </p:sp>
-      <p:sp>
-        <p:nvSpPr>
-          <p:cNvPr id="3" name="Content Placeholder 2">
-            <a:extLst>
-              <a:ext uri="{FF2B5EF4-FFF2-40B4-BE49-F238E27FC236}">
-                <a16:creationId xmlns:a16="http://schemas.microsoft.com/office/drawing/2014/main" id="{07854A8C-8365-5A51-A4BD-48F8386E8528}"/>
-              </a:ext>
-            </a:extLst>
-          </p:cNvPr>
-          <p:cNvSpPr>
-            <a:spLocks noGrp="1"/>
-          </p:cNvSpPr>
-          <p:nvPr>
-            <p:ph idx="1"/>
-          </p:nvPr>
-        </p:nvSpPr>
-        <p:spPr/>
-        <p:txBody>
-          <a:bodyPr>
-            <a:normAutofit fontScale="85000" lnSpcReduction="20000"/>
-          </a:bodyPr>
-          <a:lstStyle/>
-          <a:p>
-            <a:pPr marL="0" lvl="0" indent="0">
-              <a:buNone/>
-            </a:pPr>
-            <a:r>
-              <a:rPr lang="en-US" dirty="0"/>
-              <a:t>Several commonly encountered data problems create problems for OLS and GLM models</a:t>
-            </a:r>
-            <a:endParaRPr dirty="0"/>
-          </a:p>
-          <a:p>
-            <a:pPr lvl="0"/>
-            <a:r>
-              <a:rPr lang="en-US" b="1" dirty="0"/>
-              <a:t>Zero inflated response variables </a:t>
-            </a:r>
-            <a:r>
-              <a:rPr lang="en-US" dirty="0"/>
-              <a:t>have an unusual number of zero values   </a:t>
-            </a:r>
-          </a:p>
-          <a:p>
-            <a:pPr lvl="1"/>
-            <a:r>
-              <a:rPr lang="en-US" dirty="0"/>
-              <a:t>Use a </a:t>
-            </a:r>
-            <a:r>
-              <a:rPr lang="en-US" b="1" dirty="0"/>
-              <a:t>mixture model </a:t>
-            </a:r>
-            <a:r>
-              <a:rPr lang="en-US" dirty="0"/>
-              <a:t>to switch between a binomial and another distribution</a:t>
-            </a:r>
-          </a:p>
-          <a:p>
-            <a:pPr lvl="0"/>
-            <a:r>
-              <a:rPr lang="en-US" b="1" dirty="0"/>
-              <a:t>Over-dispersed response variables </a:t>
-            </a:r>
-            <a:r>
-              <a:rPr lang="en-US" dirty="0"/>
-              <a:t>have a long (typically right) tail </a:t>
-            </a:r>
-          </a:p>
-          <a:p>
-            <a:pPr lvl="1"/>
-            <a:r>
-              <a:rPr lang="en-US" dirty="0"/>
-              <a:t>Apply models with distributions and mixtures that account for large low probability responses </a:t>
-            </a:r>
-          </a:p>
-          <a:p>
-            <a:pPr lvl="0"/>
-            <a:r>
-              <a:rPr lang="en-US" b="1" dirty="0"/>
-              <a:t>Outliers in independent variables </a:t>
-            </a:r>
-            <a:r>
-              <a:rPr lang="en-US" dirty="0"/>
-              <a:t>have an undue influence on OLS and GLM models </a:t>
-            </a:r>
-          </a:p>
-          <a:p>
-            <a:pPr lvl="1"/>
-            <a:r>
-              <a:rPr lang="en-US" dirty="0"/>
-              <a:t>Robust regression models </a:t>
-            </a:r>
-            <a:r>
-              <a:rPr lang="en-US" b="1" dirty="0"/>
-              <a:t>limit the influence of outliers </a:t>
-            </a:r>
-            <a:r>
-              <a:rPr lang="en-US" dirty="0"/>
-              <a:t>on the response </a:t>
-            </a:r>
-          </a:p>
-          <a:p>
-            <a:pPr lvl="0"/>
-            <a:r>
-              <a:rPr lang="en-US" dirty="0"/>
-              <a:t>We can extend the OLS and GLM frameworks to deal with these situations  </a:t>
-            </a:r>
-            <a:endParaRPr dirty="0"/>
+            <a:pPr algn="ctr"/>
+            <a:r>
+              <a:rPr lang="en-US" b="0" cap="none" dirty="0"/>
+              <a:t>Models for Zero-Inflated Response</a:t>
+            </a:r>
           </a:p>
         </p:txBody>
       </p:sp>
     </p:spTree>
     <p:extLst>
       <p:ext uri="{BB962C8B-B14F-4D97-AF65-F5344CB8AC3E}">
-        <p14:creationId xmlns:p14="http://schemas.microsoft.com/office/powerpoint/2010/main" val="487459844"/>
+        <p14:creationId xmlns:p14="http://schemas.microsoft.com/office/powerpoint/2010/main" val="3761794938"/>
       </p:ext>
     </p:extLst>
   </p:cSld>
@@ -11740,7 +14862,7 @@
 </p:sld>
 </file>
 
-<file path=ppt/slides/slide30.xml><?xml version="1.0" encoding="utf-8"?>
+<file path=ppt/slides/slide40.xml><?xml version="1.0" encoding="utf-8"?>
 <p:sld xmlns:a="http://schemas.openxmlformats.org/drawingml/2006/main" xmlns:r="http://schemas.openxmlformats.org/officeDocument/2006/relationships" xmlns:p="http://schemas.openxmlformats.org/presentationml/2006/main">
   <p:cSld>
     <p:spTree>
@@ -11915,7 +15037,7 @@
 </p:sld>
 </file>
 
-<file path=ppt/slides/slide31.xml><?xml version="1.0" encoding="utf-8"?>
+<file path=ppt/slides/slide41.xml><?xml version="1.0" encoding="utf-8"?>
 <p:sld xmlns:a="http://schemas.openxmlformats.org/drawingml/2006/main" xmlns:r="http://schemas.openxmlformats.org/officeDocument/2006/relationships" xmlns:p="http://schemas.openxmlformats.org/presentationml/2006/main">
   <p:cSld>
     <p:spTree>
@@ -12066,7 +15188,7 @@
 </p:sld>
 </file>
 
-<file path=ppt/slides/slide32.xml><?xml version="1.0" encoding="utf-8"?>
+<file path=ppt/slides/slide42.xml><?xml version="1.0" encoding="utf-8"?>
 <p:sld xmlns:a="http://schemas.openxmlformats.org/drawingml/2006/main" xmlns:r="http://schemas.openxmlformats.org/officeDocument/2006/relationships" xmlns:p="http://schemas.openxmlformats.org/presentationml/2006/main">
   <p:cSld>
     <p:spTree>
@@ -12281,7 +15403,7 @@
 </p:sld>
 </file>
 
-<file path=ppt/slides/slide33.xml><?xml version="1.0" encoding="utf-8"?>
+<file path=ppt/slides/slide43.xml><?xml version="1.0" encoding="utf-8"?>
 <p:sld xmlns:a="http://schemas.openxmlformats.org/drawingml/2006/main" xmlns:r="http://schemas.openxmlformats.org/officeDocument/2006/relationships" xmlns:p="http://schemas.openxmlformats.org/presentationml/2006/main">
   <p:cSld>
     <p:spTree>
@@ -12511,7 +15633,7 @@
 </p:sld>
 </file>
 
-<file path=ppt/slides/slide34.xml><?xml version="1.0" encoding="utf-8"?>
+<file path=ppt/slides/slide44.xml><?xml version="1.0" encoding="utf-8"?>
 <p:sld xmlns:a="http://schemas.openxmlformats.org/drawingml/2006/main" xmlns:r="http://schemas.openxmlformats.org/officeDocument/2006/relationships" xmlns:p="http://schemas.openxmlformats.org/presentationml/2006/main">
   <p:cSld>
     <p:spTree>
@@ -13211,7 +16333,7 @@
 </p:sld>
 </file>
 
-<file path=ppt/slides/slide35.xml><?xml version="1.0" encoding="utf-8"?>
+<file path=ppt/slides/slide45.xml><?xml version="1.0" encoding="utf-8"?>
 <p:sld xmlns:a="http://schemas.openxmlformats.org/drawingml/2006/main" xmlns:r="http://schemas.openxmlformats.org/officeDocument/2006/relationships" xmlns:p="http://schemas.openxmlformats.org/presentationml/2006/main">
   <p:cSld>
     <p:spTree>
@@ -13366,7 +16488,7 @@
 </p:sld>
 </file>
 
-<file path=ppt/slides/slide36.xml><?xml version="1.0" encoding="utf-8"?>
+<file path=ppt/slides/slide46.xml><?xml version="1.0" encoding="utf-8"?>
 <p:sld xmlns:a="http://schemas.openxmlformats.org/drawingml/2006/main" xmlns:r="http://schemas.openxmlformats.org/officeDocument/2006/relationships" xmlns:p="http://schemas.openxmlformats.org/presentationml/2006/main">
   <p:cSld>
     <p:spTree>
@@ -13841,7 +16963,7 @@
 </p:sld>
 </file>
 
-<file path=ppt/slides/slide37.xml><?xml version="1.0" encoding="utf-8"?>
+<file path=ppt/slides/slide47.xml><?xml version="1.0" encoding="utf-8"?>
 <p:sld xmlns:a="http://schemas.openxmlformats.org/drawingml/2006/main" xmlns:r="http://schemas.openxmlformats.org/officeDocument/2006/relationships" xmlns:p="http://schemas.openxmlformats.org/presentationml/2006/main">
   <p:cSld>
     <p:spTree>
@@ -13883,8 +17005,8 @@
           </a:p>
         </p:txBody>
       </p:sp>
-      <mc:AlternateContent xmlns:mc="http://schemas.openxmlformats.org/markup-compatibility/2006">
-        <mc:Choice xmlns:a14="http://schemas.microsoft.com/office/drawing/2010/main" Requires="a14">
+      <mc:AlternateContent xmlns:mc="http://schemas.openxmlformats.org/markup-compatibility/2006" xmlns:a14="http://schemas.microsoft.com/office/drawing/2010/main">
+        <mc:Choice Requires="a14">
           <p:sp>
             <p:nvSpPr>
               <p:cNvPr id="3" name="Content Placeholder 2"/>
@@ -14007,7 +17129,7 @@
             </p:txBody>
           </p:sp>
         </mc:Choice>
-        <mc:Fallback>
+        <mc:Fallback xmlns="">
           <p:sp>
             <p:nvSpPr>
               <p:cNvPr id="3" name="Content Placeholder 2"/>
@@ -14297,7 +17419,7 @@
 </p:sld>
 </file>
 
-<file path=ppt/slides/slide38.xml><?xml version="1.0" encoding="utf-8"?>
+<file path=ppt/slides/slide48.xml><?xml version="1.0" encoding="utf-8"?>
 <p:sld xmlns:a="http://schemas.openxmlformats.org/drawingml/2006/main" xmlns:r="http://schemas.openxmlformats.org/officeDocument/2006/relationships" xmlns:p="http://schemas.openxmlformats.org/presentationml/2006/main">
   <p:cSld>
     <p:spTree>
@@ -14650,451 +17772,7 @@
 </p:sld>
 </file>
 
-<file path=ppt/slides/slide39.xml><?xml version="1.0" encoding="utf-8"?>
-<p:sld xmlns:a="http://schemas.openxmlformats.org/drawingml/2006/main" xmlns:r="http://schemas.openxmlformats.org/officeDocument/2006/relationships" xmlns:p="http://schemas.openxmlformats.org/presentationml/2006/main">
-  <p:cSld>
-    <p:spTree>
-      <p:nvGrpSpPr>
-        <p:cNvPr id="1" name="">
-          <a:extLst>
-            <a:ext uri="{FF2B5EF4-FFF2-40B4-BE49-F238E27FC236}">
-              <a16:creationId xmlns:a16="http://schemas.microsoft.com/office/drawing/2014/main" id="{FF73BC7C-4132-F9BF-73C9-6FF072E56BA6}"/>
-            </a:ext>
-          </a:extLst>
-        </p:cNvPr>
-        <p:cNvGrpSpPr/>
-        <p:nvPr/>
-      </p:nvGrpSpPr>
-      <p:grpSpPr>
-        <a:xfrm>
-          <a:off x="0" y="0"/>
-          <a:ext cx="0" cy="0"/>
-          <a:chOff x="0" y="0"/>
-          <a:chExt cx="0" cy="0"/>
-        </a:xfrm>
-      </p:grpSpPr>
-      <p:pic>
-        <p:nvPicPr>
-          <p:cNvPr id="5" name="Picture 4">
-            <a:extLst>
-              <a:ext uri="{FF2B5EF4-FFF2-40B4-BE49-F238E27FC236}">
-                <a16:creationId xmlns:a16="http://schemas.microsoft.com/office/drawing/2014/main" id="{8AB83EA2-65FF-F726-B461-6E6467B2B244}"/>
-              </a:ext>
-            </a:extLst>
-          </p:cNvPr>
-          <p:cNvPicPr>
-            <a:picLocks noChangeAspect="1"/>
-          </p:cNvPicPr>
-          <p:nvPr/>
-        </p:nvPicPr>
-        <p:blipFill>
-          <a:blip r:embed="rId2"/>
-          <a:stretch>
-            <a:fillRect/>
-          </a:stretch>
-        </p:blipFill>
-        <p:spPr>
-          <a:xfrm>
-            <a:off x="130957" y="2766612"/>
-            <a:ext cx="4285178" cy="1989794"/>
-          </a:xfrm>
-          <a:prstGeom prst="rect">
-            <a:avLst/>
-          </a:prstGeom>
-        </p:spPr>
-      </p:pic>
-      <p:pic>
-        <p:nvPicPr>
-          <p:cNvPr id="9" name="Picture 8">
-            <a:extLst>
-              <a:ext uri="{FF2B5EF4-FFF2-40B4-BE49-F238E27FC236}">
-                <a16:creationId xmlns:a16="http://schemas.microsoft.com/office/drawing/2014/main" id="{1E781250-53A7-8806-8270-660E7B9E1DD2}"/>
-              </a:ext>
-            </a:extLst>
-          </p:cNvPr>
-          <p:cNvPicPr>
-            <a:picLocks noChangeAspect="1"/>
-          </p:cNvPicPr>
-          <p:nvPr/>
-        </p:nvPicPr>
-        <p:blipFill>
-          <a:blip r:embed="rId3"/>
-          <a:stretch>
-            <a:fillRect/>
-          </a:stretch>
-        </p:blipFill>
-        <p:spPr>
-          <a:xfrm>
-            <a:off x="4741721" y="2800951"/>
-            <a:ext cx="4343399" cy="1983462"/>
-          </a:xfrm>
-          <a:prstGeom prst="rect">
-            <a:avLst/>
-          </a:prstGeom>
-        </p:spPr>
-      </p:pic>
-      <p:sp>
-        <p:nvSpPr>
-          <p:cNvPr id="2" name="Title 1">
-            <a:extLst>
-              <a:ext uri="{FF2B5EF4-FFF2-40B4-BE49-F238E27FC236}">
-                <a16:creationId xmlns:a16="http://schemas.microsoft.com/office/drawing/2014/main" id="{A1186D12-1D29-E74D-3770-528A7210F246}"/>
-              </a:ext>
-            </a:extLst>
-          </p:cNvPr>
-          <p:cNvSpPr>
-            <a:spLocks noGrp="1"/>
-          </p:cNvSpPr>
-          <p:nvPr>
-            <p:ph type="title"/>
-          </p:nvPr>
-        </p:nvSpPr>
-        <p:spPr>
-          <a:xfrm>
-            <a:off x="457201" y="204787"/>
-            <a:ext cx="8441574" cy="451918"/>
-          </a:xfrm>
-        </p:spPr>
-        <p:txBody>
-          <a:bodyPr>
-            <a:noAutofit/>
-          </a:bodyPr>
-          <a:lstStyle/>
-          <a:p>
-            <a:pPr marL="0" lvl="0" indent="0" algn="ctr">
-              <a:buNone/>
-            </a:pPr>
-            <a:r>
-              <a:rPr lang="en-US" sz="3200" b="0" dirty="0"/>
-              <a:t>Example: </a:t>
-            </a:r>
-            <a:r>
-              <a:rPr sz="3200" b="0" dirty="0"/>
-              <a:t>Dealing With Outliers</a:t>
-            </a:r>
-          </a:p>
-        </p:txBody>
-      </p:sp>
-      <p:sp>
-        <p:nvSpPr>
-          <p:cNvPr id="4" name="Text Placeholder 3">
-            <a:extLst>
-              <a:ext uri="{FF2B5EF4-FFF2-40B4-BE49-F238E27FC236}">
-                <a16:creationId xmlns:a16="http://schemas.microsoft.com/office/drawing/2014/main" id="{37BABFE9-928B-07B0-9586-78B6BB6361DC}"/>
-              </a:ext>
-            </a:extLst>
-          </p:cNvPr>
-          <p:cNvSpPr>
-            <a:spLocks noGrp="1"/>
-          </p:cNvSpPr>
-          <p:nvPr>
-            <p:ph type="body" sz="half" idx="2"/>
-          </p:nvPr>
-        </p:nvSpPr>
-        <p:spPr>
-          <a:xfrm>
-            <a:off x="384466" y="812601"/>
-            <a:ext cx="8381305" cy="1700473"/>
-          </a:xfrm>
-        </p:spPr>
-        <p:txBody>
-          <a:bodyPr>
-            <a:normAutofit/>
-          </a:bodyPr>
-          <a:lstStyle/>
-          <a:p>
-            <a:pPr marL="0" lvl="0" indent="0">
-              <a:buNone/>
-            </a:pPr>
-            <a:r>
-              <a:rPr sz="2000" dirty="0"/>
-              <a:t>Example: </a:t>
-            </a:r>
-            <a:r>
-              <a:rPr lang="en-US" sz="2000" dirty="0"/>
-              <a:t>Comparing </a:t>
-            </a:r>
-            <a:r>
-              <a:rPr sz="2000" dirty="0"/>
-              <a:t>regression </a:t>
-            </a:r>
-            <a:r>
-              <a:rPr lang="en-US" sz="2000" dirty="0"/>
-              <a:t>Results</a:t>
-            </a:r>
-          </a:p>
-          <a:p>
-            <a:pPr marL="342900" lvl="0" indent="-342900">
-              <a:buFont typeface="Arial" panose="020B0604020202020204" pitchFamily="34" charset="0"/>
-              <a:buChar char="•"/>
-            </a:pPr>
-            <a:r>
-              <a:rPr lang="en-US" sz="2000" dirty="0"/>
-              <a:t>The residuals are nearly identical for the two models  </a:t>
-            </a:r>
-          </a:p>
-          <a:p>
-            <a:pPr marL="342900" lvl="0" indent="-342900">
-              <a:buFont typeface="Arial" panose="020B0604020202020204" pitchFamily="34" charset="0"/>
-              <a:buChar char="•"/>
-            </a:pPr>
-            <a:r>
-              <a:rPr lang="en-US" sz="2000" dirty="0"/>
-              <a:t>The residuals are near normal except of an obvious outlier   </a:t>
-            </a:r>
-          </a:p>
-          <a:p>
-            <a:pPr marL="685800" lvl="1" indent="-342900">
-              <a:buFont typeface="Arial" panose="020B0604020202020204" pitchFamily="34" charset="0"/>
-              <a:buChar char="•"/>
-            </a:pPr>
-            <a:r>
-              <a:rPr lang="en-US" sz="1850" dirty="0"/>
-              <a:t>Note the near straight line of the quantiles in the Q-Q plots</a:t>
-            </a:r>
-          </a:p>
-        </p:txBody>
-      </p:sp>
-      <p:cxnSp>
-        <p:nvCxnSpPr>
-          <p:cNvPr id="7" name="Straight Arrow Connector 6">
-            <a:extLst>
-              <a:ext uri="{FF2B5EF4-FFF2-40B4-BE49-F238E27FC236}">
-                <a16:creationId xmlns:a16="http://schemas.microsoft.com/office/drawing/2014/main" id="{8A5E4B33-3FD8-D986-AD20-37253E3E95D3}"/>
-              </a:ext>
-            </a:extLst>
-          </p:cNvPr>
-          <p:cNvCxnSpPr>
-            <a:cxnSpLocks/>
-          </p:cNvCxnSpPr>
-          <p:nvPr/>
-        </p:nvCxnSpPr>
-        <p:spPr>
-          <a:xfrm>
-            <a:off x="5498869" y="2256905"/>
-            <a:ext cx="2244436" cy="1034935"/>
-          </a:xfrm>
-          <a:prstGeom prst="straightConnector1">
-            <a:avLst/>
-          </a:prstGeom>
-          <a:ln w="38100">
-            <a:solidFill>
-              <a:srgbClr val="C00000"/>
-            </a:solidFill>
-            <a:tailEnd type="triangle"/>
-          </a:ln>
-        </p:spPr>
-        <p:style>
-          <a:lnRef idx="2">
-            <a:schemeClr val="accent1"/>
-          </a:lnRef>
-          <a:fillRef idx="0">
-            <a:schemeClr val="accent1"/>
-          </a:fillRef>
-          <a:effectRef idx="1">
-            <a:schemeClr val="accent1"/>
-          </a:effectRef>
-          <a:fontRef idx="minor">
-            <a:schemeClr val="tx1"/>
-          </a:fontRef>
-        </p:style>
-      </p:cxnSp>
-      <p:cxnSp>
-        <p:nvCxnSpPr>
-          <p:cNvPr id="10" name="Straight Arrow Connector 9">
-            <a:extLst>
-              <a:ext uri="{FF2B5EF4-FFF2-40B4-BE49-F238E27FC236}">
-                <a16:creationId xmlns:a16="http://schemas.microsoft.com/office/drawing/2014/main" id="{EE546D69-0BFA-B326-23C5-05752DD2FEF7}"/>
-              </a:ext>
-            </a:extLst>
-          </p:cNvPr>
-          <p:cNvCxnSpPr>
-            <a:cxnSpLocks/>
-          </p:cNvCxnSpPr>
-          <p:nvPr/>
-        </p:nvCxnSpPr>
-        <p:spPr>
-          <a:xfrm flipH="1">
-            <a:off x="2975956" y="2256905"/>
-            <a:ext cx="1765765" cy="1068624"/>
-          </a:xfrm>
-          <a:prstGeom prst="straightConnector1">
-            <a:avLst/>
-          </a:prstGeom>
-          <a:ln w="38100">
-            <a:solidFill>
-              <a:srgbClr val="C00000"/>
-            </a:solidFill>
-            <a:tailEnd type="triangle"/>
-          </a:ln>
-        </p:spPr>
-        <p:style>
-          <a:lnRef idx="2">
-            <a:schemeClr val="accent1"/>
-          </a:lnRef>
-          <a:fillRef idx="0">
-            <a:schemeClr val="accent1"/>
-          </a:fillRef>
-          <a:effectRef idx="1">
-            <a:schemeClr val="accent1"/>
-          </a:effectRef>
-          <a:fontRef idx="minor">
-            <a:schemeClr val="tx1"/>
-          </a:fontRef>
-        </p:style>
-      </p:cxnSp>
-      <p:sp>
-        <p:nvSpPr>
-          <p:cNvPr id="11" name="TextBox 3">
-            <a:extLst>
-              <a:ext uri="{FF2B5EF4-FFF2-40B4-BE49-F238E27FC236}">
-                <a16:creationId xmlns:a16="http://schemas.microsoft.com/office/drawing/2014/main" id="{11B523AB-B324-7300-A087-98CC3802CD0D}"/>
-              </a:ext>
-            </a:extLst>
-          </p:cNvPr>
-          <p:cNvSpPr txBox="1"/>
-          <p:nvPr/>
-        </p:nvSpPr>
-        <p:spPr>
-          <a:xfrm>
-            <a:off x="315884" y="4739781"/>
-            <a:ext cx="4039985" cy="339098"/>
-          </a:xfrm>
-          <a:prstGeom prst="rect">
-            <a:avLst/>
-          </a:prstGeom>
-          <a:noFill/>
-        </p:spPr>
-        <p:txBody>
-          <a:bodyPr/>
-          <a:lstStyle/>
-          <a:p>
-            <a:pPr marL="0" lvl="0" indent="0" algn="ctr">
-              <a:buNone/>
-            </a:pPr>
-            <a:r>
-              <a:rPr lang="en-US" dirty="0"/>
-              <a:t>Residuals of OLS regression</a:t>
-            </a:r>
-            <a:endParaRPr dirty="0"/>
-          </a:p>
-        </p:txBody>
-      </p:sp>
-      <p:sp>
-        <p:nvSpPr>
-          <p:cNvPr id="12" name="TextBox 3">
-            <a:extLst>
-              <a:ext uri="{FF2B5EF4-FFF2-40B4-BE49-F238E27FC236}">
-                <a16:creationId xmlns:a16="http://schemas.microsoft.com/office/drawing/2014/main" id="{15F8500F-2377-3261-55E2-94C4F1B60EB3}"/>
-              </a:ext>
-            </a:extLst>
-          </p:cNvPr>
-          <p:cNvSpPr txBox="1"/>
-          <p:nvPr/>
-        </p:nvSpPr>
-        <p:spPr>
-          <a:xfrm>
-            <a:off x="4962700" y="4739781"/>
-            <a:ext cx="4039985" cy="339098"/>
-          </a:xfrm>
-          <a:prstGeom prst="rect">
-            <a:avLst/>
-          </a:prstGeom>
-          <a:noFill/>
-        </p:spPr>
-        <p:txBody>
-          <a:bodyPr/>
-          <a:lstStyle/>
-          <a:p>
-            <a:pPr marL="0" lvl="0" indent="0" algn="ctr">
-              <a:buNone/>
-            </a:pPr>
-            <a:r>
-              <a:rPr lang="en-US" dirty="0"/>
-              <a:t>Residuals of Huber regression</a:t>
-            </a:r>
-            <a:endParaRPr dirty="0"/>
-          </a:p>
-        </p:txBody>
-      </p:sp>
-    </p:spTree>
-    <p:extLst>
-      <p:ext uri="{BB962C8B-B14F-4D97-AF65-F5344CB8AC3E}">
-        <p14:creationId xmlns:p14="http://schemas.microsoft.com/office/powerpoint/2010/main" val="1315233058"/>
-      </p:ext>
-    </p:extLst>
-  </p:cSld>
-  <p:clrMapOvr>
-    <a:masterClrMapping/>
-  </p:clrMapOvr>
-</p:sld>
-</file>
-
-<file path=ppt/slides/slide4.xml><?xml version="1.0" encoding="utf-8"?>
-<p:sld xmlns:a="http://schemas.openxmlformats.org/drawingml/2006/main" xmlns:r="http://schemas.openxmlformats.org/officeDocument/2006/relationships" xmlns:p="http://schemas.openxmlformats.org/presentationml/2006/main">
-  <p:cSld>
-    <p:spTree>
-      <p:nvGrpSpPr>
-        <p:cNvPr id="1" name=""/>
-        <p:cNvGrpSpPr/>
-        <p:nvPr/>
-      </p:nvGrpSpPr>
-      <p:grpSpPr>
-        <a:xfrm>
-          <a:off x="0" y="0"/>
-          <a:ext cx="0" cy="0"/>
-          <a:chOff x="0" y="0"/>
-          <a:chExt cx="0" cy="0"/>
-        </a:xfrm>
-      </p:grpSpPr>
-      <p:sp>
-        <p:nvSpPr>
-          <p:cNvPr id="2" name="Title 1">
-            <a:extLst>
-              <a:ext uri="{FF2B5EF4-FFF2-40B4-BE49-F238E27FC236}">
-                <a16:creationId xmlns:a16="http://schemas.microsoft.com/office/drawing/2014/main" id="{5498C255-8488-A6BF-D8CF-6C0F8BDB00EA}"/>
-              </a:ext>
-            </a:extLst>
-          </p:cNvPr>
-          <p:cNvSpPr>
-            <a:spLocks noGrp="1"/>
-          </p:cNvSpPr>
-          <p:nvPr>
-            <p:ph type="title"/>
-          </p:nvPr>
-        </p:nvSpPr>
-        <p:spPr>
-          <a:xfrm>
-            <a:off x="771081" y="1850264"/>
-            <a:ext cx="7772400" cy="1021556"/>
-          </a:xfrm>
-        </p:spPr>
-        <p:txBody>
-          <a:bodyPr/>
-          <a:lstStyle/>
-          <a:p>
-            <a:pPr algn="ctr"/>
-            <a:r>
-              <a:rPr lang="en-US" b="0" cap="none" dirty="0"/>
-              <a:t>Models for Zero-Inflated Response</a:t>
-            </a:r>
-          </a:p>
-        </p:txBody>
-      </p:sp>
-    </p:spTree>
-    <p:extLst>
-      <p:ext uri="{BB962C8B-B14F-4D97-AF65-F5344CB8AC3E}">
-        <p14:creationId xmlns:p14="http://schemas.microsoft.com/office/powerpoint/2010/main" val="3761794938"/>
-      </p:ext>
-    </p:extLst>
-  </p:cSld>
-  <p:clrMapOvr>
-    <a:masterClrMapping/>
-  </p:clrMapOvr>
-</p:sld>
-</file>
-
-<file path=ppt/slides/slide40.xml><?xml version="1.0" encoding="utf-8"?>
+<file path=ppt/slides/slide49.xml><?xml version="1.0" encoding="utf-8"?>
 <p:sld xmlns:a="http://schemas.openxmlformats.org/drawingml/2006/main" xmlns:r="http://schemas.openxmlformats.org/officeDocument/2006/relationships" xmlns:p="http://schemas.openxmlformats.org/presentationml/2006/main">
   <p:cSld>
     <p:spTree>
@@ -15392,335 +18070,6 @@
 </p:sld>
 </file>
 
-<file path=ppt/slides/slide41.xml><?xml version="1.0" encoding="utf-8"?>
-<p:sld xmlns:a="http://schemas.openxmlformats.org/drawingml/2006/main" xmlns:r="http://schemas.openxmlformats.org/officeDocument/2006/relationships" xmlns:p="http://schemas.openxmlformats.org/presentationml/2006/main">
-  <p:cSld>
-    <p:spTree>
-      <p:nvGrpSpPr>
-        <p:cNvPr id="1" name=""/>
-        <p:cNvGrpSpPr/>
-        <p:nvPr/>
-      </p:nvGrpSpPr>
-      <p:grpSpPr>
-        <a:xfrm>
-          <a:off x="0" y="0"/>
-          <a:ext cx="0" cy="0"/>
-          <a:chOff x="0" y="0"/>
-          <a:chExt cx="0" cy="0"/>
-        </a:xfrm>
-      </p:grpSpPr>
-      <p:sp>
-        <p:nvSpPr>
-          <p:cNvPr id="2" name="Title 1"/>
-          <p:cNvSpPr>
-            <a:spLocks noGrp="1"/>
-          </p:cNvSpPr>
-          <p:nvPr>
-            <p:ph type="title"/>
-          </p:nvPr>
-        </p:nvSpPr>
-        <p:spPr/>
-        <p:txBody>
-          <a:bodyPr/>
-          <a:lstStyle/>
-          <a:p>
-            <a:pPr marL="0" lvl="0" indent="0">
-              <a:buNone/>
-            </a:pPr>
-            <a:r>
-              <a:t>Summary</a:t>
-            </a:r>
-          </a:p>
-        </p:txBody>
-      </p:sp>
-      <p:sp>
-        <p:nvSpPr>
-          <p:cNvPr id="3" name="Content Placeholder 2"/>
-          <p:cNvSpPr>
-            <a:spLocks noGrp="1"/>
-          </p:cNvSpPr>
-          <p:nvPr>
-            <p:ph idx="1"/>
-          </p:nvPr>
-        </p:nvSpPr>
-        <p:spPr/>
-        <p:txBody>
-          <a:bodyPr>
-            <a:normAutofit fontScale="92500"/>
-          </a:bodyPr>
-          <a:lstStyle/>
-          <a:p>
-            <a:pPr marL="0" lvl="0" indent="0">
-              <a:buNone/>
-            </a:pPr>
-            <a:r>
-              <a:t>Linear models are a flexible and widely used class of models</a:t>
-            </a:r>
-          </a:p>
-          <a:p>
-            <a:pPr lvl="0"/>
-            <a:r>
-              <a:t>Fit model coefficients by </a:t>
-            </a:r>
-            <a:r>
-              <a:rPr b="1"/>
-              <a:t>least squares</a:t>
-            </a:r>
-            <a:r>
-              <a:t> estimation</a:t>
-            </a:r>
-          </a:p>
-          <a:p>
-            <a:pPr lvl="0"/>
-            <a:r>
-              <a:t>Can use many types of predictor variables</a:t>
-            </a:r>
-          </a:p>
-          <a:p>
-            <a:pPr lvl="0"/>
-            <a:r>
-              <a:t>SGD and L-FBGS algorithms allow massive scaling of linear models</a:t>
-            </a:r>
-          </a:p>
-          <a:p>
-            <a:pPr lvl="0"/>
-            <a:r>
-              <a:t>We prefer the simplest model that does a reasonable job</a:t>
-            </a:r>
-          </a:p>
-          <a:p>
-            <a:pPr lvl="1"/>
-            <a:r>
-              <a:t>The principle of </a:t>
-            </a:r>
-            <a:r>
-              <a:rPr b="1"/>
-              <a:t>Occam’s razor</a:t>
-            </a:r>
-          </a:p>
-          <a:p>
-            <a:pPr lvl="0"/>
-            <a:r>
-              <a:t>Must consider the </a:t>
-            </a:r>
-            <a:r>
-              <a:rPr b="1"/>
-              <a:t>bias-variance trade-off</a:t>
-            </a:r>
-          </a:p>
-          <a:p>
-            <a:pPr lvl="0"/>
-            <a:r>
-              <a:t>Use robust methods if outliers are present</a:t>
-            </a:r>
-          </a:p>
-        </p:txBody>
-      </p:sp>
-    </p:spTree>
-  </p:cSld>
-  <p:clrMapOvr>
-    <a:masterClrMapping/>
-  </p:clrMapOvr>
-</p:sld>
-</file>
-
-<file path=ppt/slides/slide42.xml><?xml version="1.0" encoding="utf-8"?>
-<p:sld xmlns:a="http://schemas.openxmlformats.org/drawingml/2006/main" xmlns:r="http://schemas.openxmlformats.org/officeDocument/2006/relationships" xmlns:p="http://schemas.openxmlformats.org/presentationml/2006/main">
-  <p:cSld>
-    <p:spTree>
-      <p:nvGrpSpPr>
-        <p:cNvPr id="1" name=""/>
-        <p:cNvGrpSpPr/>
-        <p:nvPr/>
-      </p:nvGrpSpPr>
-      <p:grpSpPr>
-        <a:xfrm>
-          <a:off x="0" y="0"/>
-          <a:ext cx="0" cy="0"/>
-          <a:chOff x="0" y="0"/>
-          <a:chExt cx="0" cy="0"/>
-        </a:xfrm>
-      </p:grpSpPr>
-      <p:sp>
-        <p:nvSpPr>
-          <p:cNvPr id="2" name="Title 1"/>
-          <p:cNvSpPr>
-            <a:spLocks noGrp="1"/>
-          </p:cNvSpPr>
-          <p:nvPr>
-            <p:ph type="title"/>
-          </p:nvPr>
-        </p:nvSpPr>
-        <p:spPr/>
-        <p:txBody>
-          <a:bodyPr/>
-          <a:lstStyle/>
-          <a:p>
-            <a:pPr marL="0" lvl="0" indent="0">
-              <a:buNone/>
-            </a:pPr>
-            <a:r>
-              <a:t>Summary</a:t>
-            </a:r>
-          </a:p>
-        </p:txBody>
-      </p:sp>
-      <mc:AlternateContent xmlns:mc="http://schemas.openxmlformats.org/markup-compatibility/2006" xmlns:a14="http://schemas.microsoft.com/office/drawing/2010/main">
-        <mc:Choice Requires="a14">
-          <p:sp>
-            <p:nvSpPr>
-              <p:cNvPr id="3" name="Content Placeholder 2"/>
-              <p:cNvSpPr>
-                <a:spLocks noGrp="1"/>
-              </p:cNvSpPr>
-              <p:nvPr>
-                <p:ph idx="1"/>
-              </p:nvPr>
-            </p:nvSpPr>
-            <p:spPr/>
-            <p:txBody>
-              <a:bodyPr>
-                <a:normAutofit fontScale="92500" lnSpcReduction="10000"/>
-              </a:bodyPr>
-              <a:lstStyle/>
-              <a:p>
-                <a:pPr marL="0" lvl="0" indent="0">
-                  <a:buNone/>
-                </a:pPr>
-                <a:r>
-                  <a:t>When evaluating any machine learning model consider </a:t>
-                </a:r>
-                <a:r>
-                  <a:rPr b="1"/>
-                  <a:t>all evaluation methods available</a:t>
-                </a:r>
-              </a:p>
-              <a:p>
-                <a:pPr lvl="0"/>
-                <a:r>
-                  <a:t>No one method best all of the time</a:t>
-                </a:r>
-              </a:p>
-              <a:p>
-                <a:pPr lvl="1"/>
-                <a:r>
-                  <a:t>Homoskedastic Normally distributed residuals</a:t>
-                </a:r>
-                <a:br/>
-                <a:endParaRPr/>
-              </a:p>
-              <a:p>
-                <a:pPr lvl="1"/>
-                <a:r>
-                  <a:t>Reasonable values </a:t>
-                </a:r>
-                <a14:m>
-                  <m:oMath xmlns:m="http://schemas.openxmlformats.org/officeDocument/2006/math">
-                    <m:sSup>
-                      <m:sSupPr>
-                        <m:ctrlPr>
-                          <a:rPr i="1">
-                            <a:latin typeface="Cambria Math" panose="02040503050406030204" pitchFamily="18" charset="0"/>
-                          </a:rPr>
-                        </m:ctrlPr>
-                      </m:sSupPr>
-                      <m:e>
-                        <m:r>
-                          <a:rPr>
-                            <a:latin typeface="Cambria Math" panose="02040503050406030204" pitchFamily="18" charset="0"/>
-                          </a:rPr>
-                          <m:t>𝑅</m:t>
-                        </m:r>
-                      </m:e>
-                      <m:sup>
-                        <m:r>
-                          <a:rPr>
-                            <a:latin typeface="Cambria Math" panose="02040503050406030204" pitchFamily="18" charset="0"/>
-                          </a:rPr>
-                          <m:t>2</m:t>
-                        </m:r>
-                      </m:sup>
-                    </m:sSup>
-                  </m:oMath>
-                </a14:m>
-                <a:r>
-                  <a:t>, RMSE, etc</a:t>
-                </a:r>
-              </a:p>
-              <a:p>
-                <a:pPr lvl="1"/>
-                <a:r>
-                  <a:t>Are the model coefficients all significant?</a:t>
-                </a:r>
-              </a:p>
-              <a:p>
-                <a:pPr lvl="0"/>
-                <a:r>
-                  <a:rPr b="1"/>
-                  <a:t>Different methods highlight different problems</a:t>
-                </a:r>
-                <a:r>
-                  <a:t> with your model</a:t>
-                </a:r>
-              </a:p>
-              <a:p>
-                <a:pPr lvl="0"/>
-                <a:r>
-                  <a:t>Don’t forget to check that the </a:t>
-                </a:r>
-                <a:r>
-                  <a:rPr b="1"/>
-                  <a:t>model must make sense</a:t>
-                </a:r>
-                <a:r>
-                  <a:t> for your application!</a:t>
-                </a:r>
-              </a:p>
-            </p:txBody>
-          </p:sp>
-        </mc:Choice>
-        <mc:Fallback xmlns="">
-          <p:sp>
-            <p:nvSpPr>
-              <p:cNvPr id="3" name="Content Placeholder 2"/>
-              <p:cNvSpPr>
-                <a:spLocks noGrp="1" noRot="1" noChangeAspect="1" noMove="1" noResize="1" noEditPoints="1" noAdjustHandles="1" noChangeArrowheads="1" noChangeShapeType="1" noTextEdit="1"/>
-              </p:cNvSpPr>
-              <p:nvPr>
-                <p:ph idx="1"/>
-              </p:nvPr>
-            </p:nvSpPr>
-            <p:spPr>
-              <a:blipFill>
-                <a:blip r:embed="rId2"/>
-                <a:stretch>
-                  <a:fillRect l="-963" t="-2334" b="-1257"/>
-                </a:stretch>
-              </a:blipFill>
-            </p:spPr>
-            <p:txBody>
-              <a:bodyPr/>
-              <a:lstStyle/>
-              <a:p>
-                <a:r>
-                  <a:rPr lang="en-US">
-                    <a:noFill/>
-                  </a:rPr>
-                  <a:t> </a:t>
-                </a:r>
-              </a:p>
-            </p:txBody>
-          </p:sp>
-        </mc:Fallback>
-      </mc:AlternateContent>
-    </p:spTree>
-  </p:cSld>
-  <p:clrMapOvr>
-    <a:masterClrMapping/>
-  </p:clrMapOvr>
-</p:sld>
-</file>
-
 <file path=ppt/slides/slide5.xml><?xml version="1.0" encoding="utf-8"?>
 <p:sld xmlns:a="http://schemas.openxmlformats.org/drawingml/2006/main" xmlns:r="http://schemas.openxmlformats.org/officeDocument/2006/relationships" xmlns:p="http://schemas.openxmlformats.org/presentationml/2006/main">
   <p:cSld>
@@ -15858,6 +18207,943 @@
     <p:extLst>
       <p:ext uri="{BB962C8B-B14F-4D97-AF65-F5344CB8AC3E}">
         <p14:creationId xmlns:p14="http://schemas.microsoft.com/office/powerpoint/2010/main" val="1417896931"/>
+      </p:ext>
+    </p:extLst>
+  </p:cSld>
+  <p:clrMapOvr>
+    <a:masterClrMapping/>
+  </p:clrMapOvr>
+</p:sld>
+</file>
+
+<file path=ppt/slides/slide50.xml><?xml version="1.0" encoding="utf-8"?>
+<p:sld xmlns:a="http://schemas.openxmlformats.org/drawingml/2006/main" xmlns:r="http://schemas.openxmlformats.org/officeDocument/2006/relationships" xmlns:p="http://schemas.openxmlformats.org/presentationml/2006/main">
+  <p:cSld>
+    <p:spTree>
+      <p:nvGrpSpPr>
+        <p:cNvPr id="1" name="">
+          <a:extLst>
+            <a:ext uri="{FF2B5EF4-FFF2-40B4-BE49-F238E27FC236}">
+              <a16:creationId xmlns:a16="http://schemas.microsoft.com/office/drawing/2014/main" id="{FF73BC7C-4132-F9BF-73C9-6FF072E56BA6}"/>
+            </a:ext>
+          </a:extLst>
+        </p:cNvPr>
+        <p:cNvGrpSpPr/>
+        <p:nvPr/>
+      </p:nvGrpSpPr>
+      <p:grpSpPr>
+        <a:xfrm>
+          <a:off x="0" y="0"/>
+          <a:ext cx="0" cy="0"/>
+          <a:chOff x="0" y="0"/>
+          <a:chExt cx="0" cy="0"/>
+        </a:xfrm>
+      </p:grpSpPr>
+      <p:pic>
+        <p:nvPicPr>
+          <p:cNvPr id="20" name="Picture 19">
+            <a:extLst>
+              <a:ext uri="{FF2B5EF4-FFF2-40B4-BE49-F238E27FC236}">
+                <a16:creationId xmlns:a16="http://schemas.microsoft.com/office/drawing/2014/main" id="{65DFE41B-4B1A-88E0-8623-0BFC0D995C4C}"/>
+              </a:ext>
+            </a:extLst>
+          </p:cNvPr>
+          <p:cNvPicPr>
+            <a:picLocks noChangeAspect="1"/>
+          </p:cNvPicPr>
+          <p:nvPr/>
+        </p:nvPicPr>
+        <p:blipFill>
+          <a:blip r:embed="rId2"/>
+          <a:stretch>
+            <a:fillRect/>
+          </a:stretch>
+        </p:blipFill>
+        <p:spPr>
+          <a:xfrm>
+            <a:off x="4846320" y="2666731"/>
+            <a:ext cx="4268141" cy="2148911"/>
+          </a:xfrm>
+          <a:prstGeom prst="rect">
+            <a:avLst/>
+          </a:prstGeom>
+        </p:spPr>
+      </p:pic>
+      <p:pic>
+        <p:nvPicPr>
+          <p:cNvPr id="22" name="Picture 21">
+            <a:extLst>
+              <a:ext uri="{FF2B5EF4-FFF2-40B4-BE49-F238E27FC236}">
+                <a16:creationId xmlns:a16="http://schemas.microsoft.com/office/drawing/2014/main" id="{2277FCA9-F3A2-9438-BB04-EC1EABF86172}"/>
+              </a:ext>
+            </a:extLst>
+          </p:cNvPr>
+          <p:cNvPicPr>
+            <a:picLocks noChangeAspect="1"/>
+          </p:cNvPicPr>
+          <p:nvPr/>
+        </p:nvPicPr>
+        <p:blipFill>
+          <a:blip r:embed="rId3"/>
+          <a:stretch>
+            <a:fillRect/>
+          </a:stretch>
+        </p:blipFill>
+        <p:spPr>
+          <a:xfrm>
+            <a:off x="92854" y="2330036"/>
+            <a:ext cx="3814127" cy="2484722"/>
+          </a:xfrm>
+          <a:prstGeom prst="rect">
+            <a:avLst/>
+          </a:prstGeom>
+        </p:spPr>
+      </p:pic>
+      <p:sp>
+        <p:nvSpPr>
+          <p:cNvPr id="2" name="Title 1">
+            <a:extLst>
+              <a:ext uri="{FF2B5EF4-FFF2-40B4-BE49-F238E27FC236}">
+                <a16:creationId xmlns:a16="http://schemas.microsoft.com/office/drawing/2014/main" id="{A1186D12-1D29-E74D-3770-528A7210F246}"/>
+              </a:ext>
+            </a:extLst>
+          </p:cNvPr>
+          <p:cNvSpPr>
+            <a:spLocks noGrp="1"/>
+          </p:cNvSpPr>
+          <p:nvPr>
+            <p:ph type="title"/>
+          </p:nvPr>
+        </p:nvSpPr>
+        <p:spPr>
+          <a:xfrm>
+            <a:off x="457201" y="204787"/>
+            <a:ext cx="8441574" cy="451918"/>
+          </a:xfrm>
+        </p:spPr>
+        <p:txBody>
+          <a:bodyPr>
+            <a:noAutofit/>
+          </a:bodyPr>
+          <a:lstStyle/>
+          <a:p>
+            <a:pPr marL="0" lvl="0" indent="0" algn="ctr">
+              <a:buNone/>
+            </a:pPr>
+            <a:r>
+              <a:rPr lang="en-US" sz="3200" b="0" dirty="0"/>
+              <a:t>Example: </a:t>
+            </a:r>
+            <a:r>
+              <a:rPr sz="3200" b="0" dirty="0"/>
+              <a:t>Dealing With Outliers</a:t>
+            </a:r>
+          </a:p>
+        </p:txBody>
+      </p:sp>
+      <p:sp>
+        <p:nvSpPr>
+          <p:cNvPr id="4" name="Text Placeholder 3">
+            <a:extLst>
+              <a:ext uri="{FF2B5EF4-FFF2-40B4-BE49-F238E27FC236}">
+                <a16:creationId xmlns:a16="http://schemas.microsoft.com/office/drawing/2014/main" id="{37BABFE9-928B-07B0-9586-78B6BB6361DC}"/>
+              </a:ext>
+            </a:extLst>
+          </p:cNvPr>
+          <p:cNvSpPr>
+            <a:spLocks noGrp="1"/>
+          </p:cNvSpPr>
+          <p:nvPr>
+            <p:ph type="body" sz="half" idx="2"/>
+          </p:nvPr>
+        </p:nvSpPr>
+        <p:spPr>
+          <a:xfrm>
+            <a:off x="384466" y="812602"/>
+            <a:ext cx="8381305" cy="1258356"/>
+          </a:xfrm>
+        </p:spPr>
+        <p:txBody>
+          <a:bodyPr>
+            <a:normAutofit/>
+          </a:bodyPr>
+          <a:lstStyle/>
+          <a:p>
+            <a:pPr marL="0" lvl="0" indent="0">
+              <a:buNone/>
+            </a:pPr>
+            <a:r>
+              <a:rPr sz="2000" dirty="0"/>
+              <a:t>Example: </a:t>
+            </a:r>
+            <a:r>
+              <a:rPr lang="en-US" sz="2000" dirty="0"/>
+              <a:t>Comparing </a:t>
+            </a:r>
+            <a:r>
+              <a:rPr sz="2000" dirty="0"/>
+              <a:t>regression </a:t>
+            </a:r>
+            <a:r>
+              <a:rPr lang="en-US" sz="2000" dirty="0"/>
+              <a:t>Results</a:t>
+            </a:r>
+          </a:p>
+          <a:p>
+            <a:pPr marL="342900" lvl="0" indent="-342900">
+              <a:buFont typeface="Arial" panose="020B0604020202020204" pitchFamily="34" charset="0"/>
+              <a:buChar char="•"/>
+            </a:pPr>
+            <a:r>
+              <a:rPr lang="en-US" sz="2000" dirty="0"/>
+              <a:t>The slope coefficients are noticeably different   </a:t>
+            </a:r>
+          </a:p>
+          <a:p>
+            <a:pPr marL="342900" lvl="0" indent="-342900">
+              <a:buFont typeface="Arial" panose="020B0604020202020204" pitchFamily="34" charset="0"/>
+              <a:buChar char="•"/>
+            </a:pPr>
+            <a:r>
+              <a:rPr lang="en-US" sz="2000" dirty="0"/>
+              <a:t>From the confidence intervals the differences are not statistically significant</a:t>
+            </a:r>
+            <a:endParaRPr lang="en-US" sz="1850" dirty="0"/>
+          </a:p>
+        </p:txBody>
+      </p:sp>
+      <p:cxnSp>
+        <p:nvCxnSpPr>
+          <p:cNvPr id="10" name="Straight Arrow Connector 9">
+            <a:extLst>
+              <a:ext uri="{FF2B5EF4-FFF2-40B4-BE49-F238E27FC236}">
+                <a16:creationId xmlns:a16="http://schemas.microsoft.com/office/drawing/2014/main" id="{EE546D69-0BFA-B326-23C5-05752DD2FEF7}"/>
+              </a:ext>
+            </a:extLst>
+          </p:cNvPr>
+          <p:cNvCxnSpPr>
+            <a:cxnSpLocks/>
+          </p:cNvCxnSpPr>
+          <p:nvPr/>
+        </p:nvCxnSpPr>
+        <p:spPr>
+          <a:xfrm flipH="1" flipV="1">
+            <a:off x="1176251" y="4048408"/>
+            <a:ext cx="4434840" cy="598407"/>
+          </a:xfrm>
+          <a:prstGeom prst="straightConnector1">
+            <a:avLst/>
+          </a:prstGeom>
+          <a:ln w="38100">
+            <a:solidFill>
+              <a:srgbClr val="C00000"/>
+            </a:solidFill>
+            <a:headEnd type="triangle"/>
+            <a:tailEnd type="triangle"/>
+          </a:ln>
+        </p:spPr>
+        <p:style>
+          <a:lnRef idx="2">
+            <a:schemeClr val="accent1"/>
+          </a:lnRef>
+          <a:fillRef idx="0">
+            <a:schemeClr val="accent1"/>
+          </a:fillRef>
+          <a:effectRef idx="1">
+            <a:schemeClr val="accent1"/>
+          </a:effectRef>
+          <a:fontRef idx="minor">
+            <a:schemeClr val="tx1"/>
+          </a:fontRef>
+        </p:style>
+      </p:cxnSp>
+      <p:sp>
+        <p:nvSpPr>
+          <p:cNvPr id="11" name="TextBox 3">
+            <a:extLst>
+              <a:ext uri="{FF2B5EF4-FFF2-40B4-BE49-F238E27FC236}">
+                <a16:creationId xmlns:a16="http://schemas.microsoft.com/office/drawing/2014/main" id="{11B523AB-B324-7300-A087-98CC3802CD0D}"/>
+              </a:ext>
+            </a:extLst>
+          </p:cNvPr>
+          <p:cNvSpPr txBox="1"/>
+          <p:nvPr/>
+        </p:nvSpPr>
+        <p:spPr>
+          <a:xfrm>
+            <a:off x="315884" y="4739781"/>
+            <a:ext cx="4039985" cy="339098"/>
+          </a:xfrm>
+          <a:prstGeom prst="rect">
+            <a:avLst/>
+          </a:prstGeom>
+          <a:noFill/>
+        </p:spPr>
+        <p:txBody>
+          <a:bodyPr/>
+          <a:lstStyle/>
+          <a:p>
+            <a:pPr marL="0" lvl="0" indent="0" algn="ctr">
+              <a:buNone/>
+            </a:pPr>
+            <a:r>
+              <a:rPr lang="en-US" dirty="0"/>
+              <a:t>Summary of OLS regression</a:t>
+            </a:r>
+            <a:endParaRPr dirty="0"/>
+          </a:p>
+        </p:txBody>
+      </p:sp>
+      <p:sp>
+        <p:nvSpPr>
+          <p:cNvPr id="12" name="TextBox 3">
+            <a:extLst>
+              <a:ext uri="{FF2B5EF4-FFF2-40B4-BE49-F238E27FC236}">
+                <a16:creationId xmlns:a16="http://schemas.microsoft.com/office/drawing/2014/main" id="{15F8500F-2377-3261-55E2-94C4F1B60EB3}"/>
+              </a:ext>
+            </a:extLst>
+          </p:cNvPr>
+          <p:cNvSpPr txBox="1"/>
+          <p:nvPr/>
+        </p:nvSpPr>
+        <p:spPr>
+          <a:xfrm>
+            <a:off x="4962700" y="4739781"/>
+            <a:ext cx="4039985" cy="339098"/>
+          </a:xfrm>
+          <a:prstGeom prst="rect">
+            <a:avLst/>
+          </a:prstGeom>
+          <a:noFill/>
+        </p:spPr>
+        <p:txBody>
+          <a:bodyPr/>
+          <a:lstStyle/>
+          <a:p>
+            <a:pPr marL="0" lvl="0" indent="0" algn="ctr">
+              <a:buNone/>
+            </a:pPr>
+            <a:r>
+              <a:rPr lang="en-US" dirty="0"/>
+              <a:t>Summary of Huber regression</a:t>
+            </a:r>
+            <a:endParaRPr dirty="0"/>
+          </a:p>
+        </p:txBody>
+      </p:sp>
+      <p:cxnSp>
+        <p:nvCxnSpPr>
+          <p:cNvPr id="25" name="Straight Arrow Connector 24">
+            <a:extLst>
+              <a:ext uri="{FF2B5EF4-FFF2-40B4-BE49-F238E27FC236}">
+                <a16:creationId xmlns:a16="http://schemas.microsoft.com/office/drawing/2014/main" id="{38EC46BB-C537-054C-7C27-6F534DE125C6}"/>
+              </a:ext>
+            </a:extLst>
+          </p:cNvPr>
+          <p:cNvCxnSpPr>
+            <a:cxnSpLocks/>
+          </p:cNvCxnSpPr>
+          <p:nvPr/>
+        </p:nvCxnSpPr>
+        <p:spPr>
+          <a:xfrm flipH="1" flipV="1">
+            <a:off x="3890134" y="4019204"/>
+            <a:ext cx="4231761" cy="551769"/>
+          </a:xfrm>
+          <a:prstGeom prst="straightConnector1">
+            <a:avLst/>
+          </a:prstGeom>
+          <a:ln w="38100">
+            <a:solidFill>
+              <a:srgbClr val="C00000"/>
+            </a:solidFill>
+            <a:headEnd type="triangle"/>
+            <a:tailEnd type="triangle"/>
+          </a:ln>
+        </p:spPr>
+        <p:style>
+          <a:lnRef idx="2">
+            <a:schemeClr val="accent1"/>
+          </a:lnRef>
+          <a:fillRef idx="0">
+            <a:schemeClr val="accent1"/>
+          </a:fillRef>
+          <a:effectRef idx="1">
+            <a:schemeClr val="accent1"/>
+          </a:effectRef>
+          <a:fontRef idx="minor">
+            <a:schemeClr val="tx1"/>
+          </a:fontRef>
+        </p:style>
+      </p:cxnSp>
+    </p:spTree>
+    <p:extLst>
+      <p:ext uri="{BB962C8B-B14F-4D97-AF65-F5344CB8AC3E}">
+        <p14:creationId xmlns:p14="http://schemas.microsoft.com/office/powerpoint/2010/main" val="1315233058"/>
+      </p:ext>
+    </p:extLst>
+  </p:cSld>
+  <p:clrMapOvr>
+    <a:masterClrMapping/>
+  </p:clrMapOvr>
+</p:sld>
+</file>
+
+<file path=ppt/slides/slide51.xml><?xml version="1.0" encoding="utf-8"?>
+<p:sld xmlns:a="http://schemas.openxmlformats.org/drawingml/2006/main" xmlns:r="http://schemas.openxmlformats.org/officeDocument/2006/relationships" xmlns:p="http://schemas.openxmlformats.org/presentationml/2006/main">
+  <p:cSld>
+    <p:spTree>
+      <p:nvGrpSpPr>
+        <p:cNvPr id="1" name="">
+          <a:extLst>
+            <a:ext uri="{FF2B5EF4-FFF2-40B4-BE49-F238E27FC236}">
+              <a16:creationId xmlns:a16="http://schemas.microsoft.com/office/drawing/2014/main" id="{D0EEAF9E-E131-F0C3-03A1-6AAB91ED789F}"/>
+            </a:ext>
+          </a:extLst>
+        </p:cNvPr>
+        <p:cNvGrpSpPr/>
+        <p:nvPr/>
+      </p:nvGrpSpPr>
+      <p:grpSpPr>
+        <a:xfrm>
+          <a:off x="0" y="0"/>
+          <a:ext cx="0" cy="0"/>
+          <a:chOff x="0" y="0"/>
+          <a:chExt cx="0" cy="0"/>
+        </a:xfrm>
+      </p:grpSpPr>
+      <p:pic>
+        <p:nvPicPr>
+          <p:cNvPr id="5" name="Picture 4">
+            <a:extLst>
+              <a:ext uri="{FF2B5EF4-FFF2-40B4-BE49-F238E27FC236}">
+                <a16:creationId xmlns:a16="http://schemas.microsoft.com/office/drawing/2014/main" id="{15C2B34F-9E29-6C61-590B-E0F6C83E4FFB}"/>
+              </a:ext>
+            </a:extLst>
+          </p:cNvPr>
+          <p:cNvPicPr>
+            <a:picLocks noChangeAspect="1"/>
+          </p:cNvPicPr>
+          <p:nvPr/>
+        </p:nvPicPr>
+        <p:blipFill>
+          <a:blip r:embed="rId2"/>
+          <a:stretch>
+            <a:fillRect/>
+          </a:stretch>
+        </p:blipFill>
+        <p:spPr>
+          <a:xfrm>
+            <a:off x="130957" y="2766612"/>
+            <a:ext cx="4285178" cy="1989794"/>
+          </a:xfrm>
+          <a:prstGeom prst="rect">
+            <a:avLst/>
+          </a:prstGeom>
+        </p:spPr>
+      </p:pic>
+      <p:pic>
+        <p:nvPicPr>
+          <p:cNvPr id="9" name="Picture 8">
+            <a:extLst>
+              <a:ext uri="{FF2B5EF4-FFF2-40B4-BE49-F238E27FC236}">
+                <a16:creationId xmlns:a16="http://schemas.microsoft.com/office/drawing/2014/main" id="{5944E973-488F-7053-DA64-3B1CEDD2364B}"/>
+              </a:ext>
+            </a:extLst>
+          </p:cNvPr>
+          <p:cNvPicPr>
+            <a:picLocks noChangeAspect="1"/>
+          </p:cNvPicPr>
+          <p:nvPr/>
+        </p:nvPicPr>
+        <p:blipFill>
+          <a:blip r:embed="rId3"/>
+          <a:stretch>
+            <a:fillRect/>
+          </a:stretch>
+        </p:blipFill>
+        <p:spPr>
+          <a:xfrm>
+            <a:off x="4741721" y="2800951"/>
+            <a:ext cx="4343399" cy="1983462"/>
+          </a:xfrm>
+          <a:prstGeom prst="rect">
+            <a:avLst/>
+          </a:prstGeom>
+        </p:spPr>
+      </p:pic>
+      <p:sp>
+        <p:nvSpPr>
+          <p:cNvPr id="2" name="Title 1">
+            <a:extLst>
+              <a:ext uri="{FF2B5EF4-FFF2-40B4-BE49-F238E27FC236}">
+                <a16:creationId xmlns:a16="http://schemas.microsoft.com/office/drawing/2014/main" id="{5803BA09-1D96-56F0-7A49-EF53E7271960}"/>
+              </a:ext>
+            </a:extLst>
+          </p:cNvPr>
+          <p:cNvSpPr>
+            <a:spLocks noGrp="1"/>
+          </p:cNvSpPr>
+          <p:nvPr>
+            <p:ph type="title"/>
+          </p:nvPr>
+        </p:nvSpPr>
+        <p:spPr>
+          <a:xfrm>
+            <a:off x="457201" y="204787"/>
+            <a:ext cx="8441574" cy="451918"/>
+          </a:xfrm>
+        </p:spPr>
+        <p:txBody>
+          <a:bodyPr>
+            <a:noAutofit/>
+          </a:bodyPr>
+          <a:lstStyle/>
+          <a:p>
+            <a:pPr marL="0" lvl="0" indent="0" algn="ctr">
+              <a:buNone/>
+            </a:pPr>
+            <a:r>
+              <a:rPr lang="en-US" sz="3200" b="0" dirty="0"/>
+              <a:t>Example: </a:t>
+            </a:r>
+            <a:r>
+              <a:rPr sz="3200" b="0" dirty="0"/>
+              <a:t>Dealing With Outliers</a:t>
+            </a:r>
+          </a:p>
+        </p:txBody>
+      </p:sp>
+      <p:sp>
+        <p:nvSpPr>
+          <p:cNvPr id="4" name="Text Placeholder 3">
+            <a:extLst>
+              <a:ext uri="{FF2B5EF4-FFF2-40B4-BE49-F238E27FC236}">
+                <a16:creationId xmlns:a16="http://schemas.microsoft.com/office/drawing/2014/main" id="{434B25F9-4133-A498-4747-D43DC52DF25D}"/>
+              </a:ext>
+            </a:extLst>
+          </p:cNvPr>
+          <p:cNvSpPr>
+            <a:spLocks noGrp="1"/>
+          </p:cNvSpPr>
+          <p:nvPr>
+            <p:ph type="body" sz="half" idx="2"/>
+          </p:nvPr>
+        </p:nvSpPr>
+        <p:spPr>
+          <a:xfrm>
+            <a:off x="384466" y="812601"/>
+            <a:ext cx="8381305" cy="1700473"/>
+          </a:xfrm>
+        </p:spPr>
+        <p:txBody>
+          <a:bodyPr>
+            <a:normAutofit/>
+          </a:bodyPr>
+          <a:lstStyle/>
+          <a:p>
+            <a:pPr marL="0" lvl="0" indent="0">
+              <a:buNone/>
+            </a:pPr>
+            <a:r>
+              <a:rPr sz="2000" dirty="0"/>
+              <a:t>Example: </a:t>
+            </a:r>
+            <a:r>
+              <a:rPr lang="en-US" sz="2000" dirty="0"/>
+              <a:t>Comparing </a:t>
+            </a:r>
+            <a:r>
+              <a:rPr sz="2000" dirty="0"/>
+              <a:t>regression </a:t>
+            </a:r>
+            <a:r>
+              <a:rPr lang="en-US" sz="2000" dirty="0"/>
+              <a:t>Results</a:t>
+            </a:r>
+          </a:p>
+          <a:p>
+            <a:pPr marL="342900" lvl="0" indent="-342900">
+              <a:buFont typeface="Arial" panose="020B0604020202020204" pitchFamily="34" charset="0"/>
+              <a:buChar char="•"/>
+            </a:pPr>
+            <a:r>
+              <a:rPr lang="en-US" sz="2000" dirty="0"/>
+              <a:t>The residuals are nearly identical for the two models  </a:t>
+            </a:r>
+          </a:p>
+          <a:p>
+            <a:pPr marL="342900" lvl="0" indent="-342900">
+              <a:buFont typeface="Arial" panose="020B0604020202020204" pitchFamily="34" charset="0"/>
+              <a:buChar char="•"/>
+            </a:pPr>
+            <a:r>
+              <a:rPr lang="en-US" sz="2000" dirty="0"/>
+              <a:t>The residuals are near normal except of an obvious outlier   </a:t>
+            </a:r>
+          </a:p>
+          <a:p>
+            <a:pPr marL="685800" lvl="1" indent="-342900">
+              <a:buFont typeface="Arial" panose="020B0604020202020204" pitchFamily="34" charset="0"/>
+              <a:buChar char="•"/>
+            </a:pPr>
+            <a:r>
+              <a:rPr lang="en-US" sz="1850" dirty="0"/>
+              <a:t>Note the near straight line of the quantiles in the Q-Q plots</a:t>
+            </a:r>
+          </a:p>
+        </p:txBody>
+      </p:sp>
+      <p:cxnSp>
+        <p:nvCxnSpPr>
+          <p:cNvPr id="7" name="Straight Arrow Connector 6">
+            <a:extLst>
+              <a:ext uri="{FF2B5EF4-FFF2-40B4-BE49-F238E27FC236}">
+                <a16:creationId xmlns:a16="http://schemas.microsoft.com/office/drawing/2014/main" id="{5C057CED-0346-FB0A-CCF9-806C190E1E3D}"/>
+              </a:ext>
+            </a:extLst>
+          </p:cNvPr>
+          <p:cNvCxnSpPr>
+            <a:cxnSpLocks/>
+          </p:cNvCxnSpPr>
+          <p:nvPr/>
+        </p:nvCxnSpPr>
+        <p:spPr>
+          <a:xfrm>
+            <a:off x="5498869" y="2256905"/>
+            <a:ext cx="2244436" cy="1034935"/>
+          </a:xfrm>
+          <a:prstGeom prst="straightConnector1">
+            <a:avLst/>
+          </a:prstGeom>
+          <a:ln w="38100">
+            <a:solidFill>
+              <a:srgbClr val="C00000"/>
+            </a:solidFill>
+            <a:tailEnd type="triangle"/>
+          </a:ln>
+        </p:spPr>
+        <p:style>
+          <a:lnRef idx="2">
+            <a:schemeClr val="accent1"/>
+          </a:lnRef>
+          <a:fillRef idx="0">
+            <a:schemeClr val="accent1"/>
+          </a:fillRef>
+          <a:effectRef idx="1">
+            <a:schemeClr val="accent1"/>
+          </a:effectRef>
+          <a:fontRef idx="minor">
+            <a:schemeClr val="tx1"/>
+          </a:fontRef>
+        </p:style>
+      </p:cxnSp>
+      <p:cxnSp>
+        <p:nvCxnSpPr>
+          <p:cNvPr id="10" name="Straight Arrow Connector 9">
+            <a:extLst>
+              <a:ext uri="{FF2B5EF4-FFF2-40B4-BE49-F238E27FC236}">
+                <a16:creationId xmlns:a16="http://schemas.microsoft.com/office/drawing/2014/main" id="{9577A427-DC4E-77FF-300F-D12C69CE9D76}"/>
+              </a:ext>
+            </a:extLst>
+          </p:cNvPr>
+          <p:cNvCxnSpPr>
+            <a:cxnSpLocks/>
+          </p:cNvCxnSpPr>
+          <p:nvPr/>
+        </p:nvCxnSpPr>
+        <p:spPr>
+          <a:xfrm flipH="1">
+            <a:off x="2975956" y="2256905"/>
+            <a:ext cx="1765765" cy="1068624"/>
+          </a:xfrm>
+          <a:prstGeom prst="straightConnector1">
+            <a:avLst/>
+          </a:prstGeom>
+          <a:ln w="38100">
+            <a:solidFill>
+              <a:srgbClr val="C00000"/>
+            </a:solidFill>
+            <a:tailEnd type="triangle"/>
+          </a:ln>
+        </p:spPr>
+        <p:style>
+          <a:lnRef idx="2">
+            <a:schemeClr val="accent1"/>
+          </a:lnRef>
+          <a:fillRef idx="0">
+            <a:schemeClr val="accent1"/>
+          </a:fillRef>
+          <a:effectRef idx="1">
+            <a:schemeClr val="accent1"/>
+          </a:effectRef>
+          <a:fontRef idx="minor">
+            <a:schemeClr val="tx1"/>
+          </a:fontRef>
+        </p:style>
+      </p:cxnSp>
+      <p:sp>
+        <p:nvSpPr>
+          <p:cNvPr id="11" name="TextBox 3">
+            <a:extLst>
+              <a:ext uri="{FF2B5EF4-FFF2-40B4-BE49-F238E27FC236}">
+                <a16:creationId xmlns:a16="http://schemas.microsoft.com/office/drawing/2014/main" id="{19F19E4A-F907-2352-F4F0-0986610A093C}"/>
+              </a:ext>
+            </a:extLst>
+          </p:cNvPr>
+          <p:cNvSpPr txBox="1"/>
+          <p:nvPr/>
+        </p:nvSpPr>
+        <p:spPr>
+          <a:xfrm>
+            <a:off x="315884" y="4739781"/>
+            <a:ext cx="4039985" cy="339098"/>
+          </a:xfrm>
+          <a:prstGeom prst="rect">
+            <a:avLst/>
+          </a:prstGeom>
+          <a:noFill/>
+        </p:spPr>
+        <p:txBody>
+          <a:bodyPr/>
+          <a:lstStyle/>
+          <a:p>
+            <a:pPr marL="0" lvl="0" indent="0" algn="ctr">
+              <a:buNone/>
+            </a:pPr>
+            <a:r>
+              <a:rPr lang="en-US" dirty="0"/>
+              <a:t>Residuals of OLS regression</a:t>
+            </a:r>
+            <a:endParaRPr dirty="0"/>
+          </a:p>
+        </p:txBody>
+      </p:sp>
+      <p:sp>
+        <p:nvSpPr>
+          <p:cNvPr id="12" name="TextBox 3">
+            <a:extLst>
+              <a:ext uri="{FF2B5EF4-FFF2-40B4-BE49-F238E27FC236}">
+                <a16:creationId xmlns:a16="http://schemas.microsoft.com/office/drawing/2014/main" id="{1B6DAC9B-0782-94FD-2021-4FCB0D720768}"/>
+              </a:ext>
+            </a:extLst>
+          </p:cNvPr>
+          <p:cNvSpPr txBox="1"/>
+          <p:nvPr/>
+        </p:nvSpPr>
+        <p:spPr>
+          <a:xfrm>
+            <a:off x="4962700" y="4739781"/>
+            <a:ext cx="4039985" cy="339098"/>
+          </a:xfrm>
+          <a:prstGeom prst="rect">
+            <a:avLst/>
+          </a:prstGeom>
+          <a:noFill/>
+        </p:spPr>
+        <p:txBody>
+          <a:bodyPr/>
+          <a:lstStyle/>
+          <a:p>
+            <a:pPr marL="0" lvl="0" indent="0" algn="ctr">
+              <a:buNone/>
+            </a:pPr>
+            <a:r>
+              <a:rPr lang="en-US" dirty="0"/>
+              <a:t>Residuals of Huber regression</a:t>
+            </a:r>
+            <a:endParaRPr dirty="0"/>
+          </a:p>
+        </p:txBody>
+      </p:sp>
+    </p:spTree>
+    <p:extLst>
+      <p:ext uri="{BB962C8B-B14F-4D97-AF65-F5344CB8AC3E}">
+        <p14:creationId xmlns:p14="http://schemas.microsoft.com/office/powerpoint/2010/main" val="3942048455"/>
+      </p:ext>
+    </p:extLst>
+  </p:cSld>
+  <p:clrMapOvr>
+    <a:masterClrMapping/>
+  </p:clrMapOvr>
+</p:sld>
+</file>
+
+<file path=ppt/slides/slide52.xml><?xml version="1.0" encoding="utf-8"?>
+<p:sld xmlns:a="http://schemas.openxmlformats.org/drawingml/2006/main" xmlns:r="http://schemas.openxmlformats.org/officeDocument/2006/relationships" xmlns:p="http://schemas.openxmlformats.org/presentationml/2006/main">
+  <p:cSld>
+    <p:spTree>
+      <p:nvGrpSpPr>
+        <p:cNvPr id="1" name="">
+          <a:extLst>
+            <a:ext uri="{FF2B5EF4-FFF2-40B4-BE49-F238E27FC236}">
+              <a16:creationId xmlns:a16="http://schemas.microsoft.com/office/drawing/2014/main" id="{F00654A4-438A-3598-2173-713F8FD131C8}"/>
+            </a:ext>
+          </a:extLst>
+        </p:cNvPr>
+        <p:cNvGrpSpPr/>
+        <p:nvPr/>
+      </p:nvGrpSpPr>
+      <p:grpSpPr>
+        <a:xfrm>
+          <a:off x="0" y="0"/>
+          <a:ext cx="0" cy="0"/>
+          <a:chOff x="0" y="0"/>
+          <a:chExt cx="0" cy="0"/>
+        </a:xfrm>
+      </p:grpSpPr>
+      <p:sp>
+        <p:nvSpPr>
+          <p:cNvPr id="2" name="Title 1">
+            <a:extLst>
+              <a:ext uri="{FF2B5EF4-FFF2-40B4-BE49-F238E27FC236}">
+                <a16:creationId xmlns:a16="http://schemas.microsoft.com/office/drawing/2014/main" id="{05364BA0-F13E-AC4D-C2C3-E5DD3FB75BC3}"/>
+              </a:ext>
+            </a:extLst>
+          </p:cNvPr>
+          <p:cNvSpPr>
+            <a:spLocks noGrp="1"/>
+          </p:cNvSpPr>
+          <p:nvPr>
+            <p:ph type="title"/>
+          </p:nvPr>
+        </p:nvSpPr>
+        <p:spPr/>
+        <p:txBody>
+          <a:bodyPr/>
+          <a:lstStyle/>
+          <a:p>
+            <a:pPr marL="0" lvl="0" indent="0">
+              <a:buNone/>
+            </a:pPr>
+            <a:r>
+              <a:rPr lang="en-US" dirty="0"/>
+              <a:t>Summary</a:t>
+            </a:r>
+            <a:endParaRPr dirty="0"/>
+          </a:p>
+        </p:txBody>
+      </p:sp>
+      <p:sp>
+        <p:nvSpPr>
+          <p:cNvPr id="3" name="Content Placeholder 2">
+            <a:extLst>
+              <a:ext uri="{FF2B5EF4-FFF2-40B4-BE49-F238E27FC236}">
+                <a16:creationId xmlns:a16="http://schemas.microsoft.com/office/drawing/2014/main" id="{97700005-97A5-AC99-D88A-30B0414207A1}"/>
+              </a:ext>
+            </a:extLst>
+          </p:cNvPr>
+          <p:cNvSpPr>
+            <a:spLocks noGrp="1"/>
+          </p:cNvSpPr>
+          <p:nvPr>
+            <p:ph idx="1"/>
+          </p:nvPr>
+        </p:nvSpPr>
+        <p:spPr/>
+        <p:txBody>
+          <a:bodyPr>
+            <a:normAutofit fontScale="85000" lnSpcReduction="20000"/>
+          </a:bodyPr>
+          <a:lstStyle/>
+          <a:p>
+            <a:pPr marL="0" lvl="0" indent="0">
+              <a:buNone/>
+            </a:pPr>
+            <a:r>
+              <a:rPr lang="en-US" dirty="0"/>
+              <a:t>Several commonly encountered data problems create problems for OLS and GLM models</a:t>
+            </a:r>
+            <a:endParaRPr dirty="0"/>
+          </a:p>
+          <a:p>
+            <a:pPr lvl="0"/>
+            <a:r>
+              <a:rPr lang="en-US" b="1" dirty="0"/>
+              <a:t>Zero inflated response variables </a:t>
+            </a:r>
+            <a:r>
+              <a:rPr lang="en-US" dirty="0"/>
+              <a:t>have an unusual number of zero values   </a:t>
+            </a:r>
+          </a:p>
+          <a:p>
+            <a:pPr lvl="1"/>
+            <a:r>
+              <a:rPr lang="en-US" dirty="0"/>
+              <a:t>Use a </a:t>
+            </a:r>
+            <a:r>
+              <a:rPr lang="en-US" b="1" dirty="0"/>
+              <a:t>mixture model </a:t>
+            </a:r>
+            <a:r>
+              <a:rPr lang="en-US" dirty="0"/>
+              <a:t>to switch between a binomial and another distribution</a:t>
+            </a:r>
+          </a:p>
+          <a:p>
+            <a:pPr lvl="0"/>
+            <a:r>
+              <a:rPr lang="en-US" b="1" dirty="0"/>
+              <a:t>Over-dispersed response variables </a:t>
+            </a:r>
+            <a:r>
+              <a:rPr lang="en-US" dirty="0"/>
+              <a:t>have a long (typically right) tail </a:t>
+            </a:r>
+          </a:p>
+          <a:p>
+            <a:pPr lvl="1"/>
+            <a:r>
+              <a:rPr lang="en-US" dirty="0"/>
+              <a:t>Apply models with distributions and mixtures that account for large low probability responses </a:t>
+            </a:r>
+          </a:p>
+          <a:p>
+            <a:pPr lvl="0"/>
+            <a:r>
+              <a:rPr lang="en-US" b="1" dirty="0"/>
+              <a:t>Outliers in independent variables </a:t>
+            </a:r>
+            <a:r>
+              <a:rPr lang="en-US" dirty="0"/>
+              <a:t>have an undue influence on OLS and GLM models </a:t>
+            </a:r>
+          </a:p>
+          <a:p>
+            <a:pPr lvl="1"/>
+            <a:r>
+              <a:rPr lang="en-US" dirty="0"/>
+              <a:t>Robust regression models </a:t>
+            </a:r>
+            <a:r>
+              <a:rPr lang="en-US" b="1" dirty="0"/>
+              <a:t>limit the influence of outliers </a:t>
+            </a:r>
+            <a:r>
+              <a:rPr lang="en-US" dirty="0"/>
+              <a:t>on the response </a:t>
+            </a:r>
+          </a:p>
+          <a:p>
+            <a:pPr lvl="0"/>
+            <a:r>
+              <a:rPr lang="en-US"/>
+              <a:t>Extend the </a:t>
+            </a:r>
+            <a:r>
+              <a:rPr lang="en-US" dirty="0"/>
+              <a:t>OLS and GLM frameworks to deal with these situations  </a:t>
+            </a:r>
+            <a:endParaRPr dirty="0"/>
+          </a:p>
+        </p:txBody>
+      </p:sp>
+    </p:spTree>
+    <p:extLst>
+      <p:ext uri="{BB962C8B-B14F-4D97-AF65-F5344CB8AC3E}">
+        <p14:creationId xmlns:p14="http://schemas.microsoft.com/office/powerpoint/2010/main" val="3467927400"/>
       </p:ext>
     </p:extLst>
   </p:cSld>
@@ -16019,7 +19305,25 @@
                       <a:rPr lang="en-US" b="0" i="1" smtClean="0">
                         <a:latin typeface="Cambria Math" panose="02040503050406030204" pitchFamily="18" charset="0"/>
                       </a:rPr>
-                      <m:t>=2.0</m:t>
+                      <m:t>=</m:t>
+                    </m:r>
+                    <m:r>
+                      <a:rPr lang="en-US" b="0" i="1" smtClean="0">
+                        <a:latin typeface="Cambria Math" panose="02040503050406030204" pitchFamily="18" charset="0"/>
+                      </a:rPr>
+                      <m:t>2</m:t>
+                    </m:r>
+                    <m:r>
+                      <a:rPr lang="en-US" b="0" i="1" smtClean="0">
+                        <a:latin typeface="Cambria Math" panose="02040503050406030204" pitchFamily="18" charset="0"/>
+                      </a:rPr>
+                      <m:t>.</m:t>
+                    </m:r>
+                    <m:r>
+                      <a:rPr lang="en-US" b="0" i="1" smtClean="0">
+                        <a:latin typeface="Cambria Math" panose="02040503050406030204" pitchFamily="18" charset="0"/>
+                      </a:rPr>
+                      <m:t>0</m:t>
                     </m:r>
                   </m:oMath>
                 </a14:m>

--- a/LectureSlides/10b_ModelsFor OutliersAndOverdispersion.pptx
+++ b/LectureSlides/10b_ModelsFor OutliersAndOverdispersion.pptx
@@ -5,7 +5,7 @@
     <p:sldMasterId id="2147483648" r:id="rId1"/>
   </p:sldMasterIdLst>
   <p:notesMasterIdLst>
-    <p:notesMasterId r:id="rId54"/>
+    <p:notesMasterId r:id="rId55"/>
   </p:notesMasterIdLst>
   <p:sldIdLst>
     <p:sldId id="337" r:id="rId2"/>
@@ -46,20 +46,21 @@
     <p:sldId id="321" r:id="rId37"/>
     <p:sldId id="364" r:id="rId38"/>
     <p:sldId id="365" r:id="rId39"/>
-    <p:sldId id="323" r:id="rId40"/>
-    <p:sldId id="324" r:id="rId41"/>
-    <p:sldId id="326" r:id="rId42"/>
-    <p:sldId id="366" r:id="rId43"/>
-    <p:sldId id="327" r:id="rId44"/>
-    <p:sldId id="328" r:id="rId45"/>
-    <p:sldId id="329" r:id="rId46"/>
-    <p:sldId id="330" r:id="rId47"/>
-    <p:sldId id="331" r:id="rId48"/>
-    <p:sldId id="332" r:id="rId49"/>
-    <p:sldId id="333" r:id="rId50"/>
-    <p:sldId id="367" r:id="rId51"/>
-    <p:sldId id="368" r:id="rId52"/>
-    <p:sldId id="381" r:id="rId53"/>
+    <p:sldId id="382" r:id="rId40"/>
+    <p:sldId id="323" r:id="rId41"/>
+    <p:sldId id="324" r:id="rId42"/>
+    <p:sldId id="326" r:id="rId43"/>
+    <p:sldId id="366" r:id="rId44"/>
+    <p:sldId id="327" r:id="rId45"/>
+    <p:sldId id="328" r:id="rId46"/>
+    <p:sldId id="329" r:id="rId47"/>
+    <p:sldId id="330" r:id="rId48"/>
+    <p:sldId id="331" r:id="rId49"/>
+    <p:sldId id="332" r:id="rId50"/>
+    <p:sldId id="333" r:id="rId51"/>
+    <p:sldId id="367" r:id="rId52"/>
+    <p:sldId id="368" r:id="rId53"/>
+    <p:sldId id="381" r:id="rId54"/>
   </p:sldIdLst>
   <p:sldSz cx="9144000" cy="5143500" type="screen16x9"/>
   <p:notesSz cx="6858000" cy="9144000"/>
@@ -259,7 +260,7 @@
           <a:p>
             <a:fld id="{B45A0028-71D2-4800-AD8E-38BD1BCDF688}" type="datetimeFigureOut">
               <a:rPr lang="en-US" smtClean="0"/>
-              <a:t>10/21/2024</a:t>
+              <a:t>10/29/2024</a:t>
             </a:fld>
             <a:endParaRPr lang="en-US"/>
           </a:p>
@@ -705,7 +706,7 @@
           <a:p>
             <a:fld id="{241EB5C9-1307-BA42-ABA2-0BC069CD8E7F}" type="datetimeFigureOut">
               <a:rPr lang="en-US" smtClean="0"/>
-              <a:t>10/21/2024</a:t>
+              <a:t>10/29/2024</a:t>
             </a:fld>
             <a:endParaRPr lang="en-US"/>
           </a:p>
@@ -873,7 +874,7 @@
           <a:p>
             <a:fld id="{241EB5C9-1307-BA42-ABA2-0BC069CD8E7F}" type="datetimeFigureOut">
               <a:rPr lang="en-US" smtClean="0"/>
-              <a:t>10/21/2024</a:t>
+              <a:t>10/29/2024</a:t>
             </a:fld>
             <a:endParaRPr lang="en-US"/>
           </a:p>
@@ -1051,7 +1052,7 @@
           <a:p>
             <a:fld id="{241EB5C9-1307-BA42-ABA2-0BC069CD8E7F}" type="datetimeFigureOut">
               <a:rPr lang="en-US" smtClean="0"/>
-              <a:t>10/21/2024</a:t>
+              <a:t>10/29/2024</a:t>
             </a:fld>
             <a:endParaRPr lang="en-US"/>
           </a:p>
@@ -1219,7 +1220,7 @@
           <a:p>
             <a:fld id="{241EB5C9-1307-BA42-ABA2-0BC069CD8E7F}" type="datetimeFigureOut">
               <a:rPr lang="en-US" smtClean="0"/>
-              <a:t>10/21/2024</a:t>
+              <a:t>10/29/2024</a:t>
             </a:fld>
             <a:endParaRPr lang="en-US"/>
           </a:p>
@@ -1464,7 +1465,7 @@
           <a:p>
             <a:fld id="{241EB5C9-1307-BA42-ABA2-0BC069CD8E7F}" type="datetimeFigureOut">
               <a:rPr lang="en-US" smtClean="0"/>
-              <a:t>10/21/2024</a:t>
+              <a:t>10/29/2024</a:t>
             </a:fld>
             <a:endParaRPr lang="en-US"/>
           </a:p>
@@ -1749,7 +1750,7 @@
           <a:p>
             <a:fld id="{241EB5C9-1307-BA42-ABA2-0BC069CD8E7F}" type="datetimeFigureOut">
               <a:rPr lang="en-US" smtClean="0"/>
-              <a:t>10/21/2024</a:t>
+              <a:t>10/29/2024</a:t>
             </a:fld>
             <a:endParaRPr lang="en-US"/>
           </a:p>
@@ -2168,7 +2169,7 @@
           <a:p>
             <a:fld id="{241EB5C9-1307-BA42-ABA2-0BC069CD8E7F}" type="datetimeFigureOut">
               <a:rPr lang="en-US" smtClean="0"/>
-              <a:t>10/21/2024</a:t>
+              <a:t>10/29/2024</a:t>
             </a:fld>
             <a:endParaRPr lang="en-US"/>
           </a:p>
@@ -2285,7 +2286,7 @@
           <a:p>
             <a:fld id="{241EB5C9-1307-BA42-ABA2-0BC069CD8E7F}" type="datetimeFigureOut">
               <a:rPr lang="en-US" smtClean="0"/>
-              <a:t>10/21/2024</a:t>
+              <a:t>10/29/2024</a:t>
             </a:fld>
             <a:endParaRPr lang="en-US"/>
           </a:p>
@@ -2380,7 +2381,7 @@
           <a:p>
             <a:fld id="{241EB5C9-1307-BA42-ABA2-0BC069CD8E7F}" type="datetimeFigureOut">
               <a:rPr lang="en-US" smtClean="0"/>
-              <a:t>10/21/2024</a:t>
+              <a:t>10/29/2024</a:t>
             </a:fld>
             <a:endParaRPr lang="en-US"/>
           </a:p>
@@ -2655,7 +2656,7 @@
           <a:p>
             <a:fld id="{241EB5C9-1307-BA42-ABA2-0BC069CD8E7F}" type="datetimeFigureOut">
               <a:rPr lang="en-US" smtClean="0"/>
-              <a:t>10/21/2024</a:t>
+              <a:t>10/29/2024</a:t>
             </a:fld>
             <a:endParaRPr lang="en-US"/>
           </a:p>
@@ -2907,7 +2908,7 @@
           <a:p>
             <a:fld id="{241EB5C9-1307-BA42-ABA2-0BC069CD8E7F}" type="datetimeFigureOut">
               <a:rPr lang="en-US" smtClean="0"/>
-              <a:t>10/21/2024</a:t>
+              <a:t>10/29/2024</a:t>
             </a:fld>
             <a:endParaRPr lang="en-US"/>
           </a:p>
@@ -3118,7 +3119,7 @@
           <a:p>
             <a:fld id="{241EB5C9-1307-BA42-ABA2-0BC069CD8E7F}" type="datetimeFigureOut">
               <a:rPr lang="en-US" smtClean="0"/>
-              <a:t>10/21/2024</a:t>
+              <a:t>10/29/2024</a:t>
             </a:fld>
             <a:endParaRPr lang="en-US"/>
           </a:p>
@@ -4194,113 +4195,227 @@
           </a:p>
         </p:txBody>
       </p:sp>
-      <p:sp>
-        <p:nvSpPr>
-          <p:cNvPr id="3" name="Content Placeholder 2">
-            <a:extLst>
-              <a:ext uri="{FF2B5EF4-FFF2-40B4-BE49-F238E27FC236}">
-                <a16:creationId xmlns:a16="http://schemas.microsoft.com/office/drawing/2014/main" id="{15BB3C24-B2A6-ABAB-74A0-C12FD142248C}"/>
-              </a:ext>
-            </a:extLst>
-          </p:cNvPr>
-          <p:cNvSpPr>
-            <a:spLocks noGrp="1"/>
-          </p:cNvSpPr>
-          <p:nvPr>
-            <p:ph idx="1"/>
-          </p:nvPr>
-        </p:nvSpPr>
-        <p:spPr>
-          <a:xfrm>
-            <a:off x="457200" y="1200151"/>
-            <a:ext cx="8229600" cy="3621976"/>
-          </a:xfrm>
-        </p:spPr>
-        <p:txBody>
-          <a:bodyPr>
-            <a:normAutofit lnSpcReduction="10000"/>
-          </a:bodyPr>
-          <a:lstStyle/>
-          <a:p>
-            <a:pPr marL="0" lvl="0" indent="0">
-              <a:buNone/>
-            </a:pPr>
-            <a:r>
-              <a:rPr lang="en-US" dirty="0"/>
-              <a:t>How can we fit a model with zero inflated distributions?  </a:t>
-            </a:r>
-          </a:p>
-          <a:p>
-            <a:r>
-              <a:rPr lang="en-US" dirty="0"/>
-              <a:t>In some cases, a nearly analytic solution is possible    </a:t>
-            </a:r>
-          </a:p>
-          <a:p>
-            <a:r>
-              <a:rPr lang="en-US" dirty="0"/>
-              <a:t>How can we find a numerical solution? </a:t>
-            </a:r>
-          </a:p>
-          <a:p>
-            <a:pPr lvl="1"/>
-            <a:r>
-              <a:rPr lang="en-US" dirty="0"/>
-              <a:t>Fit parameters of the switching distribution </a:t>
-            </a:r>
-          </a:p>
-          <a:p>
-            <a:pPr lvl="1"/>
-            <a:r>
-              <a:rPr lang="en-US" dirty="0"/>
-              <a:t>Fit parameters of the other distribution </a:t>
-            </a:r>
-          </a:p>
-          <a:p>
-            <a:r>
-              <a:rPr lang="en-US" dirty="0"/>
-              <a:t>Use an iterative solution</a:t>
-            </a:r>
-          </a:p>
-          <a:p>
-            <a:pPr marL="800100" lvl="1" indent="-457200">
-              <a:buFont typeface="+mj-lt"/>
-              <a:buAutoNum type="arabicPeriod"/>
-            </a:pPr>
-            <a:r>
-              <a:rPr lang="en-US" dirty="0"/>
-              <a:t>Estimate parameter(s) of switching distribution  </a:t>
-            </a:r>
-          </a:p>
-          <a:p>
-            <a:pPr marL="800100" lvl="1" indent="-457200">
-              <a:buFont typeface="+mj-lt"/>
-              <a:buAutoNum type="arabicPeriod"/>
-            </a:pPr>
-            <a:r>
-              <a:rPr lang="en-US" dirty="0"/>
-              <a:t>Estimate parameter(s) of other distribution </a:t>
-            </a:r>
-          </a:p>
-          <a:p>
-            <a:pPr marL="800100" lvl="1" indent="-457200">
-              <a:buFont typeface="+mj-lt"/>
-              <a:buAutoNum type="arabicPeriod"/>
-            </a:pPr>
-            <a:r>
-              <a:rPr lang="en-US" dirty="0"/>
-              <a:t>Repeat steps 1 and 2 until convergence  </a:t>
-            </a:r>
-          </a:p>
-          <a:p>
-            <a:endParaRPr lang="en-US" dirty="0"/>
-          </a:p>
-          <a:p>
-            <a:pPr lvl="0"/>
-            <a:endParaRPr dirty="0"/>
-          </a:p>
-        </p:txBody>
-      </p:sp>
+      <mc:AlternateContent xmlns:mc="http://schemas.openxmlformats.org/markup-compatibility/2006">
+        <mc:Choice xmlns:a14="http://schemas.microsoft.com/office/drawing/2010/main" Requires="a14">
+          <p:sp>
+            <p:nvSpPr>
+              <p:cNvPr id="3" name="Content Placeholder 2">
+                <a:extLst>
+                  <a:ext uri="{FF2B5EF4-FFF2-40B4-BE49-F238E27FC236}">
+                    <a16:creationId xmlns:a16="http://schemas.microsoft.com/office/drawing/2014/main" id="{15BB3C24-B2A6-ABAB-74A0-C12FD142248C}"/>
+                  </a:ext>
+                </a:extLst>
+              </p:cNvPr>
+              <p:cNvSpPr>
+                <a:spLocks noGrp="1"/>
+              </p:cNvSpPr>
+              <p:nvPr>
+                <p:ph idx="1"/>
+              </p:nvPr>
+            </p:nvSpPr>
+            <p:spPr>
+              <a:xfrm>
+                <a:off x="457200" y="1200151"/>
+                <a:ext cx="8229600" cy="3621976"/>
+              </a:xfrm>
+            </p:spPr>
+            <p:txBody>
+              <a:bodyPr>
+                <a:normAutofit fontScale="92500" lnSpcReduction="20000"/>
+              </a:bodyPr>
+              <a:lstStyle/>
+              <a:p>
+                <a:pPr marL="0" lvl="0" indent="0">
+                  <a:buNone/>
+                </a:pPr>
+                <a:r>
+                  <a:rPr lang="en-US" dirty="0"/>
+                  <a:t>How can we fit a model with zero inflated distributions?  </a:t>
+                </a:r>
+              </a:p>
+              <a:p>
+                <a:r>
+                  <a:rPr lang="en-US" dirty="0"/>
+                  <a:t>In some cases, a nearly analytic solution is possible    </a:t>
+                </a:r>
+              </a:p>
+              <a:p>
+                <a:r>
+                  <a:rPr lang="en-US" dirty="0"/>
+                  <a:t>How can we find a numerical solution? </a:t>
+                </a:r>
+              </a:p>
+              <a:p>
+                <a:pPr lvl="1"/>
+                <a:r>
+                  <a:rPr lang="en-US" dirty="0"/>
+                  <a:t>Fit parameters of the switching distribution </a:t>
+                </a:r>
+              </a:p>
+              <a:p>
+                <a:pPr lvl="1"/>
+                <a:r>
+                  <a:rPr lang="en-US" dirty="0"/>
+                  <a:t>Fit parameters of the other distribution </a:t>
+                </a:r>
+              </a:p>
+              <a:p>
+                <a:pPr lvl="1"/>
+                <a:r>
+                  <a:rPr lang="en-US" dirty="0"/>
+                  <a:t>The model is nonlinear!</a:t>
+                </a:r>
+              </a:p>
+              <a:p>
+                <a:r>
+                  <a:rPr lang="en-US" dirty="0"/>
+                  <a:t>Use an iterative solution</a:t>
+                </a:r>
+              </a:p>
+              <a:p>
+                <a:pPr marL="800100" lvl="1" indent="-457200">
+                  <a:buFont typeface="+mj-lt"/>
+                  <a:buAutoNum type="arabicPeriod"/>
+                </a:pPr>
+                <a:r>
+                  <a:rPr lang="en-US" dirty="0"/>
+                  <a:t>Estimate parameter(s) of switching distribution  </a:t>
+                </a:r>
+              </a:p>
+              <a:p>
+                <a:pPr marL="800100" lvl="1" indent="-457200">
+                  <a:buFont typeface="+mj-lt"/>
+                  <a:buAutoNum type="arabicPeriod"/>
+                </a:pPr>
+                <a:r>
+                  <a:rPr lang="en-US" dirty="0"/>
+                  <a:t>Estimate parameter(s) of other distribution </a:t>
+                </a:r>
+              </a:p>
+              <a:p>
+                <a:pPr marL="800100" lvl="1" indent="-457200">
+                  <a:buFont typeface="+mj-lt"/>
+                  <a:buAutoNum type="arabicPeriod"/>
+                </a:pPr>
+                <a:r>
+                  <a:rPr lang="en-US" dirty="0"/>
+                  <a:t>Estimate error in fit to the data </a:t>
+                </a:r>
+              </a:p>
+              <a:p>
+                <a:pPr marL="800100" lvl="1" indent="-457200">
+                  <a:buFont typeface="+mj-lt"/>
+                  <a:buAutoNum type="arabicPeriod"/>
+                </a:pPr>
+                <a:r>
+                  <a:rPr lang="en-US" dirty="0"/>
+                  <a:t>Repeat steps 1, 2 and 3 until convergence, </a:t>
+                </a:r>
+                <a14:m>
+                  <m:oMath xmlns:m="http://schemas.openxmlformats.org/officeDocument/2006/math">
+                    <m:r>
+                      <a:rPr lang="en-US" b="0" i="1" smtClean="0">
+                        <a:latin typeface="Cambria Math" panose="02040503050406030204" pitchFamily="18" charset="0"/>
+                      </a:rPr>
+                      <m:t>𝑒𝑟𝑟𝑜𝑟</m:t>
+                    </m:r>
+                    <m:r>
+                      <a:rPr lang="en-US" b="0" i="1" smtClean="0">
+                        <a:latin typeface="Cambria Math" panose="02040503050406030204" pitchFamily="18" charset="0"/>
+                      </a:rPr>
+                      <m:t>&lt;</m:t>
+                    </m:r>
+                    <m:r>
+                      <a:rPr lang="en-US" b="0" i="1" smtClean="0">
+                        <a:latin typeface="Cambria Math" panose="02040503050406030204" pitchFamily="18" charset="0"/>
+                      </a:rPr>
+                      <m:t>𝑡</m:t>
+                    </m:r>
+                    <m:r>
+                      <a:rPr lang="en-US" b="0" i="1" smtClean="0">
+                        <a:latin typeface="Cambria Math" panose="02040503050406030204" pitchFamily="18" charset="0"/>
+                      </a:rPr>
+                      <m:t>h</m:t>
+                    </m:r>
+                    <m:r>
+                      <a:rPr lang="en-US" b="0" i="1" smtClean="0">
+                        <a:latin typeface="Cambria Math" panose="02040503050406030204" pitchFamily="18" charset="0"/>
+                      </a:rPr>
+                      <m:t>𝑟𝑒𝑠</m:t>
+                    </m:r>
+                    <m:r>
+                      <a:rPr lang="en-US" b="0" i="1" smtClean="0">
+                        <a:latin typeface="Cambria Math" panose="02040503050406030204" pitchFamily="18" charset="0"/>
+                      </a:rPr>
+                      <m:t>h</m:t>
+                    </m:r>
+                    <m:r>
+                      <a:rPr lang="en-US" b="0" i="1" smtClean="0">
+                        <a:latin typeface="Cambria Math" panose="02040503050406030204" pitchFamily="18" charset="0"/>
+                      </a:rPr>
+                      <m:t>𝑜𝑙𝑑</m:t>
+                    </m:r>
+                  </m:oMath>
+                </a14:m>
+                <a:r>
+                  <a:rPr lang="en-US" dirty="0"/>
+                  <a:t>  </a:t>
+                </a:r>
+              </a:p>
+              <a:p>
+                <a:endParaRPr lang="en-US" dirty="0"/>
+              </a:p>
+              <a:p>
+                <a:pPr lvl="0"/>
+                <a:endParaRPr dirty="0"/>
+              </a:p>
+            </p:txBody>
+          </p:sp>
+        </mc:Choice>
+        <mc:Fallback>
+          <p:sp>
+            <p:nvSpPr>
+              <p:cNvPr id="3" name="Content Placeholder 2">
+                <a:extLst>
+                  <a:ext uri="{FF2B5EF4-FFF2-40B4-BE49-F238E27FC236}">
+                    <a16:creationId xmlns:a16="http://schemas.microsoft.com/office/drawing/2014/main" id="{15BB3C24-B2A6-ABAB-74A0-C12FD142248C}"/>
+                  </a:ext>
+                </a:extLst>
+              </p:cNvPr>
+              <p:cNvSpPr>
+                <a:spLocks noGrp="1" noRot="1" noChangeAspect="1" noMove="1" noResize="1" noEditPoints="1" noAdjustHandles="1" noChangeArrowheads="1" noChangeShapeType="1" noTextEdit="1"/>
+              </p:cNvSpPr>
+              <p:nvPr>
+                <p:ph idx="1"/>
+              </p:nvPr>
+            </p:nvSpPr>
+            <p:spPr>
+              <a:xfrm>
+                <a:off x="457200" y="1200151"/>
+                <a:ext cx="8229600" cy="3621976"/>
+              </a:xfrm>
+              <a:blipFill>
+                <a:blip r:embed="rId2"/>
+                <a:stretch>
+                  <a:fillRect l="-963" t="-2862"/>
+                </a:stretch>
+              </a:blipFill>
+            </p:spPr>
+            <p:txBody>
+              <a:bodyPr/>
+              <a:lstStyle/>
+              <a:p>
+                <a:r>
+                  <a:rPr lang="en-US">
+                    <a:noFill/>
+                  </a:rPr>
+                  <a:t> </a:t>
+                </a:r>
+              </a:p>
+            </p:txBody>
+          </p:sp>
+        </mc:Fallback>
+      </mc:AlternateContent>
     </p:spTree>
     <p:extLst>
       <p:ext uri="{BB962C8B-B14F-4D97-AF65-F5344CB8AC3E}">
@@ -4395,7 +4510,7 @@
             </p:spPr>
             <p:txBody>
               <a:bodyPr>
-                <a:normAutofit lnSpcReduction="10000"/>
+                <a:normAutofit/>
               </a:bodyPr>
               <a:lstStyle/>
               <a:p>
@@ -4408,42 +4523,9 @@
                 </a:r>
               </a:p>
               <a:p>
-                <a:r>
-                  <a:rPr lang="en-US" dirty="0"/>
-                  <a:t>Use an iterative solution</a:t>
-                </a:r>
-              </a:p>
-              <a:p>
-                <a:pPr marL="800100" lvl="1" indent="-457200">
-                  <a:buFont typeface="+mj-lt"/>
-                  <a:buAutoNum type="arabicPeriod"/>
+                <a:pPr marL="0" indent="0">
+                  <a:buNone/>
                 </a:pPr>
-                <a:r>
-                  <a:rPr lang="en-US" dirty="0"/>
-                  <a:t>Estimate parameter(s) of switching distribution  </a:t>
-                </a:r>
-              </a:p>
-              <a:p>
-                <a:pPr marL="800100" lvl="1" indent="-457200">
-                  <a:buFont typeface="+mj-lt"/>
-                  <a:buAutoNum type="arabicPeriod"/>
-                </a:pPr>
-                <a:r>
-                  <a:rPr lang="en-US" dirty="0"/>
-                  <a:t>Estimate parameter(s) of other distribution </a:t>
-                </a:r>
-              </a:p>
-              <a:p>
-                <a:pPr marL="800100" lvl="1" indent="-457200">
-                  <a:buFont typeface="+mj-lt"/>
-                  <a:buAutoNum type="arabicPeriod"/>
-                </a:pPr>
-                <a:r>
-                  <a:rPr lang="en-US" dirty="0"/>
-                  <a:t>Repeat steps 1 and 2 until convergence  </a:t>
-                </a:r>
-              </a:p>
-              <a:p>
                 <a:r>
                   <a:rPr lang="en-US" dirty="0"/>
                   <a:t>Example, zero-inflated Poisson distribution  </a:t>
@@ -4505,7 +4587,17 @@
                 </a:pPr>
                 <a:r>
                   <a:rPr lang="en-US" dirty="0"/>
-                  <a:t>Repeat steps 1 and 2 until convergence  </a:t>
+                  <a:t>Find error between estimate and observed data </a:t>
+                </a:r>
+              </a:p>
+              <a:p>
+                <a:pPr marL="800100" lvl="1" indent="-457200">
+                  <a:buFont typeface="+mj-lt"/>
+                  <a:buAutoNum type="arabicPeriod"/>
+                </a:pPr>
+                <a:r>
+                  <a:rPr lang="en-US" dirty="0"/>
+                  <a:t>Repeat steps 1, 2 and 3 until convergence  </a:t>
                 </a:r>
               </a:p>
               <a:p>
@@ -4552,7 +4644,7 @@
               <a:blipFill>
                 <a:blip r:embed="rId2"/>
                 <a:stretch>
-                  <a:fillRect l="-1111" t="-2357"/>
+                  <a:fillRect l="-1111" t="-1347"/>
                 </a:stretch>
               </a:blipFill>
             </p:spPr>
@@ -4703,7 +4795,7 @@
             </a:pPr>
             <a:r>
               <a:rPr lang="en-US" sz="2000" dirty="0"/>
-              <a:t>There is a strong right skew, some parties catch larger numbers of fish </a:t>
+              <a:t>There is a strong right skew, some parties catch large numbers of fish </a:t>
             </a:r>
           </a:p>
         </p:txBody>
@@ -5358,8 +5450,8 @@
           <a:chExt cx="0" cy="0"/>
         </a:xfrm>
       </p:grpSpPr>
-      <mc:AlternateContent xmlns:mc="http://schemas.openxmlformats.org/markup-compatibility/2006" xmlns:a14="http://schemas.microsoft.com/office/drawing/2010/main">
-        <mc:Choice Requires="a14">
+      <mc:AlternateContent xmlns:mc="http://schemas.openxmlformats.org/markup-compatibility/2006">
+        <mc:Choice xmlns:a14="http://schemas.microsoft.com/office/drawing/2010/main" Requires="a14">
           <p:sp>
             <p:nvSpPr>
               <p:cNvPr id="3" name="Content Placeholder 2">
@@ -5415,7 +5507,7 @@
                 </a:r>
                 <a:r>
                   <a:rPr lang="en-US" dirty="0"/>
-                  <a:t>transforms the distributions of the residuals to </a:t>
+                  <a:t>transforms the distributions of the residuals to approximately </a:t>
                 </a:r>
                 <a14:m>
                   <m:oMath xmlns:m="http://schemas.openxmlformats.org/officeDocument/2006/math">
@@ -5646,7 +5738,7 @@
             </p:txBody>
           </p:sp>
         </mc:Choice>
-        <mc:Fallback xmlns="">
+        <mc:Fallback>
           <p:sp>
             <p:nvSpPr>
               <p:cNvPr id="3" name="Content Placeholder 2">
@@ -5671,7 +5763,7 @@
               <a:blipFill>
                 <a:blip r:embed="rId3"/>
                 <a:stretch>
-                  <a:fillRect l="-1111" t="-1294" r="-1333"/>
+                  <a:fillRect l="-1111" t="-1294" r="-889"/>
                 </a:stretch>
               </a:blipFill>
             </p:spPr>
@@ -6220,8 +6312,8 @@
         </p:nvSpPr>
         <p:spPr>
           <a:xfrm>
-            <a:off x="457200" y="1200151"/>
-            <a:ext cx="8229600" cy="3737370"/>
+            <a:off x="457200" y="1167938"/>
+            <a:ext cx="8229600" cy="3769583"/>
           </a:xfrm>
         </p:spPr>
         <p:txBody>
@@ -6338,7 +6430,15 @@
             <a:pPr lvl="1"/>
             <a:r>
               <a:rPr dirty="0"/>
-              <a:t>If there </a:t>
+              <a:t>If there</a:t>
+            </a:r>
+            <a:r>
+              <a:rPr lang="en-US" dirty="0"/>
+              <a:t> is</a:t>
+            </a:r>
+            <a:r>
+              <a:rPr dirty="0"/>
+              <a:t> </a:t>
             </a:r>
             <a:r>
               <a:rPr b="1" dirty="0"/>
@@ -6546,8 +6646,8 @@
           </a:p>
         </p:txBody>
       </p:sp>
-      <mc:AlternateContent xmlns:mc="http://schemas.openxmlformats.org/markup-compatibility/2006" xmlns:a14="http://schemas.microsoft.com/office/drawing/2010/main">
-        <mc:Choice Requires="a14">
+      <mc:AlternateContent xmlns:mc="http://schemas.openxmlformats.org/markup-compatibility/2006">
+        <mc:Choice xmlns:a14="http://schemas.microsoft.com/office/drawing/2010/main" Requires="a14">
           <p:sp>
             <p:nvSpPr>
               <p:cNvPr id="3" name="Content Placeholder 2">
@@ -7098,14 +7198,14 @@
                 <a:pPr lvl="1"/>
                 <a:r>
                   <a:rPr lang="en-US" dirty="0"/>
-                  <a:t>First and third distributions give weight on left and right tails </a:t>
+                  <a:t>First and third distributions have weight on left and right tails </a:t>
                 </a:r>
                 <a:endParaRPr dirty="0"/>
               </a:p>
             </p:txBody>
           </p:sp>
         </mc:Choice>
-        <mc:Fallback xmlns="">
+        <mc:Fallback>
           <p:sp>
             <p:nvSpPr>
               <p:cNvPr id="3" name="Content Placeholder 2">
@@ -7259,7 +7359,7 @@
             <a:pPr lvl="0"/>
             <a:r>
               <a:rPr lang="en-US" dirty="0"/>
-              <a:t>Student-t with low degrees of freedom</a:t>
+              <a:t>Student-t with low degrees of freedom – not a GLM! </a:t>
             </a:r>
           </a:p>
           <a:p>
@@ -7375,8 +7475,8 @@
           </a:p>
         </p:txBody>
       </p:sp>
-      <mc:AlternateContent xmlns:mc="http://schemas.openxmlformats.org/markup-compatibility/2006" xmlns:a14="http://schemas.microsoft.com/office/drawing/2010/main">
-        <mc:Choice Requires="a14">
+      <mc:AlternateContent xmlns:mc="http://schemas.openxmlformats.org/markup-compatibility/2006">
+        <mc:Choice xmlns:a14="http://schemas.microsoft.com/office/drawing/2010/main" Requires="a14">
           <p:sp>
             <p:nvSpPr>
               <p:cNvPr id="3" name="Content Placeholder 2">
@@ -7874,7 +7974,7 @@
                 </a14:m>
                 <a:r>
                   <a:rPr lang="en-US" dirty="0"/>
-                  <a:t>, pronounced </a:t>
+                  <a:t>, pronounced ‘</a:t>
                 </a:r>
                 <a14:m>
                   <m:oMath xmlns:m="http://schemas.openxmlformats.org/officeDocument/2006/math">
@@ -7902,7 +8002,7 @@
                 </a14:m>
                 <a:r>
                   <a:rPr lang="en-US" dirty="0"/>
-                  <a:t>, is the number of combinations of size </a:t>
+                  <a:t>’, is the number of combinations of size </a:t>
                 </a:r>
                 <a14:m>
                   <m:oMath xmlns:m="http://schemas.openxmlformats.org/officeDocument/2006/math">
@@ -7936,7 +8036,7 @@
             </p:txBody>
           </p:sp>
         </mc:Choice>
-        <mc:Fallback xmlns="">
+        <mc:Fallback>
           <p:sp>
             <p:nvSpPr>
               <p:cNvPr id="3" name="Content Placeholder 2">
@@ -8048,8 +8148,8 @@
           </a:p>
         </p:txBody>
       </p:sp>
-      <mc:AlternateContent xmlns:mc="http://schemas.openxmlformats.org/markup-compatibility/2006" xmlns:a14="http://schemas.microsoft.com/office/drawing/2010/main">
-        <mc:Choice Requires="a14">
+      <mc:AlternateContent xmlns:mc="http://schemas.openxmlformats.org/markup-compatibility/2006">
+        <mc:Choice xmlns:a14="http://schemas.microsoft.com/office/drawing/2010/main" Requires="a14">
           <p:sp>
             <p:nvSpPr>
               <p:cNvPr id="3" name="Content Placeholder 2">
@@ -8074,7 +8174,7 @@
             </p:spPr>
             <p:txBody>
               <a:bodyPr>
-                <a:normAutofit fontScale="92500" lnSpcReduction="10000"/>
+                <a:normAutofit lnSpcReduction="10000"/>
               </a:bodyPr>
               <a:lstStyle/>
               <a:p>
@@ -8373,7 +8473,7 @@
               <a:p>
                 <a:r>
                   <a:rPr lang="en-US" dirty="0"/>
-                  <a:t>We can reparametrize to get a form suitable for analysis in terms of the average arrival rate, </a:t>
+                  <a:t>Reparametrize to get a form suitable for analysis in terms of the expected arrival rate, </a:t>
                 </a:r>
                 <a14:m>
                   <m:oMath xmlns:m="http://schemas.openxmlformats.org/officeDocument/2006/math">
@@ -8388,7 +8488,7 @@
                 </a14:m>
                 <a:r>
                   <a:rPr lang="en-US" dirty="0"/>
-                  <a:t>, and the variance, </a:t>
+                  <a:t>,  variance, </a:t>
                 </a:r>
                 <a14:m>
                   <m:oMath xmlns:m="http://schemas.openxmlformats.org/officeDocument/2006/math">
@@ -8420,7 +8520,26 @@
                     </m:sSup>
                   </m:oMath>
                 </a14:m>
-                <a:endParaRPr lang="en-US" dirty="0"/>
+                <a:r>
+                  <a:rPr lang="en-US" dirty="0"/>
+                  <a:t> and </a:t>
+                </a:r>
+                <a:r>
+                  <a:rPr lang="en-US" b="1" dirty="0"/>
+                  <a:t>over-dispersion parameter, </a:t>
+                </a:r>
+                <a14:m>
+                  <m:oMath xmlns:m="http://schemas.openxmlformats.org/officeDocument/2006/math">
+                    <m:r>
+                      <a:rPr lang="en-US" b="1" i="1">
+                        <a:latin typeface="Cambria Math" panose="02040503050406030204" pitchFamily="18" charset="0"/>
+                        <a:ea typeface="Cambria Math" panose="02040503050406030204" pitchFamily="18" charset="0"/>
+                      </a:rPr>
+                      <m:t>𝜶</m:t>
+                    </m:r>
+                  </m:oMath>
+                </a14:m>
+                <a:endParaRPr lang="en-US" b="1" dirty="0"/>
               </a:p>
               <a:p>
                 <a:pPr marL="342900" lvl="1" indent="0">
@@ -8432,6 +8551,97 @@
                       <m:jc m:val="centerGroup"/>
                     </m:oMathParaPr>
                     <m:oMath xmlns:m="http://schemas.openxmlformats.org/officeDocument/2006/math">
+                      <m:sSup>
+                        <m:sSupPr>
+                          <m:ctrlPr>
+                            <a:rPr lang="en-US" i="1">
+                              <a:latin typeface="Cambria Math" panose="02040503050406030204" pitchFamily="18" charset="0"/>
+                            </a:rPr>
+                          </m:ctrlPr>
+                        </m:sSupPr>
+                        <m:e>
+                          <m:r>
+                            <a:rPr lang="en-US" i="1">
+                              <a:latin typeface="Cambria Math" panose="02040503050406030204" pitchFamily="18" charset="0"/>
+                              <a:ea typeface="Cambria Math" panose="02040503050406030204" pitchFamily="18" charset="0"/>
+                            </a:rPr>
+                            <m:t>𝜎</m:t>
+                          </m:r>
+                        </m:e>
+                        <m:sup>
+                          <m:r>
+                            <a:rPr lang="en-US" i="1">
+                              <a:latin typeface="Cambria Math" panose="02040503050406030204" pitchFamily="18" charset="0"/>
+                            </a:rPr>
+                            <m:t>2</m:t>
+                          </m:r>
+                        </m:sup>
+                      </m:sSup>
+                      <m:r>
+                        <a:rPr lang="en-US" i="1">
+                          <a:latin typeface="Cambria Math" panose="02040503050406030204" pitchFamily="18" charset="0"/>
+                        </a:rPr>
+                        <m:t>=</m:t>
+                      </m:r>
+                      <m:r>
+                        <a:rPr lang="en-US" i="1">
+                          <a:latin typeface="Cambria Math" panose="02040503050406030204" pitchFamily="18" charset="0"/>
+                          <a:ea typeface="Cambria Math" panose="02040503050406030204" pitchFamily="18" charset="0"/>
+                        </a:rPr>
+                        <m:t>𝜇</m:t>
+                      </m:r>
+                      <m:r>
+                        <a:rPr lang="en-US" i="1">
+                          <a:latin typeface="Cambria Math" panose="02040503050406030204" pitchFamily="18" charset="0"/>
+                          <a:ea typeface="Cambria Math" panose="02040503050406030204" pitchFamily="18" charset="0"/>
+                        </a:rPr>
+                        <m:t>+</m:t>
+                      </m:r>
+                      <m:r>
+                        <a:rPr lang="en-US" i="1">
+                          <a:latin typeface="Cambria Math" panose="02040503050406030204" pitchFamily="18" charset="0"/>
+                          <a:ea typeface="Cambria Math" panose="02040503050406030204" pitchFamily="18" charset="0"/>
+                        </a:rPr>
+                        <m:t>𝛼</m:t>
+                      </m:r>
+                      <m:sSup>
+                        <m:sSupPr>
+                          <m:ctrlPr>
+                            <a:rPr lang="en-US" i="1">
+                              <a:latin typeface="Cambria Math" panose="02040503050406030204" pitchFamily="18" charset="0"/>
+                            </a:rPr>
+                          </m:ctrlPr>
+                        </m:sSupPr>
+                        <m:e>
+                          <m:r>
+                            <a:rPr lang="en-US" i="1">
+                              <a:latin typeface="Cambria Math" panose="02040503050406030204" pitchFamily="18" charset="0"/>
+                              <a:ea typeface="Cambria Math" panose="02040503050406030204" pitchFamily="18" charset="0"/>
+                            </a:rPr>
+                            <m:t>𝜇</m:t>
+                          </m:r>
+                        </m:e>
+                        <m:sup>
+                          <m:r>
+                            <a:rPr lang="en-US" i="1">
+                              <a:latin typeface="Cambria Math" panose="02040503050406030204" pitchFamily="18" charset="0"/>
+                            </a:rPr>
+                            <m:t>2</m:t>
+                          </m:r>
+                        </m:sup>
+                      </m:sSup>
+                      <m:r>
+                        <a:rPr lang="en-US" i="1">
+                          <a:latin typeface="Cambria Math" panose="02040503050406030204" pitchFamily="18" charset="0"/>
+                        </a:rPr>
+                        <m:t> </m:t>
+                      </m:r>
+                      <m:r>
+                        <a:rPr lang="en-US" b="0" i="1" smtClean="0">
+                          <a:latin typeface="Cambria Math" panose="02040503050406030204" pitchFamily="18" charset="0"/>
+                        </a:rPr>
+                        <m:t>,  </m:t>
+                      </m:r>
                       <m:r>
                         <a:rPr lang="en-US" b="0" i="1" smtClean="0">
                           <a:latin typeface="Cambria Math" panose="02040503050406030204" pitchFamily="18" charset="0"/>
@@ -8592,118 +8802,9 @@
                 <a:endParaRPr lang="en-US" dirty="0"/>
               </a:p>
               <a:p>
-                <a:pPr marL="342900" lvl="1" indent="0">
-                  <a:buNone/>
-                </a:pPr>
-                <a:r>
-                  <a:rPr lang="en-US" dirty="0"/>
-                  <a:t>And for over-dispersion parameter, </a:t>
-                </a:r>
-                <a14:m>
-                  <m:oMath xmlns:m="http://schemas.openxmlformats.org/officeDocument/2006/math">
-                    <m:r>
-                      <a:rPr lang="en-US" i="1" smtClean="0">
-                        <a:latin typeface="Cambria Math" panose="02040503050406030204" pitchFamily="18" charset="0"/>
-                        <a:ea typeface="Cambria Math" panose="02040503050406030204" pitchFamily="18" charset="0"/>
-                      </a:rPr>
-                      <m:t>𝛼</m:t>
-                    </m:r>
-                  </m:oMath>
-                </a14:m>
-                <a:endParaRPr lang="en-US" dirty="0"/>
-              </a:p>
-              <a:p>
                 <a:pPr marL="0" indent="0">
                   <a:buNone/>
                 </a:pPr>
-                <a14:m>
-                  <m:oMathPara xmlns:m="http://schemas.openxmlformats.org/officeDocument/2006/math">
-                    <m:oMathParaPr>
-                      <m:jc m:val="centerGroup"/>
-                    </m:oMathParaPr>
-                    <m:oMath xmlns:m="http://schemas.openxmlformats.org/officeDocument/2006/math">
-                      <m:sSup>
-                        <m:sSupPr>
-                          <m:ctrlPr>
-                            <a:rPr lang="en-US" i="1">
-                              <a:latin typeface="Cambria Math" panose="02040503050406030204" pitchFamily="18" charset="0"/>
-                            </a:rPr>
-                          </m:ctrlPr>
-                        </m:sSupPr>
-                        <m:e>
-                          <m:r>
-                            <a:rPr lang="en-US" i="1">
-                              <a:latin typeface="Cambria Math" panose="02040503050406030204" pitchFamily="18" charset="0"/>
-                              <a:ea typeface="Cambria Math" panose="02040503050406030204" pitchFamily="18" charset="0"/>
-                            </a:rPr>
-                            <m:t>𝜎</m:t>
-                          </m:r>
-                        </m:e>
-                        <m:sup>
-                          <m:r>
-                            <a:rPr lang="en-US" i="1">
-                              <a:latin typeface="Cambria Math" panose="02040503050406030204" pitchFamily="18" charset="0"/>
-                            </a:rPr>
-                            <m:t>2</m:t>
-                          </m:r>
-                        </m:sup>
-                      </m:sSup>
-                      <m:r>
-                        <a:rPr lang="en-US" i="1">
-                          <a:latin typeface="Cambria Math" panose="02040503050406030204" pitchFamily="18" charset="0"/>
-                        </a:rPr>
-                        <m:t>=</m:t>
-                      </m:r>
-                      <m:r>
-                        <a:rPr lang="en-US" i="1">
-                          <a:latin typeface="Cambria Math" panose="02040503050406030204" pitchFamily="18" charset="0"/>
-                          <a:ea typeface="Cambria Math" panose="02040503050406030204" pitchFamily="18" charset="0"/>
-                        </a:rPr>
-                        <m:t>𝜇</m:t>
-                      </m:r>
-                      <m:r>
-                        <a:rPr lang="en-US" i="1">
-                          <a:latin typeface="Cambria Math" panose="02040503050406030204" pitchFamily="18" charset="0"/>
-                          <a:ea typeface="Cambria Math" panose="02040503050406030204" pitchFamily="18" charset="0"/>
-                        </a:rPr>
-                        <m:t>+</m:t>
-                      </m:r>
-                      <m:r>
-                        <a:rPr lang="en-US" i="1">
-                          <a:latin typeface="Cambria Math" panose="02040503050406030204" pitchFamily="18" charset="0"/>
-                          <a:ea typeface="Cambria Math" panose="02040503050406030204" pitchFamily="18" charset="0"/>
-                        </a:rPr>
-                        <m:t>𝛼</m:t>
-                      </m:r>
-                      <m:sSup>
-                        <m:sSupPr>
-                          <m:ctrlPr>
-                            <a:rPr lang="en-US" i="1">
-                              <a:latin typeface="Cambria Math" panose="02040503050406030204" pitchFamily="18" charset="0"/>
-                            </a:rPr>
-                          </m:ctrlPr>
-                        </m:sSupPr>
-                        <m:e>
-                          <m:r>
-                            <a:rPr lang="en-US" i="1">
-                              <a:latin typeface="Cambria Math" panose="02040503050406030204" pitchFamily="18" charset="0"/>
-                              <a:ea typeface="Cambria Math" panose="02040503050406030204" pitchFamily="18" charset="0"/>
-                            </a:rPr>
-                            <m:t>𝜇</m:t>
-                          </m:r>
-                        </m:e>
-                        <m:sup>
-                          <m:r>
-                            <a:rPr lang="en-US" i="1">
-                              <a:latin typeface="Cambria Math" panose="02040503050406030204" pitchFamily="18" charset="0"/>
-                            </a:rPr>
-                            <m:t>2</m:t>
-                          </m:r>
-                        </m:sup>
-                      </m:sSup>
-                    </m:oMath>
-                  </m:oMathPara>
-                </a14:m>
                 <a:endParaRPr lang="en-US" dirty="0"/>
               </a:p>
               <a:p>
@@ -8719,7 +8820,7 @@
             </p:txBody>
           </p:sp>
         </mc:Choice>
-        <mc:Fallback xmlns="">
+        <mc:Fallback>
           <p:sp>
             <p:nvSpPr>
               <p:cNvPr id="3" name="Content Placeholder 2">
@@ -8744,7 +8845,7 @@
               <a:blipFill>
                 <a:blip r:embed="rId3"/>
                 <a:stretch>
-                  <a:fillRect l="-963" t="-1852" r="-667" b="-673"/>
+                  <a:fillRect l="-1111" t="-2357" r="-1630"/>
                 </a:stretch>
               </a:blipFill>
             </p:spPr>
@@ -8831,8 +8932,8 @@
           </a:p>
         </p:txBody>
       </p:sp>
-      <mc:AlternateContent xmlns:mc="http://schemas.openxmlformats.org/markup-compatibility/2006" xmlns:a14="http://schemas.microsoft.com/office/drawing/2010/main">
-        <mc:Choice Requires="a14">
+      <mc:AlternateContent xmlns:mc="http://schemas.openxmlformats.org/markup-compatibility/2006">
+        <mc:Choice xmlns:a14="http://schemas.microsoft.com/office/drawing/2010/main" Requires="a14">
           <p:sp>
             <p:nvSpPr>
               <p:cNvPr id="3" name="Content Placeholder 2">
@@ -8857,7 +8958,7 @@
             </p:spPr>
             <p:txBody>
               <a:bodyPr>
-                <a:normAutofit fontScale="77500" lnSpcReduction="20000"/>
+                <a:normAutofit fontScale="85000" lnSpcReduction="20000"/>
               </a:bodyPr>
               <a:lstStyle/>
               <a:p>
@@ -8981,6 +9082,91 @@
                       <m:jc m:val="centerGroup"/>
                     </m:oMathParaPr>
                     <m:oMath xmlns:m="http://schemas.openxmlformats.org/officeDocument/2006/math">
+                      <m:sSup>
+                        <m:sSupPr>
+                          <m:ctrlPr>
+                            <a:rPr lang="en-US" i="1">
+                              <a:latin typeface="Cambria Math" panose="02040503050406030204" pitchFamily="18" charset="0"/>
+                            </a:rPr>
+                          </m:ctrlPr>
+                        </m:sSupPr>
+                        <m:e>
+                          <m:r>
+                            <a:rPr lang="en-US" i="1">
+                              <a:latin typeface="Cambria Math" panose="02040503050406030204" pitchFamily="18" charset="0"/>
+                              <a:ea typeface="Cambria Math" panose="02040503050406030204" pitchFamily="18" charset="0"/>
+                            </a:rPr>
+                            <m:t>𝜎</m:t>
+                          </m:r>
+                        </m:e>
+                        <m:sup>
+                          <m:r>
+                            <a:rPr lang="en-US" i="1">
+                              <a:latin typeface="Cambria Math" panose="02040503050406030204" pitchFamily="18" charset="0"/>
+                            </a:rPr>
+                            <m:t>2</m:t>
+                          </m:r>
+                        </m:sup>
+                      </m:sSup>
+                      <m:r>
+                        <a:rPr lang="en-US" i="1">
+                          <a:latin typeface="Cambria Math" panose="02040503050406030204" pitchFamily="18" charset="0"/>
+                        </a:rPr>
+                        <m:t>=</m:t>
+                      </m:r>
+                      <m:r>
+                        <a:rPr lang="en-US" i="1">
+                          <a:latin typeface="Cambria Math" panose="02040503050406030204" pitchFamily="18" charset="0"/>
+                          <a:ea typeface="Cambria Math" panose="02040503050406030204" pitchFamily="18" charset="0"/>
+                        </a:rPr>
+                        <m:t>𝜇</m:t>
+                      </m:r>
+                      <m:r>
+                        <a:rPr lang="en-US" i="1">
+                          <a:latin typeface="Cambria Math" panose="02040503050406030204" pitchFamily="18" charset="0"/>
+                          <a:ea typeface="Cambria Math" panose="02040503050406030204" pitchFamily="18" charset="0"/>
+                        </a:rPr>
+                        <m:t>+</m:t>
+                      </m:r>
+                      <m:r>
+                        <a:rPr lang="en-US" i="1">
+                          <a:latin typeface="Cambria Math" panose="02040503050406030204" pitchFamily="18" charset="0"/>
+                          <a:ea typeface="Cambria Math" panose="02040503050406030204" pitchFamily="18" charset="0"/>
+                        </a:rPr>
+                        <m:t>𝛼</m:t>
+                      </m:r>
+                      <m:sSup>
+                        <m:sSupPr>
+                          <m:ctrlPr>
+                            <a:rPr lang="en-US" i="1">
+                              <a:latin typeface="Cambria Math" panose="02040503050406030204" pitchFamily="18" charset="0"/>
+                            </a:rPr>
+                          </m:ctrlPr>
+                        </m:sSupPr>
+                        <m:e>
+                          <m:r>
+                            <a:rPr lang="en-US" i="1">
+                              <a:latin typeface="Cambria Math" panose="02040503050406030204" pitchFamily="18" charset="0"/>
+                              <a:ea typeface="Cambria Math" panose="02040503050406030204" pitchFamily="18" charset="0"/>
+                            </a:rPr>
+                            <m:t>𝜇</m:t>
+                          </m:r>
+                        </m:e>
+                        <m:sup>
+                          <m:r>
+                            <a:rPr lang="en-US" i="1">
+                              <a:latin typeface="Cambria Math" panose="02040503050406030204" pitchFamily="18" charset="0"/>
+                            </a:rPr>
+                            <m:t>2</m:t>
+                          </m:r>
+                        </m:sup>
+                      </m:sSup>
+                      <m:r>
+                        <a:rPr lang="en-US" b="0" i="1" smtClean="0">
+                          <a:latin typeface="Cambria Math" panose="02040503050406030204" pitchFamily="18" charset="0"/>
+                        </a:rPr>
+                        <m:t>,  </m:t>
+                      </m:r>
                       <m:r>
                         <a:rPr lang="en-US" b="0" i="1" smtClean="0">
                           <a:latin typeface="Cambria Math" panose="02040503050406030204" pitchFamily="18" charset="0"/>
@@ -9135,109 +9321,6 @@
                           </m:r>
                         </m:den>
                       </m:f>
-                    </m:oMath>
-                  </m:oMathPara>
-                </a14:m>
-                <a:endParaRPr lang="en-US" dirty="0"/>
-              </a:p>
-              <a:p>
-                <a:pPr marL="342900" lvl="1" indent="0">
-                  <a:buNone/>
-                </a:pPr>
-                <a:r>
-                  <a:rPr lang="en-US" dirty="0"/>
-                  <a:t>Where,</a:t>
-                </a:r>
-              </a:p>
-              <a:p>
-                <a:pPr marL="0" indent="0">
-                  <a:buNone/>
-                </a:pPr>
-                <a14:m>
-                  <m:oMathPara xmlns:m="http://schemas.openxmlformats.org/officeDocument/2006/math">
-                    <m:oMathParaPr>
-                      <m:jc m:val="centerGroup"/>
-                    </m:oMathParaPr>
-                    <m:oMath xmlns:m="http://schemas.openxmlformats.org/officeDocument/2006/math">
-                      <m:sSup>
-                        <m:sSupPr>
-                          <m:ctrlPr>
-                            <a:rPr lang="en-US" i="1" smtClean="0">
-                              <a:latin typeface="Cambria Math" panose="02040503050406030204" pitchFamily="18" charset="0"/>
-                            </a:rPr>
-                          </m:ctrlPr>
-                        </m:sSupPr>
-                        <m:e>
-                          <m:r>
-                            <a:rPr lang="en-US" i="1" smtClean="0">
-                              <a:latin typeface="Cambria Math" panose="02040503050406030204" pitchFamily="18" charset="0"/>
-                              <a:ea typeface="Cambria Math" panose="02040503050406030204" pitchFamily="18" charset="0"/>
-                            </a:rPr>
-                            <m:t>𝜎</m:t>
-                          </m:r>
-                        </m:e>
-                        <m:sup>
-                          <m:r>
-                            <a:rPr lang="en-US" b="0" i="1" smtClean="0">
-                              <a:latin typeface="Cambria Math" panose="02040503050406030204" pitchFamily="18" charset="0"/>
-                            </a:rPr>
-                            <m:t>2</m:t>
-                          </m:r>
-                        </m:sup>
-                      </m:sSup>
-                      <m:r>
-                        <a:rPr lang="en-US" b="0" i="1" smtClean="0">
-                          <a:latin typeface="Cambria Math" panose="02040503050406030204" pitchFamily="18" charset="0"/>
-                        </a:rPr>
-                        <m:t>=</m:t>
-                      </m:r>
-                      <m:r>
-                        <a:rPr lang="en-US" b="0" i="1" smtClean="0">
-                          <a:latin typeface="Cambria Math" panose="02040503050406030204" pitchFamily="18" charset="0"/>
-                          <a:ea typeface="Cambria Math" panose="02040503050406030204" pitchFamily="18" charset="0"/>
-                        </a:rPr>
-                        <m:t>𝜇</m:t>
-                      </m:r>
-                      <m:r>
-                        <a:rPr lang="en-US" b="0" i="1" smtClean="0">
-                          <a:latin typeface="Cambria Math" panose="02040503050406030204" pitchFamily="18" charset="0"/>
-                          <a:ea typeface="Cambria Math" panose="02040503050406030204" pitchFamily="18" charset="0"/>
-                        </a:rPr>
-                        <m:t>+</m:t>
-                      </m:r>
-                      <m:r>
-                        <a:rPr lang="en-US" b="0" i="1" smtClean="0">
-                          <a:latin typeface="Cambria Math" panose="02040503050406030204" pitchFamily="18" charset="0"/>
-                          <a:ea typeface="Cambria Math" panose="02040503050406030204" pitchFamily="18" charset="0"/>
-                        </a:rPr>
-                        <m:t>𝛼</m:t>
-                      </m:r>
-                      <m:sSup>
-                        <m:sSupPr>
-                          <m:ctrlPr>
-                            <a:rPr lang="en-US" i="1">
-                              <a:latin typeface="Cambria Math" panose="02040503050406030204" pitchFamily="18" charset="0"/>
-                            </a:rPr>
-                          </m:ctrlPr>
-                        </m:sSupPr>
-                        <m:e>
-                          <m:r>
-                            <a:rPr lang="en-US" i="1">
-                              <a:latin typeface="Cambria Math" panose="02040503050406030204" pitchFamily="18" charset="0"/>
-                              <a:ea typeface="Cambria Math" panose="02040503050406030204" pitchFamily="18" charset="0"/>
-                            </a:rPr>
-                            <m:t>𝜇</m:t>
-                          </m:r>
-                        </m:e>
-                        <m:sup>
-                          <m:r>
-                            <a:rPr lang="en-US" i="1">
-                              <a:latin typeface="Cambria Math" panose="02040503050406030204" pitchFamily="18" charset="0"/>
-                            </a:rPr>
-                            <m:t>2</m:t>
-                          </m:r>
-                        </m:sup>
-                      </m:sSup>
                     </m:oMath>
                   </m:oMathPara>
                 </a14:m>
@@ -9416,7 +9499,7 @@
                 </a14:m>
                 <a:r>
                   <a:rPr lang="en-US" dirty="0"/>
-                  <a:t> the negative binomial distribution identical to the Poisson distribution </a:t>
+                  <a:t> the negative binomial distribution is identical to the Poisson distribution </a:t>
                 </a:r>
               </a:p>
               <a:p>
@@ -9429,7 +9512,7 @@
             </p:txBody>
           </p:sp>
         </mc:Choice>
-        <mc:Fallback xmlns="">
+        <mc:Fallback>
           <p:sp>
             <p:nvSpPr>
               <p:cNvPr id="3" name="Content Placeholder 2">
@@ -9454,7 +9537,7 @@
               <a:blipFill>
                 <a:blip r:embed="rId3"/>
                 <a:stretch>
-                  <a:fillRect l="-667" t="-2189"/>
+                  <a:fillRect l="-741" t="-2357"/>
                 </a:stretch>
               </a:blipFill>
             </p:spPr>
@@ -9580,14 +9663,14 @@
           <a:p>
             <a:r>
               <a:rPr lang="en-US" dirty="0"/>
-              <a:t>Yes, we can combine these two properties   </a:t>
+              <a:t>Create a mixture of two distributions </a:t>
             </a:r>
           </a:p>
           <a:p>
             <a:pPr lvl="1"/>
             <a:r>
               <a:rPr lang="en-US" dirty="0"/>
-              <a:t>A switching distribution for the zero-inflation</a:t>
+              <a:t>A binomial switching distribution for the zero-inflation</a:t>
             </a:r>
           </a:p>
           <a:p>
@@ -9621,7 +9704,7 @@
             <a:pPr lvl="1"/>
             <a:r>
               <a:rPr lang="en-US" dirty="0"/>
-              <a:t>Most days there are no auto accidents on a segment of road most days, but there are a few days with a high number of accidents   </a:t>
+              <a:t>Most days there are no auto accidents on a segment of road, but there are a few days with high numbers of accidents   </a:t>
             </a:r>
           </a:p>
           <a:p>
@@ -10825,9 +10908,9 @@
           <p:nvPr/>
         </p:nvCxnSpPr>
         <p:spPr>
-          <a:xfrm>
-            <a:off x="3821618" y="3140943"/>
-            <a:ext cx="377241" cy="49206"/>
+          <a:xfrm flipV="1">
+            <a:off x="3378770" y="3190149"/>
+            <a:ext cx="820089" cy="762553"/>
           </a:xfrm>
           <a:prstGeom prst="straightConnector1">
             <a:avLst/>
@@ -11415,7 +11498,22 @@
             </a:r>
             <a:r>
               <a:rPr lang="en-US" dirty="0"/>
-              <a:t>have a long (typically right) tail </a:t>
+              <a:t>have a long tails </a:t>
+            </a:r>
+          </a:p>
+          <a:p>
+            <a:pPr lvl="1"/>
+            <a:r>
+              <a:rPr lang="en-US" dirty="0"/>
+              <a:t>Can be asymmetric with long </a:t>
+            </a:r>
+            <a:r>
+              <a:rPr lang="en-US" dirty="0" err="1"/>
+              <a:t>righ</a:t>
+            </a:r>
+            <a:r>
+              <a:rPr lang="en-US" dirty="0"/>
+              <a:t> tail</a:t>
             </a:r>
           </a:p>
           <a:p>
@@ -11603,7 +11701,7 @@
             </a:pPr>
             <a:r>
               <a:rPr lang="en-US" sz="2000" dirty="0"/>
-              <a:t>Perhaps a Bayesian model would have been a better choice</a:t>
+              <a:t>Perhaps a Bayesian model would have been a better choice?</a:t>
             </a:r>
           </a:p>
         </p:txBody>
@@ -11737,7 +11835,7 @@
         </p:spPr>
         <p:txBody>
           <a:bodyPr>
-            <a:normAutofit/>
+            <a:normAutofit fontScale="92500" lnSpcReduction="20000"/>
           </a:bodyPr>
           <a:lstStyle/>
           <a:p>
@@ -11760,7 +11858,7 @@
             </a:pPr>
             <a:r>
               <a:rPr lang="en-US" sz="2000" dirty="0"/>
-              <a:t>Residual plots are similar   </a:t>
+              <a:t>Residual plots are similar, with noticeable outliers    </a:t>
             </a:r>
           </a:p>
           <a:p>
@@ -11770,7 +11868,17 @@
             </a:pPr>
             <a:r>
               <a:rPr lang="en-US" sz="2000" dirty="0"/>
-              <a:t>Both models exhibit a bit of heteroskedasticity   </a:t>
+              <a:t>Both models exhibit a bit of heteroskedasticity</a:t>
+            </a:r>
+          </a:p>
+          <a:p>
+            <a:pPr marL="342900" lvl="0" indent="-342900">
+              <a:buFont typeface="Arial" panose="020B0604020202020204" pitchFamily="34" charset="0"/>
+              <a:buChar char="•"/>
+            </a:pPr>
+            <a:r>
+              <a:rPr lang="en-US" sz="2000" dirty="0"/>
+              <a:t>Heteroskedasticity near zero could be result of poor fit of binomial parameter   </a:t>
             </a:r>
           </a:p>
         </p:txBody>
@@ -12101,7 +12209,17 @@
             </a:pPr>
             <a:r>
               <a:rPr lang="en-US" sz="2000" dirty="0"/>
-              <a:t>The distribution of residuals of the NB distribution regression is slightly less as can be see from greater fraction in straight line (e.g. Normal) </a:t>
+              <a:t>Bulk of residual distribution more symmetric for NB distribution </a:t>
+            </a:r>
+          </a:p>
+          <a:p>
+            <a:pPr marL="342900" lvl="0" indent="-342900">
+              <a:buFont typeface="Arial" panose="020B0604020202020204" pitchFamily="34" charset="0"/>
+              <a:buChar char="•"/>
+            </a:pPr>
+            <a:r>
+              <a:rPr lang="en-US" sz="2000" dirty="0"/>
+              <a:t>Notice the greater fraction in straight line (e.g. Normal) for NB distribution</a:t>
             </a:r>
           </a:p>
         </p:txBody>
@@ -12122,8 +12240,8 @@
         </p:nvCxnSpPr>
         <p:spPr>
           <a:xfrm flipH="1">
-            <a:off x="3192087" y="2103120"/>
-            <a:ext cx="1683328" cy="1903615"/>
+            <a:off x="3192087" y="2273531"/>
+            <a:ext cx="1126375" cy="1733204"/>
           </a:xfrm>
           <a:prstGeom prst="straightConnector1">
             <a:avLst/>
@@ -12340,8 +12458,8 @@
         </p:nvCxnSpPr>
         <p:spPr>
           <a:xfrm>
-            <a:off x="4866078" y="2103120"/>
-            <a:ext cx="2931260" cy="1860909"/>
+            <a:off x="5798127" y="2273531"/>
+            <a:ext cx="1999211" cy="1690498"/>
           </a:xfrm>
           <a:prstGeom prst="straightConnector1">
             <a:avLst/>
@@ -12406,10 +12524,10 @@
       </p:grpSpPr>
       <p:pic>
         <p:nvPicPr>
-          <p:cNvPr id="8" name="Picture 7">
+          <p:cNvPr id="5" name="Picture 4">
             <a:extLst>
               <a:ext uri="{FF2B5EF4-FFF2-40B4-BE49-F238E27FC236}">
-                <a16:creationId xmlns:a16="http://schemas.microsoft.com/office/drawing/2014/main" id="{DC0EE5BF-8915-786A-C492-08A02FDF95BD}"/>
+                <a16:creationId xmlns:a16="http://schemas.microsoft.com/office/drawing/2014/main" id="{939E026C-DE03-7E12-04AD-1D030B1EB977}"/>
               </a:ext>
             </a:extLst>
           </p:cNvPr>
@@ -12426,8 +12544,8 @@
         </p:blipFill>
         <p:spPr>
           <a:xfrm>
-            <a:off x="552797" y="2644025"/>
-            <a:ext cx="8246536" cy="2294688"/>
+            <a:off x="658784" y="2697999"/>
+            <a:ext cx="7826432" cy="2200402"/>
           </a:xfrm>
           <a:prstGeom prst="rect">
             <a:avLst/>
@@ -12650,7 +12768,7 @@
         <p:spPr>
           <a:xfrm>
             <a:off x="3038302" y="2177935"/>
-            <a:ext cx="1354974" cy="1371600"/>
+            <a:ext cx="1338349" cy="1446414"/>
           </a:xfrm>
           <a:prstGeom prst="straightConnector1">
             <a:avLst/>
@@ -12693,52 +12811,8 @@
         </p:nvCxnSpPr>
         <p:spPr>
           <a:xfrm flipH="1">
-            <a:off x="2660073" y="2177935"/>
-            <a:ext cx="128847" cy="685800"/>
-          </a:xfrm>
-          <a:prstGeom prst="straightConnector1">
-            <a:avLst/>
-          </a:prstGeom>
-          <a:ln w="38100">
-            <a:solidFill>
-              <a:srgbClr val="C00000"/>
-            </a:solidFill>
-            <a:tailEnd type="triangle"/>
-          </a:ln>
-        </p:spPr>
-        <p:style>
-          <a:lnRef idx="2">
-            <a:schemeClr val="accent1"/>
-          </a:lnRef>
-          <a:fillRef idx="0">
-            <a:schemeClr val="accent1"/>
-          </a:fillRef>
-          <a:effectRef idx="1">
-            <a:schemeClr val="accent1"/>
-          </a:effectRef>
-          <a:fontRef idx="minor">
-            <a:schemeClr val="tx1"/>
-          </a:fontRef>
-        </p:style>
-      </p:cxnSp>
-      <p:cxnSp>
-        <p:nvCxnSpPr>
-          <p:cNvPr id="26" name="Straight Arrow Connector 25">
-            <a:extLst>
-              <a:ext uri="{FF2B5EF4-FFF2-40B4-BE49-F238E27FC236}">
-                <a16:creationId xmlns:a16="http://schemas.microsoft.com/office/drawing/2014/main" id="{CA425464-A4E1-5170-C64F-67841E4B0A51}"/>
-              </a:ext>
-            </a:extLst>
-          </p:cNvPr>
-          <p:cNvCxnSpPr>
-            <a:cxnSpLocks/>
-          </p:cNvCxnSpPr>
-          <p:nvPr/>
-        </p:nvCxnSpPr>
-        <p:spPr>
-          <a:xfrm>
-            <a:off x="4026131" y="2223655"/>
-            <a:ext cx="2100349" cy="1005840"/>
+            <a:off x="2630978" y="2177935"/>
+            <a:ext cx="157942" cy="723207"/>
           </a:xfrm>
           <a:prstGeom prst="straightConnector1">
             <a:avLst/>
@@ -12925,8 +12999,25 @@
             <a:pPr lvl="1"/>
             <a:r>
               <a:rPr dirty="0"/>
-              <a:t>Errors or noisy measurements</a:t>
-            </a:r>
+              <a:t>Errors or noisy measurement</a:t>
+            </a:r>
+            <a:r>
+              <a:rPr lang="en-US" dirty="0"/>
+              <a:t> value</a:t>
+            </a:r>
+            <a:r>
+              <a:rPr dirty="0"/>
+              <a:t>s</a:t>
+            </a:r>
+            <a:endParaRPr lang="en-US" dirty="0"/>
+          </a:p>
+          <a:p>
+            <a:pPr lvl="1"/>
+            <a:r>
+              <a:rPr lang="en-US" dirty="0"/>
+              <a:t>Extreme events not accounted for in model</a:t>
+            </a:r>
+            <a:endParaRPr dirty="0"/>
           </a:p>
           <a:p>
             <a:pPr lvl="1"/>
@@ -13097,66 +13188,43 @@
             </a:r>
           </a:p>
           <a:p>
-            <a:pPr marL="285750" lvl="0" indent="-285750">
+            <a:pPr marL="285750" indent="-285750">
               <a:buFont typeface="Arial" panose="020B0604020202020204" pitchFamily="34" charset="0"/>
               <a:buChar char="•"/>
             </a:pPr>
             <a:r>
               <a:rPr lang="en-US" sz="1800" dirty="0"/>
-              <a:t>Regression without the outlier </a:t>
-            </a:r>
-          </a:p>
-          <a:p>
-            <a:pPr marL="628650" lvl="1" indent="-285750">
+              <a:t>Add a single </a:t>
+            </a:r>
+            <a:r>
+              <a:rPr lang="en-US" sz="1800" b="1" dirty="0"/>
+              <a:t>outlier with high leverage </a:t>
+            </a:r>
+            <a:r>
+              <a:rPr lang="en-US" sz="1800" dirty="0"/>
+              <a:t>to the regression data set</a:t>
+            </a:r>
+          </a:p>
+          <a:p>
+            <a:pPr marL="285750" indent="-285750">
               <a:buFont typeface="Arial" panose="020B0604020202020204" pitchFamily="34" charset="0"/>
               <a:buChar char="•"/>
             </a:pPr>
             <a:r>
-              <a:rPr lang="en-US" sz="1650" dirty="0"/>
-              <a:t>Regression line represents the bulk of the data well</a:t>
-            </a:r>
-          </a:p>
-          <a:p>
-            <a:pPr marL="285750" lvl="0" indent="-285750">
+              <a:rPr lang="en-US" sz="1800" dirty="0"/>
+              <a:t>Regression without the outlier represents the bulk of the data well</a:t>
+            </a:r>
+          </a:p>
+          <a:p>
+            <a:pPr marL="285750" indent="-285750">
               <a:buFont typeface="Arial" panose="020B0604020202020204" pitchFamily="34" charset="0"/>
               <a:buChar char="•"/>
             </a:pPr>
             <a:r>
-              <a:rPr sz="1800" dirty="0"/>
-              <a:t>Add a single </a:t>
-            </a:r>
-            <a:r>
-              <a:rPr sz="1800" b="1" dirty="0"/>
-              <a:t>outlier</a:t>
-            </a:r>
-            <a:r>
-              <a:rPr lang="en-US" sz="1800" b="1" dirty="0"/>
-              <a:t> with high leverage</a:t>
-            </a:r>
-            <a:r>
-              <a:rPr sz="1800" b="1" dirty="0"/>
-              <a:t> </a:t>
-            </a:r>
-            <a:r>
               <a:rPr lang="en-US" sz="1800" dirty="0"/>
-              <a:t>to the </a:t>
-            </a:r>
-            <a:r>
-              <a:rPr sz="1800" dirty="0"/>
-              <a:t>regression data set</a:t>
-            </a:r>
-            <a:endParaRPr lang="en-US" sz="1800" dirty="0"/>
-          </a:p>
-          <a:p>
-            <a:pPr marL="628650" lvl="1" indent="-285750">
-              <a:buFont typeface="Arial" panose="020B0604020202020204" pitchFamily="34" charset="0"/>
-              <a:buChar char="•"/>
-            </a:pPr>
-            <a:r>
-              <a:rPr lang="en-US" sz="1650" dirty="0"/>
-              <a:t>The regression line is now skewed with respect to the bulk of the data </a:t>
-            </a:r>
-            <a:endParaRPr sz="1650" dirty="0"/>
+              <a:t>The regression line with the outlier is skewed with respect to the bulk of the data </a:t>
+            </a:r>
+            <a:endParaRPr sz="1800" dirty="0"/>
           </a:p>
         </p:txBody>
       </p:sp>
@@ -13205,9 +13273,9 @@
           <p:nvPr/>
         </p:nvCxnSpPr>
         <p:spPr>
-          <a:xfrm>
-            <a:off x="4767072" y="2178304"/>
-            <a:ext cx="3604768" cy="300736"/>
+          <a:xfrm flipV="1">
+            <a:off x="4767072" y="2479040"/>
+            <a:ext cx="3604768" cy="52185"/>
           </a:xfrm>
           <a:prstGeom prst="straightConnector1">
             <a:avLst/>
@@ -13251,7 +13319,7 @@
         <p:spPr>
           <a:xfrm flipV="1">
             <a:off x="4767072" y="1247648"/>
-            <a:ext cx="764032" cy="1540256"/>
+            <a:ext cx="764032" cy="643497"/>
           </a:xfrm>
           <a:prstGeom prst="straightConnector1">
             <a:avLst/>
@@ -13294,8 +13362,8 @@
         </p:nvCxnSpPr>
         <p:spPr>
           <a:xfrm>
-            <a:off x="4531360" y="3364992"/>
-            <a:ext cx="1641856" cy="451104"/>
+            <a:off x="4554728" y="3441469"/>
+            <a:ext cx="1659128" cy="374627"/>
           </a:xfrm>
           <a:prstGeom prst="straightConnector1">
             <a:avLst/>
@@ -13442,7 +13510,7 @@
             </a:pPr>
             <a:r>
               <a:rPr lang="en-US" sz="1800" dirty="0"/>
-              <a:t>Intercept is essentially the same </a:t>
+              <a:t>Intercept has only small change </a:t>
             </a:r>
           </a:p>
           <a:p>
@@ -13452,7 +13520,7 @@
             </a:pPr>
             <a:r>
               <a:rPr lang="en-US" sz="1800" dirty="0"/>
-              <a:t>Slope is changed   </a:t>
+              <a:t>Slope is noticeably changed   </a:t>
             </a:r>
           </a:p>
           <a:p>
@@ -14090,6 +14158,214 @@
 </file>
 
 <file path=ppt/slides/slide39.xml><?xml version="1.0" encoding="utf-8"?>
+<p:sld xmlns:a="http://schemas.openxmlformats.org/drawingml/2006/main" xmlns:r="http://schemas.openxmlformats.org/officeDocument/2006/relationships" xmlns:p="http://schemas.openxmlformats.org/presentationml/2006/main">
+  <p:cSld>
+    <p:spTree>
+      <p:nvGrpSpPr>
+        <p:cNvPr id="1" name="">
+          <a:extLst>
+            <a:ext uri="{FF2B5EF4-FFF2-40B4-BE49-F238E27FC236}">
+              <a16:creationId xmlns:a16="http://schemas.microsoft.com/office/drawing/2014/main" id="{67CF1735-9903-BE8B-601F-5E7F191EC334}"/>
+            </a:ext>
+          </a:extLst>
+        </p:cNvPr>
+        <p:cNvGrpSpPr/>
+        <p:nvPr/>
+      </p:nvGrpSpPr>
+      <p:grpSpPr>
+        <a:xfrm>
+          <a:off x="0" y="0"/>
+          <a:ext cx="0" cy="0"/>
+          <a:chOff x="0" y="0"/>
+          <a:chExt cx="0" cy="0"/>
+        </a:xfrm>
+      </p:grpSpPr>
+      <p:sp>
+        <p:nvSpPr>
+          <p:cNvPr id="2" name="Title 1">
+            <a:extLst>
+              <a:ext uri="{FF2B5EF4-FFF2-40B4-BE49-F238E27FC236}">
+                <a16:creationId xmlns:a16="http://schemas.microsoft.com/office/drawing/2014/main" id="{F87B9E11-5EA0-97D5-B56A-60615F66973C}"/>
+              </a:ext>
+            </a:extLst>
+          </p:cNvPr>
+          <p:cNvSpPr>
+            <a:spLocks noGrp="1"/>
+          </p:cNvSpPr>
+          <p:nvPr>
+            <p:ph type="title"/>
+          </p:nvPr>
+        </p:nvSpPr>
+        <p:spPr/>
+        <p:txBody>
+          <a:bodyPr/>
+          <a:lstStyle/>
+          <a:p>
+            <a:pPr marL="0" lvl="0" indent="0">
+              <a:buNone/>
+            </a:pPr>
+            <a:r>
+              <a:rPr lang="en-US" dirty="0">
+                <a:latin typeface="+mn-lt"/>
+              </a:rPr>
+              <a:t>Measuring Influence of </a:t>
+            </a:r>
+            <a:r>
+              <a:rPr dirty="0">
+                <a:latin typeface="+mn-lt"/>
+              </a:rPr>
+              <a:t>Outliers</a:t>
+            </a:r>
+          </a:p>
+        </p:txBody>
+      </p:sp>
+      <p:sp>
+        <p:nvSpPr>
+          <p:cNvPr id="3" name="Content Placeholder 2">
+            <a:extLst>
+              <a:ext uri="{FF2B5EF4-FFF2-40B4-BE49-F238E27FC236}">
+                <a16:creationId xmlns:a16="http://schemas.microsoft.com/office/drawing/2014/main" id="{9711098F-EB4C-4DC9-6F93-02AA0DA4FFF3}"/>
+              </a:ext>
+            </a:extLst>
+          </p:cNvPr>
+          <p:cNvSpPr>
+            <a:spLocks noGrp="1"/>
+          </p:cNvSpPr>
+          <p:nvPr>
+            <p:ph idx="1"/>
+          </p:nvPr>
+        </p:nvSpPr>
+        <p:spPr>
+          <a:xfrm>
+            <a:off x="457200" y="1200150"/>
+            <a:ext cx="8229600" cy="3609675"/>
+          </a:xfrm>
+        </p:spPr>
+        <p:txBody>
+          <a:bodyPr>
+            <a:normAutofit/>
+          </a:bodyPr>
+          <a:lstStyle/>
+          <a:p>
+            <a:pPr marL="0" lvl="0" indent="0">
+              <a:buNone/>
+            </a:pPr>
+            <a:r>
+              <a:rPr lang="en-US" dirty="0"/>
+              <a:t>There are several measures we can use to understand outliers</a:t>
+            </a:r>
+          </a:p>
+          <a:p>
+            <a:r>
+              <a:rPr lang="en-US" b="1" dirty="0"/>
+              <a:t>Residual distance</a:t>
+            </a:r>
+            <a:r>
+              <a:rPr lang="en-US" dirty="0"/>
+              <a:t>, the difference between observed and model response    </a:t>
+            </a:r>
+          </a:p>
+          <a:p>
+            <a:r>
+              <a:rPr lang="en-US" b="1" dirty="0"/>
+              <a:t>Leverage</a:t>
+            </a:r>
+            <a:r>
+              <a:rPr lang="en-US" dirty="0"/>
+              <a:t>, the absolute distance from the mean of the independent variables   </a:t>
+            </a:r>
+          </a:p>
+          <a:p>
+            <a:r>
+              <a:rPr lang="en-US" b="1" dirty="0"/>
+              <a:t>Influence and Cooke’s distance</a:t>
+            </a:r>
+            <a:r>
+              <a:rPr lang="en-US" dirty="0"/>
+              <a:t>, the change in the response from leaving out an observation when fitting the model   </a:t>
+            </a:r>
+            <a:endParaRPr dirty="0"/>
+          </a:p>
+        </p:txBody>
+      </p:sp>
+    </p:spTree>
+    <p:extLst>
+      <p:ext uri="{BB962C8B-B14F-4D97-AF65-F5344CB8AC3E}">
+        <p14:creationId xmlns:p14="http://schemas.microsoft.com/office/powerpoint/2010/main" val="2272712016"/>
+      </p:ext>
+    </p:extLst>
+  </p:cSld>
+  <p:clrMapOvr>
+    <a:masterClrMapping/>
+  </p:clrMapOvr>
+</p:sld>
+</file>
+
+<file path=ppt/slides/slide4.xml><?xml version="1.0" encoding="utf-8"?>
+<p:sld xmlns:a="http://schemas.openxmlformats.org/drawingml/2006/main" xmlns:r="http://schemas.openxmlformats.org/officeDocument/2006/relationships" xmlns:p="http://schemas.openxmlformats.org/presentationml/2006/main">
+  <p:cSld>
+    <p:spTree>
+      <p:nvGrpSpPr>
+        <p:cNvPr id="1" name=""/>
+        <p:cNvGrpSpPr/>
+        <p:nvPr/>
+      </p:nvGrpSpPr>
+      <p:grpSpPr>
+        <a:xfrm>
+          <a:off x="0" y="0"/>
+          <a:ext cx="0" cy="0"/>
+          <a:chOff x="0" y="0"/>
+          <a:chExt cx="0" cy="0"/>
+        </a:xfrm>
+      </p:grpSpPr>
+      <p:sp>
+        <p:nvSpPr>
+          <p:cNvPr id="2" name="Title 1">
+            <a:extLst>
+              <a:ext uri="{FF2B5EF4-FFF2-40B4-BE49-F238E27FC236}">
+                <a16:creationId xmlns:a16="http://schemas.microsoft.com/office/drawing/2014/main" id="{5498C255-8488-A6BF-D8CF-6C0F8BDB00EA}"/>
+              </a:ext>
+            </a:extLst>
+          </p:cNvPr>
+          <p:cNvSpPr>
+            <a:spLocks noGrp="1"/>
+          </p:cNvSpPr>
+          <p:nvPr>
+            <p:ph type="title"/>
+          </p:nvPr>
+        </p:nvSpPr>
+        <p:spPr>
+          <a:xfrm>
+            <a:off x="771081" y="1850264"/>
+            <a:ext cx="7772400" cy="1021556"/>
+          </a:xfrm>
+        </p:spPr>
+        <p:txBody>
+          <a:bodyPr/>
+          <a:lstStyle/>
+          <a:p>
+            <a:pPr algn="ctr"/>
+            <a:r>
+              <a:rPr lang="en-US" b="0" cap="none" dirty="0"/>
+              <a:t>Models for Zero-Inflated Response</a:t>
+            </a:r>
+          </a:p>
+        </p:txBody>
+      </p:sp>
+    </p:spTree>
+    <p:extLst>
+      <p:ext uri="{BB962C8B-B14F-4D97-AF65-F5344CB8AC3E}">
+        <p14:creationId xmlns:p14="http://schemas.microsoft.com/office/powerpoint/2010/main" val="3761794938"/>
+      </p:ext>
+    </p:extLst>
+  </p:cSld>
+  <p:clrMapOvr>
+    <a:masterClrMapping/>
+  </p:clrMapOvr>
+</p:sld>
+</file>
+
+<file path=ppt/slides/slide40.xml><?xml version="1.0" encoding="utf-8"?>
 <p:sld xmlns:a="http://schemas.openxmlformats.org/drawingml/2006/main" xmlns:r="http://schemas.openxmlformats.org/officeDocument/2006/relationships" xmlns:p="http://schemas.openxmlformats.org/presentationml/2006/main">
   <p:cSld>
     <p:spTree>
@@ -14798,71 +15074,7 @@
 </p:sld>
 </file>
 
-<file path=ppt/slides/slide4.xml><?xml version="1.0" encoding="utf-8"?>
-<p:sld xmlns:a="http://schemas.openxmlformats.org/drawingml/2006/main" xmlns:r="http://schemas.openxmlformats.org/officeDocument/2006/relationships" xmlns:p="http://schemas.openxmlformats.org/presentationml/2006/main">
-  <p:cSld>
-    <p:spTree>
-      <p:nvGrpSpPr>
-        <p:cNvPr id="1" name=""/>
-        <p:cNvGrpSpPr/>
-        <p:nvPr/>
-      </p:nvGrpSpPr>
-      <p:grpSpPr>
-        <a:xfrm>
-          <a:off x="0" y="0"/>
-          <a:ext cx="0" cy="0"/>
-          <a:chOff x="0" y="0"/>
-          <a:chExt cx="0" cy="0"/>
-        </a:xfrm>
-      </p:grpSpPr>
-      <p:sp>
-        <p:nvSpPr>
-          <p:cNvPr id="2" name="Title 1">
-            <a:extLst>
-              <a:ext uri="{FF2B5EF4-FFF2-40B4-BE49-F238E27FC236}">
-                <a16:creationId xmlns:a16="http://schemas.microsoft.com/office/drawing/2014/main" id="{5498C255-8488-A6BF-D8CF-6C0F8BDB00EA}"/>
-              </a:ext>
-            </a:extLst>
-          </p:cNvPr>
-          <p:cNvSpPr>
-            <a:spLocks noGrp="1"/>
-          </p:cNvSpPr>
-          <p:nvPr>
-            <p:ph type="title"/>
-          </p:nvPr>
-        </p:nvSpPr>
-        <p:spPr>
-          <a:xfrm>
-            <a:off x="771081" y="1850264"/>
-            <a:ext cx="7772400" cy="1021556"/>
-          </a:xfrm>
-        </p:spPr>
-        <p:txBody>
-          <a:bodyPr/>
-          <a:lstStyle/>
-          <a:p>
-            <a:pPr algn="ctr"/>
-            <a:r>
-              <a:rPr lang="en-US" b="0" cap="none" dirty="0"/>
-              <a:t>Models for Zero-Inflated Response</a:t>
-            </a:r>
-          </a:p>
-        </p:txBody>
-      </p:sp>
-    </p:spTree>
-    <p:extLst>
-      <p:ext uri="{BB962C8B-B14F-4D97-AF65-F5344CB8AC3E}">
-        <p14:creationId xmlns:p14="http://schemas.microsoft.com/office/powerpoint/2010/main" val="3761794938"/>
-      </p:ext>
-    </p:extLst>
-  </p:cSld>
-  <p:clrMapOvr>
-    <a:masterClrMapping/>
-  </p:clrMapOvr>
-</p:sld>
-</file>
-
-<file path=ppt/slides/slide40.xml><?xml version="1.0" encoding="utf-8"?>
+<file path=ppt/slides/slide41.xml><?xml version="1.0" encoding="utf-8"?>
 <p:sld xmlns:a="http://schemas.openxmlformats.org/drawingml/2006/main" xmlns:r="http://schemas.openxmlformats.org/officeDocument/2006/relationships" xmlns:p="http://schemas.openxmlformats.org/presentationml/2006/main">
   <p:cSld>
     <p:spTree>
@@ -15037,7 +15249,7 @@
 </p:sld>
 </file>
 
-<file path=ppt/slides/slide41.xml><?xml version="1.0" encoding="utf-8"?>
+<file path=ppt/slides/slide42.xml><?xml version="1.0" encoding="utf-8"?>
 <p:sld xmlns:a="http://schemas.openxmlformats.org/drawingml/2006/main" xmlns:r="http://schemas.openxmlformats.org/officeDocument/2006/relationships" xmlns:p="http://schemas.openxmlformats.org/presentationml/2006/main">
   <p:cSld>
     <p:spTree>
@@ -15160,11 +15372,11 @@
             <a:pPr lvl="1"/>
             <a:r>
               <a:rPr lang="en-US" dirty="0"/>
-              <a:t>Influence function is </a:t>
+              <a:t>But the influence function is </a:t>
             </a:r>
             <a:r>
               <a:rPr lang="en-US" b="1" dirty="0"/>
-              <a:t>unbounded</a:t>
+              <a:t>unbounded!</a:t>
             </a:r>
           </a:p>
           <a:p>
@@ -15188,7 +15400,7 @@
 </p:sld>
 </file>
 
-<file path=ppt/slides/slide42.xml><?xml version="1.0" encoding="utf-8"?>
+<file path=ppt/slides/slide43.xml><?xml version="1.0" encoding="utf-8"?>
 <p:sld xmlns:a="http://schemas.openxmlformats.org/drawingml/2006/main" xmlns:r="http://schemas.openxmlformats.org/officeDocument/2006/relationships" xmlns:p="http://schemas.openxmlformats.org/presentationml/2006/main">
   <p:cSld>
     <p:spTree>
@@ -15347,8 +15559,12 @@
           <a:p>
             <a:pPr lvl="1"/>
             <a:r>
+              <a:rPr lang="en-US" dirty="0" err="1"/>
+              <a:t>Difficulet</a:t>
+            </a:r>
+            <a:r>
               <a:rPr dirty="0"/>
-              <a:t>Hard to implement beyond 1-dimension</a:t>
+              <a:t> to implement beyond 1-dimension</a:t>
             </a:r>
             <a:endParaRPr lang="en-US" dirty="0"/>
           </a:p>
@@ -15403,7 +15619,7 @@
 </p:sld>
 </file>
 
-<file path=ppt/slides/slide43.xml><?xml version="1.0" encoding="utf-8"?>
+<file path=ppt/slides/slide44.xml><?xml version="1.0" encoding="utf-8"?>
 <p:sld xmlns:a="http://schemas.openxmlformats.org/drawingml/2006/main" xmlns:r="http://schemas.openxmlformats.org/officeDocument/2006/relationships" xmlns:p="http://schemas.openxmlformats.org/presentationml/2006/main">
   <p:cSld>
     <p:spTree>
@@ -15530,6 +15746,11 @@
               <a:rPr dirty="0"/>
               <a:t>Derivative of influence function is not defined</a:t>
             </a:r>
+            <a:r>
+              <a:rPr lang="en-US" dirty="0"/>
+              <a:t> at 0</a:t>
+            </a:r>
+            <a:endParaRPr dirty="0"/>
           </a:p>
         </p:txBody>
       </p:sp>
@@ -15633,7 +15854,7 @@
 </p:sld>
 </file>
 
-<file path=ppt/slides/slide44.xml><?xml version="1.0" encoding="utf-8"?>
+<file path=ppt/slides/slide45.xml><?xml version="1.0" encoding="utf-8"?>
 <p:sld xmlns:a="http://schemas.openxmlformats.org/drawingml/2006/main" xmlns:r="http://schemas.openxmlformats.org/officeDocument/2006/relationships" xmlns:p="http://schemas.openxmlformats.org/presentationml/2006/main">
   <p:cSld>
     <p:spTree>
@@ -16333,7 +16554,7 @@
 </p:sld>
 </file>
 
-<file path=ppt/slides/slide45.xml><?xml version="1.0" encoding="utf-8"?>
+<file path=ppt/slides/slide46.xml><?xml version="1.0" encoding="utf-8"?>
 <p:sld xmlns:a="http://schemas.openxmlformats.org/drawingml/2006/main" xmlns:r="http://schemas.openxmlformats.org/officeDocument/2006/relationships" xmlns:p="http://schemas.openxmlformats.org/presentationml/2006/main">
   <p:cSld>
     <p:spTree>
@@ -16488,7 +16709,7 @@
 </p:sld>
 </file>
 
-<file path=ppt/slides/slide46.xml><?xml version="1.0" encoding="utf-8"?>
+<file path=ppt/slides/slide47.xml><?xml version="1.0" encoding="utf-8"?>
 <p:sld xmlns:a="http://schemas.openxmlformats.org/drawingml/2006/main" xmlns:r="http://schemas.openxmlformats.org/officeDocument/2006/relationships" xmlns:p="http://schemas.openxmlformats.org/presentationml/2006/main">
   <p:cSld>
     <p:spTree>
@@ -16963,7 +17184,7 @@
 </p:sld>
 </file>
 
-<file path=ppt/slides/slide47.xml><?xml version="1.0" encoding="utf-8"?>
+<file path=ppt/slides/slide48.xml><?xml version="1.0" encoding="utf-8"?>
 <p:sld xmlns:a="http://schemas.openxmlformats.org/drawingml/2006/main" xmlns:r="http://schemas.openxmlformats.org/officeDocument/2006/relationships" xmlns:p="http://schemas.openxmlformats.org/presentationml/2006/main">
   <p:cSld>
     <p:spTree>
@@ -17005,8 +17226,8 @@
           </a:p>
         </p:txBody>
       </p:sp>
-      <mc:AlternateContent xmlns:mc="http://schemas.openxmlformats.org/markup-compatibility/2006" xmlns:a14="http://schemas.microsoft.com/office/drawing/2010/main">
-        <mc:Choice Requires="a14">
+      <mc:AlternateContent xmlns:mc="http://schemas.openxmlformats.org/markup-compatibility/2006">
+        <mc:Choice xmlns:a14="http://schemas.microsoft.com/office/drawing/2010/main" Requires="a14">
           <p:sp>
             <p:nvSpPr>
               <p:cNvPr id="3" name="Content Placeholder 2"/>
@@ -17065,8 +17286,20 @@
               <a:p>
                 <a:pPr lvl="0"/>
                 <a:r>
+                  <a:rPr lang="en-US" dirty="0"/>
+                  <a:t>E</a:t>
+                </a:r>
+                <a:r>
                   <a:rPr dirty="0"/>
-                  <a:t>An example is </a:t>
+                  <a:t>xample</a:t>
+                </a:r>
+                <a:r>
+                  <a:rPr lang="en-US" dirty="0"/>
+                  <a:t>,</a:t>
+                </a:r>
+                <a:r>
+                  <a:rPr dirty="0"/>
+                  <a:t> </a:t>
                 </a:r>
                 <a:r>
                   <a:rPr b="1" dirty="0"/>
@@ -17129,7 +17362,7 @@
             </p:txBody>
           </p:sp>
         </mc:Choice>
-        <mc:Fallback xmlns="">
+        <mc:Fallback>
           <p:sp>
             <p:nvSpPr>
               <p:cNvPr id="3" name="Content Placeholder 2"/>
@@ -17419,7 +17652,7 @@
 </p:sld>
 </file>
 
-<file path=ppt/slides/slide48.xml><?xml version="1.0" encoding="utf-8"?>
+<file path=ppt/slides/slide49.xml><?xml version="1.0" encoding="utf-8"?>
 <p:sld xmlns:a="http://schemas.openxmlformats.org/drawingml/2006/main" xmlns:r="http://schemas.openxmlformats.org/officeDocument/2006/relationships" xmlns:p="http://schemas.openxmlformats.org/presentationml/2006/main">
   <p:cSld>
     <p:spTree>
@@ -17772,7 +18005,168 @@
 </p:sld>
 </file>
 
-<file path=ppt/slides/slide49.xml><?xml version="1.0" encoding="utf-8"?>
+<file path=ppt/slides/slide5.xml><?xml version="1.0" encoding="utf-8"?>
+<p:sld xmlns:a="http://schemas.openxmlformats.org/drawingml/2006/main" xmlns:r="http://schemas.openxmlformats.org/officeDocument/2006/relationships" xmlns:p="http://schemas.openxmlformats.org/presentationml/2006/main">
+  <p:cSld>
+    <p:spTree>
+      <p:nvGrpSpPr>
+        <p:cNvPr id="1" name="">
+          <a:extLst>
+            <a:ext uri="{FF2B5EF4-FFF2-40B4-BE49-F238E27FC236}">
+              <a16:creationId xmlns:a16="http://schemas.microsoft.com/office/drawing/2014/main" id="{9AC68F5F-5608-0C70-F2DD-623A1DC2FC79}"/>
+            </a:ext>
+          </a:extLst>
+        </p:cNvPr>
+        <p:cNvGrpSpPr/>
+        <p:nvPr/>
+      </p:nvGrpSpPr>
+      <p:grpSpPr>
+        <a:xfrm>
+          <a:off x="0" y="0"/>
+          <a:ext cx="0" cy="0"/>
+          <a:chOff x="0" y="0"/>
+          <a:chExt cx="0" cy="0"/>
+        </a:xfrm>
+      </p:grpSpPr>
+      <p:sp>
+        <p:nvSpPr>
+          <p:cNvPr id="2" name="Title 1">
+            <a:extLst>
+              <a:ext uri="{FF2B5EF4-FFF2-40B4-BE49-F238E27FC236}">
+                <a16:creationId xmlns:a16="http://schemas.microsoft.com/office/drawing/2014/main" id="{68CF49BB-AD56-E7CF-4823-D942D28B5EBD}"/>
+              </a:ext>
+            </a:extLst>
+          </p:cNvPr>
+          <p:cNvSpPr>
+            <a:spLocks noGrp="1"/>
+          </p:cNvSpPr>
+          <p:nvPr>
+            <p:ph type="title"/>
+          </p:nvPr>
+        </p:nvSpPr>
+        <p:spPr/>
+        <p:txBody>
+          <a:bodyPr/>
+          <a:lstStyle/>
+          <a:p>
+            <a:pPr marL="0" lvl="0" indent="0">
+              <a:buNone/>
+            </a:pPr>
+            <a:r>
+              <a:rPr lang="en-US" dirty="0"/>
+              <a:t>Zero-Inflated Responses</a:t>
+            </a:r>
+            <a:endParaRPr dirty="0"/>
+          </a:p>
+        </p:txBody>
+      </p:sp>
+      <p:sp>
+        <p:nvSpPr>
+          <p:cNvPr id="3" name="Content Placeholder 2">
+            <a:extLst>
+              <a:ext uri="{FF2B5EF4-FFF2-40B4-BE49-F238E27FC236}">
+                <a16:creationId xmlns:a16="http://schemas.microsoft.com/office/drawing/2014/main" id="{A2E97D54-EC36-0EE6-7D66-58D0B07E5E81}"/>
+              </a:ext>
+            </a:extLst>
+          </p:cNvPr>
+          <p:cNvSpPr>
+            <a:spLocks noGrp="1"/>
+          </p:cNvSpPr>
+          <p:nvPr>
+            <p:ph idx="1"/>
+          </p:nvPr>
+        </p:nvSpPr>
+        <p:spPr/>
+        <p:txBody>
+          <a:bodyPr>
+            <a:normAutofit fontScale="85000" lnSpcReduction="10000"/>
+          </a:bodyPr>
+          <a:lstStyle/>
+          <a:p>
+            <a:pPr marL="0" lvl="0" indent="0">
+              <a:buNone/>
+            </a:pPr>
+            <a:r>
+              <a:rPr lang="en-US" dirty="0"/>
+              <a:t>Zero-inflated response variables arise in many situations </a:t>
+            </a:r>
+            <a:endParaRPr dirty="0"/>
+          </a:p>
+          <a:p>
+            <a:pPr lvl="0"/>
+            <a:r>
+              <a:rPr lang="en-US" dirty="0"/>
+              <a:t>Most people who view an ecommerce site buy 0 products</a:t>
+            </a:r>
+          </a:p>
+          <a:p>
+            <a:pPr lvl="0"/>
+            <a:r>
+              <a:rPr lang="en-US" dirty="0"/>
+              <a:t>Most auto drivers have no crashes per year </a:t>
+            </a:r>
+          </a:p>
+          <a:p>
+            <a:pPr lvl="0"/>
+            <a:r>
+              <a:rPr lang="en-US" dirty="0"/>
+              <a:t>Most dental patients examined require 0 root </a:t>
+            </a:r>
+            <a:r>
+              <a:rPr lang="en-US" dirty="0" err="1"/>
+              <a:t>cannals</a:t>
+            </a:r>
+            <a:r>
+              <a:rPr lang="en-US" dirty="0"/>
+              <a:t> </a:t>
+            </a:r>
+          </a:p>
+          <a:p>
+            <a:pPr lvl="0"/>
+            <a:r>
+              <a:rPr lang="en-US" dirty="0"/>
+              <a:t>In much of the world the average rainfall amount on a specific day is 0 </a:t>
+            </a:r>
+          </a:p>
+          <a:p>
+            <a:pPr lvl="0"/>
+            <a:r>
+              <a:rPr lang="en-US" dirty="0"/>
+              <a:t>The number of sever weather events in a specific area per month is typically 0  </a:t>
+            </a:r>
+          </a:p>
+          <a:p>
+            <a:r>
+              <a:rPr lang="en-US" dirty="0"/>
+              <a:t>In epidemiology the probability distribution of the number of people contracting a disease in per day has many zeros</a:t>
+            </a:r>
+          </a:p>
+          <a:p>
+            <a:r>
+              <a:rPr lang="en-US" dirty="0"/>
+              <a:t>Etc.</a:t>
+            </a:r>
+          </a:p>
+          <a:p>
+            <a:pPr lvl="0"/>
+            <a:endParaRPr dirty="0"/>
+          </a:p>
+        </p:txBody>
+      </p:sp>
+    </p:spTree>
+    <p:extLst>
+      <p:ext uri="{BB962C8B-B14F-4D97-AF65-F5344CB8AC3E}">
+        <p14:creationId xmlns:p14="http://schemas.microsoft.com/office/powerpoint/2010/main" val="1417896931"/>
+      </p:ext>
+    </p:extLst>
+  </p:cSld>
+  <p:clrMapOvr>
+    <a:masterClrMapping/>
+  </p:clrMapOvr>
+</p:sld>
+</file>
+
+<file path=ppt/slides/slide50.xml><?xml version="1.0" encoding="utf-8"?>
 <p:sld xmlns:a="http://schemas.openxmlformats.org/drawingml/2006/main" xmlns:r="http://schemas.openxmlformats.org/officeDocument/2006/relationships" xmlns:p="http://schemas.openxmlformats.org/presentationml/2006/main">
   <p:cSld>
     <p:spTree>
@@ -17946,8 +18340,8 @@
         </p:nvCxnSpPr>
         <p:spPr>
           <a:xfrm>
-            <a:off x="4289368" y="1691640"/>
-            <a:ext cx="4343399" cy="556953"/>
+            <a:off x="4326775" y="1691640"/>
+            <a:ext cx="4305992" cy="556953"/>
           </a:xfrm>
           <a:prstGeom prst="straightConnector1">
             <a:avLst/>
@@ -18070,153 +18464,7 @@
 </p:sld>
 </file>
 
-<file path=ppt/slides/slide5.xml><?xml version="1.0" encoding="utf-8"?>
-<p:sld xmlns:a="http://schemas.openxmlformats.org/drawingml/2006/main" xmlns:r="http://schemas.openxmlformats.org/officeDocument/2006/relationships" xmlns:p="http://schemas.openxmlformats.org/presentationml/2006/main">
-  <p:cSld>
-    <p:spTree>
-      <p:nvGrpSpPr>
-        <p:cNvPr id="1" name="">
-          <a:extLst>
-            <a:ext uri="{FF2B5EF4-FFF2-40B4-BE49-F238E27FC236}">
-              <a16:creationId xmlns:a16="http://schemas.microsoft.com/office/drawing/2014/main" id="{9AC68F5F-5608-0C70-F2DD-623A1DC2FC79}"/>
-            </a:ext>
-          </a:extLst>
-        </p:cNvPr>
-        <p:cNvGrpSpPr/>
-        <p:nvPr/>
-      </p:nvGrpSpPr>
-      <p:grpSpPr>
-        <a:xfrm>
-          <a:off x="0" y="0"/>
-          <a:ext cx="0" cy="0"/>
-          <a:chOff x="0" y="0"/>
-          <a:chExt cx="0" cy="0"/>
-        </a:xfrm>
-      </p:grpSpPr>
-      <p:sp>
-        <p:nvSpPr>
-          <p:cNvPr id="2" name="Title 1">
-            <a:extLst>
-              <a:ext uri="{FF2B5EF4-FFF2-40B4-BE49-F238E27FC236}">
-                <a16:creationId xmlns:a16="http://schemas.microsoft.com/office/drawing/2014/main" id="{68CF49BB-AD56-E7CF-4823-D942D28B5EBD}"/>
-              </a:ext>
-            </a:extLst>
-          </p:cNvPr>
-          <p:cNvSpPr>
-            <a:spLocks noGrp="1"/>
-          </p:cNvSpPr>
-          <p:nvPr>
-            <p:ph type="title"/>
-          </p:nvPr>
-        </p:nvSpPr>
-        <p:spPr/>
-        <p:txBody>
-          <a:bodyPr/>
-          <a:lstStyle/>
-          <a:p>
-            <a:pPr marL="0" lvl="0" indent="0">
-              <a:buNone/>
-            </a:pPr>
-            <a:r>
-              <a:rPr lang="en-US" dirty="0"/>
-              <a:t>Zero-Inflated Responses</a:t>
-            </a:r>
-            <a:endParaRPr dirty="0"/>
-          </a:p>
-        </p:txBody>
-      </p:sp>
-      <p:sp>
-        <p:nvSpPr>
-          <p:cNvPr id="3" name="Content Placeholder 2">
-            <a:extLst>
-              <a:ext uri="{FF2B5EF4-FFF2-40B4-BE49-F238E27FC236}">
-                <a16:creationId xmlns:a16="http://schemas.microsoft.com/office/drawing/2014/main" id="{A2E97D54-EC36-0EE6-7D66-58D0B07E5E81}"/>
-              </a:ext>
-            </a:extLst>
-          </p:cNvPr>
-          <p:cNvSpPr>
-            <a:spLocks noGrp="1"/>
-          </p:cNvSpPr>
-          <p:nvPr>
-            <p:ph idx="1"/>
-          </p:nvPr>
-        </p:nvSpPr>
-        <p:spPr/>
-        <p:txBody>
-          <a:bodyPr>
-            <a:normAutofit fontScale="92500" lnSpcReduction="20000"/>
-          </a:bodyPr>
-          <a:lstStyle/>
-          <a:p>
-            <a:pPr marL="0" lvl="0" indent="0">
-              <a:buNone/>
-            </a:pPr>
-            <a:r>
-              <a:rPr lang="en-US" dirty="0"/>
-              <a:t>Zero-inflated response variables arise in many situations </a:t>
-            </a:r>
-            <a:endParaRPr dirty="0"/>
-          </a:p>
-          <a:p>
-            <a:pPr lvl="0"/>
-            <a:r>
-              <a:rPr lang="en-US" dirty="0"/>
-              <a:t>Most people who view an ecommerce site buy 0 products</a:t>
-            </a:r>
-          </a:p>
-          <a:p>
-            <a:pPr lvl="0"/>
-            <a:r>
-              <a:rPr lang="en-US" dirty="0"/>
-              <a:t>Most auto drivers have no crashes per year </a:t>
-            </a:r>
-          </a:p>
-          <a:p>
-            <a:pPr lvl="0"/>
-            <a:r>
-              <a:rPr lang="en-US" dirty="0"/>
-              <a:t>In much of the world the average rainfall amount on a specific day is 0 </a:t>
-            </a:r>
-          </a:p>
-          <a:p>
-            <a:pPr lvl="0"/>
-            <a:r>
-              <a:rPr lang="en-US" dirty="0"/>
-              <a:t>The number of sever weather events in a specific area per month is often 0  </a:t>
-            </a:r>
-          </a:p>
-          <a:p>
-            <a:r>
-              <a:rPr lang="en-US" dirty="0"/>
-              <a:t>In epidemiology the probability distribution of the number of people contracting a disease in per day has many zeros</a:t>
-            </a:r>
-          </a:p>
-          <a:p>
-            <a:r>
-              <a:rPr lang="en-US" dirty="0"/>
-              <a:t>Etc.</a:t>
-            </a:r>
-          </a:p>
-          <a:p>
-            <a:pPr lvl="0"/>
-            <a:endParaRPr dirty="0"/>
-          </a:p>
-        </p:txBody>
-      </p:sp>
-    </p:spTree>
-    <p:extLst>
-      <p:ext uri="{BB962C8B-B14F-4D97-AF65-F5344CB8AC3E}">
-        <p14:creationId xmlns:p14="http://schemas.microsoft.com/office/powerpoint/2010/main" val="1417896931"/>
-      </p:ext>
-    </p:extLst>
-  </p:cSld>
-  <p:clrMapOvr>
-    <a:masterClrMapping/>
-  </p:clrMapOvr>
-</p:sld>
-</file>
-
-<file path=ppt/slides/slide50.xml><?xml version="1.0" encoding="utf-8"?>
+<file path=ppt/slides/slide51.xml><?xml version="1.0" encoding="utf-8"?>
 <p:sld xmlns:a="http://schemas.openxmlformats.org/drawingml/2006/main" xmlns:r="http://schemas.openxmlformats.org/officeDocument/2006/relationships" xmlns:p="http://schemas.openxmlformats.org/presentationml/2006/main">
   <p:cSld>
     <p:spTree>
@@ -18365,7 +18613,7 @@
         </p:spPr>
         <p:txBody>
           <a:bodyPr>
-            <a:normAutofit/>
+            <a:normAutofit fontScale="92500" lnSpcReduction="20000"/>
           </a:bodyPr>
           <a:lstStyle/>
           <a:p>
@@ -18397,6 +18645,16 @@
             <a:r>
               <a:rPr lang="en-US" sz="2000" dirty="0"/>
               <a:t>The slope coefficients are noticeably different   </a:t>
+            </a:r>
+          </a:p>
+          <a:p>
+            <a:pPr marL="342900" lvl="0" indent="-342900">
+              <a:buFont typeface="Arial" panose="020B0604020202020204" pitchFamily="34" charset="0"/>
+              <a:buChar char="•"/>
+            </a:pPr>
+            <a:r>
+              <a:rPr lang="en-US" sz="2000" dirty="0"/>
+              <a:t>CIs of slope coefficient are reduced in robust model  </a:t>
             </a:r>
           </a:p>
           <a:p>
@@ -18589,7 +18847,7 @@
 </p:sld>
 </file>
 
-<file path=ppt/slides/slide51.xml><?xml version="1.0" encoding="utf-8"?>
+<file path=ppt/slides/slide52.xml><?xml version="1.0" encoding="utf-8"?>
 <p:sld xmlns:a="http://schemas.openxmlformats.org/drawingml/2006/main" xmlns:r="http://schemas.openxmlformats.org/officeDocument/2006/relationships" xmlns:p="http://schemas.openxmlformats.org/presentationml/2006/main">
   <p:cSld>
     <p:spTree>
@@ -18969,7 +19227,7 @@
 </p:sld>
 </file>
 
-<file path=ppt/slides/slide52.xml><?xml version="1.0" encoding="utf-8"?>
+<file path=ppt/slides/slide53.xml><?xml version="1.0" encoding="utf-8"?>
 <p:sld xmlns:a="http://schemas.openxmlformats.org/drawingml/2006/main" xmlns:r="http://schemas.openxmlformats.org/officeDocument/2006/relationships" xmlns:p="http://schemas.openxmlformats.org/presentationml/2006/main">
   <p:cSld>
     <p:spTree>
@@ -19586,7 +19844,7 @@
             <a:pPr lvl="1"/>
             <a:r>
               <a:rPr lang="en-US" dirty="0"/>
-              <a:t>A binomial distribution </a:t>
+              <a:t>A binomial distribution, or switching distribution  </a:t>
             </a:r>
           </a:p>
           <a:p>
@@ -19702,7 +19960,7 @@
             </p:spPr>
             <p:txBody>
               <a:bodyPr>
-                <a:normAutofit fontScale="92500" lnSpcReduction="20000"/>
+                <a:normAutofit lnSpcReduction="10000"/>
               </a:bodyPr>
               <a:lstStyle/>
               <a:p>
@@ -19717,7 +19975,7 @@
               <a:p>
                 <a:r>
                   <a:rPr lang="en-US" dirty="0"/>
-                  <a:t>The binomial distribution serves as a ‘switch’ between 0 response and the other distribution    </a:t>
+                  <a:t>The binomial distribution serves as a ‘switch’ between 0 response and the other distribution(s)    </a:t>
                 </a:r>
               </a:p>
               <a:p>
@@ -19828,13 +20086,13 @@
                 </a14:m>
                 <a:r>
                   <a:rPr lang="en-US" dirty="0"/>
-                  <a:t> may include 0 responses   </a:t>
+                  <a:t> may include 0 responses, but insufficient number  </a:t>
                 </a:r>
               </a:p>
               <a:p>
                 <a:r>
                   <a:rPr lang="en-US" dirty="0"/>
-                  <a:t>Use a binomial distribution switches between 0 response and </a:t>
+                  <a:t>Binomial distribution switches between 0 response and </a:t>
                 </a:r>
                 <a14:m>
                   <m:oMath xmlns:m="http://schemas.openxmlformats.org/officeDocument/2006/math">
@@ -19904,417 +20162,370 @@
                 <a:pPr lvl="1"/>
                 <a:r>
                   <a:rPr lang="en-US" dirty="0"/>
-                  <a:t>Adds an addition degree of freedom </a:t>
-                </a:r>
-              </a:p>
-              <a:p>
-                <a:r>
-                  <a:rPr lang="en-US" dirty="0"/>
-                  <a:t>The zero-inflated density, </a:t>
+                  <a:t>Switching probability adds an addition degree of freedom </a:t>
                 </a:r>
                 <a14:m>
                   <m:oMath xmlns:m="http://schemas.openxmlformats.org/officeDocument/2006/math">
-                    <m:r>
-                      <a:rPr lang="en-US" b="0" i="1" smtClean="0">
-                        <a:latin typeface="Cambria Math" panose="02040503050406030204" pitchFamily="18" charset="0"/>
-                      </a:rPr>
-                      <m:t>𝑃</m:t>
-                    </m:r>
-                    <m:d>
-                      <m:dPr>
+                    <m:m>
+                      <m:mPr>
+                        <m:mcs>
+                          <m:mc>
+                            <m:mcPr>
+                              <m:count m:val="1"/>
+                              <m:mcJc m:val="center"/>
+                            </m:mcPr>
+                          </m:mc>
+                        </m:mcs>
                         <m:ctrlPr>
-                          <a:rPr lang="en-US" b="0" i="1" smtClean="0">
+                          <a:rPr lang="en-US" i="1" smtClean="0">
                             <a:latin typeface="Cambria Math" panose="02040503050406030204" pitchFamily="18" charset="0"/>
                           </a:rPr>
                         </m:ctrlPr>
-                      </m:dPr>
-                      <m:e>
-                        <m:r>
-                          <a:rPr lang="en-US" b="0" i="1" smtClean="0">
-                            <a:latin typeface="Cambria Math" panose="02040503050406030204" pitchFamily="18" charset="0"/>
-                          </a:rPr>
-                          <m:t>𝑌</m:t>
-                        </m:r>
-                      </m:e>
-                    </m:d>
-                  </m:oMath>
-                </a14:m>
-                <a:r>
-                  <a:rPr lang="en-US" dirty="0"/>
-                  <a:t>, can then be written:</a:t>
-                </a:r>
-              </a:p>
-              <a:p>
-                <a:pPr marL="0" indent="0">
-                  <a:buNone/>
-                </a:pPr>
-                <a14:m>
-                  <m:oMathPara xmlns:m="http://schemas.openxmlformats.org/officeDocument/2006/math">
-                    <m:oMathParaPr>
-                      <m:jc m:val="centerGroup"/>
-                    </m:oMathParaPr>
-                    <m:oMath xmlns:m="http://schemas.openxmlformats.org/officeDocument/2006/math">
-                      <m:m>
-                        <m:mPr>
-                          <m:mcs>
-                            <m:mc>
-                              <m:mcPr>
-                                <m:count m:val="1"/>
-                                <m:mcJc m:val="center"/>
-                              </m:mcPr>
-                            </m:mc>
-                          </m:mcs>
-                          <m:ctrlPr>
-                            <a:rPr lang="en-US" i="1" smtClean="0">
+                      </m:mPr>
+                      <m:mr>
+                        <m:e>
+                          <m:r>
+                            <m:rPr>
+                              <m:brk m:alnAt="7"/>
+                            </m:rPr>
+                            <a:rPr lang="en-US" b="0" i="1" smtClean="0">
                               <a:latin typeface="Cambria Math" panose="02040503050406030204" pitchFamily="18" charset="0"/>
                             </a:rPr>
-                          </m:ctrlPr>
-                        </m:mPr>
-                        <m:mr>
-                          <m:e>
-                            <m:r>
-                              <m:rPr>
-                                <m:brk m:alnAt="7"/>
-                              </m:rPr>
-                              <a:rPr lang="en-US" b="0" i="1" smtClean="0">
-                                <a:latin typeface="Cambria Math" panose="02040503050406030204" pitchFamily="18" charset="0"/>
-                              </a:rPr>
-                              <m:t>𝑃</m:t>
-                            </m:r>
-                            <m:d>
-                              <m:dPr>
-                                <m:ctrlPr>
-                                  <a:rPr lang="en-US" b="0" i="1" smtClean="0">
-                                    <a:latin typeface="Cambria Math" panose="02040503050406030204" pitchFamily="18" charset="0"/>
-                                  </a:rPr>
-                                </m:ctrlPr>
-                              </m:dPr>
-                              <m:e>
-                                <m:r>
-                                  <a:rPr lang="en-US" b="0" i="1" smtClean="0">
-                                    <a:latin typeface="Cambria Math" panose="02040503050406030204" pitchFamily="18" charset="0"/>
-                                  </a:rPr>
-                                  <m:t>𝑌</m:t>
-                                </m:r>
-                                <m:r>
-                                  <a:rPr lang="en-US" b="0" i="1" smtClean="0">
-                                    <a:latin typeface="Cambria Math" panose="02040503050406030204" pitchFamily="18" charset="0"/>
-                                  </a:rPr>
-                                  <m:t>=</m:t>
-                                </m:r>
-                                <m:r>
-                                  <a:rPr lang="en-US" b="0" i="1" smtClean="0">
-                                    <a:latin typeface="Cambria Math" panose="02040503050406030204" pitchFamily="18" charset="0"/>
-                                  </a:rPr>
-                                  <m:t>0</m:t>
-                                </m:r>
-                              </m:e>
-                            </m:d>
-                            <m:r>
-                              <m:rPr>
-                                <m:brk m:alnAt="7"/>
-                              </m:rPr>
-                              <a:rPr lang="en-US" b="0" i="1" smtClean="0">
-                                <a:latin typeface="Cambria Math" panose="02040503050406030204" pitchFamily="18" charset="0"/>
-                              </a:rPr>
-                              <m:t>=</m:t>
-                            </m:r>
-                            <m:r>
-                              <a:rPr lang="en-US" b="0" i="1" smtClean="0">
-                                <a:latin typeface="Cambria Math" panose="02040503050406030204" pitchFamily="18" charset="0"/>
-                                <a:ea typeface="Cambria Math" panose="02040503050406030204" pitchFamily="18" charset="0"/>
-                              </a:rPr>
-                              <m:t>𝜋</m:t>
-                            </m:r>
-                            <m:r>
-                              <a:rPr lang="en-US" b="0" i="1" smtClean="0">
-                                <a:latin typeface="Cambria Math" panose="02040503050406030204" pitchFamily="18" charset="0"/>
-                                <a:ea typeface="Cambria Math" panose="02040503050406030204" pitchFamily="18" charset="0"/>
-                              </a:rPr>
-                              <m:t>+</m:t>
-                            </m:r>
-                            <m:d>
-                              <m:dPr>
-                                <m:ctrlPr>
-                                  <a:rPr lang="en-US" b="0" i="1" smtClean="0">
-                                    <a:latin typeface="Cambria Math" panose="02040503050406030204" pitchFamily="18" charset="0"/>
-                                    <a:ea typeface="Cambria Math" panose="02040503050406030204" pitchFamily="18" charset="0"/>
-                                  </a:rPr>
-                                </m:ctrlPr>
-                              </m:dPr>
-                              <m:e>
-                                <m:r>
-                                  <a:rPr lang="en-US" b="0" i="1" smtClean="0">
-                                    <a:latin typeface="Cambria Math" panose="02040503050406030204" pitchFamily="18" charset="0"/>
-                                    <a:ea typeface="Cambria Math" panose="02040503050406030204" pitchFamily="18" charset="0"/>
-                                  </a:rPr>
-                                  <m:t>1</m:t>
-                                </m:r>
-                                <m:r>
-                                  <a:rPr lang="en-US" b="0" i="1" smtClean="0">
-                                    <a:latin typeface="Cambria Math" panose="02040503050406030204" pitchFamily="18" charset="0"/>
-                                    <a:ea typeface="Cambria Math" panose="02040503050406030204" pitchFamily="18" charset="0"/>
-                                  </a:rPr>
-                                  <m:t>−</m:t>
-                                </m:r>
-                                <m:r>
-                                  <a:rPr lang="en-US" b="0" i="1" smtClean="0">
-                                    <a:latin typeface="Cambria Math" panose="02040503050406030204" pitchFamily="18" charset="0"/>
-                                    <a:ea typeface="Cambria Math" panose="02040503050406030204" pitchFamily="18" charset="0"/>
-                                  </a:rPr>
-                                  <m:t>𝜋</m:t>
-                                </m:r>
-                              </m:e>
-                            </m:d>
-                            <m:sSub>
-                              <m:sSubPr>
-                                <m:ctrlPr>
-                                  <a:rPr lang="en-US" i="1">
-                                    <a:latin typeface="Cambria Math" panose="02040503050406030204" pitchFamily="18" charset="0"/>
-                                  </a:rPr>
-                                </m:ctrlPr>
-                              </m:sSubPr>
-                              <m:e>
-                                <m:r>
-                                  <a:rPr lang="en-US" b="0" i="1" smtClean="0">
-                                    <a:latin typeface="Cambria Math" panose="02040503050406030204" pitchFamily="18" charset="0"/>
-                                  </a:rPr>
-                                  <m:t> </m:t>
-                                </m:r>
-                                <m:r>
-                                  <a:rPr lang="en-US" i="1">
-                                    <a:latin typeface="Cambria Math" panose="02040503050406030204" pitchFamily="18" charset="0"/>
-                                  </a:rPr>
-                                  <m:t>𝑃</m:t>
-                                </m:r>
-                              </m:e>
-                              <m:sub>
-                                <m:r>
-                                  <a:rPr lang="en-US" i="1">
-                                    <a:latin typeface="Cambria Math" panose="02040503050406030204" pitchFamily="18" charset="0"/>
-                                  </a:rPr>
-                                  <m:t>0</m:t>
-                                </m:r>
-                              </m:sub>
-                            </m:sSub>
-                            <m:d>
-                              <m:dPr>
-                                <m:ctrlPr>
-                                  <a:rPr lang="en-US" i="1">
-                                    <a:latin typeface="Cambria Math" panose="02040503050406030204" pitchFamily="18" charset="0"/>
-                                  </a:rPr>
-                                </m:ctrlPr>
-                              </m:dPr>
-                              <m:e>
-                                <m:r>
-                                  <a:rPr lang="en-US" b="0" i="1" smtClean="0">
-                                    <a:latin typeface="Cambria Math" panose="02040503050406030204" pitchFamily="18" charset="0"/>
-                                  </a:rPr>
-                                  <m:t>0</m:t>
-                                </m:r>
-                                <m:r>
-                                  <a:rPr lang="en-US" b="0" i="1" smtClean="0">
-                                    <a:latin typeface="Cambria Math" panose="02040503050406030204" pitchFamily="18" charset="0"/>
-                                  </a:rPr>
-                                  <m:t> | </m:t>
-                                </m:r>
-                                <m:r>
-                                  <a:rPr lang="en-US" i="1">
-                                    <a:latin typeface="Cambria Math" panose="02040503050406030204" pitchFamily="18" charset="0"/>
-                                    <a:ea typeface="Cambria Math" panose="02040503050406030204" pitchFamily="18" charset="0"/>
-                                  </a:rPr>
-                                  <m:t>𝜃</m:t>
-                                </m:r>
-                              </m:e>
-                            </m:d>
-                          </m:e>
-                        </m:mr>
-                        <m:mr>
-                          <m:e>
-                            <m:r>
-                              <m:rPr>
-                                <m:brk m:alnAt="7"/>
-                              </m:rPr>
-                              <a:rPr lang="en-US" i="1">
-                                <a:latin typeface="Cambria Math" panose="02040503050406030204" pitchFamily="18" charset="0"/>
-                              </a:rPr>
-                              <m:t>𝑃</m:t>
-                            </m:r>
-                            <m:d>
-                              <m:dPr>
-                                <m:ctrlPr>
-                                  <a:rPr lang="en-US" i="1">
-                                    <a:latin typeface="Cambria Math" panose="02040503050406030204" pitchFamily="18" charset="0"/>
-                                  </a:rPr>
-                                </m:ctrlPr>
-                              </m:dPr>
-                              <m:e>
-                                <m:r>
-                                  <a:rPr lang="en-US" i="1">
-                                    <a:latin typeface="Cambria Math" panose="02040503050406030204" pitchFamily="18" charset="0"/>
-                                  </a:rPr>
-                                  <m:t>𝑌</m:t>
-                                </m:r>
-                                <m:r>
-                                  <a:rPr lang="en-US" i="1">
-                                    <a:latin typeface="Cambria Math" panose="02040503050406030204" pitchFamily="18" charset="0"/>
-                                  </a:rPr>
-                                  <m:t>=</m:t>
-                                </m:r>
-                                <m:sSub>
-                                  <m:sSubPr>
-                                    <m:ctrlPr>
-                                      <a:rPr lang="en-US" i="1" smtClean="0">
-                                        <a:latin typeface="Cambria Math" panose="02040503050406030204" pitchFamily="18" charset="0"/>
-                                      </a:rPr>
-                                    </m:ctrlPr>
-                                  </m:sSubPr>
-                                  <m:e>
-                                    <m:r>
-                                      <a:rPr lang="en-US" b="0" i="1" smtClean="0">
-                                        <a:latin typeface="Cambria Math" panose="02040503050406030204" pitchFamily="18" charset="0"/>
-                                      </a:rPr>
-                                      <m:t>𝑦</m:t>
-                                    </m:r>
-                                  </m:e>
-                                  <m:sub>
-                                    <m:r>
-                                      <a:rPr lang="en-US" b="0" i="1" smtClean="0">
-                                        <a:latin typeface="Cambria Math" panose="02040503050406030204" pitchFamily="18" charset="0"/>
-                                      </a:rPr>
-                                      <m:t>𝑖</m:t>
-                                    </m:r>
-                                  </m:sub>
-                                </m:sSub>
-                              </m:e>
-                            </m:d>
-                            <m:r>
-                              <m:rPr>
-                                <m:brk m:alnAt="7"/>
-                              </m:rPr>
-                              <a:rPr lang="en-US" i="1">
-                                <a:latin typeface="Cambria Math" panose="02040503050406030204" pitchFamily="18" charset="0"/>
-                              </a:rPr>
-                              <m:t>=</m:t>
-                            </m:r>
-                            <m:d>
-                              <m:dPr>
-                                <m:ctrlPr>
-                                  <a:rPr lang="en-US" i="1">
-                                    <a:latin typeface="Cambria Math" panose="02040503050406030204" pitchFamily="18" charset="0"/>
-                                    <a:ea typeface="Cambria Math" panose="02040503050406030204" pitchFamily="18" charset="0"/>
-                                  </a:rPr>
-                                </m:ctrlPr>
-                              </m:dPr>
-                              <m:e>
-                                <m:r>
-                                  <a:rPr lang="en-US" i="1">
-                                    <a:latin typeface="Cambria Math" panose="02040503050406030204" pitchFamily="18" charset="0"/>
-                                    <a:ea typeface="Cambria Math" panose="02040503050406030204" pitchFamily="18" charset="0"/>
-                                  </a:rPr>
-                                  <m:t>1</m:t>
-                                </m:r>
-                                <m:r>
-                                  <a:rPr lang="en-US" i="1">
-                                    <a:latin typeface="Cambria Math" panose="02040503050406030204" pitchFamily="18" charset="0"/>
-                                    <a:ea typeface="Cambria Math" panose="02040503050406030204" pitchFamily="18" charset="0"/>
-                                  </a:rPr>
-                                  <m:t>−</m:t>
-                                </m:r>
-                                <m:r>
-                                  <a:rPr lang="en-US" i="1">
-                                    <a:latin typeface="Cambria Math" panose="02040503050406030204" pitchFamily="18" charset="0"/>
-                                    <a:ea typeface="Cambria Math" panose="02040503050406030204" pitchFamily="18" charset="0"/>
-                                  </a:rPr>
-                                  <m:t>𝜋</m:t>
-                                </m:r>
-                              </m:e>
-                            </m:d>
-                            <m:sSub>
-                              <m:sSubPr>
-                                <m:ctrlPr>
-                                  <a:rPr lang="en-US" i="1">
-                                    <a:latin typeface="Cambria Math" panose="02040503050406030204" pitchFamily="18" charset="0"/>
-                                  </a:rPr>
-                                </m:ctrlPr>
-                              </m:sSubPr>
-                              <m:e>
-                                <m:r>
-                                  <a:rPr lang="en-US" b="0" i="1" smtClean="0">
-                                    <a:latin typeface="Cambria Math" panose="02040503050406030204" pitchFamily="18" charset="0"/>
-                                  </a:rPr>
-                                  <m:t> </m:t>
-                                </m:r>
-                                <m:r>
-                                  <a:rPr lang="en-US" i="1">
-                                    <a:latin typeface="Cambria Math" panose="02040503050406030204" pitchFamily="18" charset="0"/>
-                                  </a:rPr>
-                                  <m:t>𝑃</m:t>
-                                </m:r>
-                              </m:e>
-                              <m:sub>
-                                <m:r>
-                                  <a:rPr lang="en-US" i="1">
-                                    <a:latin typeface="Cambria Math" panose="02040503050406030204" pitchFamily="18" charset="0"/>
-                                  </a:rPr>
-                                  <m:t>0</m:t>
-                                </m:r>
-                              </m:sub>
-                            </m:sSub>
-                            <m:d>
-                              <m:dPr>
-                                <m:ctrlPr>
-                                  <a:rPr lang="en-US" i="1">
-                                    <a:latin typeface="Cambria Math" panose="02040503050406030204" pitchFamily="18" charset="0"/>
-                                  </a:rPr>
-                                </m:ctrlPr>
-                              </m:dPr>
-                              <m:e>
-                                <m:sSub>
-                                  <m:sSubPr>
-                                    <m:ctrlPr>
-                                      <a:rPr lang="en-US" i="1">
-                                        <a:latin typeface="Cambria Math" panose="02040503050406030204" pitchFamily="18" charset="0"/>
-                                      </a:rPr>
-                                    </m:ctrlPr>
-                                  </m:sSubPr>
-                                  <m:e>
-                                    <m:r>
-                                      <a:rPr lang="en-US" i="1">
-                                        <a:latin typeface="Cambria Math" panose="02040503050406030204" pitchFamily="18" charset="0"/>
-                                      </a:rPr>
-                                      <m:t>𝑦</m:t>
-                                    </m:r>
-                                  </m:e>
-                                  <m:sub>
-                                    <m:r>
-                                      <a:rPr lang="en-US" i="1">
-                                        <a:latin typeface="Cambria Math" panose="02040503050406030204" pitchFamily="18" charset="0"/>
-                                      </a:rPr>
-                                      <m:t>𝑖</m:t>
-                                    </m:r>
-                                  </m:sub>
-                                </m:sSub>
-                                <m:r>
-                                  <a:rPr lang="en-US" b="0" i="1" smtClean="0">
-                                    <a:latin typeface="Cambria Math" panose="02040503050406030204" pitchFamily="18" charset="0"/>
-                                  </a:rPr>
-                                  <m:t> | </m:t>
-                                </m:r>
-                                <m:r>
-                                  <a:rPr lang="en-US" i="1">
-                                    <a:latin typeface="Cambria Math" panose="02040503050406030204" pitchFamily="18" charset="0"/>
-                                    <a:ea typeface="Cambria Math" panose="02040503050406030204" pitchFamily="18" charset="0"/>
-                                  </a:rPr>
-                                  <m:t>𝜃</m:t>
-                                </m:r>
-                              </m:e>
-                            </m:d>
-                          </m:e>
-                        </m:mr>
-                      </m:m>
-                    </m:oMath>
-                  </m:oMathPara>
+                            <m:t>𝑃</m:t>
+                          </m:r>
+                          <m:d>
+                            <m:dPr>
+                              <m:ctrlPr>
+                                <a:rPr lang="en-US" b="0" i="1" smtClean="0">
+                                  <a:latin typeface="Cambria Math" panose="02040503050406030204" pitchFamily="18" charset="0"/>
+                                </a:rPr>
+                              </m:ctrlPr>
+                            </m:dPr>
+                            <m:e>
+                              <m:r>
+                                <a:rPr lang="en-US" b="0" i="1" smtClean="0">
+                                  <a:latin typeface="Cambria Math" panose="02040503050406030204" pitchFamily="18" charset="0"/>
+                                </a:rPr>
+                                <m:t>𝑌</m:t>
+                              </m:r>
+                              <m:r>
+                                <a:rPr lang="en-US" b="0" i="1" smtClean="0">
+                                  <a:latin typeface="Cambria Math" panose="02040503050406030204" pitchFamily="18" charset="0"/>
+                                </a:rPr>
+                                <m:t>=</m:t>
+                              </m:r>
+                              <m:r>
+                                <a:rPr lang="en-US" b="0" i="1" smtClean="0">
+                                  <a:latin typeface="Cambria Math" panose="02040503050406030204" pitchFamily="18" charset="0"/>
+                                </a:rPr>
+                                <m:t>0</m:t>
+                              </m:r>
+                            </m:e>
+                          </m:d>
+                          <m:r>
+                            <m:rPr>
+                              <m:brk m:alnAt="7"/>
+                            </m:rPr>
+                            <a:rPr lang="en-US" b="0" i="1" smtClean="0">
+                              <a:latin typeface="Cambria Math" panose="02040503050406030204" pitchFamily="18" charset="0"/>
+                            </a:rPr>
+                            <m:t>=</m:t>
+                          </m:r>
+                          <m:r>
+                            <a:rPr lang="en-US" b="0" i="1" smtClean="0">
+                              <a:latin typeface="Cambria Math" panose="02040503050406030204" pitchFamily="18" charset="0"/>
+                              <a:ea typeface="Cambria Math" panose="02040503050406030204" pitchFamily="18" charset="0"/>
+                            </a:rPr>
+                            <m:t>𝜋</m:t>
+                          </m:r>
+                          <m:r>
+                            <a:rPr lang="en-US" b="0" i="1" smtClean="0">
+                              <a:latin typeface="Cambria Math" panose="02040503050406030204" pitchFamily="18" charset="0"/>
+                              <a:ea typeface="Cambria Math" panose="02040503050406030204" pitchFamily="18" charset="0"/>
+                            </a:rPr>
+                            <m:t>+</m:t>
+                          </m:r>
+                          <m:d>
+                            <m:dPr>
+                              <m:ctrlPr>
+                                <a:rPr lang="en-US" b="0" i="1" smtClean="0">
+                                  <a:latin typeface="Cambria Math" panose="02040503050406030204" pitchFamily="18" charset="0"/>
+                                  <a:ea typeface="Cambria Math" panose="02040503050406030204" pitchFamily="18" charset="0"/>
+                                </a:rPr>
+                              </m:ctrlPr>
+                            </m:dPr>
+                            <m:e>
+                              <m:r>
+                                <a:rPr lang="en-US" b="0" i="1" smtClean="0">
+                                  <a:latin typeface="Cambria Math" panose="02040503050406030204" pitchFamily="18" charset="0"/>
+                                  <a:ea typeface="Cambria Math" panose="02040503050406030204" pitchFamily="18" charset="0"/>
+                                </a:rPr>
+                                <m:t>1</m:t>
+                              </m:r>
+                              <m:r>
+                                <a:rPr lang="en-US" b="0" i="1" smtClean="0">
+                                  <a:latin typeface="Cambria Math" panose="02040503050406030204" pitchFamily="18" charset="0"/>
+                                  <a:ea typeface="Cambria Math" panose="02040503050406030204" pitchFamily="18" charset="0"/>
+                                </a:rPr>
+                                <m:t>−</m:t>
+                              </m:r>
+                              <m:r>
+                                <a:rPr lang="en-US" b="0" i="1" smtClean="0">
+                                  <a:latin typeface="Cambria Math" panose="02040503050406030204" pitchFamily="18" charset="0"/>
+                                  <a:ea typeface="Cambria Math" panose="02040503050406030204" pitchFamily="18" charset="0"/>
+                                </a:rPr>
+                                <m:t>𝜋</m:t>
+                              </m:r>
+                            </m:e>
+                          </m:d>
+                          <m:sSub>
+                            <m:sSubPr>
+                              <m:ctrlPr>
+                                <a:rPr lang="en-US" i="1">
+                                  <a:latin typeface="Cambria Math" panose="02040503050406030204" pitchFamily="18" charset="0"/>
+                                </a:rPr>
+                              </m:ctrlPr>
+                            </m:sSubPr>
+                            <m:e>
+                              <m:r>
+                                <a:rPr lang="en-US" b="0" i="1" smtClean="0">
+                                  <a:latin typeface="Cambria Math" panose="02040503050406030204" pitchFamily="18" charset="0"/>
+                                </a:rPr>
+                                <m:t> </m:t>
+                              </m:r>
+                              <m:r>
+                                <a:rPr lang="en-US" i="1">
+                                  <a:latin typeface="Cambria Math" panose="02040503050406030204" pitchFamily="18" charset="0"/>
+                                </a:rPr>
+                                <m:t>𝑃</m:t>
+                              </m:r>
+                            </m:e>
+                            <m:sub>
+                              <m:r>
+                                <a:rPr lang="en-US" i="1">
+                                  <a:latin typeface="Cambria Math" panose="02040503050406030204" pitchFamily="18" charset="0"/>
+                                </a:rPr>
+                                <m:t>0</m:t>
+                              </m:r>
+                            </m:sub>
+                          </m:sSub>
+                          <m:d>
+                            <m:dPr>
+                              <m:ctrlPr>
+                                <a:rPr lang="en-US" i="1">
+                                  <a:latin typeface="Cambria Math" panose="02040503050406030204" pitchFamily="18" charset="0"/>
+                                </a:rPr>
+                              </m:ctrlPr>
+                            </m:dPr>
+                            <m:e>
+                              <m:r>
+                                <a:rPr lang="en-US" b="0" i="1" smtClean="0">
+                                  <a:latin typeface="Cambria Math" panose="02040503050406030204" pitchFamily="18" charset="0"/>
+                                </a:rPr>
+                                <m:t>0</m:t>
+                              </m:r>
+                              <m:r>
+                                <a:rPr lang="en-US" b="0" i="1" smtClean="0">
+                                  <a:latin typeface="Cambria Math" panose="02040503050406030204" pitchFamily="18" charset="0"/>
+                                </a:rPr>
+                                <m:t> | </m:t>
+                              </m:r>
+                              <m:r>
+                                <a:rPr lang="en-US" i="1">
+                                  <a:latin typeface="Cambria Math" panose="02040503050406030204" pitchFamily="18" charset="0"/>
+                                  <a:ea typeface="Cambria Math" panose="02040503050406030204" pitchFamily="18" charset="0"/>
+                                </a:rPr>
+                                <m:t>𝜃</m:t>
+                              </m:r>
+                            </m:e>
+                          </m:d>
+                        </m:e>
+                      </m:mr>
+                      <m:mr>
+                        <m:e>
+                          <m:r>
+                            <m:rPr>
+                              <m:brk m:alnAt="7"/>
+                            </m:rPr>
+                            <a:rPr lang="en-US" i="1">
+                              <a:latin typeface="Cambria Math" panose="02040503050406030204" pitchFamily="18" charset="0"/>
+                            </a:rPr>
+                            <m:t>𝑃</m:t>
+                          </m:r>
+                          <m:d>
+                            <m:dPr>
+                              <m:ctrlPr>
+                                <a:rPr lang="en-US" i="1">
+                                  <a:latin typeface="Cambria Math" panose="02040503050406030204" pitchFamily="18" charset="0"/>
+                                </a:rPr>
+                              </m:ctrlPr>
+                            </m:dPr>
+                            <m:e>
+                              <m:r>
+                                <a:rPr lang="en-US" i="1">
+                                  <a:latin typeface="Cambria Math" panose="02040503050406030204" pitchFamily="18" charset="0"/>
+                                </a:rPr>
+                                <m:t>𝑌</m:t>
+                              </m:r>
+                              <m:r>
+                                <a:rPr lang="en-US" i="1">
+                                  <a:latin typeface="Cambria Math" panose="02040503050406030204" pitchFamily="18" charset="0"/>
+                                </a:rPr>
+                                <m:t>=</m:t>
+                              </m:r>
+                              <m:sSub>
+                                <m:sSubPr>
+                                  <m:ctrlPr>
+                                    <a:rPr lang="en-US" i="1" smtClean="0">
+                                      <a:latin typeface="Cambria Math" panose="02040503050406030204" pitchFamily="18" charset="0"/>
+                                    </a:rPr>
+                                  </m:ctrlPr>
+                                </m:sSubPr>
+                                <m:e>
+                                  <m:r>
+                                    <a:rPr lang="en-US" b="0" i="1" smtClean="0">
+                                      <a:latin typeface="Cambria Math" panose="02040503050406030204" pitchFamily="18" charset="0"/>
+                                    </a:rPr>
+                                    <m:t>𝑦</m:t>
+                                  </m:r>
+                                </m:e>
+                                <m:sub>
+                                  <m:r>
+                                    <a:rPr lang="en-US" b="0" i="1" smtClean="0">
+                                      <a:latin typeface="Cambria Math" panose="02040503050406030204" pitchFamily="18" charset="0"/>
+                                    </a:rPr>
+                                    <m:t>𝑖</m:t>
+                                  </m:r>
+                                </m:sub>
+                              </m:sSub>
+                            </m:e>
+                          </m:d>
+                          <m:r>
+                            <m:rPr>
+                              <m:brk m:alnAt="7"/>
+                            </m:rPr>
+                            <a:rPr lang="en-US" i="1">
+                              <a:latin typeface="Cambria Math" panose="02040503050406030204" pitchFamily="18" charset="0"/>
+                            </a:rPr>
+                            <m:t>=</m:t>
+                          </m:r>
+                          <m:d>
+                            <m:dPr>
+                              <m:ctrlPr>
+                                <a:rPr lang="en-US" i="1">
+                                  <a:latin typeface="Cambria Math" panose="02040503050406030204" pitchFamily="18" charset="0"/>
+                                  <a:ea typeface="Cambria Math" panose="02040503050406030204" pitchFamily="18" charset="0"/>
+                                </a:rPr>
+                              </m:ctrlPr>
+                            </m:dPr>
+                            <m:e>
+                              <m:r>
+                                <a:rPr lang="en-US" i="1">
+                                  <a:latin typeface="Cambria Math" panose="02040503050406030204" pitchFamily="18" charset="0"/>
+                                  <a:ea typeface="Cambria Math" panose="02040503050406030204" pitchFamily="18" charset="0"/>
+                                </a:rPr>
+                                <m:t>1</m:t>
+                              </m:r>
+                              <m:r>
+                                <a:rPr lang="en-US" i="1">
+                                  <a:latin typeface="Cambria Math" panose="02040503050406030204" pitchFamily="18" charset="0"/>
+                                  <a:ea typeface="Cambria Math" panose="02040503050406030204" pitchFamily="18" charset="0"/>
+                                </a:rPr>
+                                <m:t>−</m:t>
+                              </m:r>
+                              <m:r>
+                                <a:rPr lang="en-US" i="1">
+                                  <a:latin typeface="Cambria Math" panose="02040503050406030204" pitchFamily="18" charset="0"/>
+                                  <a:ea typeface="Cambria Math" panose="02040503050406030204" pitchFamily="18" charset="0"/>
+                                </a:rPr>
+                                <m:t>𝜋</m:t>
+                              </m:r>
+                            </m:e>
+                          </m:d>
+                          <m:sSub>
+                            <m:sSubPr>
+                              <m:ctrlPr>
+                                <a:rPr lang="en-US" i="1">
+                                  <a:latin typeface="Cambria Math" panose="02040503050406030204" pitchFamily="18" charset="0"/>
+                                </a:rPr>
+                              </m:ctrlPr>
+                            </m:sSubPr>
+                            <m:e>
+                              <m:r>
+                                <a:rPr lang="en-US" b="0" i="1" smtClean="0">
+                                  <a:latin typeface="Cambria Math" panose="02040503050406030204" pitchFamily="18" charset="0"/>
+                                </a:rPr>
+                                <m:t> </m:t>
+                              </m:r>
+                              <m:r>
+                                <a:rPr lang="en-US" i="1">
+                                  <a:latin typeface="Cambria Math" panose="02040503050406030204" pitchFamily="18" charset="0"/>
+                                </a:rPr>
+                                <m:t>𝑃</m:t>
+                              </m:r>
+                            </m:e>
+                            <m:sub>
+                              <m:r>
+                                <a:rPr lang="en-US" i="1">
+                                  <a:latin typeface="Cambria Math" panose="02040503050406030204" pitchFamily="18" charset="0"/>
+                                </a:rPr>
+                                <m:t>0</m:t>
+                              </m:r>
+                            </m:sub>
+                          </m:sSub>
+                          <m:d>
+                            <m:dPr>
+                              <m:ctrlPr>
+                                <a:rPr lang="en-US" i="1">
+                                  <a:latin typeface="Cambria Math" panose="02040503050406030204" pitchFamily="18" charset="0"/>
+                                </a:rPr>
+                              </m:ctrlPr>
+                            </m:dPr>
+                            <m:e>
+                              <m:sSub>
+                                <m:sSubPr>
+                                  <m:ctrlPr>
+                                    <a:rPr lang="en-US" i="1">
+                                      <a:latin typeface="Cambria Math" panose="02040503050406030204" pitchFamily="18" charset="0"/>
+                                    </a:rPr>
+                                  </m:ctrlPr>
+                                </m:sSubPr>
+                                <m:e>
+                                  <m:r>
+                                    <a:rPr lang="en-US" i="1">
+                                      <a:latin typeface="Cambria Math" panose="02040503050406030204" pitchFamily="18" charset="0"/>
+                                    </a:rPr>
+                                    <m:t>𝑦</m:t>
+                                  </m:r>
+                                </m:e>
+                                <m:sub>
+                                  <m:r>
+                                    <a:rPr lang="en-US" i="1">
+                                      <a:latin typeface="Cambria Math" panose="02040503050406030204" pitchFamily="18" charset="0"/>
+                                    </a:rPr>
+                                    <m:t>𝑖</m:t>
+                                  </m:r>
+                                </m:sub>
+                              </m:sSub>
+                              <m:r>
+                                <a:rPr lang="en-US" b="0" i="1" smtClean="0">
+                                  <a:latin typeface="Cambria Math" panose="02040503050406030204" pitchFamily="18" charset="0"/>
+                                </a:rPr>
+                                <m:t> | </m:t>
+                              </m:r>
+                              <m:r>
+                                <a:rPr lang="en-US" i="1">
+                                  <a:latin typeface="Cambria Math" panose="02040503050406030204" pitchFamily="18" charset="0"/>
+                                  <a:ea typeface="Cambria Math" panose="02040503050406030204" pitchFamily="18" charset="0"/>
+                                </a:rPr>
+                                <m:t>𝜃</m:t>
+                              </m:r>
+                            </m:e>
+                          </m:d>
+                        </m:e>
+                      </m:mr>
+                    </m:m>
+                  </m:oMath>
                 </a14:m>
                 <a:endParaRPr lang="en-US" dirty="0"/>
               </a:p>
@@ -20350,7 +20561,7 @@
               <a:blipFill>
                 <a:blip r:embed="rId2"/>
                 <a:stretch>
-                  <a:fillRect l="-963" t="-2862"/>
+                  <a:fillRect l="-1111" t="-2357"/>
                 </a:stretch>
               </a:blipFill>
             </p:spPr>
@@ -20437,8 +20648,8 @@
           </a:p>
         </p:txBody>
       </p:sp>
-      <mc:AlternateContent xmlns:mc="http://schemas.openxmlformats.org/markup-compatibility/2006" xmlns:a14="http://schemas.microsoft.com/office/drawing/2010/main">
-        <mc:Choice Requires="a14">
+      <mc:AlternateContent xmlns:mc="http://schemas.openxmlformats.org/markup-compatibility/2006">
+        <mc:Choice xmlns:a14="http://schemas.microsoft.com/office/drawing/2010/main" Requires="a14">
           <p:sp>
             <p:nvSpPr>
               <p:cNvPr id="3" name="Content Placeholder 2">
@@ -20463,7 +20674,7 @@
             </p:spPr>
             <p:txBody>
               <a:bodyPr>
-                <a:normAutofit fontScale="92500" lnSpcReduction="10000"/>
+                <a:normAutofit fontScale="85000" lnSpcReduction="10000"/>
               </a:bodyPr>
               <a:lstStyle/>
               <a:p>
@@ -20489,7 +20700,7 @@
               <a:p>
                 <a:r>
                   <a:rPr lang="en-US" dirty="0"/>
-                  <a:t>Recall the PMF of the Poisson distribution </a:t>
+                  <a:t>Recall the PMF of the standard Poisson distribution </a:t>
                 </a:r>
               </a:p>
               <a:p>
@@ -20751,7 +20962,7 @@
               <a:p>
                 <a:r>
                   <a:rPr lang="en-US" dirty="0"/>
-                  <a:t>Mixing with a binomial distribution with probability parameter, </a:t>
+                  <a:t>Mix Poisson distribution with a binomial distribution with parameter, </a:t>
                 </a:r>
                 <a14:m>
                   <m:oMath xmlns:m="http://schemas.openxmlformats.org/officeDocument/2006/math">
@@ -21175,7 +21386,7 @@
             </p:txBody>
           </p:sp>
         </mc:Choice>
-        <mc:Fallback xmlns="">
+        <mc:Fallback>
           <p:sp>
             <p:nvSpPr>
               <p:cNvPr id="3" name="Content Placeholder 2">
@@ -21200,7 +21411,7 @@
               <a:blipFill>
                 <a:blip r:embed="rId3"/>
                 <a:stretch>
-                  <a:fillRect l="-963" t="-2189"/>
+                  <a:fillRect l="-741" t="-1852"/>
                 </a:stretch>
               </a:blipFill>
             </p:spPr>

--- a/LectureSlides/10b_ModelsFor OutliersAndOverdispersion.pptx
+++ b/LectureSlides/10b_ModelsFor OutliersAndOverdispersion.pptx
@@ -260,7 +260,7 @@
           <a:p>
             <a:fld id="{B45A0028-71D2-4800-AD8E-38BD1BCDF688}" type="datetimeFigureOut">
               <a:rPr lang="en-US" smtClean="0"/>
-              <a:t>10/29/2024</a:t>
+              <a:t>10/30/2024</a:t>
             </a:fld>
             <a:endParaRPr lang="en-US"/>
           </a:p>
@@ -706,7 +706,7 @@
           <a:p>
             <a:fld id="{241EB5C9-1307-BA42-ABA2-0BC069CD8E7F}" type="datetimeFigureOut">
               <a:rPr lang="en-US" smtClean="0"/>
-              <a:t>10/29/2024</a:t>
+              <a:t>10/30/2024</a:t>
             </a:fld>
             <a:endParaRPr lang="en-US"/>
           </a:p>
@@ -874,7 +874,7 @@
           <a:p>
             <a:fld id="{241EB5C9-1307-BA42-ABA2-0BC069CD8E7F}" type="datetimeFigureOut">
               <a:rPr lang="en-US" smtClean="0"/>
-              <a:t>10/29/2024</a:t>
+              <a:t>10/30/2024</a:t>
             </a:fld>
             <a:endParaRPr lang="en-US"/>
           </a:p>
@@ -1052,7 +1052,7 @@
           <a:p>
             <a:fld id="{241EB5C9-1307-BA42-ABA2-0BC069CD8E7F}" type="datetimeFigureOut">
               <a:rPr lang="en-US" smtClean="0"/>
-              <a:t>10/29/2024</a:t>
+              <a:t>10/30/2024</a:t>
             </a:fld>
             <a:endParaRPr lang="en-US"/>
           </a:p>
@@ -1220,7 +1220,7 @@
           <a:p>
             <a:fld id="{241EB5C9-1307-BA42-ABA2-0BC069CD8E7F}" type="datetimeFigureOut">
               <a:rPr lang="en-US" smtClean="0"/>
-              <a:t>10/29/2024</a:t>
+              <a:t>10/30/2024</a:t>
             </a:fld>
             <a:endParaRPr lang="en-US"/>
           </a:p>
@@ -1465,7 +1465,7 @@
           <a:p>
             <a:fld id="{241EB5C9-1307-BA42-ABA2-0BC069CD8E7F}" type="datetimeFigureOut">
               <a:rPr lang="en-US" smtClean="0"/>
-              <a:t>10/29/2024</a:t>
+              <a:t>10/30/2024</a:t>
             </a:fld>
             <a:endParaRPr lang="en-US"/>
           </a:p>
@@ -1750,7 +1750,7 @@
           <a:p>
             <a:fld id="{241EB5C9-1307-BA42-ABA2-0BC069CD8E7F}" type="datetimeFigureOut">
               <a:rPr lang="en-US" smtClean="0"/>
-              <a:t>10/29/2024</a:t>
+              <a:t>10/30/2024</a:t>
             </a:fld>
             <a:endParaRPr lang="en-US"/>
           </a:p>
@@ -2169,7 +2169,7 @@
           <a:p>
             <a:fld id="{241EB5C9-1307-BA42-ABA2-0BC069CD8E7F}" type="datetimeFigureOut">
               <a:rPr lang="en-US" smtClean="0"/>
-              <a:t>10/29/2024</a:t>
+              <a:t>10/30/2024</a:t>
             </a:fld>
             <a:endParaRPr lang="en-US"/>
           </a:p>
@@ -2286,7 +2286,7 @@
           <a:p>
             <a:fld id="{241EB5C9-1307-BA42-ABA2-0BC069CD8E7F}" type="datetimeFigureOut">
               <a:rPr lang="en-US" smtClean="0"/>
-              <a:t>10/29/2024</a:t>
+              <a:t>10/30/2024</a:t>
             </a:fld>
             <a:endParaRPr lang="en-US"/>
           </a:p>
@@ -2381,7 +2381,7 @@
           <a:p>
             <a:fld id="{241EB5C9-1307-BA42-ABA2-0BC069CD8E7F}" type="datetimeFigureOut">
               <a:rPr lang="en-US" smtClean="0"/>
-              <a:t>10/29/2024</a:t>
+              <a:t>10/30/2024</a:t>
             </a:fld>
             <a:endParaRPr lang="en-US"/>
           </a:p>
@@ -2656,7 +2656,7 @@
           <a:p>
             <a:fld id="{241EB5C9-1307-BA42-ABA2-0BC069CD8E7F}" type="datetimeFigureOut">
               <a:rPr lang="en-US" smtClean="0"/>
-              <a:t>10/29/2024</a:t>
+              <a:t>10/30/2024</a:t>
             </a:fld>
             <a:endParaRPr lang="en-US"/>
           </a:p>
@@ -2908,7 +2908,7 @@
           <a:p>
             <a:fld id="{241EB5C9-1307-BA42-ABA2-0BC069CD8E7F}" type="datetimeFigureOut">
               <a:rPr lang="en-US" smtClean="0"/>
-              <a:t>10/29/2024</a:t>
+              <a:t>10/30/2024</a:t>
             </a:fld>
             <a:endParaRPr lang="en-US"/>
           </a:p>
@@ -3119,7 +3119,7 @@
           <a:p>
             <a:fld id="{241EB5C9-1307-BA42-ABA2-0BC069CD8E7F}" type="datetimeFigureOut">
               <a:rPr lang="en-US" smtClean="0"/>
-              <a:t>10/29/2024</a:t>
+              <a:t>10/30/2024</a:t>
             </a:fld>
             <a:endParaRPr lang="en-US"/>
           </a:p>
@@ -3519,7 +3519,7 @@
             </a:pPr>
             <a:r>
               <a:rPr lang="en-US" dirty="0"/>
-              <a:t>Dealing with Messy Data</a:t>
+              <a:t>Models for Messy Data</a:t>
             </a:r>
             <a:endParaRPr b="1" dirty="0"/>
           </a:p>
@@ -4195,8 +4195,8 @@
           </a:p>
         </p:txBody>
       </p:sp>
-      <mc:AlternateContent xmlns:mc="http://schemas.openxmlformats.org/markup-compatibility/2006">
-        <mc:Choice xmlns:a14="http://schemas.microsoft.com/office/drawing/2010/main" Requires="a14">
+      <mc:AlternateContent xmlns:mc="http://schemas.openxmlformats.org/markup-compatibility/2006" xmlns:a14="http://schemas.microsoft.com/office/drawing/2010/main">
+        <mc:Choice Requires="a14">
           <p:sp>
             <p:nvSpPr>
               <p:cNvPr id="3" name="Content Placeholder 2">
@@ -4279,7 +4279,7 @@
                 </a:pPr>
                 <a:r>
                   <a:rPr lang="en-US" dirty="0"/>
-                  <a:t>Estimate parameter(s) of switching distribution  </a:t>
+                  <a:t>Estimate parameter(s) of switching distribution</a:t>
                 </a:r>
               </a:p>
               <a:p>
@@ -4289,7 +4289,7 @@
                 </a:pPr>
                 <a:r>
                   <a:rPr lang="en-US" dirty="0"/>
-                  <a:t>Estimate parameter(s) of other distribution </a:t>
+                  <a:t>Estimate parameter(s) of other distribution</a:t>
                 </a:r>
               </a:p>
               <a:p>
@@ -4372,7 +4372,7 @@
             </p:txBody>
           </p:sp>
         </mc:Choice>
-        <mc:Fallback>
+        <mc:Fallback xmlns="">
           <p:sp>
             <p:nvSpPr>
               <p:cNvPr id="3" name="Content Placeholder 2">
@@ -4557,6 +4557,13 @@
                 </a:r>
               </a:p>
               <a:p>
+                <a:pPr lvl="2"/>
+                <a:r>
+                  <a:rPr lang="en-US" dirty="0"/>
+                  <a:t>Poisson distribution parameter held constant </a:t>
+                </a:r>
+              </a:p>
+              <a:p>
                 <a:pPr marL="800100" lvl="1" indent="-457200">
                   <a:buFont typeface="+mj-lt"/>
                   <a:buAutoNum type="arabicPeriod"/>
@@ -4578,6 +4585,13 @@
                 <a:r>
                   <a:rPr lang="en-US" dirty="0"/>
                   <a:t>, of Poisson distribution as GLM</a:t>
+                </a:r>
+              </a:p>
+              <a:p>
+                <a:pPr lvl="2"/>
+                <a:r>
+                  <a:rPr lang="en-US" dirty="0"/>
+                  <a:t>Binomial distribution parameter help constant</a:t>
                 </a:r>
               </a:p>
               <a:p>
@@ -5450,8 +5464,8 @@
           <a:chExt cx="0" cy="0"/>
         </a:xfrm>
       </p:grpSpPr>
-      <mc:AlternateContent xmlns:mc="http://schemas.openxmlformats.org/markup-compatibility/2006">
-        <mc:Choice xmlns:a14="http://schemas.microsoft.com/office/drawing/2010/main" Requires="a14">
+      <mc:AlternateContent xmlns:mc="http://schemas.openxmlformats.org/markup-compatibility/2006" xmlns:a14="http://schemas.microsoft.com/office/drawing/2010/main">
+        <mc:Choice Requires="a14">
           <p:sp>
             <p:nvSpPr>
               <p:cNvPr id="3" name="Content Placeholder 2">
@@ -5738,7 +5752,7 @@
             </p:txBody>
           </p:sp>
         </mc:Choice>
-        <mc:Fallback>
+        <mc:Fallback xmlns="">
           <p:sp>
             <p:nvSpPr>
               <p:cNvPr id="3" name="Content Placeholder 2">
@@ -6218,14 +6232,14 @@
             <a:pPr lvl="0"/>
             <a:r>
               <a:rPr lang="en-US" dirty="0"/>
-              <a:t>Number of publications by academic researchers where a few people have very high numbers</a:t>
+              <a:t>Number of publications by academic researchers, where a few people have very high numbers</a:t>
             </a:r>
           </a:p>
           <a:p>
             <a:pPr lvl="0"/>
             <a:r>
               <a:rPr lang="en-US" dirty="0"/>
-              <a:t>The daily trading volume of a stock  can have spike on a few days</a:t>
+              <a:t>The daily trading volume of a stock  can spike occasionally  </a:t>
             </a:r>
           </a:p>
           <a:p>
@@ -6381,8 +6395,28 @@
           <a:p>
             <a:pPr lvl="1"/>
             <a:r>
+              <a:rPr lang="en-US" dirty="0"/>
+              <a:t>Zero-center predictors to get</a:t>
+            </a:r>
+            <a:r>
               <a:rPr dirty="0"/>
-              <a:t>We do not want to bias the estimation of regression coefficients with predictors that do not have a 0 mean</a:t>
+              <a:t> </a:t>
+            </a:r>
+            <a:r>
+              <a:rPr lang="en-US" dirty="0"/>
+              <a:t>interpretable </a:t>
+            </a:r>
+            <a:r>
+              <a:rPr dirty="0"/>
+              <a:t>estimat</a:t>
+            </a:r>
+            <a:r>
+              <a:rPr lang="en-US" dirty="0"/>
+              <a:t>es</a:t>
+            </a:r>
+            <a:r>
+              <a:rPr dirty="0"/>
+              <a:t> of regression coefficients</a:t>
             </a:r>
           </a:p>
           <a:p>
@@ -6573,6 +6607,13 @@
             <a:r>
               <a:rPr lang="en-US" dirty="0"/>
               <a:t>Mixtures of distributions   </a:t>
+            </a:r>
+          </a:p>
+          <a:p>
+            <a:pPr lvl="0"/>
+            <a:r>
+              <a:rPr lang="en-US" dirty="0"/>
+              <a:t>Or both</a:t>
             </a:r>
             <a:endParaRPr dirty="0"/>
           </a:p>
@@ -6726,7 +6767,7 @@
                 <a:pPr lvl="1"/>
                 <a:r>
                   <a:rPr lang="en-US" dirty="0"/>
-                  <a:t>Probabilities of categorical distribution, </a:t>
+                  <a:t>Switching probabilities from categorical distribution, </a:t>
                 </a:r>
                 <a14:m>
                   <m:oMath xmlns:m="http://schemas.openxmlformats.org/officeDocument/2006/math">
@@ -6836,14 +6877,7 @@
                     </m:d>
                   </m:oMath>
                 </a14:m>
-                <a:r>
-                  <a:rPr lang="ar-AE" dirty="0"/>
-                  <a:t> </a:t>
-                </a:r>
-                <a:r>
-                  <a:rPr lang="en-US" dirty="0"/>
-                  <a:t>, for switching </a:t>
-                </a:r>
+                <a:endParaRPr lang="en-US" dirty="0"/>
               </a:p>
               <a:p>
                 <a:pPr lvl="1"/>
@@ -7359,7 +7393,7 @@
             <a:pPr lvl="0"/>
             <a:r>
               <a:rPr lang="en-US" dirty="0"/>
-              <a:t>Student-t with low degrees of freedom – not a GLM! </a:t>
+              <a:t>Student-t with low degrees of freedom – cannot use GLM! </a:t>
             </a:r>
           </a:p>
           <a:p>
@@ -7475,8 +7509,8 @@
           </a:p>
         </p:txBody>
       </p:sp>
-      <mc:AlternateContent xmlns:mc="http://schemas.openxmlformats.org/markup-compatibility/2006">
-        <mc:Choice xmlns:a14="http://schemas.microsoft.com/office/drawing/2010/main" Requires="a14">
+      <mc:AlternateContent xmlns:mc="http://schemas.openxmlformats.org/markup-compatibility/2006" xmlns:a14="http://schemas.microsoft.com/office/drawing/2010/main">
+        <mc:Choice Requires="a14">
           <p:sp>
             <p:nvSpPr>
               <p:cNvPr id="3" name="Content Placeholder 2">
@@ -7955,18 +7989,21 @@
                     <m:r>
                       <a:rPr lang="en-US" b="1" i="0" dirty="0" smtClean="0">
                         <a:latin typeface="Cambria Math" panose="02040503050406030204" pitchFamily="18" charset="0"/>
+                        <a:hlinkClick r:id="rId3"/>
                       </a:rPr>
                       <m:t>𝐛𝐢𝐧𝐨𝐦𝐢𝐚𝐥</m:t>
                     </m:r>
                     <m:r>
                       <a:rPr lang="en-US" b="1" i="0" dirty="0" smtClean="0">
                         <a:latin typeface="Cambria Math" panose="02040503050406030204" pitchFamily="18" charset="0"/>
+                        <a:hlinkClick r:id="rId3"/>
                       </a:rPr>
                       <m:t> </m:t>
                     </m:r>
                     <m:r>
                       <a:rPr lang="en-US" b="1" i="0" dirty="0" smtClean="0">
                         <a:latin typeface="Cambria Math" panose="02040503050406030204" pitchFamily="18" charset="0"/>
+                        <a:hlinkClick r:id="rId3"/>
                       </a:rPr>
                       <m:t>𝐜𝐨𝐞𝐟𝐟𝐢𝐜𝐢𝐞𝐧𝐭</m:t>
                     </m:r>
@@ -8036,7 +8073,7 @@
             </p:txBody>
           </p:sp>
         </mc:Choice>
-        <mc:Fallback>
+        <mc:Fallback xmlns="">
           <p:sp>
             <p:nvSpPr>
               <p:cNvPr id="3" name="Content Placeholder 2">
@@ -8059,7 +8096,7 @@
                 <a:ext cx="8229600" cy="3616959"/>
               </a:xfrm>
               <a:blipFill>
-                <a:blip r:embed="rId3"/>
+                <a:blip r:embed="rId4"/>
                 <a:stretch>
                   <a:fillRect l="-963" t="-2867"/>
                 </a:stretch>
@@ -8357,13 +8394,7 @@
                                   <a:rPr lang="en-US" b="0" i="1" smtClean="0">
                                     <a:latin typeface="Cambria Math" panose="02040503050406030204" pitchFamily="18" charset="0"/>
                                   </a:rPr>
-                                  <m:t>−</m:t>
-                                </m:r>
-                                <m:r>
-                                  <a:rPr lang="en-US" b="0" i="1" smtClean="0">
-                                    <a:latin typeface="Cambria Math" panose="02040503050406030204" pitchFamily="18" charset="0"/>
-                                  </a:rPr>
-                                  <m:t>1</m:t>
+                                  <m:t>−1</m:t>
                                 </m:r>
                               </m:e>
                             </m:mr>
@@ -8379,13 +8410,7 @@
                                   <a:rPr lang="en-US" b="0" i="1" smtClean="0">
                                     <a:latin typeface="Cambria Math" panose="02040503050406030204" pitchFamily="18" charset="0"/>
                                   </a:rPr>
-                                  <m:t>−</m:t>
-                                </m:r>
-                                <m:r>
-                                  <a:rPr lang="en-US" b="0" i="1" smtClean="0">
-                                    <a:latin typeface="Cambria Math" panose="02040503050406030204" pitchFamily="18" charset="0"/>
-                                  </a:rPr>
-                                  <m:t>1</m:t>
+                                  <m:t>−1</m:t>
                                 </m:r>
                               </m:e>
                             </m:mr>
@@ -8439,13 +8464,7 @@
                                 <a:rPr lang="en-US" b="0" i="1" smtClean="0">
                                   <a:latin typeface="Cambria Math" panose="02040503050406030204" pitchFamily="18" charset="0"/>
                                 </a:rPr>
-                                <m:t>1</m:t>
-                              </m:r>
-                              <m:r>
-                                <a:rPr lang="en-US" b="0" i="1" smtClean="0">
-                                  <a:latin typeface="Cambria Math" panose="02040503050406030204" pitchFamily="18" charset="0"/>
-                                </a:rPr>
-                                <m:t>−</m:t>
+                                <m:t>1−</m:t>
                               </m:r>
                               <m:r>
                                 <a:rPr lang="en-US" b="0" i="1" smtClean="0">
@@ -8522,7 +8541,7 @@
                 </a14:m>
                 <a:r>
                   <a:rPr lang="en-US" dirty="0"/>
-                  <a:t> and </a:t>
+                  <a:t>, and </a:t>
                 </a:r>
                 <a:r>
                   <a:rPr lang="en-US" b="1" dirty="0"/>
@@ -8932,8 +8951,8 @@
           </a:p>
         </p:txBody>
       </p:sp>
-      <mc:AlternateContent xmlns:mc="http://schemas.openxmlformats.org/markup-compatibility/2006">
-        <mc:Choice xmlns:a14="http://schemas.microsoft.com/office/drawing/2010/main" Requires="a14">
+      <mc:AlternateContent xmlns:mc="http://schemas.openxmlformats.org/markup-compatibility/2006" xmlns:a14="http://schemas.microsoft.com/office/drawing/2010/main">
+        <mc:Choice Requires="a14">
           <p:sp>
             <p:nvSpPr>
               <p:cNvPr id="3" name="Content Placeholder 2">
@@ -9512,7 +9531,7 @@
             </p:txBody>
           </p:sp>
         </mc:Choice>
-        <mc:Fallback>
+        <mc:Fallback xmlns="">
           <p:sp>
             <p:nvSpPr>
               <p:cNvPr id="3" name="Content Placeholder 2">
@@ -9683,14 +9702,14 @@
           <a:p>
             <a:r>
               <a:rPr lang="en-US" dirty="0"/>
-              <a:t>Examples:</a:t>
+              <a:t>Examples of over-dispersed count data:</a:t>
             </a:r>
           </a:p>
           <a:p>
             <a:pPr lvl="1"/>
             <a:r>
               <a:rPr lang="en-US" dirty="0"/>
-              <a:t>There are zero tornados on most days in some area, but can have large outbreaks with low probability</a:t>
+              <a:t>There are zero tornados on most days in most area, but can have large outbreaks with low probability</a:t>
             </a:r>
           </a:p>
           <a:p>
@@ -9784,8 +9803,8 @@
           </a:p>
         </p:txBody>
       </p:sp>
-      <mc:AlternateContent xmlns:mc="http://schemas.openxmlformats.org/markup-compatibility/2006" xmlns:a14="http://schemas.microsoft.com/office/drawing/2010/main">
-        <mc:Choice Requires="a14">
+      <mc:AlternateContent xmlns:mc="http://schemas.openxmlformats.org/markup-compatibility/2006">
+        <mc:Choice xmlns:a14="http://schemas.microsoft.com/office/drawing/2010/main" Requires="a14">
           <p:sp>
             <p:nvSpPr>
               <p:cNvPr id="3" name="Content Placeholder 2">
@@ -9881,7 +9900,22 @@
               <a:p>
                 <a:r>
                   <a:rPr lang="en-US" dirty="0"/>
-                  <a:t>We can create a mixture distribution with binomial switching probability     </a:t>
+                  <a:t>We can create a mixture distribution with binomial switching probability, </a:t>
+                </a:r>
+                <a14:m>
+                  <m:oMath xmlns:m="http://schemas.openxmlformats.org/officeDocument/2006/math">
+                    <m:r>
+                      <a:rPr lang="en-US" b="0" i="1" smtClean="0">
+                        <a:latin typeface="Cambria Math" panose="02040503050406030204" pitchFamily="18" charset="0"/>
+                        <a:ea typeface="Cambria Math" panose="02040503050406030204" pitchFamily="18" charset="0"/>
+                      </a:rPr>
+                      <m:t>𝜋</m:t>
+                    </m:r>
+                  </m:oMath>
+                </a14:m>
+                <a:r>
+                  <a:rPr lang="en-US" dirty="0"/>
+                  <a:t>     </a:t>
                 </a:r>
               </a:p>
               <a:p>
@@ -10317,7 +10351,11 @@
               <a:p>
                 <a:r>
                   <a:rPr lang="en-US" dirty="0"/>
-                  <a:t>This distribution is both zero-inflated and over-dispersed</a:t>
+                  <a:t>This distribution is both </a:t>
+                </a:r>
+                <a:r>
+                  <a:rPr lang="en-US" b="1" dirty="0"/>
+                  <a:t>zero-inflated and over-dispersed!</a:t>
                 </a:r>
               </a:p>
               <a:p>
@@ -10327,7 +10365,7 @@
             </p:txBody>
           </p:sp>
         </mc:Choice>
-        <mc:Fallback xmlns="">
+        <mc:Fallback>
           <p:sp>
             <p:nvSpPr>
               <p:cNvPr id="3" name="Content Placeholder 2">
@@ -10865,8 +10903,8 @@
         </p:nvCxnSpPr>
         <p:spPr>
           <a:xfrm flipV="1">
-            <a:off x="3977435" y="2189639"/>
-            <a:ext cx="270630" cy="114813"/>
+            <a:off x="3987685" y="2146274"/>
+            <a:ext cx="219374" cy="114813"/>
           </a:xfrm>
           <a:prstGeom prst="straightConnector1">
             <a:avLst/>
@@ -11163,7 +11201,15 @@
             </a:pPr>
             <a:r>
               <a:rPr lang="en-US" sz="2000" dirty="0"/>
-              <a:t>The inflation coefficient has a large  standard error and CI!</a:t>
+              <a:t>The inflation coefficient has a large  standard error </a:t>
+            </a:r>
+            <a:r>
+              <a:rPr lang="en-US" sz="2000"/>
+              <a:t>and wide CI</a:t>
+            </a:r>
+            <a:r>
+              <a:rPr lang="en-US" sz="2000" dirty="0"/>
+              <a:t>!</a:t>
             </a:r>
           </a:p>
           <a:p>
@@ -11336,8 +11382,8 @@
         </p:nvCxnSpPr>
         <p:spPr>
           <a:xfrm flipV="1">
-            <a:off x="4206240" y="3366655"/>
-            <a:ext cx="906087" cy="232756"/>
+            <a:off x="4276768" y="3366655"/>
+            <a:ext cx="835559" cy="232756"/>
           </a:xfrm>
           <a:prstGeom prst="straightConnector1">
             <a:avLst/>
@@ -11451,7 +11497,7 @@
         <p:spPr/>
         <p:txBody>
           <a:bodyPr>
-            <a:normAutofit fontScale="85000" lnSpcReduction="20000"/>
+            <a:normAutofit fontScale="77500" lnSpcReduction="20000"/>
           </a:bodyPr>
           <a:lstStyle/>
           <a:p>
@@ -11460,7 +11506,7 @@
             </a:pPr>
             <a:r>
               <a:rPr lang="en-US" dirty="0"/>
-              <a:t>Several commonly encountered data problems create problems for OLS and GLM models</a:t>
+              <a:t>Several commonly encountered data problems affect OLS and GLM models</a:t>
             </a:r>
             <a:endParaRPr dirty="0"/>
           </a:p>
@@ -11505,22 +11551,21 @@
             <a:pPr lvl="1"/>
             <a:r>
               <a:rPr lang="en-US" dirty="0"/>
-              <a:t>Can be asymmetric with long </a:t>
-            </a:r>
-            <a:r>
-              <a:rPr lang="en-US" dirty="0" err="1"/>
-              <a:t>righ</a:t>
-            </a:r>
+              <a:t>Can be asymmetric with long tails</a:t>
+            </a:r>
+          </a:p>
+          <a:p>
+            <a:pPr lvl="1"/>
             <a:r>
               <a:rPr lang="en-US" dirty="0"/>
-              <a:t> tail</a:t>
+              <a:t>Use heavy tailed distribution models</a:t>
             </a:r>
           </a:p>
           <a:p>
             <a:pPr lvl="1"/>
             <a:r>
               <a:rPr lang="en-US" dirty="0"/>
-              <a:t>Apply models with distributions and mixtures that account for large low probability responses </a:t>
+              <a:t>Apply models with mixtures of distributions to account for large low probability responses </a:t>
             </a:r>
           </a:p>
           <a:p>
@@ -11546,7 +11591,7 @@
             </a:r>
             <a:r>
               <a:rPr lang="en-US" dirty="0"/>
-              <a:t>on the response </a:t>
+              <a:t>on parameter estimates</a:t>
             </a:r>
           </a:p>
           <a:p>
@@ -17226,8 +17271,8 @@
           </a:p>
         </p:txBody>
       </p:sp>
-      <mc:AlternateContent xmlns:mc="http://schemas.openxmlformats.org/markup-compatibility/2006">
-        <mc:Choice xmlns:a14="http://schemas.microsoft.com/office/drawing/2010/main" Requires="a14">
+      <mc:AlternateContent xmlns:mc="http://schemas.openxmlformats.org/markup-compatibility/2006" xmlns:a14="http://schemas.microsoft.com/office/drawing/2010/main">
+        <mc:Choice Requires="a14">
           <p:sp>
             <p:nvSpPr>
               <p:cNvPr id="3" name="Content Placeholder 2"/>
@@ -17362,7 +17407,7 @@
             </p:txBody>
           </p:sp>
         </mc:Choice>
-        <mc:Fallback>
+        <mc:Fallback xmlns="">
           <p:sp>
             <p:nvSpPr>
               <p:cNvPr id="3" name="Content Placeholder 2"/>
@@ -18138,7 +18183,7 @@
           <a:p>
             <a:r>
               <a:rPr lang="en-US" dirty="0"/>
-              <a:t>In epidemiology the probability distribution of the number of people contracting a disease in per day has many zeros</a:t>
+              <a:t>In epidemiology the probability distribution of the of people contracting a disease per day has many zeros</a:t>
             </a:r>
           </a:p>
           <a:p>
@@ -19851,7 +19896,7 @@
             <a:pPr lvl="1"/>
             <a:r>
               <a:rPr lang="en-US" dirty="0"/>
-              <a:t>One or more standard distributions </a:t>
+              <a:t>A standard distribution </a:t>
             </a:r>
           </a:p>
           <a:p>
@@ -19975,7 +20020,7 @@
               <a:p>
                 <a:r>
                   <a:rPr lang="en-US" dirty="0"/>
-                  <a:t>The binomial distribution serves as a ‘switch’ between 0 response and the other distribution(s)    </a:t>
+                  <a:t>The binomial distribution serves as a ‘switch’ between 0 response and the other distribution  </a:t>
                 </a:r>
               </a:p>
               <a:p>
@@ -20212,13 +20257,7 @@
                                 <a:rPr lang="en-US" b="0" i="1" smtClean="0">
                                   <a:latin typeface="Cambria Math" panose="02040503050406030204" pitchFamily="18" charset="0"/>
                                 </a:rPr>
-                                <m:t>=</m:t>
-                              </m:r>
-                              <m:r>
-                                <a:rPr lang="en-US" b="0" i="1" smtClean="0">
-                                  <a:latin typeface="Cambria Math" panose="02040503050406030204" pitchFamily="18" charset="0"/>
-                                </a:rPr>
-                                <m:t>0</m:t>
+                                <m:t>=0</m:t>
                               </m:r>
                             </m:e>
                           </m:d>
@@ -20260,14 +20299,7 @@
                                   <a:latin typeface="Cambria Math" panose="02040503050406030204" pitchFamily="18" charset="0"/>
                                   <a:ea typeface="Cambria Math" panose="02040503050406030204" pitchFamily="18" charset="0"/>
                                 </a:rPr>
-                                <m:t>1</m:t>
-                              </m:r>
-                              <m:r>
-                                <a:rPr lang="en-US" b="0" i="1" smtClean="0">
-                                  <a:latin typeface="Cambria Math" panose="02040503050406030204" pitchFamily="18" charset="0"/>
-                                  <a:ea typeface="Cambria Math" panose="02040503050406030204" pitchFamily="18" charset="0"/>
-                                </a:rPr>
-                                <m:t>−</m:t>
+                                <m:t>1−</m:t>
                               </m:r>
                               <m:r>
                                 <a:rPr lang="en-US" b="0" i="1" smtClean="0">
@@ -20322,13 +20354,7 @@
                                 <a:rPr lang="en-US" b="0" i="1" smtClean="0">
                                   <a:latin typeface="Cambria Math" panose="02040503050406030204" pitchFamily="18" charset="0"/>
                                 </a:rPr>
-                                <m:t>0</m:t>
-                              </m:r>
-                              <m:r>
-                                <a:rPr lang="en-US" b="0" i="1" smtClean="0">
-                                  <a:latin typeface="Cambria Math" panose="02040503050406030204" pitchFamily="18" charset="0"/>
-                                </a:rPr>
-                                <m:t> | </m:t>
+                                <m:t>0 | </m:t>
                               </m:r>
                               <m:r>
                                 <a:rPr lang="en-US" i="1">
@@ -20424,14 +20450,7 @@
                                   <a:latin typeface="Cambria Math" panose="02040503050406030204" pitchFamily="18" charset="0"/>
                                   <a:ea typeface="Cambria Math" panose="02040503050406030204" pitchFamily="18" charset="0"/>
                                 </a:rPr>
-                                <m:t>1</m:t>
-                              </m:r>
-                              <m:r>
-                                <a:rPr lang="en-US" i="1">
-                                  <a:latin typeface="Cambria Math" panose="02040503050406030204" pitchFamily="18" charset="0"/>
-                                  <a:ea typeface="Cambria Math" panose="02040503050406030204" pitchFamily="18" charset="0"/>
-                                </a:rPr>
-                                <m:t>−</m:t>
+                                <m:t>1−</m:t>
                               </m:r>
                               <m:r>
                                 <a:rPr lang="en-US" i="1">
@@ -20648,8 +20667,8 @@
           </a:p>
         </p:txBody>
       </p:sp>
-      <mc:AlternateContent xmlns:mc="http://schemas.openxmlformats.org/markup-compatibility/2006">
-        <mc:Choice xmlns:a14="http://schemas.microsoft.com/office/drawing/2010/main" Requires="a14">
+      <mc:AlternateContent xmlns:mc="http://schemas.openxmlformats.org/markup-compatibility/2006" xmlns:a14="http://schemas.microsoft.com/office/drawing/2010/main">
+        <mc:Choice Requires="a14">
           <p:sp>
             <p:nvSpPr>
               <p:cNvPr id="3" name="Content Placeholder 2">
@@ -21386,7 +21405,7 @@
             </p:txBody>
           </p:sp>
         </mc:Choice>
-        <mc:Fallback>
+        <mc:Fallback xmlns="">
           <p:sp>
             <p:nvSpPr>
               <p:cNvPr id="3" name="Content Placeholder 2">

--- a/LectureSlides/10b_ModelsFor OutliersAndOverdispersion.pptx
+++ b/LectureSlides/10b_ModelsFor OutliersAndOverdispersion.pptx
@@ -11201,15 +11201,7 @@
             </a:pPr>
             <a:r>
               <a:rPr lang="en-US" sz="2000" dirty="0"/>
-              <a:t>The inflation coefficient has a large  standard error </a:t>
-            </a:r>
-            <a:r>
-              <a:rPr lang="en-US" sz="2000"/>
-              <a:t>and wide CI</a:t>
-            </a:r>
-            <a:r>
-              <a:rPr lang="en-US" sz="2000" dirty="0"/>
-              <a:t>!</a:t>
+              <a:t>The inflation coefficient has a large  standard error and wide CI!</a:t>
             </a:r>
           </a:p>
           <a:p>
@@ -12254,7 +12246,7 @@
             </a:pPr>
             <a:r>
               <a:rPr lang="en-US" sz="2000" dirty="0"/>
-              <a:t>Bulk of residual distribution more symmetric for NB distribution </a:t>
+              <a:t>Bulk of residual distribution more symmetric for NB regression </a:t>
             </a:r>
           </a:p>
           <a:p>
@@ -13065,33 +13057,32 @@
             <a:endParaRPr dirty="0"/>
           </a:p>
           <a:p>
-            <a:pPr lvl="1"/>
+            <a:pPr lvl="0"/>
             <a:r>
               <a:rPr dirty="0"/>
-              <a:t>Result of improper stratification</a:t>
-            </a:r>
-          </a:p>
-          <a:p>
-            <a:pPr lvl="0"/>
+              <a:t>But, </a:t>
+            </a:r>
+            <a:r>
+              <a:rPr lang="en-US" dirty="0"/>
+              <a:t>outliers </a:t>
+            </a:r>
             <a:r>
               <a:rPr dirty="0"/>
-              <a:t>But, may be of interest</a:t>
-            </a:r>
-          </a:p>
-          <a:p>
-            <a:pPr lvl="1"/>
+              <a:t>may be of </a:t>
+            </a:r>
+            <a:r>
+              <a:rPr lang="en-US" dirty="0"/>
+              <a:t>greatest </a:t>
+            </a:r>
             <a:r>
               <a:rPr dirty="0"/>
-              <a:t>Depending on the application, outliers can be the </a:t>
-            </a:r>
-            <a:r>
-              <a:rPr b="1" dirty="0"/>
-              <a:t>most interesting values</a:t>
-            </a:r>
-            <a:r>
-              <a:rPr dirty="0"/>
-              <a:t>!!</a:t>
-            </a:r>
+              <a:t>interest</a:t>
+            </a:r>
+            <a:r>
+              <a:rPr lang="en-US" dirty="0"/>
+              <a:t>!</a:t>
+            </a:r>
+            <a:endParaRPr dirty="0"/>
           </a:p>
           <a:p>
             <a:pPr lvl="1"/>
@@ -13407,8 +13398,8 @@
         </p:nvCxnSpPr>
         <p:spPr>
           <a:xfrm>
-            <a:off x="4554728" y="3441469"/>
-            <a:ext cx="1659128" cy="374627"/>
+            <a:off x="4912337" y="3441469"/>
+            <a:ext cx="1301519" cy="374627"/>
           </a:xfrm>
           <a:prstGeom prst="straightConnector1">
             <a:avLst/>
@@ -14317,7 +14308,7 @@
             </a:r>
             <a:r>
               <a:rPr lang="en-US" dirty="0"/>
-              <a:t>, the absolute distance from the mean of the independent variables   </a:t>
+              <a:t>, a measure of distance of an observation from the mean of the independent variables   </a:t>
             </a:r>
           </a:p>
           <a:p>
@@ -14460,8 +14451,8 @@
           </a:p>
         </p:txBody>
       </p:sp>
-      <mc:AlternateContent xmlns:mc="http://schemas.openxmlformats.org/markup-compatibility/2006" xmlns:a14="http://schemas.microsoft.com/office/drawing/2010/main">
-        <mc:Choice Requires="a14">
+      <mc:AlternateContent xmlns:mc="http://schemas.openxmlformats.org/markup-compatibility/2006">
+        <mc:Choice xmlns:a14="http://schemas.microsoft.com/office/drawing/2010/main" Requires="a14">
           <p:sp>
             <p:nvSpPr>
               <p:cNvPr id="3" name="Content Placeholder 2"/>
@@ -14480,7 +14471,7 @@
             </p:spPr>
             <p:txBody>
               <a:bodyPr>
-                <a:normAutofit fontScale="92500" lnSpcReduction="20000"/>
+                <a:normAutofit fontScale="85000" lnSpcReduction="10000"/>
               </a:bodyPr>
               <a:lstStyle/>
               <a:p>
@@ -14534,8 +14525,13 @@
                 </a:r>
                 <a:r>
                   <a:rPr dirty="0"/>
-                  <a:t>on a model</a:t>
+                  <a:t>on model</a:t>
                 </a:r>
+                <a:r>
+                  <a:rPr lang="en-US" dirty="0"/>
+                  <a:t> response</a:t>
+                </a:r>
+                <a:endParaRPr dirty="0"/>
               </a:p>
               <a:p>
                 <a:pPr lvl="0"/>
@@ -15073,7 +15069,7 @@
             </p:txBody>
           </p:sp>
         </mc:Choice>
-        <mc:Fallback xmlns="">
+        <mc:Fallback>
           <p:sp>
             <p:nvSpPr>
               <p:cNvPr id="3" name="Content Placeholder 2"/>
@@ -15092,7 +15088,7 @@
               <a:blipFill>
                 <a:blip r:embed="rId2"/>
                 <a:stretch>
-                  <a:fillRect l="-963" t="-2872" b="-3041"/>
+                  <a:fillRect l="-741" t="-1858"/>
                 </a:stretch>
               </a:blipFill>
             </p:spPr>
@@ -15173,89 +15169,344 @@
           </a:p>
         </p:txBody>
       </p:sp>
-      <p:sp>
-        <p:nvSpPr>
-          <p:cNvPr id="4" name="Text Placeholder 3"/>
-          <p:cNvSpPr>
-            <a:spLocks noGrp="1"/>
-          </p:cNvSpPr>
-          <p:nvPr>
-            <p:ph type="body" sz="half" idx="2"/>
-          </p:nvPr>
-        </p:nvSpPr>
-        <p:spPr>
-          <a:xfrm>
-            <a:off x="457201" y="1076326"/>
-            <a:ext cx="4311621" cy="3717098"/>
-          </a:xfrm>
-        </p:spPr>
-        <p:txBody>
-          <a:bodyPr>
-            <a:normAutofit/>
-          </a:bodyPr>
-          <a:lstStyle/>
-          <a:p>
-            <a:pPr marL="0" lvl="0" indent="0">
-              <a:buNone/>
-            </a:pPr>
-            <a:r>
-              <a:rPr sz="1800" dirty="0"/>
-              <a:t>Cook’s distance </a:t>
-            </a:r>
-            <a:r>
-              <a:rPr lang="en-US" sz="1800" dirty="0"/>
-              <a:t>plot enables evaluation of </a:t>
-            </a:r>
-            <a:r>
-              <a:rPr lang="en-US" sz="1800" b="1" dirty="0"/>
-              <a:t>outlier influence </a:t>
-            </a:r>
-          </a:p>
-          <a:p>
-            <a:pPr marL="285750" lvl="0" indent="-285750">
-              <a:buFont typeface="Arial" panose="020B0604020202020204" pitchFamily="34" charset="0"/>
-              <a:buChar char="•"/>
-            </a:pPr>
-            <a:r>
-              <a:rPr lang="en-US" sz="1800" b="1" dirty="0"/>
-              <a:t>Standardized residuals </a:t>
-            </a:r>
-            <a:r>
-              <a:rPr lang="en-US" sz="1800" dirty="0"/>
-              <a:t>on the vertical axis</a:t>
-            </a:r>
-          </a:p>
-          <a:p>
-            <a:pPr marL="285750" lvl="0" indent="-285750">
-              <a:buFont typeface="Arial" panose="020B0604020202020204" pitchFamily="34" charset="0"/>
-              <a:buChar char="•"/>
-            </a:pPr>
-            <a:r>
-              <a:rPr lang="en-US" sz="1800" b="1" dirty="0"/>
-              <a:t>Leverage</a:t>
-            </a:r>
-            <a:r>
-              <a:rPr lang="en-US" sz="1800" dirty="0"/>
-              <a:t> on the horizontal axis</a:t>
-            </a:r>
-          </a:p>
-          <a:p>
-            <a:pPr marL="285750" lvl="0" indent="-285750">
-              <a:buFont typeface="Arial" panose="020B0604020202020204" pitchFamily="34" charset="0"/>
-              <a:buChar char="•"/>
-            </a:pPr>
-            <a:r>
-              <a:rPr lang="en-US" sz="1800" dirty="0"/>
-              <a:t>Size of the markers indicates overall </a:t>
-            </a:r>
-            <a:r>
-              <a:rPr lang="en-US" sz="1800" b="1" dirty="0"/>
-              <a:t>influence </a:t>
-            </a:r>
-            <a:endParaRPr sz="1800" b="1" dirty="0"/>
-          </a:p>
-        </p:txBody>
-      </p:sp>
+      <mc:AlternateContent xmlns:mc="http://schemas.openxmlformats.org/markup-compatibility/2006">
+        <mc:Choice xmlns:a14="http://schemas.microsoft.com/office/drawing/2010/main" Requires="a14">
+          <p:sp>
+            <p:nvSpPr>
+              <p:cNvPr id="4" name="Text Placeholder 3"/>
+              <p:cNvSpPr>
+                <a:spLocks noGrp="1"/>
+              </p:cNvSpPr>
+              <p:nvPr>
+                <p:ph type="body" sz="half" idx="2"/>
+              </p:nvPr>
+            </p:nvSpPr>
+            <p:spPr>
+              <a:xfrm>
+                <a:off x="457201" y="1076326"/>
+                <a:ext cx="4311621" cy="3717098"/>
+              </a:xfrm>
+            </p:spPr>
+            <p:txBody>
+              <a:bodyPr>
+                <a:normAutofit/>
+              </a:bodyPr>
+              <a:lstStyle/>
+              <a:p>
+                <a:pPr marL="0" lvl="0" indent="0">
+                  <a:buNone/>
+                </a:pPr>
+                <a:r>
+                  <a:rPr lang="en-US" sz="1800" b="1" dirty="0"/>
+                  <a:t>Influence plot </a:t>
+                </a:r>
+                <a:r>
+                  <a:rPr lang="en-US" sz="1800" dirty="0"/>
+                  <a:t>enables evaluation of </a:t>
+                </a:r>
+                <a:r>
+                  <a:rPr lang="en-US" sz="1800" b="1" dirty="0"/>
+                  <a:t>outlier effects </a:t>
+                </a:r>
+              </a:p>
+              <a:p>
+                <a:pPr marL="285750" lvl="0" indent="-285750">
+                  <a:buFont typeface="Arial" panose="020B0604020202020204" pitchFamily="34" charset="0"/>
+                  <a:buChar char="•"/>
+                </a:pPr>
+                <a:r>
+                  <a:rPr lang="en-US" sz="1800" b="1" dirty="0">
+                    <a:hlinkClick r:id="rId2"/>
+                  </a:rPr>
+                  <a:t>Studentized residuals </a:t>
+                </a:r>
+                <a:r>
+                  <a:rPr lang="en-US" sz="1800" dirty="0"/>
+                  <a:t>on the vertical axis</a:t>
+                </a:r>
+              </a:p>
+              <a:p>
+                <a:pPr lvl="0"/>
+                <a14:m>
+                  <m:oMathPara xmlns:m="http://schemas.openxmlformats.org/officeDocument/2006/math">
+                    <m:oMathParaPr>
+                      <m:jc m:val="centerGroup"/>
+                    </m:oMathParaPr>
+                    <m:oMath xmlns:m="http://schemas.openxmlformats.org/officeDocument/2006/math">
+                      <m:sSub>
+                        <m:sSubPr>
+                          <m:ctrlPr>
+                            <a:rPr lang="ar-AE" sz="1800" i="1" smtClean="0">
+                              <a:latin typeface="Cambria Math" panose="02040503050406030204" pitchFamily="18" charset="0"/>
+                            </a:rPr>
+                          </m:ctrlPr>
+                        </m:sSubPr>
+                        <m:e>
+                          <m:r>
+                            <a:rPr lang="ar-AE" sz="1800" b="0" i="1" smtClean="0">
+                              <a:latin typeface="Cambria Math" panose="02040503050406030204" pitchFamily="18" charset="0"/>
+                            </a:rPr>
+                            <m:t>𝑡</m:t>
+                          </m:r>
+                        </m:e>
+                        <m:sub>
+                          <m:r>
+                            <a:rPr lang="ar-AE" sz="1800" b="0" i="1" smtClean="0">
+                              <a:latin typeface="Cambria Math" panose="02040503050406030204" pitchFamily="18" charset="0"/>
+                            </a:rPr>
+                            <m:t>𝑖</m:t>
+                          </m:r>
+                        </m:sub>
+                      </m:sSub>
+                      <m:r>
+                        <a:rPr lang="ar-AE" sz="1800" b="0" i="1" smtClean="0">
+                          <a:latin typeface="Cambria Math" panose="02040503050406030204" pitchFamily="18" charset="0"/>
+                        </a:rPr>
+                        <m:t>=</m:t>
+                      </m:r>
+                      <m:f>
+                        <m:fPr>
+                          <m:ctrlPr>
+                            <a:rPr lang="ar-AE" sz="1800" i="1" smtClean="0">
+                              <a:latin typeface="Cambria Math" panose="02040503050406030204" pitchFamily="18" charset="0"/>
+                            </a:rPr>
+                          </m:ctrlPr>
+                        </m:fPr>
+                        <m:num>
+                          <m:sSub>
+                            <m:sSubPr>
+                              <m:ctrlPr>
+                                <a:rPr lang="ar-AE" sz="1800" i="1" smtClean="0">
+                                  <a:latin typeface="Cambria Math" panose="02040503050406030204" pitchFamily="18" charset="0"/>
+                                </a:rPr>
+                              </m:ctrlPr>
+                            </m:sSubPr>
+                            <m:e>
+                              <m:acc>
+                                <m:accPr>
+                                  <m:chr m:val="̂"/>
+                                  <m:ctrlPr>
+                                    <a:rPr lang="ar-AE" sz="1800" i="1">
+                                      <a:latin typeface="Cambria Math" panose="02040503050406030204" pitchFamily="18" charset="0"/>
+                                    </a:rPr>
+                                  </m:ctrlPr>
+                                </m:accPr>
+                                <m:e>
+                                  <m:r>
+                                    <a:rPr lang="ar-AE" sz="1800" i="1">
+                                      <a:latin typeface="Cambria Math" panose="02040503050406030204" pitchFamily="18" charset="0"/>
+                                      <a:ea typeface="Cambria Math" panose="02040503050406030204" pitchFamily="18" charset="0"/>
+                                    </a:rPr>
+                                    <m:t>𝜀</m:t>
+                                  </m:r>
+                                </m:e>
+                              </m:acc>
+                            </m:e>
+                            <m:sub>
+                              <m:r>
+                                <a:rPr lang="ar-AE" sz="1800" b="0" i="1" smtClean="0">
+                                  <a:latin typeface="Cambria Math" panose="02040503050406030204" pitchFamily="18" charset="0"/>
+                                </a:rPr>
+                                <m:t>𝑖</m:t>
+                              </m:r>
+                            </m:sub>
+                          </m:sSub>
+                        </m:num>
+                        <m:den>
+                          <m:acc>
+                            <m:accPr>
+                              <m:chr m:val="̂"/>
+                              <m:ctrlPr>
+                                <a:rPr lang="ar-AE" sz="1800" i="1" smtClean="0">
+                                  <a:latin typeface="Cambria Math" panose="02040503050406030204" pitchFamily="18" charset="0"/>
+                                </a:rPr>
+                              </m:ctrlPr>
+                            </m:accPr>
+                            <m:e>
+                              <m:r>
+                                <a:rPr lang="ar-AE" sz="1800" b="0" i="1" smtClean="0">
+                                  <a:latin typeface="Cambria Math" panose="02040503050406030204" pitchFamily="18" charset="0"/>
+                                  <a:ea typeface="Cambria Math" panose="02040503050406030204" pitchFamily="18" charset="0"/>
+                                </a:rPr>
+                                <m:t>𝜎</m:t>
+                              </m:r>
+                            </m:e>
+                          </m:acc>
+                          <m:rad>
+                            <m:radPr>
+                              <m:degHide m:val="on"/>
+                              <m:ctrlPr>
+                                <a:rPr lang="ar-AE" sz="1800" i="1" smtClean="0">
+                                  <a:latin typeface="Cambria Math" panose="02040503050406030204" pitchFamily="18" charset="0"/>
+                                </a:rPr>
+                              </m:ctrlPr>
+                            </m:radPr>
+                            <m:deg/>
+                            <m:e>
+                              <m:r>
+                                <a:rPr lang="ar-AE" sz="1800" b="0" i="1" smtClean="0">
+                                  <a:latin typeface="Cambria Math" panose="02040503050406030204" pitchFamily="18" charset="0"/>
+                                </a:rPr>
+                                <m:t>1</m:t>
+                              </m:r>
+                              <m:r>
+                                <a:rPr lang="ar-AE" sz="1800" b="0" i="1" smtClean="0">
+                                  <a:latin typeface="Cambria Math" panose="02040503050406030204" pitchFamily="18" charset="0"/>
+                                </a:rPr>
+                                <m:t>−</m:t>
+                              </m:r>
+                              <m:sSub>
+                                <m:sSubPr>
+                                  <m:ctrlPr>
+                                    <a:rPr lang="ar-AE" sz="1800" i="1" smtClean="0">
+                                      <a:latin typeface="Cambria Math" panose="02040503050406030204" pitchFamily="18" charset="0"/>
+                                    </a:rPr>
+                                  </m:ctrlPr>
+                                </m:sSubPr>
+                                <m:e>
+                                  <m:r>
+                                    <a:rPr lang="ar-AE" sz="1800" b="0" i="1" smtClean="0">
+                                      <a:latin typeface="Cambria Math" panose="02040503050406030204" pitchFamily="18" charset="0"/>
+                                    </a:rPr>
+                                    <m:t>h</m:t>
+                                  </m:r>
+                                </m:e>
+                                <m:sub>
+                                  <m:r>
+                                    <a:rPr lang="ar-AE" sz="1800" b="0" i="1" smtClean="0">
+                                      <a:latin typeface="Cambria Math" panose="02040503050406030204" pitchFamily="18" charset="0"/>
+                                    </a:rPr>
+                                    <m:t>𝑖𝑖</m:t>
+                                  </m:r>
+                                </m:sub>
+                              </m:sSub>
+                            </m:e>
+                          </m:rad>
+                        </m:den>
+                      </m:f>
+                    </m:oMath>
+                  </m:oMathPara>
+                </a14:m>
+                <a:endParaRPr lang="ar-AE" sz="1800" dirty="0"/>
+              </a:p>
+              <a:p>
+                <a:pPr lvl="1"/>
+                <a:r>
+                  <a:rPr lang="en-US" sz="1650" dirty="0"/>
+                  <a:t>Where </a:t>
+                </a:r>
+                <a14:m>
+                  <m:oMath xmlns:m="http://schemas.openxmlformats.org/officeDocument/2006/math">
+                    <m:sSub>
+                      <m:sSubPr>
+                        <m:ctrlPr>
+                          <a:rPr lang="ar-AE" sz="1600" i="1" smtClean="0">
+                            <a:latin typeface="Cambria Math" panose="02040503050406030204" pitchFamily="18" charset="0"/>
+                          </a:rPr>
+                        </m:ctrlPr>
+                      </m:sSubPr>
+                      <m:e>
+                        <m:r>
+                          <a:rPr lang="ar-AE" sz="1600" b="0" i="1" smtClean="0">
+                            <a:latin typeface="Cambria Math" panose="02040503050406030204" pitchFamily="18" charset="0"/>
+                          </a:rPr>
+                          <m:t>h</m:t>
+                        </m:r>
+                      </m:e>
+                      <m:sub>
+                        <m:r>
+                          <a:rPr lang="ar-AE" sz="1600" b="0" i="1" smtClean="0">
+                            <a:latin typeface="Cambria Math" panose="02040503050406030204" pitchFamily="18" charset="0"/>
+                          </a:rPr>
+                          <m:t>𝑖𝑖</m:t>
+                        </m:r>
+                      </m:sub>
+                    </m:sSub>
+                    <m:r>
+                      <a:rPr lang="ar-AE" sz="1600" b="0" i="1" smtClean="0">
+                        <a:latin typeface="Cambria Math" panose="02040503050406030204" pitchFamily="18" charset="0"/>
+                      </a:rPr>
+                      <m:t>=</m:t>
+                    </m:r>
+                    <m:r>
+                      <a:rPr lang="ar-AE" sz="1600" b="0" i="1" smtClean="0">
+                        <a:latin typeface="Cambria Math" panose="02040503050406030204" pitchFamily="18" charset="0"/>
+                      </a:rPr>
+                      <m:t>𝑙𝑒𝑣𝑒𝑟𝑎𝑔𝑒</m:t>
+                    </m:r>
+                  </m:oMath>
+                </a14:m>
+                <a:endParaRPr lang="en-US" sz="1800" dirty="0"/>
+              </a:p>
+              <a:p>
+                <a:pPr marL="285750" lvl="0" indent="-285750">
+                  <a:buFont typeface="Arial" panose="020B0604020202020204" pitchFamily="34" charset="0"/>
+                  <a:buChar char="•"/>
+                </a:pPr>
+                <a:r>
+                  <a:rPr lang="en-US" sz="1800" b="1" dirty="0"/>
+                  <a:t>Leverage</a:t>
+                </a:r>
+                <a:r>
+                  <a:rPr lang="en-US" sz="1800" dirty="0"/>
+                  <a:t> on the horizontal axis</a:t>
+                </a:r>
+              </a:p>
+              <a:p>
+                <a:pPr marL="285750" lvl="0" indent="-285750">
+                  <a:buFont typeface="Arial" panose="020B0604020202020204" pitchFamily="34" charset="0"/>
+                  <a:buChar char="•"/>
+                </a:pPr>
+                <a:r>
+                  <a:rPr lang="en-US" sz="1800" dirty="0"/>
+                  <a:t>Size of the markers indicates overall </a:t>
+                </a:r>
+                <a:r>
+                  <a:rPr lang="en-US" sz="1800" b="1" dirty="0"/>
+                  <a:t>influence </a:t>
+                </a:r>
+              </a:p>
+            </p:txBody>
+          </p:sp>
+        </mc:Choice>
+        <mc:Fallback>
+          <p:sp>
+            <p:nvSpPr>
+              <p:cNvPr id="4" name="Text Placeholder 3"/>
+              <p:cNvSpPr>
+                <a:spLocks noGrp="1" noRot="1" noChangeAspect="1" noMove="1" noResize="1" noEditPoints="1" noAdjustHandles="1" noChangeArrowheads="1" noChangeShapeType="1" noTextEdit="1"/>
+              </p:cNvSpPr>
+              <p:nvPr>
+                <p:ph type="body" sz="half" idx="2"/>
+              </p:nvPr>
+            </p:nvSpPr>
+            <p:spPr>
+              <a:xfrm>
+                <a:off x="457201" y="1076326"/>
+                <a:ext cx="4311621" cy="3717098"/>
+              </a:xfrm>
+              <a:blipFill>
+                <a:blip r:embed="rId3"/>
+                <a:stretch>
+                  <a:fillRect l="-1132" t="-985" r="-566"/>
+                </a:stretch>
+              </a:blipFill>
+            </p:spPr>
+            <p:txBody>
+              <a:bodyPr/>
+              <a:lstStyle/>
+              <a:p>
+                <a:r>
+                  <a:rPr lang="en-US">
+                    <a:noFill/>
+                  </a:rPr>
+                  <a:t> </a:t>
+                </a:r>
+              </a:p>
+            </p:txBody>
+          </p:sp>
+        </mc:Fallback>
+      </mc:AlternateContent>
       <p:pic>
         <p:nvPicPr>
           <p:cNvPr id="6" name="Picture 5">
@@ -15271,7 +15522,7 @@
           <p:nvPr/>
         </p:nvPicPr>
         <p:blipFill>
-          <a:blip r:embed="rId2"/>
+          <a:blip r:embed="rId4"/>
           <a:stretch>
             <a:fillRect/>
           </a:stretch>
@@ -15946,8 +16197,8 @@
           </a:p>
         </p:txBody>
       </p:sp>
-      <mc:AlternateContent xmlns:mc="http://schemas.openxmlformats.org/markup-compatibility/2006" xmlns:a14="http://schemas.microsoft.com/office/drawing/2010/main">
-        <mc:Choice Requires="a14">
+      <mc:AlternateContent xmlns:mc="http://schemas.openxmlformats.org/markup-compatibility/2006">
+        <mc:Choice xmlns:a14="http://schemas.microsoft.com/office/drawing/2010/main" Requires="a14">
           <p:sp>
             <p:nvSpPr>
               <p:cNvPr id="3" name="Content Placeholder 2"/>
@@ -15975,81 +16226,53 @@
                 </a:pPr>
                 <a:r>
                   <a:rPr lang="en-US" dirty="0"/>
-                  <a:t>Can we </a:t>
-                </a:r>
-                <a:r>
-                  <a:rPr dirty="0"/>
-                  <a:t>simply edit out the outliers?</a:t>
+                  <a:t>Can we simply edit out the outliers?</a:t>
                 </a:r>
               </a:p>
               <a:p>
                 <a:pPr lvl="0"/>
                 <a:r>
-                  <a:rPr dirty="0"/>
-                  <a:t>B</a:t>
-                </a:r>
-                <a:r>
                   <a:rPr lang="en-US" dirty="0"/>
-                  <a:t>u</a:t>
-                </a:r>
-                <a:r>
-                  <a:rPr dirty="0"/>
-                  <a:t>t</a:t>
-                </a:r>
-                <a:r>
-                  <a:rPr lang="en-US" dirty="0"/>
-                  <a:t>,</a:t>
-                </a:r>
-                <a:r>
-                  <a:rPr dirty="0"/>
-                  <a:t> what fraction of the data are outliers?</a:t>
+                  <a:t>But, what fraction of the data are outliers?</a:t>
                 </a:r>
               </a:p>
               <a:p>
                 <a:pPr lvl="0"/>
                 <a:r>
-                  <a:rPr dirty="0"/>
-                  <a:t>Know</a:t>
+                  <a:rPr lang="en-US" dirty="0"/>
+                  <a:t>Known as the </a:t>
+                </a:r>
+                <a:r>
+                  <a:rPr lang="en-US" b="1" dirty="0"/>
+                  <a:t>alpha trimmed mean</a:t>
                 </a:r>
                 <a:r>
                   <a:rPr lang="en-US" dirty="0"/>
-                  <a:t>n</a:t>
-                </a:r>
-                <a:r>
-                  <a:rPr dirty="0"/>
-                  <a:t> as the </a:t>
-                </a:r>
-                <a:r>
-                  <a:rPr b="1" dirty="0"/>
-                  <a:t>alpha trimmed mean</a:t>
-                </a:r>
-                <a:r>
-                  <a:rPr dirty="0"/>
                   <a:t> algorithm</a:t>
                 </a:r>
               </a:p>
               <a:p>
                 <a:pPr lvl="1"/>
                 <a:r>
-                  <a:rPr dirty="0"/>
+                  <a:rPr lang="en-US" dirty="0"/>
                   <a:t>Order the values and remove </a:t>
                 </a:r>
                 <a14:m>
                   <m:oMath xmlns:m="http://schemas.openxmlformats.org/officeDocument/2006/math">
                     <m:r>
-                      <a:rPr>
+                      <a:rPr lang="en-US">
                         <a:latin typeface="Cambria Math" panose="02040503050406030204" pitchFamily="18" charset="0"/>
                       </a:rPr>
                       <m:t>𝛼</m:t>
                     </m:r>
                     <m:r>
-                      <a:rPr>
+                      <a:rPr lang="en-US">
                         <a:latin typeface="Cambria Math" panose="02040503050406030204" pitchFamily="18" charset="0"/>
                       </a:rPr>
                       <m:t>/</m:t>
                     </m:r>
                     <m:r>
-                      <a:rPr>
+                      <a:rPr lang="en-US">
                         <a:latin typeface="Cambria Math" panose="02040503050406030204" pitchFamily="18" charset="0"/>
                       </a:rPr>
                       <m:t>2</m:t>
@@ -16058,90 +16281,88 @@
                 </a14:m>
                 <a:r>
                   <a:rPr lang="en-US" dirty="0"/>
-                  <a:t> of </a:t>
-                </a:r>
-                <a:r>
-                  <a:rPr dirty="0"/>
-                  <a:t>highest and lowest</a:t>
+                  <a:t> of highest and lowest</a:t>
                 </a:r>
               </a:p>
               <a:p>
                 <a:pPr lvl="1"/>
                 <a:r>
-                  <a:rPr dirty="0"/>
+                  <a:rPr lang="en-US" dirty="0"/>
                   <a:t>But, alpha trimming is a bit arbitrary</a:t>
                 </a:r>
               </a:p>
               <a:p>
                 <a:pPr lvl="1"/>
                 <a:r>
-                  <a:rPr dirty="0"/>
+                  <a:rPr lang="en-US" dirty="0"/>
                   <a:t>Is a biased estimator, with bias increasing with </a:t>
                 </a:r>
                 <a14:m>
                   <m:oMath xmlns:m="http://schemas.openxmlformats.org/officeDocument/2006/math">
                     <m:r>
-                      <a:rPr>
+                      <a:rPr lang="en-US">
                         <a:latin typeface="Cambria Math" panose="02040503050406030204" pitchFamily="18" charset="0"/>
                       </a:rPr>
                       <m:t>𝛼</m:t>
                     </m:r>
                   </m:oMath>
                 </a14:m>
-                <a:endParaRPr dirty="0"/>
+                <a:endParaRPr lang="en-US" dirty="0"/>
               </a:p>
               <a:p>
                 <a:pPr lvl="1"/>
                 <a14:m>
                   <m:oMath xmlns:m="http://schemas.openxmlformats.org/officeDocument/2006/math">
                     <m:r>
-                      <a:rPr>
+                      <a:rPr lang="en-US">
                         <a:latin typeface="Cambria Math" panose="02040503050406030204" pitchFamily="18" charset="0"/>
                       </a:rPr>
                       <m:t>𝛼</m:t>
                     </m:r>
                     <m:r>
-                      <a:rPr>
+                      <a:rPr lang="en-US" i="1" smtClean="0">
+                        <a:latin typeface="Cambria Math" panose="02040503050406030204" pitchFamily="18" charset="0"/>
+                        <a:ea typeface="Cambria Math" panose="02040503050406030204" pitchFamily="18" charset="0"/>
+                      </a:rPr>
+                      <m:t>→</m:t>
+                    </m:r>
+                    <m:r>
+                      <a:rPr lang="en-US" b="0" i="0" smtClean="0">
                         <a:latin typeface="Cambria Math" panose="02040503050406030204" pitchFamily="18" charset="0"/>
                       </a:rPr>
-                      <m:t>=</m:t>
+                      <m:t>1</m:t>
                     </m:r>
                     <m:r>
-                      <a:rPr>
-                        <a:latin typeface="Cambria Math" panose="02040503050406030204" pitchFamily="18" charset="0"/>
-                      </a:rPr>
-                      <m:t>0</m:t>
-                    </m:r>
-                    <m:r>
-                      <a:rPr>
+                      <a:rPr lang="en-US" b="0" i="0" smtClean="0">
                         <a:latin typeface="Cambria Math" panose="02040503050406030204" pitchFamily="18" charset="0"/>
                       </a:rPr>
                       <m:t>.</m:t>
                     </m:r>
                     <m:r>
-                      <a:rPr>
+                      <a:rPr lang="en-US" b="0" i="0" smtClean="0">
                         <a:latin typeface="Cambria Math" panose="02040503050406030204" pitchFamily="18" charset="0"/>
                       </a:rPr>
-                      <m:t>5</m:t>
+                      <m:t>0</m:t>
                     </m:r>
                   </m:oMath>
                 </a14:m>
                 <a:r>
-                  <a:rPr dirty="0"/>
+                  <a:rPr lang="en-US" dirty="0"/>
                   <a:t> is the median</a:t>
                 </a:r>
               </a:p>
               <a:p>
                 <a:pPr lvl="0"/>
                 <a:r>
-                  <a:rPr dirty="0"/>
+                  <a:rPr lang="en-US" dirty="0"/>
                   <a:t>Alpha trimming hard to implement in higher dimensions</a:t>
                 </a:r>
+                <a:endParaRPr dirty="0"/>
               </a:p>
             </p:txBody>
           </p:sp>
         </mc:Choice>
-        <mc:Fallback xmlns="">
+        <mc:Fallback>
           <p:sp>
             <p:nvSpPr>
               <p:cNvPr id="3" name="Content Placeholder 2"/>
@@ -16795,8 +17016,8 @@
           </a:p>
         </p:txBody>
       </p:sp>
-      <mc:AlternateContent xmlns:mc="http://schemas.openxmlformats.org/markup-compatibility/2006" xmlns:a14="http://schemas.microsoft.com/office/drawing/2010/main">
-        <mc:Choice Requires="a14">
+      <mc:AlternateContent xmlns:mc="http://schemas.openxmlformats.org/markup-compatibility/2006">
+        <mc:Choice xmlns:a14="http://schemas.microsoft.com/office/drawing/2010/main" Requires="a14">
           <p:sp>
             <p:nvSpPr>
               <p:cNvPr id="3" name="Content Placeholder 2"/>
@@ -16823,69 +17044,75 @@
                   <a:buNone/>
                 </a:pPr>
                 <a:r>
-                  <a:rPr dirty="0"/>
+                  <a:rPr lang="en-US" dirty="0"/>
                   <a:t>What are the properties of the Huber estimator?</a:t>
                 </a:r>
               </a:p>
               <a:p>
                 <a:pPr lvl="0"/>
                 <a:r>
-                  <a:rPr dirty="0"/>
+                  <a:rPr lang="en-US" dirty="0"/>
                   <a:t>Influence function is linear near the mean but constant away from the mean</a:t>
                 </a:r>
               </a:p>
               <a:p>
                 <a:pPr lvl="1"/>
                 <a:r>
-                  <a:rPr b="1" dirty="0"/>
+                  <a:rPr lang="en-US" b="1" dirty="0"/>
                   <a:t>hinge point</a:t>
                 </a:r>
                 <a:r>
-                  <a:rPr dirty="0"/>
+                  <a:rPr lang="en-US" dirty="0"/>
                   <a:t> is at </a:t>
                 </a:r>
                 <a14:m>
                   <m:oMath xmlns:m="http://schemas.openxmlformats.org/officeDocument/2006/math">
                     <m:r>
-                      <a:rPr>
+                      <a:rPr lang="en-US">
                         <a:latin typeface="Cambria Math" panose="02040503050406030204" pitchFamily="18" charset="0"/>
                       </a:rPr>
                       <m:t>±</m:t>
                     </m:r>
                     <m:r>
-                      <a:rPr>
+                      <a:rPr lang="en-US">
                         <a:latin typeface="Cambria Math" panose="02040503050406030204" pitchFamily="18" charset="0"/>
                       </a:rPr>
                       <m:t>𝑡</m:t>
                     </m:r>
                     <m:r>
-                      <a:rPr>
+                      <a:rPr lang="en-US">
                         <a:latin typeface="Cambria Math" panose="02040503050406030204" pitchFamily="18" charset="0"/>
                       </a:rPr>
                       <m:t>∗</m:t>
                     </m:r>
                     <m:r>
-                      <a:rPr>
+                      <a:rPr lang="en-US">
                         <a:latin typeface="Cambria Math" panose="02040503050406030204" pitchFamily="18" charset="0"/>
                       </a:rPr>
                       <m:t>𝑀𝐴𝐷</m:t>
                     </m:r>
                   </m:oMath>
                 </a14:m>
+                <a:endParaRPr lang="en-US" dirty="0"/>
+              </a:p>
+              <a:p>
+                <a:pPr marL="685800" lvl="2" indent="0">
+                  <a:buNone/>
+                </a:pPr>
                 <a:r>
-                  <a:rPr dirty="0"/>
-                  <a:t>, where </a:t>
+                  <a:rPr lang="en-US" dirty="0"/>
+                  <a:t>where </a:t>
                 </a:r>
                 <a14:m>
                   <m:oMath xmlns:m="http://schemas.openxmlformats.org/officeDocument/2006/math">
                     <m:r>
-                      <a:rPr>
+                      <a:rPr lang="en-US">
                         <a:latin typeface="Cambria Math" panose="02040503050406030204" pitchFamily="18" charset="0"/>
                       </a:rPr>
                       <m:t>𝑀𝐴𝐷</m:t>
                     </m:r>
                     <m:r>
-                      <a:rPr>
+                      <a:rPr lang="en-US">
                         <a:latin typeface="Cambria Math" panose="02040503050406030204" pitchFamily="18" charset="0"/>
                       </a:rPr>
                       <m:t>=</m:t>
@@ -16893,25 +17120,25 @@
                   </m:oMath>
                 </a14:m>
                 <a:r>
-                  <a:rPr dirty="0"/>
+                  <a:rPr lang="en-US" dirty="0"/>
                   <a:t> </a:t>
                 </a:r>
                 <a:r>
-                  <a:rPr b="1" dirty="0"/>
+                  <a:rPr lang="en-US" b="1" dirty="0"/>
                   <a:t>median absolute deviation</a:t>
                 </a:r>
-                <a:endParaRPr dirty="0"/>
+                <a:endParaRPr lang="en-US" dirty="0"/>
               </a:p>
               <a:p>
                 <a:pPr lvl="1"/>
                 <a:r>
-                  <a:rPr dirty="0"/>
+                  <a:rPr lang="en-US" dirty="0"/>
                   <a:t>Robustness and bias increases as </a:t>
                 </a:r>
                 <a14:m>
                   <m:oMath xmlns:m="http://schemas.openxmlformats.org/officeDocument/2006/math">
                     <m:r>
-                      <a:rPr>
+                      <a:rPr lang="en-US">
                         <a:latin typeface="Cambria Math" panose="02040503050406030204" pitchFamily="18" charset="0"/>
                       </a:rPr>
                       <m:t>𝑡</m:t>
@@ -16919,35 +17146,36 @@
                   </m:oMath>
                 </a14:m>
                 <a:r>
-                  <a:rPr dirty="0"/>
+                  <a:rPr lang="en-US" dirty="0"/>
                   <a:t> decreases</a:t>
                 </a:r>
               </a:p>
               <a:p>
                 <a:pPr lvl="0"/>
                 <a:r>
-                  <a:rPr dirty="0"/>
+                  <a:rPr lang="en-US" dirty="0"/>
                   <a:t>Huber estimator is low bias</a:t>
                 </a:r>
               </a:p>
               <a:p>
                 <a:pPr lvl="1"/>
                 <a:r>
-                  <a:rPr dirty="0"/>
+                  <a:rPr lang="en-US" dirty="0"/>
                   <a:t>Unbiased for samples near the point estimate</a:t>
                 </a:r>
               </a:p>
               <a:p>
                 <a:pPr lvl="1"/>
                 <a:r>
-                  <a:rPr dirty="0"/>
+                  <a:rPr lang="en-US" dirty="0"/>
                   <a:t>Constant influence away from the point estimate</a:t>
                 </a:r>
+                <a:endParaRPr dirty="0"/>
               </a:p>
             </p:txBody>
           </p:sp>
         </mc:Choice>
-        <mc:Fallback xmlns="">
+        <mc:Fallback>
           <p:sp>
             <p:nvSpPr>
               <p:cNvPr id="3" name="Content Placeholder 2"/>
@@ -17271,8 +17499,8 @@
           </a:p>
         </p:txBody>
       </p:sp>
-      <mc:AlternateContent xmlns:mc="http://schemas.openxmlformats.org/markup-compatibility/2006" xmlns:a14="http://schemas.microsoft.com/office/drawing/2010/main">
-        <mc:Choice Requires="a14">
+      <mc:AlternateContent xmlns:mc="http://schemas.openxmlformats.org/markup-compatibility/2006">
+        <mc:Choice xmlns:a14="http://schemas.microsoft.com/office/drawing/2010/main" Requires="a14">
           <p:sp>
             <p:nvSpPr>
               <p:cNvPr id="3" name="Content Placeholder 2"/>
@@ -17291,7 +17519,7 @@
             </p:spPr>
             <p:txBody>
               <a:bodyPr>
-                <a:normAutofit fontScale="85000" lnSpcReduction="20000"/>
+                <a:normAutofit fontScale="85000" lnSpcReduction="10000"/>
               </a:bodyPr>
               <a:lstStyle/>
               <a:p>
@@ -17325,7 +17553,7 @@
                 <a:pPr lvl="0"/>
                 <a:r>
                   <a:rPr dirty="0"/>
-                  <a:t>Influence tappers to 0 for extreme outliers</a:t>
+                  <a:t>Influence tapers to 0 for extreme outliers</a:t>
                 </a:r>
               </a:p>
               <a:p>
@@ -17407,7 +17635,7 @@
             </p:txBody>
           </p:sp>
         </mc:Choice>
-        <mc:Fallback xmlns="">
+        <mc:Fallback>
           <p:sp>
             <p:nvSpPr>
               <p:cNvPr id="3" name="Content Placeholder 2"/>
@@ -17426,7 +17654,7 @@
               <a:blipFill>
                 <a:blip r:embed="rId2"/>
                 <a:stretch>
-                  <a:fillRect l="-1276" t="-2693"/>
+                  <a:fillRect l="-1276" t="-1975" r="-1020"/>
                 </a:stretch>
               </a:blipFill>
             </p:spPr>
@@ -18699,7 +18927,7 @@
             </a:pPr>
             <a:r>
               <a:rPr lang="en-US" sz="2000" dirty="0"/>
-              <a:t>CIs of slope coefficient are reduced in robust model  </a:t>
+              <a:t>CIs of intercept and slope coefficient are reduced in robust model  </a:t>
             </a:r>
           </a:p>
           <a:p>
@@ -19346,7 +19574,7 @@
         <p:spPr/>
         <p:txBody>
           <a:bodyPr>
-            <a:normAutofit fontScale="85000" lnSpcReduction="20000"/>
+            <a:normAutofit fontScale="85000" lnSpcReduction="10000"/>
           </a:bodyPr>
           <a:lstStyle/>
           <a:p>
@@ -19426,20 +19654,13 @@
             </a:r>
             <a:r>
               <a:rPr lang="en-US" dirty="0"/>
-              <a:t>on the response </a:t>
-            </a:r>
-          </a:p>
-          <a:p>
-            <a:pPr lvl="0"/>
+              <a:t>on the </a:t>
+            </a:r>
             <a:r>
               <a:rPr lang="en-US"/>
-              <a:t>Extend the </a:t>
-            </a:r>
-            <a:r>
-              <a:rPr lang="en-US" dirty="0"/>
-              <a:t>OLS and GLM frameworks to deal with these situations  </a:t>
-            </a:r>
-            <a:endParaRPr dirty="0"/>
+              <a:t>response </a:t>
+            </a:r>
+            <a:endParaRPr lang="en-US" dirty="0"/>
           </a:p>
         </p:txBody>
       </p:sp>

--- a/LectureSlides/10b_ModelsFor OutliersAndOverdispersion.pptx
+++ b/LectureSlides/10b_ModelsFor OutliersAndOverdispersion.pptx
@@ -5,7 +5,7 @@
     <p:sldMasterId id="2147483648" r:id="rId1"/>
   </p:sldMasterIdLst>
   <p:notesMasterIdLst>
-    <p:notesMasterId r:id="rId56"/>
+    <p:notesMasterId r:id="rId57"/>
   </p:notesMasterIdLst>
   <p:sldIdLst>
     <p:sldId id="337" r:id="rId2"/>
@@ -37,31 +37,32 @@
     <p:sldId id="361" r:id="rId28"/>
     <p:sldId id="362" r:id="rId29"/>
     <p:sldId id="351" r:id="rId30"/>
-    <p:sldId id="375" r:id="rId31"/>
-    <p:sldId id="376" r:id="rId32"/>
-    <p:sldId id="380" r:id="rId33"/>
-    <p:sldId id="378" r:id="rId34"/>
-    <p:sldId id="379" r:id="rId35"/>
-    <p:sldId id="377" r:id="rId36"/>
-    <p:sldId id="320" r:id="rId37"/>
-    <p:sldId id="321" r:id="rId38"/>
-    <p:sldId id="364" r:id="rId39"/>
-    <p:sldId id="365" r:id="rId40"/>
-    <p:sldId id="382" r:id="rId41"/>
-    <p:sldId id="323" r:id="rId42"/>
-    <p:sldId id="324" r:id="rId43"/>
-    <p:sldId id="326" r:id="rId44"/>
-    <p:sldId id="366" r:id="rId45"/>
-    <p:sldId id="327" r:id="rId46"/>
-    <p:sldId id="328" r:id="rId47"/>
-    <p:sldId id="329" r:id="rId48"/>
-    <p:sldId id="330" r:id="rId49"/>
-    <p:sldId id="331" r:id="rId50"/>
-    <p:sldId id="332" r:id="rId51"/>
-    <p:sldId id="333" r:id="rId52"/>
-    <p:sldId id="367" r:id="rId53"/>
-    <p:sldId id="368" r:id="rId54"/>
-    <p:sldId id="381" r:id="rId55"/>
+    <p:sldId id="383" r:id="rId31"/>
+    <p:sldId id="375" r:id="rId32"/>
+    <p:sldId id="376" r:id="rId33"/>
+    <p:sldId id="380" r:id="rId34"/>
+    <p:sldId id="378" r:id="rId35"/>
+    <p:sldId id="379" r:id="rId36"/>
+    <p:sldId id="377" r:id="rId37"/>
+    <p:sldId id="320" r:id="rId38"/>
+    <p:sldId id="321" r:id="rId39"/>
+    <p:sldId id="364" r:id="rId40"/>
+    <p:sldId id="365" r:id="rId41"/>
+    <p:sldId id="382" r:id="rId42"/>
+    <p:sldId id="323" r:id="rId43"/>
+    <p:sldId id="324" r:id="rId44"/>
+    <p:sldId id="326" r:id="rId45"/>
+    <p:sldId id="366" r:id="rId46"/>
+    <p:sldId id="327" r:id="rId47"/>
+    <p:sldId id="328" r:id="rId48"/>
+    <p:sldId id="329" r:id="rId49"/>
+    <p:sldId id="330" r:id="rId50"/>
+    <p:sldId id="331" r:id="rId51"/>
+    <p:sldId id="332" r:id="rId52"/>
+    <p:sldId id="333" r:id="rId53"/>
+    <p:sldId id="367" r:id="rId54"/>
+    <p:sldId id="368" r:id="rId55"/>
+    <p:sldId id="381" r:id="rId56"/>
   </p:sldIdLst>
   <p:sldSz cx="9144000" cy="5143500" type="screen16x9"/>
   <p:notesSz cx="6858000" cy="9144000"/>
@@ -261,7 +262,7 @@
           <a:p>
             <a:fld id="{B45A0028-71D2-4800-AD8E-38BD1BCDF688}" type="datetimeFigureOut">
               <a:rPr lang="en-US" smtClean="0"/>
-              <a:t>10/9/2025</a:t>
+              <a:t>10/15/2025</a:t>
             </a:fld>
             <a:endParaRPr lang="en-US"/>
           </a:p>
@@ -791,7 +792,7 @@
           <a:p>
             <a:fld id="{241EB5C9-1307-BA42-ABA2-0BC069CD8E7F}" type="datetimeFigureOut">
               <a:rPr lang="en-US" smtClean="0"/>
-              <a:t>10/9/2025</a:t>
+              <a:t>10/15/2025</a:t>
             </a:fld>
             <a:endParaRPr lang="en-US"/>
           </a:p>
@@ -959,7 +960,7 @@
           <a:p>
             <a:fld id="{241EB5C9-1307-BA42-ABA2-0BC069CD8E7F}" type="datetimeFigureOut">
               <a:rPr lang="en-US" smtClean="0"/>
-              <a:t>10/9/2025</a:t>
+              <a:t>10/15/2025</a:t>
             </a:fld>
             <a:endParaRPr lang="en-US"/>
           </a:p>
@@ -1137,7 +1138,7 @@
           <a:p>
             <a:fld id="{241EB5C9-1307-BA42-ABA2-0BC069CD8E7F}" type="datetimeFigureOut">
               <a:rPr lang="en-US" smtClean="0"/>
-              <a:t>10/9/2025</a:t>
+              <a:t>10/15/2025</a:t>
             </a:fld>
             <a:endParaRPr lang="en-US"/>
           </a:p>
@@ -1305,7 +1306,7 @@
           <a:p>
             <a:fld id="{241EB5C9-1307-BA42-ABA2-0BC069CD8E7F}" type="datetimeFigureOut">
               <a:rPr lang="en-US" smtClean="0"/>
-              <a:t>10/9/2025</a:t>
+              <a:t>10/15/2025</a:t>
             </a:fld>
             <a:endParaRPr lang="en-US"/>
           </a:p>
@@ -1550,7 +1551,7 @@
           <a:p>
             <a:fld id="{241EB5C9-1307-BA42-ABA2-0BC069CD8E7F}" type="datetimeFigureOut">
               <a:rPr lang="en-US" smtClean="0"/>
-              <a:t>10/9/2025</a:t>
+              <a:t>10/15/2025</a:t>
             </a:fld>
             <a:endParaRPr lang="en-US"/>
           </a:p>
@@ -1835,7 +1836,7 @@
           <a:p>
             <a:fld id="{241EB5C9-1307-BA42-ABA2-0BC069CD8E7F}" type="datetimeFigureOut">
               <a:rPr lang="en-US" smtClean="0"/>
-              <a:t>10/9/2025</a:t>
+              <a:t>10/15/2025</a:t>
             </a:fld>
             <a:endParaRPr lang="en-US"/>
           </a:p>
@@ -2254,7 +2255,7 @@
           <a:p>
             <a:fld id="{241EB5C9-1307-BA42-ABA2-0BC069CD8E7F}" type="datetimeFigureOut">
               <a:rPr lang="en-US" smtClean="0"/>
-              <a:t>10/9/2025</a:t>
+              <a:t>10/15/2025</a:t>
             </a:fld>
             <a:endParaRPr lang="en-US"/>
           </a:p>
@@ -2371,7 +2372,7 @@
           <a:p>
             <a:fld id="{241EB5C9-1307-BA42-ABA2-0BC069CD8E7F}" type="datetimeFigureOut">
               <a:rPr lang="en-US" smtClean="0"/>
-              <a:t>10/9/2025</a:t>
+              <a:t>10/15/2025</a:t>
             </a:fld>
             <a:endParaRPr lang="en-US"/>
           </a:p>
@@ -2466,7 +2467,7 @@
           <a:p>
             <a:fld id="{241EB5C9-1307-BA42-ABA2-0BC069CD8E7F}" type="datetimeFigureOut">
               <a:rPr lang="en-US" smtClean="0"/>
-              <a:t>10/9/2025</a:t>
+              <a:t>10/15/2025</a:t>
             </a:fld>
             <a:endParaRPr lang="en-US"/>
           </a:p>
@@ -2741,7 +2742,7 @@
           <a:p>
             <a:fld id="{241EB5C9-1307-BA42-ABA2-0BC069CD8E7F}" type="datetimeFigureOut">
               <a:rPr lang="en-US" smtClean="0"/>
-              <a:t>10/9/2025</a:t>
+              <a:t>10/15/2025</a:t>
             </a:fld>
             <a:endParaRPr lang="en-US"/>
           </a:p>
@@ -2993,7 +2994,7 @@
           <a:p>
             <a:fld id="{241EB5C9-1307-BA42-ABA2-0BC069CD8E7F}" type="datetimeFigureOut">
               <a:rPr lang="en-US" smtClean="0"/>
-              <a:t>10/9/2025</a:t>
+              <a:t>10/15/2025</a:t>
             </a:fld>
             <a:endParaRPr lang="en-US"/>
           </a:p>
@@ -3204,7 +3205,7 @@
           <a:p>
             <a:fld id="{241EB5C9-1307-BA42-ABA2-0BC069CD8E7F}" type="datetimeFigureOut">
               <a:rPr lang="en-US" smtClean="0"/>
-              <a:t>10/9/2025</a:t>
+              <a:t>10/15/2025</a:t>
             </a:fld>
             <a:endParaRPr lang="en-US"/>
           </a:p>
@@ -3750,7 +3751,7 @@
             <a:pPr algn="ctr"/>
             <a:r>
               <a:rPr lang="en-US" sz="1100" dirty="0"/>
-              <a:t>Copyright 2018, 2019, 2020, 2021, 2022, 2023 2024, Stephen F Elston. All rights reserved</a:t>
+              <a:t>Copyright 2018, 2019, 2020, 2021, 2022, 2023 2024, 2025, Stephen F Elston. All rights reserved</a:t>
             </a:r>
             <a:r>
               <a:rPr lang="en-US" dirty="0"/>
@@ -4988,7 +4989,25 @@
                       <a:rPr lang="en-US" b="0" i="1" smtClean="0">
                         <a:latin typeface="Cambria Math" panose="02040503050406030204" pitchFamily="18" charset="0"/>
                       </a:rPr>
-                      <m:t>=2.0</m:t>
+                      <m:t>=</m:t>
+                    </m:r>
+                    <m:r>
+                      <a:rPr lang="en-US" b="0" i="1" smtClean="0">
+                        <a:latin typeface="Cambria Math" panose="02040503050406030204" pitchFamily="18" charset="0"/>
+                      </a:rPr>
+                      <m:t>2</m:t>
+                    </m:r>
+                    <m:r>
+                      <a:rPr lang="en-US" b="0" i="1" smtClean="0">
+                        <a:latin typeface="Cambria Math" panose="02040503050406030204" pitchFamily="18" charset="0"/>
+                      </a:rPr>
+                      <m:t>.</m:t>
+                    </m:r>
+                    <m:r>
+                      <a:rPr lang="en-US" b="0" i="1" smtClean="0">
+                        <a:latin typeface="Cambria Math" panose="02040503050406030204" pitchFamily="18" charset="0"/>
+                      </a:rPr>
+                      <m:t>0</m:t>
                     </m:r>
                   </m:oMath>
                 </a14:m>
@@ -5008,7 +5027,25 @@
                       <a:rPr lang="en-US" i="1">
                         <a:latin typeface="Cambria Math" panose="02040503050406030204" pitchFamily="18" charset="0"/>
                       </a:rPr>
-                      <m:t>=5.0</m:t>
+                      <m:t>=</m:t>
+                    </m:r>
+                    <m:r>
+                      <a:rPr lang="en-US" i="1">
+                        <a:latin typeface="Cambria Math" panose="02040503050406030204" pitchFamily="18" charset="0"/>
+                      </a:rPr>
+                      <m:t>5</m:t>
+                    </m:r>
+                    <m:r>
+                      <a:rPr lang="en-US" i="1">
+                        <a:latin typeface="Cambria Math" panose="02040503050406030204" pitchFamily="18" charset="0"/>
+                      </a:rPr>
+                      <m:t>.</m:t>
+                    </m:r>
+                    <m:r>
+                      <a:rPr lang="en-US" i="1">
+                        <a:latin typeface="Cambria Math" panose="02040503050406030204" pitchFamily="18" charset="0"/>
+                      </a:rPr>
+                      <m:t>0</m:t>
                     </m:r>
                   </m:oMath>
                 </a14:m>
@@ -5604,8 +5641,8 @@
           </a:p>
         </p:txBody>
       </p:sp>
-      <mc:AlternateContent xmlns:mc="http://schemas.openxmlformats.org/markup-compatibility/2006" xmlns:a14="http://schemas.microsoft.com/office/drawing/2010/main">
-        <mc:Choice Requires="a14">
+      <mc:AlternateContent xmlns:mc="http://schemas.openxmlformats.org/markup-compatibility/2006">
+        <mc:Choice xmlns:a14="http://schemas.microsoft.com/office/drawing/2010/main" Requires="a14">
           <p:sp>
             <p:nvSpPr>
               <p:cNvPr id="3" name="Content Placeholder 2">
@@ -5678,7 +5715,7 @@
               <a:p>
                 <a:r>
                   <a:rPr lang="en-US" dirty="0"/>
-                  <a:t>Use an iterative solution</a:t>
+                  <a:t>Use an iterative (alternating) solution</a:t>
                 </a:r>
               </a:p>
               <a:p>
@@ -5781,7 +5818,7 @@
             </p:txBody>
           </p:sp>
         </mc:Choice>
-        <mc:Fallback xmlns="">
+        <mc:Fallback>
           <p:sp>
             <p:nvSpPr>
               <p:cNvPr id="3" name="Content Placeholder 2">
@@ -6287,8 +6324,8 @@
           </a:p>
         </p:txBody>
       </p:sp>
-      <mc:AlternateContent xmlns:mc="http://schemas.openxmlformats.org/markup-compatibility/2006" xmlns:a14="http://schemas.microsoft.com/office/drawing/2010/main">
-        <mc:Choice Requires="a14">
+      <mc:AlternateContent xmlns:mc="http://schemas.openxmlformats.org/markup-compatibility/2006">
+        <mc:Choice xmlns:a14="http://schemas.microsoft.com/office/drawing/2010/main" Requires="a14">
           <p:sp>
             <p:nvSpPr>
               <p:cNvPr id="3" name="Content Placeholder 2">
@@ -6394,7 +6431,7 @@
                 <a:pPr lvl="2"/>
                 <a:r>
                   <a:rPr lang="en-US" dirty="0"/>
-                  <a:t>Binomial distribution parameter help constant</a:t>
+                  <a:t>Binomial distribution parameter held constant</a:t>
                 </a:r>
               </a:p>
               <a:p>
@@ -6436,7 +6473,7 @@
             </p:txBody>
           </p:sp>
         </mc:Choice>
-        <mc:Fallback xmlns="">
+        <mc:Fallback>
           <p:sp>
             <p:nvSpPr>
               <p:cNvPr id="3" name="Content Placeholder 2">
@@ -6867,7 +6904,7 @@
         </p:spPr>
         <p:txBody>
           <a:bodyPr>
-            <a:normAutofit lnSpcReduction="10000"/>
+            <a:normAutofit/>
           </a:bodyPr>
           <a:lstStyle/>
           <a:p>
@@ -6891,28 +6928,6 @@
             <a:r>
               <a:rPr lang="en-US" sz="2000" dirty="0"/>
               <a:t>The distribution is zero inflated, many parties do not catch any fish</a:t>
-            </a:r>
-          </a:p>
-          <a:p>
-            <a:pPr marL="342900" lvl="0" indent="-342900">
-              <a:buFont typeface="Arial" panose="020B0604020202020204" pitchFamily="34" charset="0"/>
-              <a:buChar char="•"/>
-            </a:pPr>
-            <a:r>
-              <a:rPr lang="en-US" sz="2000" dirty="0"/>
-              <a:t>There is a strong right skew, some parties catch large numbers of fish – </a:t>
-            </a:r>
-            <a:r>
-              <a:rPr lang="en-US" sz="2000" b="1" dirty="0"/>
-              <a:t>over-</a:t>
-            </a:r>
-            <a:r>
-              <a:rPr lang="en-US" sz="2000" b="1" dirty="0" err="1"/>
-              <a:t>dispursion</a:t>
-            </a:r>
-            <a:r>
-              <a:rPr lang="en-US" sz="2000" b="1" dirty="0"/>
-              <a:t>!</a:t>
             </a:r>
           </a:p>
         </p:txBody>
@@ -6964,51 +6979,7 @@
         <p:spPr>
           <a:xfrm>
             <a:off x="4060767" y="3125585"/>
-            <a:ext cx="856211" cy="1084811"/>
-          </a:xfrm>
-          <a:prstGeom prst="straightConnector1">
-            <a:avLst/>
-          </a:prstGeom>
-          <a:ln w="38100">
-            <a:solidFill>
-              <a:srgbClr val="C00000"/>
-            </a:solidFill>
-            <a:tailEnd type="triangle"/>
-          </a:ln>
-        </p:spPr>
-        <p:style>
-          <a:lnRef idx="2">
-            <a:schemeClr val="accent1"/>
-          </a:lnRef>
-          <a:fillRef idx="0">
-            <a:schemeClr val="accent1"/>
-          </a:fillRef>
-          <a:effectRef idx="1">
-            <a:schemeClr val="accent1"/>
-          </a:effectRef>
-          <a:fontRef idx="minor">
-            <a:schemeClr val="tx1"/>
-          </a:fontRef>
-        </p:style>
-      </p:cxnSp>
-      <p:cxnSp>
-        <p:nvCxnSpPr>
-          <p:cNvPr id="8" name="Straight Arrow Connector 7">
-            <a:extLst>
-              <a:ext uri="{FF2B5EF4-FFF2-40B4-BE49-F238E27FC236}">
-                <a16:creationId xmlns:a16="http://schemas.microsoft.com/office/drawing/2014/main" id="{39A87C26-2F67-0BF0-33CF-967A294C6947}"/>
-              </a:ext>
-            </a:extLst>
-          </p:cNvPr>
-          <p:cNvCxnSpPr>
-            <a:cxnSpLocks/>
-          </p:cNvCxnSpPr>
-          <p:nvPr/>
-        </p:nvCxnSpPr>
-        <p:spPr>
-          <a:xfrm>
-            <a:off x="3167149" y="4443153"/>
-            <a:ext cx="3133898" cy="0"/>
+            <a:ext cx="935182" cy="332510"/>
           </a:xfrm>
           <a:prstGeom prst="straightConnector1">
             <a:avLst/>
@@ -7129,82 +7100,6 @@
                       </p:childTnLst>
                     </p:cTn>
                   </p:par>
-                  <p:par>
-                    <p:cTn id="9" fill="hold">
-                      <p:stCondLst>
-                        <p:cond delay="indefinite"/>
-                      </p:stCondLst>
-                      <p:childTnLst>
-                        <p:par>
-                          <p:cTn id="10" fill="hold">
-                            <p:stCondLst>
-                              <p:cond delay="0"/>
-                            </p:stCondLst>
-                            <p:childTnLst>
-                              <p:par>
-                                <p:cTn id="11" presetID="1" presetClass="entr" presetSubtype="0" fill="hold" nodeType="clickEffect">
-                                  <p:stCondLst>
-                                    <p:cond delay="0"/>
-                                  </p:stCondLst>
-                                  <p:childTnLst>
-                                    <p:set>
-                                      <p:cBhvr>
-                                        <p:cTn id="12" dur="1" fill="hold">
-                                          <p:stCondLst>
-                                            <p:cond delay="0"/>
-                                          </p:stCondLst>
-                                        </p:cTn>
-                                        <p:tgtEl>
-                                          <p:spTgt spid="4">
-                                            <p:txEl>
-                                              <p:pRg st="2" end="2"/>
-                                            </p:txEl>
-                                          </p:spTgt>
-                                        </p:tgtEl>
-                                        <p:attrNameLst>
-                                          <p:attrName>style.visibility</p:attrName>
-                                        </p:attrNameLst>
-                                      </p:cBhvr>
-                                      <p:to>
-                                        <p:strVal val="visible"/>
-                                      </p:to>
-                                    </p:set>
-                                  </p:childTnLst>
-                                </p:cTn>
-                              </p:par>
-                              <p:par>
-                                <p:cTn id="13" presetID="1" presetClass="entr" presetSubtype="0" fill="hold" nodeType="withEffect">
-                                  <p:stCondLst>
-                                    <p:cond delay="0"/>
-                                  </p:stCondLst>
-                                  <p:childTnLst>
-                                    <p:set>
-                                      <p:cBhvr>
-                                        <p:cTn id="14" dur="1" fill="hold">
-                                          <p:stCondLst>
-                                            <p:cond delay="0"/>
-                                          </p:stCondLst>
-                                        </p:cTn>
-                                        <p:tgtEl>
-                                          <p:spTgt spid="8"/>
-                                        </p:tgtEl>
-                                        <p:attrNameLst>
-                                          <p:attrName>style.visibility</p:attrName>
-                                        </p:attrNameLst>
-                                      </p:cBhvr>
-                                      <p:to>
-                                        <p:strVal val="visible"/>
-                                      </p:to>
-                                    </p:set>
-                                  </p:childTnLst>
-                                </p:cTn>
-                              </p:par>
-                            </p:childTnLst>
-                          </p:cTn>
-                        </p:par>
-                      </p:childTnLst>
-                    </p:cTn>
-                  </p:par>
                 </p:childTnLst>
               </p:cTn>
               <p:prevCondLst>
@@ -7641,8 +7536,8 @@
         </p:nvCxnSpPr>
         <p:spPr>
           <a:xfrm>
-            <a:off x="3653444" y="2907464"/>
-            <a:ext cx="2283471" cy="1078486"/>
+            <a:off x="3653444" y="2937555"/>
+            <a:ext cx="2622665" cy="1030036"/>
           </a:xfrm>
           <a:prstGeom prst="straightConnector1">
             <a:avLst/>
@@ -7685,8 +7580,8 @@
         </p:nvCxnSpPr>
         <p:spPr>
           <a:xfrm>
-            <a:off x="4813071" y="3632660"/>
-            <a:ext cx="814647" cy="706581"/>
+            <a:off x="4821382" y="3602527"/>
+            <a:ext cx="749999" cy="693073"/>
           </a:xfrm>
           <a:prstGeom prst="straightConnector1">
             <a:avLst/>
@@ -7729,7 +7624,7 @@
         </p:nvCxnSpPr>
         <p:spPr>
           <a:xfrm>
-            <a:off x="4842164" y="3973484"/>
+            <a:off x="4756959" y="3948543"/>
             <a:ext cx="926869" cy="631766"/>
           </a:xfrm>
           <a:prstGeom prst="straightConnector1">
@@ -7773,7 +7668,7 @@
         </p:nvCxnSpPr>
         <p:spPr>
           <a:xfrm>
-            <a:off x="4227022" y="2616432"/>
+            <a:off x="4268585" y="2662494"/>
             <a:ext cx="3429001" cy="1103170"/>
           </a:xfrm>
           <a:prstGeom prst="straightConnector1">
@@ -7952,7 +7847,7 @@
                                           </p:stCondLst>
                                         </p:cTn>
                                         <p:tgtEl>
-                                          <p:spTgt spid="12"/>
+                                          <p:spTgt spid="27"/>
                                         </p:tgtEl>
                                         <p:attrNameLst>
                                           <p:attrName>style.visibility</p:attrName>
@@ -8028,7 +7923,7 @@
                                           </p:stCondLst>
                                         </p:cTn>
                                         <p:tgtEl>
-                                          <p:spTgt spid="15"/>
+                                          <p:spTgt spid="12"/>
                                         </p:tgtEl>
                                         <p:attrNameLst>
                                           <p:attrName>style.visibility</p:attrName>
@@ -8104,7 +7999,7 @@
                                           </p:stCondLst>
                                         </p:cTn>
                                         <p:tgtEl>
-                                          <p:spTgt spid="18"/>
+                                          <p:spTgt spid="15"/>
                                         </p:tgtEl>
                                         <p:attrNameLst>
                                           <p:attrName>style.visibility</p:attrName>
@@ -8180,7 +8075,7 @@
                                           </p:stCondLst>
                                         </p:cTn>
                                         <p:tgtEl>
-                                          <p:spTgt spid="27"/>
+                                          <p:spTgt spid="18"/>
                                         </p:tgtEl>
                                         <p:attrNameLst>
                                           <p:attrName>style.visibility</p:attrName>
@@ -9138,15 +9033,18 @@
             </a:r>
             <a:r>
               <a:rPr dirty="0"/>
-              <a:t>: Regularization and sparse models</a:t>
-            </a:r>
-            <a:endParaRPr lang="en-US" dirty="0"/>
+              <a:t>: </a:t>
+            </a:r>
+            <a:r>
+              <a:rPr lang="en-US" dirty="0"/>
+              <a:t>Statistical Properties of Time Series </a:t>
+            </a:r>
           </a:p>
           <a:p>
             <a:pPr lvl="0"/>
             <a:r>
               <a:rPr lang="en-US" dirty="0"/>
-              <a:t>Week 9, Oct 30: Models for messy data</a:t>
+              <a:t>Week 9, Oct 30: Introduction to Time Series Models </a:t>
             </a:r>
             <a:endParaRPr dirty="0"/>
           </a:p>
@@ -9170,11 +9068,11 @@
             </a:r>
             <a:r>
               <a:rPr dirty="0"/>
-              <a:t>: </a:t>
+              <a:t>:</a:t>
             </a:r>
             <a:r>
               <a:rPr lang="en-US" dirty="0"/>
-              <a:t>Properties of time series</a:t>
+              <a:t> Introduction to Bayes Models</a:t>
             </a:r>
             <a:endParaRPr dirty="0"/>
           </a:p>
@@ -9194,11 +9092,11 @@
             </a:r>
             <a:r>
               <a:rPr dirty="0"/>
-              <a:t>: </a:t>
+              <a:t>:</a:t>
             </a:r>
             <a:r>
               <a:rPr lang="en-US" dirty="0"/>
-              <a:t>Forecasting models</a:t>
+              <a:t> MCMC for Bayes</a:t>
             </a:r>
             <a:endParaRPr dirty="0"/>
           </a:p>
@@ -9222,30 +9120,25 @@
             </a:r>
             <a:r>
               <a:rPr dirty="0"/>
-              <a:t>: Bayes MCMC methods</a:t>
-            </a:r>
-            <a:endParaRPr lang="en-US" dirty="0"/>
+              <a:t>:</a:t>
+            </a:r>
+            <a:r>
+              <a:rPr lang="en-US" dirty="0"/>
+              <a:t> Hierarchical Bayesian models</a:t>
+            </a:r>
           </a:p>
           <a:p>
             <a:pPr lvl="0"/>
             <a:r>
               <a:rPr lang="en-US" dirty="0"/>
-              <a:t>Nov 21: Project proposals due</a:t>
+              <a:t>Nov 24: Project proposals due</a:t>
             </a:r>
           </a:p>
           <a:p>
             <a:pPr lvl="0"/>
             <a:r>
               <a:rPr lang="en-US" dirty="0"/>
-              <a:t>Nov 27: </a:t>
-            </a:r>
-            <a:r>
-              <a:rPr lang="en-US" b="1" dirty="0"/>
-              <a:t>No class</a:t>
-            </a:r>
-            <a:r>
-              <a:rPr lang="en-US" dirty="0"/>
-              <a:t>, Thanksgiving holiday</a:t>
+              <a:t>Nov 27: No class, Thanksgiving holiday</a:t>
             </a:r>
             <a:endParaRPr dirty="0"/>
           </a:p>
@@ -9261,8 +9154,13 @@
             </a:r>
             <a:r>
               <a:rPr dirty="0"/>
-              <a:t>: Hierarchical Bayesian models</a:t>
-            </a:r>
+              <a:t>: </a:t>
+            </a:r>
+            <a:r>
+              <a:rPr lang="en-US" dirty="0"/>
+              <a:t>Modern Time Series Models </a:t>
+            </a:r>
+            <a:endParaRPr dirty="0"/>
           </a:p>
           <a:p>
             <a:pPr lvl="0"/>
@@ -9278,6 +9176,23 @@
               <a:rPr dirty="0"/>
               <a:t>: Submit Graduate Independent Projects</a:t>
             </a:r>
+            <a:r>
+              <a:rPr lang="en-US" dirty="0"/>
+              <a:t> – </a:t>
+            </a:r>
+            <a:r>
+              <a:rPr lang="en-US" b="1" dirty="0">
+                <a:solidFill>
+                  <a:srgbClr val="FF0000"/>
+                </a:solidFill>
+              </a:rPr>
+              <a:t>No extension possible!</a:t>
+            </a:r>
+            <a:endParaRPr b="1" dirty="0">
+              <a:solidFill>
+                <a:srgbClr val="FF0000"/>
+              </a:solidFill>
+            </a:endParaRPr>
           </a:p>
           <a:p>
             <a:pPr marL="0" lvl="0" indent="0">
@@ -14010,7 +13925,7 @@
           <a:p>
             <a:r>
               <a:rPr lang="en-US" dirty="0"/>
-              <a:t>Examples of over-dispersed count data:</a:t>
+              <a:t>Examples of zero-inflated and over-dispersed count data:</a:t>
             </a:r>
           </a:p>
           <a:p>
@@ -14575,7 +14490,19 @@
                             <a:rPr lang="en-US" b="0" i="1" smtClean="0">
                               <a:latin typeface="Cambria Math" panose="02040503050406030204" pitchFamily="18" charset="0"/>
                             </a:rPr>
-                            <m:t>=0 | </m:t>
+                            <m:t>=</m:t>
+                          </m:r>
+                          <m:r>
+                            <a:rPr lang="en-US" b="0" i="1" smtClean="0">
+                              <a:latin typeface="Cambria Math" panose="02040503050406030204" pitchFamily="18" charset="0"/>
+                            </a:rPr>
+                            <m:t>0</m:t>
+                          </m:r>
+                          <m:r>
+                            <a:rPr lang="en-US" b="0" i="1" smtClean="0">
+                              <a:latin typeface="Cambria Math" panose="02040503050406030204" pitchFamily="18" charset="0"/>
+                            </a:rPr>
+                            <m:t> | </m:t>
                           </m:r>
                           <m:r>
                             <a:rPr lang="en-US" b="0" i="1" smtClean="0">
@@ -14632,7 +14559,14 @@
                               <a:latin typeface="Cambria Math" panose="02040503050406030204" pitchFamily="18" charset="0"/>
                               <a:ea typeface="Cambria Math" panose="02040503050406030204" pitchFamily="18" charset="0"/>
                             </a:rPr>
-                            <m:t>1−</m:t>
+                            <m:t>1</m:t>
+                          </m:r>
+                          <m:r>
+                            <a:rPr lang="en-US" b="0" i="1" smtClean="0">
+                              <a:latin typeface="Cambria Math" panose="02040503050406030204" pitchFamily="18" charset="0"/>
+                              <a:ea typeface="Cambria Math" panose="02040503050406030204" pitchFamily="18" charset="0"/>
+                            </a:rPr>
+                            <m:t>−</m:t>
                           </m:r>
                           <m:r>
                             <a:rPr lang="en-US" b="0" i="1" smtClean="0">
@@ -14768,7 +14702,14 @@
                               <a:latin typeface="Cambria Math" panose="02040503050406030204" pitchFamily="18" charset="0"/>
                               <a:ea typeface="Cambria Math" panose="02040503050406030204" pitchFamily="18" charset="0"/>
                             </a:rPr>
-                            <m:t>1−</m:t>
+                            <m:t>1</m:t>
+                          </m:r>
+                          <m:r>
+                            <a:rPr lang="en-US" i="1">
+                              <a:latin typeface="Cambria Math" panose="02040503050406030204" pitchFamily="18" charset="0"/>
+                              <a:ea typeface="Cambria Math" panose="02040503050406030204" pitchFamily="18" charset="0"/>
+                            </a:rPr>
+                            <m:t>−</m:t>
                           </m:r>
                           <m:r>
                             <a:rPr lang="en-US" i="1">
@@ -14831,7 +14772,13 @@
                                   <a:rPr lang="en-US" i="1">
                                     <a:latin typeface="Cambria Math" panose="02040503050406030204" pitchFamily="18" charset="0"/>
                                   </a:rPr>
-                                  <m:t>−1</m:t>
+                                  <m:t>−</m:t>
+                                </m:r>
+                                <m:r>
+                                  <a:rPr lang="en-US" i="1">
+                                    <a:latin typeface="Cambria Math" panose="02040503050406030204" pitchFamily="18" charset="0"/>
+                                  </a:rPr>
+                                  <m:t>1</m:t>
                                 </m:r>
                               </m:e>
                             </m:mr>
@@ -14847,7 +14794,13 @@
                                   <a:rPr lang="en-US" i="1">
                                     <a:latin typeface="Cambria Math" panose="02040503050406030204" pitchFamily="18" charset="0"/>
                                   </a:rPr>
-                                  <m:t>−1</m:t>
+                                  <m:t>−</m:t>
+                                </m:r>
+                                <m:r>
+                                  <a:rPr lang="en-US" i="1">
+                                    <a:latin typeface="Cambria Math" panose="02040503050406030204" pitchFamily="18" charset="0"/>
+                                  </a:rPr>
+                                  <m:t>1</m:t>
                                 </m:r>
                               </m:e>
                             </m:mr>
@@ -14901,7 +14854,13 @@
                                 <a:rPr lang="en-US" i="1">
                                   <a:latin typeface="Cambria Math" panose="02040503050406030204" pitchFamily="18" charset="0"/>
                                 </a:rPr>
-                                <m:t>1−</m:t>
+                                <m:t>1</m:t>
+                              </m:r>
+                              <m:r>
+                                <a:rPr lang="en-US" i="1">
+                                  <a:latin typeface="Cambria Math" panose="02040503050406030204" pitchFamily="18" charset="0"/>
+                                </a:rPr>
+                                <m:t>−</m:t>
                               </m:r>
                               <m:r>
                                 <a:rPr lang="en-US" i="1">
@@ -16294,6 +16253,447 @@
         <p:cNvPr id="1" name="">
           <a:extLst>
             <a:ext uri="{FF2B5EF4-FFF2-40B4-BE49-F238E27FC236}">
+              <a16:creationId xmlns:a16="http://schemas.microsoft.com/office/drawing/2014/main" id="{0B7AE21E-FA0D-ED24-47F8-1E46927A3410}"/>
+            </a:ext>
+          </a:extLst>
+        </p:cNvPr>
+        <p:cNvGrpSpPr/>
+        <p:nvPr/>
+      </p:nvGrpSpPr>
+      <p:grpSpPr>
+        <a:xfrm>
+          <a:off x="0" y="0"/>
+          <a:ext cx="0" cy="0"/>
+          <a:chOff x="0" y="0"/>
+          <a:chExt cx="0" cy="0"/>
+        </a:xfrm>
+      </p:grpSpPr>
+      <p:sp>
+        <p:nvSpPr>
+          <p:cNvPr id="2" name="Title 1">
+            <a:extLst>
+              <a:ext uri="{FF2B5EF4-FFF2-40B4-BE49-F238E27FC236}">
+                <a16:creationId xmlns:a16="http://schemas.microsoft.com/office/drawing/2014/main" id="{5E7892C8-0A70-0F50-73AA-664033EB1959}"/>
+              </a:ext>
+            </a:extLst>
+          </p:cNvPr>
+          <p:cNvSpPr>
+            <a:spLocks noGrp="1"/>
+          </p:cNvSpPr>
+          <p:nvPr>
+            <p:ph type="title"/>
+          </p:nvPr>
+        </p:nvSpPr>
+        <p:spPr>
+          <a:xfrm>
+            <a:off x="457201" y="204787"/>
+            <a:ext cx="8441574" cy="451918"/>
+          </a:xfrm>
+        </p:spPr>
+        <p:txBody>
+          <a:bodyPr>
+            <a:noAutofit/>
+          </a:bodyPr>
+          <a:lstStyle/>
+          <a:p>
+            <a:pPr marL="0" lvl="0" indent="0" algn="ctr">
+              <a:buNone/>
+            </a:pPr>
+            <a:r>
+              <a:rPr lang="en-US" sz="3200" b="0" dirty="0"/>
+              <a:t>Example: Zero-Inflated Poisson Regression</a:t>
+            </a:r>
+            <a:endParaRPr sz="3200" b="0" dirty="0"/>
+          </a:p>
+        </p:txBody>
+      </p:sp>
+      <p:sp>
+        <p:nvSpPr>
+          <p:cNvPr id="4" name="Text Placeholder 3">
+            <a:extLst>
+              <a:ext uri="{FF2B5EF4-FFF2-40B4-BE49-F238E27FC236}">
+                <a16:creationId xmlns:a16="http://schemas.microsoft.com/office/drawing/2014/main" id="{D6E7B798-D7EA-4958-6E54-8FA77CBF9F8C}"/>
+              </a:ext>
+            </a:extLst>
+          </p:cNvPr>
+          <p:cNvSpPr>
+            <a:spLocks noGrp="1"/>
+          </p:cNvSpPr>
+          <p:nvPr>
+            <p:ph type="body" sz="half" idx="2"/>
+          </p:nvPr>
+        </p:nvSpPr>
+        <p:spPr>
+          <a:xfrm>
+            <a:off x="457201" y="1995055"/>
+            <a:ext cx="3871650" cy="2685011"/>
+          </a:xfrm>
+        </p:spPr>
+        <p:txBody>
+          <a:bodyPr>
+            <a:normAutofit lnSpcReduction="10000"/>
+          </a:bodyPr>
+          <a:lstStyle/>
+          <a:p>
+            <a:pPr marL="0" lvl="0" indent="0">
+              <a:buNone/>
+            </a:pPr>
+            <a:r>
+              <a:rPr sz="2000" dirty="0"/>
+              <a:t>Example: </a:t>
+            </a:r>
+            <a:r>
+              <a:rPr lang="en-US" sz="2000" dirty="0"/>
+              <a:t>model for fish caught by parties visiting a park</a:t>
+            </a:r>
+          </a:p>
+          <a:p>
+            <a:pPr marL="342900" lvl="0" indent="-342900">
+              <a:buFont typeface="Arial" panose="020B0604020202020204" pitchFamily="34" charset="0"/>
+              <a:buChar char="•"/>
+            </a:pPr>
+            <a:r>
+              <a:rPr lang="en-US" sz="2000" dirty="0"/>
+              <a:t>The distribution is zero inflated, many parties do not catch any fish</a:t>
+            </a:r>
+          </a:p>
+          <a:p>
+            <a:pPr marL="342900" lvl="0" indent="-342900">
+              <a:buFont typeface="Arial" panose="020B0604020202020204" pitchFamily="34" charset="0"/>
+              <a:buChar char="•"/>
+            </a:pPr>
+            <a:r>
+              <a:rPr lang="en-US" sz="2000" dirty="0"/>
+              <a:t>There is a strong right skew, some parties catch large numbers of fish – </a:t>
+            </a:r>
+            <a:r>
+              <a:rPr lang="en-US" sz="2000" b="1" dirty="0"/>
+              <a:t>over-dispersion!</a:t>
+            </a:r>
+          </a:p>
+        </p:txBody>
+      </p:sp>
+      <p:pic>
+        <p:nvPicPr>
+          <p:cNvPr id="6" name="Picture 5">
+            <a:extLst>
+              <a:ext uri="{FF2B5EF4-FFF2-40B4-BE49-F238E27FC236}">
+                <a16:creationId xmlns:a16="http://schemas.microsoft.com/office/drawing/2014/main" id="{1B5E8469-02D9-A783-1EFB-74AB523C7426}"/>
+              </a:ext>
+            </a:extLst>
+          </p:cNvPr>
+          <p:cNvPicPr>
+            <a:picLocks noChangeAspect="1"/>
+          </p:cNvPicPr>
+          <p:nvPr/>
+        </p:nvPicPr>
+        <p:blipFill>
+          <a:blip r:embed="rId2"/>
+          <a:stretch>
+            <a:fillRect/>
+          </a:stretch>
+        </p:blipFill>
+        <p:spPr>
+          <a:xfrm>
+            <a:off x="4355869" y="1512916"/>
+            <a:ext cx="4729701" cy="3058181"/>
+          </a:xfrm>
+          <a:prstGeom prst="rect">
+            <a:avLst/>
+          </a:prstGeom>
+        </p:spPr>
+      </p:pic>
+      <p:cxnSp>
+        <p:nvCxnSpPr>
+          <p:cNvPr id="3" name="Straight Arrow Connector 2">
+            <a:extLst>
+              <a:ext uri="{FF2B5EF4-FFF2-40B4-BE49-F238E27FC236}">
+                <a16:creationId xmlns:a16="http://schemas.microsoft.com/office/drawing/2014/main" id="{A95693FF-EB30-0F9D-74A8-44D2DBEC16AD}"/>
+              </a:ext>
+            </a:extLst>
+          </p:cNvPr>
+          <p:cNvCxnSpPr>
+            <a:cxnSpLocks/>
+          </p:cNvCxnSpPr>
+          <p:nvPr/>
+        </p:nvCxnSpPr>
+        <p:spPr>
+          <a:xfrm>
+            <a:off x="4060767" y="3125585"/>
+            <a:ext cx="910244" cy="336666"/>
+          </a:xfrm>
+          <a:prstGeom prst="straightConnector1">
+            <a:avLst/>
+          </a:prstGeom>
+          <a:ln w="38100">
+            <a:solidFill>
+              <a:srgbClr val="C00000"/>
+            </a:solidFill>
+            <a:tailEnd type="triangle"/>
+          </a:ln>
+        </p:spPr>
+        <p:style>
+          <a:lnRef idx="2">
+            <a:schemeClr val="accent1"/>
+          </a:lnRef>
+          <a:fillRef idx="0">
+            <a:schemeClr val="accent1"/>
+          </a:fillRef>
+          <a:effectRef idx="1">
+            <a:schemeClr val="accent1"/>
+          </a:effectRef>
+          <a:fontRef idx="minor">
+            <a:schemeClr val="tx1"/>
+          </a:fontRef>
+        </p:style>
+      </p:cxnSp>
+      <p:cxnSp>
+        <p:nvCxnSpPr>
+          <p:cNvPr id="8" name="Straight Arrow Connector 7">
+            <a:extLst>
+              <a:ext uri="{FF2B5EF4-FFF2-40B4-BE49-F238E27FC236}">
+                <a16:creationId xmlns:a16="http://schemas.microsoft.com/office/drawing/2014/main" id="{C202D0DE-1B74-3843-2A04-E924FE113FDA}"/>
+              </a:ext>
+            </a:extLst>
+          </p:cNvPr>
+          <p:cNvCxnSpPr>
+            <a:cxnSpLocks/>
+          </p:cNvCxnSpPr>
+          <p:nvPr/>
+        </p:nvCxnSpPr>
+        <p:spPr>
+          <a:xfrm>
+            <a:off x="3167149" y="4443153"/>
+            <a:ext cx="3133898" cy="0"/>
+          </a:xfrm>
+          <a:prstGeom prst="straightConnector1">
+            <a:avLst/>
+          </a:prstGeom>
+          <a:ln w="38100">
+            <a:solidFill>
+              <a:srgbClr val="C00000"/>
+            </a:solidFill>
+            <a:tailEnd type="triangle"/>
+          </a:ln>
+        </p:spPr>
+        <p:style>
+          <a:lnRef idx="2">
+            <a:schemeClr val="accent1"/>
+          </a:lnRef>
+          <a:fillRef idx="0">
+            <a:schemeClr val="accent1"/>
+          </a:fillRef>
+          <a:effectRef idx="1">
+            <a:schemeClr val="accent1"/>
+          </a:effectRef>
+          <a:fontRef idx="minor">
+            <a:schemeClr val="tx1"/>
+          </a:fontRef>
+        </p:style>
+      </p:cxnSp>
+    </p:spTree>
+    <p:extLst>
+      <p:ext uri="{BB962C8B-B14F-4D97-AF65-F5344CB8AC3E}">
+        <p14:creationId xmlns:p14="http://schemas.microsoft.com/office/powerpoint/2010/main" val="2527211815"/>
+      </p:ext>
+    </p:extLst>
+  </p:cSld>
+  <p:clrMapOvr>
+    <a:masterClrMapping/>
+  </p:clrMapOvr>
+  <p:timing>
+    <p:tnLst>
+      <p:par>
+        <p:cTn id="1" dur="indefinite" restart="never" nodeType="tmRoot">
+          <p:childTnLst>
+            <p:seq concurrent="1" nextAc="seek">
+              <p:cTn id="2" dur="indefinite" nodeType="mainSeq">
+                <p:childTnLst>
+                  <p:par>
+                    <p:cTn id="3" fill="hold">
+                      <p:stCondLst>
+                        <p:cond delay="indefinite"/>
+                      </p:stCondLst>
+                      <p:childTnLst>
+                        <p:par>
+                          <p:cTn id="4" fill="hold">
+                            <p:stCondLst>
+                              <p:cond delay="0"/>
+                            </p:stCondLst>
+                            <p:childTnLst>
+                              <p:par>
+                                <p:cTn id="5" presetID="1" presetClass="entr" presetSubtype="0" fill="hold" nodeType="clickEffect">
+                                  <p:stCondLst>
+                                    <p:cond delay="0"/>
+                                  </p:stCondLst>
+                                  <p:childTnLst>
+                                    <p:set>
+                                      <p:cBhvr>
+                                        <p:cTn id="6" dur="1" fill="hold">
+                                          <p:stCondLst>
+                                            <p:cond delay="0"/>
+                                          </p:stCondLst>
+                                        </p:cTn>
+                                        <p:tgtEl>
+                                          <p:spTgt spid="4">
+                                            <p:txEl>
+                                              <p:pRg st="1" end="1"/>
+                                            </p:txEl>
+                                          </p:spTgt>
+                                        </p:tgtEl>
+                                        <p:attrNameLst>
+                                          <p:attrName>style.visibility</p:attrName>
+                                        </p:attrNameLst>
+                                      </p:cBhvr>
+                                      <p:to>
+                                        <p:strVal val="visible"/>
+                                      </p:to>
+                                    </p:set>
+                                  </p:childTnLst>
+                                </p:cTn>
+                              </p:par>
+                              <p:par>
+                                <p:cTn id="7" presetID="1" presetClass="entr" presetSubtype="0" fill="hold" nodeType="withEffect">
+                                  <p:stCondLst>
+                                    <p:cond delay="0"/>
+                                  </p:stCondLst>
+                                  <p:childTnLst>
+                                    <p:set>
+                                      <p:cBhvr>
+                                        <p:cTn id="8" dur="1" fill="hold">
+                                          <p:stCondLst>
+                                            <p:cond delay="0"/>
+                                          </p:stCondLst>
+                                        </p:cTn>
+                                        <p:tgtEl>
+                                          <p:spTgt spid="3"/>
+                                        </p:tgtEl>
+                                        <p:attrNameLst>
+                                          <p:attrName>style.visibility</p:attrName>
+                                        </p:attrNameLst>
+                                      </p:cBhvr>
+                                      <p:to>
+                                        <p:strVal val="visible"/>
+                                      </p:to>
+                                    </p:set>
+                                  </p:childTnLst>
+                                </p:cTn>
+                              </p:par>
+                            </p:childTnLst>
+                          </p:cTn>
+                        </p:par>
+                      </p:childTnLst>
+                    </p:cTn>
+                  </p:par>
+                  <p:par>
+                    <p:cTn id="9" fill="hold">
+                      <p:stCondLst>
+                        <p:cond delay="indefinite"/>
+                      </p:stCondLst>
+                      <p:childTnLst>
+                        <p:par>
+                          <p:cTn id="10" fill="hold">
+                            <p:stCondLst>
+                              <p:cond delay="0"/>
+                            </p:stCondLst>
+                            <p:childTnLst>
+                              <p:par>
+                                <p:cTn id="11" presetID="1" presetClass="entr" presetSubtype="0" fill="hold" nodeType="clickEffect">
+                                  <p:stCondLst>
+                                    <p:cond delay="0"/>
+                                  </p:stCondLst>
+                                  <p:childTnLst>
+                                    <p:set>
+                                      <p:cBhvr>
+                                        <p:cTn id="12" dur="1" fill="hold">
+                                          <p:stCondLst>
+                                            <p:cond delay="0"/>
+                                          </p:stCondLst>
+                                        </p:cTn>
+                                        <p:tgtEl>
+                                          <p:spTgt spid="4">
+                                            <p:txEl>
+                                              <p:pRg st="2" end="2"/>
+                                            </p:txEl>
+                                          </p:spTgt>
+                                        </p:tgtEl>
+                                        <p:attrNameLst>
+                                          <p:attrName>style.visibility</p:attrName>
+                                        </p:attrNameLst>
+                                      </p:cBhvr>
+                                      <p:to>
+                                        <p:strVal val="visible"/>
+                                      </p:to>
+                                    </p:set>
+                                  </p:childTnLst>
+                                </p:cTn>
+                              </p:par>
+                              <p:par>
+                                <p:cTn id="13" presetID="1" presetClass="entr" presetSubtype="0" fill="hold" nodeType="withEffect">
+                                  <p:stCondLst>
+                                    <p:cond delay="0"/>
+                                  </p:stCondLst>
+                                  <p:childTnLst>
+                                    <p:set>
+                                      <p:cBhvr>
+                                        <p:cTn id="14" dur="1" fill="hold">
+                                          <p:stCondLst>
+                                            <p:cond delay="0"/>
+                                          </p:stCondLst>
+                                        </p:cTn>
+                                        <p:tgtEl>
+                                          <p:spTgt spid="8"/>
+                                        </p:tgtEl>
+                                        <p:attrNameLst>
+                                          <p:attrName>style.visibility</p:attrName>
+                                        </p:attrNameLst>
+                                      </p:cBhvr>
+                                      <p:to>
+                                        <p:strVal val="visible"/>
+                                      </p:to>
+                                    </p:set>
+                                  </p:childTnLst>
+                                </p:cTn>
+                              </p:par>
+                            </p:childTnLst>
+                          </p:cTn>
+                        </p:par>
+                      </p:childTnLst>
+                    </p:cTn>
+                  </p:par>
+                </p:childTnLst>
+              </p:cTn>
+              <p:prevCondLst>
+                <p:cond evt="onPrev" delay="0">
+                  <p:tgtEl>
+                    <p:sldTgt/>
+                  </p:tgtEl>
+                </p:cond>
+              </p:prevCondLst>
+              <p:nextCondLst>
+                <p:cond evt="onNext" delay="0">
+                  <p:tgtEl>
+                    <p:sldTgt/>
+                  </p:tgtEl>
+                </p:cond>
+              </p:nextCondLst>
+            </p:seq>
+          </p:childTnLst>
+        </p:cTn>
+      </p:par>
+    </p:tnLst>
+  </p:timing>
+</p:sld>
+</file>
+
+<file path=ppt/slides/slide31.xml><?xml version="1.0" encoding="utf-8"?>
+<p:sld xmlns:a="http://schemas.openxmlformats.org/drawingml/2006/main" xmlns:r="http://schemas.openxmlformats.org/officeDocument/2006/relationships" xmlns:p="http://schemas.openxmlformats.org/presentationml/2006/main">
+  <p:cSld>
+    <p:spTree>
+      <p:nvGrpSpPr>
+        <p:cNvPr id="1" name="">
+          <a:extLst>
+            <a:ext uri="{FF2B5EF4-FFF2-40B4-BE49-F238E27FC236}">
               <a16:creationId xmlns:a16="http://schemas.microsoft.com/office/drawing/2014/main" id="{65708D65-F0CE-46C8-50FA-290102D5DF7C}"/>
             </a:ext>
           </a:extLst>
@@ -17083,7 +17483,7 @@
 </p:sld>
 </file>
 
-<file path=ppt/slides/slide31.xml><?xml version="1.0" encoding="utf-8"?>
+<file path=ppt/slides/slide32.xml><?xml version="1.0" encoding="utf-8"?>
 <p:sld xmlns:a="http://schemas.openxmlformats.org/drawingml/2006/main" xmlns:r="http://schemas.openxmlformats.org/officeDocument/2006/relationships" xmlns:p="http://schemas.openxmlformats.org/presentationml/2006/main">
   <p:cSld>
     <p:spTree>
@@ -17464,7 +17864,7 @@
 </p:sld>
 </file>
 
-<file path=ppt/slides/slide32.xml><?xml version="1.0" encoding="utf-8"?>
+<file path=ppt/slides/slide33.xml><?xml version="1.0" encoding="utf-8"?>
 <p:sld xmlns:a="http://schemas.openxmlformats.org/drawingml/2006/main" xmlns:r="http://schemas.openxmlformats.org/officeDocument/2006/relationships" xmlns:p="http://schemas.openxmlformats.org/presentationml/2006/main">
   <p:cSld>
     <p:spTree>
@@ -18034,7 +18434,7 @@
 </p:sld>
 </file>
 
-<file path=ppt/slides/slide33.xml><?xml version="1.0" encoding="utf-8"?>
+<file path=ppt/slides/slide34.xml><?xml version="1.0" encoding="utf-8"?>
 <p:sld xmlns:a="http://schemas.openxmlformats.org/drawingml/2006/main" xmlns:r="http://schemas.openxmlformats.org/officeDocument/2006/relationships" xmlns:p="http://schemas.openxmlformats.org/presentationml/2006/main">
   <p:cSld>
     <p:spTree>
@@ -18902,7 +19302,7 @@
 </p:sld>
 </file>
 
-<file path=ppt/slides/slide34.xml><?xml version="1.0" encoding="utf-8"?>
+<file path=ppt/slides/slide35.xml><?xml version="1.0" encoding="utf-8"?>
 <p:sld xmlns:a="http://schemas.openxmlformats.org/drawingml/2006/main" xmlns:r="http://schemas.openxmlformats.org/officeDocument/2006/relationships" xmlns:p="http://schemas.openxmlformats.org/presentationml/2006/main">
   <p:cSld>
     <p:spTree>
@@ -19567,7 +19967,7 @@
 </p:sld>
 </file>
 
-<file path=ppt/slides/slide35.xml><?xml version="1.0" encoding="utf-8"?>
+<file path=ppt/slides/slide36.xml><?xml version="1.0" encoding="utf-8"?>
 <p:sld xmlns:a="http://schemas.openxmlformats.org/drawingml/2006/main" xmlns:r="http://schemas.openxmlformats.org/officeDocument/2006/relationships" xmlns:p="http://schemas.openxmlformats.org/presentationml/2006/main">
   <p:cSld>
     <p:spTree>
@@ -19637,7 +20037,7 @@
 </p:sld>
 </file>
 
-<file path=ppt/slides/slide36.xml><?xml version="1.0" encoding="utf-8"?>
+<file path=ppt/slides/slide37.xml><?xml version="1.0" encoding="utf-8"?>
 <p:sld xmlns:a="http://schemas.openxmlformats.org/drawingml/2006/main" xmlns:r="http://schemas.openxmlformats.org/officeDocument/2006/relationships" xmlns:p="http://schemas.openxmlformats.org/presentationml/2006/main">
   <p:cSld>
     <p:spTree>
@@ -20208,7 +20608,7 @@
 </p:sld>
 </file>
 
-<file path=ppt/slides/slide37.xml><?xml version="1.0" encoding="utf-8"?>
+<file path=ppt/slides/slide38.xml><?xml version="1.0" encoding="utf-8"?>
 <p:sld xmlns:a="http://schemas.openxmlformats.org/drawingml/2006/main" xmlns:r="http://schemas.openxmlformats.org/officeDocument/2006/relationships" xmlns:p="http://schemas.openxmlformats.org/presentationml/2006/main">
   <p:cSld>
     <p:spTree>
@@ -20764,7 +21164,7 @@
 </p:sld>
 </file>
 
-<file path=ppt/slides/slide38.xml><?xml version="1.0" encoding="utf-8"?>
+<file path=ppt/slides/slide39.xml><?xml version="1.0" encoding="utf-8"?>
 <p:sld xmlns:a="http://schemas.openxmlformats.org/drawingml/2006/main" xmlns:r="http://schemas.openxmlformats.org/officeDocument/2006/relationships" xmlns:p="http://schemas.openxmlformats.org/presentationml/2006/main">
   <p:cSld>
     <p:spTree>
@@ -21295,7 +21695,201 @@
 </p:sld>
 </file>
 
-<file path=ppt/slides/slide39.xml><?xml version="1.0" encoding="utf-8"?>
+<file path=ppt/slides/slide4.xml><?xml version="1.0" encoding="utf-8"?>
+<p:sld xmlns:a="http://schemas.openxmlformats.org/drawingml/2006/main" xmlns:r="http://schemas.openxmlformats.org/officeDocument/2006/relationships" xmlns:p="http://schemas.openxmlformats.org/presentationml/2006/main">
+  <p:cSld>
+    <p:spTree>
+      <p:nvGrpSpPr>
+        <p:cNvPr id="1" name="">
+          <a:extLst>
+            <a:ext uri="{FF2B5EF4-FFF2-40B4-BE49-F238E27FC236}">
+              <a16:creationId xmlns:a16="http://schemas.microsoft.com/office/drawing/2014/main" id="{217CC54D-A93E-7DF0-F2EC-6036421943BA}"/>
+            </a:ext>
+          </a:extLst>
+        </p:cNvPr>
+        <p:cNvGrpSpPr/>
+        <p:nvPr/>
+      </p:nvGrpSpPr>
+      <p:grpSpPr>
+        <a:xfrm>
+          <a:off x="0" y="0"/>
+          <a:ext cx="0" cy="0"/>
+          <a:chOff x="0" y="0"/>
+          <a:chExt cx="0" cy="0"/>
+        </a:xfrm>
+      </p:grpSpPr>
+      <p:sp>
+        <p:nvSpPr>
+          <p:cNvPr id="2" name="Title 1">
+            <a:extLst>
+              <a:ext uri="{FF2B5EF4-FFF2-40B4-BE49-F238E27FC236}">
+                <a16:creationId xmlns:a16="http://schemas.microsoft.com/office/drawing/2014/main" id="{3B05EEC6-D606-BDA0-212E-8D3ADDACF228}"/>
+              </a:ext>
+            </a:extLst>
+          </p:cNvPr>
+          <p:cNvSpPr>
+            <a:spLocks noGrp="1"/>
+          </p:cNvSpPr>
+          <p:nvPr>
+            <p:ph type="title"/>
+          </p:nvPr>
+        </p:nvSpPr>
+        <p:spPr/>
+        <p:txBody>
+          <a:bodyPr/>
+          <a:lstStyle/>
+          <a:p>
+            <a:pPr marL="0" lvl="0" indent="0">
+              <a:buNone/>
+            </a:pPr>
+            <a:r>
+              <a:rPr lang="en-US" dirty="0"/>
+              <a:t>Introduction</a:t>
+            </a:r>
+            <a:endParaRPr dirty="0"/>
+          </a:p>
+        </p:txBody>
+      </p:sp>
+      <p:sp>
+        <p:nvSpPr>
+          <p:cNvPr id="3" name="Content Placeholder 2">
+            <a:extLst>
+              <a:ext uri="{FF2B5EF4-FFF2-40B4-BE49-F238E27FC236}">
+                <a16:creationId xmlns:a16="http://schemas.microsoft.com/office/drawing/2014/main" id="{07854A8C-8365-5A51-A4BD-48F8386E8528}"/>
+              </a:ext>
+            </a:extLst>
+          </p:cNvPr>
+          <p:cNvSpPr>
+            <a:spLocks noGrp="1"/>
+          </p:cNvSpPr>
+          <p:nvPr>
+            <p:ph idx="1"/>
+          </p:nvPr>
+        </p:nvSpPr>
+        <p:spPr/>
+        <p:txBody>
+          <a:bodyPr>
+            <a:normAutofit fontScale="77500" lnSpcReduction="20000"/>
+          </a:bodyPr>
+          <a:lstStyle/>
+          <a:p>
+            <a:pPr marL="0" lvl="0" indent="0">
+              <a:buNone/>
+            </a:pPr>
+            <a:r>
+              <a:rPr lang="en-US" dirty="0"/>
+              <a:t>Several commonly encountered data problems affect OLS and GLM models</a:t>
+            </a:r>
+            <a:endParaRPr dirty="0"/>
+          </a:p>
+          <a:p>
+            <a:pPr lvl="0"/>
+            <a:r>
+              <a:rPr lang="en-US" b="1" dirty="0"/>
+              <a:t>Zero inflated response variables </a:t>
+            </a:r>
+            <a:r>
+              <a:rPr lang="en-US" dirty="0"/>
+              <a:t>have an unusual number of zero values   </a:t>
+            </a:r>
+          </a:p>
+          <a:p>
+            <a:pPr lvl="1"/>
+            <a:r>
+              <a:rPr lang="en-US" dirty="0"/>
+              <a:t>Use a </a:t>
+            </a:r>
+            <a:r>
+              <a:rPr lang="en-US" b="1" dirty="0"/>
+              <a:t>mixture model </a:t>
+            </a:r>
+            <a:r>
+              <a:rPr lang="en-US" dirty="0"/>
+              <a:t>to switch between a binomial and another distribution</a:t>
+            </a:r>
+          </a:p>
+          <a:p>
+            <a:pPr lvl="0"/>
+            <a:r>
+              <a:rPr lang="en-US" b="1" dirty="0"/>
+              <a:t>Over-dispersed response variables </a:t>
+            </a:r>
+            <a:r>
+              <a:rPr lang="en-US" dirty="0"/>
+              <a:t>have a long tails </a:t>
+            </a:r>
+          </a:p>
+          <a:p>
+            <a:pPr lvl="1"/>
+            <a:r>
+              <a:rPr lang="en-US" dirty="0"/>
+              <a:t>Can be asymmetric with long tails</a:t>
+            </a:r>
+          </a:p>
+          <a:p>
+            <a:pPr lvl="1"/>
+            <a:r>
+              <a:rPr lang="en-US" dirty="0"/>
+              <a:t>Use heavy tailed distribution models</a:t>
+            </a:r>
+          </a:p>
+          <a:p>
+            <a:pPr lvl="1"/>
+            <a:r>
+              <a:rPr lang="en-US" dirty="0"/>
+              <a:t>Apply models with mixtures of distributions to account for large low probability responses </a:t>
+            </a:r>
+          </a:p>
+          <a:p>
+            <a:pPr lvl="0"/>
+            <a:r>
+              <a:rPr lang="en-US" b="1" dirty="0"/>
+              <a:t>Outliers in independent variables </a:t>
+            </a:r>
+            <a:r>
+              <a:rPr lang="en-US" dirty="0"/>
+              <a:t>have an undue influence on OLS and GLM models </a:t>
+            </a:r>
+          </a:p>
+          <a:p>
+            <a:pPr lvl="1"/>
+            <a:r>
+              <a:rPr lang="en-US" dirty="0"/>
+              <a:t>Robust regression models </a:t>
+            </a:r>
+            <a:r>
+              <a:rPr lang="en-US" b="1" dirty="0"/>
+              <a:t>limit the influence of outliers </a:t>
+            </a:r>
+            <a:r>
+              <a:rPr lang="en-US" dirty="0"/>
+              <a:t>on parameter estimates</a:t>
+            </a:r>
+          </a:p>
+          <a:p>
+            <a:pPr lvl="0"/>
+            <a:r>
+              <a:rPr lang="en-US" dirty="0"/>
+              <a:t>We can extend the OLS and GLM frameworks to deal with these situations  </a:t>
+            </a:r>
+            <a:endParaRPr dirty="0"/>
+          </a:p>
+        </p:txBody>
+      </p:sp>
+    </p:spTree>
+    <p:extLst>
+      <p:ext uri="{BB962C8B-B14F-4D97-AF65-F5344CB8AC3E}">
+        <p14:creationId xmlns:p14="http://schemas.microsoft.com/office/powerpoint/2010/main" val="487459844"/>
+      </p:ext>
+    </p:extLst>
+  </p:cSld>
+  <p:clrMapOvr>
+    <a:masterClrMapping/>
+  </p:clrMapOvr>
+</p:sld>
+</file>
+
+<file path=ppt/slides/slide40.xml><?xml version="1.0" encoding="utf-8"?>
 <p:sld xmlns:a="http://schemas.openxmlformats.org/drawingml/2006/main" xmlns:r="http://schemas.openxmlformats.org/officeDocument/2006/relationships" xmlns:p="http://schemas.openxmlformats.org/presentationml/2006/main">
   <p:cSld>
     <p:spTree>
@@ -22012,201 +22606,7 @@
 </p:sld>
 </file>
 
-<file path=ppt/slides/slide4.xml><?xml version="1.0" encoding="utf-8"?>
-<p:sld xmlns:a="http://schemas.openxmlformats.org/drawingml/2006/main" xmlns:r="http://schemas.openxmlformats.org/officeDocument/2006/relationships" xmlns:p="http://schemas.openxmlformats.org/presentationml/2006/main">
-  <p:cSld>
-    <p:spTree>
-      <p:nvGrpSpPr>
-        <p:cNvPr id="1" name="">
-          <a:extLst>
-            <a:ext uri="{FF2B5EF4-FFF2-40B4-BE49-F238E27FC236}">
-              <a16:creationId xmlns:a16="http://schemas.microsoft.com/office/drawing/2014/main" id="{217CC54D-A93E-7DF0-F2EC-6036421943BA}"/>
-            </a:ext>
-          </a:extLst>
-        </p:cNvPr>
-        <p:cNvGrpSpPr/>
-        <p:nvPr/>
-      </p:nvGrpSpPr>
-      <p:grpSpPr>
-        <a:xfrm>
-          <a:off x="0" y="0"/>
-          <a:ext cx="0" cy="0"/>
-          <a:chOff x="0" y="0"/>
-          <a:chExt cx="0" cy="0"/>
-        </a:xfrm>
-      </p:grpSpPr>
-      <p:sp>
-        <p:nvSpPr>
-          <p:cNvPr id="2" name="Title 1">
-            <a:extLst>
-              <a:ext uri="{FF2B5EF4-FFF2-40B4-BE49-F238E27FC236}">
-                <a16:creationId xmlns:a16="http://schemas.microsoft.com/office/drawing/2014/main" id="{3B05EEC6-D606-BDA0-212E-8D3ADDACF228}"/>
-              </a:ext>
-            </a:extLst>
-          </p:cNvPr>
-          <p:cNvSpPr>
-            <a:spLocks noGrp="1"/>
-          </p:cNvSpPr>
-          <p:nvPr>
-            <p:ph type="title"/>
-          </p:nvPr>
-        </p:nvSpPr>
-        <p:spPr/>
-        <p:txBody>
-          <a:bodyPr/>
-          <a:lstStyle/>
-          <a:p>
-            <a:pPr marL="0" lvl="0" indent="0">
-              <a:buNone/>
-            </a:pPr>
-            <a:r>
-              <a:rPr lang="en-US" dirty="0"/>
-              <a:t>Introduction</a:t>
-            </a:r>
-            <a:endParaRPr dirty="0"/>
-          </a:p>
-        </p:txBody>
-      </p:sp>
-      <p:sp>
-        <p:nvSpPr>
-          <p:cNvPr id="3" name="Content Placeholder 2">
-            <a:extLst>
-              <a:ext uri="{FF2B5EF4-FFF2-40B4-BE49-F238E27FC236}">
-                <a16:creationId xmlns:a16="http://schemas.microsoft.com/office/drawing/2014/main" id="{07854A8C-8365-5A51-A4BD-48F8386E8528}"/>
-              </a:ext>
-            </a:extLst>
-          </p:cNvPr>
-          <p:cNvSpPr>
-            <a:spLocks noGrp="1"/>
-          </p:cNvSpPr>
-          <p:nvPr>
-            <p:ph idx="1"/>
-          </p:nvPr>
-        </p:nvSpPr>
-        <p:spPr/>
-        <p:txBody>
-          <a:bodyPr>
-            <a:normAutofit fontScale="77500" lnSpcReduction="20000"/>
-          </a:bodyPr>
-          <a:lstStyle/>
-          <a:p>
-            <a:pPr marL="0" lvl="0" indent="0">
-              <a:buNone/>
-            </a:pPr>
-            <a:r>
-              <a:rPr lang="en-US" dirty="0"/>
-              <a:t>Several commonly encountered data problems affect OLS and GLM models</a:t>
-            </a:r>
-            <a:endParaRPr dirty="0"/>
-          </a:p>
-          <a:p>
-            <a:pPr lvl="0"/>
-            <a:r>
-              <a:rPr lang="en-US" b="1" dirty="0"/>
-              <a:t>Zero inflated response variables </a:t>
-            </a:r>
-            <a:r>
-              <a:rPr lang="en-US" dirty="0"/>
-              <a:t>have an unusual number of zero values   </a:t>
-            </a:r>
-          </a:p>
-          <a:p>
-            <a:pPr lvl="1"/>
-            <a:r>
-              <a:rPr lang="en-US" dirty="0"/>
-              <a:t>Use a </a:t>
-            </a:r>
-            <a:r>
-              <a:rPr lang="en-US" b="1" dirty="0"/>
-              <a:t>mixture model </a:t>
-            </a:r>
-            <a:r>
-              <a:rPr lang="en-US" dirty="0"/>
-              <a:t>to switch between a binomial and another distribution</a:t>
-            </a:r>
-          </a:p>
-          <a:p>
-            <a:pPr lvl="0"/>
-            <a:r>
-              <a:rPr lang="en-US" b="1" dirty="0"/>
-              <a:t>Over-dispersed response variables </a:t>
-            </a:r>
-            <a:r>
-              <a:rPr lang="en-US" dirty="0"/>
-              <a:t>have a long tails </a:t>
-            </a:r>
-          </a:p>
-          <a:p>
-            <a:pPr lvl="1"/>
-            <a:r>
-              <a:rPr lang="en-US" dirty="0"/>
-              <a:t>Can be asymmetric with long tails</a:t>
-            </a:r>
-          </a:p>
-          <a:p>
-            <a:pPr lvl="1"/>
-            <a:r>
-              <a:rPr lang="en-US" dirty="0"/>
-              <a:t>Use heavy tailed distribution models</a:t>
-            </a:r>
-          </a:p>
-          <a:p>
-            <a:pPr lvl="1"/>
-            <a:r>
-              <a:rPr lang="en-US" dirty="0"/>
-              <a:t>Apply models with mixtures of distributions to account for large low probability responses </a:t>
-            </a:r>
-          </a:p>
-          <a:p>
-            <a:pPr lvl="0"/>
-            <a:r>
-              <a:rPr lang="en-US" b="1" dirty="0"/>
-              <a:t>Outliers in independent variables </a:t>
-            </a:r>
-            <a:r>
-              <a:rPr lang="en-US" dirty="0"/>
-              <a:t>have an undue influence on OLS and GLM models </a:t>
-            </a:r>
-          </a:p>
-          <a:p>
-            <a:pPr lvl="1"/>
-            <a:r>
-              <a:rPr lang="en-US" dirty="0"/>
-              <a:t>Robust regression models </a:t>
-            </a:r>
-            <a:r>
-              <a:rPr lang="en-US" b="1" dirty="0"/>
-              <a:t>limit the influence of outliers </a:t>
-            </a:r>
-            <a:r>
-              <a:rPr lang="en-US" dirty="0"/>
-              <a:t>on parameter estimates</a:t>
-            </a:r>
-          </a:p>
-          <a:p>
-            <a:pPr lvl="0"/>
-            <a:r>
-              <a:rPr lang="en-US" dirty="0"/>
-              <a:t>We can extend the OLS and GLM frameworks to deal with these situations  </a:t>
-            </a:r>
-            <a:endParaRPr dirty="0"/>
-          </a:p>
-        </p:txBody>
-      </p:sp>
-    </p:spTree>
-    <p:extLst>
-      <p:ext uri="{BB962C8B-B14F-4D97-AF65-F5344CB8AC3E}">
-        <p14:creationId xmlns:p14="http://schemas.microsoft.com/office/powerpoint/2010/main" val="487459844"/>
-      </p:ext>
-    </p:extLst>
-  </p:cSld>
-  <p:clrMapOvr>
-    <a:masterClrMapping/>
-  </p:clrMapOvr>
-</p:sld>
-</file>
-
-<file path=ppt/slides/slide40.xml><?xml version="1.0" encoding="utf-8"?>
+<file path=ppt/slides/slide41.xml><?xml version="1.0" encoding="utf-8"?>
 <p:sld xmlns:a="http://schemas.openxmlformats.org/drawingml/2006/main" xmlns:r="http://schemas.openxmlformats.org/officeDocument/2006/relationships" xmlns:p="http://schemas.openxmlformats.org/presentationml/2006/main">
   <p:cSld>
     <p:spTree>
@@ -22527,7 +22927,7 @@
 </p:sld>
 </file>
 
-<file path=ppt/slides/slide41.xml><?xml version="1.0" encoding="utf-8"?>
+<file path=ppt/slides/slide42.xml><?xml version="1.0" encoding="utf-8"?>
 <p:sld xmlns:a="http://schemas.openxmlformats.org/drawingml/2006/main" xmlns:r="http://schemas.openxmlformats.org/officeDocument/2006/relationships" xmlns:p="http://schemas.openxmlformats.org/presentationml/2006/main">
   <p:cSld>
     <p:spTree>
@@ -23431,7 +23831,7 @@
 </p:sld>
 </file>
 
-<file path=ppt/slides/slide42.xml><?xml version="1.0" encoding="utf-8"?>
+<file path=ppt/slides/slide43.xml><?xml version="1.0" encoding="utf-8"?>
 <p:sld xmlns:a="http://schemas.openxmlformats.org/drawingml/2006/main" xmlns:r="http://schemas.openxmlformats.org/officeDocument/2006/relationships" xmlns:p="http://schemas.openxmlformats.org/presentationml/2006/main">
   <p:cSld>
     <p:spTree>
@@ -24100,7 +24500,7 @@
 </p:sld>
 </file>
 
-<file path=ppt/slides/slide43.xml><?xml version="1.0" encoding="utf-8"?>
+<file path=ppt/slides/slide44.xml><?xml version="1.0" encoding="utf-8"?>
 <p:sld xmlns:a="http://schemas.openxmlformats.org/drawingml/2006/main" xmlns:r="http://schemas.openxmlformats.org/officeDocument/2006/relationships" xmlns:p="http://schemas.openxmlformats.org/presentationml/2006/main">
   <p:cSld>
     <p:spTree>
@@ -24472,7 +24872,7 @@
 </p:sld>
 </file>
 
-<file path=ppt/slides/slide44.xml><?xml version="1.0" encoding="utf-8"?>
+<file path=ppt/slides/slide45.xml><?xml version="1.0" encoding="utf-8"?>
 <p:sld xmlns:a="http://schemas.openxmlformats.org/drawingml/2006/main" xmlns:r="http://schemas.openxmlformats.org/officeDocument/2006/relationships" xmlns:p="http://schemas.openxmlformats.org/presentationml/2006/main">
   <p:cSld>
     <p:spTree>
@@ -25023,7 +25423,7 @@
 </p:sld>
 </file>
 
-<file path=ppt/slides/slide45.xml><?xml version="1.0" encoding="utf-8"?>
+<file path=ppt/slides/slide46.xml><?xml version="1.0" encoding="utf-8"?>
 <p:sld xmlns:a="http://schemas.openxmlformats.org/drawingml/2006/main" xmlns:r="http://schemas.openxmlformats.org/officeDocument/2006/relationships" xmlns:p="http://schemas.openxmlformats.org/presentationml/2006/main">
   <p:cSld>
     <p:spTree>
@@ -25250,6 +25650,94 @@
           </a:p>
         </p:txBody>
       </p:sp>
+      <p:cxnSp>
+        <p:nvCxnSpPr>
+          <p:cNvPr id="7" name="Straight Arrow Connector 6">
+            <a:extLst>
+              <a:ext uri="{FF2B5EF4-FFF2-40B4-BE49-F238E27FC236}">
+                <a16:creationId xmlns:a16="http://schemas.microsoft.com/office/drawing/2014/main" id="{E1707F7E-EE20-ADD7-6F37-122ACD61A228}"/>
+              </a:ext>
+            </a:extLst>
+          </p:cNvPr>
+          <p:cNvCxnSpPr>
+            <a:cxnSpLocks/>
+          </p:cNvCxnSpPr>
+          <p:nvPr/>
+        </p:nvCxnSpPr>
+        <p:spPr>
+          <a:xfrm flipV="1">
+            <a:off x="4717473" y="1641764"/>
+            <a:ext cx="3262745" cy="768927"/>
+          </a:xfrm>
+          <a:prstGeom prst="straightConnector1">
+            <a:avLst/>
+          </a:prstGeom>
+          <a:ln w="38100">
+            <a:solidFill>
+              <a:srgbClr val="C00000"/>
+            </a:solidFill>
+            <a:tailEnd type="triangle"/>
+          </a:ln>
+        </p:spPr>
+        <p:style>
+          <a:lnRef idx="2">
+            <a:schemeClr val="accent1"/>
+          </a:lnRef>
+          <a:fillRef idx="0">
+            <a:schemeClr val="accent1"/>
+          </a:fillRef>
+          <a:effectRef idx="1">
+            <a:schemeClr val="accent1"/>
+          </a:effectRef>
+          <a:fontRef idx="minor">
+            <a:schemeClr val="tx1"/>
+          </a:fontRef>
+        </p:style>
+      </p:cxnSp>
+      <p:cxnSp>
+        <p:nvCxnSpPr>
+          <p:cNvPr id="10" name="Straight Arrow Connector 9">
+            <a:extLst>
+              <a:ext uri="{FF2B5EF4-FFF2-40B4-BE49-F238E27FC236}">
+                <a16:creationId xmlns:a16="http://schemas.microsoft.com/office/drawing/2014/main" id="{B10F11AD-2F4C-20C9-53CA-5DB2AF77BAE4}"/>
+              </a:ext>
+            </a:extLst>
+          </p:cNvPr>
+          <p:cNvCxnSpPr>
+            <a:cxnSpLocks/>
+          </p:cNvCxnSpPr>
+          <p:nvPr/>
+        </p:nvCxnSpPr>
+        <p:spPr>
+          <a:xfrm flipV="1">
+            <a:off x="4239491" y="3117273"/>
+            <a:ext cx="1749829" cy="710738"/>
+          </a:xfrm>
+          <a:prstGeom prst="straightConnector1">
+            <a:avLst/>
+          </a:prstGeom>
+          <a:ln w="38100">
+            <a:solidFill>
+              <a:srgbClr val="C00000"/>
+            </a:solidFill>
+            <a:tailEnd type="triangle"/>
+          </a:ln>
+        </p:spPr>
+        <p:style>
+          <a:lnRef idx="2">
+            <a:schemeClr val="accent1"/>
+          </a:lnRef>
+          <a:fillRef idx="0">
+            <a:schemeClr val="accent1"/>
+          </a:fillRef>
+          <a:effectRef idx="1">
+            <a:schemeClr val="accent1"/>
+          </a:effectRef>
+          <a:fontRef idx="minor">
+            <a:schemeClr val="tx1"/>
+          </a:fontRef>
+        </p:style>
+      </p:cxnSp>
     </p:spTree>
   </p:cSld>
   <p:clrMapOvr>
@@ -25423,7 +25911,7 @@
                                 </p:cTn>
                               </p:par>
                               <p:par>
-                                <p:cTn id="15" presetID="1" presetClass="entr" presetSubtype="0" fill="hold" grpId="0" nodeType="withEffect">
+                                <p:cTn id="15" presetID="1" presetClass="entr" presetSubtype="0" fill="hold" nodeType="withEffect">
                                   <p:stCondLst>
                                     <p:cond delay="0"/>
                                   </p:stCondLst>
@@ -25431,6 +25919,33 @@
                                     <p:set>
                                       <p:cBhvr>
                                         <p:cTn id="16" dur="1" fill="hold">
+                                          <p:stCondLst>
+                                            <p:cond delay="0"/>
+                                          </p:stCondLst>
+                                        </p:cTn>
+                                        <p:tgtEl>
+                                          <p:spTgt spid="7"/>
+                                        </p:tgtEl>
+                                        <p:attrNameLst>
+                                          <p:attrName>style.visibility</p:attrName>
+                                        </p:attrNameLst>
+                                      </p:cBhvr>
+                                      <p:to>
+                                        <p:strVal val="visible"/>
+                                      </p:to>
+                                    </p:set>
+                                  </p:childTnLst>
+                                </p:cTn>
+                              </p:par>
+                              <p:par>
+                                <p:cTn id="17" presetID="1" presetClass="entr" presetSubtype="0" fill="hold" grpId="0" nodeType="withEffect">
+                                  <p:stCondLst>
+                                    <p:cond delay="0"/>
+                                  </p:stCondLst>
+                                  <p:childTnLst>
+                                    <p:set>
+                                      <p:cBhvr>
+                                        <p:cTn id="18" dur="1" fill="hold">
                                           <p:stCondLst>
                                             <p:cond delay="0"/>
                                           </p:stCondLst>
@@ -25460,50 +25975,19 @@
                     </p:cTn>
                   </p:par>
                   <p:par>
-                    <p:cTn id="17" fill="hold">
+                    <p:cTn id="19" fill="hold">
                       <p:stCondLst>
                         <p:cond delay="indefinite"/>
                       </p:stCondLst>
                       <p:childTnLst>
                         <p:par>
-                          <p:cTn id="18" fill="hold">
+                          <p:cTn id="20" fill="hold">
                             <p:stCondLst>
                               <p:cond delay="0"/>
                             </p:stCondLst>
                             <p:childTnLst>
                               <p:par>
-                                <p:cTn id="19" presetID="1" presetClass="entr" presetSubtype="0" fill="hold" nodeType="clickEffect">
-                                  <p:stCondLst>
-                                    <p:cond delay="0"/>
-                                  </p:stCondLst>
-                                  <p:childTnLst>
-                                    <p:set>
-                                      <p:cBhvr>
-                                        <p:cTn id="20" dur="1" fill="hold">
-                                          <p:stCondLst>
-                                            <p:cond delay="0"/>
-                                          </p:stCondLst>
-                                        </p:cTn>
-                                        <p:tgtEl>
-                                          <p:spTgt spid="3">
-                                            <p:txEl>
-                                              <p:pRg st="4" end="4"/>
-                                            </p:txEl>
-                                          </p:spTgt>
-                                        </p:tgtEl>
-                                        <p:attrNameLst>
-                                          <p:attrName>style.visibility</p:attrName>
-                                        </p:attrNameLst>
-                                      </p:cBhvr>
-                                      <p:to>
-                                        <p:strVal val="visible"/>
-                                      </p:to>
-                                    </p:set>
-                                  </p:childTnLst>
-                                </p:cTn>
-                              </p:par>
-                              <p:par>
-                                <p:cTn id="21" presetID="1" presetClass="entr" presetSubtype="0" fill="hold" nodeType="withEffect">
+                                <p:cTn id="21" presetID="1" presetClass="entr" presetSubtype="0" fill="hold" nodeType="clickEffect">
                                   <p:stCondLst>
                                     <p:cond delay="0"/>
                                   </p:stCondLst>
@@ -25518,7 +26002,7 @@
                                         <p:tgtEl>
                                           <p:spTgt spid="3">
                                             <p:txEl>
-                                              <p:pRg st="5" end="5"/>
+                                              <p:pRg st="4" end="4"/>
                                             </p:txEl>
                                           </p:spTgt>
                                         </p:tgtEl>
@@ -25549,9 +26033,67 @@
                                         <p:tgtEl>
                                           <p:spTgt spid="3">
                                             <p:txEl>
+                                              <p:pRg st="5" end="5"/>
+                                            </p:txEl>
+                                          </p:spTgt>
+                                        </p:tgtEl>
+                                        <p:attrNameLst>
+                                          <p:attrName>style.visibility</p:attrName>
+                                        </p:attrNameLst>
+                                      </p:cBhvr>
+                                      <p:to>
+                                        <p:strVal val="visible"/>
+                                      </p:to>
+                                    </p:set>
+                                  </p:childTnLst>
+                                </p:cTn>
+                              </p:par>
+                              <p:par>
+                                <p:cTn id="25" presetID="1" presetClass="entr" presetSubtype="0" fill="hold" nodeType="withEffect">
+                                  <p:stCondLst>
+                                    <p:cond delay="0"/>
+                                  </p:stCondLst>
+                                  <p:childTnLst>
+                                    <p:set>
+                                      <p:cBhvr>
+                                        <p:cTn id="26" dur="1" fill="hold">
+                                          <p:stCondLst>
+                                            <p:cond delay="0"/>
+                                          </p:stCondLst>
+                                        </p:cTn>
+                                        <p:tgtEl>
+                                          <p:spTgt spid="3">
+                                            <p:txEl>
                                               <p:pRg st="6" end="6"/>
                                             </p:txEl>
                                           </p:spTgt>
+                                        </p:tgtEl>
+                                        <p:attrNameLst>
+                                          <p:attrName>style.visibility</p:attrName>
+                                        </p:attrNameLst>
+                                      </p:cBhvr>
+                                      <p:to>
+                                        <p:strVal val="visible"/>
+                                      </p:to>
+                                    </p:set>
+                                  </p:childTnLst>
+                                </p:cTn>
+                              </p:par>
+                              <p:par>
+                                <p:cTn id="27" presetID="1" presetClass="entr" presetSubtype="0" fill="hold" nodeType="withEffect">
+                                  <p:stCondLst>
+                                    <p:cond delay="0"/>
+                                  </p:stCondLst>
+                                  <p:childTnLst>
+                                    <p:set>
+                                      <p:cBhvr>
+                                        <p:cTn id="28" dur="1" fill="hold">
+                                          <p:stCondLst>
+                                            <p:cond delay="0"/>
+                                          </p:stCondLst>
+                                        </p:cTn>
+                                        <p:tgtEl>
+                                          <p:spTgt spid="10"/>
                                         </p:tgtEl>
                                         <p:attrNameLst>
                                           <p:attrName>style.visibility</p:attrName>
@@ -25599,7 +26141,7 @@
 </p:sld>
 </file>
 
-<file path=ppt/slides/slide46.xml><?xml version="1.0" encoding="utf-8"?>
+<file path=ppt/slides/slide47.xml><?xml version="1.0" encoding="utf-8"?>
 <p:sld xmlns:a="http://schemas.openxmlformats.org/drawingml/2006/main" xmlns:r="http://schemas.openxmlformats.org/officeDocument/2006/relationships" xmlns:p="http://schemas.openxmlformats.org/presentationml/2006/main">
   <p:cSld>
     <p:spTree>
@@ -26683,7 +27225,7 @@
 </p:sld>
 </file>
 
-<file path=ppt/slides/slide47.xml><?xml version="1.0" encoding="utf-8"?>
+<file path=ppt/slides/slide48.xml><?xml version="1.0" encoding="utf-8"?>
 <p:sld xmlns:a="http://schemas.openxmlformats.org/drawingml/2006/main" xmlns:r="http://schemas.openxmlformats.org/officeDocument/2006/relationships" xmlns:p="http://schemas.openxmlformats.org/presentationml/2006/main">
   <p:cSld>
     <p:spTree>
@@ -27170,7 +27712,7 @@
 </p:sld>
 </file>
 
-<file path=ppt/slides/slide48.xml><?xml version="1.0" encoding="utf-8"?>
+<file path=ppt/slides/slide49.xml><?xml version="1.0" encoding="utf-8"?>
 <p:sld xmlns:a="http://schemas.openxmlformats.org/drawingml/2006/main" xmlns:r="http://schemas.openxmlformats.org/officeDocument/2006/relationships" xmlns:p="http://schemas.openxmlformats.org/presentationml/2006/main">
   <p:cSld>
     <p:spTree>
@@ -27644,6 +28186,138 @@
           </a:p>
         </p:txBody>
       </p:sp>
+      <p:cxnSp>
+        <p:nvCxnSpPr>
+          <p:cNvPr id="6" name="Straight Arrow Connector 5">
+            <a:extLst>
+              <a:ext uri="{FF2B5EF4-FFF2-40B4-BE49-F238E27FC236}">
+                <a16:creationId xmlns:a16="http://schemas.microsoft.com/office/drawing/2014/main" id="{FB3082CB-1516-E15D-DF1D-6AC71FF21633}"/>
+              </a:ext>
+            </a:extLst>
+          </p:cNvPr>
+          <p:cNvCxnSpPr>
+            <a:cxnSpLocks/>
+          </p:cNvCxnSpPr>
+          <p:nvPr/>
+        </p:nvCxnSpPr>
+        <p:spPr>
+          <a:xfrm flipV="1">
+            <a:off x="3819698" y="2078182"/>
+            <a:ext cx="3757353" cy="332509"/>
+          </a:xfrm>
+          <a:prstGeom prst="straightConnector1">
+            <a:avLst/>
+          </a:prstGeom>
+          <a:ln w="38100">
+            <a:solidFill>
+              <a:srgbClr val="C00000"/>
+            </a:solidFill>
+            <a:tailEnd type="triangle"/>
+          </a:ln>
+        </p:spPr>
+        <p:style>
+          <a:lnRef idx="2">
+            <a:schemeClr val="accent1"/>
+          </a:lnRef>
+          <a:fillRef idx="0">
+            <a:schemeClr val="accent1"/>
+          </a:fillRef>
+          <a:effectRef idx="1">
+            <a:schemeClr val="accent1"/>
+          </a:effectRef>
+          <a:fontRef idx="minor">
+            <a:schemeClr val="tx1"/>
+          </a:fontRef>
+        </p:style>
+      </p:cxnSp>
+      <p:cxnSp>
+        <p:nvCxnSpPr>
+          <p:cNvPr id="10" name="Straight Arrow Connector 9">
+            <a:extLst>
+              <a:ext uri="{FF2B5EF4-FFF2-40B4-BE49-F238E27FC236}">
+                <a16:creationId xmlns:a16="http://schemas.microsoft.com/office/drawing/2014/main" id="{9BD75EF2-A7E1-5990-C1C8-35953C44AEF4}"/>
+              </a:ext>
+            </a:extLst>
+          </p:cNvPr>
+          <p:cNvCxnSpPr>
+            <a:cxnSpLocks/>
+          </p:cNvCxnSpPr>
+          <p:nvPr/>
+        </p:nvCxnSpPr>
+        <p:spPr>
+          <a:xfrm flipV="1">
+            <a:off x="5016731" y="3266902"/>
+            <a:ext cx="993371" cy="951807"/>
+          </a:xfrm>
+          <a:prstGeom prst="straightConnector1">
+            <a:avLst/>
+          </a:prstGeom>
+          <a:ln w="38100">
+            <a:solidFill>
+              <a:srgbClr val="C00000"/>
+            </a:solidFill>
+            <a:tailEnd type="triangle"/>
+          </a:ln>
+        </p:spPr>
+        <p:style>
+          <a:lnRef idx="2">
+            <a:schemeClr val="accent1"/>
+          </a:lnRef>
+          <a:fillRef idx="0">
+            <a:schemeClr val="accent1"/>
+          </a:fillRef>
+          <a:effectRef idx="1">
+            <a:schemeClr val="accent1"/>
+          </a:effectRef>
+          <a:fontRef idx="minor">
+            <a:schemeClr val="tx1"/>
+          </a:fontRef>
+        </p:style>
+      </p:cxnSp>
+      <p:cxnSp>
+        <p:nvCxnSpPr>
+          <p:cNvPr id="13" name="Straight Arrow Connector 12">
+            <a:extLst>
+              <a:ext uri="{FF2B5EF4-FFF2-40B4-BE49-F238E27FC236}">
+                <a16:creationId xmlns:a16="http://schemas.microsoft.com/office/drawing/2014/main" id="{CEAD05EF-E70B-3B51-76CB-B942235D9C7D}"/>
+              </a:ext>
+            </a:extLst>
+          </p:cNvPr>
+          <p:cNvCxnSpPr>
+            <a:cxnSpLocks/>
+          </p:cNvCxnSpPr>
+          <p:nvPr/>
+        </p:nvCxnSpPr>
+        <p:spPr>
+          <a:xfrm flipV="1">
+            <a:off x="4659284" y="2732810"/>
+            <a:ext cx="2244436" cy="967004"/>
+          </a:xfrm>
+          <a:prstGeom prst="straightConnector1">
+            <a:avLst/>
+          </a:prstGeom>
+          <a:ln w="38100">
+            <a:solidFill>
+              <a:srgbClr val="C00000"/>
+            </a:solidFill>
+            <a:tailEnd type="triangle"/>
+          </a:ln>
+        </p:spPr>
+        <p:style>
+          <a:lnRef idx="2">
+            <a:schemeClr val="accent1"/>
+          </a:lnRef>
+          <a:fillRef idx="0">
+            <a:schemeClr val="accent1"/>
+          </a:fillRef>
+          <a:effectRef idx="1">
+            <a:schemeClr val="accent1"/>
+          </a:effectRef>
+          <a:fontRef idx="minor">
+            <a:schemeClr val="tx1"/>
+          </a:fontRef>
+        </p:style>
+      </p:cxnSp>
     </p:spTree>
   </p:cSld>
   <p:clrMapOvr>
@@ -27985,6 +28659,87 @@
                                   </p:childTnLst>
                                 </p:cTn>
                               </p:par>
+                              <p:par>
+                                <p:cTn id="27" presetID="1" presetClass="entr" presetSubtype="0" fill="hold" nodeType="withEffect">
+                                  <p:stCondLst>
+                                    <p:cond delay="0"/>
+                                  </p:stCondLst>
+                                  <p:childTnLst>
+                                    <p:set>
+                                      <p:cBhvr>
+                                        <p:cTn id="28" dur="1" fill="hold">
+                                          <p:stCondLst>
+                                            <p:cond delay="0"/>
+                                          </p:stCondLst>
+                                        </p:cTn>
+                                        <p:tgtEl>
+                                          <p:spTgt spid="6"/>
+                                        </p:tgtEl>
+                                        <p:attrNameLst>
+                                          <p:attrName>style.visibility</p:attrName>
+                                        </p:attrNameLst>
+                                      </p:cBhvr>
+                                      <p:to>
+                                        <p:strVal val="visible"/>
+                                      </p:to>
+                                    </p:set>
+                                  </p:childTnLst>
+                                </p:cTn>
+                              </p:par>
+                              <p:par>
+                                <p:cTn id="29" presetID="1" presetClass="entr" presetSubtype="0" fill="hold" nodeType="withEffect">
+                                  <p:stCondLst>
+                                    <p:cond delay="0"/>
+                                  </p:stCondLst>
+                                  <p:childTnLst>
+                                    <p:set>
+                                      <p:cBhvr>
+                                        <p:cTn id="30" dur="1" fill="hold">
+                                          <p:stCondLst>
+                                            <p:cond delay="0"/>
+                                          </p:stCondLst>
+                                        </p:cTn>
+                                        <p:tgtEl>
+                                          <p:spTgt spid="10"/>
+                                        </p:tgtEl>
+                                        <p:attrNameLst>
+                                          <p:attrName>style.visibility</p:attrName>
+                                        </p:attrNameLst>
+                                      </p:cBhvr>
+                                      <p:to>
+                                        <p:strVal val="visible"/>
+                                      </p:to>
+                                    </p:set>
+                                  </p:childTnLst>
+                                </p:cTn>
+                              </p:par>
+                              <p:par>
+                                <p:cTn id="31" presetID="1" presetClass="entr" presetSubtype="0" fill="hold" nodeType="withEffect">
+                                  <p:stCondLst>
+                                    <p:cond delay="0"/>
+                                  </p:stCondLst>
+                                  <p:childTnLst>
+                                    <p:set>
+                                      <p:cBhvr>
+                                        <p:cTn id="32" dur="1" fill="hold">
+                                          <p:stCondLst>
+                                            <p:cond delay="0"/>
+                                          </p:stCondLst>
+                                        </p:cTn>
+                                        <p:tgtEl>
+                                          <p:spTgt spid="13"/>
+                                        </p:tgtEl>
+                                        <p:attrNameLst>
+                                          <p:attrName>style.visibility</p:attrName>
+                                        </p:attrNameLst>
+                                      </p:cBhvr>
+                                      <p:to>
+                                        <p:strVal val="visible"/>
+                                      </p:to>
+                                    </p:set>
+                                  </p:childTnLst>
+                                </p:cTn>
+                              </p:par>
                             </p:childTnLst>
                           </p:cTn>
                         </p:par>
@@ -28020,7 +28775,71 @@
 </p:sld>
 </file>
 
-<file path=ppt/slides/slide49.xml><?xml version="1.0" encoding="utf-8"?>
+<file path=ppt/slides/slide5.xml><?xml version="1.0" encoding="utf-8"?>
+<p:sld xmlns:a="http://schemas.openxmlformats.org/drawingml/2006/main" xmlns:r="http://schemas.openxmlformats.org/officeDocument/2006/relationships" xmlns:p="http://schemas.openxmlformats.org/presentationml/2006/main">
+  <p:cSld>
+    <p:spTree>
+      <p:nvGrpSpPr>
+        <p:cNvPr id="1" name=""/>
+        <p:cNvGrpSpPr/>
+        <p:nvPr/>
+      </p:nvGrpSpPr>
+      <p:grpSpPr>
+        <a:xfrm>
+          <a:off x="0" y="0"/>
+          <a:ext cx="0" cy="0"/>
+          <a:chOff x="0" y="0"/>
+          <a:chExt cx="0" cy="0"/>
+        </a:xfrm>
+      </p:grpSpPr>
+      <p:sp>
+        <p:nvSpPr>
+          <p:cNvPr id="2" name="Title 1">
+            <a:extLst>
+              <a:ext uri="{FF2B5EF4-FFF2-40B4-BE49-F238E27FC236}">
+                <a16:creationId xmlns:a16="http://schemas.microsoft.com/office/drawing/2014/main" id="{5498C255-8488-A6BF-D8CF-6C0F8BDB00EA}"/>
+              </a:ext>
+            </a:extLst>
+          </p:cNvPr>
+          <p:cNvSpPr>
+            <a:spLocks noGrp="1"/>
+          </p:cNvSpPr>
+          <p:nvPr>
+            <p:ph type="title"/>
+          </p:nvPr>
+        </p:nvSpPr>
+        <p:spPr>
+          <a:xfrm>
+            <a:off x="771081" y="1850264"/>
+            <a:ext cx="7772400" cy="1021556"/>
+          </a:xfrm>
+        </p:spPr>
+        <p:txBody>
+          <a:bodyPr/>
+          <a:lstStyle/>
+          <a:p>
+            <a:pPr algn="ctr"/>
+            <a:r>
+              <a:rPr lang="en-US" b="0" cap="none" dirty="0"/>
+              <a:t>Models for Zero-Inflated Response</a:t>
+            </a:r>
+          </a:p>
+        </p:txBody>
+      </p:sp>
+    </p:spTree>
+    <p:extLst>
+      <p:ext uri="{BB962C8B-B14F-4D97-AF65-F5344CB8AC3E}">
+        <p14:creationId xmlns:p14="http://schemas.microsoft.com/office/powerpoint/2010/main" val="3761794938"/>
+      </p:ext>
+    </p:extLst>
+  </p:cSld>
+  <p:clrMapOvr>
+    <a:masterClrMapping/>
+  </p:clrMapOvr>
+</p:sld>
+</file>
+
+<file path=ppt/slides/slide50.xml><?xml version="1.0" encoding="utf-8"?>
 <p:sld xmlns:a="http://schemas.openxmlformats.org/drawingml/2006/main" xmlns:r="http://schemas.openxmlformats.org/officeDocument/2006/relationships" xmlns:p="http://schemas.openxmlformats.org/presentationml/2006/main">
   <p:cSld>
     <p:spTree>
@@ -28480,6 +29299,94 @@
           </a:p>
         </p:txBody>
       </p:sp>
+      <p:cxnSp>
+        <p:nvCxnSpPr>
+          <p:cNvPr id="6" name="Straight Arrow Connector 5">
+            <a:extLst>
+              <a:ext uri="{FF2B5EF4-FFF2-40B4-BE49-F238E27FC236}">
+                <a16:creationId xmlns:a16="http://schemas.microsoft.com/office/drawing/2014/main" id="{93687FF5-2F4F-964A-7E48-2F37A940534E}"/>
+              </a:ext>
+            </a:extLst>
+          </p:cNvPr>
+          <p:cNvCxnSpPr>
+            <a:cxnSpLocks/>
+          </p:cNvCxnSpPr>
+          <p:nvPr/>
+        </p:nvCxnSpPr>
+        <p:spPr>
+          <a:xfrm>
+            <a:off x="4659284" y="1733204"/>
+            <a:ext cx="2439785" cy="344978"/>
+          </a:xfrm>
+          <a:prstGeom prst="straightConnector1">
+            <a:avLst/>
+          </a:prstGeom>
+          <a:ln w="38100">
+            <a:solidFill>
+              <a:srgbClr val="C00000"/>
+            </a:solidFill>
+            <a:tailEnd type="triangle"/>
+          </a:ln>
+        </p:spPr>
+        <p:style>
+          <a:lnRef idx="2">
+            <a:schemeClr val="accent1"/>
+          </a:lnRef>
+          <a:fillRef idx="0">
+            <a:schemeClr val="accent1"/>
+          </a:fillRef>
+          <a:effectRef idx="1">
+            <a:schemeClr val="accent1"/>
+          </a:effectRef>
+          <a:fontRef idx="minor">
+            <a:schemeClr val="tx1"/>
+          </a:fontRef>
+        </p:style>
+      </p:cxnSp>
+      <p:cxnSp>
+        <p:nvCxnSpPr>
+          <p:cNvPr id="10" name="Straight Arrow Connector 9">
+            <a:extLst>
+              <a:ext uri="{FF2B5EF4-FFF2-40B4-BE49-F238E27FC236}">
+                <a16:creationId xmlns:a16="http://schemas.microsoft.com/office/drawing/2014/main" id="{9DF8C9FD-51CA-5C46-95D8-1FA442B9D74B}"/>
+              </a:ext>
+            </a:extLst>
+          </p:cNvPr>
+          <p:cNvCxnSpPr>
+            <a:cxnSpLocks/>
+          </p:cNvCxnSpPr>
+          <p:nvPr/>
+        </p:nvCxnSpPr>
+        <p:spPr>
+          <a:xfrm flipV="1">
+            <a:off x="5185439" y="2115589"/>
+            <a:ext cx="508779" cy="768927"/>
+          </a:xfrm>
+          <a:prstGeom prst="straightConnector1">
+            <a:avLst/>
+          </a:prstGeom>
+          <a:ln w="38100">
+            <a:solidFill>
+              <a:srgbClr val="C00000"/>
+            </a:solidFill>
+            <a:tailEnd type="triangle"/>
+          </a:ln>
+        </p:spPr>
+        <p:style>
+          <a:lnRef idx="2">
+            <a:schemeClr val="accent1"/>
+          </a:lnRef>
+          <a:fillRef idx="0">
+            <a:schemeClr val="accent1"/>
+          </a:fillRef>
+          <a:effectRef idx="1">
+            <a:schemeClr val="accent1"/>
+          </a:effectRef>
+          <a:fontRef idx="minor">
+            <a:schemeClr val="tx1"/>
+          </a:fontRef>
+        </p:style>
+      </p:cxnSp>
     </p:spTree>
   </p:cSld>
   <p:clrMapOvr>
@@ -28728,7 +29635,7 @@
                                 </p:cTn>
                               </p:par>
                               <p:par>
-                                <p:cTn id="21" presetID="1" presetClass="entr" presetSubtype="0" fill="hold" nodeType="withEffect">
+                                <p:cTn id="21" presetID="1" presetClass="entr" presetSubtype="0" fill="hold" grpId="0" nodeType="withEffect">
                                   <p:stCondLst>
                                     <p:cond delay="0"/>
                                   </p:stCondLst>
@@ -28741,7 +29648,7 @@
                                           </p:stCondLst>
                                         </p:cTn>
                                         <p:tgtEl>
-                                          <p:spTgt spid="4"/>
+                                          <p:spTgt spid="5"/>
                                         </p:tgtEl>
                                         <p:attrNameLst>
                                           <p:attrName>style.visibility</p:attrName>
@@ -28768,7 +29675,7 @@
                                           </p:stCondLst>
                                         </p:cTn>
                                         <p:tgtEl>
-                                          <p:spTgt spid="5"/>
+                                          <p:spTgt spid="9"/>
                                         </p:tgtEl>
                                         <p:attrNameLst>
                                           <p:attrName>style.visibility</p:attrName>
@@ -28782,7 +29689,7 @@
                                 </p:cTn>
                               </p:par>
                               <p:par>
-                                <p:cTn id="25" presetID="1" presetClass="entr" presetSubtype="0" fill="hold" grpId="0" nodeType="withEffect">
+                                <p:cTn id="25" presetID="1" presetClass="entr" presetSubtype="0" fill="hold" nodeType="withEffect">
                                   <p:stCondLst>
                                     <p:cond delay="0"/>
                                   </p:stCondLst>
@@ -28795,7 +29702,61 @@
                                           </p:stCondLst>
                                         </p:cTn>
                                         <p:tgtEl>
-                                          <p:spTgt spid="9"/>
+                                          <p:spTgt spid="4"/>
+                                        </p:tgtEl>
+                                        <p:attrNameLst>
+                                          <p:attrName>style.visibility</p:attrName>
+                                        </p:attrNameLst>
+                                      </p:cBhvr>
+                                      <p:to>
+                                        <p:strVal val="visible"/>
+                                      </p:to>
+                                    </p:set>
+                                  </p:childTnLst>
+                                </p:cTn>
+                              </p:par>
+                              <p:par>
+                                <p:cTn id="27" presetID="1" presetClass="entr" presetSubtype="0" fill="hold" nodeType="withEffect">
+                                  <p:stCondLst>
+                                    <p:cond delay="0"/>
+                                  </p:stCondLst>
+                                  <p:childTnLst>
+                                    <p:set>
+                                      <p:cBhvr>
+                                        <p:cTn id="28" dur="1" fill="hold">
+                                          <p:stCondLst>
+                                            <p:cond delay="0"/>
+                                          </p:stCondLst>
+                                        </p:cTn>
+                                        <p:tgtEl>
+                                          <p:spTgt spid="10"/>
+                                        </p:tgtEl>
+                                        <p:attrNameLst>
+                                          <p:attrName>style.visibility</p:attrName>
+                                        </p:attrNameLst>
+                                      </p:cBhvr>
+                                      <p:to>
+                                        <p:strVal val="visible"/>
+                                      </p:to>
+                                    </p:set>
+                                  </p:childTnLst>
+                                </p:cTn>
+                              </p:par>
+                              <p:par>
+                                <p:cTn id="29" presetID="1" presetClass="entr" presetSubtype="0" fill="hold" nodeType="withEffect">
+                                  <p:stCondLst>
+                                    <p:cond delay="0"/>
+                                  </p:stCondLst>
+                                  <p:childTnLst>
+                                    <p:set>
+                                      <p:cBhvr>
+                                        <p:cTn id="30" dur="1" fill="hold">
+                                          <p:stCondLst>
+                                            <p:cond delay="0"/>
+                                          </p:stCondLst>
+                                        </p:cTn>
+                                        <p:tgtEl>
+                                          <p:spTgt spid="6"/>
                                         </p:tgtEl>
                                         <p:attrNameLst>
                                           <p:attrName>style.visibility</p:attrName>
@@ -28843,71 +29804,7 @@
 </p:sld>
 </file>
 
-<file path=ppt/slides/slide5.xml><?xml version="1.0" encoding="utf-8"?>
-<p:sld xmlns:a="http://schemas.openxmlformats.org/drawingml/2006/main" xmlns:r="http://schemas.openxmlformats.org/officeDocument/2006/relationships" xmlns:p="http://schemas.openxmlformats.org/presentationml/2006/main">
-  <p:cSld>
-    <p:spTree>
-      <p:nvGrpSpPr>
-        <p:cNvPr id="1" name=""/>
-        <p:cNvGrpSpPr/>
-        <p:nvPr/>
-      </p:nvGrpSpPr>
-      <p:grpSpPr>
-        <a:xfrm>
-          <a:off x="0" y="0"/>
-          <a:ext cx="0" cy="0"/>
-          <a:chOff x="0" y="0"/>
-          <a:chExt cx="0" cy="0"/>
-        </a:xfrm>
-      </p:grpSpPr>
-      <p:sp>
-        <p:nvSpPr>
-          <p:cNvPr id="2" name="Title 1">
-            <a:extLst>
-              <a:ext uri="{FF2B5EF4-FFF2-40B4-BE49-F238E27FC236}">
-                <a16:creationId xmlns:a16="http://schemas.microsoft.com/office/drawing/2014/main" id="{5498C255-8488-A6BF-D8CF-6C0F8BDB00EA}"/>
-              </a:ext>
-            </a:extLst>
-          </p:cNvPr>
-          <p:cNvSpPr>
-            <a:spLocks noGrp="1"/>
-          </p:cNvSpPr>
-          <p:nvPr>
-            <p:ph type="title"/>
-          </p:nvPr>
-        </p:nvSpPr>
-        <p:spPr>
-          <a:xfrm>
-            <a:off x="771081" y="1850264"/>
-            <a:ext cx="7772400" cy="1021556"/>
-          </a:xfrm>
-        </p:spPr>
-        <p:txBody>
-          <a:bodyPr/>
-          <a:lstStyle/>
-          <a:p>
-            <a:pPr algn="ctr"/>
-            <a:r>
-              <a:rPr lang="en-US" b="0" cap="none" dirty="0"/>
-              <a:t>Models for Zero-Inflated Response</a:t>
-            </a:r>
-          </a:p>
-        </p:txBody>
-      </p:sp>
-    </p:spTree>
-    <p:extLst>
-      <p:ext uri="{BB962C8B-B14F-4D97-AF65-F5344CB8AC3E}">
-        <p14:creationId xmlns:p14="http://schemas.microsoft.com/office/powerpoint/2010/main" val="3761794938"/>
-      </p:ext>
-    </p:extLst>
-  </p:cSld>
-  <p:clrMapOvr>
-    <a:masterClrMapping/>
-  </p:clrMapOvr>
-</p:sld>
-</file>
-
-<file path=ppt/slides/slide50.xml><?xml version="1.0" encoding="utf-8"?>
+<file path=ppt/slides/slide51.xml><?xml version="1.0" encoding="utf-8"?>
 <p:sld xmlns:a="http://schemas.openxmlformats.org/drawingml/2006/main" xmlns:r="http://schemas.openxmlformats.org/officeDocument/2006/relationships" xmlns:p="http://schemas.openxmlformats.org/presentationml/2006/main">
   <p:cSld>
     <p:spTree>
@@ -29260,7 +30157,7 @@
 </p:sld>
 </file>
 
-<file path=ppt/slides/slide51.xml><?xml version="1.0" encoding="utf-8"?>
+<file path=ppt/slides/slide52.xml><?xml version="1.0" encoding="utf-8"?>
 <p:sld xmlns:a="http://schemas.openxmlformats.org/drawingml/2006/main" xmlns:r="http://schemas.openxmlformats.org/officeDocument/2006/relationships" xmlns:p="http://schemas.openxmlformats.org/presentationml/2006/main">
   <p:cSld>
     <p:spTree>
@@ -29816,7 +30713,7 @@
 </p:sld>
 </file>
 
-<file path=ppt/slides/slide52.xml><?xml version="1.0" encoding="utf-8"?>
+<file path=ppt/slides/slide53.xml><?xml version="1.0" encoding="utf-8"?>
 <p:sld xmlns:a="http://schemas.openxmlformats.org/drawingml/2006/main" xmlns:r="http://schemas.openxmlformats.org/officeDocument/2006/relationships" xmlns:p="http://schemas.openxmlformats.org/presentationml/2006/main">
   <p:cSld>
     <p:spTree>
@@ -30430,7 +31327,7 @@
 </p:sld>
 </file>
 
-<file path=ppt/slides/slide53.xml><?xml version="1.0" encoding="utf-8"?>
+<file path=ppt/slides/slide54.xml><?xml version="1.0" encoding="utf-8"?>
 <p:sld xmlns:a="http://schemas.openxmlformats.org/drawingml/2006/main" xmlns:r="http://schemas.openxmlformats.org/officeDocument/2006/relationships" xmlns:p="http://schemas.openxmlformats.org/presentationml/2006/main">
   <p:cSld>
     <p:spTree>
@@ -31135,7 +32032,7 @@
 </p:sld>
 </file>
 
-<file path=ppt/slides/slide54.xml><?xml version="1.0" encoding="utf-8"?>
+<file path=ppt/slides/slide55.xml><?xml version="1.0" encoding="utf-8"?>
 <p:sld xmlns:a="http://schemas.openxmlformats.org/drawingml/2006/main" xmlns:r="http://schemas.openxmlformats.org/officeDocument/2006/relationships" xmlns:p="http://schemas.openxmlformats.org/presentationml/2006/main">
   <p:cSld>
     <p:spTree>
@@ -31289,13 +32186,8 @@
             </a:r>
             <a:r>
               <a:rPr lang="en-US" dirty="0"/>
-              <a:t>on the </a:t>
-            </a:r>
-            <a:r>
-              <a:rPr lang="en-US"/>
-              <a:t>response </a:t>
-            </a:r>
-            <a:endParaRPr lang="en-US" dirty="0"/>
+              <a:t>on the response </a:t>
+            </a:r>
           </a:p>
         </p:txBody>
       </p:sp>
@@ -32228,11 +33120,7 @@
                                           </p:stCondLst>
                                         </p:cTn>
                                         <p:tgtEl>
-                                          <p:spTgt spid="3">
-                                            <p:txEl>
-                                              <p:pRg st="2" end="2"/>
-                                            </p:txEl>
-                                          </p:spTgt>
+                                          <p:spTgt spid="7"/>
                                         </p:tgtEl>
                                         <p:attrNameLst>
                                           <p:attrName>style.visibility</p:attrName>
@@ -32277,7 +33165,11 @@
                                           </p:stCondLst>
                                         </p:cTn>
                                         <p:tgtEl>
-                                          <p:spTgt spid="7"/>
+                                          <p:spTgt spid="3">
+                                            <p:txEl>
+                                              <p:pRg st="2" end="2"/>
+                                            </p:txEl>
+                                          </p:spTgt>
                                         </p:tgtEl>
                                         <p:attrNameLst>
                                           <p:attrName>style.visibility</p:attrName>
@@ -32782,8 +33674,8 @@
           </a:p>
         </p:txBody>
       </p:sp>
-      <mc:AlternateContent xmlns:mc="http://schemas.openxmlformats.org/markup-compatibility/2006" xmlns:a14="http://schemas.microsoft.com/office/drawing/2010/main">
-        <mc:Choice Requires="a14">
+      <mc:AlternateContent xmlns:mc="http://schemas.openxmlformats.org/markup-compatibility/2006">
+        <mc:Choice xmlns:a14="http://schemas.microsoft.com/office/drawing/2010/main" Requires="a14">
           <p:sp>
             <p:nvSpPr>
               <p:cNvPr id="3" name="Content Placeholder 2">
@@ -32802,13 +33694,13 @@
             </p:nvSpPr>
             <p:spPr>
               <a:xfrm>
-                <a:off x="457200" y="1200151"/>
+                <a:off x="369916" y="1200151"/>
                 <a:ext cx="8229600" cy="3621976"/>
               </a:xfrm>
             </p:spPr>
             <p:txBody>
               <a:bodyPr>
-                <a:normAutofit lnSpcReduction="10000"/>
+                <a:normAutofit fontScale="92500" lnSpcReduction="10000"/>
               </a:bodyPr>
               <a:lstStyle/>
               <a:p>
@@ -33007,375 +33899,385 @@
                 <a:endParaRPr lang="en-US" dirty="0"/>
               </a:p>
               <a:p>
+                <a:pPr marL="0" indent="0">
+                  <a:buNone/>
+                </a:pPr>
+                <a14:m>
+                  <m:oMathPara xmlns:m="http://schemas.openxmlformats.org/officeDocument/2006/math">
+                    <m:oMathParaPr>
+                      <m:jc m:val="centerGroup"/>
+                    </m:oMathParaPr>
+                    <m:oMath xmlns:m="http://schemas.openxmlformats.org/officeDocument/2006/math">
+                      <m:m>
+                        <m:mPr>
+                          <m:mcs>
+                            <m:mc>
+                              <m:mcPr>
+                                <m:count m:val="1"/>
+                                <m:mcJc m:val="center"/>
+                              </m:mcPr>
+                            </m:mc>
+                          </m:mcs>
+                          <m:ctrlPr>
+                            <a:rPr lang="en-US" i="1">
+                              <a:latin typeface="Cambria Math" panose="02040503050406030204" pitchFamily="18" charset="0"/>
+                            </a:rPr>
+                          </m:ctrlPr>
+                        </m:mPr>
+                        <m:mr>
+                          <m:e>
+                            <m:r>
+                              <m:rPr>
+                                <m:brk m:alnAt="7"/>
+                              </m:rPr>
+                              <a:rPr lang="en-US" i="1">
+                                <a:latin typeface="Cambria Math" panose="02040503050406030204" pitchFamily="18" charset="0"/>
+                              </a:rPr>
+                              <m:t>𝑃</m:t>
+                            </m:r>
+                            <m:d>
+                              <m:dPr>
+                                <m:ctrlPr>
+                                  <a:rPr lang="en-US" i="1">
+                                    <a:latin typeface="Cambria Math" panose="02040503050406030204" pitchFamily="18" charset="0"/>
+                                  </a:rPr>
+                                </m:ctrlPr>
+                              </m:dPr>
+                              <m:e>
+                                <m:r>
+                                  <a:rPr lang="en-US" i="1">
+                                    <a:latin typeface="Cambria Math" panose="02040503050406030204" pitchFamily="18" charset="0"/>
+                                  </a:rPr>
+                                  <m:t>𝑌</m:t>
+                                </m:r>
+                                <m:r>
+                                  <a:rPr lang="en-US" i="1">
+                                    <a:latin typeface="Cambria Math" panose="02040503050406030204" pitchFamily="18" charset="0"/>
+                                  </a:rPr>
+                                  <m:t>=</m:t>
+                                </m:r>
+                                <m:r>
+                                  <a:rPr lang="en-US" i="1">
+                                    <a:latin typeface="Cambria Math" panose="02040503050406030204" pitchFamily="18" charset="0"/>
+                                  </a:rPr>
+                                  <m:t>0</m:t>
+                                </m:r>
+                              </m:e>
+                            </m:d>
+                            <m:r>
+                              <m:rPr>
+                                <m:brk m:alnAt="7"/>
+                              </m:rPr>
+                              <a:rPr lang="en-US" i="1">
+                                <a:latin typeface="Cambria Math" panose="02040503050406030204" pitchFamily="18" charset="0"/>
+                              </a:rPr>
+                              <m:t>=</m:t>
+                            </m:r>
+                            <m:r>
+                              <a:rPr lang="en-US" i="1">
+                                <a:latin typeface="Cambria Math" panose="02040503050406030204" pitchFamily="18" charset="0"/>
+                                <a:ea typeface="Cambria Math" panose="02040503050406030204" pitchFamily="18" charset="0"/>
+                              </a:rPr>
+                              <m:t>𝜋</m:t>
+                            </m:r>
+                            <m:r>
+                              <a:rPr lang="en-US" b="0" i="1" smtClean="0">
+                                <a:latin typeface="Cambria Math" panose="02040503050406030204" pitchFamily="18" charset="0"/>
+                                <a:ea typeface="Cambria Math" panose="02040503050406030204" pitchFamily="18" charset="0"/>
+                              </a:rPr>
+                              <m:t>+</m:t>
+                            </m:r>
+                            <m:d>
+                              <m:dPr>
+                                <m:ctrlPr>
+                                  <a:rPr lang="en-US" i="1">
+                                    <a:latin typeface="Cambria Math" panose="02040503050406030204" pitchFamily="18" charset="0"/>
+                                    <a:ea typeface="Cambria Math" panose="02040503050406030204" pitchFamily="18" charset="0"/>
+                                  </a:rPr>
+                                </m:ctrlPr>
+                              </m:dPr>
+                              <m:e>
+                                <m:r>
+                                  <a:rPr lang="en-US" i="1">
+                                    <a:latin typeface="Cambria Math" panose="02040503050406030204" pitchFamily="18" charset="0"/>
+                                    <a:ea typeface="Cambria Math" panose="02040503050406030204" pitchFamily="18" charset="0"/>
+                                  </a:rPr>
+                                  <m:t>1</m:t>
+                                </m:r>
+                                <m:r>
+                                  <a:rPr lang="en-US" i="1">
+                                    <a:latin typeface="Cambria Math" panose="02040503050406030204" pitchFamily="18" charset="0"/>
+                                    <a:ea typeface="Cambria Math" panose="02040503050406030204" pitchFamily="18" charset="0"/>
+                                  </a:rPr>
+                                  <m:t>−</m:t>
+                                </m:r>
+                                <m:r>
+                                  <a:rPr lang="en-US" i="1">
+                                    <a:latin typeface="Cambria Math" panose="02040503050406030204" pitchFamily="18" charset="0"/>
+                                    <a:ea typeface="Cambria Math" panose="02040503050406030204" pitchFamily="18" charset="0"/>
+                                  </a:rPr>
+                                  <m:t>𝜋</m:t>
+                                </m:r>
+                              </m:e>
+                            </m:d>
+                            <m:sSub>
+                              <m:sSubPr>
+                                <m:ctrlPr>
+                                  <a:rPr lang="en-US" i="1">
+                                    <a:latin typeface="Cambria Math" panose="02040503050406030204" pitchFamily="18" charset="0"/>
+                                  </a:rPr>
+                                </m:ctrlPr>
+                              </m:sSubPr>
+                              <m:e>
+                                <m:r>
+                                  <a:rPr lang="en-US" i="1">
+                                    <a:latin typeface="Cambria Math" panose="02040503050406030204" pitchFamily="18" charset="0"/>
+                                  </a:rPr>
+                                  <m:t> </m:t>
+                                </m:r>
+                                <m:r>
+                                  <a:rPr lang="en-US" i="1">
+                                    <a:latin typeface="Cambria Math" panose="02040503050406030204" pitchFamily="18" charset="0"/>
+                                  </a:rPr>
+                                  <m:t>𝑃</m:t>
+                                </m:r>
+                              </m:e>
+                              <m:sub>
+                                <m:r>
+                                  <a:rPr lang="en-US" i="1">
+                                    <a:latin typeface="Cambria Math" panose="02040503050406030204" pitchFamily="18" charset="0"/>
+                                  </a:rPr>
+                                  <m:t>0</m:t>
+                                </m:r>
+                              </m:sub>
+                            </m:sSub>
+                            <m:d>
+                              <m:dPr>
+                                <m:ctrlPr>
+                                  <a:rPr lang="en-US" i="1">
+                                    <a:latin typeface="Cambria Math" panose="02040503050406030204" pitchFamily="18" charset="0"/>
+                                  </a:rPr>
+                                </m:ctrlPr>
+                              </m:dPr>
+                              <m:e>
+                                <m:r>
+                                  <a:rPr lang="en-US" b="0" i="1" smtClean="0">
+                                    <a:latin typeface="Cambria Math" panose="02040503050406030204" pitchFamily="18" charset="0"/>
+                                  </a:rPr>
+                                  <m:t>0</m:t>
+                                </m:r>
+                                <m:r>
+                                  <a:rPr lang="en-US" b="0" i="1" smtClean="0">
+                                    <a:latin typeface="Cambria Math" panose="02040503050406030204" pitchFamily="18" charset="0"/>
+                                  </a:rPr>
+                                  <m:t> | </m:t>
+                                </m:r>
+                                <m:r>
+                                  <a:rPr lang="en-US" i="1">
+                                    <a:latin typeface="Cambria Math" panose="02040503050406030204" pitchFamily="18" charset="0"/>
+                                    <a:ea typeface="Cambria Math" panose="02040503050406030204" pitchFamily="18" charset="0"/>
+                                  </a:rPr>
+                                  <m:t>𝜃</m:t>
+                                </m:r>
+                              </m:e>
+                            </m:d>
+                          </m:e>
+                        </m:mr>
+                        <m:mr>
+                          <m:e>
+                            <m:r>
+                              <m:rPr>
+                                <m:brk m:alnAt="7"/>
+                              </m:rPr>
+                              <a:rPr lang="en-US" i="1">
+                                <a:latin typeface="Cambria Math" panose="02040503050406030204" pitchFamily="18" charset="0"/>
+                              </a:rPr>
+                              <m:t>𝑃</m:t>
+                            </m:r>
+                            <m:d>
+                              <m:dPr>
+                                <m:ctrlPr>
+                                  <a:rPr lang="en-US" i="1">
+                                    <a:latin typeface="Cambria Math" panose="02040503050406030204" pitchFamily="18" charset="0"/>
+                                  </a:rPr>
+                                </m:ctrlPr>
+                              </m:dPr>
+                              <m:e>
+                                <m:r>
+                                  <a:rPr lang="en-US" i="1">
+                                    <a:latin typeface="Cambria Math" panose="02040503050406030204" pitchFamily="18" charset="0"/>
+                                  </a:rPr>
+                                  <m:t>𝑌</m:t>
+                                </m:r>
+                                <m:r>
+                                  <a:rPr lang="en-US" i="1">
+                                    <a:latin typeface="Cambria Math" panose="02040503050406030204" pitchFamily="18" charset="0"/>
+                                  </a:rPr>
+                                  <m:t>=</m:t>
+                                </m:r>
+                                <m:sSub>
+                                  <m:sSubPr>
+                                    <m:ctrlPr>
+                                      <a:rPr lang="en-US" i="1">
+                                        <a:latin typeface="Cambria Math" panose="02040503050406030204" pitchFamily="18" charset="0"/>
+                                      </a:rPr>
+                                    </m:ctrlPr>
+                                  </m:sSubPr>
+                                  <m:e>
+                                    <m:r>
+                                      <a:rPr lang="en-US" i="1">
+                                        <a:latin typeface="Cambria Math" panose="02040503050406030204" pitchFamily="18" charset="0"/>
+                                      </a:rPr>
+                                      <m:t>𝑦</m:t>
+                                    </m:r>
+                                  </m:e>
+                                  <m:sub>
+                                    <m:r>
+                                      <a:rPr lang="en-US" i="1">
+                                        <a:latin typeface="Cambria Math" panose="02040503050406030204" pitchFamily="18" charset="0"/>
+                                      </a:rPr>
+                                      <m:t>𝑖</m:t>
+                                    </m:r>
+                                  </m:sub>
+                                </m:sSub>
+                              </m:e>
+                            </m:d>
+                            <m:r>
+                              <m:rPr>
+                                <m:brk m:alnAt="7"/>
+                              </m:rPr>
+                              <a:rPr lang="en-US" i="1">
+                                <a:latin typeface="Cambria Math" panose="02040503050406030204" pitchFamily="18" charset="0"/>
+                              </a:rPr>
+                              <m:t>=</m:t>
+                            </m:r>
+                            <m:d>
+                              <m:dPr>
+                                <m:ctrlPr>
+                                  <a:rPr lang="en-US" i="1">
+                                    <a:latin typeface="Cambria Math" panose="02040503050406030204" pitchFamily="18" charset="0"/>
+                                    <a:ea typeface="Cambria Math" panose="02040503050406030204" pitchFamily="18" charset="0"/>
+                                  </a:rPr>
+                                </m:ctrlPr>
+                              </m:dPr>
+                              <m:e>
+                                <m:r>
+                                  <a:rPr lang="en-US" i="1">
+                                    <a:latin typeface="Cambria Math" panose="02040503050406030204" pitchFamily="18" charset="0"/>
+                                    <a:ea typeface="Cambria Math" panose="02040503050406030204" pitchFamily="18" charset="0"/>
+                                  </a:rPr>
+                                  <m:t>1</m:t>
+                                </m:r>
+                                <m:r>
+                                  <a:rPr lang="en-US" i="1">
+                                    <a:latin typeface="Cambria Math" panose="02040503050406030204" pitchFamily="18" charset="0"/>
+                                    <a:ea typeface="Cambria Math" panose="02040503050406030204" pitchFamily="18" charset="0"/>
+                                  </a:rPr>
+                                  <m:t>−</m:t>
+                                </m:r>
+                                <m:r>
+                                  <a:rPr lang="en-US" i="1">
+                                    <a:latin typeface="Cambria Math" panose="02040503050406030204" pitchFamily="18" charset="0"/>
+                                    <a:ea typeface="Cambria Math" panose="02040503050406030204" pitchFamily="18" charset="0"/>
+                                  </a:rPr>
+                                  <m:t>𝜋</m:t>
+                                </m:r>
+                              </m:e>
+                            </m:d>
+                            <m:sSub>
+                              <m:sSubPr>
+                                <m:ctrlPr>
+                                  <a:rPr lang="en-US" i="1">
+                                    <a:latin typeface="Cambria Math" panose="02040503050406030204" pitchFamily="18" charset="0"/>
+                                  </a:rPr>
+                                </m:ctrlPr>
+                              </m:sSubPr>
+                              <m:e>
+                                <m:r>
+                                  <a:rPr lang="en-US" i="1">
+                                    <a:latin typeface="Cambria Math" panose="02040503050406030204" pitchFamily="18" charset="0"/>
+                                  </a:rPr>
+                                  <m:t> </m:t>
+                                </m:r>
+                                <m:r>
+                                  <a:rPr lang="en-US" i="1">
+                                    <a:latin typeface="Cambria Math" panose="02040503050406030204" pitchFamily="18" charset="0"/>
+                                  </a:rPr>
+                                  <m:t>𝑃</m:t>
+                                </m:r>
+                              </m:e>
+                              <m:sub>
+                                <m:r>
+                                  <a:rPr lang="en-US" i="1">
+                                    <a:latin typeface="Cambria Math" panose="02040503050406030204" pitchFamily="18" charset="0"/>
+                                  </a:rPr>
+                                  <m:t>0</m:t>
+                                </m:r>
+                              </m:sub>
+                            </m:sSub>
+                            <m:d>
+                              <m:dPr>
+                                <m:ctrlPr>
+                                  <a:rPr lang="en-US" i="1">
+                                    <a:latin typeface="Cambria Math" panose="02040503050406030204" pitchFamily="18" charset="0"/>
+                                  </a:rPr>
+                                </m:ctrlPr>
+                              </m:dPr>
+                              <m:e>
+                                <m:sSub>
+                                  <m:sSubPr>
+                                    <m:ctrlPr>
+                                      <a:rPr lang="en-US" i="1">
+                                        <a:latin typeface="Cambria Math" panose="02040503050406030204" pitchFamily="18" charset="0"/>
+                                      </a:rPr>
+                                    </m:ctrlPr>
+                                  </m:sSubPr>
+                                  <m:e>
+                                    <m:r>
+                                      <a:rPr lang="en-US" i="1">
+                                        <a:latin typeface="Cambria Math" panose="02040503050406030204" pitchFamily="18" charset="0"/>
+                                      </a:rPr>
+                                      <m:t>𝑦</m:t>
+                                    </m:r>
+                                  </m:e>
+                                  <m:sub>
+                                    <m:r>
+                                      <a:rPr lang="en-US" i="1">
+                                        <a:latin typeface="Cambria Math" panose="02040503050406030204" pitchFamily="18" charset="0"/>
+                                      </a:rPr>
+                                      <m:t>𝑖</m:t>
+                                    </m:r>
+                                  </m:sub>
+                                </m:sSub>
+                                <m:r>
+                                  <a:rPr lang="en-US" i="1">
+                                    <a:latin typeface="Cambria Math" panose="02040503050406030204" pitchFamily="18" charset="0"/>
+                                  </a:rPr>
+                                  <m:t> | </m:t>
+                                </m:r>
+                                <m:r>
+                                  <a:rPr lang="en-US" i="1">
+                                    <a:latin typeface="Cambria Math" panose="02040503050406030204" pitchFamily="18" charset="0"/>
+                                    <a:ea typeface="Cambria Math" panose="02040503050406030204" pitchFamily="18" charset="0"/>
+                                  </a:rPr>
+                                  <m:t>𝜃</m:t>
+                                </m:r>
+                              </m:e>
+                            </m:d>
+                          </m:e>
+                        </m:mr>
+                      </m:m>
+                    </m:oMath>
+                  </m:oMathPara>
+                </a14:m>
+                <a:endParaRPr lang="en-US" dirty="0"/>
+              </a:p>
+              <a:p>
                 <a:pPr lvl="1"/>
                 <a:r>
                   <a:rPr lang="en-US" dirty="0"/>
-                  <a:t>Switching probability adds an addition degree of freedom </a:t>
+                  <a:t>Switching probability adds an addition degree of freedom</a:t>
                 </a:r>
-                <a14:m>
-                  <m:oMath xmlns:m="http://schemas.openxmlformats.org/officeDocument/2006/math">
-                    <m:m>
-                      <m:mPr>
-                        <m:mcs>
-                          <m:mc>
-                            <m:mcPr>
-                              <m:count m:val="1"/>
-                              <m:mcJc m:val="center"/>
-                            </m:mcPr>
-                          </m:mc>
-                        </m:mcs>
-                        <m:ctrlPr>
-                          <a:rPr lang="en-US" i="1" smtClean="0">
-                            <a:latin typeface="Cambria Math" panose="02040503050406030204" pitchFamily="18" charset="0"/>
-                          </a:rPr>
-                        </m:ctrlPr>
-                      </m:mPr>
-                      <m:mr>
-                        <m:e>
-                          <m:r>
-                            <m:rPr>
-                              <m:brk m:alnAt="7"/>
-                            </m:rPr>
-                            <a:rPr lang="en-US" b="0" i="1" smtClean="0">
-                              <a:latin typeface="Cambria Math" panose="02040503050406030204" pitchFamily="18" charset="0"/>
-                            </a:rPr>
-                            <m:t>𝑃</m:t>
-                          </m:r>
-                          <m:d>
-                            <m:dPr>
-                              <m:ctrlPr>
-                                <a:rPr lang="en-US" b="0" i="1" smtClean="0">
-                                  <a:latin typeface="Cambria Math" panose="02040503050406030204" pitchFamily="18" charset="0"/>
-                                </a:rPr>
-                              </m:ctrlPr>
-                            </m:dPr>
-                            <m:e>
-                              <m:r>
-                                <a:rPr lang="en-US" b="0" i="1" smtClean="0">
-                                  <a:latin typeface="Cambria Math" panose="02040503050406030204" pitchFamily="18" charset="0"/>
-                                </a:rPr>
-                                <m:t>𝑌</m:t>
-                              </m:r>
-                              <m:r>
-                                <a:rPr lang="en-US" b="0" i="1" smtClean="0">
-                                  <a:latin typeface="Cambria Math" panose="02040503050406030204" pitchFamily="18" charset="0"/>
-                                </a:rPr>
-                                <m:t>=</m:t>
-                              </m:r>
-                              <m:r>
-                                <a:rPr lang="en-US" b="0" i="1" smtClean="0">
-                                  <a:latin typeface="Cambria Math" panose="02040503050406030204" pitchFamily="18" charset="0"/>
-                                </a:rPr>
-                                <m:t>0</m:t>
-                              </m:r>
-                            </m:e>
-                          </m:d>
-                          <m:r>
-                            <m:rPr>
-                              <m:brk m:alnAt="7"/>
-                            </m:rPr>
-                            <a:rPr lang="en-US" b="0" i="1" smtClean="0">
-                              <a:latin typeface="Cambria Math" panose="02040503050406030204" pitchFamily="18" charset="0"/>
-                            </a:rPr>
-                            <m:t>=</m:t>
-                          </m:r>
-                          <m:r>
-                            <a:rPr lang="en-US" b="0" i="1" smtClean="0">
-                              <a:latin typeface="Cambria Math" panose="02040503050406030204" pitchFamily="18" charset="0"/>
-                              <a:ea typeface="Cambria Math" panose="02040503050406030204" pitchFamily="18" charset="0"/>
-                            </a:rPr>
-                            <m:t>𝜋</m:t>
-                          </m:r>
-                          <m:r>
-                            <a:rPr lang="en-US" b="0" i="1" smtClean="0">
-                              <a:latin typeface="Cambria Math" panose="02040503050406030204" pitchFamily="18" charset="0"/>
-                              <a:ea typeface="Cambria Math" panose="02040503050406030204" pitchFamily="18" charset="0"/>
-                            </a:rPr>
-                            <m:t>+</m:t>
-                          </m:r>
-                          <m:d>
-                            <m:dPr>
-                              <m:ctrlPr>
-                                <a:rPr lang="en-US" b="0" i="1" smtClean="0">
-                                  <a:latin typeface="Cambria Math" panose="02040503050406030204" pitchFamily="18" charset="0"/>
-                                  <a:ea typeface="Cambria Math" panose="02040503050406030204" pitchFamily="18" charset="0"/>
-                                </a:rPr>
-                              </m:ctrlPr>
-                            </m:dPr>
-                            <m:e>
-                              <m:r>
-                                <a:rPr lang="en-US" b="0" i="1" smtClean="0">
-                                  <a:latin typeface="Cambria Math" panose="02040503050406030204" pitchFamily="18" charset="0"/>
-                                  <a:ea typeface="Cambria Math" panose="02040503050406030204" pitchFamily="18" charset="0"/>
-                                </a:rPr>
-                                <m:t>1</m:t>
-                              </m:r>
-                              <m:r>
-                                <a:rPr lang="en-US" b="0" i="1" smtClean="0">
-                                  <a:latin typeface="Cambria Math" panose="02040503050406030204" pitchFamily="18" charset="0"/>
-                                  <a:ea typeface="Cambria Math" panose="02040503050406030204" pitchFamily="18" charset="0"/>
-                                </a:rPr>
-                                <m:t>−</m:t>
-                              </m:r>
-                              <m:r>
-                                <a:rPr lang="en-US" b="0" i="1" smtClean="0">
-                                  <a:latin typeface="Cambria Math" panose="02040503050406030204" pitchFamily="18" charset="0"/>
-                                  <a:ea typeface="Cambria Math" panose="02040503050406030204" pitchFamily="18" charset="0"/>
-                                </a:rPr>
-                                <m:t>𝜋</m:t>
-                              </m:r>
-                            </m:e>
-                          </m:d>
-                          <m:sSub>
-                            <m:sSubPr>
-                              <m:ctrlPr>
-                                <a:rPr lang="en-US" i="1">
-                                  <a:latin typeface="Cambria Math" panose="02040503050406030204" pitchFamily="18" charset="0"/>
-                                </a:rPr>
-                              </m:ctrlPr>
-                            </m:sSubPr>
-                            <m:e>
-                              <m:r>
-                                <a:rPr lang="en-US" b="0" i="1" smtClean="0">
-                                  <a:latin typeface="Cambria Math" panose="02040503050406030204" pitchFamily="18" charset="0"/>
-                                </a:rPr>
-                                <m:t> </m:t>
-                              </m:r>
-                              <m:r>
-                                <a:rPr lang="en-US" i="1">
-                                  <a:latin typeface="Cambria Math" panose="02040503050406030204" pitchFamily="18" charset="0"/>
-                                </a:rPr>
-                                <m:t>𝑃</m:t>
-                              </m:r>
-                            </m:e>
-                            <m:sub>
-                              <m:r>
-                                <a:rPr lang="en-US" i="1">
-                                  <a:latin typeface="Cambria Math" panose="02040503050406030204" pitchFamily="18" charset="0"/>
-                                </a:rPr>
-                                <m:t>0</m:t>
-                              </m:r>
-                            </m:sub>
-                          </m:sSub>
-                          <m:d>
-                            <m:dPr>
-                              <m:ctrlPr>
-                                <a:rPr lang="en-US" i="1">
-                                  <a:latin typeface="Cambria Math" panose="02040503050406030204" pitchFamily="18" charset="0"/>
-                                </a:rPr>
-                              </m:ctrlPr>
-                            </m:dPr>
-                            <m:e>
-                              <m:r>
-                                <a:rPr lang="en-US" b="0" i="1" smtClean="0">
-                                  <a:latin typeface="Cambria Math" panose="02040503050406030204" pitchFamily="18" charset="0"/>
-                                </a:rPr>
-                                <m:t>0</m:t>
-                              </m:r>
-                              <m:r>
-                                <a:rPr lang="en-US" b="0" i="1" smtClean="0">
-                                  <a:latin typeface="Cambria Math" panose="02040503050406030204" pitchFamily="18" charset="0"/>
-                                </a:rPr>
-                                <m:t> | </m:t>
-                              </m:r>
-                              <m:r>
-                                <a:rPr lang="en-US" i="1">
-                                  <a:latin typeface="Cambria Math" panose="02040503050406030204" pitchFamily="18" charset="0"/>
-                                  <a:ea typeface="Cambria Math" panose="02040503050406030204" pitchFamily="18" charset="0"/>
-                                </a:rPr>
-                                <m:t>𝜃</m:t>
-                              </m:r>
-                            </m:e>
-                          </m:d>
-                        </m:e>
-                      </m:mr>
-                      <m:mr>
-                        <m:e>
-                          <m:r>
-                            <m:rPr>
-                              <m:brk m:alnAt="7"/>
-                            </m:rPr>
-                            <a:rPr lang="en-US" i="1">
-                              <a:latin typeface="Cambria Math" panose="02040503050406030204" pitchFamily="18" charset="0"/>
-                            </a:rPr>
-                            <m:t>𝑃</m:t>
-                          </m:r>
-                          <m:d>
-                            <m:dPr>
-                              <m:ctrlPr>
-                                <a:rPr lang="en-US" i="1">
-                                  <a:latin typeface="Cambria Math" panose="02040503050406030204" pitchFamily="18" charset="0"/>
-                                </a:rPr>
-                              </m:ctrlPr>
-                            </m:dPr>
-                            <m:e>
-                              <m:r>
-                                <a:rPr lang="en-US" i="1">
-                                  <a:latin typeface="Cambria Math" panose="02040503050406030204" pitchFamily="18" charset="0"/>
-                                </a:rPr>
-                                <m:t>𝑌</m:t>
-                              </m:r>
-                              <m:r>
-                                <a:rPr lang="en-US" i="1">
-                                  <a:latin typeface="Cambria Math" panose="02040503050406030204" pitchFamily="18" charset="0"/>
-                                </a:rPr>
-                                <m:t>=</m:t>
-                              </m:r>
-                              <m:sSub>
-                                <m:sSubPr>
-                                  <m:ctrlPr>
-                                    <a:rPr lang="en-US" i="1" smtClean="0">
-                                      <a:latin typeface="Cambria Math" panose="02040503050406030204" pitchFamily="18" charset="0"/>
-                                    </a:rPr>
-                                  </m:ctrlPr>
-                                </m:sSubPr>
-                                <m:e>
-                                  <m:r>
-                                    <a:rPr lang="en-US" b="0" i="1" smtClean="0">
-                                      <a:latin typeface="Cambria Math" panose="02040503050406030204" pitchFamily="18" charset="0"/>
-                                    </a:rPr>
-                                    <m:t>𝑦</m:t>
-                                  </m:r>
-                                </m:e>
-                                <m:sub>
-                                  <m:r>
-                                    <a:rPr lang="en-US" b="0" i="1" smtClean="0">
-                                      <a:latin typeface="Cambria Math" panose="02040503050406030204" pitchFamily="18" charset="0"/>
-                                    </a:rPr>
-                                    <m:t>𝑖</m:t>
-                                  </m:r>
-                                </m:sub>
-                              </m:sSub>
-                            </m:e>
-                          </m:d>
-                          <m:r>
-                            <m:rPr>
-                              <m:brk m:alnAt="7"/>
-                            </m:rPr>
-                            <a:rPr lang="en-US" i="1">
-                              <a:latin typeface="Cambria Math" panose="02040503050406030204" pitchFamily="18" charset="0"/>
-                            </a:rPr>
-                            <m:t>=</m:t>
-                          </m:r>
-                          <m:d>
-                            <m:dPr>
-                              <m:ctrlPr>
-                                <a:rPr lang="en-US" i="1">
-                                  <a:latin typeface="Cambria Math" panose="02040503050406030204" pitchFamily="18" charset="0"/>
-                                  <a:ea typeface="Cambria Math" panose="02040503050406030204" pitchFamily="18" charset="0"/>
-                                </a:rPr>
-                              </m:ctrlPr>
-                            </m:dPr>
-                            <m:e>
-                              <m:r>
-                                <a:rPr lang="en-US" i="1">
-                                  <a:latin typeface="Cambria Math" panose="02040503050406030204" pitchFamily="18" charset="0"/>
-                                  <a:ea typeface="Cambria Math" panose="02040503050406030204" pitchFamily="18" charset="0"/>
-                                </a:rPr>
-                                <m:t>1</m:t>
-                              </m:r>
-                              <m:r>
-                                <a:rPr lang="en-US" i="1">
-                                  <a:latin typeface="Cambria Math" panose="02040503050406030204" pitchFamily="18" charset="0"/>
-                                  <a:ea typeface="Cambria Math" panose="02040503050406030204" pitchFamily="18" charset="0"/>
-                                </a:rPr>
-                                <m:t>−</m:t>
-                              </m:r>
-                              <m:r>
-                                <a:rPr lang="en-US" i="1">
-                                  <a:latin typeface="Cambria Math" panose="02040503050406030204" pitchFamily="18" charset="0"/>
-                                  <a:ea typeface="Cambria Math" panose="02040503050406030204" pitchFamily="18" charset="0"/>
-                                </a:rPr>
-                                <m:t>𝜋</m:t>
-                              </m:r>
-                            </m:e>
-                          </m:d>
-                          <m:sSub>
-                            <m:sSubPr>
-                              <m:ctrlPr>
-                                <a:rPr lang="en-US" i="1">
-                                  <a:latin typeface="Cambria Math" panose="02040503050406030204" pitchFamily="18" charset="0"/>
-                                </a:rPr>
-                              </m:ctrlPr>
-                            </m:sSubPr>
-                            <m:e>
-                              <m:r>
-                                <a:rPr lang="en-US" b="0" i="1" smtClean="0">
-                                  <a:latin typeface="Cambria Math" panose="02040503050406030204" pitchFamily="18" charset="0"/>
-                                </a:rPr>
-                                <m:t> </m:t>
-                              </m:r>
-                              <m:r>
-                                <a:rPr lang="en-US" i="1">
-                                  <a:latin typeface="Cambria Math" panose="02040503050406030204" pitchFamily="18" charset="0"/>
-                                </a:rPr>
-                                <m:t>𝑃</m:t>
-                              </m:r>
-                            </m:e>
-                            <m:sub>
-                              <m:r>
-                                <a:rPr lang="en-US" i="1">
-                                  <a:latin typeface="Cambria Math" panose="02040503050406030204" pitchFamily="18" charset="0"/>
-                                </a:rPr>
-                                <m:t>0</m:t>
-                              </m:r>
-                            </m:sub>
-                          </m:sSub>
-                          <m:d>
-                            <m:dPr>
-                              <m:ctrlPr>
-                                <a:rPr lang="en-US" i="1">
-                                  <a:latin typeface="Cambria Math" panose="02040503050406030204" pitchFamily="18" charset="0"/>
-                                </a:rPr>
-                              </m:ctrlPr>
-                            </m:dPr>
-                            <m:e>
-                              <m:sSub>
-                                <m:sSubPr>
-                                  <m:ctrlPr>
-                                    <a:rPr lang="en-US" i="1">
-                                      <a:latin typeface="Cambria Math" panose="02040503050406030204" pitchFamily="18" charset="0"/>
-                                    </a:rPr>
-                                  </m:ctrlPr>
-                                </m:sSubPr>
-                                <m:e>
-                                  <m:r>
-                                    <a:rPr lang="en-US" i="1">
-                                      <a:latin typeface="Cambria Math" panose="02040503050406030204" pitchFamily="18" charset="0"/>
-                                    </a:rPr>
-                                    <m:t>𝑦</m:t>
-                                  </m:r>
-                                </m:e>
-                                <m:sub>
-                                  <m:r>
-                                    <a:rPr lang="en-US" i="1">
-                                      <a:latin typeface="Cambria Math" panose="02040503050406030204" pitchFamily="18" charset="0"/>
-                                    </a:rPr>
-                                    <m:t>𝑖</m:t>
-                                  </m:r>
-                                </m:sub>
-                              </m:sSub>
-                              <m:r>
-                                <a:rPr lang="en-US" b="0" i="1" smtClean="0">
-                                  <a:latin typeface="Cambria Math" panose="02040503050406030204" pitchFamily="18" charset="0"/>
-                                </a:rPr>
-                                <m:t> | </m:t>
-                              </m:r>
-                              <m:r>
-                                <a:rPr lang="en-US" i="1">
-                                  <a:latin typeface="Cambria Math" panose="02040503050406030204" pitchFamily="18" charset="0"/>
-                                  <a:ea typeface="Cambria Math" panose="02040503050406030204" pitchFamily="18" charset="0"/>
-                                </a:rPr>
-                                <m:t>𝜃</m:t>
-                              </m:r>
-                            </m:e>
-                          </m:d>
-                        </m:e>
-                      </m:mr>
-                    </m:m>
-                  </m:oMath>
-                </a14:m>
-                <a:endParaRPr lang="en-US" dirty="0"/>
               </a:p>
               <a:p>
                 <a:pPr lvl="0"/>
@@ -33384,7 +34286,7 @@
             </p:txBody>
           </p:sp>
         </mc:Choice>
-        <mc:Fallback xmlns="">
+        <mc:Fallback>
           <p:sp>
             <p:nvSpPr>
               <p:cNvPr id="3" name="Content Placeholder 2">
@@ -33403,13 +34305,13 @@
             </p:nvSpPr>
             <p:spPr>
               <a:xfrm>
-                <a:off x="457200" y="1200151"/>
+                <a:off x="369916" y="1200151"/>
                 <a:ext cx="8229600" cy="3621976"/>
               </a:xfrm>
               <a:blipFill>
                 <a:blip r:embed="rId2"/>
                 <a:stretch>
-                  <a:fillRect l="-1111" t="-2357"/>
+                  <a:fillRect l="-963" t="-2189"/>
                 </a:stretch>
               </a:blipFill>
             </p:spPr>
@@ -33684,6 +34586,37 @@
                                           <p:spTgt spid="3">
                                             <p:txEl>
                                               <p:pRg st="5" end="5"/>
+                                            </p:txEl>
+                                          </p:spTgt>
+                                        </p:tgtEl>
+                                        <p:attrNameLst>
+                                          <p:attrName>style.visibility</p:attrName>
+                                        </p:attrNameLst>
+                                      </p:cBhvr>
+                                      <p:to>
+                                        <p:strVal val="visible"/>
+                                      </p:to>
+                                    </p:set>
+                                  </p:childTnLst>
+                                </p:cTn>
+                              </p:par>
+                              <p:par>
+                                <p:cTn id="23" presetID="1" presetClass="entr" presetSubtype="0" fill="hold" grpId="0" nodeType="withEffect">
+                                  <p:stCondLst>
+                                    <p:cond delay="0"/>
+                                  </p:stCondLst>
+                                  <p:childTnLst>
+                                    <p:set>
+                                      <p:cBhvr>
+                                        <p:cTn id="24" dur="1" fill="hold">
+                                          <p:stCondLst>
+                                            <p:cond delay="0"/>
+                                          </p:stCondLst>
+                                        </p:cTn>
+                                        <p:tgtEl>
+                                          <p:spTgt spid="3">
+                                            <p:txEl>
+                                              <p:pRg st="6" end="6"/>
                                             </p:txEl>
                                           </p:spTgt>
                                         </p:tgtEl>

--- a/LectureSlides/10b_ModelsFor OutliersAndOverdispersion.pptx
+++ b/LectureSlides/10b_ModelsFor OutliersAndOverdispersion.pptx
@@ -5,7 +5,7 @@
     <p:sldMasterId id="2147483648" r:id="rId1"/>
   </p:sldMasterIdLst>
   <p:notesMasterIdLst>
-    <p:notesMasterId r:id="rId57"/>
+    <p:notesMasterId r:id="rId58"/>
   </p:notesMasterIdLst>
   <p:sldIdLst>
     <p:sldId id="337" r:id="rId2"/>
@@ -34,35 +34,36 @@
     <p:sldId id="358" r:id="rId25"/>
     <p:sldId id="359" r:id="rId26"/>
     <p:sldId id="360" r:id="rId27"/>
-    <p:sldId id="361" r:id="rId28"/>
-    <p:sldId id="362" r:id="rId29"/>
-    <p:sldId id="351" r:id="rId30"/>
-    <p:sldId id="383" r:id="rId31"/>
-    <p:sldId id="375" r:id="rId32"/>
-    <p:sldId id="376" r:id="rId33"/>
-    <p:sldId id="380" r:id="rId34"/>
-    <p:sldId id="378" r:id="rId35"/>
-    <p:sldId id="379" r:id="rId36"/>
-    <p:sldId id="377" r:id="rId37"/>
-    <p:sldId id="320" r:id="rId38"/>
-    <p:sldId id="321" r:id="rId39"/>
-    <p:sldId id="364" r:id="rId40"/>
-    <p:sldId id="365" r:id="rId41"/>
-    <p:sldId id="382" r:id="rId42"/>
-    <p:sldId id="323" r:id="rId43"/>
-    <p:sldId id="324" r:id="rId44"/>
-    <p:sldId id="326" r:id="rId45"/>
-    <p:sldId id="366" r:id="rId46"/>
-    <p:sldId id="327" r:id="rId47"/>
-    <p:sldId id="328" r:id="rId48"/>
-    <p:sldId id="329" r:id="rId49"/>
-    <p:sldId id="330" r:id="rId50"/>
-    <p:sldId id="331" r:id="rId51"/>
-    <p:sldId id="332" r:id="rId52"/>
-    <p:sldId id="333" r:id="rId53"/>
-    <p:sldId id="367" r:id="rId54"/>
-    <p:sldId id="368" r:id="rId55"/>
-    <p:sldId id="381" r:id="rId56"/>
+    <p:sldId id="384" r:id="rId28"/>
+    <p:sldId id="361" r:id="rId29"/>
+    <p:sldId id="362" r:id="rId30"/>
+    <p:sldId id="351" r:id="rId31"/>
+    <p:sldId id="383" r:id="rId32"/>
+    <p:sldId id="375" r:id="rId33"/>
+    <p:sldId id="376" r:id="rId34"/>
+    <p:sldId id="380" r:id="rId35"/>
+    <p:sldId id="378" r:id="rId36"/>
+    <p:sldId id="379" r:id="rId37"/>
+    <p:sldId id="377" r:id="rId38"/>
+    <p:sldId id="320" r:id="rId39"/>
+    <p:sldId id="321" r:id="rId40"/>
+    <p:sldId id="364" r:id="rId41"/>
+    <p:sldId id="365" r:id="rId42"/>
+    <p:sldId id="382" r:id="rId43"/>
+    <p:sldId id="323" r:id="rId44"/>
+    <p:sldId id="324" r:id="rId45"/>
+    <p:sldId id="326" r:id="rId46"/>
+    <p:sldId id="366" r:id="rId47"/>
+    <p:sldId id="327" r:id="rId48"/>
+    <p:sldId id="328" r:id="rId49"/>
+    <p:sldId id="329" r:id="rId50"/>
+    <p:sldId id="330" r:id="rId51"/>
+    <p:sldId id="331" r:id="rId52"/>
+    <p:sldId id="332" r:id="rId53"/>
+    <p:sldId id="333" r:id="rId54"/>
+    <p:sldId id="367" r:id="rId55"/>
+    <p:sldId id="368" r:id="rId56"/>
+    <p:sldId id="381" r:id="rId57"/>
   </p:sldIdLst>
   <p:sldSz cx="9144000" cy="5143500" type="screen16x9"/>
   <p:notesSz cx="6858000" cy="9144000"/>
@@ -262,7 +263,7 @@
           <a:p>
             <a:fld id="{B45A0028-71D2-4800-AD8E-38BD1BCDF688}" type="datetimeFigureOut">
               <a:rPr lang="en-US" smtClean="0"/>
-              <a:t>10/15/2025</a:t>
+              <a:t>10/17/2025</a:t>
             </a:fld>
             <a:endParaRPr lang="en-US"/>
           </a:p>
@@ -792,7 +793,7 @@
           <a:p>
             <a:fld id="{241EB5C9-1307-BA42-ABA2-0BC069CD8E7F}" type="datetimeFigureOut">
               <a:rPr lang="en-US" smtClean="0"/>
-              <a:t>10/15/2025</a:t>
+              <a:t>10/17/2025</a:t>
             </a:fld>
             <a:endParaRPr lang="en-US"/>
           </a:p>
@@ -960,7 +961,7 @@
           <a:p>
             <a:fld id="{241EB5C9-1307-BA42-ABA2-0BC069CD8E7F}" type="datetimeFigureOut">
               <a:rPr lang="en-US" smtClean="0"/>
-              <a:t>10/15/2025</a:t>
+              <a:t>10/17/2025</a:t>
             </a:fld>
             <a:endParaRPr lang="en-US"/>
           </a:p>
@@ -1138,7 +1139,7 @@
           <a:p>
             <a:fld id="{241EB5C9-1307-BA42-ABA2-0BC069CD8E7F}" type="datetimeFigureOut">
               <a:rPr lang="en-US" smtClean="0"/>
-              <a:t>10/15/2025</a:t>
+              <a:t>10/17/2025</a:t>
             </a:fld>
             <a:endParaRPr lang="en-US"/>
           </a:p>
@@ -1306,7 +1307,7 @@
           <a:p>
             <a:fld id="{241EB5C9-1307-BA42-ABA2-0BC069CD8E7F}" type="datetimeFigureOut">
               <a:rPr lang="en-US" smtClean="0"/>
-              <a:t>10/15/2025</a:t>
+              <a:t>10/17/2025</a:t>
             </a:fld>
             <a:endParaRPr lang="en-US"/>
           </a:p>
@@ -1551,7 +1552,7 @@
           <a:p>
             <a:fld id="{241EB5C9-1307-BA42-ABA2-0BC069CD8E7F}" type="datetimeFigureOut">
               <a:rPr lang="en-US" smtClean="0"/>
-              <a:t>10/15/2025</a:t>
+              <a:t>10/17/2025</a:t>
             </a:fld>
             <a:endParaRPr lang="en-US"/>
           </a:p>
@@ -1836,7 +1837,7 @@
           <a:p>
             <a:fld id="{241EB5C9-1307-BA42-ABA2-0BC069CD8E7F}" type="datetimeFigureOut">
               <a:rPr lang="en-US" smtClean="0"/>
-              <a:t>10/15/2025</a:t>
+              <a:t>10/17/2025</a:t>
             </a:fld>
             <a:endParaRPr lang="en-US"/>
           </a:p>
@@ -2255,7 +2256,7 @@
           <a:p>
             <a:fld id="{241EB5C9-1307-BA42-ABA2-0BC069CD8E7F}" type="datetimeFigureOut">
               <a:rPr lang="en-US" smtClean="0"/>
-              <a:t>10/15/2025</a:t>
+              <a:t>10/17/2025</a:t>
             </a:fld>
             <a:endParaRPr lang="en-US"/>
           </a:p>
@@ -2372,7 +2373,7 @@
           <a:p>
             <a:fld id="{241EB5C9-1307-BA42-ABA2-0BC069CD8E7F}" type="datetimeFigureOut">
               <a:rPr lang="en-US" smtClean="0"/>
-              <a:t>10/15/2025</a:t>
+              <a:t>10/17/2025</a:t>
             </a:fld>
             <a:endParaRPr lang="en-US"/>
           </a:p>
@@ -2467,7 +2468,7 @@
           <a:p>
             <a:fld id="{241EB5C9-1307-BA42-ABA2-0BC069CD8E7F}" type="datetimeFigureOut">
               <a:rPr lang="en-US" smtClean="0"/>
-              <a:t>10/15/2025</a:t>
+              <a:t>10/17/2025</a:t>
             </a:fld>
             <a:endParaRPr lang="en-US"/>
           </a:p>
@@ -2742,7 +2743,7 @@
           <a:p>
             <a:fld id="{241EB5C9-1307-BA42-ABA2-0BC069CD8E7F}" type="datetimeFigureOut">
               <a:rPr lang="en-US" smtClean="0"/>
-              <a:t>10/15/2025</a:t>
+              <a:t>10/17/2025</a:t>
             </a:fld>
             <a:endParaRPr lang="en-US"/>
           </a:p>
@@ -2994,7 +2995,7 @@
           <a:p>
             <a:fld id="{241EB5C9-1307-BA42-ABA2-0BC069CD8E7F}" type="datetimeFigureOut">
               <a:rPr lang="en-US" smtClean="0"/>
-              <a:t>10/15/2025</a:t>
+              <a:t>10/17/2025</a:t>
             </a:fld>
             <a:endParaRPr lang="en-US"/>
           </a:p>
@@ -3205,7 +3206,7 @@
           <a:p>
             <a:fld id="{241EB5C9-1307-BA42-ABA2-0BC069CD8E7F}" type="datetimeFigureOut">
               <a:rPr lang="en-US" smtClean="0"/>
-              <a:t>10/15/2025</a:t>
+              <a:t>10/17/2025</a:t>
             </a:fld>
             <a:endParaRPr lang="en-US"/>
           </a:p>
@@ -4331,7 +4332,7 @@
                             <m:d>
                               <m:dPr>
                                 <m:ctrlPr>
-                                  <a:rPr lang="en-US" i="1">
+                                  <a:rPr lang="en-US" i="1" smtClean="0">
                                     <a:latin typeface="Cambria Math" panose="02040503050406030204" pitchFamily="18" charset="0"/>
                                   </a:rPr>
                                 </m:ctrlPr>
@@ -4374,6 +4375,20 @@
                                     </m:r>
                                   </m:sub>
                                 </m:sSub>
+                                <m:r>
+                                  <a:rPr lang="en-US" b="0" i="1" smtClean="0">
+                                    <a:latin typeface="Cambria Math" panose="02040503050406030204" pitchFamily="18" charset="0"/>
+                                    <a:ea typeface="Cambria Math" panose="02040503050406030204" pitchFamily="18" charset="0"/>
+                                  </a:rPr>
+                                  <m:t>&gt;</m:t>
+                                </m:r>
+                                <m:r>
+                                  <a:rPr lang="en-US" b="0" i="1" smtClean="0">
+                                    <a:latin typeface="Cambria Math" panose="02040503050406030204" pitchFamily="18" charset="0"/>
+                                    <a:ea typeface="Cambria Math" panose="02040503050406030204" pitchFamily="18" charset="0"/>
+                                  </a:rPr>
+                                  <m:t>0</m:t>
+                                </m:r>
                               </m:e>
                             </m:d>
                             <m:r>
@@ -4615,258 +4630,6 @@
   <p:clrMapOvr>
     <a:masterClrMapping/>
   </p:clrMapOvr>
-  <p:timing>
-    <p:tnLst>
-      <p:par>
-        <p:cTn id="1" dur="indefinite" restart="never" nodeType="tmRoot">
-          <p:childTnLst>
-            <p:seq concurrent="1" nextAc="seek">
-              <p:cTn id="2" dur="indefinite" nodeType="mainSeq">
-                <p:childTnLst>
-                  <p:par>
-                    <p:cTn id="3" fill="hold">
-                      <p:stCondLst>
-                        <p:cond delay="indefinite"/>
-                      </p:stCondLst>
-                      <p:childTnLst>
-                        <p:par>
-                          <p:cTn id="4" fill="hold">
-                            <p:stCondLst>
-                              <p:cond delay="0"/>
-                            </p:stCondLst>
-                            <p:childTnLst>
-                              <p:par>
-                                <p:cTn id="5" presetID="1" presetClass="entr" presetSubtype="0" fill="hold" nodeType="clickEffect">
-                                  <p:stCondLst>
-                                    <p:cond delay="0"/>
-                                  </p:stCondLst>
-                                  <p:childTnLst>
-                                    <p:set>
-                                      <p:cBhvr>
-                                        <p:cTn id="6" dur="1" fill="hold">
-                                          <p:stCondLst>
-                                            <p:cond delay="0"/>
-                                          </p:stCondLst>
-                                        </p:cTn>
-                                        <p:tgtEl>
-                                          <p:spTgt spid="3">
-                                            <p:txEl>
-                                              <p:pRg st="1" end="1"/>
-                                            </p:txEl>
-                                          </p:spTgt>
-                                        </p:tgtEl>
-                                        <p:attrNameLst>
-                                          <p:attrName>style.visibility</p:attrName>
-                                        </p:attrNameLst>
-                                      </p:cBhvr>
-                                      <p:to>
-                                        <p:strVal val="visible"/>
-                                      </p:to>
-                                    </p:set>
-                                  </p:childTnLst>
-                                </p:cTn>
-                              </p:par>
-                              <p:par>
-                                <p:cTn id="7" presetID="1" presetClass="entr" presetSubtype="0" fill="hold" nodeType="withEffect">
-                                  <p:stCondLst>
-                                    <p:cond delay="0"/>
-                                  </p:stCondLst>
-                                  <p:childTnLst>
-                                    <p:set>
-                                      <p:cBhvr>
-                                        <p:cTn id="8" dur="1" fill="hold">
-                                          <p:stCondLst>
-                                            <p:cond delay="0"/>
-                                          </p:stCondLst>
-                                        </p:cTn>
-                                        <p:tgtEl>
-                                          <p:spTgt spid="3">
-                                            <p:txEl>
-                                              <p:pRg st="2" end="2"/>
-                                            </p:txEl>
-                                          </p:spTgt>
-                                        </p:tgtEl>
-                                        <p:attrNameLst>
-                                          <p:attrName>style.visibility</p:attrName>
-                                        </p:attrNameLst>
-                                      </p:cBhvr>
-                                      <p:to>
-                                        <p:strVal val="visible"/>
-                                      </p:to>
-                                    </p:set>
-                                  </p:childTnLst>
-                                </p:cTn>
-                              </p:par>
-                              <p:par>
-                                <p:cTn id="9" presetID="1" presetClass="entr" presetSubtype="0" fill="hold" nodeType="withEffect">
-                                  <p:stCondLst>
-                                    <p:cond delay="0"/>
-                                  </p:stCondLst>
-                                  <p:childTnLst>
-                                    <p:set>
-                                      <p:cBhvr>
-                                        <p:cTn id="10" dur="1" fill="hold">
-                                          <p:stCondLst>
-                                            <p:cond delay="0"/>
-                                          </p:stCondLst>
-                                        </p:cTn>
-                                        <p:tgtEl>
-                                          <p:spTgt spid="3">
-                                            <p:txEl>
-                                              <p:pRg st="3" end="3"/>
-                                            </p:txEl>
-                                          </p:spTgt>
-                                        </p:tgtEl>
-                                        <p:attrNameLst>
-                                          <p:attrName>style.visibility</p:attrName>
-                                        </p:attrNameLst>
-                                      </p:cBhvr>
-                                      <p:to>
-                                        <p:strVal val="visible"/>
-                                      </p:to>
-                                    </p:set>
-                                  </p:childTnLst>
-                                </p:cTn>
-                              </p:par>
-                              <p:par>
-                                <p:cTn id="11" presetID="1" presetClass="entr" presetSubtype="0" fill="hold" nodeType="withEffect">
-                                  <p:stCondLst>
-                                    <p:cond delay="0"/>
-                                  </p:stCondLst>
-                                  <p:childTnLst>
-                                    <p:set>
-                                      <p:cBhvr>
-                                        <p:cTn id="12" dur="1" fill="hold">
-                                          <p:stCondLst>
-                                            <p:cond delay="0"/>
-                                          </p:stCondLst>
-                                        </p:cTn>
-                                        <p:tgtEl>
-                                          <p:spTgt spid="3">
-                                            <p:txEl>
-                                              <p:pRg st="4" end="4"/>
-                                            </p:txEl>
-                                          </p:spTgt>
-                                        </p:tgtEl>
-                                        <p:attrNameLst>
-                                          <p:attrName>style.visibility</p:attrName>
-                                        </p:attrNameLst>
-                                      </p:cBhvr>
-                                      <p:to>
-                                        <p:strVal val="visible"/>
-                                      </p:to>
-                                    </p:set>
-                                  </p:childTnLst>
-                                </p:cTn>
-                              </p:par>
-                            </p:childTnLst>
-                          </p:cTn>
-                        </p:par>
-                      </p:childTnLst>
-                    </p:cTn>
-                  </p:par>
-                  <p:par>
-                    <p:cTn id="13" fill="hold">
-                      <p:stCondLst>
-                        <p:cond delay="indefinite"/>
-                      </p:stCondLst>
-                      <p:childTnLst>
-                        <p:par>
-                          <p:cTn id="14" fill="hold">
-                            <p:stCondLst>
-                              <p:cond delay="0"/>
-                            </p:stCondLst>
-                            <p:childTnLst>
-                              <p:par>
-                                <p:cTn id="15" presetID="1" presetClass="entr" presetSubtype="0" fill="hold" nodeType="clickEffect">
-                                  <p:stCondLst>
-                                    <p:cond delay="0"/>
-                                  </p:stCondLst>
-                                  <p:childTnLst>
-                                    <p:set>
-                                      <p:cBhvr>
-                                        <p:cTn id="16" dur="1" fill="hold">
-                                          <p:stCondLst>
-                                            <p:cond delay="0"/>
-                                          </p:stCondLst>
-                                        </p:cTn>
-                                        <p:tgtEl>
-                                          <p:spTgt spid="3">
-                                            <p:txEl>
-                                              <p:pRg st="5" end="5"/>
-                                            </p:txEl>
-                                          </p:spTgt>
-                                        </p:tgtEl>
-                                        <p:attrNameLst>
-                                          <p:attrName>style.visibility</p:attrName>
-                                        </p:attrNameLst>
-                                      </p:cBhvr>
-                                      <p:to>
-                                        <p:strVal val="visible"/>
-                                      </p:to>
-                                    </p:set>
-                                  </p:childTnLst>
-                                </p:cTn>
-                              </p:par>
-                              <p:par>
-                                <p:cTn id="17" presetID="1" presetClass="entr" presetSubtype="0" fill="hold" nodeType="withEffect">
-                                  <p:stCondLst>
-                                    <p:cond delay="0"/>
-                                  </p:stCondLst>
-                                  <p:childTnLst>
-                                    <p:set>
-                                      <p:cBhvr>
-                                        <p:cTn id="18" dur="1" fill="hold">
-                                          <p:stCondLst>
-                                            <p:cond delay="0"/>
-                                          </p:stCondLst>
-                                        </p:cTn>
-                                        <p:tgtEl>
-                                          <p:spTgt spid="3">
-                                            <p:txEl>
-                                              <p:pRg st="6" end="6"/>
-                                            </p:txEl>
-                                          </p:spTgt>
-                                        </p:tgtEl>
-                                        <p:attrNameLst>
-                                          <p:attrName>style.visibility</p:attrName>
-                                        </p:attrNameLst>
-                                      </p:cBhvr>
-                                      <p:to>
-                                        <p:strVal val="visible"/>
-                                      </p:to>
-                                    </p:set>
-                                  </p:childTnLst>
-                                </p:cTn>
-                              </p:par>
-                            </p:childTnLst>
-                          </p:cTn>
-                        </p:par>
-                      </p:childTnLst>
-                    </p:cTn>
-                  </p:par>
-                </p:childTnLst>
-              </p:cTn>
-              <p:prevCondLst>
-                <p:cond evt="onPrev" delay="0">
-                  <p:tgtEl>
-                    <p:sldTgt/>
-                  </p:tgtEl>
-                </p:cond>
-              </p:prevCondLst>
-              <p:nextCondLst>
-                <p:cond evt="onNext" delay="0">
-                  <p:tgtEl>
-                    <p:sldTgt/>
-                  </p:tgtEl>
-                </p:cond>
-              </p:nextCondLst>
-            </p:seq>
-          </p:childTnLst>
-        </p:cTn>
-      </p:par>
-    </p:tnLst>
-  </p:timing>
 </p:sld>
 </file>
 
@@ -5641,8 +5404,8 @@
           </a:p>
         </p:txBody>
       </p:sp>
-      <mc:AlternateContent xmlns:mc="http://schemas.openxmlformats.org/markup-compatibility/2006">
-        <mc:Choice xmlns:a14="http://schemas.microsoft.com/office/drawing/2010/main" Requires="a14">
+      <mc:AlternateContent xmlns:mc="http://schemas.openxmlformats.org/markup-compatibility/2006" xmlns:a14="http://schemas.microsoft.com/office/drawing/2010/main">
+        <mc:Choice Requires="a14">
           <p:sp>
             <p:nvSpPr>
               <p:cNvPr id="3" name="Content Placeholder 2">
@@ -5818,7 +5581,7 @@
             </p:txBody>
           </p:sp>
         </mc:Choice>
-        <mc:Fallback>
+        <mc:Fallback xmlns="">
           <p:sp>
             <p:nvSpPr>
               <p:cNvPr id="3" name="Content Placeholder 2">
@@ -6324,8 +6087,8 @@
           </a:p>
         </p:txBody>
       </p:sp>
-      <mc:AlternateContent xmlns:mc="http://schemas.openxmlformats.org/markup-compatibility/2006">
-        <mc:Choice xmlns:a14="http://schemas.microsoft.com/office/drawing/2010/main" Requires="a14">
+      <mc:AlternateContent xmlns:mc="http://schemas.openxmlformats.org/markup-compatibility/2006" xmlns:a14="http://schemas.microsoft.com/office/drawing/2010/main">
+        <mc:Choice Requires="a14">
           <p:sp>
             <p:nvSpPr>
               <p:cNvPr id="3" name="Content Placeholder 2">
@@ -6473,7 +6236,7 @@
             </p:txBody>
           </p:sp>
         </mc:Choice>
-        <mc:Fallback>
+        <mc:Fallback xmlns="">
           <p:sp>
             <p:nvSpPr>
               <p:cNvPr id="3" name="Content Placeholder 2">
@@ -9072,7 +8835,7 @@
             </a:r>
             <a:r>
               <a:rPr lang="en-US" dirty="0"/>
-              <a:t> Introduction to Bayes Models</a:t>
+              <a:t> Introduction to Bayes Models </a:t>
             </a:r>
             <a:endParaRPr dirty="0"/>
           </a:p>
@@ -9096,7 +8859,7 @@
             </a:r>
             <a:r>
               <a:rPr lang="en-US" dirty="0"/>
-              <a:t> MCMC for Bayes</a:t>
+              <a:t> MCMC for Bayes </a:t>
             </a:r>
             <a:endParaRPr dirty="0"/>
           </a:p>
@@ -9124,7 +8887,7 @@
             </a:r>
             <a:r>
               <a:rPr lang="en-US" dirty="0"/>
-              <a:t> Hierarchical Bayesian models</a:t>
+              <a:t> Hierarchical Bayesian models </a:t>
             </a:r>
           </a:p>
           <a:p>
@@ -9158,7 +8921,7 @@
             </a:r>
             <a:r>
               <a:rPr lang="en-US" dirty="0"/>
-              <a:t>Modern Time Series Models </a:t>
+              <a:t>Modern Time Series Models or TBD</a:t>
             </a:r>
             <a:endParaRPr dirty="0"/>
           </a:p>
@@ -11321,8 +11084,8 @@
           </a:p>
         </p:txBody>
       </p:sp>
-      <mc:AlternateContent xmlns:mc="http://schemas.openxmlformats.org/markup-compatibility/2006" xmlns:a14="http://schemas.microsoft.com/office/drawing/2010/main">
-        <mc:Choice Requires="a14">
+      <mc:AlternateContent xmlns:mc="http://schemas.openxmlformats.org/markup-compatibility/2006">
+        <mc:Choice xmlns:a14="http://schemas.microsoft.com/office/drawing/2010/main" Requires="a14">
           <p:sp>
             <p:nvSpPr>
               <p:cNvPr id="3" name="Content Placeholder 2">
@@ -11347,7 +11110,7 @@
             </p:spPr>
             <p:txBody>
               <a:bodyPr>
-                <a:normAutofit fontScale="92500" lnSpcReduction="20000"/>
+                <a:normAutofit fontScale="85000" lnSpcReduction="20000"/>
               </a:bodyPr>
               <a:lstStyle/>
               <a:p>
@@ -11456,7 +11219,7 @@
                             <a:rPr lang="en-US" b="0" i="1" smtClean="0">
                               <a:latin typeface="Cambria Math" panose="02040503050406030204" pitchFamily="18" charset="0"/>
                             </a:rPr>
-                            <m:t>𝑛</m:t>
+                            <m:t>𝑟</m:t>
                           </m:r>
                           <m:r>
                             <a:rPr lang="en-US" b="0" i="1" smtClean="0">
@@ -11524,7 +11287,7 @@
                                   <a:rPr lang="en-US" b="0" i="1" smtClean="0">
                                     <a:latin typeface="Cambria Math" panose="02040503050406030204" pitchFamily="18" charset="0"/>
                                   </a:rPr>
-                                  <m:t>𝑛</m:t>
+                                  <m:t>𝑟</m:t>
                                 </m:r>
                                 <m:r>
                                   <a:rPr lang="en-US" b="0" i="1" smtClean="0">
@@ -11546,7 +11309,7 @@
                                   <a:rPr lang="en-US" b="0" i="1" smtClean="0">
                                     <a:latin typeface="Cambria Math" panose="02040503050406030204" pitchFamily="18" charset="0"/>
                                   </a:rPr>
-                                  <m:t>𝑛</m:t>
+                                  <m:t>𝑟</m:t>
                                 </m:r>
                                 <m:r>
                                   <a:rPr lang="en-US" b="0" i="1" smtClean="0">
@@ -11586,7 +11349,7 @@
                             <a:rPr lang="en-US" b="0" i="1" smtClean="0">
                               <a:latin typeface="Cambria Math" panose="02040503050406030204" pitchFamily="18" charset="0"/>
                             </a:rPr>
-                            <m:t>𝑛</m:t>
+                            <m:t>𝑟</m:t>
                           </m:r>
                         </m:sup>
                       </m:sSup>
@@ -11670,6 +11433,30 @@
                       </a:rPr>
                       <m:t>=</m:t>
                     </m:r>
+                    <m:r>
+                      <a:rPr lang="en-US" b="0" i="1" smtClean="0">
+                        <a:latin typeface="Cambria Math" panose="02040503050406030204" pitchFamily="18" charset="0"/>
+                      </a:rPr>
+                      <m:t>𝑘</m:t>
+                    </m:r>
+                    <m:r>
+                      <a:rPr lang="en-US" b="0" i="1" smtClean="0">
+                        <a:latin typeface="Cambria Math" panose="02040503050406030204" pitchFamily="18" charset="0"/>
+                      </a:rPr>
+                      <m:t>+</m:t>
+                    </m:r>
+                    <m:r>
+                      <a:rPr lang="en-US" b="0" i="1" smtClean="0">
+                        <a:latin typeface="Cambria Math" panose="02040503050406030204" pitchFamily="18" charset="0"/>
+                      </a:rPr>
+                      <m:t>𝑟</m:t>
+                    </m:r>
+                    <m:r>
+                      <a:rPr lang="en-US" b="0" i="1" smtClean="0">
+                        <a:latin typeface="Cambria Math" panose="02040503050406030204" pitchFamily="18" charset="0"/>
+                      </a:rPr>
+                      <m:t>=</m:t>
+                    </m:r>
                   </m:oMath>
                 </a14:m>
                 <a:r>
@@ -11684,10 +11471,35 @@
                 <a14:m>
                   <m:oMath xmlns:m="http://schemas.openxmlformats.org/officeDocument/2006/math">
                     <m:r>
+                      <a:rPr lang="en-US" i="1">
+                        <a:latin typeface="Cambria Math" panose="02040503050406030204" pitchFamily="18" charset="0"/>
+                      </a:rPr>
+                      <m:t>𝑘</m:t>
+                    </m:r>
+                    <m:r>
+                      <a:rPr lang="en-US" i="1">
+                        <a:latin typeface="Cambria Math" panose="02040503050406030204" pitchFamily="18" charset="0"/>
+                      </a:rPr>
+                      <m:t>=</m:t>
+                    </m:r>
+                  </m:oMath>
+                </a14:m>
+                <a:r>
+                  <a:rPr lang="en-US" dirty="0"/>
+                  <a:t> number of failures</a:t>
+                </a:r>
+              </a:p>
+              <a:p>
+                <a:pPr marL="342900" lvl="1" indent="0">
+                  <a:buNone/>
+                </a:pPr>
+                <a14:m>
+                  <m:oMath xmlns:m="http://schemas.openxmlformats.org/officeDocument/2006/math">
+                    <m:r>
                       <a:rPr lang="en-US" b="0" i="1" smtClean="0">
                         <a:latin typeface="Cambria Math" panose="02040503050406030204" pitchFamily="18" charset="0"/>
                       </a:rPr>
-                      <m:t>𝑘</m:t>
+                      <m:t>𝑟</m:t>
                     </m:r>
                     <m:r>
                       <a:rPr lang="en-US" b="0" i="1" smtClean="0">
@@ -11885,7 +11697,7 @@
             </p:txBody>
           </p:sp>
         </mc:Choice>
-        <mc:Fallback xmlns="">
+        <mc:Fallback>
           <p:sp>
             <p:nvSpPr>
               <p:cNvPr id="3" name="Content Placeholder 2">
@@ -11910,7 +11722,7 @@
               <a:blipFill>
                 <a:blip r:embed="rId4"/>
                 <a:stretch>
-                  <a:fillRect l="-963" t="-2867"/>
+                  <a:fillRect l="-741" t="-2530"/>
                 </a:stretch>
               </a:blipFill>
             </p:spPr>
@@ -11943,7 +11755,7 @@
 </file>
 
 <file path=ppt/slides/slide25.xml><?xml version="1.0" encoding="utf-8"?>
-<p:sld xmlns:a="http://schemas.openxmlformats.org/drawingml/2006/main" xmlns:r="http://schemas.openxmlformats.org/officeDocument/2006/relationships" xmlns:p="http://schemas.openxmlformats.org/presentationml/2006/main">
+<p:sld xmlns:a="http://schemas.openxmlformats.org/drawingml/2006/main" xmlns:r="http://schemas.openxmlformats.org/officeDocument/2006/relationships" xmlns:p="http://schemas.openxmlformats.org/presentationml/2006/main" show="0">
   <p:cSld>
     <p:spTree>
       <p:nvGrpSpPr>
@@ -11997,8 +11809,8 @@
           </a:p>
         </p:txBody>
       </p:sp>
-      <mc:AlternateContent xmlns:mc="http://schemas.openxmlformats.org/markup-compatibility/2006" xmlns:a14="http://schemas.microsoft.com/office/drawing/2010/main">
-        <mc:Choice Requires="a14">
+      <mc:AlternateContent xmlns:mc="http://schemas.openxmlformats.org/markup-compatibility/2006">
+        <mc:Choice xmlns:a14="http://schemas.microsoft.com/office/drawing/2010/main" Requires="a14">
           <p:sp>
             <p:nvSpPr>
               <p:cNvPr id="3" name="Content Placeholder 2">
@@ -12102,7 +11914,7 @@
                     </m:oMathParaPr>
                     <m:oMath xmlns:m="http://schemas.openxmlformats.org/officeDocument/2006/math">
                       <m:r>
-                        <a:rPr lang="en-US" b="0" i="1" smtClean="0">
+                        <a:rPr lang="en-US" i="1">
                           <a:latin typeface="Cambria Math" panose="02040503050406030204" pitchFamily="18" charset="0"/>
                         </a:rPr>
                         <m:t>𝑓</m:t>
@@ -12110,38 +11922,38 @@
                       <m:d>
                         <m:dPr>
                           <m:ctrlPr>
-                            <a:rPr lang="en-US" b="0" i="1" smtClean="0">
+                            <a:rPr lang="en-US" i="1">
                               <a:latin typeface="Cambria Math" panose="02040503050406030204" pitchFamily="18" charset="0"/>
                             </a:rPr>
                           </m:ctrlPr>
                         </m:dPr>
                         <m:e>
                           <m:r>
-                            <a:rPr lang="en-US" b="0" i="1" smtClean="0">
+                            <a:rPr lang="en-US" i="1">
                               <a:latin typeface="Cambria Math" panose="02040503050406030204" pitchFamily="18" charset="0"/>
                             </a:rPr>
                             <m:t>𝑘</m:t>
                           </m:r>
                           <m:r>
-                            <a:rPr lang="en-US" b="0" i="1" smtClean="0">
+                            <a:rPr lang="en-US" i="1">
                               <a:latin typeface="Cambria Math" panose="02040503050406030204" pitchFamily="18" charset="0"/>
                             </a:rPr>
                             <m:t> | </m:t>
                           </m:r>
                           <m:r>
-                            <a:rPr lang="en-US" b="0" i="1" smtClean="0">
+                            <a:rPr lang="en-US" i="1">
                               <a:latin typeface="Cambria Math" panose="02040503050406030204" pitchFamily="18" charset="0"/>
                             </a:rPr>
-                            <m:t>𝑛</m:t>
+                            <m:t>𝑟</m:t>
                           </m:r>
                           <m:r>
-                            <a:rPr lang="en-US" b="0" i="1" smtClean="0">
+                            <a:rPr lang="en-US" i="1">
                               <a:latin typeface="Cambria Math" panose="02040503050406030204" pitchFamily="18" charset="0"/>
                             </a:rPr>
-                            <m:t>,</m:t>
+                            <m:t>, </m:t>
                           </m:r>
                           <m:r>
-                            <a:rPr lang="en-US" b="0" i="1" smtClean="0">
+                            <a:rPr lang="en-US" i="1">
                               <a:latin typeface="Cambria Math" panose="02040503050406030204" pitchFamily="18" charset="0"/>
                             </a:rPr>
                             <m:t>𝑝</m:t>
@@ -12149,7 +11961,7 @@
                         </m:e>
                       </m:d>
                       <m:r>
-                        <a:rPr lang="en-US" b="0" i="1" smtClean="0">
+                        <a:rPr lang="en-US" i="1">
                           <a:latin typeface="Cambria Math" panose="02040503050406030204" pitchFamily="18" charset="0"/>
                         </a:rPr>
                         <m:t>=</m:t>
@@ -12157,7 +11969,7 @@
                       <m:d>
                         <m:dPr>
                           <m:ctrlPr>
-                            <a:rPr lang="en-US" b="0" i="1" smtClean="0">
+                            <a:rPr lang="en-US" i="1">
                               <a:latin typeface="Cambria Math" panose="02040503050406030204" pitchFamily="18" charset="0"/>
                             </a:rPr>
                           </m:ctrlPr>
@@ -12174,7 +11986,7 @@
                                 </m:mc>
                               </m:mcs>
                               <m:ctrlPr>
-                                <a:rPr lang="en-US" b="0" i="1" smtClean="0">
+                                <a:rPr lang="en-US" i="1">
                                   <a:latin typeface="Cambria Math" panose="02040503050406030204" pitchFamily="18" charset="0"/>
                                 </a:rPr>
                               </m:ctrlPr>
@@ -12185,56 +11997,44 @@
                                   <m:rPr>
                                     <m:brk m:alnAt="7"/>
                                   </m:rPr>
-                                  <a:rPr lang="en-US" b="0" i="1" smtClean="0">
+                                  <a:rPr lang="en-US" i="1">
                                     <a:latin typeface="Cambria Math" panose="02040503050406030204" pitchFamily="18" charset="0"/>
                                   </a:rPr>
                                   <m:t>𝑘</m:t>
                                 </m:r>
                                 <m:r>
-                                  <a:rPr lang="en-US" b="0" i="1" smtClean="0">
+                                  <a:rPr lang="en-US" i="1">
                                     <a:latin typeface="Cambria Math" panose="02040503050406030204" pitchFamily="18" charset="0"/>
                                   </a:rPr>
                                   <m:t>+</m:t>
                                 </m:r>
                                 <m:r>
-                                  <a:rPr lang="en-US" b="0" i="1" smtClean="0">
+                                  <a:rPr lang="en-US" i="1">
                                     <a:latin typeface="Cambria Math" panose="02040503050406030204" pitchFamily="18" charset="0"/>
                                   </a:rPr>
-                                  <m:t>𝑛</m:t>
+                                  <m:t>𝑟</m:t>
                                 </m:r>
                                 <m:r>
-                                  <a:rPr lang="en-US" b="0" i="1" smtClean="0">
+                                  <a:rPr lang="en-US" i="1">
                                     <a:latin typeface="Cambria Math" panose="02040503050406030204" pitchFamily="18" charset="0"/>
                                   </a:rPr>
-                                  <m:t>−</m:t>
-                                </m:r>
-                                <m:r>
-                                  <a:rPr lang="en-US" b="0" i="1" smtClean="0">
-                                    <a:latin typeface="Cambria Math" panose="02040503050406030204" pitchFamily="18" charset="0"/>
-                                  </a:rPr>
-                                  <m:t>1</m:t>
+                                  <m:t>−1</m:t>
                                 </m:r>
                               </m:e>
                             </m:mr>
                             <m:mr>
                               <m:e>
                                 <m:r>
-                                  <a:rPr lang="en-US" b="0" i="1" smtClean="0">
+                                  <a:rPr lang="en-US" i="1">
                                     <a:latin typeface="Cambria Math" panose="02040503050406030204" pitchFamily="18" charset="0"/>
                                   </a:rPr>
-                                  <m:t>𝑛</m:t>
+                                  <m:t>𝑟</m:t>
                                 </m:r>
                                 <m:r>
-                                  <a:rPr lang="en-US" b="0" i="1" smtClean="0">
+                                  <a:rPr lang="en-US" i="1">
                                     <a:latin typeface="Cambria Math" panose="02040503050406030204" pitchFamily="18" charset="0"/>
                                   </a:rPr>
-                                  <m:t>−</m:t>
-                                </m:r>
-                                <m:r>
-                                  <a:rPr lang="en-US" b="0" i="1" smtClean="0">
-                                    <a:latin typeface="Cambria Math" panose="02040503050406030204" pitchFamily="18" charset="0"/>
-                                  </a:rPr>
-                                  <m:t>1</m:t>
+                                  <m:t>−1</m:t>
                                 </m:r>
                               </m:e>
                             </m:mr>
@@ -12244,14 +12044,14 @@
                       <m:sSup>
                         <m:sSupPr>
                           <m:ctrlPr>
-                            <a:rPr lang="en-US" b="0" i="1" smtClean="0">
+                            <a:rPr lang="en-US" i="1">
                               <a:latin typeface="Cambria Math" panose="02040503050406030204" pitchFamily="18" charset="0"/>
                             </a:rPr>
                           </m:ctrlPr>
                         </m:sSupPr>
                         <m:e>
                           <m:r>
-                            <a:rPr lang="en-US" b="0" i="1" smtClean="0">
+                            <a:rPr lang="en-US" i="1">
                               <a:latin typeface="Cambria Math" panose="02040503050406030204" pitchFamily="18" charset="0"/>
                             </a:rPr>
                             <m:t>𝑝</m:t>
@@ -12259,17 +12059,17 @@
                         </m:e>
                         <m:sup>
                           <m:r>
-                            <a:rPr lang="en-US" b="0" i="1" smtClean="0">
+                            <a:rPr lang="en-US" i="1">
                               <a:latin typeface="Cambria Math" panose="02040503050406030204" pitchFamily="18" charset="0"/>
                             </a:rPr>
-                            <m:t>𝑛</m:t>
+                            <m:t>𝑟</m:t>
                           </m:r>
                         </m:sup>
                       </m:sSup>
                       <m:sSup>
                         <m:sSupPr>
                           <m:ctrlPr>
-                            <a:rPr lang="en-US" b="0" i="1" smtClean="0">
+                            <a:rPr lang="en-US" i="1">
                               <a:latin typeface="Cambria Math" panose="02040503050406030204" pitchFamily="18" charset="0"/>
                             </a:rPr>
                           </m:ctrlPr>
@@ -12278,26 +12078,20 @@
                           <m:d>
                             <m:dPr>
                               <m:ctrlPr>
-                                <a:rPr lang="en-US" b="0" i="1" smtClean="0">
+                                <a:rPr lang="en-US" i="1">
                                   <a:latin typeface="Cambria Math" panose="02040503050406030204" pitchFamily="18" charset="0"/>
                                 </a:rPr>
                               </m:ctrlPr>
                             </m:dPr>
                             <m:e>
                               <m:r>
-                                <a:rPr lang="en-US" b="0" i="1" smtClean="0">
+                                <a:rPr lang="en-US" i="1">
                                   <a:latin typeface="Cambria Math" panose="02040503050406030204" pitchFamily="18" charset="0"/>
                                 </a:rPr>
-                                <m:t>1</m:t>
+                                <m:t>1−</m:t>
                               </m:r>
                               <m:r>
-                                <a:rPr lang="en-US" b="0" i="1" smtClean="0">
-                                  <a:latin typeface="Cambria Math" panose="02040503050406030204" pitchFamily="18" charset="0"/>
-                                </a:rPr>
-                                <m:t>−</m:t>
-                              </m:r>
-                              <m:r>
-                                <a:rPr lang="en-US" b="0" i="1" smtClean="0">
+                                <a:rPr lang="en-US" i="1">
                                   <a:latin typeface="Cambria Math" panose="02040503050406030204" pitchFamily="18" charset="0"/>
                                 </a:rPr>
                                 <m:t>𝑝</m:t>
@@ -12307,7 +12101,7 @@
                         </m:e>
                         <m:sup>
                           <m:r>
-                            <a:rPr lang="en-US" b="0" i="1" smtClean="0">
+                            <a:rPr lang="en-US" i="1">
                               <a:latin typeface="Cambria Math" panose="02040503050406030204" pitchFamily="18" charset="0"/>
                             </a:rPr>
                             <m:t>𝑘</m:t>
@@ -12669,7 +12463,7 @@
             </p:txBody>
           </p:sp>
         </mc:Choice>
-        <mc:Fallback xmlns="">
+        <mc:Fallback>
           <p:sp>
             <p:nvSpPr>
               <p:cNvPr id="3" name="Content Placeholder 2">
@@ -12971,8 +12765,8 @@
           </a:p>
         </p:txBody>
       </p:sp>
-      <mc:AlternateContent xmlns:mc="http://schemas.openxmlformats.org/markup-compatibility/2006" xmlns:a14="http://schemas.microsoft.com/office/drawing/2010/main">
-        <mc:Choice Requires="a14">
+      <mc:AlternateContent xmlns:mc="http://schemas.openxmlformats.org/markup-compatibility/2006">
+        <mc:Choice xmlns:a14="http://schemas.microsoft.com/office/drawing/2010/main" Requires="a14">
           <p:sp>
             <p:nvSpPr>
               <p:cNvPr id="3" name="Content Placeholder 2">
@@ -12997,7 +12791,7 @@
             </p:spPr>
             <p:txBody>
               <a:bodyPr>
-                <a:normAutofit fontScale="85000" lnSpcReduction="20000"/>
+                <a:normAutofit fontScale="92500" lnSpcReduction="10000"/>
               </a:bodyPr>
               <a:lstStyle/>
               <a:p>
@@ -13121,91 +12915,6 @@
                       <m:jc m:val="centerGroup"/>
                     </m:oMathParaPr>
                     <m:oMath xmlns:m="http://schemas.openxmlformats.org/officeDocument/2006/math">
-                      <m:sSup>
-                        <m:sSupPr>
-                          <m:ctrlPr>
-                            <a:rPr lang="en-US" i="1">
-                              <a:latin typeface="Cambria Math" panose="02040503050406030204" pitchFamily="18" charset="0"/>
-                            </a:rPr>
-                          </m:ctrlPr>
-                        </m:sSupPr>
-                        <m:e>
-                          <m:r>
-                            <a:rPr lang="en-US" i="1">
-                              <a:latin typeface="Cambria Math" panose="02040503050406030204" pitchFamily="18" charset="0"/>
-                              <a:ea typeface="Cambria Math" panose="02040503050406030204" pitchFamily="18" charset="0"/>
-                            </a:rPr>
-                            <m:t>𝜎</m:t>
-                          </m:r>
-                        </m:e>
-                        <m:sup>
-                          <m:r>
-                            <a:rPr lang="en-US" i="1">
-                              <a:latin typeface="Cambria Math" panose="02040503050406030204" pitchFamily="18" charset="0"/>
-                            </a:rPr>
-                            <m:t>2</m:t>
-                          </m:r>
-                        </m:sup>
-                      </m:sSup>
-                      <m:r>
-                        <a:rPr lang="en-US" i="1">
-                          <a:latin typeface="Cambria Math" panose="02040503050406030204" pitchFamily="18" charset="0"/>
-                        </a:rPr>
-                        <m:t>=</m:t>
-                      </m:r>
-                      <m:r>
-                        <a:rPr lang="en-US" i="1">
-                          <a:latin typeface="Cambria Math" panose="02040503050406030204" pitchFamily="18" charset="0"/>
-                          <a:ea typeface="Cambria Math" panose="02040503050406030204" pitchFamily="18" charset="0"/>
-                        </a:rPr>
-                        <m:t>𝜇</m:t>
-                      </m:r>
-                      <m:r>
-                        <a:rPr lang="en-US" i="1">
-                          <a:latin typeface="Cambria Math" panose="02040503050406030204" pitchFamily="18" charset="0"/>
-                          <a:ea typeface="Cambria Math" panose="02040503050406030204" pitchFamily="18" charset="0"/>
-                        </a:rPr>
-                        <m:t>+</m:t>
-                      </m:r>
-                      <m:r>
-                        <a:rPr lang="en-US" i="1">
-                          <a:latin typeface="Cambria Math" panose="02040503050406030204" pitchFamily="18" charset="0"/>
-                          <a:ea typeface="Cambria Math" panose="02040503050406030204" pitchFamily="18" charset="0"/>
-                        </a:rPr>
-                        <m:t>𝛼</m:t>
-                      </m:r>
-                      <m:sSup>
-                        <m:sSupPr>
-                          <m:ctrlPr>
-                            <a:rPr lang="en-US" i="1">
-                              <a:latin typeface="Cambria Math" panose="02040503050406030204" pitchFamily="18" charset="0"/>
-                            </a:rPr>
-                          </m:ctrlPr>
-                        </m:sSupPr>
-                        <m:e>
-                          <m:r>
-                            <a:rPr lang="en-US" i="1">
-                              <a:latin typeface="Cambria Math" panose="02040503050406030204" pitchFamily="18" charset="0"/>
-                              <a:ea typeface="Cambria Math" panose="02040503050406030204" pitchFamily="18" charset="0"/>
-                            </a:rPr>
-                            <m:t>𝜇</m:t>
-                          </m:r>
-                        </m:e>
-                        <m:sup>
-                          <m:r>
-                            <a:rPr lang="en-US" i="1">
-                              <a:latin typeface="Cambria Math" panose="02040503050406030204" pitchFamily="18" charset="0"/>
-                            </a:rPr>
-                            <m:t>2</m:t>
-                          </m:r>
-                        </m:sup>
-                      </m:sSup>
-                      <m:r>
-                        <a:rPr lang="en-US" b="0" i="1" smtClean="0">
-                          <a:latin typeface="Cambria Math" panose="02040503050406030204" pitchFamily="18" charset="0"/>
-                        </a:rPr>
-                        <m:t>,  </m:t>
-                      </m:r>
                       <m:r>
                         <a:rPr lang="en-US" b="0" i="1" smtClean="0">
                           <a:latin typeface="Cambria Math" panose="02040503050406030204" pitchFamily="18" charset="0"/>
@@ -13274,7 +12983,935 @@
                         <a:rPr lang="en-US" b="0" i="1" smtClean="0">
                           <a:latin typeface="Cambria Math" panose="02040503050406030204" pitchFamily="18" charset="0"/>
                         </a:rPr>
-                        <m:t>𝑛</m:t>
+                        <m:t>𝑟</m:t>
+                      </m:r>
+                      <m:r>
+                        <a:rPr lang="en-US" b="0" i="1" smtClean="0">
+                          <a:latin typeface="Cambria Math" panose="02040503050406030204" pitchFamily="18" charset="0"/>
+                        </a:rPr>
+                        <m:t>=</m:t>
+                      </m:r>
+                      <m:f>
+                        <m:fPr>
+                          <m:ctrlPr>
+                            <a:rPr lang="en-US" b="0" i="1" smtClean="0">
+                              <a:latin typeface="Cambria Math" panose="02040503050406030204" pitchFamily="18" charset="0"/>
+                            </a:rPr>
+                          </m:ctrlPr>
+                        </m:fPr>
+                        <m:num>
+                          <m:sSup>
+                            <m:sSupPr>
+                              <m:ctrlPr>
+                                <a:rPr lang="en-US" b="0" i="1" smtClean="0">
+                                  <a:latin typeface="Cambria Math" panose="02040503050406030204" pitchFamily="18" charset="0"/>
+                                </a:rPr>
+                              </m:ctrlPr>
+                            </m:sSupPr>
+                            <m:e>
+                              <m:r>
+                                <a:rPr lang="en-US" b="0" i="1" smtClean="0">
+                                  <a:latin typeface="Cambria Math" panose="02040503050406030204" pitchFamily="18" charset="0"/>
+                                  <a:ea typeface="Cambria Math" panose="02040503050406030204" pitchFamily="18" charset="0"/>
+                                </a:rPr>
+                                <m:t>𝜇</m:t>
+                              </m:r>
+                            </m:e>
+                            <m:sup>
+                              <m:r>
+                                <a:rPr lang="en-US" b="0" i="1" smtClean="0">
+                                  <a:latin typeface="Cambria Math" panose="02040503050406030204" pitchFamily="18" charset="0"/>
+                                </a:rPr>
+                                <m:t>2</m:t>
+                              </m:r>
+                            </m:sup>
+                          </m:sSup>
+                        </m:num>
+                        <m:den>
+                          <m:sSup>
+                            <m:sSupPr>
+                              <m:ctrlPr>
+                                <a:rPr lang="en-US" i="1">
+                                  <a:latin typeface="Cambria Math" panose="02040503050406030204" pitchFamily="18" charset="0"/>
+                                </a:rPr>
+                              </m:ctrlPr>
+                            </m:sSupPr>
+                            <m:e>
+                              <m:r>
+                                <a:rPr lang="en-US" i="1">
+                                  <a:latin typeface="Cambria Math" panose="02040503050406030204" pitchFamily="18" charset="0"/>
+                                  <a:ea typeface="Cambria Math" panose="02040503050406030204" pitchFamily="18" charset="0"/>
+                                </a:rPr>
+                                <m:t>𝜎</m:t>
+                              </m:r>
+                            </m:e>
+                            <m:sup>
+                              <m:r>
+                                <a:rPr lang="en-US" i="1">
+                                  <a:latin typeface="Cambria Math" panose="02040503050406030204" pitchFamily="18" charset="0"/>
+                                </a:rPr>
+                                <m:t>2</m:t>
+                              </m:r>
+                            </m:sup>
+                          </m:sSup>
+                          <m:r>
+                            <a:rPr lang="en-US" b="0" i="1" smtClean="0">
+                              <a:latin typeface="Cambria Math" panose="02040503050406030204" pitchFamily="18" charset="0"/>
+                            </a:rPr>
+                            <m:t>−</m:t>
+                          </m:r>
+                          <m:r>
+                            <a:rPr lang="en-US" i="1">
+                              <a:latin typeface="Cambria Math" panose="02040503050406030204" pitchFamily="18" charset="0"/>
+                              <a:ea typeface="Cambria Math" panose="02040503050406030204" pitchFamily="18" charset="0"/>
+                            </a:rPr>
+                            <m:t>𝜇</m:t>
+                          </m:r>
+                        </m:den>
+                      </m:f>
+                    </m:oMath>
+                  </m:oMathPara>
+                </a14:m>
+                <a:endParaRPr lang="en-US" dirty="0"/>
+              </a:p>
+              <a:p>
+                <a:r>
+                  <a:rPr lang="en-US" dirty="0"/>
+                  <a:t>The form of the negative binomial distribution is then   </a:t>
+                </a:r>
+              </a:p>
+              <a:p>
+                <a:pPr marL="0" indent="0">
+                  <a:buNone/>
+                </a:pPr>
+                <a14:m>
+                  <m:oMathPara xmlns:m="http://schemas.openxmlformats.org/officeDocument/2006/math">
+                    <m:oMathParaPr>
+                      <m:jc m:val="centerGroup"/>
+                    </m:oMathParaPr>
+                    <m:oMath xmlns:m="http://schemas.openxmlformats.org/officeDocument/2006/math">
+                      <m:r>
+                        <a:rPr lang="en-US" i="1">
+                          <a:latin typeface="Cambria Math" panose="02040503050406030204" pitchFamily="18" charset="0"/>
+                        </a:rPr>
+                        <m:t>𝑓</m:t>
+                      </m:r>
+                      <m:d>
+                        <m:dPr>
+                          <m:ctrlPr>
+                            <a:rPr lang="en-US" i="1">
+                              <a:latin typeface="Cambria Math" panose="02040503050406030204" pitchFamily="18" charset="0"/>
+                            </a:rPr>
+                          </m:ctrlPr>
+                        </m:dPr>
+                        <m:e>
+                          <m:r>
+                            <a:rPr lang="en-US" i="1">
+                              <a:latin typeface="Cambria Math" panose="02040503050406030204" pitchFamily="18" charset="0"/>
+                            </a:rPr>
+                            <m:t>𝑘</m:t>
+                          </m:r>
+                          <m:r>
+                            <a:rPr lang="en-US" i="1">
+                              <a:latin typeface="Cambria Math" panose="02040503050406030204" pitchFamily="18" charset="0"/>
+                            </a:rPr>
+                            <m:t> | </m:t>
+                          </m:r>
+                          <m:r>
+                            <a:rPr lang="en-US" i="1">
+                              <a:latin typeface="Cambria Math" panose="02040503050406030204" pitchFamily="18" charset="0"/>
+                            </a:rPr>
+                            <m:t>𝑟</m:t>
+                          </m:r>
+                          <m:r>
+                            <a:rPr lang="en-US" i="1">
+                              <a:latin typeface="Cambria Math" panose="02040503050406030204" pitchFamily="18" charset="0"/>
+                            </a:rPr>
+                            <m:t>, </m:t>
+                          </m:r>
+                          <m:r>
+                            <a:rPr lang="en-US" i="1">
+                              <a:latin typeface="Cambria Math" panose="02040503050406030204" pitchFamily="18" charset="0"/>
+                            </a:rPr>
+                            <m:t>𝑝</m:t>
+                          </m:r>
+                        </m:e>
+                      </m:d>
+                      <m:r>
+                        <a:rPr lang="en-US" i="1">
+                          <a:latin typeface="Cambria Math" panose="02040503050406030204" pitchFamily="18" charset="0"/>
+                        </a:rPr>
+                        <m:t>=</m:t>
+                      </m:r>
+                      <m:d>
+                        <m:dPr>
+                          <m:ctrlPr>
+                            <a:rPr lang="en-US" i="1">
+                              <a:latin typeface="Cambria Math" panose="02040503050406030204" pitchFamily="18" charset="0"/>
+                            </a:rPr>
+                          </m:ctrlPr>
+                        </m:dPr>
+                        <m:e>
+                          <m:m>
+                            <m:mPr>
+                              <m:mcs>
+                                <m:mc>
+                                  <m:mcPr>
+                                    <m:count m:val="1"/>
+                                    <m:mcJc m:val="center"/>
+                                  </m:mcPr>
+                                </m:mc>
+                              </m:mcs>
+                              <m:ctrlPr>
+                                <a:rPr lang="en-US" i="1">
+                                  <a:latin typeface="Cambria Math" panose="02040503050406030204" pitchFamily="18" charset="0"/>
+                                </a:rPr>
+                              </m:ctrlPr>
+                            </m:mPr>
+                            <m:mr>
+                              <m:e>
+                                <m:r>
+                                  <m:rPr>
+                                    <m:brk m:alnAt="7"/>
+                                  </m:rPr>
+                                  <a:rPr lang="en-US" i="1">
+                                    <a:latin typeface="Cambria Math" panose="02040503050406030204" pitchFamily="18" charset="0"/>
+                                  </a:rPr>
+                                  <m:t>𝑘</m:t>
+                                </m:r>
+                                <m:r>
+                                  <a:rPr lang="en-US" i="1">
+                                    <a:latin typeface="Cambria Math" panose="02040503050406030204" pitchFamily="18" charset="0"/>
+                                  </a:rPr>
+                                  <m:t>+</m:t>
+                                </m:r>
+                                <m:f>
+                                  <m:fPr>
+                                    <m:ctrlPr>
+                                      <a:rPr lang="en-US" i="1">
+                                        <a:latin typeface="Cambria Math" panose="02040503050406030204" pitchFamily="18" charset="0"/>
+                                      </a:rPr>
+                                    </m:ctrlPr>
+                                  </m:fPr>
+                                  <m:num>
+                                    <m:sSup>
+                                      <m:sSupPr>
+                                        <m:ctrlPr>
+                                          <a:rPr lang="en-US" i="1">
+                                            <a:latin typeface="Cambria Math" panose="02040503050406030204" pitchFamily="18" charset="0"/>
+                                          </a:rPr>
+                                        </m:ctrlPr>
+                                      </m:sSupPr>
+                                      <m:e>
+                                        <m:r>
+                                          <a:rPr lang="en-US" i="1">
+                                            <a:latin typeface="Cambria Math" panose="02040503050406030204" pitchFamily="18" charset="0"/>
+                                            <a:ea typeface="Cambria Math" panose="02040503050406030204" pitchFamily="18" charset="0"/>
+                                          </a:rPr>
+                                          <m:t>𝜇</m:t>
+                                        </m:r>
+                                      </m:e>
+                                      <m:sup>
+                                        <m:r>
+                                          <a:rPr lang="en-US" i="1">
+                                            <a:latin typeface="Cambria Math" panose="02040503050406030204" pitchFamily="18" charset="0"/>
+                                          </a:rPr>
+                                          <m:t>2</m:t>
+                                        </m:r>
+                                      </m:sup>
+                                    </m:sSup>
+                                  </m:num>
+                                  <m:den>
+                                    <m:sSup>
+                                      <m:sSupPr>
+                                        <m:ctrlPr>
+                                          <a:rPr lang="en-US" i="1">
+                                            <a:latin typeface="Cambria Math" panose="02040503050406030204" pitchFamily="18" charset="0"/>
+                                          </a:rPr>
+                                        </m:ctrlPr>
+                                      </m:sSupPr>
+                                      <m:e>
+                                        <m:r>
+                                          <a:rPr lang="en-US" i="1">
+                                            <a:latin typeface="Cambria Math" panose="02040503050406030204" pitchFamily="18" charset="0"/>
+                                            <a:ea typeface="Cambria Math" panose="02040503050406030204" pitchFamily="18" charset="0"/>
+                                          </a:rPr>
+                                          <m:t>𝜎</m:t>
+                                        </m:r>
+                                      </m:e>
+                                      <m:sup>
+                                        <m:r>
+                                          <a:rPr lang="en-US" i="1">
+                                            <a:latin typeface="Cambria Math" panose="02040503050406030204" pitchFamily="18" charset="0"/>
+                                          </a:rPr>
+                                          <m:t>2</m:t>
+                                        </m:r>
+                                      </m:sup>
+                                    </m:sSup>
+                                    <m:r>
+                                      <a:rPr lang="en-US" i="1">
+                                        <a:latin typeface="Cambria Math" panose="02040503050406030204" pitchFamily="18" charset="0"/>
+                                      </a:rPr>
+                                      <m:t>−</m:t>
+                                    </m:r>
+                                    <m:r>
+                                      <a:rPr lang="en-US" i="1">
+                                        <a:latin typeface="Cambria Math" panose="02040503050406030204" pitchFamily="18" charset="0"/>
+                                        <a:ea typeface="Cambria Math" panose="02040503050406030204" pitchFamily="18" charset="0"/>
+                                      </a:rPr>
+                                      <m:t>𝜇</m:t>
+                                    </m:r>
+                                  </m:den>
+                                </m:f>
+                                <m:r>
+                                  <a:rPr lang="en-US" i="1">
+                                    <a:latin typeface="Cambria Math" panose="02040503050406030204" pitchFamily="18" charset="0"/>
+                                  </a:rPr>
+                                  <m:t>−</m:t>
+                                </m:r>
+                                <m:r>
+                                  <a:rPr lang="en-US" i="1">
+                                    <a:latin typeface="Cambria Math" panose="02040503050406030204" pitchFamily="18" charset="0"/>
+                                  </a:rPr>
+                                  <m:t>1</m:t>
+                                </m:r>
+                              </m:e>
+                            </m:mr>
+                            <m:mr>
+                              <m:e>
+                                <m:r>
+                                  <a:rPr lang="en-US" b="0" i="1" smtClean="0">
+                                    <a:latin typeface="Cambria Math" panose="02040503050406030204" pitchFamily="18" charset="0"/>
+                                  </a:rPr>
+                                  <m:t>𝑘</m:t>
+                                </m:r>
+                              </m:e>
+                            </m:mr>
+                          </m:m>
+                        </m:e>
+                      </m:d>
+                      <m:sSup>
+                        <m:sSupPr>
+                          <m:ctrlPr>
+                            <a:rPr lang="en-US" i="1">
+                              <a:latin typeface="Cambria Math" panose="02040503050406030204" pitchFamily="18" charset="0"/>
+                            </a:rPr>
+                          </m:ctrlPr>
+                        </m:sSupPr>
+                        <m:e>
+                          <m:d>
+                            <m:dPr>
+                              <m:ctrlPr>
+                                <a:rPr lang="en-US" i="1">
+                                  <a:latin typeface="Cambria Math" panose="02040503050406030204" pitchFamily="18" charset="0"/>
+                                </a:rPr>
+                              </m:ctrlPr>
+                            </m:dPr>
+                            <m:e>
+                              <m:r>
+                                <a:rPr lang="en-US" i="1">
+                                  <a:latin typeface="Cambria Math" panose="02040503050406030204" pitchFamily="18" charset="0"/>
+                                </a:rPr>
+                                <m:t>1</m:t>
+                              </m:r>
+                              <m:r>
+                                <a:rPr lang="en-US" i="1">
+                                  <a:latin typeface="Cambria Math" panose="02040503050406030204" pitchFamily="18" charset="0"/>
+                                </a:rPr>
+                                <m:t>−</m:t>
+                              </m:r>
+                              <m:f>
+                                <m:fPr>
+                                  <m:ctrlPr>
+                                    <a:rPr lang="en-US" i="1">
+                                      <a:latin typeface="Cambria Math" panose="02040503050406030204" pitchFamily="18" charset="0"/>
+                                    </a:rPr>
+                                  </m:ctrlPr>
+                                </m:fPr>
+                                <m:num>
+                                  <m:sSup>
+                                    <m:sSupPr>
+                                      <m:ctrlPr>
+                                        <a:rPr lang="en-US" i="1">
+                                          <a:latin typeface="Cambria Math" panose="02040503050406030204" pitchFamily="18" charset="0"/>
+                                        </a:rPr>
+                                      </m:ctrlPr>
+                                    </m:sSupPr>
+                                    <m:e>
+                                      <m:r>
+                                        <a:rPr lang="en-US" i="1">
+                                          <a:latin typeface="Cambria Math" panose="02040503050406030204" pitchFamily="18" charset="0"/>
+                                          <a:ea typeface="Cambria Math" panose="02040503050406030204" pitchFamily="18" charset="0"/>
+                                        </a:rPr>
+                                        <m:t>𝜇</m:t>
+                                      </m:r>
+                                    </m:e>
+                                    <m:sup>
+                                      <m:r>
+                                        <a:rPr lang="en-US" b="0" i="1" smtClean="0">
+                                          <a:latin typeface="Cambria Math" panose="02040503050406030204" pitchFamily="18" charset="0"/>
+                                          <a:ea typeface="Cambria Math" panose="02040503050406030204" pitchFamily="18" charset="0"/>
+                                        </a:rPr>
+                                        <m:t> </m:t>
+                                      </m:r>
+                                    </m:sup>
+                                  </m:sSup>
+                                </m:num>
+                                <m:den>
+                                  <m:sSup>
+                                    <m:sSupPr>
+                                      <m:ctrlPr>
+                                        <a:rPr lang="en-US" i="1">
+                                          <a:latin typeface="Cambria Math" panose="02040503050406030204" pitchFamily="18" charset="0"/>
+                                        </a:rPr>
+                                      </m:ctrlPr>
+                                    </m:sSupPr>
+                                    <m:e>
+                                      <m:r>
+                                        <a:rPr lang="en-US" i="1">
+                                          <a:latin typeface="Cambria Math" panose="02040503050406030204" pitchFamily="18" charset="0"/>
+                                          <a:ea typeface="Cambria Math" panose="02040503050406030204" pitchFamily="18" charset="0"/>
+                                        </a:rPr>
+                                        <m:t>𝜎</m:t>
+                                      </m:r>
+                                    </m:e>
+                                    <m:sup>
+                                      <m:r>
+                                        <a:rPr lang="en-US" i="1">
+                                          <a:latin typeface="Cambria Math" panose="02040503050406030204" pitchFamily="18" charset="0"/>
+                                        </a:rPr>
+                                        <m:t>2</m:t>
+                                      </m:r>
+                                    </m:sup>
+                                  </m:sSup>
+                                </m:den>
+                              </m:f>
+                            </m:e>
+                          </m:d>
+                        </m:e>
+                        <m:sup>
+                          <m:r>
+                            <a:rPr lang="en-US" i="1">
+                              <a:latin typeface="Cambria Math" panose="02040503050406030204" pitchFamily="18" charset="0"/>
+                            </a:rPr>
+                            <m:t>𝑘</m:t>
+                          </m:r>
+                        </m:sup>
+                      </m:sSup>
+                      <m:sSup>
+                        <m:sSupPr>
+                          <m:ctrlPr>
+                            <a:rPr lang="en-US" i="1">
+                              <a:latin typeface="Cambria Math" panose="02040503050406030204" pitchFamily="18" charset="0"/>
+                            </a:rPr>
+                          </m:ctrlPr>
+                        </m:sSupPr>
+                        <m:e>
+                          <m:d>
+                            <m:dPr>
+                              <m:ctrlPr>
+                                <a:rPr lang="en-US" i="1">
+                                  <a:latin typeface="Cambria Math" panose="02040503050406030204" pitchFamily="18" charset="0"/>
+                                </a:rPr>
+                              </m:ctrlPr>
+                            </m:dPr>
+                            <m:e>
+                              <m:f>
+                                <m:fPr>
+                                  <m:ctrlPr>
+                                    <a:rPr lang="en-US" i="1">
+                                      <a:latin typeface="Cambria Math" panose="02040503050406030204" pitchFamily="18" charset="0"/>
+                                    </a:rPr>
+                                  </m:ctrlPr>
+                                </m:fPr>
+                                <m:num>
+                                  <m:sSup>
+                                    <m:sSupPr>
+                                      <m:ctrlPr>
+                                        <a:rPr lang="en-US" i="1">
+                                          <a:latin typeface="Cambria Math" panose="02040503050406030204" pitchFamily="18" charset="0"/>
+                                        </a:rPr>
+                                      </m:ctrlPr>
+                                    </m:sSupPr>
+                                    <m:e>
+                                      <m:r>
+                                        <a:rPr lang="en-US" i="1">
+                                          <a:latin typeface="Cambria Math" panose="02040503050406030204" pitchFamily="18" charset="0"/>
+                                          <a:ea typeface="Cambria Math" panose="02040503050406030204" pitchFamily="18" charset="0"/>
+                                        </a:rPr>
+                                        <m:t>𝜇</m:t>
+                                      </m:r>
+                                    </m:e>
+                                    <m:sup>
+                                      <m:r>
+                                        <a:rPr lang="en-US" i="1">
+                                          <a:latin typeface="Cambria Math" panose="02040503050406030204" pitchFamily="18" charset="0"/>
+                                          <a:ea typeface="Cambria Math" panose="02040503050406030204" pitchFamily="18" charset="0"/>
+                                        </a:rPr>
+                                        <m:t> </m:t>
+                                      </m:r>
+                                    </m:sup>
+                                  </m:sSup>
+                                </m:num>
+                                <m:den>
+                                  <m:sSup>
+                                    <m:sSupPr>
+                                      <m:ctrlPr>
+                                        <a:rPr lang="en-US" i="1">
+                                          <a:latin typeface="Cambria Math" panose="02040503050406030204" pitchFamily="18" charset="0"/>
+                                        </a:rPr>
+                                      </m:ctrlPr>
+                                    </m:sSupPr>
+                                    <m:e>
+                                      <m:r>
+                                        <a:rPr lang="en-US" i="1">
+                                          <a:latin typeface="Cambria Math" panose="02040503050406030204" pitchFamily="18" charset="0"/>
+                                          <a:ea typeface="Cambria Math" panose="02040503050406030204" pitchFamily="18" charset="0"/>
+                                        </a:rPr>
+                                        <m:t>𝜎</m:t>
+                                      </m:r>
+                                    </m:e>
+                                    <m:sup>
+                                      <m:r>
+                                        <a:rPr lang="en-US" i="1">
+                                          <a:latin typeface="Cambria Math" panose="02040503050406030204" pitchFamily="18" charset="0"/>
+                                        </a:rPr>
+                                        <m:t>2</m:t>
+                                      </m:r>
+                                    </m:sup>
+                                  </m:sSup>
+                                </m:den>
+                              </m:f>
+                            </m:e>
+                          </m:d>
+                        </m:e>
+                        <m:sup>
+                          <m:f>
+                            <m:fPr>
+                              <m:ctrlPr>
+                                <a:rPr lang="en-US" i="1">
+                                  <a:latin typeface="Cambria Math" panose="02040503050406030204" pitchFamily="18" charset="0"/>
+                                </a:rPr>
+                              </m:ctrlPr>
+                            </m:fPr>
+                            <m:num>
+                              <m:sSup>
+                                <m:sSupPr>
+                                  <m:ctrlPr>
+                                    <a:rPr lang="en-US" i="1">
+                                      <a:latin typeface="Cambria Math" panose="02040503050406030204" pitchFamily="18" charset="0"/>
+                                    </a:rPr>
+                                  </m:ctrlPr>
+                                </m:sSupPr>
+                                <m:e>
+                                  <m:r>
+                                    <a:rPr lang="en-US" i="1">
+                                      <a:latin typeface="Cambria Math" panose="02040503050406030204" pitchFamily="18" charset="0"/>
+                                      <a:ea typeface="Cambria Math" panose="02040503050406030204" pitchFamily="18" charset="0"/>
+                                    </a:rPr>
+                                    <m:t>𝜇</m:t>
+                                  </m:r>
+                                </m:e>
+                                <m:sup>
+                                  <m:r>
+                                    <a:rPr lang="en-US" i="1">
+                                      <a:latin typeface="Cambria Math" panose="02040503050406030204" pitchFamily="18" charset="0"/>
+                                    </a:rPr>
+                                    <m:t>2</m:t>
+                                  </m:r>
+                                </m:sup>
+                              </m:sSup>
+                            </m:num>
+                            <m:den>
+                              <m:sSup>
+                                <m:sSupPr>
+                                  <m:ctrlPr>
+                                    <a:rPr lang="en-US" i="1">
+                                      <a:latin typeface="Cambria Math" panose="02040503050406030204" pitchFamily="18" charset="0"/>
+                                    </a:rPr>
+                                  </m:ctrlPr>
+                                </m:sSupPr>
+                                <m:e>
+                                  <m:r>
+                                    <a:rPr lang="en-US" i="1">
+                                      <a:latin typeface="Cambria Math" panose="02040503050406030204" pitchFamily="18" charset="0"/>
+                                      <a:ea typeface="Cambria Math" panose="02040503050406030204" pitchFamily="18" charset="0"/>
+                                    </a:rPr>
+                                    <m:t>𝜎</m:t>
+                                  </m:r>
+                                </m:e>
+                                <m:sup>
+                                  <m:r>
+                                    <a:rPr lang="en-US" i="1">
+                                      <a:latin typeface="Cambria Math" panose="02040503050406030204" pitchFamily="18" charset="0"/>
+                                    </a:rPr>
+                                    <m:t>2</m:t>
+                                  </m:r>
+                                </m:sup>
+                              </m:sSup>
+                              <m:r>
+                                <a:rPr lang="en-US" i="1">
+                                  <a:latin typeface="Cambria Math" panose="02040503050406030204" pitchFamily="18" charset="0"/>
+                                </a:rPr>
+                                <m:t>−</m:t>
+                              </m:r>
+                              <m:r>
+                                <a:rPr lang="en-US" i="1">
+                                  <a:latin typeface="Cambria Math" panose="02040503050406030204" pitchFamily="18" charset="0"/>
+                                  <a:ea typeface="Cambria Math" panose="02040503050406030204" pitchFamily="18" charset="0"/>
+                                </a:rPr>
+                                <m:t>𝜇</m:t>
+                              </m:r>
+                            </m:den>
+                          </m:f>
+                        </m:sup>
+                      </m:sSup>
+                    </m:oMath>
+                  </m:oMathPara>
+                </a14:m>
+                <a:endParaRPr lang="en-US" dirty="0"/>
+              </a:p>
+              <a:p>
+                <a:endParaRPr lang="en-US" dirty="0"/>
+              </a:p>
+              <a:p>
+                <a:pPr lvl="1"/>
+                <a:endParaRPr dirty="0"/>
+              </a:p>
+            </p:txBody>
+          </p:sp>
+        </mc:Choice>
+        <mc:Fallback>
+          <p:sp>
+            <p:nvSpPr>
+              <p:cNvPr id="3" name="Content Placeholder 2">
+                <a:extLst>
+                  <a:ext uri="{FF2B5EF4-FFF2-40B4-BE49-F238E27FC236}">
+                    <a16:creationId xmlns:a16="http://schemas.microsoft.com/office/drawing/2014/main" id="{364107CC-0B7A-2331-4339-E9C4D766CB50}"/>
+                  </a:ext>
+                </a:extLst>
+              </p:cNvPr>
+              <p:cNvSpPr>
+                <a:spLocks noGrp="1" noRot="1" noChangeAspect="1" noMove="1" noResize="1" noEditPoints="1" noAdjustHandles="1" noChangeArrowheads="1" noChangeShapeType="1" noTextEdit="1"/>
+              </p:cNvSpPr>
+              <p:nvPr>
+                <p:ph idx="1"/>
+              </p:nvPr>
+            </p:nvSpPr>
+            <p:spPr>
+              <a:xfrm>
+                <a:off x="457200" y="1105408"/>
+                <a:ext cx="8229600" cy="3616959"/>
+              </a:xfrm>
+              <a:blipFill>
+                <a:blip r:embed="rId3"/>
+                <a:stretch>
+                  <a:fillRect l="-963" t="-1852" r="-667"/>
+                </a:stretch>
+              </a:blipFill>
+            </p:spPr>
+            <p:txBody>
+              <a:bodyPr/>
+              <a:lstStyle/>
+              <a:p>
+                <a:r>
+                  <a:rPr lang="en-US">
+                    <a:noFill/>
+                  </a:rPr>
+                  <a:t> </a:t>
+                </a:r>
+              </a:p>
+            </p:txBody>
+          </p:sp>
+        </mc:Fallback>
+      </mc:AlternateContent>
+    </p:spTree>
+    <p:extLst>
+      <p:ext uri="{BB962C8B-B14F-4D97-AF65-F5344CB8AC3E}">
+        <p14:creationId xmlns:p14="http://schemas.microsoft.com/office/powerpoint/2010/main" val="562998681"/>
+      </p:ext>
+    </p:extLst>
+  </p:cSld>
+  <p:clrMapOvr>
+    <a:masterClrMapping/>
+  </p:clrMapOvr>
+</p:sld>
+</file>
+
+<file path=ppt/slides/slide27.xml><?xml version="1.0" encoding="utf-8"?>
+<p:sld xmlns:a="http://schemas.openxmlformats.org/drawingml/2006/main" xmlns:r="http://schemas.openxmlformats.org/officeDocument/2006/relationships" xmlns:p="http://schemas.openxmlformats.org/presentationml/2006/main">
+  <p:cSld>
+    <p:spTree>
+      <p:nvGrpSpPr>
+        <p:cNvPr id="1" name="">
+          <a:extLst>
+            <a:ext uri="{FF2B5EF4-FFF2-40B4-BE49-F238E27FC236}">
+              <a16:creationId xmlns:a16="http://schemas.microsoft.com/office/drawing/2014/main" id="{33030D59-FC5A-4187-23EF-2D853B9B472C}"/>
+            </a:ext>
+          </a:extLst>
+        </p:cNvPr>
+        <p:cNvGrpSpPr/>
+        <p:nvPr/>
+      </p:nvGrpSpPr>
+      <p:grpSpPr>
+        <a:xfrm>
+          <a:off x="0" y="0"/>
+          <a:ext cx="0" cy="0"/>
+          <a:chOff x="0" y="0"/>
+          <a:chExt cx="0" cy="0"/>
+        </a:xfrm>
+      </p:grpSpPr>
+      <p:sp>
+        <p:nvSpPr>
+          <p:cNvPr id="2" name="Title 1">
+            <a:extLst>
+              <a:ext uri="{FF2B5EF4-FFF2-40B4-BE49-F238E27FC236}">
+                <a16:creationId xmlns:a16="http://schemas.microsoft.com/office/drawing/2014/main" id="{EF626DC8-5E3C-C7C0-5F01-A17371AE8E1B}"/>
+              </a:ext>
+            </a:extLst>
+          </p:cNvPr>
+          <p:cNvSpPr>
+            <a:spLocks noGrp="1"/>
+          </p:cNvSpPr>
+          <p:nvPr>
+            <p:ph type="title"/>
+          </p:nvPr>
+        </p:nvSpPr>
+        <p:spPr/>
+        <p:txBody>
+          <a:bodyPr/>
+          <a:lstStyle/>
+          <a:p>
+            <a:pPr marL="0" lvl="0" indent="0">
+              <a:buNone/>
+            </a:pPr>
+            <a:r>
+              <a:rPr lang="en-US" dirty="0"/>
+              <a:t>Negative Binomial Distribution</a:t>
+            </a:r>
+            <a:endParaRPr dirty="0"/>
+          </a:p>
+        </p:txBody>
+      </p:sp>
+      <mc:AlternateContent xmlns:mc="http://schemas.openxmlformats.org/markup-compatibility/2006">
+        <mc:Choice xmlns:a14="http://schemas.microsoft.com/office/drawing/2010/main" Requires="a14">
+          <p:sp>
+            <p:nvSpPr>
+              <p:cNvPr id="3" name="Content Placeholder 2">
+                <a:extLst>
+                  <a:ext uri="{FF2B5EF4-FFF2-40B4-BE49-F238E27FC236}">
+                    <a16:creationId xmlns:a16="http://schemas.microsoft.com/office/drawing/2014/main" id="{63FD7361-F608-6D5C-7F2E-ADAE3E265BA8}"/>
+                  </a:ext>
+                </a:extLst>
+              </p:cNvPr>
+              <p:cNvSpPr>
+                <a:spLocks noGrp="1"/>
+              </p:cNvSpPr>
+              <p:nvPr>
+                <p:ph idx="1"/>
+              </p:nvPr>
+            </p:nvSpPr>
+            <p:spPr>
+              <a:xfrm>
+                <a:off x="457200" y="1105408"/>
+                <a:ext cx="8229600" cy="3616959"/>
+              </a:xfrm>
+            </p:spPr>
+            <p:txBody>
+              <a:bodyPr>
+                <a:normAutofit fontScale="92500" lnSpcReduction="10000"/>
+              </a:bodyPr>
+              <a:lstStyle/>
+              <a:p>
+                <a:pPr marL="0" lvl="0" indent="0">
+                  <a:buNone/>
+                </a:pPr>
+                <a:r>
+                  <a:rPr lang="en-US" dirty="0"/>
+                  <a:t>The </a:t>
+                </a:r>
+                <a14:m>
+                  <m:oMath xmlns:m="http://schemas.openxmlformats.org/officeDocument/2006/math">
+                    <m:r>
+                      <a:rPr lang="en-US" b="1" i="0" dirty="0" smtClean="0">
+                        <a:latin typeface="Cambria Math" panose="02040503050406030204" pitchFamily="18" charset="0"/>
+                        <a:hlinkClick r:id="rId2"/>
+                      </a:rPr>
+                      <m:t>𝐧𝐞𝐠𝐚𝐭𝐢𝐯𝐞</m:t>
+                    </m:r>
+                    <m:r>
+                      <a:rPr lang="en-US" b="1" i="0" dirty="0" smtClean="0">
+                        <a:latin typeface="Cambria Math" panose="02040503050406030204" pitchFamily="18" charset="0"/>
+                        <a:hlinkClick r:id="rId2"/>
+                      </a:rPr>
+                      <m:t> </m:t>
+                    </m:r>
+                    <m:r>
+                      <a:rPr lang="en-US" b="1" i="0" dirty="0" smtClean="0">
+                        <a:latin typeface="Cambria Math" panose="02040503050406030204" pitchFamily="18" charset="0"/>
+                        <a:hlinkClick r:id="rId2"/>
+                      </a:rPr>
+                      <m:t>𝐛𝐢𝐧𝐨𝐦𝐢𝐚𝐥</m:t>
+                    </m:r>
+                    <m:r>
+                      <a:rPr lang="en-US" b="1" i="0" dirty="0" smtClean="0">
+                        <a:latin typeface="Cambria Math" panose="02040503050406030204" pitchFamily="18" charset="0"/>
+                        <a:hlinkClick r:id="rId2"/>
+                      </a:rPr>
+                      <m:t> </m:t>
+                    </m:r>
+                    <m:r>
+                      <a:rPr lang="en-US" b="1" i="0" dirty="0" smtClean="0">
+                        <a:latin typeface="Cambria Math" panose="02040503050406030204" pitchFamily="18" charset="0"/>
+                        <a:hlinkClick r:id="rId2"/>
+                      </a:rPr>
+                      <m:t>𝐝𝐢𝐬𝐭𝐫𝐢𝐛𝐮𝐭𝐢𝐨𝐧</m:t>
+                    </m:r>
+                    <m:r>
+                      <a:rPr lang="en-US" b="1" i="0" dirty="0" smtClean="0">
+                        <a:latin typeface="Cambria Math" panose="02040503050406030204" pitchFamily="18" charset="0"/>
+                        <a:hlinkClick r:id="rId2"/>
+                      </a:rPr>
+                      <m:t> </m:t>
+                    </m:r>
+                  </m:oMath>
+                </a14:m>
+                <a:r>
+                  <a:rPr lang="en-US" dirty="0"/>
+                  <a:t>is a generalization of the Poisson distribution </a:t>
+                </a:r>
+              </a:p>
+              <a:p>
+                <a:r>
+                  <a:rPr lang="en-US" dirty="0"/>
+                  <a:t>We can reparametrize to get a form suitable for analysis in terms of the average arrival rate, </a:t>
+                </a:r>
+                <a14:m>
+                  <m:oMath xmlns:m="http://schemas.openxmlformats.org/officeDocument/2006/math">
+                    <m:r>
+                      <a:rPr lang="en-US" i="1">
+                        <a:latin typeface="Cambria Math" panose="02040503050406030204" pitchFamily="18" charset="0"/>
+                        <a:ea typeface="Cambria Math" panose="02040503050406030204" pitchFamily="18" charset="0"/>
+                      </a:rPr>
+                      <m:t>𝜇</m:t>
+                    </m:r>
+                  </m:oMath>
+                </a14:m>
+                <a:r>
+                  <a:rPr lang="en-US" dirty="0"/>
+                  <a:t>, and the variance, </a:t>
+                </a:r>
+                <a14:m>
+                  <m:oMath xmlns:m="http://schemas.openxmlformats.org/officeDocument/2006/math">
+                    <m:sSup>
+                      <m:sSupPr>
+                        <m:ctrlPr>
+                          <a:rPr lang="en-US" i="1" smtClean="0">
+                            <a:latin typeface="Cambria Math" panose="02040503050406030204" pitchFamily="18" charset="0"/>
+                          </a:rPr>
+                        </m:ctrlPr>
+                      </m:sSupPr>
+                      <m:e>
+                        <m:r>
+                          <a:rPr lang="en-US" i="1">
+                            <a:latin typeface="Cambria Math" panose="02040503050406030204" pitchFamily="18" charset="0"/>
+                            <a:ea typeface="Cambria Math" panose="02040503050406030204" pitchFamily="18" charset="0"/>
+                          </a:rPr>
+                          <m:t>𝜎</m:t>
+                        </m:r>
+                      </m:e>
+                      <m:sup>
+                        <m:r>
+                          <a:rPr lang="en-US" i="1">
+                            <a:latin typeface="Cambria Math" panose="02040503050406030204" pitchFamily="18" charset="0"/>
+                          </a:rPr>
+                          <m:t>2</m:t>
+                        </m:r>
+                      </m:sup>
+                    </m:sSup>
+                  </m:oMath>
+                </a14:m>
+                <a:endParaRPr lang="en-US" dirty="0"/>
+              </a:p>
+              <a:p>
+                <a:pPr marL="0" indent="0">
+                  <a:buNone/>
+                </a:pPr>
+                <a14:m>
+                  <m:oMathPara xmlns:m="http://schemas.openxmlformats.org/officeDocument/2006/math">
+                    <m:oMathParaPr>
+                      <m:jc m:val="centerGroup"/>
+                    </m:oMathParaPr>
+                    <m:oMath xmlns:m="http://schemas.openxmlformats.org/officeDocument/2006/math">
+                      <m:r>
+                        <a:rPr lang="en-US" b="0" i="1" smtClean="0">
+                          <a:latin typeface="Cambria Math" panose="02040503050406030204" pitchFamily="18" charset="0"/>
+                        </a:rPr>
+                        <m:t>𝑝</m:t>
+                      </m:r>
+                      <m:r>
+                        <a:rPr lang="en-US" b="0" i="1" smtClean="0">
+                          <a:latin typeface="Cambria Math" panose="02040503050406030204" pitchFamily="18" charset="0"/>
+                        </a:rPr>
+                        <m:t>=</m:t>
+                      </m:r>
+                      <m:f>
+                        <m:fPr>
+                          <m:ctrlPr>
+                            <a:rPr lang="en-US" b="0" i="1" smtClean="0">
+                              <a:latin typeface="Cambria Math" panose="02040503050406030204" pitchFamily="18" charset="0"/>
+                            </a:rPr>
+                          </m:ctrlPr>
+                        </m:fPr>
+                        <m:num>
+                          <m:r>
+                            <a:rPr lang="en-US" b="0" i="1" smtClean="0">
+                              <a:latin typeface="Cambria Math" panose="02040503050406030204" pitchFamily="18" charset="0"/>
+                              <a:ea typeface="Cambria Math" panose="02040503050406030204" pitchFamily="18" charset="0"/>
+                            </a:rPr>
+                            <m:t>𝜇</m:t>
+                          </m:r>
+                        </m:num>
+                        <m:den>
+                          <m:sSup>
+                            <m:sSupPr>
+                              <m:ctrlPr>
+                                <a:rPr lang="en-US" b="0" i="1" smtClean="0">
+                                  <a:latin typeface="Cambria Math" panose="02040503050406030204" pitchFamily="18" charset="0"/>
+                                </a:rPr>
+                              </m:ctrlPr>
+                            </m:sSupPr>
+                            <m:e>
+                              <m:r>
+                                <a:rPr lang="en-US" b="0" i="1" smtClean="0">
+                                  <a:latin typeface="Cambria Math" panose="02040503050406030204" pitchFamily="18" charset="0"/>
+                                  <a:ea typeface="Cambria Math" panose="02040503050406030204" pitchFamily="18" charset="0"/>
+                                </a:rPr>
+                                <m:t>𝜎</m:t>
+                              </m:r>
+                            </m:e>
+                            <m:sup>
+                              <m:r>
+                                <a:rPr lang="en-US" b="0" i="1" smtClean="0">
+                                  <a:latin typeface="Cambria Math" panose="02040503050406030204" pitchFamily="18" charset="0"/>
+                                </a:rPr>
+                                <m:t>2</m:t>
+                              </m:r>
+                            </m:sup>
+                          </m:sSup>
+                        </m:den>
+                      </m:f>
+                      <m:r>
+                        <a:rPr lang="en-US" b="0" i="1" smtClean="0">
+                          <a:latin typeface="Cambria Math" panose="02040503050406030204" pitchFamily="18" charset="0"/>
+                        </a:rPr>
+                        <m:t>,    </m:t>
+                      </m:r>
+                      <m:r>
+                        <a:rPr lang="en-US" b="0" i="1" smtClean="0">
+                          <a:latin typeface="Cambria Math" panose="02040503050406030204" pitchFamily="18" charset="0"/>
+                        </a:rPr>
+                        <m:t>𝑟</m:t>
                       </m:r>
                       <m:r>
                         <a:rPr lang="en-US" b="0" i="1" smtClean="0">
@@ -13426,30 +14063,7 @@
                 <a:pPr lvl="1"/>
                 <a:r>
                   <a:rPr lang="en-US" dirty="0"/>
-                  <a:t>The parameter </a:t>
-                </a:r>
-                <a14:m>
-                  <m:oMath xmlns:m="http://schemas.openxmlformats.org/officeDocument/2006/math">
-                    <m:r>
-                      <a:rPr lang="en-US" b="0" i="1" smtClean="0">
-                        <a:latin typeface="Cambria Math" panose="02040503050406030204" pitchFamily="18" charset="0"/>
-                        <a:ea typeface="Cambria Math" panose="02040503050406030204" pitchFamily="18" charset="0"/>
-                      </a:rPr>
-                      <m:t>𝛼</m:t>
-                    </m:r>
-                  </m:oMath>
-                </a14:m>
-                <a:r>
-                  <a:rPr lang="en-US" dirty="0"/>
-                  <a:t> adds </a:t>
-                </a:r>
-                <a:r>
-                  <a:rPr lang="en-US" b="1" dirty="0"/>
-                  <a:t>excess dispersion </a:t>
-                </a:r>
-                <a:r>
-                  <a:rPr lang="en-US" dirty="0"/>
-                  <a:t>as a function of </a:t>
+                  <a:t>When </a:t>
                 </a:r>
                 <a14:m>
                   <m:oMath xmlns:m="http://schemas.openxmlformats.org/officeDocument/2006/math">
@@ -13467,7 +14081,7 @@
                             <a:latin typeface="Cambria Math" panose="02040503050406030204" pitchFamily="18" charset="0"/>
                             <a:ea typeface="Cambria Math" panose="02040503050406030204" pitchFamily="18" charset="0"/>
                           </a:rPr>
-                          <m:t>𝜇</m:t>
+                          <m:t>𝜎</m:t>
                         </m:r>
                       </m:e>
                       <m:sup>
@@ -13479,69 +14093,185 @@
                         </m:r>
                       </m:sup>
                     </m:sSup>
-                  </m:oMath>
-                </a14:m>
-                <a:endParaRPr lang="en-US" dirty="0"/>
-              </a:p>
-              <a:p>
-                <a:pPr lvl="1"/>
-                <a:r>
-                  <a:rPr lang="en-US" dirty="0"/>
-                  <a:t>Increasing </a:t>
-                </a:r>
-                <a14:m>
-                  <m:oMath xmlns:m="http://schemas.openxmlformats.org/officeDocument/2006/math">
                     <m:r>
-                      <a:rPr lang="en-US" b="0" i="1" smtClean="0">
+                      <a:rPr lang="en-US" i="1" smtClean="0">
                         <a:latin typeface="Cambria Math" panose="02040503050406030204" pitchFamily="18" charset="0"/>
                         <a:ea typeface="Cambria Math" panose="02040503050406030204" pitchFamily="18" charset="0"/>
                       </a:rPr>
-                      <m:t>𝛼</m:t>
+                      <m:t>&gt;</m:t>
+                    </m:r>
+                    <m:r>
+                      <a:rPr lang="en-US" i="1">
+                        <a:latin typeface="Cambria Math" panose="02040503050406030204" pitchFamily="18" charset="0"/>
+                        <a:ea typeface="Cambria Math" panose="02040503050406030204" pitchFamily="18" charset="0"/>
+                      </a:rPr>
+                      <m:t>𝜇</m:t>
                     </m:r>
                   </m:oMath>
                 </a14:m>
                 <a:r>
                   <a:rPr lang="en-US" dirty="0"/>
-                  <a:t> increases the dispersion of the negative binomial distribution </a:t>
+                  <a:t> the distribution has </a:t>
+                </a:r>
+                <a:r>
+                  <a:rPr lang="en-US" b="1" dirty="0"/>
+                  <a:t>excess dispersion </a:t>
+                </a:r>
+                <a:r>
+                  <a:rPr lang="en-US" dirty="0"/>
+                  <a:t>since r in</a:t>
                 </a:r>
               </a:p>
               <a:p>
                 <a:pPr lvl="1"/>
                 <a:r>
                   <a:rPr lang="en-US" dirty="0"/>
-                  <a:t>At </a:t>
+                  <a:t>For the Poisson distribution </a:t>
                 </a:r>
                 <a14:m>
                   <m:oMath xmlns:m="http://schemas.openxmlformats.org/officeDocument/2006/math">
                     <m:r>
+                      <a:rPr lang="en-US" i="1">
+                        <a:latin typeface="Cambria Math" panose="02040503050406030204" pitchFamily="18" charset="0"/>
+                      </a:rPr>
+                      <m:t>𝑝</m:t>
+                    </m:r>
+                    <m:r>
+                      <a:rPr lang="en-US" i="1">
+                        <a:latin typeface="Cambria Math" panose="02040503050406030204" pitchFamily="18" charset="0"/>
+                      </a:rPr>
+                      <m:t>=</m:t>
+                    </m:r>
+                    <m:f>
+                      <m:fPr>
+                        <m:ctrlPr>
+                          <a:rPr lang="en-US" i="1">
+                            <a:latin typeface="Cambria Math" panose="02040503050406030204" pitchFamily="18" charset="0"/>
+                          </a:rPr>
+                        </m:ctrlPr>
+                      </m:fPr>
+                      <m:num>
+                        <m:r>
+                          <a:rPr lang="en-US" i="1">
+                            <a:latin typeface="Cambria Math" panose="02040503050406030204" pitchFamily="18" charset="0"/>
+                            <a:ea typeface="Cambria Math" panose="02040503050406030204" pitchFamily="18" charset="0"/>
+                          </a:rPr>
+                          <m:t>𝜇</m:t>
+                        </m:r>
+                      </m:num>
+                      <m:den>
+                        <m:sSup>
+                          <m:sSupPr>
+                            <m:ctrlPr>
+                              <a:rPr lang="en-US" i="1">
+                                <a:latin typeface="Cambria Math" panose="02040503050406030204" pitchFamily="18" charset="0"/>
+                              </a:rPr>
+                            </m:ctrlPr>
+                          </m:sSupPr>
+                          <m:e>
+                            <m:r>
+                              <a:rPr lang="en-US" i="1">
+                                <a:latin typeface="Cambria Math" panose="02040503050406030204" pitchFamily="18" charset="0"/>
+                                <a:ea typeface="Cambria Math" panose="02040503050406030204" pitchFamily="18" charset="0"/>
+                              </a:rPr>
+                              <m:t>𝜎</m:t>
+                            </m:r>
+                          </m:e>
+                          <m:sup>
+                            <m:r>
+                              <a:rPr lang="en-US" i="1">
+                                <a:latin typeface="Cambria Math" panose="02040503050406030204" pitchFamily="18" charset="0"/>
+                              </a:rPr>
+                              <m:t>2</m:t>
+                            </m:r>
+                          </m:sup>
+                        </m:sSup>
+                      </m:den>
+                    </m:f>
+                    <m:r>
                       <a:rPr lang="en-US" b="0" i="1" smtClean="0">
                         <a:latin typeface="Cambria Math" panose="02040503050406030204" pitchFamily="18" charset="0"/>
-                        <a:ea typeface="Cambria Math" panose="02040503050406030204" pitchFamily="18" charset="0"/>
-                      </a:rPr>
-                      <m:t>𝛼</m:t>
-                    </m:r>
-                    <m:r>
-                      <a:rPr lang="en-US" b="0" i="0" smtClean="0">
-                        <a:latin typeface="Cambria Math" panose="02040503050406030204" pitchFamily="18" charset="0"/>
-                        <a:ea typeface="Cambria Math" panose="02040503050406030204" pitchFamily="18" charset="0"/>
                       </a:rPr>
                       <m:t>=</m:t>
                     </m:r>
                     <m:r>
-                      <a:rPr lang="en-US" b="0" i="0" smtClean="0">
+                      <a:rPr lang="en-US" b="0" i="1" smtClean="0">
                         <a:latin typeface="Cambria Math" panose="02040503050406030204" pitchFamily="18" charset="0"/>
-                        <a:ea typeface="Cambria Math" panose="02040503050406030204" pitchFamily="18" charset="0"/>
                       </a:rPr>
-                      <m:t>0</m:t>
+                      <m:t>1</m:t>
                     </m:r>
                   </m:oMath>
                 </a14:m>
                 <a:r>
                   <a:rPr lang="en-US" dirty="0"/>
-                  <a:t> the negative binomial distribution is identical to the Poisson distribution </a:t>
+                  <a:t>, and </a:t>
                 </a:r>
-              </a:p>
-              <a:p>
+                <a14:m>
+                  <m:oMath xmlns:m="http://schemas.openxmlformats.org/officeDocument/2006/math">
+                    <m:r>
+                      <a:rPr lang="en-US" i="1">
+                        <a:latin typeface="Cambria Math" panose="02040503050406030204" pitchFamily="18" charset="0"/>
+                      </a:rPr>
+                      <m:t>𝑟</m:t>
+                    </m:r>
+                    <m:r>
+                      <a:rPr lang="en-US" i="1">
+                        <a:latin typeface="Cambria Math" panose="02040503050406030204" pitchFamily="18" charset="0"/>
+                      </a:rPr>
+                      <m:t>=</m:t>
+                    </m:r>
+                    <m:f>
+                      <m:fPr>
+                        <m:ctrlPr>
+                          <a:rPr lang="en-US" i="1">
+                            <a:latin typeface="Cambria Math" panose="02040503050406030204" pitchFamily="18" charset="0"/>
+                          </a:rPr>
+                        </m:ctrlPr>
+                      </m:fPr>
+                      <m:num>
+                        <m:r>
+                          <a:rPr lang="en-US" b="0" i="1" smtClean="0">
+                            <a:latin typeface="Cambria Math" panose="02040503050406030204" pitchFamily="18" charset="0"/>
+                          </a:rPr>
+                          <m:t>1</m:t>
+                        </m:r>
+                      </m:num>
+                      <m:den>
+                        <m:r>
+                          <a:rPr lang="en-US" b="0" i="1" smtClean="0">
+                            <a:latin typeface="Cambria Math" panose="02040503050406030204" pitchFamily="18" charset="0"/>
+                          </a:rPr>
+                          <m:t>1</m:t>
+                        </m:r>
+                        <m:r>
+                          <a:rPr lang="en-US" i="1">
+                            <a:latin typeface="Cambria Math" panose="02040503050406030204" pitchFamily="18" charset="0"/>
+                          </a:rPr>
+                          <m:t>−</m:t>
+                        </m:r>
+                        <m:r>
+                          <a:rPr lang="en-US" b="0" i="1" smtClean="0">
+                            <a:latin typeface="Cambria Math" panose="02040503050406030204" pitchFamily="18" charset="0"/>
+                          </a:rPr>
+                          <m:t>1</m:t>
+                        </m:r>
+                        <m:r>
+                          <a:rPr lang="en-US" b="0" i="1" smtClean="0">
+                            <a:latin typeface="Cambria Math" panose="02040503050406030204" pitchFamily="18" charset="0"/>
+                          </a:rPr>
+                          <m:t>/</m:t>
+                        </m:r>
+                        <m:r>
+                          <a:rPr lang="en-US" i="1">
+                            <a:latin typeface="Cambria Math" panose="02040503050406030204" pitchFamily="18" charset="0"/>
+                            <a:ea typeface="Cambria Math" panose="02040503050406030204" pitchFamily="18" charset="0"/>
+                          </a:rPr>
+                          <m:t>𝜇</m:t>
+                        </m:r>
+                      </m:den>
+                    </m:f>
+                  </m:oMath>
+                </a14:m>
                 <a:endParaRPr lang="en-US" dirty="0"/>
               </a:p>
               <a:p>
@@ -13551,13 +14281,13 @@
             </p:txBody>
           </p:sp>
         </mc:Choice>
-        <mc:Fallback xmlns="">
+        <mc:Fallback>
           <p:sp>
             <p:nvSpPr>
               <p:cNvPr id="3" name="Content Placeholder 2">
                 <a:extLst>
                   <a:ext uri="{FF2B5EF4-FFF2-40B4-BE49-F238E27FC236}">
-                    <a16:creationId xmlns:a16="http://schemas.microsoft.com/office/drawing/2014/main" id="{364107CC-0B7A-2331-4339-E9C4D766CB50}"/>
+                    <a16:creationId xmlns:a16="http://schemas.microsoft.com/office/drawing/2014/main" id="{63FD7361-F608-6D5C-7F2E-ADAE3E265BA8}"/>
                   </a:ext>
                 </a:extLst>
               </p:cNvPr>
@@ -13576,7 +14306,7 @@
               <a:blipFill>
                 <a:blip r:embed="rId3"/>
                 <a:stretch>
-                  <a:fillRect l="-741" t="-2357"/>
+                  <a:fillRect l="-963" t="-1852" r="-667" b="-337"/>
                 </a:stretch>
               </a:blipFill>
             </p:spPr>
@@ -13598,220 +14328,17 @@
     </p:spTree>
     <p:extLst>
       <p:ext uri="{BB962C8B-B14F-4D97-AF65-F5344CB8AC3E}">
-        <p14:creationId xmlns:p14="http://schemas.microsoft.com/office/powerpoint/2010/main" val="562998681"/>
+        <p14:creationId xmlns:p14="http://schemas.microsoft.com/office/powerpoint/2010/main" val="3281168990"/>
       </p:ext>
     </p:extLst>
   </p:cSld>
   <p:clrMapOvr>
     <a:masterClrMapping/>
   </p:clrMapOvr>
-  <p:timing>
-    <p:tnLst>
-      <p:par>
-        <p:cTn id="1" dur="indefinite" restart="never" nodeType="tmRoot">
-          <p:childTnLst>
-            <p:seq concurrent="1" nextAc="seek">
-              <p:cTn id="2" dur="indefinite" nodeType="mainSeq">
-                <p:childTnLst>
-                  <p:par>
-                    <p:cTn id="3" fill="hold">
-                      <p:stCondLst>
-                        <p:cond delay="indefinite"/>
-                      </p:stCondLst>
-                      <p:childTnLst>
-                        <p:par>
-                          <p:cTn id="4" fill="hold">
-                            <p:stCondLst>
-                              <p:cond delay="0"/>
-                            </p:stCondLst>
-                            <p:childTnLst>
-                              <p:par>
-                                <p:cTn id="5" presetID="1" presetClass="entr" presetSubtype="0" fill="hold" nodeType="clickEffect">
-                                  <p:stCondLst>
-                                    <p:cond delay="0"/>
-                                  </p:stCondLst>
-                                  <p:childTnLst>
-                                    <p:set>
-                                      <p:cBhvr>
-                                        <p:cTn id="6" dur="1" fill="hold">
-                                          <p:stCondLst>
-                                            <p:cond delay="0"/>
-                                          </p:stCondLst>
-                                        </p:cTn>
-                                        <p:tgtEl>
-                                          <p:spTgt spid="3">
-                                            <p:txEl>
-                                              <p:pRg st="3" end="3"/>
-                                            </p:txEl>
-                                          </p:spTgt>
-                                        </p:tgtEl>
-                                        <p:attrNameLst>
-                                          <p:attrName>style.visibility</p:attrName>
-                                        </p:attrNameLst>
-                                      </p:cBhvr>
-                                      <p:to>
-                                        <p:strVal val="visible"/>
-                                      </p:to>
-                                    </p:set>
-                                  </p:childTnLst>
-                                </p:cTn>
-                              </p:par>
-                              <p:par>
-                                <p:cTn id="7" presetID="1" presetClass="entr" presetSubtype="0" fill="hold" nodeType="withEffect">
-                                  <p:stCondLst>
-                                    <p:cond delay="0"/>
-                                  </p:stCondLst>
-                                  <p:childTnLst>
-                                    <p:set>
-                                      <p:cBhvr>
-                                        <p:cTn id="8" dur="1" fill="hold">
-                                          <p:stCondLst>
-                                            <p:cond delay="0"/>
-                                          </p:stCondLst>
-                                        </p:cTn>
-                                        <p:tgtEl>
-                                          <p:spTgt spid="3">
-                                            <p:txEl>
-                                              <p:pRg st="4" end="4"/>
-                                            </p:txEl>
-                                          </p:spTgt>
-                                        </p:tgtEl>
-                                        <p:attrNameLst>
-                                          <p:attrName>style.visibility</p:attrName>
-                                        </p:attrNameLst>
-                                      </p:cBhvr>
-                                      <p:to>
-                                        <p:strVal val="visible"/>
-                                      </p:to>
-                                    </p:set>
-                                  </p:childTnLst>
-                                </p:cTn>
-                              </p:par>
-                              <p:par>
-                                <p:cTn id="9" presetID="1" presetClass="entr" presetSubtype="0" fill="hold" nodeType="withEffect">
-                                  <p:stCondLst>
-                                    <p:cond delay="0"/>
-                                  </p:stCondLst>
-                                  <p:childTnLst>
-                                    <p:set>
-                                      <p:cBhvr>
-                                        <p:cTn id="10" dur="1" fill="hold">
-                                          <p:stCondLst>
-                                            <p:cond delay="0"/>
-                                          </p:stCondLst>
-                                        </p:cTn>
-                                        <p:tgtEl>
-                                          <p:spTgt spid="3">
-                                            <p:txEl>
-                                              <p:pRg st="5" end="5"/>
-                                            </p:txEl>
-                                          </p:spTgt>
-                                        </p:tgtEl>
-                                        <p:attrNameLst>
-                                          <p:attrName>style.visibility</p:attrName>
-                                        </p:attrNameLst>
-                                      </p:cBhvr>
-                                      <p:to>
-                                        <p:strVal val="visible"/>
-                                      </p:to>
-                                    </p:set>
-                                  </p:childTnLst>
-                                </p:cTn>
-                              </p:par>
-                              <p:par>
-                                <p:cTn id="11" presetID="1" presetClass="entr" presetSubtype="0" fill="hold" nodeType="withEffect">
-                                  <p:stCondLst>
-                                    <p:cond delay="0"/>
-                                  </p:stCondLst>
-                                  <p:childTnLst>
-                                    <p:set>
-                                      <p:cBhvr>
-                                        <p:cTn id="12" dur="1" fill="hold">
-                                          <p:stCondLst>
-                                            <p:cond delay="0"/>
-                                          </p:stCondLst>
-                                        </p:cTn>
-                                        <p:tgtEl>
-                                          <p:spTgt spid="3">
-                                            <p:txEl>
-                                              <p:pRg st="6" end="6"/>
-                                            </p:txEl>
-                                          </p:spTgt>
-                                        </p:tgtEl>
-                                        <p:attrNameLst>
-                                          <p:attrName>style.visibility</p:attrName>
-                                        </p:attrNameLst>
-                                      </p:cBhvr>
-                                      <p:to>
-                                        <p:strVal val="visible"/>
-                                      </p:to>
-                                    </p:set>
-                                  </p:childTnLst>
-                                </p:cTn>
-                              </p:par>
-                              <p:par>
-                                <p:cTn id="13" presetID="1" presetClass="entr" presetSubtype="0" fill="hold" nodeType="withEffect">
-                                  <p:stCondLst>
-                                    <p:cond delay="0"/>
-                                  </p:stCondLst>
-                                  <p:childTnLst>
-                                    <p:set>
-                                      <p:cBhvr>
-                                        <p:cTn id="14" dur="1" fill="hold">
-                                          <p:stCondLst>
-                                            <p:cond delay="0"/>
-                                          </p:stCondLst>
-                                        </p:cTn>
-                                        <p:tgtEl>
-                                          <p:spTgt spid="3">
-                                            <p:txEl>
-                                              <p:pRg st="7" end="7"/>
-                                            </p:txEl>
-                                          </p:spTgt>
-                                        </p:tgtEl>
-                                        <p:attrNameLst>
-                                          <p:attrName>style.visibility</p:attrName>
-                                        </p:attrNameLst>
-                                      </p:cBhvr>
-                                      <p:to>
-                                        <p:strVal val="visible"/>
-                                      </p:to>
-                                    </p:set>
-                                  </p:childTnLst>
-                                </p:cTn>
-                              </p:par>
-                            </p:childTnLst>
-                          </p:cTn>
-                        </p:par>
-                      </p:childTnLst>
-                    </p:cTn>
-                  </p:par>
-                </p:childTnLst>
-              </p:cTn>
-              <p:prevCondLst>
-                <p:cond evt="onPrev" delay="0">
-                  <p:tgtEl>
-                    <p:sldTgt/>
-                  </p:tgtEl>
-                </p:cond>
-              </p:prevCondLst>
-              <p:nextCondLst>
-                <p:cond evt="onNext" delay="0">
-                  <p:tgtEl>
-                    <p:sldTgt/>
-                  </p:tgtEl>
-                </p:cond>
-              </p:nextCondLst>
-            </p:seq>
-          </p:childTnLst>
-        </p:cTn>
-      </p:par>
-    </p:tnLst>
-  </p:timing>
 </p:sld>
 </file>
 
-<file path=ppt/slides/slide27.xml><?xml version="1.0" encoding="utf-8"?>
+<file path=ppt/slides/slide28.xml><?xml version="1.0" encoding="utf-8"?>
 <p:sld xmlns:a="http://schemas.openxmlformats.org/drawingml/2006/main" xmlns:r="http://schemas.openxmlformats.org/officeDocument/2006/relationships" xmlns:p="http://schemas.openxmlformats.org/presentationml/2006/main">
   <p:cSld>
     <p:spTree>
@@ -14285,7 +14812,7 @@
 </p:sld>
 </file>
 
-<file path=ppt/slides/slide28.xml><?xml version="1.0" encoding="utf-8"?>
+<file path=ppt/slides/slide29.xml><?xml version="1.0" encoding="utf-8"?>
 <p:sld xmlns:a="http://schemas.openxmlformats.org/drawingml/2006/main" xmlns:r="http://schemas.openxmlformats.org/officeDocument/2006/relationships" xmlns:p="http://schemas.openxmlformats.org/presentationml/2006/main">
   <p:cSld>
     <p:spTree>
@@ -14340,8 +14867,8 @@
           </a:p>
         </p:txBody>
       </p:sp>
-      <mc:AlternateContent xmlns:mc="http://schemas.openxmlformats.org/markup-compatibility/2006" xmlns:a14="http://schemas.microsoft.com/office/drawing/2010/main">
-        <mc:Choice Requires="a14">
+      <mc:AlternateContent xmlns:mc="http://schemas.openxmlformats.org/markup-compatibility/2006">
+        <mc:Choice xmlns:a14="http://schemas.microsoft.com/office/drawing/2010/main" Requires="a14">
           <p:sp>
             <p:nvSpPr>
               <p:cNvPr id="3" name="Content Placeholder 2">
@@ -14577,29 +15104,78 @@
                           </m:r>
                         </m:e>
                       </m:d>
+                      <m:d>
+                        <m:dPr>
+                          <m:ctrlPr>
+                            <a:rPr lang="en-US" i="1">
+                              <a:latin typeface="Cambria Math" panose="02040503050406030204" pitchFamily="18" charset="0"/>
+                            </a:rPr>
+                          </m:ctrlPr>
+                        </m:dPr>
+                        <m:e>
+                          <m:r>
+                            <a:rPr lang="en-US" i="1">
+                              <a:latin typeface="Cambria Math" panose="02040503050406030204" pitchFamily="18" charset="0"/>
+                            </a:rPr>
+                            <m:t>1</m:t>
+                          </m:r>
+                          <m:r>
+                            <a:rPr lang="en-US" i="1">
+                              <a:latin typeface="Cambria Math" panose="02040503050406030204" pitchFamily="18" charset="0"/>
+                            </a:rPr>
+                            <m:t>−</m:t>
+                          </m:r>
+                          <m:r>
+                            <a:rPr lang="en-US" b="0" i="1" smtClean="0">
+                              <a:latin typeface="Cambria Math" panose="02040503050406030204" pitchFamily="18" charset="0"/>
+                            </a:rPr>
+                            <m:t>𝑛</m:t>
+                          </m:r>
+                        </m:e>
+                      </m:d>
                       <m:sSup>
                         <m:sSupPr>
                           <m:ctrlPr>
-                            <a:rPr lang="en-US" b="0" i="1" smtClean="0">
+                            <a:rPr lang="en-US" i="1">
                               <a:latin typeface="Cambria Math" panose="02040503050406030204" pitchFamily="18" charset="0"/>
-                              <a:ea typeface="Cambria Math" panose="02040503050406030204" pitchFamily="18" charset="0"/>
                             </a:rPr>
                           </m:ctrlPr>
                         </m:sSupPr>
                         <m:e>
-                          <m:r>
-                            <a:rPr lang="en-US" b="0" i="1" smtClean="0">
-                              <a:latin typeface="Cambria Math" panose="02040503050406030204" pitchFamily="18" charset="0"/>
-                              <a:ea typeface="Cambria Math" panose="02040503050406030204" pitchFamily="18" charset="0"/>
-                            </a:rPr>
-                            <m:t>𝑝</m:t>
-                          </m:r>
+                          <m:d>
+                            <m:dPr>
+                              <m:ctrlPr>
+                                <a:rPr lang="en-US" i="1">
+                                  <a:latin typeface="Cambria Math" panose="02040503050406030204" pitchFamily="18" charset="0"/>
+                                </a:rPr>
+                              </m:ctrlPr>
+                            </m:dPr>
+                            <m:e>
+                              <m:r>
+                                <a:rPr lang="en-US" i="1">
+                                  <a:latin typeface="Cambria Math" panose="02040503050406030204" pitchFamily="18" charset="0"/>
+                                </a:rPr>
+                                <m:t>1</m:t>
+                              </m:r>
+                              <m:r>
+                                <a:rPr lang="en-US" i="1">
+                                  <a:latin typeface="Cambria Math" panose="02040503050406030204" pitchFamily="18" charset="0"/>
+                                </a:rPr>
+                                <m:t>−</m:t>
+                              </m:r>
+                              <m:r>
+                                <a:rPr lang="en-US" i="1">
+                                  <a:latin typeface="Cambria Math" panose="02040503050406030204" pitchFamily="18" charset="0"/>
+                                </a:rPr>
+                                <m:t>𝑝</m:t>
+                              </m:r>
+                            </m:e>
+                          </m:d>
                         </m:e>
                         <m:sup>
                           <m:r>
                             <a:rPr lang="en-US" b="0" i="1" smtClean="0">
                               <a:latin typeface="Cambria Math" panose="02040503050406030204" pitchFamily="18" charset="0"/>
-                              <a:ea typeface="Cambria Math" panose="02040503050406030204" pitchFamily="18" charset="0"/>
                             </a:rPr>
                             <m:t>𝑛</m:t>
                           </m:r>
@@ -14766,7 +15342,7 @@
                                   <a:rPr lang="en-US" i="1">
                                     <a:latin typeface="Cambria Math" panose="02040503050406030204" pitchFamily="18" charset="0"/>
                                   </a:rPr>
-                                  <m:t>𝑛</m:t>
+                                  <m:t>𝑟</m:t>
                                 </m:r>
                                 <m:r>
                                   <a:rPr lang="en-US" i="1">
@@ -14788,7 +15364,7 @@
                                   <a:rPr lang="en-US" i="1">
                                     <a:latin typeface="Cambria Math" panose="02040503050406030204" pitchFamily="18" charset="0"/>
                                   </a:rPr>
-                                  <m:t>𝑛</m:t>
+                                  <m:t>𝑟</m:t>
                                 </m:r>
                                 <m:r>
                                   <a:rPr lang="en-US" i="1">
@@ -14828,7 +15404,7 @@
                             <a:rPr lang="en-US" i="1">
                               <a:latin typeface="Cambria Math" panose="02040503050406030204" pitchFamily="18" charset="0"/>
                             </a:rPr>
-                            <m:t>𝑛</m:t>
+                            <m:t>𝑟</m:t>
                           </m:r>
                         </m:sup>
                       </m:sSup>
@@ -14902,7 +15478,7 @@
             </p:txBody>
           </p:sp>
         </mc:Choice>
-        <mc:Fallback xmlns="">
+        <mc:Fallback>
           <p:sp>
             <p:nvSpPr>
               <p:cNvPr id="3" name="Content Placeholder 2">
@@ -14956,200 +15532,238 @@
   <p:clrMapOvr>
     <a:masterClrMapping/>
   </p:clrMapOvr>
-  <p:timing>
-    <p:tnLst>
-      <p:par>
-        <p:cTn id="1" dur="indefinite" restart="never" nodeType="tmRoot">
-          <p:childTnLst>
-            <p:seq concurrent="1" nextAc="seek">
-              <p:cTn id="2" dur="indefinite" nodeType="mainSeq">
-                <p:childTnLst>
-                  <p:par>
-                    <p:cTn id="3" fill="hold">
-                      <p:stCondLst>
-                        <p:cond delay="indefinite"/>
-                      </p:stCondLst>
-                      <p:childTnLst>
-                        <p:par>
-                          <p:cTn id="4" fill="hold">
-                            <p:stCondLst>
-                              <p:cond delay="0"/>
-                            </p:stCondLst>
-                            <p:childTnLst>
-                              <p:par>
-                                <p:cTn id="5" presetID="1" presetClass="entr" presetSubtype="0" fill="hold" nodeType="clickEffect">
-                                  <p:stCondLst>
-                                    <p:cond delay="0"/>
-                                  </p:stCondLst>
-                                  <p:childTnLst>
-                                    <p:set>
-                                      <p:cBhvr>
-                                        <p:cTn id="6" dur="1" fill="hold">
-                                          <p:stCondLst>
-                                            <p:cond delay="0"/>
-                                          </p:stCondLst>
-                                        </p:cTn>
-                                        <p:tgtEl>
-                                          <p:spTgt spid="3">
-                                            <p:txEl>
-                                              <p:pRg st="1" end="1"/>
-                                            </p:txEl>
-                                          </p:spTgt>
-                                        </p:tgtEl>
-                                        <p:attrNameLst>
-                                          <p:attrName>style.visibility</p:attrName>
-                                        </p:attrNameLst>
-                                      </p:cBhvr>
-                                      <p:to>
-                                        <p:strVal val="visible"/>
-                                      </p:to>
-                                    </p:set>
-                                  </p:childTnLst>
-                                </p:cTn>
-                              </p:par>
-                              <p:par>
-                                <p:cTn id="7" presetID="1" presetClass="entr" presetSubtype="0" fill="hold" nodeType="withEffect">
-                                  <p:stCondLst>
-                                    <p:cond delay="0"/>
-                                  </p:stCondLst>
-                                  <p:childTnLst>
-                                    <p:set>
-                                      <p:cBhvr>
-                                        <p:cTn id="8" dur="1" fill="hold">
-                                          <p:stCondLst>
-                                            <p:cond delay="0"/>
-                                          </p:stCondLst>
-                                        </p:cTn>
-                                        <p:tgtEl>
-                                          <p:spTgt spid="3">
-                                            <p:txEl>
-                                              <p:pRg st="2" end="2"/>
-                                            </p:txEl>
-                                          </p:spTgt>
-                                        </p:tgtEl>
-                                        <p:attrNameLst>
-                                          <p:attrName>style.visibility</p:attrName>
-                                        </p:attrNameLst>
-                                      </p:cBhvr>
-                                      <p:to>
-                                        <p:strVal val="visible"/>
-                                      </p:to>
-                                    </p:set>
-                                  </p:childTnLst>
-                                </p:cTn>
-                              </p:par>
-                              <p:par>
-                                <p:cTn id="9" presetID="1" presetClass="entr" presetSubtype="0" fill="hold" nodeType="withEffect">
-                                  <p:stCondLst>
-                                    <p:cond delay="0"/>
-                                  </p:stCondLst>
-                                  <p:childTnLst>
-                                    <p:set>
-                                      <p:cBhvr>
-                                        <p:cTn id="10" dur="1" fill="hold">
-                                          <p:stCondLst>
-                                            <p:cond delay="0"/>
-                                          </p:stCondLst>
-                                        </p:cTn>
-                                        <p:tgtEl>
-                                          <p:spTgt spid="3">
-                                            <p:txEl>
-                                              <p:pRg st="3" end="3"/>
-                                            </p:txEl>
-                                          </p:spTgt>
-                                        </p:tgtEl>
-                                        <p:attrNameLst>
-                                          <p:attrName>style.visibility</p:attrName>
-                                        </p:attrNameLst>
-                                      </p:cBhvr>
-                                      <p:to>
-                                        <p:strVal val="visible"/>
-                                      </p:to>
-                                    </p:set>
-                                  </p:childTnLst>
-                                </p:cTn>
-                              </p:par>
-                            </p:childTnLst>
-                          </p:cTn>
-                        </p:par>
-                      </p:childTnLst>
-                    </p:cTn>
-                  </p:par>
-                  <p:par>
-                    <p:cTn id="11" fill="hold">
-                      <p:stCondLst>
-                        <p:cond delay="indefinite"/>
-                      </p:stCondLst>
-                      <p:childTnLst>
-                        <p:par>
-                          <p:cTn id="12" fill="hold">
-                            <p:stCondLst>
-                              <p:cond delay="0"/>
-                            </p:stCondLst>
-                            <p:childTnLst>
-                              <p:par>
-                                <p:cTn id="13" presetID="1" presetClass="entr" presetSubtype="0" fill="hold" nodeType="clickEffect">
-                                  <p:stCondLst>
-                                    <p:cond delay="0"/>
-                                  </p:stCondLst>
-                                  <p:childTnLst>
-                                    <p:set>
-                                      <p:cBhvr>
-                                        <p:cTn id="14" dur="1" fill="hold">
-                                          <p:stCondLst>
-                                            <p:cond delay="0"/>
-                                          </p:stCondLst>
-                                        </p:cTn>
-                                        <p:tgtEl>
-                                          <p:spTgt spid="3">
-                                            <p:txEl>
-                                              <p:pRg st="4" end="4"/>
-                                            </p:txEl>
-                                          </p:spTgt>
-                                        </p:tgtEl>
-                                        <p:attrNameLst>
-                                          <p:attrName>style.visibility</p:attrName>
-                                        </p:attrNameLst>
-                                      </p:cBhvr>
-                                      <p:to>
-                                        <p:strVal val="visible"/>
-                                      </p:to>
-                                    </p:set>
-                                  </p:childTnLst>
-                                </p:cTn>
-                              </p:par>
-                            </p:childTnLst>
-                          </p:cTn>
-                        </p:par>
-                      </p:childTnLst>
-                    </p:cTn>
-                  </p:par>
-                </p:childTnLst>
-              </p:cTn>
-              <p:prevCondLst>
-                <p:cond evt="onPrev" delay="0">
-                  <p:tgtEl>
-                    <p:sldTgt/>
-                  </p:tgtEl>
-                </p:cond>
-              </p:prevCondLst>
-              <p:nextCondLst>
-                <p:cond evt="onNext" delay="0">
-                  <p:tgtEl>
-                    <p:sldTgt/>
-                  </p:tgtEl>
-                </p:cond>
-              </p:nextCondLst>
-            </p:seq>
-          </p:childTnLst>
-        </p:cTn>
-      </p:par>
-    </p:tnLst>
-  </p:timing>
 </p:sld>
 </file>
 
-<file path=ppt/slides/slide29.xml><?xml version="1.0" encoding="utf-8"?>
+<file path=ppt/slides/slide3.xml><?xml version="1.0" encoding="utf-8"?>
+<p:sld xmlns:a="http://schemas.openxmlformats.org/drawingml/2006/main" xmlns:r="http://schemas.openxmlformats.org/officeDocument/2006/relationships" xmlns:p="http://schemas.openxmlformats.org/presentationml/2006/main" show="0">
+  <p:cSld>
+    <p:spTree>
+      <p:nvGrpSpPr>
+        <p:cNvPr id="1" name=""/>
+        <p:cNvGrpSpPr/>
+        <p:nvPr/>
+      </p:nvGrpSpPr>
+      <p:grpSpPr>
+        <a:xfrm>
+          <a:off x="0" y="0"/>
+          <a:ext cx="0" cy="0"/>
+          <a:chOff x="0" y="0"/>
+          <a:chExt cx="0" cy="0"/>
+        </a:xfrm>
+      </p:grpSpPr>
+      <p:sp>
+        <p:nvSpPr>
+          <p:cNvPr id="2" name="Title 1"/>
+          <p:cNvSpPr>
+            <a:spLocks noGrp="1"/>
+          </p:cNvSpPr>
+          <p:nvPr>
+            <p:ph type="title"/>
+          </p:nvPr>
+        </p:nvSpPr>
+        <p:spPr/>
+        <p:txBody>
+          <a:bodyPr/>
+          <a:lstStyle/>
+          <a:p>
+            <a:pPr marL="0" lvl="0" indent="0">
+              <a:buNone/>
+            </a:pPr>
+            <a:r>
+              <a:t>Linear Model Assumptions</a:t>
+            </a:r>
+          </a:p>
+        </p:txBody>
+      </p:sp>
+      <p:sp>
+        <p:nvSpPr>
+          <p:cNvPr id="3" name="Content Placeholder 2"/>
+          <p:cNvSpPr>
+            <a:spLocks noGrp="1"/>
+          </p:cNvSpPr>
+          <p:nvPr>
+            <p:ph idx="1"/>
+          </p:nvPr>
+        </p:nvSpPr>
+        <p:spPr>
+          <a:xfrm>
+            <a:off x="457200" y="1167938"/>
+            <a:ext cx="8229600" cy="3769583"/>
+          </a:xfrm>
+        </p:spPr>
+        <p:txBody>
+          <a:bodyPr>
+            <a:normAutofit fontScale="70000" lnSpcReduction="20000"/>
+          </a:bodyPr>
+          <a:lstStyle/>
+          <a:p>
+            <a:pPr marL="0" lvl="0" indent="0">
+              <a:buNone/>
+            </a:pPr>
+            <a:r>
+              <a:rPr dirty="0"/>
+              <a:t>There are a number of assumptions in linear models that you overlook at your peril!</a:t>
+            </a:r>
+          </a:p>
+          <a:p>
+            <a:pPr lvl="0"/>
+            <a:r>
+              <a:rPr dirty="0"/>
+              <a:t>The feature or predictor variables should be </a:t>
+            </a:r>
+            <a:r>
+              <a:rPr b="1" dirty="0"/>
+              <a:t>independent</a:t>
+            </a:r>
+            <a:r>
+              <a:rPr dirty="0"/>
+              <a:t> of one another</a:t>
+            </a:r>
+          </a:p>
+          <a:p>
+            <a:pPr lvl="1"/>
+            <a:r>
+              <a:rPr dirty="0"/>
+              <a:t>This is rarely true in practice</a:t>
+            </a:r>
+          </a:p>
+          <a:p>
+            <a:pPr lvl="1"/>
+            <a:r>
+              <a:rPr b="1" dirty="0"/>
+              <a:t>Multi-</a:t>
+            </a:r>
+            <a:r>
+              <a:rPr b="1" dirty="0" err="1"/>
+              <a:t>colinearity</a:t>
+            </a:r>
+            <a:r>
+              <a:rPr dirty="0"/>
+              <a:t> between features makes the model </a:t>
+            </a:r>
+            <a:r>
+              <a:rPr b="1" dirty="0"/>
+              <a:t>under-determined</a:t>
+            </a:r>
+          </a:p>
+          <a:p>
+            <a:pPr lvl="0"/>
+            <a:r>
+              <a:rPr dirty="0"/>
+              <a:t>We assume that numeric features or predictors have zero mean and about the same scale</a:t>
+            </a:r>
+          </a:p>
+          <a:p>
+            <a:pPr lvl="1"/>
+            <a:r>
+              <a:rPr lang="en-US" dirty="0"/>
+              <a:t>Zero-center predictors to get</a:t>
+            </a:r>
+            <a:r>
+              <a:rPr dirty="0"/>
+              <a:t> </a:t>
+            </a:r>
+            <a:r>
+              <a:rPr lang="en-US" dirty="0"/>
+              <a:t>interpretable </a:t>
+            </a:r>
+            <a:r>
+              <a:rPr dirty="0"/>
+              <a:t>estimat</a:t>
+            </a:r>
+            <a:r>
+              <a:rPr lang="en-US" dirty="0"/>
+              <a:t>es</a:t>
+            </a:r>
+            <a:r>
+              <a:rPr dirty="0"/>
+              <a:t> of regression coefficients</a:t>
+            </a:r>
+          </a:p>
+          <a:p>
+            <a:pPr lvl="1"/>
+            <a:r>
+              <a:rPr dirty="0"/>
+              <a:t>We do not want to have predictors with a large numeric range dominate training</a:t>
+            </a:r>
+          </a:p>
+          <a:p>
+            <a:pPr lvl="1"/>
+            <a:r>
+              <a:rPr dirty="0"/>
+              <a:t>Example: income is in the range of 10s or 100s of thousands and age is in the range of 10s, but </a:t>
+            </a:r>
+            <a:r>
+              <a:rPr dirty="0" err="1"/>
+              <a:t>apriori</a:t>
+            </a:r>
+            <a:r>
+              <a:rPr dirty="0"/>
+              <a:t> income is no more important than age as a predictor</a:t>
+            </a:r>
+          </a:p>
+          <a:p>
+            <a:pPr lvl="0"/>
+            <a:r>
+              <a:rPr dirty="0"/>
+              <a:t>Values of each predictor or feature should be </a:t>
+            </a:r>
+            <a:r>
+              <a:rPr dirty="0" err="1"/>
+              <a:t>iid</a:t>
+            </a:r>
+            <a:endParaRPr dirty="0"/>
+          </a:p>
+          <a:p>
+            <a:pPr lvl="1"/>
+            <a:r>
+              <a:rPr dirty="0"/>
+              <a:t>If variance changes with sample, the optimal value of the coefficient could not be constant</a:t>
+            </a:r>
+          </a:p>
+          <a:p>
+            <a:pPr lvl="1"/>
+            <a:r>
+              <a:rPr dirty="0"/>
+              <a:t>If there</a:t>
+            </a:r>
+            <a:r>
+              <a:rPr lang="en-US" dirty="0"/>
+              <a:t> is</a:t>
+            </a:r>
+            <a:r>
+              <a:rPr dirty="0"/>
+              <a:t> </a:t>
+            </a:r>
+            <a:r>
+              <a:rPr b="1" dirty="0"/>
+              <a:t>serial correlation</a:t>
+            </a:r>
+            <a:r>
+              <a:rPr dirty="0"/>
+              <a:t> in the predictor values, the </a:t>
+            </a:r>
+            <a:r>
+              <a:rPr dirty="0" err="1"/>
+              <a:t>iid</a:t>
+            </a:r>
+            <a:r>
+              <a:rPr dirty="0"/>
+              <a:t> assumption is violated - but can account for this such as in time series models</a:t>
+            </a:r>
+          </a:p>
+        </p:txBody>
+      </p:sp>
+    </p:spTree>
+  </p:cSld>
+  <p:clrMapOvr>
+    <a:masterClrMapping/>
+  </p:clrMapOvr>
+</p:sld>
+</file>
+
+<file path=ppt/slides/slide30.xml><?xml version="1.0" encoding="utf-8"?>
 <p:sld xmlns:a="http://schemas.openxmlformats.org/drawingml/2006/main" xmlns:r="http://schemas.openxmlformats.org/officeDocument/2006/relationships" xmlns:p="http://schemas.openxmlformats.org/presentationml/2006/main">
   <p:cSld>
     <p:spTree>
@@ -16017,235 +16631,7 @@
 </p:sld>
 </file>
 
-<file path=ppt/slides/slide3.xml><?xml version="1.0" encoding="utf-8"?>
-<p:sld xmlns:a="http://schemas.openxmlformats.org/drawingml/2006/main" xmlns:r="http://schemas.openxmlformats.org/officeDocument/2006/relationships" xmlns:p="http://schemas.openxmlformats.org/presentationml/2006/main">
-  <p:cSld>
-    <p:spTree>
-      <p:nvGrpSpPr>
-        <p:cNvPr id="1" name=""/>
-        <p:cNvGrpSpPr/>
-        <p:nvPr/>
-      </p:nvGrpSpPr>
-      <p:grpSpPr>
-        <a:xfrm>
-          <a:off x="0" y="0"/>
-          <a:ext cx="0" cy="0"/>
-          <a:chOff x="0" y="0"/>
-          <a:chExt cx="0" cy="0"/>
-        </a:xfrm>
-      </p:grpSpPr>
-      <p:sp>
-        <p:nvSpPr>
-          <p:cNvPr id="2" name="Title 1"/>
-          <p:cNvSpPr>
-            <a:spLocks noGrp="1"/>
-          </p:cNvSpPr>
-          <p:nvPr>
-            <p:ph type="title"/>
-          </p:nvPr>
-        </p:nvSpPr>
-        <p:spPr/>
-        <p:txBody>
-          <a:bodyPr/>
-          <a:lstStyle/>
-          <a:p>
-            <a:pPr marL="0" lvl="0" indent="0">
-              <a:buNone/>
-            </a:pPr>
-            <a:r>
-              <a:t>Linear Model Assumptions</a:t>
-            </a:r>
-          </a:p>
-        </p:txBody>
-      </p:sp>
-      <p:sp>
-        <p:nvSpPr>
-          <p:cNvPr id="3" name="Content Placeholder 2"/>
-          <p:cNvSpPr>
-            <a:spLocks noGrp="1"/>
-          </p:cNvSpPr>
-          <p:nvPr>
-            <p:ph idx="1"/>
-          </p:nvPr>
-        </p:nvSpPr>
-        <p:spPr>
-          <a:xfrm>
-            <a:off x="457200" y="1167938"/>
-            <a:ext cx="8229600" cy="3769583"/>
-          </a:xfrm>
-        </p:spPr>
-        <p:txBody>
-          <a:bodyPr>
-            <a:normAutofit fontScale="70000" lnSpcReduction="20000"/>
-          </a:bodyPr>
-          <a:lstStyle/>
-          <a:p>
-            <a:pPr marL="0" lvl="0" indent="0">
-              <a:buNone/>
-            </a:pPr>
-            <a:r>
-              <a:rPr dirty="0"/>
-              <a:t>There are a number of assumptions in linear models that you overlook at your peril!</a:t>
-            </a:r>
-          </a:p>
-          <a:p>
-            <a:pPr lvl="0"/>
-            <a:r>
-              <a:rPr dirty="0"/>
-              <a:t>The feature or predictor variables should be </a:t>
-            </a:r>
-            <a:r>
-              <a:rPr b="1" dirty="0"/>
-              <a:t>independent</a:t>
-            </a:r>
-            <a:r>
-              <a:rPr dirty="0"/>
-              <a:t> of one another</a:t>
-            </a:r>
-          </a:p>
-          <a:p>
-            <a:pPr lvl="1"/>
-            <a:r>
-              <a:rPr dirty="0"/>
-              <a:t>This is rarely true in practice</a:t>
-            </a:r>
-          </a:p>
-          <a:p>
-            <a:pPr lvl="1"/>
-            <a:r>
-              <a:rPr b="1" dirty="0"/>
-              <a:t>Multi-</a:t>
-            </a:r>
-            <a:r>
-              <a:rPr b="1" dirty="0" err="1"/>
-              <a:t>colinearity</a:t>
-            </a:r>
-            <a:r>
-              <a:rPr dirty="0"/>
-              <a:t> between features makes the model </a:t>
-            </a:r>
-            <a:r>
-              <a:rPr b="1" dirty="0"/>
-              <a:t>under-determined</a:t>
-            </a:r>
-          </a:p>
-          <a:p>
-            <a:pPr lvl="0"/>
-            <a:r>
-              <a:rPr dirty="0"/>
-              <a:t>We assume that numeric features or predictors have zero mean and about the same scale</a:t>
-            </a:r>
-          </a:p>
-          <a:p>
-            <a:pPr lvl="1"/>
-            <a:r>
-              <a:rPr lang="en-US" dirty="0"/>
-              <a:t>Zero-center predictors to get</a:t>
-            </a:r>
-            <a:r>
-              <a:rPr dirty="0"/>
-              <a:t> </a:t>
-            </a:r>
-            <a:r>
-              <a:rPr lang="en-US" dirty="0"/>
-              <a:t>interpretable </a:t>
-            </a:r>
-            <a:r>
-              <a:rPr dirty="0"/>
-              <a:t>estimat</a:t>
-            </a:r>
-            <a:r>
-              <a:rPr lang="en-US" dirty="0"/>
-              <a:t>es</a:t>
-            </a:r>
-            <a:r>
-              <a:rPr dirty="0"/>
-              <a:t> of regression coefficients</a:t>
-            </a:r>
-          </a:p>
-          <a:p>
-            <a:pPr lvl="1"/>
-            <a:r>
-              <a:rPr dirty="0"/>
-              <a:t>We do not want to have predictors with a large numeric range dominate training</a:t>
-            </a:r>
-          </a:p>
-          <a:p>
-            <a:pPr lvl="1"/>
-            <a:r>
-              <a:rPr dirty="0"/>
-              <a:t>Example: income is in the range of 10s or 100s of thousands and age is in the range of 10s, but </a:t>
-            </a:r>
-            <a:r>
-              <a:rPr dirty="0" err="1"/>
-              <a:t>apriori</a:t>
-            </a:r>
-            <a:r>
-              <a:rPr dirty="0"/>
-              <a:t> income is no more important than age as a predictor</a:t>
-            </a:r>
-          </a:p>
-          <a:p>
-            <a:pPr lvl="0"/>
-            <a:r>
-              <a:rPr dirty="0"/>
-              <a:t>Values of each predictor or feature should be </a:t>
-            </a:r>
-            <a:r>
-              <a:rPr dirty="0" err="1"/>
-              <a:t>iid</a:t>
-            </a:r>
-            <a:endParaRPr dirty="0"/>
-          </a:p>
-          <a:p>
-            <a:pPr lvl="1"/>
-            <a:r>
-              <a:rPr dirty="0"/>
-              <a:t>If variance changes with sample, the optimal value of the coefficient could not be constant</a:t>
-            </a:r>
-          </a:p>
-          <a:p>
-            <a:pPr lvl="1"/>
-            <a:r>
-              <a:rPr dirty="0"/>
-              <a:t>If there</a:t>
-            </a:r>
-            <a:r>
-              <a:rPr lang="en-US" dirty="0"/>
-              <a:t> is</a:t>
-            </a:r>
-            <a:r>
-              <a:rPr dirty="0"/>
-              <a:t> </a:t>
-            </a:r>
-            <a:r>
-              <a:rPr b="1" dirty="0"/>
-              <a:t>serial correlation</a:t>
-            </a:r>
-            <a:r>
-              <a:rPr dirty="0"/>
-              <a:t> in the predictor values, the </a:t>
-            </a:r>
-            <a:r>
-              <a:rPr dirty="0" err="1"/>
-              <a:t>iid</a:t>
-            </a:r>
-            <a:r>
-              <a:rPr dirty="0"/>
-              <a:t> assumption is violated - but can account for this such as in time series models</a:t>
-            </a:r>
-          </a:p>
-        </p:txBody>
-      </p:sp>
-    </p:spTree>
-  </p:cSld>
-  <p:clrMapOvr>
-    <a:masterClrMapping/>
-  </p:clrMapOvr>
-</p:sld>
-</file>
-
-<file path=ppt/slides/slide30.xml><?xml version="1.0" encoding="utf-8"?>
+<file path=ppt/slides/slide31.xml><?xml version="1.0" encoding="utf-8"?>
 <p:sld xmlns:a="http://schemas.openxmlformats.org/drawingml/2006/main" xmlns:r="http://schemas.openxmlformats.org/officeDocument/2006/relationships" xmlns:p="http://schemas.openxmlformats.org/presentationml/2006/main">
   <p:cSld>
     <p:spTree>
@@ -16686,7 +17072,7 @@
 </p:sld>
 </file>
 
-<file path=ppt/slides/slide31.xml><?xml version="1.0" encoding="utf-8"?>
+<file path=ppt/slides/slide32.xml><?xml version="1.0" encoding="utf-8"?>
 <p:sld xmlns:a="http://schemas.openxmlformats.org/drawingml/2006/main" xmlns:r="http://schemas.openxmlformats.org/officeDocument/2006/relationships" xmlns:p="http://schemas.openxmlformats.org/presentationml/2006/main">
   <p:cSld>
     <p:spTree>
@@ -17483,7 +17869,7 @@
 </p:sld>
 </file>
 
-<file path=ppt/slides/slide32.xml><?xml version="1.0" encoding="utf-8"?>
+<file path=ppt/slides/slide33.xml><?xml version="1.0" encoding="utf-8"?>
 <p:sld xmlns:a="http://schemas.openxmlformats.org/drawingml/2006/main" xmlns:r="http://schemas.openxmlformats.org/officeDocument/2006/relationships" xmlns:p="http://schemas.openxmlformats.org/presentationml/2006/main">
   <p:cSld>
     <p:spTree>
@@ -17864,7 +18250,7 @@
 </p:sld>
 </file>
 
-<file path=ppt/slides/slide33.xml><?xml version="1.0" encoding="utf-8"?>
+<file path=ppt/slides/slide34.xml><?xml version="1.0" encoding="utf-8"?>
 <p:sld xmlns:a="http://schemas.openxmlformats.org/drawingml/2006/main" xmlns:r="http://schemas.openxmlformats.org/officeDocument/2006/relationships" xmlns:p="http://schemas.openxmlformats.org/presentationml/2006/main">
   <p:cSld>
     <p:spTree>
@@ -18434,7 +18820,7 @@
 </p:sld>
 </file>
 
-<file path=ppt/slides/slide34.xml><?xml version="1.0" encoding="utf-8"?>
+<file path=ppt/slides/slide35.xml><?xml version="1.0" encoding="utf-8"?>
 <p:sld xmlns:a="http://schemas.openxmlformats.org/drawingml/2006/main" xmlns:r="http://schemas.openxmlformats.org/officeDocument/2006/relationships" xmlns:p="http://schemas.openxmlformats.org/presentationml/2006/main">
   <p:cSld>
     <p:spTree>
@@ -19302,7 +19688,7 @@
 </p:sld>
 </file>
 
-<file path=ppt/slides/slide35.xml><?xml version="1.0" encoding="utf-8"?>
+<file path=ppt/slides/slide36.xml><?xml version="1.0" encoding="utf-8"?>
 <p:sld xmlns:a="http://schemas.openxmlformats.org/drawingml/2006/main" xmlns:r="http://schemas.openxmlformats.org/officeDocument/2006/relationships" xmlns:p="http://schemas.openxmlformats.org/presentationml/2006/main">
   <p:cSld>
     <p:spTree>
@@ -19967,7 +20353,7 @@
 </p:sld>
 </file>
 
-<file path=ppt/slides/slide36.xml><?xml version="1.0" encoding="utf-8"?>
+<file path=ppt/slides/slide37.xml><?xml version="1.0" encoding="utf-8"?>
 <p:sld xmlns:a="http://schemas.openxmlformats.org/drawingml/2006/main" xmlns:r="http://schemas.openxmlformats.org/officeDocument/2006/relationships" xmlns:p="http://schemas.openxmlformats.org/presentationml/2006/main">
   <p:cSld>
     <p:spTree>
@@ -20037,7 +20423,7 @@
 </p:sld>
 </file>
 
-<file path=ppt/slides/slide37.xml><?xml version="1.0" encoding="utf-8"?>
+<file path=ppt/slides/slide38.xml><?xml version="1.0" encoding="utf-8"?>
 <p:sld xmlns:a="http://schemas.openxmlformats.org/drawingml/2006/main" xmlns:r="http://schemas.openxmlformats.org/officeDocument/2006/relationships" xmlns:p="http://schemas.openxmlformats.org/presentationml/2006/main">
   <p:cSld>
     <p:spTree>
@@ -20608,7 +20994,7 @@
 </p:sld>
 </file>
 
-<file path=ppt/slides/slide38.xml><?xml version="1.0" encoding="utf-8"?>
+<file path=ppt/slides/slide39.xml><?xml version="1.0" encoding="utf-8"?>
 <p:sld xmlns:a="http://schemas.openxmlformats.org/drawingml/2006/main" xmlns:r="http://schemas.openxmlformats.org/officeDocument/2006/relationships" xmlns:p="http://schemas.openxmlformats.org/presentationml/2006/main">
   <p:cSld>
     <p:spTree>
@@ -21164,7 +21550,201 @@
 </p:sld>
 </file>
 
-<file path=ppt/slides/slide39.xml><?xml version="1.0" encoding="utf-8"?>
+<file path=ppt/slides/slide4.xml><?xml version="1.0" encoding="utf-8"?>
+<p:sld xmlns:a="http://schemas.openxmlformats.org/drawingml/2006/main" xmlns:r="http://schemas.openxmlformats.org/officeDocument/2006/relationships" xmlns:p="http://schemas.openxmlformats.org/presentationml/2006/main">
+  <p:cSld>
+    <p:spTree>
+      <p:nvGrpSpPr>
+        <p:cNvPr id="1" name="">
+          <a:extLst>
+            <a:ext uri="{FF2B5EF4-FFF2-40B4-BE49-F238E27FC236}">
+              <a16:creationId xmlns:a16="http://schemas.microsoft.com/office/drawing/2014/main" id="{217CC54D-A93E-7DF0-F2EC-6036421943BA}"/>
+            </a:ext>
+          </a:extLst>
+        </p:cNvPr>
+        <p:cNvGrpSpPr/>
+        <p:nvPr/>
+      </p:nvGrpSpPr>
+      <p:grpSpPr>
+        <a:xfrm>
+          <a:off x="0" y="0"/>
+          <a:ext cx="0" cy="0"/>
+          <a:chOff x="0" y="0"/>
+          <a:chExt cx="0" cy="0"/>
+        </a:xfrm>
+      </p:grpSpPr>
+      <p:sp>
+        <p:nvSpPr>
+          <p:cNvPr id="2" name="Title 1">
+            <a:extLst>
+              <a:ext uri="{FF2B5EF4-FFF2-40B4-BE49-F238E27FC236}">
+                <a16:creationId xmlns:a16="http://schemas.microsoft.com/office/drawing/2014/main" id="{3B05EEC6-D606-BDA0-212E-8D3ADDACF228}"/>
+              </a:ext>
+            </a:extLst>
+          </p:cNvPr>
+          <p:cNvSpPr>
+            <a:spLocks noGrp="1"/>
+          </p:cNvSpPr>
+          <p:nvPr>
+            <p:ph type="title"/>
+          </p:nvPr>
+        </p:nvSpPr>
+        <p:spPr/>
+        <p:txBody>
+          <a:bodyPr/>
+          <a:lstStyle/>
+          <a:p>
+            <a:pPr marL="0" lvl="0" indent="0">
+              <a:buNone/>
+            </a:pPr>
+            <a:r>
+              <a:rPr lang="en-US" dirty="0"/>
+              <a:t>Introduction</a:t>
+            </a:r>
+            <a:endParaRPr dirty="0"/>
+          </a:p>
+        </p:txBody>
+      </p:sp>
+      <p:sp>
+        <p:nvSpPr>
+          <p:cNvPr id="3" name="Content Placeholder 2">
+            <a:extLst>
+              <a:ext uri="{FF2B5EF4-FFF2-40B4-BE49-F238E27FC236}">
+                <a16:creationId xmlns:a16="http://schemas.microsoft.com/office/drawing/2014/main" id="{07854A8C-8365-5A51-A4BD-48F8386E8528}"/>
+              </a:ext>
+            </a:extLst>
+          </p:cNvPr>
+          <p:cNvSpPr>
+            <a:spLocks noGrp="1"/>
+          </p:cNvSpPr>
+          <p:nvPr>
+            <p:ph idx="1"/>
+          </p:nvPr>
+        </p:nvSpPr>
+        <p:spPr/>
+        <p:txBody>
+          <a:bodyPr>
+            <a:normAutofit fontScale="77500" lnSpcReduction="20000"/>
+          </a:bodyPr>
+          <a:lstStyle/>
+          <a:p>
+            <a:pPr marL="0" lvl="0" indent="0">
+              <a:buNone/>
+            </a:pPr>
+            <a:r>
+              <a:rPr lang="en-US" dirty="0"/>
+              <a:t>Several commonly encountered data problems affect OLS and GLM models</a:t>
+            </a:r>
+            <a:endParaRPr dirty="0"/>
+          </a:p>
+          <a:p>
+            <a:pPr lvl="0"/>
+            <a:r>
+              <a:rPr lang="en-US" b="1" dirty="0"/>
+              <a:t>Zero inflated response variables </a:t>
+            </a:r>
+            <a:r>
+              <a:rPr lang="en-US" dirty="0"/>
+              <a:t>have an unusual number of zero values   </a:t>
+            </a:r>
+          </a:p>
+          <a:p>
+            <a:pPr lvl="1"/>
+            <a:r>
+              <a:rPr lang="en-US" dirty="0"/>
+              <a:t>Use a </a:t>
+            </a:r>
+            <a:r>
+              <a:rPr lang="en-US" b="1" dirty="0"/>
+              <a:t>mixture model </a:t>
+            </a:r>
+            <a:r>
+              <a:rPr lang="en-US" dirty="0"/>
+              <a:t>to switch between a binomial and another distribution</a:t>
+            </a:r>
+          </a:p>
+          <a:p>
+            <a:pPr lvl="0"/>
+            <a:r>
+              <a:rPr lang="en-US" b="1" dirty="0"/>
+              <a:t>Over-dispersed response variables </a:t>
+            </a:r>
+            <a:r>
+              <a:rPr lang="en-US" dirty="0"/>
+              <a:t>have a long tails </a:t>
+            </a:r>
+          </a:p>
+          <a:p>
+            <a:pPr lvl="1"/>
+            <a:r>
+              <a:rPr lang="en-US" dirty="0"/>
+              <a:t>Can be asymmetric with long tails</a:t>
+            </a:r>
+          </a:p>
+          <a:p>
+            <a:pPr lvl="1"/>
+            <a:r>
+              <a:rPr lang="en-US" dirty="0"/>
+              <a:t>Use heavy tailed distribution models</a:t>
+            </a:r>
+          </a:p>
+          <a:p>
+            <a:pPr lvl="1"/>
+            <a:r>
+              <a:rPr lang="en-US" dirty="0"/>
+              <a:t>Apply models with mixtures of distributions to account for large low probability responses </a:t>
+            </a:r>
+          </a:p>
+          <a:p>
+            <a:pPr lvl="0"/>
+            <a:r>
+              <a:rPr lang="en-US" b="1" dirty="0"/>
+              <a:t>Outliers in independent variables </a:t>
+            </a:r>
+            <a:r>
+              <a:rPr lang="en-US" dirty="0"/>
+              <a:t>have an undue influence on OLS and GLM models </a:t>
+            </a:r>
+          </a:p>
+          <a:p>
+            <a:pPr lvl="1"/>
+            <a:r>
+              <a:rPr lang="en-US" dirty="0"/>
+              <a:t>Robust regression models </a:t>
+            </a:r>
+            <a:r>
+              <a:rPr lang="en-US" b="1" dirty="0"/>
+              <a:t>limit the influence of outliers </a:t>
+            </a:r>
+            <a:r>
+              <a:rPr lang="en-US" dirty="0"/>
+              <a:t>on parameter estimates</a:t>
+            </a:r>
+          </a:p>
+          <a:p>
+            <a:pPr lvl="0"/>
+            <a:r>
+              <a:rPr lang="en-US" dirty="0"/>
+              <a:t>We can extend the OLS and GLM frameworks to deal with these situations  </a:t>
+            </a:r>
+            <a:endParaRPr dirty="0"/>
+          </a:p>
+        </p:txBody>
+      </p:sp>
+    </p:spTree>
+    <p:extLst>
+      <p:ext uri="{BB962C8B-B14F-4D97-AF65-F5344CB8AC3E}">
+        <p14:creationId xmlns:p14="http://schemas.microsoft.com/office/powerpoint/2010/main" val="487459844"/>
+      </p:ext>
+    </p:extLst>
+  </p:cSld>
+  <p:clrMapOvr>
+    <a:masterClrMapping/>
+  </p:clrMapOvr>
+</p:sld>
+</file>
+
+<file path=ppt/slides/slide40.xml><?xml version="1.0" encoding="utf-8"?>
 <p:sld xmlns:a="http://schemas.openxmlformats.org/drawingml/2006/main" xmlns:r="http://schemas.openxmlformats.org/officeDocument/2006/relationships" xmlns:p="http://schemas.openxmlformats.org/presentationml/2006/main">
   <p:cSld>
     <p:spTree>
@@ -21695,201 +22275,7 @@
 </p:sld>
 </file>
 
-<file path=ppt/slides/slide4.xml><?xml version="1.0" encoding="utf-8"?>
-<p:sld xmlns:a="http://schemas.openxmlformats.org/drawingml/2006/main" xmlns:r="http://schemas.openxmlformats.org/officeDocument/2006/relationships" xmlns:p="http://schemas.openxmlformats.org/presentationml/2006/main">
-  <p:cSld>
-    <p:spTree>
-      <p:nvGrpSpPr>
-        <p:cNvPr id="1" name="">
-          <a:extLst>
-            <a:ext uri="{FF2B5EF4-FFF2-40B4-BE49-F238E27FC236}">
-              <a16:creationId xmlns:a16="http://schemas.microsoft.com/office/drawing/2014/main" id="{217CC54D-A93E-7DF0-F2EC-6036421943BA}"/>
-            </a:ext>
-          </a:extLst>
-        </p:cNvPr>
-        <p:cNvGrpSpPr/>
-        <p:nvPr/>
-      </p:nvGrpSpPr>
-      <p:grpSpPr>
-        <a:xfrm>
-          <a:off x="0" y="0"/>
-          <a:ext cx="0" cy="0"/>
-          <a:chOff x="0" y="0"/>
-          <a:chExt cx="0" cy="0"/>
-        </a:xfrm>
-      </p:grpSpPr>
-      <p:sp>
-        <p:nvSpPr>
-          <p:cNvPr id="2" name="Title 1">
-            <a:extLst>
-              <a:ext uri="{FF2B5EF4-FFF2-40B4-BE49-F238E27FC236}">
-                <a16:creationId xmlns:a16="http://schemas.microsoft.com/office/drawing/2014/main" id="{3B05EEC6-D606-BDA0-212E-8D3ADDACF228}"/>
-              </a:ext>
-            </a:extLst>
-          </p:cNvPr>
-          <p:cNvSpPr>
-            <a:spLocks noGrp="1"/>
-          </p:cNvSpPr>
-          <p:nvPr>
-            <p:ph type="title"/>
-          </p:nvPr>
-        </p:nvSpPr>
-        <p:spPr/>
-        <p:txBody>
-          <a:bodyPr/>
-          <a:lstStyle/>
-          <a:p>
-            <a:pPr marL="0" lvl="0" indent="0">
-              <a:buNone/>
-            </a:pPr>
-            <a:r>
-              <a:rPr lang="en-US" dirty="0"/>
-              <a:t>Introduction</a:t>
-            </a:r>
-            <a:endParaRPr dirty="0"/>
-          </a:p>
-        </p:txBody>
-      </p:sp>
-      <p:sp>
-        <p:nvSpPr>
-          <p:cNvPr id="3" name="Content Placeholder 2">
-            <a:extLst>
-              <a:ext uri="{FF2B5EF4-FFF2-40B4-BE49-F238E27FC236}">
-                <a16:creationId xmlns:a16="http://schemas.microsoft.com/office/drawing/2014/main" id="{07854A8C-8365-5A51-A4BD-48F8386E8528}"/>
-              </a:ext>
-            </a:extLst>
-          </p:cNvPr>
-          <p:cNvSpPr>
-            <a:spLocks noGrp="1"/>
-          </p:cNvSpPr>
-          <p:nvPr>
-            <p:ph idx="1"/>
-          </p:nvPr>
-        </p:nvSpPr>
-        <p:spPr/>
-        <p:txBody>
-          <a:bodyPr>
-            <a:normAutofit fontScale="77500" lnSpcReduction="20000"/>
-          </a:bodyPr>
-          <a:lstStyle/>
-          <a:p>
-            <a:pPr marL="0" lvl="0" indent="0">
-              <a:buNone/>
-            </a:pPr>
-            <a:r>
-              <a:rPr lang="en-US" dirty="0"/>
-              <a:t>Several commonly encountered data problems affect OLS and GLM models</a:t>
-            </a:r>
-            <a:endParaRPr dirty="0"/>
-          </a:p>
-          <a:p>
-            <a:pPr lvl="0"/>
-            <a:r>
-              <a:rPr lang="en-US" b="1" dirty="0"/>
-              <a:t>Zero inflated response variables </a:t>
-            </a:r>
-            <a:r>
-              <a:rPr lang="en-US" dirty="0"/>
-              <a:t>have an unusual number of zero values   </a:t>
-            </a:r>
-          </a:p>
-          <a:p>
-            <a:pPr lvl="1"/>
-            <a:r>
-              <a:rPr lang="en-US" dirty="0"/>
-              <a:t>Use a </a:t>
-            </a:r>
-            <a:r>
-              <a:rPr lang="en-US" b="1" dirty="0"/>
-              <a:t>mixture model </a:t>
-            </a:r>
-            <a:r>
-              <a:rPr lang="en-US" dirty="0"/>
-              <a:t>to switch between a binomial and another distribution</a:t>
-            </a:r>
-          </a:p>
-          <a:p>
-            <a:pPr lvl="0"/>
-            <a:r>
-              <a:rPr lang="en-US" b="1" dirty="0"/>
-              <a:t>Over-dispersed response variables </a:t>
-            </a:r>
-            <a:r>
-              <a:rPr lang="en-US" dirty="0"/>
-              <a:t>have a long tails </a:t>
-            </a:r>
-          </a:p>
-          <a:p>
-            <a:pPr lvl="1"/>
-            <a:r>
-              <a:rPr lang="en-US" dirty="0"/>
-              <a:t>Can be asymmetric with long tails</a:t>
-            </a:r>
-          </a:p>
-          <a:p>
-            <a:pPr lvl="1"/>
-            <a:r>
-              <a:rPr lang="en-US" dirty="0"/>
-              <a:t>Use heavy tailed distribution models</a:t>
-            </a:r>
-          </a:p>
-          <a:p>
-            <a:pPr lvl="1"/>
-            <a:r>
-              <a:rPr lang="en-US" dirty="0"/>
-              <a:t>Apply models with mixtures of distributions to account for large low probability responses </a:t>
-            </a:r>
-          </a:p>
-          <a:p>
-            <a:pPr lvl="0"/>
-            <a:r>
-              <a:rPr lang="en-US" b="1" dirty="0"/>
-              <a:t>Outliers in independent variables </a:t>
-            </a:r>
-            <a:r>
-              <a:rPr lang="en-US" dirty="0"/>
-              <a:t>have an undue influence on OLS and GLM models </a:t>
-            </a:r>
-          </a:p>
-          <a:p>
-            <a:pPr lvl="1"/>
-            <a:r>
-              <a:rPr lang="en-US" dirty="0"/>
-              <a:t>Robust regression models </a:t>
-            </a:r>
-            <a:r>
-              <a:rPr lang="en-US" b="1" dirty="0"/>
-              <a:t>limit the influence of outliers </a:t>
-            </a:r>
-            <a:r>
-              <a:rPr lang="en-US" dirty="0"/>
-              <a:t>on parameter estimates</a:t>
-            </a:r>
-          </a:p>
-          <a:p>
-            <a:pPr lvl="0"/>
-            <a:r>
-              <a:rPr lang="en-US" dirty="0"/>
-              <a:t>We can extend the OLS and GLM frameworks to deal with these situations  </a:t>
-            </a:r>
-            <a:endParaRPr dirty="0"/>
-          </a:p>
-        </p:txBody>
-      </p:sp>
-    </p:spTree>
-    <p:extLst>
-      <p:ext uri="{BB962C8B-B14F-4D97-AF65-F5344CB8AC3E}">
-        <p14:creationId xmlns:p14="http://schemas.microsoft.com/office/powerpoint/2010/main" val="487459844"/>
-      </p:ext>
-    </p:extLst>
-  </p:cSld>
-  <p:clrMapOvr>
-    <a:masterClrMapping/>
-  </p:clrMapOvr>
-</p:sld>
-</file>
-
-<file path=ppt/slides/slide40.xml><?xml version="1.0" encoding="utf-8"?>
+<file path=ppt/slides/slide41.xml><?xml version="1.0" encoding="utf-8"?>
 <p:sld xmlns:a="http://schemas.openxmlformats.org/drawingml/2006/main" xmlns:r="http://schemas.openxmlformats.org/officeDocument/2006/relationships" xmlns:p="http://schemas.openxmlformats.org/presentationml/2006/main">
   <p:cSld>
     <p:spTree>
@@ -22606,7 +22992,7 @@
 </p:sld>
 </file>
 
-<file path=ppt/slides/slide41.xml><?xml version="1.0" encoding="utf-8"?>
+<file path=ppt/slides/slide42.xml><?xml version="1.0" encoding="utf-8"?>
 <p:sld xmlns:a="http://schemas.openxmlformats.org/drawingml/2006/main" xmlns:r="http://schemas.openxmlformats.org/officeDocument/2006/relationships" xmlns:p="http://schemas.openxmlformats.org/presentationml/2006/main">
   <p:cSld>
     <p:spTree>
@@ -22927,7 +23313,7 @@
 </p:sld>
 </file>
 
-<file path=ppt/slides/slide42.xml><?xml version="1.0" encoding="utf-8"?>
+<file path=ppt/slides/slide43.xml><?xml version="1.0" encoding="utf-8"?>
 <p:sld xmlns:a="http://schemas.openxmlformats.org/drawingml/2006/main" xmlns:r="http://schemas.openxmlformats.org/officeDocument/2006/relationships" xmlns:p="http://schemas.openxmlformats.org/presentationml/2006/main">
   <p:cSld>
     <p:spTree>
@@ -23831,7 +24217,7 @@
 </p:sld>
 </file>
 
-<file path=ppt/slides/slide43.xml><?xml version="1.0" encoding="utf-8"?>
+<file path=ppt/slides/slide44.xml><?xml version="1.0" encoding="utf-8"?>
 <p:sld xmlns:a="http://schemas.openxmlformats.org/drawingml/2006/main" xmlns:r="http://schemas.openxmlformats.org/officeDocument/2006/relationships" xmlns:p="http://schemas.openxmlformats.org/presentationml/2006/main">
   <p:cSld>
     <p:spTree>
@@ -24500,7 +24886,7 @@
 </p:sld>
 </file>
 
-<file path=ppt/slides/slide44.xml><?xml version="1.0" encoding="utf-8"?>
+<file path=ppt/slides/slide45.xml><?xml version="1.0" encoding="utf-8"?>
 <p:sld xmlns:a="http://schemas.openxmlformats.org/drawingml/2006/main" xmlns:r="http://schemas.openxmlformats.org/officeDocument/2006/relationships" xmlns:p="http://schemas.openxmlformats.org/presentationml/2006/main">
   <p:cSld>
     <p:spTree>
@@ -24872,7 +25258,7 @@
 </p:sld>
 </file>
 
-<file path=ppt/slides/slide45.xml><?xml version="1.0" encoding="utf-8"?>
+<file path=ppt/slides/slide46.xml><?xml version="1.0" encoding="utf-8"?>
 <p:sld xmlns:a="http://schemas.openxmlformats.org/drawingml/2006/main" xmlns:r="http://schemas.openxmlformats.org/officeDocument/2006/relationships" xmlns:p="http://schemas.openxmlformats.org/presentationml/2006/main">
   <p:cSld>
     <p:spTree>
@@ -25423,7 +25809,7 @@
 </p:sld>
 </file>
 
-<file path=ppt/slides/slide46.xml><?xml version="1.0" encoding="utf-8"?>
+<file path=ppt/slides/slide47.xml><?xml version="1.0" encoding="utf-8"?>
 <p:sld xmlns:a="http://schemas.openxmlformats.org/drawingml/2006/main" xmlns:r="http://schemas.openxmlformats.org/officeDocument/2006/relationships" xmlns:p="http://schemas.openxmlformats.org/presentationml/2006/main">
   <p:cSld>
     <p:spTree>
@@ -26141,7 +26527,7 @@
 </p:sld>
 </file>
 
-<file path=ppt/slides/slide47.xml><?xml version="1.0" encoding="utf-8"?>
+<file path=ppt/slides/slide48.xml><?xml version="1.0" encoding="utf-8"?>
 <p:sld xmlns:a="http://schemas.openxmlformats.org/drawingml/2006/main" xmlns:r="http://schemas.openxmlformats.org/officeDocument/2006/relationships" xmlns:p="http://schemas.openxmlformats.org/presentationml/2006/main">
   <p:cSld>
     <p:spTree>
@@ -26260,13 +26646,7 @@
                       <a:rPr lang="en-US">
                         <a:latin typeface="Cambria Math" panose="02040503050406030204" pitchFamily="18" charset="0"/>
                       </a:rPr>
-                      <m:t>/</m:t>
-                    </m:r>
-                    <m:r>
-                      <a:rPr lang="en-US">
-                        <a:latin typeface="Cambria Math" panose="02040503050406030204" pitchFamily="18" charset="0"/>
-                      </a:rPr>
-                      <m:t>2</m:t>
+                      <m:t>/2</m:t>
                     </m:r>
                   </m:oMath>
                 </a14:m>
@@ -26321,19 +26701,7 @@
                       <a:rPr lang="en-US" b="0" i="0" smtClean="0">
                         <a:latin typeface="Cambria Math" panose="02040503050406030204" pitchFamily="18" charset="0"/>
                       </a:rPr>
-                      <m:t>1</m:t>
-                    </m:r>
-                    <m:r>
-                      <a:rPr lang="en-US" b="0" i="0" smtClean="0">
-                        <a:latin typeface="Cambria Math" panose="02040503050406030204" pitchFamily="18" charset="0"/>
-                      </a:rPr>
-                      <m:t>.</m:t>
-                    </m:r>
-                    <m:r>
-                      <a:rPr lang="en-US" b="0" i="0" smtClean="0">
-                        <a:latin typeface="Cambria Math" panose="02040503050406030204" pitchFamily="18" charset="0"/>
-                      </a:rPr>
-                      <m:t>0</m:t>
+                      <m:t>1.0</m:t>
                     </m:r>
                   </m:oMath>
                 </a14:m>
@@ -27225,7 +27593,7 @@
 </p:sld>
 </file>
 
-<file path=ppt/slides/slide48.xml><?xml version="1.0" encoding="utf-8"?>
+<file path=ppt/slides/slide49.xml><?xml version="1.0" encoding="utf-8"?>
 <p:sld xmlns:a="http://schemas.openxmlformats.org/drawingml/2006/main" xmlns:r="http://schemas.openxmlformats.org/officeDocument/2006/relationships" xmlns:p="http://schemas.openxmlformats.org/presentationml/2006/main">
   <p:cSld>
     <p:spTree>
@@ -27712,7 +28080,71 @@
 </p:sld>
 </file>
 
-<file path=ppt/slides/slide49.xml><?xml version="1.0" encoding="utf-8"?>
+<file path=ppt/slides/slide5.xml><?xml version="1.0" encoding="utf-8"?>
+<p:sld xmlns:a="http://schemas.openxmlformats.org/drawingml/2006/main" xmlns:r="http://schemas.openxmlformats.org/officeDocument/2006/relationships" xmlns:p="http://schemas.openxmlformats.org/presentationml/2006/main">
+  <p:cSld>
+    <p:spTree>
+      <p:nvGrpSpPr>
+        <p:cNvPr id="1" name=""/>
+        <p:cNvGrpSpPr/>
+        <p:nvPr/>
+      </p:nvGrpSpPr>
+      <p:grpSpPr>
+        <a:xfrm>
+          <a:off x="0" y="0"/>
+          <a:ext cx="0" cy="0"/>
+          <a:chOff x="0" y="0"/>
+          <a:chExt cx="0" cy="0"/>
+        </a:xfrm>
+      </p:grpSpPr>
+      <p:sp>
+        <p:nvSpPr>
+          <p:cNvPr id="2" name="Title 1">
+            <a:extLst>
+              <a:ext uri="{FF2B5EF4-FFF2-40B4-BE49-F238E27FC236}">
+                <a16:creationId xmlns:a16="http://schemas.microsoft.com/office/drawing/2014/main" id="{5498C255-8488-A6BF-D8CF-6C0F8BDB00EA}"/>
+              </a:ext>
+            </a:extLst>
+          </p:cNvPr>
+          <p:cNvSpPr>
+            <a:spLocks noGrp="1"/>
+          </p:cNvSpPr>
+          <p:nvPr>
+            <p:ph type="title"/>
+          </p:nvPr>
+        </p:nvSpPr>
+        <p:spPr>
+          <a:xfrm>
+            <a:off x="771081" y="1850264"/>
+            <a:ext cx="7772400" cy="1021556"/>
+          </a:xfrm>
+        </p:spPr>
+        <p:txBody>
+          <a:bodyPr/>
+          <a:lstStyle/>
+          <a:p>
+            <a:pPr algn="ctr"/>
+            <a:r>
+              <a:rPr lang="en-US" b="0" cap="none" dirty="0"/>
+              <a:t>Models for Zero-Inflated Response</a:t>
+            </a:r>
+          </a:p>
+        </p:txBody>
+      </p:sp>
+    </p:spTree>
+    <p:extLst>
+      <p:ext uri="{BB962C8B-B14F-4D97-AF65-F5344CB8AC3E}">
+        <p14:creationId xmlns:p14="http://schemas.microsoft.com/office/powerpoint/2010/main" val="3761794938"/>
+      </p:ext>
+    </p:extLst>
+  </p:cSld>
+  <p:clrMapOvr>
+    <a:masterClrMapping/>
+  </p:clrMapOvr>
+</p:sld>
+</file>
+
+<file path=ppt/slides/slide50.xml><?xml version="1.0" encoding="utf-8"?>
 <p:sld xmlns:a="http://schemas.openxmlformats.org/drawingml/2006/main" xmlns:r="http://schemas.openxmlformats.org/officeDocument/2006/relationships" xmlns:p="http://schemas.openxmlformats.org/presentationml/2006/main">
   <p:cSld>
     <p:spTree>
@@ -28775,71 +29207,7 @@
 </p:sld>
 </file>
 
-<file path=ppt/slides/slide5.xml><?xml version="1.0" encoding="utf-8"?>
-<p:sld xmlns:a="http://schemas.openxmlformats.org/drawingml/2006/main" xmlns:r="http://schemas.openxmlformats.org/officeDocument/2006/relationships" xmlns:p="http://schemas.openxmlformats.org/presentationml/2006/main">
-  <p:cSld>
-    <p:spTree>
-      <p:nvGrpSpPr>
-        <p:cNvPr id="1" name=""/>
-        <p:cNvGrpSpPr/>
-        <p:nvPr/>
-      </p:nvGrpSpPr>
-      <p:grpSpPr>
-        <a:xfrm>
-          <a:off x="0" y="0"/>
-          <a:ext cx="0" cy="0"/>
-          <a:chOff x="0" y="0"/>
-          <a:chExt cx="0" cy="0"/>
-        </a:xfrm>
-      </p:grpSpPr>
-      <p:sp>
-        <p:nvSpPr>
-          <p:cNvPr id="2" name="Title 1">
-            <a:extLst>
-              <a:ext uri="{FF2B5EF4-FFF2-40B4-BE49-F238E27FC236}">
-                <a16:creationId xmlns:a16="http://schemas.microsoft.com/office/drawing/2014/main" id="{5498C255-8488-A6BF-D8CF-6C0F8BDB00EA}"/>
-              </a:ext>
-            </a:extLst>
-          </p:cNvPr>
-          <p:cNvSpPr>
-            <a:spLocks noGrp="1"/>
-          </p:cNvSpPr>
-          <p:nvPr>
-            <p:ph type="title"/>
-          </p:nvPr>
-        </p:nvSpPr>
-        <p:spPr>
-          <a:xfrm>
-            <a:off x="771081" y="1850264"/>
-            <a:ext cx="7772400" cy="1021556"/>
-          </a:xfrm>
-        </p:spPr>
-        <p:txBody>
-          <a:bodyPr/>
-          <a:lstStyle/>
-          <a:p>
-            <a:pPr algn="ctr"/>
-            <a:r>
-              <a:rPr lang="en-US" b="0" cap="none" dirty="0"/>
-              <a:t>Models for Zero-Inflated Response</a:t>
-            </a:r>
-          </a:p>
-        </p:txBody>
-      </p:sp>
-    </p:spTree>
-    <p:extLst>
-      <p:ext uri="{BB962C8B-B14F-4D97-AF65-F5344CB8AC3E}">
-        <p14:creationId xmlns:p14="http://schemas.microsoft.com/office/powerpoint/2010/main" val="3761794938"/>
-      </p:ext>
-    </p:extLst>
-  </p:cSld>
-  <p:clrMapOvr>
-    <a:masterClrMapping/>
-  </p:clrMapOvr>
-</p:sld>
-</file>
-
-<file path=ppt/slides/slide50.xml><?xml version="1.0" encoding="utf-8"?>
+<file path=ppt/slides/slide51.xml><?xml version="1.0" encoding="utf-8"?>
 <p:sld xmlns:a="http://schemas.openxmlformats.org/drawingml/2006/main" xmlns:r="http://schemas.openxmlformats.org/officeDocument/2006/relationships" xmlns:p="http://schemas.openxmlformats.org/presentationml/2006/main">
   <p:cSld>
     <p:spTree>
@@ -29804,7 +30172,7 @@
 </p:sld>
 </file>
 
-<file path=ppt/slides/slide51.xml><?xml version="1.0" encoding="utf-8"?>
+<file path=ppt/slides/slide52.xml><?xml version="1.0" encoding="utf-8"?>
 <p:sld xmlns:a="http://schemas.openxmlformats.org/drawingml/2006/main" xmlns:r="http://schemas.openxmlformats.org/officeDocument/2006/relationships" xmlns:p="http://schemas.openxmlformats.org/presentationml/2006/main">
   <p:cSld>
     <p:spTree>
@@ -30157,7 +30525,7 @@
 </p:sld>
 </file>
 
-<file path=ppt/slides/slide52.xml><?xml version="1.0" encoding="utf-8"?>
+<file path=ppt/slides/slide53.xml><?xml version="1.0" encoding="utf-8"?>
 <p:sld xmlns:a="http://schemas.openxmlformats.org/drawingml/2006/main" xmlns:r="http://schemas.openxmlformats.org/officeDocument/2006/relationships" xmlns:p="http://schemas.openxmlformats.org/presentationml/2006/main">
   <p:cSld>
     <p:spTree>
@@ -30713,7 +31081,7 @@
 </p:sld>
 </file>
 
-<file path=ppt/slides/slide53.xml><?xml version="1.0" encoding="utf-8"?>
+<file path=ppt/slides/slide54.xml><?xml version="1.0" encoding="utf-8"?>
 <p:sld xmlns:a="http://schemas.openxmlformats.org/drawingml/2006/main" xmlns:r="http://schemas.openxmlformats.org/officeDocument/2006/relationships" xmlns:p="http://schemas.openxmlformats.org/presentationml/2006/main">
   <p:cSld>
     <p:spTree>
@@ -31327,7 +31695,7 @@
 </p:sld>
 </file>
 
-<file path=ppt/slides/slide54.xml><?xml version="1.0" encoding="utf-8"?>
+<file path=ppt/slides/slide55.xml><?xml version="1.0" encoding="utf-8"?>
 <p:sld xmlns:a="http://schemas.openxmlformats.org/drawingml/2006/main" xmlns:r="http://schemas.openxmlformats.org/officeDocument/2006/relationships" xmlns:p="http://schemas.openxmlformats.org/presentationml/2006/main">
   <p:cSld>
     <p:spTree>
@@ -32032,7 +32400,7 @@
 </p:sld>
 </file>
 
-<file path=ppt/slides/slide55.xml><?xml version="1.0" encoding="utf-8"?>
+<file path=ppt/slides/slide56.xml><?xml version="1.0" encoding="utf-8"?>
 <p:sld xmlns:a="http://schemas.openxmlformats.org/drawingml/2006/main" xmlns:r="http://schemas.openxmlformats.org/officeDocument/2006/relationships" xmlns:p="http://schemas.openxmlformats.org/presentationml/2006/main">
   <p:cSld>
     <p:spTree>
@@ -33674,8 +34042,8 @@
           </a:p>
         </p:txBody>
       </p:sp>
-      <mc:AlternateContent xmlns:mc="http://schemas.openxmlformats.org/markup-compatibility/2006">
-        <mc:Choice xmlns:a14="http://schemas.microsoft.com/office/drawing/2010/main" Requires="a14">
+      <mc:AlternateContent xmlns:mc="http://schemas.openxmlformats.org/markup-compatibility/2006" xmlns:a14="http://schemas.microsoft.com/office/drawing/2010/main">
+        <mc:Choice Requires="a14">
           <p:sp>
             <p:nvSpPr>
               <p:cNvPr id="3" name="Content Placeholder 2">
@@ -33954,13 +34322,7 @@
                                   <a:rPr lang="en-US" i="1">
                                     <a:latin typeface="Cambria Math" panose="02040503050406030204" pitchFamily="18" charset="0"/>
                                   </a:rPr>
-                                  <m:t>=</m:t>
-                                </m:r>
-                                <m:r>
-                                  <a:rPr lang="en-US" i="1">
-                                    <a:latin typeface="Cambria Math" panose="02040503050406030204" pitchFamily="18" charset="0"/>
-                                  </a:rPr>
-                                  <m:t>0</m:t>
+                                  <m:t>=0</m:t>
                                 </m:r>
                               </m:e>
                             </m:d>
@@ -34002,14 +34364,7 @@
                                     <a:latin typeface="Cambria Math" panose="02040503050406030204" pitchFamily="18" charset="0"/>
                                     <a:ea typeface="Cambria Math" panose="02040503050406030204" pitchFamily="18" charset="0"/>
                                   </a:rPr>
-                                  <m:t>1</m:t>
-                                </m:r>
-                                <m:r>
-                                  <a:rPr lang="en-US" i="1">
-                                    <a:latin typeface="Cambria Math" panose="02040503050406030204" pitchFamily="18" charset="0"/>
-                                    <a:ea typeface="Cambria Math" panose="02040503050406030204" pitchFamily="18" charset="0"/>
-                                  </a:rPr>
-                                  <m:t>−</m:t>
+                                  <m:t>1−</m:t>
                                 </m:r>
                                 <m:r>
                                   <a:rPr lang="en-US" i="1">
@@ -34064,13 +34419,7 @@
                                   <a:rPr lang="en-US" b="0" i="1" smtClean="0">
                                     <a:latin typeface="Cambria Math" panose="02040503050406030204" pitchFamily="18" charset="0"/>
                                   </a:rPr>
-                                  <m:t>0</m:t>
-                                </m:r>
-                                <m:r>
-                                  <a:rPr lang="en-US" b="0" i="1" smtClean="0">
-                                    <a:latin typeface="Cambria Math" panose="02040503050406030204" pitchFamily="18" charset="0"/>
-                                  </a:rPr>
-                                  <m:t> | </m:t>
+                                  <m:t>0 | </m:t>
                                 </m:r>
                                 <m:r>
                                   <a:rPr lang="en-US" i="1">
@@ -34140,6 +34489,20 @@
                                     </m:r>
                                   </m:sub>
                                 </m:sSub>
+                                <m:r>
+                                  <a:rPr lang="en-US" i="1" smtClean="0">
+                                    <a:latin typeface="Cambria Math" panose="02040503050406030204" pitchFamily="18" charset="0"/>
+                                    <a:ea typeface="Cambria Math" panose="02040503050406030204" pitchFamily="18" charset="0"/>
+                                  </a:rPr>
+                                  <m:t>&gt;</m:t>
+                                </m:r>
+                                <m:r>
+                                  <a:rPr lang="en-US" b="0" i="1" smtClean="0">
+                                    <a:latin typeface="Cambria Math" panose="02040503050406030204" pitchFamily="18" charset="0"/>
+                                    <a:ea typeface="Cambria Math" panose="02040503050406030204" pitchFamily="18" charset="0"/>
+                                  </a:rPr>
+                                  <m:t>0</m:t>
+                                </m:r>
                               </m:e>
                             </m:d>
                             <m:r>
@@ -34166,14 +34529,7 @@
                                     <a:latin typeface="Cambria Math" panose="02040503050406030204" pitchFamily="18" charset="0"/>
                                     <a:ea typeface="Cambria Math" panose="02040503050406030204" pitchFamily="18" charset="0"/>
                                   </a:rPr>
-                                  <m:t>1</m:t>
-                                </m:r>
-                                <m:r>
-                                  <a:rPr lang="en-US" i="1">
-                                    <a:latin typeface="Cambria Math" panose="02040503050406030204" pitchFamily="18" charset="0"/>
-                                    <a:ea typeface="Cambria Math" panose="02040503050406030204" pitchFamily="18" charset="0"/>
-                                  </a:rPr>
-                                  <m:t>−</m:t>
+                                  <m:t>1−</m:t>
                                 </m:r>
                                 <m:r>
                                   <a:rPr lang="en-US" i="1">
@@ -34286,7 +34642,7 @@
             </p:txBody>
           </p:sp>
         </mc:Choice>
-        <mc:Fallback>
+        <mc:Fallback xmlns="">
           <p:sp>
             <p:nvSpPr>
               <p:cNvPr id="3" name="Content Placeholder 2">
@@ -34569,15 +34925,33 @@
                                   </p:childTnLst>
                                 </p:cTn>
                               </p:par>
+                            </p:childTnLst>
+                          </p:cTn>
+                        </p:par>
+                      </p:childTnLst>
+                    </p:cTn>
+                  </p:par>
+                  <p:par>
+                    <p:cTn id="21" fill="hold">
+                      <p:stCondLst>
+                        <p:cond delay="indefinite"/>
+                      </p:stCondLst>
+                      <p:childTnLst>
+                        <p:par>
+                          <p:cTn id="22" fill="hold">
+                            <p:stCondLst>
+                              <p:cond delay="0"/>
+                            </p:stCondLst>
+                            <p:childTnLst>
                               <p:par>
-                                <p:cTn id="21" presetID="1" presetClass="entr" presetSubtype="0" fill="hold" grpId="0" nodeType="withEffect">
+                                <p:cTn id="23" presetID="1" presetClass="entr" presetSubtype="0" fill="hold" grpId="0" nodeType="clickEffect">
                                   <p:stCondLst>
                                     <p:cond delay="0"/>
                                   </p:stCondLst>
                                   <p:childTnLst>
                                     <p:set>
                                       <p:cBhvr>
-                                        <p:cTn id="22" dur="1" fill="hold">
+                                        <p:cTn id="24" dur="1" fill="hold">
                                           <p:stCondLst>
                                             <p:cond delay="0"/>
                                           </p:stCondLst>
@@ -34601,14 +34975,14 @@
                                 </p:cTn>
                               </p:par>
                               <p:par>
-                                <p:cTn id="23" presetID="1" presetClass="entr" presetSubtype="0" fill="hold" grpId="0" nodeType="withEffect">
+                                <p:cTn id="25" presetID="1" presetClass="entr" presetSubtype="0" fill="hold" grpId="0" nodeType="withEffect">
                                   <p:stCondLst>
                                     <p:cond delay="0"/>
                                   </p:stCondLst>
                                   <p:childTnLst>
                                     <p:set>
                                       <p:cBhvr>
-                                        <p:cTn id="24" dur="1" fill="hold">
+                                        <p:cTn id="26" dur="1" fill="hold">
                                           <p:stCondLst>
                                             <p:cond delay="0"/>
                                           </p:stCondLst>
